--- a/An easy to use RPC framework implemented by c++11 and c++14.pptx
+++ b/An easy to use RPC framework implemented by c++11 and c++14.pptx
@@ -5,7 +5,7 @@
     <p:sldMasterId id="2147483660" r:id="rId1"/>
   </p:sldMasterIdLst>
   <p:notesMasterIdLst>
-    <p:notesMasterId r:id="rId64"/>
+    <p:notesMasterId r:id="rId65"/>
   </p:notesMasterIdLst>
   <p:sldIdLst>
     <p:sldId id="256" r:id="rId2"/>
@@ -14,62 +14,63 @@
     <p:sldId id="320" r:id="rId5"/>
     <p:sldId id="258" r:id="rId6"/>
     <p:sldId id="268" r:id="rId7"/>
-    <p:sldId id="267" r:id="rId8"/>
-    <p:sldId id="269" r:id="rId9"/>
-    <p:sldId id="270" r:id="rId10"/>
-    <p:sldId id="259" r:id="rId11"/>
-    <p:sldId id="271" r:id="rId12"/>
-    <p:sldId id="274" r:id="rId13"/>
-    <p:sldId id="260" r:id="rId14"/>
-    <p:sldId id="275" r:id="rId15"/>
-    <p:sldId id="276" r:id="rId16"/>
-    <p:sldId id="277" r:id="rId17"/>
-    <p:sldId id="278" r:id="rId18"/>
-    <p:sldId id="279" r:id="rId19"/>
-    <p:sldId id="280" r:id="rId20"/>
-    <p:sldId id="281" r:id="rId21"/>
-    <p:sldId id="282" r:id="rId22"/>
-    <p:sldId id="283" r:id="rId23"/>
-    <p:sldId id="284" r:id="rId24"/>
-    <p:sldId id="285" r:id="rId25"/>
-    <p:sldId id="287" r:id="rId26"/>
-    <p:sldId id="289" r:id="rId27"/>
-    <p:sldId id="286" r:id="rId28"/>
-    <p:sldId id="290" r:id="rId29"/>
-    <p:sldId id="291" r:id="rId30"/>
-    <p:sldId id="293" r:id="rId31"/>
-    <p:sldId id="294" r:id="rId32"/>
-    <p:sldId id="296" r:id="rId33"/>
-    <p:sldId id="297" r:id="rId34"/>
-    <p:sldId id="292" r:id="rId35"/>
-    <p:sldId id="295" r:id="rId36"/>
-    <p:sldId id="298" r:id="rId37"/>
-    <p:sldId id="300" r:id="rId38"/>
-    <p:sldId id="305" r:id="rId39"/>
-    <p:sldId id="288" r:id="rId40"/>
-    <p:sldId id="319" r:id="rId41"/>
-    <p:sldId id="306" r:id="rId42"/>
-    <p:sldId id="299" r:id="rId43"/>
-    <p:sldId id="304" r:id="rId44"/>
-    <p:sldId id="303" r:id="rId45"/>
-    <p:sldId id="307" r:id="rId46"/>
-    <p:sldId id="302" r:id="rId47"/>
-    <p:sldId id="308" r:id="rId48"/>
-    <p:sldId id="309" r:id="rId49"/>
-    <p:sldId id="310" r:id="rId50"/>
-    <p:sldId id="311" r:id="rId51"/>
-    <p:sldId id="312" r:id="rId52"/>
-    <p:sldId id="313" r:id="rId53"/>
-    <p:sldId id="314" r:id="rId54"/>
-    <p:sldId id="315" r:id="rId55"/>
-    <p:sldId id="261" r:id="rId56"/>
-    <p:sldId id="316" r:id="rId57"/>
-    <p:sldId id="317" r:id="rId58"/>
-    <p:sldId id="318" r:id="rId59"/>
-    <p:sldId id="262" r:id="rId60"/>
-    <p:sldId id="301" r:id="rId61"/>
-    <p:sldId id="263" r:id="rId62"/>
-    <p:sldId id="264" r:id="rId63"/>
+    <p:sldId id="321" r:id="rId8"/>
+    <p:sldId id="267" r:id="rId9"/>
+    <p:sldId id="269" r:id="rId10"/>
+    <p:sldId id="270" r:id="rId11"/>
+    <p:sldId id="259" r:id="rId12"/>
+    <p:sldId id="271" r:id="rId13"/>
+    <p:sldId id="274" r:id="rId14"/>
+    <p:sldId id="260" r:id="rId15"/>
+    <p:sldId id="275" r:id="rId16"/>
+    <p:sldId id="276" r:id="rId17"/>
+    <p:sldId id="277" r:id="rId18"/>
+    <p:sldId id="278" r:id="rId19"/>
+    <p:sldId id="279" r:id="rId20"/>
+    <p:sldId id="280" r:id="rId21"/>
+    <p:sldId id="281" r:id="rId22"/>
+    <p:sldId id="282" r:id="rId23"/>
+    <p:sldId id="283" r:id="rId24"/>
+    <p:sldId id="284" r:id="rId25"/>
+    <p:sldId id="285" r:id="rId26"/>
+    <p:sldId id="287" r:id="rId27"/>
+    <p:sldId id="289" r:id="rId28"/>
+    <p:sldId id="286" r:id="rId29"/>
+    <p:sldId id="290" r:id="rId30"/>
+    <p:sldId id="291" r:id="rId31"/>
+    <p:sldId id="293" r:id="rId32"/>
+    <p:sldId id="294" r:id="rId33"/>
+    <p:sldId id="296" r:id="rId34"/>
+    <p:sldId id="297" r:id="rId35"/>
+    <p:sldId id="292" r:id="rId36"/>
+    <p:sldId id="295" r:id="rId37"/>
+    <p:sldId id="298" r:id="rId38"/>
+    <p:sldId id="300" r:id="rId39"/>
+    <p:sldId id="305" r:id="rId40"/>
+    <p:sldId id="288" r:id="rId41"/>
+    <p:sldId id="319" r:id="rId42"/>
+    <p:sldId id="306" r:id="rId43"/>
+    <p:sldId id="299" r:id="rId44"/>
+    <p:sldId id="304" r:id="rId45"/>
+    <p:sldId id="303" r:id="rId46"/>
+    <p:sldId id="307" r:id="rId47"/>
+    <p:sldId id="302" r:id="rId48"/>
+    <p:sldId id="308" r:id="rId49"/>
+    <p:sldId id="309" r:id="rId50"/>
+    <p:sldId id="310" r:id="rId51"/>
+    <p:sldId id="311" r:id="rId52"/>
+    <p:sldId id="312" r:id="rId53"/>
+    <p:sldId id="313" r:id="rId54"/>
+    <p:sldId id="314" r:id="rId55"/>
+    <p:sldId id="315" r:id="rId56"/>
+    <p:sldId id="261" r:id="rId57"/>
+    <p:sldId id="316" r:id="rId58"/>
+    <p:sldId id="317" r:id="rId59"/>
+    <p:sldId id="318" r:id="rId60"/>
+    <p:sldId id="262" r:id="rId61"/>
+    <p:sldId id="301" r:id="rId62"/>
+    <p:sldId id="263" r:id="rId63"/>
+    <p:sldId id="264" r:id="rId64"/>
   </p:sldIdLst>
   <p:sldSz cx="9144000" cy="6858000" type="screen4x3"/>
   <p:notesSz cx="6858000" cy="9144000"/>
@@ -585,7 +586,23 @@
           <a:p>
             <a:r>
               <a:rPr lang="en-US" altLang="zh-CN" dirty="0" smtClean="0"/>
-              <a:t>Let’s look at the picture</a:t>
+              <a:t>Today </a:t>
+            </a:r>
+            <a:r>
+              <a:rPr lang="en-US" altLang="zh-CN" dirty="0" err="1" smtClean="0"/>
+              <a:t>i</a:t>
+            </a:r>
+            <a:r>
+              <a:rPr lang="en-US" altLang="zh-CN" dirty="0" smtClean="0"/>
+              <a:t> want to introduce </a:t>
+            </a:r>
+            <a:r>
+              <a:rPr lang="en-US" altLang="zh-CN" dirty="0" err="1" smtClean="0"/>
+              <a:t>rest_rpc</a:t>
+            </a:r>
+            <a:r>
+              <a:rPr lang="en-US" altLang="zh-CN" dirty="0" smtClean="0"/>
+              <a:t>, a new approach to RPC libraries that shows off the power of modern C++. </a:t>
             </a:r>
             <a:endParaRPr lang="zh-CN" altLang="en-US" dirty="0"/>
           </a:p>
@@ -609,7 +626,7 @@
             <a:fld id="{D907BE37-B124-4F9F-8F7E-44B90AC375A6}" type="slidenum">
               <a:rPr lang="zh-CN" altLang="en-US" smtClean="0"/>
               <a:pPr/>
-              <a:t>3</a:t>
+              <a:t>1</a:t>
             </a:fld>
             <a:endParaRPr lang="zh-CN" altLang="en-US"/>
           </a:p>
@@ -618,7 +635,7 @@
     </p:spTree>
     <p:extLst>
       <p:ext uri="{BB962C8B-B14F-4D97-AF65-F5344CB8AC3E}">
-        <p14:creationId xmlns:p14="http://schemas.microsoft.com/office/powerpoint/2010/main" val="871625989"/>
+        <p14:creationId xmlns:p14="http://schemas.microsoft.com/office/powerpoint/2010/main" val="1280348669"/>
       </p:ext>
     </p:extLst>
   </p:cSld>
@@ -674,41 +691,7 @@
           <a:p>
             <a:r>
               <a:rPr lang="en-US" altLang="zh-CN" dirty="0" smtClean="0"/>
-              <a:t>This picture shows some details of a complete RPC call</a:t>
-            </a:r>
-            <a:r>
-              <a:rPr lang="en-US" altLang="zh-CN" baseline="0" dirty="0" smtClean="0"/>
-              <a:t> process. Firstly, the client send a RPC request which contains procedure name and arguments to the server. Secondly the server parses the request and routes to the right procedure, and then executes the procedure, at last return the result to the client.</a:t>
-            </a:r>
-          </a:p>
-          <a:p>
-            <a:r>
-              <a:rPr lang="en-US" altLang="zh-CN" dirty="0" smtClean="0"/>
-              <a:t>I think most people got the perceptual knowledge of</a:t>
-            </a:r>
-            <a:r>
-              <a:rPr lang="en-US" altLang="zh-CN" baseline="0" dirty="0" smtClean="0"/>
-              <a:t> RPC. Next </a:t>
-            </a:r>
-            <a:r>
-              <a:rPr lang="en-US" altLang="zh-CN" baseline="0" dirty="0" err="1" smtClean="0"/>
-              <a:t>i</a:t>
-            </a:r>
-            <a:r>
-              <a:rPr lang="en-US" altLang="zh-CN" baseline="0" dirty="0" smtClean="0"/>
-              <a:t> will introduce a concrete RPC library </a:t>
-            </a:r>
-            <a:r>
-              <a:rPr lang="en-US" altLang="zh-CN" baseline="0" dirty="0" err="1" smtClean="0"/>
-              <a:t>rest_rpc</a:t>
-            </a:r>
-            <a:r>
-              <a:rPr lang="en-US" altLang="zh-CN" baseline="0" dirty="0" smtClean="0"/>
-              <a:t>. </a:t>
-            </a:r>
-            <a:r>
-              <a:rPr lang="en-US" altLang="zh-CN" dirty="0" smtClean="0"/>
-              <a:t> I will tell you challenges and technical details of how to implement an easy to use RPC library.</a:t>
+              <a:t>Let’s look at the picture</a:t>
             </a:r>
             <a:endParaRPr lang="zh-CN" altLang="en-US" dirty="0"/>
           </a:p>
@@ -732,6 +715,137 @@
             <a:fld id="{D907BE37-B124-4F9F-8F7E-44B90AC375A6}" type="slidenum">
               <a:rPr lang="zh-CN" altLang="en-US" smtClean="0"/>
               <a:pPr/>
+              <a:t>3</a:t>
+            </a:fld>
+            <a:endParaRPr lang="zh-CN" altLang="en-US"/>
+          </a:p>
+        </p:txBody>
+      </p:sp>
+    </p:spTree>
+    <p:extLst>
+      <p:ext uri="{BB962C8B-B14F-4D97-AF65-F5344CB8AC3E}">
+        <p14:creationId xmlns:p14="http://schemas.microsoft.com/office/powerpoint/2010/main" val="871625989"/>
+      </p:ext>
+    </p:extLst>
+  </p:cSld>
+  <p:clrMapOvr>
+    <a:masterClrMapping/>
+  </p:clrMapOvr>
+</p:notes>
+</file>
+
+<file path=ppt/notesSlides/notesSlide3.xml><?xml version="1.0" encoding="utf-8"?>
+<p:notes xmlns:a="http://schemas.openxmlformats.org/drawingml/2006/main" xmlns:r="http://schemas.openxmlformats.org/officeDocument/2006/relationships" xmlns:p="http://schemas.openxmlformats.org/presentationml/2006/main">
+  <p:cSld>
+    <p:spTree>
+      <p:nvGrpSpPr>
+        <p:cNvPr id="1" name=""/>
+        <p:cNvGrpSpPr/>
+        <p:nvPr/>
+      </p:nvGrpSpPr>
+      <p:grpSpPr>
+        <a:xfrm>
+          <a:off x="0" y="0"/>
+          <a:ext cx="0" cy="0"/>
+          <a:chOff x="0" y="0"/>
+          <a:chExt cx="0" cy="0"/>
+        </a:xfrm>
+      </p:grpSpPr>
+      <p:sp>
+        <p:nvSpPr>
+          <p:cNvPr id="2" name="幻灯片图像占位符 1"/>
+          <p:cNvSpPr>
+            <a:spLocks noGrp="1" noRot="1" noChangeAspect="1"/>
+          </p:cNvSpPr>
+          <p:nvPr>
+            <p:ph type="sldImg"/>
+          </p:nvPr>
+        </p:nvSpPr>
+        <p:spPr/>
+      </p:sp>
+      <p:sp>
+        <p:nvSpPr>
+          <p:cNvPr id="3" name="备注占位符 2"/>
+          <p:cNvSpPr>
+            <a:spLocks noGrp="1"/>
+          </p:cNvSpPr>
+          <p:nvPr>
+            <p:ph type="body" idx="1"/>
+          </p:nvPr>
+        </p:nvSpPr>
+        <p:spPr/>
+        <p:txBody>
+          <a:bodyPr/>
+          <a:lstStyle/>
+          <a:p>
+            <a:r>
+              <a:rPr lang="en-US" altLang="zh-CN" dirty="0" smtClean="0"/>
+              <a:t>This picture shows some details of a complete RPC call</a:t>
+            </a:r>
+            <a:r>
+              <a:rPr lang="en-US" altLang="zh-CN" baseline="0" dirty="0" smtClean="0"/>
+              <a:t> process. Firstly, the client send a RPC request which contains procedure name and arguments to the server. Secondly the server parses the request and routes to the right procedure, and then executes the procedure, at last return the result to the client.</a:t>
+            </a:r>
+          </a:p>
+          <a:p>
+            <a:r>
+              <a:rPr lang="en-US" altLang="zh-CN" dirty="0" smtClean="0"/>
+              <a:t>I think most people got the perceptual knowledge of</a:t>
+            </a:r>
+            <a:r>
+              <a:rPr lang="en-US" altLang="zh-CN" baseline="0" dirty="0" smtClean="0"/>
+              <a:t> RPC. Next </a:t>
+            </a:r>
+            <a:r>
+              <a:rPr lang="en-US" altLang="zh-CN" baseline="0" dirty="0" err="1" smtClean="0"/>
+              <a:t>i</a:t>
+            </a:r>
+            <a:r>
+              <a:rPr lang="en-US" altLang="zh-CN" baseline="0" dirty="0" smtClean="0"/>
+              <a:t> will introduce a concrete RPC library </a:t>
+            </a:r>
+            <a:r>
+              <a:rPr lang="en-US" altLang="zh-CN" baseline="0" dirty="0" err="1" smtClean="0"/>
+              <a:t>rest_rpc</a:t>
+            </a:r>
+            <a:r>
+              <a:rPr lang="en-US" altLang="zh-CN" baseline="0" dirty="0" smtClean="0"/>
+              <a:t>. </a:t>
+            </a:r>
+            <a:r>
+              <a:rPr lang="en-US" altLang="zh-CN" dirty="0" smtClean="0"/>
+              <a:t> I will </a:t>
+            </a:r>
+            <a:r>
+              <a:rPr lang="en-US" altLang="zh-CN" dirty="0" smtClean="0"/>
+              <a:t>discuss the challenges </a:t>
+            </a:r>
+            <a:r>
+              <a:rPr lang="en-US" altLang="zh-CN" dirty="0" smtClean="0"/>
+              <a:t>and technical details of how to implement an easy to use RPC library.</a:t>
+            </a:r>
+            <a:endParaRPr lang="zh-CN" altLang="en-US" dirty="0"/>
+          </a:p>
+        </p:txBody>
+      </p:sp>
+      <p:sp>
+        <p:nvSpPr>
+          <p:cNvPr id="4" name="灯片编号占位符 3"/>
+          <p:cNvSpPr>
+            <a:spLocks noGrp="1"/>
+          </p:cNvSpPr>
+          <p:nvPr>
+            <p:ph type="sldNum" sz="quarter" idx="10"/>
+          </p:nvPr>
+        </p:nvSpPr>
+        <p:spPr/>
+        <p:txBody>
+          <a:bodyPr/>
+          <a:lstStyle/>
+          <a:p>
+            <a:fld id="{D907BE37-B124-4F9F-8F7E-44B90AC375A6}" type="slidenum">
+              <a:rPr lang="zh-CN" altLang="en-US" smtClean="0"/>
+              <a:pPr/>
               <a:t>4</a:t>
             </a:fld>
             <a:endParaRPr lang="zh-CN" altLang="en-US"/>
@@ -742,6 +856,254 @@
     <p:extLst>
       <p:ext uri="{BB962C8B-B14F-4D97-AF65-F5344CB8AC3E}">
         <p14:creationId xmlns:p14="http://schemas.microsoft.com/office/powerpoint/2010/main" val="3060072042"/>
+      </p:ext>
+    </p:extLst>
+  </p:cSld>
+  <p:clrMapOvr>
+    <a:masterClrMapping/>
+  </p:clrMapOvr>
+</p:notes>
+</file>
+
+<file path=ppt/notesSlides/notesSlide4.xml><?xml version="1.0" encoding="utf-8"?>
+<p:notes xmlns:a="http://schemas.openxmlformats.org/drawingml/2006/main" xmlns:r="http://schemas.openxmlformats.org/officeDocument/2006/relationships" xmlns:p="http://schemas.openxmlformats.org/presentationml/2006/main">
+  <p:cSld>
+    <p:spTree>
+      <p:nvGrpSpPr>
+        <p:cNvPr id="1" name=""/>
+        <p:cNvGrpSpPr/>
+        <p:nvPr/>
+      </p:nvGrpSpPr>
+      <p:grpSpPr>
+        <a:xfrm>
+          <a:off x="0" y="0"/>
+          <a:ext cx="0" cy="0"/>
+          <a:chOff x="0" y="0"/>
+          <a:chExt cx="0" cy="0"/>
+        </a:xfrm>
+      </p:grpSpPr>
+      <p:sp>
+        <p:nvSpPr>
+          <p:cNvPr id="2" name="幻灯片图像占位符 1"/>
+          <p:cNvSpPr>
+            <a:spLocks noGrp="1" noRot="1" noChangeAspect="1"/>
+          </p:cNvSpPr>
+          <p:nvPr>
+            <p:ph type="sldImg"/>
+          </p:nvPr>
+        </p:nvSpPr>
+        <p:spPr/>
+      </p:sp>
+      <p:sp>
+        <p:nvSpPr>
+          <p:cNvPr id="3" name="备注占位符 2"/>
+          <p:cNvSpPr>
+            <a:spLocks noGrp="1"/>
+          </p:cNvSpPr>
+          <p:nvPr>
+            <p:ph type="body" idx="1"/>
+          </p:nvPr>
+        </p:nvSpPr>
+        <p:spPr/>
+        <p:txBody>
+          <a:bodyPr/>
+          <a:lstStyle/>
+          <a:p>
+            <a:r>
+              <a:rPr lang="en-US" altLang="zh-CN" dirty="0" smtClean="0"/>
+              <a:t>The compelling value proposition of the </a:t>
+            </a:r>
+            <a:r>
+              <a:rPr lang="en-US" altLang="zh-CN" dirty="0" err="1" smtClean="0"/>
+              <a:t>rest_rpc</a:t>
+            </a:r>
+            <a:r>
+              <a:rPr lang="en-US" altLang="zh-CN" dirty="0" smtClean="0"/>
+              <a:t> library is its focus on business logic and simplifying the calling code. Callers spend no time on networking details or data packing and unpacking. </a:t>
+            </a:r>
+          </a:p>
+          <a:p>
+            <a:r>
+              <a:rPr lang="en-US" altLang="zh-CN" dirty="0" smtClean="0"/>
+              <a:t>Here are features of </a:t>
+            </a:r>
+            <a:r>
+              <a:rPr lang="en-US" altLang="zh-CN" dirty="0" err="1" smtClean="0"/>
+              <a:t>rest_rpc</a:t>
+            </a:r>
+            <a:r>
+              <a:rPr lang="en-US" altLang="zh-CN" dirty="0" smtClean="0"/>
+              <a:t>.</a:t>
+            </a:r>
+          </a:p>
+          <a:p>
+            <a:r>
+              <a:rPr lang="en-US" altLang="zh-CN" dirty="0" smtClean="0"/>
+              <a:t>I’ll show you some examples about </a:t>
+            </a:r>
+            <a:r>
+              <a:rPr lang="en-US" altLang="zh-CN" dirty="0" err="1" smtClean="0"/>
+              <a:t>rest_rpc</a:t>
+            </a:r>
+            <a:r>
+              <a:rPr lang="en-US" altLang="zh-CN" dirty="0" smtClean="0"/>
+              <a:t> include client and server code.</a:t>
+            </a:r>
+            <a:endParaRPr lang="zh-CN" altLang="en-US" dirty="0"/>
+          </a:p>
+        </p:txBody>
+      </p:sp>
+      <p:sp>
+        <p:nvSpPr>
+          <p:cNvPr id="4" name="灯片编号占位符 3"/>
+          <p:cNvSpPr>
+            <a:spLocks noGrp="1"/>
+          </p:cNvSpPr>
+          <p:nvPr>
+            <p:ph type="sldNum" sz="quarter" idx="10"/>
+          </p:nvPr>
+        </p:nvSpPr>
+        <p:spPr/>
+        <p:txBody>
+          <a:bodyPr/>
+          <a:lstStyle/>
+          <a:p>
+            <a:fld id="{D907BE37-B124-4F9F-8F7E-44B90AC375A6}" type="slidenum">
+              <a:rPr lang="zh-CN" altLang="en-US" smtClean="0"/>
+              <a:pPr/>
+              <a:t>6</a:t>
+            </a:fld>
+            <a:endParaRPr lang="zh-CN" altLang="en-US"/>
+          </a:p>
+        </p:txBody>
+      </p:sp>
+    </p:spTree>
+    <p:extLst>
+      <p:ext uri="{BB962C8B-B14F-4D97-AF65-F5344CB8AC3E}">
+        <p14:creationId xmlns:p14="http://schemas.microsoft.com/office/powerpoint/2010/main" val="2622517424"/>
+      </p:ext>
+    </p:extLst>
+  </p:cSld>
+  <p:clrMapOvr>
+    <a:masterClrMapping/>
+  </p:clrMapOvr>
+</p:notes>
+</file>
+
+<file path=ppt/notesSlides/notesSlide5.xml><?xml version="1.0" encoding="utf-8"?>
+<p:notes xmlns:a="http://schemas.openxmlformats.org/drawingml/2006/main" xmlns:r="http://schemas.openxmlformats.org/officeDocument/2006/relationships" xmlns:p="http://schemas.openxmlformats.org/presentationml/2006/main">
+  <p:cSld>
+    <p:spTree>
+      <p:nvGrpSpPr>
+        <p:cNvPr id="1" name=""/>
+        <p:cNvGrpSpPr/>
+        <p:nvPr/>
+      </p:nvGrpSpPr>
+      <p:grpSpPr>
+        <a:xfrm>
+          <a:off x="0" y="0"/>
+          <a:ext cx="0" cy="0"/>
+          <a:chOff x="0" y="0"/>
+          <a:chExt cx="0" cy="0"/>
+        </a:xfrm>
+      </p:grpSpPr>
+      <p:sp>
+        <p:nvSpPr>
+          <p:cNvPr id="2" name="幻灯片图像占位符 1"/>
+          <p:cNvSpPr>
+            <a:spLocks noGrp="1" noRot="1" noChangeAspect="1"/>
+          </p:cNvSpPr>
+          <p:nvPr>
+            <p:ph type="sldImg"/>
+          </p:nvPr>
+        </p:nvSpPr>
+        <p:spPr/>
+      </p:sp>
+      <p:sp>
+        <p:nvSpPr>
+          <p:cNvPr id="3" name="备注占位符 2"/>
+          <p:cNvSpPr>
+            <a:spLocks noGrp="1"/>
+          </p:cNvSpPr>
+          <p:nvPr>
+            <p:ph type="body" idx="1"/>
+          </p:nvPr>
+        </p:nvSpPr>
+        <p:spPr/>
+        <p:txBody>
+          <a:bodyPr/>
+          <a:lstStyle/>
+          <a:p>
+            <a:r>
+              <a:rPr lang="en-US" altLang="zh-CN" dirty="0" smtClean="0"/>
+              <a:t>Firstly you need define a micro</a:t>
+            </a:r>
+            <a:r>
+              <a:rPr lang="en-US" altLang="zh-CN" baseline="0" dirty="0" smtClean="0"/>
+              <a:t> contains service name, arguments types and return type. </a:t>
+            </a:r>
+            <a:r>
+              <a:rPr lang="en-US" altLang="zh-CN" baseline="0" smtClean="0"/>
+              <a:t>Secondly determine the </a:t>
+            </a:r>
+            <a:r>
+              <a:rPr lang="en-US" altLang="zh-CN" baseline="0" dirty="0" smtClean="0"/>
+              <a:t>serialization type, contains </a:t>
+            </a:r>
+            <a:r>
+              <a:rPr lang="en-US" altLang="zh-CN" baseline="0" dirty="0" err="1" smtClean="0"/>
+              <a:t>json</a:t>
+            </a:r>
+            <a:r>
+              <a:rPr lang="en-US" altLang="zh-CN" baseline="0" dirty="0" smtClean="0"/>
+              <a:t>, xml and </a:t>
+            </a:r>
+            <a:r>
+              <a:rPr lang="en-US" altLang="zh-CN" baseline="0" dirty="0" err="1" smtClean="0"/>
+              <a:t>msgpack</a:t>
+            </a:r>
+            <a:r>
+              <a:rPr lang="en-US" altLang="zh-CN" baseline="0" dirty="0" smtClean="0"/>
+              <a:t> format. finally call directly just like local call.</a:t>
+            </a:r>
+          </a:p>
+          <a:p>
+            <a:r>
+              <a:rPr lang="en-US" altLang="zh-CN" dirty="0" smtClean="0"/>
+              <a:t>So you just need five lines code to finish the client RPC call. it’s very simple.</a:t>
+            </a:r>
+            <a:endParaRPr lang="zh-CN" altLang="en-US" dirty="0"/>
+          </a:p>
+        </p:txBody>
+      </p:sp>
+      <p:sp>
+        <p:nvSpPr>
+          <p:cNvPr id="4" name="灯片编号占位符 3"/>
+          <p:cNvSpPr>
+            <a:spLocks noGrp="1"/>
+          </p:cNvSpPr>
+          <p:nvPr>
+            <p:ph type="sldNum" sz="quarter" idx="10"/>
+          </p:nvPr>
+        </p:nvSpPr>
+        <p:spPr/>
+        <p:txBody>
+          <a:bodyPr/>
+          <a:lstStyle/>
+          <a:p>
+            <a:fld id="{D907BE37-B124-4F9F-8F7E-44B90AC375A6}" type="slidenum">
+              <a:rPr lang="zh-CN" altLang="en-US" smtClean="0"/>
+              <a:pPr/>
+              <a:t>7</a:t>
+            </a:fld>
+            <a:endParaRPr lang="zh-CN" altLang="en-US"/>
+          </a:p>
+        </p:txBody>
+      </p:sp>
+    </p:spTree>
+    <p:extLst>
+      <p:ext uri="{BB962C8B-B14F-4D97-AF65-F5344CB8AC3E}">
+        <p14:creationId xmlns:p14="http://schemas.microsoft.com/office/powerpoint/2010/main" val="2266943595"/>
       </p:ext>
     </p:extLst>
   </p:cSld>
@@ -3911,27 +4273,7 @@
                 <a:latin typeface="微软雅黑" panose="020B0503020204020204" pitchFamily="34" charset="-122"/>
                 <a:ea typeface="微软雅黑" panose="020B0503020204020204" pitchFamily="34" charset="-122"/>
               </a:rPr>
-              <a:t>implemented by </a:t>
-            </a:r>
-            <a:r>
-              <a:rPr lang="en-US" altLang="zh-CN" sz="3200" b="1" dirty="0" smtClean="0">
-                <a:solidFill>
-                  <a:schemeClr val="bg1"/>
-                </a:solidFill>
-                <a:latin typeface="微软雅黑" panose="020B0503020204020204" pitchFamily="34" charset="-122"/>
-                <a:ea typeface="微软雅黑" panose="020B0503020204020204" pitchFamily="34" charset="-122"/>
-              </a:rPr>
-              <a:t>C++</a:t>
-            </a:r>
-            <a:r>
-              <a:rPr lang="en-US" altLang="zh-CN" sz="3200" b="1" dirty="0" smtClean="0">
-                <a:solidFill>
-                  <a:schemeClr val="bg1"/>
-                </a:solidFill>
-                <a:latin typeface="微软雅黑" panose="020B0503020204020204" pitchFamily="34" charset="-122"/>
-                <a:ea typeface="微软雅黑" panose="020B0503020204020204" pitchFamily="34" charset="-122"/>
-              </a:rPr>
-              <a:t>11/14</a:t>
+              <a:t>implemented by C++11/14</a:t>
             </a:r>
             <a:endParaRPr lang="en-US" altLang="zh-CN" sz="3200" b="1" i="0" dirty="0" smtClean="0">
               <a:solidFill>
@@ -4021,13 +4363,6 @@
               </a:rPr>
               <a:t>Yu Qi</a:t>
             </a:r>
-            <a:endParaRPr lang="en-US" altLang="zh-CN" sz="1600" dirty="0" smtClean="0">
-              <a:solidFill>
-                <a:schemeClr val="bg1"/>
-              </a:solidFill>
-              <a:latin typeface="Microsoft YaHei" panose="020B0503020204020204" pitchFamily="34" charset="-122"/>
-              <a:ea typeface="Microsoft YaHei" panose="020B0503020204020204" pitchFamily="34" charset="-122"/>
-            </a:endParaRPr>
           </a:p>
           <a:p>
             <a:r>
@@ -4101,6 +4436,585 @@
           <a:lstStyle/>
           <a:p>
             <a:r>
+              <a:rPr lang="en-US" altLang="zh-CN" dirty="0"/>
+              <a:t>Problems</a:t>
+            </a:r>
+            <a:endParaRPr lang="zh-CN" altLang="en-US" dirty="0"/>
+          </a:p>
+        </p:txBody>
+      </p:sp>
+      <p:sp>
+        <p:nvSpPr>
+          <p:cNvPr id="3" name="文本占位符 2"/>
+          <p:cNvSpPr>
+            <a:spLocks noGrp="1"/>
+          </p:cNvSpPr>
+          <p:nvPr>
+            <p:ph type="body" sz="half" idx="2"/>
+          </p:nvPr>
+        </p:nvSpPr>
+        <p:spPr/>
+        <p:txBody>
+          <a:bodyPr/>
+          <a:lstStyle/>
+          <a:p>
+            <a:r>
+              <a:rPr lang="en-US" altLang="zh-CN" dirty="0" err="1" smtClean="0"/>
+              <a:t>grpc</a:t>
+            </a:r>
+            <a:r>
+              <a:rPr lang="en-US" altLang="zh-CN" dirty="0" smtClean="0"/>
+              <a:t>, sofa-</a:t>
+            </a:r>
+            <a:r>
+              <a:rPr lang="en-US" altLang="zh-CN" dirty="0" err="1" smtClean="0"/>
+              <a:t>pbrpc</a:t>
+            </a:r>
+            <a:r>
+              <a:rPr lang="en-US" altLang="zh-CN" dirty="0" smtClean="0"/>
+              <a:t>, pebble all three are based on </a:t>
+            </a:r>
+            <a:r>
+              <a:rPr lang="en-US" altLang="zh-CN" dirty="0" err="1" smtClean="0"/>
+              <a:t>pb</a:t>
+            </a:r>
+            <a:endParaRPr lang="en-US" altLang="zh-CN" dirty="0" smtClean="0"/>
+          </a:p>
+          <a:p>
+            <a:endParaRPr lang="en-US" altLang="zh-CN" dirty="0"/>
+          </a:p>
+          <a:p>
+            <a:r>
+              <a:rPr lang="en-US" altLang="zh-CN" b="1" dirty="0" smtClean="0"/>
+              <a:t>need define protocol </a:t>
+            </a:r>
+            <a:r>
+              <a:rPr lang="en-US" altLang="zh-CN" b="1" dirty="0"/>
+              <a:t>file, </a:t>
+            </a:r>
+            <a:r>
+              <a:rPr lang="en-US" altLang="zh-CN" b="1" dirty="0" smtClean="0"/>
+              <a:t>complication and high learning cost</a:t>
+            </a:r>
+          </a:p>
+          <a:p>
+            <a:endParaRPr lang="en-US" altLang="zh-CN" dirty="0" smtClean="0"/>
+          </a:p>
+          <a:p>
+            <a:r>
+              <a:rPr lang="en-US" altLang="zh-CN" b="1" dirty="0" smtClean="0"/>
+              <a:t>many restrictions, must inherit, no freedom</a:t>
+            </a:r>
+          </a:p>
+          <a:p>
+            <a:endParaRPr lang="en-US" altLang="zh-CN" dirty="0" smtClean="0"/>
+          </a:p>
+          <a:p>
+            <a:r>
+              <a:rPr lang="en-US" altLang="zh-CN" b="1" dirty="0" smtClean="0"/>
+              <a:t>just only support one protocol</a:t>
+            </a:r>
+          </a:p>
+          <a:p>
+            <a:endParaRPr lang="en-US" altLang="zh-CN" dirty="0" smtClean="0"/>
+          </a:p>
+          <a:p>
+            <a:r>
+              <a:rPr lang="en-US" altLang="zh-CN" b="1" dirty="0" smtClean="0"/>
+              <a:t>you should know many details of framework and network</a:t>
+            </a:r>
+            <a:endParaRPr lang="zh-CN" altLang="en-US" b="1" dirty="0"/>
+          </a:p>
+        </p:txBody>
+      </p:sp>
+    </p:spTree>
+    <p:extLst>
+      <p:ext uri="{BB962C8B-B14F-4D97-AF65-F5344CB8AC3E}">
+        <p14:creationId xmlns:p14="http://schemas.microsoft.com/office/powerpoint/2010/main" val="2498821999"/>
+      </p:ext>
+    </p:extLst>
+  </p:cSld>
+  <p:clrMapOvr>
+    <a:masterClrMapping/>
+  </p:clrMapOvr>
+  <p:timing>
+    <p:tnLst>
+      <p:par>
+        <p:cTn id="1" dur="indefinite" restart="never" nodeType="tmRoot">
+          <p:childTnLst>
+            <p:seq concurrent="1" nextAc="seek">
+              <p:cTn id="2" dur="indefinite" nodeType="mainSeq">
+                <p:childTnLst>
+                  <p:par>
+                    <p:cTn id="3" fill="hold">
+                      <p:stCondLst>
+                        <p:cond delay="indefinite"/>
+                      </p:stCondLst>
+                      <p:childTnLst>
+                        <p:par>
+                          <p:cTn id="4" fill="hold">
+                            <p:stCondLst>
+                              <p:cond delay="0"/>
+                            </p:stCondLst>
+                            <p:childTnLst>
+                              <p:par>
+                                <p:cTn id="5" presetID="2" presetClass="entr" presetSubtype="4" fill="hold" nodeType="clickEffect">
+                                  <p:stCondLst>
+                                    <p:cond delay="0"/>
+                                  </p:stCondLst>
+                                  <p:childTnLst>
+                                    <p:set>
+                                      <p:cBhvr>
+                                        <p:cTn id="6" dur="1" fill="hold">
+                                          <p:stCondLst>
+                                            <p:cond delay="0"/>
+                                          </p:stCondLst>
+                                        </p:cTn>
+                                        <p:tgtEl>
+                                          <p:spTgt spid="3">
+                                            <p:txEl>
+                                              <p:pRg st="2" end="2"/>
+                                            </p:txEl>
+                                          </p:spTgt>
+                                        </p:tgtEl>
+                                        <p:attrNameLst>
+                                          <p:attrName>style.visibility</p:attrName>
+                                        </p:attrNameLst>
+                                      </p:cBhvr>
+                                      <p:to>
+                                        <p:strVal val="visible"/>
+                                      </p:to>
+                                    </p:set>
+                                    <p:anim calcmode="lin" valueType="num">
+                                      <p:cBhvr additive="base">
+                                        <p:cTn id="7" dur="500" fill="hold"/>
+                                        <p:tgtEl>
+                                          <p:spTgt spid="3">
+                                            <p:txEl>
+                                              <p:pRg st="2" end="2"/>
+                                            </p:txEl>
+                                          </p:spTgt>
+                                        </p:tgtEl>
+                                        <p:attrNameLst>
+                                          <p:attrName>ppt_x</p:attrName>
+                                        </p:attrNameLst>
+                                      </p:cBhvr>
+                                      <p:tavLst>
+                                        <p:tav tm="0">
+                                          <p:val>
+                                            <p:strVal val="#ppt_x"/>
+                                          </p:val>
+                                        </p:tav>
+                                        <p:tav tm="100000">
+                                          <p:val>
+                                            <p:strVal val="#ppt_x"/>
+                                          </p:val>
+                                        </p:tav>
+                                      </p:tavLst>
+                                    </p:anim>
+                                    <p:anim calcmode="lin" valueType="num">
+                                      <p:cBhvr additive="base">
+                                        <p:cTn id="8" dur="500" fill="hold"/>
+                                        <p:tgtEl>
+                                          <p:spTgt spid="3">
+                                            <p:txEl>
+                                              <p:pRg st="2" end="2"/>
+                                            </p:txEl>
+                                          </p:spTgt>
+                                        </p:tgtEl>
+                                        <p:attrNameLst>
+                                          <p:attrName>ppt_y</p:attrName>
+                                        </p:attrNameLst>
+                                      </p:cBhvr>
+                                      <p:tavLst>
+                                        <p:tav tm="0">
+                                          <p:val>
+                                            <p:strVal val="1+#ppt_h/2"/>
+                                          </p:val>
+                                        </p:tav>
+                                        <p:tav tm="100000">
+                                          <p:val>
+                                            <p:strVal val="#ppt_y"/>
+                                          </p:val>
+                                        </p:tav>
+                                      </p:tavLst>
+                                    </p:anim>
+                                  </p:childTnLst>
+                                </p:cTn>
+                              </p:par>
+                            </p:childTnLst>
+                          </p:cTn>
+                        </p:par>
+                      </p:childTnLst>
+                    </p:cTn>
+                  </p:par>
+                  <p:par>
+                    <p:cTn id="9" fill="hold">
+                      <p:stCondLst>
+                        <p:cond delay="indefinite"/>
+                      </p:stCondLst>
+                      <p:childTnLst>
+                        <p:par>
+                          <p:cTn id="10" fill="hold">
+                            <p:stCondLst>
+                              <p:cond delay="0"/>
+                            </p:stCondLst>
+                            <p:childTnLst>
+                              <p:par>
+                                <p:cTn id="11" presetID="2" presetClass="entr" presetSubtype="4" fill="hold" nodeType="clickEffect">
+                                  <p:stCondLst>
+                                    <p:cond delay="0"/>
+                                  </p:stCondLst>
+                                  <p:childTnLst>
+                                    <p:set>
+                                      <p:cBhvr>
+                                        <p:cTn id="12" dur="1" fill="hold">
+                                          <p:stCondLst>
+                                            <p:cond delay="0"/>
+                                          </p:stCondLst>
+                                        </p:cTn>
+                                        <p:tgtEl>
+                                          <p:spTgt spid="3">
+                                            <p:txEl>
+                                              <p:pRg st="4" end="4"/>
+                                            </p:txEl>
+                                          </p:spTgt>
+                                        </p:tgtEl>
+                                        <p:attrNameLst>
+                                          <p:attrName>style.visibility</p:attrName>
+                                        </p:attrNameLst>
+                                      </p:cBhvr>
+                                      <p:to>
+                                        <p:strVal val="visible"/>
+                                      </p:to>
+                                    </p:set>
+                                    <p:anim calcmode="lin" valueType="num">
+                                      <p:cBhvr additive="base">
+                                        <p:cTn id="13" dur="500" fill="hold"/>
+                                        <p:tgtEl>
+                                          <p:spTgt spid="3">
+                                            <p:txEl>
+                                              <p:pRg st="4" end="4"/>
+                                            </p:txEl>
+                                          </p:spTgt>
+                                        </p:tgtEl>
+                                        <p:attrNameLst>
+                                          <p:attrName>ppt_x</p:attrName>
+                                        </p:attrNameLst>
+                                      </p:cBhvr>
+                                      <p:tavLst>
+                                        <p:tav tm="0">
+                                          <p:val>
+                                            <p:strVal val="#ppt_x"/>
+                                          </p:val>
+                                        </p:tav>
+                                        <p:tav tm="100000">
+                                          <p:val>
+                                            <p:strVal val="#ppt_x"/>
+                                          </p:val>
+                                        </p:tav>
+                                      </p:tavLst>
+                                    </p:anim>
+                                    <p:anim calcmode="lin" valueType="num">
+                                      <p:cBhvr additive="base">
+                                        <p:cTn id="14" dur="500" fill="hold"/>
+                                        <p:tgtEl>
+                                          <p:spTgt spid="3">
+                                            <p:txEl>
+                                              <p:pRg st="4" end="4"/>
+                                            </p:txEl>
+                                          </p:spTgt>
+                                        </p:tgtEl>
+                                        <p:attrNameLst>
+                                          <p:attrName>ppt_y</p:attrName>
+                                        </p:attrNameLst>
+                                      </p:cBhvr>
+                                      <p:tavLst>
+                                        <p:tav tm="0">
+                                          <p:val>
+                                            <p:strVal val="1+#ppt_h/2"/>
+                                          </p:val>
+                                        </p:tav>
+                                        <p:tav tm="100000">
+                                          <p:val>
+                                            <p:strVal val="#ppt_y"/>
+                                          </p:val>
+                                        </p:tav>
+                                      </p:tavLst>
+                                    </p:anim>
+                                  </p:childTnLst>
+                                </p:cTn>
+                              </p:par>
+                            </p:childTnLst>
+                          </p:cTn>
+                        </p:par>
+                      </p:childTnLst>
+                    </p:cTn>
+                  </p:par>
+                  <p:par>
+                    <p:cTn id="15" fill="hold">
+                      <p:stCondLst>
+                        <p:cond delay="indefinite"/>
+                      </p:stCondLst>
+                      <p:childTnLst>
+                        <p:par>
+                          <p:cTn id="16" fill="hold">
+                            <p:stCondLst>
+                              <p:cond delay="0"/>
+                            </p:stCondLst>
+                            <p:childTnLst>
+                              <p:par>
+                                <p:cTn id="17" presetID="2" presetClass="entr" presetSubtype="4" fill="hold" nodeType="clickEffect">
+                                  <p:stCondLst>
+                                    <p:cond delay="0"/>
+                                  </p:stCondLst>
+                                  <p:childTnLst>
+                                    <p:set>
+                                      <p:cBhvr>
+                                        <p:cTn id="18" dur="1" fill="hold">
+                                          <p:stCondLst>
+                                            <p:cond delay="0"/>
+                                          </p:stCondLst>
+                                        </p:cTn>
+                                        <p:tgtEl>
+                                          <p:spTgt spid="3">
+                                            <p:txEl>
+                                              <p:pRg st="6" end="6"/>
+                                            </p:txEl>
+                                          </p:spTgt>
+                                        </p:tgtEl>
+                                        <p:attrNameLst>
+                                          <p:attrName>style.visibility</p:attrName>
+                                        </p:attrNameLst>
+                                      </p:cBhvr>
+                                      <p:to>
+                                        <p:strVal val="visible"/>
+                                      </p:to>
+                                    </p:set>
+                                    <p:anim calcmode="lin" valueType="num">
+                                      <p:cBhvr additive="base">
+                                        <p:cTn id="19" dur="500" fill="hold"/>
+                                        <p:tgtEl>
+                                          <p:spTgt spid="3">
+                                            <p:txEl>
+                                              <p:pRg st="6" end="6"/>
+                                            </p:txEl>
+                                          </p:spTgt>
+                                        </p:tgtEl>
+                                        <p:attrNameLst>
+                                          <p:attrName>ppt_x</p:attrName>
+                                        </p:attrNameLst>
+                                      </p:cBhvr>
+                                      <p:tavLst>
+                                        <p:tav tm="0">
+                                          <p:val>
+                                            <p:strVal val="#ppt_x"/>
+                                          </p:val>
+                                        </p:tav>
+                                        <p:tav tm="100000">
+                                          <p:val>
+                                            <p:strVal val="#ppt_x"/>
+                                          </p:val>
+                                        </p:tav>
+                                      </p:tavLst>
+                                    </p:anim>
+                                    <p:anim calcmode="lin" valueType="num">
+                                      <p:cBhvr additive="base">
+                                        <p:cTn id="20" dur="500" fill="hold"/>
+                                        <p:tgtEl>
+                                          <p:spTgt spid="3">
+                                            <p:txEl>
+                                              <p:pRg st="6" end="6"/>
+                                            </p:txEl>
+                                          </p:spTgt>
+                                        </p:tgtEl>
+                                        <p:attrNameLst>
+                                          <p:attrName>ppt_y</p:attrName>
+                                        </p:attrNameLst>
+                                      </p:cBhvr>
+                                      <p:tavLst>
+                                        <p:tav tm="0">
+                                          <p:val>
+                                            <p:strVal val="1+#ppt_h/2"/>
+                                          </p:val>
+                                        </p:tav>
+                                        <p:tav tm="100000">
+                                          <p:val>
+                                            <p:strVal val="#ppt_y"/>
+                                          </p:val>
+                                        </p:tav>
+                                      </p:tavLst>
+                                    </p:anim>
+                                  </p:childTnLst>
+                                </p:cTn>
+                              </p:par>
+                            </p:childTnLst>
+                          </p:cTn>
+                        </p:par>
+                      </p:childTnLst>
+                    </p:cTn>
+                  </p:par>
+                  <p:par>
+                    <p:cTn id="21" fill="hold">
+                      <p:stCondLst>
+                        <p:cond delay="indefinite"/>
+                      </p:stCondLst>
+                      <p:childTnLst>
+                        <p:par>
+                          <p:cTn id="22" fill="hold">
+                            <p:stCondLst>
+                              <p:cond delay="0"/>
+                            </p:stCondLst>
+                            <p:childTnLst>
+                              <p:par>
+                                <p:cTn id="23" presetID="2" presetClass="entr" presetSubtype="4" fill="hold" nodeType="clickEffect">
+                                  <p:stCondLst>
+                                    <p:cond delay="0"/>
+                                  </p:stCondLst>
+                                  <p:childTnLst>
+                                    <p:set>
+                                      <p:cBhvr>
+                                        <p:cTn id="24" dur="1" fill="hold">
+                                          <p:stCondLst>
+                                            <p:cond delay="0"/>
+                                          </p:stCondLst>
+                                        </p:cTn>
+                                        <p:tgtEl>
+                                          <p:spTgt spid="3">
+                                            <p:txEl>
+                                              <p:pRg st="8" end="8"/>
+                                            </p:txEl>
+                                          </p:spTgt>
+                                        </p:tgtEl>
+                                        <p:attrNameLst>
+                                          <p:attrName>style.visibility</p:attrName>
+                                        </p:attrNameLst>
+                                      </p:cBhvr>
+                                      <p:to>
+                                        <p:strVal val="visible"/>
+                                      </p:to>
+                                    </p:set>
+                                    <p:anim calcmode="lin" valueType="num">
+                                      <p:cBhvr additive="base">
+                                        <p:cTn id="25" dur="500" fill="hold"/>
+                                        <p:tgtEl>
+                                          <p:spTgt spid="3">
+                                            <p:txEl>
+                                              <p:pRg st="8" end="8"/>
+                                            </p:txEl>
+                                          </p:spTgt>
+                                        </p:tgtEl>
+                                        <p:attrNameLst>
+                                          <p:attrName>ppt_x</p:attrName>
+                                        </p:attrNameLst>
+                                      </p:cBhvr>
+                                      <p:tavLst>
+                                        <p:tav tm="0">
+                                          <p:val>
+                                            <p:strVal val="#ppt_x"/>
+                                          </p:val>
+                                        </p:tav>
+                                        <p:tav tm="100000">
+                                          <p:val>
+                                            <p:strVal val="#ppt_x"/>
+                                          </p:val>
+                                        </p:tav>
+                                      </p:tavLst>
+                                    </p:anim>
+                                    <p:anim calcmode="lin" valueType="num">
+                                      <p:cBhvr additive="base">
+                                        <p:cTn id="26" dur="500" fill="hold"/>
+                                        <p:tgtEl>
+                                          <p:spTgt spid="3">
+                                            <p:txEl>
+                                              <p:pRg st="8" end="8"/>
+                                            </p:txEl>
+                                          </p:spTgt>
+                                        </p:tgtEl>
+                                        <p:attrNameLst>
+                                          <p:attrName>ppt_y</p:attrName>
+                                        </p:attrNameLst>
+                                      </p:cBhvr>
+                                      <p:tavLst>
+                                        <p:tav tm="0">
+                                          <p:val>
+                                            <p:strVal val="1+#ppt_h/2"/>
+                                          </p:val>
+                                        </p:tav>
+                                        <p:tav tm="100000">
+                                          <p:val>
+                                            <p:strVal val="#ppt_y"/>
+                                          </p:val>
+                                        </p:tav>
+                                      </p:tavLst>
+                                    </p:anim>
+                                  </p:childTnLst>
+                                </p:cTn>
+                              </p:par>
+                            </p:childTnLst>
+                          </p:cTn>
+                        </p:par>
+                      </p:childTnLst>
+                    </p:cTn>
+                  </p:par>
+                </p:childTnLst>
+              </p:cTn>
+              <p:prevCondLst>
+                <p:cond evt="onPrev" delay="0">
+                  <p:tgtEl>
+                    <p:sldTgt/>
+                  </p:tgtEl>
+                </p:cond>
+              </p:prevCondLst>
+              <p:nextCondLst>
+                <p:cond evt="onNext" delay="0">
+                  <p:tgtEl>
+                    <p:sldTgt/>
+                  </p:tgtEl>
+                </p:cond>
+              </p:nextCondLst>
+            </p:seq>
+          </p:childTnLst>
+        </p:cTn>
+      </p:par>
+    </p:tnLst>
+  </p:timing>
+</p:sld>
+</file>
+
+<file path=ppt/slides/slide11.xml><?xml version="1.0" encoding="utf-8"?>
+<p:sld xmlns:a="http://schemas.openxmlformats.org/drawingml/2006/main" xmlns:r="http://schemas.openxmlformats.org/officeDocument/2006/relationships" xmlns:p="http://schemas.openxmlformats.org/presentationml/2006/main">
+  <p:cSld>
+    <p:spTree>
+      <p:nvGrpSpPr>
+        <p:cNvPr id="1" name=""/>
+        <p:cNvGrpSpPr/>
+        <p:nvPr/>
+      </p:nvGrpSpPr>
+      <p:grpSpPr>
+        <a:xfrm>
+          <a:off x="0" y="0"/>
+          <a:ext cx="0" cy="0"/>
+          <a:chOff x="0" y="0"/>
+          <a:chExt cx="0" cy="0"/>
+        </a:xfrm>
+      </p:grpSpPr>
+      <p:sp>
+        <p:nvSpPr>
+          <p:cNvPr id="2" name="标题 1"/>
+          <p:cNvSpPr>
+            <a:spLocks noGrp="1"/>
+          </p:cNvSpPr>
+          <p:nvPr>
+            <p:ph type="title"/>
+          </p:nvPr>
+        </p:nvSpPr>
+        <p:spPr/>
+        <p:txBody>
+          <a:bodyPr/>
+          <a:lstStyle/>
+          <a:p>
+            <a:r>
               <a:rPr lang="en-US" altLang="zh-CN" dirty="0" smtClean="0"/>
               <a:t>Outline</a:t>
             </a:r>
@@ -4209,7 +5123,7 @@
 </p:sld>
 </file>
 
-<file path=ppt/slides/slide11.xml><?xml version="1.0" encoding="utf-8"?>
+<file path=ppt/slides/slide12.xml><?xml version="1.0" encoding="utf-8"?>
 <p:sld xmlns:a="http://schemas.openxmlformats.org/drawingml/2006/main" xmlns:r="http://schemas.openxmlformats.org/officeDocument/2006/relationships" xmlns:p="http://schemas.openxmlformats.org/presentationml/2006/main">
   <p:cSld>
     <p:spTree>
@@ -4576,7 +5490,7 @@
 </p:sld>
 </file>
 
-<file path=ppt/slides/slide12.xml><?xml version="1.0" encoding="utf-8"?>
+<file path=ppt/slides/slide13.xml><?xml version="1.0" encoding="utf-8"?>
 <p:sld xmlns:a="http://schemas.openxmlformats.org/drawingml/2006/main" xmlns:r="http://schemas.openxmlformats.org/officeDocument/2006/relationships" xmlns:p="http://schemas.openxmlformats.org/presentationml/2006/main">
   <p:cSld>
     <p:spTree>
@@ -5355,7 +6269,7 @@
 </p:sld>
 </file>
 
-<file path=ppt/slides/slide13.xml><?xml version="1.0" encoding="utf-8"?>
+<file path=ppt/slides/slide14.xml><?xml version="1.0" encoding="utf-8"?>
 <p:sld xmlns:a="http://schemas.openxmlformats.org/drawingml/2006/main" xmlns:r="http://schemas.openxmlformats.org/officeDocument/2006/relationships" xmlns:p="http://schemas.openxmlformats.org/presentationml/2006/main">
   <p:cSld>
     <p:spTree>
@@ -5496,7 +6410,7 @@
 </p:sld>
 </file>
 
-<file path=ppt/slides/slide14.xml><?xml version="1.0" encoding="utf-8"?>
+<file path=ppt/slides/slide15.xml><?xml version="1.0" encoding="utf-8"?>
 <p:sld xmlns:a="http://schemas.openxmlformats.org/drawingml/2006/main" xmlns:r="http://schemas.openxmlformats.org/officeDocument/2006/relationships" xmlns:p="http://schemas.openxmlformats.org/presentationml/2006/main">
   <p:cSld>
     <p:spTree>
@@ -6655,7 +7569,7 @@
 </p:sld>
 </file>
 
-<file path=ppt/slides/slide15.xml><?xml version="1.0" encoding="utf-8"?>
+<file path=ppt/slides/slide16.xml><?xml version="1.0" encoding="utf-8"?>
 <p:sld xmlns:a="http://schemas.openxmlformats.org/drawingml/2006/main" xmlns:r="http://schemas.openxmlformats.org/officeDocument/2006/relationships" xmlns:p="http://schemas.openxmlformats.org/presentationml/2006/main">
   <p:cSld>
     <p:spTree>
@@ -8163,7 +9077,7 @@
 </p:sld>
 </file>
 
-<file path=ppt/slides/slide16.xml><?xml version="1.0" encoding="utf-8"?>
+<file path=ppt/slides/slide17.xml><?xml version="1.0" encoding="utf-8"?>
 <p:sld xmlns:a="http://schemas.openxmlformats.org/drawingml/2006/main" xmlns:r="http://schemas.openxmlformats.org/officeDocument/2006/relationships" xmlns:p="http://schemas.openxmlformats.org/presentationml/2006/main">
   <p:cSld>
     <p:spTree>
@@ -8982,7 +9896,7 @@
 </p:sld>
 </file>
 
-<file path=ppt/slides/slide17.xml><?xml version="1.0" encoding="utf-8"?>
+<file path=ppt/slides/slide18.xml><?xml version="1.0" encoding="utf-8"?>
 <p:sld xmlns:a="http://schemas.openxmlformats.org/drawingml/2006/main" xmlns:r="http://schemas.openxmlformats.org/officeDocument/2006/relationships" xmlns:p="http://schemas.openxmlformats.org/presentationml/2006/main">
   <p:cSld>
     <p:spTree>
@@ -10450,7 +11364,7 @@
 </p:sld>
 </file>
 
-<file path=ppt/slides/slide18.xml><?xml version="1.0" encoding="utf-8"?>
+<file path=ppt/slides/slide19.xml><?xml version="1.0" encoding="utf-8"?>
 <p:sld xmlns:a="http://schemas.openxmlformats.org/drawingml/2006/main" xmlns:r="http://schemas.openxmlformats.org/officeDocument/2006/relationships" xmlns:p="http://schemas.openxmlformats.org/presentationml/2006/main">
   <p:cSld>
     <p:spTree>
@@ -11911,1308 +12825,6 @@
 </p:sld>
 </file>
 
-<file path=ppt/slides/slide19.xml><?xml version="1.0" encoding="utf-8"?>
-<p:sld xmlns:a="http://schemas.openxmlformats.org/drawingml/2006/main" xmlns:r="http://schemas.openxmlformats.org/officeDocument/2006/relationships" xmlns:p="http://schemas.openxmlformats.org/presentationml/2006/main">
-  <p:cSld>
-    <p:spTree>
-      <p:nvGrpSpPr>
-        <p:cNvPr id="1" name=""/>
-        <p:cNvGrpSpPr/>
-        <p:nvPr/>
-      </p:nvGrpSpPr>
-      <p:grpSpPr>
-        <a:xfrm>
-          <a:off x="0" y="0"/>
-          <a:ext cx="0" cy="0"/>
-          <a:chOff x="0" y="0"/>
-          <a:chExt cx="0" cy="0"/>
-        </a:xfrm>
-      </p:grpSpPr>
-      <p:sp>
-        <p:nvSpPr>
-          <p:cNvPr id="2" name="标题 1"/>
-          <p:cNvSpPr>
-            <a:spLocks noGrp="1"/>
-          </p:cNvSpPr>
-          <p:nvPr>
-            <p:ph type="title"/>
-          </p:nvPr>
-        </p:nvSpPr>
-        <p:spPr/>
-        <p:txBody>
-          <a:bodyPr/>
-          <a:lstStyle/>
-          <a:p>
-            <a:r>
-              <a:rPr lang="en-US" altLang="zh-CN" dirty="0"/>
-              <a:t>Register all callable objects</a:t>
-            </a:r>
-            <a:endParaRPr lang="zh-CN" altLang="en-US" dirty="0"/>
-          </a:p>
-        </p:txBody>
-      </p:sp>
-      <p:sp>
-        <p:nvSpPr>
-          <p:cNvPr id="3" name="文本占位符 2"/>
-          <p:cNvSpPr>
-            <a:spLocks noGrp="1"/>
-          </p:cNvSpPr>
-          <p:nvPr>
-            <p:ph type="body" sz="half" idx="2"/>
-          </p:nvPr>
-        </p:nvSpPr>
-        <p:spPr/>
-        <p:txBody>
-          <a:bodyPr/>
-          <a:lstStyle/>
-          <a:p>
-            <a:r>
-              <a:rPr lang="en-US" altLang="zh-CN" dirty="0"/>
-              <a:t>template&lt;</a:t>
-            </a:r>
-            <a:r>
-              <a:rPr lang="en-US" altLang="zh-CN" dirty="0" err="1"/>
-              <a:t>typename</a:t>
-            </a:r>
-            <a:r>
-              <a:rPr lang="en-US" altLang="zh-CN" dirty="0"/>
-              <a:t> Function&gt;</a:t>
-            </a:r>
-          </a:p>
-          <a:p>
-            <a:r>
-              <a:rPr lang="en-US" altLang="zh-CN" dirty="0"/>
-              <a:t>void </a:t>
-            </a:r>
-            <a:r>
-              <a:rPr lang="en-US" altLang="zh-CN" dirty="0" err="1"/>
-              <a:t>register_handler</a:t>
-            </a:r>
-            <a:r>
-              <a:rPr lang="en-US" altLang="zh-CN" dirty="0"/>
-              <a:t>(</a:t>
-            </a:r>
-            <a:r>
-              <a:rPr lang="en-US" altLang="zh-CN" dirty="0" err="1"/>
-              <a:t>std</a:t>
-            </a:r>
-            <a:r>
-              <a:rPr lang="en-US" altLang="zh-CN" dirty="0"/>
-              <a:t>::string </a:t>
-            </a:r>
-            <a:r>
-              <a:rPr lang="en-US" altLang="zh-CN" dirty="0" err="1"/>
-              <a:t>const</a:t>
-            </a:r>
-            <a:r>
-              <a:rPr lang="en-US" altLang="zh-CN" dirty="0"/>
-              <a:t> &amp; name, </a:t>
-            </a:r>
-            <a:r>
-              <a:rPr lang="en-US" altLang="zh-CN" dirty="0" err="1"/>
-              <a:t>const</a:t>
-            </a:r>
-            <a:r>
-              <a:rPr lang="en-US" altLang="zh-CN" dirty="0"/>
-              <a:t> Function&amp; f</a:t>
-            </a:r>
-            <a:r>
-              <a:rPr lang="en-US" altLang="zh-CN" dirty="0" smtClean="0"/>
-              <a:t>)</a:t>
-            </a:r>
-          </a:p>
-          <a:p>
-            <a:r>
-              <a:rPr lang="en-US" altLang="zh-CN" dirty="0" smtClean="0"/>
-              <a:t>{</a:t>
-            </a:r>
-          </a:p>
-          <a:p>
-            <a:r>
-              <a:rPr lang="en-US" altLang="zh-CN" dirty="0" smtClean="0"/>
-              <a:t>    </a:t>
-            </a:r>
-            <a:r>
-              <a:rPr lang="en-US" altLang="zh-CN" dirty="0"/>
-              <a:t>using </a:t>
-            </a:r>
-            <a:r>
-              <a:rPr lang="en-US" altLang="zh-CN" dirty="0" err="1"/>
-              <a:t>std</a:t>
-            </a:r>
-            <a:r>
-              <a:rPr lang="en-US" altLang="zh-CN" dirty="0"/>
-              <a:t>::placeholders::_1;</a:t>
-            </a:r>
-          </a:p>
-          <a:p>
-            <a:endParaRPr lang="en-US" altLang="zh-CN" dirty="0"/>
-          </a:p>
-          <a:p>
-            <a:r>
-              <a:rPr lang="en-US" altLang="zh-CN" dirty="0"/>
-              <a:t>    </a:t>
-            </a:r>
-            <a:r>
-              <a:rPr lang="en-US" altLang="zh-CN" dirty="0" err="1"/>
-              <a:t>std</a:t>
-            </a:r>
-            <a:r>
-              <a:rPr lang="en-US" altLang="zh-CN" dirty="0"/>
-              <a:t>::map&lt;</a:t>
-            </a:r>
-            <a:r>
-              <a:rPr lang="en-US" altLang="zh-CN" dirty="0" err="1"/>
-              <a:t>std</a:t>
-            </a:r>
-            <a:r>
-              <a:rPr lang="en-US" altLang="zh-CN" dirty="0"/>
-              <a:t>::string, </a:t>
-            </a:r>
-            <a:r>
-              <a:rPr lang="en-US" altLang="zh-CN" dirty="0" err="1"/>
-              <a:t>std</a:t>
-            </a:r>
-            <a:r>
-              <a:rPr lang="en-US" altLang="zh-CN" dirty="0"/>
-              <a:t>::function&lt;void(void*)&gt;&gt; invokers;</a:t>
-            </a:r>
-          </a:p>
-          <a:p>
-            <a:r>
-              <a:rPr lang="en-US" altLang="zh-CN" dirty="0"/>
-              <a:t>    this-&gt;invokers[name] = { </a:t>
-            </a:r>
-            <a:r>
-              <a:rPr lang="en-US" altLang="zh-CN" dirty="0" err="1" smtClean="0"/>
-              <a:t>std</a:t>
-            </a:r>
-            <a:r>
-              <a:rPr lang="en-US" altLang="zh-CN" dirty="0"/>
-              <a:t>::bind(&amp;invoker&lt;Function&gt;::apply, f, _1) </a:t>
-            </a:r>
-            <a:r>
-              <a:rPr lang="en-US" altLang="zh-CN" dirty="0" smtClean="0"/>
-              <a:t>};</a:t>
-            </a:r>
-            <a:endParaRPr lang="en-US" altLang="zh-CN" dirty="0"/>
-          </a:p>
-          <a:p>
-            <a:r>
-              <a:rPr lang="en-US" altLang="zh-CN" dirty="0" smtClean="0"/>
-              <a:t>}</a:t>
-            </a:r>
-          </a:p>
-          <a:p>
-            <a:endParaRPr lang="en-US" altLang="zh-CN" dirty="0" smtClean="0"/>
-          </a:p>
-          <a:p>
-            <a:r>
-              <a:rPr lang="en-US" altLang="zh-CN" dirty="0" smtClean="0">
-                <a:solidFill>
-                  <a:srgbClr val="FF0000"/>
-                </a:solidFill>
-              </a:rPr>
-              <a:t>		can accept any function</a:t>
-            </a:r>
-          </a:p>
-          <a:p>
-            <a:endParaRPr lang="en-US" altLang="zh-CN" dirty="0" smtClean="0"/>
-          </a:p>
-          <a:p>
-            <a:r>
-              <a:rPr lang="en-US" altLang="zh-CN" dirty="0" smtClean="0">
-                <a:solidFill>
-                  <a:srgbClr val="FF0000"/>
-                </a:solidFill>
-              </a:rPr>
-              <a:t> 	               wrapper function and real function are composed by </a:t>
-            </a:r>
-            <a:r>
-              <a:rPr lang="en-US" altLang="zh-CN" dirty="0" err="1" smtClean="0">
-                <a:solidFill>
-                  <a:srgbClr val="FF0000"/>
-                </a:solidFill>
-              </a:rPr>
-              <a:t>std</a:t>
-            </a:r>
-            <a:r>
-              <a:rPr lang="en-US" altLang="zh-CN" dirty="0" smtClean="0">
-                <a:solidFill>
-                  <a:srgbClr val="FF0000"/>
-                </a:solidFill>
-              </a:rPr>
-              <a:t>::bind</a:t>
-            </a:r>
-          </a:p>
-          <a:p>
-            <a:endParaRPr lang="en-US" altLang="zh-CN" dirty="0">
-              <a:solidFill>
-                <a:srgbClr val="FF0000"/>
-              </a:solidFill>
-            </a:endParaRPr>
-          </a:p>
-          <a:p>
-            <a:r>
-              <a:rPr lang="en-US" altLang="zh-CN" dirty="0" smtClean="0">
-                <a:solidFill>
-                  <a:srgbClr val="FF0000"/>
-                </a:solidFill>
-              </a:rPr>
-              <a:t>		</a:t>
-            </a:r>
-            <a:r>
-              <a:rPr lang="en-US" altLang="zh-CN" dirty="0" err="1" smtClean="0">
-                <a:solidFill>
-                  <a:srgbClr val="FF0000"/>
-                </a:solidFill>
-              </a:rPr>
-              <a:t>std</a:t>
-            </a:r>
-            <a:r>
-              <a:rPr lang="en-US" altLang="zh-CN" dirty="0">
-                <a:solidFill>
-                  <a:srgbClr val="FF0000"/>
-                </a:solidFill>
-              </a:rPr>
-              <a:t>::</a:t>
-            </a:r>
-            <a:r>
-              <a:rPr lang="zh-CN" altLang="en-US" dirty="0">
-                <a:solidFill>
-                  <a:srgbClr val="FF0000"/>
-                </a:solidFill>
-              </a:rPr>
-              <a:t>function </a:t>
-            </a:r>
-            <a:r>
-              <a:rPr lang="en-US" altLang="zh-CN" dirty="0">
-                <a:solidFill>
-                  <a:srgbClr val="FF0000"/>
-                </a:solidFill>
-              </a:rPr>
-              <a:t>erase function type</a:t>
-            </a:r>
-          </a:p>
-          <a:p>
-            <a:endParaRPr lang="zh-CN" altLang="en-US" dirty="0">
-              <a:solidFill>
-                <a:srgbClr val="FF0000"/>
-              </a:solidFill>
-            </a:endParaRPr>
-          </a:p>
-        </p:txBody>
-      </p:sp>
-      <p:sp>
-        <p:nvSpPr>
-          <p:cNvPr id="7" name="下箭头 6"/>
-          <p:cNvSpPr/>
-          <p:nvPr/>
-        </p:nvSpPr>
-        <p:spPr>
-          <a:xfrm rot="4075659">
-            <a:off x="5232572" y="2881214"/>
-            <a:ext cx="227127" cy="1753159"/>
-          </a:xfrm>
-          <a:prstGeom prst="downArrow">
-            <a:avLst/>
-          </a:prstGeom>
-          <a:solidFill>
-            <a:schemeClr val="accent6"/>
-          </a:solidFill>
-        </p:spPr>
-        <p:style>
-          <a:lnRef idx="2">
-            <a:schemeClr val="accent1">
-              <a:shade val="50000"/>
-            </a:schemeClr>
-          </a:lnRef>
-          <a:fillRef idx="1">
-            <a:schemeClr val="accent1"/>
-          </a:fillRef>
-          <a:effectRef idx="0">
-            <a:schemeClr val="accent1"/>
-          </a:effectRef>
-          <a:fontRef idx="minor">
-            <a:schemeClr val="lt1"/>
-          </a:fontRef>
-        </p:style>
-        <p:txBody>
-          <a:bodyPr rtlCol="0" anchor="ctr"/>
-          <a:lstStyle/>
-          <a:p>
-            <a:pPr algn="ctr"/>
-            <a:endParaRPr lang="zh-CN" altLang="en-US"/>
-          </a:p>
-        </p:txBody>
-      </p:sp>
-      <p:sp>
-        <p:nvSpPr>
-          <p:cNvPr id="8" name="下箭头 7"/>
-          <p:cNvSpPr/>
-          <p:nvPr/>
-        </p:nvSpPr>
-        <p:spPr>
-          <a:xfrm>
-            <a:off x="6658346" y="3476580"/>
-            <a:ext cx="227127" cy="1307726"/>
-          </a:xfrm>
-          <a:prstGeom prst="downArrow">
-            <a:avLst/>
-          </a:prstGeom>
-          <a:solidFill>
-            <a:schemeClr val="accent6"/>
-          </a:solidFill>
-        </p:spPr>
-        <p:style>
-          <a:lnRef idx="2">
-            <a:schemeClr val="accent1">
-              <a:shade val="50000"/>
-            </a:schemeClr>
-          </a:lnRef>
-          <a:fillRef idx="1">
-            <a:schemeClr val="accent1"/>
-          </a:fillRef>
-          <a:effectRef idx="0">
-            <a:schemeClr val="accent1"/>
-          </a:effectRef>
-          <a:fontRef idx="minor">
-            <a:schemeClr val="lt1"/>
-          </a:fontRef>
-        </p:style>
-        <p:txBody>
-          <a:bodyPr rtlCol="0" anchor="ctr"/>
-          <a:lstStyle/>
-          <a:p>
-            <a:pPr algn="ctr"/>
-            <a:endParaRPr lang="zh-CN" altLang="en-US"/>
-          </a:p>
-        </p:txBody>
-      </p:sp>
-      <p:sp>
-        <p:nvSpPr>
-          <p:cNvPr id="9" name="矩形 8"/>
-          <p:cNvSpPr/>
-          <p:nvPr/>
-        </p:nvSpPr>
-        <p:spPr>
-          <a:xfrm>
-            <a:off x="4293970" y="3054339"/>
-            <a:ext cx="2702086" cy="338554"/>
-          </a:xfrm>
-          <a:prstGeom prst="rect">
-            <a:avLst/>
-          </a:prstGeom>
-        </p:spPr>
-        <p:txBody>
-          <a:bodyPr wrap="none">
-            <a:spAutoFit/>
-          </a:bodyPr>
-          <a:lstStyle/>
-          <a:p>
-            <a:r>
-              <a:rPr lang="en-US" altLang="zh-CN" sz="1600" dirty="0">
-                <a:solidFill>
-                  <a:srgbClr val="FF0000"/>
-                </a:solidFill>
-                <a:latin typeface="Microsoft YaHei" panose="020B0503020204020204" pitchFamily="34" charset="-122"/>
-                <a:ea typeface="Microsoft YaHei" panose="020B0503020204020204" pitchFamily="34" charset="-122"/>
-              </a:rPr>
-              <a:t>invoker&lt;Function&gt;::apply</a:t>
-            </a:r>
-            <a:endParaRPr lang="zh-CN" altLang="en-US" sz="1600" dirty="0">
-              <a:solidFill>
-                <a:srgbClr val="FF0000"/>
-              </a:solidFill>
-              <a:latin typeface="Microsoft YaHei" panose="020B0503020204020204" pitchFamily="34" charset="-122"/>
-              <a:ea typeface="Microsoft YaHei" panose="020B0503020204020204" pitchFamily="34" charset="-122"/>
-            </a:endParaRPr>
-          </a:p>
-        </p:txBody>
-      </p:sp>
-      <p:sp>
-        <p:nvSpPr>
-          <p:cNvPr id="10" name="矩形 9"/>
-          <p:cNvSpPr/>
-          <p:nvPr/>
-        </p:nvSpPr>
-        <p:spPr>
-          <a:xfrm>
-            <a:off x="6201146" y="3080915"/>
-            <a:ext cx="914400" cy="282479"/>
-          </a:xfrm>
-          <a:prstGeom prst="rect">
-            <a:avLst/>
-          </a:prstGeom>
-          <a:noFill/>
-          <a:ln>
-            <a:solidFill>
-              <a:srgbClr val="FF0000"/>
-            </a:solidFill>
-          </a:ln>
-        </p:spPr>
-        <p:style>
-          <a:lnRef idx="2">
-            <a:schemeClr val="accent1">
-              <a:shade val="50000"/>
-            </a:schemeClr>
-          </a:lnRef>
-          <a:fillRef idx="1">
-            <a:schemeClr val="accent1"/>
-          </a:fillRef>
-          <a:effectRef idx="0">
-            <a:schemeClr val="accent1"/>
-          </a:effectRef>
-          <a:fontRef idx="minor">
-            <a:schemeClr val="lt1"/>
-          </a:fontRef>
-        </p:style>
-        <p:txBody>
-          <a:bodyPr rtlCol="0" anchor="ctr"/>
-          <a:lstStyle/>
-          <a:p>
-            <a:pPr algn="ctr"/>
-            <a:endParaRPr lang="zh-CN" altLang="en-US"/>
-          </a:p>
-        </p:txBody>
-      </p:sp>
-    </p:spTree>
-    <p:extLst>
-      <p:ext uri="{BB962C8B-B14F-4D97-AF65-F5344CB8AC3E}">
-        <p14:creationId xmlns:p14="http://schemas.microsoft.com/office/powerpoint/2010/main" val="126712973"/>
-      </p:ext>
-    </p:extLst>
-  </p:cSld>
-  <p:clrMapOvr>
-    <a:masterClrMapping/>
-  </p:clrMapOvr>
-  <p:timing>
-    <p:tnLst>
-      <p:par>
-        <p:cTn id="1" dur="indefinite" restart="never" nodeType="tmRoot">
-          <p:childTnLst>
-            <p:seq concurrent="1" nextAc="seek">
-              <p:cTn id="2" dur="indefinite" nodeType="mainSeq">
-                <p:childTnLst>
-                  <p:par>
-                    <p:cTn id="3" fill="hold">
-                      <p:stCondLst>
-                        <p:cond delay="indefinite"/>
-                      </p:stCondLst>
-                      <p:childTnLst>
-                        <p:par>
-                          <p:cTn id="4" fill="hold">
-                            <p:stCondLst>
-                              <p:cond delay="0"/>
-                            </p:stCondLst>
-                            <p:childTnLst>
-                              <p:par>
-                                <p:cTn id="5" presetID="1" presetClass="entr" presetSubtype="0" fill="hold" grpId="0" nodeType="clickEffect">
-                                  <p:stCondLst>
-                                    <p:cond delay="0"/>
-                                  </p:stCondLst>
-                                  <p:childTnLst>
-                                    <p:set>
-                                      <p:cBhvr>
-                                        <p:cTn id="6" dur="1" fill="hold">
-                                          <p:stCondLst>
-                                            <p:cond delay="0"/>
-                                          </p:stCondLst>
-                                        </p:cTn>
-                                        <p:tgtEl>
-                                          <p:spTgt spid="9"/>
-                                        </p:tgtEl>
-                                        <p:attrNameLst>
-                                          <p:attrName>style.visibility</p:attrName>
-                                        </p:attrNameLst>
-                                      </p:cBhvr>
-                                      <p:to>
-                                        <p:strVal val="visible"/>
-                                      </p:to>
-                                    </p:set>
-                                  </p:childTnLst>
-                                </p:cTn>
-                              </p:par>
-                            </p:childTnLst>
-                          </p:cTn>
-                        </p:par>
-                        <p:par>
-                          <p:cTn id="7" fill="hold">
-                            <p:stCondLst>
-                              <p:cond delay="0"/>
-                            </p:stCondLst>
-                            <p:childTnLst>
-                              <p:par>
-                                <p:cTn id="8" presetID="6" presetClass="emph" presetSubtype="0" fill="hold" grpId="1" nodeType="afterEffect">
-                                  <p:stCondLst>
-                                    <p:cond delay="0"/>
-                                  </p:stCondLst>
-                                  <p:childTnLst>
-                                    <p:animScale>
-                                      <p:cBhvr>
-                                        <p:cTn id="9" dur="2000" fill="hold"/>
-                                        <p:tgtEl>
-                                          <p:spTgt spid="9"/>
-                                        </p:tgtEl>
-                                      </p:cBhvr>
-                                      <p:by x="150000" y="150000"/>
-                                    </p:animScale>
-                                  </p:childTnLst>
-                                </p:cTn>
-                              </p:par>
-                            </p:childTnLst>
-                          </p:cTn>
-                        </p:par>
-                        <p:par>
-                          <p:cTn id="10" fill="hold">
-                            <p:stCondLst>
-                              <p:cond delay="2000"/>
-                            </p:stCondLst>
-                            <p:childTnLst>
-                              <p:par>
-                                <p:cTn id="11" presetID="10" presetClass="exit" presetSubtype="0" fill="hold" grpId="2" nodeType="afterEffect">
-                                  <p:stCondLst>
-                                    <p:cond delay="0"/>
-                                  </p:stCondLst>
-                                  <p:childTnLst>
-                                    <p:animEffect transition="out" filter="fade">
-                                      <p:cBhvr>
-                                        <p:cTn id="12" dur="500"/>
-                                        <p:tgtEl>
-                                          <p:spTgt spid="9"/>
-                                        </p:tgtEl>
-                                      </p:cBhvr>
-                                    </p:animEffect>
-                                    <p:set>
-                                      <p:cBhvr>
-                                        <p:cTn id="13" dur="1" fill="hold">
-                                          <p:stCondLst>
-                                            <p:cond delay="499"/>
-                                          </p:stCondLst>
-                                        </p:cTn>
-                                        <p:tgtEl>
-                                          <p:spTgt spid="9"/>
-                                        </p:tgtEl>
-                                        <p:attrNameLst>
-                                          <p:attrName>style.visibility</p:attrName>
-                                        </p:attrNameLst>
-                                      </p:cBhvr>
-                                      <p:to>
-                                        <p:strVal val="hidden"/>
-                                      </p:to>
-                                    </p:set>
-                                  </p:childTnLst>
-                                </p:cTn>
-                              </p:par>
-                            </p:childTnLst>
-                          </p:cTn>
-                        </p:par>
-                        <p:par>
-                          <p:cTn id="14" fill="hold">
-                            <p:stCondLst>
-                              <p:cond delay="2500"/>
-                            </p:stCondLst>
-                            <p:childTnLst>
-                              <p:par>
-                                <p:cTn id="15" presetID="22" presetClass="entr" presetSubtype="1" fill="hold" grpId="0" nodeType="afterEffect">
-                                  <p:stCondLst>
-                                    <p:cond delay="0"/>
-                                  </p:stCondLst>
-                                  <p:childTnLst>
-                                    <p:set>
-                                      <p:cBhvr>
-                                        <p:cTn id="16" dur="1" fill="hold">
-                                          <p:stCondLst>
-                                            <p:cond delay="0"/>
-                                          </p:stCondLst>
-                                        </p:cTn>
-                                        <p:tgtEl>
-                                          <p:spTgt spid="7"/>
-                                        </p:tgtEl>
-                                        <p:attrNameLst>
-                                          <p:attrName>style.visibility</p:attrName>
-                                        </p:attrNameLst>
-                                      </p:cBhvr>
-                                      <p:to>
-                                        <p:strVal val="visible"/>
-                                      </p:to>
-                                    </p:set>
-                                    <p:animEffect transition="in" filter="wipe(up)">
-                                      <p:cBhvr>
-                                        <p:cTn id="17" dur="500"/>
-                                        <p:tgtEl>
-                                          <p:spTgt spid="7"/>
-                                        </p:tgtEl>
-                                      </p:cBhvr>
-                                    </p:animEffect>
-                                  </p:childTnLst>
-                                </p:cTn>
-                              </p:par>
-                            </p:childTnLst>
-                          </p:cTn>
-                        </p:par>
-                        <p:par>
-                          <p:cTn id="18" fill="hold">
-                            <p:stCondLst>
-                              <p:cond delay="3000"/>
-                            </p:stCondLst>
-                            <p:childTnLst>
-                              <p:par>
-                                <p:cTn id="19" presetID="22" presetClass="entr" presetSubtype="1" fill="hold" nodeType="afterEffect">
-                                  <p:stCondLst>
-                                    <p:cond delay="0"/>
-                                  </p:stCondLst>
-                                  <p:childTnLst>
-                                    <p:set>
-                                      <p:cBhvr>
-                                        <p:cTn id="20" dur="1" fill="hold">
-                                          <p:stCondLst>
-                                            <p:cond delay="0"/>
-                                          </p:stCondLst>
-                                        </p:cTn>
-                                        <p:tgtEl>
-                                          <p:spTgt spid="3">
-                                            <p:txEl>
-                                              <p:pRg st="9" end="9"/>
-                                            </p:txEl>
-                                          </p:spTgt>
-                                        </p:tgtEl>
-                                        <p:attrNameLst>
-                                          <p:attrName>style.visibility</p:attrName>
-                                        </p:attrNameLst>
-                                      </p:cBhvr>
-                                      <p:to>
-                                        <p:strVal val="visible"/>
-                                      </p:to>
-                                    </p:set>
-                                    <p:animEffect transition="in" filter="wipe(up)">
-                                      <p:cBhvr>
-                                        <p:cTn id="21" dur="500"/>
-                                        <p:tgtEl>
-                                          <p:spTgt spid="3">
-                                            <p:txEl>
-                                              <p:pRg st="9" end="9"/>
-                                            </p:txEl>
-                                          </p:spTgt>
-                                        </p:tgtEl>
-                                      </p:cBhvr>
-                                    </p:animEffect>
-                                  </p:childTnLst>
-                                </p:cTn>
-                              </p:par>
-                            </p:childTnLst>
-                          </p:cTn>
-                        </p:par>
-                      </p:childTnLst>
-                    </p:cTn>
-                  </p:par>
-                  <p:par>
-                    <p:cTn id="22" fill="hold">
-                      <p:stCondLst>
-                        <p:cond delay="indefinite"/>
-                      </p:stCondLst>
-                      <p:childTnLst>
-                        <p:par>
-                          <p:cTn id="23" fill="hold">
-                            <p:stCondLst>
-                              <p:cond delay="0"/>
-                            </p:stCondLst>
-                            <p:childTnLst>
-                              <p:par>
-                                <p:cTn id="24" presetID="31" presetClass="entr" presetSubtype="0" fill="hold" grpId="0" nodeType="clickEffect">
-                                  <p:stCondLst>
-                                    <p:cond delay="0"/>
-                                  </p:stCondLst>
-                                  <p:childTnLst>
-                                    <p:set>
-                                      <p:cBhvr>
-                                        <p:cTn id="25" dur="1" fill="hold">
-                                          <p:stCondLst>
-                                            <p:cond delay="0"/>
-                                          </p:stCondLst>
-                                        </p:cTn>
-                                        <p:tgtEl>
-                                          <p:spTgt spid="10"/>
-                                        </p:tgtEl>
-                                        <p:attrNameLst>
-                                          <p:attrName>style.visibility</p:attrName>
-                                        </p:attrNameLst>
-                                      </p:cBhvr>
-                                      <p:to>
-                                        <p:strVal val="visible"/>
-                                      </p:to>
-                                    </p:set>
-                                    <p:anim calcmode="lin" valueType="num">
-                                      <p:cBhvr>
-                                        <p:cTn id="26" dur="1000" fill="hold"/>
-                                        <p:tgtEl>
-                                          <p:spTgt spid="10"/>
-                                        </p:tgtEl>
-                                        <p:attrNameLst>
-                                          <p:attrName>ppt_w</p:attrName>
-                                        </p:attrNameLst>
-                                      </p:cBhvr>
-                                      <p:tavLst>
-                                        <p:tav tm="0">
-                                          <p:val>
-                                            <p:fltVal val="0"/>
-                                          </p:val>
-                                        </p:tav>
-                                        <p:tav tm="100000">
-                                          <p:val>
-                                            <p:strVal val="#ppt_w"/>
-                                          </p:val>
-                                        </p:tav>
-                                      </p:tavLst>
-                                    </p:anim>
-                                    <p:anim calcmode="lin" valueType="num">
-                                      <p:cBhvr>
-                                        <p:cTn id="27" dur="1000" fill="hold"/>
-                                        <p:tgtEl>
-                                          <p:spTgt spid="10"/>
-                                        </p:tgtEl>
-                                        <p:attrNameLst>
-                                          <p:attrName>ppt_h</p:attrName>
-                                        </p:attrNameLst>
-                                      </p:cBhvr>
-                                      <p:tavLst>
-                                        <p:tav tm="0">
-                                          <p:val>
-                                            <p:fltVal val="0"/>
-                                          </p:val>
-                                        </p:tav>
-                                        <p:tav tm="100000">
-                                          <p:val>
-                                            <p:strVal val="#ppt_h"/>
-                                          </p:val>
-                                        </p:tav>
-                                      </p:tavLst>
-                                    </p:anim>
-                                    <p:anim calcmode="lin" valueType="num">
-                                      <p:cBhvr>
-                                        <p:cTn id="28" dur="1000" fill="hold"/>
-                                        <p:tgtEl>
-                                          <p:spTgt spid="10"/>
-                                        </p:tgtEl>
-                                        <p:attrNameLst>
-                                          <p:attrName>style.rotation</p:attrName>
-                                        </p:attrNameLst>
-                                      </p:cBhvr>
-                                      <p:tavLst>
-                                        <p:tav tm="0">
-                                          <p:val>
-                                            <p:fltVal val="90"/>
-                                          </p:val>
-                                        </p:tav>
-                                        <p:tav tm="100000">
-                                          <p:val>
-                                            <p:fltVal val="0"/>
-                                          </p:val>
-                                        </p:tav>
-                                      </p:tavLst>
-                                    </p:anim>
-                                    <p:animEffect transition="in" filter="fade">
-                                      <p:cBhvr>
-                                        <p:cTn id="29" dur="1000"/>
-                                        <p:tgtEl>
-                                          <p:spTgt spid="10"/>
-                                        </p:tgtEl>
-                                      </p:cBhvr>
-                                    </p:animEffect>
-                                  </p:childTnLst>
-                                </p:cTn>
-                              </p:par>
-                            </p:childTnLst>
-                          </p:cTn>
-                        </p:par>
-                        <p:par>
-                          <p:cTn id="30" fill="hold">
-                            <p:stCondLst>
-                              <p:cond delay="1000"/>
-                            </p:stCondLst>
-                            <p:childTnLst>
-                              <p:par>
-                                <p:cTn id="31" presetID="22" presetClass="entr" presetSubtype="1" fill="hold" grpId="0" nodeType="afterEffect">
-                                  <p:stCondLst>
-                                    <p:cond delay="0"/>
-                                  </p:stCondLst>
-                                  <p:childTnLst>
-                                    <p:set>
-                                      <p:cBhvr>
-                                        <p:cTn id="32" dur="1" fill="hold">
-                                          <p:stCondLst>
-                                            <p:cond delay="0"/>
-                                          </p:stCondLst>
-                                        </p:cTn>
-                                        <p:tgtEl>
-                                          <p:spTgt spid="8"/>
-                                        </p:tgtEl>
-                                        <p:attrNameLst>
-                                          <p:attrName>style.visibility</p:attrName>
-                                        </p:attrNameLst>
-                                      </p:cBhvr>
-                                      <p:to>
-                                        <p:strVal val="visible"/>
-                                      </p:to>
-                                    </p:set>
-                                    <p:animEffect transition="in" filter="wipe(up)">
-                                      <p:cBhvr>
-                                        <p:cTn id="33" dur="500"/>
-                                        <p:tgtEl>
-                                          <p:spTgt spid="8"/>
-                                        </p:tgtEl>
-                                      </p:cBhvr>
-                                    </p:animEffect>
-                                  </p:childTnLst>
-                                </p:cTn>
-                              </p:par>
-                            </p:childTnLst>
-                          </p:cTn>
-                        </p:par>
-                        <p:par>
-                          <p:cTn id="34" fill="hold">
-                            <p:stCondLst>
-                              <p:cond delay="1500"/>
-                            </p:stCondLst>
-                            <p:childTnLst>
-                              <p:par>
-                                <p:cTn id="35" presetID="22" presetClass="entr" presetSubtype="1" fill="hold" nodeType="afterEffect">
-                                  <p:stCondLst>
-                                    <p:cond delay="0"/>
-                                  </p:stCondLst>
-                                  <p:childTnLst>
-                                    <p:set>
-                                      <p:cBhvr>
-                                        <p:cTn id="36" dur="1" fill="hold">
-                                          <p:stCondLst>
-                                            <p:cond delay="0"/>
-                                          </p:stCondLst>
-                                        </p:cTn>
-                                        <p:tgtEl>
-                                          <p:spTgt spid="3">
-                                            <p:txEl>
-                                              <p:pRg st="11" end="11"/>
-                                            </p:txEl>
-                                          </p:spTgt>
-                                        </p:tgtEl>
-                                        <p:attrNameLst>
-                                          <p:attrName>style.visibility</p:attrName>
-                                        </p:attrNameLst>
-                                      </p:cBhvr>
-                                      <p:to>
-                                        <p:strVal val="visible"/>
-                                      </p:to>
-                                    </p:set>
-                                    <p:animEffect transition="in" filter="wipe(up)">
-                                      <p:cBhvr>
-                                        <p:cTn id="37" dur="500"/>
-                                        <p:tgtEl>
-                                          <p:spTgt spid="3">
-                                            <p:txEl>
-                                              <p:pRg st="11" end="11"/>
-                                            </p:txEl>
-                                          </p:spTgt>
-                                        </p:tgtEl>
-                                      </p:cBhvr>
-                                    </p:animEffect>
-                                  </p:childTnLst>
-                                </p:cTn>
-                              </p:par>
-                            </p:childTnLst>
-                          </p:cTn>
-                        </p:par>
-                      </p:childTnLst>
-                    </p:cTn>
-                  </p:par>
-                  <p:par>
-                    <p:cTn id="38" fill="hold">
-                      <p:stCondLst>
-                        <p:cond delay="indefinite"/>
-                      </p:stCondLst>
-                      <p:childTnLst>
-                        <p:par>
-                          <p:cTn id="39" fill="hold">
-                            <p:stCondLst>
-                              <p:cond delay="0"/>
-                            </p:stCondLst>
-                            <p:childTnLst>
-                              <p:par>
-                                <p:cTn id="40" presetID="26" presetClass="entr" presetSubtype="0" fill="hold" nodeType="clickEffect">
-                                  <p:stCondLst>
-                                    <p:cond delay="0"/>
-                                  </p:stCondLst>
-                                  <p:childTnLst>
-                                    <p:set>
-                                      <p:cBhvr>
-                                        <p:cTn id="41" dur="1" fill="hold">
-                                          <p:stCondLst>
-                                            <p:cond delay="0"/>
-                                          </p:stCondLst>
-                                        </p:cTn>
-                                        <p:tgtEl>
-                                          <p:spTgt spid="3">
-                                            <p:txEl>
-                                              <p:pRg st="13" end="13"/>
-                                            </p:txEl>
-                                          </p:spTgt>
-                                        </p:tgtEl>
-                                        <p:attrNameLst>
-                                          <p:attrName>style.visibility</p:attrName>
-                                        </p:attrNameLst>
-                                      </p:cBhvr>
-                                      <p:to>
-                                        <p:strVal val="visible"/>
-                                      </p:to>
-                                    </p:set>
-                                    <p:animEffect transition="in" filter="wipe(down)">
-                                      <p:cBhvr>
-                                        <p:cTn id="42" dur="580">
-                                          <p:stCondLst>
-                                            <p:cond delay="0"/>
-                                          </p:stCondLst>
-                                        </p:cTn>
-                                        <p:tgtEl>
-                                          <p:spTgt spid="3">
-                                            <p:txEl>
-                                              <p:pRg st="13" end="13"/>
-                                            </p:txEl>
-                                          </p:spTgt>
-                                        </p:tgtEl>
-                                      </p:cBhvr>
-                                    </p:animEffect>
-                                    <p:anim calcmode="lin" valueType="num">
-                                      <p:cBhvr>
-                                        <p:cTn id="43" dur="1822" tmFilter="0,0; 0.14,0.36; 0.43,0.73; 0.71,0.91; 1.0,1.0">
-                                          <p:stCondLst>
-                                            <p:cond delay="0"/>
-                                          </p:stCondLst>
-                                        </p:cTn>
-                                        <p:tgtEl>
-                                          <p:spTgt spid="3">
-                                            <p:txEl>
-                                              <p:pRg st="13" end="13"/>
-                                            </p:txEl>
-                                          </p:spTgt>
-                                        </p:tgtEl>
-                                        <p:attrNameLst>
-                                          <p:attrName>ppt_x</p:attrName>
-                                        </p:attrNameLst>
-                                      </p:cBhvr>
-                                      <p:tavLst>
-                                        <p:tav tm="0">
-                                          <p:val>
-                                            <p:strVal val="#ppt_x-0.25"/>
-                                          </p:val>
-                                        </p:tav>
-                                        <p:tav tm="100000">
-                                          <p:val>
-                                            <p:strVal val="#ppt_x"/>
-                                          </p:val>
-                                        </p:tav>
-                                      </p:tavLst>
-                                    </p:anim>
-                                    <p:anim calcmode="lin" valueType="num">
-                                      <p:cBhvr>
-                                        <p:cTn id="44" dur="664" tmFilter="0.0,0.0; 0.25,0.07; 0.50,0.2; 0.75,0.467; 1.0,1.0">
-                                          <p:stCondLst>
-                                            <p:cond delay="0"/>
-                                          </p:stCondLst>
-                                        </p:cTn>
-                                        <p:tgtEl>
-                                          <p:spTgt spid="3">
-                                            <p:txEl>
-                                              <p:pRg st="13" end="13"/>
-                                            </p:txEl>
-                                          </p:spTgt>
-                                        </p:tgtEl>
-                                        <p:attrNameLst>
-                                          <p:attrName>ppt_y</p:attrName>
-                                        </p:attrNameLst>
-                                      </p:cBhvr>
-                                      <p:tavLst>
-                                        <p:tav tm="0" fmla="#ppt_y-sin(pi*$)/3">
-                                          <p:val>
-                                            <p:fltVal val="0.5"/>
-                                          </p:val>
-                                        </p:tav>
-                                        <p:tav tm="100000">
-                                          <p:val>
-                                            <p:fltVal val="1"/>
-                                          </p:val>
-                                        </p:tav>
-                                      </p:tavLst>
-                                    </p:anim>
-                                    <p:anim calcmode="lin" valueType="num">
-                                      <p:cBhvr>
-                                        <p:cTn id="45" dur="664" tmFilter="0, 0; 0.125,0.2665; 0.25,0.4; 0.375,0.465; 0.5,0.5;  0.625,0.535; 0.75,0.6; 0.875,0.7335; 1,1">
-                                          <p:stCondLst>
-                                            <p:cond delay="664"/>
-                                          </p:stCondLst>
-                                        </p:cTn>
-                                        <p:tgtEl>
-                                          <p:spTgt spid="3">
-                                            <p:txEl>
-                                              <p:pRg st="13" end="13"/>
-                                            </p:txEl>
-                                          </p:spTgt>
-                                        </p:tgtEl>
-                                        <p:attrNameLst>
-                                          <p:attrName>ppt_y</p:attrName>
-                                        </p:attrNameLst>
-                                      </p:cBhvr>
-                                      <p:tavLst>
-                                        <p:tav tm="0" fmla="#ppt_y-sin(pi*$)/9">
-                                          <p:val>
-                                            <p:fltVal val="0"/>
-                                          </p:val>
-                                        </p:tav>
-                                        <p:tav tm="100000">
-                                          <p:val>
-                                            <p:fltVal val="1"/>
-                                          </p:val>
-                                        </p:tav>
-                                      </p:tavLst>
-                                    </p:anim>
-                                    <p:anim calcmode="lin" valueType="num">
-                                      <p:cBhvr>
-                                        <p:cTn id="46" dur="332" tmFilter="0, 0; 0.125,0.2665; 0.25,0.4; 0.375,0.465; 0.5,0.5;  0.625,0.535; 0.75,0.6; 0.875,0.7335; 1,1">
-                                          <p:stCondLst>
-                                            <p:cond delay="1324"/>
-                                          </p:stCondLst>
-                                        </p:cTn>
-                                        <p:tgtEl>
-                                          <p:spTgt spid="3">
-                                            <p:txEl>
-                                              <p:pRg st="13" end="13"/>
-                                            </p:txEl>
-                                          </p:spTgt>
-                                        </p:tgtEl>
-                                        <p:attrNameLst>
-                                          <p:attrName>ppt_y</p:attrName>
-                                        </p:attrNameLst>
-                                      </p:cBhvr>
-                                      <p:tavLst>
-                                        <p:tav tm="0" fmla="#ppt_y-sin(pi*$)/27">
-                                          <p:val>
-                                            <p:fltVal val="0"/>
-                                          </p:val>
-                                        </p:tav>
-                                        <p:tav tm="100000">
-                                          <p:val>
-                                            <p:fltVal val="1"/>
-                                          </p:val>
-                                        </p:tav>
-                                      </p:tavLst>
-                                    </p:anim>
-                                    <p:anim calcmode="lin" valueType="num">
-                                      <p:cBhvr>
-                                        <p:cTn id="47" dur="164" tmFilter="0, 0; 0.125,0.2665; 0.25,0.4; 0.375,0.465; 0.5,0.5;  0.625,0.535; 0.75,0.6; 0.875,0.7335; 1,1">
-                                          <p:stCondLst>
-                                            <p:cond delay="1656"/>
-                                          </p:stCondLst>
-                                        </p:cTn>
-                                        <p:tgtEl>
-                                          <p:spTgt spid="3">
-                                            <p:txEl>
-                                              <p:pRg st="13" end="13"/>
-                                            </p:txEl>
-                                          </p:spTgt>
-                                        </p:tgtEl>
-                                        <p:attrNameLst>
-                                          <p:attrName>ppt_y</p:attrName>
-                                        </p:attrNameLst>
-                                      </p:cBhvr>
-                                      <p:tavLst>
-                                        <p:tav tm="0" fmla="#ppt_y-sin(pi*$)/81">
-                                          <p:val>
-                                            <p:fltVal val="0"/>
-                                          </p:val>
-                                        </p:tav>
-                                        <p:tav tm="100000">
-                                          <p:val>
-                                            <p:fltVal val="1"/>
-                                          </p:val>
-                                        </p:tav>
-                                      </p:tavLst>
-                                    </p:anim>
-                                    <p:animScale>
-                                      <p:cBhvr>
-                                        <p:cTn id="48" dur="26">
-                                          <p:stCondLst>
-                                            <p:cond delay="650"/>
-                                          </p:stCondLst>
-                                        </p:cTn>
-                                        <p:tgtEl>
-                                          <p:spTgt spid="3">
-                                            <p:txEl>
-                                              <p:pRg st="13" end="13"/>
-                                            </p:txEl>
-                                          </p:spTgt>
-                                        </p:tgtEl>
-                                      </p:cBhvr>
-                                      <p:to x="100000" y="60000"/>
-                                    </p:animScale>
-                                    <p:animScale>
-                                      <p:cBhvr>
-                                        <p:cTn id="49" dur="166" decel="50000">
-                                          <p:stCondLst>
-                                            <p:cond delay="676"/>
-                                          </p:stCondLst>
-                                        </p:cTn>
-                                        <p:tgtEl>
-                                          <p:spTgt spid="3">
-                                            <p:txEl>
-                                              <p:pRg st="13" end="13"/>
-                                            </p:txEl>
-                                          </p:spTgt>
-                                        </p:tgtEl>
-                                      </p:cBhvr>
-                                      <p:to x="100000" y="100000"/>
-                                    </p:animScale>
-                                    <p:animScale>
-                                      <p:cBhvr>
-                                        <p:cTn id="50" dur="26">
-                                          <p:stCondLst>
-                                            <p:cond delay="1312"/>
-                                          </p:stCondLst>
-                                        </p:cTn>
-                                        <p:tgtEl>
-                                          <p:spTgt spid="3">
-                                            <p:txEl>
-                                              <p:pRg st="13" end="13"/>
-                                            </p:txEl>
-                                          </p:spTgt>
-                                        </p:tgtEl>
-                                      </p:cBhvr>
-                                      <p:to x="100000" y="80000"/>
-                                    </p:animScale>
-                                    <p:animScale>
-                                      <p:cBhvr>
-                                        <p:cTn id="51" dur="166" decel="50000">
-                                          <p:stCondLst>
-                                            <p:cond delay="1338"/>
-                                          </p:stCondLst>
-                                        </p:cTn>
-                                        <p:tgtEl>
-                                          <p:spTgt spid="3">
-                                            <p:txEl>
-                                              <p:pRg st="13" end="13"/>
-                                            </p:txEl>
-                                          </p:spTgt>
-                                        </p:tgtEl>
-                                      </p:cBhvr>
-                                      <p:to x="100000" y="100000"/>
-                                    </p:animScale>
-                                    <p:animScale>
-                                      <p:cBhvr>
-                                        <p:cTn id="52" dur="26">
-                                          <p:stCondLst>
-                                            <p:cond delay="1642"/>
-                                          </p:stCondLst>
-                                        </p:cTn>
-                                        <p:tgtEl>
-                                          <p:spTgt spid="3">
-                                            <p:txEl>
-                                              <p:pRg st="13" end="13"/>
-                                            </p:txEl>
-                                          </p:spTgt>
-                                        </p:tgtEl>
-                                      </p:cBhvr>
-                                      <p:to x="100000" y="90000"/>
-                                    </p:animScale>
-                                    <p:animScale>
-                                      <p:cBhvr>
-                                        <p:cTn id="53" dur="166" decel="50000">
-                                          <p:stCondLst>
-                                            <p:cond delay="1668"/>
-                                          </p:stCondLst>
-                                        </p:cTn>
-                                        <p:tgtEl>
-                                          <p:spTgt spid="3">
-                                            <p:txEl>
-                                              <p:pRg st="13" end="13"/>
-                                            </p:txEl>
-                                          </p:spTgt>
-                                        </p:tgtEl>
-                                      </p:cBhvr>
-                                      <p:to x="100000" y="100000"/>
-                                    </p:animScale>
-                                    <p:animScale>
-                                      <p:cBhvr>
-                                        <p:cTn id="54" dur="26">
-                                          <p:stCondLst>
-                                            <p:cond delay="1808"/>
-                                          </p:stCondLst>
-                                        </p:cTn>
-                                        <p:tgtEl>
-                                          <p:spTgt spid="3">
-                                            <p:txEl>
-                                              <p:pRg st="13" end="13"/>
-                                            </p:txEl>
-                                          </p:spTgt>
-                                        </p:tgtEl>
-                                      </p:cBhvr>
-                                      <p:to x="100000" y="95000"/>
-                                    </p:animScale>
-                                    <p:animScale>
-                                      <p:cBhvr>
-                                        <p:cTn id="55" dur="166" decel="50000">
-                                          <p:stCondLst>
-                                            <p:cond delay="1834"/>
-                                          </p:stCondLst>
-                                        </p:cTn>
-                                        <p:tgtEl>
-                                          <p:spTgt spid="3">
-                                            <p:txEl>
-                                              <p:pRg st="13" end="13"/>
-                                            </p:txEl>
-                                          </p:spTgt>
-                                        </p:tgtEl>
-                                      </p:cBhvr>
-                                      <p:to x="100000" y="100000"/>
-                                    </p:animScale>
-                                  </p:childTnLst>
-                                </p:cTn>
-                              </p:par>
-                            </p:childTnLst>
-                          </p:cTn>
-                        </p:par>
-                      </p:childTnLst>
-                    </p:cTn>
-                  </p:par>
-                </p:childTnLst>
-              </p:cTn>
-              <p:prevCondLst>
-                <p:cond evt="onPrev" delay="0">
-                  <p:tgtEl>
-                    <p:sldTgt/>
-                  </p:tgtEl>
-                </p:cond>
-              </p:prevCondLst>
-              <p:nextCondLst>
-                <p:cond evt="onNext" delay="0">
-                  <p:tgtEl>
-                    <p:sldTgt/>
-                  </p:tgtEl>
-                </p:cond>
-              </p:nextCondLst>
-            </p:seq>
-          </p:childTnLst>
-        </p:cTn>
-      </p:par>
-    </p:tnLst>
-    <p:bldLst>
-      <p:bldP spid="7" grpId="0" animBg="1"/>
-      <p:bldP spid="8" grpId="0" animBg="1"/>
-      <p:bldP spid="9" grpId="0"/>
-      <p:bldP spid="9" grpId="1"/>
-      <p:bldP spid="9" grpId="2"/>
-      <p:bldP spid="10" grpId="0" animBg="1"/>
-    </p:bldLst>
-  </p:timing>
-</p:sld>
-</file>
-
 <file path=ppt/slides/slide2.xml><?xml version="1.0" encoding="utf-8"?>
 <p:sld xmlns:a="http://schemas.openxmlformats.org/drawingml/2006/main" xmlns:r="http://schemas.openxmlformats.org/officeDocument/2006/relationships" xmlns:p="http://schemas.openxmlformats.org/presentationml/2006/main">
   <p:cSld>
@@ -13297,13 +12909,8 @@
           <a:p>
             <a:r>
               <a:rPr lang="en-US" altLang="zh-CN" dirty="0" smtClean="0"/>
-              <a:t>3.Challenges </a:t>
-            </a:r>
-            <a:r>
-              <a:rPr lang="en-US" altLang="zh-CN" dirty="0" smtClean="0"/>
-              <a:t>of easy to use</a:t>
-            </a:r>
-            <a:endParaRPr lang="en-US" altLang="zh-CN" dirty="0" smtClean="0"/>
+              <a:t>3.Challenges of easy to use</a:t>
+            </a:r>
           </a:p>
           <a:p>
             <a:endParaRPr lang="en-US" altLang="zh-CN" dirty="0" smtClean="0"/>
@@ -13420,6 +13027,1308 @@
           </a:p>
           <a:p>
             <a:r>
+              <a:rPr lang="en-US" altLang="zh-CN" dirty="0"/>
+              <a:t>void </a:t>
+            </a:r>
+            <a:r>
+              <a:rPr lang="en-US" altLang="zh-CN" dirty="0" err="1"/>
+              <a:t>register_handler</a:t>
+            </a:r>
+            <a:r>
+              <a:rPr lang="en-US" altLang="zh-CN" dirty="0"/>
+              <a:t>(</a:t>
+            </a:r>
+            <a:r>
+              <a:rPr lang="en-US" altLang="zh-CN" dirty="0" err="1"/>
+              <a:t>std</a:t>
+            </a:r>
+            <a:r>
+              <a:rPr lang="en-US" altLang="zh-CN" dirty="0"/>
+              <a:t>::string </a:t>
+            </a:r>
+            <a:r>
+              <a:rPr lang="en-US" altLang="zh-CN" dirty="0" err="1"/>
+              <a:t>const</a:t>
+            </a:r>
+            <a:r>
+              <a:rPr lang="en-US" altLang="zh-CN" dirty="0"/>
+              <a:t> &amp; name, </a:t>
+            </a:r>
+            <a:r>
+              <a:rPr lang="en-US" altLang="zh-CN" dirty="0" err="1"/>
+              <a:t>const</a:t>
+            </a:r>
+            <a:r>
+              <a:rPr lang="en-US" altLang="zh-CN" dirty="0"/>
+              <a:t> Function&amp; f</a:t>
+            </a:r>
+            <a:r>
+              <a:rPr lang="en-US" altLang="zh-CN" dirty="0" smtClean="0"/>
+              <a:t>)</a:t>
+            </a:r>
+          </a:p>
+          <a:p>
+            <a:r>
+              <a:rPr lang="en-US" altLang="zh-CN" dirty="0" smtClean="0"/>
+              <a:t>{</a:t>
+            </a:r>
+          </a:p>
+          <a:p>
+            <a:r>
+              <a:rPr lang="en-US" altLang="zh-CN" dirty="0" smtClean="0"/>
+              <a:t>    </a:t>
+            </a:r>
+            <a:r>
+              <a:rPr lang="en-US" altLang="zh-CN" dirty="0"/>
+              <a:t>using </a:t>
+            </a:r>
+            <a:r>
+              <a:rPr lang="en-US" altLang="zh-CN" dirty="0" err="1"/>
+              <a:t>std</a:t>
+            </a:r>
+            <a:r>
+              <a:rPr lang="en-US" altLang="zh-CN" dirty="0"/>
+              <a:t>::placeholders::_1;</a:t>
+            </a:r>
+          </a:p>
+          <a:p>
+            <a:endParaRPr lang="en-US" altLang="zh-CN" dirty="0"/>
+          </a:p>
+          <a:p>
+            <a:r>
+              <a:rPr lang="en-US" altLang="zh-CN" dirty="0"/>
+              <a:t>    </a:t>
+            </a:r>
+            <a:r>
+              <a:rPr lang="en-US" altLang="zh-CN" dirty="0" err="1"/>
+              <a:t>std</a:t>
+            </a:r>
+            <a:r>
+              <a:rPr lang="en-US" altLang="zh-CN" dirty="0"/>
+              <a:t>::map&lt;</a:t>
+            </a:r>
+            <a:r>
+              <a:rPr lang="en-US" altLang="zh-CN" dirty="0" err="1"/>
+              <a:t>std</a:t>
+            </a:r>
+            <a:r>
+              <a:rPr lang="en-US" altLang="zh-CN" dirty="0"/>
+              <a:t>::string, </a:t>
+            </a:r>
+            <a:r>
+              <a:rPr lang="en-US" altLang="zh-CN" dirty="0" err="1"/>
+              <a:t>std</a:t>
+            </a:r>
+            <a:r>
+              <a:rPr lang="en-US" altLang="zh-CN" dirty="0"/>
+              <a:t>::function&lt;void(void*)&gt;&gt; invokers;</a:t>
+            </a:r>
+          </a:p>
+          <a:p>
+            <a:r>
+              <a:rPr lang="en-US" altLang="zh-CN" dirty="0"/>
+              <a:t>    this-&gt;invokers[name] = { </a:t>
+            </a:r>
+            <a:r>
+              <a:rPr lang="en-US" altLang="zh-CN" dirty="0" err="1" smtClean="0"/>
+              <a:t>std</a:t>
+            </a:r>
+            <a:r>
+              <a:rPr lang="en-US" altLang="zh-CN" dirty="0"/>
+              <a:t>::bind(&amp;invoker&lt;Function&gt;::apply, f, _1) </a:t>
+            </a:r>
+            <a:r>
+              <a:rPr lang="en-US" altLang="zh-CN" dirty="0" smtClean="0"/>
+              <a:t>};</a:t>
+            </a:r>
+            <a:endParaRPr lang="en-US" altLang="zh-CN" dirty="0"/>
+          </a:p>
+          <a:p>
+            <a:r>
+              <a:rPr lang="en-US" altLang="zh-CN" dirty="0" smtClean="0"/>
+              <a:t>}</a:t>
+            </a:r>
+          </a:p>
+          <a:p>
+            <a:endParaRPr lang="en-US" altLang="zh-CN" dirty="0" smtClean="0"/>
+          </a:p>
+          <a:p>
+            <a:r>
+              <a:rPr lang="en-US" altLang="zh-CN" dirty="0" smtClean="0">
+                <a:solidFill>
+                  <a:srgbClr val="FF0000"/>
+                </a:solidFill>
+              </a:rPr>
+              <a:t>		can accept any function</a:t>
+            </a:r>
+          </a:p>
+          <a:p>
+            <a:endParaRPr lang="en-US" altLang="zh-CN" dirty="0" smtClean="0"/>
+          </a:p>
+          <a:p>
+            <a:r>
+              <a:rPr lang="en-US" altLang="zh-CN" dirty="0" smtClean="0">
+                <a:solidFill>
+                  <a:srgbClr val="FF0000"/>
+                </a:solidFill>
+              </a:rPr>
+              <a:t> 	               wrapper function and real function are composed by </a:t>
+            </a:r>
+            <a:r>
+              <a:rPr lang="en-US" altLang="zh-CN" dirty="0" err="1" smtClean="0">
+                <a:solidFill>
+                  <a:srgbClr val="FF0000"/>
+                </a:solidFill>
+              </a:rPr>
+              <a:t>std</a:t>
+            </a:r>
+            <a:r>
+              <a:rPr lang="en-US" altLang="zh-CN" dirty="0" smtClean="0">
+                <a:solidFill>
+                  <a:srgbClr val="FF0000"/>
+                </a:solidFill>
+              </a:rPr>
+              <a:t>::bind</a:t>
+            </a:r>
+          </a:p>
+          <a:p>
+            <a:endParaRPr lang="en-US" altLang="zh-CN" dirty="0">
+              <a:solidFill>
+                <a:srgbClr val="FF0000"/>
+              </a:solidFill>
+            </a:endParaRPr>
+          </a:p>
+          <a:p>
+            <a:r>
+              <a:rPr lang="en-US" altLang="zh-CN" dirty="0" smtClean="0">
+                <a:solidFill>
+                  <a:srgbClr val="FF0000"/>
+                </a:solidFill>
+              </a:rPr>
+              <a:t>		</a:t>
+            </a:r>
+            <a:r>
+              <a:rPr lang="en-US" altLang="zh-CN" dirty="0" err="1" smtClean="0">
+                <a:solidFill>
+                  <a:srgbClr val="FF0000"/>
+                </a:solidFill>
+              </a:rPr>
+              <a:t>std</a:t>
+            </a:r>
+            <a:r>
+              <a:rPr lang="en-US" altLang="zh-CN" dirty="0">
+                <a:solidFill>
+                  <a:srgbClr val="FF0000"/>
+                </a:solidFill>
+              </a:rPr>
+              <a:t>::</a:t>
+            </a:r>
+            <a:r>
+              <a:rPr lang="zh-CN" altLang="en-US" dirty="0">
+                <a:solidFill>
+                  <a:srgbClr val="FF0000"/>
+                </a:solidFill>
+              </a:rPr>
+              <a:t>function </a:t>
+            </a:r>
+            <a:r>
+              <a:rPr lang="en-US" altLang="zh-CN" dirty="0">
+                <a:solidFill>
+                  <a:srgbClr val="FF0000"/>
+                </a:solidFill>
+              </a:rPr>
+              <a:t>erase function type</a:t>
+            </a:r>
+          </a:p>
+          <a:p>
+            <a:endParaRPr lang="zh-CN" altLang="en-US" dirty="0">
+              <a:solidFill>
+                <a:srgbClr val="FF0000"/>
+              </a:solidFill>
+            </a:endParaRPr>
+          </a:p>
+        </p:txBody>
+      </p:sp>
+      <p:sp>
+        <p:nvSpPr>
+          <p:cNvPr id="7" name="下箭头 6"/>
+          <p:cNvSpPr/>
+          <p:nvPr/>
+        </p:nvSpPr>
+        <p:spPr>
+          <a:xfrm rot="4075659">
+            <a:off x="5232572" y="2881214"/>
+            <a:ext cx="227127" cy="1753159"/>
+          </a:xfrm>
+          <a:prstGeom prst="downArrow">
+            <a:avLst/>
+          </a:prstGeom>
+          <a:solidFill>
+            <a:schemeClr val="accent6"/>
+          </a:solidFill>
+        </p:spPr>
+        <p:style>
+          <a:lnRef idx="2">
+            <a:schemeClr val="accent1">
+              <a:shade val="50000"/>
+            </a:schemeClr>
+          </a:lnRef>
+          <a:fillRef idx="1">
+            <a:schemeClr val="accent1"/>
+          </a:fillRef>
+          <a:effectRef idx="0">
+            <a:schemeClr val="accent1"/>
+          </a:effectRef>
+          <a:fontRef idx="minor">
+            <a:schemeClr val="lt1"/>
+          </a:fontRef>
+        </p:style>
+        <p:txBody>
+          <a:bodyPr rtlCol="0" anchor="ctr"/>
+          <a:lstStyle/>
+          <a:p>
+            <a:pPr algn="ctr"/>
+            <a:endParaRPr lang="zh-CN" altLang="en-US"/>
+          </a:p>
+        </p:txBody>
+      </p:sp>
+      <p:sp>
+        <p:nvSpPr>
+          <p:cNvPr id="8" name="下箭头 7"/>
+          <p:cNvSpPr/>
+          <p:nvPr/>
+        </p:nvSpPr>
+        <p:spPr>
+          <a:xfrm>
+            <a:off x="6658346" y="3476580"/>
+            <a:ext cx="227127" cy="1307726"/>
+          </a:xfrm>
+          <a:prstGeom prst="downArrow">
+            <a:avLst/>
+          </a:prstGeom>
+          <a:solidFill>
+            <a:schemeClr val="accent6"/>
+          </a:solidFill>
+        </p:spPr>
+        <p:style>
+          <a:lnRef idx="2">
+            <a:schemeClr val="accent1">
+              <a:shade val="50000"/>
+            </a:schemeClr>
+          </a:lnRef>
+          <a:fillRef idx="1">
+            <a:schemeClr val="accent1"/>
+          </a:fillRef>
+          <a:effectRef idx="0">
+            <a:schemeClr val="accent1"/>
+          </a:effectRef>
+          <a:fontRef idx="minor">
+            <a:schemeClr val="lt1"/>
+          </a:fontRef>
+        </p:style>
+        <p:txBody>
+          <a:bodyPr rtlCol="0" anchor="ctr"/>
+          <a:lstStyle/>
+          <a:p>
+            <a:pPr algn="ctr"/>
+            <a:endParaRPr lang="zh-CN" altLang="en-US"/>
+          </a:p>
+        </p:txBody>
+      </p:sp>
+      <p:sp>
+        <p:nvSpPr>
+          <p:cNvPr id="9" name="矩形 8"/>
+          <p:cNvSpPr/>
+          <p:nvPr/>
+        </p:nvSpPr>
+        <p:spPr>
+          <a:xfrm>
+            <a:off x="4293970" y="3054339"/>
+            <a:ext cx="2702086" cy="338554"/>
+          </a:xfrm>
+          <a:prstGeom prst="rect">
+            <a:avLst/>
+          </a:prstGeom>
+        </p:spPr>
+        <p:txBody>
+          <a:bodyPr wrap="none">
+            <a:spAutoFit/>
+          </a:bodyPr>
+          <a:lstStyle/>
+          <a:p>
+            <a:r>
+              <a:rPr lang="en-US" altLang="zh-CN" sz="1600" dirty="0">
+                <a:solidFill>
+                  <a:srgbClr val="FF0000"/>
+                </a:solidFill>
+                <a:latin typeface="Microsoft YaHei" panose="020B0503020204020204" pitchFamily="34" charset="-122"/>
+                <a:ea typeface="Microsoft YaHei" panose="020B0503020204020204" pitchFamily="34" charset="-122"/>
+              </a:rPr>
+              <a:t>invoker&lt;Function&gt;::apply</a:t>
+            </a:r>
+            <a:endParaRPr lang="zh-CN" altLang="en-US" sz="1600" dirty="0">
+              <a:solidFill>
+                <a:srgbClr val="FF0000"/>
+              </a:solidFill>
+              <a:latin typeface="Microsoft YaHei" panose="020B0503020204020204" pitchFamily="34" charset="-122"/>
+              <a:ea typeface="Microsoft YaHei" panose="020B0503020204020204" pitchFamily="34" charset="-122"/>
+            </a:endParaRPr>
+          </a:p>
+        </p:txBody>
+      </p:sp>
+      <p:sp>
+        <p:nvSpPr>
+          <p:cNvPr id="10" name="矩形 9"/>
+          <p:cNvSpPr/>
+          <p:nvPr/>
+        </p:nvSpPr>
+        <p:spPr>
+          <a:xfrm>
+            <a:off x="6201146" y="3080915"/>
+            <a:ext cx="914400" cy="282479"/>
+          </a:xfrm>
+          <a:prstGeom prst="rect">
+            <a:avLst/>
+          </a:prstGeom>
+          <a:noFill/>
+          <a:ln>
+            <a:solidFill>
+              <a:srgbClr val="FF0000"/>
+            </a:solidFill>
+          </a:ln>
+        </p:spPr>
+        <p:style>
+          <a:lnRef idx="2">
+            <a:schemeClr val="accent1">
+              <a:shade val="50000"/>
+            </a:schemeClr>
+          </a:lnRef>
+          <a:fillRef idx="1">
+            <a:schemeClr val="accent1"/>
+          </a:fillRef>
+          <a:effectRef idx="0">
+            <a:schemeClr val="accent1"/>
+          </a:effectRef>
+          <a:fontRef idx="minor">
+            <a:schemeClr val="lt1"/>
+          </a:fontRef>
+        </p:style>
+        <p:txBody>
+          <a:bodyPr rtlCol="0" anchor="ctr"/>
+          <a:lstStyle/>
+          <a:p>
+            <a:pPr algn="ctr"/>
+            <a:endParaRPr lang="zh-CN" altLang="en-US"/>
+          </a:p>
+        </p:txBody>
+      </p:sp>
+    </p:spTree>
+    <p:extLst>
+      <p:ext uri="{BB962C8B-B14F-4D97-AF65-F5344CB8AC3E}">
+        <p14:creationId xmlns:p14="http://schemas.microsoft.com/office/powerpoint/2010/main" val="126712973"/>
+      </p:ext>
+    </p:extLst>
+  </p:cSld>
+  <p:clrMapOvr>
+    <a:masterClrMapping/>
+  </p:clrMapOvr>
+  <p:timing>
+    <p:tnLst>
+      <p:par>
+        <p:cTn id="1" dur="indefinite" restart="never" nodeType="tmRoot">
+          <p:childTnLst>
+            <p:seq concurrent="1" nextAc="seek">
+              <p:cTn id="2" dur="indefinite" nodeType="mainSeq">
+                <p:childTnLst>
+                  <p:par>
+                    <p:cTn id="3" fill="hold">
+                      <p:stCondLst>
+                        <p:cond delay="indefinite"/>
+                      </p:stCondLst>
+                      <p:childTnLst>
+                        <p:par>
+                          <p:cTn id="4" fill="hold">
+                            <p:stCondLst>
+                              <p:cond delay="0"/>
+                            </p:stCondLst>
+                            <p:childTnLst>
+                              <p:par>
+                                <p:cTn id="5" presetID="1" presetClass="entr" presetSubtype="0" fill="hold" grpId="0" nodeType="clickEffect">
+                                  <p:stCondLst>
+                                    <p:cond delay="0"/>
+                                  </p:stCondLst>
+                                  <p:childTnLst>
+                                    <p:set>
+                                      <p:cBhvr>
+                                        <p:cTn id="6" dur="1" fill="hold">
+                                          <p:stCondLst>
+                                            <p:cond delay="0"/>
+                                          </p:stCondLst>
+                                        </p:cTn>
+                                        <p:tgtEl>
+                                          <p:spTgt spid="9"/>
+                                        </p:tgtEl>
+                                        <p:attrNameLst>
+                                          <p:attrName>style.visibility</p:attrName>
+                                        </p:attrNameLst>
+                                      </p:cBhvr>
+                                      <p:to>
+                                        <p:strVal val="visible"/>
+                                      </p:to>
+                                    </p:set>
+                                  </p:childTnLst>
+                                </p:cTn>
+                              </p:par>
+                            </p:childTnLst>
+                          </p:cTn>
+                        </p:par>
+                        <p:par>
+                          <p:cTn id="7" fill="hold">
+                            <p:stCondLst>
+                              <p:cond delay="0"/>
+                            </p:stCondLst>
+                            <p:childTnLst>
+                              <p:par>
+                                <p:cTn id="8" presetID="6" presetClass="emph" presetSubtype="0" fill="hold" grpId="1" nodeType="afterEffect">
+                                  <p:stCondLst>
+                                    <p:cond delay="0"/>
+                                  </p:stCondLst>
+                                  <p:childTnLst>
+                                    <p:animScale>
+                                      <p:cBhvr>
+                                        <p:cTn id="9" dur="2000" fill="hold"/>
+                                        <p:tgtEl>
+                                          <p:spTgt spid="9"/>
+                                        </p:tgtEl>
+                                      </p:cBhvr>
+                                      <p:by x="150000" y="150000"/>
+                                    </p:animScale>
+                                  </p:childTnLst>
+                                </p:cTn>
+                              </p:par>
+                            </p:childTnLst>
+                          </p:cTn>
+                        </p:par>
+                        <p:par>
+                          <p:cTn id="10" fill="hold">
+                            <p:stCondLst>
+                              <p:cond delay="2000"/>
+                            </p:stCondLst>
+                            <p:childTnLst>
+                              <p:par>
+                                <p:cTn id="11" presetID="10" presetClass="exit" presetSubtype="0" fill="hold" grpId="2" nodeType="afterEffect">
+                                  <p:stCondLst>
+                                    <p:cond delay="0"/>
+                                  </p:stCondLst>
+                                  <p:childTnLst>
+                                    <p:animEffect transition="out" filter="fade">
+                                      <p:cBhvr>
+                                        <p:cTn id="12" dur="500"/>
+                                        <p:tgtEl>
+                                          <p:spTgt spid="9"/>
+                                        </p:tgtEl>
+                                      </p:cBhvr>
+                                    </p:animEffect>
+                                    <p:set>
+                                      <p:cBhvr>
+                                        <p:cTn id="13" dur="1" fill="hold">
+                                          <p:stCondLst>
+                                            <p:cond delay="499"/>
+                                          </p:stCondLst>
+                                        </p:cTn>
+                                        <p:tgtEl>
+                                          <p:spTgt spid="9"/>
+                                        </p:tgtEl>
+                                        <p:attrNameLst>
+                                          <p:attrName>style.visibility</p:attrName>
+                                        </p:attrNameLst>
+                                      </p:cBhvr>
+                                      <p:to>
+                                        <p:strVal val="hidden"/>
+                                      </p:to>
+                                    </p:set>
+                                  </p:childTnLst>
+                                </p:cTn>
+                              </p:par>
+                            </p:childTnLst>
+                          </p:cTn>
+                        </p:par>
+                        <p:par>
+                          <p:cTn id="14" fill="hold">
+                            <p:stCondLst>
+                              <p:cond delay="2500"/>
+                            </p:stCondLst>
+                            <p:childTnLst>
+                              <p:par>
+                                <p:cTn id="15" presetID="22" presetClass="entr" presetSubtype="1" fill="hold" grpId="0" nodeType="afterEffect">
+                                  <p:stCondLst>
+                                    <p:cond delay="0"/>
+                                  </p:stCondLst>
+                                  <p:childTnLst>
+                                    <p:set>
+                                      <p:cBhvr>
+                                        <p:cTn id="16" dur="1" fill="hold">
+                                          <p:stCondLst>
+                                            <p:cond delay="0"/>
+                                          </p:stCondLst>
+                                        </p:cTn>
+                                        <p:tgtEl>
+                                          <p:spTgt spid="7"/>
+                                        </p:tgtEl>
+                                        <p:attrNameLst>
+                                          <p:attrName>style.visibility</p:attrName>
+                                        </p:attrNameLst>
+                                      </p:cBhvr>
+                                      <p:to>
+                                        <p:strVal val="visible"/>
+                                      </p:to>
+                                    </p:set>
+                                    <p:animEffect transition="in" filter="wipe(up)">
+                                      <p:cBhvr>
+                                        <p:cTn id="17" dur="500"/>
+                                        <p:tgtEl>
+                                          <p:spTgt spid="7"/>
+                                        </p:tgtEl>
+                                      </p:cBhvr>
+                                    </p:animEffect>
+                                  </p:childTnLst>
+                                </p:cTn>
+                              </p:par>
+                            </p:childTnLst>
+                          </p:cTn>
+                        </p:par>
+                        <p:par>
+                          <p:cTn id="18" fill="hold">
+                            <p:stCondLst>
+                              <p:cond delay="3000"/>
+                            </p:stCondLst>
+                            <p:childTnLst>
+                              <p:par>
+                                <p:cTn id="19" presetID="22" presetClass="entr" presetSubtype="1" fill="hold" nodeType="afterEffect">
+                                  <p:stCondLst>
+                                    <p:cond delay="0"/>
+                                  </p:stCondLst>
+                                  <p:childTnLst>
+                                    <p:set>
+                                      <p:cBhvr>
+                                        <p:cTn id="20" dur="1" fill="hold">
+                                          <p:stCondLst>
+                                            <p:cond delay="0"/>
+                                          </p:stCondLst>
+                                        </p:cTn>
+                                        <p:tgtEl>
+                                          <p:spTgt spid="3">
+                                            <p:txEl>
+                                              <p:pRg st="9" end="9"/>
+                                            </p:txEl>
+                                          </p:spTgt>
+                                        </p:tgtEl>
+                                        <p:attrNameLst>
+                                          <p:attrName>style.visibility</p:attrName>
+                                        </p:attrNameLst>
+                                      </p:cBhvr>
+                                      <p:to>
+                                        <p:strVal val="visible"/>
+                                      </p:to>
+                                    </p:set>
+                                    <p:animEffect transition="in" filter="wipe(up)">
+                                      <p:cBhvr>
+                                        <p:cTn id="21" dur="500"/>
+                                        <p:tgtEl>
+                                          <p:spTgt spid="3">
+                                            <p:txEl>
+                                              <p:pRg st="9" end="9"/>
+                                            </p:txEl>
+                                          </p:spTgt>
+                                        </p:tgtEl>
+                                      </p:cBhvr>
+                                    </p:animEffect>
+                                  </p:childTnLst>
+                                </p:cTn>
+                              </p:par>
+                            </p:childTnLst>
+                          </p:cTn>
+                        </p:par>
+                      </p:childTnLst>
+                    </p:cTn>
+                  </p:par>
+                  <p:par>
+                    <p:cTn id="22" fill="hold">
+                      <p:stCondLst>
+                        <p:cond delay="indefinite"/>
+                      </p:stCondLst>
+                      <p:childTnLst>
+                        <p:par>
+                          <p:cTn id="23" fill="hold">
+                            <p:stCondLst>
+                              <p:cond delay="0"/>
+                            </p:stCondLst>
+                            <p:childTnLst>
+                              <p:par>
+                                <p:cTn id="24" presetID="31" presetClass="entr" presetSubtype="0" fill="hold" grpId="0" nodeType="clickEffect">
+                                  <p:stCondLst>
+                                    <p:cond delay="0"/>
+                                  </p:stCondLst>
+                                  <p:childTnLst>
+                                    <p:set>
+                                      <p:cBhvr>
+                                        <p:cTn id="25" dur="1" fill="hold">
+                                          <p:stCondLst>
+                                            <p:cond delay="0"/>
+                                          </p:stCondLst>
+                                        </p:cTn>
+                                        <p:tgtEl>
+                                          <p:spTgt spid="10"/>
+                                        </p:tgtEl>
+                                        <p:attrNameLst>
+                                          <p:attrName>style.visibility</p:attrName>
+                                        </p:attrNameLst>
+                                      </p:cBhvr>
+                                      <p:to>
+                                        <p:strVal val="visible"/>
+                                      </p:to>
+                                    </p:set>
+                                    <p:anim calcmode="lin" valueType="num">
+                                      <p:cBhvr>
+                                        <p:cTn id="26" dur="1000" fill="hold"/>
+                                        <p:tgtEl>
+                                          <p:spTgt spid="10"/>
+                                        </p:tgtEl>
+                                        <p:attrNameLst>
+                                          <p:attrName>ppt_w</p:attrName>
+                                        </p:attrNameLst>
+                                      </p:cBhvr>
+                                      <p:tavLst>
+                                        <p:tav tm="0">
+                                          <p:val>
+                                            <p:fltVal val="0"/>
+                                          </p:val>
+                                        </p:tav>
+                                        <p:tav tm="100000">
+                                          <p:val>
+                                            <p:strVal val="#ppt_w"/>
+                                          </p:val>
+                                        </p:tav>
+                                      </p:tavLst>
+                                    </p:anim>
+                                    <p:anim calcmode="lin" valueType="num">
+                                      <p:cBhvr>
+                                        <p:cTn id="27" dur="1000" fill="hold"/>
+                                        <p:tgtEl>
+                                          <p:spTgt spid="10"/>
+                                        </p:tgtEl>
+                                        <p:attrNameLst>
+                                          <p:attrName>ppt_h</p:attrName>
+                                        </p:attrNameLst>
+                                      </p:cBhvr>
+                                      <p:tavLst>
+                                        <p:tav tm="0">
+                                          <p:val>
+                                            <p:fltVal val="0"/>
+                                          </p:val>
+                                        </p:tav>
+                                        <p:tav tm="100000">
+                                          <p:val>
+                                            <p:strVal val="#ppt_h"/>
+                                          </p:val>
+                                        </p:tav>
+                                      </p:tavLst>
+                                    </p:anim>
+                                    <p:anim calcmode="lin" valueType="num">
+                                      <p:cBhvr>
+                                        <p:cTn id="28" dur="1000" fill="hold"/>
+                                        <p:tgtEl>
+                                          <p:spTgt spid="10"/>
+                                        </p:tgtEl>
+                                        <p:attrNameLst>
+                                          <p:attrName>style.rotation</p:attrName>
+                                        </p:attrNameLst>
+                                      </p:cBhvr>
+                                      <p:tavLst>
+                                        <p:tav tm="0">
+                                          <p:val>
+                                            <p:fltVal val="90"/>
+                                          </p:val>
+                                        </p:tav>
+                                        <p:tav tm="100000">
+                                          <p:val>
+                                            <p:fltVal val="0"/>
+                                          </p:val>
+                                        </p:tav>
+                                      </p:tavLst>
+                                    </p:anim>
+                                    <p:animEffect transition="in" filter="fade">
+                                      <p:cBhvr>
+                                        <p:cTn id="29" dur="1000"/>
+                                        <p:tgtEl>
+                                          <p:spTgt spid="10"/>
+                                        </p:tgtEl>
+                                      </p:cBhvr>
+                                    </p:animEffect>
+                                  </p:childTnLst>
+                                </p:cTn>
+                              </p:par>
+                            </p:childTnLst>
+                          </p:cTn>
+                        </p:par>
+                        <p:par>
+                          <p:cTn id="30" fill="hold">
+                            <p:stCondLst>
+                              <p:cond delay="1000"/>
+                            </p:stCondLst>
+                            <p:childTnLst>
+                              <p:par>
+                                <p:cTn id="31" presetID="22" presetClass="entr" presetSubtype="1" fill="hold" grpId="0" nodeType="afterEffect">
+                                  <p:stCondLst>
+                                    <p:cond delay="0"/>
+                                  </p:stCondLst>
+                                  <p:childTnLst>
+                                    <p:set>
+                                      <p:cBhvr>
+                                        <p:cTn id="32" dur="1" fill="hold">
+                                          <p:stCondLst>
+                                            <p:cond delay="0"/>
+                                          </p:stCondLst>
+                                        </p:cTn>
+                                        <p:tgtEl>
+                                          <p:spTgt spid="8"/>
+                                        </p:tgtEl>
+                                        <p:attrNameLst>
+                                          <p:attrName>style.visibility</p:attrName>
+                                        </p:attrNameLst>
+                                      </p:cBhvr>
+                                      <p:to>
+                                        <p:strVal val="visible"/>
+                                      </p:to>
+                                    </p:set>
+                                    <p:animEffect transition="in" filter="wipe(up)">
+                                      <p:cBhvr>
+                                        <p:cTn id="33" dur="500"/>
+                                        <p:tgtEl>
+                                          <p:spTgt spid="8"/>
+                                        </p:tgtEl>
+                                      </p:cBhvr>
+                                    </p:animEffect>
+                                  </p:childTnLst>
+                                </p:cTn>
+                              </p:par>
+                            </p:childTnLst>
+                          </p:cTn>
+                        </p:par>
+                        <p:par>
+                          <p:cTn id="34" fill="hold">
+                            <p:stCondLst>
+                              <p:cond delay="1500"/>
+                            </p:stCondLst>
+                            <p:childTnLst>
+                              <p:par>
+                                <p:cTn id="35" presetID="22" presetClass="entr" presetSubtype="1" fill="hold" nodeType="afterEffect">
+                                  <p:stCondLst>
+                                    <p:cond delay="0"/>
+                                  </p:stCondLst>
+                                  <p:childTnLst>
+                                    <p:set>
+                                      <p:cBhvr>
+                                        <p:cTn id="36" dur="1" fill="hold">
+                                          <p:stCondLst>
+                                            <p:cond delay="0"/>
+                                          </p:stCondLst>
+                                        </p:cTn>
+                                        <p:tgtEl>
+                                          <p:spTgt spid="3">
+                                            <p:txEl>
+                                              <p:pRg st="11" end="11"/>
+                                            </p:txEl>
+                                          </p:spTgt>
+                                        </p:tgtEl>
+                                        <p:attrNameLst>
+                                          <p:attrName>style.visibility</p:attrName>
+                                        </p:attrNameLst>
+                                      </p:cBhvr>
+                                      <p:to>
+                                        <p:strVal val="visible"/>
+                                      </p:to>
+                                    </p:set>
+                                    <p:animEffect transition="in" filter="wipe(up)">
+                                      <p:cBhvr>
+                                        <p:cTn id="37" dur="500"/>
+                                        <p:tgtEl>
+                                          <p:spTgt spid="3">
+                                            <p:txEl>
+                                              <p:pRg st="11" end="11"/>
+                                            </p:txEl>
+                                          </p:spTgt>
+                                        </p:tgtEl>
+                                      </p:cBhvr>
+                                    </p:animEffect>
+                                  </p:childTnLst>
+                                </p:cTn>
+                              </p:par>
+                            </p:childTnLst>
+                          </p:cTn>
+                        </p:par>
+                      </p:childTnLst>
+                    </p:cTn>
+                  </p:par>
+                  <p:par>
+                    <p:cTn id="38" fill="hold">
+                      <p:stCondLst>
+                        <p:cond delay="indefinite"/>
+                      </p:stCondLst>
+                      <p:childTnLst>
+                        <p:par>
+                          <p:cTn id="39" fill="hold">
+                            <p:stCondLst>
+                              <p:cond delay="0"/>
+                            </p:stCondLst>
+                            <p:childTnLst>
+                              <p:par>
+                                <p:cTn id="40" presetID="26" presetClass="entr" presetSubtype="0" fill="hold" nodeType="clickEffect">
+                                  <p:stCondLst>
+                                    <p:cond delay="0"/>
+                                  </p:stCondLst>
+                                  <p:childTnLst>
+                                    <p:set>
+                                      <p:cBhvr>
+                                        <p:cTn id="41" dur="1" fill="hold">
+                                          <p:stCondLst>
+                                            <p:cond delay="0"/>
+                                          </p:stCondLst>
+                                        </p:cTn>
+                                        <p:tgtEl>
+                                          <p:spTgt spid="3">
+                                            <p:txEl>
+                                              <p:pRg st="13" end="13"/>
+                                            </p:txEl>
+                                          </p:spTgt>
+                                        </p:tgtEl>
+                                        <p:attrNameLst>
+                                          <p:attrName>style.visibility</p:attrName>
+                                        </p:attrNameLst>
+                                      </p:cBhvr>
+                                      <p:to>
+                                        <p:strVal val="visible"/>
+                                      </p:to>
+                                    </p:set>
+                                    <p:animEffect transition="in" filter="wipe(down)">
+                                      <p:cBhvr>
+                                        <p:cTn id="42" dur="580">
+                                          <p:stCondLst>
+                                            <p:cond delay="0"/>
+                                          </p:stCondLst>
+                                        </p:cTn>
+                                        <p:tgtEl>
+                                          <p:spTgt spid="3">
+                                            <p:txEl>
+                                              <p:pRg st="13" end="13"/>
+                                            </p:txEl>
+                                          </p:spTgt>
+                                        </p:tgtEl>
+                                      </p:cBhvr>
+                                    </p:animEffect>
+                                    <p:anim calcmode="lin" valueType="num">
+                                      <p:cBhvr>
+                                        <p:cTn id="43" dur="1822" tmFilter="0,0; 0.14,0.36; 0.43,0.73; 0.71,0.91; 1.0,1.0">
+                                          <p:stCondLst>
+                                            <p:cond delay="0"/>
+                                          </p:stCondLst>
+                                        </p:cTn>
+                                        <p:tgtEl>
+                                          <p:spTgt spid="3">
+                                            <p:txEl>
+                                              <p:pRg st="13" end="13"/>
+                                            </p:txEl>
+                                          </p:spTgt>
+                                        </p:tgtEl>
+                                        <p:attrNameLst>
+                                          <p:attrName>ppt_x</p:attrName>
+                                        </p:attrNameLst>
+                                      </p:cBhvr>
+                                      <p:tavLst>
+                                        <p:tav tm="0">
+                                          <p:val>
+                                            <p:strVal val="#ppt_x-0.25"/>
+                                          </p:val>
+                                        </p:tav>
+                                        <p:tav tm="100000">
+                                          <p:val>
+                                            <p:strVal val="#ppt_x"/>
+                                          </p:val>
+                                        </p:tav>
+                                      </p:tavLst>
+                                    </p:anim>
+                                    <p:anim calcmode="lin" valueType="num">
+                                      <p:cBhvr>
+                                        <p:cTn id="44" dur="664" tmFilter="0.0,0.0; 0.25,0.07; 0.50,0.2; 0.75,0.467; 1.0,1.0">
+                                          <p:stCondLst>
+                                            <p:cond delay="0"/>
+                                          </p:stCondLst>
+                                        </p:cTn>
+                                        <p:tgtEl>
+                                          <p:spTgt spid="3">
+                                            <p:txEl>
+                                              <p:pRg st="13" end="13"/>
+                                            </p:txEl>
+                                          </p:spTgt>
+                                        </p:tgtEl>
+                                        <p:attrNameLst>
+                                          <p:attrName>ppt_y</p:attrName>
+                                        </p:attrNameLst>
+                                      </p:cBhvr>
+                                      <p:tavLst>
+                                        <p:tav tm="0" fmla="#ppt_y-sin(pi*$)/3">
+                                          <p:val>
+                                            <p:fltVal val="0.5"/>
+                                          </p:val>
+                                        </p:tav>
+                                        <p:tav tm="100000">
+                                          <p:val>
+                                            <p:fltVal val="1"/>
+                                          </p:val>
+                                        </p:tav>
+                                      </p:tavLst>
+                                    </p:anim>
+                                    <p:anim calcmode="lin" valueType="num">
+                                      <p:cBhvr>
+                                        <p:cTn id="45" dur="664" tmFilter="0, 0; 0.125,0.2665; 0.25,0.4; 0.375,0.465; 0.5,0.5;  0.625,0.535; 0.75,0.6; 0.875,0.7335; 1,1">
+                                          <p:stCondLst>
+                                            <p:cond delay="664"/>
+                                          </p:stCondLst>
+                                        </p:cTn>
+                                        <p:tgtEl>
+                                          <p:spTgt spid="3">
+                                            <p:txEl>
+                                              <p:pRg st="13" end="13"/>
+                                            </p:txEl>
+                                          </p:spTgt>
+                                        </p:tgtEl>
+                                        <p:attrNameLst>
+                                          <p:attrName>ppt_y</p:attrName>
+                                        </p:attrNameLst>
+                                      </p:cBhvr>
+                                      <p:tavLst>
+                                        <p:tav tm="0" fmla="#ppt_y-sin(pi*$)/9">
+                                          <p:val>
+                                            <p:fltVal val="0"/>
+                                          </p:val>
+                                        </p:tav>
+                                        <p:tav tm="100000">
+                                          <p:val>
+                                            <p:fltVal val="1"/>
+                                          </p:val>
+                                        </p:tav>
+                                      </p:tavLst>
+                                    </p:anim>
+                                    <p:anim calcmode="lin" valueType="num">
+                                      <p:cBhvr>
+                                        <p:cTn id="46" dur="332" tmFilter="0, 0; 0.125,0.2665; 0.25,0.4; 0.375,0.465; 0.5,0.5;  0.625,0.535; 0.75,0.6; 0.875,0.7335; 1,1">
+                                          <p:stCondLst>
+                                            <p:cond delay="1324"/>
+                                          </p:stCondLst>
+                                        </p:cTn>
+                                        <p:tgtEl>
+                                          <p:spTgt spid="3">
+                                            <p:txEl>
+                                              <p:pRg st="13" end="13"/>
+                                            </p:txEl>
+                                          </p:spTgt>
+                                        </p:tgtEl>
+                                        <p:attrNameLst>
+                                          <p:attrName>ppt_y</p:attrName>
+                                        </p:attrNameLst>
+                                      </p:cBhvr>
+                                      <p:tavLst>
+                                        <p:tav tm="0" fmla="#ppt_y-sin(pi*$)/27">
+                                          <p:val>
+                                            <p:fltVal val="0"/>
+                                          </p:val>
+                                        </p:tav>
+                                        <p:tav tm="100000">
+                                          <p:val>
+                                            <p:fltVal val="1"/>
+                                          </p:val>
+                                        </p:tav>
+                                      </p:tavLst>
+                                    </p:anim>
+                                    <p:anim calcmode="lin" valueType="num">
+                                      <p:cBhvr>
+                                        <p:cTn id="47" dur="164" tmFilter="0, 0; 0.125,0.2665; 0.25,0.4; 0.375,0.465; 0.5,0.5;  0.625,0.535; 0.75,0.6; 0.875,0.7335; 1,1">
+                                          <p:stCondLst>
+                                            <p:cond delay="1656"/>
+                                          </p:stCondLst>
+                                        </p:cTn>
+                                        <p:tgtEl>
+                                          <p:spTgt spid="3">
+                                            <p:txEl>
+                                              <p:pRg st="13" end="13"/>
+                                            </p:txEl>
+                                          </p:spTgt>
+                                        </p:tgtEl>
+                                        <p:attrNameLst>
+                                          <p:attrName>ppt_y</p:attrName>
+                                        </p:attrNameLst>
+                                      </p:cBhvr>
+                                      <p:tavLst>
+                                        <p:tav tm="0" fmla="#ppt_y-sin(pi*$)/81">
+                                          <p:val>
+                                            <p:fltVal val="0"/>
+                                          </p:val>
+                                        </p:tav>
+                                        <p:tav tm="100000">
+                                          <p:val>
+                                            <p:fltVal val="1"/>
+                                          </p:val>
+                                        </p:tav>
+                                      </p:tavLst>
+                                    </p:anim>
+                                    <p:animScale>
+                                      <p:cBhvr>
+                                        <p:cTn id="48" dur="26">
+                                          <p:stCondLst>
+                                            <p:cond delay="650"/>
+                                          </p:stCondLst>
+                                        </p:cTn>
+                                        <p:tgtEl>
+                                          <p:spTgt spid="3">
+                                            <p:txEl>
+                                              <p:pRg st="13" end="13"/>
+                                            </p:txEl>
+                                          </p:spTgt>
+                                        </p:tgtEl>
+                                      </p:cBhvr>
+                                      <p:to x="100000" y="60000"/>
+                                    </p:animScale>
+                                    <p:animScale>
+                                      <p:cBhvr>
+                                        <p:cTn id="49" dur="166" decel="50000">
+                                          <p:stCondLst>
+                                            <p:cond delay="676"/>
+                                          </p:stCondLst>
+                                        </p:cTn>
+                                        <p:tgtEl>
+                                          <p:spTgt spid="3">
+                                            <p:txEl>
+                                              <p:pRg st="13" end="13"/>
+                                            </p:txEl>
+                                          </p:spTgt>
+                                        </p:tgtEl>
+                                      </p:cBhvr>
+                                      <p:to x="100000" y="100000"/>
+                                    </p:animScale>
+                                    <p:animScale>
+                                      <p:cBhvr>
+                                        <p:cTn id="50" dur="26">
+                                          <p:stCondLst>
+                                            <p:cond delay="1312"/>
+                                          </p:stCondLst>
+                                        </p:cTn>
+                                        <p:tgtEl>
+                                          <p:spTgt spid="3">
+                                            <p:txEl>
+                                              <p:pRg st="13" end="13"/>
+                                            </p:txEl>
+                                          </p:spTgt>
+                                        </p:tgtEl>
+                                      </p:cBhvr>
+                                      <p:to x="100000" y="80000"/>
+                                    </p:animScale>
+                                    <p:animScale>
+                                      <p:cBhvr>
+                                        <p:cTn id="51" dur="166" decel="50000">
+                                          <p:stCondLst>
+                                            <p:cond delay="1338"/>
+                                          </p:stCondLst>
+                                        </p:cTn>
+                                        <p:tgtEl>
+                                          <p:spTgt spid="3">
+                                            <p:txEl>
+                                              <p:pRg st="13" end="13"/>
+                                            </p:txEl>
+                                          </p:spTgt>
+                                        </p:tgtEl>
+                                      </p:cBhvr>
+                                      <p:to x="100000" y="100000"/>
+                                    </p:animScale>
+                                    <p:animScale>
+                                      <p:cBhvr>
+                                        <p:cTn id="52" dur="26">
+                                          <p:stCondLst>
+                                            <p:cond delay="1642"/>
+                                          </p:stCondLst>
+                                        </p:cTn>
+                                        <p:tgtEl>
+                                          <p:spTgt spid="3">
+                                            <p:txEl>
+                                              <p:pRg st="13" end="13"/>
+                                            </p:txEl>
+                                          </p:spTgt>
+                                        </p:tgtEl>
+                                      </p:cBhvr>
+                                      <p:to x="100000" y="90000"/>
+                                    </p:animScale>
+                                    <p:animScale>
+                                      <p:cBhvr>
+                                        <p:cTn id="53" dur="166" decel="50000">
+                                          <p:stCondLst>
+                                            <p:cond delay="1668"/>
+                                          </p:stCondLst>
+                                        </p:cTn>
+                                        <p:tgtEl>
+                                          <p:spTgt spid="3">
+                                            <p:txEl>
+                                              <p:pRg st="13" end="13"/>
+                                            </p:txEl>
+                                          </p:spTgt>
+                                        </p:tgtEl>
+                                      </p:cBhvr>
+                                      <p:to x="100000" y="100000"/>
+                                    </p:animScale>
+                                    <p:animScale>
+                                      <p:cBhvr>
+                                        <p:cTn id="54" dur="26">
+                                          <p:stCondLst>
+                                            <p:cond delay="1808"/>
+                                          </p:stCondLst>
+                                        </p:cTn>
+                                        <p:tgtEl>
+                                          <p:spTgt spid="3">
+                                            <p:txEl>
+                                              <p:pRg st="13" end="13"/>
+                                            </p:txEl>
+                                          </p:spTgt>
+                                        </p:tgtEl>
+                                      </p:cBhvr>
+                                      <p:to x="100000" y="95000"/>
+                                    </p:animScale>
+                                    <p:animScale>
+                                      <p:cBhvr>
+                                        <p:cTn id="55" dur="166" decel="50000">
+                                          <p:stCondLst>
+                                            <p:cond delay="1834"/>
+                                          </p:stCondLst>
+                                        </p:cTn>
+                                        <p:tgtEl>
+                                          <p:spTgt spid="3">
+                                            <p:txEl>
+                                              <p:pRg st="13" end="13"/>
+                                            </p:txEl>
+                                          </p:spTgt>
+                                        </p:tgtEl>
+                                      </p:cBhvr>
+                                      <p:to x="100000" y="100000"/>
+                                    </p:animScale>
+                                  </p:childTnLst>
+                                </p:cTn>
+                              </p:par>
+                            </p:childTnLst>
+                          </p:cTn>
+                        </p:par>
+                      </p:childTnLst>
+                    </p:cTn>
+                  </p:par>
+                </p:childTnLst>
+              </p:cTn>
+              <p:prevCondLst>
+                <p:cond evt="onPrev" delay="0">
+                  <p:tgtEl>
+                    <p:sldTgt/>
+                  </p:tgtEl>
+                </p:cond>
+              </p:prevCondLst>
+              <p:nextCondLst>
+                <p:cond evt="onNext" delay="0">
+                  <p:tgtEl>
+                    <p:sldTgt/>
+                  </p:tgtEl>
+                </p:cond>
+              </p:nextCondLst>
+            </p:seq>
+          </p:childTnLst>
+        </p:cTn>
+      </p:par>
+    </p:tnLst>
+    <p:bldLst>
+      <p:bldP spid="7" grpId="0" animBg="1"/>
+      <p:bldP spid="8" grpId="0" animBg="1"/>
+      <p:bldP spid="9" grpId="0"/>
+      <p:bldP spid="9" grpId="1"/>
+      <p:bldP spid="9" grpId="2"/>
+      <p:bldP spid="10" grpId="0" animBg="1"/>
+    </p:bldLst>
+  </p:timing>
+</p:sld>
+</file>
+
+<file path=ppt/slides/slide21.xml><?xml version="1.0" encoding="utf-8"?>
+<p:sld xmlns:a="http://schemas.openxmlformats.org/drawingml/2006/main" xmlns:r="http://schemas.openxmlformats.org/officeDocument/2006/relationships" xmlns:p="http://schemas.openxmlformats.org/presentationml/2006/main">
+  <p:cSld>
+    <p:spTree>
+      <p:nvGrpSpPr>
+        <p:cNvPr id="1" name=""/>
+        <p:cNvGrpSpPr/>
+        <p:nvPr/>
+      </p:nvGrpSpPr>
+      <p:grpSpPr>
+        <a:xfrm>
+          <a:off x="0" y="0"/>
+          <a:ext cx="0" cy="0"/>
+          <a:chOff x="0" y="0"/>
+          <a:chExt cx="0" cy="0"/>
+        </a:xfrm>
+      </p:grpSpPr>
+      <p:sp>
+        <p:nvSpPr>
+          <p:cNvPr id="2" name="标题 1"/>
+          <p:cNvSpPr>
+            <a:spLocks noGrp="1"/>
+          </p:cNvSpPr>
+          <p:nvPr>
+            <p:ph type="title"/>
+          </p:nvPr>
+        </p:nvSpPr>
+        <p:spPr/>
+        <p:txBody>
+          <a:bodyPr/>
+          <a:lstStyle/>
+          <a:p>
+            <a:r>
+              <a:rPr lang="en-US" altLang="zh-CN" dirty="0"/>
+              <a:t>Register all callable objects</a:t>
+            </a:r>
+            <a:endParaRPr lang="zh-CN" altLang="en-US" dirty="0"/>
+          </a:p>
+        </p:txBody>
+      </p:sp>
+      <p:sp>
+        <p:nvSpPr>
+          <p:cNvPr id="3" name="文本占位符 2"/>
+          <p:cNvSpPr>
+            <a:spLocks noGrp="1"/>
+          </p:cNvSpPr>
+          <p:nvPr>
+            <p:ph type="body" sz="half" idx="2"/>
+          </p:nvPr>
+        </p:nvSpPr>
+        <p:spPr/>
+        <p:txBody>
+          <a:bodyPr/>
+          <a:lstStyle/>
+          <a:p>
+            <a:r>
+              <a:rPr lang="en-US" altLang="zh-CN" dirty="0"/>
+              <a:t>template&lt;</a:t>
+            </a:r>
+            <a:r>
+              <a:rPr lang="en-US" altLang="zh-CN" dirty="0" err="1"/>
+              <a:t>typename</a:t>
+            </a:r>
+            <a:r>
+              <a:rPr lang="en-US" altLang="zh-CN" dirty="0"/>
+              <a:t> Function&gt;</a:t>
+            </a:r>
+          </a:p>
+          <a:p>
+            <a:r>
               <a:rPr lang="en-US" altLang="zh-CN" dirty="0" err="1"/>
               <a:t>struct</a:t>
             </a:r>
@@ -14140,7 +15049,7 @@
 </p:sld>
 </file>
 
-<file path=ppt/slides/slide21.xml><?xml version="1.0" encoding="utf-8"?>
+<file path=ppt/slides/slide22.xml><?xml version="1.0" encoding="utf-8"?>
 <p:sld xmlns:a="http://schemas.openxmlformats.org/drawingml/2006/main" xmlns:r="http://schemas.openxmlformats.org/officeDocument/2006/relationships" xmlns:p="http://schemas.openxmlformats.org/presentationml/2006/main">
   <p:cSld>
     <p:spTree>
@@ -15436,7 +16345,7 @@
 </p:sld>
 </file>
 
-<file path=ppt/slides/slide22.xml><?xml version="1.0" encoding="utf-8"?>
+<file path=ppt/slides/slide23.xml><?xml version="1.0" encoding="utf-8"?>
 <p:sld xmlns:a="http://schemas.openxmlformats.org/drawingml/2006/main" xmlns:r="http://schemas.openxmlformats.org/officeDocument/2006/relationships" xmlns:p="http://schemas.openxmlformats.org/presentationml/2006/main">
   <p:cSld>
     <p:spTree>
@@ -17106,7 +18015,7 @@
 </p:sld>
 </file>
 
-<file path=ppt/slides/slide23.xml><?xml version="1.0" encoding="utf-8"?>
+<file path=ppt/slides/slide24.xml><?xml version="1.0" encoding="utf-8"?>
 <p:sld xmlns:a="http://schemas.openxmlformats.org/drawingml/2006/main" xmlns:r="http://schemas.openxmlformats.org/officeDocument/2006/relationships" xmlns:p="http://schemas.openxmlformats.org/presentationml/2006/main">
   <p:cSld>
     <p:spTree>
@@ -17223,7 +18132,7 @@
 </p:sld>
 </file>
 
-<file path=ppt/slides/slide24.xml><?xml version="1.0" encoding="utf-8"?>
+<file path=ppt/slides/slide25.xml><?xml version="1.0" encoding="utf-8"?>
 <p:sld xmlns:a="http://schemas.openxmlformats.org/drawingml/2006/main" xmlns:r="http://schemas.openxmlformats.org/officeDocument/2006/relationships" xmlns:p="http://schemas.openxmlformats.org/presentationml/2006/main">
   <p:cSld>
     <p:spTree>
@@ -17358,7 +18267,7 @@
 </p:sld>
 </file>
 
-<file path=ppt/slides/slide25.xml><?xml version="1.0" encoding="utf-8"?>
+<file path=ppt/slides/slide26.xml><?xml version="1.0" encoding="utf-8"?>
 <p:sld xmlns:a="http://schemas.openxmlformats.org/drawingml/2006/main" xmlns:r="http://schemas.openxmlformats.org/officeDocument/2006/relationships" xmlns:p="http://schemas.openxmlformats.org/presentationml/2006/main">
   <p:cSld>
     <p:spTree>
@@ -18498,7 +19407,7 @@
 </p:sld>
 </file>
 
-<file path=ppt/slides/slide26.xml><?xml version="1.0" encoding="utf-8"?>
+<file path=ppt/slides/slide27.xml><?xml version="1.0" encoding="utf-8"?>
 <p:sld xmlns:a="http://schemas.openxmlformats.org/drawingml/2006/main" xmlns:r="http://schemas.openxmlformats.org/officeDocument/2006/relationships" xmlns:p="http://schemas.openxmlformats.org/presentationml/2006/main">
   <p:cSld>
     <p:spTree>
@@ -19768,7 +20677,7 @@
 </p:sld>
 </file>
 
-<file path=ppt/slides/slide27.xml><?xml version="1.0" encoding="utf-8"?>
+<file path=ppt/slides/slide28.xml><?xml version="1.0" encoding="utf-8"?>
 <p:sld xmlns:a="http://schemas.openxmlformats.org/drawingml/2006/main" xmlns:r="http://schemas.openxmlformats.org/officeDocument/2006/relationships" xmlns:p="http://schemas.openxmlformats.org/presentationml/2006/main">
   <p:cSld>
     <p:spTree>
@@ -21375,7 +22284,7 @@
 </p:sld>
 </file>
 
-<file path=ppt/slides/slide28.xml><?xml version="1.0" encoding="utf-8"?>
+<file path=ppt/slides/slide29.xml><?xml version="1.0" encoding="utf-8"?>
 <p:sld xmlns:a="http://schemas.openxmlformats.org/drawingml/2006/main" xmlns:r="http://schemas.openxmlformats.org/officeDocument/2006/relationships" xmlns:p="http://schemas.openxmlformats.org/presentationml/2006/main">
   <p:cSld>
     <p:spTree>
@@ -22036,268 +22945,6 @@
 </p:sld>
 </file>
 
-<file path=ppt/slides/slide29.xml><?xml version="1.0" encoding="utf-8"?>
-<p:sld xmlns:a="http://schemas.openxmlformats.org/drawingml/2006/main" xmlns:r="http://schemas.openxmlformats.org/officeDocument/2006/relationships" xmlns:p="http://schemas.openxmlformats.org/presentationml/2006/main">
-  <p:cSld>
-    <p:spTree>
-      <p:nvGrpSpPr>
-        <p:cNvPr id="1" name=""/>
-        <p:cNvGrpSpPr/>
-        <p:nvPr/>
-      </p:nvGrpSpPr>
-      <p:grpSpPr>
-        <a:xfrm>
-          <a:off x="0" y="0"/>
-          <a:ext cx="0" cy="0"/>
-          <a:chOff x="0" y="0"/>
-          <a:chExt cx="0" cy="0"/>
-        </a:xfrm>
-      </p:grpSpPr>
-      <p:sp>
-        <p:nvSpPr>
-          <p:cNvPr id="2" name="Title 1"/>
-          <p:cNvSpPr>
-            <a:spLocks noGrp="1"/>
-          </p:cNvSpPr>
-          <p:nvPr>
-            <p:ph type="title"/>
-          </p:nvPr>
-        </p:nvSpPr>
-        <p:spPr/>
-        <p:txBody>
-          <a:bodyPr/>
-          <a:lstStyle/>
-          <a:p>
-            <a:r>
-              <a:rPr lang="en-US" altLang="zh-CN" dirty="0" smtClean="0"/>
-              <a:t>Sequence </a:t>
-            </a:r>
-            <a:r>
-              <a:rPr lang="en-US" altLang="zh-CN" dirty="0"/>
-              <a:t>of asynchronous call chain</a:t>
-            </a:r>
-            <a:endParaRPr lang="zh-CN" altLang="en-US" dirty="0"/>
-          </a:p>
-        </p:txBody>
-      </p:sp>
-      <p:sp>
-        <p:nvSpPr>
-          <p:cNvPr id="3" name="Text Placeholder 2"/>
-          <p:cNvSpPr>
-            <a:spLocks noGrp="1"/>
-          </p:cNvSpPr>
-          <p:nvPr>
-            <p:ph type="body" sz="half" idx="2"/>
-          </p:nvPr>
-        </p:nvSpPr>
-        <p:spPr/>
-        <p:txBody>
-          <a:bodyPr/>
-          <a:lstStyle/>
-          <a:p>
-            <a:r>
-              <a:rPr lang="en-US" altLang="zh-CN" dirty="0"/>
-              <a:t>void </a:t>
-            </a:r>
-            <a:r>
-              <a:rPr lang="en-US" altLang="zh-CN" dirty="0">
-                <a:solidFill>
-                  <a:srgbClr val="FF0000"/>
-                </a:solidFill>
-              </a:rPr>
-              <a:t>read</a:t>
-            </a:r>
-            <a:r>
-              <a:rPr lang="en-US" altLang="zh-CN" dirty="0" smtClean="0"/>
-              <a:t>()</a:t>
-            </a:r>
-            <a:endParaRPr lang="en-US" altLang="zh-CN" dirty="0"/>
-          </a:p>
-          <a:p>
-            <a:r>
-              <a:rPr lang="en-US" altLang="zh-CN" dirty="0"/>
-              <a:t>{</a:t>
-            </a:r>
-          </a:p>
-          <a:p>
-            <a:r>
-              <a:rPr lang="en-US" altLang="zh-CN" dirty="0"/>
-              <a:t>	auto self(this-&gt;</a:t>
-            </a:r>
-            <a:r>
-              <a:rPr lang="en-US" altLang="zh-CN" dirty="0" err="1"/>
-              <a:t>shared_from_this</a:t>
-            </a:r>
-            <a:r>
-              <a:rPr lang="en-US" altLang="zh-CN" dirty="0"/>
-              <a:t>());</a:t>
-            </a:r>
-          </a:p>
-          <a:p>
-            <a:r>
-              <a:rPr lang="en-US" altLang="zh-CN" dirty="0"/>
-              <a:t>	boost::</a:t>
-            </a:r>
-            <a:r>
-              <a:rPr lang="en-US" altLang="zh-CN" dirty="0" err="1"/>
-              <a:t>asio</a:t>
-            </a:r>
-            <a:r>
-              <a:rPr lang="en-US" altLang="zh-CN" dirty="0"/>
-              <a:t>::</a:t>
-            </a:r>
-            <a:r>
-              <a:rPr lang="en-US" altLang="zh-CN" dirty="0" err="1"/>
-              <a:t>async_read</a:t>
-            </a:r>
-            <a:r>
-              <a:rPr lang="en-US" altLang="zh-CN" dirty="0"/>
-              <a:t>(socket_, boost::</a:t>
-            </a:r>
-            <a:r>
-              <a:rPr lang="en-US" altLang="zh-CN" dirty="0" err="1"/>
-              <a:t>asio</a:t>
-            </a:r>
-            <a:r>
-              <a:rPr lang="en-US" altLang="zh-CN" dirty="0"/>
-              <a:t>::buffer(data_, </a:t>
-            </a:r>
-            <a:r>
-              <a:rPr lang="en-US" altLang="zh-CN" dirty="0" smtClean="0"/>
-              <a:t>size_), </a:t>
-            </a:r>
-            <a:r>
-              <a:rPr lang="en-US" altLang="zh-CN" dirty="0"/>
-              <a:t>[this, self](boost::system::</a:t>
-            </a:r>
-            <a:r>
-              <a:rPr lang="en-US" altLang="zh-CN" dirty="0" err="1"/>
-              <a:t>error_code</a:t>
-            </a:r>
-            <a:r>
-              <a:rPr lang="en-US" altLang="zh-CN" dirty="0"/>
-              <a:t> </a:t>
-            </a:r>
-            <a:r>
-              <a:rPr lang="en-US" altLang="zh-CN" dirty="0" err="1"/>
-              <a:t>ec</a:t>
-            </a:r>
-            <a:r>
-              <a:rPr lang="en-US" altLang="zh-CN" dirty="0"/>
-              <a:t>, </a:t>
-            </a:r>
-            <a:r>
-              <a:rPr lang="en-US" altLang="zh-CN" dirty="0" err="1"/>
-              <a:t>std</a:t>
-            </a:r>
-            <a:r>
-              <a:rPr lang="en-US" altLang="zh-CN" dirty="0"/>
-              <a:t>::</a:t>
-            </a:r>
-            <a:r>
-              <a:rPr lang="en-US" altLang="zh-CN" dirty="0" err="1"/>
-              <a:t>size_t</a:t>
-            </a:r>
-            <a:r>
-              <a:rPr lang="en-US" altLang="zh-CN" dirty="0"/>
-              <a:t> length)</a:t>
-            </a:r>
-          </a:p>
-          <a:p>
-            <a:r>
-              <a:rPr lang="en-US" altLang="zh-CN" dirty="0"/>
-              <a:t>	</a:t>
-            </a:r>
-            <a:r>
-              <a:rPr lang="en-US" altLang="zh-CN" dirty="0" smtClean="0"/>
-              <a:t>{</a:t>
-            </a:r>
-            <a:endParaRPr lang="en-US" altLang="zh-CN" dirty="0"/>
-          </a:p>
-          <a:p>
-            <a:r>
-              <a:rPr lang="en-US" altLang="zh-CN" dirty="0"/>
-              <a:t>		if (!</a:t>
-            </a:r>
-            <a:r>
-              <a:rPr lang="en-US" altLang="zh-CN" dirty="0" err="1"/>
-              <a:t>ec</a:t>
-            </a:r>
-            <a:r>
-              <a:rPr lang="en-US" altLang="zh-CN" dirty="0"/>
-              <a:t>)</a:t>
-            </a:r>
-          </a:p>
-          <a:p>
-            <a:r>
-              <a:rPr lang="en-US" altLang="zh-CN" dirty="0"/>
-              <a:t>		{</a:t>
-            </a:r>
-          </a:p>
-          <a:p>
-            <a:r>
-              <a:rPr lang="en-US" altLang="zh-CN" dirty="0"/>
-              <a:t>			</a:t>
-            </a:r>
-            <a:r>
-              <a:rPr lang="en-US" altLang="zh-CN" dirty="0">
-                <a:solidFill>
-                  <a:srgbClr val="FF0000"/>
-                </a:solidFill>
-              </a:rPr>
-              <a:t>write</a:t>
-            </a:r>
-            <a:r>
-              <a:rPr lang="en-US" altLang="zh-CN" dirty="0"/>
-              <a:t>(data_, length)</a:t>
-            </a:r>
-          </a:p>
-          <a:p>
-            <a:r>
-              <a:rPr lang="en-US" altLang="zh-CN" dirty="0"/>
-              <a:t>		</a:t>
-            </a:r>
-            <a:r>
-              <a:rPr lang="en-US" altLang="zh-CN" dirty="0" smtClean="0"/>
-              <a:t>}</a:t>
-            </a:r>
-            <a:endParaRPr lang="en-US" altLang="zh-CN" dirty="0"/>
-          </a:p>
-          <a:p>
-            <a:r>
-              <a:rPr lang="en-US" altLang="zh-CN" dirty="0"/>
-              <a:t>	});</a:t>
-            </a:r>
-          </a:p>
-          <a:p>
-            <a:r>
-              <a:rPr lang="en-US" altLang="zh-CN" dirty="0"/>
-              <a:t>}</a:t>
-            </a:r>
-            <a:endParaRPr lang="zh-CN" altLang="en-US" dirty="0"/>
-          </a:p>
-        </p:txBody>
-      </p:sp>
-    </p:spTree>
-    <p:extLst>
-      <p:ext uri="{BB962C8B-B14F-4D97-AF65-F5344CB8AC3E}">
-        <p14:creationId xmlns:p14="http://schemas.microsoft.com/office/powerpoint/2010/main" val="1026715059"/>
-      </p:ext>
-    </p:extLst>
-  </p:cSld>
-  <p:clrMapOvr>
-    <a:masterClrMapping/>
-  </p:clrMapOvr>
-  <p:timing>
-    <p:tnLst>
-      <p:par>
-        <p:cTn id="1" dur="indefinite" restart="never" nodeType="tmRoot"/>
-      </p:par>
-    </p:tnLst>
-  </p:timing>
-</p:sld>
-</file>
-
 <file path=ppt/slides/slide3.xml><?xml version="1.0" encoding="utf-8"?>
 <p:sld xmlns:a="http://schemas.openxmlformats.org/drawingml/2006/main" xmlns:r="http://schemas.openxmlformats.org/officeDocument/2006/relationships" xmlns:p="http://schemas.openxmlformats.org/presentationml/2006/main">
   <p:cSld>
@@ -22375,7 +23022,6 @@
               <a:rPr lang="en-US" altLang="zh-CN" dirty="0" smtClean="0"/>
               <a:t>calls</a:t>
             </a:r>
-            <a:endParaRPr lang="en-US" altLang="zh-CN" dirty="0" smtClean="0"/>
           </a:p>
           <a:p>
             <a:endParaRPr lang="en-US" altLang="zh-CN" dirty="0" smtClean="0"/>
@@ -22394,15 +23040,7 @@
             </a:pPr>
             <a:r>
               <a:rPr lang="en-US" altLang="zh-CN" dirty="0" smtClean="0"/>
-              <a:t>Very easy to use, hide </a:t>
-            </a:r>
-            <a:r>
-              <a:rPr lang="en-US" altLang="zh-CN" dirty="0" smtClean="0"/>
-              <a:t>complications </a:t>
-            </a:r>
-            <a:r>
-              <a:rPr lang="en-US" altLang="zh-CN" dirty="0" smtClean="0"/>
-              <a:t>and details of network and framework</a:t>
+              <a:t>Very easy to use, hide complications and details of network and framework</a:t>
             </a:r>
           </a:p>
           <a:p>
@@ -22426,7 +23064,6 @@
               <a:rPr lang="en-US" altLang="zh-CN" dirty="0" smtClean="0"/>
               <a:t>communication</a:t>
             </a:r>
-            <a:endParaRPr lang="en-US" altLang="zh-CN" dirty="0" smtClean="0"/>
           </a:p>
         </p:txBody>
       </p:sp>
@@ -22834,6 +23471,268 @@
           <a:lstStyle/>
           <a:p>
             <a:r>
+              <a:rPr lang="en-US" altLang="zh-CN" dirty="0" smtClean="0"/>
+              <a:t>Sequence </a:t>
+            </a:r>
+            <a:r>
+              <a:rPr lang="en-US" altLang="zh-CN" dirty="0"/>
+              <a:t>of asynchronous call chain</a:t>
+            </a:r>
+            <a:endParaRPr lang="zh-CN" altLang="en-US" dirty="0"/>
+          </a:p>
+        </p:txBody>
+      </p:sp>
+      <p:sp>
+        <p:nvSpPr>
+          <p:cNvPr id="3" name="Text Placeholder 2"/>
+          <p:cNvSpPr>
+            <a:spLocks noGrp="1"/>
+          </p:cNvSpPr>
+          <p:nvPr>
+            <p:ph type="body" sz="half" idx="2"/>
+          </p:nvPr>
+        </p:nvSpPr>
+        <p:spPr/>
+        <p:txBody>
+          <a:bodyPr/>
+          <a:lstStyle/>
+          <a:p>
+            <a:r>
+              <a:rPr lang="en-US" altLang="zh-CN" dirty="0"/>
+              <a:t>void </a:t>
+            </a:r>
+            <a:r>
+              <a:rPr lang="en-US" altLang="zh-CN" dirty="0">
+                <a:solidFill>
+                  <a:srgbClr val="FF0000"/>
+                </a:solidFill>
+              </a:rPr>
+              <a:t>read</a:t>
+            </a:r>
+            <a:r>
+              <a:rPr lang="en-US" altLang="zh-CN" dirty="0" smtClean="0"/>
+              <a:t>()</a:t>
+            </a:r>
+            <a:endParaRPr lang="en-US" altLang="zh-CN" dirty="0"/>
+          </a:p>
+          <a:p>
+            <a:r>
+              <a:rPr lang="en-US" altLang="zh-CN" dirty="0"/>
+              <a:t>{</a:t>
+            </a:r>
+          </a:p>
+          <a:p>
+            <a:r>
+              <a:rPr lang="en-US" altLang="zh-CN" dirty="0"/>
+              <a:t>	auto self(this-&gt;</a:t>
+            </a:r>
+            <a:r>
+              <a:rPr lang="en-US" altLang="zh-CN" dirty="0" err="1"/>
+              <a:t>shared_from_this</a:t>
+            </a:r>
+            <a:r>
+              <a:rPr lang="en-US" altLang="zh-CN" dirty="0"/>
+              <a:t>());</a:t>
+            </a:r>
+          </a:p>
+          <a:p>
+            <a:r>
+              <a:rPr lang="en-US" altLang="zh-CN" dirty="0"/>
+              <a:t>	boost::</a:t>
+            </a:r>
+            <a:r>
+              <a:rPr lang="en-US" altLang="zh-CN" dirty="0" err="1"/>
+              <a:t>asio</a:t>
+            </a:r>
+            <a:r>
+              <a:rPr lang="en-US" altLang="zh-CN" dirty="0"/>
+              <a:t>::</a:t>
+            </a:r>
+            <a:r>
+              <a:rPr lang="en-US" altLang="zh-CN" dirty="0" err="1"/>
+              <a:t>async_read</a:t>
+            </a:r>
+            <a:r>
+              <a:rPr lang="en-US" altLang="zh-CN" dirty="0"/>
+              <a:t>(socket_, boost::</a:t>
+            </a:r>
+            <a:r>
+              <a:rPr lang="en-US" altLang="zh-CN" dirty="0" err="1"/>
+              <a:t>asio</a:t>
+            </a:r>
+            <a:r>
+              <a:rPr lang="en-US" altLang="zh-CN" dirty="0"/>
+              <a:t>::buffer(data_, </a:t>
+            </a:r>
+            <a:r>
+              <a:rPr lang="en-US" altLang="zh-CN" dirty="0" smtClean="0"/>
+              <a:t>size_), </a:t>
+            </a:r>
+            <a:r>
+              <a:rPr lang="en-US" altLang="zh-CN" dirty="0"/>
+              <a:t>[this, self](boost::system::</a:t>
+            </a:r>
+            <a:r>
+              <a:rPr lang="en-US" altLang="zh-CN" dirty="0" err="1"/>
+              <a:t>error_code</a:t>
+            </a:r>
+            <a:r>
+              <a:rPr lang="en-US" altLang="zh-CN" dirty="0"/>
+              <a:t> </a:t>
+            </a:r>
+            <a:r>
+              <a:rPr lang="en-US" altLang="zh-CN" dirty="0" err="1"/>
+              <a:t>ec</a:t>
+            </a:r>
+            <a:r>
+              <a:rPr lang="en-US" altLang="zh-CN" dirty="0"/>
+              <a:t>, </a:t>
+            </a:r>
+            <a:r>
+              <a:rPr lang="en-US" altLang="zh-CN" dirty="0" err="1"/>
+              <a:t>std</a:t>
+            </a:r>
+            <a:r>
+              <a:rPr lang="en-US" altLang="zh-CN" dirty="0"/>
+              <a:t>::</a:t>
+            </a:r>
+            <a:r>
+              <a:rPr lang="en-US" altLang="zh-CN" dirty="0" err="1"/>
+              <a:t>size_t</a:t>
+            </a:r>
+            <a:r>
+              <a:rPr lang="en-US" altLang="zh-CN" dirty="0"/>
+              <a:t> length)</a:t>
+            </a:r>
+          </a:p>
+          <a:p>
+            <a:r>
+              <a:rPr lang="en-US" altLang="zh-CN" dirty="0"/>
+              <a:t>	</a:t>
+            </a:r>
+            <a:r>
+              <a:rPr lang="en-US" altLang="zh-CN" dirty="0" smtClean="0"/>
+              <a:t>{</a:t>
+            </a:r>
+            <a:endParaRPr lang="en-US" altLang="zh-CN" dirty="0"/>
+          </a:p>
+          <a:p>
+            <a:r>
+              <a:rPr lang="en-US" altLang="zh-CN" dirty="0"/>
+              <a:t>		if (!</a:t>
+            </a:r>
+            <a:r>
+              <a:rPr lang="en-US" altLang="zh-CN" dirty="0" err="1"/>
+              <a:t>ec</a:t>
+            </a:r>
+            <a:r>
+              <a:rPr lang="en-US" altLang="zh-CN" dirty="0"/>
+              <a:t>)</a:t>
+            </a:r>
+          </a:p>
+          <a:p>
+            <a:r>
+              <a:rPr lang="en-US" altLang="zh-CN" dirty="0"/>
+              <a:t>		{</a:t>
+            </a:r>
+          </a:p>
+          <a:p>
+            <a:r>
+              <a:rPr lang="en-US" altLang="zh-CN" dirty="0"/>
+              <a:t>			</a:t>
+            </a:r>
+            <a:r>
+              <a:rPr lang="en-US" altLang="zh-CN" dirty="0">
+                <a:solidFill>
+                  <a:srgbClr val="FF0000"/>
+                </a:solidFill>
+              </a:rPr>
+              <a:t>write</a:t>
+            </a:r>
+            <a:r>
+              <a:rPr lang="en-US" altLang="zh-CN" dirty="0"/>
+              <a:t>(data_, length)</a:t>
+            </a:r>
+          </a:p>
+          <a:p>
+            <a:r>
+              <a:rPr lang="en-US" altLang="zh-CN" dirty="0"/>
+              <a:t>		</a:t>
+            </a:r>
+            <a:r>
+              <a:rPr lang="en-US" altLang="zh-CN" dirty="0" smtClean="0"/>
+              <a:t>}</a:t>
+            </a:r>
+            <a:endParaRPr lang="en-US" altLang="zh-CN" dirty="0"/>
+          </a:p>
+          <a:p>
+            <a:r>
+              <a:rPr lang="en-US" altLang="zh-CN" dirty="0"/>
+              <a:t>	});</a:t>
+            </a:r>
+          </a:p>
+          <a:p>
+            <a:r>
+              <a:rPr lang="en-US" altLang="zh-CN" dirty="0"/>
+              <a:t>}</a:t>
+            </a:r>
+            <a:endParaRPr lang="zh-CN" altLang="en-US" dirty="0"/>
+          </a:p>
+        </p:txBody>
+      </p:sp>
+    </p:spTree>
+    <p:extLst>
+      <p:ext uri="{BB962C8B-B14F-4D97-AF65-F5344CB8AC3E}">
+        <p14:creationId xmlns:p14="http://schemas.microsoft.com/office/powerpoint/2010/main" val="1026715059"/>
+      </p:ext>
+    </p:extLst>
+  </p:cSld>
+  <p:clrMapOvr>
+    <a:masterClrMapping/>
+  </p:clrMapOvr>
+  <p:timing>
+    <p:tnLst>
+      <p:par>
+        <p:cTn id="1" dur="indefinite" restart="never" nodeType="tmRoot"/>
+      </p:par>
+    </p:tnLst>
+  </p:timing>
+</p:sld>
+</file>
+
+<file path=ppt/slides/slide31.xml><?xml version="1.0" encoding="utf-8"?>
+<p:sld xmlns:a="http://schemas.openxmlformats.org/drawingml/2006/main" xmlns:r="http://schemas.openxmlformats.org/officeDocument/2006/relationships" xmlns:p="http://schemas.openxmlformats.org/presentationml/2006/main">
+  <p:cSld>
+    <p:spTree>
+      <p:nvGrpSpPr>
+        <p:cNvPr id="1" name=""/>
+        <p:cNvGrpSpPr/>
+        <p:nvPr/>
+      </p:nvGrpSpPr>
+      <p:grpSpPr>
+        <a:xfrm>
+          <a:off x="0" y="0"/>
+          <a:ext cx="0" cy="0"/>
+          <a:chOff x="0" y="0"/>
+          <a:chExt cx="0" cy="0"/>
+        </a:xfrm>
+      </p:grpSpPr>
+      <p:sp>
+        <p:nvSpPr>
+          <p:cNvPr id="2" name="Title 1"/>
+          <p:cNvSpPr>
+            <a:spLocks noGrp="1"/>
+          </p:cNvSpPr>
+          <p:nvPr>
+            <p:ph type="title"/>
+          </p:nvPr>
+        </p:nvSpPr>
+        <p:spPr/>
+        <p:txBody>
+          <a:bodyPr/>
+          <a:lstStyle/>
+          <a:p>
+            <a:r>
               <a:rPr lang="en-US" altLang="zh-CN" dirty="0"/>
               <a:t>Sequence of asynchronous call chain</a:t>
             </a:r>
@@ -23049,7 +23948,7 @@
 </p:sld>
 </file>
 
-<file path=ppt/slides/slide31.xml><?xml version="1.0" encoding="utf-8"?>
+<file path=ppt/slides/slide32.xml><?xml version="1.0" encoding="utf-8"?>
 <p:sld xmlns:a="http://schemas.openxmlformats.org/drawingml/2006/main" xmlns:r="http://schemas.openxmlformats.org/officeDocument/2006/relationships" xmlns:p="http://schemas.openxmlformats.org/presentationml/2006/main">
   <p:cSld>
     <p:spTree>
@@ -24491,7 +25390,7 @@
 </p:sld>
 </file>
 
-<file path=ppt/slides/slide32.xml><?xml version="1.0" encoding="utf-8"?>
+<file path=ppt/slides/slide33.xml><?xml version="1.0" encoding="utf-8"?>
 <p:sld xmlns:a="http://schemas.openxmlformats.org/drawingml/2006/main" xmlns:r="http://schemas.openxmlformats.org/officeDocument/2006/relationships" xmlns:p="http://schemas.openxmlformats.org/presentationml/2006/main">
   <p:cSld>
     <p:spTree>
@@ -24741,7 +25640,7 @@
 </p:sld>
 </file>
 
-<file path=ppt/slides/slide33.xml><?xml version="1.0" encoding="utf-8"?>
+<file path=ppt/slides/slide34.xml><?xml version="1.0" encoding="utf-8"?>
 <p:sld xmlns:a="http://schemas.openxmlformats.org/drawingml/2006/main" xmlns:r="http://schemas.openxmlformats.org/officeDocument/2006/relationships" xmlns:p="http://schemas.openxmlformats.org/presentationml/2006/main">
   <p:cSld>
     <p:spTree>
@@ -25202,452 +26101,6 @@
                                         </p:tgtEl>
                                       </p:cBhvr>
                                     </p:animEffect>
-                                  </p:childTnLst>
-                                </p:cTn>
-                              </p:par>
-                            </p:childTnLst>
-                          </p:cTn>
-                        </p:par>
-                      </p:childTnLst>
-                    </p:cTn>
-                  </p:par>
-                </p:childTnLst>
-              </p:cTn>
-              <p:prevCondLst>
-                <p:cond evt="onPrev" delay="0">
-                  <p:tgtEl>
-                    <p:sldTgt/>
-                  </p:tgtEl>
-                </p:cond>
-              </p:prevCondLst>
-              <p:nextCondLst>
-                <p:cond evt="onNext" delay="0">
-                  <p:tgtEl>
-                    <p:sldTgt/>
-                  </p:tgtEl>
-                </p:cond>
-              </p:nextCondLst>
-            </p:seq>
-          </p:childTnLst>
-        </p:cTn>
-      </p:par>
-    </p:tnLst>
-  </p:timing>
-</p:sld>
-</file>
-
-<file path=ppt/slides/slide34.xml><?xml version="1.0" encoding="utf-8"?>
-<p:sld xmlns:a="http://schemas.openxmlformats.org/drawingml/2006/main" xmlns:r="http://schemas.openxmlformats.org/officeDocument/2006/relationships" xmlns:p="http://schemas.openxmlformats.org/presentationml/2006/main">
-  <p:cSld>
-    <p:spTree>
-      <p:nvGrpSpPr>
-        <p:cNvPr id="1" name=""/>
-        <p:cNvGrpSpPr/>
-        <p:nvPr/>
-      </p:nvGrpSpPr>
-      <p:grpSpPr>
-        <a:xfrm>
-          <a:off x="0" y="0"/>
-          <a:ext cx="0" cy="0"/>
-          <a:chOff x="0" y="0"/>
-          <a:chExt cx="0" cy="0"/>
-        </a:xfrm>
-      </p:grpSpPr>
-      <p:sp>
-        <p:nvSpPr>
-          <p:cNvPr id="2" name="Title 1"/>
-          <p:cNvSpPr>
-            <a:spLocks noGrp="1"/>
-          </p:cNvSpPr>
-          <p:nvPr>
-            <p:ph type="title"/>
-          </p:nvPr>
-        </p:nvSpPr>
-        <p:spPr/>
-        <p:txBody>
-          <a:bodyPr/>
-          <a:lstStyle/>
-          <a:p>
-            <a:r>
-              <a:rPr lang="en-US" altLang="zh-CN" dirty="0" smtClean="0"/>
-              <a:t>Zero-copy</a:t>
-            </a:r>
-            <a:endParaRPr lang="zh-CN" altLang="en-US" dirty="0"/>
-          </a:p>
-        </p:txBody>
-      </p:sp>
-      <p:sp>
-        <p:nvSpPr>
-          <p:cNvPr id="3" name="Text Placeholder 2"/>
-          <p:cNvSpPr>
-            <a:spLocks noGrp="1"/>
-          </p:cNvSpPr>
-          <p:nvPr>
-            <p:ph type="body" sz="half" idx="2"/>
-          </p:nvPr>
-        </p:nvSpPr>
-        <p:spPr/>
-        <p:txBody>
-          <a:bodyPr/>
-          <a:lstStyle/>
-          <a:p>
-            <a:r>
-              <a:rPr lang="en-US" altLang="zh-CN" dirty="0"/>
-              <a:t>auto </a:t>
-            </a:r>
-            <a:r>
-              <a:rPr lang="en-US" altLang="zh-CN" dirty="0" err="1"/>
-              <a:t>get_message</a:t>
-            </a:r>
-            <a:r>
-              <a:rPr lang="en-US" altLang="zh-CN" dirty="0"/>
-              <a:t>() </a:t>
-            </a:r>
-            <a:r>
-              <a:rPr lang="en-US" altLang="zh-CN" dirty="0" err="1"/>
-              <a:t>const</a:t>
-            </a:r>
-            <a:r>
-              <a:rPr lang="en-US" altLang="zh-CN" dirty="0"/>
-              <a:t>-&gt; </a:t>
-            </a:r>
-            <a:r>
-              <a:rPr lang="en-US" altLang="zh-CN" dirty="0" err="1">
-                <a:solidFill>
-                  <a:srgbClr val="FF0000"/>
-                </a:solidFill>
-              </a:rPr>
-              <a:t>std</a:t>
-            </a:r>
-            <a:r>
-              <a:rPr lang="en-US" altLang="zh-CN" dirty="0">
-                <a:solidFill>
-                  <a:srgbClr val="FF0000"/>
-                </a:solidFill>
-              </a:rPr>
-              <a:t>::vector&lt;boost::</a:t>
-            </a:r>
-            <a:r>
-              <a:rPr lang="en-US" altLang="zh-CN" dirty="0" err="1">
-                <a:solidFill>
-                  <a:srgbClr val="FF0000"/>
-                </a:solidFill>
-              </a:rPr>
-              <a:t>asio</a:t>
-            </a:r>
-            <a:r>
-              <a:rPr lang="en-US" altLang="zh-CN" dirty="0">
-                <a:solidFill>
-                  <a:srgbClr val="FF0000"/>
-                </a:solidFill>
-              </a:rPr>
-              <a:t>::</a:t>
-            </a:r>
-            <a:r>
-              <a:rPr lang="en-US" altLang="zh-CN" dirty="0" err="1">
-                <a:solidFill>
-                  <a:srgbClr val="FF0000"/>
-                </a:solidFill>
-              </a:rPr>
-              <a:t>const_buffer</a:t>
-            </a:r>
-            <a:r>
-              <a:rPr lang="en-US" altLang="zh-CN" dirty="0">
-                <a:solidFill>
-                  <a:srgbClr val="FF0000"/>
-                </a:solidFill>
-              </a:rPr>
-              <a:t>&gt;</a:t>
-            </a:r>
-          </a:p>
-          <a:p>
-            <a:r>
-              <a:rPr lang="en-US" altLang="zh-CN" dirty="0"/>
-              <a:t>{</a:t>
-            </a:r>
-          </a:p>
-          <a:p>
-            <a:r>
-              <a:rPr lang="en-US" altLang="zh-CN" dirty="0"/>
-              <a:t>	if (</a:t>
-            </a:r>
-            <a:r>
-              <a:rPr lang="en-US" altLang="zh-CN" dirty="0" err="1"/>
-              <a:t>message.empty</a:t>
-            </a:r>
-            <a:r>
-              <a:rPr lang="en-US" altLang="zh-CN" dirty="0"/>
-              <a:t>())</a:t>
-            </a:r>
-          </a:p>
-          <a:p>
-            <a:r>
-              <a:rPr lang="en-US" altLang="zh-CN" dirty="0"/>
-              <a:t>		return{ boost::</a:t>
-            </a:r>
-            <a:r>
-              <a:rPr lang="en-US" altLang="zh-CN" dirty="0" err="1"/>
-              <a:t>asio</a:t>
-            </a:r>
-            <a:r>
-              <a:rPr lang="en-US" altLang="zh-CN" dirty="0"/>
-              <a:t>::buffer(&amp;head, </a:t>
-            </a:r>
-            <a:r>
-              <a:rPr lang="en-US" altLang="zh-CN" dirty="0" err="1"/>
-              <a:t>sizeof</a:t>
-            </a:r>
-            <a:r>
-              <a:rPr lang="en-US" altLang="zh-CN" dirty="0"/>
-              <a:t>(</a:t>
-            </a:r>
-            <a:r>
-              <a:rPr lang="en-US" altLang="zh-CN" dirty="0" err="1"/>
-              <a:t>head_t</a:t>
-            </a:r>
-            <a:r>
-              <a:rPr lang="en-US" altLang="zh-CN" dirty="0"/>
-              <a:t>)) };</a:t>
-            </a:r>
-          </a:p>
-          <a:p>
-            <a:endParaRPr lang="en-US" altLang="zh-CN" dirty="0"/>
-          </a:p>
-          <a:p>
-            <a:r>
-              <a:rPr lang="en-US" altLang="zh-CN" dirty="0"/>
-              <a:t>	return{ boost::</a:t>
-            </a:r>
-            <a:r>
-              <a:rPr lang="en-US" altLang="zh-CN" dirty="0" err="1"/>
-              <a:t>asio</a:t>
-            </a:r>
-            <a:r>
-              <a:rPr lang="en-US" altLang="zh-CN" dirty="0"/>
-              <a:t>::buffer(&amp;head, </a:t>
-            </a:r>
-            <a:r>
-              <a:rPr lang="en-US" altLang="zh-CN" dirty="0" err="1"/>
-              <a:t>sizeof</a:t>
-            </a:r>
-            <a:r>
-              <a:rPr lang="en-US" altLang="zh-CN" dirty="0"/>
-              <a:t>(</a:t>
-            </a:r>
-            <a:r>
-              <a:rPr lang="en-US" altLang="zh-CN" dirty="0" err="1"/>
-              <a:t>head_t</a:t>
-            </a:r>
-            <a:r>
-              <a:rPr lang="en-US" altLang="zh-CN" dirty="0"/>
-              <a:t>)), boost::</a:t>
-            </a:r>
-            <a:r>
-              <a:rPr lang="en-US" altLang="zh-CN" dirty="0" err="1"/>
-              <a:t>asio</a:t>
-            </a:r>
-            <a:r>
-              <a:rPr lang="en-US" altLang="zh-CN" dirty="0"/>
-              <a:t>::buffer(message) };</a:t>
-            </a:r>
-          </a:p>
-          <a:p>
-            <a:r>
-              <a:rPr lang="en-US" altLang="zh-CN" dirty="0" smtClean="0"/>
-              <a:t>}</a:t>
-            </a:r>
-          </a:p>
-          <a:p>
-            <a:endParaRPr lang="en-US" altLang="zh-CN" dirty="0"/>
-          </a:p>
-          <a:p>
-            <a:r>
-              <a:rPr lang="en-US" altLang="zh-CN" dirty="0"/>
-              <a:t>boost::</a:t>
-            </a:r>
-            <a:r>
-              <a:rPr lang="en-US" altLang="zh-CN" dirty="0" err="1"/>
-              <a:t>asio</a:t>
-            </a:r>
-            <a:r>
-              <a:rPr lang="en-US" altLang="zh-CN" dirty="0"/>
-              <a:t>::</a:t>
-            </a:r>
-            <a:r>
-              <a:rPr lang="en-US" altLang="zh-CN" dirty="0" err="1">
-                <a:solidFill>
-                  <a:srgbClr val="FF0000"/>
-                </a:solidFill>
-              </a:rPr>
-              <a:t>async_write</a:t>
-            </a:r>
-            <a:r>
-              <a:rPr lang="en-US" altLang="zh-CN" dirty="0"/>
-              <a:t>(</a:t>
-            </a:r>
-            <a:r>
-              <a:rPr lang="en-US" altLang="zh-CN" dirty="0" err="1"/>
-              <a:t>conn_ptr</a:t>
-            </a:r>
-            <a:r>
-              <a:rPr lang="en-US" altLang="zh-CN" dirty="0"/>
-              <a:t>-&gt;socket(), </a:t>
-            </a:r>
-            <a:r>
-              <a:rPr lang="en-US" altLang="zh-CN" dirty="0" err="1"/>
-              <a:t>ctx_ptr</a:t>
-            </a:r>
-            <a:r>
-              <a:rPr lang="en-US" altLang="zh-CN" dirty="0"/>
-              <a:t>-&gt;</a:t>
-            </a:r>
-            <a:r>
-              <a:rPr lang="en-US" altLang="zh-CN" dirty="0" err="1">
-                <a:solidFill>
-                  <a:srgbClr val="FF0000"/>
-                </a:solidFill>
-              </a:rPr>
-              <a:t>get_message</a:t>
-            </a:r>
-            <a:r>
-              <a:rPr lang="en-US" altLang="zh-CN" dirty="0"/>
-              <a:t>(), </a:t>
-            </a:r>
-            <a:r>
-              <a:rPr lang="en-US" altLang="zh-CN" dirty="0" err="1"/>
-              <a:t>std</a:t>
-            </a:r>
-            <a:r>
-              <a:rPr lang="en-US" altLang="zh-CN" dirty="0"/>
-              <a:t>::bind(</a:t>
-            </a:r>
-          </a:p>
-          <a:p>
-            <a:r>
-              <a:rPr lang="en-US" altLang="zh-CN" dirty="0"/>
-              <a:t>			&amp;</a:t>
-            </a:r>
-            <a:r>
-              <a:rPr lang="en-US" altLang="zh-CN" dirty="0" err="1"/>
-              <a:t>ios_wrapper</a:t>
-            </a:r>
-            <a:r>
-              <a:rPr lang="en-US" altLang="zh-CN" dirty="0"/>
-              <a:t>::</a:t>
-            </a:r>
-            <a:r>
-              <a:rPr lang="en-US" altLang="zh-CN" dirty="0" err="1"/>
-              <a:t>handle_write</a:t>
-            </a:r>
-            <a:r>
-              <a:rPr lang="en-US" altLang="zh-CN" dirty="0"/>
-              <a:t>, this, </a:t>
-            </a:r>
-            <a:r>
-              <a:rPr lang="en-US" altLang="zh-CN" dirty="0" err="1"/>
-              <a:t>std</a:t>
-            </a:r>
-            <a:r>
-              <a:rPr lang="en-US" altLang="zh-CN" dirty="0"/>
-              <a:t>::move(</a:t>
-            </a:r>
-            <a:r>
-              <a:rPr lang="en-US" altLang="zh-CN" dirty="0" err="1"/>
-              <a:t>delay_messages</a:t>
-            </a:r>
-            <a:r>
-              <a:rPr lang="en-US" altLang="zh-CN" dirty="0"/>
-              <a:t>), </a:t>
-            </a:r>
-            <a:r>
-              <a:rPr lang="en-US" altLang="zh-CN" dirty="0" err="1"/>
-              <a:t>std</a:t>
-            </a:r>
-            <a:r>
-              <a:rPr lang="en-US" altLang="zh-CN" dirty="0"/>
-              <a:t>::placeholders::_1));</a:t>
-            </a:r>
-            <a:endParaRPr lang="zh-CN" altLang="en-US" dirty="0"/>
-          </a:p>
-        </p:txBody>
-      </p:sp>
-      <p:sp>
-        <p:nvSpPr>
-          <p:cNvPr id="4" name="Rectangle 3"/>
-          <p:cNvSpPr/>
-          <p:nvPr/>
-        </p:nvSpPr>
-        <p:spPr>
-          <a:xfrm>
-            <a:off x="2845946" y="5166267"/>
-            <a:ext cx="2029851" cy="369332"/>
-          </a:xfrm>
-          <a:prstGeom prst="rect">
-            <a:avLst/>
-          </a:prstGeom>
-        </p:spPr>
-        <p:txBody>
-          <a:bodyPr wrap="none">
-            <a:spAutoFit/>
-          </a:bodyPr>
-          <a:lstStyle/>
-          <a:p>
-            <a:r>
-              <a:rPr lang="zh-CN" altLang="en-US" dirty="0"/>
-              <a:t>avoid memory copy</a:t>
-            </a:r>
-          </a:p>
-        </p:txBody>
-      </p:sp>
-    </p:spTree>
-    <p:extLst>
-      <p:ext uri="{BB962C8B-B14F-4D97-AF65-F5344CB8AC3E}">
-        <p14:creationId xmlns:p14="http://schemas.microsoft.com/office/powerpoint/2010/main" val="3780394160"/>
-      </p:ext>
-    </p:extLst>
-  </p:cSld>
-  <p:clrMapOvr>
-    <a:masterClrMapping/>
-  </p:clrMapOvr>
-  <p:timing>
-    <p:tnLst>
-      <p:par>
-        <p:cTn id="1" dur="indefinite" restart="never" nodeType="tmRoot">
-          <p:childTnLst>
-            <p:seq concurrent="1" nextAc="seek">
-              <p:cTn id="2" dur="indefinite" nodeType="mainSeq">
-                <p:childTnLst>
-                  <p:par>
-                    <p:cTn id="3" fill="hold">
-                      <p:stCondLst>
-                        <p:cond delay="indefinite"/>
-                      </p:stCondLst>
-                      <p:childTnLst>
-                        <p:par>
-                          <p:cTn id="4" fill="hold">
-                            <p:stCondLst>
-                              <p:cond delay="0"/>
-                            </p:stCondLst>
-                            <p:childTnLst>
-                              <p:par>
-                                <p:cTn id="5" presetID="6" presetClass="emph" presetSubtype="0" fill="hold" nodeType="clickEffect">
-                                  <p:stCondLst>
-                                    <p:cond delay="0"/>
-                                  </p:stCondLst>
-                                  <p:childTnLst>
-                                    <p:animScale>
-                                      <p:cBhvr>
-                                        <p:cTn id="6" dur="2000" fill="hold"/>
-                                        <p:tgtEl>
-                                          <p:spTgt spid="4">
-                                            <p:txEl>
-                                              <p:pRg st="0" end="0"/>
-                                            </p:txEl>
-                                          </p:spTgt>
-                                        </p:tgtEl>
-                                      </p:cBhvr>
-                                      <p:by x="150000" y="150000"/>
-                                    </p:animScale>
                                   </p:childTnLst>
                                 </p:cTn>
                               </p:par>
@@ -25715,6 +26168,452 @@
           <a:lstStyle/>
           <a:p>
             <a:r>
+              <a:rPr lang="en-US" altLang="zh-CN" dirty="0" smtClean="0"/>
+              <a:t>Zero-copy</a:t>
+            </a:r>
+            <a:endParaRPr lang="zh-CN" altLang="en-US" dirty="0"/>
+          </a:p>
+        </p:txBody>
+      </p:sp>
+      <p:sp>
+        <p:nvSpPr>
+          <p:cNvPr id="3" name="Text Placeholder 2"/>
+          <p:cNvSpPr>
+            <a:spLocks noGrp="1"/>
+          </p:cNvSpPr>
+          <p:nvPr>
+            <p:ph type="body" sz="half" idx="2"/>
+          </p:nvPr>
+        </p:nvSpPr>
+        <p:spPr/>
+        <p:txBody>
+          <a:bodyPr/>
+          <a:lstStyle/>
+          <a:p>
+            <a:r>
+              <a:rPr lang="en-US" altLang="zh-CN" dirty="0"/>
+              <a:t>auto </a:t>
+            </a:r>
+            <a:r>
+              <a:rPr lang="en-US" altLang="zh-CN" dirty="0" err="1"/>
+              <a:t>get_message</a:t>
+            </a:r>
+            <a:r>
+              <a:rPr lang="en-US" altLang="zh-CN" dirty="0"/>
+              <a:t>() </a:t>
+            </a:r>
+            <a:r>
+              <a:rPr lang="en-US" altLang="zh-CN" dirty="0" err="1"/>
+              <a:t>const</a:t>
+            </a:r>
+            <a:r>
+              <a:rPr lang="en-US" altLang="zh-CN" dirty="0"/>
+              <a:t>-&gt; </a:t>
+            </a:r>
+            <a:r>
+              <a:rPr lang="en-US" altLang="zh-CN" dirty="0" err="1">
+                <a:solidFill>
+                  <a:srgbClr val="FF0000"/>
+                </a:solidFill>
+              </a:rPr>
+              <a:t>std</a:t>
+            </a:r>
+            <a:r>
+              <a:rPr lang="en-US" altLang="zh-CN" dirty="0">
+                <a:solidFill>
+                  <a:srgbClr val="FF0000"/>
+                </a:solidFill>
+              </a:rPr>
+              <a:t>::vector&lt;boost::</a:t>
+            </a:r>
+            <a:r>
+              <a:rPr lang="en-US" altLang="zh-CN" dirty="0" err="1">
+                <a:solidFill>
+                  <a:srgbClr val="FF0000"/>
+                </a:solidFill>
+              </a:rPr>
+              <a:t>asio</a:t>
+            </a:r>
+            <a:r>
+              <a:rPr lang="en-US" altLang="zh-CN" dirty="0">
+                <a:solidFill>
+                  <a:srgbClr val="FF0000"/>
+                </a:solidFill>
+              </a:rPr>
+              <a:t>::</a:t>
+            </a:r>
+            <a:r>
+              <a:rPr lang="en-US" altLang="zh-CN" dirty="0" err="1">
+                <a:solidFill>
+                  <a:srgbClr val="FF0000"/>
+                </a:solidFill>
+              </a:rPr>
+              <a:t>const_buffer</a:t>
+            </a:r>
+            <a:r>
+              <a:rPr lang="en-US" altLang="zh-CN" dirty="0">
+                <a:solidFill>
+                  <a:srgbClr val="FF0000"/>
+                </a:solidFill>
+              </a:rPr>
+              <a:t>&gt;</a:t>
+            </a:r>
+          </a:p>
+          <a:p>
+            <a:r>
+              <a:rPr lang="en-US" altLang="zh-CN" dirty="0"/>
+              <a:t>{</a:t>
+            </a:r>
+          </a:p>
+          <a:p>
+            <a:r>
+              <a:rPr lang="en-US" altLang="zh-CN" dirty="0"/>
+              <a:t>	if (</a:t>
+            </a:r>
+            <a:r>
+              <a:rPr lang="en-US" altLang="zh-CN" dirty="0" err="1"/>
+              <a:t>message.empty</a:t>
+            </a:r>
+            <a:r>
+              <a:rPr lang="en-US" altLang="zh-CN" dirty="0"/>
+              <a:t>())</a:t>
+            </a:r>
+          </a:p>
+          <a:p>
+            <a:r>
+              <a:rPr lang="en-US" altLang="zh-CN" dirty="0"/>
+              <a:t>		return{ boost::</a:t>
+            </a:r>
+            <a:r>
+              <a:rPr lang="en-US" altLang="zh-CN" dirty="0" err="1"/>
+              <a:t>asio</a:t>
+            </a:r>
+            <a:r>
+              <a:rPr lang="en-US" altLang="zh-CN" dirty="0"/>
+              <a:t>::buffer(&amp;head, </a:t>
+            </a:r>
+            <a:r>
+              <a:rPr lang="en-US" altLang="zh-CN" dirty="0" err="1"/>
+              <a:t>sizeof</a:t>
+            </a:r>
+            <a:r>
+              <a:rPr lang="en-US" altLang="zh-CN" dirty="0"/>
+              <a:t>(</a:t>
+            </a:r>
+            <a:r>
+              <a:rPr lang="en-US" altLang="zh-CN" dirty="0" err="1"/>
+              <a:t>head_t</a:t>
+            </a:r>
+            <a:r>
+              <a:rPr lang="en-US" altLang="zh-CN" dirty="0"/>
+              <a:t>)) };</a:t>
+            </a:r>
+          </a:p>
+          <a:p>
+            <a:endParaRPr lang="en-US" altLang="zh-CN" dirty="0"/>
+          </a:p>
+          <a:p>
+            <a:r>
+              <a:rPr lang="en-US" altLang="zh-CN" dirty="0"/>
+              <a:t>	return{ boost::</a:t>
+            </a:r>
+            <a:r>
+              <a:rPr lang="en-US" altLang="zh-CN" dirty="0" err="1"/>
+              <a:t>asio</a:t>
+            </a:r>
+            <a:r>
+              <a:rPr lang="en-US" altLang="zh-CN" dirty="0"/>
+              <a:t>::buffer(&amp;head, </a:t>
+            </a:r>
+            <a:r>
+              <a:rPr lang="en-US" altLang="zh-CN" dirty="0" err="1"/>
+              <a:t>sizeof</a:t>
+            </a:r>
+            <a:r>
+              <a:rPr lang="en-US" altLang="zh-CN" dirty="0"/>
+              <a:t>(</a:t>
+            </a:r>
+            <a:r>
+              <a:rPr lang="en-US" altLang="zh-CN" dirty="0" err="1"/>
+              <a:t>head_t</a:t>
+            </a:r>
+            <a:r>
+              <a:rPr lang="en-US" altLang="zh-CN" dirty="0"/>
+              <a:t>)), boost::</a:t>
+            </a:r>
+            <a:r>
+              <a:rPr lang="en-US" altLang="zh-CN" dirty="0" err="1"/>
+              <a:t>asio</a:t>
+            </a:r>
+            <a:r>
+              <a:rPr lang="en-US" altLang="zh-CN" dirty="0"/>
+              <a:t>::buffer(message) };</a:t>
+            </a:r>
+          </a:p>
+          <a:p>
+            <a:r>
+              <a:rPr lang="en-US" altLang="zh-CN" dirty="0" smtClean="0"/>
+              <a:t>}</a:t>
+            </a:r>
+          </a:p>
+          <a:p>
+            <a:endParaRPr lang="en-US" altLang="zh-CN" dirty="0"/>
+          </a:p>
+          <a:p>
+            <a:r>
+              <a:rPr lang="en-US" altLang="zh-CN" dirty="0"/>
+              <a:t>boost::</a:t>
+            </a:r>
+            <a:r>
+              <a:rPr lang="en-US" altLang="zh-CN" dirty="0" err="1"/>
+              <a:t>asio</a:t>
+            </a:r>
+            <a:r>
+              <a:rPr lang="en-US" altLang="zh-CN" dirty="0"/>
+              <a:t>::</a:t>
+            </a:r>
+            <a:r>
+              <a:rPr lang="en-US" altLang="zh-CN" dirty="0" err="1">
+                <a:solidFill>
+                  <a:srgbClr val="FF0000"/>
+                </a:solidFill>
+              </a:rPr>
+              <a:t>async_write</a:t>
+            </a:r>
+            <a:r>
+              <a:rPr lang="en-US" altLang="zh-CN" dirty="0"/>
+              <a:t>(</a:t>
+            </a:r>
+            <a:r>
+              <a:rPr lang="en-US" altLang="zh-CN" dirty="0" err="1"/>
+              <a:t>conn_ptr</a:t>
+            </a:r>
+            <a:r>
+              <a:rPr lang="en-US" altLang="zh-CN" dirty="0"/>
+              <a:t>-&gt;socket(), </a:t>
+            </a:r>
+            <a:r>
+              <a:rPr lang="en-US" altLang="zh-CN" dirty="0" err="1"/>
+              <a:t>ctx_ptr</a:t>
+            </a:r>
+            <a:r>
+              <a:rPr lang="en-US" altLang="zh-CN" dirty="0"/>
+              <a:t>-&gt;</a:t>
+            </a:r>
+            <a:r>
+              <a:rPr lang="en-US" altLang="zh-CN" dirty="0" err="1">
+                <a:solidFill>
+                  <a:srgbClr val="FF0000"/>
+                </a:solidFill>
+              </a:rPr>
+              <a:t>get_message</a:t>
+            </a:r>
+            <a:r>
+              <a:rPr lang="en-US" altLang="zh-CN" dirty="0"/>
+              <a:t>(), </a:t>
+            </a:r>
+            <a:r>
+              <a:rPr lang="en-US" altLang="zh-CN" dirty="0" err="1"/>
+              <a:t>std</a:t>
+            </a:r>
+            <a:r>
+              <a:rPr lang="en-US" altLang="zh-CN" dirty="0"/>
+              <a:t>::bind(</a:t>
+            </a:r>
+          </a:p>
+          <a:p>
+            <a:r>
+              <a:rPr lang="en-US" altLang="zh-CN" dirty="0"/>
+              <a:t>			&amp;</a:t>
+            </a:r>
+            <a:r>
+              <a:rPr lang="en-US" altLang="zh-CN" dirty="0" err="1"/>
+              <a:t>ios_wrapper</a:t>
+            </a:r>
+            <a:r>
+              <a:rPr lang="en-US" altLang="zh-CN" dirty="0"/>
+              <a:t>::</a:t>
+            </a:r>
+            <a:r>
+              <a:rPr lang="en-US" altLang="zh-CN" dirty="0" err="1"/>
+              <a:t>handle_write</a:t>
+            </a:r>
+            <a:r>
+              <a:rPr lang="en-US" altLang="zh-CN" dirty="0"/>
+              <a:t>, this, </a:t>
+            </a:r>
+            <a:r>
+              <a:rPr lang="en-US" altLang="zh-CN" dirty="0" err="1"/>
+              <a:t>std</a:t>
+            </a:r>
+            <a:r>
+              <a:rPr lang="en-US" altLang="zh-CN" dirty="0"/>
+              <a:t>::move(</a:t>
+            </a:r>
+            <a:r>
+              <a:rPr lang="en-US" altLang="zh-CN" dirty="0" err="1"/>
+              <a:t>delay_messages</a:t>
+            </a:r>
+            <a:r>
+              <a:rPr lang="en-US" altLang="zh-CN" dirty="0"/>
+              <a:t>), </a:t>
+            </a:r>
+            <a:r>
+              <a:rPr lang="en-US" altLang="zh-CN" dirty="0" err="1"/>
+              <a:t>std</a:t>
+            </a:r>
+            <a:r>
+              <a:rPr lang="en-US" altLang="zh-CN" dirty="0"/>
+              <a:t>::placeholders::_1));</a:t>
+            </a:r>
+            <a:endParaRPr lang="zh-CN" altLang="en-US" dirty="0"/>
+          </a:p>
+        </p:txBody>
+      </p:sp>
+      <p:sp>
+        <p:nvSpPr>
+          <p:cNvPr id="4" name="Rectangle 3"/>
+          <p:cNvSpPr/>
+          <p:nvPr/>
+        </p:nvSpPr>
+        <p:spPr>
+          <a:xfrm>
+            <a:off x="2845946" y="5166267"/>
+            <a:ext cx="2029851" cy="369332"/>
+          </a:xfrm>
+          <a:prstGeom prst="rect">
+            <a:avLst/>
+          </a:prstGeom>
+        </p:spPr>
+        <p:txBody>
+          <a:bodyPr wrap="none">
+            <a:spAutoFit/>
+          </a:bodyPr>
+          <a:lstStyle/>
+          <a:p>
+            <a:r>
+              <a:rPr lang="zh-CN" altLang="en-US" dirty="0"/>
+              <a:t>avoid memory copy</a:t>
+            </a:r>
+          </a:p>
+        </p:txBody>
+      </p:sp>
+    </p:spTree>
+    <p:extLst>
+      <p:ext uri="{BB962C8B-B14F-4D97-AF65-F5344CB8AC3E}">
+        <p14:creationId xmlns:p14="http://schemas.microsoft.com/office/powerpoint/2010/main" val="3780394160"/>
+      </p:ext>
+    </p:extLst>
+  </p:cSld>
+  <p:clrMapOvr>
+    <a:masterClrMapping/>
+  </p:clrMapOvr>
+  <p:timing>
+    <p:tnLst>
+      <p:par>
+        <p:cTn id="1" dur="indefinite" restart="never" nodeType="tmRoot">
+          <p:childTnLst>
+            <p:seq concurrent="1" nextAc="seek">
+              <p:cTn id="2" dur="indefinite" nodeType="mainSeq">
+                <p:childTnLst>
+                  <p:par>
+                    <p:cTn id="3" fill="hold">
+                      <p:stCondLst>
+                        <p:cond delay="indefinite"/>
+                      </p:stCondLst>
+                      <p:childTnLst>
+                        <p:par>
+                          <p:cTn id="4" fill="hold">
+                            <p:stCondLst>
+                              <p:cond delay="0"/>
+                            </p:stCondLst>
+                            <p:childTnLst>
+                              <p:par>
+                                <p:cTn id="5" presetID="6" presetClass="emph" presetSubtype="0" fill="hold" nodeType="clickEffect">
+                                  <p:stCondLst>
+                                    <p:cond delay="0"/>
+                                  </p:stCondLst>
+                                  <p:childTnLst>
+                                    <p:animScale>
+                                      <p:cBhvr>
+                                        <p:cTn id="6" dur="2000" fill="hold"/>
+                                        <p:tgtEl>
+                                          <p:spTgt spid="4">
+                                            <p:txEl>
+                                              <p:pRg st="0" end="0"/>
+                                            </p:txEl>
+                                          </p:spTgt>
+                                        </p:tgtEl>
+                                      </p:cBhvr>
+                                      <p:by x="150000" y="150000"/>
+                                    </p:animScale>
+                                  </p:childTnLst>
+                                </p:cTn>
+                              </p:par>
+                            </p:childTnLst>
+                          </p:cTn>
+                        </p:par>
+                      </p:childTnLst>
+                    </p:cTn>
+                  </p:par>
+                </p:childTnLst>
+              </p:cTn>
+              <p:prevCondLst>
+                <p:cond evt="onPrev" delay="0">
+                  <p:tgtEl>
+                    <p:sldTgt/>
+                  </p:tgtEl>
+                </p:cond>
+              </p:prevCondLst>
+              <p:nextCondLst>
+                <p:cond evt="onNext" delay="0">
+                  <p:tgtEl>
+                    <p:sldTgt/>
+                  </p:tgtEl>
+                </p:cond>
+              </p:nextCondLst>
+            </p:seq>
+          </p:childTnLst>
+        </p:cTn>
+      </p:par>
+    </p:tnLst>
+  </p:timing>
+</p:sld>
+</file>
+
+<file path=ppt/slides/slide36.xml><?xml version="1.0" encoding="utf-8"?>
+<p:sld xmlns:a="http://schemas.openxmlformats.org/drawingml/2006/main" xmlns:r="http://schemas.openxmlformats.org/officeDocument/2006/relationships" xmlns:p="http://schemas.openxmlformats.org/presentationml/2006/main">
+  <p:cSld>
+    <p:spTree>
+      <p:nvGrpSpPr>
+        <p:cNvPr id="1" name=""/>
+        <p:cNvGrpSpPr/>
+        <p:nvPr/>
+      </p:nvGrpSpPr>
+      <p:grpSpPr>
+        <a:xfrm>
+          <a:off x="0" y="0"/>
+          <a:ext cx="0" cy="0"/>
+          <a:chOff x="0" y="0"/>
+          <a:chExt cx="0" cy="0"/>
+        </a:xfrm>
+      </p:grpSpPr>
+      <p:sp>
+        <p:nvSpPr>
+          <p:cNvPr id="2" name="Title 1"/>
+          <p:cNvSpPr>
+            <a:spLocks noGrp="1"/>
+          </p:cNvSpPr>
+          <p:nvPr>
+            <p:ph type="title"/>
+          </p:nvPr>
+        </p:nvSpPr>
+        <p:spPr/>
+        <p:txBody>
+          <a:bodyPr/>
+          <a:lstStyle/>
+          <a:p>
+            <a:r>
               <a:rPr lang="en-US" altLang="zh-CN" dirty="0"/>
               <a:t>Zero-copy</a:t>
             </a:r>
@@ -26249,7 +27148,7 @@
 </p:sld>
 </file>
 
-<file path=ppt/slides/slide36.xml><?xml version="1.0" encoding="utf-8"?>
+<file path=ppt/slides/slide37.xml><?xml version="1.0" encoding="utf-8"?>
 <p:sld xmlns:a="http://schemas.openxmlformats.org/drawingml/2006/main" xmlns:r="http://schemas.openxmlformats.org/officeDocument/2006/relationships" xmlns:p="http://schemas.openxmlformats.org/presentationml/2006/main">
   <p:cSld>
     <p:spTree>
@@ -27290,7 +28189,7 @@
 </p:sld>
 </file>
 
-<file path=ppt/slides/slide37.xml><?xml version="1.0" encoding="utf-8"?>
+<file path=ppt/slides/slide38.xml><?xml version="1.0" encoding="utf-8"?>
 <p:sld xmlns:a="http://schemas.openxmlformats.org/drawingml/2006/main" xmlns:r="http://schemas.openxmlformats.org/officeDocument/2006/relationships" xmlns:p="http://schemas.openxmlformats.org/presentationml/2006/main">
   <p:cSld>
     <p:spTree>
@@ -27593,7 +28492,7 @@
 </p:sld>
 </file>
 
-<file path=ppt/slides/slide38.xml><?xml version="1.0" encoding="utf-8"?>
+<file path=ppt/slides/slide39.xml><?xml version="1.0" encoding="utf-8"?>
 <p:sld xmlns:a="http://schemas.openxmlformats.org/drawingml/2006/main" xmlns:r="http://schemas.openxmlformats.org/officeDocument/2006/relationships" xmlns:p="http://schemas.openxmlformats.org/presentationml/2006/main">
   <p:cSld>
     <p:spTree>
@@ -28170,218 +29069,6 @@
       <p:bldP spid="5" grpId="0" animBg="1"/>
       <p:bldP spid="6" grpId="0"/>
     </p:bldLst>
-  </p:timing>
-</p:sld>
-</file>
-
-<file path=ppt/slides/slide39.xml><?xml version="1.0" encoding="utf-8"?>
-<p:sld xmlns:a="http://schemas.openxmlformats.org/drawingml/2006/main" xmlns:r="http://schemas.openxmlformats.org/officeDocument/2006/relationships" xmlns:p="http://schemas.openxmlformats.org/presentationml/2006/main">
-  <p:cSld>
-    <p:spTree>
-      <p:nvGrpSpPr>
-        <p:cNvPr id="1" name=""/>
-        <p:cNvGrpSpPr/>
-        <p:nvPr/>
-      </p:nvGrpSpPr>
-      <p:grpSpPr>
-        <a:xfrm>
-          <a:off x="0" y="0"/>
-          <a:ext cx="0" cy="0"/>
-          <a:chOff x="0" y="0"/>
-          <a:chExt cx="0" cy="0"/>
-        </a:xfrm>
-      </p:grpSpPr>
-      <p:sp>
-        <p:nvSpPr>
-          <p:cNvPr id="2" name="标题 1"/>
-          <p:cNvSpPr>
-            <a:spLocks noGrp="1"/>
-          </p:cNvSpPr>
-          <p:nvPr>
-            <p:ph type="title"/>
-          </p:nvPr>
-        </p:nvSpPr>
-        <p:spPr/>
-        <p:txBody>
-          <a:bodyPr/>
-          <a:lstStyle/>
-          <a:p>
-            <a:r>
-              <a:rPr lang="en-US" altLang="zh-CN" dirty="0"/>
-              <a:t>High performance</a:t>
-            </a:r>
-            <a:endParaRPr lang="zh-CN" altLang="en-US" dirty="0"/>
-          </a:p>
-        </p:txBody>
-      </p:sp>
-      <p:sp>
-        <p:nvSpPr>
-          <p:cNvPr id="3" name="文本占位符 2"/>
-          <p:cNvSpPr>
-            <a:spLocks noGrp="1"/>
-          </p:cNvSpPr>
-          <p:nvPr>
-            <p:ph type="body" sz="half" idx="2"/>
-          </p:nvPr>
-        </p:nvSpPr>
-        <p:spPr/>
-        <p:txBody>
-          <a:bodyPr/>
-          <a:lstStyle/>
-          <a:p>
-            <a:r>
-              <a:rPr lang="en-US" altLang="zh-CN" dirty="0"/>
-              <a:t>Lock-free : CAS operation using std::atomic</a:t>
-            </a:r>
-          </a:p>
-          <a:p>
-            <a:endParaRPr lang="en-US" altLang="zh-CN" dirty="0"/>
-          </a:p>
-          <a:p>
-            <a:r>
-              <a:rPr lang="en-US" altLang="zh-CN" dirty="0"/>
-              <a:t>std::atomic&lt;</a:t>
-            </a:r>
-            <a:r>
-              <a:rPr lang="en-US" altLang="zh-CN" dirty="0" err="1"/>
-              <a:t>int</a:t>
-            </a:r>
-            <a:r>
-              <a:rPr lang="en-US" altLang="zh-CN" dirty="0"/>
-              <a:t>&gt; flag = 0;</a:t>
-            </a:r>
-          </a:p>
-          <a:p>
-            <a:r>
-              <a:rPr lang="en-US" altLang="zh-CN" dirty="0"/>
-              <a:t>std::thread  thread1{ []{ </a:t>
-            </a:r>
-            <a:r>
-              <a:rPr lang="en-US" altLang="zh-CN" dirty="0" err="1"/>
-              <a:t>flag.store</a:t>
-            </a:r>
-            <a:r>
-              <a:rPr lang="en-US" altLang="zh-CN" dirty="0"/>
-              <a:t>(1); } }.detach();</a:t>
-            </a:r>
-          </a:p>
-          <a:p>
-            <a:r>
-              <a:rPr lang="en-US" altLang="zh-CN" dirty="0"/>
-              <a:t>std::thread thread2{ []{ </a:t>
-            </a:r>
-          </a:p>
-          <a:p>
-            <a:r>
-              <a:rPr lang="en-US" altLang="zh-CN" dirty="0"/>
-              <a:t>	</a:t>
-            </a:r>
-            <a:r>
-              <a:rPr lang="en-US" altLang="zh-CN" dirty="0" err="1"/>
-              <a:t>int</a:t>
-            </a:r>
-            <a:r>
-              <a:rPr lang="en-US" altLang="zh-CN" dirty="0"/>
-              <a:t> expected; </a:t>
-            </a:r>
-          </a:p>
-          <a:p>
-            <a:r>
-              <a:rPr lang="en-US" altLang="zh-CN" dirty="0"/>
-              <a:t>	do expected = 1;</a:t>
-            </a:r>
-          </a:p>
-          <a:p>
-            <a:r>
-              <a:rPr lang="en-US" altLang="zh-CN" dirty="0"/>
-              <a:t>	while(!</a:t>
-            </a:r>
-            <a:r>
-              <a:rPr lang="en-US" altLang="zh-CN" dirty="0" err="1"/>
-              <a:t>flag.compare_exchange_weak</a:t>
-            </a:r>
-            <a:r>
-              <a:rPr lang="en-US" altLang="zh-CN" dirty="0"/>
-              <a:t>(</a:t>
-            </a:r>
-            <a:r>
-              <a:rPr lang="en-US" altLang="zh-CN" dirty="0">
-                <a:sym typeface="+mn-ea"/>
-              </a:rPr>
-              <a:t>expected, 2</a:t>
-            </a:r>
-            <a:r>
-              <a:rPr lang="en-US" altLang="zh-CN" dirty="0"/>
-              <a:t>));</a:t>
-            </a:r>
-          </a:p>
-          <a:p>
-            <a:r>
-              <a:rPr lang="en-US" altLang="zh-CN" dirty="0"/>
-              <a:t>} }.detach();</a:t>
-            </a:r>
-          </a:p>
-          <a:p>
-            <a:r>
-              <a:rPr lang="en-US" altLang="zh-CN" dirty="0"/>
-              <a:t>std::thread thread3{[]{  </a:t>
-            </a:r>
-          </a:p>
-          <a:p>
-            <a:r>
-              <a:rPr lang="en-US" altLang="zh-CN" dirty="0"/>
-              <a:t>	while(</a:t>
-            </a:r>
-            <a:r>
-              <a:rPr lang="en-US" altLang="zh-CN" dirty="0" err="1">
-                <a:sym typeface="+mn-ea"/>
-              </a:rPr>
-              <a:t>flag.load</a:t>
-            </a:r>
-            <a:r>
-              <a:rPr lang="en-US" altLang="zh-CN" dirty="0">
-                <a:sym typeface="+mn-ea"/>
-              </a:rPr>
-              <a:t>() != 2);</a:t>
-            </a:r>
-            <a:endParaRPr lang="en-US" altLang="zh-CN" dirty="0"/>
-          </a:p>
-          <a:p>
-            <a:r>
-              <a:rPr lang="en-US" altLang="zh-CN" dirty="0"/>
-              <a:t>}};</a:t>
-            </a:r>
-          </a:p>
-          <a:p>
-            <a:r>
-              <a:rPr lang="en-US" altLang="zh-CN" dirty="0"/>
-              <a:t>thread3.join();</a:t>
-            </a:r>
-          </a:p>
-          <a:p>
-            <a:endParaRPr lang="en-US" altLang="zh-CN" dirty="0" smtClean="0"/>
-          </a:p>
-          <a:p>
-            <a:endParaRPr lang="zh-CN" altLang="en-US" dirty="0"/>
-          </a:p>
-        </p:txBody>
-      </p:sp>
-    </p:spTree>
-    <p:extLst>
-      <p:ext uri="{BB962C8B-B14F-4D97-AF65-F5344CB8AC3E}">
-        <p14:creationId xmlns:p14="http://schemas.microsoft.com/office/powerpoint/2010/main" val="3825246578"/>
-      </p:ext>
-    </p:extLst>
-  </p:cSld>
-  <p:clrMapOvr>
-    <a:masterClrMapping/>
-  </p:clrMapOvr>
-  <p:timing>
-    <p:tnLst>
-      <p:par>
-        <p:cTn id="1" dur="indefinite" restart="never" nodeType="tmRoot"/>
-      </p:par>
-    </p:tnLst>
   </p:timing>
 </p:sld>
 </file>
@@ -28528,7 +29215,7 @@
           <a:lstStyle/>
           <a:p>
             <a:r>
-              <a:rPr lang="en-US" altLang="zh-CN" dirty="0" smtClean="0"/>
+              <a:rPr lang="en-US" altLang="zh-CN" dirty="0"/>
               <a:t>High performance</a:t>
             </a:r>
             <a:endParaRPr lang="zh-CN" altLang="en-US" dirty="0"/>
@@ -28552,191 +29239,135 @@
           <a:p>
             <a:r>
               <a:rPr lang="en-US" altLang="zh-CN" dirty="0"/>
-              <a:t>Lock-free : atomic operation with memory order</a:t>
-            </a:r>
-          </a:p>
-          <a:p>
-            <a:r>
-              <a:rPr lang="en-US" altLang="zh-CN" dirty="0"/>
-              <a:t>void </a:t>
+              <a:t>Lock-free : CAS operation using std::atomic</a:t>
+            </a:r>
+          </a:p>
+          <a:p>
+            <a:endParaRPr lang="en-US" altLang="zh-CN" dirty="0"/>
+          </a:p>
+          <a:p>
+            <a:r>
+              <a:rPr lang="en-US" altLang="zh-CN" dirty="0"/>
+              <a:t>std::atomic&lt;</a:t>
             </a:r>
             <a:r>
               <a:rPr lang="en-US" altLang="zh-CN" dirty="0" err="1"/>
-              <a:t>reader_thread</a:t>
-            </a:r>
-            <a:r>
-              <a:rPr lang="en-US" altLang="zh-CN" dirty="0"/>
-              <a:t>()</a:t>
-            </a:r>
-          </a:p>
-          <a:p>
-            <a:r>
-              <a:rPr lang="en-US" altLang="zh-CN" dirty="0"/>
-              <a:t>{</a:t>
-            </a:r>
-          </a:p>
-          <a:p>
-            <a:r>
-              <a:rPr lang="en-US" altLang="zh-CN" dirty="0"/>
-              <a:t>    while(!</a:t>
+              <a:t>int</a:t>
+            </a:r>
+            <a:r>
+              <a:rPr lang="en-US" altLang="zh-CN" dirty="0"/>
+              <a:t>&gt; flag = 0;</a:t>
+            </a:r>
+          </a:p>
+          <a:p>
+            <a:r>
+              <a:rPr lang="en-US" altLang="zh-CN" dirty="0"/>
+              <a:t>std::thread  thread1{ []{ </a:t>
             </a:r>
             <a:r>
               <a:rPr lang="en-US" altLang="zh-CN" dirty="0" err="1"/>
-              <a:t>data_ready.load</a:t>
-            </a:r>
-            <a:r>
-              <a:rPr lang="en-US" altLang="zh-CN" dirty="0"/>
-              <a:t>(std::</a:t>
+              <a:t>flag.store</a:t>
+            </a:r>
+            <a:r>
+              <a:rPr lang="en-US" altLang="zh-CN" dirty="0"/>
+              <a:t>(1); } }.detach();</a:t>
+            </a:r>
+          </a:p>
+          <a:p>
+            <a:r>
+              <a:rPr lang="en-US" altLang="zh-CN" dirty="0"/>
+              <a:t>std::thread thread2{ []{ </a:t>
+            </a:r>
+          </a:p>
+          <a:p>
+            <a:r>
+              <a:rPr lang="en-US" altLang="zh-CN" dirty="0"/>
+              <a:t>	</a:t>
             </a:r>
             <a:r>
               <a:rPr lang="en-US" altLang="zh-CN" dirty="0" err="1"/>
-              <a:t>memory_order_acquire</a:t>
-            </a:r>
-            <a:r>
-              <a:rPr lang="en-US" altLang="zh-CN" dirty="0"/>
-              <a:t>)) // operation C</a:t>
-            </a:r>
-          </a:p>
-          <a:p>
-            <a:r>
-              <a:rPr lang="en-US" altLang="zh-CN" dirty="0"/>
-              <a:t>        std::</a:t>
+              <a:t>int</a:t>
+            </a:r>
+            <a:r>
+              <a:rPr lang="en-US" altLang="zh-CN" dirty="0"/>
+              <a:t> expected; </a:t>
+            </a:r>
+          </a:p>
+          <a:p>
+            <a:r>
+              <a:rPr lang="en-US" altLang="zh-CN" dirty="0"/>
+              <a:t>	do expected = 1;</a:t>
+            </a:r>
+          </a:p>
+          <a:p>
+            <a:r>
+              <a:rPr lang="en-US" altLang="zh-CN" dirty="0"/>
+              <a:t>	while(!</a:t>
             </a:r>
             <a:r>
               <a:rPr lang="en-US" altLang="zh-CN" dirty="0" err="1"/>
-              <a:t>this_thread</a:t>
-            </a:r>
-            <a:r>
-              <a:rPr lang="en-US" altLang="zh-CN" dirty="0"/>
-              <a:t>::yield();</a:t>
-            </a:r>
-          </a:p>
-          <a:p>
-            <a:r>
-              <a:rPr lang="en-US" altLang="zh-CN" dirty="0"/>
-              <a:t>    std::</a:t>
-            </a:r>
-            <a:r>
-              <a:rPr lang="en-US" altLang="zh-CN" dirty="0" err="1"/>
-              <a:t>cout</a:t>
-            </a:r>
-            <a:r>
-              <a:rPr lang="en-US" altLang="zh-CN" dirty="0"/>
-              <a:t> &lt;&lt; data[0] &lt;&lt; std::</a:t>
-            </a:r>
-            <a:r>
-              <a:rPr lang="en-US" altLang="zh-CN" dirty="0" err="1"/>
-              <a:t>endl</a:t>
-            </a:r>
-            <a:r>
-              <a:rPr lang="en-US" altLang="zh-CN" dirty="0"/>
-              <a:t>; // operation D</a:t>
-            </a:r>
-          </a:p>
-          <a:p>
-            <a:r>
-              <a:rPr lang="en-US" altLang="zh-CN" dirty="0"/>
-              <a:t>}</a:t>
-            </a:r>
-          </a:p>
-          <a:p>
-            <a:r>
-              <a:rPr lang="en-US" altLang="zh-CN" dirty="0"/>
-              <a:t> </a:t>
-            </a:r>
-          </a:p>
-          <a:p>
-            <a:r>
-              <a:rPr lang="en-US" altLang="zh-CN" dirty="0"/>
-              <a:t>void </a:t>
-            </a:r>
-            <a:r>
-              <a:rPr lang="en-US" altLang="zh-CN" dirty="0" err="1"/>
-              <a:t>writer_thread</a:t>
-            </a:r>
-            <a:r>
-              <a:rPr lang="en-US" altLang="zh-CN" dirty="0"/>
-              <a:t>()</a:t>
-            </a:r>
-          </a:p>
-          <a:p>
-            <a:r>
-              <a:rPr lang="en-US" altLang="zh-CN" dirty="0"/>
-              <a:t>{</a:t>
-            </a:r>
-          </a:p>
-          <a:p>
-            <a:r>
-              <a:rPr lang="en-US" altLang="zh-CN" dirty="0"/>
-              <a:t>    </a:t>
-            </a:r>
-            <a:r>
-              <a:rPr lang="en-US" altLang="zh-CN" dirty="0" err="1"/>
-              <a:t>data.push_back</a:t>
-            </a:r>
-            <a:r>
-              <a:rPr lang="en-US" altLang="zh-CN" dirty="0"/>
-              <a:t>(42); //operation A</a:t>
-            </a:r>
-          </a:p>
-          <a:p>
-            <a:r>
-              <a:rPr lang="en-US" altLang="zh-CN" dirty="0"/>
-              <a:t>    </a:t>
-            </a:r>
-            <a:r>
-              <a:rPr lang="en-US" altLang="zh-CN" dirty="0" err="1"/>
-              <a:t>data_ready.store</a:t>
-            </a:r>
-            <a:r>
-              <a:rPr lang="en-US" altLang="zh-CN" dirty="0"/>
-              <a:t>(true, std::</a:t>
-            </a:r>
-            <a:r>
-              <a:rPr lang="en-US" altLang="zh-CN" dirty="0" err="1"/>
-              <a:t>memory_order_release</a:t>
-            </a:r>
-            <a:r>
-              <a:rPr lang="en-US" altLang="zh-CN" dirty="0"/>
-              <a:t>);  // operation B</a:t>
-            </a:r>
-          </a:p>
-          <a:p>
-            <a:r>
-              <a:rPr lang="en-US" altLang="zh-CN" dirty="0"/>
-              <a:t>}</a:t>
-            </a:r>
-          </a:p>
-          <a:p>
+              <a:t>flag.compare_exchange_weak</a:t>
+            </a:r>
+            <a:r>
+              <a:rPr lang="en-US" altLang="zh-CN" dirty="0"/>
+              <a:t>(</a:t>
+            </a:r>
+            <a:r>
+              <a:rPr lang="en-US" altLang="zh-CN" dirty="0">
+                <a:sym typeface="+mn-ea"/>
+              </a:rPr>
+              <a:t>expected, 2</a:t>
+            </a:r>
+            <a:r>
+              <a:rPr lang="en-US" altLang="zh-CN" dirty="0"/>
+              <a:t>));</a:t>
+            </a:r>
+          </a:p>
+          <a:p>
+            <a:r>
+              <a:rPr lang="en-US" altLang="zh-CN" dirty="0"/>
+              <a:t>} }.detach();</a:t>
+            </a:r>
+          </a:p>
+          <a:p>
+            <a:r>
+              <a:rPr lang="en-US" altLang="zh-CN" dirty="0"/>
+              <a:t>std::thread thread3{[]{  </a:t>
+            </a:r>
+          </a:p>
+          <a:p>
+            <a:r>
+              <a:rPr lang="en-US" altLang="zh-CN" dirty="0"/>
+              <a:t>	while(</a:t>
+            </a:r>
+            <a:r>
+              <a:rPr lang="en-US" altLang="zh-CN" dirty="0" err="1">
+                <a:sym typeface="+mn-ea"/>
+              </a:rPr>
+              <a:t>flag.load</a:t>
+            </a:r>
+            <a:r>
+              <a:rPr lang="en-US" altLang="zh-CN" dirty="0">
+                <a:sym typeface="+mn-ea"/>
+              </a:rPr>
+              <a:t>() != 2);</a:t>
+            </a:r>
             <a:endParaRPr lang="en-US" altLang="zh-CN" dirty="0"/>
           </a:p>
           <a:p>
             <a:r>
               <a:rPr lang="en-US" altLang="zh-CN" dirty="0"/>
-              <a:t>std::thread t1{  </a:t>
-            </a:r>
-            <a:r>
-              <a:rPr lang="en-US" altLang="zh-CN" dirty="0" err="1"/>
-              <a:t>reader_thread</a:t>
-            </a:r>
-            <a:r>
-              <a:rPr lang="en-US" altLang="zh-CN" dirty="0"/>
-              <a:t> }.detach();</a:t>
-            </a:r>
-          </a:p>
-          <a:p>
-            <a:r>
-              <a:rPr lang="en-US" altLang="zh-CN" dirty="0"/>
-              <a:t>std::thread t2{ </a:t>
-            </a:r>
-            <a:r>
-              <a:rPr lang="en-US" altLang="zh-CN" dirty="0" err="1"/>
-              <a:t>writer_thread</a:t>
-            </a:r>
-            <a:r>
-              <a:rPr lang="en-US" altLang="zh-CN" dirty="0"/>
-              <a:t> }.detach();</a:t>
-            </a:r>
+              <a:t>}};</a:t>
+            </a:r>
+          </a:p>
+          <a:p>
+            <a:r>
+              <a:rPr lang="en-US" altLang="zh-CN" dirty="0"/>
+              <a:t>thread3.join();</a:t>
+            </a:r>
+          </a:p>
+          <a:p>
+            <a:endParaRPr lang="en-US" altLang="zh-CN" dirty="0" smtClean="0"/>
           </a:p>
           <a:p>
             <a:endParaRPr lang="zh-CN" altLang="en-US" dirty="0"/>
@@ -28744,6 +29375,11 @@
         </p:txBody>
       </p:sp>
     </p:spTree>
+    <p:extLst>
+      <p:ext uri="{BB962C8B-B14F-4D97-AF65-F5344CB8AC3E}">
+        <p14:creationId xmlns:p14="http://schemas.microsoft.com/office/powerpoint/2010/main" val="3825246578"/>
+      </p:ext>
+    </p:extLst>
   </p:cSld>
   <p:clrMapOvr>
     <a:masterClrMapping/>
@@ -28815,6 +29451,269 @@
           <a:p>
             <a:r>
               <a:rPr lang="en-US" altLang="zh-CN" dirty="0"/>
+              <a:t>Lock-free : atomic operation with memory order</a:t>
+            </a:r>
+          </a:p>
+          <a:p>
+            <a:r>
+              <a:rPr lang="en-US" altLang="zh-CN" dirty="0"/>
+              <a:t>void </a:t>
+            </a:r>
+            <a:r>
+              <a:rPr lang="en-US" altLang="zh-CN" dirty="0" err="1"/>
+              <a:t>reader_thread</a:t>
+            </a:r>
+            <a:r>
+              <a:rPr lang="en-US" altLang="zh-CN" dirty="0"/>
+              <a:t>()</a:t>
+            </a:r>
+          </a:p>
+          <a:p>
+            <a:r>
+              <a:rPr lang="en-US" altLang="zh-CN" dirty="0"/>
+              <a:t>{</a:t>
+            </a:r>
+          </a:p>
+          <a:p>
+            <a:r>
+              <a:rPr lang="en-US" altLang="zh-CN" dirty="0"/>
+              <a:t>    while(!</a:t>
+            </a:r>
+            <a:r>
+              <a:rPr lang="en-US" altLang="zh-CN" dirty="0" err="1"/>
+              <a:t>data_ready.load</a:t>
+            </a:r>
+            <a:r>
+              <a:rPr lang="en-US" altLang="zh-CN" dirty="0"/>
+              <a:t>(std::</a:t>
+            </a:r>
+            <a:r>
+              <a:rPr lang="en-US" altLang="zh-CN" dirty="0" err="1"/>
+              <a:t>memory_order_acquire</a:t>
+            </a:r>
+            <a:r>
+              <a:rPr lang="en-US" altLang="zh-CN" dirty="0"/>
+              <a:t>)) // operation C</a:t>
+            </a:r>
+          </a:p>
+          <a:p>
+            <a:r>
+              <a:rPr lang="en-US" altLang="zh-CN" dirty="0"/>
+              <a:t>        std::</a:t>
+            </a:r>
+            <a:r>
+              <a:rPr lang="en-US" altLang="zh-CN" dirty="0" err="1"/>
+              <a:t>this_thread</a:t>
+            </a:r>
+            <a:r>
+              <a:rPr lang="en-US" altLang="zh-CN" dirty="0"/>
+              <a:t>::yield();</a:t>
+            </a:r>
+          </a:p>
+          <a:p>
+            <a:r>
+              <a:rPr lang="en-US" altLang="zh-CN" dirty="0"/>
+              <a:t>    std::</a:t>
+            </a:r>
+            <a:r>
+              <a:rPr lang="en-US" altLang="zh-CN" dirty="0" err="1"/>
+              <a:t>cout</a:t>
+            </a:r>
+            <a:r>
+              <a:rPr lang="en-US" altLang="zh-CN" dirty="0"/>
+              <a:t> &lt;&lt; data[0] &lt;&lt; std::</a:t>
+            </a:r>
+            <a:r>
+              <a:rPr lang="en-US" altLang="zh-CN" dirty="0" err="1"/>
+              <a:t>endl</a:t>
+            </a:r>
+            <a:r>
+              <a:rPr lang="en-US" altLang="zh-CN" dirty="0"/>
+              <a:t>; // operation D</a:t>
+            </a:r>
+          </a:p>
+          <a:p>
+            <a:r>
+              <a:rPr lang="en-US" altLang="zh-CN" dirty="0"/>
+              <a:t>}</a:t>
+            </a:r>
+          </a:p>
+          <a:p>
+            <a:r>
+              <a:rPr lang="en-US" altLang="zh-CN" dirty="0"/>
+              <a:t> </a:t>
+            </a:r>
+          </a:p>
+          <a:p>
+            <a:r>
+              <a:rPr lang="en-US" altLang="zh-CN" dirty="0"/>
+              <a:t>void </a:t>
+            </a:r>
+            <a:r>
+              <a:rPr lang="en-US" altLang="zh-CN" dirty="0" err="1"/>
+              <a:t>writer_thread</a:t>
+            </a:r>
+            <a:r>
+              <a:rPr lang="en-US" altLang="zh-CN" dirty="0"/>
+              <a:t>()</a:t>
+            </a:r>
+          </a:p>
+          <a:p>
+            <a:r>
+              <a:rPr lang="en-US" altLang="zh-CN" dirty="0"/>
+              <a:t>{</a:t>
+            </a:r>
+          </a:p>
+          <a:p>
+            <a:r>
+              <a:rPr lang="en-US" altLang="zh-CN" dirty="0"/>
+              <a:t>    </a:t>
+            </a:r>
+            <a:r>
+              <a:rPr lang="en-US" altLang="zh-CN" dirty="0" err="1"/>
+              <a:t>data.push_back</a:t>
+            </a:r>
+            <a:r>
+              <a:rPr lang="en-US" altLang="zh-CN" dirty="0"/>
+              <a:t>(42); //operation A</a:t>
+            </a:r>
+          </a:p>
+          <a:p>
+            <a:r>
+              <a:rPr lang="en-US" altLang="zh-CN" dirty="0"/>
+              <a:t>    </a:t>
+            </a:r>
+            <a:r>
+              <a:rPr lang="en-US" altLang="zh-CN" dirty="0" err="1"/>
+              <a:t>data_ready.store</a:t>
+            </a:r>
+            <a:r>
+              <a:rPr lang="en-US" altLang="zh-CN" dirty="0"/>
+              <a:t>(true, std::</a:t>
+            </a:r>
+            <a:r>
+              <a:rPr lang="en-US" altLang="zh-CN" dirty="0" err="1"/>
+              <a:t>memory_order_release</a:t>
+            </a:r>
+            <a:r>
+              <a:rPr lang="en-US" altLang="zh-CN" dirty="0"/>
+              <a:t>);  // operation B</a:t>
+            </a:r>
+          </a:p>
+          <a:p>
+            <a:r>
+              <a:rPr lang="en-US" altLang="zh-CN" dirty="0"/>
+              <a:t>}</a:t>
+            </a:r>
+          </a:p>
+          <a:p>
+            <a:endParaRPr lang="en-US" altLang="zh-CN" dirty="0"/>
+          </a:p>
+          <a:p>
+            <a:r>
+              <a:rPr lang="en-US" altLang="zh-CN" dirty="0"/>
+              <a:t>std::thread t1{  </a:t>
+            </a:r>
+            <a:r>
+              <a:rPr lang="en-US" altLang="zh-CN" dirty="0" err="1"/>
+              <a:t>reader_thread</a:t>
+            </a:r>
+            <a:r>
+              <a:rPr lang="en-US" altLang="zh-CN" dirty="0"/>
+              <a:t> }.detach();</a:t>
+            </a:r>
+          </a:p>
+          <a:p>
+            <a:r>
+              <a:rPr lang="en-US" altLang="zh-CN" dirty="0"/>
+              <a:t>std::thread t2{ </a:t>
+            </a:r>
+            <a:r>
+              <a:rPr lang="en-US" altLang="zh-CN" dirty="0" err="1"/>
+              <a:t>writer_thread</a:t>
+            </a:r>
+            <a:r>
+              <a:rPr lang="en-US" altLang="zh-CN" dirty="0"/>
+              <a:t> }.detach();</a:t>
+            </a:r>
+          </a:p>
+          <a:p>
+            <a:endParaRPr lang="zh-CN" altLang="en-US" dirty="0"/>
+          </a:p>
+        </p:txBody>
+      </p:sp>
+    </p:spTree>
+  </p:cSld>
+  <p:clrMapOvr>
+    <a:masterClrMapping/>
+  </p:clrMapOvr>
+  <p:timing>
+    <p:tnLst>
+      <p:par>
+        <p:cTn id="1" dur="indefinite" restart="never" nodeType="tmRoot"/>
+      </p:par>
+    </p:tnLst>
+  </p:timing>
+</p:sld>
+</file>
+
+<file path=ppt/slides/slide42.xml><?xml version="1.0" encoding="utf-8"?>
+<p:sld xmlns:a="http://schemas.openxmlformats.org/drawingml/2006/main" xmlns:r="http://schemas.openxmlformats.org/officeDocument/2006/relationships" xmlns:p="http://schemas.openxmlformats.org/presentationml/2006/main">
+  <p:cSld>
+    <p:spTree>
+      <p:nvGrpSpPr>
+        <p:cNvPr id="1" name=""/>
+        <p:cNvGrpSpPr/>
+        <p:nvPr/>
+      </p:nvGrpSpPr>
+      <p:grpSpPr>
+        <a:xfrm>
+          <a:off x="0" y="0"/>
+          <a:ext cx="0" cy="0"/>
+          <a:chOff x="0" y="0"/>
+          <a:chExt cx="0" cy="0"/>
+        </a:xfrm>
+      </p:grpSpPr>
+      <p:sp>
+        <p:nvSpPr>
+          <p:cNvPr id="2" name="标题 1"/>
+          <p:cNvSpPr>
+            <a:spLocks noGrp="1"/>
+          </p:cNvSpPr>
+          <p:nvPr>
+            <p:ph type="title"/>
+          </p:nvPr>
+        </p:nvSpPr>
+        <p:spPr/>
+        <p:txBody>
+          <a:bodyPr/>
+          <a:lstStyle/>
+          <a:p>
+            <a:r>
+              <a:rPr lang="en-US" altLang="zh-CN" dirty="0" smtClean="0"/>
+              <a:t>High performance</a:t>
+            </a:r>
+            <a:endParaRPr lang="zh-CN" altLang="en-US" dirty="0"/>
+          </a:p>
+        </p:txBody>
+      </p:sp>
+      <p:sp>
+        <p:nvSpPr>
+          <p:cNvPr id="3" name="文本占位符 2"/>
+          <p:cNvSpPr>
+            <a:spLocks noGrp="1"/>
+          </p:cNvSpPr>
+          <p:nvPr>
+            <p:ph type="body" sz="half" idx="2"/>
+          </p:nvPr>
+        </p:nvSpPr>
+        <p:spPr/>
+        <p:txBody>
+          <a:bodyPr/>
+          <a:lstStyle/>
+          <a:p>
+            <a:r>
+              <a:rPr lang="en-US" altLang="zh-CN" dirty="0"/>
               <a:t>Thread local</a:t>
             </a:r>
           </a:p>
@@ -29206,7 +30105,7 @@
 </p:sld>
 </file>
 
-<file path=ppt/slides/slide42.xml><?xml version="1.0" encoding="utf-8"?>
+<file path=ppt/slides/slide43.xml><?xml version="1.0" encoding="utf-8"?>
 <p:sld xmlns:a="http://schemas.openxmlformats.org/drawingml/2006/main" xmlns:r="http://schemas.openxmlformats.org/officeDocument/2006/relationships" xmlns:p="http://schemas.openxmlformats.org/presentationml/2006/main">
   <p:cSld>
     <p:spTree>
@@ -29614,7 +30513,7 @@
 </p:sld>
 </file>
 
-<file path=ppt/slides/slide43.xml><?xml version="1.0" encoding="utf-8"?>
+<file path=ppt/slides/slide44.xml><?xml version="1.0" encoding="utf-8"?>
 <p:sld xmlns:a="http://schemas.openxmlformats.org/drawingml/2006/main" xmlns:r="http://schemas.openxmlformats.org/officeDocument/2006/relationships" xmlns:p="http://schemas.openxmlformats.org/presentationml/2006/main">
   <p:cSld>
     <p:spTree>
@@ -30500,7 +31399,7 @@
 </p:sld>
 </file>
 
-<file path=ppt/slides/slide44.xml><?xml version="1.0" encoding="utf-8"?>
+<file path=ppt/slides/slide45.xml><?xml version="1.0" encoding="utf-8"?>
 <p:sld xmlns:a="http://schemas.openxmlformats.org/drawingml/2006/main" xmlns:r="http://schemas.openxmlformats.org/officeDocument/2006/relationships" xmlns:p="http://schemas.openxmlformats.org/presentationml/2006/main">
   <p:cSld>
     <p:spTree>
@@ -32409,7 +33308,7 @@
 </p:sld>
 </file>
 
-<file path=ppt/slides/slide45.xml><?xml version="1.0" encoding="utf-8"?>
+<file path=ppt/slides/slide46.xml><?xml version="1.0" encoding="utf-8"?>
 <p:sld xmlns:a="http://schemas.openxmlformats.org/drawingml/2006/main" xmlns:r="http://schemas.openxmlformats.org/officeDocument/2006/relationships" xmlns:p="http://schemas.openxmlformats.org/presentationml/2006/main">
   <p:cSld>
     <p:spTree>
@@ -33220,7 +34119,7 @@
 </p:sld>
 </file>
 
-<file path=ppt/slides/slide46.xml><?xml version="1.0" encoding="utf-8"?>
+<file path=ppt/slides/slide47.xml><?xml version="1.0" encoding="utf-8"?>
 <p:sld xmlns:a="http://schemas.openxmlformats.org/drawingml/2006/main" xmlns:r="http://schemas.openxmlformats.org/officeDocument/2006/relationships" xmlns:p="http://schemas.openxmlformats.org/presentationml/2006/main">
   <p:cSld>
     <p:spTree>
@@ -33550,7 +34449,7 @@
 </p:sld>
 </file>
 
-<file path=ppt/slides/slide47.xml><?xml version="1.0" encoding="utf-8"?>
+<file path=ppt/slides/slide48.xml><?xml version="1.0" encoding="utf-8"?>
 <p:sld xmlns:a="http://schemas.openxmlformats.org/drawingml/2006/main" xmlns:r="http://schemas.openxmlformats.org/officeDocument/2006/relationships" xmlns:p="http://schemas.openxmlformats.org/presentationml/2006/main">
   <p:cSld>
     <p:spTree>
@@ -34690,7 +35589,7 @@
 </p:sld>
 </file>
 
-<file path=ppt/slides/slide48.xml><?xml version="1.0" encoding="utf-8"?>
+<file path=ppt/slides/slide49.xml><?xml version="1.0" encoding="utf-8"?>
 <p:sld xmlns:a="http://schemas.openxmlformats.org/drawingml/2006/main" xmlns:r="http://schemas.openxmlformats.org/officeDocument/2006/relationships" xmlns:p="http://schemas.openxmlformats.org/presentationml/2006/main">
   <p:cSld>
     <p:spTree>
@@ -34799,336 +35698,6 @@
               <a:t>callable</a:t>
             </a:r>
             <a:endParaRPr lang="en-US" altLang="zh-CN" dirty="0"/>
-          </a:p>
-        </p:txBody>
-      </p:sp>
-    </p:spTree>
-  </p:cSld>
-  <p:clrMapOvr>
-    <a:masterClrMapping/>
-  </p:clrMapOvr>
-  <p:timing>
-    <p:tnLst>
-      <p:par>
-        <p:cTn id="1" dur="indefinite" restart="never" nodeType="tmRoot"/>
-      </p:par>
-    </p:tnLst>
-  </p:timing>
-</p:sld>
-</file>
-
-<file path=ppt/slides/slide49.xml><?xml version="1.0" encoding="utf-8"?>
-<p:sld xmlns:a="http://schemas.openxmlformats.org/drawingml/2006/main" xmlns:r="http://schemas.openxmlformats.org/officeDocument/2006/relationships" xmlns:p="http://schemas.openxmlformats.org/presentationml/2006/main">
-  <p:cSld>
-    <p:spTree>
-      <p:nvGrpSpPr>
-        <p:cNvPr id="1" name=""/>
-        <p:cNvGrpSpPr/>
-        <p:nvPr/>
-      </p:nvGrpSpPr>
-      <p:grpSpPr>
-        <a:xfrm>
-          <a:off x="0" y="0"/>
-          <a:ext cx="0" cy="0"/>
-          <a:chOff x="0" y="0"/>
-          <a:chExt cx="0" cy="0"/>
-        </a:xfrm>
-      </p:grpSpPr>
-      <p:sp>
-        <p:nvSpPr>
-          <p:cNvPr id="2" name="标题 1"/>
-          <p:cNvSpPr>
-            <a:spLocks noGrp="1"/>
-          </p:cNvSpPr>
-          <p:nvPr>
-            <p:ph type="title"/>
-          </p:nvPr>
-        </p:nvSpPr>
-        <p:spPr>
-          <a:xfrm>
-            <a:off x="501794" y="260039"/>
-            <a:ext cx="6718156" cy="476885"/>
-          </a:xfrm>
-        </p:spPr>
-        <p:txBody>
-          <a:bodyPr/>
-          <a:lstStyle/>
-          <a:p>
-            <a:r>
-              <a:rPr altLang="zh-CN">
-                <a:sym typeface="+mn-ea"/>
-              </a:rPr>
-              <a:t>Binding function and callable</a:t>
-            </a:r>
-            <a:endParaRPr lang="zh-CN" altLang="en-US"/>
-          </a:p>
-        </p:txBody>
-      </p:sp>
-      <p:sp>
-        <p:nvSpPr>
-          <p:cNvPr id="3" name="文本占位符 2"/>
-          <p:cNvSpPr>
-            <a:spLocks noGrp="1"/>
-          </p:cNvSpPr>
-          <p:nvPr>
-            <p:ph type="body" sz="half" idx="2"/>
-          </p:nvPr>
-        </p:nvSpPr>
-        <p:spPr/>
-        <p:txBody>
-          <a:bodyPr/>
-          <a:lstStyle/>
-          <a:p>
-            <a:r>
-              <a:rPr lang="en-US" altLang="zh-CN" b="1" dirty="0"/>
-              <a:t/>
-            </a:r>
-            <a:br>
-              <a:rPr lang="en-US" altLang="zh-CN" b="1" dirty="0"/>
-            </a:br>
-            <a:r>
-              <a:rPr lang="en-US" altLang="zh-CN" sz="1400" dirty="0"/>
-              <a:t>template &lt;</a:t>
-            </a:r>
-            <a:r>
-              <a:rPr lang="en-US" altLang="zh-CN" sz="1400" dirty="0" err="1"/>
-              <a:t>typename</a:t>
-            </a:r>
-            <a:r>
-              <a:rPr lang="en-US" altLang="zh-CN" sz="1400" dirty="0"/>
-              <a:t> F&gt;</a:t>
-            </a:r>
-          </a:p>
-          <a:p>
-            <a:r>
-              <a:rPr lang="en-US" altLang="zh-CN" sz="1400" dirty="0"/>
-              <a:t>auto </a:t>
-            </a:r>
-            <a:r>
-              <a:rPr lang="en-US" altLang="zh-CN" sz="1400" dirty="0" err="1"/>
-              <a:t>bind_function_callable</a:t>
-            </a:r>
-            <a:r>
-              <a:rPr lang="en-US" altLang="zh-CN" sz="1400" dirty="0"/>
-              <a:t>(F&amp;&amp; f)</a:t>
-            </a:r>
-          </a:p>
-          <a:p>
-            <a:r>
-              <a:rPr lang="en-US" altLang="zh-CN" sz="1400" dirty="0"/>
-              <a:t>	-&gt; </a:t>
-            </a:r>
-            <a:r>
-              <a:rPr lang="en-US" altLang="zh-CN" sz="1400" dirty="0" err="1"/>
-              <a:t>typename</a:t>
-            </a:r>
-            <a:r>
-              <a:rPr lang="en-US" altLang="zh-CN" sz="1400" dirty="0"/>
-              <a:t> </a:t>
-            </a:r>
-            <a:r>
-              <a:rPr lang="en-US" altLang="zh-CN" sz="1400" dirty="0" err="1"/>
-              <a:t>function_traits</a:t>
-            </a:r>
-            <a:r>
-              <a:rPr lang="en-US" altLang="zh-CN" sz="1400" dirty="0"/>
-              <a:t>&lt;F&gt;::</a:t>
-            </a:r>
-            <a:r>
-              <a:rPr lang="en-US" altLang="zh-CN" sz="1400" dirty="0" err="1"/>
-              <a:t>stl_function_type</a:t>
-            </a:r>
-            <a:endParaRPr lang="en-US" altLang="zh-CN" sz="1400" dirty="0"/>
-          </a:p>
-          <a:p>
-            <a:r>
-              <a:rPr lang="en-US" altLang="zh-CN" sz="1400" dirty="0"/>
-              <a:t>{</a:t>
-            </a:r>
-          </a:p>
-          <a:p>
-            <a:r>
-              <a:rPr lang="en-US" altLang="zh-CN" sz="1400" dirty="0"/>
-              <a:t>	return [</a:t>
-            </a:r>
-            <a:r>
-              <a:rPr lang="en-US" altLang="zh-CN" sz="1400" dirty="0" err="1"/>
-              <a:t>func</a:t>
-            </a:r>
-            <a:r>
-              <a:rPr lang="en-US" altLang="zh-CN" sz="1400" dirty="0"/>
-              <a:t> = std::forward&lt;F&gt;(f)](auto&amp;&amp; ... </a:t>
-            </a:r>
-            <a:r>
-              <a:rPr lang="en-US" altLang="zh-CN" sz="1400" dirty="0" err="1"/>
-              <a:t>args</a:t>
-            </a:r>
-            <a:r>
-              <a:rPr lang="en-US" altLang="zh-CN" sz="1400" dirty="0"/>
-              <a:t>)</a:t>
-            </a:r>
-          </a:p>
-          <a:p>
-            <a:r>
-              <a:rPr lang="en-US" altLang="zh-CN" sz="1400" dirty="0"/>
-              <a:t>	{ </a:t>
-            </a:r>
-          </a:p>
-          <a:p>
-            <a:r>
-              <a:rPr lang="en-US" altLang="zh-CN" sz="1400" dirty="0"/>
-              <a:t>		return </a:t>
-            </a:r>
-            <a:r>
-              <a:rPr lang="en-US" altLang="zh-CN" sz="1400" dirty="0" err="1"/>
-              <a:t>func</a:t>
-            </a:r>
-            <a:r>
-              <a:rPr lang="en-US" altLang="zh-CN" sz="1400" dirty="0"/>
-              <a:t>(</a:t>
-            </a:r>
-            <a:r>
-              <a:rPr lang="en-US" altLang="zh-CN" sz="1400" dirty="0">
-                <a:solidFill>
-                  <a:srgbClr val="FF0000"/>
-                </a:solidFill>
-              </a:rPr>
-              <a:t>std::forward&lt;</a:t>
-            </a:r>
-            <a:r>
-              <a:rPr lang="en-US" altLang="zh-CN" sz="1400" dirty="0" err="1">
-                <a:solidFill>
-                  <a:srgbClr val="FF0000"/>
-                </a:solidFill>
-              </a:rPr>
-              <a:t>decltype</a:t>
-            </a:r>
-            <a:r>
-              <a:rPr lang="en-US" altLang="zh-CN" sz="1400" dirty="0">
-                <a:solidFill>
-                  <a:srgbClr val="FF0000"/>
-                </a:solidFill>
-              </a:rPr>
-              <a:t>(</a:t>
-            </a:r>
-            <a:r>
-              <a:rPr lang="en-US" altLang="zh-CN" sz="1400" dirty="0" err="1">
-                <a:solidFill>
-                  <a:srgbClr val="FF0000"/>
-                </a:solidFill>
-              </a:rPr>
-              <a:t>args</a:t>
-            </a:r>
-            <a:r>
-              <a:rPr lang="en-US" altLang="zh-CN" sz="1400" dirty="0">
-                <a:solidFill>
-                  <a:srgbClr val="FF0000"/>
-                </a:solidFill>
-              </a:rPr>
-              <a:t>)&gt;(</a:t>
-            </a:r>
-            <a:r>
-              <a:rPr lang="en-US" altLang="zh-CN" sz="1400" dirty="0" err="1">
-                <a:solidFill>
-                  <a:srgbClr val="FF0000"/>
-                </a:solidFill>
-              </a:rPr>
-              <a:t>args</a:t>
-            </a:r>
-            <a:r>
-              <a:rPr lang="en-US" altLang="zh-CN" sz="1400" dirty="0">
-                <a:solidFill>
-                  <a:srgbClr val="FF0000"/>
-                </a:solidFill>
-              </a:rPr>
-              <a:t>)...</a:t>
-            </a:r>
-            <a:r>
-              <a:rPr lang="en-US" altLang="zh-CN" sz="1400" dirty="0"/>
-              <a:t>); </a:t>
-            </a:r>
-          </a:p>
-          <a:p>
-            <a:r>
-              <a:rPr lang="en-US" altLang="zh-CN" sz="1400" dirty="0"/>
-              <a:t>	};</a:t>
-            </a:r>
-          </a:p>
-          <a:p>
-            <a:r>
-              <a:rPr lang="en-US" altLang="zh-CN" sz="1400" dirty="0"/>
-              <a:t>}</a:t>
-            </a:r>
-          </a:p>
-        </p:txBody>
-      </p:sp>
-      <p:sp>
-        <p:nvSpPr>
-          <p:cNvPr id="4" name="矩形 3"/>
-          <p:cNvSpPr/>
-          <p:nvPr/>
-        </p:nvSpPr>
-        <p:spPr>
-          <a:xfrm>
-            <a:off x="2035197" y="4259402"/>
-            <a:ext cx="4403128" cy="369332"/>
-          </a:xfrm>
-          <a:prstGeom prst="rect">
-            <a:avLst/>
-          </a:prstGeom>
-        </p:spPr>
-        <p:txBody>
-          <a:bodyPr wrap="none">
-            <a:spAutoFit/>
-          </a:bodyPr>
-          <a:lstStyle/>
-          <a:p>
-            <a:r>
-              <a:rPr lang="en-US" altLang="zh-CN" dirty="0" smtClean="0"/>
-              <a:t>wrapper std::bind and return to std::function</a:t>
-            </a:r>
-          </a:p>
-        </p:txBody>
-      </p:sp>
-      <p:sp>
-        <p:nvSpPr>
-          <p:cNvPr id="5" name="矩形 4"/>
-          <p:cNvSpPr/>
-          <p:nvPr/>
-        </p:nvSpPr>
-        <p:spPr>
-          <a:xfrm>
-            <a:off x="2059424" y="4989245"/>
-            <a:ext cx="5293822" cy="646331"/>
-          </a:xfrm>
-          <a:prstGeom prst="rect">
-            <a:avLst/>
-          </a:prstGeom>
-        </p:spPr>
-        <p:txBody>
-          <a:bodyPr wrap="none">
-            <a:spAutoFit/>
-          </a:bodyPr>
-          <a:lstStyle/>
-          <a:p>
-            <a:r>
-              <a:rPr lang="en-US" altLang="zh-CN" dirty="0" err="1" smtClean="0"/>
-              <a:t>funtion_traits</a:t>
-            </a:r>
-            <a:r>
-              <a:rPr lang="en-US" altLang="zh-CN" dirty="0" smtClean="0"/>
-              <a:t>: </a:t>
-            </a:r>
-            <a:r>
-              <a:rPr lang="en-US" altLang="zh-CN" dirty="0" smtClean="0">
-                <a:hlinkClick r:id="rId2"/>
-              </a:rPr>
-              <a:t>https://github.com/topcpporg/rest_rpc</a:t>
-            </a:r>
-            <a:endParaRPr lang="en-US" altLang="zh-CN" dirty="0" smtClean="0"/>
-          </a:p>
-          <a:p>
-            <a:endParaRPr lang="zh-CN" altLang="en-US" dirty="0"/>
           </a:p>
         </p:txBody>
       </p:sp>
@@ -35324,7 +35893,7 @@
               <a:rPr altLang="zh-CN">
                 <a:sym typeface="+mn-ea"/>
               </a:rPr>
-              <a:t>Binding pmf with pointers</a:t>
+              <a:t>Binding function and callable</a:t>
             </a:r>
             <a:endParaRPr lang="zh-CN" altLang="en-US"/>
           </a:p>
@@ -35346,8 +35915,47 @@
           <a:lstStyle/>
           <a:p>
             <a:r>
+              <a:rPr lang="en-US" altLang="zh-CN" b="1" dirty="0"/>
+              <a:t/>
+            </a:r>
+            <a:br>
+              <a:rPr lang="en-US" altLang="zh-CN" b="1" dirty="0"/>
+            </a:br>
+            <a:r>
+              <a:rPr lang="en-US" altLang="zh-CN" sz="1400" dirty="0"/>
+              <a:t>template &lt;</a:t>
+            </a:r>
+            <a:r>
               <a:rPr lang="en-US" altLang="zh-CN" sz="1400" dirty="0" err="1"/>
-              <a:t>struct</a:t>
+              <a:t>typename</a:t>
+            </a:r>
+            <a:r>
+              <a:rPr lang="en-US" altLang="zh-CN" sz="1400" dirty="0"/>
+              <a:t> F&gt;</a:t>
+            </a:r>
+          </a:p>
+          <a:p>
+            <a:r>
+              <a:rPr lang="en-US" altLang="zh-CN" sz="1400" dirty="0"/>
+              <a:t>auto </a:t>
+            </a:r>
+            <a:r>
+              <a:rPr lang="en-US" altLang="zh-CN" sz="1400" dirty="0" err="1"/>
+              <a:t>bind_function_callable</a:t>
+            </a:r>
+            <a:r>
+              <a:rPr lang="en-US" altLang="zh-CN" sz="1400" dirty="0"/>
+              <a:t>(F&amp;&amp; f)</a:t>
+            </a:r>
+          </a:p>
+          <a:p>
+            <a:r>
+              <a:rPr lang="en-US" altLang="zh-CN" sz="1400" dirty="0"/>
+              <a:t>	-&gt; </a:t>
+            </a:r>
+            <a:r>
+              <a:rPr lang="en-US" altLang="zh-CN" sz="1400" dirty="0" err="1"/>
+              <a:t>typename</a:t>
             </a:r>
             <a:r>
               <a:rPr lang="en-US" altLang="zh-CN" sz="1400" dirty="0"/>
@@ -35355,78 +35963,207 @@
             </a:r>
             <a:r>
               <a:rPr lang="en-US" altLang="zh-CN" sz="1400" dirty="0" err="1"/>
-              <a:t>caller_is_a_pointer</a:t>
+              <a:t>function_traits</a:t>
             </a:r>
             <a:r>
               <a:rPr lang="en-US" altLang="zh-CN" sz="1400" dirty="0"/>
-              <a:t>{};</a:t>
-            </a:r>
-          </a:p>
-          <a:p>
-            <a:endParaRPr lang="zh-CN" altLang="en-US" sz="1400" dirty="0"/>
-          </a:p>
-          <a:p>
-            <a:r>
-              <a:rPr lang="zh-CN" altLang="en-US" sz="1400" dirty="0"/>
-              <a:t>template &lt;typename F, typename Caller&gt;</a:t>
-            </a:r>
-          </a:p>
-          <a:p>
-            <a:r>
-              <a:rPr lang="zh-CN" altLang="en-US" sz="1400" dirty="0"/>
-              <a:t>auto bind_impl_pmf(caller_is_a_pointer, F&amp;&amp; pmf, Caller&amp;&amp; caller)</a:t>
-            </a:r>
-          </a:p>
-          <a:p>
-            <a:r>
-              <a:rPr lang="zh-CN" altLang="en-US" sz="1400" dirty="0"/>
-              <a:t>	-&gt; typename function_traits&lt;F&gt;::stl_function_type</a:t>
-            </a:r>
-          </a:p>
-          <a:p>
-            <a:r>
-              <a:rPr lang="zh-CN" altLang="en-US" sz="1400" dirty="0"/>
+              <a:t>&lt;F&gt;::</a:t>
+            </a:r>
+            <a:r>
+              <a:rPr lang="en-US" altLang="zh-CN" sz="1400" dirty="0" err="1"/>
+              <a:t>stl_function_type</a:t>
+            </a:r>
+            <a:endParaRPr lang="en-US" altLang="zh-CN" sz="1400" dirty="0"/>
+          </a:p>
+          <a:p>
+            <a:r>
+              <a:rPr lang="en-US" altLang="zh-CN" sz="1400" dirty="0"/>
               <a:t>{</a:t>
             </a:r>
           </a:p>
           <a:p>
             <a:r>
-              <a:rPr lang="zh-CN" altLang="en-US" sz="1400" dirty="0"/>
-              <a:t>	return [pmf, c = std::forward&lt;Caller&gt;(caller)](auto&amp;&amp; ... args) </a:t>
-            </a:r>
-          </a:p>
-          <a:p>
-            <a:r>
-              <a:rPr lang="zh-CN" altLang="en-US" sz="1400" dirty="0"/>
+              <a:rPr lang="en-US" altLang="zh-CN" sz="1400" dirty="0"/>
+              <a:t>	return [</a:t>
+            </a:r>
+            <a:r>
+              <a:rPr lang="en-US" altLang="zh-CN" sz="1400" dirty="0" err="1"/>
+              <a:t>func</a:t>
+            </a:r>
+            <a:r>
+              <a:rPr lang="en-US" altLang="zh-CN" sz="1400" dirty="0"/>
+              <a:t> = std::forward&lt;F&gt;(f)](auto&amp;&amp; ... </a:t>
+            </a:r>
+            <a:r>
+              <a:rPr lang="en-US" altLang="zh-CN" sz="1400" dirty="0" err="1"/>
+              <a:t>args</a:t>
+            </a:r>
+            <a:r>
+              <a:rPr lang="en-US" altLang="zh-CN" sz="1400" dirty="0"/>
+              <a:t>)</a:t>
+            </a:r>
+          </a:p>
+          <a:p>
+            <a:r>
+              <a:rPr lang="en-US" altLang="zh-CN" sz="1400" dirty="0"/>
               <a:t>	{ </a:t>
             </a:r>
           </a:p>
           <a:p>
             <a:r>
-              <a:rPr lang="zh-CN" altLang="en-US" sz="1400" dirty="0"/>
-              <a:t>		return (c-&gt;*pmf)(std::forward&lt;decltype(args)&gt;(args)...); </a:t>
-            </a:r>
-          </a:p>
-          <a:p>
-            <a:r>
-              <a:rPr lang="zh-CN" altLang="en-US" sz="1400" dirty="0"/>
+              <a:rPr lang="en-US" altLang="zh-CN" sz="1400" dirty="0"/>
+              <a:t>		return </a:t>
+            </a:r>
+            <a:r>
+              <a:rPr lang="en-US" altLang="zh-CN" sz="1400" dirty="0" err="1"/>
+              <a:t>func</a:t>
+            </a:r>
+            <a:r>
+              <a:rPr lang="en-US" altLang="zh-CN" sz="1400" dirty="0"/>
+              <a:t>(</a:t>
+            </a:r>
+            <a:r>
+              <a:rPr lang="en-US" altLang="zh-CN" sz="1400" dirty="0">
+                <a:solidFill>
+                  <a:srgbClr val="FF0000"/>
+                </a:solidFill>
+              </a:rPr>
+              <a:t>std::forward&lt;</a:t>
+            </a:r>
+            <a:r>
+              <a:rPr lang="en-US" altLang="zh-CN" sz="1400" dirty="0" err="1">
+                <a:solidFill>
+                  <a:srgbClr val="FF0000"/>
+                </a:solidFill>
+              </a:rPr>
+              <a:t>decltype</a:t>
+            </a:r>
+            <a:r>
+              <a:rPr lang="en-US" altLang="zh-CN" sz="1400" dirty="0">
+                <a:solidFill>
+                  <a:srgbClr val="FF0000"/>
+                </a:solidFill>
+              </a:rPr>
+              <a:t>(</a:t>
+            </a:r>
+            <a:r>
+              <a:rPr lang="en-US" altLang="zh-CN" sz="1400" dirty="0" err="1">
+                <a:solidFill>
+                  <a:srgbClr val="FF0000"/>
+                </a:solidFill>
+              </a:rPr>
+              <a:t>args</a:t>
+            </a:r>
+            <a:r>
+              <a:rPr lang="en-US" altLang="zh-CN" sz="1400" dirty="0">
+                <a:solidFill>
+                  <a:srgbClr val="FF0000"/>
+                </a:solidFill>
+              </a:rPr>
+              <a:t>)&gt;(</a:t>
+            </a:r>
+            <a:r>
+              <a:rPr lang="en-US" altLang="zh-CN" sz="1400" dirty="0" err="1">
+                <a:solidFill>
+                  <a:srgbClr val="FF0000"/>
+                </a:solidFill>
+              </a:rPr>
+              <a:t>args</a:t>
+            </a:r>
+            <a:r>
+              <a:rPr lang="en-US" altLang="zh-CN" sz="1400" dirty="0">
+                <a:solidFill>
+                  <a:srgbClr val="FF0000"/>
+                </a:solidFill>
+              </a:rPr>
+              <a:t>)...</a:t>
+            </a:r>
+            <a:r>
+              <a:rPr lang="en-US" altLang="zh-CN" sz="1400" dirty="0"/>
+              <a:t>); </a:t>
+            </a:r>
+          </a:p>
+          <a:p>
+            <a:r>
+              <a:rPr lang="en-US" altLang="zh-CN" sz="1400" dirty="0"/>
               <a:t>	};</a:t>
             </a:r>
           </a:p>
           <a:p>
             <a:r>
-              <a:rPr lang="zh-CN" altLang="en-US" sz="1400" dirty="0"/>
+              <a:rPr lang="en-US" altLang="zh-CN" sz="1400" dirty="0"/>
               <a:t>}</a:t>
             </a:r>
           </a:p>
-          <a:p>
-            <a:endParaRPr lang="zh-CN" altLang="en-US" sz="1400" dirty="0"/>
-          </a:p>
-          <a:p>
-            <a:r>
-              <a:rPr lang="en-US" altLang="zh-CN" dirty="0"/>
-              <a:t>NOTE: we support polymorphism</a:t>
-            </a:r>
+        </p:txBody>
+      </p:sp>
+      <p:sp>
+        <p:nvSpPr>
+          <p:cNvPr id="4" name="矩形 3"/>
+          <p:cNvSpPr/>
+          <p:nvPr/>
+        </p:nvSpPr>
+        <p:spPr>
+          <a:xfrm>
+            <a:off x="2035197" y="4259402"/>
+            <a:ext cx="4403128" cy="369332"/>
+          </a:xfrm>
+          <a:prstGeom prst="rect">
+            <a:avLst/>
+          </a:prstGeom>
+        </p:spPr>
+        <p:txBody>
+          <a:bodyPr wrap="none">
+            <a:spAutoFit/>
+          </a:bodyPr>
+          <a:lstStyle/>
+          <a:p>
+            <a:r>
+              <a:rPr lang="en-US" altLang="zh-CN" dirty="0" smtClean="0"/>
+              <a:t>wrapper std::bind and return to std::function</a:t>
+            </a:r>
+          </a:p>
+        </p:txBody>
+      </p:sp>
+      <p:sp>
+        <p:nvSpPr>
+          <p:cNvPr id="5" name="矩形 4"/>
+          <p:cNvSpPr/>
+          <p:nvPr/>
+        </p:nvSpPr>
+        <p:spPr>
+          <a:xfrm>
+            <a:off x="2059424" y="4989245"/>
+            <a:ext cx="5293822" cy="646331"/>
+          </a:xfrm>
+          <a:prstGeom prst="rect">
+            <a:avLst/>
+          </a:prstGeom>
+        </p:spPr>
+        <p:txBody>
+          <a:bodyPr wrap="none">
+            <a:spAutoFit/>
+          </a:bodyPr>
+          <a:lstStyle/>
+          <a:p>
+            <a:r>
+              <a:rPr lang="en-US" altLang="zh-CN" dirty="0" err="1" smtClean="0"/>
+              <a:t>funtion_traits</a:t>
+            </a:r>
+            <a:r>
+              <a:rPr lang="en-US" altLang="zh-CN" dirty="0" smtClean="0"/>
+              <a:t>: </a:t>
+            </a:r>
+            <a:r>
+              <a:rPr lang="en-US" altLang="zh-CN" dirty="0" smtClean="0">
+                <a:hlinkClick r:id="rId2"/>
+              </a:rPr>
+              <a:t>https://github.com/topcpporg/rest_rpc</a:t>
+            </a:r>
+            <a:endParaRPr lang="en-US" altLang="zh-CN" dirty="0" smtClean="0"/>
+          </a:p>
+          <a:p>
+            <a:endParaRPr lang="zh-CN" altLang="en-US" dirty="0"/>
           </a:p>
         </p:txBody>
       </p:sp>
@@ -35486,7 +36223,7 @@
               <a:rPr altLang="zh-CN">
                 <a:sym typeface="+mn-ea"/>
               </a:rPr>
-              <a:t>Binding pmf with object</a:t>
+              <a:t>Binding pmf with pointers</a:t>
             </a:r>
             <a:endParaRPr lang="zh-CN" altLang="en-US"/>
           </a:p>
@@ -35508,73 +36245,86 @@
           <a:lstStyle/>
           <a:p>
             <a:r>
-              <a:rPr lang="en-US" altLang="zh-CN" sz="1400"/>
-              <a:t>struct caller_is_a_reference {};</a:t>
-            </a:r>
-          </a:p>
-          <a:p>
-            <a:endParaRPr lang="zh-CN" altLang="en-US" sz="1400"/>
-          </a:p>
-          <a:p>
-            <a:r>
-              <a:rPr lang="zh-CN" altLang="en-US" sz="1400"/>
+              <a:rPr lang="en-US" altLang="zh-CN" sz="1400" dirty="0" err="1"/>
+              <a:t>struct</a:t>
+            </a:r>
+            <a:r>
+              <a:rPr lang="en-US" altLang="zh-CN" sz="1400" dirty="0"/>
+              <a:t> </a:t>
+            </a:r>
+            <a:r>
+              <a:rPr lang="en-US" altLang="zh-CN" sz="1400" dirty="0" err="1"/>
+              <a:t>caller_is_a_pointer</a:t>
+            </a:r>
+            <a:r>
+              <a:rPr lang="en-US" altLang="zh-CN" sz="1400" dirty="0"/>
+              <a:t>{};</a:t>
+            </a:r>
+          </a:p>
+          <a:p>
+            <a:endParaRPr lang="zh-CN" altLang="en-US" sz="1400" dirty="0"/>
+          </a:p>
+          <a:p>
+            <a:r>
+              <a:rPr lang="zh-CN" altLang="en-US" sz="1400" dirty="0"/>
               <a:t>template &lt;typename F, typename Caller&gt;</a:t>
             </a:r>
           </a:p>
           <a:p>
             <a:r>
-              <a:rPr lang="zh-CN" altLang="en-US" sz="1400"/>
-              <a:t>auto bind_impl_pmf(caller_is_a_reference, F&amp;&amp; pmf, Caller&amp;&amp; caller)</a:t>
-            </a:r>
-          </a:p>
-          <a:p>
-            <a:r>
-              <a:rPr lang="zh-CN" altLang="en-US" sz="1400"/>
+              <a:rPr lang="zh-CN" altLang="en-US" sz="1400" dirty="0"/>
+              <a:t>auto bind_impl_pmf(caller_is_a_pointer, F&amp;&amp; pmf, Caller&amp;&amp; caller)</a:t>
+            </a:r>
+          </a:p>
+          <a:p>
+            <a:r>
+              <a:rPr lang="zh-CN" altLang="en-US" sz="1400" dirty="0"/>
               <a:t>	-&gt; typename function_traits&lt;F&gt;::stl_function_type</a:t>
             </a:r>
           </a:p>
           <a:p>
             <a:r>
-              <a:rPr lang="zh-CN" altLang="en-US" sz="1400"/>
+              <a:rPr lang="zh-CN" altLang="en-US" sz="1400" dirty="0"/>
               <a:t>{</a:t>
             </a:r>
           </a:p>
           <a:p>
             <a:r>
-              <a:rPr lang="zh-CN" altLang="en-US" sz="1400"/>
-              <a:t>	</a:t>
-            </a:r>
-            <a:r>
-              <a:rPr lang="en-US" altLang="zh-CN" sz="1400"/>
-              <a:t>r</a:t>
-            </a:r>
-            <a:r>
-              <a:rPr lang="zh-CN" altLang="en-US" sz="1400"/>
-              <a:t>eturn [pmf, c = std::forward&lt;Caller&gt;(caller)](auto&amp;&amp; ... args) </a:t>
-            </a:r>
-          </a:p>
-          <a:p>
-            <a:r>
-              <a:rPr lang="zh-CN" altLang="en-US" sz="1400"/>
-              <a:t>	{</a:t>
-            </a:r>
-          </a:p>
-          <a:p>
-            <a:r>
-              <a:rPr lang="zh-CN" altLang="en-US" sz="1400"/>
-              <a:t>		return (c.*pmf)(std::forward&lt;decltype(args)&gt;(args)...); </a:t>
-            </a:r>
-          </a:p>
-          <a:p>
-            <a:r>
-              <a:rPr lang="zh-CN" altLang="en-US" sz="1400"/>
+              <a:rPr lang="zh-CN" altLang="en-US" sz="1400" dirty="0"/>
+              <a:t>	return [pmf, c = std::forward&lt;Caller&gt;(caller)](auto&amp;&amp; ... args) </a:t>
+            </a:r>
+          </a:p>
+          <a:p>
+            <a:r>
+              <a:rPr lang="zh-CN" altLang="en-US" sz="1400" dirty="0"/>
+              <a:t>	{ </a:t>
+            </a:r>
+          </a:p>
+          <a:p>
+            <a:r>
+              <a:rPr lang="zh-CN" altLang="en-US" sz="1400" dirty="0"/>
+              <a:t>		return (c-&gt;*pmf)(std::forward&lt;decltype(args)&gt;(args)...); </a:t>
+            </a:r>
+          </a:p>
+          <a:p>
+            <a:r>
+              <a:rPr lang="zh-CN" altLang="en-US" sz="1400" dirty="0"/>
               <a:t>	};</a:t>
             </a:r>
           </a:p>
           <a:p>
             <a:r>
-              <a:rPr lang="zh-CN" altLang="en-US" sz="1400"/>
+              <a:rPr lang="zh-CN" altLang="en-US" sz="1400" dirty="0"/>
               <a:t>}</a:t>
+            </a:r>
+          </a:p>
+          <a:p>
+            <a:endParaRPr lang="zh-CN" altLang="en-US" sz="1400" dirty="0"/>
+          </a:p>
+          <a:p>
+            <a:r>
+              <a:rPr lang="en-US" altLang="zh-CN" dirty="0"/>
+              <a:t>NOTE: we support polymorphism</a:t>
             </a:r>
           </a:p>
         </p:txBody>
@@ -35632,9 +36382,12 @@
           <a:lstStyle/>
           <a:p>
             <a:r>
-              <a:rPr altLang="zh-CN"/>
-              <a:t>Binding pmf with smart pointers</a:t>
-            </a:r>
+              <a:rPr altLang="zh-CN">
+                <a:sym typeface="+mn-ea"/>
+              </a:rPr>
+              <a:t>Binding pmf with object</a:t>
+            </a:r>
+            <a:endParaRPr lang="zh-CN" altLang="en-US"/>
           </a:p>
         </p:txBody>
       </p:sp>
@@ -35654,76 +36407,72 @@
           <a:lstStyle/>
           <a:p>
             <a:r>
-              <a:rPr lang="en-US" altLang="zh-CN" sz="1400" dirty="0" err="1"/>
-              <a:t>struct</a:t>
-            </a:r>
-            <a:r>
-              <a:rPr lang="en-US" altLang="zh-CN" sz="1400" dirty="0"/>
-              <a:t> </a:t>
-            </a:r>
-            <a:r>
-              <a:rPr lang="en-US" altLang="zh-CN" sz="1400" dirty="0" err="1"/>
-              <a:t>caller_is_a_smart_pointer</a:t>
-            </a:r>
-            <a:r>
-              <a:rPr lang="en-US" altLang="zh-CN" sz="1400" dirty="0"/>
-              <a:t> {};</a:t>
-            </a:r>
-          </a:p>
-          <a:p>
-            <a:endParaRPr lang="zh-CN" altLang="en-US" sz="1400" dirty="0"/>
-          </a:p>
-          <a:p>
-            <a:r>
-              <a:rPr lang="zh-CN" altLang="en-US" sz="1400" dirty="0"/>
+              <a:rPr lang="en-US" altLang="zh-CN" sz="1400"/>
+              <a:t>struct caller_is_a_reference {};</a:t>
+            </a:r>
+          </a:p>
+          <a:p>
+            <a:endParaRPr lang="zh-CN" altLang="en-US" sz="1400"/>
+          </a:p>
+          <a:p>
+            <a:r>
+              <a:rPr lang="zh-CN" altLang="en-US" sz="1400"/>
               <a:t>template &lt;typename F, typename Caller&gt;</a:t>
             </a:r>
           </a:p>
           <a:p>
             <a:r>
-              <a:rPr lang="zh-CN" altLang="en-US" sz="1400" dirty="0"/>
-              <a:t>auto bind_impl_pmf(caller_is_a_smart_pointer, F&amp;&amp; pmf, Caller&amp;&amp; caller)</a:t>
-            </a:r>
-          </a:p>
-          <a:p>
-            <a:r>
-              <a:rPr lang="zh-CN" altLang="en-US" sz="1400" dirty="0"/>
+              <a:rPr lang="zh-CN" altLang="en-US" sz="1400"/>
+              <a:t>auto bind_impl_pmf(caller_is_a_reference, F&amp;&amp; pmf, Caller&amp;&amp; caller)</a:t>
+            </a:r>
+          </a:p>
+          <a:p>
+            <a:r>
+              <a:rPr lang="zh-CN" altLang="en-US" sz="1400"/>
               <a:t>	-&gt; typename function_traits&lt;F&gt;::stl_function_type</a:t>
             </a:r>
           </a:p>
           <a:p>
             <a:r>
-              <a:rPr lang="zh-CN" altLang="en-US" sz="1400" dirty="0"/>
+              <a:rPr lang="zh-CN" altLang="en-US" sz="1400"/>
               <a:t>{</a:t>
             </a:r>
           </a:p>
           <a:p>
             <a:r>
-              <a:rPr lang="zh-CN" altLang="en-US" sz="1400" dirty="0"/>
-              <a:t>	return [pmf, c = std::forward&lt;Caller&gt;(caller)](auto&amp;&amp; ... args) </a:t>
-            </a:r>
-          </a:p>
-          <a:p>
-            <a:r>
-              <a:rPr lang="zh-CN" altLang="en-US" sz="1400" dirty="0"/>
-              <a:t>	{ </a:t>
-            </a:r>
-          </a:p>
-          <a:p>
-            <a:r>
-              <a:rPr lang="zh-CN" altLang="en-US" sz="1400" dirty="0"/>
-              <a:t>		return (c.get()-&gt;*pmf)(std::forward&lt;decltype(args)&gt;(args)...); </a:t>
-            </a:r>
-          </a:p>
-          <a:p>
-            <a:r>
-              <a:rPr lang="zh-CN" altLang="en-US" sz="1400" dirty="0"/>
+              <a:rPr lang="zh-CN" altLang="en-US" sz="1400"/>
+              <a:t>	</a:t>
+            </a:r>
+            <a:r>
+              <a:rPr lang="en-US" altLang="zh-CN" sz="1400"/>
+              <a:t>r</a:t>
+            </a:r>
+            <a:r>
+              <a:rPr lang="zh-CN" altLang="en-US" sz="1400"/>
+              <a:t>eturn [pmf, c = std::forward&lt;Caller&gt;(caller)](auto&amp;&amp; ... args) </a:t>
+            </a:r>
+          </a:p>
+          <a:p>
+            <a:r>
+              <a:rPr lang="zh-CN" altLang="en-US" sz="1400"/>
+              <a:t>	{</a:t>
+            </a:r>
+          </a:p>
+          <a:p>
+            <a:r>
+              <a:rPr lang="zh-CN" altLang="en-US" sz="1400"/>
+              <a:t>		return (c.*pmf)(std::forward&lt;decltype(args)&gt;(args)...); </a:t>
+            </a:r>
+          </a:p>
+          <a:p>
+            <a:r>
+              <a:rPr lang="zh-CN" altLang="en-US" sz="1400"/>
               <a:t>	};</a:t>
             </a:r>
           </a:p>
           <a:p>
             <a:r>
-              <a:rPr lang="zh-CN" altLang="en-US" sz="1400" dirty="0"/>
+              <a:rPr lang="zh-CN" altLang="en-US" sz="1400"/>
               <a:t>}</a:t>
             </a:r>
           </a:p>
@@ -35771,6 +36520,156 @@
             <p:ph type="title"/>
           </p:nvPr>
         </p:nvSpPr>
+        <p:spPr>
+          <a:xfrm>
+            <a:off x="501794" y="260039"/>
+            <a:ext cx="6718156" cy="476885"/>
+          </a:xfrm>
+        </p:spPr>
+        <p:txBody>
+          <a:bodyPr/>
+          <a:lstStyle/>
+          <a:p>
+            <a:r>
+              <a:rPr altLang="zh-CN"/>
+              <a:t>Binding pmf with smart pointers</a:t>
+            </a:r>
+          </a:p>
+        </p:txBody>
+      </p:sp>
+      <p:sp>
+        <p:nvSpPr>
+          <p:cNvPr id="3" name="文本占位符 2"/>
+          <p:cNvSpPr>
+            <a:spLocks noGrp="1"/>
+          </p:cNvSpPr>
+          <p:nvPr>
+            <p:ph type="body" sz="half" idx="2"/>
+          </p:nvPr>
+        </p:nvSpPr>
+        <p:spPr/>
+        <p:txBody>
+          <a:bodyPr/>
+          <a:lstStyle/>
+          <a:p>
+            <a:r>
+              <a:rPr lang="en-US" altLang="zh-CN" sz="1400" dirty="0" err="1"/>
+              <a:t>struct</a:t>
+            </a:r>
+            <a:r>
+              <a:rPr lang="en-US" altLang="zh-CN" sz="1400" dirty="0"/>
+              <a:t> </a:t>
+            </a:r>
+            <a:r>
+              <a:rPr lang="en-US" altLang="zh-CN" sz="1400" dirty="0" err="1"/>
+              <a:t>caller_is_a_smart_pointer</a:t>
+            </a:r>
+            <a:r>
+              <a:rPr lang="en-US" altLang="zh-CN" sz="1400" dirty="0"/>
+              <a:t> {};</a:t>
+            </a:r>
+          </a:p>
+          <a:p>
+            <a:endParaRPr lang="zh-CN" altLang="en-US" sz="1400" dirty="0"/>
+          </a:p>
+          <a:p>
+            <a:r>
+              <a:rPr lang="zh-CN" altLang="en-US" sz="1400" dirty="0"/>
+              <a:t>template &lt;typename F, typename Caller&gt;</a:t>
+            </a:r>
+          </a:p>
+          <a:p>
+            <a:r>
+              <a:rPr lang="zh-CN" altLang="en-US" sz="1400" dirty="0"/>
+              <a:t>auto bind_impl_pmf(caller_is_a_smart_pointer, F&amp;&amp; pmf, Caller&amp;&amp; caller)</a:t>
+            </a:r>
+          </a:p>
+          <a:p>
+            <a:r>
+              <a:rPr lang="zh-CN" altLang="en-US" sz="1400" dirty="0"/>
+              <a:t>	-&gt; typename function_traits&lt;F&gt;::stl_function_type</a:t>
+            </a:r>
+          </a:p>
+          <a:p>
+            <a:r>
+              <a:rPr lang="zh-CN" altLang="en-US" sz="1400" dirty="0"/>
+              <a:t>{</a:t>
+            </a:r>
+          </a:p>
+          <a:p>
+            <a:r>
+              <a:rPr lang="zh-CN" altLang="en-US" sz="1400" dirty="0"/>
+              <a:t>	return [pmf, c = std::forward&lt;Caller&gt;(caller)](auto&amp;&amp; ... args) </a:t>
+            </a:r>
+          </a:p>
+          <a:p>
+            <a:r>
+              <a:rPr lang="zh-CN" altLang="en-US" sz="1400" dirty="0"/>
+              <a:t>	{ </a:t>
+            </a:r>
+          </a:p>
+          <a:p>
+            <a:r>
+              <a:rPr lang="zh-CN" altLang="en-US" sz="1400" dirty="0"/>
+              <a:t>		return (c.get()-&gt;*pmf)(std::forward&lt;decltype(args)&gt;(args)...); </a:t>
+            </a:r>
+          </a:p>
+          <a:p>
+            <a:r>
+              <a:rPr lang="zh-CN" altLang="en-US" sz="1400" dirty="0"/>
+              <a:t>	};</a:t>
+            </a:r>
+          </a:p>
+          <a:p>
+            <a:r>
+              <a:rPr lang="zh-CN" altLang="en-US" sz="1400" dirty="0"/>
+              <a:t>}</a:t>
+            </a:r>
+          </a:p>
+        </p:txBody>
+      </p:sp>
+    </p:spTree>
+  </p:cSld>
+  <p:clrMapOvr>
+    <a:masterClrMapping/>
+  </p:clrMapOvr>
+  <p:timing>
+    <p:tnLst>
+      <p:par>
+        <p:cTn id="1" dur="indefinite" restart="never" nodeType="tmRoot"/>
+      </p:par>
+    </p:tnLst>
+  </p:timing>
+</p:sld>
+</file>
+
+<file path=ppt/slides/slide54.xml><?xml version="1.0" encoding="utf-8"?>
+<p:sld xmlns:a="http://schemas.openxmlformats.org/drawingml/2006/main" xmlns:r="http://schemas.openxmlformats.org/officeDocument/2006/relationships" xmlns:p="http://schemas.openxmlformats.org/presentationml/2006/main">
+  <p:cSld>
+    <p:spTree>
+      <p:nvGrpSpPr>
+        <p:cNvPr id="1" name=""/>
+        <p:cNvGrpSpPr/>
+        <p:nvPr/>
+      </p:nvGrpSpPr>
+      <p:grpSpPr>
+        <a:xfrm>
+          <a:off x="0" y="0"/>
+          <a:ext cx="0" cy="0"/>
+          <a:chOff x="0" y="0"/>
+          <a:chExt cx="0" cy="0"/>
+        </a:xfrm>
+      </p:grpSpPr>
+      <p:sp>
+        <p:nvSpPr>
+          <p:cNvPr id="2" name="标题 1"/>
+          <p:cNvSpPr>
+            <a:spLocks noGrp="1"/>
+          </p:cNvSpPr>
+          <p:nvPr>
+            <p:ph type="title"/>
+          </p:nvPr>
+        </p:nvSpPr>
         <p:spPr/>
         <p:txBody>
           <a:bodyPr/>
@@ -36205,7 +37104,7 @@
 </p:sld>
 </file>
 
-<file path=ppt/slides/slide54.xml><?xml version="1.0" encoding="utf-8"?>
+<file path=ppt/slides/slide55.xml><?xml version="1.0" encoding="utf-8"?>
 <p:sld xmlns:a="http://schemas.openxmlformats.org/drawingml/2006/main" xmlns:r="http://schemas.openxmlformats.org/officeDocument/2006/relationships" xmlns:p="http://schemas.openxmlformats.org/presentationml/2006/main">
   <p:cSld>
     <p:spTree>
@@ -36734,142 +37633,6 @@
 </p:sld>
 </file>
 
-<file path=ppt/slides/slide55.xml><?xml version="1.0" encoding="utf-8"?>
-<p:sld xmlns:a="http://schemas.openxmlformats.org/drawingml/2006/main" xmlns:r="http://schemas.openxmlformats.org/officeDocument/2006/relationships" xmlns:p="http://schemas.openxmlformats.org/presentationml/2006/main">
-  <p:cSld>
-    <p:spTree>
-      <p:nvGrpSpPr>
-        <p:cNvPr id="1" name=""/>
-        <p:cNvGrpSpPr/>
-        <p:nvPr/>
-      </p:nvGrpSpPr>
-      <p:grpSpPr>
-        <a:xfrm>
-          <a:off x="0" y="0"/>
-          <a:ext cx="0" cy="0"/>
-          <a:chOff x="0" y="0"/>
-          <a:chExt cx="0" cy="0"/>
-        </a:xfrm>
-      </p:grpSpPr>
-      <p:sp>
-        <p:nvSpPr>
-          <p:cNvPr id="2" name="标题 1"/>
-          <p:cNvSpPr>
-            <a:spLocks noGrp="1"/>
-          </p:cNvSpPr>
-          <p:nvPr>
-            <p:ph type="title"/>
-          </p:nvPr>
-        </p:nvSpPr>
-        <p:spPr/>
-        <p:txBody>
-          <a:bodyPr/>
-          <a:lstStyle/>
-          <a:p>
-            <a:r>
-              <a:rPr lang="en-US" altLang="zh-CN" dirty="0" smtClean="0"/>
-              <a:t>Outline</a:t>
-            </a:r>
-            <a:endParaRPr lang="zh-CN" altLang="en-US" dirty="0"/>
-          </a:p>
-        </p:txBody>
-      </p:sp>
-      <p:sp>
-        <p:nvSpPr>
-          <p:cNvPr id="3" name="文本占位符 2"/>
-          <p:cNvSpPr>
-            <a:spLocks noGrp="1"/>
-          </p:cNvSpPr>
-          <p:nvPr>
-            <p:ph type="body" sz="half" idx="2"/>
-          </p:nvPr>
-        </p:nvSpPr>
-        <p:spPr/>
-        <p:txBody>
-          <a:bodyPr/>
-          <a:lstStyle/>
-          <a:p>
-            <a:r>
-              <a:rPr lang="en-US" altLang="zh-CN" dirty="0"/>
-              <a:t>1.Introduction to RPC</a:t>
-            </a:r>
-          </a:p>
-          <a:p>
-            <a:endParaRPr lang="en-US" altLang="zh-CN" dirty="0" smtClean="0"/>
-          </a:p>
-          <a:p>
-            <a:r>
-              <a:rPr lang="en-US" altLang="zh-CN" dirty="0"/>
-              <a:t>2.Problems of nowadays RPC framework</a:t>
-            </a:r>
-          </a:p>
-          <a:p>
-            <a:endParaRPr lang="en-US" altLang="zh-CN" dirty="0" smtClean="0"/>
-          </a:p>
-          <a:p>
-            <a:r>
-              <a:rPr lang="en-US" altLang="zh-CN" dirty="0"/>
-              <a:t>3.Challenges in developing a high performance and easy to use RPC framework</a:t>
-            </a:r>
-          </a:p>
-          <a:p>
-            <a:endParaRPr lang="en-US" altLang="zh-CN" dirty="0" smtClean="0"/>
-          </a:p>
-          <a:p>
-            <a:r>
-              <a:rPr lang="en-US" altLang="zh-CN" dirty="0"/>
-              <a:t>4.Key technologies</a:t>
-            </a:r>
-          </a:p>
-          <a:p>
-            <a:endParaRPr lang="en-US" altLang="zh-CN" dirty="0"/>
-          </a:p>
-          <a:p>
-            <a:r>
-              <a:rPr lang="en-US" altLang="zh-CN" sz="1800" dirty="0">
-                <a:solidFill>
-                  <a:schemeClr val="accent5"/>
-                </a:solidFill>
-              </a:rPr>
-              <a:t>5.A little episode </a:t>
-            </a:r>
-          </a:p>
-          <a:p>
-            <a:endParaRPr lang="en-US" altLang="zh-CN" dirty="0"/>
-          </a:p>
-          <a:p>
-            <a:r>
-              <a:rPr lang="en-US" altLang="zh-CN" dirty="0" smtClean="0"/>
-              <a:t>6.What </a:t>
-            </a:r>
-            <a:r>
-              <a:rPr lang="en-US" altLang="zh-CN" dirty="0"/>
-              <a:t>you can do with it</a:t>
-            </a:r>
-            <a:endParaRPr lang="zh-CN" altLang="en-US" dirty="0"/>
-          </a:p>
-        </p:txBody>
-      </p:sp>
-    </p:spTree>
-    <p:extLst>
-      <p:ext uri="{BB962C8B-B14F-4D97-AF65-F5344CB8AC3E}">
-        <p14:creationId xmlns:p14="http://schemas.microsoft.com/office/powerpoint/2010/main" val="1198844880"/>
-      </p:ext>
-    </p:extLst>
-  </p:cSld>
-  <p:clrMapOvr>
-    <a:masterClrMapping/>
-  </p:clrMapOvr>
-  <p:timing>
-    <p:tnLst>
-      <p:par>
-        <p:cTn id="1" dur="indefinite" restart="never" nodeType="tmRoot"/>
-      </p:par>
-    </p:tnLst>
-  </p:timing>
-</p:sld>
-</file>
-
 <file path=ppt/slides/slide56.xml><?xml version="1.0" encoding="utf-8"?>
 <p:sld xmlns:a="http://schemas.openxmlformats.org/drawingml/2006/main" xmlns:r="http://schemas.openxmlformats.org/officeDocument/2006/relationships" xmlns:p="http://schemas.openxmlformats.org/presentationml/2006/main">
   <p:cSld>
@@ -36904,7 +37667,7 @@
           <a:p>
             <a:r>
               <a:rPr lang="en-US" altLang="zh-CN" dirty="0" smtClean="0"/>
-              <a:t>Episode</a:t>
+              <a:t>Outline</a:t>
             </a:r>
             <a:endParaRPr lang="zh-CN" altLang="en-US" dirty="0"/>
           </a:p>
@@ -36926,24 +37689,35 @@
           <a:lstStyle/>
           <a:p>
             <a:r>
-              <a:rPr lang="en-US" altLang="zh-CN" b="1" dirty="0"/>
-              <a:t>boost::</a:t>
-            </a:r>
-            <a:r>
-              <a:rPr lang="en-US" altLang="zh-CN" b="1" dirty="0" err="1"/>
-              <a:t>placehodler</a:t>
-            </a:r>
-            <a:r>
-              <a:rPr lang="en-US" altLang="zh-CN" b="1" dirty="0"/>
-              <a:t>::_1 ... are in the </a:t>
-            </a:r>
-            <a:r>
-              <a:rPr lang="en-US" altLang="zh-CN" b="1" dirty="0" err="1"/>
-              <a:t>gloable</a:t>
-            </a:r>
-            <a:r>
-              <a:rPr lang="en-US" altLang="zh-CN" b="1" dirty="0"/>
-              <a:t> namespace</a:t>
+              <a:rPr lang="en-US" altLang="zh-CN" dirty="0"/>
+              <a:t>1.Introduction to RPC</a:t>
+            </a:r>
+          </a:p>
+          <a:p>
+            <a:endParaRPr lang="en-US" altLang="zh-CN" dirty="0" smtClean="0"/>
+          </a:p>
+          <a:p>
+            <a:r>
+              <a:rPr lang="en-US" altLang="zh-CN" dirty="0"/>
+              <a:t>2.Problems of nowadays RPC framework</a:t>
+            </a:r>
+          </a:p>
+          <a:p>
+            <a:endParaRPr lang="en-US" altLang="zh-CN" dirty="0" smtClean="0"/>
+          </a:p>
+          <a:p>
+            <a:r>
+              <a:rPr lang="en-US" altLang="zh-CN" dirty="0"/>
+              <a:t>3.Challenges in developing a high performance and easy to use RPC framework</a:t>
+            </a:r>
+          </a:p>
+          <a:p>
+            <a:endParaRPr lang="en-US" altLang="zh-CN" dirty="0" smtClean="0"/>
+          </a:p>
+          <a:p>
+            <a:r>
+              <a:rPr lang="en-US" altLang="zh-CN" dirty="0"/>
+              <a:t>4.Key technologies</a:t>
             </a:r>
           </a:p>
           <a:p>
@@ -36951,140 +37725,36 @@
           </a:p>
           <a:p>
             <a:r>
-              <a:rPr lang="en-US" altLang="zh-CN" dirty="0"/>
-              <a:t>There are several ways to solve this</a:t>
-            </a:r>
-          </a:p>
-          <a:p>
-            <a:r>
-              <a:rPr lang="en-US" altLang="zh-CN" dirty="0"/>
-              <a:t>1. Add a macro BOOST_BIND_NO_PLACEHOLDERS ahead</a:t>
-            </a:r>
-          </a:p>
-          <a:p>
-            <a:r>
-              <a:rPr lang="en-US" altLang="zh-CN" dirty="0"/>
-              <a:t>2. Make std::bind compatible with boost::</a:t>
-            </a:r>
-            <a:r>
-              <a:rPr lang="en-US" altLang="zh-CN" dirty="0" err="1"/>
-              <a:t>placerholers</a:t>
-            </a:r>
+              <a:rPr lang="en-US" altLang="zh-CN" sz="1800" dirty="0">
+                <a:solidFill>
+                  <a:schemeClr val="accent5"/>
+                </a:solidFill>
+              </a:rPr>
+              <a:t>5.A little episode </a:t>
+            </a:r>
+          </a:p>
+          <a:p>
             <a:endParaRPr lang="en-US" altLang="zh-CN" dirty="0"/>
           </a:p>
           <a:p>
-            <a:endParaRPr lang="en-US" altLang="zh-CN" dirty="0"/>
-          </a:p>
-          <a:p>
-            <a:r>
-              <a:rPr lang="en-US" altLang="zh-CN" dirty="0"/>
-              <a:t>We choose the second.</a:t>
-            </a:r>
-          </a:p>
-          <a:p>
-            <a:endParaRPr lang="en-US" altLang="zh-CN" dirty="0"/>
-          </a:p>
-          <a:p>
-            <a:r>
-              <a:rPr lang="en-US" altLang="zh-CN" sz="1400" dirty="0"/>
-              <a:t>namespace std</a:t>
-            </a:r>
-          </a:p>
-          <a:p>
-            <a:r>
-              <a:rPr lang="en-US" altLang="zh-CN" sz="1400" dirty="0"/>
-              <a:t>{</a:t>
-            </a:r>
-          </a:p>
-          <a:p>
-            <a:r>
-              <a:rPr lang="en-US" altLang="zh-CN" sz="1400" dirty="0"/>
-              <a:t>	template &lt;</a:t>
-            </a:r>
-            <a:r>
-              <a:rPr lang="en-US" altLang="zh-CN" sz="1400" dirty="0" err="1"/>
-              <a:t>int</a:t>
-            </a:r>
-            <a:r>
-              <a:rPr lang="en-US" altLang="zh-CN" sz="1400" dirty="0"/>
-              <a:t> Size&gt;</a:t>
-            </a:r>
-          </a:p>
-          <a:p>
-            <a:r>
-              <a:rPr lang="en-US" altLang="zh-CN" sz="1400" dirty="0"/>
-              <a:t>	</a:t>
-            </a:r>
-            <a:r>
-              <a:rPr lang="en-US" altLang="zh-CN" sz="1400" dirty="0" err="1"/>
-              <a:t>struct</a:t>
-            </a:r>
-            <a:r>
-              <a:rPr lang="en-US" altLang="zh-CN" sz="1400" dirty="0"/>
-              <a:t> </a:t>
-            </a:r>
-            <a:r>
-              <a:rPr lang="en-US" altLang="zh-CN" sz="1400" dirty="0" err="1"/>
-              <a:t>is_placeholder</a:t>
-            </a:r>
-            <a:r>
-              <a:rPr lang="en-US" altLang="zh-CN" sz="1400" dirty="0"/>
-              <a:t>&lt;boost::</a:t>
-            </a:r>
-            <a:r>
-              <a:rPr lang="en-US" altLang="zh-CN" sz="1400" dirty="0" err="1"/>
-              <a:t>arg</a:t>
-            </a:r>
-            <a:r>
-              <a:rPr lang="en-US" altLang="zh-CN" sz="1400" dirty="0"/>
-              <a:t>&lt;Size&gt;&gt;</a:t>
-            </a:r>
-          </a:p>
-          <a:p>
-            <a:r>
-              <a:rPr lang="en-US" altLang="zh-CN" sz="1400" dirty="0"/>
-              <a:t>		: public std::</a:t>
-            </a:r>
-            <a:r>
-              <a:rPr lang="en-US" altLang="zh-CN" sz="1400" dirty="0" err="1"/>
-              <a:t>integral_constant</a:t>
-            </a:r>
-            <a:r>
-              <a:rPr lang="en-US" altLang="zh-CN" sz="1400" dirty="0"/>
-              <a:t>&lt;</a:t>
-            </a:r>
-            <a:r>
-              <a:rPr lang="en-US" altLang="zh-CN" sz="1400" dirty="0" err="1"/>
-              <a:t>int</a:t>
-            </a:r>
-            <a:r>
-              <a:rPr lang="en-US" altLang="zh-CN" sz="1400" dirty="0"/>
-              <a:t>, Size&gt;</a:t>
-            </a:r>
-          </a:p>
-          <a:p>
-            <a:r>
-              <a:rPr lang="en-US" altLang="zh-CN" sz="1400" dirty="0"/>
-              <a:t>	{</a:t>
-            </a:r>
-          </a:p>
-          <a:p>
-            <a:r>
-              <a:rPr lang="en-US" altLang="zh-CN" sz="1400" dirty="0"/>
-              <a:t>	};</a:t>
-            </a:r>
-            <a:br>
-              <a:rPr lang="en-US" altLang="zh-CN" sz="1400" dirty="0"/>
-            </a:br>
-            <a:r>
-              <a:rPr lang="en-US" altLang="zh-CN" sz="1400" dirty="0"/>
-              <a:t>}</a:t>
+            <a:r>
+              <a:rPr lang="en-US" altLang="zh-CN" dirty="0" smtClean="0"/>
+              <a:t>6.What </a:t>
+            </a:r>
+            <a:r>
+              <a:rPr lang="en-US" altLang="zh-CN" dirty="0"/>
+              <a:t>you can do with it</a:t>
             </a:r>
             <a:endParaRPr lang="zh-CN" altLang="en-US" dirty="0"/>
           </a:p>
         </p:txBody>
       </p:sp>
     </p:spTree>
+    <p:extLst>
+      <p:ext uri="{BB962C8B-B14F-4D97-AF65-F5344CB8AC3E}">
+        <p14:creationId xmlns:p14="http://schemas.microsoft.com/office/powerpoint/2010/main" val="1198844880"/>
+      </p:ext>
+    </p:extLst>
   </p:cSld>
   <p:clrMapOvr>
     <a:masterClrMapping/>
@@ -37156,125 +37826,163 @@
           <a:p>
             <a:r>
               <a:rPr lang="en-US" altLang="zh-CN" b="1" dirty="0"/>
-              <a:t>A bug from </a:t>
+              <a:t>boost::</a:t>
             </a:r>
             <a:r>
               <a:rPr lang="en-US" altLang="zh-CN" b="1" dirty="0" err="1"/>
-              <a:t>gcc</a:t>
-            </a:r>
-            <a:endParaRPr lang="en-US" altLang="zh-CN" b="1" dirty="0"/>
-          </a:p>
-          <a:p>
-            <a:endParaRPr lang="en-US" altLang="zh-CN" b="1" dirty="0"/>
-          </a:p>
-          <a:p>
-            <a:r>
-              <a:rPr lang="en-US" altLang="zh-CN" dirty="0"/>
-              <a:t>we got a compile-time error from the code below</a:t>
-            </a:r>
-          </a:p>
-          <a:p>
+              <a:t>placehodler</a:t>
+            </a:r>
             <a:r>
               <a:rPr lang="en-US" altLang="zh-CN" b="1" dirty="0"/>
-              <a:t/>
+              <a:t>::_1 ... are in the </a:t>
+            </a:r>
+            <a:r>
+              <a:rPr lang="en-US" altLang="zh-CN" b="1" dirty="0" err="1"/>
+              <a:t>gloable</a:t>
+            </a:r>
+            <a:r>
+              <a:rPr lang="en-US" altLang="zh-CN" b="1" dirty="0"/>
+              <a:t> namespace</a:t>
+            </a:r>
+          </a:p>
+          <a:p>
+            <a:endParaRPr lang="en-US" altLang="zh-CN" dirty="0"/>
+          </a:p>
+          <a:p>
+            <a:r>
+              <a:rPr lang="en-US" altLang="zh-CN" dirty="0"/>
+              <a:t>There are several ways to solve this</a:t>
+            </a:r>
+          </a:p>
+          <a:p>
+            <a:r>
+              <a:rPr lang="en-US" altLang="zh-CN" dirty="0"/>
+              <a:t>1. Add a macro BOOST_BIND_NO_PLACEHOLDERS ahead</a:t>
+            </a:r>
+          </a:p>
+          <a:p>
+            <a:r>
+              <a:rPr lang="en-US" altLang="zh-CN" dirty="0"/>
+              <a:t>2. Make std::bind compatible with boost::</a:t>
+            </a:r>
+            <a:r>
+              <a:rPr lang="en-US" altLang="zh-CN" dirty="0" err="1"/>
+              <a:t>placerholers</a:t>
+            </a:r>
+            <a:endParaRPr lang="en-US" altLang="zh-CN" dirty="0"/>
+          </a:p>
+          <a:p>
+            <a:endParaRPr lang="en-US" altLang="zh-CN" dirty="0"/>
+          </a:p>
+          <a:p>
+            <a:r>
+              <a:rPr lang="en-US" altLang="zh-CN" dirty="0"/>
+              <a:t>We choose the second.</a:t>
+            </a:r>
+          </a:p>
+          <a:p>
+            <a:endParaRPr lang="en-US" altLang="zh-CN" dirty="0"/>
+          </a:p>
+          <a:p>
+            <a:r>
+              <a:rPr lang="en-US" altLang="zh-CN" sz="1400" dirty="0"/>
+              <a:t>namespace std</a:t>
+            </a:r>
+          </a:p>
+          <a:p>
+            <a:r>
+              <a:rPr lang="en-US" altLang="zh-CN" sz="1400" dirty="0"/>
+              <a:t>{</a:t>
+            </a:r>
+          </a:p>
+          <a:p>
+            <a:r>
+              <a:rPr lang="en-US" altLang="zh-CN" sz="1400" dirty="0"/>
+              <a:t>	template &lt;</a:t>
+            </a:r>
+            <a:r>
+              <a:rPr lang="en-US" altLang="zh-CN" sz="1400" dirty="0" err="1"/>
+              <a:t>int</a:t>
+            </a:r>
+            <a:r>
+              <a:rPr lang="en-US" altLang="zh-CN" sz="1400" dirty="0"/>
+              <a:t> Size&gt;</a:t>
+            </a:r>
+          </a:p>
+          <a:p>
+            <a:r>
+              <a:rPr lang="en-US" altLang="zh-CN" sz="1400" dirty="0"/>
+              <a:t>	</a:t>
+            </a:r>
+            <a:r>
+              <a:rPr lang="en-US" altLang="zh-CN" sz="1400" dirty="0" err="1"/>
+              <a:t>struct</a:t>
+            </a:r>
+            <a:r>
+              <a:rPr lang="en-US" altLang="zh-CN" sz="1400" dirty="0"/>
+              <a:t> </a:t>
+            </a:r>
+            <a:r>
+              <a:rPr lang="en-US" altLang="zh-CN" sz="1400" dirty="0" err="1"/>
+              <a:t>is_placeholder</a:t>
+            </a:r>
+            <a:r>
+              <a:rPr lang="en-US" altLang="zh-CN" sz="1400" dirty="0"/>
+              <a:t>&lt;boost::</a:t>
+            </a:r>
+            <a:r>
+              <a:rPr lang="en-US" altLang="zh-CN" sz="1400" dirty="0" err="1"/>
+              <a:t>arg</a:t>
+            </a:r>
+            <a:r>
+              <a:rPr lang="en-US" altLang="zh-CN" sz="1400" dirty="0"/>
+              <a:t>&lt;Size&gt;&gt;</a:t>
+            </a:r>
+          </a:p>
+          <a:p>
+            <a:r>
+              <a:rPr lang="en-US" altLang="zh-CN" sz="1400" dirty="0"/>
+              <a:t>		: public std::</a:t>
+            </a:r>
+            <a:r>
+              <a:rPr lang="en-US" altLang="zh-CN" sz="1400" dirty="0" err="1"/>
+              <a:t>integral_constant</a:t>
+            </a:r>
+            <a:r>
+              <a:rPr lang="en-US" altLang="zh-CN" sz="1400" dirty="0"/>
+              <a:t>&lt;</a:t>
+            </a:r>
+            <a:r>
+              <a:rPr lang="en-US" altLang="zh-CN" sz="1400" dirty="0" err="1"/>
+              <a:t>int</a:t>
+            </a:r>
+            <a:r>
+              <a:rPr lang="en-US" altLang="zh-CN" sz="1400" dirty="0"/>
+              <a:t>, Size&gt;</a:t>
+            </a:r>
+          </a:p>
+          <a:p>
+            <a:r>
+              <a:rPr lang="en-US" altLang="zh-CN" sz="1400" dirty="0"/>
+              <a:t>	{</a:t>
+            </a:r>
+          </a:p>
+          <a:p>
+            <a:r>
+              <a:rPr lang="en-US" altLang="zh-CN" sz="1400" dirty="0"/>
+              <a:t>	};</a:t>
             </a:r>
             <a:br>
-              <a:rPr lang="en-US" altLang="zh-CN" b="1" dirty="0"/>
+              <a:rPr lang="en-US" altLang="zh-CN" sz="1400" dirty="0"/>
             </a:br>
             <a:r>
-              <a:rPr lang="en-US" altLang="zh-CN" b="1" dirty="0"/>
-              <a:t>	</a:t>
-            </a:r>
-            <a:r>
-              <a:rPr lang="en-US" altLang="zh-CN" sz="1400" dirty="0" err="1"/>
-              <a:t>timax</a:t>
-            </a:r>
-            <a:r>
               <a:rPr lang="en-US" altLang="zh-CN" sz="1400" dirty="0"/>
-              <a:t>::bind(add, 1, _1);  // with boost placeholder</a:t>
-            </a:r>
-          </a:p>
-          <a:p>
-            <a:endParaRPr lang="en-US" altLang="zh-CN" sz="1400" dirty="0"/>
-          </a:p>
-          <a:p>
-            <a:endParaRPr lang="en-US" altLang="zh-CN" b="1" dirty="0"/>
-          </a:p>
-          <a:p>
-            <a:endParaRPr lang="en-US" altLang="zh-CN" b="1" dirty="0"/>
-          </a:p>
-          <a:p>
-            <a:endParaRPr lang="en-US" altLang="zh-CN" b="1" dirty="0"/>
-          </a:p>
-          <a:p>
-            <a:endParaRPr lang="en-US" altLang="zh-CN" b="1" dirty="0"/>
-          </a:p>
-          <a:p>
-            <a:r>
-              <a:rPr lang="en-US" altLang="zh-CN" dirty="0"/>
-              <a:t>boost::placeholders::_1 is a const reference of boost::</a:t>
-            </a:r>
-            <a:r>
-              <a:rPr lang="en-US" altLang="zh-CN" dirty="0" err="1"/>
-              <a:t>arg</a:t>
-            </a:r>
-            <a:r>
-              <a:rPr lang="en-US" altLang="zh-CN" dirty="0"/>
-              <a:t>&lt;1&gt; object, and we guess that </a:t>
-            </a:r>
-            <a:r>
-              <a:rPr lang="en-US" altLang="zh-CN" dirty="0" err="1"/>
-              <a:t>gcc</a:t>
-            </a:r>
-            <a:r>
-              <a:rPr lang="en-US" altLang="zh-CN" dirty="0"/>
-              <a:t> is not doing well with const reference to placeholder</a:t>
-            </a:r>
-          </a:p>
-          <a:p>
-            <a:endParaRPr lang="en-US" altLang="zh-CN" dirty="0"/>
-          </a:p>
-          <a:p>
-            <a:r>
-              <a:rPr lang="en-US" altLang="zh-CN" b="1" dirty="0"/>
-              <a:t>Solution:</a:t>
-            </a:r>
-          </a:p>
-          <a:p>
-            <a:r>
-              <a:rPr lang="en-US" altLang="zh-CN" dirty="0"/>
-              <a:t>use TMP to return a new object when forwarding boost placeholder</a:t>
-            </a:r>
-          </a:p>
-          <a:p>
+              <a:t>}</a:t>
+            </a:r>
             <a:endParaRPr lang="zh-CN" altLang="en-US" dirty="0"/>
           </a:p>
         </p:txBody>
       </p:sp>
-      <p:pic>
-        <p:nvPicPr>
-          <p:cNvPr id="4" name="图片 3" descr="QQ截图20161022233927"/>
-          <p:cNvPicPr>
-            <a:picLocks noChangeAspect="1"/>
-          </p:cNvPicPr>
-          <p:nvPr/>
-        </p:nvPicPr>
-        <p:blipFill>
-          <a:blip r:embed="rId2" cstate="print"/>
-          <a:stretch>
-            <a:fillRect/>
-          </a:stretch>
-        </p:blipFill>
-        <p:spPr>
-          <a:xfrm>
-            <a:off x="909955" y="2856865"/>
-            <a:ext cx="7324090" cy="962025"/>
-          </a:xfrm>
-          <a:prstGeom prst="rect">
-            <a:avLst/>
-          </a:prstGeom>
-        </p:spPr>
-      </p:pic>
     </p:spTree>
   </p:cSld>
   <p:clrMapOvr>
@@ -37346,6 +38054,197 @@
           <a:lstStyle/>
           <a:p>
             <a:r>
+              <a:rPr lang="en-US" altLang="zh-CN" b="1" dirty="0"/>
+              <a:t>A bug from </a:t>
+            </a:r>
+            <a:r>
+              <a:rPr lang="en-US" altLang="zh-CN" b="1" dirty="0" err="1"/>
+              <a:t>gcc</a:t>
+            </a:r>
+            <a:endParaRPr lang="en-US" altLang="zh-CN" b="1" dirty="0"/>
+          </a:p>
+          <a:p>
+            <a:endParaRPr lang="en-US" altLang="zh-CN" b="1" dirty="0"/>
+          </a:p>
+          <a:p>
+            <a:r>
+              <a:rPr lang="en-US" altLang="zh-CN" dirty="0"/>
+              <a:t>we got a compile-time error from the code below</a:t>
+            </a:r>
+          </a:p>
+          <a:p>
+            <a:r>
+              <a:rPr lang="en-US" altLang="zh-CN" b="1" dirty="0"/>
+              <a:t/>
+            </a:r>
+            <a:br>
+              <a:rPr lang="en-US" altLang="zh-CN" b="1" dirty="0"/>
+            </a:br>
+            <a:r>
+              <a:rPr lang="en-US" altLang="zh-CN" b="1" dirty="0"/>
+              <a:t>	</a:t>
+            </a:r>
+            <a:r>
+              <a:rPr lang="en-US" altLang="zh-CN" sz="1400" dirty="0" err="1"/>
+              <a:t>timax</a:t>
+            </a:r>
+            <a:r>
+              <a:rPr lang="en-US" altLang="zh-CN" sz="1400" dirty="0"/>
+              <a:t>::bind(add, 1, _1);  // with boost placeholder</a:t>
+            </a:r>
+          </a:p>
+          <a:p>
+            <a:endParaRPr lang="en-US" altLang="zh-CN" sz="1400" dirty="0"/>
+          </a:p>
+          <a:p>
+            <a:endParaRPr lang="en-US" altLang="zh-CN" b="1" dirty="0"/>
+          </a:p>
+          <a:p>
+            <a:endParaRPr lang="en-US" altLang="zh-CN" b="1" dirty="0"/>
+          </a:p>
+          <a:p>
+            <a:endParaRPr lang="en-US" altLang="zh-CN" b="1" dirty="0"/>
+          </a:p>
+          <a:p>
+            <a:endParaRPr lang="en-US" altLang="zh-CN" b="1" dirty="0"/>
+          </a:p>
+          <a:p>
+            <a:r>
+              <a:rPr lang="en-US" altLang="zh-CN" dirty="0"/>
+              <a:t>boost::placeholders::_1 is a const reference of boost::</a:t>
+            </a:r>
+            <a:r>
+              <a:rPr lang="en-US" altLang="zh-CN" dirty="0" err="1"/>
+              <a:t>arg</a:t>
+            </a:r>
+            <a:r>
+              <a:rPr lang="en-US" altLang="zh-CN" dirty="0"/>
+              <a:t>&lt;1&gt; object, and we guess that </a:t>
+            </a:r>
+            <a:r>
+              <a:rPr lang="en-US" altLang="zh-CN" dirty="0" err="1"/>
+              <a:t>gcc</a:t>
+            </a:r>
+            <a:r>
+              <a:rPr lang="en-US" altLang="zh-CN" dirty="0"/>
+              <a:t> is not doing well with const reference to placeholder</a:t>
+            </a:r>
+          </a:p>
+          <a:p>
+            <a:endParaRPr lang="en-US" altLang="zh-CN" dirty="0"/>
+          </a:p>
+          <a:p>
+            <a:r>
+              <a:rPr lang="en-US" altLang="zh-CN" b="1" dirty="0"/>
+              <a:t>Solution:</a:t>
+            </a:r>
+          </a:p>
+          <a:p>
+            <a:r>
+              <a:rPr lang="en-US" altLang="zh-CN" dirty="0"/>
+              <a:t>use TMP to return a new object when forwarding boost placeholder</a:t>
+            </a:r>
+          </a:p>
+          <a:p>
+            <a:endParaRPr lang="zh-CN" altLang="en-US" dirty="0"/>
+          </a:p>
+        </p:txBody>
+      </p:sp>
+      <p:pic>
+        <p:nvPicPr>
+          <p:cNvPr id="4" name="图片 3" descr="QQ截图20161022233927"/>
+          <p:cNvPicPr>
+            <a:picLocks noChangeAspect="1"/>
+          </p:cNvPicPr>
+          <p:nvPr/>
+        </p:nvPicPr>
+        <p:blipFill>
+          <a:blip r:embed="rId2" cstate="print"/>
+          <a:stretch>
+            <a:fillRect/>
+          </a:stretch>
+        </p:blipFill>
+        <p:spPr>
+          <a:xfrm>
+            <a:off x="909955" y="2856865"/>
+            <a:ext cx="7324090" cy="962025"/>
+          </a:xfrm>
+          <a:prstGeom prst="rect">
+            <a:avLst/>
+          </a:prstGeom>
+        </p:spPr>
+      </p:pic>
+    </p:spTree>
+  </p:cSld>
+  <p:clrMapOvr>
+    <a:masterClrMapping/>
+  </p:clrMapOvr>
+  <p:timing>
+    <p:tnLst>
+      <p:par>
+        <p:cTn id="1" dur="indefinite" restart="never" nodeType="tmRoot"/>
+      </p:par>
+    </p:tnLst>
+  </p:timing>
+</p:sld>
+</file>
+
+<file path=ppt/slides/slide59.xml><?xml version="1.0" encoding="utf-8"?>
+<p:sld xmlns:a="http://schemas.openxmlformats.org/drawingml/2006/main" xmlns:r="http://schemas.openxmlformats.org/officeDocument/2006/relationships" xmlns:p="http://schemas.openxmlformats.org/presentationml/2006/main">
+  <p:cSld>
+    <p:spTree>
+      <p:nvGrpSpPr>
+        <p:cNvPr id="1" name=""/>
+        <p:cNvGrpSpPr/>
+        <p:nvPr/>
+      </p:nvGrpSpPr>
+      <p:grpSpPr>
+        <a:xfrm>
+          <a:off x="0" y="0"/>
+          <a:ext cx="0" cy="0"/>
+          <a:chOff x="0" y="0"/>
+          <a:chExt cx="0" cy="0"/>
+        </a:xfrm>
+      </p:grpSpPr>
+      <p:sp>
+        <p:nvSpPr>
+          <p:cNvPr id="2" name="标题 1"/>
+          <p:cNvSpPr>
+            <a:spLocks noGrp="1"/>
+          </p:cNvSpPr>
+          <p:nvPr>
+            <p:ph type="title"/>
+          </p:nvPr>
+        </p:nvSpPr>
+        <p:spPr/>
+        <p:txBody>
+          <a:bodyPr/>
+          <a:lstStyle/>
+          <a:p>
+            <a:r>
+              <a:rPr lang="en-US" altLang="zh-CN" dirty="0" smtClean="0"/>
+              <a:t>Episode</a:t>
+            </a:r>
+            <a:endParaRPr lang="zh-CN" altLang="en-US" dirty="0"/>
+          </a:p>
+        </p:txBody>
+      </p:sp>
+      <p:sp>
+        <p:nvSpPr>
+          <p:cNvPr id="3" name="文本占位符 2"/>
+          <p:cNvSpPr>
+            <a:spLocks noGrp="1"/>
+          </p:cNvSpPr>
+          <p:nvPr>
+            <p:ph type="body" sz="half" idx="2"/>
+          </p:nvPr>
+        </p:nvSpPr>
+        <p:spPr/>
+        <p:txBody>
+          <a:bodyPr/>
+          <a:lstStyle/>
+          <a:p>
+            <a:r>
               <a:rPr lang="en-US" altLang="zh-CN" dirty="0">
                 <a:sym typeface="+mn-ea"/>
               </a:rPr>
@@ -37628,142 +38527,6 @@
 </p:sld>
 </file>
 
-<file path=ppt/slides/slide59.xml><?xml version="1.0" encoding="utf-8"?>
-<p:sld xmlns:a="http://schemas.openxmlformats.org/drawingml/2006/main" xmlns:r="http://schemas.openxmlformats.org/officeDocument/2006/relationships" xmlns:p="http://schemas.openxmlformats.org/presentationml/2006/main">
-  <p:cSld>
-    <p:spTree>
-      <p:nvGrpSpPr>
-        <p:cNvPr id="1" name=""/>
-        <p:cNvGrpSpPr/>
-        <p:nvPr/>
-      </p:nvGrpSpPr>
-      <p:grpSpPr>
-        <a:xfrm>
-          <a:off x="0" y="0"/>
-          <a:ext cx="0" cy="0"/>
-          <a:chOff x="0" y="0"/>
-          <a:chExt cx="0" cy="0"/>
-        </a:xfrm>
-      </p:grpSpPr>
-      <p:sp>
-        <p:nvSpPr>
-          <p:cNvPr id="2" name="标题 1"/>
-          <p:cNvSpPr>
-            <a:spLocks noGrp="1"/>
-          </p:cNvSpPr>
-          <p:nvPr>
-            <p:ph type="title"/>
-          </p:nvPr>
-        </p:nvSpPr>
-        <p:spPr/>
-        <p:txBody>
-          <a:bodyPr/>
-          <a:lstStyle/>
-          <a:p>
-            <a:r>
-              <a:rPr lang="en-US" altLang="zh-CN" dirty="0" smtClean="0"/>
-              <a:t>Outline</a:t>
-            </a:r>
-            <a:endParaRPr lang="zh-CN" altLang="en-US" dirty="0"/>
-          </a:p>
-        </p:txBody>
-      </p:sp>
-      <p:sp>
-        <p:nvSpPr>
-          <p:cNvPr id="3" name="文本占位符 2"/>
-          <p:cNvSpPr>
-            <a:spLocks noGrp="1"/>
-          </p:cNvSpPr>
-          <p:nvPr>
-            <p:ph type="body" sz="half" idx="2"/>
-          </p:nvPr>
-        </p:nvSpPr>
-        <p:spPr/>
-        <p:txBody>
-          <a:bodyPr/>
-          <a:lstStyle/>
-          <a:p>
-            <a:r>
-              <a:rPr lang="en-US" altLang="zh-CN" dirty="0"/>
-              <a:t>1.Introduction to RPC</a:t>
-            </a:r>
-          </a:p>
-          <a:p>
-            <a:endParaRPr lang="en-US" altLang="zh-CN" dirty="0" smtClean="0"/>
-          </a:p>
-          <a:p>
-            <a:r>
-              <a:rPr lang="en-US" altLang="zh-CN" dirty="0"/>
-              <a:t>2.Problems of nowadays RPC framework</a:t>
-            </a:r>
-          </a:p>
-          <a:p>
-            <a:endParaRPr lang="en-US" altLang="zh-CN" dirty="0" smtClean="0"/>
-          </a:p>
-          <a:p>
-            <a:r>
-              <a:rPr lang="en-US" altLang="zh-CN" dirty="0"/>
-              <a:t>3.Challenges in developing a high performance and easy to use RPC framework</a:t>
-            </a:r>
-          </a:p>
-          <a:p>
-            <a:endParaRPr lang="en-US" altLang="zh-CN" dirty="0" smtClean="0"/>
-          </a:p>
-          <a:p>
-            <a:r>
-              <a:rPr lang="en-US" altLang="zh-CN" dirty="0"/>
-              <a:t>4.Key technologies</a:t>
-            </a:r>
-          </a:p>
-          <a:p>
-            <a:endParaRPr lang="en-US" altLang="zh-CN" dirty="0"/>
-          </a:p>
-          <a:p>
-            <a:r>
-              <a:rPr lang="en-US" altLang="zh-CN" dirty="0"/>
-              <a:t>5.A little episode </a:t>
-            </a:r>
-          </a:p>
-          <a:p>
-            <a:endParaRPr lang="en-US" altLang="zh-CN" dirty="0"/>
-          </a:p>
-          <a:p>
-            <a:r>
-              <a:rPr lang="en-US" altLang="zh-CN" sz="1800" dirty="0">
-                <a:solidFill>
-                  <a:schemeClr val="accent5"/>
-                </a:solidFill>
-              </a:rPr>
-              <a:t>6.What you can do with it</a:t>
-            </a:r>
-            <a:endParaRPr lang="zh-CN" altLang="en-US" sz="1800" dirty="0">
-              <a:solidFill>
-                <a:schemeClr val="accent5"/>
-              </a:solidFill>
-            </a:endParaRPr>
-          </a:p>
-        </p:txBody>
-      </p:sp>
-    </p:spTree>
-    <p:extLst>
-      <p:ext uri="{BB962C8B-B14F-4D97-AF65-F5344CB8AC3E}">
-        <p14:creationId xmlns:p14="http://schemas.microsoft.com/office/powerpoint/2010/main" val="510130146"/>
-      </p:ext>
-    </p:extLst>
-  </p:cSld>
-  <p:clrMapOvr>
-    <a:masterClrMapping/>
-  </p:clrMapOvr>
-  <p:timing>
-    <p:tnLst>
-      <p:par>
-        <p:cTn id="1" dur="indefinite" restart="never" nodeType="tmRoot"/>
-      </p:par>
-    </p:tnLst>
-  </p:timing>
-</p:sld>
-</file>
-
 <file path=ppt/slides/slide6.xml><?xml version="1.0" encoding="utf-8"?>
 <p:sld xmlns:a="http://schemas.openxmlformats.org/drawingml/2006/main" xmlns:r="http://schemas.openxmlformats.org/officeDocument/2006/relationships" xmlns:p="http://schemas.openxmlformats.org/presentationml/2006/main">
   <p:cSld>
@@ -37839,13 +38602,13 @@
             </a:r>
             <a:r>
               <a:rPr lang="en-US" altLang="zh-CN" dirty="0">
-                <a:hlinkClick r:id="rId2"/>
+                <a:hlinkClick r:id="rId3"/>
               </a:rPr>
               <a:t>https://</a:t>
             </a:r>
             <a:r>
               <a:rPr lang="en-US" altLang="zh-CN" dirty="0" smtClean="0">
-                <a:hlinkClick r:id="rId2"/>
+                <a:hlinkClick r:id="rId3"/>
               </a:rPr>
               <a:t>github.com/topcpporg/rest_rpc</a:t>
             </a:r>
@@ -37855,6 +38618,48 @@
             <a:endParaRPr lang="en-US" altLang="zh-CN" dirty="0" smtClean="0"/>
           </a:p>
           <a:p>
+            <a:pPr marL="285750" indent="-285750">
+              <a:buFont typeface="Wingdings" panose="05000000000000000000" pitchFamily="2" charset="2"/>
+              <a:buChar char="Ø"/>
+            </a:pPr>
+            <a:r>
+              <a:rPr lang="en-US" altLang="zh-CN" dirty="0" smtClean="0"/>
+              <a:t>easy to use</a:t>
+            </a:r>
+          </a:p>
+          <a:p>
+            <a:pPr marL="285750" indent="-285750">
+              <a:buFont typeface="Wingdings" panose="05000000000000000000" pitchFamily="2" charset="2"/>
+              <a:buChar char="Ø"/>
+            </a:pPr>
+            <a:r>
+              <a:rPr lang="en-US" altLang="zh-CN" dirty="0" smtClean="0"/>
+              <a:t>rapid development</a:t>
+            </a:r>
+          </a:p>
+          <a:p>
+            <a:pPr marL="285750" indent="-285750">
+              <a:buFont typeface="Wingdings" panose="05000000000000000000" pitchFamily="2" charset="2"/>
+              <a:buChar char="Ø"/>
+            </a:pPr>
+            <a:r>
+              <a:rPr lang="en-US" altLang="zh-CN" dirty="0" smtClean="0"/>
+              <a:t>easily reuse old code</a:t>
+            </a:r>
+          </a:p>
+          <a:p>
+            <a:pPr marL="285750" indent="-285750">
+              <a:buFont typeface="Wingdings" panose="05000000000000000000" pitchFamily="2" charset="2"/>
+              <a:buChar char="Ø"/>
+            </a:pPr>
+            <a:r>
+              <a:rPr lang="en-US" altLang="zh-CN" dirty="0" smtClean="0"/>
+              <a:t>similar to rest </a:t>
+            </a:r>
+            <a:r>
+              <a:rPr lang="en-US" altLang="zh-CN" dirty="0" err="1" smtClean="0"/>
+              <a:t>api</a:t>
+            </a:r>
             <a:endParaRPr lang="zh-CN" altLang="en-US" dirty="0"/>
           </a:p>
         </p:txBody>
@@ -37898,7 +38703,7 @@
       </p:grpSpPr>
       <p:sp>
         <p:nvSpPr>
-          <p:cNvPr id="2" name="Title 1"/>
+          <p:cNvPr id="2" name="标题 1"/>
           <p:cNvSpPr>
             <a:spLocks noGrp="1"/>
           </p:cNvSpPr>
@@ -37912,12 +38717,8 @@
           <a:lstStyle/>
           <a:p>
             <a:r>
-              <a:rPr lang="en-US" altLang="zh-CN" dirty="0" err="1" smtClean="0"/>
-              <a:t>rest_rpc</a:t>
-            </a:r>
-            <a:r>
               <a:rPr lang="en-US" altLang="zh-CN" dirty="0" smtClean="0"/>
-              <a:t> can be used to do</a:t>
+              <a:t>Outline</a:t>
             </a:r>
             <a:endParaRPr lang="zh-CN" altLang="en-US" dirty="0"/>
           </a:p>
@@ -37925,7 +38726,7 @@
       </p:sp>
       <p:sp>
         <p:nvSpPr>
-          <p:cNvPr id="3" name="Text Placeholder 2"/>
+          <p:cNvPr id="3" name="文本占位符 2"/>
           <p:cNvSpPr>
             <a:spLocks noGrp="1"/>
           </p:cNvSpPr>
@@ -37939,86 +38740,70 @@
           <a:lstStyle/>
           <a:p>
             <a:r>
-              <a:rPr lang="en-US" altLang="zh-CN" b="1" dirty="0" err="1"/>
-              <a:t>Interprocess</a:t>
-            </a:r>
-            <a:r>
-              <a:rPr lang="en-US" altLang="zh-CN" b="1" dirty="0"/>
-              <a:t> </a:t>
-            </a:r>
-            <a:r>
-              <a:rPr lang="en-US" altLang="zh-CN" b="1" dirty="0" smtClean="0"/>
-              <a:t>communication</a:t>
-            </a:r>
-          </a:p>
-          <a:p>
-            <a:endParaRPr lang="en-US" altLang="zh-CN" b="1" dirty="0" smtClean="0"/>
-          </a:p>
-          <a:p>
-            <a:r>
-              <a:rPr lang="en-US" altLang="zh-CN" b="1" dirty="0" smtClean="0"/>
-              <a:t>Distribute system</a:t>
-            </a:r>
-          </a:p>
-          <a:p>
-            <a:pPr marL="285750" indent="-285750">
-              <a:buFont typeface="Arial" panose="020B0604020202020204" pitchFamily="34" charset="0"/>
-              <a:buChar char="•"/>
-            </a:pPr>
-            <a:r>
-              <a:rPr lang="en-US" altLang="zh-CN" dirty="0" smtClean="0"/>
-              <a:t>HA(binary star, raft)</a:t>
-            </a:r>
-          </a:p>
-          <a:p>
-            <a:pPr marL="285750" indent="-285750">
-              <a:buFont typeface="Arial" panose="020B0604020202020204" pitchFamily="34" charset="0"/>
-              <a:buChar char="•"/>
-            </a:pPr>
-            <a:r>
-              <a:rPr lang="en-US" altLang="zh-CN" dirty="0" smtClean="0"/>
-              <a:t>Service discovery</a:t>
-            </a:r>
-          </a:p>
-          <a:p>
-            <a:pPr marL="285750" indent="-285750">
-              <a:buFont typeface="Arial" panose="020B0604020202020204" pitchFamily="34" charset="0"/>
-              <a:buChar char="•"/>
-            </a:pPr>
-            <a:r>
-              <a:rPr lang="en-US" altLang="zh-CN" dirty="0" smtClean="0"/>
-              <a:t>Message queue</a:t>
-            </a:r>
-          </a:p>
-          <a:p>
-            <a:pPr marL="285750" indent="-285750">
-              <a:buFont typeface="Arial" panose="020B0604020202020204" pitchFamily="34" charset="0"/>
-              <a:buChar char="•"/>
-            </a:pPr>
-            <a:r>
-              <a:rPr lang="en-US" altLang="zh-CN" dirty="0" smtClean="0"/>
-              <a:t>Distribute compute</a:t>
-            </a:r>
-          </a:p>
-          <a:p>
-            <a:pPr marL="285750" indent="-285750">
-              <a:buFont typeface="Arial" panose="020B0604020202020204" pitchFamily="34" charset="0"/>
-              <a:buChar char="•"/>
-            </a:pPr>
-            <a:r>
-              <a:rPr lang="en-US" altLang="zh-CN" dirty="0" smtClean="0"/>
-              <a:t>Distribute storage</a:t>
-            </a:r>
-          </a:p>
-          <a:p>
-            <a:endParaRPr lang="zh-CN" altLang="en-US" b="1" dirty="0"/>
+              <a:rPr lang="en-US" altLang="zh-CN" dirty="0"/>
+              <a:t>1.Introduction to RPC</a:t>
+            </a:r>
+          </a:p>
+          <a:p>
+            <a:endParaRPr lang="en-US" altLang="zh-CN" dirty="0" smtClean="0"/>
+          </a:p>
+          <a:p>
+            <a:r>
+              <a:rPr lang="en-US" altLang="zh-CN" dirty="0"/>
+              <a:t>2.Problems of nowadays RPC framework</a:t>
+            </a:r>
+          </a:p>
+          <a:p>
+            <a:endParaRPr lang="en-US" altLang="zh-CN" dirty="0" smtClean="0"/>
+          </a:p>
+          <a:p>
+            <a:r>
+              <a:rPr lang="en-US" altLang="zh-CN" dirty="0"/>
+              <a:t>3.Challenges in developing a high performance and easy to use RPC framework</a:t>
+            </a:r>
+          </a:p>
+          <a:p>
+            <a:endParaRPr lang="en-US" altLang="zh-CN" dirty="0" smtClean="0"/>
+          </a:p>
+          <a:p>
+            <a:r>
+              <a:rPr lang="en-US" altLang="zh-CN" dirty="0"/>
+              <a:t>4.Key technologies</a:t>
+            </a:r>
+          </a:p>
+          <a:p>
+            <a:endParaRPr lang="en-US" altLang="zh-CN" dirty="0"/>
+          </a:p>
+          <a:p>
+            <a:r>
+              <a:rPr lang="en-US" altLang="zh-CN" dirty="0"/>
+              <a:t>5.A little episode </a:t>
+            </a:r>
+          </a:p>
+          <a:p>
+            <a:endParaRPr lang="en-US" altLang="zh-CN" dirty="0"/>
+          </a:p>
+          <a:p>
+            <a:r>
+              <a:rPr lang="en-US" altLang="zh-CN" sz="1800" dirty="0">
+                <a:solidFill>
+                  <a:schemeClr val="accent5"/>
+                </a:solidFill>
+              </a:rPr>
+              <a:t>6.What you can do with it</a:t>
+            </a:r>
+            <a:endParaRPr lang="zh-CN" altLang="en-US" sz="1800" dirty="0">
+              <a:solidFill>
+                <a:schemeClr val="accent5"/>
+              </a:solidFill>
+            </a:endParaRPr>
           </a:p>
         </p:txBody>
       </p:sp>
     </p:spTree>
     <p:extLst>
       <p:ext uri="{BB962C8B-B14F-4D97-AF65-F5344CB8AC3E}">
-        <p14:creationId xmlns:p14="http://schemas.microsoft.com/office/powerpoint/2010/main" val="2546503311"/>
+        <p14:creationId xmlns:p14="http://schemas.microsoft.com/office/powerpoint/2010/main" val="510130146"/>
       </p:ext>
     </p:extLst>
   </p:cSld>
@@ -38054,6 +38839,162 @@
       </p:grpSpPr>
       <p:sp>
         <p:nvSpPr>
+          <p:cNvPr id="2" name="Title 1"/>
+          <p:cNvSpPr>
+            <a:spLocks noGrp="1"/>
+          </p:cNvSpPr>
+          <p:nvPr>
+            <p:ph type="title"/>
+          </p:nvPr>
+        </p:nvSpPr>
+        <p:spPr/>
+        <p:txBody>
+          <a:bodyPr/>
+          <a:lstStyle/>
+          <a:p>
+            <a:r>
+              <a:rPr lang="en-US" altLang="zh-CN" dirty="0" err="1" smtClean="0"/>
+              <a:t>rest_rpc</a:t>
+            </a:r>
+            <a:r>
+              <a:rPr lang="en-US" altLang="zh-CN" dirty="0" smtClean="0"/>
+              <a:t> can be used to do</a:t>
+            </a:r>
+            <a:endParaRPr lang="zh-CN" altLang="en-US" dirty="0"/>
+          </a:p>
+        </p:txBody>
+      </p:sp>
+      <p:sp>
+        <p:nvSpPr>
+          <p:cNvPr id="3" name="Text Placeholder 2"/>
+          <p:cNvSpPr>
+            <a:spLocks noGrp="1"/>
+          </p:cNvSpPr>
+          <p:nvPr>
+            <p:ph type="body" sz="half" idx="2"/>
+          </p:nvPr>
+        </p:nvSpPr>
+        <p:spPr/>
+        <p:txBody>
+          <a:bodyPr/>
+          <a:lstStyle/>
+          <a:p>
+            <a:r>
+              <a:rPr lang="en-US" altLang="zh-CN" b="1" dirty="0" err="1"/>
+              <a:t>Interprocess</a:t>
+            </a:r>
+            <a:r>
+              <a:rPr lang="en-US" altLang="zh-CN" b="1" dirty="0"/>
+              <a:t> </a:t>
+            </a:r>
+            <a:r>
+              <a:rPr lang="en-US" altLang="zh-CN" b="1" dirty="0" smtClean="0"/>
+              <a:t>communication</a:t>
+            </a:r>
+          </a:p>
+          <a:p>
+            <a:endParaRPr lang="en-US" altLang="zh-CN" b="1" dirty="0" smtClean="0"/>
+          </a:p>
+          <a:p>
+            <a:r>
+              <a:rPr lang="en-US" altLang="zh-CN" b="1" dirty="0" smtClean="0"/>
+              <a:t>Distribute system</a:t>
+            </a:r>
+          </a:p>
+          <a:p>
+            <a:pPr marL="285750" indent="-285750">
+              <a:buFont typeface="Arial" panose="020B0604020202020204" pitchFamily="34" charset="0"/>
+              <a:buChar char="•"/>
+            </a:pPr>
+            <a:r>
+              <a:rPr lang="en-US" altLang="zh-CN" dirty="0" smtClean="0"/>
+              <a:t>HA(binary star, raft)</a:t>
+            </a:r>
+          </a:p>
+          <a:p>
+            <a:pPr marL="285750" indent="-285750">
+              <a:buFont typeface="Arial" panose="020B0604020202020204" pitchFamily="34" charset="0"/>
+              <a:buChar char="•"/>
+            </a:pPr>
+            <a:r>
+              <a:rPr lang="en-US" altLang="zh-CN" dirty="0" smtClean="0"/>
+              <a:t>Service discovery</a:t>
+            </a:r>
+          </a:p>
+          <a:p>
+            <a:pPr marL="285750" indent="-285750">
+              <a:buFont typeface="Arial" panose="020B0604020202020204" pitchFamily="34" charset="0"/>
+              <a:buChar char="•"/>
+            </a:pPr>
+            <a:r>
+              <a:rPr lang="en-US" altLang="zh-CN" dirty="0" smtClean="0"/>
+              <a:t>Message queue</a:t>
+            </a:r>
+          </a:p>
+          <a:p>
+            <a:pPr marL="285750" indent="-285750">
+              <a:buFont typeface="Arial" panose="020B0604020202020204" pitchFamily="34" charset="0"/>
+              <a:buChar char="•"/>
+            </a:pPr>
+            <a:r>
+              <a:rPr lang="en-US" altLang="zh-CN" dirty="0" smtClean="0"/>
+              <a:t>Distribute compute</a:t>
+            </a:r>
+          </a:p>
+          <a:p>
+            <a:pPr marL="285750" indent="-285750">
+              <a:buFont typeface="Arial" panose="020B0604020202020204" pitchFamily="34" charset="0"/>
+              <a:buChar char="•"/>
+            </a:pPr>
+            <a:r>
+              <a:rPr lang="en-US" altLang="zh-CN" dirty="0" smtClean="0"/>
+              <a:t>Distribute storage</a:t>
+            </a:r>
+          </a:p>
+          <a:p>
+            <a:endParaRPr lang="zh-CN" altLang="en-US" b="1" dirty="0"/>
+          </a:p>
+        </p:txBody>
+      </p:sp>
+    </p:spTree>
+    <p:extLst>
+      <p:ext uri="{BB962C8B-B14F-4D97-AF65-F5344CB8AC3E}">
+        <p14:creationId xmlns:p14="http://schemas.microsoft.com/office/powerpoint/2010/main" val="2546503311"/>
+      </p:ext>
+    </p:extLst>
+  </p:cSld>
+  <p:clrMapOvr>
+    <a:masterClrMapping/>
+  </p:clrMapOvr>
+  <p:timing>
+    <p:tnLst>
+      <p:par>
+        <p:cTn id="1" dur="indefinite" restart="never" nodeType="tmRoot"/>
+      </p:par>
+    </p:tnLst>
+  </p:timing>
+</p:sld>
+</file>
+
+<file path=ppt/slides/slide62.xml><?xml version="1.0" encoding="utf-8"?>
+<p:sld xmlns:a="http://schemas.openxmlformats.org/drawingml/2006/main" xmlns:r="http://schemas.openxmlformats.org/officeDocument/2006/relationships" xmlns:p="http://schemas.openxmlformats.org/presentationml/2006/main">
+  <p:cSld>
+    <p:spTree>
+      <p:nvGrpSpPr>
+        <p:cNvPr id="1" name=""/>
+        <p:cNvGrpSpPr/>
+        <p:nvPr/>
+      </p:nvGrpSpPr>
+      <p:grpSpPr>
+        <a:xfrm>
+          <a:off x="0" y="0"/>
+          <a:ext cx="0" cy="0"/>
+          <a:chOff x="0" y="0"/>
+          <a:chExt cx="0" cy="0"/>
+        </a:xfrm>
+      </p:grpSpPr>
+      <p:sp>
+        <p:nvSpPr>
           <p:cNvPr id="2" name="标题 1"/>
           <p:cNvSpPr>
             <a:spLocks noGrp="1"/>
@@ -38184,7 +39125,7 @@
 </p:sld>
 </file>
 
-<file path=ppt/slides/slide62.xml><?xml version="1.0" encoding="utf-8"?>
+<file path=ppt/slides/slide63.xml><?xml version="1.0" encoding="utf-8"?>
 <p:sld xmlns:a="http://schemas.openxmlformats.org/drawingml/2006/main" xmlns:r="http://schemas.openxmlformats.org/officeDocument/2006/relationships" xmlns:p="http://schemas.openxmlformats.org/presentationml/2006/main">
   <p:cSld>
     <p:spTree>
@@ -38321,11 +39262,11 @@
           <a:lstStyle/>
           <a:p>
             <a:r>
-              <a:rPr lang="en-US" altLang="zh-CN" dirty="0" smtClean="0"/>
+              <a:rPr lang="en-US" altLang="zh-CN" dirty="0"/>
               <a:t>What is </a:t>
             </a:r>
             <a:r>
-              <a:rPr lang="en-US" altLang="zh-CN" dirty="0" err="1" smtClean="0"/>
+              <a:rPr lang="en-US" altLang="zh-CN" dirty="0" err="1"/>
               <a:t>rest_rpc</a:t>
             </a:r>
             <a:endParaRPr lang="zh-CN" altLang="en-US" dirty="0"/>
@@ -38348,16 +39289,271 @@
           <a:lstStyle/>
           <a:p>
             <a:r>
+              <a:rPr lang="en-US" altLang="zh-CN" b="1" dirty="0" smtClean="0"/>
+              <a:t>client code:</a:t>
+            </a:r>
+          </a:p>
+          <a:p>
+            <a:endParaRPr lang="en-US" altLang="zh-CN" b="1" dirty="0" smtClean="0"/>
+          </a:p>
+          <a:p>
+            <a:r>
+              <a:rPr lang="en-US" altLang="zh-CN" dirty="0" smtClean="0"/>
+              <a:t>// </a:t>
+            </a:r>
+            <a:r>
+              <a:rPr lang="en-US" altLang="zh-CN" dirty="0"/>
+              <a:t>Defines the call definition, check the grammar at compile time</a:t>
+            </a:r>
+          </a:p>
+          <a:p>
+            <a:r>
+              <a:rPr lang="en-US" altLang="zh-CN" dirty="0" smtClean="0"/>
+              <a:t>TIMAX_DEFINE_PROTOCOL(add</a:t>
+            </a:r>
+            <a:r>
+              <a:rPr lang="en-US" altLang="zh-CN" dirty="0"/>
+              <a:t>, </a:t>
+            </a:r>
+            <a:r>
+              <a:rPr lang="en-US" altLang="zh-CN" dirty="0" err="1"/>
+              <a:t>int</a:t>
+            </a:r>
+            <a:r>
+              <a:rPr lang="en-US" altLang="zh-CN" dirty="0"/>
+              <a:t>(</a:t>
+            </a:r>
+            <a:r>
+              <a:rPr lang="en-US" altLang="zh-CN" dirty="0" err="1"/>
+              <a:t>int</a:t>
+            </a:r>
+            <a:r>
+              <a:rPr lang="en-US" altLang="zh-CN" dirty="0"/>
+              <a:t>, </a:t>
+            </a:r>
+            <a:r>
+              <a:rPr lang="en-US" altLang="zh-CN" dirty="0" err="1"/>
+              <a:t>int</a:t>
+            </a:r>
+            <a:r>
+              <a:rPr lang="en-US" altLang="zh-CN" dirty="0" smtClean="0"/>
+              <a:t>));</a:t>
+            </a:r>
+          </a:p>
+          <a:p>
+            <a:endParaRPr lang="en-US" altLang="zh-CN" dirty="0"/>
+          </a:p>
+          <a:p>
+            <a:r>
+              <a:rPr lang="en-US" altLang="zh-CN" dirty="0"/>
+              <a:t> </a:t>
+            </a:r>
+            <a:r>
+              <a:rPr lang="en-US" altLang="zh-CN" dirty="0" err="1"/>
+              <a:t>int</a:t>
+            </a:r>
+            <a:r>
+              <a:rPr lang="en-US" altLang="zh-CN" dirty="0"/>
+              <a:t> main()</a:t>
+            </a:r>
+          </a:p>
+          <a:p>
+            <a:r>
+              <a:rPr lang="en-US" altLang="zh-CN" dirty="0"/>
+              <a:t>  {</a:t>
+            </a:r>
+          </a:p>
+          <a:p>
+            <a:r>
+              <a:rPr lang="en-US" altLang="zh-CN" dirty="0"/>
+              <a:t>  	// Define synchronous client and </a:t>
+            </a:r>
+            <a:r>
+              <a:rPr lang="en-US" altLang="zh-CN" dirty="0" err="1"/>
+              <a:t>msgpack</a:t>
+            </a:r>
+            <a:r>
+              <a:rPr lang="en-US" altLang="zh-CN" dirty="0"/>
+              <a:t> serialization</a:t>
+            </a:r>
+          </a:p>
+          <a:p>
+            <a:r>
+              <a:rPr lang="en-US" altLang="zh-CN" dirty="0"/>
+              <a:t>  	</a:t>
+            </a:r>
+            <a:r>
+              <a:rPr lang="en-US" altLang="zh-CN" dirty="0" err="1" smtClean="0"/>
+              <a:t>rpc</a:t>
+            </a:r>
+            <a:r>
+              <a:rPr lang="en-US" altLang="zh-CN" dirty="0" smtClean="0"/>
+              <a:t>::</a:t>
+            </a:r>
+            <a:r>
+              <a:rPr lang="en-US" altLang="zh-CN" dirty="0" err="1" smtClean="0"/>
+              <a:t>sync_client</a:t>
+            </a:r>
+            <a:r>
+              <a:rPr lang="en-US" altLang="zh-CN" dirty="0" smtClean="0"/>
+              <a:t>&lt;</a:t>
+            </a:r>
+            <a:r>
+              <a:rPr lang="en-US" altLang="zh-CN" dirty="0" err="1" smtClean="0"/>
+              <a:t>msgpack_codec</a:t>
+            </a:r>
+            <a:r>
+              <a:rPr lang="en-US" altLang="zh-CN" dirty="0"/>
+              <a:t>&gt; client; </a:t>
+            </a:r>
+          </a:p>
+          <a:p>
+            <a:endParaRPr lang="en-US" altLang="zh-CN" dirty="0"/>
+          </a:p>
+          <a:p>
+            <a:r>
+              <a:rPr lang="en-US" altLang="zh-CN" dirty="0" smtClean="0"/>
+              <a:t>	//RPC request contains service name and arguments</a:t>
+            </a:r>
+          </a:p>
+          <a:p>
+            <a:r>
+              <a:rPr lang="en-US" altLang="zh-CN" dirty="0"/>
+              <a:t>	auto endpoint = </a:t>
+            </a:r>
+            <a:r>
+              <a:rPr lang="en-US" altLang="zh-CN" dirty="0" err="1"/>
+              <a:t>timax</a:t>
+            </a:r>
+            <a:r>
+              <a:rPr lang="en-US" altLang="zh-CN" dirty="0"/>
+              <a:t>::</a:t>
+            </a:r>
+            <a:r>
+              <a:rPr lang="en-US" altLang="zh-CN" dirty="0" err="1"/>
+              <a:t>rpc</a:t>
+            </a:r>
+            <a:r>
+              <a:rPr lang="en-US" altLang="zh-CN" dirty="0"/>
+              <a:t>::</a:t>
+            </a:r>
+            <a:r>
+              <a:rPr lang="en-US" altLang="zh-CN" dirty="0" err="1"/>
+              <a:t>get_tcp_endpoint</a:t>
+            </a:r>
+            <a:r>
+              <a:rPr lang="en-US" altLang="zh-CN" dirty="0"/>
+              <a:t>("127.0.0.1", 9000);</a:t>
+            </a:r>
+          </a:p>
+          <a:p>
+            <a:r>
+              <a:rPr lang="en-US" altLang="zh-CN" dirty="0"/>
+              <a:t>  	auto result = </a:t>
+            </a:r>
+            <a:r>
+              <a:rPr lang="en-US" altLang="zh-CN" dirty="0" err="1"/>
+              <a:t>client.call</a:t>
+            </a:r>
+            <a:r>
+              <a:rPr lang="en-US" altLang="zh-CN" dirty="0"/>
+              <a:t>(endpoint, add, 1, 2); </a:t>
+            </a:r>
+          </a:p>
+          <a:p>
+            <a:r>
+              <a:rPr lang="en-US" altLang="zh-CN" dirty="0"/>
+              <a:t>  	assert(result == 3);</a:t>
+            </a:r>
+          </a:p>
+          <a:p>
+            <a:r>
+              <a:rPr lang="en-US" altLang="zh-CN" dirty="0"/>
+              <a:t>  }</a:t>
+            </a:r>
+            <a:endParaRPr lang="zh-CN" altLang="en-US" dirty="0"/>
+          </a:p>
+        </p:txBody>
+      </p:sp>
+    </p:spTree>
+    <p:extLst>
+      <p:ext uri="{BB962C8B-B14F-4D97-AF65-F5344CB8AC3E}">
+        <p14:creationId xmlns:p14="http://schemas.microsoft.com/office/powerpoint/2010/main" val="3647151512"/>
+      </p:ext>
+    </p:extLst>
+  </p:cSld>
+  <p:clrMapOvr>
+    <a:masterClrMapping/>
+  </p:clrMapOvr>
+</p:sld>
+</file>
+
+<file path=ppt/slides/slide8.xml><?xml version="1.0" encoding="utf-8"?>
+<p:sld xmlns:a="http://schemas.openxmlformats.org/drawingml/2006/main" xmlns:r="http://schemas.openxmlformats.org/officeDocument/2006/relationships" xmlns:p="http://schemas.openxmlformats.org/presentationml/2006/main">
+  <p:cSld>
+    <p:spTree>
+      <p:nvGrpSpPr>
+        <p:cNvPr id="1" name=""/>
+        <p:cNvGrpSpPr/>
+        <p:nvPr/>
+      </p:nvGrpSpPr>
+      <p:grpSpPr>
+        <a:xfrm>
+          <a:off x="0" y="0"/>
+          <a:ext cx="0" cy="0"/>
+          <a:chOff x="0" y="0"/>
+          <a:chExt cx="0" cy="0"/>
+        </a:xfrm>
+      </p:grpSpPr>
+      <p:sp>
+        <p:nvSpPr>
+          <p:cNvPr id="2" name="标题 1"/>
+          <p:cNvSpPr>
+            <a:spLocks noGrp="1"/>
+          </p:cNvSpPr>
+          <p:nvPr>
+            <p:ph type="title"/>
+          </p:nvPr>
+        </p:nvSpPr>
+        <p:spPr/>
+        <p:txBody>
+          <a:bodyPr/>
+          <a:lstStyle/>
+          <a:p>
+            <a:r>
+              <a:rPr lang="en-US" altLang="zh-CN" dirty="0" smtClean="0"/>
+              <a:t>What is </a:t>
+            </a:r>
+            <a:r>
+              <a:rPr lang="en-US" altLang="zh-CN" dirty="0" err="1" smtClean="0"/>
+              <a:t>rest_rpc</a:t>
+            </a:r>
+            <a:endParaRPr lang="zh-CN" altLang="en-US" dirty="0"/>
+          </a:p>
+        </p:txBody>
+      </p:sp>
+      <p:sp>
+        <p:nvSpPr>
+          <p:cNvPr id="3" name="文本占位符 2"/>
+          <p:cNvSpPr>
+            <a:spLocks noGrp="1"/>
+          </p:cNvSpPr>
+          <p:nvPr>
+            <p:ph type="body" sz="half" idx="2"/>
+          </p:nvPr>
+        </p:nvSpPr>
+        <p:spPr/>
+        <p:txBody>
+          <a:bodyPr/>
+          <a:lstStyle/>
+          <a:p>
+            <a:r>
               <a:rPr lang="en-US" altLang="zh-CN" b="1" dirty="0" err="1" smtClean="0"/>
               <a:t>grpc</a:t>
             </a:r>
             <a:r>
               <a:rPr lang="en-US" altLang="zh-CN" b="1" dirty="0" smtClean="0"/>
-              <a:t> from </a:t>
-            </a:r>
-            <a:r>
-              <a:rPr lang="en-US" altLang="zh-CN" b="1" dirty="0" smtClean="0"/>
-              <a:t>google</a:t>
+              <a:t> from google</a:t>
             </a:r>
           </a:p>
           <a:p>
@@ -40419,7 +41615,7 @@
 </p:sld>
 </file>
 
-<file path=ppt/slides/slide8.xml><?xml version="1.0" encoding="utf-8"?>
+<file path=ppt/slides/slide9.xml><?xml version="1.0" encoding="utf-8"?>
 <p:sld xmlns:a="http://schemas.openxmlformats.org/drawingml/2006/main" xmlns:r="http://schemas.openxmlformats.org/officeDocument/2006/relationships" xmlns:p="http://schemas.openxmlformats.org/presentationml/2006/main">
   <p:cSld>
     <p:spTree>
@@ -42082,585 +43278,6 @@
       <p:bldP spid="6" grpId="0"/>
       <p:bldP spid="7" grpId="0" animBg="1"/>
     </p:bldLst>
-  </p:timing>
-</p:sld>
-</file>
-
-<file path=ppt/slides/slide9.xml><?xml version="1.0" encoding="utf-8"?>
-<p:sld xmlns:a="http://schemas.openxmlformats.org/drawingml/2006/main" xmlns:r="http://schemas.openxmlformats.org/officeDocument/2006/relationships" xmlns:p="http://schemas.openxmlformats.org/presentationml/2006/main">
-  <p:cSld>
-    <p:spTree>
-      <p:nvGrpSpPr>
-        <p:cNvPr id="1" name=""/>
-        <p:cNvGrpSpPr/>
-        <p:nvPr/>
-      </p:nvGrpSpPr>
-      <p:grpSpPr>
-        <a:xfrm>
-          <a:off x="0" y="0"/>
-          <a:ext cx="0" cy="0"/>
-          <a:chOff x="0" y="0"/>
-          <a:chExt cx="0" cy="0"/>
-        </a:xfrm>
-      </p:grpSpPr>
-      <p:sp>
-        <p:nvSpPr>
-          <p:cNvPr id="2" name="标题 1"/>
-          <p:cNvSpPr>
-            <a:spLocks noGrp="1"/>
-          </p:cNvSpPr>
-          <p:nvPr>
-            <p:ph type="title"/>
-          </p:nvPr>
-        </p:nvSpPr>
-        <p:spPr/>
-        <p:txBody>
-          <a:bodyPr/>
-          <a:lstStyle/>
-          <a:p>
-            <a:r>
-              <a:rPr lang="en-US" altLang="zh-CN" dirty="0"/>
-              <a:t>Problems</a:t>
-            </a:r>
-            <a:endParaRPr lang="zh-CN" altLang="en-US" dirty="0"/>
-          </a:p>
-        </p:txBody>
-      </p:sp>
-      <p:sp>
-        <p:nvSpPr>
-          <p:cNvPr id="3" name="文本占位符 2"/>
-          <p:cNvSpPr>
-            <a:spLocks noGrp="1"/>
-          </p:cNvSpPr>
-          <p:nvPr>
-            <p:ph type="body" sz="half" idx="2"/>
-          </p:nvPr>
-        </p:nvSpPr>
-        <p:spPr/>
-        <p:txBody>
-          <a:bodyPr/>
-          <a:lstStyle/>
-          <a:p>
-            <a:r>
-              <a:rPr lang="en-US" altLang="zh-CN" dirty="0" err="1" smtClean="0"/>
-              <a:t>grpc</a:t>
-            </a:r>
-            <a:r>
-              <a:rPr lang="en-US" altLang="zh-CN" dirty="0" smtClean="0"/>
-              <a:t>, sofa-</a:t>
-            </a:r>
-            <a:r>
-              <a:rPr lang="en-US" altLang="zh-CN" dirty="0" err="1" smtClean="0"/>
-              <a:t>pbrpc</a:t>
-            </a:r>
-            <a:r>
-              <a:rPr lang="en-US" altLang="zh-CN" dirty="0" smtClean="0"/>
-              <a:t>, pebble all three are based on </a:t>
-            </a:r>
-            <a:r>
-              <a:rPr lang="en-US" altLang="zh-CN" dirty="0" err="1" smtClean="0"/>
-              <a:t>pb</a:t>
-            </a:r>
-            <a:endParaRPr lang="en-US" altLang="zh-CN" dirty="0" smtClean="0"/>
-          </a:p>
-          <a:p>
-            <a:endParaRPr lang="en-US" altLang="zh-CN" dirty="0"/>
-          </a:p>
-          <a:p>
-            <a:r>
-              <a:rPr lang="en-US" altLang="zh-CN" b="1" dirty="0" smtClean="0"/>
-              <a:t>need define protocol </a:t>
-            </a:r>
-            <a:r>
-              <a:rPr lang="en-US" altLang="zh-CN" b="1" dirty="0"/>
-              <a:t>file, </a:t>
-            </a:r>
-            <a:r>
-              <a:rPr lang="en-US" altLang="zh-CN" b="1" dirty="0" smtClean="0"/>
-              <a:t>complication and high learning cost</a:t>
-            </a:r>
-          </a:p>
-          <a:p>
-            <a:endParaRPr lang="en-US" altLang="zh-CN" dirty="0" smtClean="0"/>
-          </a:p>
-          <a:p>
-            <a:r>
-              <a:rPr lang="en-US" altLang="zh-CN" b="1" dirty="0" smtClean="0"/>
-              <a:t>many restrictions, must inherit, no freedom</a:t>
-            </a:r>
-          </a:p>
-          <a:p>
-            <a:endParaRPr lang="en-US" altLang="zh-CN" dirty="0" smtClean="0"/>
-          </a:p>
-          <a:p>
-            <a:r>
-              <a:rPr lang="en-US" altLang="zh-CN" b="1" dirty="0" smtClean="0"/>
-              <a:t>just only support one protocol</a:t>
-            </a:r>
-          </a:p>
-          <a:p>
-            <a:endParaRPr lang="en-US" altLang="zh-CN" dirty="0" smtClean="0"/>
-          </a:p>
-          <a:p>
-            <a:r>
-              <a:rPr lang="en-US" altLang="zh-CN" b="1" dirty="0" smtClean="0"/>
-              <a:t>you should know many details of framework and network</a:t>
-            </a:r>
-            <a:endParaRPr lang="zh-CN" altLang="en-US" b="1" dirty="0"/>
-          </a:p>
-        </p:txBody>
-      </p:sp>
-    </p:spTree>
-    <p:extLst>
-      <p:ext uri="{BB962C8B-B14F-4D97-AF65-F5344CB8AC3E}">
-        <p14:creationId xmlns:p14="http://schemas.microsoft.com/office/powerpoint/2010/main" val="2498821999"/>
-      </p:ext>
-    </p:extLst>
-  </p:cSld>
-  <p:clrMapOvr>
-    <a:masterClrMapping/>
-  </p:clrMapOvr>
-  <p:timing>
-    <p:tnLst>
-      <p:par>
-        <p:cTn id="1" dur="indefinite" restart="never" nodeType="tmRoot">
-          <p:childTnLst>
-            <p:seq concurrent="1" nextAc="seek">
-              <p:cTn id="2" dur="indefinite" nodeType="mainSeq">
-                <p:childTnLst>
-                  <p:par>
-                    <p:cTn id="3" fill="hold">
-                      <p:stCondLst>
-                        <p:cond delay="indefinite"/>
-                      </p:stCondLst>
-                      <p:childTnLst>
-                        <p:par>
-                          <p:cTn id="4" fill="hold">
-                            <p:stCondLst>
-                              <p:cond delay="0"/>
-                            </p:stCondLst>
-                            <p:childTnLst>
-                              <p:par>
-                                <p:cTn id="5" presetID="2" presetClass="entr" presetSubtype="4" fill="hold" nodeType="clickEffect">
-                                  <p:stCondLst>
-                                    <p:cond delay="0"/>
-                                  </p:stCondLst>
-                                  <p:childTnLst>
-                                    <p:set>
-                                      <p:cBhvr>
-                                        <p:cTn id="6" dur="1" fill="hold">
-                                          <p:stCondLst>
-                                            <p:cond delay="0"/>
-                                          </p:stCondLst>
-                                        </p:cTn>
-                                        <p:tgtEl>
-                                          <p:spTgt spid="3">
-                                            <p:txEl>
-                                              <p:pRg st="2" end="2"/>
-                                            </p:txEl>
-                                          </p:spTgt>
-                                        </p:tgtEl>
-                                        <p:attrNameLst>
-                                          <p:attrName>style.visibility</p:attrName>
-                                        </p:attrNameLst>
-                                      </p:cBhvr>
-                                      <p:to>
-                                        <p:strVal val="visible"/>
-                                      </p:to>
-                                    </p:set>
-                                    <p:anim calcmode="lin" valueType="num">
-                                      <p:cBhvr additive="base">
-                                        <p:cTn id="7" dur="500" fill="hold"/>
-                                        <p:tgtEl>
-                                          <p:spTgt spid="3">
-                                            <p:txEl>
-                                              <p:pRg st="2" end="2"/>
-                                            </p:txEl>
-                                          </p:spTgt>
-                                        </p:tgtEl>
-                                        <p:attrNameLst>
-                                          <p:attrName>ppt_x</p:attrName>
-                                        </p:attrNameLst>
-                                      </p:cBhvr>
-                                      <p:tavLst>
-                                        <p:tav tm="0">
-                                          <p:val>
-                                            <p:strVal val="#ppt_x"/>
-                                          </p:val>
-                                        </p:tav>
-                                        <p:tav tm="100000">
-                                          <p:val>
-                                            <p:strVal val="#ppt_x"/>
-                                          </p:val>
-                                        </p:tav>
-                                      </p:tavLst>
-                                    </p:anim>
-                                    <p:anim calcmode="lin" valueType="num">
-                                      <p:cBhvr additive="base">
-                                        <p:cTn id="8" dur="500" fill="hold"/>
-                                        <p:tgtEl>
-                                          <p:spTgt spid="3">
-                                            <p:txEl>
-                                              <p:pRg st="2" end="2"/>
-                                            </p:txEl>
-                                          </p:spTgt>
-                                        </p:tgtEl>
-                                        <p:attrNameLst>
-                                          <p:attrName>ppt_y</p:attrName>
-                                        </p:attrNameLst>
-                                      </p:cBhvr>
-                                      <p:tavLst>
-                                        <p:tav tm="0">
-                                          <p:val>
-                                            <p:strVal val="1+#ppt_h/2"/>
-                                          </p:val>
-                                        </p:tav>
-                                        <p:tav tm="100000">
-                                          <p:val>
-                                            <p:strVal val="#ppt_y"/>
-                                          </p:val>
-                                        </p:tav>
-                                      </p:tavLst>
-                                    </p:anim>
-                                  </p:childTnLst>
-                                </p:cTn>
-                              </p:par>
-                            </p:childTnLst>
-                          </p:cTn>
-                        </p:par>
-                      </p:childTnLst>
-                    </p:cTn>
-                  </p:par>
-                  <p:par>
-                    <p:cTn id="9" fill="hold">
-                      <p:stCondLst>
-                        <p:cond delay="indefinite"/>
-                      </p:stCondLst>
-                      <p:childTnLst>
-                        <p:par>
-                          <p:cTn id="10" fill="hold">
-                            <p:stCondLst>
-                              <p:cond delay="0"/>
-                            </p:stCondLst>
-                            <p:childTnLst>
-                              <p:par>
-                                <p:cTn id="11" presetID="2" presetClass="entr" presetSubtype="4" fill="hold" nodeType="clickEffect">
-                                  <p:stCondLst>
-                                    <p:cond delay="0"/>
-                                  </p:stCondLst>
-                                  <p:childTnLst>
-                                    <p:set>
-                                      <p:cBhvr>
-                                        <p:cTn id="12" dur="1" fill="hold">
-                                          <p:stCondLst>
-                                            <p:cond delay="0"/>
-                                          </p:stCondLst>
-                                        </p:cTn>
-                                        <p:tgtEl>
-                                          <p:spTgt spid="3">
-                                            <p:txEl>
-                                              <p:pRg st="4" end="4"/>
-                                            </p:txEl>
-                                          </p:spTgt>
-                                        </p:tgtEl>
-                                        <p:attrNameLst>
-                                          <p:attrName>style.visibility</p:attrName>
-                                        </p:attrNameLst>
-                                      </p:cBhvr>
-                                      <p:to>
-                                        <p:strVal val="visible"/>
-                                      </p:to>
-                                    </p:set>
-                                    <p:anim calcmode="lin" valueType="num">
-                                      <p:cBhvr additive="base">
-                                        <p:cTn id="13" dur="500" fill="hold"/>
-                                        <p:tgtEl>
-                                          <p:spTgt spid="3">
-                                            <p:txEl>
-                                              <p:pRg st="4" end="4"/>
-                                            </p:txEl>
-                                          </p:spTgt>
-                                        </p:tgtEl>
-                                        <p:attrNameLst>
-                                          <p:attrName>ppt_x</p:attrName>
-                                        </p:attrNameLst>
-                                      </p:cBhvr>
-                                      <p:tavLst>
-                                        <p:tav tm="0">
-                                          <p:val>
-                                            <p:strVal val="#ppt_x"/>
-                                          </p:val>
-                                        </p:tav>
-                                        <p:tav tm="100000">
-                                          <p:val>
-                                            <p:strVal val="#ppt_x"/>
-                                          </p:val>
-                                        </p:tav>
-                                      </p:tavLst>
-                                    </p:anim>
-                                    <p:anim calcmode="lin" valueType="num">
-                                      <p:cBhvr additive="base">
-                                        <p:cTn id="14" dur="500" fill="hold"/>
-                                        <p:tgtEl>
-                                          <p:spTgt spid="3">
-                                            <p:txEl>
-                                              <p:pRg st="4" end="4"/>
-                                            </p:txEl>
-                                          </p:spTgt>
-                                        </p:tgtEl>
-                                        <p:attrNameLst>
-                                          <p:attrName>ppt_y</p:attrName>
-                                        </p:attrNameLst>
-                                      </p:cBhvr>
-                                      <p:tavLst>
-                                        <p:tav tm="0">
-                                          <p:val>
-                                            <p:strVal val="1+#ppt_h/2"/>
-                                          </p:val>
-                                        </p:tav>
-                                        <p:tav tm="100000">
-                                          <p:val>
-                                            <p:strVal val="#ppt_y"/>
-                                          </p:val>
-                                        </p:tav>
-                                      </p:tavLst>
-                                    </p:anim>
-                                  </p:childTnLst>
-                                </p:cTn>
-                              </p:par>
-                            </p:childTnLst>
-                          </p:cTn>
-                        </p:par>
-                      </p:childTnLst>
-                    </p:cTn>
-                  </p:par>
-                  <p:par>
-                    <p:cTn id="15" fill="hold">
-                      <p:stCondLst>
-                        <p:cond delay="indefinite"/>
-                      </p:stCondLst>
-                      <p:childTnLst>
-                        <p:par>
-                          <p:cTn id="16" fill="hold">
-                            <p:stCondLst>
-                              <p:cond delay="0"/>
-                            </p:stCondLst>
-                            <p:childTnLst>
-                              <p:par>
-                                <p:cTn id="17" presetID="2" presetClass="entr" presetSubtype="4" fill="hold" nodeType="clickEffect">
-                                  <p:stCondLst>
-                                    <p:cond delay="0"/>
-                                  </p:stCondLst>
-                                  <p:childTnLst>
-                                    <p:set>
-                                      <p:cBhvr>
-                                        <p:cTn id="18" dur="1" fill="hold">
-                                          <p:stCondLst>
-                                            <p:cond delay="0"/>
-                                          </p:stCondLst>
-                                        </p:cTn>
-                                        <p:tgtEl>
-                                          <p:spTgt spid="3">
-                                            <p:txEl>
-                                              <p:pRg st="6" end="6"/>
-                                            </p:txEl>
-                                          </p:spTgt>
-                                        </p:tgtEl>
-                                        <p:attrNameLst>
-                                          <p:attrName>style.visibility</p:attrName>
-                                        </p:attrNameLst>
-                                      </p:cBhvr>
-                                      <p:to>
-                                        <p:strVal val="visible"/>
-                                      </p:to>
-                                    </p:set>
-                                    <p:anim calcmode="lin" valueType="num">
-                                      <p:cBhvr additive="base">
-                                        <p:cTn id="19" dur="500" fill="hold"/>
-                                        <p:tgtEl>
-                                          <p:spTgt spid="3">
-                                            <p:txEl>
-                                              <p:pRg st="6" end="6"/>
-                                            </p:txEl>
-                                          </p:spTgt>
-                                        </p:tgtEl>
-                                        <p:attrNameLst>
-                                          <p:attrName>ppt_x</p:attrName>
-                                        </p:attrNameLst>
-                                      </p:cBhvr>
-                                      <p:tavLst>
-                                        <p:tav tm="0">
-                                          <p:val>
-                                            <p:strVal val="#ppt_x"/>
-                                          </p:val>
-                                        </p:tav>
-                                        <p:tav tm="100000">
-                                          <p:val>
-                                            <p:strVal val="#ppt_x"/>
-                                          </p:val>
-                                        </p:tav>
-                                      </p:tavLst>
-                                    </p:anim>
-                                    <p:anim calcmode="lin" valueType="num">
-                                      <p:cBhvr additive="base">
-                                        <p:cTn id="20" dur="500" fill="hold"/>
-                                        <p:tgtEl>
-                                          <p:spTgt spid="3">
-                                            <p:txEl>
-                                              <p:pRg st="6" end="6"/>
-                                            </p:txEl>
-                                          </p:spTgt>
-                                        </p:tgtEl>
-                                        <p:attrNameLst>
-                                          <p:attrName>ppt_y</p:attrName>
-                                        </p:attrNameLst>
-                                      </p:cBhvr>
-                                      <p:tavLst>
-                                        <p:tav tm="0">
-                                          <p:val>
-                                            <p:strVal val="1+#ppt_h/2"/>
-                                          </p:val>
-                                        </p:tav>
-                                        <p:tav tm="100000">
-                                          <p:val>
-                                            <p:strVal val="#ppt_y"/>
-                                          </p:val>
-                                        </p:tav>
-                                      </p:tavLst>
-                                    </p:anim>
-                                  </p:childTnLst>
-                                </p:cTn>
-                              </p:par>
-                            </p:childTnLst>
-                          </p:cTn>
-                        </p:par>
-                      </p:childTnLst>
-                    </p:cTn>
-                  </p:par>
-                  <p:par>
-                    <p:cTn id="21" fill="hold">
-                      <p:stCondLst>
-                        <p:cond delay="indefinite"/>
-                      </p:stCondLst>
-                      <p:childTnLst>
-                        <p:par>
-                          <p:cTn id="22" fill="hold">
-                            <p:stCondLst>
-                              <p:cond delay="0"/>
-                            </p:stCondLst>
-                            <p:childTnLst>
-                              <p:par>
-                                <p:cTn id="23" presetID="2" presetClass="entr" presetSubtype="4" fill="hold" nodeType="clickEffect">
-                                  <p:stCondLst>
-                                    <p:cond delay="0"/>
-                                  </p:stCondLst>
-                                  <p:childTnLst>
-                                    <p:set>
-                                      <p:cBhvr>
-                                        <p:cTn id="24" dur="1" fill="hold">
-                                          <p:stCondLst>
-                                            <p:cond delay="0"/>
-                                          </p:stCondLst>
-                                        </p:cTn>
-                                        <p:tgtEl>
-                                          <p:spTgt spid="3">
-                                            <p:txEl>
-                                              <p:pRg st="8" end="8"/>
-                                            </p:txEl>
-                                          </p:spTgt>
-                                        </p:tgtEl>
-                                        <p:attrNameLst>
-                                          <p:attrName>style.visibility</p:attrName>
-                                        </p:attrNameLst>
-                                      </p:cBhvr>
-                                      <p:to>
-                                        <p:strVal val="visible"/>
-                                      </p:to>
-                                    </p:set>
-                                    <p:anim calcmode="lin" valueType="num">
-                                      <p:cBhvr additive="base">
-                                        <p:cTn id="25" dur="500" fill="hold"/>
-                                        <p:tgtEl>
-                                          <p:spTgt spid="3">
-                                            <p:txEl>
-                                              <p:pRg st="8" end="8"/>
-                                            </p:txEl>
-                                          </p:spTgt>
-                                        </p:tgtEl>
-                                        <p:attrNameLst>
-                                          <p:attrName>ppt_x</p:attrName>
-                                        </p:attrNameLst>
-                                      </p:cBhvr>
-                                      <p:tavLst>
-                                        <p:tav tm="0">
-                                          <p:val>
-                                            <p:strVal val="#ppt_x"/>
-                                          </p:val>
-                                        </p:tav>
-                                        <p:tav tm="100000">
-                                          <p:val>
-                                            <p:strVal val="#ppt_x"/>
-                                          </p:val>
-                                        </p:tav>
-                                      </p:tavLst>
-                                    </p:anim>
-                                    <p:anim calcmode="lin" valueType="num">
-                                      <p:cBhvr additive="base">
-                                        <p:cTn id="26" dur="500" fill="hold"/>
-                                        <p:tgtEl>
-                                          <p:spTgt spid="3">
-                                            <p:txEl>
-                                              <p:pRg st="8" end="8"/>
-                                            </p:txEl>
-                                          </p:spTgt>
-                                        </p:tgtEl>
-                                        <p:attrNameLst>
-                                          <p:attrName>ppt_y</p:attrName>
-                                        </p:attrNameLst>
-                                      </p:cBhvr>
-                                      <p:tavLst>
-                                        <p:tav tm="0">
-                                          <p:val>
-                                            <p:strVal val="1+#ppt_h/2"/>
-                                          </p:val>
-                                        </p:tav>
-                                        <p:tav tm="100000">
-                                          <p:val>
-                                            <p:strVal val="#ppt_y"/>
-                                          </p:val>
-                                        </p:tav>
-                                      </p:tavLst>
-                                    </p:anim>
-                                  </p:childTnLst>
-                                </p:cTn>
-                              </p:par>
-                            </p:childTnLst>
-                          </p:cTn>
-                        </p:par>
-                      </p:childTnLst>
-                    </p:cTn>
-                  </p:par>
-                </p:childTnLst>
-              </p:cTn>
-              <p:prevCondLst>
-                <p:cond evt="onPrev" delay="0">
-                  <p:tgtEl>
-                    <p:sldTgt/>
-                  </p:tgtEl>
-                </p:cond>
-              </p:prevCondLst>
-              <p:nextCondLst>
-                <p:cond evt="onNext" delay="0">
-                  <p:tgtEl>
-                    <p:sldTgt/>
-                  </p:tgtEl>
-                </p:cond>
-              </p:nextCondLst>
-            </p:seq>
-          </p:childTnLst>
-        </p:cTn>
-      </p:par>
-    </p:tnLst>
   </p:timing>
 </p:sld>
 </file>

--- a/An easy to use RPC framework implemented by c++11 and c++14.pptx
+++ b/An easy to use RPC framework implemented by c++11 and c++14.pptx
@@ -1055,11 +1055,7 @@
           <a:p>
             <a:r>
               <a:rPr lang="en-US" altLang="zh-CN" dirty="0" smtClean="0"/>
-              <a:t>So you just need five lines code to finish the client RPC call. it’s very simple</a:t>
-            </a:r>
-            <a:r>
-              <a:rPr lang="en-US" altLang="zh-CN" dirty="0" smtClean="0"/>
-              <a:t>. </a:t>
+              <a:t>So you just need five lines code to finish the client RPC call. it’s very simple. </a:t>
             </a:r>
             <a:r>
               <a:rPr lang="en-US" altLang="zh-CN" dirty="0" err="1" smtClean="0"/>
@@ -1228,11 +1224,7 @@
           <a:p>
             <a:r>
               <a:rPr lang="en-US" altLang="zh-CN" dirty="0" smtClean="0"/>
-              <a:t>From the example you can find both the client and the server need do very little things. the server just need register the business logic handler, and the client just need call with arguments.in a word the user just need focus on business, and needn’t care about anything else. So you can rapidly develop your application, this embodies the </a:t>
-            </a:r>
-            <a:r>
-              <a:rPr lang="en-US" altLang="zh-CN" dirty="0" smtClean="0"/>
-              <a:t>compelling value proposition of the </a:t>
+              <a:t>From the example you can find both the client and the server need do very little things. the server just need register the business logic handler, and the client just need call with arguments.in a word the user just need focus on business, and needn’t care about anything else. So you can rapidly develop your application, this embodies the compelling value proposition of the </a:t>
             </a:r>
             <a:r>
               <a:rPr lang="en-US" altLang="zh-CN" dirty="0" err="1" smtClean="0"/>
@@ -1472,11 +1464,7 @@
           <a:p>
             <a:r>
               <a:rPr lang="en-US" altLang="zh-CN" dirty="0" smtClean="0"/>
-              <a:t>the last challenge is </a:t>
-            </a:r>
-            <a:r>
-              <a:rPr lang="en-US" altLang="zh-CN" dirty="0" smtClean="0"/>
-              <a:t>hide the details of serialization and networking, let users  focus on the business logic.</a:t>
+              <a:t>the last challenge is hide the details of serialization and networking, let users  focus on the business logic.</a:t>
             </a:r>
           </a:p>
           <a:p>
@@ -4977,7 +4965,7 @@
           <a:p>
             <a:r>
               <a:rPr lang="en-US" altLang="zh-CN" dirty="0"/>
-              <a:t>Problems</a:t>
+              <a:t>Challenges</a:t>
             </a:r>
             <a:endParaRPr lang="zh-CN" altLang="en-US" dirty="0"/>
           </a:p>

--- a/An easy to use RPC framework implemented by c++11 and c++14.pptx
+++ b/An easy to use RPC framework implemented by c++11 and c++14.pptx
@@ -924,7 +924,7 @@
           <a:bodyPr/>
           <a:lstStyle/>
           <a:p>
-            <a:endParaRPr lang="zh-CN" altLang="en-US"/>
+            <a:endParaRPr lang="zh-CN" altLang="en-US" dirty="0"/>
           </a:p>
         </p:txBody>
       </p:sp>

--- a/An easy to use RPC framework implemented by c++11 and c++14.pptx
+++ b/An easy to use RPC framework implemented by c++11 and c++14.pptx
@@ -5,7 +5,7 @@
     <p:sldMasterId id="2147483660" r:id="rId1"/>
   </p:sldMasterIdLst>
   <p:notesMasterIdLst>
-    <p:notesMasterId r:id="rId39"/>
+    <p:notesMasterId r:id="rId40"/>
   </p:notesMasterIdLst>
   <p:sldIdLst>
     <p:sldId id="256" r:id="rId2"/>
@@ -22,29 +22,30 @@
     <p:sldId id="278" r:id="rId13"/>
     <p:sldId id="279" r:id="rId14"/>
     <p:sldId id="280" r:id="rId15"/>
-    <p:sldId id="281" r:id="rId16"/>
-    <p:sldId id="282" r:id="rId17"/>
-    <p:sldId id="299" r:id="rId18"/>
-    <p:sldId id="304" r:id="rId19"/>
-    <p:sldId id="303" r:id="rId20"/>
-    <p:sldId id="307" r:id="rId21"/>
-    <p:sldId id="302" r:id="rId22"/>
-    <p:sldId id="308" r:id="rId23"/>
-    <p:sldId id="309" r:id="rId24"/>
-    <p:sldId id="310" r:id="rId25"/>
-    <p:sldId id="311" r:id="rId26"/>
-    <p:sldId id="312" r:id="rId27"/>
-    <p:sldId id="313" r:id="rId28"/>
-    <p:sldId id="314" r:id="rId29"/>
-    <p:sldId id="315" r:id="rId30"/>
-    <p:sldId id="261" r:id="rId31"/>
-    <p:sldId id="316" r:id="rId32"/>
-    <p:sldId id="317" r:id="rId33"/>
-    <p:sldId id="318" r:id="rId34"/>
-    <p:sldId id="262" r:id="rId35"/>
-    <p:sldId id="301" r:id="rId36"/>
-    <p:sldId id="263" r:id="rId37"/>
-    <p:sldId id="264" r:id="rId38"/>
+    <p:sldId id="324" r:id="rId16"/>
+    <p:sldId id="281" r:id="rId17"/>
+    <p:sldId id="282" r:id="rId18"/>
+    <p:sldId id="299" r:id="rId19"/>
+    <p:sldId id="304" r:id="rId20"/>
+    <p:sldId id="303" r:id="rId21"/>
+    <p:sldId id="307" r:id="rId22"/>
+    <p:sldId id="302" r:id="rId23"/>
+    <p:sldId id="308" r:id="rId24"/>
+    <p:sldId id="309" r:id="rId25"/>
+    <p:sldId id="310" r:id="rId26"/>
+    <p:sldId id="311" r:id="rId27"/>
+    <p:sldId id="312" r:id="rId28"/>
+    <p:sldId id="313" r:id="rId29"/>
+    <p:sldId id="314" r:id="rId30"/>
+    <p:sldId id="315" r:id="rId31"/>
+    <p:sldId id="261" r:id="rId32"/>
+    <p:sldId id="316" r:id="rId33"/>
+    <p:sldId id="317" r:id="rId34"/>
+    <p:sldId id="318" r:id="rId35"/>
+    <p:sldId id="262" r:id="rId36"/>
+    <p:sldId id="301" r:id="rId37"/>
+    <p:sldId id="263" r:id="rId38"/>
+    <p:sldId id="264" r:id="rId39"/>
   </p:sldIdLst>
   <p:sldSz cx="9144000" cy="6858000" type="screen4x3"/>
   <p:notesSz cx="6858000" cy="9144000"/>
@@ -790,11 +791,7 @@
             </a:r>
             <a:r>
               <a:rPr lang="en-US" altLang="zh-CN" dirty="0" smtClean="0"/>
-              <a:t>17? no, because the variant type is also fixed </a:t>
-            </a:r>
-            <a:r>
-              <a:rPr lang="en-US" altLang="zh-CN" dirty="0" smtClean="0"/>
-              <a:t>at the time of definition.</a:t>
+              <a:t>17? no, because the variant type is also fixed at the time of definition.</a:t>
             </a:r>
           </a:p>
           <a:p>
@@ -956,6 +953,91 @@
     <p:extLst>
       <p:ext uri="{BB962C8B-B14F-4D97-AF65-F5344CB8AC3E}">
         <p14:creationId xmlns:p14="http://schemas.microsoft.com/office/powerpoint/2010/main" val="3975082187"/>
+      </p:ext>
+    </p:extLst>
+  </p:cSld>
+  <p:clrMapOvr>
+    <a:masterClrMapping/>
+  </p:clrMapOvr>
+</p:notes>
+</file>
+
+<file path=ppt/notesSlides/notesSlide13.xml><?xml version="1.0" encoding="utf-8"?>
+<p:notes xmlns:a="http://schemas.openxmlformats.org/drawingml/2006/main" xmlns:r="http://schemas.openxmlformats.org/officeDocument/2006/relationships" xmlns:p="http://schemas.openxmlformats.org/presentationml/2006/main">
+  <p:cSld>
+    <p:spTree>
+      <p:nvGrpSpPr>
+        <p:cNvPr id="1" name=""/>
+        <p:cNvGrpSpPr/>
+        <p:nvPr/>
+      </p:nvGrpSpPr>
+      <p:grpSpPr>
+        <a:xfrm>
+          <a:off x="0" y="0"/>
+          <a:ext cx="0" cy="0"/>
+          <a:chOff x="0" y="0"/>
+          <a:chExt cx="0" cy="0"/>
+        </a:xfrm>
+      </p:grpSpPr>
+      <p:sp>
+        <p:nvSpPr>
+          <p:cNvPr id="2" name="幻灯片图像占位符 1"/>
+          <p:cNvSpPr>
+            <a:spLocks noGrp="1" noRot="1" noChangeAspect="1"/>
+          </p:cNvSpPr>
+          <p:nvPr>
+            <p:ph type="sldImg"/>
+          </p:nvPr>
+        </p:nvSpPr>
+        <p:spPr/>
+      </p:sp>
+      <p:sp>
+        <p:nvSpPr>
+          <p:cNvPr id="3" name="备注占位符 2"/>
+          <p:cNvSpPr>
+            <a:spLocks noGrp="1"/>
+          </p:cNvSpPr>
+          <p:nvPr>
+            <p:ph type="body" idx="1"/>
+          </p:nvPr>
+        </p:nvSpPr>
+        <p:spPr/>
+        <p:txBody>
+          <a:bodyPr/>
+          <a:lstStyle/>
+          <a:p>
+            <a:endParaRPr lang="zh-CN" altLang="en-US" dirty="0"/>
+          </a:p>
+        </p:txBody>
+      </p:sp>
+      <p:sp>
+        <p:nvSpPr>
+          <p:cNvPr id="4" name="灯片编号占位符 3"/>
+          <p:cNvSpPr>
+            <a:spLocks noGrp="1"/>
+          </p:cNvSpPr>
+          <p:nvPr>
+            <p:ph type="sldNum" sz="quarter" idx="10"/>
+          </p:nvPr>
+        </p:nvSpPr>
+        <p:spPr/>
+        <p:txBody>
+          <a:bodyPr/>
+          <a:lstStyle/>
+          <a:p>
+            <a:fld id="{D907BE37-B124-4F9F-8F7E-44B90AC375A6}" type="slidenum">
+              <a:rPr lang="zh-CN" altLang="en-US" smtClean="0"/>
+              <a:pPr/>
+              <a:t>15</a:t>
+            </a:fld>
+            <a:endParaRPr lang="zh-CN" altLang="en-US"/>
+          </a:p>
+        </p:txBody>
+      </p:sp>
+    </p:spTree>
+    <p:extLst>
+      <p:ext uri="{BB962C8B-B14F-4D97-AF65-F5344CB8AC3E}">
+        <p14:creationId xmlns:p14="http://schemas.microsoft.com/office/powerpoint/2010/main" val="3136727525"/>
       </p:ext>
     </p:extLst>
   </p:cSld>
@@ -5369,11 +5451,7 @@
           <a:p>
             <a:r>
               <a:rPr lang="en-US" altLang="zh-CN" dirty="0"/>
-              <a:t>Register </a:t>
-            </a:r>
-            <a:r>
-              <a:rPr lang="en-US" altLang="zh-CN" dirty="0"/>
-              <a:t>callable of any signature</a:t>
+              <a:t>Register callable of any signature</a:t>
             </a:r>
             <a:endParaRPr lang="zh-CN" altLang="en-US" dirty="0"/>
           </a:p>
@@ -6192,11 +6270,7 @@
           <a:p>
             <a:r>
               <a:rPr lang="en-US" altLang="zh-CN" dirty="0"/>
-              <a:t>Register </a:t>
-            </a:r>
-            <a:r>
-              <a:rPr lang="en-US" altLang="zh-CN" dirty="0"/>
-              <a:t>callable of any signature</a:t>
+              <a:t>Register callable of any signature</a:t>
             </a:r>
             <a:endParaRPr lang="zh-CN" altLang="en-US" dirty="0"/>
           </a:p>
@@ -6467,7 +6541,7 @@
         </p:nvSpPr>
         <p:spPr>
           <a:xfrm>
-            <a:off x="2751918" y="4831968"/>
+            <a:off x="2751918" y="4462636"/>
             <a:ext cx="3486595" cy="369332"/>
           </a:xfrm>
           <a:prstGeom prst="rect">
@@ -7344,7 +7418,7 @@
                             </p:stCondLst>
                             <p:childTnLst>
                               <p:par>
-                                <p:cTn id="57" presetID="26" presetClass="entr" presetSubtype="0" fill="hold" grpId="0" nodeType="clickEffect">
+                                <p:cTn id="57" presetID="2" presetClass="entr" presetSubtype="4" fill="hold" grpId="0" nodeType="clickEffect">
                                   <p:stCondLst>
                                     <p:cond delay="0"/>
                                   </p:stCondLst>
@@ -7367,25 +7441,9 @@
                                         <p:strVal val="visible"/>
                                       </p:to>
                                     </p:set>
-                                    <p:animEffect transition="in" filter="wipe(down)">
-                                      <p:cBhvr>
-                                        <p:cTn id="59" dur="580">
-                                          <p:stCondLst>
-                                            <p:cond delay="0"/>
-                                          </p:stCondLst>
-                                        </p:cTn>
-                                        <p:tgtEl>
-                                          <p:spTgt spid="7"/>
-                                        </p:tgtEl>
-                                      </p:cBhvr>
-                                    </p:animEffect>
                                     <p:anim calcmode="lin" valueType="num">
-                                      <p:cBhvr>
-                                        <p:cTn id="60" dur="1822" tmFilter="0,0; 0.14,0.36; 0.43,0.73; 0.71,0.91; 1.0,1.0">
-                                          <p:stCondLst>
-                                            <p:cond delay="0"/>
-                                          </p:stCondLst>
-                                        </p:cTn>
+                                      <p:cBhvr additive="base">
+                                        <p:cTn id="59" dur="500" fill="hold"/>
                                         <p:tgtEl>
                                           <p:spTgt spid="7"/>
                                         </p:tgtEl>
@@ -7396,7 +7454,7 @@
                                       <p:tavLst>
                                         <p:tav tm="0">
                                           <p:val>
-                                            <p:strVal val="#ppt_x-0.25"/>
+                                            <p:strVal val="#ppt_x"/>
                                           </p:val>
                                         </p:tav>
                                         <p:tav tm="100000">
@@ -7407,12 +7465,8 @@
                                       </p:tavLst>
                                     </p:anim>
                                     <p:anim calcmode="lin" valueType="num">
-                                      <p:cBhvr>
-                                        <p:cTn id="61" dur="664" tmFilter="0.0,0.0; 0.25,0.07; 0.50,0.2; 0.75,0.467; 1.0,1.0">
-                                          <p:stCondLst>
-                                            <p:cond delay="0"/>
-                                          </p:stCondLst>
-                                        </p:cTn>
+                                      <p:cBhvr additive="base">
+                                        <p:cTn id="60" dur="500" fill="hold"/>
                                         <p:tgtEl>
                                           <p:spTgt spid="7"/>
                                         </p:tgtEl>
@@ -7421,203 +7475,18 @@
                                         </p:attrNameLst>
                                       </p:cBhvr>
                                       <p:tavLst>
-                                        <p:tav tm="0" fmla="#ppt_y-sin(pi*$)/3">
-                                          <p:val>
-                                            <p:fltVal val="0.5"/>
+                                        <p:tav tm="0">
+                                          <p:val>
+                                            <p:strVal val="1+#ppt_h/2"/>
                                           </p:val>
                                         </p:tav>
                                         <p:tav tm="100000">
                                           <p:val>
-                                            <p:fltVal val="1"/>
+                                            <p:strVal val="#ppt_y"/>
                                           </p:val>
                                         </p:tav>
                                       </p:tavLst>
                                     </p:anim>
-                                    <p:anim calcmode="lin" valueType="num">
-                                      <p:cBhvr>
-                                        <p:cTn id="62" dur="664" tmFilter="0, 0; 0.125,0.2665; 0.25,0.4; 0.375,0.465; 0.5,0.5;  0.625,0.535; 0.75,0.6; 0.875,0.7335; 1,1">
-                                          <p:stCondLst>
-                                            <p:cond delay="664"/>
-                                          </p:stCondLst>
-                                        </p:cTn>
-                                        <p:tgtEl>
-                                          <p:spTgt spid="7"/>
-                                        </p:tgtEl>
-                                        <p:attrNameLst>
-                                          <p:attrName>ppt_y</p:attrName>
-                                        </p:attrNameLst>
-                                      </p:cBhvr>
-                                      <p:tavLst>
-                                        <p:tav tm="0" fmla="#ppt_y-sin(pi*$)/9">
-                                          <p:val>
-                                            <p:fltVal val="0"/>
-                                          </p:val>
-                                        </p:tav>
-                                        <p:tav tm="100000">
-                                          <p:val>
-                                            <p:fltVal val="1"/>
-                                          </p:val>
-                                        </p:tav>
-                                      </p:tavLst>
-                                    </p:anim>
-                                    <p:anim calcmode="lin" valueType="num">
-                                      <p:cBhvr>
-                                        <p:cTn id="63" dur="332" tmFilter="0, 0; 0.125,0.2665; 0.25,0.4; 0.375,0.465; 0.5,0.5;  0.625,0.535; 0.75,0.6; 0.875,0.7335; 1,1">
-                                          <p:stCondLst>
-                                            <p:cond delay="1324"/>
-                                          </p:stCondLst>
-                                        </p:cTn>
-                                        <p:tgtEl>
-                                          <p:spTgt spid="7"/>
-                                        </p:tgtEl>
-                                        <p:attrNameLst>
-                                          <p:attrName>ppt_y</p:attrName>
-                                        </p:attrNameLst>
-                                      </p:cBhvr>
-                                      <p:tavLst>
-                                        <p:tav tm="0" fmla="#ppt_y-sin(pi*$)/27">
-                                          <p:val>
-                                            <p:fltVal val="0"/>
-                                          </p:val>
-                                        </p:tav>
-                                        <p:tav tm="100000">
-                                          <p:val>
-                                            <p:fltVal val="1"/>
-                                          </p:val>
-                                        </p:tav>
-                                      </p:tavLst>
-                                    </p:anim>
-                                    <p:anim calcmode="lin" valueType="num">
-                                      <p:cBhvr>
-                                        <p:cTn id="64" dur="164" tmFilter="0, 0; 0.125,0.2665; 0.25,0.4; 0.375,0.465; 0.5,0.5;  0.625,0.535; 0.75,0.6; 0.875,0.7335; 1,1">
-                                          <p:stCondLst>
-                                            <p:cond delay="1656"/>
-                                          </p:stCondLst>
-                                        </p:cTn>
-                                        <p:tgtEl>
-                                          <p:spTgt spid="7"/>
-                                        </p:tgtEl>
-                                        <p:attrNameLst>
-                                          <p:attrName>ppt_y</p:attrName>
-                                        </p:attrNameLst>
-                                      </p:cBhvr>
-                                      <p:tavLst>
-                                        <p:tav tm="0" fmla="#ppt_y-sin(pi*$)/81">
-                                          <p:val>
-                                            <p:fltVal val="0"/>
-                                          </p:val>
-                                        </p:tav>
-                                        <p:tav tm="100000">
-                                          <p:val>
-                                            <p:fltVal val="1"/>
-                                          </p:val>
-                                        </p:tav>
-                                      </p:tavLst>
-                                    </p:anim>
-                                    <p:animScale>
-                                      <p:cBhvr>
-                                        <p:cTn id="65" dur="26">
-                                          <p:stCondLst>
-                                            <p:cond delay="650"/>
-                                          </p:stCondLst>
-                                        </p:cTn>
-                                        <p:tgtEl>
-                                          <p:spTgt spid="7"/>
-                                        </p:tgtEl>
-                                      </p:cBhvr>
-                                      <p:to x="100000" y="60000"/>
-                                    </p:animScale>
-                                    <p:animScale>
-                                      <p:cBhvr>
-                                        <p:cTn id="66" dur="166" decel="50000">
-                                          <p:stCondLst>
-                                            <p:cond delay="676"/>
-                                          </p:stCondLst>
-                                        </p:cTn>
-                                        <p:tgtEl>
-                                          <p:spTgt spid="7"/>
-                                        </p:tgtEl>
-                                      </p:cBhvr>
-                                      <p:to x="100000" y="100000"/>
-                                    </p:animScale>
-                                    <p:animScale>
-                                      <p:cBhvr>
-                                        <p:cTn id="67" dur="26">
-                                          <p:stCondLst>
-                                            <p:cond delay="1312"/>
-                                          </p:stCondLst>
-                                        </p:cTn>
-                                        <p:tgtEl>
-                                          <p:spTgt spid="7"/>
-                                        </p:tgtEl>
-                                      </p:cBhvr>
-                                      <p:to x="100000" y="80000"/>
-                                    </p:animScale>
-                                    <p:animScale>
-                                      <p:cBhvr>
-                                        <p:cTn id="68" dur="166" decel="50000">
-                                          <p:stCondLst>
-                                            <p:cond delay="1338"/>
-                                          </p:stCondLst>
-                                        </p:cTn>
-                                        <p:tgtEl>
-                                          <p:spTgt spid="7"/>
-                                        </p:tgtEl>
-                                      </p:cBhvr>
-                                      <p:to x="100000" y="100000"/>
-                                    </p:animScale>
-                                    <p:animScale>
-                                      <p:cBhvr>
-                                        <p:cTn id="69" dur="26">
-                                          <p:stCondLst>
-                                            <p:cond delay="1642"/>
-                                          </p:stCondLst>
-                                        </p:cTn>
-                                        <p:tgtEl>
-                                          <p:spTgt spid="7"/>
-                                        </p:tgtEl>
-                                      </p:cBhvr>
-                                      <p:to x="100000" y="90000"/>
-                                    </p:animScale>
-                                    <p:animScale>
-                                      <p:cBhvr>
-                                        <p:cTn id="70" dur="166" decel="50000">
-                                          <p:stCondLst>
-                                            <p:cond delay="1668"/>
-                                          </p:stCondLst>
-                                        </p:cTn>
-                                        <p:tgtEl>
-                                          <p:spTgt spid="7"/>
-                                        </p:tgtEl>
-                                      </p:cBhvr>
-                                      <p:to x="100000" y="100000"/>
-                                    </p:animScale>
-                                    <p:animScale>
-                                      <p:cBhvr>
-                                        <p:cTn id="71" dur="26">
-                                          <p:stCondLst>
-                                            <p:cond delay="1808"/>
-                                          </p:stCondLst>
-                                        </p:cTn>
-                                        <p:tgtEl>
-                                          <p:spTgt spid="7"/>
-                                        </p:tgtEl>
-                                      </p:cBhvr>
-                                      <p:to x="100000" y="95000"/>
-                                    </p:animScale>
-                                    <p:animScale>
-                                      <p:cBhvr>
-                                        <p:cTn id="72" dur="166" decel="50000">
-                                          <p:stCondLst>
-                                            <p:cond delay="1834"/>
-                                          </p:stCondLst>
-                                        </p:cTn>
-                                        <p:tgtEl>
-                                          <p:spTgt spid="7"/>
-                                        </p:tgtEl>
-                                      </p:cBhvr>
-                                      <p:to x="100000" y="100000"/>
-                                    </p:animScale>
                                   </p:childTnLst>
                                 </p:cTn>
                               </p:par>
@@ -7628,32 +7497,36 @@
                     </p:cTn>
                   </p:par>
                   <p:par>
-                    <p:cTn id="73" fill="hold">
+                    <p:cTn id="61" fill="hold">
                       <p:stCondLst>
                         <p:cond delay="indefinite"/>
                       </p:stCondLst>
                       <p:childTnLst>
                         <p:par>
-                          <p:cTn id="74" fill="hold">
+                          <p:cTn id="62" fill="hold">
                             <p:stCondLst>
                               <p:cond delay="0"/>
                             </p:stCondLst>
                             <p:childTnLst>
                               <p:par>
-                                <p:cTn id="75" presetID="2" presetClass="entr" presetSubtype="4" fill="hold" grpId="0" nodeType="clickEffect">
+                                <p:cTn id="63" presetID="22" presetClass="entr" presetSubtype="8" fill="hold" nodeType="clickEffect">
                                   <p:stCondLst>
                                     <p:cond delay="0"/>
                                   </p:stCondLst>
                                   <p:childTnLst>
                                     <p:set>
                                       <p:cBhvr>
-                                        <p:cTn id="76" dur="1" fill="hold">
+                                        <p:cTn id="64" dur="1" fill="hold">
                                           <p:stCondLst>
                                             <p:cond delay="0"/>
                                           </p:stCondLst>
                                         </p:cTn>
                                         <p:tgtEl>
-                                          <p:spTgt spid="8"/>
+                                          <p:spTgt spid="7">
+                                            <p:txEl>
+                                              <p:pRg st="0" end="0"/>
+                                            </p:txEl>
+                                          </p:spTgt>
                                         </p:tgtEl>
                                         <p:attrNameLst>
                                           <p:attrName>style.visibility</p:attrName>
@@ -7663,9 +7536,82 @@
                                         <p:strVal val="visible"/>
                                       </p:to>
                                     </p:set>
+                                    <p:animEffect transition="in" filter="wipe(left)">
+                                      <p:cBhvr>
+                                        <p:cTn id="65" dur="500"/>
+                                        <p:tgtEl>
+                                          <p:spTgt spid="7">
+                                            <p:txEl>
+                                              <p:pRg st="0" end="0"/>
+                                            </p:txEl>
+                                          </p:spTgt>
+                                        </p:tgtEl>
+                                      </p:cBhvr>
+                                    </p:animEffect>
+                                  </p:childTnLst>
+                                </p:cTn>
+                              </p:par>
+                            </p:childTnLst>
+                          </p:cTn>
+                        </p:par>
+                      </p:childTnLst>
+                    </p:cTn>
+                  </p:par>
+                  <p:par>
+                    <p:cTn id="66" fill="hold">
+                      <p:stCondLst>
+                        <p:cond delay="indefinite"/>
+                      </p:stCondLst>
+                      <p:childTnLst>
+                        <p:par>
+                          <p:cTn id="67" fill="hold">
+                            <p:stCondLst>
+                              <p:cond delay="0"/>
+                            </p:stCondLst>
+                            <p:childTnLst>
+                              <p:par>
+                                <p:cTn id="68" presetID="26" presetClass="entr" presetSubtype="0" fill="hold" grpId="0" nodeType="clickEffect">
+                                  <p:stCondLst>
+                                    <p:cond delay="0"/>
+                                  </p:stCondLst>
+                                  <p:childTnLst>
+                                    <p:set>
+                                      <p:cBhvr>
+                                        <p:cTn id="69" dur="1" fill="hold">
+                                          <p:stCondLst>
+                                            <p:cond delay="0"/>
+                                          </p:stCondLst>
+                                        </p:cTn>
+                                        <p:tgtEl>
+                                          <p:spTgt spid="8"/>
+                                        </p:tgtEl>
+                                        <p:attrNameLst>
+                                          <p:attrName>style.visibility</p:attrName>
+                                        </p:attrNameLst>
+                                      </p:cBhvr>
+                                      <p:to>
+                                        <p:strVal val="visible"/>
+                                      </p:to>
+                                    </p:set>
+                                    <p:animEffect transition="in" filter="wipe(down)">
+                                      <p:cBhvr>
+                                        <p:cTn id="70" dur="580">
+                                          <p:stCondLst>
+                                            <p:cond delay="0"/>
+                                          </p:stCondLst>
+                                        </p:cTn>
+                                        <p:tgtEl>
+                                          <p:spTgt spid="8"/>
+                                        </p:tgtEl>
+                                      </p:cBhvr>
+                                    </p:animEffect>
                                     <p:anim calcmode="lin" valueType="num">
-                                      <p:cBhvr additive="base">
-                                        <p:cTn id="77" dur="500" fill="hold"/>
+                                      <p:cBhvr>
+                                        <p:cTn id="71" dur="1822" tmFilter="0,0; 0.14,0.36; 0.43,0.73; 0.71,0.91; 1.0,1.0">
+                                          <p:stCondLst>
+                                            <p:cond delay="0"/>
+                                          </p:stCondLst>
+                                        </p:cTn>
                                         <p:tgtEl>
                                           <p:spTgt spid="8"/>
                                         </p:tgtEl>
@@ -7676,7 +7622,7 @@
                                       <p:tavLst>
                                         <p:tav tm="0">
                                           <p:val>
-                                            <p:strVal val="#ppt_x"/>
+                                            <p:strVal val="#ppt_x-0.25"/>
                                           </p:val>
                                         </p:tav>
                                         <p:tav tm="100000">
@@ -7687,8 +7633,12 @@
                                       </p:tavLst>
                                     </p:anim>
                                     <p:anim calcmode="lin" valueType="num">
-                                      <p:cBhvr additive="base">
-                                        <p:cTn id="78" dur="500" fill="hold"/>
+                                      <p:cBhvr>
+                                        <p:cTn id="72" dur="664" tmFilter="0.0,0.0; 0.25,0.07; 0.50,0.2; 0.75,0.467; 1.0,1.0">
+                                          <p:stCondLst>
+                                            <p:cond delay="0"/>
+                                          </p:stCondLst>
+                                        </p:cTn>
                                         <p:tgtEl>
                                           <p:spTgt spid="8"/>
                                         </p:tgtEl>
@@ -7697,18 +7647,203 @@
                                         </p:attrNameLst>
                                       </p:cBhvr>
                                       <p:tavLst>
-                                        <p:tav tm="0">
-                                          <p:val>
-                                            <p:strVal val="1+#ppt_h/2"/>
+                                        <p:tav tm="0" fmla="#ppt_y-sin(pi*$)/3">
+                                          <p:val>
+                                            <p:fltVal val="0.5"/>
                                           </p:val>
                                         </p:tav>
                                         <p:tav tm="100000">
                                           <p:val>
-                                            <p:strVal val="#ppt_y"/>
+                                            <p:fltVal val="1"/>
                                           </p:val>
                                         </p:tav>
                                       </p:tavLst>
                                     </p:anim>
+                                    <p:anim calcmode="lin" valueType="num">
+                                      <p:cBhvr>
+                                        <p:cTn id="73" dur="664" tmFilter="0, 0; 0.125,0.2665; 0.25,0.4; 0.375,0.465; 0.5,0.5;  0.625,0.535; 0.75,0.6; 0.875,0.7335; 1,1">
+                                          <p:stCondLst>
+                                            <p:cond delay="664"/>
+                                          </p:stCondLst>
+                                        </p:cTn>
+                                        <p:tgtEl>
+                                          <p:spTgt spid="8"/>
+                                        </p:tgtEl>
+                                        <p:attrNameLst>
+                                          <p:attrName>ppt_y</p:attrName>
+                                        </p:attrNameLst>
+                                      </p:cBhvr>
+                                      <p:tavLst>
+                                        <p:tav tm="0" fmla="#ppt_y-sin(pi*$)/9">
+                                          <p:val>
+                                            <p:fltVal val="0"/>
+                                          </p:val>
+                                        </p:tav>
+                                        <p:tav tm="100000">
+                                          <p:val>
+                                            <p:fltVal val="1"/>
+                                          </p:val>
+                                        </p:tav>
+                                      </p:tavLst>
+                                    </p:anim>
+                                    <p:anim calcmode="lin" valueType="num">
+                                      <p:cBhvr>
+                                        <p:cTn id="74" dur="332" tmFilter="0, 0; 0.125,0.2665; 0.25,0.4; 0.375,0.465; 0.5,0.5;  0.625,0.535; 0.75,0.6; 0.875,0.7335; 1,1">
+                                          <p:stCondLst>
+                                            <p:cond delay="1324"/>
+                                          </p:stCondLst>
+                                        </p:cTn>
+                                        <p:tgtEl>
+                                          <p:spTgt spid="8"/>
+                                        </p:tgtEl>
+                                        <p:attrNameLst>
+                                          <p:attrName>ppt_y</p:attrName>
+                                        </p:attrNameLst>
+                                      </p:cBhvr>
+                                      <p:tavLst>
+                                        <p:tav tm="0" fmla="#ppt_y-sin(pi*$)/27">
+                                          <p:val>
+                                            <p:fltVal val="0"/>
+                                          </p:val>
+                                        </p:tav>
+                                        <p:tav tm="100000">
+                                          <p:val>
+                                            <p:fltVal val="1"/>
+                                          </p:val>
+                                        </p:tav>
+                                      </p:tavLst>
+                                    </p:anim>
+                                    <p:anim calcmode="lin" valueType="num">
+                                      <p:cBhvr>
+                                        <p:cTn id="75" dur="164" tmFilter="0, 0; 0.125,0.2665; 0.25,0.4; 0.375,0.465; 0.5,0.5;  0.625,0.535; 0.75,0.6; 0.875,0.7335; 1,1">
+                                          <p:stCondLst>
+                                            <p:cond delay="1656"/>
+                                          </p:stCondLst>
+                                        </p:cTn>
+                                        <p:tgtEl>
+                                          <p:spTgt spid="8"/>
+                                        </p:tgtEl>
+                                        <p:attrNameLst>
+                                          <p:attrName>ppt_y</p:attrName>
+                                        </p:attrNameLst>
+                                      </p:cBhvr>
+                                      <p:tavLst>
+                                        <p:tav tm="0" fmla="#ppt_y-sin(pi*$)/81">
+                                          <p:val>
+                                            <p:fltVal val="0"/>
+                                          </p:val>
+                                        </p:tav>
+                                        <p:tav tm="100000">
+                                          <p:val>
+                                            <p:fltVal val="1"/>
+                                          </p:val>
+                                        </p:tav>
+                                      </p:tavLst>
+                                    </p:anim>
+                                    <p:animScale>
+                                      <p:cBhvr>
+                                        <p:cTn id="76" dur="26">
+                                          <p:stCondLst>
+                                            <p:cond delay="650"/>
+                                          </p:stCondLst>
+                                        </p:cTn>
+                                        <p:tgtEl>
+                                          <p:spTgt spid="8"/>
+                                        </p:tgtEl>
+                                      </p:cBhvr>
+                                      <p:to x="100000" y="60000"/>
+                                    </p:animScale>
+                                    <p:animScale>
+                                      <p:cBhvr>
+                                        <p:cTn id="77" dur="166" decel="50000">
+                                          <p:stCondLst>
+                                            <p:cond delay="676"/>
+                                          </p:stCondLst>
+                                        </p:cTn>
+                                        <p:tgtEl>
+                                          <p:spTgt spid="8"/>
+                                        </p:tgtEl>
+                                      </p:cBhvr>
+                                      <p:to x="100000" y="100000"/>
+                                    </p:animScale>
+                                    <p:animScale>
+                                      <p:cBhvr>
+                                        <p:cTn id="78" dur="26">
+                                          <p:stCondLst>
+                                            <p:cond delay="1312"/>
+                                          </p:stCondLst>
+                                        </p:cTn>
+                                        <p:tgtEl>
+                                          <p:spTgt spid="8"/>
+                                        </p:tgtEl>
+                                      </p:cBhvr>
+                                      <p:to x="100000" y="80000"/>
+                                    </p:animScale>
+                                    <p:animScale>
+                                      <p:cBhvr>
+                                        <p:cTn id="79" dur="166" decel="50000">
+                                          <p:stCondLst>
+                                            <p:cond delay="1338"/>
+                                          </p:stCondLst>
+                                        </p:cTn>
+                                        <p:tgtEl>
+                                          <p:spTgt spid="8"/>
+                                        </p:tgtEl>
+                                      </p:cBhvr>
+                                      <p:to x="100000" y="100000"/>
+                                    </p:animScale>
+                                    <p:animScale>
+                                      <p:cBhvr>
+                                        <p:cTn id="80" dur="26">
+                                          <p:stCondLst>
+                                            <p:cond delay="1642"/>
+                                          </p:stCondLst>
+                                        </p:cTn>
+                                        <p:tgtEl>
+                                          <p:spTgt spid="8"/>
+                                        </p:tgtEl>
+                                      </p:cBhvr>
+                                      <p:to x="100000" y="90000"/>
+                                    </p:animScale>
+                                    <p:animScale>
+                                      <p:cBhvr>
+                                        <p:cTn id="81" dur="166" decel="50000">
+                                          <p:stCondLst>
+                                            <p:cond delay="1668"/>
+                                          </p:stCondLst>
+                                        </p:cTn>
+                                        <p:tgtEl>
+                                          <p:spTgt spid="8"/>
+                                        </p:tgtEl>
+                                      </p:cBhvr>
+                                      <p:to x="100000" y="100000"/>
+                                    </p:animScale>
+                                    <p:animScale>
+                                      <p:cBhvr>
+                                        <p:cTn id="82" dur="26">
+                                          <p:stCondLst>
+                                            <p:cond delay="1808"/>
+                                          </p:stCondLst>
+                                        </p:cTn>
+                                        <p:tgtEl>
+                                          <p:spTgt spid="8"/>
+                                        </p:tgtEl>
+                                      </p:cBhvr>
+                                      <p:to x="100000" y="95000"/>
+                                    </p:animScale>
+                                    <p:animScale>
+                                      <p:cBhvr>
+                                        <p:cTn id="83" dur="166" decel="50000">
+                                          <p:stCondLst>
+                                            <p:cond delay="1834"/>
+                                          </p:stCondLst>
+                                        </p:cTn>
+                                        <p:tgtEl>
+                                          <p:spTgt spid="8"/>
+                                        </p:tgtEl>
+                                      </p:cBhvr>
+                                      <p:to x="100000" y="100000"/>
+                                    </p:animScale>
                                   </p:childTnLst>
                                 </p:cTn>
                               </p:par>
@@ -7784,11 +7919,7 @@
           <a:p>
             <a:r>
               <a:rPr lang="en-US" altLang="zh-CN" dirty="0"/>
-              <a:t>Register </a:t>
-            </a:r>
-            <a:r>
-              <a:rPr lang="en-US" altLang="zh-CN" dirty="0"/>
-              <a:t>callable of any signature</a:t>
+              <a:t>Register callable of any signature</a:t>
             </a:r>
             <a:endParaRPr lang="zh-CN" altLang="en-US" dirty="0"/>
           </a:p>
@@ -9249,11 +9380,7 @@
           <a:p>
             <a:r>
               <a:rPr lang="en-US" altLang="zh-CN" dirty="0"/>
-              <a:t>Register </a:t>
-            </a:r>
-            <a:r>
-              <a:rPr lang="en-US" altLang="zh-CN" dirty="0"/>
-              <a:t>callable of any signature</a:t>
+              <a:t>Register callable of any signature</a:t>
             </a:r>
             <a:endParaRPr lang="zh-CN" altLang="en-US" dirty="0"/>
           </a:p>
@@ -9275,22 +9402,40 @@
           <a:lstStyle/>
           <a:p>
             <a:r>
-              <a:rPr lang="en-US" altLang="zh-CN" dirty="0"/>
-              <a:t>template&lt;</a:t>
-            </a:r>
-            <a:r>
-              <a:rPr lang="en-US" altLang="zh-CN" dirty="0" err="1"/>
+              <a:rPr lang="en-US" altLang="zh-CN" dirty="0" err="1" smtClean="0"/>
+              <a:t>struct</a:t>
+            </a:r>
+            <a:r>
+              <a:rPr lang="en-US" altLang="zh-CN" dirty="0" smtClean="0"/>
+              <a:t> </a:t>
+            </a:r>
+            <a:r>
+              <a:rPr lang="en-US" altLang="zh-CN" dirty="0" err="1" smtClean="0"/>
+              <a:t>server_t</a:t>
+            </a:r>
+            <a:r>
+              <a:rPr lang="en-US" altLang="zh-CN" dirty="0" smtClean="0"/>
+              <a:t>{</a:t>
+            </a:r>
+          </a:p>
+          <a:p>
+            <a:r>
+              <a:rPr lang="en-US" altLang="zh-CN" dirty="0" smtClean="0"/>
+              <a:t>    template&lt;</a:t>
+            </a:r>
+            <a:r>
+              <a:rPr lang="en-US" altLang="zh-CN" dirty="0" err="1" smtClean="0"/>
               <a:t>typename</a:t>
             </a:r>
             <a:r>
-              <a:rPr lang="en-US" altLang="zh-CN" dirty="0"/>
+              <a:rPr lang="en-US" altLang="zh-CN" dirty="0" smtClean="0"/>
               <a:t> Function&gt;</a:t>
             </a:r>
           </a:p>
           <a:p>
             <a:r>
-              <a:rPr lang="en-US" altLang="zh-CN" dirty="0"/>
-              <a:t>void </a:t>
+              <a:rPr lang="en-US" altLang="zh-CN" dirty="0" smtClean="0"/>
+              <a:t>    void </a:t>
             </a:r>
             <a:r>
               <a:rPr lang="en-US" altLang="zh-CN" dirty="0" err="1"/>
@@ -9326,14 +9471,9 @@
             </a:r>
             <a:r>
               <a:rPr lang="en-US" altLang="zh-CN" dirty="0" smtClean="0"/>
-              <a:t>)</a:t>
-            </a:r>
-          </a:p>
-          <a:p>
-            <a:r>
-              <a:rPr lang="en-US" altLang="zh-CN" dirty="0" smtClean="0"/>
-              <a:t>{</a:t>
-            </a:r>
+              <a:t>){</a:t>
+            </a:r>
+            <a:endParaRPr lang="en-US" altLang="zh-CN" dirty="0" smtClean="0"/>
           </a:p>
           <a:p>
             <a:r>
@@ -9341,8 +9481,8 @@
               <a:t>    </a:t>
             </a:r>
             <a:r>
-              <a:rPr lang="en-US" altLang="zh-CN" dirty="0"/>
-              <a:t>using </a:t>
+              <a:rPr lang="en-US" altLang="zh-CN" dirty="0" smtClean="0"/>
+              <a:t>    using </a:t>
             </a:r>
             <a:r>
               <a:rPr lang="en-US" altLang="zh-CN" dirty="0" err="1"/>
@@ -9354,12 +9494,47 @@
             </a:r>
           </a:p>
           <a:p>
-            <a:endParaRPr lang="en-US" altLang="zh-CN" dirty="0"/>
-          </a:p>
-          <a:p>
+            <a:endParaRPr lang="en-US" altLang="zh-CN" dirty="0" smtClean="0"/>
+          </a:p>
+          <a:p>
+            <a:r>
+              <a:rPr lang="en-US" altLang="zh-CN" dirty="0" smtClean="0"/>
+              <a:t>        this-&gt;invokers_[name] = { </a:t>
+            </a:r>
+            <a:r>
+              <a:rPr lang="en-US" altLang="zh-CN" dirty="0" err="1" smtClean="0"/>
+              <a:t>std</a:t>
+            </a:r>
+            <a:r>
+              <a:rPr lang="en-US" altLang="zh-CN" dirty="0" smtClean="0"/>
+              <a:t>::bind(&amp;invoker&lt;Function&gt;::apply, f, _1) </a:t>
+            </a:r>
+          </a:p>
+          <a:p>
+            <a:r>
+              <a:rPr lang="en-US" altLang="zh-CN" dirty="0" smtClean="0"/>
+              <a:t>    };</a:t>
+            </a:r>
+          </a:p>
+          <a:p>
+            <a:r>
+              <a:rPr lang="en-US" altLang="zh-CN" dirty="0" smtClean="0"/>
+              <a:t>private:</a:t>
+            </a:r>
+            <a:endParaRPr lang="en-US" altLang="zh-CN" dirty="0" smtClean="0"/>
+          </a:p>
+          <a:p>
+            <a:r>
+              <a:rPr lang="en-US" altLang="zh-CN" dirty="0" smtClean="0"/>
+              <a:t>    </a:t>
+            </a:r>
+            <a:r>
+              <a:rPr lang="en-US" altLang="zh-CN" dirty="0" err="1" smtClean="0"/>
+              <a:t>std</a:t>
+            </a:r>
             <a:r>
               <a:rPr lang="en-US" altLang="zh-CN" dirty="0"/>
-              <a:t>    </a:t>
+              <a:t>::map&lt;</a:t>
             </a:r>
             <a:r>
               <a:rPr lang="en-US" altLang="zh-CN" dirty="0" err="1"/>
@@ -9367,7 +9542,7 @@
             </a:r>
             <a:r>
               <a:rPr lang="en-US" altLang="zh-CN" dirty="0"/>
-              <a:t>::map&lt;</a:t>
+              <a:t>::string, </a:t>
             </a:r>
             <a:r>
               <a:rPr lang="en-US" altLang="zh-CN" dirty="0" err="1"/>
@@ -9375,66 +9550,102 @@
             </a:r>
             <a:r>
               <a:rPr lang="en-US" altLang="zh-CN" dirty="0"/>
-              <a:t>::string, </a:t>
-            </a:r>
-            <a:r>
-              <a:rPr lang="en-US" altLang="zh-CN" dirty="0" err="1"/>
-              <a:t>std</a:t>
-            </a:r>
+              <a:t>::function&lt;void(void*)&gt;&gt; </a:t>
+            </a:r>
+            <a:r>
+              <a:rPr lang="en-US" altLang="zh-CN" dirty="0" smtClean="0"/>
+              <a:t>invokers_;</a:t>
+            </a:r>
+            <a:endParaRPr lang="en-US" altLang="zh-CN" dirty="0" smtClean="0"/>
+          </a:p>
+          <a:p>
             <a:r>
               <a:rPr lang="en-US" altLang="zh-CN" dirty="0"/>
-              <a:t>::function&lt;void(void*)&gt;&gt; invokers;</a:t>
-            </a:r>
-          </a:p>
-          <a:p>
-            <a:r>
-              <a:rPr lang="en-US" altLang="zh-CN" dirty="0"/>
-              <a:t>    this-&gt;invokers[name] = { </a:t>
-            </a:r>
-            <a:r>
-              <a:rPr lang="en-US" altLang="zh-CN" dirty="0" err="1" smtClean="0"/>
-              <a:t>std</a:t>
-            </a:r>
-            <a:r>
-              <a:rPr lang="en-US" altLang="zh-CN" dirty="0"/>
-              <a:t>::bind(&amp;invoker&lt;Function&gt;::apply, f, _1) </a:t>
-            </a:r>
-            <a:r>
-              <a:rPr lang="en-US" altLang="zh-CN" dirty="0" smtClean="0"/>
               <a:t>};</a:t>
             </a:r>
-            <a:endParaRPr lang="en-US" altLang="zh-CN" dirty="0"/>
-          </a:p>
-          <a:p>
-            <a:r>
-              <a:rPr lang="en-US" altLang="zh-CN" dirty="0" smtClean="0"/>
-              <a:t>}</a:t>
-            </a:r>
-          </a:p>
-          <a:p>
-            <a:endParaRPr lang="en-US" altLang="zh-CN" dirty="0" smtClean="0"/>
-          </a:p>
-          <a:p>
             <a:r>
               <a:rPr lang="en-US" altLang="zh-CN" dirty="0" smtClean="0">
                 <a:solidFill>
                   <a:srgbClr val="FF0000"/>
                 </a:solidFill>
               </a:rPr>
-              <a:t>		can accept any function</a:t>
-            </a:r>
-          </a:p>
-          <a:p>
-            <a:endParaRPr lang="en-US" altLang="zh-CN" dirty="0" smtClean="0"/>
-          </a:p>
-          <a:p>
+              <a:t>		</a:t>
+            </a:r>
+            <a:endParaRPr lang="en-US" altLang="zh-CN" dirty="0" smtClean="0">
+              <a:solidFill>
+                <a:srgbClr val="FF0000"/>
+              </a:solidFill>
+            </a:endParaRPr>
+          </a:p>
+          <a:p>
+            <a:r>
+              <a:rPr lang="en-US" altLang="zh-CN" dirty="0">
+                <a:solidFill>
+                  <a:srgbClr val="FF0000"/>
+                </a:solidFill>
+              </a:rPr>
+              <a:t>	</a:t>
+            </a:r>
             <a:r>
               <a:rPr lang="en-US" altLang="zh-CN" dirty="0" smtClean="0">
                 <a:solidFill>
                   <a:srgbClr val="FF0000"/>
                 </a:solidFill>
               </a:rPr>
-              <a:t> 	               wrapper function and real function are composed by </a:t>
+              <a:t>	</a:t>
+            </a:r>
+            <a:r>
+              <a:rPr lang="en-US" altLang="zh-CN" dirty="0" smtClean="0">
+                <a:solidFill>
+                  <a:srgbClr val="FF0000"/>
+                </a:solidFill>
+              </a:rPr>
+              <a:t>can </a:t>
+            </a:r>
+            <a:r>
+              <a:rPr lang="en-US" altLang="zh-CN" dirty="0" smtClean="0">
+                <a:solidFill>
+                  <a:srgbClr val="FF0000"/>
+                </a:solidFill>
+              </a:rPr>
+              <a:t>accept any function</a:t>
+            </a:r>
+          </a:p>
+          <a:p>
+            <a:endParaRPr lang="en-US" altLang="zh-CN" dirty="0" smtClean="0"/>
+          </a:p>
+          <a:p>
+            <a:r>
+              <a:rPr lang="en-US" altLang="zh-CN" dirty="0" smtClean="0">
+                <a:solidFill>
+                  <a:srgbClr val="FF0000"/>
+                </a:solidFill>
+              </a:rPr>
+              <a:t> 	               </a:t>
+            </a:r>
+            <a:r>
+              <a:rPr lang="en-US" altLang="zh-CN" dirty="0" smtClean="0">
+                <a:solidFill>
+                  <a:srgbClr val="FF0000"/>
+                </a:solidFill>
+              </a:rPr>
+              <a:t>compose wrapper </a:t>
+            </a:r>
+            <a:r>
+              <a:rPr lang="en-US" altLang="zh-CN" dirty="0" smtClean="0">
+                <a:solidFill>
+                  <a:srgbClr val="FF0000"/>
+                </a:solidFill>
+              </a:rPr>
+              <a:t>function and real function </a:t>
+            </a:r>
+            <a:r>
+              <a:rPr lang="en-US" altLang="zh-CN" dirty="0" smtClean="0">
+                <a:solidFill>
+                  <a:srgbClr val="FF0000"/>
+                </a:solidFill>
+              </a:rPr>
+              <a:t>by </a:t>
             </a:r>
             <a:r>
               <a:rPr lang="en-US" altLang="zh-CN" dirty="0" err="1" smtClean="0">
@@ -9470,6 +9681,14 @@
               <a:t>		</a:t>
             </a:r>
             <a:r>
+              <a:rPr lang="en-US" altLang="zh-CN" dirty="0" smtClean="0">
+                <a:solidFill>
+                  <a:srgbClr val="FF0000"/>
+                </a:solidFill>
+              </a:rPr>
+              <a:t>template class and </a:t>
+            </a:r>
+            <a:r>
               <a:rPr lang="en-US" altLang="zh-CN" dirty="0" err="1" smtClean="0">
                 <a:solidFill>
                   <a:srgbClr val="FF0000"/>
@@ -9478,20 +9697,20 @@
               <a:t>std</a:t>
             </a:r>
             <a:r>
-              <a:rPr lang="en-US" altLang="zh-CN" dirty="0">
+              <a:rPr lang="en-US" altLang="zh-CN" dirty="0" smtClean="0">
                 <a:solidFill>
                   <a:srgbClr val="FF0000"/>
                 </a:solidFill>
               </a:rPr>
-              <a:t>::</a:t>
-            </a:r>
-            <a:r>
-              <a:rPr lang="zh-CN" altLang="en-US" dirty="0">
+              <a:t>::bind</a:t>
+            </a:r>
+            <a:r>
+              <a:rPr lang="zh-CN" altLang="en-US" dirty="0" smtClean="0">
                 <a:solidFill>
                   <a:srgbClr val="FF0000"/>
                 </a:solidFill>
               </a:rPr>
-              <a:t>function </a:t>
+              <a:t> </a:t>
             </a:r>
             <a:r>
               <a:rPr lang="en-US" altLang="zh-CN" dirty="0">
@@ -9518,9 +9737,9 @@
           <p:nvPr/>
         </p:nvSpPr>
         <p:spPr>
-          <a:xfrm rot="4075659">
-            <a:off x="5232572" y="2881214"/>
-            <a:ext cx="227127" cy="1753159"/>
+          <a:xfrm rot="3361887">
+            <a:off x="5624048" y="2705788"/>
+            <a:ext cx="227127" cy="2172867"/>
           </a:xfrm>
           <a:prstGeom prst="downArrow">
             <a:avLst/>
@@ -9562,8 +9781,8 @@
         </p:nvSpPr>
         <p:spPr>
           <a:xfrm>
-            <a:off x="6658346" y="3476580"/>
-            <a:ext cx="227127" cy="1307726"/>
+            <a:off x="6858576" y="3114969"/>
+            <a:ext cx="227127" cy="1878372"/>
           </a:xfrm>
           <a:prstGeom prst="downArrow">
             <a:avLst/>
@@ -9605,7 +9824,7 @@
         </p:nvSpPr>
         <p:spPr>
           <a:xfrm>
-            <a:off x="4293970" y="3054339"/>
+            <a:off x="4625664" y="2707933"/>
             <a:ext cx="2702086" cy="338554"/>
           </a:xfrm>
           <a:prstGeom prst="rect">
@@ -9646,8 +9865,8 @@
         </p:nvSpPr>
         <p:spPr>
           <a:xfrm>
-            <a:off x="6201146" y="3080915"/>
-            <a:ext cx="914400" cy="282479"/>
+            <a:off x="6547013" y="2748723"/>
+            <a:ext cx="885172" cy="282479"/>
           </a:xfrm>
           <a:prstGeom prst="rect">
             <a:avLst/>
@@ -9881,7 +10100,7 @@
                                         <p:tgtEl>
                                           <p:spTgt spid="3">
                                             <p:txEl>
-                                              <p:pRg st="9" end="9"/>
+                                              <p:pRg st="10" end="10"/>
                                             </p:txEl>
                                           </p:spTgt>
                                         </p:tgtEl>
@@ -9899,7 +10118,7 @@
                                         <p:tgtEl>
                                           <p:spTgt spid="3">
                                             <p:txEl>
-                                              <p:pRg st="9" end="9"/>
+                                              <p:pRg st="10" end="10"/>
                                             </p:txEl>
                                           </p:spTgt>
                                         </p:tgtEl>
@@ -10099,7 +10318,7 @@
                                         <p:tgtEl>
                                           <p:spTgt spid="3">
                                             <p:txEl>
-                                              <p:pRg st="11" end="11"/>
+                                              <p:pRg st="12" end="12"/>
                                             </p:txEl>
                                           </p:spTgt>
                                         </p:tgtEl>
@@ -10117,7 +10336,7 @@
                                         <p:tgtEl>
                                           <p:spTgt spid="3">
                                             <p:txEl>
-                                              <p:pRg st="11" end="11"/>
+                                              <p:pRg st="12" end="12"/>
                                             </p:txEl>
                                           </p:spTgt>
                                         </p:tgtEl>
@@ -10160,7 +10379,7 @@
                                         <p:tgtEl>
                                           <p:spTgt spid="3">
                                             <p:txEl>
-                                              <p:pRg st="13" end="13"/>
+                                              <p:pRg st="14" end="14"/>
                                             </p:txEl>
                                           </p:spTgt>
                                         </p:tgtEl>
@@ -10182,7 +10401,7 @@
                                         <p:tgtEl>
                                           <p:spTgt spid="3">
                                             <p:txEl>
-                                              <p:pRg st="13" end="13"/>
+                                              <p:pRg st="14" end="14"/>
                                             </p:txEl>
                                           </p:spTgt>
                                         </p:tgtEl>
@@ -10198,7 +10417,7 @@
                                         <p:tgtEl>
                                           <p:spTgt spid="3">
                                             <p:txEl>
-                                              <p:pRg st="13" end="13"/>
+                                              <p:pRg st="14" end="14"/>
                                             </p:txEl>
                                           </p:spTgt>
                                         </p:tgtEl>
@@ -10229,7 +10448,7 @@
                                         <p:tgtEl>
                                           <p:spTgt spid="3">
                                             <p:txEl>
-                                              <p:pRg st="13" end="13"/>
+                                              <p:pRg st="14" end="14"/>
                                             </p:txEl>
                                           </p:spTgt>
                                         </p:tgtEl>
@@ -10260,7 +10479,7 @@
                                         <p:tgtEl>
                                           <p:spTgt spid="3">
                                             <p:txEl>
-                                              <p:pRg st="13" end="13"/>
+                                              <p:pRg st="14" end="14"/>
                                             </p:txEl>
                                           </p:spTgt>
                                         </p:tgtEl>
@@ -10291,7 +10510,7 @@
                                         <p:tgtEl>
                                           <p:spTgt spid="3">
                                             <p:txEl>
-                                              <p:pRg st="13" end="13"/>
+                                              <p:pRg st="14" end="14"/>
                                             </p:txEl>
                                           </p:spTgt>
                                         </p:tgtEl>
@@ -10322,7 +10541,7 @@
                                         <p:tgtEl>
                                           <p:spTgt spid="3">
                                             <p:txEl>
-                                              <p:pRg st="13" end="13"/>
+                                              <p:pRg st="14" end="14"/>
                                             </p:txEl>
                                           </p:spTgt>
                                         </p:tgtEl>
@@ -10353,7 +10572,7 @@
                                         <p:tgtEl>
                                           <p:spTgt spid="3">
                                             <p:txEl>
-                                              <p:pRg st="13" end="13"/>
+                                              <p:pRg st="14" end="14"/>
                                             </p:txEl>
                                           </p:spTgt>
                                         </p:tgtEl>
@@ -10370,7 +10589,7 @@
                                         <p:tgtEl>
                                           <p:spTgt spid="3">
                                             <p:txEl>
-                                              <p:pRg st="13" end="13"/>
+                                              <p:pRg st="14" end="14"/>
                                             </p:txEl>
                                           </p:spTgt>
                                         </p:tgtEl>
@@ -10387,7 +10606,7 @@
                                         <p:tgtEl>
                                           <p:spTgt spid="3">
                                             <p:txEl>
-                                              <p:pRg st="13" end="13"/>
+                                              <p:pRg st="14" end="14"/>
                                             </p:txEl>
                                           </p:spTgt>
                                         </p:tgtEl>
@@ -10404,7 +10623,7 @@
                                         <p:tgtEl>
                                           <p:spTgt spid="3">
                                             <p:txEl>
-                                              <p:pRg st="13" end="13"/>
+                                              <p:pRg st="14" end="14"/>
                                             </p:txEl>
                                           </p:spTgt>
                                         </p:tgtEl>
@@ -10421,7 +10640,7 @@
                                         <p:tgtEl>
                                           <p:spTgt spid="3">
                                             <p:txEl>
-                                              <p:pRg st="13" end="13"/>
+                                              <p:pRg st="14" end="14"/>
                                             </p:txEl>
                                           </p:spTgt>
                                         </p:tgtEl>
@@ -10438,7 +10657,7 @@
                                         <p:tgtEl>
                                           <p:spTgt spid="3">
                                             <p:txEl>
-                                              <p:pRg st="13" end="13"/>
+                                              <p:pRg st="14" end="14"/>
                                             </p:txEl>
                                           </p:spTgt>
                                         </p:tgtEl>
@@ -10455,7 +10674,7 @@
                                         <p:tgtEl>
                                           <p:spTgt spid="3">
                                             <p:txEl>
-                                              <p:pRg st="13" end="13"/>
+                                              <p:pRg st="14" end="14"/>
                                             </p:txEl>
                                           </p:spTgt>
                                         </p:tgtEl>
@@ -10472,7 +10691,7 @@
                                         <p:tgtEl>
                                           <p:spTgt spid="3">
                                             <p:txEl>
-                                              <p:pRg st="13" end="13"/>
+                                              <p:pRg st="14" end="14"/>
                                             </p:txEl>
                                           </p:spTgt>
                                         </p:tgtEl>
@@ -10555,13 +10774,179 @@
           <a:p>
             <a:r>
               <a:rPr lang="en-US" altLang="zh-CN" dirty="0"/>
-              <a:t>Register </a:t>
+              <a:t>Register callable of any signature</a:t>
+            </a:r>
+            <a:endParaRPr lang="zh-CN" altLang="en-US" dirty="0"/>
+          </a:p>
+        </p:txBody>
+      </p:sp>
+      <p:sp>
+        <p:nvSpPr>
+          <p:cNvPr id="3" name="文本占位符 2"/>
+          <p:cNvSpPr>
+            <a:spLocks noGrp="1"/>
+          </p:cNvSpPr>
+          <p:nvPr>
+            <p:ph type="body" sz="half" idx="2"/>
+          </p:nvPr>
+        </p:nvSpPr>
+        <p:spPr/>
+        <p:txBody>
+          <a:bodyPr/>
+          <a:lstStyle/>
+          <a:p>
+            <a:endParaRPr lang="en-US" altLang="zh-CN" dirty="0" smtClean="0"/>
+          </a:p>
+          <a:p>
+            <a:r>
+              <a:rPr lang="en-US" altLang="zh-CN" dirty="0" err="1" smtClean="0"/>
+              <a:t>server_t</a:t>
+            </a:r>
+            <a:r>
+              <a:rPr lang="en-US" altLang="zh-CN" dirty="0" smtClean="0"/>
+              <a:t> </a:t>
             </a:r>
             <a:r>
               <a:rPr lang="en-US" altLang="zh-CN" dirty="0"/>
-              <a:t>callable of any signature</a:t>
+              <a:t>server</a:t>
+            </a:r>
+            <a:r>
+              <a:rPr lang="en-US" altLang="zh-CN" dirty="0" smtClean="0"/>
+              <a:t>;</a:t>
+            </a:r>
+          </a:p>
+          <a:p>
+            <a:endParaRPr lang="en-US" altLang="zh-CN" dirty="0"/>
+          </a:p>
+          <a:p>
+            <a:r>
+              <a:rPr lang="en-US" altLang="zh-CN" dirty="0" err="1"/>
+              <a:t>server.register_handler</a:t>
+            </a:r>
+            <a:r>
+              <a:rPr lang="en-US" altLang="zh-CN" dirty="0"/>
+              <a:t>("add", [](</a:t>
+            </a:r>
+            <a:r>
+              <a:rPr lang="en-US" altLang="zh-CN" dirty="0" err="1"/>
+              <a:t>int</a:t>
+            </a:r>
+            <a:r>
+              <a:rPr lang="en-US" altLang="zh-CN" dirty="0"/>
+              <a:t> a, </a:t>
+            </a:r>
+            <a:r>
+              <a:rPr lang="en-US" altLang="zh-CN" dirty="0" err="1"/>
+              <a:t>int</a:t>
+            </a:r>
+            <a:r>
+              <a:rPr lang="en-US" altLang="zh-CN" dirty="0"/>
+              <a:t> b) {return a + b; });</a:t>
+            </a:r>
+          </a:p>
+          <a:p>
+            <a:r>
+              <a:rPr lang="en-US" altLang="zh-CN" dirty="0" err="1"/>
+              <a:t>server.register_handler</a:t>
+            </a:r>
+            <a:r>
+              <a:rPr lang="en-US" altLang="zh-CN" dirty="0"/>
+              <a:t>("dummy", []{ });</a:t>
+            </a:r>
+          </a:p>
+          <a:p>
+            <a:r>
+              <a:rPr lang="en-US" altLang="zh-CN" dirty="0" err="1"/>
+              <a:t>server.register_handler</a:t>
+            </a:r>
+            <a:r>
+              <a:rPr lang="en-US" altLang="zh-CN" dirty="0"/>
+              <a:t>("</a:t>
+            </a:r>
+            <a:r>
+              <a:rPr lang="en-US" altLang="zh-CN" dirty="0" err="1"/>
+              <a:t>get_str</a:t>
+            </a:r>
+            <a:r>
+              <a:rPr lang="en-US" altLang="zh-CN" dirty="0"/>
+              <a:t>", [](double v) { </a:t>
+            </a:r>
+            <a:r>
+              <a:rPr lang="en-US" altLang="zh-CN" dirty="0" err="1"/>
+              <a:t>std</a:t>
+            </a:r>
+            <a:r>
+              <a:rPr lang="en-US" altLang="zh-CN" dirty="0"/>
+              <a:t>::</a:t>
+            </a:r>
+            <a:r>
+              <a:rPr lang="en-US" altLang="zh-CN" dirty="0" err="1"/>
+              <a:t>to_string</a:t>
+            </a:r>
+            <a:r>
+              <a:rPr lang="en-US" altLang="zh-CN" dirty="0"/>
+              <a:t>(v); });</a:t>
             </a:r>
             <a:endParaRPr lang="zh-CN" altLang="en-US" dirty="0"/>
+          </a:p>
+        </p:txBody>
+      </p:sp>
+    </p:spTree>
+    <p:extLst>
+      <p:ext uri="{BB962C8B-B14F-4D97-AF65-F5344CB8AC3E}">
+        <p14:creationId xmlns:p14="http://schemas.microsoft.com/office/powerpoint/2010/main" val="3130502650"/>
+      </p:ext>
+    </p:extLst>
+  </p:cSld>
+  <p:clrMapOvr>
+    <a:masterClrMapping/>
+  </p:clrMapOvr>
+  <p:timing>
+    <p:tnLst>
+      <p:par>
+        <p:cTn id="1" dur="indefinite" restart="never" nodeType="tmRoot"/>
+      </p:par>
+    </p:tnLst>
+  </p:timing>
+</p:sld>
+</file>
+
+<file path=ppt/slides/slide16.xml><?xml version="1.0" encoding="utf-8"?>
+<p:sld xmlns:a="http://schemas.openxmlformats.org/drawingml/2006/main" xmlns:r="http://schemas.openxmlformats.org/officeDocument/2006/relationships" xmlns:p="http://schemas.openxmlformats.org/presentationml/2006/main">
+  <p:cSld>
+    <p:spTree>
+      <p:nvGrpSpPr>
+        <p:cNvPr id="1" name=""/>
+        <p:cNvGrpSpPr/>
+        <p:nvPr/>
+      </p:nvGrpSpPr>
+      <p:grpSpPr>
+        <a:xfrm>
+          <a:off x="0" y="0"/>
+          <a:ext cx="0" cy="0"/>
+          <a:chOff x="0" y="0"/>
+          <a:chExt cx="0" cy="0"/>
+        </a:xfrm>
+      </p:grpSpPr>
+      <p:sp>
+        <p:nvSpPr>
+          <p:cNvPr id="2" name="标题 1"/>
+          <p:cNvSpPr>
+            <a:spLocks noGrp="1"/>
+          </p:cNvSpPr>
+          <p:nvPr>
+            <p:ph type="title"/>
+          </p:nvPr>
+        </p:nvSpPr>
+        <p:spPr/>
+        <p:txBody>
+          <a:bodyPr/>
+          <a:lstStyle/>
+          <a:p>
+            <a:r>
+              <a:rPr lang="en-US" altLang="zh-CN" dirty="0"/>
+              <a:t>How to route the correct handler</a:t>
+            </a:r>
           </a:p>
         </p:txBody>
       </p:sp>
@@ -11315,7 +11700,7 @@
 </p:sld>
 </file>
 
-<file path=ppt/slides/slide16.xml><?xml version="1.0" encoding="utf-8"?>
+<file path=ppt/slides/slide17.xml><?xml version="1.0" encoding="utf-8"?>
 <p:sld xmlns:a="http://schemas.openxmlformats.org/drawingml/2006/main" xmlns:r="http://schemas.openxmlformats.org/officeDocument/2006/relationships" xmlns:p="http://schemas.openxmlformats.org/presentationml/2006/main">
   <p:cSld>
     <p:spTree>
@@ -11348,16 +11733,8 @@
           <a:lstStyle/>
           <a:p>
             <a:r>
-              <a:rPr lang="en-US" altLang="zh-CN" dirty="0" err="1"/>
-              <a:t>std</a:t>
-            </a:r>
-            <a:r>
               <a:rPr lang="en-US" altLang="zh-CN" dirty="0"/>
-              <a:t>::</a:t>
-            </a:r>
-            <a:r>
-              <a:rPr lang="en-US" altLang="zh-CN" dirty="0" smtClean="0"/>
-              <a:t>apply implement with C++11/14</a:t>
+              <a:t>How to route the correct handler</a:t>
             </a:r>
             <a:endParaRPr lang="zh-CN" altLang="en-US" dirty="0"/>
           </a:p>
@@ -12611,7 +12988,7 @@
 </p:sld>
 </file>
 
-<file path=ppt/slides/slide17.xml><?xml version="1.0" encoding="utf-8"?>
+<file path=ppt/slides/slide18.xml><?xml version="1.0" encoding="utf-8"?>
 <p:sld xmlns:a="http://schemas.openxmlformats.org/drawingml/2006/main" xmlns:r="http://schemas.openxmlformats.org/officeDocument/2006/relationships" xmlns:p="http://schemas.openxmlformats.org/presentationml/2006/main">
   <p:cSld>
     <p:spTree>
@@ -13019,7 +13396,7 @@
 </p:sld>
 </file>
 
-<file path=ppt/slides/slide18.xml><?xml version="1.0" encoding="utf-8"?>
+<file path=ppt/slides/slide19.xml><?xml version="1.0" encoding="utf-8"?>
 <p:sld xmlns:a="http://schemas.openxmlformats.org/drawingml/2006/main" xmlns:r="http://schemas.openxmlformats.org/officeDocument/2006/relationships" xmlns:p="http://schemas.openxmlformats.org/presentationml/2006/main">
   <p:cSld>
     <p:spTree>
@@ -13905,7 +14282,139 @@
 </p:sld>
 </file>
 
-<file path=ppt/slides/slide19.xml><?xml version="1.0" encoding="utf-8"?>
+<file path=ppt/slides/slide2.xml><?xml version="1.0" encoding="utf-8"?>
+<p:sld xmlns:a="http://schemas.openxmlformats.org/drawingml/2006/main" xmlns:r="http://schemas.openxmlformats.org/officeDocument/2006/relationships" xmlns:p="http://schemas.openxmlformats.org/presentationml/2006/main">
+  <p:cSld>
+    <p:spTree>
+      <p:nvGrpSpPr>
+        <p:cNvPr id="1" name=""/>
+        <p:cNvGrpSpPr/>
+        <p:nvPr/>
+      </p:nvGrpSpPr>
+      <p:grpSpPr>
+        <a:xfrm>
+          <a:off x="0" y="0"/>
+          <a:ext cx="0" cy="0"/>
+          <a:chOff x="0" y="0"/>
+          <a:chExt cx="0" cy="0"/>
+        </a:xfrm>
+      </p:grpSpPr>
+      <p:sp>
+        <p:nvSpPr>
+          <p:cNvPr id="2" name="标题 1"/>
+          <p:cNvSpPr>
+            <a:spLocks noGrp="1"/>
+          </p:cNvSpPr>
+          <p:nvPr>
+            <p:ph type="title"/>
+          </p:nvPr>
+        </p:nvSpPr>
+        <p:spPr/>
+        <p:txBody>
+          <a:bodyPr/>
+          <a:lstStyle/>
+          <a:p>
+            <a:r>
+              <a:rPr lang="en-US" altLang="zh-CN" dirty="0" smtClean="0"/>
+              <a:t>Outline</a:t>
+            </a:r>
+            <a:endParaRPr lang="zh-CN" altLang="en-US" dirty="0"/>
+          </a:p>
+        </p:txBody>
+      </p:sp>
+      <p:sp>
+        <p:nvSpPr>
+          <p:cNvPr id="3" name="文本占位符 2"/>
+          <p:cNvSpPr>
+            <a:spLocks noGrp="1"/>
+          </p:cNvSpPr>
+          <p:nvPr>
+            <p:ph type="body" sz="half" idx="2"/>
+          </p:nvPr>
+        </p:nvSpPr>
+        <p:spPr/>
+        <p:txBody>
+          <a:bodyPr/>
+          <a:lstStyle/>
+          <a:p>
+            <a:r>
+              <a:rPr lang="en-US" altLang="zh-CN" sz="1800" dirty="0" smtClean="0">
+                <a:solidFill>
+                  <a:schemeClr val="accent5"/>
+                </a:solidFill>
+              </a:rPr>
+              <a:t>1.Introduction to RPC</a:t>
+            </a:r>
+          </a:p>
+          <a:p>
+            <a:endParaRPr lang="en-US" altLang="zh-CN" dirty="0" smtClean="0"/>
+          </a:p>
+          <a:p>
+            <a:r>
+              <a:rPr lang="en-US" altLang="zh-CN" dirty="0" smtClean="0"/>
+              <a:t>2.What is </a:t>
+            </a:r>
+            <a:r>
+              <a:rPr lang="en-US" altLang="zh-CN" dirty="0" err="1" smtClean="0"/>
+              <a:t>rest_rpc</a:t>
+            </a:r>
+            <a:endParaRPr lang="en-US" altLang="zh-CN" dirty="0" smtClean="0"/>
+          </a:p>
+          <a:p>
+            <a:endParaRPr lang="en-US" altLang="zh-CN" dirty="0" smtClean="0"/>
+          </a:p>
+          <a:p>
+            <a:r>
+              <a:rPr lang="en-US" altLang="zh-CN" dirty="0" smtClean="0"/>
+              <a:t>3.Challenges of easy to use</a:t>
+            </a:r>
+          </a:p>
+          <a:p>
+            <a:endParaRPr lang="en-US" altLang="zh-CN" dirty="0" smtClean="0"/>
+          </a:p>
+          <a:p>
+            <a:r>
+              <a:rPr lang="en-US" altLang="zh-CN" dirty="0" smtClean="0"/>
+              <a:t>4.Key technologies</a:t>
+            </a:r>
+          </a:p>
+          <a:p>
+            <a:endParaRPr lang="en-US" altLang="zh-CN" dirty="0"/>
+          </a:p>
+          <a:p>
+            <a:r>
+              <a:rPr lang="en-US" altLang="zh-CN" dirty="0" smtClean="0"/>
+              <a:t>6.What </a:t>
+            </a:r>
+            <a:r>
+              <a:rPr lang="en-US" altLang="zh-CN" dirty="0"/>
+              <a:t>you can do with it</a:t>
+            </a:r>
+            <a:endParaRPr lang="zh-CN" altLang="en-US" dirty="0"/>
+          </a:p>
+        </p:txBody>
+      </p:sp>
+    </p:spTree>
+    <p:extLst>
+      <p:ext uri="{BB962C8B-B14F-4D97-AF65-F5344CB8AC3E}">
+        <p14:creationId xmlns:p14="http://schemas.microsoft.com/office/powerpoint/2010/main" val="1906852034"/>
+      </p:ext>
+    </p:extLst>
+  </p:cSld>
+  <p:clrMapOvr>
+    <a:masterClrMapping/>
+  </p:clrMapOvr>
+  <p:timing>
+    <p:tnLst>
+      <p:par>
+        <p:cTn id="1" dur="indefinite" restart="never" nodeType="tmRoot"/>
+      </p:par>
+    </p:tnLst>
+  </p:timing>
+</p:sld>
+</file>
+
+<file path=ppt/slides/slide20.xml><?xml version="1.0" encoding="utf-8"?>
 <p:sld xmlns:a="http://schemas.openxmlformats.org/drawingml/2006/main" xmlns:r="http://schemas.openxmlformats.org/officeDocument/2006/relationships" xmlns:p="http://schemas.openxmlformats.org/presentationml/2006/main">
   <p:cSld>
     <p:spTree>
@@ -15814,139 +16323,7 @@
 </p:sld>
 </file>
 
-<file path=ppt/slides/slide2.xml><?xml version="1.0" encoding="utf-8"?>
-<p:sld xmlns:a="http://schemas.openxmlformats.org/drawingml/2006/main" xmlns:r="http://schemas.openxmlformats.org/officeDocument/2006/relationships" xmlns:p="http://schemas.openxmlformats.org/presentationml/2006/main">
-  <p:cSld>
-    <p:spTree>
-      <p:nvGrpSpPr>
-        <p:cNvPr id="1" name=""/>
-        <p:cNvGrpSpPr/>
-        <p:nvPr/>
-      </p:nvGrpSpPr>
-      <p:grpSpPr>
-        <a:xfrm>
-          <a:off x="0" y="0"/>
-          <a:ext cx="0" cy="0"/>
-          <a:chOff x="0" y="0"/>
-          <a:chExt cx="0" cy="0"/>
-        </a:xfrm>
-      </p:grpSpPr>
-      <p:sp>
-        <p:nvSpPr>
-          <p:cNvPr id="2" name="标题 1"/>
-          <p:cNvSpPr>
-            <a:spLocks noGrp="1"/>
-          </p:cNvSpPr>
-          <p:nvPr>
-            <p:ph type="title"/>
-          </p:nvPr>
-        </p:nvSpPr>
-        <p:spPr/>
-        <p:txBody>
-          <a:bodyPr/>
-          <a:lstStyle/>
-          <a:p>
-            <a:r>
-              <a:rPr lang="en-US" altLang="zh-CN" dirty="0" smtClean="0"/>
-              <a:t>Outline</a:t>
-            </a:r>
-            <a:endParaRPr lang="zh-CN" altLang="en-US" dirty="0"/>
-          </a:p>
-        </p:txBody>
-      </p:sp>
-      <p:sp>
-        <p:nvSpPr>
-          <p:cNvPr id="3" name="文本占位符 2"/>
-          <p:cNvSpPr>
-            <a:spLocks noGrp="1"/>
-          </p:cNvSpPr>
-          <p:nvPr>
-            <p:ph type="body" sz="half" idx="2"/>
-          </p:nvPr>
-        </p:nvSpPr>
-        <p:spPr/>
-        <p:txBody>
-          <a:bodyPr/>
-          <a:lstStyle/>
-          <a:p>
-            <a:r>
-              <a:rPr lang="en-US" altLang="zh-CN" sz="1800" dirty="0" smtClean="0">
-                <a:solidFill>
-                  <a:schemeClr val="accent5"/>
-                </a:solidFill>
-              </a:rPr>
-              <a:t>1.Introduction to RPC</a:t>
-            </a:r>
-          </a:p>
-          <a:p>
-            <a:endParaRPr lang="en-US" altLang="zh-CN" dirty="0" smtClean="0"/>
-          </a:p>
-          <a:p>
-            <a:r>
-              <a:rPr lang="en-US" altLang="zh-CN" dirty="0" smtClean="0"/>
-              <a:t>2.What is </a:t>
-            </a:r>
-            <a:r>
-              <a:rPr lang="en-US" altLang="zh-CN" dirty="0" err="1" smtClean="0"/>
-              <a:t>rest_rpc</a:t>
-            </a:r>
-            <a:endParaRPr lang="en-US" altLang="zh-CN" dirty="0" smtClean="0"/>
-          </a:p>
-          <a:p>
-            <a:endParaRPr lang="en-US" altLang="zh-CN" dirty="0" smtClean="0"/>
-          </a:p>
-          <a:p>
-            <a:r>
-              <a:rPr lang="en-US" altLang="zh-CN" dirty="0" smtClean="0"/>
-              <a:t>3.Challenges of easy to use</a:t>
-            </a:r>
-          </a:p>
-          <a:p>
-            <a:endParaRPr lang="en-US" altLang="zh-CN" dirty="0" smtClean="0"/>
-          </a:p>
-          <a:p>
-            <a:r>
-              <a:rPr lang="en-US" altLang="zh-CN" dirty="0" smtClean="0"/>
-              <a:t>4.Key technologies</a:t>
-            </a:r>
-          </a:p>
-          <a:p>
-            <a:endParaRPr lang="en-US" altLang="zh-CN" dirty="0"/>
-          </a:p>
-          <a:p>
-            <a:r>
-              <a:rPr lang="en-US" altLang="zh-CN" dirty="0" smtClean="0"/>
-              <a:t>6.What </a:t>
-            </a:r>
-            <a:r>
-              <a:rPr lang="en-US" altLang="zh-CN" dirty="0"/>
-              <a:t>you can do with it</a:t>
-            </a:r>
-            <a:endParaRPr lang="zh-CN" altLang="en-US" dirty="0"/>
-          </a:p>
-        </p:txBody>
-      </p:sp>
-    </p:spTree>
-    <p:extLst>
-      <p:ext uri="{BB962C8B-B14F-4D97-AF65-F5344CB8AC3E}">
-        <p14:creationId xmlns:p14="http://schemas.microsoft.com/office/powerpoint/2010/main" val="1906852034"/>
-      </p:ext>
-    </p:extLst>
-  </p:cSld>
-  <p:clrMapOvr>
-    <a:masterClrMapping/>
-  </p:clrMapOvr>
-  <p:timing>
-    <p:tnLst>
-      <p:par>
-        <p:cTn id="1" dur="indefinite" restart="never" nodeType="tmRoot"/>
-      </p:par>
-    </p:tnLst>
-  </p:timing>
-</p:sld>
-</file>
-
-<file path=ppt/slides/slide20.xml><?xml version="1.0" encoding="utf-8"?>
+<file path=ppt/slides/slide21.xml><?xml version="1.0" encoding="utf-8"?>
 <p:sld xmlns:a="http://schemas.openxmlformats.org/drawingml/2006/main" xmlns:r="http://schemas.openxmlformats.org/officeDocument/2006/relationships" xmlns:p="http://schemas.openxmlformats.org/presentationml/2006/main">
   <p:cSld>
     <p:spTree>
@@ -16757,7 +17134,7 @@
 </p:sld>
 </file>
 
-<file path=ppt/slides/slide21.xml><?xml version="1.0" encoding="utf-8"?>
+<file path=ppt/slides/slide22.xml><?xml version="1.0" encoding="utf-8"?>
 <p:sld xmlns:a="http://schemas.openxmlformats.org/drawingml/2006/main" xmlns:r="http://schemas.openxmlformats.org/officeDocument/2006/relationships" xmlns:p="http://schemas.openxmlformats.org/presentationml/2006/main">
   <p:cSld>
     <p:spTree>
@@ -17087,7 +17464,7 @@
 </p:sld>
 </file>
 
-<file path=ppt/slides/slide22.xml><?xml version="1.0" encoding="utf-8"?>
+<file path=ppt/slides/slide23.xml><?xml version="1.0" encoding="utf-8"?>
 <p:sld xmlns:a="http://schemas.openxmlformats.org/drawingml/2006/main" xmlns:r="http://schemas.openxmlformats.org/officeDocument/2006/relationships" xmlns:p="http://schemas.openxmlformats.org/presentationml/2006/main">
   <p:cSld>
     <p:spTree>
@@ -18227,7 +18604,7 @@
 </p:sld>
 </file>
 
-<file path=ppt/slides/slide23.xml><?xml version="1.0" encoding="utf-8"?>
+<file path=ppt/slides/slide24.xml><?xml version="1.0" encoding="utf-8"?>
 <p:sld xmlns:a="http://schemas.openxmlformats.org/drawingml/2006/main" xmlns:r="http://schemas.openxmlformats.org/officeDocument/2006/relationships" xmlns:p="http://schemas.openxmlformats.org/presentationml/2006/main">
   <p:cSld>
     <p:spTree>
@@ -18336,336 +18713,6 @@
               <a:t>callable</a:t>
             </a:r>
             <a:endParaRPr lang="en-US" altLang="zh-CN" dirty="0"/>
-          </a:p>
-        </p:txBody>
-      </p:sp>
-    </p:spTree>
-  </p:cSld>
-  <p:clrMapOvr>
-    <a:masterClrMapping/>
-  </p:clrMapOvr>
-  <p:timing>
-    <p:tnLst>
-      <p:par>
-        <p:cTn id="1" dur="indefinite" restart="never" nodeType="tmRoot"/>
-      </p:par>
-    </p:tnLst>
-  </p:timing>
-</p:sld>
-</file>
-
-<file path=ppt/slides/slide24.xml><?xml version="1.0" encoding="utf-8"?>
-<p:sld xmlns:a="http://schemas.openxmlformats.org/drawingml/2006/main" xmlns:r="http://schemas.openxmlformats.org/officeDocument/2006/relationships" xmlns:p="http://schemas.openxmlformats.org/presentationml/2006/main">
-  <p:cSld>
-    <p:spTree>
-      <p:nvGrpSpPr>
-        <p:cNvPr id="1" name=""/>
-        <p:cNvGrpSpPr/>
-        <p:nvPr/>
-      </p:nvGrpSpPr>
-      <p:grpSpPr>
-        <a:xfrm>
-          <a:off x="0" y="0"/>
-          <a:ext cx="0" cy="0"/>
-          <a:chOff x="0" y="0"/>
-          <a:chExt cx="0" cy="0"/>
-        </a:xfrm>
-      </p:grpSpPr>
-      <p:sp>
-        <p:nvSpPr>
-          <p:cNvPr id="2" name="标题 1"/>
-          <p:cNvSpPr>
-            <a:spLocks noGrp="1"/>
-          </p:cNvSpPr>
-          <p:nvPr>
-            <p:ph type="title"/>
-          </p:nvPr>
-        </p:nvSpPr>
-        <p:spPr>
-          <a:xfrm>
-            <a:off x="501794" y="260039"/>
-            <a:ext cx="6718156" cy="476885"/>
-          </a:xfrm>
-        </p:spPr>
-        <p:txBody>
-          <a:bodyPr/>
-          <a:lstStyle/>
-          <a:p>
-            <a:r>
-              <a:rPr altLang="zh-CN">
-                <a:sym typeface="+mn-ea"/>
-              </a:rPr>
-              <a:t>Binding function and callable</a:t>
-            </a:r>
-            <a:endParaRPr lang="zh-CN" altLang="en-US"/>
-          </a:p>
-        </p:txBody>
-      </p:sp>
-      <p:sp>
-        <p:nvSpPr>
-          <p:cNvPr id="3" name="文本占位符 2"/>
-          <p:cNvSpPr>
-            <a:spLocks noGrp="1"/>
-          </p:cNvSpPr>
-          <p:nvPr>
-            <p:ph type="body" sz="half" idx="2"/>
-          </p:nvPr>
-        </p:nvSpPr>
-        <p:spPr/>
-        <p:txBody>
-          <a:bodyPr/>
-          <a:lstStyle/>
-          <a:p>
-            <a:r>
-              <a:rPr lang="en-US" altLang="zh-CN" b="1" dirty="0"/>
-              <a:t/>
-            </a:r>
-            <a:br>
-              <a:rPr lang="en-US" altLang="zh-CN" b="1" dirty="0"/>
-            </a:br>
-            <a:r>
-              <a:rPr lang="en-US" altLang="zh-CN" sz="1400" dirty="0"/>
-              <a:t>template &lt;</a:t>
-            </a:r>
-            <a:r>
-              <a:rPr lang="en-US" altLang="zh-CN" sz="1400" dirty="0" err="1"/>
-              <a:t>typename</a:t>
-            </a:r>
-            <a:r>
-              <a:rPr lang="en-US" altLang="zh-CN" sz="1400" dirty="0"/>
-              <a:t> F&gt;</a:t>
-            </a:r>
-          </a:p>
-          <a:p>
-            <a:r>
-              <a:rPr lang="en-US" altLang="zh-CN" sz="1400" dirty="0"/>
-              <a:t>auto </a:t>
-            </a:r>
-            <a:r>
-              <a:rPr lang="en-US" altLang="zh-CN" sz="1400" dirty="0" err="1"/>
-              <a:t>bind_function_callable</a:t>
-            </a:r>
-            <a:r>
-              <a:rPr lang="en-US" altLang="zh-CN" sz="1400" dirty="0"/>
-              <a:t>(F&amp;&amp; f)</a:t>
-            </a:r>
-          </a:p>
-          <a:p>
-            <a:r>
-              <a:rPr lang="en-US" altLang="zh-CN" sz="1400" dirty="0"/>
-              <a:t>	-&gt; </a:t>
-            </a:r>
-            <a:r>
-              <a:rPr lang="en-US" altLang="zh-CN" sz="1400" dirty="0" err="1"/>
-              <a:t>typename</a:t>
-            </a:r>
-            <a:r>
-              <a:rPr lang="en-US" altLang="zh-CN" sz="1400" dirty="0"/>
-              <a:t> </a:t>
-            </a:r>
-            <a:r>
-              <a:rPr lang="en-US" altLang="zh-CN" sz="1400" dirty="0" err="1"/>
-              <a:t>function_traits</a:t>
-            </a:r>
-            <a:r>
-              <a:rPr lang="en-US" altLang="zh-CN" sz="1400" dirty="0"/>
-              <a:t>&lt;F&gt;::</a:t>
-            </a:r>
-            <a:r>
-              <a:rPr lang="en-US" altLang="zh-CN" sz="1400" dirty="0" err="1"/>
-              <a:t>stl_function_type</a:t>
-            </a:r>
-            <a:endParaRPr lang="en-US" altLang="zh-CN" sz="1400" dirty="0"/>
-          </a:p>
-          <a:p>
-            <a:r>
-              <a:rPr lang="en-US" altLang="zh-CN" sz="1400" dirty="0"/>
-              <a:t>{</a:t>
-            </a:r>
-          </a:p>
-          <a:p>
-            <a:r>
-              <a:rPr lang="en-US" altLang="zh-CN" sz="1400" dirty="0"/>
-              <a:t>	return [</a:t>
-            </a:r>
-            <a:r>
-              <a:rPr lang="en-US" altLang="zh-CN" sz="1400" dirty="0" err="1"/>
-              <a:t>func</a:t>
-            </a:r>
-            <a:r>
-              <a:rPr lang="en-US" altLang="zh-CN" sz="1400" dirty="0"/>
-              <a:t> = std::forward&lt;F&gt;(f)](auto&amp;&amp; ... </a:t>
-            </a:r>
-            <a:r>
-              <a:rPr lang="en-US" altLang="zh-CN" sz="1400" dirty="0" err="1"/>
-              <a:t>args</a:t>
-            </a:r>
-            <a:r>
-              <a:rPr lang="en-US" altLang="zh-CN" sz="1400" dirty="0"/>
-              <a:t>)</a:t>
-            </a:r>
-          </a:p>
-          <a:p>
-            <a:r>
-              <a:rPr lang="en-US" altLang="zh-CN" sz="1400" dirty="0"/>
-              <a:t>	{ </a:t>
-            </a:r>
-          </a:p>
-          <a:p>
-            <a:r>
-              <a:rPr lang="en-US" altLang="zh-CN" sz="1400" dirty="0"/>
-              <a:t>		return </a:t>
-            </a:r>
-            <a:r>
-              <a:rPr lang="en-US" altLang="zh-CN" sz="1400" dirty="0" err="1"/>
-              <a:t>func</a:t>
-            </a:r>
-            <a:r>
-              <a:rPr lang="en-US" altLang="zh-CN" sz="1400" dirty="0"/>
-              <a:t>(</a:t>
-            </a:r>
-            <a:r>
-              <a:rPr lang="en-US" altLang="zh-CN" sz="1400" dirty="0">
-                <a:solidFill>
-                  <a:srgbClr val="FF0000"/>
-                </a:solidFill>
-              </a:rPr>
-              <a:t>std::forward&lt;</a:t>
-            </a:r>
-            <a:r>
-              <a:rPr lang="en-US" altLang="zh-CN" sz="1400" dirty="0" err="1">
-                <a:solidFill>
-                  <a:srgbClr val="FF0000"/>
-                </a:solidFill>
-              </a:rPr>
-              <a:t>decltype</a:t>
-            </a:r>
-            <a:r>
-              <a:rPr lang="en-US" altLang="zh-CN" sz="1400" dirty="0">
-                <a:solidFill>
-                  <a:srgbClr val="FF0000"/>
-                </a:solidFill>
-              </a:rPr>
-              <a:t>(</a:t>
-            </a:r>
-            <a:r>
-              <a:rPr lang="en-US" altLang="zh-CN" sz="1400" dirty="0" err="1">
-                <a:solidFill>
-                  <a:srgbClr val="FF0000"/>
-                </a:solidFill>
-              </a:rPr>
-              <a:t>args</a:t>
-            </a:r>
-            <a:r>
-              <a:rPr lang="en-US" altLang="zh-CN" sz="1400" dirty="0">
-                <a:solidFill>
-                  <a:srgbClr val="FF0000"/>
-                </a:solidFill>
-              </a:rPr>
-              <a:t>)&gt;(</a:t>
-            </a:r>
-            <a:r>
-              <a:rPr lang="en-US" altLang="zh-CN" sz="1400" dirty="0" err="1">
-                <a:solidFill>
-                  <a:srgbClr val="FF0000"/>
-                </a:solidFill>
-              </a:rPr>
-              <a:t>args</a:t>
-            </a:r>
-            <a:r>
-              <a:rPr lang="en-US" altLang="zh-CN" sz="1400" dirty="0">
-                <a:solidFill>
-                  <a:srgbClr val="FF0000"/>
-                </a:solidFill>
-              </a:rPr>
-              <a:t>)...</a:t>
-            </a:r>
-            <a:r>
-              <a:rPr lang="en-US" altLang="zh-CN" sz="1400" dirty="0"/>
-              <a:t>); </a:t>
-            </a:r>
-          </a:p>
-          <a:p>
-            <a:r>
-              <a:rPr lang="en-US" altLang="zh-CN" sz="1400" dirty="0"/>
-              <a:t>	};</a:t>
-            </a:r>
-          </a:p>
-          <a:p>
-            <a:r>
-              <a:rPr lang="en-US" altLang="zh-CN" sz="1400" dirty="0"/>
-              <a:t>}</a:t>
-            </a:r>
-          </a:p>
-        </p:txBody>
-      </p:sp>
-      <p:sp>
-        <p:nvSpPr>
-          <p:cNvPr id="4" name="矩形 3"/>
-          <p:cNvSpPr/>
-          <p:nvPr/>
-        </p:nvSpPr>
-        <p:spPr>
-          <a:xfrm>
-            <a:off x="2035197" y="4259402"/>
-            <a:ext cx="4403128" cy="369332"/>
-          </a:xfrm>
-          <a:prstGeom prst="rect">
-            <a:avLst/>
-          </a:prstGeom>
-        </p:spPr>
-        <p:txBody>
-          <a:bodyPr wrap="none">
-            <a:spAutoFit/>
-          </a:bodyPr>
-          <a:lstStyle/>
-          <a:p>
-            <a:r>
-              <a:rPr lang="en-US" altLang="zh-CN" dirty="0" smtClean="0"/>
-              <a:t>wrapper std::bind and return to std::function</a:t>
-            </a:r>
-          </a:p>
-        </p:txBody>
-      </p:sp>
-      <p:sp>
-        <p:nvSpPr>
-          <p:cNvPr id="5" name="矩形 4"/>
-          <p:cNvSpPr/>
-          <p:nvPr/>
-        </p:nvSpPr>
-        <p:spPr>
-          <a:xfrm>
-            <a:off x="2059424" y="4989245"/>
-            <a:ext cx="5293822" cy="646331"/>
-          </a:xfrm>
-          <a:prstGeom prst="rect">
-            <a:avLst/>
-          </a:prstGeom>
-        </p:spPr>
-        <p:txBody>
-          <a:bodyPr wrap="none">
-            <a:spAutoFit/>
-          </a:bodyPr>
-          <a:lstStyle/>
-          <a:p>
-            <a:r>
-              <a:rPr lang="en-US" altLang="zh-CN" dirty="0" err="1" smtClean="0"/>
-              <a:t>funtion_traits</a:t>
-            </a:r>
-            <a:r>
-              <a:rPr lang="en-US" altLang="zh-CN" dirty="0" smtClean="0"/>
-              <a:t>: </a:t>
-            </a:r>
-            <a:r>
-              <a:rPr lang="en-US" altLang="zh-CN" dirty="0" smtClean="0">
-                <a:hlinkClick r:id="rId2"/>
-              </a:rPr>
-              <a:t>https://github.com/topcpporg/rest_rpc</a:t>
-            </a:r>
-            <a:endParaRPr lang="en-US" altLang="zh-CN" dirty="0" smtClean="0"/>
-          </a:p>
-          <a:p>
-            <a:endParaRPr lang="zh-CN" altLang="en-US" dirty="0"/>
           </a:p>
         </p:txBody>
       </p:sp>
@@ -18725,7 +18772,7 @@
               <a:rPr altLang="zh-CN">
                 <a:sym typeface="+mn-ea"/>
               </a:rPr>
-              <a:t>Binding pmf with pointers</a:t>
+              <a:t>Binding function and callable</a:t>
             </a:r>
             <a:endParaRPr lang="zh-CN" altLang="en-US"/>
           </a:p>
@@ -18747,8 +18794,47 @@
           <a:lstStyle/>
           <a:p>
             <a:r>
+              <a:rPr lang="en-US" altLang="zh-CN" b="1" dirty="0"/>
+              <a:t/>
+            </a:r>
+            <a:br>
+              <a:rPr lang="en-US" altLang="zh-CN" b="1" dirty="0"/>
+            </a:br>
+            <a:r>
+              <a:rPr lang="en-US" altLang="zh-CN" sz="1400" dirty="0"/>
+              <a:t>template &lt;</a:t>
+            </a:r>
+            <a:r>
               <a:rPr lang="en-US" altLang="zh-CN" sz="1400" dirty="0" err="1"/>
-              <a:t>struct</a:t>
+              <a:t>typename</a:t>
+            </a:r>
+            <a:r>
+              <a:rPr lang="en-US" altLang="zh-CN" sz="1400" dirty="0"/>
+              <a:t> F&gt;</a:t>
+            </a:r>
+          </a:p>
+          <a:p>
+            <a:r>
+              <a:rPr lang="en-US" altLang="zh-CN" sz="1400" dirty="0"/>
+              <a:t>auto </a:t>
+            </a:r>
+            <a:r>
+              <a:rPr lang="en-US" altLang="zh-CN" sz="1400" dirty="0" err="1"/>
+              <a:t>bind_function_callable</a:t>
+            </a:r>
+            <a:r>
+              <a:rPr lang="en-US" altLang="zh-CN" sz="1400" dirty="0"/>
+              <a:t>(F&amp;&amp; f)</a:t>
+            </a:r>
+          </a:p>
+          <a:p>
+            <a:r>
+              <a:rPr lang="en-US" altLang="zh-CN" sz="1400" dirty="0"/>
+              <a:t>	-&gt; </a:t>
+            </a:r>
+            <a:r>
+              <a:rPr lang="en-US" altLang="zh-CN" sz="1400" dirty="0" err="1"/>
+              <a:t>typename</a:t>
             </a:r>
             <a:r>
               <a:rPr lang="en-US" altLang="zh-CN" sz="1400" dirty="0"/>
@@ -18756,78 +18842,207 @@
             </a:r>
             <a:r>
               <a:rPr lang="en-US" altLang="zh-CN" sz="1400" dirty="0" err="1"/>
-              <a:t>caller_is_a_pointer</a:t>
+              <a:t>function_traits</a:t>
             </a:r>
             <a:r>
               <a:rPr lang="en-US" altLang="zh-CN" sz="1400" dirty="0"/>
-              <a:t>{};</a:t>
-            </a:r>
-          </a:p>
-          <a:p>
-            <a:endParaRPr lang="zh-CN" altLang="en-US" sz="1400" dirty="0"/>
-          </a:p>
-          <a:p>
-            <a:r>
-              <a:rPr lang="zh-CN" altLang="en-US" sz="1400" dirty="0"/>
-              <a:t>template &lt;typename F, typename Caller&gt;</a:t>
-            </a:r>
-          </a:p>
-          <a:p>
-            <a:r>
-              <a:rPr lang="zh-CN" altLang="en-US" sz="1400" dirty="0"/>
-              <a:t>auto bind_impl_pmf(caller_is_a_pointer, F&amp;&amp; pmf, Caller&amp;&amp; caller)</a:t>
-            </a:r>
-          </a:p>
-          <a:p>
-            <a:r>
-              <a:rPr lang="zh-CN" altLang="en-US" sz="1400" dirty="0"/>
-              <a:t>	-&gt; typename function_traits&lt;F&gt;::stl_function_type</a:t>
-            </a:r>
-          </a:p>
-          <a:p>
-            <a:r>
-              <a:rPr lang="zh-CN" altLang="en-US" sz="1400" dirty="0"/>
+              <a:t>&lt;F&gt;::</a:t>
+            </a:r>
+            <a:r>
+              <a:rPr lang="en-US" altLang="zh-CN" sz="1400" dirty="0" err="1"/>
+              <a:t>stl_function_type</a:t>
+            </a:r>
+            <a:endParaRPr lang="en-US" altLang="zh-CN" sz="1400" dirty="0"/>
+          </a:p>
+          <a:p>
+            <a:r>
+              <a:rPr lang="en-US" altLang="zh-CN" sz="1400" dirty="0"/>
               <a:t>{</a:t>
             </a:r>
           </a:p>
           <a:p>
             <a:r>
-              <a:rPr lang="zh-CN" altLang="en-US" sz="1400" dirty="0"/>
-              <a:t>	return [pmf, c = std::forward&lt;Caller&gt;(caller)](auto&amp;&amp; ... args) </a:t>
-            </a:r>
-          </a:p>
-          <a:p>
-            <a:r>
-              <a:rPr lang="zh-CN" altLang="en-US" sz="1400" dirty="0"/>
+              <a:rPr lang="en-US" altLang="zh-CN" sz="1400" dirty="0"/>
+              <a:t>	return [</a:t>
+            </a:r>
+            <a:r>
+              <a:rPr lang="en-US" altLang="zh-CN" sz="1400" dirty="0" err="1"/>
+              <a:t>func</a:t>
+            </a:r>
+            <a:r>
+              <a:rPr lang="en-US" altLang="zh-CN" sz="1400" dirty="0"/>
+              <a:t> = std::forward&lt;F&gt;(f)](auto&amp;&amp; ... </a:t>
+            </a:r>
+            <a:r>
+              <a:rPr lang="en-US" altLang="zh-CN" sz="1400" dirty="0" err="1"/>
+              <a:t>args</a:t>
+            </a:r>
+            <a:r>
+              <a:rPr lang="en-US" altLang="zh-CN" sz="1400" dirty="0"/>
+              <a:t>)</a:t>
+            </a:r>
+          </a:p>
+          <a:p>
+            <a:r>
+              <a:rPr lang="en-US" altLang="zh-CN" sz="1400" dirty="0"/>
               <a:t>	{ </a:t>
             </a:r>
           </a:p>
           <a:p>
             <a:r>
-              <a:rPr lang="zh-CN" altLang="en-US" sz="1400" dirty="0"/>
-              <a:t>		return (c-&gt;*pmf)(std::forward&lt;decltype(args)&gt;(args)...); </a:t>
-            </a:r>
-          </a:p>
-          <a:p>
-            <a:r>
-              <a:rPr lang="zh-CN" altLang="en-US" sz="1400" dirty="0"/>
+              <a:rPr lang="en-US" altLang="zh-CN" sz="1400" dirty="0"/>
+              <a:t>		return </a:t>
+            </a:r>
+            <a:r>
+              <a:rPr lang="en-US" altLang="zh-CN" sz="1400" dirty="0" err="1"/>
+              <a:t>func</a:t>
+            </a:r>
+            <a:r>
+              <a:rPr lang="en-US" altLang="zh-CN" sz="1400" dirty="0"/>
+              <a:t>(</a:t>
+            </a:r>
+            <a:r>
+              <a:rPr lang="en-US" altLang="zh-CN" sz="1400" dirty="0">
+                <a:solidFill>
+                  <a:srgbClr val="FF0000"/>
+                </a:solidFill>
+              </a:rPr>
+              <a:t>std::forward&lt;</a:t>
+            </a:r>
+            <a:r>
+              <a:rPr lang="en-US" altLang="zh-CN" sz="1400" dirty="0" err="1">
+                <a:solidFill>
+                  <a:srgbClr val="FF0000"/>
+                </a:solidFill>
+              </a:rPr>
+              <a:t>decltype</a:t>
+            </a:r>
+            <a:r>
+              <a:rPr lang="en-US" altLang="zh-CN" sz="1400" dirty="0">
+                <a:solidFill>
+                  <a:srgbClr val="FF0000"/>
+                </a:solidFill>
+              </a:rPr>
+              <a:t>(</a:t>
+            </a:r>
+            <a:r>
+              <a:rPr lang="en-US" altLang="zh-CN" sz="1400" dirty="0" err="1">
+                <a:solidFill>
+                  <a:srgbClr val="FF0000"/>
+                </a:solidFill>
+              </a:rPr>
+              <a:t>args</a:t>
+            </a:r>
+            <a:r>
+              <a:rPr lang="en-US" altLang="zh-CN" sz="1400" dirty="0">
+                <a:solidFill>
+                  <a:srgbClr val="FF0000"/>
+                </a:solidFill>
+              </a:rPr>
+              <a:t>)&gt;(</a:t>
+            </a:r>
+            <a:r>
+              <a:rPr lang="en-US" altLang="zh-CN" sz="1400" dirty="0" err="1">
+                <a:solidFill>
+                  <a:srgbClr val="FF0000"/>
+                </a:solidFill>
+              </a:rPr>
+              <a:t>args</a:t>
+            </a:r>
+            <a:r>
+              <a:rPr lang="en-US" altLang="zh-CN" sz="1400" dirty="0">
+                <a:solidFill>
+                  <a:srgbClr val="FF0000"/>
+                </a:solidFill>
+              </a:rPr>
+              <a:t>)...</a:t>
+            </a:r>
+            <a:r>
+              <a:rPr lang="en-US" altLang="zh-CN" sz="1400" dirty="0"/>
+              <a:t>); </a:t>
+            </a:r>
+          </a:p>
+          <a:p>
+            <a:r>
+              <a:rPr lang="en-US" altLang="zh-CN" sz="1400" dirty="0"/>
               <a:t>	};</a:t>
             </a:r>
           </a:p>
           <a:p>
             <a:r>
-              <a:rPr lang="zh-CN" altLang="en-US" sz="1400" dirty="0"/>
+              <a:rPr lang="en-US" altLang="zh-CN" sz="1400" dirty="0"/>
               <a:t>}</a:t>
             </a:r>
           </a:p>
-          <a:p>
-            <a:endParaRPr lang="zh-CN" altLang="en-US" sz="1400" dirty="0"/>
-          </a:p>
-          <a:p>
-            <a:r>
-              <a:rPr lang="en-US" altLang="zh-CN" dirty="0"/>
-              <a:t>NOTE: we support polymorphism</a:t>
-            </a:r>
+        </p:txBody>
+      </p:sp>
+      <p:sp>
+        <p:nvSpPr>
+          <p:cNvPr id="4" name="矩形 3"/>
+          <p:cNvSpPr/>
+          <p:nvPr/>
+        </p:nvSpPr>
+        <p:spPr>
+          <a:xfrm>
+            <a:off x="2035197" y="4259402"/>
+            <a:ext cx="4403128" cy="369332"/>
+          </a:xfrm>
+          <a:prstGeom prst="rect">
+            <a:avLst/>
+          </a:prstGeom>
+        </p:spPr>
+        <p:txBody>
+          <a:bodyPr wrap="none">
+            <a:spAutoFit/>
+          </a:bodyPr>
+          <a:lstStyle/>
+          <a:p>
+            <a:r>
+              <a:rPr lang="en-US" altLang="zh-CN" dirty="0" smtClean="0"/>
+              <a:t>wrapper std::bind and return to std::function</a:t>
+            </a:r>
+          </a:p>
+        </p:txBody>
+      </p:sp>
+      <p:sp>
+        <p:nvSpPr>
+          <p:cNvPr id="5" name="矩形 4"/>
+          <p:cNvSpPr/>
+          <p:nvPr/>
+        </p:nvSpPr>
+        <p:spPr>
+          <a:xfrm>
+            <a:off x="2059424" y="4989245"/>
+            <a:ext cx="5293822" cy="646331"/>
+          </a:xfrm>
+          <a:prstGeom prst="rect">
+            <a:avLst/>
+          </a:prstGeom>
+        </p:spPr>
+        <p:txBody>
+          <a:bodyPr wrap="none">
+            <a:spAutoFit/>
+          </a:bodyPr>
+          <a:lstStyle/>
+          <a:p>
+            <a:r>
+              <a:rPr lang="en-US" altLang="zh-CN" dirty="0" err="1" smtClean="0"/>
+              <a:t>funtion_traits</a:t>
+            </a:r>
+            <a:r>
+              <a:rPr lang="en-US" altLang="zh-CN" dirty="0" smtClean="0"/>
+              <a:t>: </a:t>
+            </a:r>
+            <a:r>
+              <a:rPr lang="en-US" altLang="zh-CN" dirty="0" smtClean="0">
+                <a:hlinkClick r:id="rId2"/>
+              </a:rPr>
+              <a:t>https://github.com/topcpporg/rest_rpc</a:t>
+            </a:r>
+            <a:endParaRPr lang="en-US" altLang="zh-CN" dirty="0" smtClean="0"/>
+          </a:p>
+          <a:p>
+            <a:endParaRPr lang="zh-CN" altLang="en-US" dirty="0"/>
           </a:p>
         </p:txBody>
       </p:sp>
@@ -18887,7 +19102,7 @@
               <a:rPr altLang="zh-CN">
                 <a:sym typeface="+mn-ea"/>
               </a:rPr>
-              <a:t>Binding pmf with object</a:t>
+              <a:t>Binding pmf with pointers</a:t>
             </a:r>
             <a:endParaRPr lang="zh-CN" altLang="en-US"/>
           </a:p>
@@ -18909,73 +19124,86 @@
           <a:lstStyle/>
           <a:p>
             <a:r>
-              <a:rPr lang="en-US" altLang="zh-CN" sz="1400"/>
-              <a:t>struct caller_is_a_reference {};</a:t>
-            </a:r>
-          </a:p>
-          <a:p>
-            <a:endParaRPr lang="zh-CN" altLang="en-US" sz="1400"/>
-          </a:p>
-          <a:p>
-            <a:r>
-              <a:rPr lang="zh-CN" altLang="en-US" sz="1400"/>
+              <a:rPr lang="en-US" altLang="zh-CN" sz="1400" dirty="0" err="1"/>
+              <a:t>struct</a:t>
+            </a:r>
+            <a:r>
+              <a:rPr lang="en-US" altLang="zh-CN" sz="1400" dirty="0"/>
+              <a:t> </a:t>
+            </a:r>
+            <a:r>
+              <a:rPr lang="en-US" altLang="zh-CN" sz="1400" dirty="0" err="1"/>
+              <a:t>caller_is_a_pointer</a:t>
+            </a:r>
+            <a:r>
+              <a:rPr lang="en-US" altLang="zh-CN" sz="1400" dirty="0"/>
+              <a:t>{};</a:t>
+            </a:r>
+          </a:p>
+          <a:p>
+            <a:endParaRPr lang="zh-CN" altLang="en-US" sz="1400" dirty="0"/>
+          </a:p>
+          <a:p>
+            <a:r>
+              <a:rPr lang="zh-CN" altLang="en-US" sz="1400" dirty="0"/>
               <a:t>template &lt;typename F, typename Caller&gt;</a:t>
             </a:r>
           </a:p>
           <a:p>
             <a:r>
-              <a:rPr lang="zh-CN" altLang="en-US" sz="1400"/>
-              <a:t>auto bind_impl_pmf(caller_is_a_reference, F&amp;&amp; pmf, Caller&amp;&amp; caller)</a:t>
-            </a:r>
-          </a:p>
-          <a:p>
-            <a:r>
-              <a:rPr lang="zh-CN" altLang="en-US" sz="1400"/>
+              <a:rPr lang="zh-CN" altLang="en-US" sz="1400" dirty="0"/>
+              <a:t>auto bind_impl_pmf(caller_is_a_pointer, F&amp;&amp; pmf, Caller&amp;&amp; caller)</a:t>
+            </a:r>
+          </a:p>
+          <a:p>
+            <a:r>
+              <a:rPr lang="zh-CN" altLang="en-US" sz="1400" dirty="0"/>
               <a:t>	-&gt; typename function_traits&lt;F&gt;::stl_function_type</a:t>
             </a:r>
           </a:p>
           <a:p>
             <a:r>
-              <a:rPr lang="zh-CN" altLang="en-US" sz="1400"/>
+              <a:rPr lang="zh-CN" altLang="en-US" sz="1400" dirty="0"/>
               <a:t>{</a:t>
             </a:r>
           </a:p>
           <a:p>
             <a:r>
-              <a:rPr lang="zh-CN" altLang="en-US" sz="1400"/>
-              <a:t>	</a:t>
-            </a:r>
-            <a:r>
-              <a:rPr lang="en-US" altLang="zh-CN" sz="1400"/>
-              <a:t>r</a:t>
-            </a:r>
-            <a:r>
-              <a:rPr lang="zh-CN" altLang="en-US" sz="1400"/>
-              <a:t>eturn [pmf, c = std::forward&lt;Caller&gt;(caller)](auto&amp;&amp; ... args) </a:t>
-            </a:r>
-          </a:p>
-          <a:p>
-            <a:r>
-              <a:rPr lang="zh-CN" altLang="en-US" sz="1400"/>
-              <a:t>	{</a:t>
-            </a:r>
-          </a:p>
-          <a:p>
-            <a:r>
-              <a:rPr lang="zh-CN" altLang="en-US" sz="1400"/>
-              <a:t>		return (c.*pmf)(std::forward&lt;decltype(args)&gt;(args)...); </a:t>
-            </a:r>
-          </a:p>
-          <a:p>
-            <a:r>
-              <a:rPr lang="zh-CN" altLang="en-US" sz="1400"/>
+              <a:rPr lang="zh-CN" altLang="en-US" sz="1400" dirty="0"/>
+              <a:t>	return [pmf, c = std::forward&lt;Caller&gt;(caller)](auto&amp;&amp; ... args) </a:t>
+            </a:r>
+          </a:p>
+          <a:p>
+            <a:r>
+              <a:rPr lang="zh-CN" altLang="en-US" sz="1400" dirty="0"/>
+              <a:t>	{ </a:t>
+            </a:r>
+          </a:p>
+          <a:p>
+            <a:r>
+              <a:rPr lang="zh-CN" altLang="en-US" sz="1400" dirty="0"/>
+              <a:t>		return (c-&gt;*pmf)(std::forward&lt;decltype(args)&gt;(args)...); </a:t>
+            </a:r>
+          </a:p>
+          <a:p>
+            <a:r>
+              <a:rPr lang="zh-CN" altLang="en-US" sz="1400" dirty="0"/>
               <a:t>	};</a:t>
             </a:r>
           </a:p>
           <a:p>
             <a:r>
-              <a:rPr lang="zh-CN" altLang="en-US" sz="1400"/>
+              <a:rPr lang="zh-CN" altLang="en-US" sz="1400" dirty="0"/>
               <a:t>}</a:t>
+            </a:r>
+          </a:p>
+          <a:p>
+            <a:endParaRPr lang="zh-CN" altLang="en-US" sz="1400" dirty="0"/>
+          </a:p>
+          <a:p>
+            <a:r>
+              <a:rPr lang="en-US" altLang="zh-CN" dirty="0"/>
+              <a:t>NOTE: we support polymorphism</a:t>
             </a:r>
           </a:p>
         </p:txBody>
@@ -19033,9 +19261,12 @@
           <a:lstStyle/>
           <a:p>
             <a:r>
-              <a:rPr altLang="zh-CN"/>
-              <a:t>Binding pmf with smart pointers</a:t>
-            </a:r>
+              <a:rPr altLang="zh-CN">
+                <a:sym typeface="+mn-ea"/>
+              </a:rPr>
+              <a:t>Binding pmf with object</a:t>
+            </a:r>
+            <a:endParaRPr lang="zh-CN" altLang="en-US"/>
           </a:p>
         </p:txBody>
       </p:sp>
@@ -19055,76 +19286,72 @@
           <a:lstStyle/>
           <a:p>
             <a:r>
-              <a:rPr lang="en-US" altLang="zh-CN" sz="1400" dirty="0" err="1"/>
-              <a:t>struct</a:t>
-            </a:r>
-            <a:r>
-              <a:rPr lang="en-US" altLang="zh-CN" sz="1400" dirty="0"/>
-              <a:t> </a:t>
-            </a:r>
-            <a:r>
-              <a:rPr lang="en-US" altLang="zh-CN" sz="1400" dirty="0" err="1"/>
-              <a:t>caller_is_a_smart_pointer</a:t>
-            </a:r>
-            <a:r>
-              <a:rPr lang="en-US" altLang="zh-CN" sz="1400" dirty="0"/>
-              <a:t> {};</a:t>
-            </a:r>
-          </a:p>
-          <a:p>
-            <a:endParaRPr lang="zh-CN" altLang="en-US" sz="1400" dirty="0"/>
-          </a:p>
-          <a:p>
-            <a:r>
-              <a:rPr lang="zh-CN" altLang="en-US" sz="1400" dirty="0"/>
+              <a:rPr lang="en-US" altLang="zh-CN" sz="1400"/>
+              <a:t>struct caller_is_a_reference {};</a:t>
+            </a:r>
+          </a:p>
+          <a:p>
+            <a:endParaRPr lang="zh-CN" altLang="en-US" sz="1400"/>
+          </a:p>
+          <a:p>
+            <a:r>
+              <a:rPr lang="zh-CN" altLang="en-US" sz="1400"/>
               <a:t>template &lt;typename F, typename Caller&gt;</a:t>
             </a:r>
           </a:p>
           <a:p>
             <a:r>
-              <a:rPr lang="zh-CN" altLang="en-US" sz="1400" dirty="0"/>
-              <a:t>auto bind_impl_pmf(caller_is_a_smart_pointer, F&amp;&amp; pmf, Caller&amp;&amp; caller)</a:t>
-            </a:r>
-          </a:p>
-          <a:p>
-            <a:r>
-              <a:rPr lang="zh-CN" altLang="en-US" sz="1400" dirty="0"/>
+              <a:rPr lang="zh-CN" altLang="en-US" sz="1400"/>
+              <a:t>auto bind_impl_pmf(caller_is_a_reference, F&amp;&amp; pmf, Caller&amp;&amp; caller)</a:t>
+            </a:r>
+          </a:p>
+          <a:p>
+            <a:r>
+              <a:rPr lang="zh-CN" altLang="en-US" sz="1400"/>
               <a:t>	-&gt; typename function_traits&lt;F&gt;::stl_function_type</a:t>
             </a:r>
           </a:p>
           <a:p>
             <a:r>
-              <a:rPr lang="zh-CN" altLang="en-US" sz="1400" dirty="0"/>
+              <a:rPr lang="zh-CN" altLang="en-US" sz="1400"/>
               <a:t>{</a:t>
             </a:r>
           </a:p>
           <a:p>
             <a:r>
-              <a:rPr lang="zh-CN" altLang="en-US" sz="1400" dirty="0"/>
-              <a:t>	return [pmf, c = std::forward&lt;Caller&gt;(caller)](auto&amp;&amp; ... args) </a:t>
-            </a:r>
-          </a:p>
-          <a:p>
-            <a:r>
-              <a:rPr lang="zh-CN" altLang="en-US" sz="1400" dirty="0"/>
-              <a:t>	{ </a:t>
-            </a:r>
-          </a:p>
-          <a:p>
-            <a:r>
-              <a:rPr lang="zh-CN" altLang="en-US" sz="1400" dirty="0"/>
-              <a:t>		return (c.get()-&gt;*pmf)(std::forward&lt;decltype(args)&gt;(args)...); </a:t>
-            </a:r>
-          </a:p>
-          <a:p>
-            <a:r>
-              <a:rPr lang="zh-CN" altLang="en-US" sz="1400" dirty="0"/>
+              <a:rPr lang="zh-CN" altLang="en-US" sz="1400"/>
+              <a:t>	</a:t>
+            </a:r>
+            <a:r>
+              <a:rPr lang="en-US" altLang="zh-CN" sz="1400"/>
+              <a:t>r</a:t>
+            </a:r>
+            <a:r>
+              <a:rPr lang="zh-CN" altLang="en-US" sz="1400"/>
+              <a:t>eturn [pmf, c = std::forward&lt;Caller&gt;(caller)](auto&amp;&amp; ... args) </a:t>
+            </a:r>
+          </a:p>
+          <a:p>
+            <a:r>
+              <a:rPr lang="zh-CN" altLang="en-US" sz="1400"/>
+              <a:t>	{</a:t>
+            </a:r>
+          </a:p>
+          <a:p>
+            <a:r>
+              <a:rPr lang="zh-CN" altLang="en-US" sz="1400"/>
+              <a:t>		return (c.*pmf)(std::forward&lt;decltype(args)&gt;(args)...); </a:t>
+            </a:r>
+          </a:p>
+          <a:p>
+            <a:r>
+              <a:rPr lang="zh-CN" altLang="en-US" sz="1400"/>
               <a:t>	};</a:t>
             </a:r>
           </a:p>
           <a:p>
             <a:r>
-              <a:rPr lang="zh-CN" altLang="en-US" sz="1400" dirty="0"/>
+              <a:rPr lang="zh-CN" altLang="en-US" sz="1400"/>
               <a:t>}</a:t>
             </a:r>
           </a:p>
@@ -19172,6 +19399,156 @@
             <p:ph type="title"/>
           </p:nvPr>
         </p:nvSpPr>
+        <p:spPr>
+          <a:xfrm>
+            <a:off x="501794" y="260039"/>
+            <a:ext cx="6718156" cy="476885"/>
+          </a:xfrm>
+        </p:spPr>
+        <p:txBody>
+          <a:bodyPr/>
+          <a:lstStyle/>
+          <a:p>
+            <a:r>
+              <a:rPr altLang="zh-CN"/>
+              <a:t>Binding pmf with smart pointers</a:t>
+            </a:r>
+          </a:p>
+        </p:txBody>
+      </p:sp>
+      <p:sp>
+        <p:nvSpPr>
+          <p:cNvPr id="3" name="文本占位符 2"/>
+          <p:cNvSpPr>
+            <a:spLocks noGrp="1"/>
+          </p:cNvSpPr>
+          <p:nvPr>
+            <p:ph type="body" sz="half" idx="2"/>
+          </p:nvPr>
+        </p:nvSpPr>
+        <p:spPr/>
+        <p:txBody>
+          <a:bodyPr/>
+          <a:lstStyle/>
+          <a:p>
+            <a:r>
+              <a:rPr lang="en-US" altLang="zh-CN" sz="1400" dirty="0" err="1"/>
+              <a:t>struct</a:t>
+            </a:r>
+            <a:r>
+              <a:rPr lang="en-US" altLang="zh-CN" sz="1400" dirty="0"/>
+              <a:t> </a:t>
+            </a:r>
+            <a:r>
+              <a:rPr lang="en-US" altLang="zh-CN" sz="1400" dirty="0" err="1"/>
+              <a:t>caller_is_a_smart_pointer</a:t>
+            </a:r>
+            <a:r>
+              <a:rPr lang="en-US" altLang="zh-CN" sz="1400" dirty="0"/>
+              <a:t> {};</a:t>
+            </a:r>
+          </a:p>
+          <a:p>
+            <a:endParaRPr lang="zh-CN" altLang="en-US" sz="1400" dirty="0"/>
+          </a:p>
+          <a:p>
+            <a:r>
+              <a:rPr lang="zh-CN" altLang="en-US" sz="1400" dirty="0"/>
+              <a:t>template &lt;typename F, typename Caller&gt;</a:t>
+            </a:r>
+          </a:p>
+          <a:p>
+            <a:r>
+              <a:rPr lang="zh-CN" altLang="en-US" sz="1400" dirty="0"/>
+              <a:t>auto bind_impl_pmf(caller_is_a_smart_pointer, F&amp;&amp; pmf, Caller&amp;&amp; caller)</a:t>
+            </a:r>
+          </a:p>
+          <a:p>
+            <a:r>
+              <a:rPr lang="zh-CN" altLang="en-US" sz="1400" dirty="0"/>
+              <a:t>	-&gt; typename function_traits&lt;F&gt;::stl_function_type</a:t>
+            </a:r>
+          </a:p>
+          <a:p>
+            <a:r>
+              <a:rPr lang="zh-CN" altLang="en-US" sz="1400" dirty="0"/>
+              <a:t>{</a:t>
+            </a:r>
+          </a:p>
+          <a:p>
+            <a:r>
+              <a:rPr lang="zh-CN" altLang="en-US" sz="1400" dirty="0"/>
+              <a:t>	return [pmf, c = std::forward&lt;Caller&gt;(caller)](auto&amp;&amp; ... args) </a:t>
+            </a:r>
+          </a:p>
+          <a:p>
+            <a:r>
+              <a:rPr lang="zh-CN" altLang="en-US" sz="1400" dirty="0"/>
+              <a:t>	{ </a:t>
+            </a:r>
+          </a:p>
+          <a:p>
+            <a:r>
+              <a:rPr lang="zh-CN" altLang="en-US" sz="1400" dirty="0"/>
+              <a:t>		return (c.get()-&gt;*pmf)(std::forward&lt;decltype(args)&gt;(args)...); </a:t>
+            </a:r>
+          </a:p>
+          <a:p>
+            <a:r>
+              <a:rPr lang="zh-CN" altLang="en-US" sz="1400" dirty="0"/>
+              <a:t>	};</a:t>
+            </a:r>
+          </a:p>
+          <a:p>
+            <a:r>
+              <a:rPr lang="zh-CN" altLang="en-US" sz="1400" dirty="0"/>
+              <a:t>}</a:t>
+            </a:r>
+          </a:p>
+        </p:txBody>
+      </p:sp>
+    </p:spTree>
+  </p:cSld>
+  <p:clrMapOvr>
+    <a:masterClrMapping/>
+  </p:clrMapOvr>
+  <p:timing>
+    <p:tnLst>
+      <p:par>
+        <p:cTn id="1" dur="indefinite" restart="never" nodeType="tmRoot"/>
+      </p:par>
+    </p:tnLst>
+  </p:timing>
+</p:sld>
+</file>
+
+<file path=ppt/slides/slide29.xml><?xml version="1.0" encoding="utf-8"?>
+<p:sld xmlns:a="http://schemas.openxmlformats.org/drawingml/2006/main" xmlns:r="http://schemas.openxmlformats.org/officeDocument/2006/relationships" xmlns:p="http://schemas.openxmlformats.org/presentationml/2006/main">
+  <p:cSld>
+    <p:spTree>
+      <p:nvGrpSpPr>
+        <p:cNvPr id="1" name=""/>
+        <p:cNvGrpSpPr/>
+        <p:nvPr/>
+      </p:nvGrpSpPr>
+      <p:grpSpPr>
+        <a:xfrm>
+          <a:off x="0" y="0"/>
+          <a:ext cx="0" cy="0"/>
+          <a:chOff x="0" y="0"/>
+          <a:chExt cx="0" cy="0"/>
+        </a:xfrm>
+      </p:grpSpPr>
+      <p:sp>
+        <p:nvSpPr>
+          <p:cNvPr id="2" name="标题 1"/>
+          <p:cNvSpPr>
+            <a:spLocks noGrp="1"/>
+          </p:cNvSpPr>
+          <p:nvPr>
+            <p:ph type="title"/>
+          </p:nvPr>
+        </p:nvSpPr>
         <p:spPr/>
         <p:txBody>
           <a:bodyPr/>
@@ -19602,535 +19979,6 @@
         </p:cTn>
       </p:par>
     </p:tnLst>
-  </p:timing>
-</p:sld>
-</file>
-
-<file path=ppt/slides/slide29.xml><?xml version="1.0" encoding="utf-8"?>
-<p:sld xmlns:a="http://schemas.openxmlformats.org/drawingml/2006/main" xmlns:r="http://schemas.openxmlformats.org/officeDocument/2006/relationships" xmlns:p="http://schemas.openxmlformats.org/presentationml/2006/main">
-  <p:cSld>
-    <p:spTree>
-      <p:nvGrpSpPr>
-        <p:cNvPr id="1" name=""/>
-        <p:cNvGrpSpPr/>
-        <p:nvPr/>
-      </p:nvGrpSpPr>
-      <p:grpSpPr>
-        <a:xfrm>
-          <a:off x="0" y="0"/>
-          <a:ext cx="0" cy="0"/>
-          <a:chOff x="0" y="0"/>
-          <a:chExt cx="0" cy="0"/>
-        </a:xfrm>
-      </p:grpSpPr>
-      <p:sp>
-        <p:nvSpPr>
-          <p:cNvPr id="2" name="标题 1"/>
-          <p:cNvSpPr>
-            <a:spLocks noGrp="1"/>
-          </p:cNvSpPr>
-          <p:nvPr>
-            <p:ph type="title"/>
-          </p:nvPr>
-        </p:nvSpPr>
-        <p:spPr/>
-        <p:txBody>
-          <a:bodyPr/>
-          <a:lstStyle/>
-          <a:p>
-            <a:r>
-              <a:rPr lang="en-US" altLang="zh-CN" dirty="0" smtClean="0">
-                <a:sym typeface="+mn-ea"/>
-              </a:rPr>
-              <a:t>Template meta-programming</a:t>
-            </a:r>
-            <a:endParaRPr lang="zh-CN" altLang="en-US" dirty="0"/>
-          </a:p>
-        </p:txBody>
-      </p:sp>
-      <p:sp>
-        <p:nvSpPr>
-          <p:cNvPr id="3" name="文本占位符 2"/>
-          <p:cNvSpPr>
-            <a:spLocks noGrp="1"/>
-          </p:cNvSpPr>
-          <p:nvPr>
-            <p:ph type="body" sz="half" idx="2"/>
-          </p:nvPr>
-        </p:nvSpPr>
-        <p:spPr/>
-        <p:txBody>
-          <a:bodyPr/>
-          <a:lstStyle/>
-          <a:p>
-            <a:r>
-              <a:rPr lang="en-US" altLang="zh-CN" dirty="0"/>
-              <a:t>What can we do with </a:t>
-            </a:r>
-            <a:r>
-              <a:rPr lang="en-US" altLang="zh-CN" dirty="0" err="1"/>
-              <a:t>voider</a:t>
-            </a:r>
-            <a:r>
-              <a:rPr lang="en-US" altLang="zh-CN" dirty="0"/>
-              <a:t>?</a:t>
-            </a:r>
-          </a:p>
-          <a:p>
-            <a:pPr marL="285750" indent="-285750">
-              <a:buClrTx/>
-              <a:buFont typeface="Wingdings" panose="05000000000000000000" charset="0"/>
-              <a:buChar char="u"/>
-            </a:pPr>
-            <a:r>
-              <a:rPr lang="en-US" altLang="zh-CN" dirty="0"/>
-              <a:t> Simplify the way of using SFINAE</a:t>
-            </a:r>
-          </a:p>
-          <a:p>
-            <a:pPr marL="285750" indent="-285750">
-              <a:buClrTx/>
-              <a:buFont typeface="Wingdings" panose="05000000000000000000" charset="0"/>
-              <a:buChar char="u"/>
-            </a:pPr>
-            <a:r>
-              <a:rPr lang="en-US" altLang="zh-CN" dirty="0"/>
-              <a:t> Immune to reference and </a:t>
-            </a:r>
-            <a:r>
-              <a:rPr lang="en-US" altLang="zh-CN" dirty="0" err="1"/>
-              <a:t>cv</a:t>
-            </a:r>
-            <a:r>
-              <a:rPr lang="en-US" altLang="zh-CN" dirty="0"/>
-              <a:t> qualifiers</a:t>
-            </a:r>
-            <a:br>
-              <a:rPr lang="en-US" altLang="zh-CN" dirty="0"/>
-            </a:br>
-            <a:endParaRPr lang="en-US" altLang="zh-CN" dirty="0"/>
-          </a:p>
-          <a:p>
-            <a:r>
-              <a:rPr lang="en-US" altLang="zh-CN" dirty="0" err="1" smtClean="0"/>
-              <a:t>eg</a:t>
-            </a:r>
-            <a:r>
-              <a:rPr lang="en-US" altLang="zh-CN" dirty="0" smtClean="0"/>
-              <a:t>. a simple </a:t>
-            </a:r>
-            <a:r>
-              <a:rPr lang="en-US" altLang="zh-CN" dirty="0" err="1" smtClean="0"/>
-              <a:t>implemenntation</a:t>
-            </a:r>
-            <a:r>
-              <a:rPr lang="en-US" altLang="zh-CN" dirty="0" smtClean="0"/>
-              <a:t> of </a:t>
-            </a:r>
-            <a:r>
-              <a:rPr lang="en-US" altLang="zh-CN" dirty="0" err="1" smtClean="0"/>
-              <a:t>is_smart_pointer</a:t>
-            </a:r>
-            <a:endParaRPr lang="en-US" altLang="zh-CN" dirty="0" smtClean="0"/>
-          </a:p>
-          <a:p>
-            <a:r>
-              <a:rPr lang="en-US" altLang="zh-CN" sz="1400" dirty="0" smtClean="0"/>
-              <a:t>template </a:t>
-            </a:r>
-            <a:r>
-              <a:rPr lang="en-US" altLang="zh-CN" sz="1400" dirty="0"/>
-              <a:t>&lt;</a:t>
-            </a:r>
-            <a:r>
-              <a:rPr lang="en-US" altLang="zh-CN" sz="1400" dirty="0" err="1"/>
-              <a:t>typename</a:t>
-            </a:r>
-            <a:r>
-              <a:rPr lang="en-US" altLang="zh-CN" sz="1400" dirty="0"/>
-              <a:t> T, </a:t>
-            </a:r>
-            <a:r>
-              <a:rPr lang="en-US" altLang="zh-CN" sz="1400" dirty="0" err="1"/>
-              <a:t>typename</a:t>
-            </a:r>
-            <a:r>
-              <a:rPr lang="en-US" altLang="zh-CN" sz="1400" dirty="0"/>
-              <a:t> = void&gt;</a:t>
-            </a:r>
-          </a:p>
-          <a:p>
-            <a:r>
-              <a:rPr lang="en-US" altLang="zh-CN" sz="1400" dirty="0" err="1"/>
-              <a:t>struct</a:t>
-            </a:r>
-            <a:r>
-              <a:rPr lang="en-US" altLang="zh-CN" sz="1400" dirty="0"/>
-              <a:t> </a:t>
-            </a:r>
-            <a:r>
-              <a:rPr lang="en-US" altLang="zh-CN" sz="1400" dirty="0" err="1"/>
-              <a:t>is_smart_pointer</a:t>
-            </a:r>
-            <a:r>
-              <a:rPr lang="en-US" altLang="zh-CN" sz="1400" dirty="0"/>
-              <a:t> : std::</a:t>
-            </a:r>
-            <a:r>
-              <a:rPr lang="en-US" altLang="zh-CN" sz="1400" dirty="0" err="1"/>
-              <a:t>false_type</a:t>
-            </a:r>
-            <a:r>
-              <a:rPr lang="en-US" altLang="zh-CN" sz="1400" dirty="0"/>
-              <a:t> {};</a:t>
-            </a:r>
-          </a:p>
-          <a:p>
-            <a:endParaRPr lang="en-US" altLang="zh-CN" sz="1400" dirty="0"/>
-          </a:p>
-          <a:p>
-            <a:r>
-              <a:rPr lang="en-US" altLang="zh-CN" sz="1400" dirty="0"/>
-              <a:t>template &lt;</a:t>
-            </a:r>
-            <a:r>
-              <a:rPr lang="en-US" altLang="zh-CN" sz="1400" dirty="0" err="1"/>
-              <a:t>typename</a:t>
-            </a:r>
-            <a:r>
-              <a:rPr lang="en-US" altLang="zh-CN" sz="1400" dirty="0"/>
-              <a:t> T&gt;</a:t>
-            </a:r>
-          </a:p>
-          <a:p>
-            <a:r>
-              <a:rPr lang="en-US" altLang="zh-CN" sz="1400" dirty="0" err="1"/>
-              <a:t>struct</a:t>
-            </a:r>
-            <a:r>
-              <a:rPr lang="en-US" altLang="zh-CN" sz="1400" dirty="0"/>
-              <a:t> </a:t>
-            </a:r>
-            <a:r>
-              <a:rPr lang="en-US" altLang="zh-CN" sz="1400" dirty="0" err="1"/>
-              <a:t>is_smart_pointer</a:t>
-            </a:r>
-            <a:r>
-              <a:rPr lang="en-US" altLang="zh-CN" sz="1400" dirty="0"/>
-              <a:t>&lt;T,</a:t>
-            </a:r>
-          </a:p>
-          <a:p>
-            <a:r>
-              <a:rPr lang="en-US" altLang="zh-CN" sz="1400" dirty="0"/>
-              <a:t>	</a:t>
-            </a:r>
-            <a:r>
-              <a:rPr lang="en-US" altLang="zh-CN" sz="1400" dirty="0" err="1"/>
-              <a:t>voider_t</a:t>
-            </a:r>
-            <a:r>
-              <a:rPr lang="en-US" altLang="zh-CN" sz="1400" dirty="0"/>
-              <a:t>&lt;</a:t>
-            </a:r>
-          </a:p>
-          <a:p>
-            <a:r>
-              <a:rPr lang="en-US" altLang="zh-CN" sz="1400" dirty="0"/>
-              <a:t>		</a:t>
-            </a:r>
-            <a:r>
-              <a:rPr lang="en-US" altLang="zh-CN" sz="1400" dirty="0" err="1"/>
-              <a:t>decltype</a:t>
-            </a:r>
-            <a:r>
-              <a:rPr lang="en-US" altLang="zh-CN" sz="1400" dirty="0"/>
-              <a:t>(std::</a:t>
-            </a:r>
-            <a:r>
-              <a:rPr lang="en-US" altLang="zh-CN" sz="1400" dirty="0" err="1"/>
-              <a:t>declval</a:t>
-            </a:r>
-            <a:r>
-              <a:rPr lang="en-US" altLang="zh-CN" sz="1400" dirty="0"/>
-              <a:t>&lt;T&gt;().operator -&gt;()),</a:t>
-            </a:r>
-          </a:p>
-          <a:p>
-            <a:r>
-              <a:rPr lang="en-US" altLang="zh-CN" sz="1400" dirty="0"/>
-              <a:t>		</a:t>
-            </a:r>
-            <a:r>
-              <a:rPr lang="en-US" altLang="zh-CN" sz="1400" dirty="0" err="1"/>
-              <a:t>decltype</a:t>
-            </a:r>
-            <a:r>
-              <a:rPr lang="en-US" altLang="zh-CN" sz="1400" dirty="0"/>
-              <a:t>(std::</a:t>
-            </a:r>
-            <a:r>
-              <a:rPr lang="en-US" altLang="zh-CN" sz="1400" dirty="0" err="1"/>
-              <a:t>declval</a:t>
-            </a:r>
-            <a:r>
-              <a:rPr lang="en-US" altLang="zh-CN" sz="1400" dirty="0"/>
-              <a:t>&lt;T&gt;().get</a:t>
-            </a:r>
-            <a:r>
-              <a:rPr lang="en-US" altLang="zh-CN" sz="1400" dirty="0" smtClean="0"/>
-              <a:t>()</a:t>
-            </a:r>
-            <a:endParaRPr lang="en-US" altLang="zh-CN" sz="1400" dirty="0"/>
-          </a:p>
-          <a:p>
-            <a:r>
-              <a:rPr lang="en-US" altLang="zh-CN" sz="1400" dirty="0"/>
-              <a:t>	&gt;&gt; : std::</a:t>
-            </a:r>
-            <a:r>
-              <a:rPr lang="en-US" altLang="zh-CN" sz="1400" dirty="0" err="1"/>
-              <a:t>true_type</a:t>
-            </a:r>
-            <a:r>
-              <a:rPr lang="en-US" altLang="zh-CN" sz="1400" dirty="0"/>
-              <a:t> {};</a:t>
-            </a:r>
-          </a:p>
-          <a:p>
-            <a:endParaRPr lang="zh-CN" altLang="en-US" dirty="0"/>
-          </a:p>
-        </p:txBody>
-      </p:sp>
-      <p:sp>
-        <p:nvSpPr>
-          <p:cNvPr id="4" name="矩形 3"/>
-          <p:cNvSpPr/>
-          <p:nvPr/>
-        </p:nvSpPr>
-        <p:spPr>
-          <a:xfrm>
-            <a:off x="4957903" y="4846632"/>
-            <a:ext cx="3151184" cy="307777"/>
-          </a:xfrm>
-          <a:prstGeom prst="rect">
-            <a:avLst/>
-          </a:prstGeom>
-        </p:spPr>
-        <p:txBody>
-          <a:bodyPr wrap="none">
-            <a:spAutoFit/>
-          </a:bodyPr>
-          <a:lstStyle/>
-          <a:p>
-            <a:r>
-              <a:rPr lang="en-US" altLang="zh-CN" sz="1400" dirty="0" smtClean="0">
-                <a:solidFill>
-                  <a:srgbClr val="FF0000"/>
-                </a:solidFill>
-                <a:latin typeface="Microsoft YaHei" panose="020B0503020204020204" pitchFamily="34" charset="-122"/>
-                <a:ea typeface="Microsoft YaHei" panose="020B0503020204020204" pitchFamily="34" charset="-122"/>
-              </a:rPr>
-              <a:t>, </a:t>
-            </a:r>
-            <a:r>
-              <a:rPr lang="en-US" altLang="zh-CN" sz="1400" dirty="0" err="1" smtClean="0">
-                <a:solidFill>
-                  <a:srgbClr val="FF0000"/>
-                </a:solidFill>
-                <a:latin typeface="Microsoft YaHei" panose="020B0503020204020204" pitchFamily="34" charset="-122"/>
-                <a:ea typeface="Microsoft YaHei" panose="020B0503020204020204" pitchFamily="34" charset="-122"/>
-              </a:rPr>
-              <a:t>decltype</a:t>
-            </a:r>
-            <a:r>
-              <a:rPr lang="en-US" altLang="zh-CN" sz="1400" dirty="0" smtClean="0">
-                <a:solidFill>
-                  <a:srgbClr val="FF0000"/>
-                </a:solidFill>
-                <a:latin typeface="Microsoft YaHei" panose="020B0503020204020204" pitchFamily="34" charset="-122"/>
-                <a:ea typeface="Microsoft YaHei" panose="020B0503020204020204" pitchFamily="34" charset="-122"/>
-              </a:rPr>
-              <a:t>(std::</a:t>
-            </a:r>
-            <a:r>
-              <a:rPr lang="en-US" altLang="zh-CN" sz="1400" dirty="0" err="1" smtClean="0">
-                <a:solidFill>
-                  <a:srgbClr val="FF0000"/>
-                </a:solidFill>
-                <a:latin typeface="Microsoft YaHei" panose="020B0503020204020204" pitchFamily="34" charset="-122"/>
-                <a:ea typeface="Microsoft YaHei" panose="020B0503020204020204" pitchFamily="34" charset="-122"/>
-              </a:rPr>
-              <a:t>declval</a:t>
-            </a:r>
-            <a:r>
-              <a:rPr lang="en-US" altLang="zh-CN" sz="1400" dirty="0" smtClean="0">
-                <a:solidFill>
-                  <a:srgbClr val="FF0000"/>
-                </a:solidFill>
-                <a:latin typeface="Microsoft YaHei" panose="020B0503020204020204" pitchFamily="34" charset="-122"/>
-                <a:ea typeface="Microsoft YaHei" panose="020B0503020204020204" pitchFamily="34" charset="-122"/>
-              </a:rPr>
-              <a:t>&lt;T&gt;().reset())</a:t>
-            </a:r>
-            <a:endParaRPr lang="zh-CN" altLang="en-US" sz="1400" dirty="0" smtClean="0">
-              <a:solidFill>
-                <a:srgbClr val="FF0000"/>
-              </a:solidFill>
-              <a:latin typeface="Microsoft YaHei" panose="020B0503020204020204" pitchFamily="34" charset="-122"/>
-              <a:ea typeface="Microsoft YaHei" panose="020B0503020204020204" pitchFamily="34" charset="-122"/>
-            </a:endParaRPr>
-          </a:p>
-        </p:txBody>
-      </p:sp>
-      <p:sp>
-        <p:nvSpPr>
-          <p:cNvPr id="5" name="矩形 4"/>
-          <p:cNvSpPr/>
-          <p:nvPr/>
-        </p:nvSpPr>
-        <p:spPr>
-          <a:xfrm>
-            <a:off x="4972907" y="4787909"/>
-            <a:ext cx="255198" cy="369332"/>
-          </a:xfrm>
-          <a:prstGeom prst="rect">
-            <a:avLst/>
-          </a:prstGeom>
-        </p:spPr>
-        <p:txBody>
-          <a:bodyPr wrap="none">
-            <a:spAutoFit/>
-          </a:bodyPr>
-          <a:lstStyle/>
-          <a:p>
-            <a:r>
-              <a:rPr lang="en-US" altLang="zh-CN" dirty="0" smtClean="0"/>
-              <a:t>)</a:t>
-            </a:r>
-            <a:endParaRPr lang="zh-CN" altLang="en-US" dirty="0"/>
-          </a:p>
-        </p:txBody>
-      </p:sp>
-    </p:spTree>
-  </p:cSld>
-  <p:clrMapOvr>
-    <a:masterClrMapping/>
-  </p:clrMapOvr>
-  <p:timing>
-    <p:tnLst>
-      <p:par>
-        <p:cTn id="1" dur="indefinite" restart="never" nodeType="tmRoot">
-          <p:childTnLst>
-            <p:seq concurrent="1" nextAc="seek">
-              <p:cTn id="2" dur="indefinite" nodeType="mainSeq">
-                <p:childTnLst>
-                  <p:par>
-                    <p:cTn id="3" fill="hold">
-                      <p:stCondLst>
-                        <p:cond delay="indefinite"/>
-                      </p:stCondLst>
-                      <p:childTnLst>
-                        <p:par>
-                          <p:cTn id="4" fill="hold">
-                            <p:stCondLst>
-                              <p:cond delay="0"/>
-                            </p:stCondLst>
-                            <p:childTnLst>
-                              <p:par>
-                                <p:cTn id="5" presetID="1" presetClass="exit" presetSubtype="0" fill="hold" grpId="0" nodeType="clickEffect">
-                                  <p:stCondLst>
-                                    <p:cond delay="0"/>
-                                  </p:stCondLst>
-                                  <p:childTnLst>
-                                    <p:set>
-                                      <p:cBhvr>
-                                        <p:cTn id="6" dur="1" fill="hold">
-                                          <p:stCondLst>
-                                            <p:cond delay="0"/>
-                                          </p:stCondLst>
-                                        </p:cTn>
-                                        <p:tgtEl>
-                                          <p:spTgt spid="5"/>
-                                        </p:tgtEl>
-                                        <p:attrNameLst>
-                                          <p:attrName>style.visibility</p:attrName>
-                                        </p:attrNameLst>
-                                      </p:cBhvr>
-                                      <p:to>
-                                        <p:strVal val="hidden"/>
-                                      </p:to>
-                                    </p:set>
-                                  </p:childTnLst>
-                                </p:cTn>
-                              </p:par>
-                            </p:childTnLst>
-                          </p:cTn>
-                        </p:par>
-                        <p:par>
-                          <p:cTn id="7" fill="hold">
-                            <p:stCondLst>
-                              <p:cond delay="0"/>
-                            </p:stCondLst>
-                            <p:childTnLst>
-                              <p:par>
-                                <p:cTn id="8" presetID="1" presetClass="entr" presetSubtype="0" fill="hold" grpId="0" nodeType="afterEffect">
-                                  <p:stCondLst>
-                                    <p:cond delay="0"/>
-                                  </p:stCondLst>
-                                  <p:childTnLst>
-                                    <p:set>
-                                      <p:cBhvr>
-                                        <p:cTn id="9" dur="1" fill="hold">
-                                          <p:stCondLst>
-                                            <p:cond delay="0"/>
-                                          </p:stCondLst>
-                                        </p:cTn>
-                                        <p:tgtEl>
-                                          <p:spTgt spid="4"/>
-                                        </p:tgtEl>
-                                        <p:attrNameLst>
-                                          <p:attrName>style.visibility</p:attrName>
-                                        </p:attrNameLst>
-                                      </p:cBhvr>
-                                      <p:to>
-                                        <p:strVal val="visible"/>
-                                      </p:to>
-                                    </p:set>
-                                  </p:childTnLst>
-                                </p:cTn>
-                              </p:par>
-                            </p:childTnLst>
-                          </p:cTn>
-                        </p:par>
-                      </p:childTnLst>
-                    </p:cTn>
-                  </p:par>
-                </p:childTnLst>
-              </p:cTn>
-              <p:prevCondLst>
-                <p:cond evt="onPrev" delay="0">
-                  <p:tgtEl>
-                    <p:sldTgt/>
-                  </p:tgtEl>
-                </p:cond>
-              </p:prevCondLst>
-              <p:nextCondLst>
-                <p:cond evt="onNext" delay="0">
-                  <p:tgtEl>
-                    <p:sldTgt/>
-                  </p:tgtEl>
-                </p:cond>
-              </p:nextCondLst>
-            </p:seq>
-          </p:childTnLst>
-        </p:cTn>
-      </p:par>
-    </p:tnLst>
-    <p:bldLst>
-      <p:bldP spid="4" grpId="0"/>
-      <p:bldP spid="5" grpId="0"/>
-    </p:bldLst>
   </p:timing>
 </p:sld>
 </file>
@@ -20661,8 +20509,10 @@
           <a:lstStyle/>
           <a:p>
             <a:r>
-              <a:rPr lang="en-US" altLang="zh-CN" dirty="0" smtClean="0"/>
-              <a:t>Outline</a:t>
+              <a:rPr lang="en-US" altLang="zh-CN" dirty="0" smtClean="0">
+                <a:sym typeface="+mn-ea"/>
+              </a:rPr>
+              <a:t>Template meta-programming</a:t>
             </a:r>
             <a:endParaRPr lang="zh-CN" altLang="en-US" dirty="0"/>
           </a:p>
@@ -20685,71 +20535,354 @@
           <a:p>
             <a:r>
               <a:rPr lang="en-US" altLang="zh-CN" dirty="0"/>
-              <a:t>1.Introduction to RPC</a:t>
-            </a:r>
-          </a:p>
-          <a:p>
+              <a:t>What can we do with </a:t>
+            </a:r>
+            <a:r>
+              <a:rPr lang="en-US" altLang="zh-CN" dirty="0" err="1"/>
+              <a:t>voider</a:t>
+            </a:r>
+            <a:r>
+              <a:rPr lang="en-US" altLang="zh-CN" dirty="0"/>
+              <a:t>?</a:t>
+            </a:r>
+          </a:p>
+          <a:p>
+            <a:pPr marL="285750" indent="-285750">
+              <a:buClrTx/>
+              <a:buFont typeface="Wingdings" panose="05000000000000000000" charset="0"/>
+              <a:buChar char="u"/>
+            </a:pPr>
+            <a:r>
+              <a:rPr lang="en-US" altLang="zh-CN" dirty="0"/>
+              <a:t> Simplify the way of using SFINAE</a:t>
+            </a:r>
+          </a:p>
+          <a:p>
+            <a:pPr marL="285750" indent="-285750">
+              <a:buClrTx/>
+              <a:buFont typeface="Wingdings" panose="05000000000000000000" charset="0"/>
+              <a:buChar char="u"/>
+            </a:pPr>
+            <a:r>
+              <a:rPr lang="en-US" altLang="zh-CN" dirty="0"/>
+              <a:t> Immune to reference and </a:t>
+            </a:r>
+            <a:r>
+              <a:rPr lang="en-US" altLang="zh-CN" dirty="0" err="1"/>
+              <a:t>cv</a:t>
+            </a:r>
+            <a:r>
+              <a:rPr lang="en-US" altLang="zh-CN" dirty="0"/>
+              <a:t> qualifiers</a:t>
+            </a:r>
+            <a:br>
+              <a:rPr lang="en-US" altLang="zh-CN" dirty="0"/>
+            </a:br>
+            <a:endParaRPr lang="en-US" altLang="zh-CN" dirty="0"/>
+          </a:p>
+          <a:p>
+            <a:r>
+              <a:rPr lang="en-US" altLang="zh-CN" dirty="0" err="1" smtClean="0"/>
+              <a:t>eg</a:t>
+            </a:r>
+            <a:r>
+              <a:rPr lang="en-US" altLang="zh-CN" dirty="0" smtClean="0"/>
+              <a:t>. a simple </a:t>
+            </a:r>
+            <a:r>
+              <a:rPr lang="en-US" altLang="zh-CN" dirty="0" err="1" smtClean="0"/>
+              <a:t>implemenntation</a:t>
+            </a:r>
+            <a:r>
+              <a:rPr lang="en-US" altLang="zh-CN" dirty="0" smtClean="0"/>
+              <a:t> of </a:t>
+            </a:r>
+            <a:r>
+              <a:rPr lang="en-US" altLang="zh-CN" dirty="0" err="1" smtClean="0"/>
+              <a:t>is_smart_pointer</a:t>
+            </a:r>
             <a:endParaRPr lang="en-US" altLang="zh-CN" dirty="0" smtClean="0"/>
           </a:p>
           <a:p>
             <a:r>
-              <a:rPr lang="en-US" altLang="zh-CN" dirty="0"/>
-              <a:t>2.Problems of nowadays RPC framework</a:t>
-            </a:r>
-          </a:p>
-          <a:p>
-            <a:endParaRPr lang="en-US" altLang="zh-CN" dirty="0" smtClean="0"/>
-          </a:p>
-          <a:p>
-            <a:r>
-              <a:rPr lang="en-US" altLang="zh-CN" dirty="0"/>
-              <a:t>3.Challenges in developing a high performance and easy to use RPC framework</a:t>
-            </a:r>
-          </a:p>
-          <a:p>
-            <a:endParaRPr lang="en-US" altLang="zh-CN" dirty="0" smtClean="0"/>
-          </a:p>
-          <a:p>
-            <a:r>
-              <a:rPr lang="en-US" altLang="zh-CN" dirty="0"/>
-              <a:t>4.Key technologies</a:t>
-            </a:r>
-          </a:p>
-          <a:p>
-            <a:endParaRPr lang="en-US" altLang="zh-CN" dirty="0"/>
-          </a:p>
-          <a:p>
-            <a:r>
-              <a:rPr lang="en-US" altLang="zh-CN" sz="1800" dirty="0">
+              <a:rPr lang="en-US" altLang="zh-CN" sz="1400" dirty="0" smtClean="0"/>
+              <a:t>template </a:t>
+            </a:r>
+            <a:r>
+              <a:rPr lang="en-US" altLang="zh-CN" sz="1400" dirty="0"/>
+              <a:t>&lt;</a:t>
+            </a:r>
+            <a:r>
+              <a:rPr lang="en-US" altLang="zh-CN" sz="1400" dirty="0" err="1"/>
+              <a:t>typename</a:t>
+            </a:r>
+            <a:r>
+              <a:rPr lang="en-US" altLang="zh-CN" sz="1400" dirty="0"/>
+              <a:t> T, </a:t>
+            </a:r>
+            <a:r>
+              <a:rPr lang="en-US" altLang="zh-CN" sz="1400" dirty="0" err="1"/>
+              <a:t>typename</a:t>
+            </a:r>
+            <a:r>
+              <a:rPr lang="en-US" altLang="zh-CN" sz="1400" dirty="0"/>
+              <a:t> = void&gt;</a:t>
+            </a:r>
+          </a:p>
+          <a:p>
+            <a:r>
+              <a:rPr lang="en-US" altLang="zh-CN" sz="1400" dirty="0" err="1"/>
+              <a:t>struct</a:t>
+            </a:r>
+            <a:r>
+              <a:rPr lang="en-US" altLang="zh-CN" sz="1400" dirty="0"/>
+              <a:t> </a:t>
+            </a:r>
+            <a:r>
+              <a:rPr lang="en-US" altLang="zh-CN" sz="1400" dirty="0" err="1"/>
+              <a:t>is_smart_pointer</a:t>
+            </a:r>
+            <a:r>
+              <a:rPr lang="en-US" altLang="zh-CN" sz="1400" dirty="0"/>
+              <a:t> : std::</a:t>
+            </a:r>
+            <a:r>
+              <a:rPr lang="en-US" altLang="zh-CN" sz="1400" dirty="0" err="1"/>
+              <a:t>false_type</a:t>
+            </a:r>
+            <a:r>
+              <a:rPr lang="en-US" altLang="zh-CN" sz="1400" dirty="0"/>
+              <a:t> {};</a:t>
+            </a:r>
+          </a:p>
+          <a:p>
+            <a:endParaRPr lang="en-US" altLang="zh-CN" sz="1400" dirty="0"/>
+          </a:p>
+          <a:p>
+            <a:r>
+              <a:rPr lang="en-US" altLang="zh-CN" sz="1400" dirty="0"/>
+              <a:t>template &lt;</a:t>
+            </a:r>
+            <a:r>
+              <a:rPr lang="en-US" altLang="zh-CN" sz="1400" dirty="0" err="1"/>
+              <a:t>typename</a:t>
+            </a:r>
+            <a:r>
+              <a:rPr lang="en-US" altLang="zh-CN" sz="1400" dirty="0"/>
+              <a:t> T&gt;</a:t>
+            </a:r>
+          </a:p>
+          <a:p>
+            <a:r>
+              <a:rPr lang="en-US" altLang="zh-CN" sz="1400" dirty="0" err="1"/>
+              <a:t>struct</a:t>
+            </a:r>
+            <a:r>
+              <a:rPr lang="en-US" altLang="zh-CN" sz="1400" dirty="0"/>
+              <a:t> </a:t>
+            </a:r>
+            <a:r>
+              <a:rPr lang="en-US" altLang="zh-CN" sz="1400" dirty="0" err="1"/>
+              <a:t>is_smart_pointer</a:t>
+            </a:r>
+            <a:r>
+              <a:rPr lang="en-US" altLang="zh-CN" sz="1400" dirty="0"/>
+              <a:t>&lt;T,</a:t>
+            </a:r>
+          </a:p>
+          <a:p>
+            <a:r>
+              <a:rPr lang="en-US" altLang="zh-CN" sz="1400" dirty="0"/>
+              <a:t>	</a:t>
+            </a:r>
+            <a:r>
+              <a:rPr lang="en-US" altLang="zh-CN" sz="1400" dirty="0" err="1"/>
+              <a:t>voider_t</a:t>
+            </a:r>
+            <a:r>
+              <a:rPr lang="en-US" altLang="zh-CN" sz="1400" dirty="0"/>
+              <a:t>&lt;</a:t>
+            </a:r>
+          </a:p>
+          <a:p>
+            <a:r>
+              <a:rPr lang="en-US" altLang="zh-CN" sz="1400" dirty="0"/>
+              <a:t>		</a:t>
+            </a:r>
+            <a:r>
+              <a:rPr lang="en-US" altLang="zh-CN" sz="1400" dirty="0" err="1"/>
+              <a:t>decltype</a:t>
+            </a:r>
+            <a:r>
+              <a:rPr lang="en-US" altLang="zh-CN" sz="1400" dirty="0"/>
+              <a:t>(std::</a:t>
+            </a:r>
+            <a:r>
+              <a:rPr lang="en-US" altLang="zh-CN" sz="1400" dirty="0" err="1"/>
+              <a:t>declval</a:t>
+            </a:r>
+            <a:r>
+              <a:rPr lang="en-US" altLang="zh-CN" sz="1400" dirty="0"/>
+              <a:t>&lt;T&gt;().operator -&gt;()),</a:t>
+            </a:r>
+          </a:p>
+          <a:p>
+            <a:r>
+              <a:rPr lang="en-US" altLang="zh-CN" sz="1400" dirty="0"/>
+              <a:t>		</a:t>
+            </a:r>
+            <a:r>
+              <a:rPr lang="en-US" altLang="zh-CN" sz="1400" dirty="0" err="1"/>
+              <a:t>decltype</a:t>
+            </a:r>
+            <a:r>
+              <a:rPr lang="en-US" altLang="zh-CN" sz="1400" dirty="0"/>
+              <a:t>(std::</a:t>
+            </a:r>
+            <a:r>
+              <a:rPr lang="en-US" altLang="zh-CN" sz="1400" dirty="0" err="1"/>
+              <a:t>declval</a:t>
+            </a:r>
+            <a:r>
+              <a:rPr lang="en-US" altLang="zh-CN" sz="1400" dirty="0"/>
+              <a:t>&lt;T&gt;().get</a:t>
+            </a:r>
+            <a:r>
+              <a:rPr lang="en-US" altLang="zh-CN" sz="1400" dirty="0" smtClean="0"/>
+              <a:t>()</a:t>
+            </a:r>
+            <a:endParaRPr lang="en-US" altLang="zh-CN" sz="1400" dirty="0"/>
+          </a:p>
+          <a:p>
+            <a:r>
+              <a:rPr lang="en-US" altLang="zh-CN" sz="1400" dirty="0"/>
+              <a:t>	&gt;&gt; : std::</a:t>
+            </a:r>
+            <a:r>
+              <a:rPr lang="en-US" altLang="zh-CN" sz="1400" dirty="0" err="1"/>
+              <a:t>true_type</a:t>
+            </a:r>
+            <a:r>
+              <a:rPr lang="en-US" altLang="zh-CN" sz="1400" dirty="0"/>
+              <a:t> {};</a:t>
+            </a:r>
+          </a:p>
+          <a:p>
+            <a:endParaRPr lang="zh-CN" altLang="en-US" dirty="0"/>
+          </a:p>
+        </p:txBody>
+      </p:sp>
+      <p:sp>
+        <p:nvSpPr>
+          <p:cNvPr id="4" name="矩形 3"/>
+          <p:cNvSpPr/>
+          <p:nvPr/>
+        </p:nvSpPr>
+        <p:spPr>
+          <a:xfrm>
+            <a:off x="4957903" y="4846632"/>
+            <a:ext cx="3151184" cy="307777"/>
+          </a:xfrm>
+          <a:prstGeom prst="rect">
+            <a:avLst/>
+          </a:prstGeom>
+        </p:spPr>
+        <p:txBody>
+          <a:bodyPr wrap="none">
+            <a:spAutoFit/>
+          </a:bodyPr>
+          <a:lstStyle/>
+          <a:p>
+            <a:r>
+              <a:rPr lang="en-US" altLang="zh-CN" sz="1400" dirty="0" smtClean="0">
                 <a:solidFill>
-                  <a:schemeClr val="accent5"/>
+                  <a:srgbClr val="FF0000"/>
                 </a:solidFill>
+                <a:latin typeface="Microsoft YaHei" panose="020B0503020204020204" pitchFamily="34" charset="-122"/>
+                <a:ea typeface="Microsoft YaHei" panose="020B0503020204020204" pitchFamily="34" charset="-122"/>
               </a:rPr>
-              <a:t>5.A little episode </a:t>
-            </a:r>
-          </a:p>
-          <a:p>
-            <a:endParaRPr lang="en-US" altLang="zh-CN" dirty="0"/>
-          </a:p>
+              <a:t>, </a:t>
+            </a:r>
+            <a:r>
+              <a:rPr lang="en-US" altLang="zh-CN" sz="1400" dirty="0" err="1" smtClean="0">
+                <a:solidFill>
+                  <a:srgbClr val="FF0000"/>
+                </a:solidFill>
+                <a:latin typeface="Microsoft YaHei" panose="020B0503020204020204" pitchFamily="34" charset="-122"/>
+                <a:ea typeface="Microsoft YaHei" panose="020B0503020204020204" pitchFamily="34" charset="-122"/>
+              </a:rPr>
+              <a:t>decltype</a:t>
+            </a:r>
+            <a:r>
+              <a:rPr lang="en-US" altLang="zh-CN" sz="1400" dirty="0" smtClean="0">
+                <a:solidFill>
+                  <a:srgbClr val="FF0000"/>
+                </a:solidFill>
+                <a:latin typeface="Microsoft YaHei" panose="020B0503020204020204" pitchFamily="34" charset="-122"/>
+                <a:ea typeface="Microsoft YaHei" panose="020B0503020204020204" pitchFamily="34" charset="-122"/>
+              </a:rPr>
+              <a:t>(std::</a:t>
+            </a:r>
+            <a:r>
+              <a:rPr lang="en-US" altLang="zh-CN" sz="1400" dirty="0" err="1" smtClean="0">
+                <a:solidFill>
+                  <a:srgbClr val="FF0000"/>
+                </a:solidFill>
+                <a:latin typeface="Microsoft YaHei" panose="020B0503020204020204" pitchFamily="34" charset="-122"/>
+                <a:ea typeface="Microsoft YaHei" panose="020B0503020204020204" pitchFamily="34" charset="-122"/>
+              </a:rPr>
+              <a:t>declval</a:t>
+            </a:r>
+            <a:r>
+              <a:rPr lang="en-US" altLang="zh-CN" sz="1400" dirty="0" smtClean="0">
+                <a:solidFill>
+                  <a:srgbClr val="FF0000"/>
+                </a:solidFill>
+                <a:latin typeface="Microsoft YaHei" panose="020B0503020204020204" pitchFamily="34" charset="-122"/>
+                <a:ea typeface="Microsoft YaHei" panose="020B0503020204020204" pitchFamily="34" charset="-122"/>
+              </a:rPr>
+              <a:t>&lt;T&gt;().reset())</a:t>
+            </a:r>
+            <a:endParaRPr lang="zh-CN" altLang="en-US" sz="1400" dirty="0" smtClean="0">
+              <a:solidFill>
+                <a:srgbClr val="FF0000"/>
+              </a:solidFill>
+              <a:latin typeface="Microsoft YaHei" panose="020B0503020204020204" pitchFamily="34" charset="-122"/>
+              <a:ea typeface="Microsoft YaHei" panose="020B0503020204020204" pitchFamily="34" charset="-122"/>
+            </a:endParaRPr>
+          </a:p>
+        </p:txBody>
+      </p:sp>
+      <p:sp>
+        <p:nvSpPr>
+          <p:cNvPr id="5" name="矩形 4"/>
+          <p:cNvSpPr/>
+          <p:nvPr/>
+        </p:nvSpPr>
+        <p:spPr>
+          <a:xfrm>
+            <a:off x="4972907" y="4787909"/>
+            <a:ext cx="255198" cy="369332"/>
+          </a:xfrm>
+          <a:prstGeom prst="rect">
+            <a:avLst/>
+          </a:prstGeom>
+        </p:spPr>
+        <p:txBody>
+          <a:bodyPr wrap="none">
+            <a:spAutoFit/>
+          </a:bodyPr>
+          <a:lstStyle/>
           <a:p>
             <a:r>
               <a:rPr lang="en-US" altLang="zh-CN" dirty="0" smtClean="0"/>
-              <a:t>6.What </a:t>
-            </a:r>
-            <a:r>
-              <a:rPr lang="en-US" altLang="zh-CN" dirty="0"/>
-              <a:t>you can do with it</a:t>
+              <a:t>)</a:t>
             </a:r>
             <a:endParaRPr lang="zh-CN" altLang="en-US" dirty="0"/>
           </a:p>
         </p:txBody>
       </p:sp>
     </p:spTree>
-    <p:extLst>
-      <p:ext uri="{BB962C8B-B14F-4D97-AF65-F5344CB8AC3E}">
-        <p14:creationId xmlns:p14="http://schemas.microsoft.com/office/powerpoint/2010/main" val="1198844880"/>
-      </p:ext>
-    </p:extLst>
   </p:cSld>
   <p:clrMapOvr>
     <a:masterClrMapping/>
@@ -20757,9 +20890,117 @@
   <p:timing>
     <p:tnLst>
       <p:par>
-        <p:cTn id="1" dur="indefinite" restart="never" nodeType="tmRoot"/>
+        <p:cTn id="1" dur="indefinite" restart="never" nodeType="tmRoot">
+          <p:childTnLst>
+            <p:seq concurrent="1" nextAc="seek">
+              <p:cTn id="2" dur="indefinite" nodeType="mainSeq">
+                <p:childTnLst>
+                  <p:par>
+                    <p:cTn id="3" fill="hold">
+                      <p:stCondLst>
+                        <p:cond delay="indefinite"/>
+                      </p:stCondLst>
+                      <p:childTnLst>
+                        <p:par>
+                          <p:cTn id="4" fill="hold">
+                            <p:stCondLst>
+                              <p:cond delay="0"/>
+                            </p:stCondLst>
+                            <p:childTnLst>
+                              <p:par>
+                                <p:cTn id="5" presetID="1" presetClass="exit" presetSubtype="0" fill="hold" grpId="0" nodeType="clickEffect">
+                                  <p:stCondLst>
+                                    <p:cond delay="0"/>
+                                  </p:stCondLst>
+                                  <p:childTnLst>
+                                    <p:set>
+                                      <p:cBhvr>
+                                        <p:cTn id="6" dur="1" fill="hold">
+                                          <p:stCondLst>
+                                            <p:cond delay="0"/>
+                                          </p:stCondLst>
+                                        </p:cTn>
+                                        <p:tgtEl>
+                                          <p:spTgt spid="5"/>
+                                        </p:tgtEl>
+                                        <p:attrNameLst>
+                                          <p:attrName>style.visibility</p:attrName>
+                                        </p:attrNameLst>
+                                      </p:cBhvr>
+                                      <p:to>
+                                        <p:strVal val="hidden"/>
+                                      </p:to>
+                                    </p:set>
+                                  </p:childTnLst>
+                                </p:cTn>
+                              </p:par>
+                            </p:childTnLst>
+                          </p:cTn>
+                        </p:par>
+                        <p:par>
+                          <p:cTn id="7" fill="hold">
+                            <p:stCondLst>
+                              <p:cond delay="0"/>
+                            </p:stCondLst>
+                            <p:childTnLst>
+                              <p:par>
+                                <p:cTn id="8" presetID="1" presetClass="entr" presetSubtype="0" fill="hold" grpId="0" nodeType="afterEffect">
+                                  <p:stCondLst>
+                                    <p:cond delay="0"/>
+                                  </p:stCondLst>
+                                  <p:childTnLst>
+                                    <p:set>
+                                      <p:cBhvr>
+                                        <p:cTn id="9" dur="1" fill="hold">
+                                          <p:stCondLst>
+                                            <p:cond delay="0"/>
+                                          </p:stCondLst>
+                                        </p:cTn>
+                                        <p:tgtEl>
+                                          <p:spTgt spid="4"/>
+                                        </p:tgtEl>
+                                        <p:attrNameLst>
+                                          <p:attrName>style.visibility</p:attrName>
+                                        </p:attrNameLst>
+                                      </p:cBhvr>
+                                      <p:to>
+                                        <p:strVal val="visible"/>
+                                      </p:to>
+                                    </p:set>
+                                  </p:childTnLst>
+                                </p:cTn>
+                              </p:par>
+                            </p:childTnLst>
+                          </p:cTn>
+                        </p:par>
+                      </p:childTnLst>
+                    </p:cTn>
+                  </p:par>
+                </p:childTnLst>
+              </p:cTn>
+              <p:prevCondLst>
+                <p:cond evt="onPrev" delay="0">
+                  <p:tgtEl>
+                    <p:sldTgt/>
+                  </p:tgtEl>
+                </p:cond>
+              </p:prevCondLst>
+              <p:nextCondLst>
+                <p:cond evt="onNext" delay="0">
+                  <p:tgtEl>
+                    <p:sldTgt/>
+                  </p:tgtEl>
+                </p:cond>
+              </p:nextCondLst>
+            </p:seq>
+          </p:childTnLst>
+        </p:cTn>
       </p:par>
     </p:tnLst>
+    <p:bldLst>
+      <p:bldP spid="4" grpId="0"/>
+      <p:bldP spid="5" grpId="0"/>
+    </p:bldLst>
   </p:timing>
 </p:sld>
 </file>
@@ -20798,7 +21039,7 @@
           <a:p>
             <a:r>
               <a:rPr lang="en-US" altLang="zh-CN" dirty="0" smtClean="0"/>
-              <a:t>Episode</a:t>
+              <a:t>Outline</a:t>
             </a:r>
             <a:endParaRPr lang="zh-CN" altLang="en-US" dirty="0"/>
           </a:p>
@@ -20820,24 +21061,35 @@
           <a:lstStyle/>
           <a:p>
             <a:r>
-              <a:rPr lang="en-US" altLang="zh-CN" b="1" dirty="0"/>
-              <a:t>boost::</a:t>
-            </a:r>
-            <a:r>
-              <a:rPr lang="en-US" altLang="zh-CN" b="1" dirty="0" err="1"/>
-              <a:t>placehodler</a:t>
-            </a:r>
-            <a:r>
-              <a:rPr lang="en-US" altLang="zh-CN" b="1" dirty="0"/>
-              <a:t>::_1 ... are in the </a:t>
-            </a:r>
-            <a:r>
-              <a:rPr lang="en-US" altLang="zh-CN" b="1" dirty="0" err="1"/>
-              <a:t>gloable</a:t>
-            </a:r>
-            <a:r>
-              <a:rPr lang="en-US" altLang="zh-CN" b="1" dirty="0"/>
-              <a:t> namespace</a:t>
+              <a:rPr lang="en-US" altLang="zh-CN" dirty="0"/>
+              <a:t>1.Introduction to RPC</a:t>
+            </a:r>
+          </a:p>
+          <a:p>
+            <a:endParaRPr lang="en-US" altLang="zh-CN" dirty="0" smtClean="0"/>
+          </a:p>
+          <a:p>
+            <a:r>
+              <a:rPr lang="en-US" altLang="zh-CN" dirty="0"/>
+              <a:t>2.Problems of nowadays RPC framework</a:t>
+            </a:r>
+          </a:p>
+          <a:p>
+            <a:endParaRPr lang="en-US" altLang="zh-CN" dirty="0" smtClean="0"/>
+          </a:p>
+          <a:p>
+            <a:r>
+              <a:rPr lang="en-US" altLang="zh-CN" dirty="0"/>
+              <a:t>3.Challenges in developing a high performance and easy to use RPC framework</a:t>
+            </a:r>
+          </a:p>
+          <a:p>
+            <a:endParaRPr lang="en-US" altLang="zh-CN" dirty="0" smtClean="0"/>
+          </a:p>
+          <a:p>
+            <a:r>
+              <a:rPr lang="en-US" altLang="zh-CN" dirty="0"/>
+              <a:t>4.Key technologies</a:t>
             </a:r>
           </a:p>
           <a:p>
@@ -20845,140 +21097,36 @@
           </a:p>
           <a:p>
             <a:r>
+              <a:rPr lang="en-US" altLang="zh-CN" sz="1800" dirty="0">
+                <a:solidFill>
+                  <a:schemeClr val="accent5"/>
+                </a:solidFill>
+              </a:rPr>
+              <a:t>5.A little episode </a:t>
+            </a:r>
+          </a:p>
+          <a:p>
+            <a:endParaRPr lang="en-US" altLang="zh-CN" dirty="0"/>
+          </a:p>
+          <a:p>
+            <a:r>
+              <a:rPr lang="en-US" altLang="zh-CN" dirty="0" smtClean="0"/>
+              <a:t>6.What </a:t>
+            </a:r>
+            <a:r>
               <a:rPr lang="en-US" altLang="zh-CN" dirty="0"/>
-              <a:t>There are several ways to solve this</a:t>
-            </a:r>
-          </a:p>
-          <a:p>
-            <a:r>
-              <a:rPr lang="en-US" altLang="zh-CN" dirty="0"/>
-              <a:t>1. Add a macro BOOST_BIND_NO_PLACEHOLDERS ahead</a:t>
-            </a:r>
-          </a:p>
-          <a:p>
-            <a:r>
-              <a:rPr lang="en-US" altLang="zh-CN" dirty="0"/>
-              <a:t>2. Make std::bind compatible with boost::</a:t>
-            </a:r>
-            <a:r>
-              <a:rPr lang="en-US" altLang="zh-CN" dirty="0" err="1"/>
-              <a:t>placerholers</a:t>
-            </a:r>
-            <a:endParaRPr lang="en-US" altLang="zh-CN" dirty="0"/>
-          </a:p>
-          <a:p>
-            <a:endParaRPr lang="en-US" altLang="zh-CN" dirty="0"/>
-          </a:p>
-          <a:p>
-            <a:r>
-              <a:rPr lang="en-US" altLang="zh-CN" dirty="0"/>
-              <a:t>We choose the second.</a:t>
-            </a:r>
-          </a:p>
-          <a:p>
-            <a:endParaRPr lang="en-US" altLang="zh-CN" dirty="0"/>
-          </a:p>
-          <a:p>
-            <a:r>
-              <a:rPr lang="en-US" altLang="zh-CN" sz="1400" dirty="0"/>
-              <a:t>namespace std</a:t>
-            </a:r>
-          </a:p>
-          <a:p>
-            <a:r>
-              <a:rPr lang="en-US" altLang="zh-CN" sz="1400" dirty="0"/>
-              <a:t>{</a:t>
-            </a:r>
-          </a:p>
-          <a:p>
-            <a:r>
-              <a:rPr lang="en-US" altLang="zh-CN" sz="1400" dirty="0"/>
-              <a:t>	template &lt;</a:t>
-            </a:r>
-            <a:r>
-              <a:rPr lang="en-US" altLang="zh-CN" sz="1400" dirty="0" err="1"/>
-              <a:t>int</a:t>
-            </a:r>
-            <a:r>
-              <a:rPr lang="en-US" altLang="zh-CN" sz="1400" dirty="0"/>
-              <a:t> Size&gt;</a:t>
-            </a:r>
-          </a:p>
-          <a:p>
-            <a:r>
-              <a:rPr lang="en-US" altLang="zh-CN" sz="1400" dirty="0"/>
-              <a:t>	</a:t>
-            </a:r>
-            <a:r>
-              <a:rPr lang="en-US" altLang="zh-CN" sz="1400" dirty="0" err="1"/>
-              <a:t>struct</a:t>
-            </a:r>
-            <a:r>
-              <a:rPr lang="en-US" altLang="zh-CN" sz="1400" dirty="0"/>
-              <a:t> </a:t>
-            </a:r>
-            <a:r>
-              <a:rPr lang="en-US" altLang="zh-CN" sz="1400" dirty="0" err="1"/>
-              <a:t>is_placeholder</a:t>
-            </a:r>
-            <a:r>
-              <a:rPr lang="en-US" altLang="zh-CN" sz="1400" dirty="0"/>
-              <a:t>&lt;boost::</a:t>
-            </a:r>
-            <a:r>
-              <a:rPr lang="en-US" altLang="zh-CN" sz="1400" dirty="0" err="1"/>
-              <a:t>arg</a:t>
-            </a:r>
-            <a:r>
-              <a:rPr lang="en-US" altLang="zh-CN" sz="1400" dirty="0"/>
-              <a:t>&lt;Size&gt;&gt;</a:t>
-            </a:r>
-          </a:p>
-          <a:p>
-            <a:r>
-              <a:rPr lang="en-US" altLang="zh-CN" sz="1400" dirty="0"/>
-              <a:t>		: public std::</a:t>
-            </a:r>
-            <a:r>
-              <a:rPr lang="en-US" altLang="zh-CN" sz="1400" dirty="0" err="1"/>
-              <a:t>integral_constant</a:t>
-            </a:r>
-            <a:r>
-              <a:rPr lang="en-US" altLang="zh-CN" sz="1400" dirty="0"/>
-              <a:t>&lt;</a:t>
-            </a:r>
-            <a:r>
-              <a:rPr lang="en-US" altLang="zh-CN" sz="1400" dirty="0" err="1"/>
-              <a:t>int</a:t>
-            </a:r>
-            <a:r>
-              <a:rPr lang="en-US" altLang="zh-CN" sz="1400" dirty="0"/>
-              <a:t>, Size&gt;</a:t>
-            </a:r>
-          </a:p>
-          <a:p>
-            <a:r>
-              <a:rPr lang="en-US" altLang="zh-CN" sz="1400" dirty="0"/>
-              <a:t>	{</a:t>
-            </a:r>
-          </a:p>
-          <a:p>
-            <a:r>
-              <a:rPr lang="en-US" altLang="zh-CN" sz="1400" dirty="0"/>
-              <a:t>	};</a:t>
-            </a:r>
-            <a:br>
-              <a:rPr lang="en-US" altLang="zh-CN" sz="1400" dirty="0"/>
-            </a:br>
-            <a:r>
-              <a:rPr lang="en-US" altLang="zh-CN" sz="1400" dirty="0"/>
-              <a:t>}</a:t>
+              <a:t>you can do with it</a:t>
             </a:r>
             <a:endParaRPr lang="zh-CN" altLang="en-US" dirty="0"/>
           </a:p>
         </p:txBody>
       </p:sp>
     </p:spTree>
+    <p:extLst>
+      <p:ext uri="{BB962C8B-B14F-4D97-AF65-F5344CB8AC3E}">
+        <p14:creationId xmlns:p14="http://schemas.microsoft.com/office/powerpoint/2010/main" val="1198844880"/>
+      </p:ext>
+    </p:extLst>
   </p:cSld>
   <p:clrMapOvr>
     <a:masterClrMapping/>
@@ -21050,125 +21198,163 @@
           <a:p>
             <a:r>
               <a:rPr lang="en-US" altLang="zh-CN" b="1" dirty="0"/>
-              <a:t>A bug from </a:t>
+              <a:t>boost::</a:t>
             </a:r>
             <a:r>
               <a:rPr lang="en-US" altLang="zh-CN" b="1" dirty="0" err="1"/>
-              <a:t>gcc</a:t>
-            </a:r>
-            <a:endParaRPr lang="en-US" altLang="zh-CN" b="1" dirty="0"/>
-          </a:p>
-          <a:p>
-            <a:endParaRPr lang="en-US" altLang="zh-CN" b="1" dirty="0"/>
+              <a:t>placehodler</a:t>
+            </a:r>
+            <a:r>
+              <a:rPr lang="en-US" altLang="zh-CN" b="1" dirty="0"/>
+              <a:t>::_1 ... are in the </a:t>
+            </a:r>
+            <a:r>
+              <a:rPr lang="en-US" altLang="zh-CN" b="1" dirty="0" err="1"/>
+              <a:t>gloable</a:t>
+            </a:r>
+            <a:r>
+              <a:rPr lang="en-US" altLang="zh-CN" b="1" dirty="0"/>
+              <a:t> namespace</a:t>
+            </a:r>
+          </a:p>
+          <a:p>
+            <a:endParaRPr lang="en-US" altLang="zh-CN" dirty="0"/>
           </a:p>
           <a:p>
             <a:r>
               <a:rPr lang="en-US" altLang="zh-CN" dirty="0"/>
-              <a:t>we got a compile-time error from the code below</a:t>
-            </a:r>
-          </a:p>
-          <a:p>
-            <a:r>
-              <a:rPr lang="en-US" altLang="zh-CN" b="1" dirty="0"/>
-              <a:t/>
+              <a:t>There are several ways to solve this</a:t>
+            </a:r>
+          </a:p>
+          <a:p>
+            <a:r>
+              <a:rPr lang="en-US" altLang="zh-CN" dirty="0"/>
+              <a:t>1. Add a macro BOOST_BIND_NO_PLACEHOLDERS ahead</a:t>
+            </a:r>
+          </a:p>
+          <a:p>
+            <a:r>
+              <a:rPr lang="en-US" altLang="zh-CN" dirty="0"/>
+              <a:t>2. Make std::bind compatible with boost::</a:t>
+            </a:r>
+            <a:r>
+              <a:rPr lang="en-US" altLang="zh-CN" dirty="0" err="1"/>
+              <a:t>placerholers</a:t>
+            </a:r>
+            <a:endParaRPr lang="en-US" altLang="zh-CN" dirty="0"/>
+          </a:p>
+          <a:p>
+            <a:endParaRPr lang="en-US" altLang="zh-CN" dirty="0"/>
+          </a:p>
+          <a:p>
+            <a:r>
+              <a:rPr lang="en-US" altLang="zh-CN" dirty="0"/>
+              <a:t>We choose the second.</a:t>
+            </a:r>
+          </a:p>
+          <a:p>
+            <a:endParaRPr lang="en-US" altLang="zh-CN" dirty="0"/>
+          </a:p>
+          <a:p>
+            <a:r>
+              <a:rPr lang="en-US" altLang="zh-CN" sz="1400" dirty="0"/>
+              <a:t>namespace std</a:t>
+            </a:r>
+          </a:p>
+          <a:p>
+            <a:r>
+              <a:rPr lang="en-US" altLang="zh-CN" sz="1400" dirty="0"/>
+              <a:t>{</a:t>
+            </a:r>
+          </a:p>
+          <a:p>
+            <a:r>
+              <a:rPr lang="en-US" altLang="zh-CN" sz="1400" dirty="0"/>
+              <a:t>	template &lt;</a:t>
+            </a:r>
+            <a:r>
+              <a:rPr lang="en-US" altLang="zh-CN" sz="1400" dirty="0" err="1"/>
+              <a:t>int</a:t>
+            </a:r>
+            <a:r>
+              <a:rPr lang="en-US" altLang="zh-CN" sz="1400" dirty="0"/>
+              <a:t> Size&gt;</a:t>
+            </a:r>
+          </a:p>
+          <a:p>
+            <a:r>
+              <a:rPr lang="en-US" altLang="zh-CN" sz="1400" dirty="0"/>
+              <a:t>	</a:t>
+            </a:r>
+            <a:r>
+              <a:rPr lang="en-US" altLang="zh-CN" sz="1400" dirty="0" err="1"/>
+              <a:t>struct</a:t>
+            </a:r>
+            <a:r>
+              <a:rPr lang="en-US" altLang="zh-CN" sz="1400" dirty="0"/>
+              <a:t> </a:t>
+            </a:r>
+            <a:r>
+              <a:rPr lang="en-US" altLang="zh-CN" sz="1400" dirty="0" err="1"/>
+              <a:t>is_placeholder</a:t>
+            </a:r>
+            <a:r>
+              <a:rPr lang="en-US" altLang="zh-CN" sz="1400" dirty="0"/>
+              <a:t>&lt;boost::</a:t>
+            </a:r>
+            <a:r>
+              <a:rPr lang="en-US" altLang="zh-CN" sz="1400" dirty="0" err="1"/>
+              <a:t>arg</a:t>
+            </a:r>
+            <a:r>
+              <a:rPr lang="en-US" altLang="zh-CN" sz="1400" dirty="0"/>
+              <a:t>&lt;Size&gt;&gt;</a:t>
+            </a:r>
+          </a:p>
+          <a:p>
+            <a:r>
+              <a:rPr lang="en-US" altLang="zh-CN" sz="1400" dirty="0"/>
+              <a:t>		: public std::</a:t>
+            </a:r>
+            <a:r>
+              <a:rPr lang="en-US" altLang="zh-CN" sz="1400" dirty="0" err="1"/>
+              <a:t>integral_constant</a:t>
+            </a:r>
+            <a:r>
+              <a:rPr lang="en-US" altLang="zh-CN" sz="1400" dirty="0"/>
+              <a:t>&lt;</a:t>
+            </a:r>
+            <a:r>
+              <a:rPr lang="en-US" altLang="zh-CN" sz="1400" dirty="0" err="1"/>
+              <a:t>int</a:t>
+            </a:r>
+            <a:r>
+              <a:rPr lang="en-US" altLang="zh-CN" sz="1400" dirty="0"/>
+              <a:t>, Size&gt;</a:t>
+            </a:r>
+          </a:p>
+          <a:p>
+            <a:r>
+              <a:rPr lang="en-US" altLang="zh-CN" sz="1400" dirty="0"/>
+              <a:t>	{</a:t>
+            </a:r>
+          </a:p>
+          <a:p>
+            <a:r>
+              <a:rPr lang="en-US" altLang="zh-CN" sz="1400" dirty="0"/>
+              <a:t>	};</a:t>
             </a:r>
             <a:br>
-              <a:rPr lang="en-US" altLang="zh-CN" b="1" dirty="0"/>
+              <a:rPr lang="en-US" altLang="zh-CN" sz="1400" dirty="0"/>
             </a:br>
             <a:r>
-              <a:rPr lang="en-US" altLang="zh-CN" b="1" dirty="0"/>
-              <a:t>	</a:t>
-            </a:r>
-            <a:r>
-              <a:rPr lang="en-US" altLang="zh-CN" sz="1400" dirty="0" err="1"/>
-              <a:t>timax</a:t>
-            </a:r>
-            <a:r>
               <a:rPr lang="en-US" altLang="zh-CN" sz="1400" dirty="0"/>
-              <a:t>::bind(add, 1, _1);  // with boost placeholder</a:t>
-            </a:r>
-          </a:p>
-          <a:p>
-            <a:endParaRPr lang="en-US" altLang="zh-CN" sz="1400" dirty="0"/>
-          </a:p>
-          <a:p>
-            <a:endParaRPr lang="en-US" altLang="zh-CN" b="1" dirty="0"/>
-          </a:p>
-          <a:p>
-            <a:endParaRPr lang="en-US" altLang="zh-CN" b="1" dirty="0"/>
-          </a:p>
-          <a:p>
-            <a:endParaRPr lang="en-US" altLang="zh-CN" b="1" dirty="0"/>
-          </a:p>
-          <a:p>
-            <a:endParaRPr lang="en-US" altLang="zh-CN" b="1" dirty="0"/>
-          </a:p>
-          <a:p>
-            <a:r>
-              <a:rPr lang="en-US" altLang="zh-CN" dirty="0"/>
-              <a:t>boost::placeholders::_1 is a const reference of boost::</a:t>
-            </a:r>
-            <a:r>
-              <a:rPr lang="en-US" altLang="zh-CN" dirty="0" err="1"/>
-              <a:t>arg</a:t>
-            </a:r>
-            <a:r>
-              <a:rPr lang="en-US" altLang="zh-CN" dirty="0"/>
-              <a:t>&lt;1&gt; object, and we guess that </a:t>
-            </a:r>
-            <a:r>
-              <a:rPr lang="en-US" altLang="zh-CN" dirty="0" err="1"/>
-              <a:t>gcc</a:t>
-            </a:r>
-            <a:r>
-              <a:rPr lang="en-US" altLang="zh-CN" dirty="0"/>
-              <a:t> is not doing well with const reference to placeholder</a:t>
-            </a:r>
-          </a:p>
-          <a:p>
-            <a:endParaRPr lang="en-US" altLang="zh-CN" dirty="0"/>
-          </a:p>
-          <a:p>
-            <a:r>
-              <a:rPr lang="en-US" altLang="zh-CN" b="1" dirty="0"/>
-              <a:t>Solution:</a:t>
-            </a:r>
-          </a:p>
-          <a:p>
-            <a:r>
-              <a:rPr lang="en-US" altLang="zh-CN" dirty="0"/>
-              <a:t>use TMP to return a new object when forwarding boost placeholder</a:t>
-            </a:r>
-          </a:p>
-          <a:p>
+              <a:t>}</a:t>
+            </a:r>
             <a:endParaRPr lang="zh-CN" altLang="en-US" dirty="0"/>
           </a:p>
         </p:txBody>
       </p:sp>
-      <p:pic>
-        <p:nvPicPr>
-          <p:cNvPr id="4" name="图片 3" descr="QQ截图20161022233927"/>
-          <p:cNvPicPr>
-            <a:picLocks noChangeAspect="1"/>
-          </p:cNvPicPr>
-          <p:nvPr/>
-        </p:nvPicPr>
-        <p:blipFill>
-          <a:blip r:embed="rId2" cstate="print"/>
-          <a:stretch>
-            <a:fillRect/>
-          </a:stretch>
-        </p:blipFill>
-        <p:spPr>
-          <a:xfrm>
-            <a:off x="909955" y="2856865"/>
-            <a:ext cx="7324090" cy="962025"/>
-          </a:xfrm>
-          <a:prstGeom prst="rect">
-            <a:avLst/>
-          </a:prstGeom>
-        </p:spPr>
-      </p:pic>
     </p:spTree>
   </p:cSld>
   <p:clrMapOvr>
@@ -21240,6 +21426,197 @@
           <a:lstStyle/>
           <a:p>
             <a:r>
+              <a:rPr lang="en-US" altLang="zh-CN" b="1" dirty="0"/>
+              <a:t>A bug from </a:t>
+            </a:r>
+            <a:r>
+              <a:rPr lang="en-US" altLang="zh-CN" b="1" dirty="0" err="1"/>
+              <a:t>gcc</a:t>
+            </a:r>
+            <a:endParaRPr lang="en-US" altLang="zh-CN" b="1" dirty="0"/>
+          </a:p>
+          <a:p>
+            <a:endParaRPr lang="en-US" altLang="zh-CN" b="1" dirty="0"/>
+          </a:p>
+          <a:p>
+            <a:r>
+              <a:rPr lang="en-US" altLang="zh-CN" dirty="0"/>
+              <a:t>we got a compile-time error from the code below</a:t>
+            </a:r>
+          </a:p>
+          <a:p>
+            <a:r>
+              <a:rPr lang="en-US" altLang="zh-CN" b="1" dirty="0"/>
+              <a:t/>
+            </a:r>
+            <a:br>
+              <a:rPr lang="en-US" altLang="zh-CN" b="1" dirty="0"/>
+            </a:br>
+            <a:r>
+              <a:rPr lang="en-US" altLang="zh-CN" b="1" dirty="0"/>
+              <a:t>	</a:t>
+            </a:r>
+            <a:r>
+              <a:rPr lang="en-US" altLang="zh-CN" sz="1400" dirty="0" err="1"/>
+              <a:t>timax</a:t>
+            </a:r>
+            <a:r>
+              <a:rPr lang="en-US" altLang="zh-CN" sz="1400" dirty="0"/>
+              <a:t>::bind(add, 1, _1);  // with boost placeholder</a:t>
+            </a:r>
+          </a:p>
+          <a:p>
+            <a:endParaRPr lang="en-US" altLang="zh-CN" sz="1400" dirty="0"/>
+          </a:p>
+          <a:p>
+            <a:endParaRPr lang="en-US" altLang="zh-CN" b="1" dirty="0"/>
+          </a:p>
+          <a:p>
+            <a:endParaRPr lang="en-US" altLang="zh-CN" b="1" dirty="0"/>
+          </a:p>
+          <a:p>
+            <a:endParaRPr lang="en-US" altLang="zh-CN" b="1" dirty="0"/>
+          </a:p>
+          <a:p>
+            <a:endParaRPr lang="en-US" altLang="zh-CN" b="1" dirty="0"/>
+          </a:p>
+          <a:p>
+            <a:r>
+              <a:rPr lang="en-US" altLang="zh-CN" dirty="0"/>
+              <a:t>boost::placeholders::_1 is a const reference of boost::</a:t>
+            </a:r>
+            <a:r>
+              <a:rPr lang="en-US" altLang="zh-CN" dirty="0" err="1"/>
+              <a:t>arg</a:t>
+            </a:r>
+            <a:r>
+              <a:rPr lang="en-US" altLang="zh-CN" dirty="0"/>
+              <a:t>&lt;1&gt; object, and we guess that </a:t>
+            </a:r>
+            <a:r>
+              <a:rPr lang="en-US" altLang="zh-CN" dirty="0" err="1"/>
+              <a:t>gcc</a:t>
+            </a:r>
+            <a:r>
+              <a:rPr lang="en-US" altLang="zh-CN" dirty="0"/>
+              <a:t> is not doing well with const reference to placeholder</a:t>
+            </a:r>
+          </a:p>
+          <a:p>
+            <a:endParaRPr lang="en-US" altLang="zh-CN" dirty="0"/>
+          </a:p>
+          <a:p>
+            <a:r>
+              <a:rPr lang="en-US" altLang="zh-CN" b="1" dirty="0"/>
+              <a:t>Solution:</a:t>
+            </a:r>
+          </a:p>
+          <a:p>
+            <a:r>
+              <a:rPr lang="en-US" altLang="zh-CN" dirty="0"/>
+              <a:t>use TMP to return a new object when forwarding boost placeholder</a:t>
+            </a:r>
+          </a:p>
+          <a:p>
+            <a:endParaRPr lang="zh-CN" altLang="en-US" dirty="0"/>
+          </a:p>
+        </p:txBody>
+      </p:sp>
+      <p:pic>
+        <p:nvPicPr>
+          <p:cNvPr id="4" name="图片 3" descr="QQ截图20161022233927"/>
+          <p:cNvPicPr>
+            <a:picLocks noChangeAspect="1"/>
+          </p:cNvPicPr>
+          <p:nvPr/>
+        </p:nvPicPr>
+        <p:blipFill>
+          <a:blip r:embed="rId2" cstate="print"/>
+          <a:stretch>
+            <a:fillRect/>
+          </a:stretch>
+        </p:blipFill>
+        <p:spPr>
+          <a:xfrm>
+            <a:off x="909955" y="2856865"/>
+            <a:ext cx="7324090" cy="962025"/>
+          </a:xfrm>
+          <a:prstGeom prst="rect">
+            <a:avLst/>
+          </a:prstGeom>
+        </p:spPr>
+      </p:pic>
+    </p:spTree>
+  </p:cSld>
+  <p:clrMapOvr>
+    <a:masterClrMapping/>
+  </p:clrMapOvr>
+  <p:timing>
+    <p:tnLst>
+      <p:par>
+        <p:cTn id="1" dur="indefinite" restart="never" nodeType="tmRoot"/>
+      </p:par>
+    </p:tnLst>
+  </p:timing>
+</p:sld>
+</file>
+
+<file path=ppt/slides/slide34.xml><?xml version="1.0" encoding="utf-8"?>
+<p:sld xmlns:a="http://schemas.openxmlformats.org/drawingml/2006/main" xmlns:r="http://schemas.openxmlformats.org/officeDocument/2006/relationships" xmlns:p="http://schemas.openxmlformats.org/presentationml/2006/main">
+  <p:cSld>
+    <p:spTree>
+      <p:nvGrpSpPr>
+        <p:cNvPr id="1" name=""/>
+        <p:cNvGrpSpPr/>
+        <p:nvPr/>
+      </p:nvGrpSpPr>
+      <p:grpSpPr>
+        <a:xfrm>
+          <a:off x="0" y="0"/>
+          <a:ext cx="0" cy="0"/>
+          <a:chOff x="0" y="0"/>
+          <a:chExt cx="0" cy="0"/>
+        </a:xfrm>
+      </p:grpSpPr>
+      <p:sp>
+        <p:nvSpPr>
+          <p:cNvPr id="2" name="标题 1"/>
+          <p:cNvSpPr>
+            <a:spLocks noGrp="1"/>
+          </p:cNvSpPr>
+          <p:nvPr>
+            <p:ph type="title"/>
+          </p:nvPr>
+        </p:nvSpPr>
+        <p:spPr/>
+        <p:txBody>
+          <a:bodyPr/>
+          <a:lstStyle/>
+          <a:p>
+            <a:r>
+              <a:rPr lang="en-US" altLang="zh-CN" dirty="0" smtClean="0"/>
+              <a:t>Episode</a:t>
+            </a:r>
+            <a:endParaRPr lang="zh-CN" altLang="en-US" dirty="0"/>
+          </a:p>
+        </p:txBody>
+      </p:sp>
+      <p:sp>
+        <p:nvSpPr>
+          <p:cNvPr id="3" name="文本占位符 2"/>
+          <p:cNvSpPr>
+            <a:spLocks noGrp="1"/>
+          </p:cNvSpPr>
+          <p:nvPr>
+            <p:ph type="body" sz="half" idx="2"/>
+          </p:nvPr>
+        </p:nvSpPr>
+        <p:spPr/>
+        <p:txBody>
+          <a:bodyPr/>
+          <a:lstStyle/>
+          <a:p>
+            <a:r>
               <a:rPr lang="en-US" altLang="zh-CN" dirty="0">
                 <a:sym typeface="+mn-ea"/>
               </a:rPr>
@@ -21522,7 +21899,7 @@
 </p:sld>
 </file>
 
-<file path=ppt/slides/slide34.xml><?xml version="1.0" encoding="utf-8"?>
+<file path=ppt/slides/slide35.xml><?xml version="1.0" encoding="utf-8"?>
 <p:sld xmlns:a="http://schemas.openxmlformats.org/drawingml/2006/main" xmlns:r="http://schemas.openxmlformats.org/officeDocument/2006/relationships" xmlns:p="http://schemas.openxmlformats.org/presentationml/2006/main">
   <p:cSld>
     <p:spTree>
@@ -21642,162 +22019,6 @@
     <p:extLst>
       <p:ext uri="{BB962C8B-B14F-4D97-AF65-F5344CB8AC3E}">
         <p14:creationId xmlns:p14="http://schemas.microsoft.com/office/powerpoint/2010/main" val="510130146"/>
-      </p:ext>
-    </p:extLst>
-  </p:cSld>
-  <p:clrMapOvr>
-    <a:masterClrMapping/>
-  </p:clrMapOvr>
-  <p:timing>
-    <p:tnLst>
-      <p:par>
-        <p:cTn id="1" dur="indefinite" restart="never" nodeType="tmRoot"/>
-      </p:par>
-    </p:tnLst>
-  </p:timing>
-</p:sld>
-</file>
-
-<file path=ppt/slides/slide35.xml><?xml version="1.0" encoding="utf-8"?>
-<p:sld xmlns:a="http://schemas.openxmlformats.org/drawingml/2006/main" xmlns:r="http://schemas.openxmlformats.org/officeDocument/2006/relationships" xmlns:p="http://schemas.openxmlformats.org/presentationml/2006/main">
-  <p:cSld>
-    <p:spTree>
-      <p:nvGrpSpPr>
-        <p:cNvPr id="1" name=""/>
-        <p:cNvGrpSpPr/>
-        <p:nvPr/>
-      </p:nvGrpSpPr>
-      <p:grpSpPr>
-        <a:xfrm>
-          <a:off x="0" y="0"/>
-          <a:ext cx="0" cy="0"/>
-          <a:chOff x="0" y="0"/>
-          <a:chExt cx="0" cy="0"/>
-        </a:xfrm>
-      </p:grpSpPr>
-      <p:sp>
-        <p:nvSpPr>
-          <p:cNvPr id="2" name="Title 1"/>
-          <p:cNvSpPr>
-            <a:spLocks noGrp="1"/>
-          </p:cNvSpPr>
-          <p:nvPr>
-            <p:ph type="title"/>
-          </p:nvPr>
-        </p:nvSpPr>
-        <p:spPr/>
-        <p:txBody>
-          <a:bodyPr/>
-          <a:lstStyle/>
-          <a:p>
-            <a:r>
-              <a:rPr lang="en-US" altLang="zh-CN" dirty="0" err="1" smtClean="0"/>
-              <a:t>rest_rpc</a:t>
-            </a:r>
-            <a:r>
-              <a:rPr lang="en-US" altLang="zh-CN" dirty="0" smtClean="0"/>
-              <a:t> can be used to do</a:t>
-            </a:r>
-            <a:endParaRPr lang="zh-CN" altLang="en-US" dirty="0"/>
-          </a:p>
-        </p:txBody>
-      </p:sp>
-      <p:sp>
-        <p:nvSpPr>
-          <p:cNvPr id="3" name="Text Placeholder 2"/>
-          <p:cNvSpPr>
-            <a:spLocks noGrp="1"/>
-          </p:cNvSpPr>
-          <p:nvPr>
-            <p:ph type="body" sz="half" idx="2"/>
-          </p:nvPr>
-        </p:nvSpPr>
-        <p:spPr/>
-        <p:txBody>
-          <a:bodyPr/>
-          <a:lstStyle/>
-          <a:p>
-            <a:r>
-              <a:rPr lang="en-US" altLang="zh-CN" b="1" dirty="0" err="1"/>
-              <a:t>Interprocess</a:t>
-            </a:r>
-            <a:r>
-              <a:rPr lang="en-US" altLang="zh-CN" b="1" dirty="0"/>
-              <a:t> </a:t>
-            </a:r>
-            <a:r>
-              <a:rPr lang="en-US" altLang="zh-CN" b="1" dirty="0" smtClean="0"/>
-              <a:t>communication</a:t>
-            </a:r>
-          </a:p>
-          <a:p>
-            <a:endParaRPr lang="en-US" altLang="zh-CN" b="1" dirty="0" smtClean="0"/>
-          </a:p>
-          <a:p>
-            <a:r>
-              <a:rPr lang="en-US" altLang="zh-CN" b="1" dirty="0" smtClean="0"/>
-              <a:t>Distribute system</a:t>
-            </a:r>
-          </a:p>
-          <a:p>
-            <a:pPr marL="285750" indent="-285750">
-              <a:buFont typeface="Arial" panose="020B0604020202020204" pitchFamily="34" charset="0"/>
-              <a:buChar char="•"/>
-            </a:pPr>
-            <a:r>
-              <a:rPr lang="en-US" altLang="zh-CN" dirty="0" smtClean="0"/>
-              <a:t>HA(binary star, raft)</a:t>
-            </a:r>
-          </a:p>
-          <a:p>
-            <a:pPr marL="285750" indent="-285750">
-              <a:buFont typeface="Arial" panose="020B0604020202020204" pitchFamily="34" charset="0"/>
-              <a:buChar char="•"/>
-            </a:pPr>
-            <a:r>
-              <a:rPr lang="en-US" altLang="zh-CN" dirty="0" smtClean="0"/>
-              <a:t>Service discovery</a:t>
-            </a:r>
-          </a:p>
-          <a:p>
-            <a:pPr marL="285750" indent="-285750">
-              <a:buFont typeface="Arial" panose="020B0604020202020204" pitchFamily="34" charset="0"/>
-              <a:buChar char="•"/>
-            </a:pPr>
-            <a:r>
-              <a:rPr lang="en-US" altLang="zh-CN" dirty="0" smtClean="0"/>
-              <a:t>Message queue</a:t>
-            </a:r>
-          </a:p>
-          <a:p>
-            <a:pPr marL="285750" indent="-285750">
-              <a:buFont typeface="Arial" panose="020B0604020202020204" pitchFamily="34" charset="0"/>
-              <a:buChar char="•"/>
-            </a:pPr>
-            <a:r>
-              <a:rPr lang="en-US" altLang="zh-CN" dirty="0" smtClean="0"/>
-              <a:t>Distribute compute</a:t>
-            </a:r>
-          </a:p>
-          <a:p>
-            <a:pPr marL="285750" indent="-285750">
-              <a:buFont typeface="Arial" panose="020B0604020202020204" pitchFamily="34" charset="0"/>
-              <a:buChar char="•"/>
-            </a:pPr>
-            <a:r>
-              <a:rPr lang="en-US" altLang="zh-CN" dirty="0" smtClean="0"/>
-              <a:t>Distribute storage</a:t>
-            </a:r>
-          </a:p>
-          <a:p>
-            <a:endParaRPr lang="zh-CN" altLang="en-US" b="1" dirty="0"/>
-          </a:p>
-        </p:txBody>
-      </p:sp>
-    </p:spTree>
-    <p:extLst>
-      <p:ext uri="{BB962C8B-B14F-4D97-AF65-F5344CB8AC3E}">
-        <p14:creationId xmlns:p14="http://schemas.microsoft.com/office/powerpoint/2010/main" val="2546503311"/>
       </p:ext>
     </p:extLst>
   </p:cSld>
@@ -21833,6 +22054,162 @@
       </p:grpSpPr>
       <p:sp>
         <p:nvSpPr>
+          <p:cNvPr id="2" name="Title 1"/>
+          <p:cNvSpPr>
+            <a:spLocks noGrp="1"/>
+          </p:cNvSpPr>
+          <p:nvPr>
+            <p:ph type="title"/>
+          </p:nvPr>
+        </p:nvSpPr>
+        <p:spPr/>
+        <p:txBody>
+          <a:bodyPr/>
+          <a:lstStyle/>
+          <a:p>
+            <a:r>
+              <a:rPr lang="en-US" altLang="zh-CN" dirty="0" err="1" smtClean="0"/>
+              <a:t>rest_rpc</a:t>
+            </a:r>
+            <a:r>
+              <a:rPr lang="en-US" altLang="zh-CN" dirty="0" smtClean="0"/>
+              <a:t> can be used to do</a:t>
+            </a:r>
+            <a:endParaRPr lang="zh-CN" altLang="en-US" dirty="0"/>
+          </a:p>
+        </p:txBody>
+      </p:sp>
+      <p:sp>
+        <p:nvSpPr>
+          <p:cNvPr id="3" name="Text Placeholder 2"/>
+          <p:cNvSpPr>
+            <a:spLocks noGrp="1"/>
+          </p:cNvSpPr>
+          <p:nvPr>
+            <p:ph type="body" sz="half" idx="2"/>
+          </p:nvPr>
+        </p:nvSpPr>
+        <p:spPr/>
+        <p:txBody>
+          <a:bodyPr/>
+          <a:lstStyle/>
+          <a:p>
+            <a:r>
+              <a:rPr lang="en-US" altLang="zh-CN" b="1" dirty="0" err="1"/>
+              <a:t>Interprocess</a:t>
+            </a:r>
+            <a:r>
+              <a:rPr lang="en-US" altLang="zh-CN" b="1" dirty="0"/>
+              <a:t> </a:t>
+            </a:r>
+            <a:r>
+              <a:rPr lang="en-US" altLang="zh-CN" b="1" dirty="0" smtClean="0"/>
+              <a:t>communication</a:t>
+            </a:r>
+          </a:p>
+          <a:p>
+            <a:endParaRPr lang="en-US" altLang="zh-CN" b="1" dirty="0" smtClean="0"/>
+          </a:p>
+          <a:p>
+            <a:r>
+              <a:rPr lang="en-US" altLang="zh-CN" b="1" dirty="0" smtClean="0"/>
+              <a:t>Distribute system</a:t>
+            </a:r>
+          </a:p>
+          <a:p>
+            <a:pPr marL="285750" indent="-285750">
+              <a:buFont typeface="Arial" panose="020B0604020202020204" pitchFamily="34" charset="0"/>
+              <a:buChar char="•"/>
+            </a:pPr>
+            <a:r>
+              <a:rPr lang="en-US" altLang="zh-CN" dirty="0" smtClean="0"/>
+              <a:t>HA(binary star, raft)</a:t>
+            </a:r>
+          </a:p>
+          <a:p>
+            <a:pPr marL="285750" indent="-285750">
+              <a:buFont typeface="Arial" panose="020B0604020202020204" pitchFamily="34" charset="0"/>
+              <a:buChar char="•"/>
+            </a:pPr>
+            <a:r>
+              <a:rPr lang="en-US" altLang="zh-CN" dirty="0" smtClean="0"/>
+              <a:t>Service discovery</a:t>
+            </a:r>
+          </a:p>
+          <a:p>
+            <a:pPr marL="285750" indent="-285750">
+              <a:buFont typeface="Arial" panose="020B0604020202020204" pitchFamily="34" charset="0"/>
+              <a:buChar char="•"/>
+            </a:pPr>
+            <a:r>
+              <a:rPr lang="en-US" altLang="zh-CN" dirty="0" smtClean="0"/>
+              <a:t>Message queue</a:t>
+            </a:r>
+          </a:p>
+          <a:p>
+            <a:pPr marL="285750" indent="-285750">
+              <a:buFont typeface="Arial" panose="020B0604020202020204" pitchFamily="34" charset="0"/>
+              <a:buChar char="•"/>
+            </a:pPr>
+            <a:r>
+              <a:rPr lang="en-US" altLang="zh-CN" dirty="0" smtClean="0"/>
+              <a:t>Distribute compute</a:t>
+            </a:r>
+          </a:p>
+          <a:p>
+            <a:pPr marL="285750" indent="-285750">
+              <a:buFont typeface="Arial" panose="020B0604020202020204" pitchFamily="34" charset="0"/>
+              <a:buChar char="•"/>
+            </a:pPr>
+            <a:r>
+              <a:rPr lang="en-US" altLang="zh-CN" dirty="0" smtClean="0"/>
+              <a:t>Distribute storage</a:t>
+            </a:r>
+          </a:p>
+          <a:p>
+            <a:endParaRPr lang="zh-CN" altLang="en-US" b="1" dirty="0"/>
+          </a:p>
+        </p:txBody>
+      </p:sp>
+    </p:spTree>
+    <p:extLst>
+      <p:ext uri="{BB962C8B-B14F-4D97-AF65-F5344CB8AC3E}">
+        <p14:creationId xmlns:p14="http://schemas.microsoft.com/office/powerpoint/2010/main" val="2546503311"/>
+      </p:ext>
+    </p:extLst>
+  </p:cSld>
+  <p:clrMapOvr>
+    <a:masterClrMapping/>
+  </p:clrMapOvr>
+  <p:timing>
+    <p:tnLst>
+      <p:par>
+        <p:cTn id="1" dur="indefinite" restart="never" nodeType="tmRoot"/>
+      </p:par>
+    </p:tnLst>
+  </p:timing>
+</p:sld>
+</file>
+
+<file path=ppt/slides/slide37.xml><?xml version="1.0" encoding="utf-8"?>
+<p:sld xmlns:a="http://schemas.openxmlformats.org/drawingml/2006/main" xmlns:r="http://schemas.openxmlformats.org/officeDocument/2006/relationships" xmlns:p="http://schemas.openxmlformats.org/presentationml/2006/main">
+  <p:cSld>
+    <p:spTree>
+      <p:nvGrpSpPr>
+        <p:cNvPr id="1" name=""/>
+        <p:cNvGrpSpPr/>
+        <p:nvPr/>
+      </p:nvGrpSpPr>
+      <p:grpSpPr>
+        <a:xfrm>
+          <a:off x="0" y="0"/>
+          <a:ext cx="0" cy="0"/>
+          <a:chOff x="0" y="0"/>
+          <a:chExt cx="0" cy="0"/>
+        </a:xfrm>
+      </p:grpSpPr>
+      <p:sp>
+        <p:nvSpPr>
           <p:cNvPr id="2" name="标题 1"/>
           <p:cNvSpPr>
             <a:spLocks noGrp="1"/>
@@ -21963,7 +22340,7 @@
 </p:sld>
 </file>
 
-<file path=ppt/slides/slide37.xml><?xml version="1.0" encoding="utf-8"?>
+<file path=ppt/slides/slide38.xml><?xml version="1.0" encoding="utf-8"?>
 <p:sld xmlns:a="http://schemas.openxmlformats.org/drawingml/2006/main" xmlns:r="http://schemas.openxmlformats.org/officeDocument/2006/relationships" xmlns:p="http://schemas.openxmlformats.org/presentationml/2006/main">
   <p:cSld>
     <p:spTree>

--- a/An easy to use RPC framework implemented by c++11 and c++14.pptx
+++ b/An easy to use RPC framework implemented by c++11 and c++14.pptx
@@ -5,7 +5,7 @@
     <p:sldMasterId id="2147483660" r:id="rId1"/>
   </p:sldMasterIdLst>
   <p:notesMasterIdLst>
-    <p:notesMasterId r:id="rId47"/>
+    <p:notesMasterId r:id="rId40"/>
   </p:notesMasterIdLst>
   <p:sldIdLst>
     <p:sldId id="256" r:id="rId2"/>
@@ -30,29 +30,22 @@
     <p:sldId id="328" r:id="rId21"/>
     <p:sldId id="329" r:id="rId22"/>
     <p:sldId id="330" r:id="rId23"/>
-    <p:sldId id="331" r:id="rId24"/>
-    <p:sldId id="332" r:id="rId25"/>
+    <p:sldId id="332" r:id="rId24"/>
+    <p:sldId id="331" r:id="rId25"/>
     <p:sldId id="299" r:id="rId26"/>
-    <p:sldId id="304" r:id="rId27"/>
-    <p:sldId id="303" r:id="rId28"/>
+    <p:sldId id="333" r:id="rId27"/>
+    <p:sldId id="304" r:id="rId28"/>
     <p:sldId id="307" r:id="rId29"/>
     <p:sldId id="302" r:id="rId30"/>
     <p:sldId id="308" r:id="rId31"/>
     <p:sldId id="309" r:id="rId32"/>
-    <p:sldId id="310" r:id="rId33"/>
-    <p:sldId id="311" r:id="rId34"/>
-    <p:sldId id="312" r:id="rId35"/>
-    <p:sldId id="313" r:id="rId36"/>
-    <p:sldId id="314" r:id="rId37"/>
-    <p:sldId id="315" r:id="rId38"/>
-    <p:sldId id="261" r:id="rId39"/>
-    <p:sldId id="316" r:id="rId40"/>
-    <p:sldId id="317" r:id="rId41"/>
-    <p:sldId id="318" r:id="rId42"/>
-    <p:sldId id="262" r:id="rId43"/>
-    <p:sldId id="301" r:id="rId44"/>
-    <p:sldId id="263" r:id="rId45"/>
-    <p:sldId id="264" r:id="rId46"/>
+    <p:sldId id="314" r:id="rId33"/>
+    <p:sldId id="315" r:id="rId34"/>
+    <p:sldId id="335" r:id="rId35"/>
+    <p:sldId id="334" r:id="rId36"/>
+    <p:sldId id="301" r:id="rId37"/>
+    <p:sldId id="263" r:id="rId38"/>
+    <p:sldId id="264" r:id="rId39"/>
   </p:sldIdLst>
   <p:sldSz cx="9144000" cy="6858000" type="screen4x3"/>
   <p:notesSz cx="6858000" cy="9144000"/>
@@ -253,7 +246,7 @@
             <a:fld id="{D3663233-B32B-4AC3-A591-4171AB65348A}" type="datetimeFigureOut">
               <a:rPr lang="zh-CN" altLang="en-US" smtClean="0"/>
               <a:pPr/>
-              <a:t>2017-04-12</a:t>
+              <a:t>2017-04-13</a:t>
             </a:fld>
             <a:endParaRPr lang="zh-CN" altLang="en-US"/>
           </a:p>
@@ -1197,11 +1190,7 @@
             </a:r>
             <a:r>
               <a:rPr lang="en-US" altLang="zh-CN" baseline="0" dirty="0" smtClean="0"/>
-              <a:t> name can be got easily from client request</a:t>
-            </a:r>
-            <a:r>
-              <a:rPr lang="en-US" altLang="zh-CN" baseline="0" dirty="0" smtClean="0"/>
-              <a:t>. the route function is very easy, just find the handler and then call it with binary data.</a:t>
+              <a:t> name can be got easily from client request. the route function is very easy, just find the handler and then call it with binary data.</a:t>
             </a:r>
           </a:p>
           <a:p>
@@ -2083,37 +2072,13 @@
           <a:p>
             <a:r>
               <a:rPr lang="en-US" altLang="zh-CN" dirty="0" smtClean="0"/>
-              <a:t>Pay attention to the bind, this time we also bind a template class static member function, but the member function is template function, and one argument is a empty tuple. let’s look at the template class.</a:t>
-            </a:r>
-          </a:p>
-          <a:p>
-            <a:r>
-              <a:rPr lang="en-US" altLang="zh-CN" dirty="0" smtClean="0"/>
-              <a:t>I think it’s very difficult to solve the problem by </a:t>
-            </a:r>
-            <a:r>
-              <a:rPr lang="en-US" altLang="zh-CN" dirty="0" err="1" smtClean="0"/>
-              <a:t>c++</a:t>
-            </a:r>
-            <a:r>
-              <a:rPr lang="en-US" altLang="zh-CN" dirty="0" smtClean="0"/>
-              <a:t>03</a:t>
-            </a:r>
-          </a:p>
-          <a:p>
-            <a:r>
-              <a:rPr lang="en-US" altLang="zh-CN" dirty="0" smtClean="0"/>
-              <a:t>but it’s easy for modern </a:t>
-            </a:r>
-            <a:r>
-              <a:rPr lang="en-US" altLang="zh-CN" dirty="0" err="1" smtClean="0"/>
-              <a:t>c++</a:t>
-            </a:r>
-            <a:r>
-              <a:rPr lang="en-US" altLang="zh-CN" dirty="0" smtClean="0"/>
-              <a:t>, because there are so many new features can help us, we just need find the potential of new features and compose them together.</a:t>
-            </a:r>
-            <a:endParaRPr lang="zh-CN" altLang="en-US" dirty="0"/>
+              <a:t>Pay attention to the bind, this time we also bind a template class static member function, but the member function is template function, and one argument is a empty tuple. let’s look at the template class</a:t>
+            </a:r>
+            <a:r>
+              <a:rPr lang="en-US" altLang="zh-CN" dirty="0" smtClean="0"/>
+              <a:t>. </a:t>
+            </a:r>
+            <a:endParaRPr lang="en-US" altLang="zh-CN" dirty="0" smtClean="0"/>
           </a:p>
         </p:txBody>
       </p:sp>
@@ -2200,16 +2165,93 @@
           <a:p>
             <a:r>
               <a:rPr lang="en-US" altLang="zh-CN" dirty="0" smtClean="0"/>
-              <a:t>every time </a:t>
-            </a:r>
-            <a:r>
-              <a:rPr lang="en-US" altLang="zh-CN" smtClean="0"/>
-              <a:t>get a string argument</a:t>
-            </a:r>
-            <a:r>
-              <a:rPr lang="en-US" altLang="zh-CN" baseline="0" smtClean="0"/>
-              <a:t> and transform to corresponding argument in the function</a:t>
-            </a:r>
+              <a:t>we</a:t>
+            </a:r>
+            <a:r>
+              <a:rPr lang="en-US" altLang="zh-CN" baseline="0" dirty="0" smtClean="0"/>
+              <a:t> need some helper class, for example </a:t>
+            </a:r>
+            <a:r>
+              <a:rPr lang="en-US" altLang="zh-CN" baseline="0" dirty="0" err="1" smtClean="0"/>
+              <a:t>function_traits</a:t>
+            </a:r>
+            <a:r>
+              <a:rPr lang="en-US" altLang="zh-CN" baseline="0" dirty="0" smtClean="0"/>
+              <a:t>,  it used to trait function return type, arguments types, arguments number and so on.</a:t>
+            </a:r>
+          </a:p>
+          <a:p>
+            <a:pPr marL="0" marR="0" indent="0" algn="l" defTabSz="914400" rtl="0" eaLnBrk="1" fontAlgn="auto" latinLnBrk="0" hangingPunct="1">
+              <a:lnSpc>
+                <a:spcPct val="100000"/>
+              </a:lnSpc>
+              <a:spcBef>
+                <a:spcPts val="0"/>
+              </a:spcBef>
+              <a:spcAft>
+                <a:spcPts val="0"/>
+              </a:spcAft>
+              <a:buClrTx/>
+              <a:buSzTx/>
+              <a:buFontTx/>
+              <a:buNone/>
+              <a:tabLst/>
+              <a:defRPr/>
+            </a:pPr>
+            <a:r>
+              <a:rPr lang="en-US" altLang="zh-CN" dirty="0" smtClean="0"/>
+              <a:t>this is a part of </a:t>
+            </a:r>
+            <a:r>
+              <a:rPr lang="en-US" altLang="zh-CN" dirty="0" err="1" smtClean="0"/>
+              <a:t>function_traits</a:t>
+            </a:r>
+            <a:r>
+              <a:rPr lang="en-US" altLang="zh-CN" dirty="0" smtClean="0"/>
+              <a:t>, more details you can find it here:</a:t>
+            </a:r>
+            <a:r>
+              <a:rPr lang="zh-CN" altLang="en-US" dirty="0" smtClean="0"/>
+              <a:t>https://github.com/topcpporg/rest_rpc/blob/master/rest_rpc/base/function_traits.hpp</a:t>
+            </a:r>
+            <a:r>
+              <a:rPr lang="en-US" altLang="zh-CN" dirty="0" smtClean="0"/>
+              <a:t>.</a:t>
+            </a:r>
+          </a:p>
+          <a:p>
+            <a:pPr marL="0" marR="0" indent="0" algn="l" defTabSz="914400" rtl="0" eaLnBrk="1" fontAlgn="auto" latinLnBrk="0" hangingPunct="1">
+              <a:lnSpc>
+                <a:spcPct val="100000"/>
+              </a:lnSpc>
+              <a:spcBef>
+                <a:spcPts val="0"/>
+              </a:spcBef>
+              <a:spcAft>
+                <a:spcPts val="0"/>
+              </a:spcAft>
+              <a:buClrTx/>
+              <a:buSzTx/>
+              <a:buFontTx/>
+              <a:buNone/>
+              <a:tabLst/>
+              <a:defRPr/>
+            </a:pPr>
+            <a:r>
+              <a:rPr lang="en-US" altLang="zh-CN" dirty="0" smtClean="0"/>
+              <a:t>this </a:t>
+            </a:r>
+            <a:r>
+              <a:rPr lang="en-US" altLang="zh-CN" dirty="0" err="1" smtClean="0"/>
+              <a:t>function_traits</a:t>
+            </a:r>
+            <a:r>
+              <a:rPr lang="en-US" altLang="zh-CN" dirty="0" smtClean="0"/>
+              <a:t> help us a lot, let’s go on.</a:t>
+            </a:r>
+            <a:endParaRPr lang="zh-CN" altLang="en-US" dirty="0" smtClean="0"/>
+          </a:p>
+          <a:p>
             <a:endParaRPr lang="zh-CN" altLang="en-US" dirty="0"/>
           </a:p>
         </p:txBody>
@@ -2241,7 +2283,450 @@
     </p:spTree>
     <p:extLst>
       <p:ext uri="{BB962C8B-B14F-4D97-AF65-F5344CB8AC3E}">
+        <p14:creationId xmlns:p14="http://schemas.microsoft.com/office/powerpoint/2010/main" val="3501692922"/>
+      </p:ext>
+    </p:extLst>
+  </p:cSld>
+  <p:clrMapOvr>
+    <a:masterClrMapping/>
+  </p:clrMapOvr>
+</p:notes>
+</file>
+
+<file path=ppt/notesSlides/notesSlide23.xml><?xml version="1.0" encoding="utf-8"?>
+<p:notes xmlns:a="http://schemas.openxmlformats.org/drawingml/2006/main" xmlns:r="http://schemas.openxmlformats.org/officeDocument/2006/relationships" xmlns:p="http://schemas.openxmlformats.org/presentationml/2006/main">
+  <p:cSld>
+    <p:spTree>
+      <p:nvGrpSpPr>
+        <p:cNvPr id="1" name=""/>
+        <p:cNvGrpSpPr/>
+        <p:nvPr/>
+      </p:nvGrpSpPr>
+      <p:grpSpPr>
+        <a:xfrm>
+          <a:off x="0" y="0"/>
+          <a:ext cx="0" cy="0"/>
+          <a:chOff x="0" y="0"/>
+          <a:chExt cx="0" cy="0"/>
+        </a:xfrm>
+      </p:grpSpPr>
+      <p:sp>
+        <p:nvSpPr>
+          <p:cNvPr id="2" name="幻灯片图像占位符 1"/>
+          <p:cNvSpPr>
+            <a:spLocks noGrp="1" noRot="1" noChangeAspect="1"/>
+          </p:cNvSpPr>
+          <p:nvPr>
+            <p:ph type="sldImg"/>
+          </p:nvPr>
+        </p:nvSpPr>
+        <p:spPr/>
+      </p:sp>
+      <p:sp>
+        <p:nvSpPr>
+          <p:cNvPr id="3" name="备注占位符 2"/>
+          <p:cNvSpPr>
+            <a:spLocks noGrp="1"/>
+          </p:cNvSpPr>
+          <p:nvPr>
+            <p:ph type="body" idx="1"/>
+          </p:nvPr>
+        </p:nvSpPr>
+        <p:spPr/>
+        <p:txBody>
+          <a:bodyPr/>
+          <a:lstStyle/>
+          <a:p>
+            <a:r>
+              <a:rPr lang="en-US" altLang="zh-CN" dirty="0" smtClean="0"/>
+              <a:t>the first invoker class is the base case, has three template arguments, the first argument is the type of registered handler,  the second template argument N, every time plus 1 in recursive process, and the third argument is the termination condition. pay attention to the red</a:t>
+            </a:r>
+            <a:r>
+              <a:rPr lang="en-US" altLang="zh-CN" baseline="0" dirty="0" smtClean="0"/>
+              <a:t> color code, Firstly</a:t>
+            </a:r>
+            <a:r>
+              <a:rPr lang="en-US" altLang="zh-CN" dirty="0" smtClean="0"/>
+              <a:t> every </a:t>
+            </a:r>
+            <a:r>
+              <a:rPr lang="en-US" altLang="zh-CN" dirty="0" smtClean="0"/>
+              <a:t>time get a string argument</a:t>
+            </a:r>
+            <a:r>
+              <a:rPr lang="en-US" altLang="zh-CN" baseline="0" dirty="0" smtClean="0"/>
+              <a:t> and </a:t>
+            </a:r>
+            <a:r>
+              <a:rPr lang="en-US" altLang="zh-CN" baseline="0" dirty="0" smtClean="0"/>
+              <a:t>transform it </a:t>
+            </a:r>
+            <a:r>
+              <a:rPr lang="en-US" altLang="zh-CN" baseline="0" dirty="0" smtClean="0"/>
+              <a:t>to corresponding argument in the </a:t>
+            </a:r>
+            <a:r>
+              <a:rPr lang="en-US" altLang="zh-CN" baseline="0" dirty="0" smtClean="0"/>
+              <a:t>function. Secondly put the transformed argument into the empty tuple by </a:t>
+            </a:r>
+            <a:r>
+              <a:rPr lang="en-US" altLang="zh-CN" baseline="0" dirty="0" err="1" smtClean="0"/>
+              <a:t>tuple_cat</a:t>
+            </a:r>
+            <a:r>
+              <a:rPr lang="en-US" altLang="zh-CN" baseline="0" dirty="0" smtClean="0"/>
+              <a:t>, because the beginning </a:t>
+            </a:r>
+            <a:r>
+              <a:rPr lang="en-US" altLang="zh-CN" baseline="0" dirty="0" err="1" smtClean="0"/>
+              <a:t>args</a:t>
+            </a:r>
+            <a:r>
+              <a:rPr lang="en-US" altLang="zh-CN" baseline="0" dirty="0" smtClean="0"/>
+              <a:t> is </a:t>
+            </a:r>
+            <a:r>
+              <a:rPr lang="en-US" altLang="zh-CN" baseline="0" dirty="0" err="1" smtClean="0"/>
+              <a:t>std</a:t>
+            </a:r>
+            <a:r>
+              <a:rPr lang="en-US" altLang="zh-CN" baseline="0" dirty="0" smtClean="0"/>
+              <a:t>::tuple&lt;&gt;, so we need </a:t>
+            </a:r>
+            <a:r>
+              <a:rPr lang="en-US" altLang="zh-CN" baseline="0" dirty="0" err="1" smtClean="0"/>
+              <a:t>tuple_cat</a:t>
+            </a:r>
+            <a:r>
+              <a:rPr lang="en-US" altLang="zh-CN" baseline="0" dirty="0" smtClean="0"/>
+              <a:t> argument one by one, at last we get all arguments in a tuple when recursive determined, and we can use </a:t>
+            </a:r>
+            <a:r>
+              <a:rPr lang="en-US" altLang="zh-CN" baseline="0" dirty="0" err="1" smtClean="0"/>
+              <a:t>std</a:t>
+            </a:r>
+            <a:r>
+              <a:rPr lang="en-US" altLang="zh-CN" baseline="0" dirty="0" smtClean="0"/>
+              <a:t>::apply to finish call with tuple.</a:t>
+            </a:r>
+          </a:p>
+          <a:p>
+            <a:r>
+              <a:rPr lang="en-US" altLang="zh-CN" dirty="0" smtClean="0"/>
+              <a:t>the key point is transform string argument one</a:t>
+            </a:r>
+            <a:r>
+              <a:rPr lang="en-US" altLang="zh-CN" baseline="0" dirty="0" smtClean="0"/>
+              <a:t> by one and add it into a tuple, at last apply with registered function and tuple arguments. is that clear?</a:t>
+            </a:r>
+          </a:p>
+          <a:p>
+            <a:r>
+              <a:rPr lang="en-US" altLang="zh-CN" dirty="0" smtClean="0"/>
+              <a:t>I think it’s very difficult to solve the problem by </a:t>
+            </a:r>
+            <a:r>
+              <a:rPr lang="en-US" altLang="zh-CN" dirty="0" err="1" smtClean="0"/>
+              <a:t>c++</a:t>
+            </a:r>
+            <a:r>
+              <a:rPr lang="en-US" altLang="zh-CN" dirty="0" smtClean="0"/>
+              <a:t>03</a:t>
+            </a:r>
+          </a:p>
+          <a:p>
+            <a:r>
+              <a:rPr lang="en-US" altLang="zh-CN" dirty="0" smtClean="0"/>
+              <a:t>but it’s easy for modern </a:t>
+            </a:r>
+            <a:r>
+              <a:rPr lang="en-US" altLang="zh-CN" dirty="0" err="1" smtClean="0"/>
+              <a:t>c++</a:t>
+            </a:r>
+            <a:r>
+              <a:rPr lang="en-US" altLang="zh-CN" dirty="0" smtClean="0"/>
+              <a:t>, because there are so many new features can help us, we just need find the potential of new features and compose them together.</a:t>
+            </a:r>
+            <a:endParaRPr lang="zh-CN" altLang="en-US" dirty="0" smtClean="0"/>
+          </a:p>
+        </p:txBody>
+      </p:sp>
+      <p:sp>
+        <p:nvSpPr>
+          <p:cNvPr id="4" name="灯片编号占位符 3"/>
+          <p:cNvSpPr>
+            <a:spLocks noGrp="1"/>
+          </p:cNvSpPr>
+          <p:nvPr>
+            <p:ph type="sldNum" sz="quarter" idx="10"/>
+          </p:nvPr>
+        </p:nvSpPr>
+        <p:spPr/>
+        <p:txBody>
+          <a:bodyPr/>
+          <a:lstStyle/>
+          <a:p>
+            <a:fld id="{D907BE37-B124-4F9F-8F7E-44B90AC375A6}" type="slidenum">
+              <a:rPr lang="zh-CN" altLang="en-US" smtClean="0"/>
+              <a:pPr/>
+              <a:t>24</a:t>
+            </a:fld>
+            <a:endParaRPr lang="zh-CN" altLang="en-US"/>
+          </a:p>
+        </p:txBody>
+      </p:sp>
+    </p:spTree>
+    <p:extLst>
+      <p:ext uri="{BB962C8B-B14F-4D97-AF65-F5344CB8AC3E}">
         <p14:creationId xmlns:p14="http://schemas.microsoft.com/office/powerpoint/2010/main" val="2604106171"/>
+      </p:ext>
+    </p:extLst>
+  </p:cSld>
+  <p:clrMapOvr>
+    <a:masterClrMapping/>
+  </p:clrMapOvr>
+</p:notes>
+</file>
+
+<file path=ppt/notesSlides/notesSlide24.xml><?xml version="1.0" encoding="utf-8"?>
+<p:notes xmlns:a="http://schemas.openxmlformats.org/drawingml/2006/main" xmlns:r="http://schemas.openxmlformats.org/officeDocument/2006/relationships" xmlns:p="http://schemas.openxmlformats.org/presentationml/2006/main">
+  <p:cSld>
+    <p:spTree>
+      <p:nvGrpSpPr>
+        <p:cNvPr id="1" name=""/>
+        <p:cNvGrpSpPr/>
+        <p:nvPr/>
+      </p:nvGrpSpPr>
+      <p:grpSpPr>
+        <a:xfrm>
+          <a:off x="0" y="0"/>
+          <a:ext cx="0" cy="0"/>
+          <a:chOff x="0" y="0"/>
+          <a:chExt cx="0" cy="0"/>
+        </a:xfrm>
+      </p:grpSpPr>
+      <p:sp>
+        <p:nvSpPr>
+          <p:cNvPr id="2" name="幻灯片图像占位符 1"/>
+          <p:cNvSpPr>
+            <a:spLocks noGrp="1" noRot="1" noChangeAspect="1"/>
+          </p:cNvSpPr>
+          <p:nvPr>
+            <p:ph type="sldImg"/>
+          </p:nvPr>
+        </p:nvSpPr>
+        <p:spPr/>
+      </p:sp>
+      <p:sp>
+        <p:nvSpPr>
+          <p:cNvPr id="3" name="备注占位符 2"/>
+          <p:cNvSpPr>
+            <a:spLocks noGrp="1"/>
+          </p:cNvSpPr>
+          <p:nvPr>
+            <p:ph type="body" idx="1"/>
+          </p:nvPr>
+        </p:nvSpPr>
+        <p:spPr/>
+        <p:txBody>
+          <a:bodyPr/>
+          <a:lstStyle/>
+          <a:p>
+            <a:r>
+              <a:rPr lang="en-US" altLang="zh-CN" dirty="0" smtClean="0"/>
+              <a:t>pay attention to the </a:t>
+            </a:r>
+            <a:r>
+              <a:rPr lang="en-US" altLang="zh-CN" dirty="0" err="1" smtClean="0"/>
+              <a:t>timax</a:t>
+            </a:r>
+            <a:r>
+              <a:rPr lang="en-US" altLang="zh-CN" dirty="0" smtClean="0"/>
+              <a:t> bind, let’s compere it with </a:t>
+            </a:r>
+            <a:r>
+              <a:rPr lang="en-US" altLang="zh-CN" dirty="0" err="1" smtClean="0"/>
+              <a:t>std</a:t>
+            </a:r>
+            <a:r>
+              <a:rPr lang="en-US" altLang="zh-CN" dirty="0" smtClean="0"/>
+              <a:t>::bind.</a:t>
+            </a:r>
+          </a:p>
+          <a:p>
+            <a:r>
+              <a:rPr lang="en-US" altLang="zh-CN" dirty="0" err="1" smtClean="0"/>
+              <a:t>timax</a:t>
+            </a:r>
+            <a:r>
+              <a:rPr lang="en-US" altLang="zh-CN" dirty="0" smtClean="0"/>
+              <a:t>::bind  omits placeholder , it’s  more simple.</a:t>
+            </a:r>
+          </a:p>
+          <a:p>
+            <a:r>
+              <a:rPr lang="en-US" altLang="zh-CN" dirty="0" err="1" smtClean="0"/>
+              <a:t>timax</a:t>
+            </a:r>
+            <a:r>
+              <a:rPr lang="en-US" altLang="zh-CN" dirty="0" smtClean="0"/>
+              <a:t> bind is not</a:t>
+            </a:r>
+            <a:r>
+              <a:rPr lang="en-US" altLang="zh-CN" baseline="0" dirty="0" smtClean="0"/>
+              <a:t> another bind, it’s just a wrapper of </a:t>
+            </a:r>
+            <a:r>
+              <a:rPr lang="en-US" altLang="zh-CN" baseline="0" dirty="0" err="1" smtClean="0"/>
+              <a:t>std</a:t>
+            </a:r>
+            <a:r>
+              <a:rPr lang="en-US" altLang="zh-CN" baseline="0" dirty="0" smtClean="0"/>
+              <a:t>::bind for simplify the usage, let’s look at the implementation.</a:t>
+            </a:r>
+            <a:endParaRPr lang="zh-CN" altLang="en-US" dirty="0"/>
+          </a:p>
+        </p:txBody>
+      </p:sp>
+      <p:sp>
+        <p:nvSpPr>
+          <p:cNvPr id="4" name="灯片编号占位符 3"/>
+          <p:cNvSpPr>
+            <a:spLocks noGrp="1"/>
+          </p:cNvSpPr>
+          <p:nvPr>
+            <p:ph type="sldNum" sz="quarter" idx="10"/>
+          </p:nvPr>
+        </p:nvSpPr>
+        <p:spPr/>
+        <p:txBody>
+          <a:bodyPr/>
+          <a:lstStyle/>
+          <a:p>
+            <a:fld id="{D907BE37-B124-4F9F-8F7E-44B90AC375A6}" type="slidenum">
+              <a:rPr lang="zh-CN" altLang="en-US" smtClean="0"/>
+              <a:pPr/>
+              <a:t>25</a:t>
+            </a:fld>
+            <a:endParaRPr lang="zh-CN" altLang="en-US"/>
+          </a:p>
+        </p:txBody>
+      </p:sp>
+    </p:spTree>
+    <p:extLst>
+      <p:ext uri="{BB962C8B-B14F-4D97-AF65-F5344CB8AC3E}">
+        <p14:creationId xmlns:p14="http://schemas.microsoft.com/office/powerpoint/2010/main" val="2069297833"/>
+      </p:ext>
+    </p:extLst>
+  </p:cSld>
+  <p:clrMapOvr>
+    <a:masterClrMapping/>
+  </p:clrMapOvr>
+</p:notes>
+</file>
+
+<file path=ppt/notesSlides/notesSlide25.xml><?xml version="1.0" encoding="utf-8"?>
+<p:notes xmlns:a="http://schemas.openxmlformats.org/drawingml/2006/main" xmlns:r="http://schemas.openxmlformats.org/officeDocument/2006/relationships" xmlns:p="http://schemas.openxmlformats.org/presentationml/2006/main">
+  <p:cSld>
+    <p:spTree>
+      <p:nvGrpSpPr>
+        <p:cNvPr id="1" name=""/>
+        <p:cNvGrpSpPr/>
+        <p:nvPr/>
+      </p:nvGrpSpPr>
+      <p:grpSpPr>
+        <a:xfrm>
+          <a:off x="0" y="0"/>
+          <a:ext cx="0" cy="0"/>
+          <a:chOff x="0" y="0"/>
+          <a:chExt cx="0" cy="0"/>
+        </a:xfrm>
+      </p:grpSpPr>
+      <p:sp>
+        <p:nvSpPr>
+          <p:cNvPr id="2" name="幻灯片图像占位符 1"/>
+          <p:cNvSpPr>
+            <a:spLocks noGrp="1" noRot="1" noChangeAspect="1"/>
+          </p:cNvSpPr>
+          <p:nvPr>
+            <p:ph type="sldImg"/>
+          </p:nvPr>
+        </p:nvSpPr>
+        <p:spPr/>
+      </p:sp>
+      <p:sp>
+        <p:nvSpPr>
+          <p:cNvPr id="3" name="备注占位符 2"/>
+          <p:cNvSpPr>
+            <a:spLocks noGrp="1"/>
+          </p:cNvSpPr>
+          <p:nvPr>
+            <p:ph type="body" idx="1"/>
+          </p:nvPr>
+        </p:nvSpPr>
+        <p:spPr/>
+        <p:txBody>
+          <a:bodyPr/>
+          <a:lstStyle/>
+          <a:p>
+            <a:r>
+              <a:rPr lang="en-US" altLang="zh-CN" baseline="0" dirty="0" smtClean="0"/>
+              <a:t>there are two overload functions, if you bind with parameters, the first function was selected, in the function </a:t>
+            </a:r>
+            <a:r>
+              <a:rPr lang="en-US" altLang="zh-CN" baseline="0" dirty="0" err="1" smtClean="0"/>
+              <a:t>std</a:t>
+            </a:r>
+            <a:r>
+              <a:rPr lang="en-US" altLang="zh-CN" baseline="0" dirty="0" smtClean="0"/>
+              <a:t>::bind is called, if you omit the parameters, the second function will be selected.</a:t>
+            </a:r>
+          </a:p>
+          <a:p>
+            <a:r>
+              <a:rPr lang="en-US" altLang="zh-CN" dirty="0" smtClean="0"/>
+              <a:t>Here we use move capture lambda, and the return type is </a:t>
+            </a:r>
+            <a:r>
+              <a:rPr lang="en-US" altLang="zh-CN" dirty="0" err="1" smtClean="0"/>
+              <a:t>std</a:t>
+            </a:r>
+            <a:r>
+              <a:rPr lang="en-US" altLang="zh-CN" dirty="0" smtClean="0"/>
+              <a:t>::function.</a:t>
+            </a:r>
+            <a:endParaRPr lang="zh-CN" altLang="en-US" dirty="0"/>
+          </a:p>
+        </p:txBody>
+      </p:sp>
+      <p:sp>
+        <p:nvSpPr>
+          <p:cNvPr id="4" name="灯片编号占位符 3"/>
+          <p:cNvSpPr>
+            <a:spLocks noGrp="1"/>
+          </p:cNvSpPr>
+          <p:nvPr>
+            <p:ph type="sldNum" sz="quarter" idx="10"/>
+          </p:nvPr>
+        </p:nvSpPr>
+        <p:spPr/>
+        <p:txBody>
+          <a:bodyPr/>
+          <a:lstStyle/>
+          <a:p>
+            <a:fld id="{D907BE37-B124-4F9F-8F7E-44B90AC375A6}" type="slidenum">
+              <a:rPr lang="zh-CN" altLang="en-US" smtClean="0"/>
+              <a:pPr/>
+              <a:t>26</a:t>
+            </a:fld>
+            <a:endParaRPr lang="zh-CN" altLang="en-US"/>
+          </a:p>
+        </p:txBody>
+      </p:sp>
+    </p:spTree>
+    <p:extLst>
+      <p:ext uri="{BB962C8B-B14F-4D97-AF65-F5344CB8AC3E}">
+        <p14:creationId xmlns:p14="http://schemas.microsoft.com/office/powerpoint/2010/main" val="2433551734"/>
       </p:ext>
     </p:extLst>
   </p:cSld>
@@ -3246,7 +3731,7 @@
             <a:fld id="{12397CA8-2D6B-474E-AD0A-8CF9975324D0}" type="datetimeFigureOut">
               <a:rPr lang="zh-CN" altLang="en-US" smtClean="0"/>
               <a:pPr/>
-              <a:t>2017-04-12</a:t>
+              <a:t>2017-04-13</a:t>
             </a:fld>
             <a:endParaRPr lang="zh-CN" altLang="en-US"/>
           </a:p>
@@ -3537,7 +4022,7 @@
             <a:fld id="{12397CA8-2D6B-474E-AD0A-8CF9975324D0}" type="datetimeFigureOut">
               <a:rPr lang="zh-CN" altLang="en-US" smtClean="0"/>
               <a:pPr/>
-              <a:t>2017-04-12</a:t>
+              <a:t>2017-04-13</a:t>
             </a:fld>
             <a:endParaRPr lang="zh-CN" altLang="en-US"/>
           </a:p>
@@ -3726,7 +4211,7 @@
             <a:fld id="{12397CA8-2D6B-474E-AD0A-8CF9975324D0}" type="datetimeFigureOut">
               <a:rPr lang="zh-CN" altLang="en-US" smtClean="0"/>
               <a:pPr/>
-              <a:t>2017-04-12</a:t>
+              <a:t>2017-04-13</a:t>
             </a:fld>
             <a:endParaRPr lang="zh-CN" altLang="en-US"/>
           </a:p>
@@ -4233,7 +4718,7 @@
             <a:fld id="{12397CA8-2D6B-474E-AD0A-8CF9975324D0}" type="datetimeFigureOut">
               <a:rPr lang="zh-CN" altLang="en-US" smtClean="0"/>
               <a:pPr/>
-              <a:t>2017-04-12</a:t>
+              <a:t>2017-04-13</a:t>
             </a:fld>
             <a:endParaRPr lang="zh-CN" altLang="en-US"/>
           </a:p>
@@ -4474,7 +4959,7 @@
             <a:fld id="{12397CA8-2D6B-474E-AD0A-8CF9975324D0}" type="datetimeFigureOut">
               <a:rPr lang="zh-CN" altLang="en-US" smtClean="0"/>
               <a:pPr/>
-              <a:t>2017-04-12</a:t>
+              <a:t>2017-04-13</a:t>
             </a:fld>
             <a:endParaRPr lang="zh-CN" altLang="en-US"/>
           </a:p>
@@ -4850,7 +5335,7 @@
             <a:fld id="{12397CA8-2D6B-474E-AD0A-8CF9975324D0}" type="datetimeFigureOut">
               <a:rPr lang="zh-CN" altLang="en-US" smtClean="0"/>
               <a:pPr/>
-              <a:t>2017-04-12</a:t>
+              <a:t>2017-04-13</a:t>
             </a:fld>
             <a:endParaRPr lang="zh-CN" altLang="en-US"/>
           </a:p>
@@ -4970,7 +5455,7 @@
             <a:fld id="{12397CA8-2D6B-474E-AD0A-8CF9975324D0}" type="datetimeFigureOut">
               <a:rPr lang="zh-CN" altLang="en-US" smtClean="0"/>
               <a:pPr/>
-              <a:t>2017-04-12</a:t>
+              <a:t>2017-04-13</a:t>
             </a:fld>
             <a:endParaRPr lang="zh-CN" altLang="en-US"/>
           </a:p>
@@ -5067,7 +5552,7 @@
             <a:fld id="{12397CA8-2D6B-474E-AD0A-8CF9975324D0}" type="datetimeFigureOut">
               <a:rPr lang="zh-CN" altLang="en-US" smtClean="0"/>
               <a:pPr/>
-              <a:t>2017-04-12</a:t>
+              <a:t>2017-04-13</a:t>
             </a:fld>
             <a:endParaRPr lang="zh-CN" altLang="en-US"/>
           </a:p>
@@ -5346,7 +5831,7 @@
             <a:fld id="{12397CA8-2D6B-474E-AD0A-8CF9975324D0}" type="datetimeFigureOut">
               <a:rPr lang="zh-CN" altLang="en-US" smtClean="0"/>
               <a:pPr/>
-              <a:t>2017-04-12</a:t>
+              <a:t>2017-04-13</a:t>
             </a:fld>
             <a:endParaRPr lang="zh-CN" altLang="en-US"/>
           </a:p>
@@ -5605,7 +6090,7 @@
             <a:fld id="{12397CA8-2D6B-474E-AD0A-8CF9975324D0}" type="datetimeFigureOut">
               <a:rPr lang="zh-CN" altLang="en-US" smtClean="0"/>
               <a:pPr/>
-              <a:t>2017-04-12</a:t>
+              <a:t>2017-04-13</a:t>
             </a:fld>
             <a:endParaRPr lang="zh-CN" altLang="en-US"/>
           </a:p>
@@ -5827,7 +6312,7 @@
             <a:fld id="{12397CA8-2D6B-474E-AD0A-8CF9975324D0}" type="datetimeFigureOut">
               <a:rPr lang="zh-CN" altLang="en-US" smtClean="0"/>
               <a:pPr/>
-              <a:t>2017-04-12</a:t>
+              <a:t>2017-04-13</a:t>
             </a:fld>
             <a:endParaRPr lang="zh-CN" altLang="en-US"/>
           </a:p>
@@ -14311,8 +14796,12 @@
           </a:p>
           <a:p>
             <a:r>
-              <a:rPr lang="en-US" altLang="zh-CN" dirty="0" smtClean="0"/>
-              <a:t>6.What </a:t>
+              <a:rPr lang="en-US" altLang="zh-CN" dirty="0"/>
+              <a:t>5</a:t>
+            </a:r>
+            <a:r>
+              <a:rPr lang="en-US" altLang="zh-CN" dirty="0" smtClean="0"/>
+              <a:t>.What </a:t>
             </a:r>
             <a:r>
               <a:rPr lang="en-US" altLang="zh-CN" dirty="0"/>
@@ -15368,587 +15857,367 @@
           <a:lstStyle/>
           <a:p>
             <a:r>
-              <a:rPr lang="en-US" altLang="zh-CN" sz="2000" dirty="0" smtClean="0">
-                <a:latin typeface="Shonar Bangla" panose="020B0502040204020203" pitchFamily="34" charset="0"/>
-                <a:cs typeface="Shonar Bangla" panose="020B0502040204020203" pitchFamily="34" charset="0"/>
-              </a:rPr>
+              <a:rPr lang="en-US" altLang="zh-CN" dirty="0"/>
               <a:t>template&lt;</a:t>
             </a:r>
             <a:r>
-              <a:rPr lang="en-US" altLang="zh-CN" sz="2000" dirty="0" err="1" smtClean="0">
-                <a:latin typeface="Shonar Bangla" panose="020B0502040204020203" pitchFamily="34" charset="0"/>
-                <a:cs typeface="Shonar Bangla" panose="020B0502040204020203" pitchFamily="34" charset="0"/>
-              </a:rPr>
+              <a:rPr lang="en-US" altLang="zh-CN" dirty="0" err="1"/>
               <a:t>typename</a:t>
             </a:r>
             <a:r>
-              <a:rPr lang="en-US" altLang="zh-CN" sz="2000" dirty="0" smtClean="0">
-                <a:latin typeface="Shonar Bangla" panose="020B0502040204020203" pitchFamily="34" charset="0"/>
-                <a:cs typeface="Shonar Bangla" panose="020B0502040204020203" pitchFamily="34" charset="0"/>
-              </a:rPr>
+              <a:rPr lang="en-US" altLang="zh-CN" dirty="0"/>
+              <a:t> Ret, </a:t>
+            </a:r>
+            <a:r>
+              <a:rPr lang="en-US" altLang="zh-CN" dirty="0" err="1"/>
+              <a:t>typename</a:t>
+            </a:r>
+            <a:r>
+              <a:rPr lang="en-US" altLang="zh-CN" dirty="0"/>
+              <a:t>... </a:t>
+            </a:r>
+            <a:r>
+              <a:rPr lang="en-US" altLang="zh-CN" dirty="0" err="1"/>
+              <a:t>Args</a:t>
+            </a:r>
+            <a:r>
+              <a:rPr lang="en-US" altLang="zh-CN" dirty="0"/>
+              <a:t>&gt;</a:t>
+            </a:r>
+          </a:p>
+          <a:p>
+            <a:r>
+              <a:rPr lang="en-US" altLang="zh-CN" dirty="0" err="1"/>
+              <a:t>struct</a:t>
+            </a:r>
+            <a:r>
+              <a:rPr lang="en-US" altLang="zh-CN" dirty="0"/>
               <a:t> </a:t>
             </a:r>
             <a:r>
-              <a:rPr lang="en-US" altLang="zh-CN" sz="2000" dirty="0">
-                <a:latin typeface="Shonar Bangla" panose="020B0502040204020203" pitchFamily="34" charset="0"/>
-                <a:cs typeface="Shonar Bangla" panose="020B0502040204020203" pitchFamily="34" charset="0"/>
-              </a:rPr>
-              <a:t>Function, </a:t>
-            </a:r>
-            <a:r>
-              <a:rPr lang="en-US" altLang="zh-CN" sz="2000" dirty="0" err="1">
-                <a:latin typeface="Shonar Bangla" panose="020B0502040204020203" pitchFamily="34" charset="0"/>
-                <a:cs typeface="Shonar Bangla" panose="020B0502040204020203" pitchFamily="34" charset="0"/>
-              </a:rPr>
+              <a:rPr lang="en-US" altLang="zh-CN" dirty="0" err="1"/>
+              <a:t>function_traits_impl</a:t>
+            </a:r>
+            <a:r>
+              <a:rPr lang="en-US" altLang="zh-CN" dirty="0"/>
+              <a:t>&lt;Ret(</a:t>
+            </a:r>
+            <a:r>
+              <a:rPr lang="en-US" altLang="zh-CN" dirty="0" err="1"/>
+              <a:t>Args</a:t>
+            </a:r>
+            <a:r>
+              <a:rPr lang="en-US" altLang="zh-CN" dirty="0" smtClean="0"/>
+              <a:t>...)&gt;{</a:t>
+            </a:r>
+            <a:endParaRPr lang="en-US" altLang="zh-CN" dirty="0"/>
+          </a:p>
+          <a:p>
+            <a:r>
+              <a:rPr lang="en-US" altLang="zh-CN" dirty="0" smtClean="0"/>
+              <a:t>    </a:t>
+            </a:r>
+            <a:r>
+              <a:rPr lang="en-US" altLang="zh-CN" dirty="0" err="1" smtClean="0"/>
+              <a:t>enum</a:t>
+            </a:r>
+            <a:r>
+              <a:rPr lang="en-US" altLang="zh-CN" dirty="0" smtClean="0"/>
+              <a:t> </a:t>
+            </a:r>
+            <a:r>
+              <a:rPr lang="en-US" altLang="zh-CN" dirty="0"/>
+              <a:t>{ arity = </a:t>
+            </a:r>
+            <a:r>
+              <a:rPr lang="en-US" altLang="zh-CN" dirty="0" err="1"/>
+              <a:t>sizeof</a:t>
+            </a:r>
+            <a:r>
+              <a:rPr lang="en-US" altLang="zh-CN" dirty="0"/>
+              <a:t>...(</a:t>
+            </a:r>
+            <a:r>
+              <a:rPr lang="en-US" altLang="zh-CN" dirty="0" err="1"/>
+              <a:t>Args</a:t>
+            </a:r>
+            <a:r>
+              <a:rPr lang="en-US" altLang="zh-CN" dirty="0"/>
+              <a:t>) };</a:t>
+            </a:r>
+          </a:p>
+          <a:p>
+            <a:r>
+              <a:rPr lang="en-US" altLang="zh-CN" dirty="0"/>
+              <a:t> </a:t>
+            </a:r>
+            <a:r>
+              <a:rPr lang="en-US" altLang="zh-CN" dirty="0" smtClean="0"/>
+              <a:t>   </a:t>
+            </a:r>
+            <a:r>
+              <a:rPr lang="en-US" altLang="zh-CN" dirty="0" err="1" smtClean="0"/>
+              <a:t>typedef</a:t>
+            </a:r>
+            <a:r>
+              <a:rPr lang="en-US" altLang="zh-CN" dirty="0" smtClean="0"/>
+              <a:t> </a:t>
+            </a:r>
+            <a:r>
+              <a:rPr lang="en-US" altLang="zh-CN" dirty="0"/>
+              <a:t>Ret </a:t>
+            </a:r>
+            <a:r>
+              <a:rPr lang="en-US" altLang="zh-CN" dirty="0" err="1"/>
+              <a:t>result_type</a:t>
+            </a:r>
+            <a:r>
+              <a:rPr lang="en-US" altLang="zh-CN" dirty="0"/>
+              <a:t>;</a:t>
+            </a:r>
+          </a:p>
+          <a:p>
+            <a:r>
+              <a:rPr lang="en-US" altLang="zh-CN" dirty="0" smtClean="0"/>
+              <a:t>    using </a:t>
+            </a:r>
+            <a:r>
+              <a:rPr lang="en-US" altLang="zh-CN" dirty="0" err="1"/>
+              <a:t>stl_function_type</a:t>
+            </a:r>
+            <a:r>
+              <a:rPr lang="en-US" altLang="zh-CN" dirty="0"/>
+              <a:t> = </a:t>
+            </a:r>
+            <a:r>
+              <a:rPr lang="en-US" altLang="zh-CN" dirty="0" err="1"/>
+              <a:t>std</a:t>
+            </a:r>
+            <a:r>
+              <a:rPr lang="en-US" altLang="zh-CN" dirty="0"/>
+              <a:t>::function&lt;</a:t>
+            </a:r>
+            <a:r>
+              <a:rPr lang="en-US" altLang="zh-CN" dirty="0" err="1"/>
+              <a:t>function_type</a:t>
+            </a:r>
+            <a:r>
+              <a:rPr lang="en-US" altLang="zh-CN" dirty="0" smtClean="0"/>
+              <a:t>&gt;;</a:t>
+            </a:r>
+          </a:p>
+          <a:p>
+            <a:endParaRPr lang="zh-CN" altLang="en-US" dirty="0"/>
+          </a:p>
+          <a:p>
+            <a:r>
+              <a:rPr lang="en-US" altLang="zh-CN" dirty="0" smtClean="0"/>
+              <a:t>    template&lt;</a:t>
+            </a:r>
+            <a:r>
+              <a:rPr lang="en-US" altLang="zh-CN" dirty="0" err="1" smtClean="0"/>
               <a:t>size_t</a:t>
             </a:r>
             <a:r>
-              <a:rPr lang="en-US" altLang="zh-CN" sz="2000" dirty="0">
-                <a:latin typeface="Shonar Bangla" panose="020B0502040204020203" pitchFamily="34" charset="0"/>
-                <a:cs typeface="Shonar Bangla" panose="020B0502040204020203" pitchFamily="34" charset="0"/>
-              </a:rPr>
-              <a:t> N = 0, </a:t>
-            </a:r>
-            <a:r>
-              <a:rPr lang="en-US" altLang="zh-CN" sz="2000" dirty="0" err="1">
-                <a:latin typeface="Shonar Bangla" panose="020B0502040204020203" pitchFamily="34" charset="0"/>
-                <a:cs typeface="Shonar Bangla" panose="020B0502040204020203" pitchFamily="34" charset="0"/>
-              </a:rPr>
-              <a:t>size_t</a:t>
-            </a:r>
-            <a:r>
-              <a:rPr lang="en-US" altLang="zh-CN" sz="2000" dirty="0">
-                <a:latin typeface="Shonar Bangla" panose="020B0502040204020203" pitchFamily="34" charset="0"/>
-                <a:cs typeface="Shonar Bangla" panose="020B0502040204020203" pitchFamily="34" charset="0"/>
-              </a:rPr>
-              <a:t> M </a:t>
-            </a:r>
-            <a:r>
-              <a:rPr lang="en-US" altLang="zh-CN" sz="2000" dirty="0" smtClean="0">
-                <a:latin typeface="Shonar Bangla" panose="020B0502040204020203" pitchFamily="34" charset="0"/>
-                <a:cs typeface="Shonar Bangla" panose="020B0502040204020203" pitchFamily="34" charset="0"/>
-              </a:rPr>
-              <a:t>= </a:t>
-            </a:r>
-            <a:r>
-              <a:rPr lang="en-US" altLang="zh-CN" sz="2000" dirty="0" err="1" smtClean="0">
-                <a:latin typeface="Shonar Bangla" panose="020B0502040204020203" pitchFamily="34" charset="0"/>
-                <a:cs typeface="Shonar Bangla" panose="020B0502040204020203" pitchFamily="34" charset="0"/>
-              </a:rPr>
+              <a:rPr lang="en-US" altLang="zh-CN" dirty="0" smtClean="0"/>
+              <a:t> </a:t>
+            </a:r>
+            <a:r>
+              <a:rPr lang="en-US" altLang="zh-CN" dirty="0"/>
+              <a:t>I&gt;</a:t>
+            </a:r>
+          </a:p>
+          <a:p>
+            <a:r>
+              <a:rPr lang="en-US" altLang="zh-CN" dirty="0" smtClean="0"/>
+              <a:t>    </a:t>
+            </a:r>
+            <a:r>
+              <a:rPr lang="en-US" altLang="zh-CN" dirty="0" err="1" smtClean="0"/>
+              <a:t>struct</a:t>
+            </a:r>
+            <a:r>
+              <a:rPr lang="en-US" altLang="zh-CN" dirty="0" smtClean="0"/>
+              <a:t> </a:t>
+            </a:r>
+            <a:r>
+              <a:rPr lang="en-US" altLang="zh-CN" dirty="0" err="1" smtClean="0"/>
+              <a:t>args</a:t>
+            </a:r>
+            <a:r>
+              <a:rPr lang="en-US" altLang="zh-CN" dirty="0" smtClean="0"/>
+              <a:t>{</a:t>
+            </a:r>
+            <a:endParaRPr lang="en-US" altLang="zh-CN" dirty="0"/>
+          </a:p>
+          <a:p>
+            <a:r>
+              <a:rPr lang="en-US" altLang="zh-CN" dirty="0" smtClean="0"/>
+              <a:t>        </a:t>
+            </a:r>
+            <a:r>
+              <a:rPr lang="en-US" altLang="zh-CN" dirty="0" err="1" smtClean="0"/>
+              <a:t>static_assert</a:t>
+            </a:r>
+            <a:r>
+              <a:rPr lang="en-US" altLang="zh-CN" dirty="0" smtClean="0"/>
+              <a:t>(I </a:t>
+            </a:r>
+            <a:r>
+              <a:rPr lang="en-US" altLang="zh-CN" dirty="0"/>
+              <a:t>&lt; arity, "index is out of </a:t>
+            </a:r>
+            <a:r>
+              <a:rPr lang="en-US" altLang="zh-CN" dirty="0" smtClean="0"/>
+              <a:t>range");</a:t>
+            </a:r>
+            <a:endParaRPr lang="en-US" altLang="zh-CN" dirty="0"/>
+          </a:p>
+          <a:p>
+            <a:r>
+              <a:rPr lang="en-US" altLang="zh-CN" dirty="0" smtClean="0"/>
+              <a:t>        using </a:t>
+            </a:r>
+            <a:r>
+              <a:rPr lang="en-US" altLang="zh-CN" dirty="0"/>
+              <a:t>type = </a:t>
+            </a:r>
+            <a:r>
+              <a:rPr lang="en-US" altLang="zh-CN" dirty="0" err="1"/>
+              <a:t>typename</a:t>
+            </a:r>
+            <a:r>
+              <a:rPr lang="en-US" altLang="zh-CN" dirty="0"/>
+              <a:t> </a:t>
+            </a:r>
+            <a:r>
+              <a:rPr lang="en-US" altLang="zh-CN" dirty="0" err="1"/>
+              <a:t>std</a:t>
+            </a:r>
+            <a:r>
+              <a:rPr lang="en-US" altLang="zh-CN" dirty="0"/>
+              <a:t>::</a:t>
+            </a:r>
+            <a:r>
+              <a:rPr lang="en-US" altLang="zh-CN" dirty="0" err="1"/>
+              <a:t>tuple_element</a:t>
+            </a:r>
+            <a:r>
+              <a:rPr lang="en-US" altLang="zh-CN" dirty="0"/>
+              <a:t>&lt;I, </a:t>
+            </a:r>
+            <a:r>
+              <a:rPr lang="en-US" altLang="zh-CN" dirty="0" err="1"/>
+              <a:t>std</a:t>
+            </a:r>
+            <a:r>
+              <a:rPr lang="en-US" altLang="zh-CN" dirty="0"/>
+              <a:t>::tuple&lt;</a:t>
+            </a:r>
+            <a:r>
+              <a:rPr lang="en-US" altLang="zh-CN" dirty="0" err="1"/>
+              <a:t>Args</a:t>
+            </a:r>
+            <a:r>
+              <a:rPr lang="en-US" altLang="zh-CN" dirty="0"/>
+              <a:t>...&gt;&gt;::type;</a:t>
+            </a:r>
+          </a:p>
+          <a:p>
+            <a:r>
+              <a:rPr lang="en-US" altLang="zh-CN" dirty="0" smtClean="0"/>
+              <a:t>    };</a:t>
+            </a:r>
+            <a:endParaRPr lang="en-US" altLang="zh-CN" dirty="0"/>
+          </a:p>
+          <a:p>
+            <a:r>
+              <a:rPr lang="en-US" altLang="zh-CN" dirty="0" smtClean="0"/>
+              <a:t>};</a:t>
+            </a:r>
+          </a:p>
+          <a:p>
+            <a:r>
+              <a:rPr lang="en-US" altLang="zh-CN" dirty="0" smtClean="0"/>
+              <a:t>template&lt;</a:t>
+            </a:r>
+            <a:r>
+              <a:rPr lang="en-US" altLang="zh-CN" dirty="0" err="1" smtClean="0"/>
+              <a:t>typename</a:t>
+            </a:r>
+            <a:r>
+              <a:rPr lang="en-US" altLang="zh-CN" dirty="0" smtClean="0"/>
+              <a:t> </a:t>
+            </a:r>
+            <a:r>
+              <a:rPr lang="en-US" altLang="zh-CN" dirty="0"/>
+              <a:t>T&gt;</a:t>
+            </a:r>
+          </a:p>
+          <a:p>
+            <a:r>
+              <a:rPr lang="en-US" altLang="zh-CN" dirty="0" err="1"/>
+              <a:t>struct</a:t>
+            </a:r>
+            <a:r>
+              <a:rPr lang="en-US" altLang="zh-CN" dirty="0"/>
+              <a:t> </a:t>
+            </a:r>
+            <a:r>
+              <a:rPr lang="en-US" altLang="zh-CN" dirty="0" err="1"/>
               <a:t>function_traits</a:t>
             </a:r>
             <a:r>
-              <a:rPr lang="en-US" altLang="zh-CN" sz="2000" dirty="0" smtClean="0">
-                <a:latin typeface="Shonar Bangla" panose="020B0502040204020203" pitchFamily="34" charset="0"/>
-                <a:cs typeface="Shonar Bangla" panose="020B0502040204020203" pitchFamily="34" charset="0"/>
-              </a:rPr>
-              <a:t>&lt;Function</a:t>
-            </a:r>
-            <a:r>
-              <a:rPr lang="en-US" altLang="zh-CN" sz="2000" dirty="0">
-                <a:latin typeface="Shonar Bangla" panose="020B0502040204020203" pitchFamily="34" charset="0"/>
-                <a:cs typeface="Shonar Bangla" panose="020B0502040204020203" pitchFamily="34" charset="0"/>
-              </a:rPr>
-              <a:t>&gt;::arity&gt;</a:t>
-            </a:r>
-          </a:p>
-          <a:p>
-            <a:r>
-              <a:rPr lang="en-US" altLang="zh-CN" sz="2000" dirty="0" err="1">
-                <a:latin typeface="Shonar Bangla" panose="020B0502040204020203" pitchFamily="34" charset="0"/>
-                <a:cs typeface="Shonar Bangla" panose="020B0502040204020203" pitchFamily="34" charset="0"/>
-              </a:rPr>
-              <a:t>struct</a:t>
-            </a:r>
-            <a:r>
-              <a:rPr lang="en-US" altLang="zh-CN" sz="2000" dirty="0">
-                <a:latin typeface="Shonar Bangla" panose="020B0502040204020203" pitchFamily="34" charset="0"/>
-                <a:cs typeface="Shonar Bangla" panose="020B0502040204020203" pitchFamily="34" charset="0"/>
-              </a:rPr>
-              <a:t> </a:t>
-            </a:r>
-            <a:r>
-              <a:rPr lang="en-US" altLang="zh-CN" sz="2000" dirty="0" smtClean="0">
-                <a:latin typeface="Shonar Bangla" panose="020B0502040204020203" pitchFamily="34" charset="0"/>
-                <a:cs typeface="Shonar Bangla" panose="020B0502040204020203" pitchFamily="34" charset="0"/>
-              </a:rPr>
-              <a:t>invoker{</a:t>
-            </a:r>
-            <a:endParaRPr lang="en-US" altLang="zh-CN" sz="2000" dirty="0">
-              <a:latin typeface="Shonar Bangla" panose="020B0502040204020203" pitchFamily="34" charset="0"/>
-              <a:cs typeface="Shonar Bangla" panose="020B0502040204020203" pitchFamily="34" charset="0"/>
-            </a:endParaRPr>
-          </a:p>
-          <a:p>
-            <a:r>
-              <a:rPr lang="en-US" altLang="zh-CN" sz="2000" dirty="0" smtClean="0">
-                <a:latin typeface="Shonar Bangla" panose="020B0502040204020203" pitchFamily="34" charset="0"/>
-                <a:cs typeface="Shonar Bangla" panose="020B0502040204020203" pitchFamily="34" charset="0"/>
-              </a:rPr>
-              <a:t>    template&lt;</a:t>
-            </a:r>
-            <a:r>
-              <a:rPr lang="en-US" altLang="zh-CN" sz="2000" dirty="0" err="1" smtClean="0">
-                <a:latin typeface="Shonar Bangla" panose="020B0502040204020203" pitchFamily="34" charset="0"/>
-                <a:cs typeface="Shonar Bangla" panose="020B0502040204020203" pitchFamily="34" charset="0"/>
-              </a:rPr>
-              <a:t>typename</a:t>
-            </a:r>
-            <a:r>
-              <a:rPr lang="en-US" altLang="zh-CN" sz="2000" dirty="0" smtClean="0">
-                <a:latin typeface="Shonar Bangla" panose="020B0502040204020203" pitchFamily="34" charset="0"/>
-                <a:cs typeface="Shonar Bangla" panose="020B0502040204020203" pitchFamily="34" charset="0"/>
-              </a:rPr>
-              <a:t> </a:t>
-            </a:r>
-            <a:r>
-              <a:rPr lang="en-US" altLang="zh-CN" sz="2000" dirty="0" err="1">
-                <a:latin typeface="Shonar Bangla" panose="020B0502040204020203" pitchFamily="34" charset="0"/>
-                <a:cs typeface="Shonar Bangla" panose="020B0502040204020203" pitchFamily="34" charset="0"/>
-              </a:rPr>
-              <a:t>Args</a:t>
-            </a:r>
-            <a:r>
-              <a:rPr lang="en-US" altLang="zh-CN" sz="2000" dirty="0">
-                <a:latin typeface="Shonar Bangla" panose="020B0502040204020203" pitchFamily="34" charset="0"/>
-                <a:cs typeface="Shonar Bangla" panose="020B0502040204020203" pitchFamily="34" charset="0"/>
-              </a:rPr>
-              <a:t>&gt;</a:t>
-            </a:r>
-          </a:p>
-          <a:p>
-            <a:r>
-              <a:rPr lang="en-US" altLang="zh-CN" sz="2000" dirty="0" smtClean="0">
-                <a:latin typeface="Shonar Bangla" panose="020B0502040204020203" pitchFamily="34" charset="0"/>
-                <a:cs typeface="Shonar Bangla" panose="020B0502040204020203" pitchFamily="34" charset="0"/>
-              </a:rPr>
-              <a:t>    static void </a:t>
-            </a:r>
-            <a:r>
-              <a:rPr lang="en-US" altLang="zh-CN" sz="2000" dirty="0">
-                <a:latin typeface="Shonar Bangla" panose="020B0502040204020203" pitchFamily="34" charset="0"/>
-                <a:cs typeface="Shonar Bangla" panose="020B0502040204020203" pitchFamily="34" charset="0"/>
-              </a:rPr>
-              <a:t>apply(</a:t>
-            </a:r>
-            <a:r>
-              <a:rPr lang="en-US" altLang="zh-CN" sz="2000" dirty="0" err="1">
-                <a:latin typeface="Shonar Bangla" panose="020B0502040204020203" pitchFamily="34" charset="0"/>
-                <a:cs typeface="Shonar Bangla" panose="020B0502040204020203" pitchFamily="34" charset="0"/>
-              </a:rPr>
-              <a:t>const</a:t>
-            </a:r>
-            <a:r>
-              <a:rPr lang="en-US" altLang="zh-CN" sz="2000" dirty="0">
-                <a:latin typeface="Shonar Bangla" panose="020B0502040204020203" pitchFamily="34" charset="0"/>
-                <a:cs typeface="Shonar Bangla" panose="020B0502040204020203" pitchFamily="34" charset="0"/>
-              </a:rPr>
-              <a:t> Function&amp; </a:t>
-            </a:r>
-            <a:r>
-              <a:rPr lang="en-US" altLang="zh-CN" sz="2000" dirty="0" err="1">
-                <a:latin typeface="Shonar Bangla" panose="020B0502040204020203" pitchFamily="34" charset="0"/>
-                <a:cs typeface="Shonar Bangla" panose="020B0502040204020203" pitchFamily="34" charset="0"/>
-              </a:rPr>
-              <a:t>func</a:t>
-            </a:r>
-            <a:r>
-              <a:rPr lang="en-US" altLang="zh-CN" sz="2000" dirty="0">
-                <a:latin typeface="Shonar Bangla" panose="020B0502040204020203" pitchFamily="34" charset="0"/>
-                <a:cs typeface="Shonar Bangla" panose="020B0502040204020203" pitchFamily="34" charset="0"/>
-              </a:rPr>
-              <a:t>, </a:t>
-            </a:r>
-            <a:r>
-              <a:rPr lang="en-US" altLang="zh-CN" sz="2000" dirty="0" err="1">
-                <a:latin typeface="Shonar Bangla" panose="020B0502040204020203" pitchFamily="34" charset="0"/>
-                <a:cs typeface="Shonar Bangla" panose="020B0502040204020203" pitchFamily="34" charset="0"/>
-              </a:rPr>
-              <a:t>token_parser</a:t>
-            </a:r>
-            <a:r>
-              <a:rPr lang="en-US" altLang="zh-CN" sz="2000" dirty="0">
-                <a:latin typeface="Shonar Bangla" panose="020B0502040204020203" pitchFamily="34" charset="0"/>
-                <a:cs typeface="Shonar Bangla" panose="020B0502040204020203" pitchFamily="34" charset="0"/>
-              </a:rPr>
-              <a:t> </a:t>
-            </a:r>
-            <a:r>
-              <a:rPr lang="en-US" altLang="zh-CN" sz="2000" dirty="0" smtClean="0">
-                <a:latin typeface="Shonar Bangla" panose="020B0502040204020203" pitchFamily="34" charset="0"/>
-                <a:cs typeface="Shonar Bangla" panose="020B0502040204020203" pitchFamily="34" charset="0"/>
-              </a:rPr>
-              <a:t>parser</a:t>
-            </a:r>
-            <a:r>
-              <a:rPr lang="en-US" altLang="zh-CN" sz="2000" dirty="0">
-                <a:latin typeface="Shonar Bangla" panose="020B0502040204020203" pitchFamily="34" charset="0"/>
-                <a:cs typeface="Shonar Bangla" panose="020B0502040204020203" pitchFamily="34" charset="0"/>
-              </a:rPr>
-              <a:t>, </a:t>
-            </a:r>
-            <a:r>
-              <a:rPr lang="en-US" altLang="zh-CN" sz="2000" dirty="0" err="1">
-                <a:latin typeface="Shonar Bangla" panose="020B0502040204020203" pitchFamily="34" charset="0"/>
-                <a:cs typeface="Shonar Bangla" panose="020B0502040204020203" pitchFamily="34" charset="0"/>
-              </a:rPr>
-              <a:t>Args</a:t>
-            </a:r>
-            <a:r>
-              <a:rPr lang="en-US" altLang="zh-CN" sz="2000" dirty="0">
-                <a:latin typeface="Shonar Bangla" panose="020B0502040204020203" pitchFamily="34" charset="0"/>
-                <a:cs typeface="Shonar Bangla" panose="020B0502040204020203" pitchFamily="34" charset="0"/>
-              </a:rPr>
-              <a:t> </a:t>
-            </a:r>
-            <a:r>
-              <a:rPr lang="en-US" altLang="zh-CN" sz="2000" dirty="0" err="1">
-                <a:latin typeface="Shonar Bangla" panose="020B0502040204020203" pitchFamily="34" charset="0"/>
-                <a:cs typeface="Shonar Bangla" panose="020B0502040204020203" pitchFamily="34" charset="0"/>
-              </a:rPr>
-              <a:t>const</a:t>
-            </a:r>
-            <a:r>
-              <a:rPr lang="en-US" altLang="zh-CN" sz="2000" dirty="0">
-                <a:latin typeface="Shonar Bangla" panose="020B0502040204020203" pitchFamily="34" charset="0"/>
-                <a:cs typeface="Shonar Bangla" panose="020B0502040204020203" pitchFamily="34" charset="0"/>
-              </a:rPr>
-              <a:t> &amp; </a:t>
-            </a:r>
-            <a:r>
-              <a:rPr lang="en-US" altLang="zh-CN" sz="2000" dirty="0" err="1">
-                <a:latin typeface="Shonar Bangla" panose="020B0502040204020203" pitchFamily="34" charset="0"/>
-                <a:cs typeface="Shonar Bangla" panose="020B0502040204020203" pitchFamily="34" charset="0"/>
-              </a:rPr>
-              <a:t>args</a:t>
-            </a:r>
-            <a:r>
-              <a:rPr lang="en-US" altLang="zh-CN" sz="2000" dirty="0" smtClean="0">
-                <a:latin typeface="Shonar Bangla" panose="020B0502040204020203" pitchFamily="34" charset="0"/>
-                <a:cs typeface="Shonar Bangla" panose="020B0502040204020203" pitchFamily="34" charset="0"/>
-              </a:rPr>
-              <a:t>){</a:t>
-            </a:r>
-          </a:p>
-          <a:p>
-            <a:r>
-              <a:rPr lang="en-US" altLang="zh-CN" sz="2000" dirty="0" smtClean="0">
-                <a:latin typeface="Shonar Bangla" panose="020B0502040204020203" pitchFamily="34" charset="0"/>
-                <a:cs typeface="Shonar Bangla" panose="020B0502040204020203" pitchFamily="34" charset="0"/>
-              </a:rPr>
-              <a:t>        </a:t>
-            </a:r>
-            <a:r>
-              <a:rPr lang="en-US" altLang="zh-CN" sz="2000" dirty="0" err="1" smtClean="0">
-                <a:solidFill>
-                  <a:srgbClr val="FF0000"/>
-                </a:solidFill>
-                <a:latin typeface="Shonar Bangla" panose="020B0502040204020203" pitchFamily="34" charset="0"/>
-                <a:cs typeface="Shonar Bangla" panose="020B0502040204020203" pitchFamily="34" charset="0"/>
-              </a:rPr>
-              <a:t>typedef</a:t>
-            </a:r>
-            <a:r>
-              <a:rPr lang="en-US" altLang="zh-CN" sz="2000" dirty="0" smtClean="0">
-                <a:solidFill>
-                  <a:srgbClr val="FF0000"/>
-                </a:solidFill>
-                <a:latin typeface="Shonar Bangla" panose="020B0502040204020203" pitchFamily="34" charset="0"/>
-                <a:cs typeface="Shonar Bangla" panose="020B0502040204020203" pitchFamily="34" charset="0"/>
-              </a:rPr>
-              <a:t> </a:t>
-            </a:r>
-            <a:r>
-              <a:rPr lang="en-US" altLang="zh-CN" sz="2000" dirty="0" err="1">
-                <a:solidFill>
-                  <a:srgbClr val="FF0000"/>
-                </a:solidFill>
-                <a:latin typeface="Shonar Bangla" panose="020B0502040204020203" pitchFamily="34" charset="0"/>
-                <a:cs typeface="Shonar Bangla" panose="020B0502040204020203" pitchFamily="34" charset="0"/>
-              </a:rPr>
-              <a:t>typename</a:t>
-            </a:r>
-            <a:r>
-              <a:rPr lang="en-US" altLang="zh-CN" sz="2000" dirty="0">
-                <a:solidFill>
-                  <a:srgbClr val="FF0000"/>
-                </a:solidFill>
-                <a:latin typeface="Shonar Bangla" panose="020B0502040204020203" pitchFamily="34" charset="0"/>
-                <a:cs typeface="Shonar Bangla" panose="020B0502040204020203" pitchFamily="34" charset="0"/>
-              </a:rPr>
-              <a:t> </a:t>
-            </a:r>
-            <a:r>
-              <a:rPr lang="en-US" altLang="zh-CN" sz="2000" dirty="0" err="1">
-                <a:solidFill>
-                  <a:srgbClr val="FF0000"/>
-                </a:solidFill>
-                <a:latin typeface="Shonar Bangla" panose="020B0502040204020203" pitchFamily="34" charset="0"/>
-                <a:cs typeface="Shonar Bangla" panose="020B0502040204020203" pitchFamily="34" charset="0"/>
-              </a:rPr>
-              <a:t>function_traits</a:t>
-            </a:r>
-            <a:r>
-              <a:rPr lang="en-US" altLang="zh-CN" sz="2000" dirty="0">
-                <a:solidFill>
-                  <a:srgbClr val="FF0000"/>
-                </a:solidFill>
-                <a:latin typeface="Shonar Bangla" panose="020B0502040204020203" pitchFamily="34" charset="0"/>
-                <a:cs typeface="Shonar Bangla" panose="020B0502040204020203" pitchFamily="34" charset="0"/>
-              </a:rPr>
-              <a:t>&lt;Function&gt;::template </a:t>
-            </a:r>
-            <a:r>
-              <a:rPr lang="en-US" altLang="zh-CN" sz="2000" dirty="0" err="1">
-                <a:solidFill>
-                  <a:srgbClr val="FF0000"/>
-                </a:solidFill>
-                <a:latin typeface="Shonar Bangla" panose="020B0502040204020203" pitchFamily="34" charset="0"/>
-                <a:cs typeface="Shonar Bangla" panose="020B0502040204020203" pitchFamily="34" charset="0"/>
-              </a:rPr>
-              <a:t>args</a:t>
-            </a:r>
-            <a:r>
-              <a:rPr lang="en-US" altLang="zh-CN" sz="2000" dirty="0">
-                <a:solidFill>
-                  <a:srgbClr val="FF0000"/>
-                </a:solidFill>
-                <a:latin typeface="Shonar Bangla" panose="020B0502040204020203" pitchFamily="34" charset="0"/>
-                <a:cs typeface="Shonar Bangla" panose="020B0502040204020203" pitchFamily="34" charset="0"/>
-              </a:rPr>
-              <a:t>&lt;N&gt;::type </a:t>
-            </a:r>
-            <a:r>
-              <a:rPr lang="en-US" altLang="zh-CN" sz="2000" dirty="0" err="1">
-                <a:solidFill>
-                  <a:srgbClr val="FF0000"/>
-                </a:solidFill>
-                <a:latin typeface="Shonar Bangla" panose="020B0502040204020203" pitchFamily="34" charset="0"/>
-                <a:cs typeface="Shonar Bangla" panose="020B0502040204020203" pitchFamily="34" charset="0"/>
-              </a:rPr>
-              <a:t>arg_type</a:t>
-            </a:r>
-            <a:r>
-              <a:rPr lang="en-US" altLang="zh-CN" sz="2000" dirty="0">
-                <a:solidFill>
-                  <a:srgbClr val="FF0000"/>
-                </a:solidFill>
-                <a:latin typeface="Shonar Bangla" panose="020B0502040204020203" pitchFamily="34" charset="0"/>
-                <a:cs typeface="Shonar Bangla" panose="020B0502040204020203" pitchFamily="34" charset="0"/>
-              </a:rPr>
-              <a:t>;</a:t>
-            </a:r>
-          </a:p>
-          <a:p>
-            <a:r>
-              <a:rPr lang="en-US" altLang="zh-CN" sz="2000" dirty="0" smtClean="0">
-                <a:latin typeface="Shonar Bangla" panose="020B0502040204020203" pitchFamily="34" charset="0"/>
-                <a:cs typeface="Shonar Bangla" panose="020B0502040204020203" pitchFamily="34" charset="0"/>
-              </a:rPr>
-              <a:t>        router</a:t>
-            </a:r>
-            <a:r>
-              <a:rPr lang="en-US" altLang="zh-CN" sz="2000" dirty="0">
-                <a:latin typeface="Shonar Bangla" panose="020B0502040204020203" pitchFamily="34" charset="0"/>
-                <a:cs typeface="Shonar Bangla" panose="020B0502040204020203" pitchFamily="34" charset="0"/>
-              </a:rPr>
-              <a:t>::invoker&lt;Function, N + 1, M&gt;::apply(</a:t>
-            </a:r>
-            <a:r>
-              <a:rPr lang="en-US" altLang="zh-CN" sz="2000" dirty="0" err="1">
-                <a:latin typeface="Shonar Bangla" panose="020B0502040204020203" pitchFamily="34" charset="0"/>
-                <a:cs typeface="Shonar Bangla" panose="020B0502040204020203" pitchFamily="34" charset="0"/>
-              </a:rPr>
-              <a:t>func</a:t>
-            </a:r>
-            <a:r>
-              <a:rPr lang="en-US" altLang="zh-CN" sz="2000" dirty="0">
-                <a:latin typeface="Shonar Bangla" panose="020B0502040204020203" pitchFamily="34" charset="0"/>
-                <a:cs typeface="Shonar Bangla" panose="020B0502040204020203" pitchFamily="34" charset="0"/>
-              </a:rPr>
-              <a:t>, parser,</a:t>
-            </a:r>
-          </a:p>
-          <a:p>
-            <a:r>
-              <a:rPr lang="en-US" altLang="zh-CN" sz="2000" dirty="0" smtClean="0">
-                <a:latin typeface="Shonar Bangla" panose="020B0502040204020203" pitchFamily="34" charset="0"/>
-                <a:cs typeface="Shonar Bangla" panose="020B0502040204020203" pitchFamily="34" charset="0"/>
-              </a:rPr>
-              <a:t>            </a:t>
-            </a:r>
-            <a:r>
-              <a:rPr lang="en-US" altLang="zh-CN" sz="2000" dirty="0" err="1" smtClean="0">
-                <a:solidFill>
-                  <a:srgbClr val="FF0000"/>
-                </a:solidFill>
-                <a:latin typeface="Shonar Bangla" panose="020B0502040204020203" pitchFamily="34" charset="0"/>
-                <a:cs typeface="Shonar Bangla" panose="020B0502040204020203" pitchFamily="34" charset="0"/>
-              </a:rPr>
+              <a:rPr lang="en-US" altLang="zh-CN" dirty="0"/>
+              <a:t> : </a:t>
+            </a:r>
+            <a:r>
+              <a:rPr lang="en-US" altLang="zh-CN" dirty="0" err="1"/>
+              <a:t>function_traits_impl</a:t>
+            </a:r>
+            <a:r>
+              <a:rPr lang="en-US" altLang="zh-CN" dirty="0"/>
+              <a:t>&lt;</a:t>
+            </a:r>
+          </a:p>
+          <a:p>
+            <a:r>
+              <a:rPr lang="en-US" altLang="zh-CN" dirty="0" err="1"/>
               <a:t>std</a:t>
             </a:r>
             <a:r>
-              <a:rPr lang="en-US" altLang="zh-CN" sz="2000" dirty="0">
-                <a:solidFill>
-                  <a:srgbClr val="FF0000"/>
-                </a:solidFill>
-                <a:latin typeface="Shonar Bangla" panose="020B0502040204020203" pitchFamily="34" charset="0"/>
-                <a:cs typeface="Shonar Bangla" panose="020B0502040204020203" pitchFamily="34" charset="0"/>
-              </a:rPr>
+              <a:rPr lang="en-US" altLang="zh-CN" dirty="0"/>
               <a:t>::</a:t>
             </a:r>
             <a:r>
-              <a:rPr lang="en-US" altLang="zh-CN" sz="2000" dirty="0" err="1">
-                <a:solidFill>
-                  <a:srgbClr val="FF0000"/>
-                </a:solidFill>
-                <a:latin typeface="Shonar Bangla" panose="020B0502040204020203" pitchFamily="34" charset="0"/>
-                <a:cs typeface="Shonar Bangla" panose="020B0502040204020203" pitchFamily="34" charset="0"/>
-              </a:rPr>
-              <a:t>tuple_cat</a:t>
-            </a:r>
-            <a:r>
-              <a:rPr lang="en-US" altLang="zh-CN" sz="2000" dirty="0">
-                <a:solidFill>
-                  <a:srgbClr val="FF0000"/>
-                </a:solidFill>
-                <a:latin typeface="Shonar Bangla" panose="020B0502040204020203" pitchFamily="34" charset="0"/>
-                <a:cs typeface="Shonar Bangla" panose="020B0502040204020203" pitchFamily="34" charset="0"/>
-              </a:rPr>
-              <a:t>(</a:t>
-            </a:r>
-            <a:r>
-              <a:rPr lang="en-US" altLang="zh-CN" sz="2000" dirty="0" err="1">
-                <a:solidFill>
-                  <a:srgbClr val="FF0000"/>
-                </a:solidFill>
-                <a:latin typeface="Shonar Bangla" panose="020B0502040204020203" pitchFamily="34" charset="0"/>
-                <a:cs typeface="Shonar Bangla" panose="020B0502040204020203" pitchFamily="34" charset="0"/>
-              </a:rPr>
-              <a:t>args</a:t>
-            </a:r>
-            <a:r>
-              <a:rPr lang="en-US" altLang="zh-CN" sz="2000" dirty="0">
-                <a:solidFill>
-                  <a:srgbClr val="FF0000"/>
-                </a:solidFill>
-                <a:latin typeface="Shonar Bangla" panose="020B0502040204020203" pitchFamily="34" charset="0"/>
-                <a:cs typeface="Shonar Bangla" panose="020B0502040204020203" pitchFamily="34" charset="0"/>
-              </a:rPr>
-              <a:t>, </a:t>
-            </a:r>
-            <a:r>
-              <a:rPr lang="en-US" altLang="zh-CN" sz="2000" dirty="0" err="1">
-                <a:solidFill>
-                  <a:srgbClr val="FF0000"/>
-                </a:solidFill>
-                <a:latin typeface="Shonar Bangla" panose="020B0502040204020203" pitchFamily="34" charset="0"/>
-                <a:cs typeface="Shonar Bangla" panose="020B0502040204020203" pitchFamily="34" charset="0"/>
-              </a:rPr>
+              <a:rPr lang="en-US" altLang="zh-CN" dirty="0" err="1"/>
+              <a:t>remove_cv_t</a:t>
+            </a:r>
+            <a:r>
+              <a:rPr lang="en-US" altLang="zh-CN" dirty="0"/>
+              <a:t>&lt;</a:t>
+            </a:r>
+            <a:r>
+              <a:rPr lang="en-US" altLang="zh-CN" dirty="0" err="1"/>
               <a:t>std</a:t>
             </a:r>
             <a:r>
-              <a:rPr lang="en-US" altLang="zh-CN" sz="2000" dirty="0">
-                <a:solidFill>
-                  <a:srgbClr val="FF0000"/>
-                </a:solidFill>
-                <a:latin typeface="Shonar Bangla" panose="020B0502040204020203" pitchFamily="34" charset="0"/>
-                <a:cs typeface="Shonar Bangla" panose="020B0502040204020203" pitchFamily="34" charset="0"/>
-              </a:rPr>
+              <a:rPr lang="en-US" altLang="zh-CN" dirty="0"/>
               <a:t>::</a:t>
             </a:r>
             <a:r>
-              <a:rPr lang="en-US" altLang="zh-CN" sz="2000" dirty="0" err="1">
-                <a:solidFill>
-                  <a:srgbClr val="FF0000"/>
-                </a:solidFill>
-                <a:latin typeface="Shonar Bangla" panose="020B0502040204020203" pitchFamily="34" charset="0"/>
-                <a:cs typeface="Shonar Bangla" panose="020B0502040204020203" pitchFamily="34" charset="0"/>
-              </a:rPr>
-              <a:t>make_tuple</a:t>
-            </a:r>
-            <a:r>
-              <a:rPr lang="en-US" altLang="zh-CN" sz="2000" dirty="0">
-                <a:solidFill>
-                  <a:srgbClr val="FF0000"/>
-                </a:solidFill>
-                <a:latin typeface="Shonar Bangla" panose="020B0502040204020203" pitchFamily="34" charset="0"/>
-                <a:cs typeface="Shonar Bangla" panose="020B0502040204020203" pitchFamily="34" charset="0"/>
-              </a:rPr>
-              <a:t>(</a:t>
-            </a:r>
-            <a:r>
-              <a:rPr lang="en-US" altLang="zh-CN" sz="2000" dirty="0" err="1">
-                <a:solidFill>
-                  <a:srgbClr val="FF0000"/>
-                </a:solidFill>
-                <a:latin typeface="Shonar Bangla" panose="020B0502040204020203" pitchFamily="34" charset="0"/>
-                <a:cs typeface="Shonar Bangla" panose="020B0502040204020203" pitchFamily="34" charset="0"/>
-              </a:rPr>
-              <a:t>parser.get</a:t>
-            </a:r>
-            <a:r>
-              <a:rPr lang="en-US" altLang="zh-CN" sz="2000" dirty="0">
-                <a:solidFill>
-                  <a:srgbClr val="FF0000"/>
-                </a:solidFill>
-                <a:latin typeface="Shonar Bangla" panose="020B0502040204020203" pitchFamily="34" charset="0"/>
-                <a:cs typeface="Shonar Bangla" panose="020B0502040204020203" pitchFamily="34" charset="0"/>
-              </a:rPr>
-              <a:t>&lt;</a:t>
-            </a:r>
-            <a:r>
-              <a:rPr lang="en-US" altLang="zh-CN" sz="2000" dirty="0" err="1">
-                <a:solidFill>
-                  <a:srgbClr val="FF0000"/>
-                </a:solidFill>
-                <a:latin typeface="Shonar Bangla" panose="020B0502040204020203" pitchFamily="34" charset="0"/>
-                <a:cs typeface="Shonar Bangla" panose="020B0502040204020203" pitchFamily="34" charset="0"/>
-              </a:rPr>
-              <a:t>arg_type</a:t>
-            </a:r>
-            <a:r>
-              <a:rPr lang="en-US" altLang="zh-CN" sz="2000" dirty="0">
-                <a:solidFill>
-                  <a:srgbClr val="FF0000"/>
-                </a:solidFill>
-                <a:latin typeface="Shonar Bangla" panose="020B0502040204020203" pitchFamily="34" charset="0"/>
-                <a:cs typeface="Shonar Bangla" panose="020B0502040204020203" pitchFamily="34" charset="0"/>
-              </a:rPr>
-              <a:t>&gt;())</a:t>
-            </a:r>
-            <a:r>
-              <a:rPr lang="en-US" altLang="zh-CN" sz="2000" dirty="0">
-                <a:latin typeface="Shonar Bangla" panose="020B0502040204020203" pitchFamily="34" charset="0"/>
-                <a:cs typeface="Shonar Bangla" panose="020B0502040204020203" pitchFamily="34" charset="0"/>
-              </a:rPr>
-              <a:t>));</a:t>
-            </a:r>
-          </a:p>
-          <a:p>
-            <a:r>
-              <a:rPr lang="en-US" altLang="zh-CN" sz="2000" dirty="0" smtClean="0">
-                <a:latin typeface="Shonar Bangla" panose="020B0502040204020203" pitchFamily="34" charset="0"/>
-                <a:cs typeface="Shonar Bangla" panose="020B0502040204020203" pitchFamily="34" charset="0"/>
-              </a:rPr>
-              <a:t>    }</a:t>
-            </a:r>
-            <a:endParaRPr lang="en-US" altLang="zh-CN" sz="2000" dirty="0">
-              <a:latin typeface="Shonar Bangla" panose="020B0502040204020203" pitchFamily="34" charset="0"/>
-              <a:cs typeface="Shonar Bangla" panose="020B0502040204020203" pitchFamily="34" charset="0"/>
-            </a:endParaRPr>
-          </a:p>
-          <a:p>
-            <a:r>
-              <a:rPr lang="en-US" altLang="zh-CN" sz="2000" dirty="0">
-                <a:latin typeface="Shonar Bangla" panose="020B0502040204020203" pitchFamily="34" charset="0"/>
-                <a:cs typeface="Shonar Bangla" panose="020B0502040204020203" pitchFamily="34" charset="0"/>
-              </a:rPr>
-              <a:t>};</a:t>
-            </a:r>
-          </a:p>
-          <a:p>
-            <a:endParaRPr lang="zh-CN" altLang="en-US" dirty="0"/>
+              <a:rPr lang="en-US" altLang="zh-CN" dirty="0" err="1"/>
+              <a:t>remove_reference_t</a:t>
+            </a:r>
+            <a:r>
+              <a:rPr lang="en-US" altLang="zh-CN" dirty="0"/>
+              <a:t>&lt;T</a:t>
+            </a:r>
+            <a:r>
+              <a:rPr lang="en-US" altLang="zh-CN" dirty="0" smtClean="0"/>
+              <a:t>&gt;&gt;&gt;{};</a:t>
+            </a:r>
+            <a:endParaRPr lang="en-US" altLang="zh-CN" dirty="0"/>
           </a:p>
         </p:txBody>
       </p:sp>
@@ -15960,581 +16229,30 @@
         </p:nvSpPr>
         <p:spPr>
           <a:xfrm>
-            <a:off x="1270071" y="4173894"/>
-            <a:ext cx="7407763" cy="2808461"/>
+            <a:off x="3451412" y="4567082"/>
+            <a:ext cx="4572000" cy="646331"/>
           </a:xfrm>
           <a:prstGeom prst="rect">
             <a:avLst/>
           </a:prstGeom>
         </p:spPr>
         <p:txBody>
-          <a:bodyPr wrap="square">
+          <a:bodyPr>
             <a:spAutoFit/>
           </a:bodyPr>
           <a:lstStyle/>
           <a:p>
-            <a:pPr>
-              <a:lnSpc>
-                <a:spcPct val="90000"/>
-              </a:lnSpc>
-              <a:spcBef>
-                <a:spcPts val="1000"/>
-              </a:spcBef>
-            </a:pPr>
-            <a:r>
-              <a:rPr lang="en-US" altLang="zh-CN" sz="2000" dirty="0">
-                <a:solidFill>
-                  <a:schemeClr val="tx1">
-                    <a:lumMod val="75000"/>
-                    <a:lumOff val="25000"/>
-                  </a:schemeClr>
-                </a:solidFill>
-                <a:latin typeface="Shonar Bangla" panose="020B0502040204020203" pitchFamily="34" charset="0"/>
-                <a:ea typeface="Microsoft YaHei" panose="020B0503020204020204" pitchFamily="34" charset="-122"/>
-                <a:cs typeface="Shonar Bangla" panose="020B0502040204020203" pitchFamily="34" charset="0"/>
-              </a:rPr>
-              <a:t>template&lt;</a:t>
-            </a:r>
-            <a:r>
-              <a:rPr lang="en-US" altLang="zh-CN" sz="2000" dirty="0" err="1">
-                <a:solidFill>
-                  <a:schemeClr val="tx1">
-                    <a:lumMod val="75000"/>
-                    <a:lumOff val="25000"/>
-                  </a:schemeClr>
-                </a:solidFill>
-                <a:latin typeface="Shonar Bangla" panose="020B0502040204020203" pitchFamily="34" charset="0"/>
-                <a:ea typeface="Microsoft YaHei" panose="020B0503020204020204" pitchFamily="34" charset="-122"/>
-                <a:cs typeface="Shonar Bangla" panose="020B0502040204020203" pitchFamily="34" charset="0"/>
-              </a:rPr>
-              <a:t>typename</a:t>
-            </a:r>
-            <a:r>
-              <a:rPr lang="en-US" altLang="zh-CN" sz="2000" dirty="0">
-                <a:solidFill>
-                  <a:schemeClr val="tx1">
-                    <a:lumMod val="75000"/>
-                    <a:lumOff val="25000"/>
-                  </a:schemeClr>
-                </a:solidFill>
-                <a:latin typeface="Shonar Bangla" panose="020B0502040204020203" pitchFamily="34" charset="0"/>
-                <a:ea typeface="Microsoft YaHei" panose="020B0503020204020204" pitchFamily="34" charset="-122"/>
-                <a:cs typeface="Shonar Bangla" panose="020B0502040204020203" pitchFamily="34" charset="0"/>
-              </a:rPr>
-              <a:t> Function, </a:t>
-            </a:r>
-            <a:r>
-              <a:rPr lang="en-US" altLang="zh-CN" sz="2000" dirty="0" err="1">
-                <a:solidFill>
-                  <a:schemeClr val="tx1">
-                    <a:lumMod val="75000"/>
-                    <a:lumOff val="25000"/>
-                  </a:schemeClr>
-                </a:solidFill>
-                <a:latin typeface="Shonar Bangla" panose="020B0502040204020203" pitchFamily="34" charset="0"/>
-                <a:ea typeface="Microsoft YaHei" panose="020B0503020204020204" pitchFamily="34" charset="-122"/>
-                <a:cs typeface="Shonar Bangla" panose="020B0502040204020203" pitchFamily="34" charset="0"/>
-              </a:rPr>
-              <a:t>size_t</a:t>
-            </a:r>
-            <a:r>
-              <a:rPr lang="en-US" altLang="zh-CN" sz="2000" dirty="0">
-                <a:solidFill>
-                  <a:schemeClr val="tx1">
-                    <a:lumMod val="75000"/>
-                    <a:lumOff val="25000"/>
-                  </a:schemeClr>
-                </a:solidFill>
-                <a:latin typeface="Shonar Bangla" panose="020B0502040204020203" pitchFamily="34" charset="0"/>
-                <a:ea typeface="Microsoft YaHei" panose="020B0503020204020204" pitchFamily="34" charset="-122"/>
-                <a:cs typeface="Shonar Bangla" panose="020B0502040204020203" pitchFamily="34" charset="0"/>
-              </a:rPr>
-              <a:t> M&gt;</a:t>
-            </a:r>
-          </a:p>
-          <a:p>
-            <a:pPr>
-              <a:lnSpc>
-                <a:spcPct val="90000"/>
-              </a:lnSpc>
-              <a:spcBef>
-                <a:spcPts val="1000"/>
-              </a:spcBef>
-            </a:pPr>
-            <a:r>
-              <a:rPr lang="en-US" altLang="zh-CN" sz="2000" dirty="0" err="1">
-                <a:solidFill>
-                  <a:schemeClr val="tx1">
-                    <a:lumMod val="75000"/>
-                    <a:lumOff val="25000"/>
-                  </a:schemeClr>
-                </a:solidFill>
-                <a:latin typeface="Shonar Bangla" panose="020B0502040204020203" pitchFamily="34" charset="0"/>
-                <a:ea typeface="Microsoft YaHei" panose="020B0503020204020204" pitchFamily="34" charset="-122"/>
-                <a:cs typeface="Shonar Bangla" panose="020B0502040204020203" pitchFamily="34" charset="0"/>
-              </a:rPr>
-              <a:t>struct</a:t>
-            </a:r>
-            <a:r>
-              <a:rPr lang="en-US" altLang="zh-CN" sz="2000" dirty="0">
-                <a:solidFill>
-                  <a:schemeClr val="tx1">
-                    <a:lumMod val="75000"/>
-                    <a:lumOff val="25000"/>
-                  </a:schemeClr>
-                </a:solidFill>
-                <a:latin typeface="Shonar Bangla" panose="020B0502040204020203" pitchFamily="34" charset="0"/>
-                <a:ea typeface="Microsoft YaHei" panose="020B0503020204020204" pitchFamily="34" charset="-122"/>
-                <a:cs typeface="Shonar Bangla" panose="020B0502040204020203" pitchFamily="34" charset="0"/>
-              </a:rPr>
-              <a:t> invoker&lt;Function, M, M&gt;{</a:t>
-            </a:r>
-          </a:p>
-          <a:p>
-            <a:pPr>
-              <a:lnSpc>
-                <a:spcPct val="90000"/>
-              </a:lnSpc>
-              <a:spcBef>
-                <a:spcPts val="1000"/>
-              </a:spcBef>
-            </a:pPr>
-            <a:r>
-              <a:rPr lang="en-US" altLang="zh-CN" sz="2000" dirty="0">
-                <a:solidFill>
-                  <a:schemeClr val="tx1">
-                    <a:lumMod val="75000"/>
-                    <a:lumOff val="25000"/>
-                  </a:schemeClr>
-                </a:solidFill>
-                <a:latin typeface="Shonar Bangla" panose="020B0502040204020203" pitchFamily="34" charset="0"/>
-                <a:ea typeface="Microsoft YaHei" panose="020B0503020204020204" pitchFamily="34" charset="-122"/>
-                <a:cs typeface="Shonar Bangla" panose="020B0502040204020203" pitchFamily="34" charset="0"/>
-              </a:rPr>
-              <a:t>    template&lt;</a:t>
-            </a:r>
-            <a:r>
-              <a:rPr lang="en-US" altLang="zh-CN" sz="2000" dirty="0" err="1">
-                <a:solidFill>
-                  <a:schemeClr val="tx1">
-                    <a:lumMod val="75000"/>
-                    <a:lumOff val="25000"/>
-                  </a:schemeClr>
-                </a:solidFill>
-                <a:latin typeface="Shonar Bangla" panose="020B0502040204020203" pitchFamily="34" charset="0"/>
-                <a:ea typeface="Microsoft YaHei" panose="020B0503020204020204" pitchFamily="34" charset="-122"/>
-                <a:cs typeface="Shonar Bangla" panose="020B0502040204020203" pitchFamily="34" charset="0"/>
-              </a:rPr>
-              <a:t>typename</a:t>
-            </a:r>
-            <a:r>
-              <a:rPr lang="en-US" altLang="zh-CN" sz="2000" dirty="0">
-                <a:solidFill>
-                  <a:schemeClr val="tx1">
-                    <a:lumMod val="75000"/>
-                    <a:lumOff val="25000"/>
-                  </a:schemeClr>
-                </a:solidFill>
-                <a:latin typeface="Shonar Bangla" panose="020B0502040204020203" pitchFamily="34" charset="0"/>
-                <a:ea typeface="Microsoft YaHei" panose="020B0503020204020204" pitchFamily="34" charset="-122"/>
-                <a:cs typeface="Shonar Bangla" panose="020B0502040204020203" pitchFamily="34" charset="0"/>
-              </a:rPr>
-              <a:t> </a:t>
-            </a:r>
-            <a:r>
-              <a:rPr lang="en-US" altLang="zh-CN" sz="2000" dirty="0" err="1">
-                <a:solidFill>
-                  <a:schemeClr val="tx1">
-                    <a:lumMod val="75000"/>
-                    <a:lumOff val="25000"/>
-                  </a:schemeClr>
-                </a:solidFill>
-                <a:latin typeface="Shonar Bangla" panose="020B0502040204020203" pitchFamily="34" charset="0"/>
-                <a:ea typeface="Microsoft YaHei" panose="020B0503020204020204" pitchFamily="34" charset="-122"/>
-                <a:cs typeface="Shonar Bangla" panose="020B0502040204020203" pitchFamily="34" charset="0"/>
-              </a:rPr>
-              <a:t>Args</a:t>
-            </a:r>
-            <a:r>
-              <a:rPr lang="en-US" altLang="zh-CN" sz="2000" dirty="0">
-                <a:solidFill>
-                  <a:schemeClr val="tx1">
-                    <a:lumMod val="75000"/>
-                    <a:lumOff val="25000"/>
-                  </a:schemeClr>
-                </a:solidFill>
-                <a:latin typeface="Shonar Bangla" panose="020B0502040204020203" pitchFamily="34" charset="0"/>
-                <a:ea typeface="Microsoft YaHei" panose="020B0503020204020204" pitchFamily="34" charset="-122"/>
-                <a:cs typeface="Shonar Bangla" panose="020B0502040204020203" pitchFamily="34" charset="0"/>
-              </a:rPr>
-              <a:t>&gt;</a:t>
-            </a:r>
-          </a:p>
-          <a:p>
-            <a:pPr>
-              <a:lnSpc>
-                <a:spcPct val="90000"/>
-              </a:lnSpc>
-              <a:spcBef>
-                <a:spcPts val="1000"/>
-              </a:spcBef>
-            </a:pPr>
-            <a:r>
-              <a:rPr lang="en-US" altLang="zh-CN" sz="2000" dirty="0">
-                <a:solidFill>
-                  <a:schemeClr val="tx1">
-                    <a:lumMod val="75000"/>
-                    <a:lumOff val="25000"/>
-                  </a:schemeClr>
-                </a:solidFill>
-                <a:latin typeface="Shonar Bangla" panose="020B0502040204020203" pitchFamily="34" charset="0"/>
-                <a:ea typeface="Microsoft YaHei" panose="020B0503020204020204" pitchFamily="34" charset="-122"/>
-                <a:cs typeface="Shonar Bangla" panose="020B0502040204020203" pitchFamily="34" charset="0"/>
-              </a:rPr>
-              <a:t>    static void apply(</a:t>
-            </a:r>
-            <a:r>
-              <a:rPr lang="en-US" altLang="zh-CN" sz="2000" dirty="0" err="1">
-                <a:solidFill>
-                  <a:schemeClr val="tx1">
-                    <a:lumMod val="75000"/>
-                    <a:lumOff val="25000"/>
-                  </a:schemeClr>
-                </a:solidFill>
-                <a:latin typeface="Shonar Bangla" panose="020B0502040204020203" pitchFamily="34" charset="0"/>
-                <a:ea typeface="Microsoft YaHei" panose="020B0503020204020204" pitchFamily="34" charset="-122"/>
-                <a:cs typeface="Shonar Bangla" panose="020B0502040204020203" pitchFamily="34" charset="0"/>
-              </a:rPr>
-              <a:t>const</a:t>
-            </a:r>
-            <a:r>
-              <a:rPr lang="en-US" altLang="zh-CN" sz="2000" dirty="0">
-                <a:solidFill>
-                  <a:schemeClr val="tx1">
-                    <a:lumMod val="75000"/>
-                    <a:lumOff val="25000"/>
-                  </a:schemeClr>
-                </a:solidFill>
-                <a:latin typeface="Shonar Bangla" panose="020B0502040204020203" pitchFamily="34" charset="0"/>
-                <a:ea typeface="Microsoft YaHei" panose="020B0503020204020204" pitchFamily="34" charset="-122"/>
-                <a:cs typeface="Shonar Bangla" panose="020B0502040204020203" pitchFamily="34" charset="0"/>
-              </a:rPr>
-              <a:t> Function&amp; </a:t>
-            </a:r>
-            <a:r>
-              <a:rPr lang="en-US" altLang="zh-CN" sz="2000" dirty="0" err="1">
-                <a:solidFill>
-                  <a:schemeClr val="tx1">
-                    <a:lumMod val="75000"/>
-                    <a:lumOff val="25000"/>
-                  </a:schemeClr>
-                </a:solidFill>
-                <a:latin typeface="Shonar Bangla" panose="020B0502040204020203" pitchFamily="34" charset="0"/>
-                <a:ea typeface="Microsoft YaHei" panose="020B0503020204020204" pitchFamily="34" charset="-122"/>
-                <a:cs typeface="Shonar Bangla" panose="020B0502040204020203" pitchFamily="34" charset="0"/>
-              </a:rPr>
-              <a:t>func</a:t>
-            </a:r>
-            <a:r>
-              <a:rPr lang="en-US" altLang="zh-CN" sz="2000" dirty="0">
-                <a:solidFill>
-                  <a:schemeClr val="tx1">
-                    <a:lumMod val="75000"/>
-                    <a:lumOff val="25000"/>
-                  </a:schemeClr>
-                </a:solidFill>
-                <a:latin typeface="Shonar Bangla" panose="020B0502040204020203" pitchFamily="34" charset="0"/>
-                <a:ea typeface="Microsoft YaHei" panose="020B0503020204020204" pitchFamily="34" charset="-122"/>
-                <a:cs typeface="Shonar Bangla" panose="020B0502040204020203" pitchFamily="34" charset="0"/>
-              </a:rPr>
-              <a:t>, </a:t>
-            </a:r>
-            <a:r>
-              <a:rPr lang="en-US" altLang="zh-CN" sz="2000" dirty="0" err="1">
-                <a:solidFill>
-                  <a:schemeClr val="tx1">
-                    <a:lumMod val="75000"/>
-                    <a:lumOff val="25000"/>
-                  </a:schemeClr>
-                </a:solidFill>
-                <a:latin typeface="Shonar Bangla" panose="020B0502040204020203" pitchFamily="34" charset="0"/>
-                <a:ea typeface="Microsoft YaHei" panose="020B0503020204020204" pitchFamily="34" charset="-122"/>
-                <a:cs typeface="Shonar Bangla" panose="020B0502040204020203" pitchFamily="34" charset="0"/>
-              </a:rPr>
-              <a:t>token_parser</a:t>
-            </a:r>
-            <a:r>
-              <a:rPr lang="en-US" altLang="zh-CN" sz="2000" dirty="0">
-                <a:solidFill>
-                  <a:schemeClr val="tx1">
-                    <a:lumMod val="75000"/>
-                    <a:lumOff val="25000"/>
-                  </a:schemeClr>
-                </a:solidFill>
-                <a:latin typeface="Shonar Bangla" panose="020B0502040204020203" pitchFamily="34" charset="0"/>
-                <a:ea typeface="Microsoft YaHei" panose="020B0503020204020204" pitchFamily="34" charset="-122"/>
-                <a:cs typeface="Shonar Bangla" panose="020B0502040204020203" pitchFamily="34" charset="0"/>
-              </a:rPr>
-              <a:t> &amp;, </a:t>
-            </a:r>
-            <a:r>
-              <a:rPr lang="en-US" altLang="zh-CN" sz="2000" dirty="0" err="1">
-                <a:solidFill>
-                  <a:schemeClr val="tx1">
-                    <a:lumMod val="75000"/>
-                    <a:lumOff val="25000"/>
-                  </a:schemeClr>
-                </a:solidFill>
-                <a:latin typeface="Shonar Bangla" panose="020B0502040204020203" pitchFamily="34" charset="0"/>
-                <a:ea typeface="Microsoft YaHei" panose="020B0503020204020204" pitchFamily="34" charset="-122"/>
-                <a:cs typeface="Shonar Bangla" panose="020B0502040204020203" pitchFamily="34" charset="0"/>
-              </a:rPr>
-              <a:t>Args</a:t>
-            </a:r>
-            <a:r>
-              <a:rPr lang="en-US" altLang="zh-CN" sz="2000" dirty="0">
-                <a:solidFill>
-                  <a:schemeClr val="tx1">
-                    <a:lumMod val="75000"/>
-                    <a:lumOff val="25000"/>
-                  </a:schemeClr>
-                </a:solidFill>
-                <a:latin typeface="Shonar Bangla" panose="020B0502040204020203" pitchFamily="34" charset="0"/>
-                <a:ea typeface="Microsoft YaHei" panose="020B0503020204020204" pitchFamily="34" charset="-122"/>
-                <a:cs typeface="Shonar Bangla" panose="020B0502040204020203" pitchFamily="34" charset="0"/>
-              </a:rPr>
-              <a:t> </a:t>
-            </a:r>
-            <a:r>
-              <a:rPr lang="en-US" altLang="zh-CN" sz="2000" dirty="0" err="1">
-                <a:solidFill>
-                  <a:schemeClr val="tx1">
-                    <a:lumMod val="75000"/>
-                    <a:lumOff val="25000"/>
-                  </a:schemeClr>
-                </a:solidFill>
-                <a:latin typeface="Shonar Bangla" panose="020B0502040204020203" pitchFamily="34" charset="0"/>
-                <a:ea typeface="Microsoft YaHei" panose="020B0503020204020204" pitchFamily="34" charset="-122"/>
-                <a:cs typeface="Shonar Bangla" panose="020B0502040204020203" pitchFamily="34" charset="0"/>
-              </a:rPr>
-              <a:t>const</a:t>
-            </a:r>
-            <a:r>
-              <a:rPr lang="en-US" altLang="zh-CN" sz="2000" dirty="0">
-                <a:solidFill>
-                  <a:schemeClr val="tx1">
-                    <a:lumMod val="75000"/>
-                    <a:lumOff val="25000"/>
-                  </a:schemeClr>
-                </a:solidFill>
-                <a:latin typeface="Shonar Bangla" panose="020B0502040204020203" pitchFamily="34" charset="0"/>
-                <a:ea typeface="Microsoft YaHei" panose="020B0503020204020204" pitchFamily="34" charset="-122"/>
-                <a:cs typeface="Shonar Bangla" panose="020B0502040204020203" pitchFamily="34" charset="0"/>
-              </a:rPr>
-              <a:t> &amp; </a:t>
-            </a:r>
-            <a:r>
-              <a:rPr lang="en-US" altLang="zh-CN" sz="2000" dirty="0" err="1">
-                <a:solidFill>
-                  <a:schemeClr val="tx1">
-                    <a:lumMod val="75000"/>
-                    <a:lumOff val="25000"/>
-                  </a:schemeClr>
-                </a:solidFill>
-                <a:latin typeface="Shonar Bangla" panose="020B0502040204020203" pitchFamily="34" charset="0"/>
-                <a:ea typeface="Microsoft YaHei" panose="020B0503020204020204" pitchFamily="34" charset="-122"/>
-                <a:cs typeface="Shonar Bangla" panose="020B0502040204020203" pitchFamily="34" charset="0"/>
-              </a:rPr>
-              <a:t>args</a:t>
-            </a:r>
-            <a:r>
-              <a:rPr lang="en-US" altLang="zh-CN" sz="2000" dirty="0">
-                <a:solidFill>
-                  <a:schemeClr val="tx1">
-                    <a:lumMod val="75000"/>
-                    <a:lumOff val="25000"/>
-                  </a:schemeClr>
-                </a:solidFill>
-                <a:latin typeface="Shonar Bangla" panose="020B0502040204020203" pitchFamily="34" charset="0"/>
-                <a:ea typeface="Microsoft YaHei" panose="020B0503020204020204" pitchFamily="34" charset="-122"/>
-                <a:cs typeface="Shonar Bangla" panose="020B0502040204020203" pitchFamily="34" charset="0"/>
-              </a:rPr>
-              <a:t>){</a:t>
-            </a:r>
-          </a:p>
-          <a:p>
-            <a:pPr>
-              <a:lnSpc>
-                <a:spcPct val="90000"/>
-              </a:lnSpc>
-              <a:spcBef>
-                <a:spcPts val="1000"/>
-              </a:spcBef>
-            </a:pPr>
-            <a:r>
-              <a:rPr lang="en-US" altLang="zh-CN" sz="2000" dirty="0">
-                <a:solidFill>
-                  <a:schemeClr val="tx1">
-                    <a:lumMod val="75000"/>
-                    <a:lumOff val="25000"/>
-                  </a:schemeClr>
-                </a:solidFill>
-                <a:latin typeface="Shonar Bangla" panose="020B0502040204020203" pitchFamily="34" charset="0"/>
-                <a:ea typeface="Microsoft YaHei" panose="020B0503020204020204" pitchFamily="34" charset="-122"/>
-                <a:cs typeface="Shonar Bangla" panose="020B0502040204020203" pitchFamily="34" charset="0"/>
-              </a:rPr>
-              <a:t>        </a:t>
-            </a:r>
-            <a:r>
-              <a:rPr lang="en-US" altLang="zh-CN" sz="2000" dirty="0" err="1">
-                <a:solidFill>
-                  <a:schemeClr val="tx1">
-                    <a:lumMod val="75000"/>
-                    <a:lumOff val="25000"/>
-                  </a:schemeClr>
-                </a:solidFill>
-                <a:latin typeface="Shonar Bangla" panose="020B0502040204020203" pitchFamily="34" charset="0"/>
-                <a:ea typeface="Microsoft YaHei" panose="020B0503020204020204" pitchFamily="34" charset="-122"/>
-                <a:cs typeface="Shonar Bangla" panose="020B0502040204020203" pitchFamily="34" charset="0"/>
-              </a:rPr>
-              <a:t>std</a:t>
-            </a:r>
-            <a:r>
-              <a:rPr lang="en-US" altLang="zh-CN" sz="2000" dirty="0">
-                <a:solidFill>
-                  <a:schemeClr val="tx1">
-                    <a:lumMod val="75000"/>
-                    <a:lumOff val="25000"/>
-                  </a:schemeClr>
-                </a:solidFill>
-                <a:latin typeface="Shonar Bangla" panose="020B0502040204020203" pitchFamily="34" charset="0"/>
-                <a:ea typeface="Microsoft YaHei" panose="020B0503020204020204" pitchFamily="34" charset="-122"/>
-                <a:cs typeface="Shonar Bangla" panose="020B0502040204020203" pitchFamily="34" charset="0"/>
-              </a:rPr>
-              <a:t>::apply(</a:t>
-            </a:r>
-            <a:r>
-              <a:rPr lang="en-US" altLang="zh-CN" sz="2000" dirty="0" err="1">
-                <a:solidFill>
-                  <a:schemeClr val="tx1">
-                    <a:lumMod val="75000"/>
-                    <a:lumOff val="25000"/>
-                  </a:schemeClr>
-                </a:solidFill>
-                <a:latin typeface="Shonar Bangla" panose="020B0502040204020203" pitchFamily="34" charset="0"/>
-                <a:ea typeface="Microsoft YaHei" panose="020B0503020204020204" pitchFamily="34" charset="-122"/>
-                <a:cs typeface="Shonar Bangla" panose="020B0502040204020203" pitchFamily="34" charset="0"/>
-              </a:rPr>
-              <a:t>func</a:t>
-            </a:r>
-            <a:r>
-              <a:rPr lang="en-US" altLang="zh-CN" sz="2000" dirty="0">
-                <a:solidFill>
-                  <a:schemeClr val="tx1">
-                    <a:lumMod val="75000"/>
-                    <a:lumOff val="25000"/>
-                  </a:schemeClr>
-                </a:solidFill>
-                <a:latin typeface="Shonar Bangla" panose="020B0502040204020203" pitchFamily="34" charset="0"/>
-                <a:ea typeface="Microsoft YaHei" panose="020B0503020204020204" pitchFamily="34" charset="-122"/>
-                <a:cs typeface="Shonar Bangla" panose="020B0502040204020203" pitchFamily="34" charset="0"/>
-              </a:rPr>
-              <a:t>, </a:t>
-            </a:r>
-            <a:r>
-              <a:rPr lang="en-US" altLang="zh-CN" sz="2000" dirty="0" err="1">
-                <a:solidFill>
-                  <a:schemeClr val="tx1">
-                    <a:lumMod val="75000"/>
-                    <a:lumOff val="25000"/>
-                  </a:schemeClr>
-                </a:solidFill>
-                <a:latin typeface="Shonar Bangla" panose="020B0502040204020203" pitchFamily="34" charset="0"/>
-                <a:ea typeface="Microsoft YaHei" panose="020B0503020204020204" pitchFamily="34" charset="-122"/>
-                <a:cs typeface="Shonar Bangla" panose="020B0502040204020203" pitchFamily="34" charset="0"/>
-              </a:rPr>
-              <a:t>args</a:t>
-            </a:r>
-            <a:r>
-              <a:rPr lang="en-US" altLang="zh-CN" sz="2000" dirty="0">
-                <a:solidFill>
-                  <a:schemeClr val="tx1">
-                    <a:lumMod val="75000"/>
-                    <a:lumOff val="25000"/>
-                  </a:schemeClr>
-                </a:solidFill>
-                <a:latin typeface="Shonar Bangla" panose="020B0502040204020203" pitchFamily="34" charset="0"/>
-                <a:ea typeface="Microsoft YaHei" panose="020B0503020204020204" pitchFamily="34" charset="-122"/>
-                <a:cs typeface="Shonar Bangla" panose="020B0502040204020203" pitchFamily="34" charset="0"/>
-              </a:rPr>
-              <a:t>);</a:t>
-            </a:r>
-          </a:p>
-          <a:p>
-            <a:pPr>
-              <a:lnSpc>
-                <a:spcPct val="90000"/>
-              </a:lnSpc>
-              <a:spcBef>
-                <a:spcPts val="1000"/>
-              </a:spcBef>
-            </a:pPr>
-            <a:r>
-              <a:rPr lang="en-US" altLang="zh-CN" sz="2000" dirty="0">
-                <a:solidFill>
-                  <a:schemeClr val="tx1">
-                    <a:lumMod val="75000"/>
-                    <a:lumOff val="25000"/>
-                  </a:schemeClr>
-                </a:solidFill>
-                <a:latin typeface="Shonar Bangla" panose="020B0502040204020203" pitchFamily="34" charset="0"/>
-                <a:ea typeface="Microsoft YaHei" panose="020B0503020204020204" pitchFamily="34" charset="-122"/>
-                <a:cs typeface="Shonar Bangla" panose="020B0502040204020203" pitchFamily="34" charset="0"/>
-              </a:rPr>
-              <a:t>    }</a:t>
-            </a:r>
-          </a:p>
-          <a:p>
-            <a:pPr>
-              <a:lnSpc>
-                <a:spcPct val="90000"/>
-              </a:lnSpc>
-              <a:spcBef>
-                <a:spcPts val="1000"/>
-              </a:spcBef>
-            </a:pPr>
-            <a:r>
-              <a:rPr lang="en-US" altLang="zh-CN" sz="2000" dirty="0">
-                <a:solidFill>
-                  <a:schemeClr val="tx1">
-                    <a:lumMod val="75000"/>
-                    <a:lumOff val="25000"/>
-                  </a:schemeClr>
-                </a:solidFill>
-                <a:latin typeface="Shonar Bangla" panose="020B0502040204020203" pitchFamily="34" charset="0"/>
-                <a:ea typeface="Microsoft YaHei" panose="020B0503020204020204" pitchFamily="34" charset="-122"/>
-                <a:cs typeface="Shonar Bangla" panose="020B0502040204020203" pitchFamily="34" charset="0"/>
-              </a:rPr>
-              <a:t>};</a:t>
-            </a:r>
-            <a:endParaRPr lang="zh-CN" altLang="en-US" sz="2000" dirty="0">
-              <a:solidFill>
-                <a:schemeClr val="tx1">
-                  <a:lumMod val="75000"/>
-                  <a:lumOff val="25000"/>
-                </a:schemeClr>
-              </a:solidFill>
-              <a:latin typeface="Shonar Bangla" panose="020B0502040204020203" pitchFamily="34" charset="0"/>
-              <a:ea typeface="Microsoft YaHei" panose="020B0503020204020204" pitchFamily="34" charset="-122"/>
-              <a:cs typeface="Shonar Bangla" panose="020B0502040204020203" pitchFamily="34" charset="0"/>
-            </a:endParaRPr>
+            <a:r>
+              <a:rPr lang="zh-CN" altLang="en-US" dirty="0"/>
+              <a:t>https://github.com/topcpporg/rest_rpc/blob/master/rest_rpc/base/function_traits.hpp</a:t>
+            </a:r>
           </a:p>
         </p:txBody>
       </p:sp>
     </p:spTree>
     <p:extLst>
       <p:ext uri="{BB962C8B-B14F-4D97-AF65-F5344CB8AC3E}">
-        <p14:creationId xmlns:p14="http://schemas.microsoft.com/office/powerpoint/2010/main" val="2717181773"/>
+        <p14:creationId xmlns:p14="http://schemas.microsoft.com/office/powerpoint/2010/main" val="818504125"/>
       </p:ext>
     </p:extLst>
   </p:cSld>
@@ -16724,175 +16442,1181 @@
           <a:lstStyle/>
           <a:p>
             <a:r>
-              <a:rPr lang="en-US" altLang="zh-CN" dirty="0"/>
+              <a:rPr lang="en-US" altLang="zh-CN" sz="2000" dirty="0" smtClean="0">
+                <a:latin typeface="Shonar Bangla" panose="020B0502040204020203" pitchFamily="34" charset="0"/>
+                <a:cs typeface="Shonar Bangla" panose="020B0502040204020203" pitchFamily="34" charset="0"/>
+              </a:rPr>
               <a:t>template&lt;</a:t>
             </a:r>
             <a:r>
-              <a:rPr lang="en-US" altLang="zh-CN" dirty="0" err="1"/>
+              <a:rPr lang="en-US" altLang="zh-CN" sz="2000" dirty="0" err="1" smtClean="0">
+                <a:latin typeface="Shonar Bangla" panose="020B0502040204020203" pitchFamily="34" charset="0"/>
+                <a:cs typeface="Shonar Bangla" panose="020B0502040204020203" pitchFamily="34" charset="0"/>
+              </a:rPr>
               <a:t>typename</a:t>
             </a:r>
             <a:r>
-              <a:rPr lang="en-US" altLang="zh-CN" dirty="0"/>
+              <a:rPr lang="en-US" altLang="zh-CN" sz="2000" dirty="0" smtClean="0">
+                <a:latin typeface="Shonar Bangla" panose="020B0502040204020203" pitchFamily="34" charset="0"/>
+                <a:cs typeface="Shonar Bangla" panose="020B0502040204020203" pitchFamily="34" charset="0"/>
+              </a:rPr>
+              <a:t> </a:t>
+            </a:r>
+            <a:r>
+              <a:rPr lang="en-US" altLang="zh-CN" sz="2000" dirty="0">
+                <a:latin typeface="Shonar Bangla" panose="020B0502040204020203" pitchFamily="34" charset="0"/>
+                <a:cs typeface="Shonar Bangla" panose="020B0502040204020203" pitchFamily="34" charset="0"/>
+              </a:rPr>
+              <a:t>Function, </a:t>
+            </a:r>
+            <a:r>
+              <a:rPr lang="en-US" altLang="zh-CN" sz="2000" dirty="0" err="1">
+                <a:latin typeface="Shonar Bangla" panose="020B0502040204020203" pitchFamily="34" charset="0"/>
+                <a:cs typeface="Shonar Bangla" panose="020B0502040204020203" pitchFamily="34" charset="0"/>
+              </a:rPr>
+              <a:t>size_t</a:t>
+            </a:r>
+            <a:r>
+              <a:rPr lang="en-US" altLang="zh-CN" sz="2000" dirty="0">
+                <a:latin typeface="Shonar Bangla" panose="020B0502040204020203" pitchFamily="34" charset="0"/>
+                <a:cs typeface="Shonar Bangla" panose="020B0502040204020203" pitchFamily="34" charset="0"/>
+              </a:rPr>
+              <a:t> N = 0, </a:t>
+            </a:r>
+            <a:r>
+              <a:rPr lang="en-US" altLang="zh-CN" sz="2000" dirty="0" err="1">
+                <a:latin typeface="Shonar Bangla" panose="020B0502040204020203" pitchFamily="34" charset="0"/>
+                <a:cs typeface="Shonar Bangla" panose="020B0502040204020203" pitchFamily="34" charset="0"/>
+              </a:rPr>
+              <a:t>size_t</a:t>
+            </a:r>
+            <a:r>
+              <a:rPr lang="en-US" altLang="zh-CN" sz="2000" dirty="0">
+                <a:latin typeface="Shonar Bangla" panose="020B0502040204020203" pitchFamily="34" charset="0"/>
+                <a:cs typeface="Shonar Bangla" panose="020B0502040204020203" pitchFamily="34" charset="0"/>
+              </a:rPr>
+              <a:t> M </a:t>
+            </a:r>
+            <a:r>
+              <a:rPr lang="en-US" altLang="zh-CN" sz="2000" dirty="0" smtClean="0">
+                <a:latin typeface="Shonar Bangla" panose="020B0502040204020203" pitchFamily="34" charset="0"/>
+                <a:cs typeface="Shonar Bangla" panose="020B0502040204020203" pitchFamily="34" charset="0"/>
+              </a:rPr>
+              <a:t>= </a:t>
+            </a:r>
+            <a:r>
+              <a:rPr lang="en-US" altLang="zh-CN" sz="2000" dirty="0" err="1" smtClean="0">
+                <a:latin typeface="Shonar Bangla" panose="020B0502040204020203" pitchFamily="34" charset="0"/>
+                <a:cs typeface="Shonar Bangla" panose="020B0502040204020203" pitchFamily="34" charset="0"/>
+              </a:rPr>
+              <a:t>function_traits</a:t>
+            </a:r>
+            <a:r>
+              <a:rPr lang="en-US" altLang="zh-CN" sz="2000" dirty="0" smtClean="0">
+                <a:latin typeface="Shonar Bangla" panose="020B0502040204020203" pitchFamily="34" charset="0"/>
+                <a:cs typeface="Shonar Bangla" panose="020B0502040204020203" pitchFamily="34" charset="0"/>
+              </a:rPr>
+              <a:t>&lt;Function</a:t>
+            </a:r>
+            <a:r>
+              <a:rPr lang="en-US" altLang="zh-CN" sz="2000" dirty="0">
+                <a:latin typeface="Shonar Bangla" panose="020B0502040204020203" pitchFamily="34" charset="0"/>
+                <a:cs typeface="Shonar Bangla" panose="020B0502040204020203" pitchFamily="34" charset="0"/>
+              </a:rPr>
+              <a:t>&gt;::arity&gt;</a:t>
+            </a:r>
+          </a:p>
+          <a:p>
+            <a:r>
+              <a:rPr lang="en-US" altLang="zh-CN" sz="2000" dirty="0" err="1">
+                <a:latin typeface="Shonar Bangla" panose="020B0502040204020203" pitchFamily="34" charset="0"/>
+                <a:cs typeface="Shonar Bangla" panose="020B0502040204020203" pitchFamily="34" charset="0"/>
+              </a:rPr>
+              <a:t>struct</a:t>
+            </a:r>
+            <a:r>
+              <a:rPr lang="en-US" altLang="zh-CN" sz="2000" dirty="0">
+                <a:latin typeface="Shonar Bangla" panose="020B0502040204020203" pitchFamily="34" charset="0"/>
+                <a:cs typeface="Shonar Bangla" panose="020B0502040204020203" pitchFamily="34" charset="0"/>
+              </a:rPr>
+              <a:t> </a:t>
+            </a:r>
+            <a:r>
+              <a:rPr lang="en-US" altLang="zh-CN" sz="2000" dirty="0" smtClean="0">
+                <a:latin typeface="Shonar Bangla" panose="020B0502040204020203" pitchFamily="34" charset="0"/>
+                <a:cs typeface="Shonar Bangla" panose="020B0502040204020203" pitchFamily="34" charset="0"/>
+              </a:rPr>
+              <a:t>invoker{</a:t>
+            </a:r>
+            <a:endParaRPr lang="en-US" altLang="zh-CN" sz="2000" dirty="0">
+              <a:latin typeface="Shonar Bangla" panose="020B0502040204020203" pitchFamily="34" charset="0"/>
+              <a:cs typeface="Shonar Bangla" panose="020B0502040204020203" pitchFamily="34" charset="0"/>
+            </a:endParaRPr>
+          </a:p>
+          <a:p>
+            <a:r>
+              <a:rPr lang="en-US" altLang="zh-CN" sz="2000" dirty="0" smtClean="0">
+                <a:latin typeface="Shonar Bangla" panose="020B0502040204020203" pitchFamily="34" charset="0"/>
+                <a:cs typeface="Shonar Bangla" panose="020B0502040204020203" pitchFamily="34" charset="0"/>
+              </a:rPr>
+              <a:t>    template&lt;</a:t>
+            </a:r>
+            <a:r>
+              <a:rPr lang="en-US" altLang="zh-CN" sz="2000" dirty="0" err="1" smtClean="0">
+                <a:latin typeface="Shonar Bangla" panose="020B0502040204020203" pitchFamily="34" charset="0"/>
+                <a:cs typeface="Shonar Bangla" panose="020B0502040204020203" pitchFamily="34" charset="0"/>
+              </a:rPr>
+              <a:t>typename</a:t>
+            </a:r>
+            <a:r>
+              <a:rPr lang="en-US" altLang="zh-CN" sz="2000" dirty="0" smtClean="0">
+                <a:latin typeface="Shonar Bangla" panose="020B0502040204020203" pitchFamily="34" charset="0"/>
+                <a:cs typeface="Shonar Bangla" panose="020B0502040204020203" pitchFamily="34" charset="0"/>
+              </a:rPr>
+              <a:t> </a:t>
+            </a:r>
+            <a:r>
+              <a:rPr lang="en-US" altLang="zh-CN" sz="2000" dirty="0" err="1">
+                <a:latin typeface="Shonar Bangla" panose="020B0502040204020203" pitchFamily="34" charset="0"/>
+                <a:cs typeface="Shonar Bangla" panose="020B0502040204020203" pitchFamily="34" charset="0"/>
+              </a:rPr>
+              <a:t>Args</a:t>
+            </a:r>
+            <a:r>
+              <a:rPr lang="en-US" altLang="zh-CN" sz="2000" dirty="0">
+                <a:latin typeface="Shonar Bangla" panose="020B0502040204020203" pitchFamily="34" charset="0"/>
+                <a:cs typeface="Shonar Bangla" panose="020B0502040204020203" pitchFamily="34" charset="0"/>
+              </a:rPr>
+              <a:t>&gt;</a:t>
+            </a:r>
+          </a:p>
+          <a:p>
+            <a:r>
+              <a:rPr lang="en-US" altLang="zh-CN" sz="2000" dirty="0" smtClean="0">
+                <a:latin typeface="Shonar Bangla" panose="020B0502040204020203" pitchFamily="34" charset="0"/>
+                <a:cs typeface="Shonar Bangla" panose="020B0502040204020203" pitchFamily="34" charset="0"/>
+              </a:rPr>
+              <a:t>    static void </a:t>
+            </a:r>
+            <a:r>
+              <a:rPr lang="en-US" altLang="zh-CN" sz="2000" dirty="0">
+                <a:latin typeface="Shonar Bangla" panose="020B0502040204020203" pitchFamily="34" charset="0"/>
+                <a:cs typeface="Shonar Bangla" panose="020B0502040204020203" pitchFamily="34" charset="0"/>
+              </a:rPr>
+              <a:t>apply(</a:t>
+            </a:r>
+            <a:r>
+              <a:rPr lang="en-US" altLang="zh-CN" sz="2000" dirty="0" err="1">
+                <a:latin typeface="Shonar Bangla" panose="020B0502040204020203" pitchFamily="34" charset="0"/>
+                <a:cs typeface="Shonar Bangla" panose="020B0502040204020203" pitchFamily="34" charset="0"/>
+              </a:rPr>
+              <a:t>const</a:t>
+            </a:r>
+            <a:r>
+              <a:rPr lang="en-US" altLang="zh-CN" sz="2000" dirty="0">
+                <a:latin typeface="Shonar Bangla" panose="020B0502040204020203" pitchFamily="34" charset="0"/>
+                <a:cs typeface="Shonar Bangla" panose="020B0502040204020203" pitchFamily="34" charset="0"/>
+              </a:rPr>
+              <a:t> Function&amp; </a:t>
+            </a:r>
+            <a:r>
+              <a:rPr lang="en-US" altLang="zh-CN" sz="2000" dirty="0" err="1">
+                <a:latin typeface="Shonar Bangla" panose="020B0502040204020203" pitchFamily="34" charset="0"/>
+                <a:cs typeface="Shonar Bangla" panose="020B0502040204020203" pitchFamily="34" charset="0"/>
+              </a:rPr>
+              <a:t>func</a:t>
+            </a:r>
+            <a:r>
+              <a:rPr lang="en-US" altLang="zh-CN" sz="2000" dirty="0">
+                <a:latin typeface="Shonar Bangla" panose="020B0502040204020203" pitchFamily="34" charset="0"/>
+                <a:cs typeface="Shonar Bangla" panose="020B0502040204020203" pitchFamily="34" charset="0"/>
+              </a:rPr>
+              <a:t>, </a:t>
+            </a:r>
+            <a:r>
+              <a:rPr lang="en-US" altLang="zh-CN" sz="2000" dirty="0" err="1">
+                <a:latin typeface="Shonar Bangla" panose="020B0502040204020203" pitchFamily="34" charset="0"/>
+                <a:cs typeface="Shonar Bangla" panose="020B0502040204020203" pitchFamily="34" charset="0"/>
+              </a:rPr>
+              <a:t>token_parser</a:t>
+            </a:r>
+            <a:r>
+              <a:rPr lang="en-US" altLang="zh-CN" sz="2000" dirty="0">
+                <a:latin typeface="Shonar Bangla" panose="020B0502040204020203" pitchFamily="34" charset="0"/>
+                <a:cs typeface="Shonar Bangla" panose="020B0502040204020203" pitchFamily="34" charset="0"/>
+              </a:rPr>
+              <a:t> </a:t>
+            </a:r>
+            <a:r>
+              <a:rPr lang="en-US" altLang="zh-CN" sz="2000" dirty="0" smtClean="0">
+                <a:latin typeface="Shonar Bangla" panose="020B0502040204020203" pitchFamily="34" charset="0"/>
+                <a:cs typeface="Shonar Bangla" panose="020B0502040204020203" pitchFamily="34" charset="0"/>
+              </a:rPr>
+              <a:t>parser</a:t>
+            </a:r>
+            <a:r>
+              <a:rPr lang="en-US" altLang="zh-CN" sz="2000" dirty="0">
+                <a:latin typeface="Shonar Bangla" panose="020B0502040204020203" pitchFamily="34" charset="0"/>
+                <a:cs typeface="Shonar Bangla" panose="020B0502040204020203" pitchFamily="34" charset="0"/>
+              </a:rPr>
+              <a:t>, </a:t>
+            </a:r>
+            <a:r>
+              <a:rPr lang="en-US" altLang="zh-CN" sz="2000" dirty="0" err="1">
+                <a:latin typeface="Shonar Bangla" panose="020B0502040204020203" pitchFamily="34" charset="0"/>
+                <a:cs typeface="Shonar Bangla" panose="020B0502040204020203" pitchFamily="34" charset="0"/>
+              </a:rPr>
+              <a:t>Args</a:t>
+            </a:r>
+            <a:r>
+              <a:rPr lang="en-US" altLang="zh-CN" sz="2000" dirty="0">
+                <a:latin typeface="Shonar Bangla" panose="020B0502040204020203" pitchFamily="34" charset="0"/>
+                <a:cs typeface="Shonar Bangla" panose="020B0502040204020203" pitchFamily="34" charset="0"/>
+              </a:rPr>
+              <a:t> </a:t>
+            </a:r>
+            <a:r>
+              <a:rPr lang="en-US" altLang="zh-CN" sz="2000" dirty="0" err="1">
+                <a:latin typeface="Shonar Bangla" panose="020B0502040204020203" pitchFamily="34" charset="0"/>
+                <a:cs typeface="Shonar Bangla" panose="020B0502040204020203" pitchFamily="34" charset="0"/>
+              </a:rPr>
+              <a:t>const</a:t>
+            </a:r>
+            <a:r>
+              <a:rPr lang="en-US" altLang="zh-CN" sz="2000" dirty="0">
+                <a:latin typeface="Shonar Bangla" panose="020B0502040204020203" pitchFamily="34" charset="0"/>
+                <a:cs typeface="Shonar Bangla" panose="020B0502040204020203" pitchFamily="34" charset="0"/>
+              </a:rPr>
+              <a:t> &amp; </a:t>
+            </a:r>
+            <a:r>
+              <a:rPr lang="en-US" altLang="zh-CN" sz="2000" dirty="0" err="1">
+                <a:latin typeface="Shonar Bangla" panose="020B0502040204020203" pitchFamily="34" charset="0"/>
+                <a:cs typeface="Shonar Bangla" panose="020B0502040204020203" pitchFamily="34" charset="0"/>
+              </a:rPr>
+              <a:t>args</a:t>
+            </a:r>
+            <a:r>
+              <a:rPr lang="en-US" altLang="zh-CN" sz="2000" dirty="0" smtClean="0">
+                <a:latin typeface="Shonar Bangla" panose="020B0502040204020203" pitchFamily="34" charset="0"/>
+                <a:cs typeface="Shonar Bangla" panose="020B0502040204020203" pitchFamily="34" charset="0"/>
+              </a:rPr>
+              <a:t>){</a:t>
+            </a:r>
+          </a:p>
+          <a:p>
+            <a:r>
+              <a:rPr lang="en-US" altLang="zh-CN" sz="2000" dirty="0" smtClean="0">
+                <a:latin typeface="Shonar Bangla" panose="020B0502040204020203" pitchFamily="34" charset="0"/>
+                <a:cs typeface="Shonar Bangla" panose="020B0502040204020203" pitchFamily="34" charset="0"/>
+              </a:rPr>
+              <a:t>        </a:t>
+            </a:r>
+            <a:r>
+              <a:rPr lang="en-US" altLang="zh-CN" sz="2000" dirty="0" err="1" smtClean="0">
+                <a:solidFill>
+                  <a:srgbClr val="FF0000"/>
+                </a:solidFill>
+                <a:latin typeface="Shonar Bangla" panose="020B0502040204020203" pitchFamily="34" charset="0"/>
+                <a:cs typeface="Shonar Bangla" panose="020B0502040204020203" pitchFamily="34" charset="0"/>
+              </a:rPr>
+              <a:t>typedef</a:t>
+            </a:r>
+            <a:r>
+              <a:rPr lang="en-US" altLang="zh-CN" sz="2000" dirty="0" smtClean="0">
+                <a:solidFill>
+                  <a:srgbClr val="FF0000"/>
+                </a:solidFill>
+                <a:latin typeface="Shonar Bangla" panose="020B0502040204020203" pitchFamily="34" charset="0"/>
+                <a:cs typeface="Shonar Bangla" panose="020B0502040204020203" pitchFamily="34" charset="0"/>
+              </a:rPr>
+              <a:t> </a:t>
+            </a:r>
+            <a:r>
+              <a:rPr lang="en-US" altLang="zh-CN" sz="2000" dirty="0" err="1">
+                <a:solidFill>
+                  <a:srgbClr val="FF0000"/>
+                </a:solidFill>
+                <a:latin typeface="Shonar Bangla" panose="020B0502040204020203" pitchFamily="34" charset="0"/>
+                <a:cs typeface="Shonar Bangla" panose="020B0502040204020203" pitchFamily="34" charset="0"/>
+              </a:rPr>
+              <a:t>typename</a:t>
+            </a:r>
+            <a:r>
+              <a:rPr lang="en-US" altLang="zh-CN" sz="2000" dirty="0">
+                <a:solidFill>
+                  <a:srgbClr val="FF0000"/>
+                </a:solidFill>
+                <a:latin typeface="Shonar Bangla" panose="020B0502040204020203" pitchFamily="34" charset="0"/>
+                <a:cs typeface="Shonar Bangla" panose="020B0502040204020203" pitchFamily="34" charset="0"/>
+              </a:rPr>
+              <a:t> </a:t>
+            </a:r>
+            <a:r>
+              <a:rPr lang="en-US" altLang="zh-CN" sz="2000" dirty="0" err="1">
+                <a:solidFill>
+                  <a:srgbClr val="FF0000"/>
+                </a:solidFill>
+                <a:latin typeface="Shonar Bangla" panose="020B0502040204020203" pitchFamily="34" charset="0"/>
+                <a:cs typeface="Shonar Bangla" panose="020B0502040204020203" pitchFamily="34" charset="0"/>
+              </a:rPr>
+              <a:t>function_traits</a:t>
+            </a:r>
+            <a:r>
+              <a:rPr lang="en-US" altLang="zh-CN" sz="2000" dirty="0">
+                <a:solidFill>
+                  <a:srgbClr val="FF0000"/>
+                </a:solidFill>
+                <a:latin typeface="Shonar Bangla" panose="020B0502040204020203" pitchFamily="34" charset="0"/>
+                <a:cs typeface="Shonar Bangla" panose="020B0502040204020203" pitchFamily="34" charset="0"/>
+              </a:rPr>
+              <a:t>&lt;Function&gt;::template </a:t>
+            </a:r>
+            <a:r>
+              <a:rPr lang="en-US" altLang="zh-CN" sz="2000" dirty="0" err="1">
+                <a:solidFill>
+                  <a:srgbClr val="FF0000"/>
+                </a:solidFill>
+                <a:latin typeface="Shonar Bangla" panose="020B0502040204020203" pitchFamily="34" charset="0"/>
+                <a:cs typeface="Shonar Bangla" panose="020B0502040204020203" pitchFamily="34" charset="0"/>
+              </a:rPr>
+              <a:t>args</a:t>
+            </a:r>
+            <a:r>
+              <a:rPr lang="en-US" altLang="zh-CN" sz="2000" dirty="0">
+                <a:solidFill>
+                  <a:srgbClr val="FF0000"/>
+                </a:solidFill>
+                <a:latin typeface="Shonar Bangla" panose="020B0502040204020203" pitchFamily="34" charset="0"/>
+                <a:cs typeface="Shonar Bangla" panose="020B0502040204020203" pitchFamily="34" charset="0"/>
+              </a:rPr>
+              <a:t>&lt;N&gt;::type </a:t>
+            </a:r>
+            <a:r>
+              <a:rPr lang="en-US" altLang="zh-CN" sz="2000" dirty="0" err="1">
+                <a:solidFill>
+                  <a:srgbClr val="FF0000"/>
+                </a:solidFill>
+                <a:latin typeface="Shonar Bangla" panose="020B0502040204020203" pitchFamily="34" charset="0"/>
+                <a:cs typeface="Shonar Bangla" panose="020B0502040204020203" pitchFamily="34" charset="0"/>
+              </a:rPr>
+              <a:t>arg_type</a:t>
+            </a:r>
+            <a:r>
+              <a:rPr lang="en-US" altLang="zh-CN" sz="2000" dirty="0">
+                <a:solidFill>
+                  <a:srgbClr val="FF0000"/>
+                </a:solidFill>
+                <a:latin typeface="Shonar Bangla" panose="020B0502040204020203" pitchFamily="34" charset="0"/>
+                <a:cs typeface="Shonar Bangla" panose="020B0502040204020203" pitchFamily="34" charset="0"/>
+              </a:rPr>
+              <a:t>;</a:t>
+            </a:r>
+          </a:p>
+          <a:p>
+            <a:r>
+              <a:rPr lang="en-US" altLang="zh-CN" sz="2000" dirty="0" smtClean="0">
+                <a:latin typeface="Shonar Bangla" panose="020B0502040204020203" pitchFamily="34" charset="0"/>
+                <a:cs typeface="Shonar Bangla" panose="020B0502040204020203" pitchFamily="34" charset="0"/>
+              </a:rPr>
+              <a:t>        router</a:t>
+            </a:r>
+            <a:r>
+              <a:rPr lang="en-US" altLang="zh-CN" sz="2000" dirty="0">
+                <a:latin typeface="Shonar Bangla" panose="020B0502040204020203" pitchFamily="34" charset="0"/>
+                <a:cs typeface="Shonar Bangla" panose="020B0502040204020203" pitchFamily="34" charset="0"/>
+              </a:rPr>
+              <a:t>::invoker&lt;Function, N + 1, M&gt;::</a:t>
+            </a:r>
+            <a:r>
+              <a:rPr lang="en-US" altLang="zh-CN" sz="2000" b="1" dirty="0">
+                <a:latin typeface="Shonar Bangla" panose="020B0502040204020203" pitchFamily="34" charset="0"/>
+                <a:cs typeface="Shonar Bangla" panose="020B0502040204020203" pitchFamily="34" charset="0"/>
+              </a:rPr>
+              <a:t>apply</a:t>
+            </a:r>
+            <a:r>
+              <a:rPr lang="en-US" altLang="zh-CN" sz="2000" dirty="0">
+                <a:latin typeface="Shonar Bangla" panose="020B0502040204020203" pitchFamily="34" charset="0"/>
+                <a:cs typeface="Shonar Bangla" panose="020B0502040204020203" pitchFamily="34" charset="0"/>
+              </a:rPr>
+              <a:t>(</a:t>
+            </a:r>
+            <a:r>
+              <a:rPr lang="en-US" altLang="zh-CN" sz="2000" dirty="0" err="1">
+                <a:latin typeface="Shonar Bangla" panose="020B0502040204020203" pitchFamily="34" charset="0"/>
+                <a:cs typeface="Shonar Bangla" panose="020B0502040204020203" pitchFamily="34" charset="0"/>
+              </a:rPr>
+              <a:t>func</a:t>
+            </a:r>
+            <a:r>
+              <a:rPr lang="en-US" altLang="zh-CN" sz="2000" dirty="0">
+                <a:latin typeface="Shonar Bangla" panose="020B0502040204020203" pitchFamily="34" charset="0"/>
+                <a:cs typeface="Shonar Bangla" panose="020B0502040204020203" pitchFamily="34" charset="0"/>
+              </a:rPr>
+              <a:t>, parser,</a:t>
+            </a:r>
+          </a:p>
+          <a:p>
+            <a:r>
+              <a:rPr lang="en-US" altLang="zh-CN" sz="2000" dirty="0" smtClean="0">
+                <a:latin typeface="Shonar Bangla" panose="020B0502040204020203" pitchFamily="34" charset="0"/>
+                <a:cs typeface="Shonar Bangla" panose="020B0502040204020203" pitchFamily="34" charset="0"/>
+              </a:rPr>
+              <a:t>            </a:t>
+            </a:r>
+            <a:r>
+              <a:rPr lang="en-US" altLang="zh-CN" sz="2000" dirty="0" err="1" smtClean="0">
+                <a:solidFill>
+                  <a:srgbClr val="FF0000"/>
+                </a:solidFill>
+                <a:latin typeface="Shonar Bangla" panose="020B0502040204020203" pitchFamily="34" charset="0"/>
+                <a:cs typeface="Shonar Bangla" panose="020B0502040204020203" pitchFamily="34" charset="0"/>
+              </a:rPr>
+              <a:t>std</a:t>
+            </a:r>
+            <a:r>
+              <a:rPr lang="en-US" altLang="zh-CN" sz="2000" dirty="0">
+                <a:solidFill>
+                  <a:srgbClr val="FF0000"/>
+                </a:solidFill>
+                <a:latin typeface="Shonar Bangla" panose="020B0502040204020203" pitchFamily="34" charset="0"/>
+                <a:cs typeface="Shonar Bangla" panose="020B0502040204020203" pitchFamily="34" charset="0"/>
+              </a:rPr>
+              <a:t>::</a:t>
+            </a:r>
+            <a:r>
+              <a:rPr lang="en-US" altLang="zh-CN" sz="2000" dirty="0" err="1">
+                <a:solidFill>
+                  <a:srgbClr val="FF0000"/>
+                </a:solidFill>
+                <a:latin typeface="Shonar Bangla" panose="020B0502040204020203" pitchFamily="34" charset="0"/>
+                <a:cs typeface="Shonar Bangla" panose="020B0502040204020203" pitchFamily="34" charset="0"/>
+              </a:rPr>
+              <a:t>tuple_cat</a:t>
+            </a:r>
+            <a:r>
+              <a:rPr lang="en-US" altLang="zh-CN" sz="2000" dirty="0">
+                <a:solidFill>
+                  <a:srgbClr val="FF0000"/>
+                </a:solidFill>
+                <a:latin typeface="Shonar Bangla" panose="020B0502040204020203" pitchFamily="34" charset="0"/>
+                <a:cs typeface="Shonar Bangla" panose="020B0502040204020203" pitchFamily="34" charset="0"/>
+              </a:rPr>
+              <a:t>(</a:t>
+            </a:r>
+            <a:r>
+              <a:rPr lang="en-US" altLang="zh-CN" sz="2000" dirty="0" err="1">
+                <a:solidFill>
+                  <a:srgbClr val="FF0000"/>
+                </a:solidFill>
+                <a:latin typeface="Shonar Bangla" panose="020B0502040204020203" pitchFamily="34" charset="0"/>
+                <a:cs typeface="Shonar Bangla" panose="020B0502040204020203" pitchFamily="34" charset="0"/>
+              </a:rPr>
+              <a:t>args</a:t>
+            </a:r>
+            <a:r>
+              <a:rPr lang="en-US" altLang="zh-CN" sz="2000" dirty="0">
+                <a:solidFill>
+                  <a:srgbClr val="FF0000"/>
+                </a:solidFill>
+                <a:latin typeface="Shonar Bangla" panose="020B0502040204020203" pitchFamily="34" charset="0"/>
+                <a:cs typeface="Shonar Bangla" panose="020B0502040204020203" pitchFamily="34" charset="0"/>
+              </a:rPr>
+              <a:t>, </a:t>
+            </a:r>
+            <a:r>
+              <a:rPr lang="en-US" altLang="zh-CN" sz="2000" dirty="0" err="1">
+                <a:solidFill>
+                  <a:srgbClr val="FF0000"/>
+                </a:solidFill>
+                <a:latin typeface="Shonar Bangla" panose="020B0502040204020203" pitchFamily="34" charset="0"/>
+                <a:cs typeface="Shonar Bangla" panose="020B0502040204020203" pitchFamily="34" charset="0"/>
+              </a:rPr>
+              <a:t>std</a:t>
+            </a:r>
+            <a:r>
+              <a:rPr lang="en-US" altLang="zh-CN" sz="2000" dirty="0">
+                <a:solidFill>
+                  <a:srgbClr val="FF0000"/>
+                </a:solidFill>
+                <a:latin typeface="Shonar Bangla" panose="020B0502040204020203" pitchFamily="34" charset="0"/>
+                <a:cs typeface="Shonar Bangla" panose="020B0502040204020203" pitchFamily="34" charset="0"/>
+              </a:rPr>
+              <a:t>::</a:t>
+            </a:r>
+            <a:r>
+              <a:rPr lang="en-US" altLang="zh-CN" sz="2000" dirty="0" err="1">
+                <a:solidFill>
+                  <a:srgbClr val="FF0000"/>
+                </a:solidFill>
+                <a:latin typeface="Shonar Bangla" panose="020B0502040204020203" pitchFamily="34" charset="0"/>
+                <a:cs typeface="Shonar Bangla" panose="020B0502040204020203" pitchFamily="34" charset="0"/>
+              </a:rPr>
+              <a:t>make_tuple</a:t>
+            </a:r>
+            <a:r>
+              <a:rPr lang="en-US" altLang="zh-CN" sz="2000" dirty="0">
+                <a:solidFill>
+                  <a:srgbClr val="FF0000"/>
+                </a:solidFill>
+                <a:latin typeface="Shonar Bangla" panose="020B0502040204020203" pitchFamily="34" charset="0"/>
+                <a:cs typeface="Shonar Bangla" panose="020B0502040204020203" pitchFamily="34" charset="0"/>
+              </a:rPr>
+              <a:t>(</a:t>
+            </a:r>
+            <a:r>
+              <a:rPr lang="en-US" altLang="zh-CN" sz="2000" dirty="0" err="1">
+                <a:solidFill>
+                  <a:srgbClr val="FF0000"/>
+                </a:solidFill>
+                <a:latin typeface="Shonar Bangla" panose="020B0502040204020203" pitchFamily="34" charset="0"/>
+                <a:cs typeface="Shonar Bangla" panose="020B0502040204020203" pitchFamily="34" charset="0"/>
+              </a:rPr>
+              <a:t>parser.get</a:t>
+            </a:r>
+            <a:r>
+              <a:rPr lang="en-US" altLang="zh-CN" sz="2000" dirty="0">
+                <a:solidFill>
+                  <a:srgbClr val="FF0000"/>
+                </a:solidFill>
+                <a:latin typeface="Shonar Bangla" panose="020B0502040204020203" pitchFamily="34" charset="0"/>
+                <a:cs typeface="Shonar Bangla" panose="020B0502040204020203" pitchFamily="34" charset="0"/>
+              </a:rPr>
+              <a:t>&lt;</a:t>
+            </a:r>
+            <a:r>
+              <a:rPr lang="en-US" altLang="zh-CN" sz="2000" dirty="0" err="1">
+                <a:solidFill>
+                  <a:srgbClr val="FF0000"/>
+                </a:solidFill>
+                <a:latin typeface="Shonar Bangla" panose="020B0502040204020203" pitchFamily="34" charset="0"/>
+                <a:cs typeface="Shonar Bangla" panose="020B0502040204020203" pitchFamily="34" charset="0"/>
+              </a:rPr>
+              <a:t>arg_type</a:t>
+            </a:r>
+            <a:r>
+              <a:rPr lang="en-US" altLang="zh-CN" sz="2000" dirty="0">
+                <a:solidFill>
+                  <a:srgbClr val="FF0000"/>
+                </a:solidFill>
+                <a:latin typeface="Shonar Bangla" panose="020B0502040204020203" pitchFamily="34" charset="0"/>
+                <a:cs typeface="Shonar Bangla" panose="020B0502040204020203" pitchFamily="34" charset="0"/>
+              </a:rPr>
+              <a:t>&gt;())</a:t>
+            </a:r>
+            <a:r>
+              <a:rPr lang="en-US" altLang="zh-CN" sz="2000" dirty="0">
+                <a:latin typeface="Shonar Bangla" panose="020B0502040204020203" pitchFamily="34" charset="0"/>
+                <a:cs typeface="Shonar Bangla" panose="020B0502040204020203" pitchFamily="34" charset="0"/>
+              </a:rPr>
+              <a:t>));</a:t>
+            </a:r>
+          </a:p>
+          <a:p>
+            <a:r>
+              <a:rPr lang="en-US" altLang="zh-CN" sz="2000" dirty="0" smtClean="0">
+                <a:latin typeface="Shonar Bangla" panose="020B0502040204020203" pitchFamily="34" charset="0"/>
+                <a:cs typeface="Shonar Bangla" panose="020B0502040204020203" pitchFamily="34" charset="0"/>
+              </a:rPr>
+              <a:t>    }</a:t>
+            </a:r>
+            <a:endParaRPr lang="en-US" altLang="zh-CN" sz="2000" dirty="0">
+              <a:latin typeface="Shonar Bangla" panose="020B0502040204020203" pitchFamily="34" charset="0"/>
+              <a:cs typeface="Shonar Bangla" panose="020B0502040204020203" pitchFamily="34" charset="0"/>
+            </a:endParaRPr>
+          </a:p>
+          <a:p>
+            <a:r>
+              <a:rPr lang="en-US" altLang="zh-CN" sz="2000" dirty="0">
+                <a:latin typeface="Shonar Bangla" panose="020B0502040204020203" pitchFamily="34" charset="0"/>
+                <a:cs typeface="Shonar Bangla" panose="020B0502040204020203" pitchFamily="34" charset="0"/>
+              </a:rPr>
+              <a:t>};</a:t>
+            </a:r>
+          </a:p>
+          <a:p>
+            <a:endParaRPr lang="zh-CN" altLang="en-US" dirty="0"/>
+          </a:p>
+        </p:txBody>
+      </p:sp>
+      <p:sp>
+        <p:nvSpPr>
+          <p:cNvPr id="4" name="矩形 3"/>
+          <p:cNvSpPr/>
+          <p:nvPr/>
+        </p:nvSpPr>
+        <p:spPr>
+          <a:xfrm>
+            <a:off x="1270071" y="4173894"/>
+            <a:ext cx="7407763" cy="2808461"/>
+          </a:xfrm>
+          <a:prstGeom prst="rect">
+            <a:avLst/>
+          </a:prstGeom>
+        </p:spPr>
+        <p:txBody>
+          <a:bodyPr wrap="square">
+            <a:spAutoFit/>
+          </a:bodyPr>
+          <a:lstStyle/>
+          <a:p>
+            <a:pPr>
+              <a:lnSpc>
+                <a:spcPct val="90000"/>
+              </a:lnSpc>
+              <a:spcBef>
+                <a:spcPts val="1000"/>
+              </a:spcBef>
+            </a:pPr>
+            <a:r>
+              <a:rPr lang="en-US" altLang="zh-CN" sz="2000" dirty="0">
+                <a:solidFill>
+                  <a:schemeClr val="tx1">
+                    <a:lumMod val="75000"/>
+                    <a:lumOff val="25000"/>
+                  </a:schemeClr>
+                </a:solidFill>
+                <a:latin typeface="Shonar Bangla" panose="020B0502040204020203" pitchFamily="34" charset="0"/>
+                <a:ea typeface="Microsoft YaHei" panose="020B0503020204020204" pitchFamily="34" charset="-122"/>
+                <a:cs typeface="Shonar Bangla" panose="020B0502040204020203" pitchFamily="34" charset="0"/>
+              </a:rPr>
+              <a:t>template&lt;</a:t>
+            </a:r>
+            <a:r>
+              <a:rPr lang="en-US" altLang="zh-CN" sz="2000" dirty="0" err="1">
+                <a:solidFill>
+                  <a:schemeClr val="tx1">
+                    <a:lumMod val="75000"/>
+                    <a:lumOff val="25000"/>
+                  </a:schemeClr>
+                </a:solidFill>
+                <a:latin typeface="Shonar Bangla" panose="020B0502040204020203" pitchFamily="34" charset="0"/>
+                <a:ea typeface="Microsoft YaHei" panose="020B0503020204020204" pitchFamily="34" charset="-122"/>
+                <a:cs typeface="Shonar Bangla" panose="020B0502040204020203" pitchFamily="34" charset="0"/>
+              </a:rPr>
+              <a:t>typename</a:t>
+            </a:r>
+            <a:r>
+              <a:rPr lang="en-US" altLang="zh-CN" sz="2000" dirty="0">
+                <a:solidFill>
+                  <a:schemeClr val="tx1">
+                    <a:lumMod val="75000"/>
+                    <a:lumOff val="25000"/>
+                  </a:schemeClr>
+                </a:solidFill>
+                <a:latin typeface="Shonar Bangla" panose="020B0502040204020203" pitchFamily="34" charset="0"/>
+                <a:ea typeface="Microsoft YaHei" panose="020B0503020204020204" pitchFamily="34" charset="-122"/>
+                <a:cs typeface="Shonar Bangla" panose="020B0502040204020203" pitchFamily="34" charset="0"/>
+              </a:rPr>
               <a:t> Function, </a:t>
             </a:r>
             <a:r>
-              <a:rPr lang="en-US" altLang="zh-CN" dirty="0" err="1"/>
+              <a:rPr lang="en-US" altLang="zh-CN" sz="2000" dirty="0" err="1">
+                <a:solidFill>
+                  <a:schemeClr val="tx1">
+                    <a:lumMod val="75000"/>
+                    <a:lumOff val="25000"/>
+                  </a:schemeClr>
+                </a:solidFill>
+                <a:latin typeface="Shonar Bangla" panose="020B0502040204020203" pitchFamily="34" charset="0"/>
+                <a:ea typeface="Microsoft YaHei" panose="020B0503020204020204" pitchFamily="34" charset="-122"/>
+                <a:cs typeface="Shonar Bangla" panose="020B0502040204020203" pitchFamily="34" charset="0"/>
+              </a:rPr>
               <a:t>size_t</a:t>
             </a:r>
             <a:r>
-              <a:rPr lang="en-US" altLang="zh-CN" dirty="0"/>
+              <a:rPr lang="en-US" altLang="zh-CN" sz="2000" dirty="0">
+                <a:solidFill>
+                  <a:schemeClr val="tx1">
+                    <a:lumMod val="75000"/>
+                    <a:lumOff val="25000"/>
+                  </a:schemeClr>
+                </a:solidFill>
+                <a:latin typeface="Shonar Bangla" panose="020B0502040204020203" pitchFamily="34" charset="0"/>
+                <a:ea typeface="Microsoft YaHei" panose="020B0503020204020204" pitchFamily="34" charset="-122"/>
+                <a:cs typeface="Shonar Bangla" panose="020B0502040204020203" pitchFamily="34" charset="0"/>
+              </a:rPr>
               <a:t> M&gt;</a:t>
             </a:r>
           </a:p>
           <a:p>
-            <a:r>
-              <a:rPr lang="en-US" altLang="zh-CN" dirty="0" err="1"/>
+            <a:pPr>
+              <a:lnSpc>
+                <a:spcPct val="90000"/>
+              </a:lnSpc>
+              <a:spcBef>
+                <a:spcPts val="1000"/>
+              </a:spcBef>
+            </a:pPr>
+            <a:r>
+              <a:rPr lang="en-US" altLang="zh-CN" sz="2000" dirty="0" err="1">
+                <a:solidFill>
+                  <a:schemeClr val="tx1">
+                    <a:lumMod val="75000"/>
+                    <a:lumOff val="25000"/>
+                  </a:schemeClr>
+                </a:solidFill>
+                <a:latin typeface="Shonar Bangla" panose="020B0502040204020203" pitchFamily="34" charset="0"/>
+                <a:ea typeface="Microsoft YaHei" panose="020B0503020204020204" pitchFamily="34" charset="-122"/>
+                <a:cs typeface="Shonar Bangla" panose="020B0502040204020203" pitchFamily="34" charset="0"/>
+              </a:rPr>
               <a:t>struct</a:t>
             </a:r>
             <a:r>
-              <a:rPr lang="en-US" altLang="zh-CN" dirty="0"/>
-              <a:t> invoker&lt;Function, M, M</a:t>
-            </a:r>
-            <a:r>
-              <a:rPr lang="en-US" altLang="zh-CN" dirty="0" smtClean="0"/>
-              <a:t>&gt;{</a:t>
-            </a:r>
-            <a:endParaRPr lang="en-US" altLang="zh-CN" dirty="0"/>
-          </a:p>
-          <a:p>
-            <a:r>
-              <a:rPr lang="en-US" altLang="zh-CN" dirty="0" smtClean="0"/>
+              <a:rPr lang="en-US" altLang="zh-CN" sz="2000" dirty="0">
+                <a:solidFill>
+                  <a:schemeClr val="tx1">
+                    <a:lumMod val="75000"/>
+                    <a:lumOff val="25000"/>
+                  </a:schemeClr>
+                </a:solidFill>
+                <a:latin typeface="Shonar Bangla" panose="020B0502040204020203" pitchFamily="34" charset="0"/>
+                <a:ea typeface="Microsoft YaHei" panose="020B0503020204020204" pitchFamily="34" charset="-122"/>
+                <a:cs typeface="Shonar Bangla" panose="020B0502040204020203" pitchFamily="34" charset="0"/>
+              </a:rPr>
+              <a:t> invoker&lt;Function, M, M&gt;{</a:t>
+            </a:r>
+          </a:p>
+          <a:p>
+            <a:pPr>
+              <a:lnSpc>
+                <a:spcPct val="90000"/>
+              </a:lnSpc>
+              <a:spcBef>
+                <a:spcPts val="1000"/>
+              </a:spcBef>
+            </a:pPr>
+            <a:r>
+              <a:rPr lang="en-US" altLang="zh-CN" sz="2000" dirty="0">
+                <a:solidFill>
+                  <a:schemeClr val="tx1">
+                    <a:lumMod val="75000"/>
+                    <a:lumOff val="25000"/>
+                  </a:schemeClr>
+                </a:solidFill>
+                <a:latin typeface="Shonar Bangla" panose="020B0502040204020203" pitchFamily="34" charset="0"/>
+                <a:ea typeface="Microsoft YaHei" panose="020B0503020204020204" pitchFamily="34" charset="-122"/>
+                <a:cs typeface="Shonar Bangla" panose="020B0502040204020203" pitchFamily="34" charset="0"/>
+              </a:rPr>
               <a:t>    template&lt;</a:t>
             </a:r>
             <a:r>
-              <a:rPr lang="en-US" altLang="zh-CN" dirty="0" err="1" smtClean="0"/>
+              <a:rPr lang="en-US" altLang="zh-CN" sz="2000" dirty="0" err="1">
+                <a:solidFill>
+                  <a:schemeClr val="tx1">
+                    <a:lumMod val="75000"/>
+                    <a:lumOff val="25000"/>
+                  </a:schemeClr>
+                </a:solidFill>
+                <a:latin typeface="Shonar Bangla" panose="020B0502040204020203" pitchFamily="34" charset="0"/>
+                <a:ea typeface="Microsoft YaHei" panose="020B0503020204020204" pitchFamily="34" charset="-122"/>
+                <a:cs typeface="Shonar Bangla" panose="020B0502040204020203" pitchFamily="34" charset="0"/>
+              </a:rPr>
               <a:t>typename</a:t>
             </a:r>
             <a:r>
-              <a:rPr lang="en-US" altLang="zh-CN" dirty="0" smtClean="0"/>
+              <a:rPr lang="en-US" altLang="zh-CN" sz="2000" dirty="0">
+                <a:solidFill>
+                  <a:schemeClr val="tx1">
+                    <a:lumMod val="75000"/>
+                    <a:lumOff val="25000"/>
+                  </a:schemeClr>
+                </a:solidFill>
+                <a:latin typeface="Shonar Bangla" panose="020B0502040204020203" pitchFamily="34" charset="0"/>
+                <a:ea typeface="Microsoft YaHei" panose="020B0503020204020204" pitchFamily="34" charset="-122"/>
+                <a:cs typeface="Shonar Bangla" panose="020B0502040204020203" pitchFamily="34" charset="0"/>
+              </a:rPr>
               <a:t> </a:t>
             </a:r>
             <a:r>
-              <a:rPr lang="en-US" altLang="zh-CN" dirty="0" err="1"/>
+              <a:rPr lang="en-US" altLang="zh-CN" sz="2000" dirty="0" err="1">
+                <a:solidFill>
+                  <a:schemeClr val="tx1">
+                    <a:lumMod val="75000"/>
+                    <a:lumOff val="25000"/>
+                  </a:schemeClr>
+                </a:solidFill>
+                <a:latin typeface="Shonar Bangla" panose="020B0502040204020203" pitchFamily="34" charset="0"/>
+                <a:ea typeface="Microsoft YaHei" panose="020B0503020204020204" pitchFamily="34" charset="-122"/>
+                <a:cs typeface="Shonar Bangla" panose="020B0502040204020203" pitchFamily="34" charset="0"/>
+              </a:rPr>
               <a:t>Args</a:t>
             </a:r>
             <a:r>
-              <a:rPr lang="en-US" altLang="zh-CN" dirty="0"/>
+              <a:rPr lang="en-US" altLang="zh-CN" sz="2000" dirty="0">
+                <a:solidFill>
+                  <a:schemeClr val="tx1">
+                    <a:lumMod val="75000"/>
+                    <a:lumOff val="25000"/>
+                  </a:schemeClr>
+                </a:solidFill>
+                <a:latin typeface="Shonar Bangla" panose="020B0502040204020203" pitchFamily="34" charset="0"/>
+                <a:ea typeface="Microsoft YaHei" panose="020B0503020204020204" pitchFamily="34" charset="-122"/>
+                <a:cs typeface="Shonar Bangla" panose="020B0502040204020203" pitchFamily="34" charset="0"/>
+              </a:rPr>
               <a:t>&gt;</a:t>
             </a:r>
           </a:p>
           <a:p>
-            <a:r>
-              <a:rPr lang="en-US" altLang="zh-CN" dirty="0" smtClean="0"/>
-              <a:t>    static void </a:t>
-            </a:r>
-            <a:r>
-              <a:rPr lang="en-US" altLang="zh-CN" dirty="0"/>
-              <a:t>apply(</a:t>
-            </a:r>
-            <a:r>
-              <a:rPr lang="en-US" altLang="zh-CN" dirty="0" err="1"/>
+            <a:pPr>
+              <a:lnSpc>
+                <a:spcPct val="90000"/>
+              </a:lnSpc>
+              <a:spcBef>
+                <a:spcPts val="1000"/>
+              </a:spcBef>
+            </a:pPr>
+            <a:r>
+              <a:rPr lang="en-US" altLang="zh-CN" sz="2000" dirty="0">
+                <a:solidFill>
+                  <a:schemeClr val="tx1">
+                    <a:lumMod val="75000"/>
+                    <a:lumOff val="25000"/>
+                  </a:schemeClr>
+                </a:solidFill>
+                <a:latin typeface="Shonar Bangla" panose="020B0502040204020203" pitchFamily="34" charset="0"/>
+                <a:ea typeface="Microsoft YaHei" panose="020B0503020204020204" pitchFamily="34" charset="-122"/>
+                <a:cs typeface="Shonar Bangla" panose="020B0502040204020203" pitchFamily="34" charset="0"/>
+              </a:rPr>
+              <a:t>    static void apply(</a:t>
+            </a:r>
+            <a:r>
+              <a:rPr lang="en-US" altLang="zh-CN" sz="2000" dirty="0" err="1">
+                <a:solidFill>
+                  <a:schemeClr val="tx1">
+                    <a:lumMod val="75000"/>
+                    <a:lumOff val="25000"/>
+                  </a:schemeClr>
+                </a:solidFill>
+                <a:latin typeface="Shonar Bangla" panose="020B0502040204020203" pitchFamily="34" charset="0"/>
+                <a:ea typeface="Microsoft YaHei" panose="020B0503020204020204" pitchFamily="34" charset="-122"/>
+                <a:cs typeface="Shonar Bangla" panose="020B0502040204020203" pitchFamily="34" charset="0"/>
+              </a:rPr>
               <a:t>const</a:t>
             </a:r>
             <a:r>
-              <a:rPr lang="en-US" altLang="zh-CN" dirty="0"/>
+              <a:rPr lang="en-US" altLang="zh-CN" sz="2000" dirty="0">
+                <a:solidFill>
+                  <a:schemeClr val="tx1">
+                    <a:lumMod val="75000"/>
+                    <a:lumOff val="25000"/>
+                  </a:schemeClr>
+                </a:solidFill>
+                <a:latin typeface="Shonar Bangla" panose="020B0502040204020203" pitchFamily="34" charset="0"/>
+                <a:ea typeface="Microsoft YaHei" panose="020B0503020204020204" pitchFamily="34" charset="-122"/>
+                <a:cs typeface="Shonar Bangla" panose="020B0502040204020203" pitchFamily="34" charset="0"/>
+              </a:rPr>
               <a:t> Function&amp; </a:t>
             </a:r>
             <a:r>
-              <a:rPr lang="en-US" altLang="zh-CN" dirty="0" err="1"/>
+              <a:rPr lang="en-US" altLang="zh-CN" sz="2000" dirty="0" err="1">
+                <a:solidFill>
+                  <a:schemeClr val="tx1">
+                    <a:lumMod val="75000"/>
+                    <a:lumOff val="25000"/>
+                  </a:schemeClr>
+                </a:solidFill>
+                <a:latin typeface="Shonar Bangla" panose="020B0502040204020203" pitchFamily="34" charset="0"/>
+                <a:ea typeface="Microsoft YaHei" panose="020B0503020204020204" pitchFamily="34" charset="-122"/>
+                <a:cs typeface="Shonar Bangla" panose="020B0502040204020203" pitchFamily="34" charset="0"/>
+              </a:rPr>
               <a:t>func</a:t>
             </a:r>
             <a:r>
-              <a:rPr lang="en-US" altLang="zh-CN" dirty="0"/>
+              <a:rPr lang="en-US" altLang="zh-CN" sz="2000" dirty="0">
+                <a:solidFill>
+                  <a:schemeClr val="tx1">
+                    <a:lumMod val="75000"/>
+                    <a:lumOff val="25000"/>
+                  </a:schemeClr>
+                </a:solidFill>
+                <a:latin typeface="Shonar Bangla" panose="020B0502040204020203" pitchFamily="34" charset="0"/>
+                <a:ea typeface="Microsoft YaHei" panose="020B0503020204020204" pitchFamily="34" charset="-122"/>
+                <a:cs typeface="Shonar Bangla" panose="020B0502040204020203" pitchFamily="34" charset="0"/>
+              </a:rPr>
               <a:t>, </a:t>
             </a:r>
             <a:r>
-              <a:rPr lang="en-US" altLang="zh-CN" dirty="0" err="1"/>
+              <a:rPr lang="en-US" altLang="zh-CN" sz="2000" dirty="0" err="1">
+                <a:solidFill>
+                  <a:schemeClr val="tx1">
+                    <a:lumMod val="75000"/>
+                    <a:lumOff val="25000"/>
+                  </a:schemeClr>
+                </a:solidFill>
+                <a:latin typeface="Shonar Bangla" panose="020B0502040204020203" pitchFamily="34" charset="0"/>
+                <a:ea typeface="Microsoft YaHei" panose="020B0503020204020204" pitchFamily="34" charset="-122"/>
+                <a:cs typeface="Shonar Bangla" panose="020B0502040204020203" pitchFamily="34" charset="0"/>
+              </a:rPr>
               <a:t>token_parser</a:t>
             </a:r>
             <a:r>
-              <a:rPr lang="en-US" altLang="zh-CN" dirty="0"/>
+              <a:rPr lang="en-US" altLang="zh-CN" sz="2000" dirty="0">
+                <a:solidFill>
+                  <a:schemeClr val="tx1">
+                    <a:lumMod val="75000"/>
+                    <a:lumOff val="25000"/>
+                  </a:schemeClr>
+                </a:solidFill>
+                <a:latin typeface="Shonar Bangla" panose="020B0502040204020203" pitchFamily="34" charset="0"/>
+                <a:ea typeface="Microsoft YaHei" panose="020B0503020204020204" pitchFamily="34" charset="-122"/>
+                <a:cs typeface="Shonar Bangla" panose="020B0502040204020203" pitchFamily="34" charset="0"/>
+              </a:rPr>
               <a:t> &amp;, </a:t>
             </a:r>
             <a:r>
-              <a:rPr lang="en-US" altLang="zh-CN" dirty="0" err="1"/>
+              <a:rPr lang="en-US" altLang="zh-CN" sz="2000" dirty="0" err="1">
+                <a:solidFill>
+                  <a:schemeClr val="tx1">
+                    <a:lumMod val="75000"/>
+                    <a:lumOff val="25000"/>
+                  </a:schemeClr>
+                </a:solidFill>
+                <a:latin typeface="Shonar Bangla" panose="020B0502040204020203" pitchFamily="34" charset="0"/>
+                <a:ea typeface="Microsoft YaHei" panose="020B0503020204020204" pitchFamily="34" charset="-122"/>
+                <a:cs typeface="Shonar Bangla" panose="020B0502040204020203" pitchFamily="34" charset="0"/>
+              </a:rPr>
               <a:t>Args</a:t>
             </a:r>
             <a:r>
-              <a:rPr lang="en-US" altLang="zh-CN" dirty="0"/>
+              <a:rPr lang="en-US" altLang="zh-CN" sz="2000" dirty="0">
+                <a:solidFill>
+                  <a:schemeClr val="tx1">
+                    <a:lumMod val="75000"/>
+                    <a:lumOff val="25000"/>
+                  </a:schemeClr>
+                </a:solidFill>
+                <a:latin typeface="Shonar Bangla" panose="020B0502040204020203" pitchFamily="34" charset="0"/>
+                <a:ea typeface="Microsoft YaHei" panose="020B0503020204020204" pitchFamily="34" charset="-122"/>
+                <a:cs typeface="Shonar Bangla" panose="020B0502040204020203" pitchFamily="34" charset="0"/>
+              </a:rPr>
               <a:t> </a:t>
             </a:r>
             <a:r>
-              <a:rPr lang="en-US" altLang="zh-CN" dirty="0" err="1"/>
+              <a:rPr lang="en-US" altLang="zh-CN" sz="2000" dirty="0" err="1">
+                <a:solidFill>
+                  <a:schemeClr val="tx1">
+                    <a:lumMod val="75000"/>
+                    <a:lumOff val="25000"/>
+                  </a:schemeClr>
+                </a:solidFill>
+                <a:latin typeface="Shonar Bangla" panose="020B0502040204020203" pitchFamily="34" charset="0"/>
+                <a:ea typeface="Microsoft YaHei" panose="020B0503020204020204" pitchFamily="34" charset="-122"/>
+                <a:cs typeface="Shonar Bangla" panose="020B0502040204020203" pitchFamily="34" charset="0"/>
+              </a:rPr>
               <a:t>const</a:t>
             </a:r>
             <a:r>
-              <a:rPr lang="en-US" altLang="zh-CN" dirty="0"/>
+              <a:rPr lang="en-US" altLang="zh-CN" sz="2000" dirty="0">
+                <a:solidFill>
+                  <a:schemeClr val="tx1">
+                    <a:lumMod val="75000"/>
+                    <a:lumOff val="25000"/>
+                  </a:schemeClr>
+                </a:solidFill>
+                <a:latin typeface="Shonar Bangla" panose="020B0502040204020203" pitchFamily="34" charset="0"/>
+                <a:ea typeface="Microsoft YaHei" panose="020B0503020204020204" pitchFamily="34" charset="-122"/>
+                <a:cs typeface="Shonar Bangla" panose="020B0502040204020203" pitchFamily="34" charset="0"/>
+              </a:rPr>
               <a:t> &amp; </a:t>
             </a:r>
             <a:r>
-              <a:rPr lang="en-US" altLang="zh-CN" dirty="0" err="1"/>
-              <a:t>args</a:t>
-            </a:r>
-            <a:r>
-              <a:rPr lang="en-US" altLang="zh-CN" dirty="0" smtClean="0"/>
-              <a:t>){</a:t>
-            </a:r>
-            <a:endParaRPr lang="en-US" altLang="zh-CN" dirty="0"/>
-          </a:p>
-          <a:p>
-            <a:r>
-              <a:rPr lang="en-US" altLang="zh-CN" dirty="0" smtClean="0"/>
+              <a:rPr lang="en-US" altLang="zh-CN" sz="2000" dirty="0" smtClean="0">
+                <a:solidFill>
+                  <a:schemeClr val="tx1">
+                    <a:lumMod val="75000"/>
+                    <a:lumOff val="25000"/>
+                  </a:schemeClr>
+                </a:solidFill>
+                <a:latin typeface="Shonar Bangla" panose="020B0502040204020203" pitchFamily="34" charset="0"/>
+                <a:ea typeface="Microsoft YaHei" panose="020B0503020204020204" pitchFamily="34" charset="-122"/>
+                <a:cs typeface="Shonar Bangla" panose="020B0502040204020203" pitchFamily="34" charset="0"/>
+              </a:rPr>
+              <a:t>tuple){</a:t>
+            </a:r>
+            <a:endParaRPr lang="en-US" altLang="zh-CN" sz="2000" dirty="0">
+              <a:solidFill>
+                <a:schemeClr val="tx1">
+                  <a:lumMod val="75000"/>
+                  <a:lumOff val="25000"/>
+                </a:schemeClr>
+              </a:solidFill>
+              <a:latin typeface="Shonar Bangla" panose="020B0502040204020203" pitchFamily="34" charset="0"/>
+              <a:ea typeface="Microsoft YaHei" panose="020B0503020204020204" pitchFamily="34" charset="-122"/>
+              <a:cs typeface="Shonar Bangla" panose="020B0502040204020203" pitchFamily="34" charset="0"/>
+            </a:endParaRPr>
+          </a:p>
+          <a:p>
+            <a:pPr>
+              <a:lnSpc>
+                <a:spcPct val="90000"/>
+              </a:lnSpc>
+              <a:spcBef>
+                <a:spcPts val="1000"/>
+              </a:spcBef>
+            </a:pPr>
+            <a:r>
+              <a:rPr lang="en-US" altLang="zh-CN" sz="2000" dirty="0">
+                <a:solidFill>
+                  <a:schemeClr val="tx1">
+                    <a:lumMod val="75000"/>
+                    <a:lumOff val="25000"/>
+                  </a:schemeClr>
+                </a:solidFill>
+                <a:latin typeface="Shonar Bangla" panose="020B0502040204020203" pitchFamily="34" charset="0"/>
+                <a:ea typeface="Microsoft YaHei" panose="020B0503020204020204" pitchFamily="34" charset="-122"/>
+                <a:cs typeface="Shonar Bangla" panose="020B0502040204020203" pitchFamily="34" charset="0"/>
+              </a:rPr>
               <a:t>        </a:t>
             </a:r>
             <a:r>
-              <a:rPr lang="en-US" altLang="zh-CN" dirty="0" err="1" smtClean="0"/>
+              <a:rPr lang="en-US" altLang="zh-CN" sz="2000" dirty="0" err="1">
+                <a:solidFill>
+                  <a:schemeClr val="tx1">
+                    <a:lumMod val="75000"/>
+                    <a:lumOff val="25000"/>
+                  </a:schemeClr>
+                </a:solidFill>
+                <a:latin typeface="Shonar Bangla" panose="020B0502040204020203" pitchFamily="34" charset="0"/>
+                <a:ea typeface="Microsoft YaHei" panose="020B0503020204020204" pitchFamily="34" charset="-122"/>
+                <a:cs typeface="Shonar Bangla" panose="020B0502040204020203" pitchFamily="34" charset="0"/>
+              </a:rPr>
               <a:t>std</a:t>
             </a:r>
             <a:r>
-              <a:rPr lang="en-US" altLang="zh-CN" dirty="0"/>
+              <a:rPr lang="en-US" altLang="zh-CN" sz="2000" dirty="0">
+                <a:solidFill>
+                  <a:schemeClr val="tx1">
+                    <a:lumMod val="75000"/>
+                    <a:lumOff val="25000"/>
+                  </a:schemeClr>
+                </a:solidFill>
+                <a:latin typeface="Shonar Bangla" panose="020B0502040204020203" pitchFamily="34" charset="0"/>
+                <a:ea typeface="Microsoft YaHei" panose="020B0503020204020204" pitchFamily="34" charset="-122"/>
+                <a:cs typeface="Shonar Bangla" panose="020B0502040204020203" pitchFamily="34" charset="0"/>
+              </a:rPr>
               <a:t>::apply(</a:t>
             </a:r>
             <a:r>
-              <a:rPr lang="en-US" altLang="zh-CN" dirty="0" err="1"/>
+              <a:rPr lang="en-US" altLang="zh-CN" sz="2000" dirty="0" err="1">
+                <a:solidFill>
+                  <a:schemeClr val="tx1">
+                    <a:lumMod val="75000"/>
+                    <a:lumOff val="25000"/>
+                  </a:schemeClr>
+                </a:solidFill>
+                <a:latin typeface="Shonar Bangla" panose="020B0502040204020203" pitchFamily="34" charset="0"/>
+                <a:ea typeface="Microsoft YaHei" panose="020B0503020204020204" pitchFamily="34" charset="-122"/>
+                <a:cs typeface="Shonar Bangla" panose="020B0502040204020203" pitchFamily="34" charset="0"/>
+              </a:rPr>
               <a:t>func</a:t>
             </a:r>
             <a:r>
-              <a:rPr lang="en-US" altLang="zh-CN" dirty="0"/>
+              <a:rPr lang="en-US" altLang="zh-CN" sz="2000" dirty="0">
+                <a:solidFill>
+                  <a:schemeClr val="tx1">
+                    <a:lumMod val="75000"/>
+                    <a:lumOff val="25000"/>
+                  </a:schemeClr>
+                </a:solidFill>
+                <a:latin typeface="Shonar Bangla" panose="020B0502040204020203" pitchFamily="34" charset="0"/>
+                <a:ea typeface="Microsoft YaHei" panose="020B0503020204020204" pitchFamily="34" charset="-122"/>
+                <a:cs typeface="Shonar Bangla" panose="020B0502040204020203" pitchFamily="34" charset="0"/>
+              </a:rPr>
               <a:t>, </a:t>
             </a:r>
             <a:r>
-              <a:rPr lang="en-US" altLang="zh-CN" dirty="0" err="1"/>
-              <a:t>args</a:t>
-            </a:r>
-            <a:r>
-              <a:rPr lang="en-US" altLang="zh-CN" dirty="0"/>
-              <a:t>);</a:t>
-            </a:r>
-          </a:p>
-          <a:p>
-            <a:r>
-              <a:rPr lang="en-US" altLang="zh-CN" dirty="0" smtClean="0"/>
+              <a:rPr lang="en-US" altLang="zh-CN" sz="2000" dirty="0" smtClean="0">
+                <a:solidFill>
+                  <a:schemeClr val="tx1">
+                    <a:lumMod val="75000"/>
+                    <a:lumOff val="25000"/>
+                  </a:schemeClr>
+                </a:solidFill>
+                <a:latin typeface="Shonar Bangla" panose="020B0502040204020203" pitchFamily="34" charset="0"/>
+                <a:ea typeface="Microsoft YaHei" panose="020B0503020204020204" pitchFamily="34" charset="-122"/>
+                <a:cs typeface="Shonar Bangla" panose="020B0502040204020203" pitchFamily="34" charset="0"/>
+              </a:rPr>
+              <a:t>tuple);</a:t>
+            </a:r>
+            <a:endParaRPr lang="en-US" altLang="zh-CN" sz="2000" dirty="0">
+              <a:solidFill>
+                <a:schemeClr val="tx1">
+                  <a:lumMod val="75000"/>
+                  <a:lumOff val="25000"/>
+                </a:schemeClr>
+              </a:solidFill>
+              <a:latin typeface="Shonar Bangla" panose="020B0502040204020203" pitchFamily="34" charset="0"/>
+              <a:ea typeface="Microsoft YaHei" panose="020B0503020204020204" pitchFamily="34" charset="-122"/>
+              <a:cs typeface="Shonar Bangla" panose="020B0502040204020203" pitchFamily="34" charset="0"/>
+            </a:endParaRPr>
+          </a:p>
+          <a:p>
+            <a:pPr>
+              <a:lnSpc>
+                <a:spcPct val="90000"/>
+              </a:lnSpc>
+              <a:spcBef>
+                <a:spcPts val="1000"/>
+              </a:spcBef>
+            </a:pPr>
+            <a:r>
+              <a:rPr lang="en-US" altLang="zh-CN" sz="2000" dirty="0">
+                <a:solidFill>
+                  <a:schemeClr val="tx1">
+                    <a:lumMod val="75000"/>
+                    <a:lumOff val="25000"/>
+                  </a:schemeClr>
+                </a:solidFill>
+                <a:latin typeface="Shonar Bangla" panose="020B0502040204020203" pitchFamily="34" charset="0"/>
+                <a:ea typeface="Microsoft YaHei" panose="020B0503020204020204" pitchFamily="34" charset="-122"/>
+                <a:cs typeface="Shonar Bangla" panose="020B0502040204020203" pitchFamily="34" charset="0"/>
+              </a:rPr>
               <a:t>    }</a:t>
             </a:r>
-            <a:endParaRPr lang="en-US" altLang="zh-CN" dirty="0"/>
-          </a:p>
-          <a:p>
-            <a:r>
-              <a:rPr lang="en-US" altLang="zh-CN" dirty="0"/>
+          </a:p>
+          <a:p>
+            <a:pPr>
+              <a:lnSpc>
+                <a:spcPct val="90000"/>
+              </a:lnSpc>
+              <a:spcBef>
+                <a:spcPts val="1000"/>
+              </a:spcBef>
+            </a:pPr>
+            <a:r>
+              <a:rPr lang="en-US" altLang="zh-CN" sz="2000" dirty="0">
+                <a:solidFill>
+                  <a:schemeClr val="tx1">
+                    <a:lumMod val="75000"/>
+                    <a:lumOff val="25000"/>
+                  </a:schemeClr>
+                </a:solidFill>
+                <a:latin typeface="Shonar Bangla" panose="020B0502040204020203" pitchFamily="34" charset="0"/>
+                <a:ea typeface="Microsoft YaHei" panose="020B0503020204020204" pitchFamily="34" charset="-122"/>
+                <a:cs typeface="Shonar Bangla" panose="020B0502040204020203" pitchFamily="34" charset="0"/>
+              </a:rPr>
               <a:t>};</a:t>
             </a:r>
-            <a:endParaRPr lang="zh-CN" altLang="en-US" dirty="0"/>
-          </a:p>
-          <a:p>
-            <a:endParaRPr lang="zh-CN" altLang="en-US" dirty="0"/>
+            <a:endParaRPr lang="zh-CN" altLang="en-US" sz="2000" dirty="0">
+              <a:solidFill>
+                <a:schemeClr val="tx1">
+                  <a:lumMod val="75000"/>
+                  <a:lumOff val="25000"/>
+                </a:schemeClr>
+              </a:solidFill>
+              <a:latin typeface="Shonar Bangla" panose="020B0502040204020203" pitchFamily="34" charset="0"/>
+              <a:ea typeface="Microsoft YaHei" panose="020B0503020204020204" pitchFamily="34" charset="-122"/>
+              <a:cs typeface="Shonar Bangla" panose="020B0502040204020203" pitchFamily="34" charset="0"/>
+            </a:endParaRPr>
           </a:p>
         </p:txBody>
       </p:sp>
     </p:spTree>
     <p:extLst>
       <p:ext uri="{BB962C8B-B14F-4D97-AF65-F5344CB8AC3E}">
-        <p14:creationId xmlns:p14="http://schemas.microsoft.com/office/powerpoint/2010/main" val="818504125"/>
+        <p14:creationId xmlns:p14="http://schemas.microsoft.com/office/powerpoint/2010/main" val="2717181773"/>
       </p:ext>
     </p:extLst>
   </p:cSld>
@@ -16902,9 +17626,126 @@
   <p:timing>
     <p:tnLst>
       <p:par>
-        <p:cTn id="1" dur="indefinite" restart="never" nodeType="tmRoot"/>
+        <p:cTn id="1" dur="indefinite" restart="never" nodeType="tmRoot">
+          <p:childTnLst>
+            <p:seq concurrent="1" nextAc="seek">
+              <p:cTn id="2" dur="indefinite" nodeType="mainSeq">
+                <p:childTnLst>
+                  <p:par>
+                    <p:cTn id="3" fill="hold">
+                      <p:stCondLst>
+                        <p:cond delay="indefinite"/>
+                      </p:stCondLst>
+                      <p:childTnLst>
+                        <p:par>
+                          <p:cTn id="4" fill="hold">
+                            <p:stCondLst>
+                              <p:cond delay="0"/>
+                            </p:stCondLst>
+                            <p:childTnLst>
+                              <p:par>
+                                <p:cTn id="5" presetID="2" presetClass="entr" presetSubtype="4" fill="hold" grpId="0" nodeType="clickEffect">
+                                  <p:stCondLst>
+                                    <p:cond delay="0"/>
+                                  </p:stCondLst>
+                                  <p:childTnLst>
+                                    <p:set>
+                                      <p:cBhvr>
+                                        <p:cTn id="6" dur="1" fill="hold">
+                                          <p:stCondLst>
+                                            <p:cond delay="0"/>
+                                          </p:stCondLst>
+                                        </p:cTn>
+                                        <p:tgtEl>
+                                          <p:spTgt spid="4"/>
+                                        </p:tgtEl>
+                                        <p:attrNameLst>
+                                          <p:attrName>style.visibility</p:attrName>
+                                        </p:attrNameLst>
+                                      </p:cBhvr>
+                                      <p:to>
+                                        <p:strVal val="visible"/>
+                                      </p:to>
+                                    </p:set>
+                                    <p:anim calcmode="lin" valueType="num">
+                                      <p:cBhvr additive="base">
+                                        <p:cTn id="7" dur="500" fill="hold"/>
+                                        <p:tgtEl>
+                                          <p:spTgt spid="4"/>
+                                        </p:tgtEl>
+                                        <p:attrNameLst>
+                                          <p:attrName>ppt_x</p:attrName>
+                                        </p:attrNameLst>
+                                      </p:cBhvr>
+                                      <p:tavLst>
+                                        <p:tav tm="0">
+                                          <p:val>
+                                            <p:strVal val="#ppt_x"/>
+                                          </p:val>
+                                        </p:tav>
+                                        <p:tav tm="100000">
+                                          <p:val>
+                                            <p:strVal val="#ppt_x"/>
+                                          </p:val>
+                                        </p:tav>
+                                      </p:tavLst>
+                                    </p:anim>
+                                    <p:anim calcmode="lin" valueType="num">
+                                      <p:cBhvr additive="base">
+                                        <p:cTn id="8" dur="500" fill="hold"/>
+                                        <p:tgtEl>
+                                          <p:spTgt spid="4"/>
+                                        </p:tgtEl>
+                                        <p:attrNameLst>
+                                          <p:attrName>ppt_y</p:attrName>
+                                        </p:attrNameLst>
+                                      </p:cBhvr>
+                                      <p:tavLst>
+                                        <p:tav tm="0">
+                                          <p:val>
+                                            <p:strVal val="1+#ppt_h/2"/>
+                                          </p:val>
+                                        </p:tav>
+                                        <p:tav tm="100000">
+                                          <p:val>
+                                            <p:strVal val="#ppt_y"/>
+                                          </p:val>
+                                        </p:tav>
+                                      </p:tavLst>
+                                    </p:anim>
+                                  </p:childTnLst>
+                                </p:cTn>
+                              </p:par>
+                            </p:childTnLst>
+                          </p:cTn>
+                        </p:par>
+                      </p:childTnLst>
+                    </p:cTn>
+                  </p:par>
+                </p:childTnLst>
+              </p:cTn>
+              <p:prevCondLst>
+                <p:cond evt="onPrev" delay="0">
+                  <p:tgtEl>
+                    <p:sldTgt/>
+                  </p:tgtEl>
+                </p:cond>
+              </p:prevCondLst>
+              <p:nextCondLst>
+                <p:cond evt="onNext" delay="0">
+                  <p:tgtEl>
+                    <p:sldTgt/>
+                  </p:tgtEl>
+                </p:cond>
+              </p:nextCondLst>
+            </p:seq>
+          </p:childTnLst>
+        </p:cTn>
       </p:par>
     </p:tnLst>
+    <p:bldLst>
+      <p:bldP spid="4" grpId="0"/>
+    </p:bldLst>
   </p:timing>
 </p:sld>
 </file>
@@ -16964,334 +17805,279 @@
           <a:lstStyle/>
           <a:p>
             <a:r>
+              <a:rPr lang="en-US" altLang="zh-CN" dirty="0" err="1"/>
+              <a:t>struct</a:t>
+            </a:r>
+            <a:r>
+              <a:rPr lang="en-US" altLang="zh-CN" dirty="0"/>
+              <a:t> </a:t>
+            </a:r>
+            <a:r>
               <a:rPr lang="en-US" altLang="zh-CN" dirty="0" err="1" smtClean="0"/>
-              <a:t>rest_rpc</a:t>
-            </a:r>
-            <a:r>
-              <a:rPr lang="en-US" altLang="zh-CN" dirty="0" smtClean="0"/>
-              <a:t> support RPC and sub/pub model</a:t>
-            </a:r>
-          </a:p>
-          <a:p>
-            <a:r>
-              <a:rPr lang="en-US" altLang="zh-CN" sz="1400" dirty="0" smtClean="0"/>
-              <a:t>asycn_client.</a:t>
-            </a:r>
-            <a:r>
-              <a:rPr lang="en-US" altLang="zh-CN" sz="1400" dirty="0" smtClean="0">
+              <a:t>foo_t</a:t>
+            </a:r>
+            <a:r>
+              <a:rPr lang="en-US" altLang="zh-CN" dirty="0" smtClean="0"/>
+              <a:t>{</a:t>
+            </a:r>
+            <a:endParaRPr lang="zh-CN" altLang="en-US" dirty="0"/>
+          </a:p>
+          <a:p>
+            <a:r>
+              <a:rPr lang="en-US" altLang="zh-CN" dirty="0" smtClean="0"/>
+              <a:t>    </a:t>
+            </a:r>
+            <a:r>
+              <a:rPr lang="en-US" altLang="zh-CN" dirty="0" err="1" smtClean="0"/>
+              <a:t>int</a:t>
+            </a:r>
+            <a:r>
+              <a:rPr lang="en-US" altLang="zh-CN" dirty="0" smtClean="0"/>
+              <a:t> </a:t>
+            </a:r>
+            <a:r>
+              <a:rPr lang="en-US" altLang="zh-CN" dirty="0"/>
+              <a:t>add(</a:t>
+            </a:r>
+            <a:r>
+              <a:rPr lang="en-US" altLang="zh-CN" dirty="0" err="1"/>
+              <a:t>int</a:t>
+            </a:r>
+            <a:r>
+              <a:rPr lang="en-US" altLang="zh-CN" dirty="0"/>
+              <a:t> a, </a:t>
+            </a:r>
+            <a:r>
+              <a:rPr lang="en-US" altLang="zh-CN" dirty="0" err="1"/>
+              <a:t>int</a:t>
+            </a:r>
+            <a:r>
+              <a:rPr lang="en-US" altLang="zh-CN" dirty="0"/>
+              <a:t> b</a:t>
+            </a:r>
+            <a:r>
+              <a:rPr lang="en-US" altLang="zh-CN" dirty="0" smtClean="0"/>
+              <a:t>){</a:t>
+            </a:r>
+            <a:endParaRPr lang="en-US" altLang="zh-CN" dirty="0"/>
+          </a:p>
+          <a:p>
+            <a:r>
+              <a:rPr lang="en-US" altLang="zh-CN" dirty="0" smtClean="0"/>
+              <a:t>        return a + b;</a:t>
+            </a:r>
+            <a:endParaRPr lang="en-US" altLang="zh-CN" dirty="0"/>
+          </a:p>
+          <a:p>
+            <a:r>
+              <a:rPr lang="en-US" altLang="zh-CN" dirty="0" smtClean="0"/>
+              <a:t>    }</a:t>
+            </a:r>
+            <a:endParaRPr lang="en-US" altLang="zh-CN" dirty="0"/>
+          </a:p>
+          <a:p>
+            <a:r>
+              <a:rPr lang="en-US" altLang="zh-CN" dirty="0"/>
+              <a:t>};</a:t>
+            </a:r>
+            <a:endParaRPr lang="en-US" altLang="zh-CN" dirty="0" smtClean="0"/>
+          </a:p>
+          <a:p>
+            <a:endParaRPr lang="en-US" altLang="zh-CN" dirty="0" smtClean="0"/>
+          </a:p>
+          <a:p>
+            <a:r>
+              <a:rPr lang="en-US" altLang="zh-CN" dirty="0" err="1" smtClean="0"/>
+              <a:t>foo_t</a:t>
+            </a:r>
+            <a:r>
+              <a:rPr lang="en-US" altLang="zh-CN" dirty="0" smtClean="0"/>
+              <a:t> foo = {};</a:t>
+            </a:r>
+            <a:endParaRPr lang="en-US" altLang="zh-CN" dirty="0" smtClean="0"/>
+          </a:p>
+          <a:p>
+            <a:r>
+              <a:rPr lang="en-US" altLang="zh-CN" dirty="0" err="1"/>
+              <a:t>server.register_handler</a:t>
+            </a:r>
+            <a:r>
+              <a:rPr lang="en-US" altLang="zh-CN" dirty="0"/>
+              <a:t>("</a:t>
+            </a:r>
+            <a:r>
+              <a:rPr lang="en-US" altLang="zh-CN" dirty="0" err="1"/>
+              <a:t>foo_add</a:t>
+            </a:r>
+            <a:r>
+              <a:rPr lang="en-US" altLang="zh-CN" dirty="0"/>
+              <a:t>", </a:t>
+            </a:r>
+            <a:r>
+              <a:rPr lang="en-US" altLang="zh-CN" dirty="0" err="1"/>
+              <a:t>timax</a:t>
+            </a:r>
+            <a:r>
+              <a:rPr lang="en-US" altLang="zh-CN" dirty="0"/>
+              <a:t>::bind</a:t>
+            </a:r>
+            <a:r>
+              <a:rPr lang="en-US" altLang="zh-CN" dirty="0" smtClean="0"/>
+              <a:t>(&amp;</a:t>
+            </a:r>
+            <a:r>
+              <a:rPr lang="en-US" altLang="zh-CN" dirty="0" err="1" smtClean="0"/>
+              <a:t>foo_t</a:t>
+            </a:r>
+            <a:r>
+              <a:rPr lang="en-US" altLang="zh-CN" dirty="0" smtClean="0"/>
+              <a:t>::</a:t>
+            </a:r>
+            <a:r>
+              <a:rPr lang="en-US" altLang="zh-CN" dirty="0"/>
+              <a:t>add, &amp;foo</a:t>
+            </a:r>
+            <a:r>
+              <a:rPr lang="en-US" altLang="zh-CN" dirty="0" smtClean="0"/>
+              <a:t>));</a:t>
+            </a:r>
+          </a:p>
+          <a:p>
+            <a:endParaRPr lang="en-US" altLang="zh-CN" dirty="0" smtClean="0"/>
+          </a:p>
+          <a:p>
+            <a:r>
+              <a:rPr lang="en-US" altLang="zh-CN" dirty="0" err="1"/>
+              <a:t>timax</a:t>
+            </a:r>
+            <a:r>
+              <a:rPr lang="en-US" altLang="zh-CN" dirty="0"/>
+              <a:t>::bind(&amp;</a:t>
+            </a:r>
+            <a:r>
+              <a:rPr lang="en-US" altLang="zh-CN" dirty="0" err="1"/>
+              <a:t>foo_t</a:t>
+            </a:r>
+            <a:r>
+              <a:rPr lang="en-US" altLang="zh-CN" dirty="0"/>
+              <a:t>::add, &amp;foo</a:t>
+            </a:r>
+            <a:r>
+              <a:rPr lang="en-US" altLang="zh-CN" dirty="0" smtClean="0"/>
+              <a:t>);</a:t>
+            </a:r>
+            <a:r>
+              <a:rPr lang="en-US" altLang="zh-CN" dirty="0"/>
+              <a:t> </a:t>
+            </a:r>
+            <a:endParaRPr lang="en-US" altLang="zh-CN" dirty="0"/>
+          </a:p>
+          <a:p>
+            <a:r>
+              <a:rPr lang="en-US" altLang="zh-CN" dirty="0" err="1"/>
+              <a:t>timax</a:t>
+            </a:r>
+            <a:r>
+              <a:rPr lang="en-US" altLang="zh-CN" dirty="0"/>
+              <a:t>::bind</a:t>
+            </a:r>
+            <a:r>
+              <a:rPr lang="en-US" altLang="zh-CN" dirty="0" smtClean="0"/>
+              <a:t>(&amp;</a:t>
+            </a:r>
+            <a:r>
+              <a:rPr lang="en-US" altLang="zh-CN" dirty="0" err="1" smtClean="0"/>
+              <a:t>foo_t</a:t>
+            </a:r>
+            <a:r>
+              <a:rPr lang="en-US" altLang="zh-CN" dirty="0" smtClean="0"/>
+              <a:t>::</a:t>
+            </a:r>
+            <a:r>
+              <a:rPr lang="en-US" altLang="zh-CN" dirty="0"/>
+              <a:t>add, &amp;</a:t>
+            </a:r>
+            <a:r>
+              <a:rPr lang="en-US" altLang="zh-CN" dirty="0" smtClean="0"/>
+              <a:t>foo, </a:t>
+            </a:r>
+            <a:r>
+              <a:rPr lang="en-US" altLang="zh-CN" dirty="0" err="1"/>
+              <a:t>std</a:t>
+            </a:r>
+            <a:r>
+              <a:rPr lang="en-US" altLang="zh-CN" dirty="0"/>
+              <a:t>::placeholders::_</a:t>
+            </a:r>
+            <a:r>
+              <a:rPr lang="en-US" altLang="zh-CN" dirty="0" smtClean="0"/>
+              <a:t>1, </a:t>
+            </a:r>
+            <a:r>
+              <a:rPr lang="en-US" altLang="zh-CN" dirty="0" err="1"/>
+              <a:t>std</a:t>
+            </a:r>
+            <a:r>
+              <a:rPr lang="en-US" altLang="zh-CN" dirty="0"/>
+              <a:t>::placeholders</a:t>
+            </a:r>
+            <a:r>
+              <a:rPr lang="en-US" altLang="zh-CN" dirty="0" smtClean="0"/>
+              <a:t>::_2);</a:t>
+            </a:r>
+            <a:endParaRPr lang="zh-CN" altLang="en-US" dirty="0"/>
+          </a:p>
+        </p:txBody>
+      </p:sp>
+      <p:sp>
+        <p:nvSpPr>
+          <p:cNvPr id="4" name="矩形 3"/>
+          <p:cNvSpPr/>
+          <p:nvPr/>
+        </p:nvSpPr>
+        <p:spPr>
+          <a:xfrm>
+            <a:off x="3658654" y="4078052"/>
+            <a:ext cx="3561296" cy="369332"/>
+          </a:xfrm>
+          <a:prstGeom prst="rect">
+            <a:avLst/>
+          </a:prstGeom>
+        </p:spPr>
+        <p:txBody>
+          <a:bodyPr wrap="none">
+            <a:spAutoFit/>
+          </a:bodyPr>
+          <a:lstStyle/>
+          <a:p>
+            <a:r>
+              <a:rPr lang="en-US" altLang="zh-CN" dirty="0"/>
+              <a:t>//</a:t>
+            </a:r>
+            <a:r>
+              <a:rPr lang="en-US" altLang="zh-CN" dirty="0">
                 <a:solidFill>
                   <a:srgbClr val="FF0000"/>
                 </a:solidFill>
               </a:rPr>
-              <a:t>pub</a:t>
-            </a:r>
-            <a:r>
-              <a:rPr lang="en-US" altLang="zh-CN" sz="1400" dirty="0" smtClean="0"/>
-              <a:t>(endpoint</a:t>
-            </a:r>
-            <a:r>
-              <a:rPr lang="en-US" altLang="zh-CN" sz="1400" dirty="0"/>
-              <a:t>, </a:t>
-            </a:r>
-            <a:r>
-              <a:rPr lang="en-US" altLang="zh-CN" sz="1400" dirty="0" err="1"/>
-              <a:t>notify_topic</a:t>
-            </a:r>
-            <a:r>
-              <a:rPr lang="en-US" altLang="zh-CN" sz="1400" dirty="0"/>
-              <a:t>, "test").</a:t>
-            </a:r>
-            <a:r>
-              <a:rPr lang="en-US" altLang="zh-CN" sz="1400" dirty="0" err="1"/>
-              <a:t>on_ok</a:t>
-            </a:r>
-            <a:r>
-              <a:rPr lang="en-US" altLang="zh-CN" sz="1400" dirty="0"/>
-              <a:t>([](auto r) </a:t>
-            </a:r>
-          </a:p>
-          <a:p>
-            <a:r>
-              <a:rPr lang="en-US" altLang="zh-CN" sz="1400" dirty="0"/>
-              <a:t>{ </a:t>
-            </a:r>
-          </a:p>
-          <a:p>
-            <a:r>
-              <a:rPr lang="en-US" altLang="zh-CN" sz="1400" dirty="0"/>
-              <a:t>	</a:t>
-            </a:r>
-            <a:r>
-              <a:rPr lang="en-US" altLang="zh-CN" sz="1400" dirty="0" err="1"/>
-              <a:t>std</a:t>
-            </a:r>
-            <a:r>
-              <a:rPr lang="en-US" altLang="zh-CN" sz="1400" dirty="0"/>
-              <a:t>::</a:t>
-            </a:r>
-            <a:r>
-              <a:rPr lang="en-US" altLang="zh-CN" sz="1400" dirty="0" err="1"/>
-              <a:t>cout</a:t>
-            </a:r>
-            <a:r>
-              <a:rPr lang="en-US" altLang="zh-CN" sz="1400" dirty="0"/>
-              <a:t> &lt;&lt; r &lt;&lt; </a:t>
-            </a:r>
-            <a:r>
-              <a:rPr lang="en-US" altLang="zh-CN" sz="1400" dirty="0" err="1"/>
-              <a:t>std</a:t>
-            </a:r>
-            <a:r>
-              <a:rPr lang="en-US" altLang="zh-CN" sz="1400" dirty="0"/>
-              <a:t>::</a:t>
-            </a:r>
-            <a:r>
-              <a:rPr lang="en-US" altLang="zh-CN" sz="1400" dirty="0" err="1"/>
-              <a:t>endl</a:t>
-            </a:r>
-            <a:r>
-              <a:rPr lang="en-US" altLang="zh-CN" sz="1400" dirty="0"/>
-              <a:t>; </a:t>
-            </a:r>
-          </a:p>
-          <a:p>
-            <a:r>
-              <a:rPr lang="en-US" altLang="zh-CN" sz="1400" dirty="0"/>
-              <a:t>}).</a:t>
-            </a:r>
-            <a:r>
-              <a:rPr lang="en-US" altLang="zh-CN" sz="1400" dirty="0" err="1"/>
-              <a:t>on_error</a:t>
-            </a:r>
-            <a:r>
-              <a:rPr lang="en-US" altLang="zh-CN" sz="1400" dirty="0"/>
-              <a:t>([](auto </a:t>
-            </a:r>
-            <a:r>
-              <a:rPr lang="en-US" altLang="zh-CN" sz="1400" dirty="0" err="1"/>
-              <a:t>const</a:t>
-            </a:r>
-            <a:r>
-              <a:rPr lang="en-US" altLang="zh-CN" sz="1400" dirty="0"/>
-              <a:t>&amp; error)</a:t>
-            </a:r>
-          </a:p>
-          <a:p>
-            <a:r>
-              <a:rPr lang="en-US" altLang="zh-CN" sz="1400" dirty="0"/>
-              <a:t>{</a:t>
-            </a:r>
-          </a:p>
-          <a:p>
-            <a:r>
-              <a:rPr lang="en-US" altLang="zh-CN" sz="1400" dirty="0"/>
-              <a:t>	</a:t>
-            </a:r>
-            <a:r>
-              <a:rPr lang="en-US" altLang="zh-CN" sz="1400" dirty="0" err="1"/>
-              <a:t>std</a:t>
-            </a:r>
-            <a:r>
-              <a:rPr lang="en-US" altLang="zh-CN" sz="1400" dirty="0"/>
-              <a:t>::</a:t>
-            </a:r>
-            <a:r>
-              <a:rPr lang="en-US" altLang="zh-CN" sz="1400" dirty="0" err="1"/>
-              <a:t>cout</a:t>
-            </a:r>
-            <a:r>
-              <a:rPr lang="en-US" altLang="zh-CN" sz="1400" dirty="0"/>
-              <a:t> &lt;&lt; </a:t>
-            </a:r>
-            <a:r>
-              <a:rPr lang="en-US" altLang="zh-CN" sz="1400" dirty="0" err="1"/>
-              <a:t>error.get_error_message</a:t>
-            </a:r>
-            <a:r>
-              <a:rPr lang="en-US" altLang="zh-CN" sz="1400" dirty="0"/>
-              <a:t>() &lt;&lt; </a:t>
-            </a:r>
-            <a:r>
-              <a:rPr lang="en-US" altLang="zh-CN" sz="1400" dirty="0" err="1"/>
-              <a:t>std</a:t>
-            </a:r>
-            <a:r>
-              <a:rPr lang="en-US" altLang="zh-CN" sz="1400" dirty="0"/>
-              <a:t>::</a:t>
-            </a:r>
-            <a:r>
-              <a:rPr lang="en-US" altLang="zh-CN" sz="1400" dirty="0" err="1"/>
-              <a:t>endl</a:t>
-            </a:r>
-            <a:r>
-              <a:rPr lang="en-US" altLang="zh-CN" sz="1400" dirty="0"/>
-              <a:t>;</a:t>
-            </a:r>
-          </a:p>
-          <a:p>
-            <a:r>
-              <a:rPr lang="en-US" altLang="zh-CN" sz="1400" dirty="0" smtClean="0"/>
-              <a:t>});</a:t>
-            </a:r>
-          </a:p>
-          <a:p>
-            <a:r>
-              <a:rPr lang="en-US" altLang="zh-CN" sz="1400" dirty="0" err="1" smtClean="0"/>
-              <a:t>asycn_client.</a:t>
-            </a:r>
-            <a:r>
-              <a:rPr lang="en-US" altLang="zh-CN" sz="1400" dirty="0" err="1" smtClean="0">
+              <a:t>bind</a:t>
+            </a:r>
+            <a:r>
+              <a:rPr lang="zh-CN" altLang="en-US" dirty="0">
                 <a:solidFill>
                   <a:srgbClr val="FF0000"/>
                 </a:solidFill>
               </a:rPr>
-              <a:t>sub</a:t>
-            </a:r>
-            <a:r>
-              <a:rPr lang="en-US" altLang="zh-CN" sz="1400" dirty="0" smtClean="0"/>
-              <a:t>(endpoint</a:t>
-            </a:r>
-            <a:r>
-              <a:rPr lang="en-US" altLang="zh-CN" sz="1400" dirty="0"/>
-              <a:t>, </a:t>
-            </a:r>
-            <a:r>
-              <a:rPr lang="en-US" altLang="zh-CN" sz="1400" dirty="0" err="1"/>
-              <a:t>notify_topic</a:t>
-            </a:r>
-            <a:r>
-              <a:rPr lang="en-US" altLang="zh-CN" sz="1400" dirty="0"/>
-              <a:t>, [](auto r)</a:t>
-            </a:r>
-          </a:p>
-          <a:p>
-            <a:r>
-              <a:rPr lang="en-US" altLang="zh-CN" sz="1400" dirty="0"/>
-              <a:t>{</a:t>
-            </a:r>
-          </a:p>
-          <a:p>
-            <a:r>
-              <a:rPr lang="en-US" altLang="zh-CN" sz="1400" dirty="0"/>
-              <a:t>	</a:t>
-            </a:r>
-            <a:r>
-              <a:rPr lang="en-US" altLang="zh-CN" sz="1400" dirty="0" err="1"/>
-              <a:t>std</a:t>
-            </a:r>
-            <a:r>
-              <a:rPr lang="en-US" altLang="zh-CN" sz="1400" dirty="0"/>
-              <a:t>::</a:t>
-            </a:r>
-            <a:r>
-              <a:rPr lang="en-US" altLang="zh-CN" sz="1400" dirty="0" err="1"/>
-              <a:t>cout</a:t>
-            </a:r>
-            <a:r>
-              <a:rPr lang="en-US" altLang="zh-CN" sz="1400" dirty="0"/>
-              <a:t> &lt;&lt; r &lt;&lt; </a:t>
-            </a:r>
-            <a:r>
-              <a:rPr lang="en-US" altLang="zh-CN" sz="1400" dirty="0" err="1"/>
-              <a:t>std</a:t>
-            </a:r>
-            <a:r>
-              <a:rPr lang="en-US" altLang="zh-CN" sz="1400" dirty="0"/>
-              <a:t>::</a:t>
-            </a:r>
-            <a:r>
-              <a:rPr lang="en-US" altLang="zh-CN" sz="1400" dirty="0" err="1"/>
-              <a:t>endl</a:t>
-            </a:r>
-            <a:r>
-              <a:rPr lang="en-US" altLang="zh-CN" sz="1400" dirty="0"/>
-              <a:t>;</a:t>
-            </a:r>
-          </a:p>
-          <a:p>
-            <a:r>
-              <a:rPr lang="en-US" altLang="zh-CN" sz="1400" dirty="0" smtClean="0"/>
-              <a:t>},</a:t>
-            </a:r>
-            <a:endParaRPr lang="en-US" altLang="zh-CN" sz="1400" dirty="0"/>
-          </a:p>
-          <a:p>
-            <a:r>
-              <a:rPr lang="en-US" altLang="zh-CN" sz="1400" dirty="0"/>
-              <a:t>[](auto </a:t>
-            </a:r>
-            <a:r>
-              <a:rPr lang="en-US" altLang="zh-CN" sz="1400" dirty="0" err="1"/>
-              <a:t>const</a:t>
-            </a:r>
-            <a:r>
-              <a:rPr lang="en-US" altLang="zh-CN" sz="1400" dirty="0"/>
-              <a:t>&amp; error) </a:t>
-            </a:r>
-          </a:p>
-          <a:p>
-            <a:r>
-              <a:rPr lang="en-US" altLang="zh-CN" sz="1400" dirty="0"/>
-              <a:t>{</a:t>
-            </a:r>
-          </a:p>
-          <a:p>
-            <a:r>
-              <a:rPr lang="en-US" altLang="zh-CN" sz="1400" dirty="0"/>
-              <a:t>	</a:t>
-            </a:r>
-            <a:r>
-              <a:rPr lang="en-US" altLang="zh-CN" sz="1400" dirty="0" err="1"/>
-              <a:t>std</a:t>
-            </a:r>
-            <a:r>
-              <a:rPr lang="en-US" altLang="zh-CN" sz="1400" dirty="0"/>
-              <a:t>::</a:t>
-            </a:r>
-            <a:r>
-              <a:rPr lang="en-US" altLang="zh-CN" sz="1400" dirty="0" err="1"/>
-              <a:t>cout</a:t>
-            </a:r>
-            <a:r>
-              <a:rPr lang="en-US" altLang="zh-CN" sz="1400" dirty="0"/>
-              <a:t> &lt;&lt; </a:t>
-            </a:r>
-            <a:r>
-              <a:rPr lang="en-US" altLang="zh-CN" sz="1400" dirty="0" err="1"/>
-              <a:t>error.get_error_message</a:t>
-            </a:r>
-            <a:r>
-              <a:rPr lang="en-US" altLang="zh-CN" sz="1400" dirty="0"/>
-              <a:t>() &lt;&lt; </a:t>
-            </a:r>
-            <a:r>
-              <a:rPr lang="en-US" altLang="zh-CN" sz="1400" dirty="0" err="1"/>
-              <a:t>std</a:t>
-            </a:r>
-            <a:r>
-              <a:rPr lang="en-US" altLang="zh-CN" sz="1400" dirty="0"/>
-              <a:t>::</a:t>
-            </a:r>
-            <a:r>
-              <a:rPr lang="en-US" altLang="zh-CN" sz="1400" dirty="0" err="1"/>
-              <a:t>endl</a:t>
-            </a:r>
-            <a:r>
-              <a:rPr lang="en-US" altLang="zh-CN" sz="1400" dirty="0"/>
-              <a:t>;</a:t>
-            </a:r>
-          </a:p>
-          <a:p>
-            <a:r>
-              <a:rPr lang="en-US" altLang="zh-CN" sz="1400" dirty="0"/>
-              <a:t>});</a:t>
-            </a:r>
-            <a:endParaRPr lang="en-US" altLang="zh-CN" sz="1400" dirty="0" smtClean="0"/>
-          </a:p>
-          <a:p>
-            <a:endParaRPr lang="en-US" altLang="zh-CN" dirty="0" smtClean="0"/>
-          </a:p>
-          <a:p>
+              <a:t> </a:t>
+            </a:r>
+            <a:r>
+              <a:rPr lang="en-US" altLang="zh-CN" dirty="0">
+                <a:solidFill>
+                  <a:srgbClr val="FF0000"/>
+                </a:solidFill>
+              </a:rPr>
+              <a:t>without anything, clean code</a:t>
+            </a:r>
             <a:endParaRPr lang="zh-CN" altLang="en-US" dirty="0"/>
           </a:p>
         </p:txBody>
@@ -17300,6 +18086,494 @@
     <p:extLst>
       <p:ext uri="{BB962C8B-B14F-4D97-AF65-F5344CB8AC3E}">
         <p14:creationId xmlns:p14="http://schemas.microsoft.com/office/powerpoint/2010/main" val="1725290587"/>
+      </p:ext>
+    </p:extLst>
+  </p:cSld>
+  <p:clrMapOvr>
+    <a:masterClrMapping/>
+  </p:clrMapOvr>
+  <p:timing>
+    <p:tnLst>
+      <p:par>
+        <p:cTn id="1" dur="indefinite" restart="never" nodeType="tmRoot">
+          <p:childTnLst>
+            <p:seq concurrent="1" nextAc="seek">
+              <p:cTn id="2" dur="indefinite" nodeType="mainSeq">
+                <p:childTnLst>
+                  <p:par>
+                    <p:cTn id="3" fill="hold">
+                      <p:stCondLst>
+                        <p:cond delay="indefinite"/>
+                      </p:stCondLst>
+                      <p:childTnLst>
+                        <p:par>
+                          <p:cTn id="4" fill="hold">
+                            <p:stCondLst>
+                              <p:cond delay="0"/>
+                            </p:stCondLst>
+                            <p:childTnLst>
+                              <p:par>
+                                <p:cTn id="5" presetID="22" presetClass="entr" presetSubtype="8" fill="hold" grpId="0" nodeType="clickEffect">
+                                  <p:stCondLst>
+                                    <p:cond delay="0"/>
+                                  </p:stCondLst>
+                                  <p:childTnLst>
+                                    <p:set>
+                                      <p:cBhvr>
+                                        <p:cTn id="6" dur="1" fill="hold">
+                                          <p:stCondLst>
+                                            <p:cond delay="0"/>
+                                          </p:stCondLst>
+                                        </p:cTn>
+                                        <p:tgtEl>
+                                          <p:spTgt spid="4"/>
+                                        </p:tgtEl>
+                                        <p:attrNameLst>
+                                          <p:attrName>style.visibility</p:attrName>
+                                        </p:attrNameLst>
+                                      </p:cBhvr>
+                                      <p:to>
+                                        <p:strVal val="visible"/>
+                                      </p:to>
+                                    </p:set>
+                                    <p:animEffect transition="in" filter="wipe(left)">
+                                      <p:cBhvr>
+                                        <p:cTn id="7" dur="500"/>
+                                        <p:tgtEl>
+                                          <p:spTgt spid="4"/>
+                                        </p:tgtEl>
+                                      </p:cBhvr>
+                                    </p:animEffect>
+                                  </p:childTnLst>
+                                </p:cTn>
+                              </p:par>
+                            </p:childTnLst>
+                          </p:cTn>
+                        </p:par>
+                      </p:childTnLst>
+                    </p:cTn>
+                  </p:par>
+                </p:childTnLst>
+              </p:cTn>
+              <p:prevCondLst>
+                <p:cond evt="onPrev" delay="0">
+                  <p:tgtEl>
+                    <p:sldTgt/>
+                  </p:tgtEl>
+                </p:cond>
+              </p:prevCondLst>
+              <p:nextCondLst>
+                <p:cond evt="onNext" delay="0">
+                  <p:tgtEl>
+                    <p:sldTgt/>
+                  </p:tgtEl>
+                </p:cond>
+              </p:nextCondLst>
+            </p:seq>
+          </p:childTnLst>
+        </p:cTn>
+      </p:par>
+    </p:tnLst>
+    <p:bldLst>
+      <p:bldP spid="4" grpId="0"/>
+    </p:bldLst>
+  </p:timing>
+</p:sld>
+</file>
+
+<file path=ppt/slides/slide26.xml><?xml version="1.0" encoding="utf-8"?>
+<p:sld xmlns:a="http://schemas.openxmlformats.org/drawingml/2006/main" xmlns:r="http://schemas.openxmlformats.org/officeDocument/2006/relationships" xmlns:p="http://schemas.openxmlformats.org/presentationml/2006/main">
+  <p:cSld>
+    <p:spTree>
+      <p:nvGrpSpPr>
+        <p:cNvPr id="1" name=""/>
+        <p:cNvGrpSpPr/>
+        <p:nvPr/>
+      </p:nvGrpSpPr>
+      <p:grpSpPr>
+        <a:xfrm>
+          <a:off x="0" y="0"/>
+          <a:ext cx="0" cy="0"/>
+          <a:chOff x="0" y="0"/>
+          <a:chExt cx="0" cy="0"/>
+        </a:xfrm>
+      </p:grpSpPr>
+      <p:sp>
+        <p:nvSpPr>
+          <p:cNvPr id="2" name="标题 1"/>
+          <p:cNvSpPr>
+            <a:spLocks noGrp="1"/>
+          </p:cNvSpPr>
+          <p:nvPr>
+            <p:ph type="title"/>
+          </p:nvPr>
+        </p:nvSpPr>
+        <p:spPr/>
+        <p:txBody>
+          <a:bodyPr/>
+          <a:lstStyle/>
+          <a:p>
+            <a:r>
+              <a:rPr lang="en-US" altLang="zh-CN" dirty="0"/>
+              <a:t>How to simplify the call code</a:t>
+            </a:r>
+            <a:endParaRPr lang="zh-CN" altLang="en-US" dirty="0"/>
+          </a:p>
+        </p:txBody>
+      </p:sp>
+      <p:sp>
+        <p:nvSpPr>
+          <p:cNvPr id="3" name="文本占位符 2"/>
+          <p:cNvSpPr>
+            <a:spLocks noGrp="1"/>
+          </p:cNvSpPr>
+          <p:nvPr>
+            <p:ph type="body" sz="half" idx="2"/>
+          </p:nvPr>
+        </p:nvSpPr>
+        <p:spPr/>
+        <p:txBody>
+          <a:bodyPr/>
+          <a:lstStyle/>
+          <a:p>
+            <a:r>
+              <a:rPr lang="en-US" altLang="zh-CN" dirty="0"/>
+              <a:t>template &lt;</a:t>
+            </a:r>
+            <a:r>
+              <a:rPr lang="en-US" altLang="zh-CN" dirty="0" err="1"/>
+              <a:t>typename</a:t>
+            </a:r>
+            <a:r>
+              <a:rPr lang="en-US" altLang="zh-CN" dirty="0"/>
+              <a:t> F, </a:t>
+            </a:r>
+            <a:r>
+              <a:rPr lang="en-US" altLang="zh-CN" dirty="0" err="1"/>
+              <a:t>typename</a:t>
+            </a:r>
+            <a:r>
+              <a:rPr lang="en-US" altLang="zh-CN" dirty="0"/>
+              <a:t> Arg0, </a:t>
+            </a:r>
+            <a:r>
+              <a:rPr lang="en-US" altLang="zh-CN" dirty="0" err="1"/>
+              <a:t>typename</a:t>
+            </a:r>
+            <a:r>
+              <a:rPr lang="en-US" altLang="zh-CN" dirty="0"/>
+              <a:t> ... </a:t>
+            </a:r>
+            <a:r>
+              <a:rPr lang="en-US" altLang="zh-CN" dirty="0" err="1"/>
+              <a:t>Args</a:t>
+            </a:r>
+            <a:r>
+              <a:rPr lang="en-US" altLang="zh-CN" dirty="0"/>
+              <a:t>&gt;</a:t>
+            </a:r>
+          </a:p>
+          <a:p>
+            <a:r>
+              <a:rPr lang="en-US" altLang="zh-CN" dirty="0"/>
+              <a:t>auto </a:t>
+            </a:r>
+            <a:r>
+              <a:rPr lang="en-US" altLang="zh-CN" dirty="0" err="1" smtClean="0"/>
+              <a:t>bind_impl</a:t>
+            </a:r>
+            <a:r>
+              <a:rPr lang="en-US" altLang="zh-CN" dirty="0" smtClean="0"/>
+              <a:t>(F</a:t>
+            </a:r>
+            <a:r>
+              <a:rPr lang="en-US" altLang="zh-CN" dirty="0"/>
+              <a:t>&amp;&amp; f, Arg0&amp;&amp; arg0, </a:t>
+            </a:r>
+            <a:r>
+              <a:rPr lang="en-US" altLang="zh-CN" dirty="0" err="1"/>
+              <a:t>Args</a:t>
+            </a:r>
+            <a:r>
+              <a:rPr lang="en-US" altLang="zh-CN" dirty="0"/>
+              <a:t>&amp;&amp; ... </a:t>
+            </a:r>
+            <a:r>
+              <a:rPr lang="en-US" altLang="zh-CN" dirty="0" err="1"/>
+              <a:t>args</a:t>
+            </a:r>
+            <a:r>
+              <a:rPr lang="en-US" altLang="zh-CN" dirty="0"/>
+              <a:t>)</a:t>
+            </a:r>
+          </a:p>
+          <a:p>
+            <a:r>
+              <a:rPr lang="en-US" altLang="zh-CN" dirty="0"/>
+              <a:t>-&gt; </a:t>
+            </a:r>
+            <a:r>
+              <a:rPr lang="en-US" altLang="zh-CN" dirty="0" err="1"/>
+              <a:t>typename</a:t>
+            </a:r>
+            <a:r>
+              <a:rPr lang="en-US" altLang="zh-CN" dirty="0"/>
+              <a:t> </a:t>
+            </a:r>
+            <a:r>
+              <a:rPr lang="en-US" altLang="zh-CN" dirty="0" err="1"/>
+              <a:t>bind_to_function</a:t>
+            </a:r>
+            <a:r>
+              <a:rPr lang="en-US" altLang="zh-CN" dirty="0"/>
+              <a:t>&lt;F, Arg0, </a:t>
+            </a:r>
+            <a:r>
+              <a:rPr lang="en-US" altLang="zh-CN" dirty="0" err="1"/>
+              <a:t>Args</a:t>
+            </a:r>
+            <a:r>
+              <a:rPr lang="en-US" altLang="zh-CN" dirty="0"/>
+              <a:t>...&gt;::type</a:t>
+            </a:r>
+          </a:p>
+          <a:p>
+            <a:r>
+              <a:rPr lang="en-US" altLang="zh-CN" dirty="0"/>
+              <a:t>{</a:t>
+            </a:r>
+          </a:p>
+          <a:p>
+            <a:r>
+              <a:rPr lang="en-US" altLang="zh-CN" dirty="0" smtClean="0"/>
+              <a:t>    return </a:t>
+            </a:r>
+            <a:r>
+              <a:rPr lang="en-US" altLang="zh-CN" dirty="0" err="1"/>
+              <a:t>std</a:t>
+            </a:r>
+            <a:r>
+              <a:rPr lang="en-US" altLang="zh-CN" dirty="0"/>
+              <a:t>::bind(</a:t>
+            </a:r>
+            <a:r>
+              <a:rPr lang="en-US" altLang="zh-CN" dirty="0" err="1"/>
+              <a:t>std</a:t>
+            </a:r>
+            <a:r>
+              <a:rPr lang="en-US" altLang="zh-CN" dirty="0"/>
+              <a:t>::forward&lt;F&gt;(f), </a:t>
+            </a:r>
+            <a:r>
+              <a:rPr lang="en-US" altLang="zh-CN" dirty="0" err="1"/>
+              <a:t>std</a:t>
+            </a:r>
+            <a:r>
+              <a:rPr lang="en-US" altLang="zh-CN" dirty="0"/>
+              <a:t>::forward&lt;Arg0&gt;(arg0), </a:t>
+            </a:r>
+            <a:r>
+              <a:rPr lang="en-US" altLang="zh-CN" dirty="0" smtClean="0"/>
+              <a:t>      </a:t>
+            </a:r>
+            <a:r>
+              <a:rPr lang="en-US" altLang="zh-CN" dirty="0" err="1" smtClean="0"/>
+              <a:t>std</a:t>
+            </a:r>
+            <a:r>
+              <a:rPr lang="en-US" altLang="zh-CN" dirty="0"/>
+              <a:t>::forward&lt;</a:t>
+            </a:r>
+            <a:r>
+              <a:rPr lang="en-US" altLang="zh-CN" dirty="0" err="1"/>
+              <a:t>Args</a:t>
+            </a:r>
+            <a:r>
+              <a:rPr lang="en-US" altLang="zh-CN" dirty="0"/>
+              <a:t>&gt;(</a:t>
+            </a:r>
+            <a:r>
+              <a:rPr lang="en-US" altLang="zh-CN" dirty="0" err="1"/>
+              <a:t>args</a:t>
+            </a:r>
+            <a:r>
+              <a:rPr lang="en-US" altLang="zh-CN" dirty="0"/>
+              <a:t>)...);</a:t>
+            </a:r>
+          </a:p>
+          <a:p>
+            <a:r>
+              <a:rPr lang="en-US" altLang="zh-CN" dirty="0"/>
+              <a:t>}</a:t>
+            </a:r>
+          </a:p>
+          <a:p>
+            <a:endParaRPr lang="zh-CN" altLang="en-US" dirty="0"/>
+          </a:p>
+          <a:p>
+            <a:r>
+              <a:rPr lang="en-US" altLang="zh-CN" dirty="0"/>
+              <a:t>template &lt;</a:t>
+            </a:r>
+            <a:r>
+              <a:rPr lang="en-US" altLang="zh-CN" dirty="0" err="1"/>
+              <a:t>typename</a:t>
+            </a:r>
+            <a:r>
+              <a:rPr lang="en-US" altLang="zh-CN" dirty="0"/>
+              <a:t> F&gt;</a:t>
+            </a:r>
+          </a:p>
+          <a:p>
+            <a:r>
+              <a:rPr lang="en-US" altLang="zh-CN" dirty="0"/>
+              <a:t>auto </a:t>
+            </a:r>
+            <a:r>
+              <a:rPr lang="en-US" altLang="zh-CN" dirty="0" err="1" smtClean="0"/>
+              <a:t>bind_impl</a:t>
+            </a:r>
+            <a:r>
+              <a:rPr lang="en-US" altLang="zh-CN" dirty="0" smtClean="0"/>
+              <a:t>(F</a:t>
+            </a:r>
+            <a:r>
+              <a:rPr lang="en-US" altLang="zh-CN" dirty="0"/>
+              <a:t>&amp;&amp; f</a:t>
+            </a:r>
+            <a:r>
+              <a:rPr lang="en-US" altLang="zh-CN" dirty="0" smtClean="0"/>
+              <a:t>) -&gt; </a:t>
+            </a:r>
+            <a:r>
+              <a:rPr lang="en-US" altLang="zh-CN" dirty="0" err="1"/>
+              <a:t>typename</a:t>
+            </a:r>
+            <a:r>
+              <a:rPr lang="en-US" altLang="zh-CN" dirty="0"/>
+              <a:t> </a:t>
+            </a:r>
+            <a:r>
+              <a:rPr lang="en-US" altLang="zh-CN" dirty="0" err="1"/>
+              <a:t>function_traits</a:t>
+            </a:r>
+            <a:r>
+              <a:rPr lang="en-US" altLang="zh-CN" dirty="0"/>
+              <a:t>&lt;F&gt;::</a:t>
+            </a:r>
+            <a:r>
+              <a:rPr lang="en-US" altLang="zh-CN" dirty="0" err="1"/>
+              <a:t>stl_function_type</a:t>
+            </a:r>
+            <a:endParaRPr lang="en-US" altLang="zh-CN" dirty="0"/>
+          </a:p>
+          <a:p>
+            <a:r>
+              <a:rPr lang="en-US" altLang="zh-CN" dirty="0"/>
+              <a:t>{</a:t>
+            </a:r>
+          </a:p>
+          <a:p>
+            <a:r>
+              <a:rPr lang="en-US" altLang="zh-CN" dirty="0" smtClean="0"/>
+              <a:t>    return </a:t>
+            </a:r>
+            <a:r>
+              <a:rPr lang="en-US" altLang="zh-CN" dirty="0"/>
+              <a:t>[</a:t>
+            </a:r>
+            <a:r>
+              <a:rPr lang="en-US" altLang="zh-CN" dirty="0" err="1"/>
+              <a:t>func</a:t>
+            </a:r>
+            <a:r>
+              <a:rPr lang="en-US" altLang="zh-CN" dirty="0"/>
+              <a:t> = </a:t>
+            </a:r>
+            <a:r>
+              <a:rPr lang="en-US" altLang="zh-CN" dirty="0" err="1"/>
+              <a:t>std</a:t>
+            </a:r>
+            <a:r>
+              <a:rPr lang="en-US" altLang="zh-CN" dirty="0"/>
+              <a:t>::forward&lt;F&gt;(f)](auto&amp;&amp; ... </a:t>
+            </a:r>
+            <a:r>
+              <a:rPr lang="en-US" altLang="zh-CN" dirty="0" err="1"/>
+              <a:t>args</a:t>
+            </a:r>
+            <a:r>
+              <a:rPr lang="en-US" altLang="zh-CN" dirty="0" smtClean="0"/>
+              <a:t>){ </a:t>
+            </a:r>
+          </a:p>
+          <a:p>
+            <a:r>
+              <a:rPr lang="en-US" altLang="zh-CN" dirty="0" smtClean="0"/>
+              <a:t>        return </a:t>
+            </a:r>
+            <a:r>
+              <a:rPr lang="en-US" altLang="zh-CN" dirty="0" err="1"/>
+              <a:t>func</a:t>
+            </a:r>
+            <a:r>
+              <a:rPr lang="en-US" altLang="zh-CN" dirty="0"/>
+              <a:t>(</a:t>
+            </a:r>
+            <a:r>
+              <a:rPr lang="en-US" altLang="zh-CN" dirty="0" err="1"/>
+              <a:t>std</a:t>
+            </a:r>
+            <a:r>
+              <a:rPr lang="en-US" altLang="zh-CN" dirty="0"/>
+              <a:t>::forward&lt;</a:t>
+            </a:r>
+            <a:r>
+              <a:rPr lang="en-US" altLang="zh-CN" dirty="0" err="1"/>
+              <a:t>decltype</a:t>
+            </a:r>
+            <a:r>
+              <a:rPr lang="en-US" altLang="zh-CN" dirty="0"/>
+              <a:t>(</a:t>
+            </a:r>
+            <a:r>
+              <a:rPr lang="en-US" altLang="zh-CN" dirty="0" err="1"/>
+              <a:t>args</a:t>
+            </a:r>
+            <a:r>
+              <a:rPr lang="en-US" altLang="zh-CN" dirty="0"/>
+              <a:t>)&gt;(</a:t>
+            </a:r>
+            <a:r>
+              <a:rPr lang="en-US" altLang="zh-CN" dirty="0" err="1"/>
+              <a:t>args</a:t>
+            </a:r>
+            <a:r>
+              <a:rPr lang="en-US" altLang="zh-CN" dirty="0"/>
+              <a:t>)...); </a:t>
+            </a:r>
+            <a:endParaRPr lang="en-US" altLang="zh-CN" dirty="0" smtClean="0"/>
+          </a:p>
+          <a:p>
+            <a:r>
+              <a:rPr lang="en-US" altLang="zh-CN" dirty="0" smtClean="0"/>
+              <a:t>    };</a:t>
+            </a:r>
+            <a:endParaRPr lang="en-US" altLang="zh-CN" dirty="0"/>
+          </a:p>
+          <a:p>
+            <a:r>
+              <a:rPr lang="en-US" altLang="zh-CN" dirty="0"/>
+              <a:t>}</a:t>
+            </a:r>
+            <a:endParaRPr lang="zh-CN" altLang="en-US" dirty="0"/>
+          </a:p>
+        </p:txBody>
+      </p:sp>
+    </p:spTree>
+    <p:extLst>
+      <p:ext uri="{BB962C8B-B14F-4D97-AF65-F5344CB8AC3E}">
+        <p14:creationId xmlns:p14="http://schemas.microsoft.com/office/powerpoint/2010/main" val="3828534711"/>
       </p:ext>
     </p:extLst>
   </p:cSld>
@@ -17316,7 +18590,7 @@
 </p:sld>
 </file>
 
-<file path=ppt/slides/slide26.xml><?xml version="1.0" encoding="utf-8"?>
+<file path=ppt/slides/slide27.xml><?xml version="1.0" encoding="utf-8"?>
 <p:sld xmlns:a="http://schemas.openxmlformats.org/drawingml/2006/main" xmlns:r="http://schemas.openxmlformats.org/officeDocument/2006/relationships" xmlns:p="http://schemas.openxmlformats.org/presentationml/2006/main">
   <p:cSld>
     <p:spTree>
@@ -18201,1915 +19475,6 @@
 </p:sld>
 </file>
 
-<file path=ppt/slides/slide27.xml><?xml version="1.0" encoding="utf-8"?>
-<p:sld xmlns:a="http://schemas.openxmlformats.org/drawingml/2006/main" xmlns:r="http://schemas.openxmlformats.org/officeDocument/2006/relationships" xmlns:p="http://schemas.openxmlformats.org/presentationml/2006/main">
-  <p:cSld>
-    <p:spTree>
-      <p:nvGrpSpPr>
-        <p:cNvPr id="1" name=""/>
-        <p:cNvGrpSpPr/>
-        <p:nvPr/>
-      </p:nvGrpSpPr>
-      <p:grpSpPr>
-        <a:xfrm>
-          <a:off x="0" y="0"/>
-          <a:ext cx="0" cy="0"/>
-          <a:chOff x="0" y="0"/>
-          <a:chExt cx="0" cy="0"/>
-        </a:xfrm>
-      </p:grpSpPr>
-      <p:sp>
-        <p:nvSpPr>
-          <p:cNvPr id="2" name="Title 1"/>
-          <p:cNvSpPr>
-            <a:spLocks noGrp="1"/>
-          </p:cNvSpPr>
-          <p:nvPr>
-            <p:ph type="title"/>
-          </p:nvPr>
-        </p:nvSpPr>
-        <p:spPr/>
-        <p:txBody>
-          <a:bodyPr/>
-          <a:lstStyle/>
-          <a:p>
-            <a:r>
-              <a:rPr lang="en-US" altLang="zh-CN" dirty="0"/>
-              <a:t>Flexible</a:t>
-            </a:r>
-            <a:endParaRPr lang="zh-CN" altLang="en-US" dirty="0"/>
-          </a:p>
-        </p:txBody>
-      </p:sp>
-      <p:sp>
-        <p:nvSpPr>
-          <p:cNvPr id="3" name="Text Placeholder 2"/>
-          <p:cNvSpPr>
-            <a:spLocks noGrp="1"/>
-          </p:cNvSpPr>
-          <p:nvPr>
-            <p:ph type="body" sz="half" idx="2"/>
-          </p:nvPr>
-        </p:nvSpPr>
-        <p:spPr/>
-        <p:txBody>
-          <a:bodyPr/>
-          <a:lstStyle/>
-          <a:p>
-            <a:r>
-              <a:rPr lang="en-US" altLang="zh-CN" dirty="0" err="1" smtClean="0"/>
-              <a:t>server.register_handler</a:t>
-            </a:r>
-            <a:r>
-              <a:rPr lang="en-US" altLang="zh-CN" dirty="0" smtClean="0"/>
-              <a:t>("</a:t>
-            </a:r>
-            <a:r>
-              <a:rPr lang="en-US" altLang="zh-CN" dirty="0" err="1" smtClean="0"/>
-              <a:t>foo_add</a:t>
-            </a:r>
-            <a:r>
-              <a:rPr lang="en-US" altLang="zh-CN" dirty="0" smtClean="0"/>
-              <a:t>", </a:t>
-            </a:r>
-            <a:r>
-              <a:rPr lang="en-US" altLang="zh-CN" dirty="0" err="1" smtClean="0"/>
-              <a:t>timax</a:t>
-            </a:r>
-            <a:r>
-              <a:rPr lang="en-US" altLang="zh-CN" dirty="0" smtClean="0"/>
-              <a:t>::bind(&amp;client::foo::add, &amp;foo));</a:t>
-            </a:r>
-          </a:p>
-          <a:p>
-            <a:r>
-              <a:rPr lang="en-US" altLang="zh-CN" dirty="0" err="1" smtClean="0"/>
-              <a:t>timax</a:t>
-            </a:r>
-            <a:r>
-              <a:rPr lang="en-US" altLang="zh-CN" dirty="0" smtClean="0"/>
-              <a:t>::bind</a:t>
-            </a:r>
-            <a:r>
-              <a:rPr lang="zh-CN" altLang="en-US" dirty="0" smtClean="0"/>
-              <a:t> </a:t>
-            </a:r>
-            <a:r>
-              <a:rPr lang="en-US" altLang="zh-CN" dirty="0" smtClean="0"/>
-              <a:t>support object, smart pointer, raw pointer, placeholders</a:t>
-            </a:r>
-          </a:p>
-          <a:p>
-            <a:endParaRPr lang="en-US" altLang="zh-CN" dirty="0" smtClean="0"/>
-          </a:p>
-          <a:p>
-            <a:r>
-              <a:rPr lang="en-US" altLang="zh-CN" dirty="0" smtClean="0"/>
-              <a:t>foo </a:t>
-            </a:r>
-            <a:r>
-              <a:rPr lang="en-US" altLang="zh-CN" dirty="0"/>
-              <a:t>f;                                                          </a:t>
-            </a:r>
-            <a:r>
-              <a:rPr lang="en-US" altLang="zh-CN" dirty="0" smtClean="0"/>
-              <a:t>		  // normal</a:t>
-            </a:r>
-            <a:r>
-              <a:rPr lang="zh-CN" altLang="en-US" dirty="0" smtClean="0"/>
-              <a:t> </a:t>
-            </a:r>
-            <a:r>
-              <a:rPr lang="en-US" altLang="zh-CN" dirty="0" smtClean="0"/>
-              <a:t>object</a:t>
-            </a:r>
-            <a:endParaRPr lang="zh-CN" altLang="en-US" dirty="0"/>
-          </a:p>
-          <a:p>
-            <a:r>
-              <a:rPr lang="en-US" altLang="zh-CN" dirty="0"/>
-              <a:t>auto </a:t>
-            </a:r>
-            <a:r>
-              <a:rPr lang="en-US" altLang="zh-CN" dirty="0" err="1"/>
-              <a:t>f_ptr</a:t>
-            </a:r>
-            <a:r>
-              <a:rPr lang="en-US" altLang="zh-CN" dirty="0"/>
-              <a:t> = </a:t>
-            </a:r>
-            <a:r>
-              <a:rPr lang="en-US" altLang="zh-CN" dirty="0" err="1"/>
-              <a:t>std</a:t>
-            </a:r>
-            <a:r>
-              <a:rPr lang="en-US" altLang="zh-CN" dirty="0"/>
-              <a:t>::</a:t>
-            </a:r>
-            <a:r>
-              <a:rPr lang="en-US" altLang="zh-CN" dirty="0" err="1"/>
-              <a:t>make_shared</a:t>
-            </a:r>
-            <a:r>
-              <a:rPr lang="en-US" altLang="zh-CN" dirty="0"/>
-              <a:t>&lt;foo&gt;();                           </a:t>
-            </a:r>
-            <a:r>
-              <a:rPr lang="en-US" altLang="zh-CN" dirty="0" smtClean="0"/>
-              <a:t>     // smart pointer</a:t>
-            </a:r>
-            <a:endParaRPr lang="zh-CN" altLang="en-US" dirty="0"/>
-          </a:p>
-          <a:p>
-            <a:r>
-              <a:rPr lang="en-US" altLang="zh-CN" dirty="0"/>
-              <a:t>auto </a:t>
-            </a:r>
-            <a:r>
-              <a:rPr lang="en-US" altLang="zh-CN" dirty="0" err="1"/>
-              <a:t>f_raw</a:t>
-            </a:r>
-            <a:r>
-              <a:rPr lang="en-US" altLang="zh-CN" dirty="0"/>
-              <a:t> = new foo;                                           </a:t>
-            </a:r>
-            <a:r>
-              <a:rPr lang="en-US" altLang="zh-CN" dirty="0" smtClean="0"/>
-              <a:t>	  // raw pointer</a:t>
-            </a:r>
-            <a:endParaRPr lang="zh-CN" altLang="en-US" dirty="0"/>
-          </a:p>
-          <a:p>
-            <a:r>
-              <a:rPr lang="zh-CN" altLang="en-US" dirty="0"/>
-              <a:t> </a:t>
-            </a:r>
-          </a:p>
-          <a:p>
-            <a:r>
-              <a:rPr lang="en-US" altLang="zh-CN" dirty="0"/>
-              <a:t>auto bind_1 = </a:t>
-            </a:r>
-            <a:r>
-              <a:rPr lang="en-US" altLang="zh-CN" dirty="0" err="1"/>
-              <a:t>timax</a:t>
-            </a:r>
-            <a:r>
-              <a:rPr lang="en-US" altLang="zh-CN" dirty="0"/>
-              <a:t>::bind(&amp;client::foo::add, f, 1, 2);          </a:t>
-            </a:r>
-            <a:r>
-              <a:rPr lang="en-US" altLang="zh-CN" dirty="0" smtClean="0"/>
-              <a:t>  </a:t>
-            </a:r>
-            <a:endParaRPr lang="zh-CN" altLang="en-US" dirty="0"/>
-          </a:p>
-          <a:p>
-            <a:r>
-              <a:rPr lang="en-US" altLang="zh-CN" dirty="0"/>
-              <a:t>auto bind_2 = </a:t>
-            </a:r>
-            <a:r>
-              <a:rPr lang="en-US" altLang="zh-CN" dirty="0" err="1"/>
-              <a:t>timax</a:t>
-            </a:r>
-            <a:r>
-              <a:rPr lang="en-US" altLang="zh-CN" dirty="0"/>
-              <a:t>::bind(&amp;client::foo::add, </a:t>
-            </a:r>
-            <a:r>
-              <a:rPr lang="en-US" altLang="zh-CN" dirty="0" err="1"/>
-              <a:t>f_ptr</a:t>
-            </a:r>
-            <a:r>
-              <a:rPr lang="en-US" altLang="zh-CN" dirty="0"/>
-              <a:t>, 2, 3);      </a:t>
-            </a:r>
-            <a:endParaRPr lang="zh-CN" altLang="en-US" dirty="0"/>
-          </a:p>
-          <a:p>
-            <a:r>
-              <a:rPr lang="en-US" altLang="zh-CN" dirty="0"/>
-              <a:t>auto bind_3 = </a:t>
-            </a:r>
-            <a:r>
-              <a:rPr lang="en-US" altLang="zh-CN" dirty="0" err="1"/>
-              <a:t>timax</a:t>
-            </a:r>
-            <a:r>
-              <a:rPr lang="en-US" altLang="zh-CN" dirty="0"/>
-              <a:t>::bind(&amp;client::foo::add, </a:t>
-            </a:r>
-            <a:r>
-              <a:rPr lang="en-US" altLang="zh-CN" dirty="0" err="1"/>
-              <a:t>f_raw</a:t>
-            </a:r>
-            <a:r>
-              <a:rPr lang="en-US" altLang="zh-CN" dirty="0"/>
-              <a:t>, 3, 5);     </a:t>
-            </a:r>
-            <a:endParaRPr lang="zh-CN" altLang="en-US" dirty="0"/>
-          </a:p>
-          <a:p>
-            <a:r>
-              <a:rPr lang="en-US" altLang="zh-CN" dirty="0" smtClean="0"/>
-              <a:t>auto </a:t>
-            </a:r>
-            <a:r>
-              <a:rPr lang="en-US" altLang="zh-CN" dirty="0"/>
-              <a:t>bind_5 = </a:t>
-            </a:r>
-            <a:r>
-              <a:rPr lang="en-US" altLang="zh-CN" dirty="0" err="1"/>
-              <a:t>timax</a:t>
-            </a:r>
-            <a:r>
-              <a:rPr lang="en-US" altLang="zh-CN" dirty="0"/>
-              <a:t>::bind(&amp;client::foo::add, </a:t>
-            </a:r>
-            <a:r>
-              <a:rPr lang="en-US" altLang="zh-CN" dirty="0" err="1"/>
-              <a:t>f_raw</a:t>
-            </a:r>
-            <a:r>
-              <a:rPr lang="en-US" altLang="zh-CN" dirty="0"/>
-              <a:t>, _1, _2);  </a:t>
-            </a:r>
-            <a:r>
-              <a:rPr lang="en-US" altLang="zh-CN" dirty="0" smtClean="0"/>
-              <a:t>// bind</a:t>
-            </a:r>
-            <a:r>
-              <a:rPr lang="zh-CN" altLang="en-US" dirty="0" smtClean="0"/>
-              <a:t> </a:t>
-            </a:r>
-            <a:r>
-              <a:rPr lang="en-US" altLang="zh-CN" dirty="0" smtClean="0"/>
-              <a:t>with</a:t>
-            </a:r>
-            <a:r>
-              <a:rPr lang="en-US" altLang="zh-CN" dirty="0"/>
-              <a:t> placeholders</a:t>
-            </a:r>
-            <a:endParaRPr lang="zh-CN" altLang="en-US" dirty="0"/>
-          </a:p>
-          <a:p>
-            <a:r>
-              <a:rPr lang="en-US" altLang="zh-CN" dirty="0"/>
-              <a:t>auto bind_6 = </a:t>
-            </a:r>
-            <a:r>
-              <a:rPr lang="en-US" altLang="zh-CN" dirty="0" err="1"/>
-              <a:t>timax</a:t>
-            </a:r>
-            <a:r>
-              <a:rPr lang="en-US" altLang="zh-CN" dirty="0"/>
-              <a:t>::bind(&amp;client::foo::add, f);   </a:t>
-            </a:r>
-            <a:r>
-              <a:rPr lang="en-US" altLang="zh-CN" dirty="0" smtClean="0"/>
-              <a:t>//</a:t>
-            </a:r>
-            <a:r>
-              <a:rPr lang="en-US" altLang="zh-CN" dirty="0" smtClean="0">
-                <a:solidFill>
-                  <a:srgbClr val="FF0000"/>
-                </a:solidFill>
-              </a:rPr>
-              <a:t>bind</a:t>
-            </a:r>
-            <a:r>
-              <a:rPr lang="zh-CN" altLang="en-US" dirty="0" smtClean="0">
-                <a:solidFill>
-                  <a:srgbClr val="FF0000"/>
-                </a:solidFill>
-              </a:rPr>
-              <a:t> </a:t>
-            </a:r>
-            <a:r>
-              <a:rPr lang="en-US" altLang="zh-CN" dirty="0" smtClean="0">
-                <a:solidFill>
-                  <a:srgbClr val="FF0000"/>
-                </a:solidFill>
-              </a:rPr>
-              <a:t>without anything, clean code</a:t>
-            </a:r>
-            <a:endParaRPr lang="en-US" altLang="zh-CN" dirty="0">
-              <a:solidFill>
-                <a:srgbClr val="FF0000"/>
-              </a:solidFill>
-            </a:endParaRPr>
-          </a:p>
-          <a:p>
-            <a:endParaRPr lang="zh-CN" altLang="en-US" dirty="0"/>
-          </a:p>
-        </p:txBody>
-      </p:sp>
-      <p:sp>
-        <p:nvSpPr>
-          <p:cNvPr id="4" name="Rectangle 3"/>
-          <p:cNvSpPr/>
-          <p:nvPr/>
-        </p:nvSpPr>
-        <p:spPr>
-          <a:xfrm>
-            <a:off x="2256791" y="5310879"/>
-            <a:ext cx="5378395" cy="369332"/>
-          </a:xfrm>
-          <a:prstGeom prst="rect">
-            <a:avLst/>
-          </a:prstGeom>
-        </p:spPr>
-        <p:txBody>
-          <a:bodyPr wrap="none">
-            <a:spAutoFit/>
-          </a:bodyPr>
-          <a:lstStyle/>
-          <a:p>
-            <a:r>
-              <a:rPr lang="en-US" altLang="zh-CN" b="1" dirty="0">
-                <a:solidFill>
-                  <a:srgbClr val="2B2B2B"/>
-                </a:solidFill>
-                <a:latin typeface="arial" panose="020B0604020202020204" pitchFamily="34" charset="0"/>
-              </a:rPr>
-              <a:t>Much </a:t>
-            </a:r>
-            <a:r>
-              <a:rPr lang="en-US" altLang="zh-CN" b="1" dirty="0" smtClean="0">
-                <a:solidFill>
-                  <a:srgbClr val="2B2B2B"/>
-                </a:solidFill>
-                <a:latin typeface="arial" panose="020B0604020202020204" pitchFamily="34" charset="0"/>
-              </a:rPr>
-              <a:t>more flexible and </a:t>
-            </a:r>
-            <a:r>
-              <a:rPr lang="en-US" altLang="zh-CN" b="1" dirty="0">
-                <a:solidFill>
-                  <a:srgbClr val="2B2B2B"/>
-                </a:solidFill>
-                <a:latin typeface="arial" panose="020B0604020202020204" pitchFamily="34" charset="0"/>
-              </a:rPr>
-              <a:t>powerful than </a:t>
-            </a:r>
-            <a:r>
-              <a:rPr lang="en-US" altLang="zh-CN" b="1" dirty="0" err="1" smtClean="0">
-                <a:solidFill>
-                  <a:srgbClr val="2B2B2B"/>
-                </a:solidFill>
-                <a:latin typeface="arial" panose="020B0604020202020204" pitchFamily="34" charset="0"/>
-              </a:rPr>
-              <a:t>std</a:t>
-            </a:r>
-            <a:r>
-              <a:rPr lang="en-US" altLang="zh-CN" b="1" dirty="0" smtClean="0">
-                <a:solidFill>
-                  <a:srgbClr val="2B2B2B"/>
-                </a:solidFill>
-                <a:latin typeface="arial" panose="020B0604020202020204" pitchFamily="34" charset="0"/>
-              </a:rPr>
-              <a:t>::bind</a:t>
-            </a:r>
-            <a:endParaRPr lang="zh-CN" altLang="en-US" dirty="0"/>
-          </a:p>
-        </p:txBody>
-      </p:sp>
-      <p:sp>
-        <p:nvSpPr>
-          <p:cNvPr id="5" name="Rectangle 4"/>
-          <p:cNvSpPr/>
-          <p:nvPr/>
-        </p:nvSpPr>
-        <p:spPr>
-          <a:xfrm>
-            <a:off x="2189810" y="5740777"/>
-            <a:ext cx="4797467" cy="369332"/>
-          </a:xfrm>
-          <a:prstGeom prst="rect">
-            <a:avLst/>
-          </a:prstGeom>
-        </p:spPr>
-        <p:txBody>
-          <a:bodyPr wrap="none">
-            <a:spAutoFit/>
-          </a:bodyPr>
-          <a:lstStyle/>
-          <a:p>
-            <a:r>
-              <a:rPr lang="zh-CN" altLang="en-US" dirty="0"/>
-              <a:t> </a:t>
-            </a:r>
-            <a:r>
-              <a:rPr lang="en-US" altLang="zh-CN" dirty="0" smtClean="0">
-                <a:solidFill>
-                  <a:srgbClr val="FF0000"/>
-                </a:solidFill>
-              </a:rPr>
-              <a:t>B</a:t>
-            </a:r>
-            <a:r>
-              <a:rPr lang="zh-CN" altLang="en-US" dirty="0" smtClean="0">
-                <a:solidFill>
-                  <a:srgbClr val="FF0000"/>
-                </a:solidFill>
-              </a:rPr>
-              <a:t>ehind </a:t>
-            </a:r>
-            <a:r>
-              <a:rPr lang="en-US" altLang="zh-CN" dirty="0" smtClean="0">
-                <a:solidFill>
-                  <a:srgbClr val="FF0000"/>
-                </a:solidFill>
-              </a:rPr>
-              <a:t>t</a:t>
-            </a:r>
-            <a:r>
-              <a:rPr lang="zh-CN" altLang="en-US" dirty="0" smtClean="0">
-                <a:solidFill>
-                  <a:srgbClr val="FF0000"/>
-                </a:solidFill>
-              </a:rPr>
-              <a:t>he flexibility </a:t>
-            </a:r>
-            <a:r>
-              <a:rPr lang="en-US" altLang="zh-CN" dirty="0" smtClean="0">
-                <a:solidFill>
-                  <a:srgbClr val="FF0000"/>
-                </a:solidFill>
-              </a:rPr>
-              <a:t>is template meta program</a:t>
-            </a:r>
-            <a:endParaRPr lang="zh-CN" altLang="en-US" dirty="0">
-              <a:solidFill>
-                <a:srgbClr val="FF0000"/>
-              </a:solidFill>
-            </a:endParaRPr>
-          </a:p>
-        </p:txBody>
-      </p:sp>
-    </p:spTree>
-    <p:extLst>
-      <p:ext uri="{BB962C8B-B14F-4D97-AF65-F5344CB8AC3E}">
-        <p14:creationId xmlns:p14="http://schemas.microsoft.com/office/powerpoint/2010/main" val="3727352541"/>
-      </p:ext>
-    </p:extLst>
-  </p:cSld>
-  <p:clrMapOvr>
-    <a:masterClrMapping/>
-  </p:clrMapOvr>
-  <p:timing>
-    <p:tnLst>
-      <p:par>
-        <p:cTn id="1" dur="indefinite" restart="never" nodeType="tmRoot">
-          <p:childTnLst>
-            <p:seq concurrent="1" nextAc="seek">
-              <p:cTn id="2" dur="indefinite" nodeType="mainSeq">
-                <p:childTnLst>
-                  <p:par>
-                    <p:cTn id="3" fill="hold">
-                      <p:stCondLst>
-                        <p:cond delay="indefinite"/>
-                      </p:stCondLst>
-                      <p:childTnLst>
-                        <p:par>
-                          <p:cTn id="4" fill="hold">
-                            <p:stCondLst>
-                              <p:cond delay="0"/>
-                            </p:stCondLst>
-                            <p:childTnLst>
-                              <p:par>
-                                <p:cTn id="5" presetID="26" presetClass="entr" presetSubtype="0" fill="hold" nodeType="clickEffect">
-                                  <p:stCondLst>
-                                    <p:cond delay="0"/>
-                                  </p:stCondLst>
-                                  <p:childTnLst>
-                                    <p:set>
-                                      <p:cBhvr>
-                                        <p:cTn id="6" dur="1" fill="hold">
-                                          <p:stCondLst>
-                                            <p:cond delay="0"/>
-                                          </p:stCondLst>
-                                        </p:cTn>
-                                        <p:tgtEl>
-                                          <p:spTgt spid="3">
-                                            <p:txEl>
-                                              <p:pRg st="1" end="1"/>
-                                            </p:txEl>
-                                          </p:spTgt>
-                                        </p:tgtEl>
-                                        <p:attrNameLst>
-                                          <p:attrName>style.visibility</p:attrName>
-                                        </p:attrNameLst>
-                                      </p:cBhvr>
-                                      <p:to>
-                                        <p:strVal val="visible"/>
-                                      </p:to>
-                                    </p:set>
-                                    <p:animEffect transition="in" filter="wipe(down)">
-                                      <p:cBhvr>
-                                        <p:cTn id="7" dur="580">
-                                          <p:stCondLst>
-                                            <p:cond delay="0"/>
-                                          </p:stCondLst>
-                                        </p:cTn>
-                                        <p:tgtEl>
-                                          <p:spTgt spid="3">
-                                            <p:txEl>
-                                              <p:pRg st="1" end="1"/>
-                                            </p:txEl>
-                                          </p:spTgt>
-                                        </p:tgtEl>
-                                      </p:cBhvr>
-                                    </p:animEffect>
-                                    <p:anim calcmode="lin" valueType="num">
-                                      <p:cBhvr>
-                                        <p:cTn id="8" dur="1822" tmFilter="0,0; 0.14,0.36; 0.43,0.73; 0.71,0.91; 1.0,1.0">
-                                          <p:stCondLst>
-                                            <p:cond delay="0"/>
-                                          </p:stCondLst>
-                                        </p:cTn>
-                                        <p:tgtEl>
-                                          <p:spTgt spid="3">
-                                            <p:txEl>
-                                              <p:pRg st="1" end="1"/>
-                                            </p:txEl>
-                                          </p:spTgt>
-                                        </p:tgtEl>
-                                        <p:attrNameLst>
-                                          <p:attrName>ppt_x</p:attrName>
-                                        </p:attrNameLst>
-                                      </p:cBhvr>
-                                      <p:tavLst>
-                                        <p:tav tm="0">
-                                          <p:val>
-                                            <p:strVal val="#ppt_x-0.25"/>
-                                          </p:val>
-                                        </p:tav>
-                                        <p:tav tm="100000">
-                                          <p:val>
-                                            <p:strVal val="#ppt_x"/>
-                                          </p:val>
-                                        </p:tav>
-                                      </p:tavLst>
-                                    </p:anim>
-                                    <p:anim calcmode="lin" valueType="num">
-                                      <p:cBhvr>
-                                        <p:cTn id="9" dur="664" tmFilter="0.0,0.0; 0.25,0.07; 0.50,0.2; 0.75,0.467; 1.0,1.0">
-                                          <p:stCondLst>
-                                            <p:cond delay="0"/>
-                                          </p:stCondLst>
-                                        </p:cTn>
-                                        <p:tgtEl>
-                                          <p:spTgt spid="3">
-                                            <p:txEl>
-                                              <p:pRg st="1" end="1"/>
-                                            </p:txEl>
-                                          </p:spTgt>
-                                        </p:tgtEl>
-                                        <p:attrNameLst>
-                                          <p:attrName>ppt_y</p:attrName>
-                                        </p:attrNameLst>
-                                      </p:cBhvr>
-                                      <p:tavLst>
-                                        <p:tav tm="0" fmla="#ppt_y-sin(pi*$)/3">
-                                          <p:val>
-                                            <p:fltVal val="0.5"/>
-                                          </p:val>
-                                        </p:tav>
-                                        <p:tav tm="100000">
-                                          <p:val>
-                                            <p:fltVal val="1"/>
-                                          </p:val>
-                                        </p:tav>
-                                      </p:tavLst>
-                                    </p:anim>
-                                    <p:anim calcmode="lin" valueType="num">
-                                      <p:cBhvr>
-                                        <p:cTn id="10" dur="664" tmFilter="0, 0; 0.125,0.2665; 0.25,0.4; 0.375,0.465; 0.5,0.5;  0.625,0.535; 0.75,0.6; 0.875,0.7335; 1,1">
-                                          <p:stCondLst>
-                                            <p:cond delay="664"/>
-                                          </p:stCondLst>
-                                        </p:cTn>
-                                        <p:tgtEl>
-                                          <p:spTgt spid="3">
-                                            <p:txEl>
-                                              <p:pRg st="1" end="1"/>
-                                            </p:txEl>
-                                          </p:spTgt>
-                                        </p:tgtEl>
-                                        <p:attrNameLst>
-                                          <p:attrName>ppt_y</p:attrName>
-                                        </p:attrNameLst>
-                                      </p:cBhvr>
-                                      <p:tavLst>
-                                        <p:tav tm="0" fmla="#ppt_y-sin(pi*$)/9">
-                                          <p:val>
-                                            <p:fltVal val="0"/>
-                                          </p:val>
-                                        </p:tav>
-                                        <p:tav tm="100000">
-                                          <p:val>
-                                            <p:fltVal val="1"/>
-                                          </p:val>
-                                        </p:tav>
-                                      </p:tavLst>
-                                    </p:anim>
-                                    <p:anim calcmode="lin" valueType="num">
-                                      <p:cBhvr>
-                                        <p:cTn id="11" dur="332" tmFilter="0, 0; 0.125,0.2665; 0.25,0.4; 0.375,0.465; 0.5,0.5;  0.625,0.535; 0.75,0.6; 0.875,0.7335; 1,1">
-                                          <p:stCondLst>
-                                            <p:cond delay="1324"/>
-                                          </p:stCondLst>
-                                        </p:cTn>
-                                        <p:tgtEl>
-                                          <p:spTgt spid="3">
-                                            <p:txEl>
-                                              <p:pRg st="1" end="1"/>
-                                            </p:txEl>
-                                          </p:spTgt>
-                                        </p:tgtEl>
-                                        <p:attrNameLst>
-                                          <p:attrName>ppt_y</p:attrName>
-                                        </p:attrNameLst>
-                                      </p:cBhvr>
-                                      <p:tavLst>
-                                        <p:tav tm="0" fmla="#ppt_y-sin(pi*$)/27">
-                                          <p:val>
-                                            <p:fltVal val="0"/>
-                                          </p:val>
-                                        </p:tav>
-                                        <p:tav tm="100000">
-                                          <p:val>
-                                            <p:fltVal val="1"/>
-                                          </p:val>
-                                        </p:tav>
-                                      </p:tavLst>
-                                    </p:anim>
-                                    <p:anim calcmode="lin" valueType="num">
-                                      <p:cBhvr>
-                                        <p:cTn id="12" dur="164" tmFilter="0, 0; 0.125,0.2665; 0.25,0.4; 0.375,0.465; 0.5,0.5;  0.625,0.535; 0.75,0.6; 0.875,0.7335; 1,1">
-                                          <p:stCondLst>
-                                            <p:cond delay="1656"/>
-                                          </p:stCondLst>
-                                        </p:cTn>
-                                        <p:tgtEl>
-                                          <p:spTgt spid="3">
-                                            <p:txEl>
-                                              <p:pRg st="1" end="1"/>
-                                            </p:txEl>
-                                          </p:spTgt>
-                                        </p:tgtEl>
-                                        <p:attrNameLst>
-                                          <p:attrName>ppt_y</p:attrName>
-                                        </p:attrNameLst>
-                                      </p:cBhvr>
-                                      <p:tavLst>
-                                        <p:tav tm="0" fmla="#ppt_y-sin(pi*$)/81">
-                                          <p:val>
-                                            <p:fltVal val="0"/>
-                                          </p:val>
-                                        </p:tav>
-                                        <p:tav tm="100000">
-                                          <p:val>
-                                            <p:fltVal val="1"/>
-                                          </p:val>
-                                        </p:tav>
-                                      </p:tavLst>
-                                    </p:anim>
-                                    <p:animScale>
-                                      <p:cBhvr>
-                                        <p:cTn id="13" dur="26">
-                                          <p:stCondLst>
-                                            <p:cond delay="650"/>
-                                          </p:stCondLst>
-                                        </p:cTn>
-                                        <p:tgtEl>
-                                          <p:spTgt spid="3">
-                                            <p:txEl>
-                                              <p:pRg st="1" end="1"/>
-                                            </p:txEl>
-                                          </p:spTgt>
-                                        </p:tgtEl>
-                                      </p:cBhvr>
-                                      <p:to x="100000" y="60000"/>
-                                    </p:animScale>
-                                    <p:animScale>
-                                      <p:cBhvr>
-                                        <p:cTn id="14" dur="166" decel="50000">
-                                          <p:stCondLst>
-                                            <p:cond delay="676"/>
-                                          </p:stCondLst>
-                                        </p:cTn>
-                                        <p:tgtEl>
-                                          <p:spTgt spid="3">
-                                            <p:txEl>
-                                              <p:pRg st="1" end="1"/>
-                                            </p:txEl>
-                                          </p:spTgt>
-                                        </p:tgtEl>
-                                      </p:cBhvr>
-                                      <p:to x="100000" y="100000"/>
-                                    </p:animScale>
-                                    <p:animScale>
-                                      <p:cBhvr>
-                                        <p:cTn id="15" dur="26">
-                                          <p:stCondLst>
-                                            <p:cond delay="1312"/>
-                                          </p:stCondLst>
-                                        </p:cTn>
-                                        <p:tgtEl>
-                                          <p:spTgt spid="3">
-                                            <p:txEl>
-                                              <p:pRg st="1" end="1"/>
-                                            </p:txEl>
-                                          </p:spTgt>
-                                        </p:tgtEl>
-                                      </p:cBhvr>
-                                      <p:to x="100000" y="80000"/>
-                                    </p:animScale>
-                                    <p:animScale>
-                                      <p:cBhvr>
-                                        <p:cTn id="16" dur="166" decel="50000">
-                                          <p:stCondLst>
-                                            <p:cond delay="1338"/>
-                                          </p:stCondLst>
-                                        </p:cTn>
-                                        <p:tgtEl>
-                                          <p:spTgt spid="3">
-                                            <p:txEl>
-                                              <p:pRg st="1" end="1"/>
-                                            </p:txEl>
-                                          </p:spTgt>
-                                        </p:tgtEl>
-                                      </p:cBhvr>
-                                      <p:to x="100000" y="100000"/>
-                                    </p:animScale>
-                                    <p:animScale>
-                                      <p:cBhvr>
-                                        <p:cTn id="17" dur="26">
-                                          <p:stCondLst>
-                                            <p:cond delay="1642"/>
-                                          </p:stCondLst>
-                                        </p:cTn>
-                                        <p:tgtEl>
-                                          <p:spTgt spid="3">
-                                            <p:txEl>
-                                              <p:pRg st="1" end="1"/>
-                                            </p:txEl>
-                                          </p:spTgt>
-                                        </p:tgtEl>
-                                      </p:cBhvr>
-                                      <p:to x="100000" y="90000"/>
-                                    </p:animScale>
-                                    <p:animScale>
-                                      <p:cBhvr>
-                                        <p:cTn id="18" dur="166" decel="50000">
-                                          <p:stCondLst>
-                                            <p:cond delay="1668"/>
-                                          </p:stCondLst>
-                                        </p:cTn>
-                                        <p:tgtEl>
-                                          <p:spTgt spid="3">
-                                            <p:txEl>
-                                              <p:pRg st="1" end="1"/>
-                                            </p:txEl>
-                                          </p:spTgt>
-                                        </p:tgtEl>
-                                      </p:cBhvr>
-                                      <p:to x="100000" y="100000"/>
-                                    </p:animScale>
-                                    <p:animScale>
-                                      <p:cBhvr>
-                                        <p:cTn id="19" dur="26">
-                                          <p:stCondLst>
-                                            <p:cond delay="1808"/>
-                                          </p:stCondLst>
-                                        </p:cTn>
-                                        <p:tgtEl>
-                                          <p:spTgt spid="3">
-                                            <p:txEl>
-                                              <p:pRg st="1" end="1"/>
-                                            </p:txEl>
-                                          </p:spTgt>
-                                        </p:tgtEl>
-                                      </p:cBhvr>
-                                      <p:to x="100000" y="95000"/>
-                                    </p:animScale>
-                                    <p:animScale>
-                                      <p:cBhvr>
-                                        <p:cTn id="20" dur="166" decel="50000">
-                                          <p:stCondLst>
-                                            <p:cond delay="1834"/>
-                                          </p:stCondLst>
-                                        </p:cTn>
-                                        <p:tgtEl>
-                                          <p:spTgt spid="3">
-                                            <p:txEl>
-                                              <p:pRg st="1" end="1"/>
-                                            </p:txEl>
-                                          </p:spTgt>
-                                        </p:tgtEl>
-                                      </p:cBhvr>
-                                      <p:to x="100000" y="100000"/>
-                                    </p:animScale>
-                                  </p:childTnLst>
-                                </p:cTn>
-                              </p:par>
-                            </p:childTnLst>
-                          </p:cTn>
-                        </p:par>
-                      </p:childTnLst>
-                    </p:cTn>
-                  </p:par>
-                  <p:par>
-                    <p:cTn id="21" fill="hold">
-                      <p:stCondLst>
-                        <p:cond delay="indefinite"/>
-                      </p:stCondLst>
-                      <p:childTnLst>
-                        <p:par>
-                          <p:cTn id="22" fill="hold">
-                            <p:stCondLst>
-                              <p:cond delay="0"/>
-                            </p:stCondLst>
-                            <p:childTnLst>
-                              <p:par>
-                                <p:cTn id="23" presetID="2" presetClass="entr" presetSubtype="4" fill="hold" nodeType="clickEffect">
-                                  <p:stCondLst>
-                                    <p:cond delay="0"/>
-                                  </p:stCondLst>
-                                  <p:childTnLst>
-                                    <p:set>
-                                      <p:cBhvr>
-                                        <p:cTn id="24" dur="1" fill="hold">
-                                          <p:stCondLst>
-                                            <p:cond delay="0"/>
-                                          </p:stCondLst>
-                                        </p:cTn>
-                                        <p:tgtEl>
-                                          <p:spTgt spid="3">
-                                            <p:txEl>
-                                              <p:pRg st="3" end="3"/>
-                                            </p:txEl>
-                                          </p:spTgt>
-                                        </p:tgtEl>
-                                        <p:attrNameLst>
-                                          <p:attrName>style.visibility</p:attrName>
-                                        </p:attrNameLst>
-                                      </p:cBhvr>
-                                      <p:to>
-                                        <p:strVal val="visible"/>
-                                      </p:to>
-                                    </p:set>
-                                    <p:anim calcmode="lin" valueType="num">
-                                      <p:cBhvr additive="base">
-                                        <p:cTn id="25" dur="500" fill="hold"/>
-                                        <p:tgtEl>
-                                          <p:spTgt spid="3">
-                                            <p:txEl>
-                                              <p:pRg st="3" end="3"/>
-                                            </p:txEl>
-                                          </p:spTgt>
-                                        </p:tgtEl>
-                                        <p:attrNameLst>
-                                          <p:attrName>ppt_x</p:attrName>
-                                        </p:attrNameLst>
-                                      </p:cBhvr>
-                                      <p:tavLst>
-                                        <p:tav tm="0">
-                                          <p:val>
-                                            <p:strVal val="#ppt_x"/>
-                                          </p:val>
-                                        </p:tav>
-                                        <p:tav tm="100000">
-                                          <p:val>
-                                            <p:strVal val="#ppt_x"/>
-                                          </p:val>
-                                        </p:tav>
-                                      </p:tavLst>
-                                    </p:anim>
-                                    <p:anim calcmode="lin" valueType="num">
-                                      <p:cBhvr additive="base">
-                                        <p:cTn id="26" dur="500" fill="hold"/>
-                                        <p:tgtEl>
-                                          <p:spTgt spid="3">
-                                            <p:txEl>
-                                              <p:pRg st="3" end="3"/>
-                                            </p:txEl>
-                                          </p:spTgt>
-                                        </p:tgtEl>
-                                        <p:attrNameLst>
-                                          <p:attrName>ppt_y</p:attrName>
-                                        </p:attrNameLst>
-                                      </p:cBhvr>
-                                      <p:tavLst>
-                                        <p:tav tm="0">
-                                          <p:val>
-                                            <p:strVal val="1+#ppt_h/2"/>
-                                          </p:val>
-                                        </p:tav>
-                                        <p:tav tm="100000">
-                                          <p:val>
-                                            <p:strVal val="#ppt_y"/>
-                                          </p:val>
-                                        </p:tav>
-                                      </p:tavLst>
-                                    </p:anim>
-                                  </p:childTnLst>
-                                </p:cTn>
-                              </p:par>
-                              <p:par>
-                                <p:cTn id="27" presetID="2" presetClass="entr" presetSubtype="4" fill="hold" nodeType="withEffect">
-                                  <p:stCondLst>
-                                    <p:cond delay="0"/>
-                                  </p:stCondLst>
-                                  <p:childTnLst>
-                                    <p:set>
-                                      <p:cBhvr>
-                                        <p:cTn id="28" dur="1" fill="hold">
-                                          <p:stCondLst>
-                                            <p:cond delay="0"/>
-                                          </p:stCondLst>
-                                        </p:cTn>
-                                        <p:tgtEl>
-                                          <p:spTgt spid="3">
-                                            <p:txEl>
-                                              <p:pRg st="4" end="4"/>
-                                            </p:txEl>
-                                          </p:spTgt>
-                                        </p:tgtEl>
-                                        <p:attrNameLst>
-                                          <p:attrName>style.visibility</p:attrName>
-                                        </p:attrNameLst>
-                                      </p:cBhvr>
-                                      <p:to>
-                                        <p:strVal val="visible"/>
-                                      </p:to>
-                                    </p:set>
-                                    <p:anim calcmode="lin" valueType="num">
-                                      <p:cBhvr additive="base">
-                                        <p:cTn id="29" dur="500" fill="hold"/>
-                                        <p:tgtEl>
-                                          <p:spTgt spid="3">
-                                            <p:txEl>
-                                              <p:pRg st="4" end="4"/>
-                                            </p:txEl>
-                                          </p:spTgt>
-                                        </p:tgtEl>
-                                        <p:attrNameLst>
-                                          <p:attrName>ppt_x</p:attrName>
-                                        </p:attrNameLst>
-                                      </p:cBhvr>
-                                      <p:tavLst>
-                                        <p:tav tm="0">
-                                          <p:val>
-                                            <p:strVal val="#ppt_x"/>
-                                          </p:val>
-                                        </p:tav>
-                                        <p:tav tm="100000">
-                                          <p:val>
-                                            <p:strVal val="#ppt_x"/>
-                                          </p:val>
-                                        </p:tav>
-                                      </p:tavLst>
-                                    </p:anim>
-                                    <p:anim calcmode="lin" valueType="num">
-                                      <p:cBhvr additive="base">
-                                        <p:cTn id="30" dur="500" fill="hold"/>
-                                        <p:tgtEl>
-                                          <p:spTgt spid="3">
-                                            <p:txEl>
-                                              <p:pRg st="4" end="4"/>
-                                            </p:txEl>
-                                          </p:spTgt>
-                                        </p:tgtEl>
-                                        <p:attrNameLst>
-                                          <p:attrName>ppt_y</p:attrName>
-                                        </p:attrNameLst>
-                                      </p:cBhvr>
-                                      <p:tavLst>
-                                        <p:tav tm="0">
-                                          <p:val>
-                                            <p:strVal val="1+#ppt_h/2"/>
-                                          </p:val>
-                                        </p:tav>
-                                        <p:tav tm="100000">
-                                          <p:val>
-                                            <p:strVal val="#ppt_y"/>
-                                          </p:val>
-                                        </p:tav>
-                                      </p:tavLst>
-                                    </p:anim>
-                                  </p:childTnLst>
-                                </p:cTn>
-                              </p:par>
-                              <p:par>
-                                <p:cTn id="31" presetID="2" presetClass="entr" presetSubtype="4" fill="hold" nodeType="withEffect">
-                                  <p:stCondLst>
-                                    <p:cond delay="0"/>
-                                  </p:stCondLst>
-                                  <p:childTnLst>
-                                    <p:set>
-                                      <p:cBhvr>
-                                        <p:cTn id="32" dur="1" fill="hold">
-                                          <p:stCondLst>
-                                            <p:cond delay="0"/>
-                                          </p:stCondLst>
-                                        </p:cTn>
-                                        <p:tgtEl>
-                                          <p:spTgt spid="3">
-                                            <p:txEl>
-                                              <p:pRg st="5" end="5"/>
-                                            </p:txEl>
-                                          </p:spTgt>
-                                        </p:tgtEl>
-                                        <p:attrNameLst>
-                                          <p:attrName>style.visibility</p:attrName>
-                                        </p:attrNameLst>
-                                      </p:cBhvr>
-                                      <p:to>
-                                        <p:strVal val="visible"/>
-                                      </p:to>
-                                    </p:set>
-                                    <p:anim calcmode="lin" valueType="num">
-                                      <p:cBhvr additive="base">
-                                        <p:cTn id="33" dur="500" fill="hold"/>
-                                        <p:tgtEl>
-                                          <p:spTgt spid="3">
-                                            <p:txEl>
-                                              <p:pRg st="5" end="5"/>
-                                            </p:txEl>
-                                          </p:spTgt>
-                                        </p:tgtEl>
-                                        <p:attrNameLst>
-                                          <p:attrName>ppt_x</p:attrName>
-                                        </p:attrNameLst>
-                                      </p:cBhvr>
-                                      <p:tavLst>
-                                        <p:tav tm="0">
-                                          <p:val>
-                                            <p:strVal val="#ppt_x"/>
-                                          </p:val>
-                                        </p:tav>
-                                        <p:tav tm="100000">
-                                          <p:val>
-                                            <p:strVal val="#ppt_x"/>
-                                          </p:val>
-                                        </p:tav>
-                                      </p:tavLst>
-                                    </p:anim>
-                                    <p:anim calcmode="lin" valueType="num">
-                                      <p:cBhvr additive="base">
-                                        <p:cTn id="34" dur="500" fill="hold"/>
-                                        <p:tgtEl>
-                                          <p:spTgt spid="3">
-                                            <p:txEl>
-                                              <p:pRg st="5" end="5"/>
-                                            </p:txEl>
-                                          </p:spTgt>
-                                        </p:tgtEl>
-                                        <p:attrNameLst>
-                                          <p:attrName>ppt_y</p:attrName>
-                                        </p:attrNameLst>
-                                      </p:cBhvr>
-                                      <p:tavLst>
-                                        <p:tav tm="0">
-                                          <p:val>
-                                            <p:strVal val="1+#ppt_h/2"/>
-                                          </p:val>
-                                        </p:tav>
-                                        <p:tav tm="100000">
-                                          <p:val>
-                                            <p:strVal val="#ppt_y"/>
-                                          </p:val>
-                                        </p:tav>
-                                      </p:tavLst>
-                                    </p:anim>
-                                  </p:childTnLst>
-                                </p:cTn>
-                              </p:par>
-                              <p:par>
-                                <p:cTn id="35" presetID="2" presetClass="entr" presetSubtype="4" fill="hold" nodeType="withEffect">
-                                  <p:stCondLst>
-                                    <p:cond delay="0"/>
-                                  </p:stCondLst>
-                                  <p:childTnLst>
-                                    <p:set>
-                                      <p:cBhvr>
-                                        <p:cTn id="36" dur="1" fill="hold">
-                                          <p:stCondLst>
-                                            <p:cond delay="0"/>
-                                          </p:stCondLst>
-                                        </p:cTn>
-                                        <p:tgtEl>
-                                          <p:spTgt spid="3">
-                                            <p:txEl>
-                                              <p:pRg st="6" end="6"/>
-                                            </p:txEl>
-                                          </p:spTgt>
-                                        </p:tgtEl>
-                                        <p:attrNameLst>
-                                          <p:attrName>style.visibility</p:attrName>
-                                        </p:attrNameLst>
-                                      </p:cBhvr>
-                                      <p:to>
-                                        <p:strVal val="visible"/>
-                                      </p:to>
-                                    </p:set>
-                                    <p:anim calcmode="lin" valueType="num">
-                                      <p:cBhvr additive="base">
-                                        <p:cTn id="37" dur="500" fill="hold"/>
-                                        <p:tgtEl>
-                                          <p:spTgt spid="3">
-                                            <p:txEl>
-                                              <p:pRg st="6" end="6"/>
-                                            </p:txEl>
-                                          </p:spTgt>
-                                        </p:tgtEl>
-                                        <p:attrNameLst>
-                                          <p:attrName>ppt_x</p:attrName>
-                                        </p:attrNameLst>
-                                      </p:cBhvr>
-                                      <p:tavLst>
-                                        <p:tav tm="0">
-                                          <p:val>
-                                            <p:strVal val="#ppt_x"/>
-                                          </p:val>
-                                        </p:tav>
-                                        <p:tav tm="100000">
-                                          <p:val>
-                                            <p:strVal val="#ppt_x"/>
-                                          </p:val>
-                                        </p:tav>
-                                      </p:tavLst>
-                                    </p:anim>
-                                    <p:anim calcmode="lin" valueType="num">
-                                      <p:cBhvr additive="base">
-                                        <p:cTn id="38" dur="500" fill="hold"/>
-                                        <p:tgtEl>
-                                          <p:spTgt spid="3">
-                                            <p:txEl>
-                                              <p:pRg st="6" end="6"/>
-                                            </p:txEl>
-                                          </p:spTgt>
-                                        </p:tgtEl>
-                                        <p:attrNameLst>
-                                          <p:attrName>ppt_y</p:attrName>
-                                        </p:attrNameLst>
-                                      </p:cBhvr>
-                                      <p:tavLst>
-                                        <p:tav tm="0">
-                                          <p:val>
-                                            <p:strVal val="1+#ppt_h/2"/>
-                                          </p:val>
-                                        </p:tav>
-                                        <p:tav tm="100000">
-                                          <p:val>
-                                            <p:strVal val="#ppt_y"/>
-                                          </p:val>
-                                        </p:tav>
-                                      </p:tavLst>
-                                    </p:anim>
-                                  </p:childTnLst>
-                                </p:cTn>
-                              </p:par>
-                              <p:par>
-                                <p:cTn id="39" presetID="2" presetClass="entr" presetSubtype="4" fill="hold" nodeType="withEffect">
-                                  <p:stCondLst>
-                                    <p:cond delay="0"/>
-                                  </p:stCondLst>
-                                  <p:childTnLst>
-                                    <p:set>
-                                      <p:cBhvr>
-                                        <p:cTn id="40" dur="1" fill="hold">
-                                          <p:stCondLst>
-                                            <p:cond delay="0"/>
-                                          </p:stCondLst>
-                                        </p:cTn>
-                                        <p:tgtEl>
-                                          <p:spTgt spid="3">
-                                            <p:txEl>
-                                              <p:pRg st="7" end="7"/>
-                                            </p:txEl>
-                                          </p:spTgt>
-                                        </p:tgtEl>
-                                        <p:attrNameLst>
-                                          <p:attrName>style.visibility</p:attrName>
-                                        </p:attrNameLst>
-                                      </p:cBhvr>
-                                      <p:to>
-                                        <p:strVal val="visible"/>
-                                      </p:to>
-                                    </p:set>
-                                    <p:anim calcmode="lin" valueType="num">
-                                      <p:cBhvr additive="base">
-                                        <p:cTn id="41" dur="500" fill="hold"/>
-                                        <p:tgtEl>
-                                          <p:spTgt spid="3">
-                                            <p:txEl>
-                                              <p:pRg st="7" end="7"/>
-                                            </p:txEl>
-                                          </p:spTgt>
-                                        </p:tgtEl>
-                                        <p:attrNameLst>
-                                          <p:attrName>ppt_x</p:attrName>
-                                        </p:attrNameLst>
-                                      </p:cBhvr>
-                                      <p:tavLst>
-                                        <p:tav tm="0">
-                                          <p:val>
-                                            <p:strVal val="#ppt_x"/>
-                                          </p:val>
-                                        </p:tav>
-                                        <p:tav tm="100000">
-                                          <p:val>
-                                            <p:strVal val="#ppt_x"/>
-                                          </p:val>
-                                        </p:tav>
-                                      </p:tavLst>
-                                    </p:anim>
-                                    <p:anim calcmode="lin" valueType="num">
-                                      <p:cBhvr additive="base">
-                                        <p:cTn id="42" dur="500" fill="hold"/>
-                                        <p:tgtEl>
-                                          <p:spTgt spid="3">
-                                            <p:txEl>
-                                              <p:pRg st="7" end="7"/>
-                                            </p:txEl>
-                                          </p:spTgt>
-                                        </p:tgtEl>
-                                        <p:attrNameLst>
-                                          <p:attrName>ppt_y</p:attrName>
-                                        </p:attrNameLst>
-                                      </p:cBhvr>
-                                      <p:tavLst>
-                                        <p:tav tm="0">
-                                          <p:val>
-                                            <p:strVal val="1+#ppt_h/2"/>
-                                          </p:val>
-                                        </p:tav>
-                                        <p:tav tm="100000">
-                                          <p:val>
-                                            <p:strVal val="#ppt_y"/>
-                                          </p:val>
-                                        </p:tav>
-                                      </p:tavLst>
-                                    </p:anim>
-                                  </p:childTnLst>
-                                </p:cTn>
-                              </p:par>
-                              <p:par>
-                                <p:cTn id="43" presetID="2" presetClass="entr" presetSubtype="4" fill="hold" nodeType="withEffect">
-                                  <p:stCondLst>
-                                    <p:cond delay="0"/>
-                                  </p:stCondLst>
-                                  <p:childTnLst>
-                                    <p:set>
-                                      <p:cBhvr>
-                                        <p:cTn id="44" dur="1" fill="hold">
-                                          <p:stCondLst>
-                                            <p:cond delay="0"/>
-                                          </p:stCondLst>
-                                        </p:cTn>
-                                        <p:tgtEl>
-                                          <p:spTgt spid="3">
-                                            <p:txEl>
-                                              <p:pRg st="8" end="8"/>
-                                            </p:txEl>
-                                          </p:spTgt>
-                                        </p:tgtEl>
-                                        <p:attrNameLst>
-                                          <p:attrName>style.visibility</p:attrName>
-                                        </p:attrNameLst>
-                                      </p:cBhvr>
-                                      <p:to>
-                                        <p:strVal val="visible"/>
-                                      </p:to>
-                                    </p:set>
-                                    <p:anim calcmode="lin" valueType="num">
-                                      <p:cBhvr additive="base">
-                                        <p:cTn id="45" dur="500" fill="hold"/>
-                                        <p:tgtEl>
-                                          <p:spTgt spid="3">
-                                            <p:txEl>
-                                              <p:pRg st="8" end="8"/>
-                                            </p:txEl>
-                                          </p:spTgt>
-                                        </p:tgtEl>
-                                        <p:attrNameLst>
-                                          <p:attrName>ppt_x</p:attrName>
-                                        </p:attrNameLst>
-                                      </p:cBhvr>
-                                      <p:tavLst>
-                                        <p:tav tm="0">
-                                          <p:val>
-                                            <p:strVal val="#ppt_x"/>
-                                          </p:val>
-                                        </p:tav>
-                                        <p:tav tm="100000">
-                                          <p:val>
-                                            <p:strVal val="#ppt_x"/>
-                                          </p:val>
-                                        </p:tav>
-                                      </p:tavLst>
-                                    </p:anim>
-                                    <p:anim calcmode="lin" valueType="num">
-                                      <p:cBhvr additive="base">
-                                        <p:cTn id="46" dur="500" fill="hold"/>
-                                        <p:tgtEl>
-                                          <p:spTgt spid="3">
-                                            <p:txEl>
-                                              <p:pRg st="8" end="8"/>
-                                            </p:txEl>
-                                          </p:spTgt>
-                                        </p:tgtEl>
-                                        <p:attrNameLst>
-                                          <p:attrName>ppt_y</p:attrName>
-                                        </p:attrNameLst>
-                                      </p:cBhvr>
-                                      <p:tavLst>
-                                        <p:tav tm="0">
-                                          <p:val>
-                                            <p:strVal val="1+#ppt_h/2"/>
-                                          </p:val>
-                                        </p:tav>
-                                        <p:tav tm="100000">
-                                          <p:val>
-                                            <p:strVal val="#ppt_y"/>
-                                          </p:val>
-                                        </p:tav>
-                                      </p:tavLst>
-                                    </p:anim>
-                                  </p:childTnLst>
-                                </p:cTn>
-                              </p:par>
-                              <p:par>
-                                <p:cTn id="47" presetID="2" presetClass="entr" presetSubtype="4" fill="hold" nodeType="withEffect">
-                                  <p:stCondLst>
-                                    <p:cond delay="0"/>
-                                  </p:stCondLst>
-                                  <p:childTnLst>
-                                    <p:set>
-                                      <p:cBhvr>
-                                        <p:cTn id="48" dur="1" fill="hold">
-                                          <p:stCondLst>
-                                            <p:cond delay="0"/>
-                                          </p:stCondLst>
-                                        </p:cTn>
-                                        <p:tgtEl>
-                                          <p:spTgt spid="3">
-                                            <p:txEl>
-                                              <p:pRg st="9" end="9"/>
-                                            </p:txEl>
-                                          </p:spTgt>
-                                        </p:tgtEl>
-                                        <p:attrNameLst>
-                                          <p:attrName>style.visibility</p:attrName>
-                                        </p:attrNameLst>
-                                      </p:cBhvr>
-                                      <p:to>
-                                        <p:strVal val="visible"/>
-                                      </p:to>
-                                    </p:set>
-                                    <p:anim calcmode="lin" valueType="num">
-                                      <p:cBhvr additive="base">
-                                        <p:cTn id="49" dur="500" fill="hold"/>
-                                        <p:tgtEl>
-                                          <p:spTgt spid="3">
-                                            <p:txEl>
-                                              <p:pRg st="9" end="9"/>
-                                            </p:txEl>
-                                          </p:spTgt>
-                                        </p:tgtEl>
-                                        <p:attrNameLst>
-                                          <p:attrName>ppt_x</p:attrName>
-                                        </p:attrNameLst>
-                                      </p:cBhvr>
-                                      <p:tavLst>
-                                        <p:tav tm="0">
-                                          <p:val>
-                                            <p:strVal val="#ppt_x"/>
-                                          </p:val>
-                                        </p:tav>
-                                        <p:tav tm="100000">
-                                          <p:val>
-                                            <p:strVal val="#ppt_x"/>
-                                          </p:val>
-                                        </p:tav>
-                                      </p:tavLst>
-                                    </p:anim>
-                                    <p:anim calcmode="lin" valueType="num">
-                                      <p:cBhvr additive="base">
-                                        <p:cTn id="50" dur="500" fill="hold"/>
-                                        <p:tgtEl>
-                                          <p:spTgt spid="3">
-                                            <p:txEl>
-                                              <p:pRg st="9" end="9"/>
-                                            </p:txEl>
-                                          </p:spTgt>
-                                        </p:tgtEl>
-                                        <p:attrNameLst>
-                                          <p:attrName>ppt_y</p:attrName>
-                                        </p:attrNameLst>
-                                      </p:cBhvr>
-                                      <p:tavLst>
-                                        <p:tav tm="0">
-                                          <p:val>
-                                            <p:strVal val="1+#ppt_h/2"/>
-                                          </p:val>
-                                        </p:tav>
-                                        <p:tav tm="100000">
-                                          <p:val>
-                                            <p:strVal val="#ppt_y"/>
-                                          </p:val>
-                                        </p:tav>
-                                      </p:tavLst>
-                                    </p:anim>
-                                  </p:childTnLst>
-                                </p:cTn>
-                              </p:par>
-                              <p:par>
-                                <p:cTn id="51" presetID="2" presetClass="entr" presetSubtype="4" fill="hold" nodeType="withEffect">
-                                  <p:stCondLst>
-                                    <p:cond delay="0"/>
-                                  </p:stCondLst>
-                                  <p:childTnLst>
-                                    <p:set>
-                                      <p:cBhvr>
-                                        <p:cTn id="52" dur="1" fill="hold">
-                                          <p:stCondLst>
-                                            <p:cond delay="0"/>
-                                          </p:stCondLst>
-                                        </p:cTn>
-                                        <p:tgtEl>
-                                          <p:spTgt spid="3">
-                                            <p:txEl>
-                                              <p:pRg st="10" end="10"/>
-                                            </p:txEl>
-                                          </p:spTgt>
-                                        </p:tgtEl>
-                                        <p:attrNameLst>
-                                          <p:attrName>style.visibility</p:attrName>
-                                        </p:attrNameLst>
-                                      </p:cBhvr>
-                                      <p:to>
-                                        <p:strVal val="visible"/>
-                                      </p:to>
-                                    </p:set>
-                                    <p:anim calcmode="lin" valueType="num">
-                                      <p:cBhvr additive="base">
-                                        <p:cTn id="53" dur="500" fill="hold"/>
-                                        <p:tgtEl>
-                                          <p:spTgt spid="3">
-                                            <p:txEl>
-                                              <p:pRg st="10" end="10"/>
-                                            </p:txEl>
-                                          </p:spTgt>
-                                        </p:tgtEl>
-                                        <p:attrNameLst>
-                                          <p:attrName>ppt_x</p:attrName>
-                                        </p:attrNameLst>
-                                      </p:cBhvr>
-                                      <p:tavLst>
-                                        <p:tav tm="0">
-                                          <p:val>
-                                            <p:strVal val="#ppt_x"/>
-                                          </p:val>
-                                        </p:tav>
-                                        <p:tav tm="100000">
-                                          <p:val>
-                                            <p:strVal val="#ppt_x"/>
-                                          </p:val>
-                                        </p:tav>
-                                      </p:tavLst>
-                                    </p:anim>
-                                    <p:anim calcmode="lin" valueType="num">
-                                      <p:cBhvr additive="base">
-                                        <p:cTn id="54" dur="500" fill="hold"/>
-                                        <p:tgtEl>
-                                          <p:spTgt spid="3">
-                                            <p:txEl>
-                                              <p:pRg st="10" end="10"/>
-                                            </p:txEl>
-                                          </p:spTgt>
-                                        </p:tgtEl>
-                                        <p:attrNameLst>
-                                          <p:attrName>ppt_y</p:attrName>
-                                        </p:attrNameLst>
-                                      </p:cBhvr>
-                                      <p:tavLst>
-                                        <p:tav tm="0">
-                                          <p:val>
-                                            <p:strVal val="1+#ppt_h/2"/>
-                                          </p:val>
-                                        </p:tav>
-                                        <p:tav tm="100000">
-                                          <p:val>
-                                            <p:strVal val="#ppt_y"/>
-                                          </p:val>
-                                        </p:tav>
-                                      </p:tavLst>
-                                    </p:anim>
-                                  </p:childTnLst>
-                                </p:cTn>
-                              </p:par>
-                              <p:par>
-                                <p:cTn id="55" presetID="2" presetClass="entr" presetSubtype="4" fill="hold" nodeType="withEffect">
-                                  <p:stCondLst>
-                                    <p:cond delay="0"/>
-                                  </p:stCondLst>
-                                  <p:childTnLst>
-                                    <p:set>
-                                      <p:cBhvr>
-                                        <p:cTn id="56" dur="1" fill="hold">
-                                          <p:stCondLst>
-                                            <p:cond delay="0"/>
-                                          </p:stCondLst>
-                                        </p:cTn>
-                                        <p:tgtEl>
-                                          <p:spTgt spid="3">
-                                            <p:txEl>
-                                              <p:pRg st="11" end="11"/>
-                                            </p:txEl>
-                                          </p:spTgt>
-                                        </p:tgtEl>
-                                        <p:attrNameLst>
-                                          <p:attrName>style.visibility</p:attrName>
-                                        </p:attrNameLst>
-                                      </p:cBhvr>
-                                      <p:to>
-                                        <p:strVal val="visible"/>
-                                      </p:to>
-                                    </p:set>
-                                    <p:anim calcmode="lin" valueType="num">
-                                      <p:cBhvr additive="base">
-                                        <p:cTn id="57" dur="500" fill="hold"/>
-                                        <p:tgtEl>
-                                          <p:spTgt spid="3">
-                                            <p:txEl>
-                                              <p:pRg st="11" end="11"/>
-                                            </p:txEl>
-                                          </p:spTgt>
-                                        </p:tgtEl>
-                                        <p:attrNameLst>
-                                          <p:attrName>ppt_x</p:attrName>
-                                        </p:attrNameLst>
-                                      </p:cBhvr>
-                                      <p:tavLst>
-                                        <p:tav tm="0">
-                                          <p:val>
-                                            <p:strVal val="#ppt_x"/>
-                                          </p:val>
-                                        </p:tav>
-                                        <p:tav tm="100000">
-                                          <p:val>
-                                            <p:strVal val="#ppt_x"/>
-                                          </p:val>
-                                        </p:tav>
-                                      </p:tavLst>
-                                    </p:anim>
-                                    <p:anim calcmode="lin" valueType="num">
-                                      <p:cBhvr additive="base">
-                                        <p:cTn id="58" dur="500" fill="hold"/>
-                                        <p:tgtEl>
-                                          <p:spTgt spid="3">
-                                            <p:txEl>
-                                              <p:pRg st="11" end="11"/>
-                                            </p:txEl>
-                                          </p:spTgt>
-                                        </p:tgtEl>
-                                        <p:attrNameLst>
-                                          <p:attrName>ppt_y</p:attrName>
-                                        </p:attrNameLst>
-                                      </p:cBhvr>
-                                      <p:tavLst>
-                                        <p:tav tm="0">
-                                          <p:val>
-                                            <p:strVal val="1+#ppt_h/2"/>
-                                          </p:val>
-                                        </p:tav>
-                                        <p:tav tm="100000">
-                                          <p:val>
-                                            <p:strVal val="#ppt_y"/>
-                                          </p:val>
-                                        </p:tav>
-                                      </p:tavLst>
-                                    </p:anim>
-                                  </p:childTnLst>
-                                </p:cTn>
-                              </p:par>
-                            </p:childTnLst>
-                          </p:cTn>
-                        </p:par>
-                      </p:childTnLst>
-                    </p:cTn>
-                  </p:par>
-                  <p:par>
-                    <p:cTn id="59" fill="hold">
-                      <p:stCondLst>
-                        <p:cond delay="indefinite"/>
-                      </p:stCondLst>
-                      <p:childTnLst>
-                        <p:par>
-                          <p:cTn id="60" fill="hold">
-                            <p:stCondLst>
-                              <p:cond delay="0"/>
-                            </p:stCondLst>
-                            <p:childTnLst>
-                              <p:par>
-                                <p:cTn id="61" presetID="31" presetClass="entr" presetSubtype="0" fill="hold" grpId="0" nodeType="clickEffect">
-                                  <p:stCondLst>
-                                    <p:cond delay="0"/>
-                                  </p:stCondLst>
-                                  <p:childTnLst>
-                                    <p:set>
-                                      <p:cBhvr>
-                                        <p:cTn id="62" dur="1" fill="hold">
-                                          <p:stCondLst>
-                                            <p:cond delay="0"/>
-                                          </p:stCondLst>
-                                        </p:cTn>
-                                        <p:tgtEl>
-                                          <p:spTgt spid="4"/>
-                                        </p:tgtEl>
-                                        <p:attrNameLst>
-                                          <p:attrName>style.visibility</p:attrName>
-                                        </p:attrNameLst>
-                                      </p:cBhvr>
-                                      <p:to>
-                                        <p:strVal val="visible"/>
-                                      </p:to>
-                                    </p:set>
-                                    <p:anim calcmode="lin" valueType="num">
-                                      <p:cBhvr>
-                                        <p:cTn id="63" dur="1000" fill="hold"/>
-                                        <p:tgtEl>
-                                          <p:spTgt spid="4"/>
-                                        </p:tgtEl>
-                                        <p:attrNameLst>
-                                          <p:attrName>ppt_w</p:attrName>
-                                        </p:attrNameLst>
-                                      </p:cBhvr>
-                                      <p:tavLst>
-                                        <p:tav tm="0">
-                                          <p:val>
-                                            <p:fltVal val="0"/>
-                                          </p:val>
-                                        </p:tav>
-                                        <p:tav tm="100000">
-                                          <p:val>
-                                            <p:strVal val="#ppt_w"/>
-                                          </p:val>
-                                        </p:tav>
-                                      </p:tavLst>
-                                    </p:anim>
-                                    <p:anim calcmode="lin" valueType="num">
-                                      <p:cBhvr>
-                                        <p:cTn id="64" dur="1000" fill="hold"/>
-                                        <p:tgtEl>
-                                          <p:spTgt spid="4"/>
-                                        </p:tgtEl>
-                                        <p:attrNameLst>
-                                          <p:attrName>ppt_h</p:attrName>
-                                        </p:attrNameLst>
-                                      </p:cBhvr>
-                                      <p:tavLst>
-                                        <p:tav tm="0">
-                                          <p:val>
-                                            <p:fltVal val="0"/>
-                                          </p:val>
-                                        </p:tav>
-                                        <p:tav tm="100000">
-                                          <p:val>
-                                            <p:strVal val="#ppt_h"/>
-                                          </p:val>
-                                        </p:tav>
-                                      </p:tavLst>
-                                    </p:anim>
-                                    <p:anim calcmode="lin" valueType="num">
-                                      <p:cBhvr>
-                                        <p:cTn id="65" dur="1000" fill="hold"/>
-                                        <p:tgtEl>
-                                          <p:spTgt spid="4"/>
-                                        </p:tgtEl>
-                                        <p:attrNameLst>
-                                          <p:attrName>style.rotation</p:attrName>
-                                        </p:attrNameLst>
-                                      </p:cBhvr>
-                                      <p:tavLst>
-                                        <p:tav tm="0">
-                                          <p:val>
-                                            <p:fltVal val="90"/>
-                                          </p:val>
-                                        </p:tav>
-                                        <p:tav tm="100000">
-                                          <p:val>
-                                            <p:fltVal val="0"/>
-                                          </p:val>
-                                        </p:tav>
-                                      </p:tavLst>
-                                    </p:anim>
-                                    <p:animEffect transition="in" filter="fade">
-                                      <p:cBhvr>
-                                        <p:cTn id="66" dur="1000"/>
-                                        <p:tgtEl>
-                                          <p:spTgt spid="4"/>
-                                        </p:tgtEl>
-                                      </p:cBhvr>
-                                    </p:animEffect>
-                                  </p:childTnLst>
-                                </p:cTn>
-                              </p:par>
-                            </p:childTnLst>
-                          </p:cTn>
-                        </p:par>
-                      </p:childTnLst>
-                    </p:cTn>
-                  </p:par>
-                  <p:par>
-                    <p:cTn id="67" fill="hold">
-                      <p:stCondLst>
-                        <p:cond delay="indefinite"/>
-                      </p:stCondLst>
-                      <p:childTnLst>
-                        <p:par>
-                          <p:cTn id="68" fill="hold">
-                            <p:stCondLst>
-                              <p:cond delay="0"/>
-                            </p:stCondLst>
-                            <p:childTnLst>
-                              <p:par>
-                                <p:cTn id="69" presetID="45" presetClass="entr" presetSubtype="0" fill="hold" nodeType="clickEffect">
-                                  <p:stCondLst>
-                                    <p:cond delay="0"/>
-                                  </p:stCondLst>
-                                  <p:childTnLst>
-                                    <p:set>
-                                      <p:cBhvr>
-                                        <p:cTn id="70" dur="1" fill="hold">
-                                          <p:stCondLst>
-                                            <p:cond delay="0"/>
-                                          </p:stCondLst>
-                                        </p:cTn>
-                                        <p:tgtEl>
-                                          <p:spTgt spid="5">
-                                            <p:txEl>
-                                              <p:pRg st="0" end="0"/>
-                                            </p:txEl>
-                                          </p:spTgt>
-                                        </p:tgtEl>
-                                        <p:attrNameLst>
-                                          <p:attrName>style.visibility</p:attrName>
-                                        </p:attrNameLst>
-                                      </p:cBhvr>
-                                      <p:to>
-                                        <p:strVal val="visible"/>
-                                      </p:to>
-                                    </p:set>
-                                    <p:animEffect transition="in" filter="fade">
-                                      <p:cBhvr>
-                                        <p:cTn id="71" dur="2000"/>
-                                        <p:tgtEl>
-                                          <p:spTgt spid="5">
-                                            <p:txEl>
-                                              <p:pRg st="0" end="0"/>
-                                            </p:txEl>
-                                          </p:spTgt>
-                                        </p:tgtEl>
-                                      </p:cBhvr>
-                                    </p:animEffect>
-                                    <p:anim calcmode="lin" valueType="num">
-                                      <p:cBhvr>
-                                        <p:cTn id="72" dur="2000" fill="hold"/>
-                                        <p:tgtEl>
-                                          <p:spTgt spid="5">
-                                            <p:txEl>
-                                              <p:pRg st="0" end="0"/>
-                                            </p:txEl>
-                                          </p:spTgt>
-                                        </p:tgtEl>
-                                        <p:attrNameLst>
-                                          <p:attrName>ppt_w</p:attrName>
-                                        </p:attrNameLst>
-                                      </p:cBhvr>
-                                      <p:tavLst>
-                                        <p:tav tm="0" fmla="#ppt_w*sin(2.5*pi*$)">
-                                          <p:val>
-                                            <p:fltVal val="0"/>
-                                          </p:val>
-                                        </p:tav>
-                                        <p:tav tm="100000">
-                                          <p:val>
-                                            <p:fltVal val="1"/>
-                                          </p:val>
-                                        </p:tav>
-                                      </p:tavLst>
-                                    </p:anim>
-                                    <p:anim calcmode="lin" valueType="num">
-                                      <p:cBhvr>
-                                        <p:cTn id="73" dur="2000" fill="hold"/>
-                                        <p:tgtEl>
-                                          <p:spTgt spid="5">
-                                            <p:txEl>
-                                              <p:pRg st="0" end="0"/>
-                                            </p:txEl>
-                                          </p:spTgt>
-                                        </p:tgtEl>
-                                        <p:attrNameLst>
-                                          <p:attrName>ppt_h</p:attrName>
-                                        </p:attrNameLst>
-                                      </p:cBhvr>
-                                      <p:tavLst>
-                                        <p:tav tm="0">
-                                          <p:val>
-                                            <p:strVal val="#ppt_h"/>
-                                          </p:val>
-                                        </p:tav>
-                                        <p:tav tm="100000">
-                                          <p:val>
-                                            <p:strVal val="#ppt_h"/>
-                                          </p:val>
-                                        </p:tav>
-                                      </p:tavLst>
-                                    </p:anim>
-                                  </p:childTnLst>
-                                </p:cTn>
-                              </p:par>
-                            </p:childTnLst>
-                          </p:cTn>
-                        </p:par>
-                      </p:childTnLst>
-                    </p:cTn>
-                  </p:par>
-                </p:childTnLst>
-              </p:cTn>
-              <p:prevCondLst>
-                <p:cond evt="onPrev" delay="0">
-                  <p:tgtEl>
-                    <p:sldTgt/>
-                  </p:tgtEl>
-                </p:cond>
-              </p:prevCondLst>
-              <p:nextCondLst>
-                <p:cond evt="onNext" delay="0">
-                  <p:tgtEl>
-                    <p:sldTgt/>
-                  </p:tgtEl>
-                </p:cond>
-              </p:nextCondLst>
-            </p:seq>
-          </p:childTnLst>
-        </p:cTn>
-      </p:par>
-    </p:tnLst>
-    <p:bldLst>
-      <p:bldP spid="4" grpId="0"/>
-    </p:bldLst>
-  </p:timing>
-</p:sld>
-</file>
-
 <file path=ppt/slides/slide28.xml><?xml version="1.0" encoding="utf-8"?>
 <p:sld xmlns:a="http://schemas.openxmlformats.org/drawingml/2006/main" xmlns:r="http://schemas.openxmlformats.org/officeDocument/2006/relationships" xmlns:p="http://schemas.openxmlformats.org/presentationml/2006/main">
   <p:cSld>
@@ -20143,8 +19508,8 @@
           <a:lstStyle/>
           <a:p>
             <a:r>
-              <a:rPr lang="en-US" altLang="zh-CN" dirty="0" smtClean="0"/>
-              <a:t>Safe</a:t>
+              <a:rPr lang="en-US" altLang="zh-CN" dirty="0"/>
+              <a:t>How to simplify the call code</a:t>
             </a:r>
             <a:endParaRPr lang="zh-CN" altLang="en-US" dirty="0"/>
           </a:p>
@@ -20954,10 +20319,8 @@
           <a:lstStyle/>
           <a:p>
             <a:r>
-              <a:rPr lang="en-US" altLang="zh-CN" dirty="0" smtClean="0">
-                <a:sym typeface="+mn-ea"/>
-              </a:rPr>
-              <a:t>Template meta-programming</a:t>
+              <a:rPr lang="en-US" altLang="zh-CN" dirty="0"/>
+              <a:t>How to simplify the call code</a:t>
             </a:r>
             <a:endParaRPr lang="zh-CN" altLang="en-US" dirty="0"/>
           </a:p>
@@ -21777,10 +21140,8 @@
           <a:lstStyle/>
           <a:p>
             <a:r>
-              <a:rPr lang="en-US" altLang="zh-CN" dirty="0" smtClean="0">
-                <a:sym typeface="+mn-ea"/>
-              </a:rPr>
-              <a:t>Template meta-programming</a:t>
+              <a:rPr lang="en-US" altLang="zh-CN" dirty="0"/>
+              <a:t>How to simplify the call code</a:t>
             </a:r>
             <a:endParaRPr lang="zh-CN" altLang="en-US" dirty="0"/>
           </a:p>
@@ -22917,10 +22278,8 @@
           <a:lstStyle/>
           <a:p>
             <a:r>
-              <a:rPr lang="en-US" altLang="zh-CN" dirty="0" smtClean="0">
-                <a:sym typeface="+mn-ea"/>
-              </a:rPr>
-              <a:t>Template meta-programming</a:t>
+              <a:rPr lang="en-US" altLang="zh-CN" dirty="0"/>
+              <a:t>How to simplify the call code</a:t>
             </a:r>
             <a:endParaRPr lang="zh-CN" altLang="en-US" dirty="0"/>
           </a:p>
@@ -23038,807 +22397,14 @@
             <p:ph type="title"/>
           </p:nvPr>
         </p:nvSpPr>
-        <p:spPr>
-          <a:xfrm>
-            <a:off x="501794" y="260039"/>
-            <a:ext cx="6718156" cy="476885"/>
-          </a:xfrm>
-        </p:spPr>
-        <p:txBody>
-          <a:bodyPr/>
-          <a:lstStyle/>
-          <a:p>
-            <a:r>
-              <a:rPr altLang="zh-CN">
-                <a:sym typeface="+mn-ea"/>
-              </a:rPr>
-              <a:t>Binding function and callable</a:t>
-            </a:r>
-            <a:endParaRPr lang="zh-CN" altLang="en-US"/>
-          </a:p>
-        </p:txBody>
-      </p:sp>
-      <p:sp>
-        <p:nvSpPr>
-          <p:cNvPr id="3" name="文本占位符 2"/>
-          <p:cNvSpPr>
-            <a:spLocks noGrp="1"/>
-          </p:cNvSpPr>
-          <p:nvPr>
-            <p:ph type="body" sz="half" idx="2"/>
-          </p:nvPr>
-        </p:nvSpPr>
         <p:spPr/>
         <p:txBody>
           <a:bodyPr/>
           <a:lstStyle/>
           <a:p>
             <a:r>
-              <a:rPr lang="en-US" altLang="zh-CN" b="1" dirty="0"/>
-              <a:t/>
-            </a:r>
-            <a:br>
-              <a:rPr lang="en-US" altLang="zh-CN" b="1" dirty="0"/>
-            </a:br>
-            <a:r>
-              <a:rPr lang="en-US" altLang="zh-CN" sz="1400" dirty="0"/>
-              <a:t>template &lt;</a:t>
-            </a:r>
-            <a:r>
-              <a:rPr lang="en-US" altLang="zh-CN" sz="1400" dirty="0" err="1"/>
-              <a:t>typename</a:t>
-            </a:r>
-            <a:r>
-              <a:rPr lang="en-US" altLang="zh-CN" sz="1400" dirty="0"/>
-              <a:t> F&gt;</a:t>
-            </a:r>
-          </a:p>
-          <a:p>
-            <a:r>
-              <a:rPr lang="en-US" altLang="zh-CN" sz="1400" dirty="0"/>
-              <a:t>auto </a:t>
-            </a:r>
-            <a:r>
-              <a:rPr lang="en-US" altLang="zh-CN" sz="1400" dirty="0" err="1"/>
-              <a:t>bind_function_callable</a:t>
-            </a:r>
-            <a:r>
-              <a:rPr lang="en-US" altLang="zh-CN" sz="1400" dirty="0"/>
-              <a:t>(F&amp;&amp; f)</a:t>
-            </a:r>
-          </a:p>
-          <a:p>
-            <a:r>
-              <a:rPr lang="en-US" altLang="zh-CN" sz="1400" dirty="0"/>
-              <a:t>	-&gt; </a:t>
-            </a:r>
-            <a:r>
-              <a:rPr lang="en-US" altLang="zh-CN" sz="1400" dirty="0" err="1"/>
-              <a:t>typename</a:t>
-            </a:r>
-            <a:r>
-              <a:rPr lang="en-US" altLang="zh-CN" sz="1400" dirty="0"/>
-              <a:t> </a:t>
-            </a:r>
-            <a:r>
-              <a:rPr lang="en-US" altLang="zh-CN" sz="1400" dirty="0" err="1"/>
-              <a:t>function_traits</a:t>
-            </a:r>
-            <a:r>
-              <a:rPr lang="en-US" altLang="zh-CN" sz="1400" dirty="0"/>
-              <a:t>&lt;F&gt;::</a:t>
-            </a:r>
-            <a:r>
-              <a:rPr lang="en-US" altLang="zh-CN" sz="1400" dirty="0" err="1"/>
-              <a:t>stl_function_type</a:t>
-            </a:r>
-            <a:endParaRPr lang="en-US" altLang="zh-CN" sz="1400" dirty="0"/>
-          </a:p>
-          <a:p>
-            <a:r>
-              <a:rPr lang="en-US" altLang="zh-CN" sz="1400" dirty="0"/>
-              <a:t>{</a:t>
-            </a:r>
-          </a:p>
-          <a:p>
-            <a:r>
-              <a:rPr lang="en-US" altLang="zh-CN" sz="1400" dirty="0"/>
-              <a:t>	return [</a:t>
-            </a:r>
-            <a:r>
-              <a:rPr lang="en-US" altLang="zh-CN" sz="1400" dirty="0" err="1"/>
-              <a:t>func</a:t>
-            </a:r>
-            <a:r>
-              <a:rPr lang="en-US" altLang="zh-CN" sz="1400" dirty="0"/>
-              <a:t> = std::forward&lt;F&gt;(f)](auto&amp;&amp; ... </a:t>
-            </a:r>
-            <a:r>
-              <a:rPr lang="en-US" altLang="zh-CN" sz="1400" dirty="0" err="1"/>
-              <a:t>args</a:t>
-            </a:r>
-            <a:r>
-              <a:rPr lang="en-US" altLang="zh-CN" sz="1400" dirty="0"/>
-              <a:t>)</a:t>
-            </a:r>
-          </a:p>
-          <a:p>
-            <a:r>
-              <a:rPr lang="en-US" altLang="zh-CN" sz="1400" dirty="0"/>
-              <a:t>	{ </a:t>
-            </a:r>
-          </a:p>
-          <a:p>
-            <a:r>
-              <a:rPr lang="en-US" altLang="zh-CN" sz="1400" dirty="0"/>
-              <a:t>		return </a:t>
-            </a:r>
-            <a:r>
-              <a:rPr lang="en-US" altLang="zh-CN" sz="1400" dirty="0" err="1"/>
-              <a:t>func</a:t>
-            </a:r>
-            <a:r>
-              <a:rPr lang="en-US" altLang="zh-CN" sz="1400" dirty="0"/>
-              <a:t>(</a:t>
-            </a:r>
-            <a:r>
-              <a:rPr lang="en-US" altLang="zh-CN" sz="1400" dirty="0">
-                <a:solidFill>
-                  <a:srgbClr val="FF0000"/>
-                </a:solidFill>
-              </a:rPr>
-              <a:t>std::forward&lt;</a:t>
-            </a:r>
-            <a:r>
-              <a:rPr lang="en-US" altLang="zh-CN" sz="1400" dirty="0" err="1">
-                <a:solidFill>
-                  <a:srgbClr val="FF0000"/>
-                </a:solidFill>
-              </a:rPr>
-              <a:t>decltype</a:t>
-            </a:r>
-            <a:r>
-              <a:rPr lang="en-US" altLang="zh-CN" sz="1400" dirty="0">
-                <a:solidFill>
-                  <a:srgbClr val="FF0000"/>
-                </a:solidFill>
-              </a:rPr>
-              <a:t>(</a:t>
-            </a:r>
-            <a:r>
-              <a:rPr lang="en-US" altLang="zh-CN" sz="1400" dirty="0" err="1">
-                <a:solidFill>
-                  <a:srgbClr val="FF0000"/>
-                </a:solidFill>
-              </a:rPr>
-              <a:t>args</a:t>
-            </a:r>
-            <a:r>
-              <a:rPr lang="en-US" altLang="zh-CN" sz="1400" dirty="0">
-                <a:solidFill>
-                  <a:srgbClr val="FF0000"/>
-                </a:solidFill>
-              </a:rPr>
-              <a:t>)&gt;(</a:t>
-            </a:r>
-            <a:r>
-              <a:rPr lang="en-US" altLang="zh-CN" sz="1400" dirty="0" err="1">
-                <a:solidFill>
-                  <a:srgbClr val="FF0000"/>
-                </a:solidFill>
-              </a:rPr>
-              <a:t>args</a:t>
-            </a:r>
-            <a:r>
-              <a:rPr lang="en-US" altLang="zh-CN" sz="1400" dirty="0">
-                <a:solidFill>
-                  <a:srgbClr val="FF0000"/>
-                </a:solidFill>
-              </a:rPr>
-              <a:t>)...</a:t>
-            </a:r>
-            <a:r>
-              <a:rPr lang="en-US" altLang="zh-CN" sz="1400" dirty="0"/>
-              <a:t>); </a:t>
-            </a:r>
-          </a:p>
-          <a:p>
-            <a:r>
-              <a:rPr lang="en-US" altLang="zh-CN" sz="1400" dirty="0"/>
-              <a:t>	};</a:t>
-            </a:r>
-          </a:p>
-          <a:p>
-            <a:r>
-              <a:rPr lang="en-US" altLang="zh-CN" sz="1400" dirty="0"/>
-              <a:t>}</a:t>
-            </a:r>
-          </a:p>
-        </p:txBody>
-      </p:sp>
-      <p:sp>
-        <p:nvSpPr>
-          <p:cNvPr id="4" name="矩形 3"/>
-          <p:cNvSpPr/>
-          <p:nvPr/>
-        </p:nvSpPr>
-        <p:spPr>
-          <a:xfrm>
-            <a:off x="2035197" y="4259402"/>
-            <a:ext cx="4403128" cy="369332"/>
-          </a:xfrm>
-          <a:prstGeom prst="rect">
-            <a:avLst/>
-          </a:prstGeom>
-        </p:spPr>
-        <p:txBody>
-          <a:bodyPr wrap="none">
-            <a:spAutoFit/>
-          </a:bodyPr>
-          <a:lstStyle/>
-          <a:p>
-            <a:r>
-              <a:rPr lang="en-US" altLang="zh-CN" dirty="0" smtClean="0"/>
-              <a:t>wrapper std::bind and return to std::function</a:t>
-            </a:r>
-          </a:p>
-        </p:txBody>
-      </p:sp>
-      <p:sp>
-        <p:nvSpPr>
-          <p:cNvPr id="5" name="矩形 4"/>
-          <p:cNvSpPr/>
-          <p:nvPr/>
-        </p:nvSpPr>
-        <p:spPr>
-          <a:xfrm>
-            <a:off x="2059424" y="4989245"/>
-            <a:ext cx="5293822" cy="646331"/>
-          </a:xfrm>
-          <a:prstGeom prst="rect">
-            <a:avLst/>
-          </a:prstGeom>
-        </p:spPr>
-        <p:txBody>
-          <a:bodyPr wrap="none">
-            <a:spAutoFit/>
-          </a:bodyPr>
-          <a:lstStyle/>
-          <a:p>
-            <a:r>
-              <a:rPr lang="en-US" altLang="zh-CN" dirty="0" err="1" smtClean="0"/>
-              <a:t>funtion_traits</a:t>
-            </a:r>
-            <a:r>
-              <a:rPr lang="en-US" altLang="zh-CN" dirty="0" smtClean="0"/>
-              <a:t>: </a:t>
-            </a:r>
-            <a:r>
-              <a:rPr lang="en-US" altLang="zh-CN" dirty="0" smtClean="0">
-                <a:hlinkClick r:id="rId2"/>
-              </a:rPr>
-              <a:t>https://github.com/topcpporg/rest_rpc</a:t>
-            </a:r>
-            <a:endParaRPr lang="en-US" altLang="zh-CN" dirty="0" smtClean="0"/>
-          </a:p>
-          <a:p>
-            <a:endParaRPr lang="zh-CN" altLang="en-US" dirty="0"/>
-          </a:p>
-        </p:txBody>
-      </p:sp>
-    </p:spTree>
-  </p:cSld>
-  <p:clrMapOvr>
-    <a:masterClrMapping/>
-  </p:clrMapOvr>
-  <p:timing>
-    <p:tnLst>
-      <p:par>
-        <p:cTn id="1" dur="indefinite" restart="never" nodeType="tmRoot"/>
-      </p:par>
-    </p:tnLst>
-  </p:timing>
-</p:sld>
-</file>
-
-<file path=ppt/slides/slide33.xml><?xml version="1.0" encoding="utf-8"?>
-<p:sld xmlns:a="http://schemas.openxmlformats.org/drawingml/2006/main" xmlns:r="http://schemas.openxmlformats.org/officeDocument/2006/relationships" xmlns:p="http://schemas.openxmlformats.org/presentationml/2006/main">
-  <p:cSld>
-    <p:spTree>
-      <p:nvGrpSpPr>
-        <p:cNvPr id="1" name=""/>
-        <p:cNvGrpSpPr/>
-        <p:nvPr/>
-      </p:nvGrpSpPr>
-      <p:grpSpPr>
-        <a:xfrm>
-          <a:off x="0" y="0"/>
-          <a:ext cx="0" cy="0"/>
-          <a:chOff x="0" y="0"/>
-          <a:chExt cx="0" cy="0"/>
-        </a:xfrm>
-      </p:grpSpPr>
-      <p:sp>
-        <p:nvSpPr>
-          <p:cNvPr id="2" name="标题 1"/>
-          <p:cNvSpPr>
-            <a:spLocks noGrp="1"/>
-          </p:cNvSpPr>
-          <p:nvPr>
-            <p:ph type="title"/>
-          </p:nvPr>
-        </p:nvSpPr>
-        <p:spPr>
-          <a:xfrm>
-            <a:off x="501794" y="260039"/>
-            <a:ext cx="6718156" cy="476885"/>
-          </a:xfrm>
-        </p:spPr>
-        <p:txBody>
-          <a:bodyPr/>
-          <a:lstStyle/>
-          <a:p>
-            <a:r>
-              <a:rPr altLang="zh-CN">
-                <a:sym typeface="+mn-ea"/>
-              </a:rPr>
-              <a:t>Binding pmf with pointers</a:t>
-            </a:r>
-            <a:endParaRPr lang="zh-CN" altLang="en-US"/>
-          </a:p>
-        </p:txBody>
-      </p:sp>
-      <p:sp>
-        <p:nvSpPr>
-          <p:cNvPr id="3" name="文本占位符 2"/>
-          <p:cNvSpPr>
-            <a:spLocks noGrp="1"/>
-          </p:cNvSpPr>
-          <p:nvPr>
-            <p:ph type="body" sz="half" idx="2"/>
-          </p:nvPr>
-        </p:nvSpPr>
-        <p:spPr/>
-        <p:txBody>
-          <a:bodyPr/>
-          <a:lstStyle/>
-          <a:p>
-            <a:r>
-              <a:rPr lang="en-US" altLang="zh-CN" sz="1400" dirty="0" err="1"/>
-              <a:t>struct</a:t>
-            </a:r>
-            <a:r>
-              <a:rPr lang="en-US" altLang="zh-CN" sz="1400" dirty="0"/>
-              <a:t> </a:t>
-            </a:r>
-            <a:r>
-              <a:rPr lang="en-US" altLang="zh-CN" sz="1400" dirty="0" err="1"/>
-              <a:t>caller_is_a_pointer</a:t>
-            </a:r>
-            <a:r>
-              <a:rPr lang="en-US" altLang="zh-CN" sz="1400" dirty="0"/>
-              <a:t>{};</a:t>
-            </a:r>
-          </a:p>
-          <a:p>
-            <a:endParaRPr lang="zh-CN" altLang="en-US" sz="1400" dirty="0"/>
-          </a:p>
-          <a:p>
-            <a:r>
-              <a:rPr lang="zh-CN" altLang="en-US" sz="1400" dirty="0"/>
-              <a:t>template &lt;typename F, typename Caller&gt;</a:t>
-            </a:r>
-          </a:p>
-          <a:p>
-            <a:r>
-              <a:rPr lang="zh-CN" altLang="en-US" sz="1400" dirty="0"/>
-              <a:t>auto bind_impl_pmf(caller_is_a_pointer, F&amp;&amp; pmf, Caller&amp;&amp; caller)</a:t>
-            </a:r>
-          </a:p>
-          <a:p>
-            <a:r>
-              <a:rPr lang="zh-CN" altLang="en-US" sz="1400" dirty="0"/>
-              <a:t>	-&gt; typename function_traits&lt;F&gt;::stl_function_type</a:t>
-            </a:r>
-          </a:p>
-          <a:p>
-            <a:r>
-              <a:rPr lang="zh-CN" altLang="en-US" sz="1400" dirty="0"/>
-              <a:t>{</a:t>
-            </a:r>
-          </a:p>
-          <a:p>
-            <a:r>
-              <a:rPr lang="zh-CN" altLang="en-US" sz="1400" dirty="0"/>
-              <a:t>	return [pmf, c = std::forward&lt;Caller&gt;(caller)](auto&amp;&amp; ... args) </a:t>
-            </a:r>
-          </a:p>
-          <a:p>
-            <a:r>
-              <a:rPr lang="zh-CN" altLang="en-US" sz="1400" dirty="0"/>
-              <a:t>	{ </a:t>
-            </a:r>
-          </a:p>
-          <a:p>
-            <a:r>
-              <a:rPr lang="zh-CN" altLang="en-US" sz="1400" dirty="0"/>
-              <a:t>		return (c-&gt;*pmf)(std::forward&lt;decltype(args)&gt;(args)...); </a:t>
-            </a:r>
-          </a:p>
-          <a:p>
-            <a:r>
-              <a:rPr lang="zh-CN" altLang="en-US" sz="1400" dirty="0"/>
-              <a:t>	};</a:t>
-            </a:r>
-          </a:p>
-          <a:p>
-            <a:r>
-              <a:rPr lang="zh-CN" altLang="en-US" sz="1400" dirty="0"/>
-              <a:t>}</a:t>
-            </a:r>
-          </a:p>
-          <a:p>
-            <a:endParaRPr lang="zh-CN" altLang="en-US" sz="1400" dirty="0"/>
-          </a:p>
-          <a:p>
-            <a:r>
-              <a:rPr lang="en-US" altLang="zh-CN" dirty="0"/>
-              <a:t>NOTE: we support polymorphism</a:t>
-            </a:r>
-          </a:p>
-        </p:txBody>
-      </p:sp>
-    </p:spTree>
-  </p:cSld>
-  <p:clrMapOvr>
-    <a:masterClrMapping/>
-  </p:clrMapOvr>
-  <p:timing>
-    <p:tnLst>
-      <p:par>
-        <p:cTn id="1" dur="indefinite" restart="never" nodeType="tmRoot"/>
-      </p:par>
-    </p:tnLst>
-  </p:timing>
-</p:sld>
-</file>
-
-<file path=ppt/slides/slide34.xml><?xml version="1.0" encoding="utf-8"?>
-<p:sld xmlns:a="http://schemas.openxmlformats.org/drawingml/2006/main" xmlns:r="http://schemas.openxmlformats.org/officeDocument/2006/relationships" xmlns:p="http://schemas.openxmlformats.org/presentationml/2006/main">
-  <p:cSld>
-    <p:spTree>
-      <p:nvGrpSpPr>
-        <p:cNvPr id="1" name=""/>
-        <p:cNvGrpSpPr/>
-        <p:nvPr/>
-      </p:nvGrpSpPr>
-      <p:grpSpPr>
-        <a:xfrm>
-          <a:off x="0" y="0"/>
-          <a:ext cx="0" cy="0"/>
-          <a:chOff x="0" y="0"/>
-          <a:chExt cx="0" cy="0"/>
-        </a:xfrm>
-      </p:grpSpPr>
-      <p:sp>
-        <p:nvSpPr>
-          <p:cNvPr id="2" name="标题 1"/>
-          <p:cNvSpPr>
-            <a:spLocks noGrp="1"/>
-          </p:cNvSpPr>
-          <p:nvPr>
-            <p:ph type="title"/>
-          </p:nvPr>
-        </p:nvSpPr>
-        <p:spPr>
-          <a:xfrm>
-            <a:off x="501794" y="260039"/>
-            <a:ext cx="6718156" cy="476885"/>
-          </a:xfrm>
-        </p:spPr>
-        <p:txBody>
-          <a:bodyPr/>
-          <a:lstStyle/>
-          <a:p>
-            <a:r>
-              <a:rPr altLang="zh-CN">
-                <a:sym typeface="+mn-ea"/>
-              </a:rPr>
-              <a:t>Binding pmf with object</a:t>
-            </a:r>
-            <a:endParaRPr lang="zh-CN" altLang="en-US"/>
-          </a:p>
-        </p:txBody>
-      </p:sp>
-      <p:sp>
-        <p:nvSpPr>
-          <p:cNvPr id="3" name="文本占位符 2"/>
-          <p:cNvSpPr>
-            <a:spLocks noGrp="1"/>
-          </p:cNvSpPr>
-          <p:nvPr>
-            <p:ph type="body" sz="half" idx="2"/>
-          </p:nvPr>
-        </p:nvSpPr>
-        <p:spPr/>
-        <p:txBody>
-          <a:bodyPr/>
-          <a:lstStyle/>
-          <a:p>
-            <a:r>
-              <a:rPr lang="en-US" altLang="zh-CN" sz="1400"/>
-              <a:t>struct caller_is_a_reference {};</a:t>
-            </a:r>
-          </a:p>
-          <a:p>
-            <a:endParaRPr lang="zh-CN" altLang="en-US" sz="1400"/>
-          </a:p>
-          <a:p>
-            <a:r>
-              <a:rPr lang="zh-CN" altLang="en-US" sz="1400"/>
-              <a:t>template &lt;typename F, typename Caller&gt;</a:t>
-            </a:r>
-          </a:p>
-          <a:p>
-            <a:r>
-              <a:rPr lang="zh-CN" altLang="en-US" sz="1400"/>
-              <a:t>auto bind_impl_pmf(caller_is_a_reference, F&amp;&amp; pmf, Caller&amp;&amp; caller)</a:t>
-            </a:r>
-          </a:p>
-          <a:p>
-            <a:r>
-              <a:rPr lang="zh-CN" altLang="en-US" sz="1400"/>
-              <a:t>	-&gt; typename function_traits&lt;F&gt;::stl_function_type</a:t>
-            </a:r>
-          </a:p>
-          <a:p>
-            <a:r>
-              <a:rPr lang="zh-CN" altLang="en-US" sz="1400"/>
-              <a:t>{</a:t>
-            </a:r>
-          </a:p>
-          <a:p>
-            <a:r>
-              <a:rPr lang="zh-CN" altLang="en-US" sz="1400"/>
-              <a:t>	</a:t>
-            </a:r>
-            <a:r>
-              <a:rPr lang="en-US" altLang="zh-CN" sz="1400"/>
-              <a:t>r</a:t>
-            </a:r>
-            <a:r>
-              <a:rPr lang="zh-CN" altLang="en-US" sz="1400"/>
-              <a:t>eturn [pmf, c = std::forward&lt;Caller&gt;(caller)](auto&amp;&amp; ... args) </a:t>
-            </a:r>
-          </a:p>
-          <a:p>
-            <a:r>
-              <a:rPr lang="zh-CN" altLang="en-US" sz="1400"/>
-              <a:t>	{</a:t>
-            </a:r>
-          </a:p>
-          <a:p>
-            <a:r>
-              <a:rPr lang="zh-CN" altLang="en-US" sz="1400"/>
-              <a:t>		return (c.*pmf)(std::forward&lt;decltype(args)&gt;(args)...); </a:t>
-            </a:r>
-          </a:p>
-          <a:p>
-            <a:r>
-              <a:rPr lang="zh-CN" altLang="en-US" sz="1400"/>
-              <a:t>	};</a:t>
-            </a:r>
-          </a:p>
-          <a:p>
-            <a:r>
-              <a:rPr lang="zh-CN" altLang="en-US" sz="1400"/>
-              <a:t>}</a:t>
-            </a:r>
-          </a:p>
-        </p:txBody>
-      </p:sp>
-    </p:spTree>
-  </p:cSld>
-  <p:clrMapOvr>
-    <a:masterClrMapping/>
-  </p:clrMapOvr>
-  <p:timing>
-    <p:tnLst>
-      <p:par>
-        <p:cTn id="1" dur="indefinite" restart="never" nodeType="tmRoot"/>
-      </p:par>
-    </p:tnLst>
-  </p:timing>
-</p:sld>
-</file>
-
-<file path=ppt/slides/slide35.xml><?xml version="1.0" encoding="utf-8"?>
-<p:sld xmlns:a="http://schemas.openxmlformats.org/drawingml/2006/main" xmlns:r="http://schemas.openxmlformats.org/officeDocument/2006/relationships" xmlns:p="http://schemas.openxmlformats.org/presentationml/2006/main">
-  <p:cSld>
-    <p:spTree>
-      <p:nvGrpSpPr>
-        <p:cNvPr id="1" name=""/>
-        <p:cNvGrpSpPr/>
-        <p:nvPr/>
-      </p:nvGrpSpPr>
-      <p:grpSpPr>
-        <a:xfrm>
-          <a:off x="0" y="0"/>
-          <a:ext cx="0" cy="0"/>
-          <a:chOff x="0" y="0"/>
-          <a:chExt cx="0" cy="0"/>
-        </a:xfrm>
-      </p:grpSpPr>
-      <p:sp>
-        <p:nvSpPr>
-          <p:cNvPr id="2" name="标题 1"/>
-          <p:cNvSpPr>
-            <a:spLocks noGrp="1"/>
-          </p:cNvSpPr>
-          <p:nvPr>
-            <p:ph type="title"/>
-          </p:nvPr>
-        </p:nvSpPr>
-        <p:spPr>
-          <a:xfrm>
-            <a:off x="501794" y="260039"/>
-            <a:ext cx="6718156" cy="476885"/>
-          </a:xfrm>
-        </p:spPr>
-        <p:txBody>
-          <a:bodyPr/>
-          <a:lstStyle/>
-          <a:p>
-            <a:r>
-              <a:rPr altLang="zh-CN"/>
-              <a:t>Binding pmf with smart pointers</a:t>
-            </a:r>
-          </a:p>
-        </p:txBody>
-      </p:sp>
-      <p:sp>
-        <p:nvSpPr>
-          <p:cNvPr id="3" name="文本占位符 2"/>
-          <p:cNvSpPr>
-            <a:spLocks noGrp="1"/>
-          </p:cNvSpPr>
-          <p:nvPr>
-            <p:ph type="body" sz="half" idx="2"/>
-          </p:nvPr>
-        </p:nvSpPr>
-        <p:spPr/>
-        <p:txBody>
-          <a:bodyPr/>
-          <a:lstStyle/>
-          <a:p>
-            <a:r>
-              <a:rPr lang="en-US" altLang="zh-CN" sz="1400" dirty="0" err="1"/>
-              <a:t>struct</a:t>
-            </a:r>
-            <a:r>
-              <a:rPr lang="en-US" altLang="zh-CN" sz="1400" dirty="0"/>
-              <a:t> </a:t>
-            </a:r>
-            <a:r>
-              <a:rPr lang="en-US" altLang="zh-CN" sz="1400" dirty="0" err="1"/>
-              <a:t>caller_is_a_smart_pointer</a:t>
-            </a:r>
-            <a:r>
-              <a:rPr lang="en-US" altLang="zh-CN" sz="1400" dirty="0"/>
-              <a:t> {};</a:t>
-            </a:r>
-          </a:p>
-          <a:p>
-            <a:endParaRPr lang="zh-CN" altLang="en-US" sz="1400" dirty="0"/>
-          </a:p>
-          <a:p>
-            <a:r>
-              <a:rPr lang="zh-CN" altLang="en-US" sz="1400" dirty="0"/>
-              <a:t>template &lt;typename F, typename Caller&gt;</a:t>
-            </a:r>
-          </a:p>
-          <a:p>
-            <a:r>
-              <a:rPr lang="zh-CN" altLang="en-US" sz="1400" dirty="0"/>
-              <a:t>auto bind_impl_pmf(caller_is_a_smart_pointer, F&amp;&amp; pmf, Caller&amp;&amp; caller)</a:t>
-            </a:r>
-          </a:p>
-          <a:p>
-            <a:r>
-              <a:rPr lang="zh-CN" altLang="en-US" sz="1400" dirty="0"/>
-              <a:t>	-&gt; typename function_traits&lt;F&gt;::stl_function_type</a:t>
-            </a:r>
-          </a:p>
-          <a:p>
-            <a:r>
-              <a:rPr lang="zh-CN" altLang="en-US" sz="1400" dirty="0"/>
-              <a:t>{</a:t>
-            </a:r>
-          </a:p>
-          <a:p>
-            <a:r>
-              <a:rPr lang="zh-CN" altLang="en-US" sz="1400" dirty="0"/>
-              <a:t>	return [pmf, c = std::forward&lt;Caller&gt;(caller)](auto&amp;&amp; ... args) </a:t>
-            </a:r>
-          </a:p>
-          <a:p>
-            <a:r>
-              <a:rPr lang="zh-CN" altLang="en-US" sz="1400" dirty="0"/>
-              <a:t>	{ </a:t>
-            </a:r>
-          </a:p>
-          <a:p>
-            <a:r>
-              <a:rPr lang="zh-CN" altLang="en-US" sz="1400" dirty="0"/>
-              <a:t>		return (c.get()-&gt;*pmf)(std::forward&lt;decltype(args)&gt;(args)...); </a:t>
-            </a:r>
-          </a:p>
-          <a:p>
-            <a:r>
-              <a:rPr lang="zh-CN" altLang="en-US" sz="1400" dirty="0"/>
-              <a:t>	};</a:t>
-            </a:r>
-          </a:p>
-          <a:p>
-            <a:r>
-              <a:rPr lang="zh-CN" altLang="en-US" sz="1400" dirty="0"/>
-              <a:t>}</a:t>
-            </a:r>
-          </a:p>
-        </p:txBody>
-      </p:sp>
-    </p:spTree>
-  </p:cSld>
-  <p:clrMapOvr>
-    <a:masterClrMapping/>
-  </p:clrMapOvr>
-  <p:timing>
-    <p:tnLst>
-      <p:par>
-        <p:cTn id="1" dur="indefinite" restart="never" nodeType="tmRoot"/>
-      </p:par>
-    </p:tnLst>
-  </p:timing>
-</p:sld>
-</file>
-
-<file path=ppt/slides/slide36.xml><?xml version="1.0" encoding="utf-8"?>
-<p:sld xmlns:a="http://schemas.openxmlformats.org/drawingml/2006/main" xmlns:r="http://schemas.openxmlformats.org/officeDocument/2006/relationships" xmlns:p="http://schemas.openxmlformats.org/presentationml/2006/main">
-  <p:cSld>
-    <p:spTree>
-      <p:nvGrpSpPr>
-        <p:cNvPr id="1" name=""/>
-        <p:cNvGrpSpPr/>
-        <p:nvPr/>
-      </p:nvGrpSpPr>
-      <p:grpSpPr>
-        <a:xfrm>
-          <a:off x="0" y="0"/>
-          <a:ext cx="0" cy="0"/>
-          <a:chOff x="0" y="0"/>
-          <a:chExt cx="0" cy="0"/>
-        </a:xfrm>
-      </p:grpSpPr>
-      <p:sp>
-        <p:nvSpPr>
-          <p:cNvPr id="2" name="标题 1"/>
-          <p:cNvSpPr>
-            <a:spLocks noGrp="1"/>
-          </p:cNvSpPr>
-          <p:nvPr>
-            <p:ph type="title"/>
-          </p:nvPr>
-        </p:nvSpPr>
-        <p:spPr/>
-        <p:txBody>
-          <a:bodyPr/>
-          <a:lstStyle/>
-          <a:p>
-            <a:r>
-              <a:rPr lang="en-US" altLang="zh-CN" dirty="0" smtClean="0">
-                <a:sym typeface="+mn-ea"/>
-              </a:rPr>
-              <a:t>Template meta-programming</a:t>
+              <a:rPr lang="en-US" altLang="zh-CN" dirty="0"/>
+              <a:t>How to simplify the call code</a:t>
             </a:r>
             <a:endParaRPr lang="zh-CN" altLang="en-US" dirty="0"/>
           </a:p>
@@ -24263,7 +22829,7 @@
 </p:sld>
 </file>
 
-<file path=ppt/slides/slide37.xml><?xml version="1.0" encoding="utf-8"?>
+<file path=ppt/slides/slide33.xml><?xml version="1.0" encoding="utf-8"?>
 <p:sld xmlns:a="http://schemas.openxmlformats.org/drawingml/2006/main" xmlns:r="http://schemas.openxmlformats.org/officeDocument/2006/relationships" xmlns:p="http://schemas.openxmlformats.org/presentationml/2006/main">
   <p:cSld>
     <p:spTree>
@@ -24296,10 +22862,8 @@
           <a:lstStyle/>
           <a:p>
             <a:r>
-              <a:rPr lang="en-US" altLang="zh-CN" dirty="0" smtClean="0">
-                <a:sym typeface="+mn-ea"/>
-              </a:rPr>
-              <a:t>Template meta-programming</a:t>
+              <a:rPr lang="en-US" altLang="zh-CN" dirty="0"/>
+              <a:t>How to simplify the call code</a:t>
             </a:r>
             <a:endParaRPr lang="zh-CN" altLang="en-US" dirty="0"/>
           </a:p>
@@ -24792,6 +23356,543 @@
 </p:sld>
 </file>
 
+<file path=ppt/slides/slide34.xml><?xml version="1.0" encoding="utf-8"?>
+<p:sld xmlns:a="http://schemas.openxmlformats.org/drawingml/2006/main" xmlns:r="http://schemas.openxmlformats.org/officeDocument/2006/relationships" xmlns:p="http://schemas.openxmlformats.org/presentationml/2006/main">
+  <p:cSld>
+    <p:spTree>
+      <p:nvGrpSpPr>
+        <p:cNvPr id="1" name=""/>
+        <p:cNvGrpSpPr/>
+        <p:nvPr/>
+      </p:nvGrpSpPr>
+      <p:grpSpPr>
+        <a:xfrm>
+          <a:off x="0" y="0"/>
+          <a:ext cx="0" cy="0"/>
+          <a:chOff x="0" y="0"/>
+          <a:chExt cx="0" cy="0"/>
+        </a:xfrm>
+      </p:grpSpPr>
+      <p:sp>
+        <p:nvSpPr>
+          <p:cNvPr id="2" name="标题 1"/>
+          <p:cNvSpPr>
+            <a:spLocks noGrp="1"/>
+          </p:cNvSpPr>
+          <p:nvPr>
+            <p:ph type="title"/>
+          </p:nvPr>
+        </p:nvSpPr>
+        <p:spPr>
+          <a:xfrm>
+            <a:off x="501794" y="119916"/>
+            <a:ext cx="6718156" cy="757130"/>
+          </a:xfrm>
+        </p:spPr>
+        <p:txBody>
+          <a:bodyPr/>
+          <a:lstStyle/>
+          <a:p>
+            <a:r>
+              <a:rPr lang="en-US" altLang="zh-CN" dirty="0"/>
+              <a:t>How to hide the details of serialization and networking</a:t>
+            </a:r>
+            <a:endParaRPr lang="zh-CN" altLang="en-US" dirty="0"/>
+          </a:p>
+        </p:txBody>
+      </p:sp>
+      <p:sp>
+        <p:nvSpPr>
+          <p:cNvPr id="3" name="文本占位符 2"/>
+          <p:cNvSpPr>
+            <a:spLocks noGrp="1"/>
+          </p:cNvSpPr>
+          <p:nvPr>
+            <p:ph type="body" sz="half" idx="2"/>
+          </p:nvPr>
+        </p:nvSpPr>
+        <p:spPr/>
+        <p:txBody>
+          <a:bodyPr/>
+          <a:lstStyle/>
+          <a:p>
+            <a:r>
+              <a:rPr lang="en-US" altLang="zh-CN" dirty="0" err="1" smtClean="0"/>
+              <a:t>todo</a:t>
+            </a:r>
+            <a:r>
+              <a:rPr lang="en-US" altLang="zh-CN" dirty="0" smtClean="0"/>
+              <a:t>….</a:t>
+            </a:r>
+            <a:endParaRPr lang="zh-CN" altLang="en-US" dirty="0"/>
+          </a:p>
+        </p:txBody>
+      </p:sp>
+    </p:spTree>
+    <p:extLst>
+      <p:ext uri="{BB962C8B-B14F-4D97-AF65-F5344CB8AC3E}">
+        <p14:creationId xmlns:p14="http://schemas.microsoft.com/office/powerpoint/2010/main" val="491214577"/>
+      </p:ext>
+    </p:extLst>
+  </p:cSld>
+  <p:clrMapOvr>
+    <a:masterClrMapping/>
+  </p:clrMapOvr>
+  <p:timing>
+    <p:tnLst>
+      <p:par>
+        <p:cTn id="1" dur="indefinite" restart="never" nodeType="tmRoot"/>
+      </p:par>
+    </p:tnLst>
+  </p:timing>
+</p:sld>
+</file>
+
+<file path=ppt/slides/slide35.xml><?xml version="1.0" encoding="utf-8"?>
+<p:sld xmlns:a="http://schemas.openxmlformats.org/drawingml/2006/main" xmlns:r="http://schemas.openxmlformats.org/officeDocument/2006/relationships" xmlns:p="http://schemas.openxmlformats.org/presentationml/2006/main">
+  <p:cSld>
+    <p:spTree>
+      <p:nvGrpSpPr>
+        <p:cNvPr id="1" name=""/>
+        <p:cNvGrpSpPr/>
+        <p:nvPr/>
+      </p:nvGrpSpPr>
+      <p:grpSpPr>
+        <a:xfrm>
+          <a:off x="0" y="0"/>
+          <a:ext cx="0" cy="0"/>
+          <a:chOff x="0" y="0"/>
+          <a:chExt cx="0" cy="0"/>
+        </a:xfrm>
+      </p:grpSpPr>
+      <p:sp>
+        <p:nvSpPr>
+          <p:cNvPr id="2" name="标题 1"/>
+          <p:cNvSpPr>
+            <a:spLocks noGrp="1"/>
+          </p:cNvSpPr>
+          <p:nvPr>
+            <p:ph type="title"/>
+          </p:nvPr>
+        </p:nvSpPr>
+        <p:spPr/>
+        <p:txBody>
+          <a:bodyPr/>
+          <a:lstStyle/>
+          <a:p>
+            <a:r>
+              <a:rPr lang="en-US" altLang="zh-CN" dirty="0" smtClean="0"/>
+              <a:t>Outline</a:t>
+            </a:r>
+            <a:endParaRPr lang="zh-CN" altLang="en-US" dirty="0"/>
+          </a:p>
+        </p:txBody>
+      </p:sp>
+      <p:sp>
+        <p:nvSpPr>
+          <p:cNvPr id="3" name="文本占位符 2"/>
+          <p:cNvSpPr>
+            <a:spLocks noGrp="1"/>
+          </p:cNvSpPr>
+          <p:nvPr>
+            <p:ph type="body" sz="half" idx="2"/>
+          </p:nvPr>
+        </p:nvSpPr>
+        <p:spPr/>
+        <p:txBody>
+          <a:bodyPr/>
+          <a:lstStyle/>
+          <a:p>
+            <a:r>
+              <a:rPr lang="en-US" altLang="zh-CN" dirty="0"/>
+              <a:t>1.Introduction to RPC</a:t>
+            </a:r>
+          </a:p>
+          <a:p>
+            <a:endParaRPr lang="en-US" altLang="zh-CN" dirty="0" smtClean="0"/>
+          </a:p>
+          <a:p>
+            <a:r>
+              <a:rPr lang="en-US" altLang="zh-CN" dirty="0" smtClean="0"/>
+              <a:t>2.What is </a:t>
+            </a:r>
+            <a:r>
+              <a:rPr lang="en-US" altLang="zh-CN" dirty="0" err="1" smtClean="0"/>
+              <a:t>rest_rpc</a:t>
+            </a:r>
+            <a:endParaRPr lang="en-US" altLang="zh-CN" dirty="0" smtClean="0"/>
+          </a:p>
+          <a:p>
+            <a:endParaRPr lang="en-US" altLang="zh-CN" dirty="0" smtClean="0"/>
+          </a:p>
+          <a:p>
+            <a:r>
+              <a:rPr lang="en-US" altLang="zh-CN" dirty="0" smtClean="0"/>
+              <a:t>3.Challenges of easy to use</a:t>
+            </a:r>
+          </a:p>
+          <a:p>
+            <a:endParaRPr lang="en-US" altLang="zh-CN" dirty="0" smtClean="0"/>
+          </a:p>
+          <a:p>
+            <a:r>
+              <a:rPr lang="en-US" altLang="zh-CN" dirty="0" smtClean="0"/>
+              <a:t>4.Key technologies</a:t>
+            </a:r>
+          </a:p>
+          <a:p>
+            <a:endParaRPr lang="en-US" altLang="zh-CN" dirty="0"/>
+          </a:p>
+          <a:p>
+            <a:r>
+              <a:rPr lang="en-US" altLang="zh-CN" sz="1800" dirty="0">
+                <a:solidFill>
+                  <a:schemeClr val="accent5"/>
+                </a:solidFill>
+              </a:rPr>
+              <a:t>5.What </a:t>
+            </a:r>
+            <a:r>
+              <a:rPr lang="en-US" altLang="zh-CN" sz="1800" dirty="0">
+                <a:solidFill>
+                  <a:schemeClr val="accent5"/>
+                </a:solidFill>
+              </a:rPr>
+              <a:t>you can do with it</a:t>
+            </a:r>
+            <a:endParaRPr lang="zh-CN" altLang="en-US" sz="1800" dirty="0">
+              <a:solidFill>
+                <a:schemeClr val="accent5"/>
+              </a:solidFill>
+            </a:endParaRPr>
+          </a:p>
+        </p:txBody>
+      </p:sp>
+    </p:spTree>
+    <p:extLst>
+      <p:ext uri="{BB962C8B-B14F-4D97-AF65-F5344CB8AC3E}">
+        <p14:creationId xmlns:p14="http://schemas.microsoft.com/office/powerpoint/2010/main" val="2456307990"/>
+      </p:ext>
+    </p:extLst>
+  </p:cSld>
+  <p:clrMapOvr>
+    <a:masterClrMapping/>
+  </p:clrMapOvr>
+  <p:timing>
+    <p:tnLst>
+      <p:par>
+        <p:cTn id="1" dur="indefinite" restart="never" nodeType="tmRoot"/>
+      </p:par>
+    </p:tnLst>
+  </p:timing>
+</p:sld>
+</file>
+
+<file path=ppt/slides/slide36.xml><?xml version="1.0" encoding="utf-8"?>
+<p:sld xmlns:a="http://schemas.openxmlformats.org/drawingml/2006/main" xmlns:r="http://schemas.openxmlformats.org/officeDocument/2006/relationships" xmlns:p="http://schemas.openxmlformats.org/presentationml/2006/main">
+  <p:cSld>
+    <p:spTree>
+      <p:nvGrpSpPr>
+        <p:cNvPr id="1" name=""/>
+        <p:cNvGrpSpPr/>
+        <p:nvPr/>
+      </p:nvGrpSpPr>
+      <p:grpSpPr>
+        <a:xfrm>
+          <a:off x="0" y="0"/>
+          <a:ext cx="0" cy="0"/>
+          <a:chOff x="0" y="0"/>
+          <a:chExt cx="0" cy="0"/>
+        </a:xfrm>
+      </p:grpSpPr>
+      <p:sp>
+        <p:nvSpPr>
+          <p:cNvPr id="2" name="Title 1"/>
+          <p:cNvSpPr>
+            <a:spLocks noGrp="1"/>
+          </p:cNvSpPr>
+          <p:nvPr>
+            <p:ph type="title"/>
+          </p:nvPr>
+        </p:nvSpPr>
+        <p:spPr/>
+        <p:txBody>
+          <a:bodyPr/>
+          <a:lstStyle/>
+          <a:p>
+            <a:r>
+              <a:rPr lang="en-US" altLang="zh-CN" dirty="0" err="1" smtClean="0"/>
+              <a:t>rest_rpc</a:t>
+            </a:r>
+            <a:r>
+              <a:rPr lang="en-US" altLang="zh-CN" dirty="0" smtClean="0"/>
+              <a:t> can be used to do</a:t>
+            </a:r>
+            <a:endParaRPr lang="zh-CN" altLang="en-US" dirty="0"/>
+          </a:p>
+        </p:txBody>
+      </p:sp>
+      <p:sp>
+        <p:nvSpPr>
+          <p:cNvPr id="3" name="Text Placeholder 2"/>
+          <p:cNvSpPr>
+            <a:spLocks noGrp="1"/>
+          </p:cNvSpPr>
+          <p:nvPr>
+            <p:ph type="body" sz="half" idx="2"/>
+          </p:nvPr>
+        </p:nvSpPr>
+        <p:spPr/>
+        <p:txBody>
+          <a:bodyPr/>
+          <a:lstStyle/>
+          <a:p>
+            <a:r>
+              <a:rPr lang="en-US" altLang="zh-CN" b="1" dirty="0" err="1"/>
+              <a:t>Interprocess</a:t>
+            </a:r>
+            <a:r>
+              <a:rPr lang="en-US" altLang="zh-CN" b="1" dirty="0"/>
+              <a:t> </a:t>
+            </a:r>
+            <a:r>
+              <a:rPr lang="en-US" altLang="zh-CN" b="1" dirty="0" smtClean="0"/>
+              <a:t>communication</a:t>
+            </a:r>
+          </a:p>
+          <a:p>
+            <a:endParaRPr lang="en-US" altLang="zh-CN" b="1" dirty="0" smtClean="0"/>
+          </a:p>
+          <a:p>
+            <a:r>
+              <a:rPr lang="en-US" altLang="zh-CN" b="1" dirty="0" smtClean="0"/>
+              <a:t>Distribute system</a:t>
+            </a:r>
+          </a:p>
+          <a:p>
+            <a:pPr marL="285750" indent="-285750">
+              <a:buFont typeface="Arial" panose="020B0604020202020204" pitchFamily="34" charset="0"/>
+              <a:buChar char="•"/>
+            </a:pPr>
+            <a:r>
+              <a:rPr lang="en-US" altLang="zh-CN" dirty="0" smtClean="0"/>
+              <a:t>HA(binary star, raft)</a:t>
+            </a:r>
+          </a:p>
+          <a:p>
+            <a:pPr marL="285750" indent="-285750">
+              <a:buFont typeface="Arial" panose="020B0604020202020204" pitchFamily="34" charset="0"/>
+              <a:buChar char="•"/>
+            </a:pPr>
+            <a:r>
+              <a:rPr lang="en-US" altLang="zh-CN" dirty="0" smtClean="0"/>
+              <a:t>Service discovery</a:t>
+            </a:r>
+          </a:p>
+          <a:p>
+            <a:pPr marL="285750" indent="-285750">
+              <a:buFont typeface="Arial" panose="020B0604020202020204" pitchFamily="34" charset="0"/>
+              <a:buChar char="•"/>
+            </a:pPr>
+            <a:r>
+              <a:rPr lang="en-US" altLang="zh-CN" dirty="0" smtClean="0"/>
+              <a:t>Message queue</a:t>
+            </a:r>
+          </a:p>
+          <a:p>
+            <a:pPr marL="285750" indent="-285750">
+              <a:buFont typeface="Arial" panose="020B0604020202020204" pitchFamily="34" charset="0"/>
+              <a:buChar char="•"/>
+            </a:pPr>
+            <a:r>
+              <a:rPr lang="en-US" altLang="zh-CN" dirty="0" smtClean="0"/>
+              <a:t>Distribute compute</a:t>
+            </a:r>
+          </a:p>
+          <a:p>
+            <a:pPr marL="285750" indent="-285750">
+              <a:buFont typeface="Arial" panose="020B0604020202020204" pitchFamily="34" charset="0"/>
+              <a:buChar char="•"/>
+            </a:pPr>
+            <a:r>
+              <a:rPr lang="en-US" altLang="zh-CN" dirty="0" smtClean="0"/>
+              <a:t>Distribute storage</a:t>
+            </a:r>
+          </a:p>
+          <a:p>
+            <a:endParaRPr lang="zh-CN" altLang="en-US" b="1" dirty="0"/>
+          </a:p>
+        </p:txBody>
+      </p:sp>
+    </p:spTree>
+    <p:extLst>
+      <p:ext uri="{BB962C8B-B14F-4D97-AF65-F5344CB8AC3E}">
+        <p14:creationId xmlns:p14="http://schemas.microsoft.com/office/powerpoint/2010/main" val="2546503311"/>
+      </p:ext>
+    </p:extLst>
+  </p:cSld>
+  <p:clrMapOvr>
+    <a:masterClrMapping/>
+  </p:clrMapOvr>
+  <p:timing>
+    <p:tnLst>
+      <p:par>
+        <p:cTn id="1" dur="indefinite" restart="never" nodeType="tmRoot"/>
+      </p:par>
+    </p:tnLst>
+  </p:timing>
+</p:sld>
+</file>
+
+<file path=ppt/slides/slide37.xml><?xml version="1.0" encoding="utf-8"?>
+<p:sld xmlns:a="http://schemas.openxmlformats.org/drawingml/2006/main" xmlns:r="http://schemas.openxmlformats.org/officeDocument/2006/relationships" xmlns:p="http://schemas.openxmlformats.org/presentationml/2006/main">
+  <p:cSld>
+    <p:spTree>
+      <p:nvGrpSpPr>
+        <p:cNvPr id="1" name=""/>
+        <p:cNvGrpSpPr/>
+        <p:nvPr/>
+      </p:nvGrpSpPr>
+      <p:grpSpPr>
+        <a:xfrm>
+          <a:off x="0" y="0"/>
+          <a:ext cx="0" cy="0"/>
+          <a:chOff x="0" y="0"/>
+          <a:chExt cx="0" cy="0"/>
+        </a:xfrm>
+      </p:grpSpPr>
+      <p:sp>
+        <p:nvSpPr>
+          <p:cNvPr id="2" name="标题 1"/>
+          <p:cNvSpPr>
+            <a:spLocks noGrp="1"/>
+          </p:cNvSpPr>
+          <p:nvPr>
+            <p:ph type="title"/>
+          </p:nvPr>
+        </p:nvSpPr>
+        <p:spPr/>
+        <p:txBody>
+          <a:bodyPr/>
+          <a:lstStyle/>
+          <a:p>
+            <a:r>
+              <a:rPr lang="en-US" altLang="zh-CN" dirty="0"/>
+              <a:t>Links</a:t>
+            </a:r>
+            <a:endParaRPr lang="zh-CN" altLang="en-US" dirty="0"/>
+          </a:p>
+        </p:txBody>
+      </p:sp>
+      <p:sp>
+        <p:nvSpPr>
+          <p:cNvPr id="3" name="文本占位符 2"/>
+          <p:cNvSpPr>
+            <a:spLocks noGrp="1"/>
+          </p:cNvSpPr>
+          <p:nvPr>
+            <p:ph type="body" sz="half" idx="2"/>
+          </p:nvPr>
+        </p:nvSpPr>
+        <p:spPr/>
+        <p:txBody>
+          <a:bodyPr/>
+          <a:lstStyle/>
+          <a:p>
+            <a:r>
+              <a:rPr lang="en-US" altLang="zh-CN" dirty="0">
+                <a:hlinkClick r:id="rId2"/>
+              </a:rPr>
+              <a:t>https://</a:t>
+            </a:r>
+            <a:r>
+              <a:rPr lang="en-US" altLang="zh-CN" dirty="0" smtClean="0">
+                <a:hlinkClick r:id="rId2"/>
+              </a:rPr>
+              <a:t>github.com/topcpporg/rest_rpc</a:t>
+            </a:r>
+            <a:endParaRPr lang="en-US" altLang="zh-CN" dirty="0" smtClean="0"/>
+          </a:p>
+          <a:p>
+            <a:endParaRPr lang="en-US" altLang="zh-CN" dirty="0" smtClean="0"/>
+          </a:p>
+          <a:p>
+            <a:r>
+              <a:rPr lang="en-US" altLang="zh-CN" dirty="0" smtClean="0">
+                <a:hlinkClick r:id="rId3"/>
+              </a:rPr>
+              <a:t>http</a:t>
+            </a:r>
+            <a:r>
+              <a:rPr lang="en-US" altLang="zh-CN" dirty="0">
+                <a:hlinkClick r:id="rId3"/>
+              </a:rPr>
+              <a:t>://purecpp.org</a:t>
+            </a:r>
+            <a:r>
+              <a:rPr lang="en-US" altLang="zh-CN" dirty="0" smtClean="0">
+                <a:hlinkClick r:id="rId3"/>
+              </a:rPr>
+              <a:t>/</a:t>
+            </a:r>
+            <a:endParaRPr lang="en-US" altLang="zh-CN" dirty="0" smtClean="0"/>
+          </a:p>
+          <a:p>
+            <a:endParaRPr lang="en-US" altLang="zh-CN" dirty="0" smtClean="0">
+              <a:hlinkClick r:id="rId4"/>
+            </a:endParaRPr>
+          </a:p>
+          <a:p>
+            <a:r>
+              <a:rPr lang="en-US" altLang="zh-CN" dirty="0"/>
+              <a:t>Contact </a:t>
+            </a:r>
+            <a:r>
+              <a:rPr lang="en-US" altLang="zh-CN" dirty="0" smtClean="0"/>
+              <a:t>me: </a:t>
+            </a:r>
+            <a:r>
+              <a:rPr lang="en-US" altLang="zh-CN" dirty="0" smtClean="0">
+                <a:hlinkClick r:id="rId4"/>
+              </a:rPr>
+              <a:t>qicosmos@163.com</a:t>
+            </a:r>
+            <a:endParaRPr lang="en-US" altLang="zh-CN" dirty="0" smtClean="0"/>
+          </a:p>
+          <a:p>
+            <a:endParaRPr lang="en-US" altLang="zh-CN" dirty="0" smtClean="0"/>
+          </a:p>
+          <a:p>
+            <a:endParaRPr lang="en-US" altLang="zh-CN" dirty="0" smtClean="0"/>
+          </a:p>
+          <a:p>
+            <a:endParaRPr lang="en-US" altLang="zh-CN" dirty="0" smtClean="0"/>
+          </a:p>
+          <a:p>
+            <a:endParaRPr lang="zh-CN" altLang="en-US" dirty="0"/>
+          </a:p>
+        </p:txBody>
+      </p:sp>
+    </p:spTree>
+    <p:extLst>
+      <p:ext uri="{BB962C8B-B14F-4D97-AF65-F5344CB8AC3E}">
+        <p14:creationId xmlns:p14="http://schemas.microsoft.com/office/powerpoint/2010/main" val="1217529647"/>
+      </p:ext>
+    </p:extLst>
+  </p:cSld>
+  <p:clrMapOvr>
+    <a:masterClrMapping/>
+  </p:clrMapOvr>
+  <p:timing>
+    <p:tnLst>
+      <p:par>
+        <p:cTn id="1" dur="indefinite" restart="never" nodeType="tmRoot"/>
+      </p:par>
+    </p:tnLst>
+  </p:timing>
+</p:sld>
+</file>
+
 <file path=ppt/slides/slide38.xml><?xml version="1.0" encoding="utf-8"?>
 <p:sld xmlns:a="http://schemas.openxmlformats.org/drawingml/2006/main" xmlns:r="http://schemas.openxmlformats.org/officeDocument/2006/relationships" xmlns:p="http://schemas.openxmlformats.org/presentationml/2006/main">
   <p:cSld>
@@ -24824,11 +23925,7 @@
           <a:bodyPr/>
           <a:lstStyle/>
           <a:p>
-            <a:r>
-              <a:rPr lang="en-US" altLang="zh-CN" dirty="0" smtClean="0"/>
-              <a:t>Outline</a:t>
-            </a:r>
-            <a:endParaRPr lang="zh-CN" altLang="en-US" dirty="0"/>
+            <a:endParaRPr lang="zh-CN" altLang="en-US"/>
           </a:p>
         </p:txBody>
       </p:sp>
@@ -24847,302 +23944,45 @@
           <a:bodyPr/>
           <a:lstStyle/>
           <a:p>
-            <a:r>
-              <a:rPr lang="en-US" altLang="zh-CN" dirty="0"/>
-              <a:t>1.Introduction to RPC</a:t>
-            </a:r>
-          </a:p>
-          <a:p>
-            <a:endParaRPr lang="en-US" altLang="zh-CN" dirty="0" smtClean="0"/>
-          </a:p>
-          <a:p>
-            <a:r>
-              <a:rPr lang="en-US" altLang="zh-CN" dirty="0"/>
-              <a:t>2.Problems of nowadays RPC framework</a:t>
-            </a:r>
-          </a:p>
-          <a:p>
-            <a:endParaRPr lang="en-US" altLang="zh-CN" dirty="0" smtClean="0"/>
-          </a:p>
-          <a:p>
-            <a:r>
-              <a:rPr lang="en-US" altLang="zh-CN" dirty="0"/>
-              <a:t>3.Challenges in developing a high performance and easy to use RPC framework</a:t>
-            </a:r>
-          </a:p>
-          <a:p>
-            <a:endParaRPr lang="en-US" altLang="zh-CN" dirty="0" smtClean="0"/>
-          </a:p>
-          <a:p>
-            <a:r>
-              <a:rPr lang="en-US" altLang="zh-CN" dirty="0"/>
-              <a:t>4.Key technologies</a:t>
-            </a:r>
-          </a:p>
-          <a:p>
-            <a:endParaRPr lang="en-US" altLang="zh-CN" dirty="0"/>
-          </a:p>
-          <a:p>
-            <a:r>
-              <a:rPr lang="en-US" altLang="zh-CN" sz="1800" dirty="0">
-                <a:solidFill>
-                  <a:schemeClr val="accent5"/>
-                </a:solidFill>
-              </a:rPr>
-              <a:t>5.A little episode </a:t>
-            </a:r>
-          </a:p>
-          <a:p>
-            <a:endParaRPr lang="en-US" altLang="zh-CN" dirty="0"/>
-          </a:p>
-          <a:p>
-            <a:r>
-              <a:rPr lang="en-US" altLang="zh-CN" dirty="0" smtClean="0"/>
-              <a:t>6.What </a:t>
-            </a:r>
-            <a:r>
-              <a:rPr lang="en-US" altLang="zh-CN" dirty="0"/>
-              <a:t>you can do with it</a:t>
-            </a:r>
             <a:endParaRPr lang="zh-CN" altLang="en-US" dirty="0"/>
+          </a:p>
+        </p:txBody>
+      </p:sp>
+      <p:sp>
+        <p:nvSpPr>
+          <p:cNvPr id="4" name="矩形 3"/>
+          <p:cNvSpPr/>
+          <p:nvPr/>
+        </p:nvSpPr>
+        <p:spPr>
+          <a:xfrm>
+            <a:off x="3663368" y="3021274"/>
+            <a:ext cx="2052357" cy="584775"/>
+          </a:xfrm>
+          <a:prstGeom prst="rect">
+            <a:avLst/>
+          </a:prstGeom>
+        </p:spPr>
+        <p:txBody>
+          <a:bodyPr wrap="none">
+            <a:spAutoFit/>
+          </a:bodyPr>
+          <a:lstStyle/>
+          <a:p>
+            <a:r>
+              <a:rPr lang="en-US" altLang="zh-CN" sz="3200" dirty="0"/>
+              <a:t>Questions?</a:t>
+            </a:r>
+            <a:endParaRPr lang="zh-CN" altLang="en-US" sz="3200" dirty="0"/>
           </a:p>
         </p:txBody>
       </p:sp>
     </p:spTree>
     <p:extLst>
       <p:ext uri="{BB962C8B-B14F-4D97-AF65-F5344CB8AC3E}">
-        <p14:creationId xmlns:p14="http://schemas.microsoft.com/office/powerpoint/2010/main" val="1198844880"/>
+        <p14:creationId xmlns:p14="http://schemas.microsoft.com/office/powerpoint/2010/main" val="2357326597"/>
       </p:ext>
     </p:extLst>
-  </p:cSld>
-  <p:clrMapOvr>
-    <a:masterClrMapping/>
-  </p:clrMapOvr>
-  <p:timing>
-    <p:tnLst>
-      <p:par>
-        <p:cTn id="1" dur="indefinite" restart="never" nodeType="tmRoot"/>
-      </p:par>
-    </p:tnLst>
-  </p:timing>
-</p:sld>
-</file>
-
-<file path=ppt/slides/slide39.xml><?xml version="1.0" encoding="utf-8"?>
-<p:sld xmlns:a="http://schemas.openxmlformats.org/drawingml/2006/main" xmlns:r="http://schemas.openxmlformats.org/officeDocument/2006/relationships" xmlns:p="http://schemas.openxmlformats.org/presentationml/2006/main">
-  <p:cSld>
-    <p:spTree>
-      <p:nvGrpSpPr>
-        <p:cNvPr id="1" name=""/>
-        <p:cNvGrpSpPr/>
-        <p:nvPr/>
-      </p:nvGrpSpPr>
-      <p:grpSpPr>
-        <a:xfrm>
-          <a:off x="0" y="0"/>
-          <a:ext cx="0" cy="0"/>
-          <a:chOff x="0" y="0"/>
-          <a:chExt cx="0" cy="0"/>
-        </a:xfrm>
-      </p:grpSpPr>
-      <p:sp>
-        <p:nvSpPr>
-          <p:cNvPr id="2" name="标题 1"/>
-          <p:cNvSpPr>
-            <a:spLocks noGrp="1"/>
-          </p:cNvSpPr>
-          <p:nvPr>
-            <p:ph type="title"/>
-          </p:nvPr>
-        </p:nvSpPr>
-        <p:spPr/>
-        <p:txBody>
-          <a:bodyPr/>
-          <a:lstStyle/>
-          <a:p>
-            <a:r>
-              <a:rPr lang="en-US" altLang="zh-CN" dirty="0" smtClean="0"/>
-              <a:t>Episode</a:t>
-            </a:r>
-            <a:endParaRPr lang="zh-CN" altLang="en-US" dirty="0"/>
-          </a:p>
-        </p:txBody>
-      </p:sp>
-      <p:sp>
-        <p:nvSpPr>
-          <p:cNvPr id="3" name="文本占位符 2"/>
-          <p:cNvSpPr>
-            <a:spLocks noGrp="1"/>
-          </p:cNvSpPr>
-          <p:nvPr>
-            <p:ph type="body" sz="half" idx="2"/>
-          </p:nvPr>
-        </p:nvSpPr>
-        <p:spPr/>
-        <p:txBody>
-          <a:bodyPr/>
-          <a:lstStyle/>
-          <a:p>
-            <a:r>
-              <a:rPr lang="en-US" altLang="zh-CN" b="1" dirty="0"/>
-              <a:t>boost::</a:t>
-            </a:r>
-            <a:r>
-              <a:rPr lang="en-US" altLang="zh-CN" b="1" dirty="0" err="1"/>
-              <a:t>placehodler</a:t>
-            </a:r>
-            <a:r>
-              <a:rPr lang="en-US" altLang="zh-CN" b="1" dirty="0"/>
-              <a:t>::_1 ... are in the </a:t>
-            </a:r>
-            <a:r>
-              <a:rPr lang="en-US" altLang="zh-CN" b="1" dirty="0" err="1"/>
-              <a:t>gloable</a:t>
-            </a:r>
-            <a:r>
-              <a:rPr lang="en-US" altLang="zh-CN" b="1" dirty="0"/>
-              <a:t> namespace</a:t>
-            </a:r>
-          </a:p>
-          <a:p>
-            <a:endParaRPr lang="en-US" altLang="zh-CN" dirty="0"/>
-          </a:p>
-          <a:p>
-            <a:r>
-              <a:rPr lang="en-US" altLang="zh-CN" dirty="0"/>
-              <a:t>There are several ways to solve this</a:t>
-            </a:r>
-          </a:p>
-          <a:p>
-            <a:r>
-              <a:rPr lang="en-US" altLang="zh-CN" dirty="0"/>
-              <a:t>1. Add a macro BOOST_BIND_NO_PLACEHOLDERS ahead</a:t>
-            </a:r>
-          </a:p>
-          <a:p>
-            <a:r>
-              <a:rPr lang="en-US" altLang="zh-CN" dirty="0"/>
-              <a:t>2. Make std::bind compatible with boost::</a:t>
-            </a:r>
-            <a:r>
-              <a:rPr lang="en-US" altLang="zh-CN" dirty="0" err="1"/>
-              <a:t>placerholers</a:t>
-            </a:r>
-            <a:endParaRPr lang="en-US" altLang="zh-CN" dirty="0"/>
-          </a:p>
-          <a:p>
-            <a:endParaRPr lang="en-US" altLang="zh-CN" dirty="0"/>
-          </a:p>
-          <a:p>
-            <a:r>
-              <a:rPr lang="en-US" altLang="zh-CN" dirty="0"/>
-              <a:t>We choose the second.</a:t>
-            </a:r>
-          </a:p>
-          <a:p>
-            <a:endParaRPr lang="en-US" altLang="zh-CN" dirty="0"/>
-          </a:p>
-          <a:p>
-            <a:r>
-              <a:rPr lang="en-US" altLang="zh-CN" sz="1400" dirty="0"/>
-              <a:t>namespace std</a:t>
-            </a:r>
-          </a:p>
-          <a:p>
-            <a:r>
-              <a:rPr lang="en-US" altLang="zh-CN" sz="1400" dirty="0"/>
-              <a:t>{</a:t>
-            </a:r>
-          </a:p>
-          <a:p>
-            <a:r>
-              <a:rPr lang="en-US" altLang="zh-CN" sz="1400" dirty="0"/>
-              <a:t>	template &lt;</a:t>
-            </a:r>
-            <a:r>
-              <a:rPr lang="en-US" altLang="zh-CN" sz="1400" dirty="0" err="1"/>
-              <a:t>int</a:t>
-            </a:r>
-            <a:r>
-              <a:rPr lang="en-US" altLang="zh-CN" sz="1400" dirty="0"/>
-              <a:t> Size&gt;</a:t>
-            </a:r>
-          </a:p>
-          <a:p>
-            <a:r>
-              <a:rPr lang="en-US" altLang="zh-CN" sz="1400" dirty="0"/>
-              <a:t>	</a:t>
-            </a:r>
-            <a:r>
-              <a:rPr lang="en-US" altLang="zh-CN" sz="1400" dirty="0" err="1"/>
-              <a:t>struct</a:t>
-            </a:r>
-            <a:r>
-              <a:rPr lang="en-US" altLang="zh-CN" sz="1400" dirty="0"/>
-              <a:t> </a:t>
-            </a:r>
-            <a:r>
-              <a:rPr lang="en-US" altLang="zh-CN" sz="1400" dirty="0" err="1"/>
-              <a:t>is_placeholder</a:t>
-            </a:r>
-            <a:r>
-              <a:rPr lang="en-US" altLang="zh-CN" sz="1400" dirty="0"/>
-              <a:t>&lt;boost::</a:t>
-            </a:r>
-            <a:r>
-              <a:rPr lang="en-US" altLang="zh-CN" sz="1400" dirty="0" err="1"/>
-              <a:t>arg</a:t>
-            </a:r>
-            <a:r>
-              <a:rPr lang="en-US" altLang="zh-CN" sz="1400" dirty="0"/>
-              <a:t>&lt;Size&gt;&gt;</a:t>
-            </a:r>
-          </a:p>
-          <a:p>
-            <a:r>
-              <a:rPr lang="en-US" altLang="zh-CN" sz="1400" dirty="0"/>
-              <a:t>		: public std::</a:t>
-            </a:r>
-            <a:r>
-              <a:rPr lang="en-US" altLang="zh-CN" sz="1400" dirty="0" err="1"/>
-              <a:t>integral_constant</a:t>
-            </a:r>
-            <a:r>
-              <a:rPr lang="en-US" altLang="zh-CN" sz="1400" dirty="0"/>
-              <a:t>&lt;</a:t>
-            </a:r>
-            <a:r>
-              <a:rPr lang="en-US" altLang="zh-CN" sz="1400" dirty="0" err="1"/>
-              <a:t>int</a:t>
-            </a:r>
-            <a:r>
-              <a:rPr lang="en-US" altLang="zh-CN" sz="1400" dirty="0"/>
-              <a:t>, Size&gt;</a:t>
-            </a:r>
-          </a:p>
-          <a:p>
-            <a:r>
-              <a:rPr lang="en-US" altLang="zh-CN" sz="1400" dirty="0"/>
-              <a:t>	{</a:t>
-            </a:r>
-          </a:p>
-          <a:p>
-            <a:r>
-              <a:rPr lang="en-US" altLang="zh-CN" sz="1400" dirty="0"/>
-              <a:t>	};</a:t>
-            </a:r>
-            <a:br>
-              <a:rPr lang="en-US" altLang="zh-CN" sz="1400" dirty="0"/>
-            </a:br>
-            <a:r>
-              <a:rPr lang="en-US" altLang="zh-CN" sz="1400" dirty="0"/>
-              <a:t>}</a:t>
-            </a:r>
-            <a:endParaRPr lang="zh-CN" altLang="en-US" dirty="0"/>
-          </a:p>
-        </p:txBody>
-      </p:sp>
-    </p:spTree>
   </p:cSld>
   <p:clrMapOvr>
     <a:masterClrMapping/>
@@ -25266,1080 +24106,6 @@
 </p:sld>
 </file>
 
-<file path=ppt/slides/slide40.xml><?xml version="1.0" encoding="utf-8"?>
-<p:sld xmlns:a="http://schemas.openxmlformats.org/drawingml/2006/main" xmlns:r="http://schemas.openxmlformats.org/officeDocument/2006/relationships" xmlns:p="http://schemas.openxmlformats.org/presentationml/2006/main">
-  <p:cSld>
-    <p:spTree>
-      <p:nvGrpSpPr>
-        <p:cNvPr id="1" name=""/>
-        <p:cNvGrpSpPr/>
-        <p:nvPr/>
-      </p:nvGrpSpPr>
-      <p:grpSpPr>
-        <a:xfrm>
-          <a:off x="0" y="0"/>
-          <a:ext cx="0" cy="0"/>
-          <a:chOff x="0" y="0"/>
-          <a:chExt cx="0" cy="0"/>
-        </a:xfrm>
-      </p:grpSpPr>
-      <p:sp>
-        <p:nvSpPr>
-          <p:cNvPr id="2" name="标题 1"/>
-          <p:cNvSpPr>
-            <a:spLocks noGrp="1"/>
-          </p:cNvSpPr>
-          <p:nvPr>
-            <p:ph type="title"/>
-          </p:nvPr>
-        </p:nvSpPr>
-        <p:spPr/>
-        <p:txBody>
-          <a:bodyPr/>
-          <a:lstStyle/>
-          <a:p>
-            <a:r>
-              <a:rPr lang="en-US" altLang="zh-CN" dirty="0" smtClean="0"/>
-              <a:t>Episode</a:t>
-            </a:r>
-            <a:endParaRPr lang="zh-CN" altLang="en-US" dirty="0"/>
-          </a:p>
-        </p:txBody>
-      </p:sp>
-      <p:sp>
-        <p:nvSpPr>
-          <p:cNvPr id="3" name="文本占位符 2"/>
-          <p:cNvSpPr>
-            <a:spLocks noGrp="1"/>
-          </p:cNvSpPr>
-          <p:nvPr>
-            <p:ph type="body" sz="half" idx="2"/>
-          </p:nvPr>
-        </p:nvSpPr>
-        <p:spPr/>
-        <p:txBody>
-          <a:bodyPr/>
-          <a:lstStyle/>
-          <a:p>
-            <a:r>
-              <a:rPr lang="en-US" altLang="zh-CN" b="1" dirty="0"/>
-              <a:t>A bug from </a:t>
-            </a:r>
-            <a:r>
-              <a:rPr lang="en-US" altLang="zh-CN" b="1" dirty="0" err="1"/>
-              <a:t>gcc</a:t>
-            </a:r>
-            <a:endParaRPr lang="en-US" altLang="zh-CN" b="1" dirty="0"/>
-          </a:p>
-          <a:p>
-            <a:endParaRPr lang="en-US" altLang="zh-CN" b="1" dirty="0"/>
-          </a:p>
-          <a:p>
-            <a:r>
-              <a:rPr lang="en-US" altLang="zh-CN" dirty="0"/>
-              <a:t>we got a compile-time error from the code below</a:t>
-            </a:r>
-          </a:p>
-          <a:p>
-            <a:r>
-              <a:rPr lang="en-US" altLang="zh-CN" b="1" dirty="0"/>
-              <a:t/>
-            </a:r>
-            <a:br>
-              <a:rPr lang="en-US" altLang="zh-CN" b="1" dirty="0"/>
-            </a:br>
-            <a:r>
-              <a:rPr lang="en-US" altLang="zh-CN" b="1" dirty="0"/>
-              <a:t>	</a:t>
-            </a:r>
-            <a:r>
-              <a:rPr lang="en-US" altLang="zh-CN" sz="1400" dirty="0" err="1"/>
-              <a:t>timax</a:t>
-            </a:r>
-            <a:r>
-              <a:rPr lang="en-US" altLang="zh-CN" sz="1400" dirty="0"/>
-              <a:t>::bind(add, 1, _1);  // with boost placeholder</a:t>
-            </a:r>
-          </a:p>
-          <a:p>
-            <a:endParaRPr lang="en-US" altLang="zh-CN" sz="1400" dirty="0"/>
-          </a:p>
-          <a:p>
-            <a:endParaRPr lang="en-US" altLang="zh-CN" b="1" dirty="0"/>
-          </a:p>
-          <a:p>
-            <a:endParaRPr lang="en-US" altLang="zh-CN" b="1" dirty="0"/>
-          </a:p>
-          <a:p>
-            <a:endParaRPr lang="en-US" altLang="zh-CN" b="1" dirty="0"/>
-          </a:p>
-          <a:p>
-            <a:endParaRPr lang="en-US" altLang="zh-CN" b="1" dirty="0"/>
-          </a:p>
-          <a:p>
-            <a:r>
-              <a:rPr lang="en-US" altLang="zh-CN" dirty="0"/>
-              <a:t>boost::placeholders::_1 is a const reference of boost::</a:t>
-            </a:r>
-            <a:r>
-              <a:rPr lang="en-US" altLang="zh-CN" dirty="0" err="1"/>
-              <a:t>arg</a:t>
-            </a:r>
-            <a:r>
-              <a:rPr lang="en-US" altLang="zh-CN" dirty="0"/>
-              <a:t>&lt;1&gt; object, and we guess that </a:t>
-            </a:r>
-            <a:r>
-              <a:rPr lang="en-US" altLang="zh-CN" dirty="0" err="1"/>
-              <a:t>gcc</a:t>
-            </a:r>
-            <a:r>
-              <a:rPr lang="en-US" altLang="zh-CN" dirty="0"/>
-              <a:t> is not doing well with const reference to placeholder</a:t>
-            </a:r>
-          </a:p>
-          <a:p>
-            <a:endParaRPr lang="en-US" altLang="zh-CN" dirty="0"/>
-          </a:p>
-          <a:p>
-            <a:r>
-              <a:rPr lang="en-US" altLang="zh-CN" b="1" dirty="0"/>
-              <a:t>Solution:</a:t>
-            </a:r>
-          </a:p>
-          <a:p>
-            <a:r>
-              <a:rPr lang="en-US" altLang="zh-CN" dirty="0"/>
-              <a:t>use TMP to return a new object when forwarding boost placeholder</a:t>
-            </a:r>
-          </a:p>
-          <a:p>
-            <a:endParaRPr lang="zh-CN" altLang="en-US" dirty="0"/>
-          </a:p>
-        </p:txBody>
-      </p:sp>
-      <p:pic>
-        <p:nvPicPr>
-          <p:cNvPr id="4" name="图片 3" descr="QQ截图20161022233927"/>
-          <p:cNvPicPr>
-            <a:picLocks noChangeAspect="1"/>
-          </p:cNvPicPr>
-          <p:nvPr/>
-        </p:nvPicPr>
-        <p:blipFill>
-          <a:blip r:embed="rId2" cstate="print"/>
-          <a:stretch>
-            <a:fillRect/>
-          </a:stretch>
-        </p:blipFill>
-        <p:spPr>
-          <a:xfrm>
-            <a:off x="909955" y="2856865"/>
-            <a:ext cx="7324090" cy="962025"/>
-          </a:xfrm>
-          <a:prstGeom prst="rect">
-            <a:avLst/>
-          </a:prstGeom>
-        </p:spPr>
-      </p:pic>
-    </p:spTree>
-  </p:cSld>
-  <p:clrMapOvr>
-    <a:masterClrMapping/>
-  </p:clrMapOvr>
-  <p:timing>
-    <p:tnLst>
-      <p:par>
-        <p:cTn id="1" dur="indefinite" restart="never" nodeType="tmRoot"/>
-      </p:par>
-    </p:tnLst>
-  </p:timing>
-</p:sld>
-</file>
-
-<file path=ppt/slides/slide41.xml><?xml version="1.0" encoding="utf-8"?>
-<p:sld xmlns:a="http://schemas.openxmlformats.org/drawingml/2006/main" xmlns:r="http://schemas.openxmlformats.org/officeDocument/2006/relationships" xmlns:p="http://schemas.openxmlformats.org/presentationml/2006/main">
-  <p:cSld>
-    <p:spTree>
-      <p:nvGrpSpPr>
-        <p:cNvPr id="1" name=""/>
-        <p:cNvGrpSpPr/>
-        <p:nvPr/>
-      </p:nvGrpSpPr>
-      <p:grpSpPr>
-        <a:xfrm>
-          <a:off x="0" y="0"/>
-          <a:ext cx="0" cy="0"/>
-          <a:chOff x="0" y="0"/>
-          <a:chExt cx="0" cy="0"/>
-        </a:xfrm>
-      </p:grpSpPr>
-      <p:sp>
-        <p:nvSpPr>
-          <p:cNvPr id="2" name="标题 1"/>
-          <p:cNvSpPr>
-            <a:spLocks noGrp="1"/>
-          </p:cNvSpPr>
-          <p:nvPr>
-            <p:ph type="title"/>
-          </p:nvPr>
-        </p:nvSpPr>
-        <p:spPr/>
-        <p:txBody>
-          <a:bodyPr/>
-          <a:lstStyle/>
-          <a:p>
-            <a:r>
-              <a:rPr lang="en-US" altLang="zh-CN" dirty="0" smtClean="0"/>
-              <a:t>Episode</a:t>
-            </a:r>
-            <a:endParaRPr lang="zh-CN" altLang="en-US" dirty="0"/>
-          </a:p>
-        </p:txBody>
-      </p:sp>
-      <p:sp>
-        <p:nvSpPr>
-          <p:cNvPr id="3" name="文本占位符 2"/>
-          <p:cNvSpPr>
-            <a:spLocks noGrp="1"/>
-          </p:cNvSpPr>
-          <p:nvPr>
-            <p:ph type="body" sz="half" idx="2"/>
-          </p:nvPr>
-        </p:nvSpPr>
-        <p:spPr/>
-        <p:txBody>
-          <a:bodyPr/>
-          <a:lstStyle/>
-          <a:p>
-            <a:r>
-              <a:rPr lang="en-US" altLang="zh-CN" dirty="0">
-                <a:sym typeface="+mn-ea"/>
-              </a:rPr>
-              <a:t>template &lt;</a:t>
-            </a:r>
-            <a:r>
-              <a:rPr lang="en-US" altLang="zh-CN" dirty="0" err="1">
-                <a:sym typeface="+mn-ea"/>
-              </a:rPr>
-              <a:t>typename</a:t>
-            </a:r>
-            <a:r>
-              <a:rPr lang="en-US" altLang="zh-CN" dirty="0">
-                <a:sym typeface="+mn-ea"/>
-              </a:rPr>
-              <a:t> T&gt;</a:t>
-            </a:r>
-          </a:p>
-          <a:p>
-            <a:r>
-              <a:rPr lang="zh-CN" altLang="en-US" dirty="0"/>
-              <a:t>struct forward {</a:t>
-            </a:r>
-          </a:p>
-          <a:p>
-            <a:r>
-              <a:rPr lang="zh-CN" altLang="en-US" dirty="0"/>
-              <a:t>	template &lt;typename T1&gt;</a:t>
-            </a:r>
-          </a:p>
-          <a:p>
-            <a:r>
-              <a:rPr lang="zh-CN" altLang="en-US" dirty="0"/>
-              <a:t>	static decltype(auto) apply(T1&amp;&amp; t1) noexcept {</a:t>
-            </a:r>
-          </a:p>
-          <a:p>
-            <a:r>
-              <a:rPr lang="zh-CN" altLang="en-US" dirty="0"/>
-              <a:t>		</a:t>
-            </a:r>
-            <a:r>
-              <a:rPr lang="en-US" altLang="zh-CN" dirty="0"/>
-              <a:t>r</a:t>
-            </a:r>
-            <a:r>
-              <a:rPr lang="zh-CN" altLang="en-US" dirty="0"/>
-              <a:t>eturn std::forward&lt;T&gt;(t1);</a:t>
-            </a:r>
-          </a:p>
-          <a:p>
-            <a:r>
-              <a:rPr lang="zh-CN" altLang="en-US" dirty="0"/>
-              <a:t>	}</a:t>
-            </a:r>
-          </a:p>
-          <a:p>
-            <a:r>
-              <a:rPr lang="zh-CN" altLang="en-US" dirty="0"/>
-              <a:t>};</a:t>
-            </a:r>
-          </a:p>
-          <a:p>
-            <a:endParaRPr lang="zh-CN" altLang="en-US" dirty="0"/>
-          </a:p>
-          <a:p>
-            <a:r>
-              <a:rPr lang="zh-CN" altLang="en-US" dirty="0"/>
-              <a:t>template &lt;int Size&gt;</a:t>
-            </a:r>
-          </a:p>
-          <a:p>
-            <a:r>
-              <a:rPr lang="en-US" altLang="zh-CN" dirty="0"/>
-              <a:t>s</a:t>
-            </a:r>
-            <a:r>
-              <a:rPr lang="zh-CN" altLang="en-US" dirty="0"/>
-              <a:t>truct forward&lt;boost::arg&lt;Size&gt; const&amp;&gt; {</a:t>
-            </a:r>
-          </a:p>
-          <a:p>
-            <a:r>
-              <a:rPr lang="zh-CN" altLang="en-US" dirty="0"/>
-              <a:t>	template &lt;typename T1&gt;</a:t>
-            </a:r>
-          </a:p>
-          <a:p>
-            <a:r>
-              <a:rPr lang="zh-CN" altLang="en-US" dirty="0"/>
-              <a:t>	static auto apply(T1&amp;&amp; t1) noexcept {</a:t>
-            </a:r>
-          </a:p>
-          <a:p>
-            <a:r>
-              <a:rPr lang="zh-CN" altLang="en-US" dirty="0"/>
-              <a:t>		return t1;</a:t>
-            </a:r>
-          </a:p>
-          <a:p>
-            <a:r>
-              <a:rPr lang="zh-CN" altLang="en-US" dirty="0"/>
-              <a:t>	}</a:t>
-            </a:r>
-          </a:p>
-          <a:p>
-            <a:r>
-              <a:rPr lang="zh-CN" altLang="en-US" dirty="0"/>
-              <a:t>};</a:t>
-            </a:r>
-          </a:p>
-        </p:txBody>
-      </p:sp>
-      <p:sp>
-        <p:nvSpPr>
-          <p:cNvPr id="4" name="矩形 3"/>
-          <p:cNvSpPr/>
-          <p:nvPr/>
-        </p:nvSpPr>
-        <p:spPr>
-          <a:xfrm>
-            <a:off x="4534343" y="5190580"/>
-            <a:ext cx="2407454" cy="369332"/>
-          </a:xfrm>
-          <a:prstGeom prst="rect">
-            <a:avLst/>
-          </a:prstGeom>
-        </p:spPr>
-        <p:txBody>
-          <a:bodyPr wrap="none">
-            <a:spAutoFit/>
-          </a:bodyPr>
-          <a:lstStyle/>
-          <a:p>
-            <a:r>
-              <a:rPr lang="en-US" altLang="zh-CN" dirty="0" smtClean="0">
-                <a:solidFill>
-                  <a:srgbClr val="FF0000"/>
-                </a:solidFill>
-              </a:rPr>
-              <a:t>remove const reference</a:t>
-            </a:r>
-            <a:endParaRPr lang="zh-CN" altLang="en-US" dirty="0">
-              <a:solidFill>
-                <a:srgbClr val="FF0000"/>
-              </a:solidFill>
-            </a:endParaRPr>
-          </a:p>
-        </p:txBody>
-      </p:sp>
-    </p:spTree>
-  </p:cSld>
-  <p:clrMapOvr>
-    <a:masterClrMapping/>
-  </p:clrMapOvr>
-  <p:timing>
-    <p:tnLst>
-      <p:par>
-        <p:cTn id="1" dur="indefinite" restart="never" nodeType="tmRoot">
-          <p:childTnLst>
-            <p:seq concurrent="1" nextAc="seek">
-              <p:cTn id="2" dur="indefinite" nodeType="mainSeq">
-                <p:childTnLst>
-                  <p:par>
-                    <p:cTn id="3" fill="hold">
-                      <p:stCondLst>
-                        <p:cond delay="indefinite"/>
-                      </p:stCondLst>
-                      <p:childTnLst>
-                        <p:par>
-                          <p:cTn id="4" fill="hold">
-                            <p:stCondLst>
-                              <p:cond delay="0"/>
-                            </p:stCondLst>
-                            <p:childTnLst>
-                              <p:par>
-                                <p:cTn id="5" presetID="2" presetClass="entr" presetSubtype="4" fill="hold" grpId="0" nodeType="clickEffect">
-                                  <p:stCondLst>
-                                    <p:cond delay="0"/>
-                                  </p:stCondLst>
-                                  <p:childTnLst>
-                                    <p:set>
-                                      <p:cBhvr>
-                                        <p:cTn id="6" dur="1" fill="hold">
-                                          <p:stCondLst>
-                                            <p:cond delay="0"/>
-                                          </p:stCondLst>
-                                        </p:cTn>
-                                        <p:tgtEl>
-                                          <p:spTgt spid="4"/>
-                                        </p:tgtEl>
-                                        <p:attrNameLst>
-                                          <p:attrName>style.visibility</p:attrName>
-                                        </p:attrNameLst>
-                                      </p:cBhvr>
-                                      <p:to>
-                                        <p:strVal val="visible"/>
-                                      </p:to>
-                                    </p:set>
-                                    <p:anim calcmode="lin" valueType="num">
-                                      <p:cBhvr additive="base">
-                                        <p:cTn id="7" dur="500" fill="hold"/>
-                                        <p:tgtEl>
-                                          <p:spTgt spid="4"/>
-                                        </p:tgtEl>
-                                        <p:attrNameLst>
-                                          <p:attrName>ppt_x</p:attrName>
-                                        </p:attrNameLst>
-                                      </p:cBhvr>
-                                      <p:tavLst>
-                                        <p:tav tm="0">
-                                          <p:val>
-                                            <p:strVal val="#ppt_x"/>
-                                          </p:val>
-                                        </p:tav>
-                                        <p:tav tm="100000">
-                                          <p:val>
-                                            <p:strVal val="#ppt_x"/>
-                                          </p:val>
-                                        </p:tav>
-                                      </p:tavLst>
-                                    </p:anim>
-                                    <p:anim calcmode="lin" valueType="num">
-                                      <p:cBhvr additive="base">
-                                        <p:cTn id="8" dur="500" fill="hold"/>
-                                        <p:tgtEl>
-                                          <p:spTgt spid="4"/>
-                                        </p:tgtEl>
-                                        <p:attrNameLst>
-                                          <p:attrName>ppt_y</p:attrName>
-                                        </p:attrNameLst>
-                                      </p:cBhvr>
-                                      <p:tavLst>
-                                        <p:tav tm="0">
-                                          <p:val>
-                                            <p:strVal val="1+#ppt_h/2"/>
-                                          </p:val>
-                                        </p:tav>
-                                        <p:tav tm="100000">
-                                          <p:val>
-                                            <p:strVal val="#ppt_y"/>
-                                          </p:val>
-                                        </p:tav>
-                                      </p:tavLst>
-                                    </p:anim>
-                                  </p:childTnLst>
-                                </p:cTn>
-                              </p:par>
-                            </p:childTnLst>
-                          </p:cTn>
-                        </p:par>
-                      </p:childTnLst>
-                    </p:cTn>
-                  </p:par>
-                </p:childTnLst>
-              </p:cTn>
-              <p:prevCondLst>
-                <p:cond evt="onPrev" delay="0">
-                  <p:tgtEl>
-                    <p:sldTgt/>
-                  </p:tgtEl>
-                </p:cond>
-              </p:prevCondLst>
-              <p:nextCondLst>
-                <p:cond evt="onNext" delay="0">
-                  <p:tgtEl>
-                    <p:sldTgt/>
-                  </p:tgtEl>
-                </p:cond>
-              </p:nextCondLst>
-            </p:seq>
-          </p:childTnLst>
-        </p:cTn>
-      </p:par>
-    </p:tnLst>
-    <p:bldLst>
-      <p:bldP spid="4" grpId="0"/>
-    </p:bldLst>
-  </p:timing>
-</p:sld>
-</file>
-
-<file path=ppt/slides/slide42.xml><?xml version="1.0" encoding="utf-8"?>
-<p:sld xmlns:a="http://schemas.openxmlformats.org/drawingml/2006/main" xmlns:r="http://schemas.openxmlformats.org/officeDocument/2006/relationships" xmlns:p="http://schemas.openxmlformats.org/presentationml/2006/main">
-  <p:cSld>
-    <p:spTree>
-      <p:nvGrpSpPr>
-        <p:cNvPr id="1" name=""/>
-        <p:cNvGrpSpPr/>
-        <p:nvPr/>
-      </p:nvGrpSpPr>
-      <p:grpSpPr>
-        <a:xfrm>
-          <a:off x="0" y="0"/>
-          <a:ext cx="0" cy="0"/>
-          <a:chOff x="0" y="0"/>
-          <a:chExt cx="0" cy="0"/>
-        </a:xfrm>
-      </p:grpSpPr>
-      <p:sp>
-        <p:nvSpPr>
-          <p:cNvPr id="2" name="标题 1"/>
-          <p:cNvSpPr>
-            <a:spLocks noGrp="1"/>
-          </p:cNvSpPr>
-          <p:nvPr>
-            <p:ph type="title"/>
-          </p:nvPr>
-        </p:nvSpPr>
-        <p:spPr/>
-        <p:txBody>
-          <a:bodyPr/>
-          <a:lstStyle/>
-          <a:p>
-            <a:r>
-              <a:rPr lang="en-US" altLang="zh-CN" dirty="0" smtClean="0"/>
-              <a:t>Outline</a:t>
-            </a:r>
-            <a:endParaRPr lang="zh-CN" altLang="en-US" dirty="0"/>
-          </a:p>
-        </p:txBody>
-      </p:sp>
-      <p:sp>
-        <p:nvSpPr>
-          <p:cNvPr id="3" name="文本占位符 2"/>
-          <p:cNvSpPr>
-            <a:spLocks noGrp="1"/>
-          </p:cNvSpPr>
-          <p:nvPr>
-            <p:ph type="body" sz="half" idx="2"/>
-          </p:nvPr>
-        </p:nvSpPr>
-        <p:spPr/>
-        <p:txBody>
-          <a:bodyPr/>
-          <a:lstStyle/>
-          <a:p>
-            <a:r>
-              <a:rPr lang="en-US" altLang="zh-CN" dirty="0"/>
-              <a:t>1.Introduction to RPC</a:t>
-            </a:r>
-          </a:p>
-          <a:p>
-            <a:endParaRPr lang="en-US" altLang="zh-CN" dirty="0" smtClean="0"/>
-          </a:p>
-          <a:p>
-            <a:r>
-              <a:rPr lang="en-US" altLang="zh-CN" dirty="0"/>
-              <a:t>2.Problems of nowadays RPC framework</a:t>
-            </a:r>
-          </a:p>
-          <a:p>
-            <a:endParaRPr lang="en-US" altLang="zh-CN" dirty="0" smtClean="0"/>
-          </a:p>
-          <a:p>
-            <a:r>
-              <a:rPr lang="en-US" altLang="zh-CN" dirty="0"/>
-              <a:t>3.Challenges in developing a high performance and easy to use RPC framework</a:t>
-            </a:r>
-          </a:p>
-          <a:p>
-            <a:endParaRPr lang="en-US" altLang="zh-CN" dirty="0" smtClean="0"/>
-          </a:p>
-          <a:p>
-            <a:r>
-              <a:rPr lang="en-US" altLang="zh-CN" dirty="0"/>
-              <a:t>4.Key technologies</a:t>
-            </a:r>
-          </a:p>
-          <a:p>
-            <a:endParaRPr lang="en-US" altLang="zh-CN" dirty="0"/>
-          </a:p>
-          <a:p>
-            <a:r>
-              <a:rPr lang="en-US" altLang="zh-CN" dirty="0"/>
-              <a:t>5.A little episode </a:t>
-            </a:r>
-          </a:p>
-          <a:p>
-            <a:endParaRPr lang="en-US" altLang="zh-CN" dirty="0"/>
-          </a:p>
-          <a:p>
-            <a:r>
-              <a:rPr lang="en-US" altLang="zh-CN" sz="1800" dirty="0">
-                <a:solidFill>
-                  <a:schemeClr val="accent5"/>
-                </a:solidFill>
-              </a:rPr>
-              <a:t>6.What you can do with it</a:t>
-            </a:r>
-            <a:endParaRPr lang="zh-CN" altLang="en-US" sz="1800" dirty="0">
-              <a:solidFill>
-                <a:schemeClr val="accent5"/>
-              </a:solidFill>
-            </a:endParaRPr>
-          </a:p>
-        </p:txBody>
-      </p:sp>
-    </p:spTree>
-    <p:extLst>
-      <p:ext uri="{BB962C8B-B14F-4D97-AF65-F5344CB8AC3E}">
-        <p14:creationId xmlns:p14="http://schemas.microsoft.com/office/powerpoint/2010/main" val="510130146"/>
-      </p:ext>
-    </p:extLst>
-  </p:cSld>
-  <p:clrMapOvr>
-    <a:masterClrMapping/>
-  </p:clrMapOvr>
-  <p:timing>
-    <p:tnLst>
-      <p:par>
-        <p:cTn id="1" dur="indefinite" restart="never" nodeType="tmRoot"/>
-      </p:par>
-    </p:tnLst>
-  </p:timing>
-</p:sld>
-</file>
-
-<file path=ppt/slides/slide43.xml><?xml version="1.0" encoding="utf-8"?>
-<p:sld xmlns:a="http://schemas.openxmlformats.org/drawingml/2006/main" xmlns:r="http://schemas.openxmlformats.org/officeDocument/2006/relationships" xmlns:p="http://schemas.openxmlformats.org/presentationml/2006/main">
-  <p:cSld>
-    <p:spTree>
-      <p:nvGrpSpPr>
-        <p:cNvPr id="1" name=""/>
-        <p:cNvGrpSpPr/>
-        <p:nvPr/>
-      </p:nvGrpSpPr>
-      <p:grpSpPr>
-        <a:xfrm>
-          <a:off x="0" y="0"/>
-          <a:ext cx="0" cy="0"/>
-          <a:chOff x="0" y="0"/>
-          <a:chExt cx="0" cy="0"/>
-        </a:xfrm>
-      </p:grpSpPr>
-      <p:sp>
-        <p:nvSpPr>
-          <p:cNvPr id="2" name="Title 1"/>
-          <p:cNvSpPr>
-            <a:spLocks noGrp="1"/>
-          </p:cNvSpPr>
-          <p:nvPr>
-            <p:ph type="title"/>
-          </p:nvPr>
-        </p:nvSpPr>
-        <p:spPr/>
-        <p:txBody>
-          <a:bodyPr/>
-          <a:lstStyle/>
-          <a:p>
-            <a:r>
-              <a:rPr lang="en-US" altLang="zh-CN" dirty="0" err="1" smtClean="0"/>
-              <a:t>rest_rpc</a:t>
-            </a:r>
-            <a:r>
-              <a:rPr lang="en-US" altLang="zh-CN" dirty="0" smtClean="0"/>
-              <a:t> can be used to do</a:t>
-            </a:r>
-            <a:endParaRPr lang="zh-CN" altLang="en-US" dirty="0"/>
-          </a:p>
-        </p:txBody>
-      </p:sp>
-      <p:sp>
-        <p:nvSpPr>
-          <p:cNvPr id="3" name="Text Placeholder 2"/>
-          <p:cNvSpPr>
-            <a:spLocks noGrp="1"/>
-          </p:cNvSpPr>
-          <p:nvPr>
-            <p:ph type="body" sz="half" idx="2"/>
-          </p:nvPr>
-        </p:nvSpPr>
-        <p:spPr/>
-        <p:txBody>
-          <a:bodyPr/>
-          <a:lstStyle/>
-          <a:p>
-            <a:r>
-              <a:rPr lang="en-US" altLang="zh-CN" b="1" dirty="0" err="1"/>
-              <a:t>Interprocess</a:t>
-            </a:r>
-            <a:r>
-              <a:rPr lang="en-US" altLang="zh-CN" b="1" dirty="0"/>
-              <a:t> </a:t>
-            </a:r>
-            <a:r>
-              <a:rPr lang="en-US" altLang="zh-CN" b="1" dirty="0" smtClean="0"/>
-              <a:t>communication</a:t>
-            </a:r>
-          </a:p>
-          <a:p>
-            <a:endParaRPr lang="en-US" altLang="zh-CN" b="1" dirty="0" smtClean="0"/>
-          </a:p>
-          <a:p>
-            <a:r>
-              <a:rPr lang="en-US" altLang="zh-CN" b="1" dirty="0" smtClean="0"/>
-              <a:t>Distribute system</a:t>
-            </a:r>
-          </a:p>
-          <a:p>
-            <a:pPr marL="285750" indent="-285750">
-              <a:buFont typeface="Arial" panose="020B0604020202020204" pitchFamily="34" charset="0"/>
-              <a:buChar char="•"/>
-            </a:pPr>
-            <a:r>
-              <a:rPr lang="en-US" altLang="zh-CN" dirty="0" smtClean="0"/>
-              <a:t>HA(binary star, raft)</a:t>
-            </a:r>
-          </a:p>
-          <a:p>
-            <a:pPr marL="285750" indent="-285750">
-              <a:buFont typeface="Arial" panose="020B0604020202020204" pitchFamily="34" charset="0"/>
-              <a:buChar char="•"/>
-            </a:pPr>
-            <a:r>
-              <a:rPr lang="en-US" altLang="zh-CN" dirty="0" smtClean="0"/>
-              <a:t>Service discovery</a:t>
-            </a:r>
-          </a:p>
-          <a:p>
-            <a:pPr marL="285750" indent="-285750">
-              <a:buFont typeface="Arial" panose="020B0604020202020204" pitchFamily="34" charset="0"/>
-              <a:buChar char="•"/>
-            </a:pPr>
-            <a:r>
-              <a:rPr lang="en-US" altLang="zh-CN" dirty="0" smtClean="0"/>
-              <a:t>Message queue</a:t>
-            </a:r>
-          </a:p>
-          <a:p>
-            <a:pPr marL="285750" indent="-285750">
-              <a:buFont typeface="Arial" panose="020B0604020202020204" pitchFamily="34" charset="0"/>
-              <a:buChar char="•"/>
-            </a:pPr>
-            <a:r>
-              <a:rPr lang="en-US" altLang="zh-CN" dirty="0" smtClean="0"/>
-              <a:t>Distribute compute</a:t>
-            </a:r>
-          </a:p>
-          <a:p>
-            <a:pPr marL="285750" indent="-285750">
-              <a:buFont typeface="Arial" panose="020B0604020202020204" pitchFamily="34" charset="0"/>
-              <a:buChar char="•"/>
-            </a:pPr>
-            <a:r>
-              <a:rPr lang="en-US" altLang="zh-CN" dirty="0" smtClean="0"/>
-              <a:t>Distribute storage</a:t>
-            </a:r>
-          </a:p>
-          <a:p>
-            <a:endParaRPr lang="zh-CN" altLang="en-US" b="1" dirty="0"/>
-          </a:p>
-        </p:txBody>
-      </p:sp>
-    </p:spTree>
-    <p:extLst>
-      <p:ext uri="{BB962C8B-B14F-4D97-AF65-F5344CB8AC3E}">
-        <p14:creationId xmlns:p14="http://schemas.microsoft.com/office/powerpoint/2010/main" val="2546503311"/>
-      </p:ext>
-    </p:extLst>
-  </p:cSld>
-  <p:clrMapOvr>
-    <a:masterClrMapping/>
-  </p:clrMapOvr>
-  <p:timing>
-    <p:tnLst>
-      <p:par>
-        <p:cTn id="1" dur="indefinite" restart="never" nodeType="tmRoot"/>
-      </p:par>
-    </p:tnLst>
-  </p:timing>
-</p:sld>
-</file>
-
-<file path=ppt/slides/slide44.xml><?xml version="1.0" encoding="utf-8"?>
-<p:sld xmlns:a="http://schemas.openxmlformats.org/drawingml/2006/main" xmlns:r="http://schemas.openxmlformats.org/officeDocument/2006/relationships" xmlns:p="http://schemas.openxmlformats.org/presentationml/2006/main">
-  <p:cSld>
-    <p:spTree>
-      <p:nvGrpSpPr>
-        <p:cNvPr id="1" name=""/>
-        <p:cNvGrpSpPr/>
-        <p:nvPr/>
-      </p:nvGrpSpPr>
-      <p:grpSpPr>
-        <a:xfrm>
-          <a:off x="0" y="0"/>
-          <a:ext cx="0" cy="0"/>
-          <a:chOff x="0" y="0"/>
-          <a:chExt cx="0" cy="0"/>
-        </a:xfrm>
-      </p:grpSpPr>
-      <p:sp>
-        <p:nvSpPr>
-          <p:cNvPr id="2" name="标题 1"/>
-          <p:cNvSpPr>
-            <a:spLocks noGrp="1"/>
-          </p:cNvSpPr>
-          <p:nvPr>
-            <p:ph type="title"/>
-          </p:nvPr>
-        </p:nvSpPr>
-        <p:spPr/>
-        <p:txBody>
-          <a:bodyPr/>
-          <a:lstStyle/>
-          <a:p>
-            <a:r>
-              <a:rPr lang="en-US" altLang="zh-CN" dirty="0"/>
-              <a:t>Links</a:t>
-            </a:r>
-            <a:endParaRPr lang="zh-CN" altLang="en-US" dirty="0"/>
-          </a:p>
-        </p:txBody>
-      </p:sp>
-      <p:sp>
-        <p:nvSpPr>
-          <p:cNvPr id="3" name="文本占位符 2"/>
-          <p:cNvSpPr>
-            <a:spLocks noGrp="1"/>
-          </p:cNvSpPr>
-          <p:nvPr>
-            <p:ph type="body" sz="half" idx="2"/>
-          </p:nvPr>
-        </p:nvSpPr>
-        <p:spPr/>
-        <p:txBody>
-          <a:bodyPr/>
-          <a:lstStyle/>
-          <a:p>
-            <a:r>
-              <a:rPr lang="en-US" altLang="zh-CN" dirty="0">
-                <a:hlinkClick r:id="rId2"/>
-              </a:rPr>
-              <a:t>https://</a:t>
-            </a:r>
-            <a:r>
-              <a:rPr lang="en-US" altLang="zh-CN" dirty="0" smtClean="0">
-                <a:hlinkClick r:id="rId2"/>
-              </a:rPr>
-              <a:t>github.com/topcpporg/rest_rpc</a:t>
-            </a:r>
-            <a:endParaRPr lang="en-US" altLang="zh-CN" dirty="0" smtClean="0"/>
-          </a:p>
-          <a:p>
-            <a:endParaRPr lang="en-US" altLang="zh-CN" dirty="0" smtClean="0"/>
-          </a:p>
-          <a:p>
-            <a:r>
-              <a:rPr lang="en-US" altLang="zh-CN" dirty="0" smtClean="0">
-                <a:hlinkClick r:id="rId3"/>
-              </a:rPr>
-              <a:t>http</a:t>
-            </a:r>
-            <a:r>
-              <a:rPr lang="en-US" altLang="zh-CN" dirty="0">
-                <a:hlinkClick r:id="rId3"/>
-              </a:rPr>
-              <a:t>://purecpp.org</a:t>
-            </a:r>
-            <a:r>
-              <a:rPr lang="en-US" altLang="zh-CN" dirty="0" smtClean="0">
-                <a:hlinkClick r:id="rId3"/>
-              </a:rPr>
-              <a:t>/</a:t>
-            </a:r>
-            <a:endParaRPr lang="en-US" altLang="zh-CN" dirty="0" smtClean="0"/>
-          </a:p>
-          <a:p>
-            <a:endParaRPr lang="en-US" altLang="zh-CN" dirty="0" smtClean="0">
-              <a:hlinkClick r:id="rId4"/>
-            </a:endParaRPr>
-          </a:p>
-          <a:p>
-            <a:r>
-              <a:rPr lang="en-US" altLang="zh-CN" dirty="0"/>
-              <a:t>Contact </a:t>
-            </a:r>
-            <a:r>
-              <a:rPr lang="en-US" altLang="zh-CN" dirty="0" smtClean="0"/>
-              <a:t>me: </a:t>
-            </a:r>
-            <a:r>
-              <a:rPr lang="en-US" altLang="zh-CN" dirty="0" smtClean="0">
-                <a:hlinkClick r:id="rId4"/>
-              </a:rPr>
-              <a:t>qicosmos@163.com</a:t>
-            </a:r>
-            <a:endParaRPr lang="en-US" altLang="zh-CN" dirty="0" smtClean="0"/>
-          </a:p>
-          <a:p>
-            <a:endParaRPr lang="en-US" altLang="zh-CN" dirty="0" smtClean="0"/>
-          </a:p>
-          <a:p>
-            <a:endParaRPr lang="en-US" altLang="zh-CN" dirty="0" smtClean="0"/>
-          </a:p>
-          <a:p>
-            <a:endParaRPr lang="en-US" altLang="zh-CN" dirty="0" smtClean="0"/>
-          </a:p>
-          <a:p>
-            <a:endParaRPr lang="zh-CN" altLang="en-US" dirty="0"/>
-          </a:p>
-        </p:txBody>
-      </p:sp>
-    </p:spTree>
-    <p:extLst>
-      <p:ext uri="{BB962C8B-B14F-4D97-AF65-F5344CB8AC3E}">
-        <p14:creationId xmlns:p14="http://schemas.microsoft.com/office/powerpoint/2010/main" val="1217529647"/>
-      </p:ext>
-    </p:extLst>
-  </p:cSld>
-  <p:clrMapOvr>
-    <a:masterClrMapping/>
-  </p:clrMapOvr>
-  <p:timing>
-    <p:tnLst>
-      <p:par>
-        <p:cTn id="1" dur="indefinite" restart="never" nodeType="tmRoot"/>
-      </p:par>
-    </p:tnLst>
-  </p:timing>
-</p:sld>
-</file>
-
-<file path=ppt/slides/slide45.xml><?xml version="1.0" encoding="utf-8"?>
-<p:sld xmlns:a="http://schemas.openxmlformats.org/drawingml/2006/main" xmlns:r="http://schemas.openxmlformats.org/officeDocument/2006/relationships" xmlns:p="http://schemas.openxmlformats.org/presentationml/2006/main">
-  <p:cSld>
-    <p:spTree>
-      <p:nvGrpSpPr>
-        <p:cNvPr id="1" name=""/>
-        <p:cNvGrpSpPr/>
-        <p:nvPr/>
-      </p:nvGrpSpPr>
-      <p:grpSpPr>
-        <a:xfrm>
-          <a:off x="0" y="0"/>
-          <a:ext cx="0" cy="0"/>
-          <a:chOff x="0" y="0"/>
-          <a:chExt cx="0" cy="0"/>
-        </a:xfrm>
-      </p:grpSpPr>
-      <p:sp>
-        <p:nvSpPr>
-          <p:cNvPr id="2" name="标题 1"/>
-          <p:cNvSpPr>
-            <a:spLocks noGrp="1"/>
-          </p:cNvSpPr>
-          <p:nvPr>
-            <p:ph type="title"/>
-          </p:nvPr>
-        </p:nvSpPr>
-        <p:spPr/>
-        <p:txBody>
-          <a:bodyPr/>
-          <a:lstStyle/>
-          <a:p>
-            <a:endParaRPr lang="zh-CN" altLang="en-US"/>
-          </a:p>
-        </p:txBody>
-      </p:sp>
-      <p:sp>
-        <p:nvSpPr>
-          <p:cNvPr id="3" name="文本占位符 2"/>
-          <p:cNvSpPr>
-            <a:spLocks noGrp="1"/>
-          </p:cNvSpPr>
-          <p:nvPr>
-            <p:ph type="body" sz="half" idx="2"/>
-          </p:nvPr>
-        </p:nvSpPr>
-        <p:spPr/>
-        <p:txBody>
-          <a:bodyPr/>
-          <a:lstStyle/>
-          <a:p>
-            <a:endParaRPr lang="zh-CN" altLang="en-US" dirty="0"/>
-          </a:p>
-        </p:txBody>
-      </p:sp>
-      <p:sp>
-        <p:nvSpPr>
-          <p:cNvPr id="4" name="矩形 3"/>
-          <p:cNvSpPr/>
-          <p:nvPr/>
-        </p:nvSpPr>
-        <p:spPr>
-          <a:xfrm>
-            <a:off x="3663368" y="3021274"/>
-            <a:ext cx="2052357" cy="584775"/>
-          </a:xfrm>
-          <a:prstGeom prst="rect">
-            <a:avLst/>
-          </a:prstGeom>
-        </p:spPr>
-        <p:txBody>
-          <a:bodyPr wrap="none">
-            <a:spAutoFit/>
-          </a:bodyPr>
-          <a:lstStyle/>
-          <a:p>
-            <a:r>
-              <a:rPr lang="en-US" altLang="zh-CN" sz="3200" dirty="0"/>
-              <a:t>Questions?</a:t>
-            </a:r>
-            <a:endParaRPr lang="zh-CN" altLang="en-US" sz="3200" dirty="0"/>
-          </a:p>
-        </p:txBody>
-      </p:sp>
-    </p:spTree>
-    <p:extLst>
-      <p:ext uri="{BB962C8B-B14F-4D97-AF65-F5344CB8AC3E}">
-        <p14:creationId xmlns:p14="http://schemas.microsoft.com/office/powerpoint/2010/main" val="2357326597"/>
-      </p:ext>
-    </p:extLst>
-  </p:cSld>
-  <p:clrMapOvr>
-    <a:masterClrMapping/>
-  </p:clrMapOvr>
-  <p:timing>
-    <p:tnLst>
-      <p:par>
-        <p:cTn id="1" dur="indefinite" restart="never" nodeType="tmRoot"/>
-      </p:par>
-    </p:tnLst>
-  </p:timing>
-</p:sld>
-</file>
-
 <file path=ppt/slides/slide5.xml><?xml version="1.0" encoding="utf-8"?>
 <p:sld xmlns:a="http://schemas.openxmlformats.org/drawingml/2006/main" xmlns:r="http://schemas.openxmlformats.org/officeDocument/2006/relationships" xmlns:p="http://schemas.openxmlformats.org/presentationml/2006/main">
   <p:cSld>
@@ -26450,7 +24216,15 @@
           <a:p>
             <a:r>
               <a:rPr lang="en-US" altLang="zh-CN" dirty="0"/>
-              <a:t>6.What you can do with it</a:t>
+              <a:t>5</a:t>
+            </a:r>
+            <a:r>
+              <a:rPr lang="en-US" altLang="zh-CN" dirty="0" smtClean="0"/>
+              <a:t>.What </a:t>
+            </a:r>
+            <a:r>
+              <a:rPr lang="en-US" altLang="zh-CN" dirty="0"/>
+              <a:t>you can do with it</a:t>
             </a:r>
             <a:endParaRPr lang="zh-CN" altLang="en-US" dirty="0"/>
           </a:p>
@@ -27395,7 +25169,15 @@
           <a:p>
             <a:r>
               <a:rPr lang="en-US" altLang="zh-CN" dirty="0"/>
-              <a:t>6.What you can do with it</a:t>
+              <a:t>5</a:t>
+            </a:r>
+            <a:r>
+              <a:rPr lang="en-US" altLang="zh-CN" dirty="0" smtClean="0"/>
+              <a:t>.What </a:t>
+            </a:r>
+            <a:r>
+              <a:rPr lang="en-US" altLang="zh-CN" dirty="0"/>
+              <a:t>you can do with it</a:t>
             </a:r>
             <a:endParaRPr lang="zh-CN" altLang="en-US" dirty="0"/>
           </a:p>

--- a/An easy to use RPC framework implemented by c++11 and c++14.pptx
+++ b/An easy to use RPC framework implemented by c++11 and c++14.pptx
@@ -5,7 +5,7 @@
     <p:sldMasterId id="2147483660" r:id="rId1"/>
   </p:sldMasterIdLst>
   <p:notesMasterIdLst>
-    <p:notesMasterId r:id="rId40"/>
+    <p:notesMasterId r:id="rId43"/>
   </p:notesMasterIdLst>
   <p:sldIdLst>
     <p:sldId id="256" r:id="rId2"/>
@@ -36,16 +36,19 @@
     <p:sldId id="333" r:id="rId27"/>
     <p:sldId id="304" r:id="rId28"/>
     <p:sldId id="307" r:id="rId29"/>
-    <p:sldId id="302" r:id="rId30"/>
+    <p:sldId id="336" r:id="rId30"/>
     <p:sldId id="308" r:id="rId31"/>
-    <p:sldId id="309" r:id="rId32"/>
-    <p:sldId id="314" r:id="rId33"/>
-    <p:sldId id="315" r:id="rId34"/>
-    <p:sldId id="335" r:id="rId35"/>
-    <p:sldId id="334" r:id="rId36"/>
-    <p:sldId id="301" r:id="rId37"/>
-    <p:sldId id="263" r:id="rId38"/>
-    <p:sldId id="264" r:id="rId39"/>
+    <p:sldId id="337" r:id="rId32"/>
+    <p:sldId id="338" r:id="rId33"/>
+    <p:sldId id="339" r:id="rId34"/>
+    <p:sldId id="315" r:id="rId35"/>
+    <p:sldId id="314" r:id="rId36"/>
+    <p:sldId id="335" r:id="rId37"/>
+    <p:sldId id="340" r:id="rId38"/>
+    <p:sldId id="334" r:id="rId39"/>
+    <p:sldId id="301" r:id="rId40"/>
+    <p:sldId id="263" r:id="rId41"/>
+    <p:sldId id="264" r:id="rId42"/>
   </p:sldIdLst>
   <p:sldSz cx="9144000" cy="6858000" type="screen4x3"/>
   <p:notesSz cx="6858000" cy="9144000"/>
@@ -246,7 +249,7 @@
             <a:fld id="{D3663233-B32B-4AC3-A591-4171AB65348A}" type="datetimeFigureOut">
               <a:rPr lang="zh-CN" altLang="en-US" smtClean="0"/>
               <a:pPr/>
-              <a:t>2017-04-13</a:t>
+              <a:t>2017-04-14</a:t>
             </a:fld>
             <a:endParaRPr lang="zh-CN" altLang="en-US"/>
           </a:p>
@@ -2072,13 +2075,8 @@
           <a:p>
             <a:r>
               <a:rPr lang="en-US" altLang="zh-CN" dirty="0" smtClean="0"/>
-              <a:t>Pay attention to the bind, this time we also bind a template class static member function, but the member function is template function, and one argument is a empty tuple. let’s look at the template class</a:t>
-            </a:r>
-            <a:r>
-              <a:rPr lang="en-US" altLang="zh-CN" dirty="0" smtClean="0"/>
-              <a:t>. </a:t>
-            </a:r>
-            <a:endParaRPr lang="en-US" altLang="zh-CN" dirty="0" smtClean="0"/>
+              <a:t>Pay attention to the bind, this time we also bind a template class static member function, but the member function is template function, and one argument is a empty tuple. let’s look at the template class. </a:t>
+            </a:r>
           </a:p>
         </p:txBody>
       </p:sp>
@@ -2347,27 +2345,11 @@
             </a:r>
             <a:r>
               <a:rPr lang="en-US" altLang="zh-CN" dirty="0" smtClean="0"/>
-              <a:t> every </a:t>
-            </a:r>
-            <a:r>
-              <a:rPr lang="en-US" altLang="zh-CN" dirty="0" smtClean="0"/>
-              <a:t>time get a string argument</a:t>
+              <a:t> every time get a string argument</a:t>
             </a:r>
             <a:r>
               <a:rPr lang="en-US" altLang="zh-CN" baseline="0" dirty="0" smtClean="0"/>
-              <a:t> and </a:t>
-            </a:r>
-            <a:r>
-              <a:rPr lang="en-US" altLang="zh-CN" baseline="0" dirty="0" smtClean="0"/>
-              <a:t>transform it </a:t>
-            </a:r>
-            <a:r>
-              <a:rPr lang="en-US" altLang="zh-CN" baseline="0" dirty="0" smtClean="0"/>
-              <a:t>to corresponding argument in the </a:t>
-            </a:r>
-            <a:r>
-              <a:rPr lang="en-US" altLang="zh-CN" baseline="0" dirty="0" smtClean="0"/>
-              <a:t>function. Secondly put the transformed argument into the empty tuple by </a:t>
+              <a:t> and transform it to corresponding argument in the function. Secondly put the transformed argument into the empty tuple by </a:t>
             </a:r>
             <a:r>
               <a:rPr lang="en-US" altLang="zh-CN" baseline="0" dirty="0" err="1" smtClean="0"/>
@@ -2736,6 +2718,568 @@
 </p:notes>
 </file>
 
+<file path=ppt/notesSlides/notesSlide26.xml><?xml version="1.0" encoding="utf-8"?>
+<p:notes xmlns:a="http://schemas.openxmlformats.org/drawingml/2006/main" xmlns:r="http://schemas.openxmlformats.org/officeDocument/2006/relationships" xmlns:p="http://schemas.openxmlformats.org/presentationml/2006/main">
+  <p:cSld>
+    <p:spTree>
+      <p:nvGrpSpPr>
+        <p:cNvPr id="1" name=""/>
+        <p:cNvGrpSpPr/>
+        <p:nvPr/>
+      </p:nvGrpSpPr>
+      <p:grpSpPr>
+        <a:xfrm>
+          <a:off x="0" y="0"/>
+          <a:ext cx="0" cy="0"/>
+          <a:chOff x="0" y="0"/>
+          <a:chExt cx="0" cy="0"/>
+        </a:xfrm>
+      </p:grpSpPr>
+      <p:sp>
+        <p:nvSpPr>
+          <p:cNvPr id="2" name="幻灯片图像占位符 1"/>
+          <p:cNvSpPr>
+            <a:spLocks noGrp="1" noRot="1" noChangeAspect="1"/>
+          </p:cNvSpPr>
+          <p:nvPr>
+            <p:ph type="sldImg"/>
+          </p:nvPr>
+        </p:nvSpPr>
+        <p:spPr/>
+      </p:sp>
+      <p:sp>
+        <p:nvSpPr>
+          <p:cNvPr id="3" name="备注占位符 2"/>
+          <p:cNvSpPr>
+            <a:spLocks noGrp="1"/>
+          </p:cNvSpPr>
+          <p:nvPr>
+            <p:ph type="body" idx="1"/>
+          </p:nvPr>
+        </p:nvSpPr>
+        <p:spPr/>
+        <p:txBody>
+          <a:bodyPr/>
+          <a:lstStyle/>
+          <a:p>
+            <a:pPr marL="0" marR="0" indent="0" algn="l" defTabSz="914400" rtl="0" eaLnBrk="1" fontAlgn="auto" latinLnBrk="0" hangingPunct="1">
+              <a:lnSpc>
+                <a:spcPct val="100000"/>
+              </a:lnSpc>
+              <a:spcBef>
+                <a:spcPts val="0"/>
+              </a:spcBef>
+              <a:spcAft>
+                <a:spcPts val="0"/>
+              </a:spcAft>
+              <a:buClrTx/>
+              <a:buSzTx/>
+              <a:buFontTx/>
+              <a:buNone/>
+              <a:tabLst/>
+              <a:defRPr/>
+            </a:pPr>
+            <a:r>
+              <a:rPr lang="en-US" altLang="zh-CN" dirty="0" smtClean="0"/>
+              <a:t>Pay attention to the micro TIMAX_DEFINE_PROTOCOL, it’s a call protocol. You know many kinds of servers use protocol buffer or some other protocol file to define the call protocol. I don’t like the way, I think the protocol file increase learning cost, you have to learning the complicated details and there is no unified protocol. So </a:t>
+            </a:r>
+            <a:r>
+              <a:rPr lang="en-US" altLang="zh-CN" dirty="0" err="1" smtClean="0"/>
+              <a:t>rest_rpc</a:t>
+            </a:r>
+            <a:r>
+              <a:rPr lang="en-US" altLang="zh-CN" dirty="0" smtClean="0"/>
+              <a:t> discards protocol file, </a:t>
+            </a:r>
+            <a:r>
+              <a:rPr lang="en-US" altLang="zh-CN" dirty="0" err="1" smtClean="0"/>
+              <a:t>rest_rpc</a:t>
+            </a:r>
+            <a:r>
+              <a:rPr lang="en-US" altLang="zh-CN" dirty="0" smtClean="0"/>
+              <a:t> want user just need focus on</a:t>
+            </a:r>
+            <a:r>
+              <a:rPr lang="en-US" altLang="zh-CN" baseline="0" dirty="0" smtClean="0"/>
+              <a:t> business and easy to use. So we use a universal micro to define call protocol.  maybe you have lots of reasons and benefits of protocol file, but </a:t>
+            </a:r>
+            <a:r>
+              <a:rPr lang="en-US" altLang="zh-CN" baseline="0" dirty="0" err="1" smtClean="0"/>
+              <a:t>rest_rpc</a:t>
+            </a:r>
+            <a:r>
+              <a:rPr lang="en-US" altLang="zh-CN" baseline="0" dirty="0" smtClean="0"/>
+              <a:t> want to provide a new way, a simple way,  a modern </a:t>
+            </a:r>
+            <a:r>
+              <a:rPr lang="en-US" altLang="zh-CN" baseline="0" dirty="0" err="1" smtClean="0"/>
+              <a:t>c++</a:t>
+            </a:r>
+            <a:r>
+              <a:rPr lang="en-US" altLang="zh-CN" baseline="0" dirty="0" smtClean="0"/>
+              <a:t> way to solve the problem of call protocol. </a:t>
+            </a:r>
+            <a:endParaRPr lang="en-US" altLang="zh-CN" dirty="0" smtClean="0"/>
+          </a:p>
+          <a:p>
+            <a:pPr marL="0" marR="0" indent="0" algn="l" defTabSz="914400" rtl="0" eaLnBrk="1" fontAlgn="auto" latinLnBrk="0" hangingPunct="1">
+              <a:lnSpc>
+                <a:spcPct val="100000"/>
+              </a:lnSpc>
+              <a:spcBef>
+                <a:spcPts val="0"/>
+              </a:spcBef>
+              <a:spcAft>
+                <a:spcPts val="0"/>
+              </a:spcAft>
+              <a:buClrTx/>
+              <a:buSzTx/>
+              <a:buFontTx/>
+              <a:buNone/>
+              <a:tabLst/>
+              <a:defRPr/>
+            </a:pPr>
+            <a:r>
+              <a:rPr lang="en-US" altLang="zh-CN" dirty="0" smtClean="0"/>
+              <a:t>if we check the arguments at server side, it’s too late, </a:t>
+            </a:r>
+            <a:r>
+              <a:rPr lang="en-US" altLang="zh-CN" dirty="0" smtClean="0"/>
+              <a:t>so we want to check the arguments as easily as possible, </a:t>
+            </a:r>
+            <a:r>
+              <a:rPr lang="en-US" altLang="zh-CN" dirty="0" smtClean="0"/>
+              <a:t>TIMAX_DEFINE_PROTOCOL help us </a:t>
+            </a:r>
+            <a:r>
+              <a:rPr lang="en-US" altLang="zh-CN" dirty="0" smtClean="0"/>
+              <a:t>to check arguments at compile time.</a:t>
+            </a:r>
+            <a:endParaRPr lang="zh-CN" altLang="en-US" dirty="0"/>
+          </a:p>
+        </p:txBody>
+      </p:sp>
+      <p:sp>
+        <p:nvSpPr>
+          <p:cNvPr id="4" name="灯片编号占位符 3"/>
+          <p:cNvSpPr>
+            <a:spLocks noGrp="1"/>
+          </p:cNvSpPr>
+          <p:nvPr>
+            <p:ph type="sldNum" sz="quarter" idx="10"/>
+          </p:nvPr>
+        </p:nvSpPr>
+        <p:spPr/>
+        <p:txBody>
+          <a:bodyPr/>
+          <a:lstStyle/>
+          <a:p>
+            <a:fld id="{D907BE37-B124-4F9F-8F7E-44B90AC375A6}" type="slidenum">
+              <a:rPr lang="zh-CN" altLang="en-US" smtClean="0"/>
+              <a:pPr/>
+              <a:t>28</a:t>
+            </a:fld>
+            <a:endParaRPr lang="zh-CN" altLang="en-US"/>
+          </a:p>
+        </p:txBody>
+      </p:sp>
+    </p:spTree>
+    <p:extLst>
+      <p:ext uri="{BB962C8B-B14F-4D97-AF65-F5344CB8AC3E}">
+        <p14:creationId xmlns:p14="http://schemas.microsoft.com/office/powerpoint/2010/main" val="968175457"/>
+      </p:ext>
+    </p:extLst>
+  </p:cSld>
+  <p:clrMapOvr>
+    <a:masterClrMapping/>
+  </p:clrMapOvr>
+</p:notes>
+</file>
+
+<file path=ppt/notesSlides/notesSlide27.xml><?xml version="1.0" encoding="utf-8"?>
+<p:notes xmlns:a="http://schemas.openxmlformats.org/drawingml/2006/main" xmlns:r="http://schemas.openxmlformats.org/officeDocument/2006/relationships" xmlns:p="http://schemas.openxmlformats.org/presentationml/2006/main">
+  <p:cSld>
+    <p:spTree>
+      <p:nvGrpSpPr>
+        <p:cNvPr id="1" name=""/>
+        <p:cNvGrpSpPr/>
+        <p:nvPr/>
+      </p:nvGrpSpPr>
+      <p:grpSpPr>
+        <a:xfrm>
+          <a:off x="0" y="0"/>
+          <a:ext cx="0" cy="0"/>
+          <a:chOff x="0" y="0"/>
+          <a:chExt cx="0" cy="0"/>
+        </a:xfrm>
+      </p:grpSpPr>
+      <p:sp>
+        <p:nvSpPr>
+          <p:cNvPr id="2" name="幻灯片图像占位符 1"/>
+          <p:cNvSpPr>
+            <a:spLocks noGrp="1" noRot="1" noChangeAspect="1"/>
+          </p:cNvSpPr>
+          <p:nvPr>
+            <p:ph type="sldImg"/>
+          </p:nvPr>
+        </p:nvSpPr>
+        <p:spPr/>
+      </p:sp>
+      <p:sp>
+        <p:nvSpPr>
+          <p:cNvPr id="3" name="备注占位符 2"/>
+          <p:cNvSpPr>
+            <a:spLocks noGrp="1"/>
+          </p:cNvSpPr>
+          <p:nvPr>
+            <p:ph type="body" idx="1"/>
+          </p:nvPr>
+        </p:nvSpPr>
+        <p:spPr/>
+        <p:txBody>
+          <a:bodyPr/>
+          <a:lstStyle/>
+          <a:p>
+            <a:r>
+              <a:rPr lang="en-US" altLang="zh-CN" dirty="0" smtClean="0"/>
+              <a:t>we utilize the micro traits the function type include return type , arguments, and then define an object, the object name is literal hander. look at the </a:t>
+            </a:r>
+            <a:r>
+              <a:rPr lang="en-US" altLang="zh-CN" dirty="0" err="1" smtClean="0"/>
+              <a:t>rpc_protocal</a:t>
+            </a:r>
+            <a:r>
+              <a:rPr lang="en-US" altLang="zh-CN" dirty="0" smtClean="0"/>
+              <a:t> class, the first template argument is return type, the rest arguments are </a:t>
+            </a:r>
+            <a:r>
+              <a:rPr lang="en-US" altLang="zh-CN" dirty="0" err="1" smtClean="0"/>
+              <a:t>variadic</a:t>
+            </a:r>
+            <a:r>
+              <a:rPr lang="en-US" altLang="zh-CN" dirty="0" smtClean="0"/>
+              <a:t> template, and then we can easily get the signature type. pay attention to the </a:t>
+            </a:r>
+            <a:r>
+              <a:rPr lang="en-US" altLang="zh-CN" dirty="0" err="1" smtClean="0"/>
+              <a:t>is_argument_mactch</a:t>
+            </a:r>
+            <a:r>
+              <a:rPr lang="en-US" altLang="zh-CN" dirty="0" smtClean="0"/>
+              <a:t>, this trait will check the </a:t>
+            </a:r>
+            <a:r>
+              <a:rPr lang="en-US" altLang="zh-CN" dirty="0" err="1" smtClean="0"/>
+              <a:t>rpc</a:t>
+            </a:r>
+            <a:r>
+              <a:rPr lang="en-US" altLang="zh-CN" dirty="0" smtClean="0"/>
+              <a:t> call parameters with signature at compile time, if they match, the value is true, otherwise </a:t>
+            </a:r>
+            <a:r>
+              <a:rPr lang="en-US" altLang="zh-CN" dirty="0" err="1" smtClean="0"/>
+              <a:t>static_assert</a:t>
+            </a:r>
+            <a:r>
+              <a:rPr lang="en-US" altLang="zh-CN" dirty="0" smtClean="0"/>
+              <a:t> occur. So we can check the </a:t>
+            </a:r>
+            <a:r>
+              <a:rPr lang="en-US" altLang="zh-CN" dirty="0" err="1" smtClean="0"/>
+              <a:t>rpc</a:t>
+            </a:r>
+            <a:r>
+              <a:rPr lang="en-US" altLang="zh-CN" dirty="0" smtClean="0"/>
+              <a:t> call at compile time. let’s look at the trait </a:t>
+            </a:r>
+            <a:r>
+              <a:rPr lang="en-US" altLang="zh-CN" dirty="0" err="1" smtClean="0"/>
+              <a:t>is_argument_match</a:t>
+            </a:r>
+            <a:r>
+              <a:rPr lang="en-US" altLang="zh-CN" dirty="0" smtClean="0"/>
+              <a:t>.</a:t>
+            </a:r>
+            <a:endParaRPr lang="zh-CN" altLang="en-US" dirty="0"/>
+          </a:p>
+        </p:txBody>
+      </p:sp>
+      <p:sp>
+        <p:nvSpPr>
+          <p:cNvPr id="4" name="灯片编号占位符 3"/>
+          <p:cNvSpPr>
+            <a:spLocks noGrp="1"/>
+          </p:cNvSpPr>
+          <p:nvPr>
+            <p:ph type="sldNum" sz="quarter" idx="10"/>
+          </p:nvPr>
+        </p:nvSpPr>
+        <p:spPr/>
+        <p:txBody>
+          <a:bodyPr/>
+          <a:lstStyle/>
+          <a:p>
+            <a:fld id="{D907BE37-B124-4F9F-8F7E-44B90AC375A6}" type="slidenum">
+              <a:rPr lang="zh-CN" altLang="en-US" smtClean="0"/>
+              <a:pPr/>
+              <a:t>29</a:t>
+            </a:fld>
+            <a:endParaRPr lang="zh-CN" altLang="en-US"/>
+          </a:p>
+        </p:txBody>
+      </p:sp>
+    </p:spTree>
+    <p:extLst>
+      <p:ext uri="{BB962C8B-B14F-4D97-AF65-F5344CB8AC3E}">
+        <p14:creationId xmlns:p14="http://schemas.microsoft.com/office/powerpoint/2010/main" val="3494932055"/>
+      </p:ext>
+    </p:extLst>
+  </p:cSld>
+  <p:clrMapOvr>
+    <a:masterClrMapping/>
+  </p:clrMapOvr>
+</p:notes>
+</file>
+
+<file path=ppt/notesSlides/notesSlide28.xml><?xml version="1.0" encoding="utf-8"?>
+<p:notes xmlns:a="http://schemas.openxmlformats.org/drawingml/2006/main" xmlns:r="http://schemas.openxmlformats.org/officeDocument/2006/relationships" xmlns:p="http://schemas.openxmlformats.org/presentationml/2006/main">
+  <p:cSld>
+    <p:spTree>
+      <p:nvGrpSpPr>
+        <p:cNvPr id="1" name=""/>
+        <p:cNvGrpSpPr/>
+        <p:nvPr/>
+      </p:nvGrpSpPr>
+      <p:grpSpPr>
+        <a:xfrm>
+          <a:off x="0" y="0"/>
+          <a:ext cx="0" cy="0"/>
+          <a:chOff x="0" y="0"/>
+          <a:chExt cx="0" cy="0"/>
+        </a:xfrm>
+      </p:grpSpPr>
+      <p:sp>
+        <p:nvSpPr>
+          <p:cNvPr id="2" name="幻灯片图像占位符 1"/>
+          <p:cNvSpPr>
+            <a:spLocks noGrp="1" noRot="1" noChangeAspect="1"/>
+          </p:cNvSpPr>
+          <p:nvPr>
+            <p:ph type="sldImg"/>
+          </p:nvPr>
+        </p:nvSpPr>
+        <p:spPr/>
+      </p:sp>
+      <p:sp>
+        <p:nvSpPr>
+          <p:cNvPr id="3" name="备注占位符 2"/>
+          <p:cNvSpPr>
+            <a:spLocks noGrp="1"/>
+          </p:cNvSpPr>
+          <p:nvPr>
+            <p:ph type="body" idx="1"/>
+          </p:nvPr>
+        </p:nvSpPr>
+        <p:spPr/>
+        <p:txBody>
+          <a:bodyPr/>
+          <a:lstStyle/>
+          <a:p>
+            <a:r>
+              <a:rPr lang="en-US" altLang="zh-CN" dirty="0" smtClean="0"/>
+              <a:t>if signature and arguments are matching, the </a:t>
+            </a:r>
+            <a:r>
+              <a:rPr lang="en-US" altLang="zh-CN" dirty="0" err="1" smtClean="0"/>
+              <a:t>result_type</a:t>
+            </a:r>
+            <a:r>
+              <a:rPr lang="en-US" altLang="zh-CN" baseline="0" dirty="0" smtClean="0"/>
+              <a:t>  is </a:t>
+            </a:r>
+            <a:r>
+              <a:rPr lang="en-US" altLang="zh-CN" baseline="0" dirty="0" err="1" smtClean="0"/>
+              <a:t>true_type</a:t>
+            </a:r>
+            <a:r>
+              <a:rPr lang="en-US" altLang="zh-CN" baseline="0" dirty="0" smtClean="0"/>
+              <a:t>, other wise </a:t>
+            </a:r>
+            <a:r>
+              <a:rPr lang="en-US" altLang="zh-CN" baseline="0" dirty="0" err="1" smtClean="0"/>
+              <a:t>false_type</a:t>
+            </a:r>
+            <a:r>
+              <a:rPr lang="en-US" altLang="zh-CN" baseline="0" dirty="0" smtClean="0"/>
+              <a:t>.</a:t>
+            </a:r>
+          </a:p>
+          <a:p>
+            <a:r>
+              <a:rPr lang="en-US" altLang="zh-CN" dirty="0" smtClean="0"/>
+              <a:t>I like this way to check if the signature and arguments match</a:t>
+            </a:r>
+            <a:r>
+              <a:rPr lang="en-US" altLang="zh-CN" baseline="0" dirty="0" smtClean="0"/>
+              <a:t> by </a:t>
+            </a:r>
+            <a:r>
+              <a:rPr lang="en-US" altLang="zh-CN" baseline="0" dirty="0" err="1" smtClean="0"/>
+              <a:t>decltype</a:t>
+            </a:r>
+            <a:r>
+              <a:rPr lang="en-US" altLang="zh-CN" baseline="0" dirty="0" smtClean="0"/>
+              <a:t> and </a:t>
+            </a:r>
+            <a:r>
+              <a:rPr lang="en-US" altLang="zh-CN" baseline="0" dirty="0" err="1" smtClean="0"/>
+              <a:t>declval</a:t>
+            </a:r>
+            <a:r>
+              <a:rPr lang="en-US" altLang="zh-CN" baseline="0" dirty="0" smtClean="0"/>
+              <a:t>, sometimes we use this way to check if exist a method in a class. for example we can check a template argument if is a smart pointer</a:t>
+            </a:r>
+            <a:endParaRPr lang="zh-CN" altLang="en-US" dirty="0"/>
+          </a:p>
+        </p:txBody>
+      </p:sp>
+      <p:sp>
+        <p:nvSpPr>
+          <p:cNvPr id="4" name="灯片编号占位符 3"/>
+          <p:cNvSpPr>
+            <a:spLocks noGrp="1"/>
+          </p:cNvSpPr>
+          <p:nvPr>
+            <p:ph type="sldNum" sz="quarter" idx="10"/>
+          </p:nvPr>
+        </p:nvSpPr>
+        <p:spPr/>
+        <p:txBody>
+          <a:bodyPr/>
+          <a:lstStyle/>
+          <a:p>
+            <a:fld id="{D907BE37-B124-4F9F-8F7E-44B90AC375A6}" type="slidenum">
+              <a:rPr lang="zh-CN" altLang="en-US" smtClean="0"/>
+              <a:pPr/>
+              <a:t>30</a:t>
+            </a:fld>
+            <a:endParaRPr lang="zh-CN" altLang="en-US"/>
+          </a:p>
+        </p:txBody>
+      </p:sp>
+    </p:spTree>
+    <p:extLst>
+      <p:ext uri="{BB962C8B-B14F-4D97-AF65-F5344CB8AC3E}">
+        <p14:creationId xmlns:p14="http://schemas.microsoft.com/office/powerpoint/2010/main" val="1118257719"/>
+      </p:ext>
+    </p:extLst>
+  </p:cSld>
+  <p:clrMapOvr>
+    <a:masterClrMapping/>
+  </p:clrMapOvr>
+</p:notes>
+</file>
+
+<file path=ppt/notesSlides/notesSlide29.xml><?xml version="1.0" encoding="utf-8"?>
+<p:notes xmlns:a="http://schemas.openxmlformats.org/drawingml/2006/main" xmlns:r="http://schemas.openxmlformats.org/officeDocument/2006/relationships" xmlns:p="http://schemas.openxmlformats.org/presentationml/2006/main">
+  <p:cSld>
+    <p:spTree>
+      <p:nvGrpSpPr>
+        <p:cNvPr id="1" name=""/>
+        <p:cNvGrpSpPr/>
+        <p:nvPr/>
+      </p:nvGrpSpPr>
+      <p:grpSpPr>
+        <a:xfrm>
+          <a:off x="0" y="0"/>
+          <a:ext cx="0" cy="0"/>
+          <a:chOff x="0" y="0"/>
+          <a:chExt cx="0" cy="0"/>
+        </a:xfrm>
+      </p:grpSpPr>
+      <p:sp>
+        <p:nvSpPr>
+          <p:cNvPr id="2" name="幻灯片图像占位符 1"/>
+          <p:cNvSpPr>
+            <a:spLocks noGrp="1" noRot="1" noChangeAspect="1"/>
+          </p:cNvSpPr>
+          <p:nvPr>
+            <p:ph type="sldImg"/>
+          </p:nvPr>
+        </p:nvSpPr>
+        <p:spPr/>
+      </p:sp>
+      <p:sp>
+        <p:nvSpPr>
+          <p:cNvPr id="3" name="备注占位符 2"/>
+          <p:cNvSpPr>
+            <a:spLocks noGrp="1"/>
+          </p:cNvSpPr>
+          <p:nvPr>
+            <p:ph type="body" idx="1"/>
+          </p:nvPr>
+        </p:nvSpPr>
+        <p:spPr/>
+        <p:txBody>
+          <a:bodyPr/>
+          <a:lstStyle/>
+          <a:p>
+            <a:r>
+              <a:rPr lang="en-US" altLang="zh-CN" dirty="0" smtClean="0"/>
+              <a:t>if</a:t>
+            </a:r>
+            <a:r>
+              <a:rPr lang="en-US" altLang="zh-CN" baseline="0" dirty="0" smtClean="0"/>
+              <a:t> T have method -&gt; and get,  we  can  think it is  a smart pointer, of course  you can add more methods </a:t>
+            </a:r>
+            <a:r>
+              <a:rPr lang="en-US" altLang="zh-CN" baseline="0" dirty="0" err="1" smtClean="0"/>
+              <a:t>int</a:t>
+            </a:r>
+            <a:r>
+              <a:rPr lang="en-US" altLang="zh-CN" baseline="0" dirty="0" smtClean="0"/>
+              <a:t> coma expression to increase the verification.</a:t>
+            </a:r>
+          </a:p>
+        </p:txBody>
+      </p:sp>
+      <p:sp>
+        <p:nvSpPr>
+          <p:cNvPr id="4" name="灯片编号占位符 3"/>
+          <p:cNvSpPr>
+            <a:spLocks noGrp="1"/>
+          </p:cNvSpPr>
+          <p:nvPr>
+            <p:ph type="sldNum" sz="quarter" idx="10"/>
+          </p:nvPr>
+        </p:nvSpPr>
+        <p:spPr/>
+        <p:txBody>
+          <a:bodyPr/>
+          <a:lstStyle/>
+          <a:p>
+            <a:fld id="{D907BE37-B124-4F9F-8F7E-44B90AC375A6}" type="slidenum">
+              <a:rPr lang="zh-CN" altLang="en-US" smtClean="0"/>
+              <a:pPr/>
+              <a:t>32</a:t>
+            </a:fld>
+            <a:endParaRPr lang="zh-CN" altLang="en-US"/>
+          </a:p>
+        </p:txBody>
+      </p:sp>
+    </p:spTree>
+    <p:extLst>
+      <p:ext uri="{BB962C8B-B14F-4D97-AF65-F5344CB8AC3E}">
+        <p14:creationId xmlns:p14="http://schemas.microsoft.com/office/powerpoint/2010/main" val="3220707777"/>
+      </p:ext>
+    </p:extLst>
+  </p:cSld>
+  <p:clrMapOvr>
+    <a:masterClrMapping/>
+  </p:clrMapOvr>
+</p:notes>
+</file>
+
 <file path=ppt/notesSlides/notesSlide3.xml><?xml version="1.0" encoding="utf-8"?>
 <p:notes xmlns:a="http://schemas.openxmlformats.org/drawingml/2006/main" xmlns:r="http://schemas.openxmlformats.org/officeDocument/2006/relationships" xmlns:p="http://schemas.openxmlformats.org/presentationml/2006/main">
   <p:cSld>
@@ -2850,6 +3394,465 @@
     <p:extLst>
       <p:ext uri="{BB962C8B-B14F-4D97-AF65-F5344CB8AC3E}">
         <p14:creationId xmlns:p14="http://schemas.microsoft.com/office/powerpoint/2010/main" val="3060072042"/>
+      </p:ext>
+    </p:extLst>
+  </p:cSld>
+  <p:clrMapOvr>
+    <a:masterClrMapping/>
+  </p:clrMapOvr>
+</p:notes>
+</file>
+
+<file path=ppt/notesSlides/notesSlide30.xml><?xml version="1.0" encoding="utf-8"?>
+<p:notes xmlns:a="http://schemas.openxmlformats.org/drawingml/2006/main" xmlns:r="http://schemas.openxmlformats.org/officeDocument/2006/relationships" xmlns:p="http://schemas.openxmlformats.org/presentationml/2006/main">
+  <p:cSld>
+    <p:spTree>
+      <p:nvGrpSpPr>
+        <p:cNvPr id="1" name=""/>
+        <p:cNvGrpSpPr/>
+        <p:nvPr/>
+      </p:nvGrpSpPr>
+      <p:grpSpPr>
+        <a:xfrm>
+          <a:off x="0" y="0"/>
+          <a:ext cx="0" cy="0"/>
+          <a:chOff x="0" y="0"/>
+          <a:chExt cx="0" cy="0"/>
+        </a:xfrm>
+      </p:grpSpPr>
+      <p:sp>
+        <p:nvSpPr>
+          <p:cNvPr id="2" name="幻灯片图像占位符 1"/>
+          <p:cNvSpPr>
+            <a:spLocks noGrp="1" noRot="1" noChangeAspect="1"/>
+          </p:cNvSpPr>
+          <p:nvPr>
+            <p:ph type="sldImg"/>
+          </p:nvPr>
+        </p:nvSpPr>
+        <p:spPr/>
+      </p:sp>
+      <p:sp>
+        <p:nvSpPr>
+          <p:cNvPr id="3" name="备注占位符 2"/>
+          <p:cNvSpPr>
+            <a:spLocks noGrp="1"/>
+          </p:cNvSpPr>
+          <p:nvPr>
+            <p:ph type="body" idx="1"/>
+          </p:nvPr>
+        </p:nvSpPr>
+        <p:spPr/>
+        <p:txBody>
+          <a:bodyPr/>
+          <a:lstStyle/>
+          <a:p>
+            <a:pPr marL="0" marR="0" indent="0" algn="l" defTabSz="914400" rtl="0" eaLnBrk="1" fontAlgn="auto" latinLnBrk="0" hangingPunct="1">
+              <a:lnSpc>
+                <a:spcPct val="100000"/>
+              </a:lnSpc>
+              <a:spcBef>
+                <a:spcPts val="0"/>
+              </a:spcBef>
+              <a:spcAft>
+                <a:spcPts val="0"/>
+              </a:spcAft>
+              <a:buClrTx/>
+              <a:buSzTx/>
+              <a:buFontTx/>
+              <a:buNone/>
+              <a:tabLst/>
+              <a:defRPr/>
+            </a:pPr>
+            <a:r>
+              <a:rPr lang="en-US" altLang="zh-CN" dirty="0" smtClean="0"/>
+              <a:t>but </a:t>
+            </a:r>
+            <a:r>
+              <a:rPr lang="en-US" altLang="zh-CN" dirty="0" err="1" smtClean="0"/>
+              <a:t>std</a:t>
+            </a:r>
+            <a:r>
+              <a:rPr lang="en-US" altLang="zh-CN" dirty="0" smtClean="0"/>
+              <a:t>::</a:t>
+            </a:r>
+            <a:r>
+              <a:rPr lang="en-US" altLang="zh-CN" dirty="0" err="1" smtClean="0"/>
+              <a:t>void_t</a:t>
+            </a:r>
+            <a:r>
+              <a:rPr lang="en-US" altLang="zh-CN" dirty="0" smtClean="0"/>
+              <a:t> is not</a:t>
+            </a:r>
+            <a:r>
+              <a:rPr lang="en-US" altLang="zh-CN" baseline="0" dirty="0" smtClean="0"/>
+              <a:t> in </a:t>
+            </a:r>
+            <a:r>
+              <a:rPr lang="en-US" altLang="zh-CN" baseline="0" dirty="0" err="1" smtClean="0"/>
+              <a:t>c++</a:t>
+            </a:r>
+            <a:r>
+              <a:rPr lang="en-US" altLang="zh-CN" baseline="0" dirty="0" smtClean="0"/>
+              <a:t>14, if you want to use this way in </a:t>
+            </a:r>
+            <a:r>
+              <a:rPr lang="en-US" altLang="zh-CN" baseline="0" dirty="0" err="1" smtClean="0"/>
+              <a:t>c++</a:t>
+            </a:r>
+            <a:r>
+              <a:rPr lang="en-US" altLang="zh-CN" baseline="0" dirty="0" smtClean="0"/>
+              <a:t>14,  you just need to make a </a:t>
+            </a:r>
+            <a:r>
+              <a:rPr lang="en-US" altLang="zh-CN" baseline="0" dirty="0" err="1" smtClean="0"/>
+              <a:t>void_t</a:t>
+            </a:r>
+            <a:r>
+              <a:rPr lang="en-US" altLang="zh-CN" baseline="0" dirty="0" smtClean="0"/>
+              <a:t>.</a:t>
+            </a:r>
+            <a:endParaRPr lang="zh-CN" altLang="en-US" dirty="0" smtClean="0"/>
+          </a:p>
+          <a:p>
+            <a:endParaRPr lang="zh-CN" altLang="en-US" dirty="0"/>
+          </a:p>
+        </p:txBody>
+      </p:sp>
+      <p:sp>
+        <p:nvSpPr>
+          <p:cNvPr id="4" name="灯片编号占位符 3"/>
+          <p:cNvSpPr>
+            <a:spLocks noGrp="1"/>
+          </p:cNvSpPr>
+          <p:nvPr>
+            <p:ph type="sldNum" sz="quarter" idx="10"/>
+          </p:nvPr>
+        </p:nvSpPr>
+        <p:spPr/>
+        <p:txBody>
+          <a:bodyPr/>
+          <a:lstStyle/>
+          <a:p>
+            <a:fld id="{D907BE37-B124-4F9F-8F7E-44B90AC375A6}" type="slidenum">
+              <a:rPr lang="zh-CN" altLang="en-US" smtClean="0"/>
+              <a:pPr/>
+              <a:t>33</a:t>
+            </a:fld>
+            <a:endParaRPr lang="zh-CN" altLang="en-US"/>
+          </a:p>
+        </p:txBody>
+      </p:sp>
+    </p:spTree>
+    <p:extLst>
+      <p:ext uri="{BB962C8B-B14F-4D97-AF65-F5344CB8AC3E}">
+        <p14:creationId xmlns:p14="http://schemas.microsoft.com/office/powerpoint/2010/main" val="2697865491"/>
+      </p:ext>
+    </p:extLst>
+  </p:cSld>
+  <p:clrMapOvr>
+    <a:masterClrMapping/>
+  </p:clrMapOvr>
+</p:notes>
+</file>
+
+<file path=ppt/notesSlides/notesSlide31.xml><?xml version="1.0" encoding="utf-8"?>
+<p:notes xmlns:a="http://schemas.openxmlformats.org/drawingml/2006/main" xmlns:r="http://schemas.openxmlformats.org/officeDocument/2006/relationships" xmlns:p="http://schemas.openxmlformats.org/presentationml/2006/main">
+  <p:cSld>
+    <p:spTree>
+      <p:nvGrpSpPr>
+        <p:cNvPr id="1" name=""/>
+        <p:cNvGrpSpPr/>
+        <p:nvPr/>
+      </p:nvGrpSpPr>
+      <p:grpSpPr>
+        <a:xfrm>
+          <a:off x="0" y="0"/>
+          <a:ext cx="0" cy="0"/>
+          <a:chOff x="0" y="0"/>
+          <a:chExt cx="0" cy="0"/>
+        </a:xfrm>
+      </p:grpSpPr>
+      <p:sp>
+        <p:nvSpPr>
+          <p:cNvPr id="2" name="幻灯片图像占位符 1"/>
+          <p:cNvSpPr>
+            <a:spLocks noGrp="1" noRot="1" noChangeAspect="1"/>
+          </p:cNvSpPr>
+          <p:nvPr>
+            <p:ph type="sldImg"/>
+          </p:nvPr>
+        </p:nvSpPr>
+        <p:spPr/>
+      </p:sp>
+      <p:sp>
+        <p:nvSpPr>
+          <p:cNvPr id="3" name="备注占位符 2"/>
+          <p:cNvSpPr>
+            <a:spLocks noGrp="1"/>
+          </p:cNvSpPr>
+          <p:nvPr>
+            <p:ph type="body" idx="1"/>
+          </p:nvPr>
+        </p:nvSpPr>
+        <p:spPr/>
+        <p:txBody>
+          <a:bodyPr/>
+          <a:lstStyle/>
+          <a:p>
+            <a:pPr marL="0" marR="0" indent="0" algn="l" defTabSz="914400" rtl="0" eaLnBrk="1" fontAlgn="auto" latinLnBrk="0" hangingPunct="1">
+              <a:lnSpc>
+                <a:spcPct val="100000"/>
+              </a:lnSpc>
+              <a:spcBef>
+                <a:spcPts val="0"/>
+              </a:spcBef>
+              <a:spcAft>
+                <a:spcPts val="0"/>
+              </a:spcAft>
+              <a:buClrTx/>
+              <a:buSzTx/>
+              <a:buFontTx/>
+              <a:buNone/>
+              <a:tabLst/>
+              <a:defRPr/>
+            </a:pPr>
+            <a:r>
+              <a:rPr lang="en-US" altLang="zh-CN" dirty="0" smtClean="0"/>
+              <a:t>but </a:t>
+            </a:r>
+            <a:r>
+              <a:rPr lang="en-US" altLang="zh-CN" dirty="0" err="1" smtClean="0"/>
+              <a:t>std</a:t>
+            </a:r>
+            <a:r>
+              <a:rPr lang="en-US" altLang="zh-CN" dirty="0" smtClean="0"/>
+              <a:t>::</a:t>
+            </a:r>
+            <a:r>
+              <a:rPr lang="en-US" altLang="zh-CN" dirty="0" err="1" smtClean="0"/>
+              <a:t>void_t</a:t>
+            </a:r>
+            <a:r>
+              <a:rPr lang="en-US" altLang="zh-CN" dirty="0" smtClean="0"/>
+              <a:t> is not</a:t>
+            </a:r>
+            <a:r>
+              <a:rPr lang="en-US" altLang="zh-CN" baseline="0" dirty="0" smtClean="0"/>
+              <a:t> in </a:t>
+            </a:r>
+            <a:r>
+              <a:rPr lang="en-US" altLang="zh-CN" baseline="0" dirty="0" err="1" smtClean="0"/>
+              <a:t>c++</a:t>
+            </a:r>
+            <a:r>
+              <a:rPr lang="en-US" altLang="zh-CN" baseline="0" dirty="0" smtClean="0"/>
+              <a:t>14, if you want to use this way in </a:t>
+            </a:r>
+            <a:r>
+              <a:rPr lang="en-US" altLang="zh-CN" baseline="0" dirty="0" err="1" smtClean="0"/>
+              <a:t>c++</a:t>
+            </a:r>
+            <a:r>
+              <a:rPr lang="en-US" altLang="zh-CN" baseline="0" dirty="0" smtClean="0"/>
+              <a:t>14,  you just need to make a </a:t>
+            </a:r>
+            <a:r>
+              <a:rPr lang="en-US" altLang="zh-CN" baseline="0" dirty="0" err="1" smtClean="0"/>
+              <a:t>void_t</a:t>
+            </a:r>
+            <a:r>
+              <a:rPr lang="en-US" altLang="zh-CN" baseline="0" dirty="0" smtClean="0"/>
+              <a:t>.</a:t>
+            </a:r>
+            <a:endParaRPr lang="zh-CN" altLang="en-US" dirty="0" smtClean="0"/>
+          </a:p>
+          <a:p>
+            <a:endParaRPr lang="zh-CN" altLang="en-US" dirty="0"/>
+          </a:p>
+        </p:txBody>
+      </p:sp>
+      <p:sp>
+        <p:nvSpPr>
+          <p:cNvPr id="4" name="灯片编号占位符 3"/>
+          <p:cNvSpPr>
+            <a:spLocks noGrp="1"/>
+          </p:cNvSpPr>
+          <p:nvPr>
+            <p:ph type="sldNum" sz="quarter" idx="10"/>
+          </p:nvPr>
+        </p:nvSpPr>
+        <p:spPr/>
+        <p:txBody>
+          <a:bodyPr/>
+          <a:lstStyle/>
+          <a:p>
+            <a:fld id="{D907BE37-B124-4F9F-8F7E-44B90AC375A6}" type="slidenum">
+              <a:rPr lang="zh-CN" altLang="en-US" smtClean="0"/>
+              <a:pPr/>
+              <a:t>34</a:t>
+            </a:fld>
+            <a:endParaRPr lang="zh-CN" altLang="en-US"/>
+          </a:p>
+        </p:txBody>
+      </p:sp>
+    </p:spTree>
+    <p:extLst>
+      <p:ext uri="{BB962C8B-B14F-4D97-AF65-F5344CB8AC3E}">
+        <p14:creationId xmlns:p14="http://schemas.microsoft.com/office/powerpoint/2010/main" val="745616097"/>
+      </p:ext>
+    </p:extLst>
+  </p:cSld>
+  <p:clrMapOvr>
+    <a:masterClrMapping/>
+  </p:clrMapOvr>
+</p:notes>
+</file>
+
+<file path=ppt/notesSlides/notesSlide32.xml><?xml version="1.0" encoding="utf-8"?>
+<p:notes xmlns:a="http://schemas.openxmlformats.org/drawingml/2006/main" xmlns:r="http://schemas.openxmlformats.org/officeDocument/2006/relationships" xmlns:p="http://schemas.openxmlformats.org/presentationml/2006/main">
+  <p:cSld>
+    <p:spTree>
+      <p:nvGrpSpPr>
+        <p:cNvPr id="1" name=""/>
+        <p:cNvGrpSpPr/>
+        <p:nvPr/>
+      </p:nvGrpSpPr>
+      <p:grpSpPr>
+        <a:xfrm>
+          <a:off x="0" y="0"/>
+          <a:ext cx="0" cy="0"/>
+          <a:chOff x="0" y="0"/>
+          <a:chExt cx="0" cy="0"/>
+        </a:xfrm>
+      </p:grpSpPr>
+      <p:sp>
+        <p:nvSpPr>
+          <p:cNvPr id="2" name="幻灯片图像占位符 1"/>
+          <p:cNvSpPr>
+            <a:spLocks noGrp="1" noRot="1" noChangeAspect="1"/>
+          </p:cNvSpPr>
+          <p:nvPr>
+            <p:ph type="sldImg"/>
+          </p:nvPr>
+        </p:nvSpPr>
+        <p:spPr/>
+      </p:sp>
+      <p:sp>
+        <p:nvSpPr>
+          <p:cNvPr id="3" name="备注占位符 2"/>
+          <p:cNvSpPr>
+            <a:spLocks noGrp="1"/>
+          </p:cNvSpPr>
+          <p:nvPr>
+            <p:ph type="body" idx="1"/>
+          </p:nvPr>
+        </p:nvSpPr>
+        <p:spPr/>
+        <p:txBody>
+          <a:bodyPr/>
+          <a:lstStyle/>
+          <a:p>
+            <a:r>
+              <a:rPr lang="en-US" altLang="zh-CN" dirty="0" smtClean="0"/>
+              <a:t>in </a:t>
+            </a:r>
+            <a:r>
+              <a:rPr lang="en-US" altLang="zh-CN" dirty="0" err="1" smtClean="0"/>
+              <a:t>c++</a:t>
+            </a:r>
+            <a:r>
+              <a:rPr lang="en-US" altLang="zh-CN" dirty="0" smtClean="0"/>
+              <a:t>14 you can use this </a:t>
+            </a:r>
+            <a:r>
+              <a:rPr lang="en-US" altLang="zh-CN" dirty="0" err="1" smtClean="0"/>
+              <a:t>void_t</a:t>
+            </a:r>
+            <a:r>
+              <a:rPr lang="en-US" altLang="zh-CN" dirty="0" smtClean="0"/>
+              <a:t> like </a:t>
+            </a:r>
+            <a:r>
+              <a:rPr lang="en-US" altLang="zh-CN" dirty="0" err="1" smtClean="0"/>
+              <a:t>c++</a:t>
+            </a:r>
+            <a:r>
+              <a:rPr lang="en-US" altLang="zh-CN" dirty="0" smtClean="0"/>
+              <a:t>17.</a:t>
+            </a:r>
+          </a:p>
+          <a:p>
+            <a:r>
+              <a:rPr lang="en-US" altLang="zh-CN" dirty="0" smtClean="0"/>
+              <a:t>Pay attention, this </a:t>
+            </a:r>
+            <a:r>
+              <a:rPr lang="en-US" altLang="zh-CN" dirty="0" err="1" smtClean="0"/>
+              <a:t>void_t</a:t>
+            </a:r>
+            <a:r>
+              <a:rPr lang="en-US" altLang="zh-CN" dirty="0" smtClean="0"/>
+              <a:t> is just fit for </a:t>
+            </a:r>
+            <a:r>
+              <a:rPr lang="en-US" altLang="zh-CN" dirty="0" err="1" smtClean="0"/>
+              <a:t>c++</a:t>
+            </a:r>
+            <a:r>
+              <a:rPr lang="en-US" altLang="zh-CN" dirty="0" smtClean="0"/>
+              <a:t>14, not</a:t>
+            </a:r>
+            <a:r>
+              <a:rPr lang="en-US" altLang="zh-CN" baseline="0" dirty="0" smtClean="0"/>
+              <a:t>  </a:t>
+            </a:r>
+            <a:r>
+              <a:rPr lang="en-US" altLang="zh-CN" baseline="0" dirty="0" err="1" smtClean="0"/>
+              <a:t>c++</a:t>
+            </a:r>
+            <a:r>
+              <a:rPr lang="en-US" altLang="zh-CN" baseline="0" dirty="0" smtClean="0"/>
+              <a:t>11.</a:t>
+            </a:r>
+          </a:p>
+          <a:p>
+            <a:r>
+              <a:rPr lang="en-US" altLang="zh-CN" dirty="0" smtClean="0"/>
+              <a:t>Until C++14 unused parameters in alias templates were not guaranteed to ensure SFINAE and could be ignored.</a:t>
+            </a:r>
+            <a:endParaRPr lang="zh-CN" altLang="en-US" dirty="0"/>
+          </a:p>
+        </p:txBody>
+      </p:sp>
+      <p:sp>
+        <p:nvSpPr>
+          <p:cNvPr id="4" name="灯片编号占位符 3"/>
+          <p:cNvSpPr>
+            <a:spLocks noGrp="1"/>
+          </p:cNvSpPr>
+          <p:nvPr>
+            <p:ph type="sldNum" sz="quarter" idx="10"/>
+          </p:nvPr>
+        </p:nvSpPr>
+        <p:spPr/>
+        <p:txBody>
+          <a:bodyPr/>
+          <a:lstStyle/>
+          <a:p>
+            <a:fld id="{D907BE37-B124-4F9F-8F7E-44B90AC375A6}" type="slidenum">
+              <a:rPr lang="zh-CN" altLang="en-US" smtClean="0"/>
+              <a:pPr/>
+              <a:t>35</a:t>
+            </a:fld>
+            <a:endParaRPr lang="zh-CN" altLang="en-US"/>
+          </a:p>
+        </p:txBody>
+      </p:sp>
+    </p:spTree>
+    <p:extLst>
+      <p:ext uri="{BB962C8B-B14F-4D97-AF65-F5344CB8AC3E}">
+        <p14:creationId xmlns:p14="http://schemas.microsoft.com/office/powerpoint/2010/main" val="1161929155"/>
       </p:ext>
     </p:extLst>
   </p:cSld>
@@ -3731,7 +4734,7 @@
             <a:fld id="{12397CA8-2D6B-474E-AD0A-8CF9975324D0}" type="datetimeFigureOut">
               <a:rPr lang="zh-CN" altLang="en-US" smtClean="0"/>
               <a:pPr/>
-              <a:t>2017-04-13</a:t>
+              <a:t>2017-04-14</a:t>
             </a:fld>
             <a:endParaRPr lang="zh-CN" altLang="en-US"/>
           </a:p>
@@ -4022,7 +5025,7 @@
             <a:fld id="{12397CA8-2D6B-474E-AD0A-8CF9975324D0}" type="datetimeFigureOut">
               <a:rPr lang="zh-CN" altLang="en-US" smtClean="0"/>
               <a:pPr/>
-              <a:t>2017-04-13</a:t>
+              <a:t>2017-04-14</a:t>
             </a:fld>
             <a:endParaRPr lang="zh-CN" altLang="en-US"/>
           </a:p>
@@ -4211,7 +5214,7 @@
             <a:fld id="{12397CA8-2D6B-474E-AD0A-8CF9975324D0}" type="datetimeFigureOut">
               <a:rPr lang="zh-CN" altLang="en-US" smtClean="0"/>
               <a:pPr/>
-              <a:t>2017-04-13</a:t>
+              <a:t>2017-04-14</a:t>
             </a:fld>
             <a:endParaRPr lang="zh-CN" altLang="en-US"/>
           </a:p>
@@ -4718,7 +5721,7 @@
             <a:fld id="{12397CA8-2D6B-474E-AD0A-8CF9975324D0}" type="datetimeFigureOut">
               <a:rPr lang="zh-CN" altLang="en-US" smtClean="0"/>
               <a:pPr/>
-              <a:t>2017-04-13</a:t>
+              <a:t>2017-04-14</a:t>
             </a:fld>
             <a:endParaRPr lang="zh-CN" altLang="en-US"/>
           </a:p>
@@ -4959,7 +5962,7 @@
             <a:fld id="{12397CA8-2D6B-474E-AD0A-8CF9975324D0}" type="datetimeFigureOut">
               <a:rPr lang="zh-CN" altLang="en-US" smtClean="0"/>
               <a:pPr/>
-              <a:t>2017-04-13</a:t>
+              <a:t>2017-04-14</a:t>
             </a:fld>
             <a:endParaRPr lang="zh-CN" altLang="en-US"/>
           </a:p>
@@ -5335,7 +6338,7 @@
             <a:fld id="{12397CA8-2D6B-474E-AD0A-8CF9975324D0}" type="datetimeFigureOut">
               <a:rPr lang="zh-CN" altLang="en-US" smtClean="0"/>
               <a:pPr/>
-              <a:t>2017-04-13</a:t>
+              <a:t>2017-04-14</a:t>
             </a:fld>
             <a:endParaRPr lang="zh-CN" altLang="en-US"/>
           </a:p>
@@ -5455,7 +6458,7 @@
             <a:fld id="{12397CA8-2D6B-474E-AD0A-8CF9975324D0}" type="datetimeFigureOut">
               <a:rPr lang="zh-CN" altLang="en-US" smtClean="0"/>
               <a:pPr/>
-              <a:t>2017-04-13</a:t>
+              <a:t>2017-04-14</a:t>
             </a:fld>
             <a:endParaRPr lang="zh-CN" altLang="en-US"/>
           </a:p>
@@ -5552,7 +6555,7 @@
             <a:fld id="{12397CA8-2D6B-474E-AD0A-8CF9975324D0}" type="datetimeFigureOut">
               <a:rPr lang="zh-CN" altLang="en-US" smtClean="0"/>
               <a:pPr/>
-              <a:t>2017-04-13</a:t>
+              <a:t>2017-04-14</a:t>
             </a:fld>
             <a:endParaRPr lang="zh-CN" altLang="en-US"/>
           </a:p>
@@ -5831,7 +6834,7 @@
             <a:fld id="{12397CA8-2D6B-474E-AD0A-8CF9975324D0}" type="datetimeFigureOut">
               <a:rPr lang="zh-CN" altLang="en-US" smtClean="0"/>
               <a:pPr/>
-              <a:t>2017-04-13</a:t>
+              <a:t>2017-04-14</a:t>
             </a:fld>
             <a:endParaRPr lang="zh-CN" altLang="en-US"/>
           </a:p>
@@ -6090,7 +7093,7 @@
             <a:fld id="{12397CA8-2D6B-474E-AD0A-8CF9975324D0}" type="datetimeFigureOut">
               <a:rPr lang="zh-CN" altLang="en-US" smtClean="0"/>
               <a:pPr/>
-              <a:t>2017-04-13</a:t>
+              <a:t>2017-04-14</a:t>
             </a:fld>
             <a:endParaRPr lang="zh-CN" altLang="en-US"/>
           </a:p>
@@ -6312,7 +7315,7 @@
             <a:fld id="{12397CA8-2D6B-474E-AD0A-8CF9975324D0}" type="datetimeFigureOut">
               <a:rPr lang="zh-CN" altLang="en-US" smtClean="0"/>
               <a:pPr/>
-              <a:t>2017-04-13</a:t>
+              <a:t>2017-04-14</a:t>
             </a:fld>
             <a:endParaRPr lang="zh-CN" altLang="en-US"/>
           </a:p>
@@ -17894,7 +18897,6 @@
               <a:rPr lang="en-US" altLang="zh-CN" dirty="0" smtClean="0"/>
               <a:t> foo = {};</a:t>
             </a:r>
-            <a:endParaRPr lang="en-US" altLang="zh-CN" dirty="0" smtClean="0"/>
           </a:p>
           <a:p>
             <a:r>
@@ -17970,7 +18972,6 @@
               <a:rPr lang="en-US" altLang="zh-CN" dirty="0"/>
               <a:t> </a:t>
             </a:r>
-            <a:endParaRPr lang="en-US" altLang="zh-CN" dirty="0"/>
           </a:p>
           <a:p>
             <a:r>
@@ -19532,25 +20533,11 @@
           <a:p>
             <a:r>
               <a:rPr lang="en-US" altLang="zh-CN" dirty="0" smtClean="0"/>
-              <a:t>No protocol file</a:t>
-            </a:r>
-          </a:p>
-          <a:p>
-            <a:endParaRPr lang="en-US" altLang="zh-CN" dirty="0"/>
-          </a:p>
-          <a:p>
-            <a:r>
-              <a:rPr lang="en-US" altLang="zh-CN" dirty="0" smtClean="0"/>
-              <a:t>How to check call error in compile time?</a:t>
-            </a:r>
-          </a:p>
-          <a:p>
-            <a:endParaRPr lang="en-US" altLang="zh-CN" dirty="0"/>
-          </a:p>
-          <a:p>
-            <a:r>
-              <a:rPr lang="en-US" altLang="zh-CN" dirty="0"/>
-              <a:t>namespace client</a:t>
+              <a:t>namespace </a:t>
+            </a:r>
+            <a:r>
+              <a:rPr lang="en-US" altLang="zh-CN" dirty="0"/>
+              <a:t>client</a:t>
             </a:r>
           </a:p>
           <a:p>
@@ -19611,24 +20598,42 @@
           </a:p>
           <a:p>
             <a:r>
-              <a:rPr lang="en-US" altLang="zh-CN" dirty="0" err="1"/>
+              <a:rPr lang="en-US" altLang="zh-CN" dirty="0" err="1" smtClean="0"/>
               <a:t>asycn_client.call</a:t>
             </a:r>
             <a:r>
-              <a:rPr lang="en-US" altLang="zh-CN" dirty="0"/>
-              <a:t>(endpoint, client::add, 3, 5.0);</a:t>
-            </a:r>
-          </a:p>
-          <a:p>
-            <a:r>
-              <a:rPr lang="en-US" altLang="zh-CN" dirty="0" err="1"/>
-              <a:t>asycn_client.call</a:t>
-            </a:r>
-            <a:r>
-              <a:rPr lang="en-US" altLang="zh-CN" dirty="0"/>
-              <a:t>(endpoint, client::add, "test", 5); //compile error, not matching</a:t>
+              <a:rPr lang="en-US" altLang="zh-CN" dirty="0" smtClean="0"/>
+              <a:t>(endpoint</a:t>
+            </a:r>
+            <a:r>
+              <a:rPr lang="en-US" altLang="zh-CN" dirty="0"/>
+              <a:t>, client::add, "test", 5); //compile error, not matching</a:t>
             </a:r>
             <a:endParaRPr lang="en-US" altLang="zh-CN" dirty="0" smtClean="0"/>
+          </a:p>
+          <a:p>
+            <a:endParaRPr lang="en-US" altLang="zh-CN" dirty="0" smtClean="0"/>
+          </a:p>
+          <a:p>
+            <a:r>
+              <a:rPr lang="en-US" altLang="zh-CN" dirty="0" smtClean="0"/>
+              <a:t>check the arguments at compile time.</a:t>
+            </a:r>
+          </a:p>
+          <a:p>
+            <a:r>
+              <a:rPr lang="en-US" altLang="zh-CN" dirty="0"/>
+              <a:t>No protocol file</a:t>
+            </a:r>
+          </a:p>
+          <a:p>
+            <a:endParaRPr lang="en-US" altLang="zh-CN" dirty="0"/>
+          </a:p>
+          <a:p>
+            <a:r>
+              <a:rPr lang="en-US" altLang="zh-CN" dirty="0"/>
+              <a:t>How to check call error in compile time?</a:t>
+            </a:r>
           </a:p>
           <a:p>
             <a:endParaRPr lang="zh-CN" altLang="en-US" dirty="0"/>
@@ -19676,7 +20681,7 @@
                                         <p:tgtEl>
                                           <p:spTgt spid="3">
                                             <p:txEl>
-                                              <p:pRg st="4" end="4"/>
+                                              <p:pRg st="0" end="0"/>
                                             </p:txEl>
                                           </p:spTgt>
                                         </p:tgtEl>
@@ -19694,7 +20699,7 @@
                                         <p:tgtEl>
                                           <p:spTgt spid="3">
                                             <p:txEl>
-                                              <p:pRg st="4" end="4"/>
+                                              <p:pRg st="0" end="0"/>
                                             </p:txEl>
                                           </p:spTgt>
                                         </p:tgtEl>
@@ -19721,7 +20726,7 @@
                                         <p:tgtEl>
                                           <p:spTgt spid="3">
                                             <p:txEl>
-                                              <p:pRg st="4" end="4"/>
+                                              <p:pRg st="0" end="0"/>
                                             </p:txEl>
                                           </p:spTgt>
                                         </p:tgtEl>
@@ -19761,7 +20766,7 @@
                                         <p:tgtEl>
                                           <p:spTgt spid="3">
                                             <p:txEl>
-                                              <p:pRg st="5" end="5"/>
+                                              <p:pRg st="1" end="1"/>
                                             </p:txEl>
                                           </p:spTgt>
                                         </p:tgtEl>
@@ -19779,7 +20784,7 @@
                                         <p:tgtEl>
                                           <p:spTgt spid="3">
                                             <p:txEl>
-                                              <p:pRg st="5" end="5"/>
+                                              <p:pRg st="1" end="1"/>
                                             </p:txEl>
                                           </p:spTgt>
                                         </p:tgtEl>
@@ -19806,7 +20811,7 @@
                                         <p:tgtEl>
                                           <p:spTgt spid="3">
                                             <p:txEl>
-                                              <p:pRg st="5" end="5"/>
+                                              <p:pRg st="1" end="1"/>
                                             </p:txEl>
                                           </p:spTgt>
                                         </p:tgtEl>
@@ -19846,7 +20851,7 @@
                                         <p:tgtEl>
                                           <p:spTgt spid="3">
                                             <p:txEl>
-                                              <p:pRg st="6" end="6"/>
+                                              <p:pRg st="2" end="2"/>
                                             </p:txEl>
                                           </p:spTgt>
                                         </p:tgtEl>
@@ -19864,7 +20869,7 @@
                                         <p:tgtEl>
                                           <p:spTgt spid="3">
                                             <p:txEl>
-                                              <p:pRg st="6" end="6"/>
+                                              <p:pRg st="2" end="2"/>
                                             </p:txEl>
                                           </p:spTgt>
                                         </p:tgtEl>
@@ -19891,7 +20896,7 @@
                                         <p:tgtEl>
                                           <p:spTgt spid="3">
                                             <p:txEl>
-                                              <p:pRg st="6" end="6"/>
+                                              <p:pRg st="2" end="2"/>
                                             </p:txEl>
                                           </p:spTgt>
                                         </p:tgtEl>
@@ -19931,7 +20936,7 @@
                                         <p:tgtEl>
                                           <p:spTgt spid="3">
                                             <p:txEl>
-                                              <p:pRg st="7" end="7"/>
+                                              <p:pRg st="3" end="3"/>
                                             </p:txEl>
                                           </p:spTgt>
                                         </p:tgtEl>
@@ -19949,7 +20954,7 @@
                                         <p:tgtEl>
                                           <p:spTgt spid="3">
                                             <p:txEl>
-                                              <p:pRg st="7" end="7"/>
+                                              <p:pRg st="3" end="3"/>
                                             </p:txEl>
                                           </p:spTgt>
                                         </p:tgtEl>
@@ -19976,7 +20981,7 @@
                                         <p:tgtEl>
                                           <p:spTgt spid="3">
                                             <p:txEl>
-                                              <p:pRg st="7" end="7"/>
+                                              <p:pRg st="3" end="3"/>
                                             </p:txEl>
                                           </p:spTgt>
                                         </p:tgtEl>
@@ -20016,7 +21021,7 @@
                                         <p:tgtEl>
                                           <p:spTgt spid="3">
                                             <p:txEl>
-                                              <p:pRg st="9" end="9"/>
+                                              <p:pRg st="5" end="5"/>
                                             </p:txEl>
                                           </p:spTgt>
                                         </p:tgtEl>
@@ -20034,7 +21039,7 @@
                                         <p:tgtEl>
                                           <p:spTgt spid="3">
                                             <p:txEl>
-                                              <p:pRg st="9" end="9"/>
+                                              <p:pRg st="5" end="5"/>
                                             </p:txEl>
                                           </p:spTgt>
                                         </p:tgtEl>
@@ -20061,7 +21066,7 @@
                                         <p:tgtEl>
                                           <p:spTgt spid="3">
                                             <p:txEl>
-                                              <p:pRg st="9" end="9"/>
+                                              <p:pRg st="5" end="5"/>
                                             </p:txEl>
                                           </p:spTgt>
                                         </p:tgtEl>
@@ -20101,7 +21106,7 @@
                                         <p:tgtEl>
                                           <p:spTgt spid="3">
                                             <p:txEl>
-                                              <p:pRg st="10" end="10"/>
+                                              <p:pRg st="6" end="6"/>
                                             </p:txEl>
                                           </p:spTgt>
                                         </p:tgtEl>
@@ -20119,7 +21124,7 @@
                                         <p:tgtEl>
                                           <p:spTgt spid="3">
                                             <p:txEl>
-                                              <p:pRg st="10" end="10"/>
+                                              <p:pRg st="6" end="6"/>
                                             </p:txEl>
                                           </p:spTgt>
                                         </p:tgtEl>
@@ -20146,7 +21151,7 @@
                                         <p:tgtEl>
                                           <p:spTgt spid="3">
                                             <p:txEl>
-                                              <p:pRg st="10" end="10"/>
+                                              <p:pRg st="6" end="6"/>
                                             </p:txEl>
                                           </p:spTgt>
                                         </p:tgtEl>
@@ -20186,6 +21191,176 @@
                                         <p:tgtEl>
                                           <p:spTgt spid="3">
                                             <p:txEl>
+                                              <p:pRg st="8" end="8"/>
+                                            </p:txEl>
+                                          </p:spTgt>
+                                        </p:tgtEl>
+                                        <p:attrNameLst>
+                                          <p:attrName>style.visibility</p:attrName>
+                                        </p:attrNameLst>
+                                      </p:cBhvr>
+                                      <p:to>
+                                        <p:strVal val="visible"/>
+                                      </p:to>
+                                    </p:set>
+                                    <p:anim calcmode="lin" valueType="num">
+                                      <p:cBhvr additive="base">
+                                        <p:cTn id="31" dur="500" fill="hold"/>
+                                        <p:tgtEl>
+                                          <p:spTgt spid="3">
+                                            <p:txEl>
+                                              <p:pRg st="8" end="8"/>
+                                            </p:txEl>
+                                          </p:spTgt>
+                                        </p:tgtEl>
+                                        <p:attrNameLst>
+                                          <p:attrName>ppt_x</p:attrName>
+                                        </p:attrNameLst>
+                                      </p:cBhvr>
+                                      <p:tavLst>
+                                        <p:tav tm="0">
+                                          <p:val>
+                                            <p:strVal val="#ppt_x"/>
+                                          </p:val>
+                                        </p:tav>
+                                        <p:tav tm="100000">
+                                          <p:val>
+                                            <p:strVal val="#ppt_x"/>
+                                          </p:val>
+                                        </p:tav>
+                                      </p:tavLst>
+                                    </p:anim>
+                                    <p:anim calcmode="lin" valueType="num">
+                                      <p:cBhvr additive="base">
+                                        <p:cTn id="32" dur="500" fill="hold"/>
+                                        <p:tgtEl>
+                                          <p:spTgt spid="3">
+                                            <p:txEl>
+                                              <p:pRg st="8" end="8"/>
+                                            </p:txEl>
+                                          </p:spTgt>
+                                        </p:tgtEl>
+                                        <p:attrNameLst>
+                                          <p:attrName>ppt_y</p:attrName>
+                                        </p:attrNameLst>
+                                      </p:cBhvr>
+                                      <p:tavLst>
+                                        <p:tav tm="0">
+                                          <p:val>
+                                            <p:strVal val="1+#ppt_h/2"/>
+                                          </p:val>
+                                        </p:tav>
+                                        <p:tav tm="100000">
+                                          <p:val>
+                                            <p:strVal val="#ppt_y"/>
+                                          </p:val>
+                                        </p:tav>
+                                      </p:tavLst>
+                                    </p:anim>
+                                  </p:childTnLst>
+                                </p:cTn>
+                              </p:par>
+                              <p:par>
+                                <p:cTn id="33" presetID="2" presetClass="entr" presetSubtype="4" fill="hold" nodeType="withEffect">
+                                  <p:stCondLst>
+                                    <p:cond delay="0"/>
+                                  </p:stCondLst>
+                                  <p:childTnLst>
+                                    <p:set>
+                                      <p:cBhvr>
+                                        <p:cTn id="34" dur="1" fill="hold">
+                                          <p:stCondLst>
+                                            <p:cond delay="0"/>
+                                          </p:stCondLst>
+                                        </p:cTn>
+                                        <p:tgtEl>
+                                          <p:spTgt spid="3">
+                                            <p:txEl>
+                                              <p:pRg st="9" end="9"/>
+                                            </p:txEl>
+                                          </p:spTgt>
+                                        </p:tgtEl>
+                                        <p:attrNameLst>
+                                          <p:attrName>style.visibility</p:attrName>
+                                        </p:attrNameLst>
+                                      </p:cBhvr>
+                                      <p:to>
+                                        <p:strVal val="visible"/>
+                                      </p:to>
+                                    </p:set>
+                                    <p:anim calcmode="lin" valueType="num">
+                                      <p:cBhvr additive="base">
+                                        <p:cTn id="35" dur="500" fill="hold"/>
+                                        <p:tgtEl>
+                                          <p:spTgt spid="3">
+                                            <p:txEl>
+                                              <p:pRg st="9" end="9"/>
+                                            </p:txEl>
+                                          </p:spTgt>
+                                        </p:tgtEl>
+                                        <p:attrNameLst>
+                                          <p:attrName>ppt_x</p:attrName>
+                                        </p:attrNameLst>
+                                      </p:cBhvr>
+                                      <p:tavLst>
+                                        <p:tav tm="0">
+                                          <p:val>
+                                            <p:strVal val="#ppt_x"/>
+                                          </p:val>
+                                        </p:tav>
+                                        <p:tav tm="100000">
+                                          <p:val>
+                                            <p:strVal val="#ppt_x"/>
+                                          </p:val>
+                                        </p:tav>
+                                      </p:tavLst>
+                                    </p:anim>
+                                    <p:anim calcmode="lin" valueType="num">
+                                      <p:cBhvr additive="base">
+                                        <p:cTn id="36" dur="500" fill="hold"/>
+                                        <p:tgtEl>
+                                          <p:spTgt spid="3">
+                                            <p:txEl>
+                                              <p:pRg st="9" end="9"/>
+                                            </p:txEl>
+                                          </p:spTgt>
+                                        </p:tgtEl>
+                                        <p:attrNameLst>
+                                          <p:attrName>ppt_y</p:attrName>
+                                        </p:attrNameLst>
+                                      </p:cBhvr>
+                                      <p:tavLst>
+                                        <p:tav tm="0">
+                                          <p:val>
+                                            <p:strVal val="1+#ppt_h/2"/>
+                                          </p:val>
+                                        </p:tav>
+                                        <p:tav tm="100000">
+                                          <p:val>
+                                            <p:strVal val="#ppt_y"/>
+                                          </p:val>
+                                        </p:tav>
+                                      </p:tavLst>
+                                    </p:anim>
+                                  </p:childTnLst>
+                                </p:cTn>
+                              </p:par>
+                              <p:par>
+                                <p:cTn id="37" presetID="2" presetClass="entr" presetSubtype="4" fill="hold" nodeType="withEffect">
+                                  <p:stCondLst>
+                                    <p:cond delay="0"/>
+                                  </p:stCondLst>
+                                  <p:childTnLst>
+                                    <p:set>
+                                      <p:cBhvr>
+                                        <p:cTn id="38" dur="1" fill="hold">
+                                          <p:stCondLst>
+                                            <p:cond delay="0"/>
+                                          </p:stCondLst>
+                                        </p:cTn>
+                                        <p:tgtEl>
+                                          <p:spTgt spid="3">
+                                            <p:txEl>
                                               <p:pRg st="11" end="11"/>
                                             </p:txEl>
                                           </p:spTgt>
@@ -20200,7 +21375,7 @@
                                     </p:set>
                                     <p:anim calcmode="lin" valueType="num">
                                       <p:cBhvr additive="base">
-                                        <p:cTn id="31" dur="500" fill="hold"/>
+                                        <p:cTn id="39" dur="500" fill="hold"/>
                                         <p:tgtEl>
                                           <p:spTgt spid="3">
                                             <p:txEl>
@@ -20227,7 +21402,7 @@
                                     </p:anim>
                                     <p:anim calcmode="lin" valueType="num">
                                       <p:cBhvr additive="base">
-                                        <p:cTn id="32" dur="500" fill="hold"/>
+                                        <p:cTn id="40" dur="500" fill="hold"/>
                                         <p:tgtEl>
                                           <p:spTgt spid="3">
                                             <p:txEl>
@@ -20305,7 +21480,7 @@
       </p:grpSpPr>
       <p:sp>
         <p:nvSpPr>
-          <p:cNvPr id="2" name="Title 1"/>
+          <p:cNvPr id="2" name="标题 1"/>
           <p:cNvSpPr>
             <a:spLocks noGrp="1"/>
           </p:cNvSpPr>
@@ -20328,7 +21503,7 @@
       </p:sp>
       <p:sp>
         <p:nvSpPr>
-          <p:cNvPr id="3" name="Text Placeholder 2"/>
+          <p:cNvPr id="3" name="文本占位符 2"/>
           <p:cNvSpPr>
             <a:spLocks noGrp="1"/>
           </p:cNvSpPr>
@@ -20343,6 +21518,39 @@
           <a:p>
             <a:r>
               <a:rPr lang="en-US" altLang="zh-CN" dirty="0"/>
+              <a:t>#define TIMAX_DEFINE_PROTOCOL(handler, ...) static </a:t>
+            </a:r>
+            <a:r>
+              <a:rPr lang="en-US" altLang="zh-CN" dirty="0" err="1"/>
+              <a:t>const</a:t>
+            </a:r>
+            <a:r>
+              <a:rPr lang="en-US" altLang="zh-CN" dirty="0"/>
+              <a:t> </a:t>
+            </a:r>
+            <a:r>
+              <a:rPr lang="en-US" altLang="zh-CN" dirty="0" err="1"/>
+              <a:t>rpc</a:t>
+            </a:r>
+            <a:r>
+              <a:rPr lang="en-US" altLang="zh-CN" dirty="0"/>
+              <a:t>::</a:t>
+            </a:r>
+            <a:r>
+              <a:rPr lang="en-US" altLang="zh-CN" dirty="0" err="1"/>
+              <a:t>rpc_protocol</a:t>
+            </a:r>
+            <a:r>
+              <a:rPr lang="en-US" altLang="zh-CN" dirty="0"/>
+              <a:t>&lt;__VA_ARGS__&gt; handler{ #handler }</a:t>
+            </a:r>
+          </a:p>
+          <a:p>
+            <a:endParaRPr lang="zh-CN" altLang="en-US" dirty="0"/>
+          </a:p>
+          <a:p>
+            <a:r>
+              <a:rPr lang="en-US" altLang="zh-CN" dirty="0"/>
               <a:t>template &lt;</a:t>
             </a:r>
             <a:r>
@@ -20351,15 +21559,7 @@
             </a:r>
             <a:r>
               <a:rPr lang="en-US" altLang="zh-CN" dirty="0"/>
-              <a:t> </a:t>
-            </a:r>
-            <a:r>
-              <a:rPr lang="en-US" altLang="zh-CN" dirty="0" err="1"/>
-              <a:t>Func</a:t>
-            </a:r>
-            <a:r>
-              <a:rPr lang="en-US" altLang="zh-CN" dirty="0"/>
-              <a:t>, </a:t>
+              <a:t> Ret, </a:t>
             </a:r>
             <a:r>
               <a:rPr lang="en-US" altLang="zh-CN" dirty="0" err="1"/>
@@ -20388,21 +21588,59 @@
               <a:t> </a:t>
             </a:r>
             <a:r>
+              <a:rPr lang="en-US" altLang="zh-CN" dirty="0" err="1" smtClean="0"/>
+              <a:t>rpc_protocol</a:t>
+            </a:r>
+            <a:r>
+              <a:rPr lang="en-US" altLang="zh-CN" dirty="0" smtClean="0"/>
+              <a:t>&lt;Ret(</a:t>
+            </a:r>
+            <a:r>
+              <a:rPr lang="en-US" altLang="zh-CN" dirty="0" err="1" smtClean="0"/>
+              <a:t>Args</a:t>
+            </a:r>
+            <a:r>
+              <a:rPr lang="en-US" altLang="zh-CN" dirty="0" smtClean="0"/>
+              <a:t>...)&gt;{</a:t>
+            </a:r>
+          </a:p>
+          <a:p>
+            <a:r>
+              <a:rPr lang="en-US" altLang="zh-CN" dirty="0" smtClean="0"/>
+              <a:t>    </a:t>
+            </a:r>
+            <a:r>
+              <a:rPr lang="en-US" altLang="zh-CN" dirty="0"/>
+              <a:t>using </a:t>
+            </a:r>
+            <a:r>
               <a:rPr lang="en-US" altLang="zh-CN" dirty="0" err="1"/>
-              <a:t>is_arguments_match</a:t>
-            </a:r>
-            <a:r>
-              <a:rPr lang="en-US" altLang="zh-CN" dirty="0"/>
-              <a:t>;</a:t>
-            </a:r>
-          </a:p>
-          <a:p>
-            <a:endParaRPr lang="en-US" altLang="zh-CN" dirty="0"/>
-          </a:p>
-          <a:p>
-            <a:r>
-              <a:rPr lang="en-US" altLang="zh-CN" dirty="0"/>
-              <a:t>template &lt;</a:t>
+              <a:t>signature_type</a:t>
+            </a:r>
+            <a:r>
+              <a:rPr lang="en-US" altLang="zh-CN" dirty="0"/>
+              <a:t> = Ret(</a:t>
+            </a:r>
+            <a:r>
+              <a:rPr lang="en-US" altLang="zh-CN" dirty="0" err="1"/>
+              <a:t>Args</a:t>
+            </a:r>
+            <a:r>
+              <a:rPr lang="en-US" altLang="zh-CN" dirty="0" smtClean="0"/>
+              <a:t>...);</a:t>
+            </a:r>
+          </a:p>
+          <a:p>
+            <a:endParaRPr lang="zh-CN" altLang="en-US" dirty="0"/>
+          </a:p>
+          <a:p>
+            <a:r>
+              <a:rPr lang="en-US" altLang="zh-CN" dirty="0" smtClean="0"/>
+              <a:t>    template </a:t>
+            </a:r>
+            <a:r>
+              <a:rPr lang="en-US" altLang="zh-CN" dirty="0"/>
+              <a:t>&lt;</a:t>
             </a:r>
             <a:r>
               <a:rPr lang="en-US" altLang="zh-CN" dirty="0" err="1"/>
@@ -20410,60 +21648,6 @@
             </a:r>
             <a:r>
               <a:rPr lang="en-US" altLang="zh-CN" dirty="0"/>
-              <a:t> Ret, </a:t>
-            </a:r>
-            <a:r>
-              <a:rPr lang="en-US" altLang="zh-CN" dirty="0" err="1"/>
-              <a:t>typename</a:t>
-            </a:r>
-            <a:r>
-              <a:rPr lang="en-US" altLang="zh-CN" dirty="0"/>
-              <a:t> ... </a:t>
-            </a:r>
-            <a:r>
-              <a:rPr lang="en-US" altLang="zh-CN" dirty="0" err="1"/>
-              <a:t>Args</a:t>
-            </a:r>
-            <a:r>
-              <a:rPr lang="en-US" altLang="zh-CN" dirty="0"/>
-              <a:t>&gt;</a:t>
-            </a:r>
-          </a:p>
-          <a:p>
-            <a:r>
-              <a:rPr lang="en-US" altLang="zh-CN" dirty="0" err="1"/>
-              <a:t>struct</a:t>
-            </a:r>
-            <a:r>
-              <a:rPr lang="en-US" altLang="zh-CN" dirty="0"/>
-              <a:t> protocol&lt;Ret(</a:t>
-            </a:r>
-            <a:r>
-              <a:rPr lang="en-US" altLang="zh-CN" dirty="0" err="1"/>
-              <a:t>Args</a:t>
-            </a:r>
-            <a:r>
-              <a:rPr lang="en-US" altLang="zh-CN" dirty="0"/>
-              <a:t>...)&gt;</a:t>
-            </a:r>
-          </a:p>
-          <a:p>
-            <a:r>
-              <a:rPr lang="en-US" altLang="zh-CN" dirty="0"/>
-              <a:t>{</a:t>
-            </a:r>
-          </a:p>
-          <a:p>
-            <a:r>
-              <a:rPr lang="en-US" altLang="zh-CN" dirty="0"/>
-              <a:t>    template &lt;</a:t>
-            </a:r>
-            <a:r>
-              <a:rPr lang="en-US" altLang="zh-CN" dirty="0" err="1"/>
-              <a:t>typename</a:t>
-            </a:r>
-            <a:r>
-              <a:rPr lang="en-US" altLang="zh-CN" dirty="0"/>
               <a:t> ... </a:t>
             </a:r>
             <a:r>
@@ -20477,12 +21661,12 @@
           </a:p>
           <a:p>
             <a:r>
-              <a:rPr lang="en-US" altLang="zh-CN" dirty="0"/>
+              <a:rPr lang="en-US" altLang="zh-CN" dirty="0" smtClean="0"/>
               <a:t>    auto </a:t>
             </a:r>
             <a:r>
               <a:rPr lang="en-US" altLang="zh-CN" dirty="0" err="1"/>
-              <a:t>serialize_arguments</a:t>
+              <a:t>pack_args</a:t>
             </a:r>
             <a:r>
               <a:rPr lang="en-US" altLang="zh-CN" dirty="0"/>
@@ -20502,43 +21686,46 @@
             </a:r>
             <a:r>
               <a:rPr lang="en-US" altLang="zh-CN" dirty="0"/>
-              <a:t>)</a:t>
-            </a:r>
-          </a:p>
-          <a:p>
-            <a:r>
-              <a:rPr lang="en-US" altLang="zh-CN" dirty="0"/>
-              <a:t>    {</a:t>
-            </a:r>
-          </a:p>
-          <a:p>
-            <a:r>
-              <a:rPr lang="en-US" altLang="zh-CN" dirty="0"/>
-              <a:t>        </a:t>
-            </a:r>
-            <a:r>
-              <a:rPr lang="en-US" altLang="zh-CN" dirty="0" err="1"/>
+              <a:t>) </a:t>
+            </a:r>
+            <a:r>
+              <a:rPr lang="en-US" altLang="zh-CN" dirty="0" err="1" smtClean="0"/>
+              <a:t>const</a:t>
+            </a:r>
+            <a:r>
+              <a:rPr lang="en-US" altLang="zh-CN" dirty="0" smtClean="0"/>
+              <a:t>{</a:t>
+            </a:r>
+            <a:endParaRPr lang="en-US" altLang="zh-CN" dirty="0"/>
+          </a:p>
+          <a:p>
+            <a:r>
+              <a:rPr lang="en-US" altLang="zh-CN" dirty="0" smtClean="0"/>
+              <a:t>         </a:t>
+            </a:r>
+            <a:r>
+              <a:rPr lang="en-US" altLang="zh-CN" dirty="0" err="1" smtClean="0"/>
               <a:t>static_assert</a:t>
             </a:r>
             <a:r>
-              <a:rPr lang="en-US" altLang="zh-CN" dirty="0"/>
+              <a:rPr lang="en-US" altLang="zh-CN" dirty="0" smtClean="0"/>
               <a:t>(</a:t>
             </a:r>
             <a:r>
-              <a:rPr lang="en-US" altLang="zh-CN" dirty="0" err="1"/>
-              <a:t>is_arguments_match</a:t>
-            </a:r>
-            <a:r>
-              <a:rPr lang="en-US" altLang="zh-CN" dirty="0"/>
-              <a:t>&lt;Ret(</a:t>
-            </a:r>
-            <a:r>
-              <a:rPr lang="en-US" altLang="zh-CN" dirty="0" err="1"/>
-              <a:t>Args</a:t>
-            </a:r>
-            <a:r>
-              <a:rPr lang="en-US" altLang="zh-CN" dirty="0"/>
-              <a:t>...), </a:t>
+              <a:rPr lang="en-US" altLang="zh-CN" dirty="0" err="1" smtClean="0"/>
+              <a:t>is_argument_match</a:t>
+            </a:r>
+            <a:r>
+              <a:rPr lang="en-US" altLang="zh-CN" dirty="0" smtClean="0"/>
+              <a:t>&lt;</a:t>
+            </a:r>
+            <a:r>
+              <a:rPr lang="en-US" altLang="zh-CN" dirty="0" err="1" smtClean="0"/>
+              <a:t>signature_type</a:t>
+            </a:r>
+            <a:r>
+              <a:rPr lang="en-US" altLang="zh-CN" dirty="0"/>
+              <a:t>, </a:t>
             </a:r>
             <a:r>
               <a:rPr lang="en-US" altLang="zh-CN" dirty="0" err="1"/>
@@ -20546,58 +21733,266 @@
             </a:r>
             <a:r>
               <a:rPr lang="en-US" altLang="zh-CN" dirty="0"/>
-              <a:t> ...&gt;::value, “blah </a:t>
+              <a:t>...&gt;::value, </a:t>
+            </a:r>
+            <a:r>
+              <a:rPr lang="en-US" altLang="zh-CN" dirty="0" smtClean="0"/>
+              <a:t>"don`t  match </a:t>
+            </a:r>
+            <a:r>
+              <a:rPr lang="en-US" altLang="zh-CN" dirty="0"/>
+              <a:t>the protocol!");</a:t>
+            </a:r>
+          </a:p>
+          <a:p>
+            <a:r>
+              <a:rPr lang="en-US" altLang="zh-CN" dirty="0"/>
+              <a:t> </a:t>
+            </a:r>
+            <a:r>
+              <a:rPr lang="en-US" altLang="zh-CN" dirty="0" smtClean="0"/>
+              <a:t>   }</a:t>
+            </a:r>
+            <a:endParaRPr lang="en-US" altLang="zh-CN" dirty="0"/>
+          </a:p>
+          <a:p>
+            <a:r>
+              <a:rPr lang="en-US" altLang="zh-CN" dirty="0"/>
+              <a:t>};</a:t>
+            </a:r>
+            <a:endParaRPr lang="zh-CN" altLang="en-US" dirty="0"/>
+          </a:p>
+        </p:txBody>
+      </p:sp>
+      <p:sp>
+        <p:nvSpPr>
+          <p:cNvPr id="4" name="矩形 3"/>
+          <p:cNvSpPr/>
+          <p:nvPr/>
+        </p:nvSpPr>
+        <p:spPr>
+          <a:xfrm>
+            <a:off x="501794" y="5354637"/>
+            <a:ext cx="4401205" cy="369332"/>
+          </a:xfrm>
+          <a:prstGeom prst="rect">
+            <a:avLst/>
+          </a:prstGeom>
+        </p:spPr>
+        <p:txBody>
+          <a:bodyPr wrap="none">
+            <a:spAutoFit/>
+          </a:bodyPr>
+          <a:lstStyle/>
+          <a:p>
+            <a:r>
+              <a:rPr lang="en-US" altLang="zh-CN" dirty="0"/>
+              <a:t>TIMAX_DEFINE_PROTOCOL(add, </a:t>
             </a:r>
             <a:r>
               <a:rPr lang="en-US" altLang="zh-CN" dirty="0" err="1"/>
-              <a:t>blah</a:t>
-            </a:r>
-            <a:r>
-              <a:rPr lang="en-US" altLang="zh-CN" dirty="0"/>
-              <a:t> </a:t>
+              <a:t>int</a:t>
+            </a:r>
+            <a:r>
+              <a:rPr lang="en-US" altLang="zh-CN" dirty="0"/>
+              <a:t>(</a:t>
             </a:r>
             <a:r>
               <a:rPr lang="en-US" altLang="zh-CN" dirty="0" err="1"/>
-              <a:t>blah</a:t>
-            </a:r>
-            <a:r>
-              <a:rPr lang="en-US" altLang="zh-CN" dirty="0"/>
-              <a:t>”);</a:t>
-            </a:r>
-          </a:p>
-          <a:p>
-            <a:r>
-              <a:rPr lang="en-US" altLang="zh-CN" dirty="0"/>
-              <a:t>        // your </a:t>
-            </a:r>
-            <a:r>
-              <a:rPr lang="en-US" altLang="zh-CN" dirty="0" smtClean="0"/>
-              <a:t>code</a:t>
+              <a:t>int</a:t>
+            </a:r>
+            <a:r>
+              <a:rPr lang="en-US" altLang="zh-CN" dirty="0"/>
+              <a:t>, </a:t>
+            </a:r>
+            <a:r>
+              <a:rPr lang="en-US" altLang="zh-CN" dirty="0" err="1"/>
+              <a:t>int</a:t>
+            </a:r>
+            <a:r>
+              <a:rPr lang="en-US" altLang="zh-CN" dirty="0"/>
+              <a:t>));</a:t>
             </a:r>
             <a:endParaRPr lang="en-US" altLang="zh-CN" dirty="0"/>
           </a:p>
-          <a:p>
-            <a:r>
-              <a:rPr lang="en-US" altLang="zh-CN" dirty="0"/>
-              <a:t>    }</a:t>
-            </a:r>
-            <a:br>
-              <a:rPr lang="en-US" altLang="zh-CN" dirty="0"/>
-            </a:br>
-            <a:r>
-              <a:rPr lang="en-US" altLang="zh-CN" dirty="0"/>
-              <a:t>};</a:t>
-            </a:r>
-          </a:p>
-          <a:p>
-            <a:endParaRPr lang="zh-CN" altLang="en-US" dirty="0"/>
+        </p:txBody>
+      </p:sp>
+      <p:sp>
+        <p:nvSpPr>
+          <p:cNvPr id="6" name="矩形 5"/>
+          <p:cNvSpPr/>
+          <p:nvPr/>
+        </p:nvSpPr>
+        <p:spPr>
+          <a:xfrm>
+            <a:off x="5771470" y="5323469"/>
+            <a:ext cx="3087897" cy="369332"/>
+          </a:xfrm>
+          <a:prstGeom prst="rect">
+            <a:avLst/>
+          </a:prstGeom>
+        </p:spPr>
+        <p:txBody>
+          <a:bodyPr wrap="none">
+            <a:spAutoFit/>
+          </a:bodyPr>
+          <a:lstStyle/>
+          <a:p>
+            <a:r>
+              <a:rPr lang="zh-CN" altLang="en-US" dirty="0"/>
+              <a:t>rpc_protocol&lt;int(int, int)&gt; add;</a:t>
+            </a:r>
+          </a:p>
+        </p:txBody>
+      </p:sp>
+      <p:sp>
+        <p:nvSpPr>
+          <p:cNvPr id="7" name="右箭头 6"/>
+          <p:cNvSpPr/>
+          <p:nvPr/>
+        </p:nvSpPr>
+        <p:spPr>
+          <a:xfrm>
+            <a:off x="4902999" y="5453201"/>
+            <a:ext cx="813935" cy="172204"/>
+          </a:xfrm>
+          <a:prstGeom prst="rightArrow">
+            <a:avLst/>
+          </a:prstGeom>
+          <a:solidFill>
+            <a:schemeClr val="accent6"/>
+          </a:solidFill>
+        </p:spPr>
+        <p:style>
+          <a:lnRef idx="2">
+            <a:schemeClr val="accent1">
+              <a:shade val="50000"/>
+            </a:schemeClr>
+          </a:lnRef>
+          <a:fillRef idx="1">
+            <a:schemeClr val="accent1"/>
+          </a:fillRef>
+          <a:effectRef idx="0">
+            <a:schemeClr val="accent1"/>
+          </a:effectRef>
+          <a:fontRef idx="minor">
+            <a:schemeClr val="lt1"/>
+          </a:fontRef>
+        </p:style>
+        <p:txBody>
+          <a:bodyPr rtlCol="0" anchor="ctr"/>
+          <a:lstStyle/>
+          <a:p>
+            <a:pPr algn="ctr"/>
+            <a:endParaRPr lang="zh-CN" altLang="en-US"/>
+          </a:p>
+        </p:txBody>
+      </p:sp>
+      <p:sp>
+        <p:nvSpPr>
+          <p:cNvPr id="8" name="矩形 7"/>
+          <p:cNvSpPr/>
+          <p:nvPr/>
+        </p:nvSpPr>
+        <p:spPr>
+          <a:xfrm>
+            <a:off x="2294966" y="3969000"/>
+            <a:ext cx="5414682" cy="338554"/>
+          </a:xfrm>
+          <a:prstGeom prst="rect">
+            <a:avLst/>
+          </a:prstGeom>
+        </p:spPr>
+        <p:txBody>
+          <a:bodyPr wrap="square">
+            <a:spAutoFit/>
+          </a:bodyPr>
+          <a:lstStyle/>
+          <a:p>
+            <a:r>
+              <a:rPr lang="en-US" altLang="zh-CN" sz="1600" dirty="0" err="1">
+                <a:solidFill>
+                  <a:srgbClr val="FF0000"/>
+                </a:solidFill>
+                <a:latin typeface="Microsoft YaHei" panose="020B0503020204020204" pitchFamily="34" charset="-122"/>
+                <a:ea typeface="Microsoft YaHei" panose="020B0503020204020204" pitchFamily="34" charset="-122"/>
+              </a:rPr>
+              <a:t>is_argument_match</a:t>
+            </a:r>
+            <a:r>
+              <a:rPr lang="en-US" altLang="zh-CN" sz="1600" dirty="0">
+                <a:solidFill>
+                  <a:srgbClr val="FF0000"/>
+                </a:solidFill>
+                <a:latin typeface="Microsoft YaHei" panose="020B0503020204020204" pitchFamily="34" charset="-122"/>
+                <a:ea typeface="Microsoft YaHei" panose="020B0503020204020204" pitchFamily="34" charset="-122"/>
+              </a:rPr>
+              <a:t>&lt;</a:t>
+            </a:r>
+            <a:r>
+              <a:rPr lang="en-US" altLang="zh-CN" sz="1600" dirty="0" err="1">
+                <a:solidFill>
+                  <a:srgbClr val="FF0000"/>
+                </a:solidFill>
+                <a:latin typeface="Microsoft YaHei" panose="020B0503020204020204" pitchFamily="34" charset="-122"/>
+                <a:ea typeface="Microsoft YaHei" panose="020B0503020204020204" pitchFamily="34" charset="-122"/>
+              </a:rPr>
+              <a:t>signature_type</a:t>
+            </a:r>
+            <a:r>
+              <a:rPr lang="en-US" altLang="zh-CN" sz="1600" dirty="0">
+                <a:solidFill>
+                  <a:srgbClr val="FF0000"/>
+                </a:solidFill>
+                <a:latin typeface="Microsoft YaHei" panose="020B0503020204020204" pitchFamily="34" charset="-122"/>
+                <a:ea typeface="Microsoft YaHei" panose="020B0503020204020204" pitchFamily="34" charset="-122"/>
+              </a:rPr>
+              <a:t>, </a:t>
+            </a:r>
+            <a:r>
+              <a:rPr lang="en-US" altLang="zh-CN" sz="1600" dirty="0" err="1">
+                <a:solidFill>
+                  <a:srgbClr val="FF0000"/>
+                </a:solidFill>
+                <a:latin typeface="Microsoft YaHei" panose="020B0503020204020204" pitchFamily="34" charset="-122"/>
+                <a:ea typeface="Microsoft YaHei" panose="020B0503020204020204" pitchFamily="34" charset="-122"/>
+              </a:rPr>
+              <a:t>TArgs</a:t>
+            </a:r>
+            <a:r>
+              <a:rPr lang="en-US" altLang="zh-CN" sz="1600" dirty="0">
+                <a:solidFill>
+                  <a:srgbClr val="FF0000"/>
+                </a:solidFill>
+                <a:latin typeface="Microsoft YaHei" panose="020B0503020204020204" pitchFamily="34" charset="-122"/>
+                <a:ea typeface="Microsoft YaHei" panose="020B0503020204020204" pitchFamily="34" charset="-122"/>
+              </a:rPr>
+              <a:t>...&gt;::</a:t>
+            </a:r>
+            <a:r>
+              <a:rPr lang="en-US" altLang="zh-CN" sz="1600" dirty="0" smtClean="0">
+                <a:solidFill>
+                  <a:srgbClr val="FF0000"/>
+                </a:solidFill>
+                <a:latin typeface="Microsoft YaHei" panose="020B0503020204020204" pitchFamily="34" charset="-122"/>
+                <a:ea typeface="Microsoft YaHei" panose="020B0503020204020204" pitchFamily="34" charset="-122"/>
+              </a:rPr>
+              <a:t>value</a:t>
+            </a:r>
+            <a:endParaRPr lang="zh-CN" altLang="en-US" sz="1600" dirty="0">
+              <a:solidFill>
+                <a:srgbClr val="FF0000"/>
+              </a:solidFill>
+              <a:latin typeface="Microsoft YaHei" panose="020B0503020204020204" pitchFamily="34" charset="-122"/>
+              <a:ea typeface="Microsoft YaHei" panose="020B0503020204020204" pitchFamily="34" charset="-122"/>
+            </a:endParaRPr>
           </a:p>
         </p:txBody>
       </p:sp>
     </p:spTree>
     <p:extLst>
       <p:ext uri="{BB962C8B-B14F-4D97-AF65-F5344CB8AC3E}">
-        <p14:creationId xmlns:p14="http://schemas.microsoft.com/office/powerpoint/2010/main" val="499065780"/>
+        <p14:creationId xmlns:p14="http://schemas.microsoft.com/office/powerpoint/2010/main" val="1364463061"/>
       </p:ext>
     </p:extLst>
   </p:cSld>
@@ -20607,9 +22002,1023 @@
   <p:timing>
     <p:tnLst>
       <p:par>
-        <p:cTn id="1" dur="indefinite" restart="never" nodeType="tmRoot"/>
+        <p:cTn id="1" dur="indefinite" restart="never" nodeType="tmRoot">
+          <p:childTnLst>
+            <p:seq concurrent="1" nextAc="seek">
+              <p:cTn id="2" dur="indefinite" nodeType="mainSeq">
+                <p:childTnLst>
+                  <p:par>
+                    <p:cTn id="3" fill="hold">
+                      <p:stCondLst>
+                        <p:cond delay="indefinite"/>
+                      </p:stCondLst>
+                      <p:childTnLst>
+                        <p:par>
+                          <p:cTn id="4" fill="hold">
+                            <p:stCondLst>
+                              <p:cond delay="0"/>
+                            </p:stCondLst>
+                            <p:childTnLst>
+                              <p:par>
+                                <p:cTn id="5" presetID="2" presetClass="entr" presetSubtype="4" fill="hold" nodeType="clickEffect">
+                                  <p:stCondLst>
+                                    <p:cond delay="0"/>
+                                  </p:stCondLst>
+                                  <p:childTnLst>
+                                    <p:set>
+                                      <p:cBhvr>
+                                        <p:cTn id="6" dur="1" fill="hold">
+                                          <p:stCondLst>
+                                            <p:cond delay="0"/>
+                                          </p:stCondLst>
+                                        </p:cTn>
+                                        <p:tgtEl>
+                                          <p:spTgt spid="3">
+                                            <p:txEl>
+                                              <p:pRg st="2" end="2"/>
+                                            </p:txEl>
+                                          </p:spTgt>
+                                        </p:tgtEl>
+                                        <p:attrNameLst>
+                                          <p:attrName>style.visibility</p:attrName>
+                                        </p:attrNameLst>
+                                      </p:cBhvr>
+                                      <p:to>
+                                        <p:strVal val="visible"/>
+                                      </p:to>
+                                    </p:set>
+                                    <p:anim calcmode="lin" valueType="num">
+                                      <p:cBhvr additive="base">
+                                        <p:cTn id="7" dur="500" fill="hold"/>
+                                        <p:tgtEl>
+                                          <p:spTgt spid="3">
+                                            <p:txEl>
+                                              <p:pRg st="2" end="2"/>
+                                            </p:txEl>
+                                          </p:spTgt>
+                                        </p:tgtEl>
+                                        <p:attrNameLst>
+                                          <p:attrName>ppt_x</p:attrName>
+                                        </p:attrNameLst>
+                                      </p:cBhvr>
+                                      <p:tavLst>
+                                        <p:tav tm="0">
+                                          <p:val>
+                                            <p:strVal val="#ppt_x"/>
+                                          </p:val>
+                                        </p:tav>
+                                        <p:tav tm="100000">
+                                          <p:val>
+                                            <p:strVal val="#ppt_x"/>
+                                          </p:val>
+                                        </p:tav>
+                                      </p:tavLst>
+                                    </p:anim>
+                                    <p:anim calcmode="lin" valueType="num">
+                                      <p:cBhvr additive="base">
+                                        <p:cTn id="8" dur="500" fill="hold"/>
+                                        <p:tgtEl>
+                                          <p:spTgt spid="3">
+                                            <p:txEl>
+                                              <p:pRg st="2" end="2"/>
+                                            </p:txEl>
+                                          </p:spTgt>
+                                        </p:tgtEl>
+                                        <p:attrNameLst>
+                                          <p:attrName>ppt_y</p:attrName>
+                                        </p:attrNameLst>
+                                      </p:cBhvr>
+                                      <p:tavLst>
+                                        <p:tav tm="0">
+                                          <p:val>
+                                            <p:strVal val="1+#ppt_h/2"/>
+                                          </p:val>
+                                        </p:tav>
+                                        <p:tav tm="100000">
+                                          <p:val>
+                                            <p:strVal val="#ppt_y"/>
+                                          </p:val>
+                                        </p:tav>
+                                      </p:tavLst>
+                                    </p:anim>
+                                  </p:childTnLst>
+                                </p:cTn>
+                              </p:par>
+                              <p:par>
+                                <p:cTn id="9" presetID="2" presetClass="entr" presetSubtype="4" fill="hold" nodeType="withEffect">
+                                  <p:stCondLst>
+                                    <p:cond delay="0"/>
+                                  </p:stCondLst>
+                                  <p:childTnLst>
+                                    <p:set>
+                                      <p:cBhvr>
+                                        <p:cTn id="10" dur="1" fill="hold">
+                                          <p:stCondLst>
+                                            <p:cond delay="0"/>
+                                          </p:stCondLst>
+                                        </p:cTn>
+                                        <p:tgtEl>
+                                          <p:spTgt spid="3">
+                                            <p:txEl>
+                                              <p:pRg st="3" end="3"/>
+                                            </p:txEl>
+                                          </p:spTgt>
+                                        </p:tgtEl>
+                                        <p:attrNameLst>
+                                          <p:attrName>style.visibility</p:attrName>
+                                        </p:attrNameLst>
+                                      </p:cBhvr>
+                                      <p:to>
+                                        <p:strVal val="visible"/>
+                                      </p:to>
+                                    </p:set>
+                                    <p:anim calcmode="lin" valueType="num">
+                                      <p:cBhvr additive="base">
+                                        <p:cTn id="11" dur="500" fill="hold"/>
+                                        <p:tgtEl>
+                                          <p:spTgt spid="3">
+                                            <p:txEl>
+                                              <p:pRg st="3" end="3"/>
+                                            </p:txEl>
+                                          </p:spTgt>
+                                        </p:tgtEl>
+                                        <p:attrNameLst>
+                                          <p:attrName>ppt_x</p:attrName>
+                                        </p:attrNameLst>
+                                      </p:cBhvr>
+                                      <p:tavLst>
+                                        <p:tav tm="0">
+                                          <p:val>
+                                            <p:strVal val="#ppt_x"/>
+                                          </p:val>
+                                        </p:tav>
+                                        <p:tav tm="100000">
+                                          <p:val>
+                                            <p:strVal val="#ppt_x"/>
+                                          </p:val>
+                                        </p:tav>
+                                      </p:tavLst>
+                                    </p:anim>
+                                    <p:anim calcmode="lin" valueType="num">
+                                      <p:cBhvr additive="base">
+                                        <p:cTn id="12" dur="500" fill="hold"/>
+                                        <p:tgtEl>
+                                          <p:spTgt spid="3">
+                                            <p:txEl>
+                                              <p:pRg st="3" end="3"/>
+                                            </p:txEl>
+                                          </p:spTgt>
+                                        </p:tgtEl>
+                                        <p:attrNameLst>
+                                          <p:attrName>ppt_y</p:attrName>
+                                        </p:attrNameLst>
+                                      </p:cBhvr>
+                                      <p:tavLst>
+                                        <p:tav tm="0">
+                                          <p:val>
+                                            <p:strVal val="1+#ppt_h/2"/>
+                                          </p:val>
+                                        </p:tav>
+                                        <p:tav tm="100000">
+                                          <p:val>
+                                            <p:strVal val="#ppt_y"/>
+                                          </p:val>
+                                        </p:tav>
+                                      </p:tavLst>
+                                    </p:anim>
+                                  </p:childTnLst>
+                                </p:cTn>
+                              </p:par>
+                              <p:par>
+                                <p:cTn id="13" presetID="2" presetClass="entr" presetSubtype="4" fill="hold" nodeType="withEffect">
+                                  <p:stCondLst>
+                                    <p:cond delay="0"/>
+                                  </p:stCondLst>
+                                  <p:childTnLst>
+                                    <p:set>
+                                      <p:cBhvr>
+                                        <p:cTn id="14" dur="1" fill="hold">
+                                          <p:stCondLst>
+                                            <p:cond delay="0"/>
+                                          </p:stCondLst>
+                                        </p:cTn>
+                                        <p:tgtEl>
+                                          <p:spTgt spid="3">
+                                            <p:txEl>
+                                              <p:pRg st="4" end="4"/>
+                                            </p:txEl>
+                                          </p:spTgt>
+                                        </p:tgtEl>
+                                        <p:attrNameLst>
+                                          <p:attrName>style.visibility</p:attrName>
+                                        </p:attrNameLst>
+                                      </p:cBhvr>
+                                      <p:to>
+                                        <p:strVal val="visible"/>
+                                      </p:to>
+                                    </p:set>
+                                    <p:anim calcmode="lin" valueType="num">
+                                      <p:cBhvr additive="base">
+                                        <p:cTn id="15" dur="500" fill="hold"/>
+                                        <p:tgtEl>
+                                          <p:spTgt spid="3">
+                                            <p:txEl>
+                                              <p:pRg st="4" end="4"/>
+                                            </p:txEl>
+                                          </p:spTgt>
+                                        </p:tgtEl>
+                                        <p:attrNameLst>
+                                          <p:attrName>ppt_x</p:attrName>
+                                        </p:attrNameLst>
+                                      </p:cBhvr>
+                                      <p:tavLst>
+                                        <p:tav tm="0">
+                                          <p:val>
+                                            <p:strVal val="#ppt_x"/>
+                                          </p:val>
+                                        </p:tav>
+                                        <p:tav tm="100000">
+                                          <p:val>
+                                            <p:strVal val="#ppt_x"/>
+                                          </p:val>
+                                        </p:tav>
+                                      </p:tavLst>
+                                    </p:anim>
+                                    <p:anim calcmode="lin" valueType="num">
+                                      <p:cBhvr additive="base">
+                                        <p:cTn id="16" dur="500" fill="hold"/>
+                                        <p:tgtEl>
+                                          <p:spTgt spid="3">
+                                            <p:txEl>
+                                              <p:pRg st="4" end="4"/>
+                                            </p:txEl>
+                                          </p:spTgt>
+                                        </p:tgtEl>
+                                        <p:attrNameLst>
+                                          <p:attrName>ppt_y</p:attrName>
+                                        </p:attrNameLst>
+                                      </p:cBhvr>
+                                      <p:tavLst>
+                                        <p:tav tm="0">
+                                          <p:val>
+                                            <p:strVal val="1+#ppt_h/2"/>
+                                          </p:val>
+                                        </p:tav>
+                                        <p:tav tm="100000">
+                                          <p:val>
+                                            <p:strVal val="#ppt_y"/>
+                                          </p:val>
+                                        </p:tav>
+                                      </p:tavLst>
+                                    </p:anim>
+                                  </p:childTnLst>
+                                </p:cTn>
+                              </p:par>
+                              <p:par>
+                                <p:cTn id="17" presetID="2" presetClass="entr" presetSubtype="4" fill="hold" nodeType="withEffect">
+                                  <p:stCondLst>
+                                    <p:cond delay="0"/>
+                                  </p:stCondLst>
+                                  <p:childTnLst>
+                                    <p:set>
+                                      <p:cBhvr>
+                                        <p:cTn id="18" dur="1" fill="hold">
+                                          <p:stCondLst>
+                                            <p:cond delay="0"/>
+                                          </p:stCondLst>
+                                        </p:cTn>
+                                        <p:tgtEl>
+                                          <p:spTgt spid="3">
+                                            <p:txEl>
+                                              <p:pRg st="6" end="6"/>
+                                            </p:txEl>
+                                          </p:spTgt>
+                                        </p:tgtEl>
+                                        <p:attrNameLst>
+                                          <p:attrName>style.visibility</p:attrName>
+                                        </p:attrNameLst>
+                                      </p:cBhvr>
+                                      <p:to>
+                                        <p:strVal val="visible"/>
+                                      </p:to>
+                                    </p:set>
+                                    <p:anim calcmode="lin" valueType="num">
+                                      <p:cBhvr additive="base">
+                                        <p:cTn id="19" dur="500" fill="hold"/>
+                                        <p:tgtEl>
+                                          <p:spTgt spid="3">
+                                            <p:txEl>
+                                              <p:pRg st="6" end="6"/>
+                                            </p:txEl>
+                                          </p:spTgt>
+                                        </p:tgtEl>
+                                        <p:attrNameLst>
+                                          <p:attrName>ppt_x</p:attrName>
+                                        </p:attrNameLst>
+                                      </p:cBhvr>
+                                      <p:tavLst>
+                                        <p:tav tm="0">
+                                          <p:val>
+                                            <p:strVal val="#ppt_x"/>
+                                          </p:val>
+                                        </p:tav>
+                                        <p:tav tm="100000">
+                                          <p:val>
+                                            <p:strVal val="#ppt_x"/>
+                                          </p:val>
+                                        </p:tav>
+                                      </p:tavLst>
+                                    </p:anim>
+                                    <p:anim calcmode="lin" valueType="num">
+                                      <p:cBhvr additive="base">
+                                        <p:cTn id="20" dur="500" fill="hold"/>
+                                        <p:tgtEl>
+                                          <p:spTgt spid="3">
+                                            <p:txEl>
+                                              <p:pRg st="6" end="6"/>
+                                            </p:txEl>
+                                          </p:spTgt>
+                                        </p:tgtEl>
+                                        <p:attrNameLst>
+                                          <p:attrName>ppt_y</p:attrName>
+                                        </p:attrNameLst>
+                                      </p:cBhvr>
+                                      <p:tavLst>
+                                        <p:tav tm="0">
+                                          <p:val>
+                                            <p:strVal val="1+#ppt_h/2"/>
+                                          </p:val>
+                                        </p:tav>
+                                        <p:tav tm="100000">
+                                          <p:val>
+                                            <p:strVal val="#ppt_y"/>
+                                          </p:val>
+                                        </p:tav>
+                                      </p:tavLst>
+                                    </p:anim>
+                                  </p:childTnLst>
+                                </p:cTn>
+                              </p:par>
+                              <p:par>
+                                <p:cTn id="21" presetID="2" presetClass="entr" presetSubtype="4" fill="hold" nodeType="withEffect">
+                                  <p:stCondLst>
+                                    <p:cond delay="0"/>
+                                  </p:stCondLst>
+                                  <p:childTnLst>
+                                    <p:set>
+                                      <p:cBhvr>
+                                        <p:cTn id="22" dur="1" fill="hold">
+                                          <p:stCondLst>
+                                            <p:cond delay="0"/>
+                                          </p:stCondLst>
+                                        </p:cTn>
+                                        <p:tgtEl>
+                                          <p:spTgt spid="3">
+                                            <p:txEl>
+                                              <p:pRg st="7" end="7"/>
+                                            </p:txEl>
+                                          </p:spTgt>
+                                        </p:tgtEl>
+                                        <p:attrNameLst>
+                                          <p:attrName>style.visibility</p:attrName>
+                                        </p:attrNameLst>
+                                      </p:cBhvr>
+                                      <p:to>
+                                        <p:strVal val="visible"/>
+                                      </p:to>
+                                    </p:set>
+                                    <p:anim calcmode="lin" valueType="num">
+                                      <p:cBhvr additive="base">
+                                        <p:cTn id="23" dur="500" fill="hold"/>
+                                        <p:tgtEl>
+                                          <p:spTgt spid="3">
+                                            <p:txEl>
+                                              <p:pRg st="7" end="7"/>
+                                            </p:txEl>
+                                          </p:spTgt>
+                                        </p:tgtEl>
+                                        <p:attrNameLst>
+                                          <p:attrName>ppt_x</p:attrName>
+                                        </p:attrNameLst>
+                                      </p:cBhvr>
+                                      <p:tavLst>
+                                        <p:tav tm="0">
+                                          <p:val>
+                                            <p:strVal val="#ppt_x"/>
+                                          </p:val>
+                                        </p:tav>
+                                        <p:tav tm="100000">
+                                          <p:val>
+                                            <p:strVal val="#ppt_x"/>
+                                          </p:val>
+                                        </p:tav>
+                                      </p:tavLst>
+                                    </p:anim>
+                                    <p:anim calcmode="lin" valueType="num">
+                                      <p:cBhvr additive="base">
+                                        <p:cTn id="24" dur="500" fill="hold"/>
+                                        <p:tgtEl>
+                                          <p:spTgt spid="3">
+                                            <p:txEl>
+                                              <p:pRg st="7" end="7"/>
+                                            </p:txEl>
+                                          </p:spTgt>
+                                        </p:tgtEl>
+                                        <p:attrNameLst>
+                                          <p:attrName>ppt_y</p:attrName>
+                                        </p:attrNameLst>
+                                      </p:cBhvr>
+                                      <p:tavLst>
+                                        <p:tav tm="0">
+                                          <p:val>
+                                            <p:strVal val="1+#ppt_h/2"/>
+                                          </p:val>
+                                        </p:tav>
+                                        <p:tav tm="100000">
+                                          <p:val>
+                                            <p:strVal val="#ppt_y"/>
+                                          </p:val>
+                                        </p:tav>
+                                      </p:tavLst>
+                                    </p:anim>
+                                  </p:childTnLst>
+                                </p:cTn>
+                              </p:par>
+                              <p:par>
+                                <p:cTn id="25" presetID="2" presetClass="entr" presetSubtype="4" fill="hold" nodeType="withEffect">
+                                  <p:stCondLst>
+                                    <p:cond delay="0"/>
+                                  </p:stCondLst>
+                                  <p:childTnLst>
+                                    <p:set>
+                                      <p:cBhvr>
+                                        <p:cTn id="26" dur="1" fill="hold">
+                                          <p:stCondLst>
+                                            <p:cond delay="0"/>
+                                          </p:stCondLst>
+                                        </p:cTn>
+                                        <p:tgtEl>
+                                          <p:spTgt spid="3">
+                                            <p:txEl>
+                                              <p:pRg st="8" end="8"/>
+                                            </p:txEl>
+                                          </p:spTgt>
+                                        </p:tgtEl>
+                                        <p:attrNameLst>
+                                          <p:attrName>style.visibility</p:attrName>
+                                        </p:attrNameLst>
+                                      </p:cBhvr>
+                                      <p:to>
+                                        <p:strVal val="visible"/>
+                                      </p:to>
+                                    </p:set>
+                                    <p:anim calcmode="lin" valueType="num">
+                                      <p:cBhvr additive="base">
+                                        <p:cTn id="27" dur="500" fill="hold"/>
+                                        <p:tgtEl>
+                                          <p:spTgt spid="3">
+                                            <p:txEl>
+                                              <p:pRg st="8" end="8"/>
+                                            </p:txEl>
+                                          </p:spTgt>
+                                        </p:tgtEl>
+                                        <p:attrNameLst>
+                                          <p:attrName>ppt_x</p:attrName>
+                                        </p:attrNameLst>
+                                      </p:cBhvr>
+                                      <p:tavLst>
+                                        <p:tav tm="0">
+                                          <p:val>
+                                            <p:strVal val="#ppt_x"/>
+                                          </p:val>
+                                        </p:tav>
+                                        <p:tav tm="100000">
+                                          <p:val>
+                                            <p:strVal val="#ppt_x"/>
+                                          </p:val>
+                                        </p:tav>
+                                      </p:tavLst>
+                                    </p:anim>
+                                    <p:anim calcmode="lin" valueType="num">
+                                      <p:cBhvr additive="base">
+                                        <p:cTn id="28" dur="500" fill="hold"/>
+                                        <p:tgtEl>
+                                          <p:spTgt spid="3">
+                                            <p:txEl>
+                                              <p:pRg st="8" end="8"/>
+                                            </p:txEl>
+                                          </p:spTgt>
+                                        </p:tgtEl>
+                                        <p:attrNameLst>
+                                          <p:attrName>ppt_y</p:attrName>
+                                        </p:attrNameLst>
+                                      </p:cBhvr>
+                                      <p:tavLst>
+                                        <p:tav tm="0">
+                                          <p:val>
+                                            <p:strVal val="1+#ppt_h/2"/>
+                                          </p:val>
+                                        </p:tav>
+                                        <p:tav tm="100000">
+                                          <p:val>
+                                            <p:strVal val="#ppt_y"/>
+                                          </p:val>
+                                        </p:tav>
+                                      </p:tavLst>
+                                    </p:anim>
+                                  </p:childTnLst>
+                                </p:cTn>
+                              </p:par>
+                              <p:par>
+                                <p:cTn id="29" presetID="2" presetClass="entr" presetSubtype="4" fill="hold" nodeType="withEffect">
+                                  <p:stCondLst>
+                                    <p:cond delay="0"/>
+                                  </p:stCondLst>
+                                  <p:childTnLst>
+                                    <p:set>
+                                      <p:cBhvr>
+                                        <p:cTn id="30" dur="1" fill="hold">
+                                          <p:stCondLst>
+                                            <p:cond delay="0"/>
+                                          </p:stCondLst>
+                                        </p:cTn>
+                                        <p:tgtEl>
+                                          <p:spTgt spid="3">
+                                            <p:txEl>
+                                              <p:pRg st="9" end="9"/>
+                                            </p:txEl>
+                                          </p:spTgt>
+                                        </p:tgtEl>
+                                        <p:attrNameLst>
+                                          <p:attrName>style.visibility</p:attrName>
+                                        </p:attrNameLst>
+                                      </p:cBhvr>
+                                      <p:to>
+                                        <p:strVal val="visible"/>
+                                      </p:to>
+                                    </p:set>
+                                    <p:anim calcmode="lin" valueType="num">
+                                      <p:cBhvr additive="base">
+                                        <p:cTn id="31" dur="500" fill="hold"/>
+                                        <p:tgtEl>
+                                          <p:spTgt spid="3">
+                                            <p:txEl>
+                                              <p:pRg st="9" end="9"/>
+                                            </p:txEl>
+                                          </p:spTgt>
+                                        </p:tgtEl>
+                                        <p:attrNameLst>
+                                          <p:attrName>ppt_x</p:attrName>
+                                        </p:attrNameLst>
+                                      </p:cBhvr>
+                                      <p:tavLst>
+                                        <p:tav tm="0">
+                                          <p:val>
+                                            <p:strVal val="#ppt_x"/>
+                                          </p:val>
+                                        </p:tav>
+                                        <p:tav tm="100000">
+                                          <p:val>
+                                            <p:strVal val="#ppt_x"/>
+                                          </p:val>
+                                        </p:tav>
+                                      </p:tavLst>
+                                    </p:anim>
+                                    <p:anim calcmode="lin" valueType="num">
+                                      <p:cBhvr additive="base">
+                                        <p:cTn id="32" dur="500" fill="hold"/>
+                                        <p:tgtEl>
+                                          <p:spTgt spid="3">
+                                            <p:txEl>
+                                              <p:pRg st="9" end="9"/>
+                                            </p:txEl>
+                                          </p:spTgt>
+                                        </p:tgtEl>
+                                        <p:attrNameLst>
+                                          <p:attrName>ppt_y</p:attrName>
+                                        </p:attrNameLst>
+                                      </p:cBhvr>
+                                      <p:tavLst>
+                                        <p:tav tm="0">
+                                          <p:val>
+                                            <p:strVal val="1+#ppt_h/2"/>
+                                          </p:val>
+                                        </p:tav>
+                                        <p:tav tm="100000">
+                                          <p:val>
+                                            <p:strVal val="#ppt_y"/>
+                                          </p:val>
+                                        </p:tav>
+                                      </p:tavLst>
+                                    </p:anim>
+                                  </p:childTnLst>
+                                </p:cTn>
+                              </p:par>
+                              <p:par>
+                                <p:cTn id="33" presetID="2" presetClass="entr" presetSubtype="4" fill="hold" nodeType="withEffect">
+                                  <p:stCondLst>
+                                    <p:cond delay="0"/>
+                                  </p:stCondLst>
+                                  <p:childTnLst>
+                                    <p:set>
+                                      <p:cBhvr>
+                                        <p:cTn id="34" dur="1" fill="hold">
+                                          <p:stCondLst>
+                                            <p:cond delay="0"/>
+                                          </p:stCondLst>
+                                        </p:cTn>
+                                        <p:tgtEl>
+                                          <p:spTgt spid="3">
+                                            <p:txEl>
+                                              <p:pRg st="10" end="10"/>
+                                            </p:txEl>
+                                          </p:spTgt>
+                                        </p:tgtEl>
+                                        <p:attrNameLst>
+                                          <p:attrName>style.visibility</p:attrName>
+                                        </p:attrNameLst>
+                                      </p:cBhvr>
+                                      <p:to>
+                                        <p:strVal val="visible"/>
+                                      </p:to>
+                                    </p:set>
+                                    <p:anim calcmode="lin" valueType="num">
+                                      <p:cBhvr additive="base">
+                                        <p:cTn id="35" dur="500" fill="hold"/>
+                                        <p:tgtEl>
+                                          <p:spTgt spid="3">
+                                            <p:txEl>
+                                              <p:pRg st="10" end="10"/>
+                                            </p:txEl>
+                                          </p:spTgt>
+                                        </p:tgtEl>
+                                        <p:attrNameLst>
+                                          <p:attrName>ppt_x</p:attrName>
+                                        </p:attrNameLst>
+                                      </p:cBhvr>
+                                      <p:tavLst>
+                                        <p:tav tm="0">
+                                          <p:val>
+                                            <p:strVal val="#ppt_x"/>
+                                          </p:val>
+                                        </p:tav>
+                                        <p:tav tm="100000">
+                                          <p:val>
+                                            <p:strVal val="#ppt_x"/>
+                                          </p:val>
+                                        </p:tav>
+                                      </p:tavLst>
+                                    </p:anim>
+                                    <p:anim calcmode="lin" valueType="num">
+                                      <p:cBhvr additive="base">
+                                        <p:cTn id="36" dur="500" fill="hold"/>
+                                        <p:tgtEl>
+                                          <p:spTgt spid="3">
+                                            <p:txEl>
+                                              <p:pRg st="10" end="10"/>
+                                            </p:txEl>
+                                          </p:spTgt>
+                                        </p:tgtEl>
+                                        <p:attrNameLst>
+                                          <p:attrName>ppt_y</p:attrName>
+                                        </p:attrNameLst>
+                                      </p:cBhvr>
+                                      <p:tavLst>
+                                        <p:tav tm="0">
+                                          <p:val>
+                                            <p:strVal val="1+#ppt_h/2"/>
+                                          </p:val>
+                                        </p:tav>
+                                        <p:tav tm="100000">
+                                          <p:val>
+                                            <p:strVal val="#ppt_y"/>
+                                          </p:val>
+                                        </p:tav>
+                                      </p:tavLst>
+                                    </p:anim>
+                                  </p:childTnLst>
+                                </p:cTn>
+                              </p:par>
+                            </p:childTnLst>
+                          </p:cTn>
+                        </p:par>
+                      </p:childTnLst>
+                    </p:cTn>
+                  </p:par>
+                  <p:par>
+                    <p:cTn id="37" fill="hold">
+                      <p:stCondLst>
+                        <p:cond delay="indefinite"/>
+                      </p:stCondLst>
+                      <p:childTnLst>
+                        <p:par>
+                          <p:cTn id="38" fill="hold">
+                            <p:stCondLst>
+                              <p:cond delay="0"/>
+                            </p:stCondLst>
+                            <p:childTnLst>
+                              <p:par>
+                                <p:cTn id="39" presetID="2" presetClass="entr" presetSubtype="4" fill="hold" grpId="0" nodeType="clickEffect">
+                                  <p:stCondLst>
+                                    <p:cond delay="0"/>
+                                  </p:stCondLst>
+                                  <p:childTnLst>
+                                    <p:set>
+                                      <p:cBhvr>
+                                        <p:cTn id="40" dur="1" fill="hold">
+                                          <p:stCondLst>
+                                            <p:cond delay="0"/>
+                                          </p:stCondLst>
+                                        </p:cTn>
+                                        <p:tgtEl>
+                                          <p:spTgt spid="4"/>
+                                        </p:tgtEl>
+                                        <p:attrNameLst>
+                                          <p:attrName>style.visibility</p:attrName>
+                                        </p:attrNameLst>
+                                      </p:cBhvr>
+                                      <p:to>
+                                        <p:strVal val="visible"/>
+                                      </p:to>
+                                    </p:set>
+                                    <p:anim calcmode="lin" valueType="num">
+                                      <p:cBhvr additive="base">
+                                        <p:cTn id="41" dur="500" fill="hold"/>
+                                        <p:tgtEl>
+                                          <p:spTgt spid="4"/>
+                                        </p:tgtEl>
+                                        <p:attrNameLst>
+                                          <p:attrName>ppt_x</p:attrName>
+                                        </p:attrNameLst>
+                                      </p:cBhvr>
+                                      <p:tavLst>
+                                        <p:tav tm="0">
+                                          <p:val>
+                                            <p:strVal val="#ppt_x"/>
+                                          </p:val>
+                                        </p:tav>
+                                        <p:tav tm="100000">
+                                          <p:val>
+                                            <p:strVal val="#ppt_x"/>
+                                          </p:val>
+                                        </p:tav>
+                                      </p:tavLst>
+                                    </p:anim>
+                                    <p:anim calcmode="lin" valueType="num">
+                                      <p:cBhvr additive="base">
+                                        <p:cTn id="42" dur="500" fill="hold"/>
+                                        <p:tgtEl>
+                                          <p:spTgt spid="4"/>
+                                        </p:tgtEl>
+                                        <p:attrNameLst>
+                                          <p:attrName>ppt_y</p:attrName>
+                                        </p:attrNameLst>
+                                      </p:cBhvr>
+                                      <p:tavLst>
+                                        <p:tav tm="0">
+                                          <p:val>
+                                            <p:strVal val="1+#ppt_h/2"/>
+                                          </p:val>
+                                        </p:tav>
+                                        <p:tav tm="100000">
+                                          <p:val>
+                                            <p:strVal val="#ppt_y"/>
+                                          </p:val>
+                                        </p:tav>
+                                      </p:tavLst>
+                                    </p:anim>
+                                  </p:childTnLst>
+                                </p:cTn>
+                              </p:par>
+                            </p:childTnLst>
+                          </p:cTn>
+                        </p:par>
+                      </p:childTnLst>
+                    </p:cTn>
+                  </p:par>
+                  <p:par>
+                    <p:cTn id="43" fill="hold">
+                      <p:stCondLst>
+                        <p:cond delay="indefinite"/>
+                      </p:stCondLst>
+                      <p:childTnLst>
+                        <p:par>
+                          <p:cTn id="44" fill="hold">
+                            <p:stCondLst>
+                              <p:cond delay="0"/>
+                            </p:stCondLst>
+                            <p:childTnLst>
+                              <p:par>
+                                <p:cTn id="45" presetID="22" presetClass="entr" presetSubtype="8" fill="hold" grpId="0" nodeType="clickEffect">
+                                  <p:stCondLst>
+                                    <p:cond delay="0"/>
+                                  </p:stCondLst>
+                                  <p:childTnLst>
+                                    <p:set>
+                                      <p:cBhvr>
+                                        <p:cTn id="46" dur="1" fill="hold">
+                                          <p:stCondLst>
+                                            <p:cond delay="0"/>
+                                          </p:stCondLst>
+                                        </p:cTn>
+                                        <p:tgtEl>
+                                          <p:spTgt spid="7"/>
+                                        </p:tgtEl>
+                                        <p:attrNameLst>
+                                          <p:attrName>style.visibility</p:attrName>
+                                        </p:attrNameLst>
+                                      </p:cBhvr>
+                                      <p:to>
+                                        <p:strVal val="visible"/>
+                                      </p:to>
+                                    </p:set>
+                                    <p:animEffect transition="in" filter="wipe(left)">
+                                      <p:cBhvr>
+                                        <p:cTn id="47" dur="500"/>
+                                        <p:tgtEl>
+                                          <p:spTgt spid="7"/>
+                                        </p:tgtEl>
+                                      </p:cBhvr>
+                                    </p:animEffect>
+                                  </p:childTnLst>
+                                </p:cTn>
+                              </p:par>
+                            </p:childTnLst>
+                          </p:cTn>
+                        </p:par>
+                        <p:par>
+                          <p:cTn id="48" fill="hold">
+                            <p:stCondLst>
+                              <p:cond delay="500"/>
+                            </p:stCondLst>
+                            <p:childTnLst>
+                              <p:par>
+                                <p:cTn id="49" presetID="22" presetClass="entr" presetSubtype="8" fill="hold" grpId="0" nodeType="afterEffect">
+                                  <p:stCondLst>
+                                    <p:cond delay="0"/>
+                                  </p:stCondLst>
+                                  <p:childTnLst>
+                                    <p:set>
+                                      <p:cBhvr>
+                                        <p:cTn id="50" dur="1" fill="hold">
+                                          <p:stCondLst>
+                                            <p:cond delay="0"/>
+                                          </p:stCondLst>
+                                        </p:cTn>
+                                        <p:tgtEl>
+                                          <p:spTgt spid="6"/>
+                                        </p:tgtEl>
+                                        <p:attrNameLst>
+                                          <p:attrName>style.visibility</p:attrName>
+                                        </p:attrNameLst>
+                                      </p:cBhvr>
+                                      <p:to>
+                                        <p:strVal val="visible"/>
+                                      </p:to>
+                                    </p:set>
+                                    <p:animEffect transition="in" filter="wipe(left)">
+                                      <p:cBhvr>
+                                        <p:cTn id="51" dur="500"/>
+                                        <p:tgtEl>
+                                          <p:spTgt spid="6"/>
+                                        </p:tgtEl>
+                                      </p:cBhvr>
+                                    </p:animEffect>
+                                  </p:childTnLst>
+                                </p:cTn>
+                              </p:par>
+                            </p:childTnLst>
+                          </p:cTn>
+                        </p:par>
+                      </p:childTnLst>
+                    </p:cTn>
+                  </p:par>
+                  <p:par>
+                    <p:cTn id="52" fill="hold">
+                      <p:stCondLst>
+                        <p:cond delay="indefinite"/>
+                      </p:stCondLst>
+                      <p:childTnLst>
+                        <p:par>
+                          <p:cTn id="53" fill="hold">
+                            <p:stCondLst>
+                              <p:cond delay="0"/>
+                            </p:stCondLst>
+                            <p:childTnLst>
+                              <p:par>
+                                <p:cTn id="54" presetID="53" presetClass="entr" presetSubtype="16" fill="hold" grpId="0" nodeType="clickEffect">
+                                  <p:stCondLst>
+                                    <p:cond delay="0"/>
+                                  </p:stCondLst>
+                                  <p:childTnLst>
+                                    <p:set>
+                                      <p:cBhvr>
+                                        <p:cTn id="55" dur="1" fill="hold">
+                                          <p:stCondLst>
+                                            <p:cond delay="0"/>
+                                          </p:stCondLst>
+                                        </p:cTn>
+                                        <p:tgtEl>
+                                          <p:spTgt spid="8"/>
+                                        </p:tgtEl>
+                                        <p:attrNameLst>
+                                          <p:attrName>style.visibility</p:attrName>
+                                        </p:attrNameLst>
+                                      </p:cBhvr>
+                                      <p:to>
+                                        <p:strVal val="visible"/>
+                                      </p:to>
+                                    </p:set>
+                                    <p:anim calcmode="lin" valueType="num">
+                                      <p:cBhvr>
+                                        <p:cTn id="56" dur="500" fill="hold"/>
+                                        <p:tgtEl>
+                                          <p:spTgt spid="8"/>
+                                        </p:tgtEl>
+                                        <p:attrNameLst>
+                                          <p:attrName>ppt_w</p:attrName>
+                                        </p:attrNameLst>
+                                      </p:cBhvr>
+                                      <p:tavLst>
+                                        <p:tav tm="0">
+                                          <p:val>
+                                            <p:fltVal val="0"/>
+                                          </p:val>
+                                        </p:tav>
+                                        <p:tav tm="100000">
+                                          <p:val>
+                                            <p:strVal val="#ppt_w"/>
+                                          </p:val>
+                                        </p:tav>
+                                      </p:tavLst>
+                                    </p:anim>
+                                    <p:anim calcmode="lin" valueType="num">
+                                      <p:cBhvr>
+                                        <p:cTn id="57" dur="500" fill="hold"/>
+                                        <p:tgtEl>
+                                          <p:spTgt spid="8"/>
+                                        </p:tgtEl>
+                                        <p:attrNameLst>
+                                          <p:attrName>ppt_h</p:attrName>
+                                        </p:attrNameLst>
+                                      </p:cBhvr>
+                                      <p:tavLst>
+                                        <p:tav tm="0">
+                                          <p:val>
+                                            <p:fltVal val="0"/>
+                                          </p:val>
+                                        </p:tav>
+                                        <p:tav tm="100000">
+                                          <p:val>
+                                            <p:strVal val="#ppt_h"/>
+                                          </p:val>
+                                        </p:tav>
+                                      </p:tavLst>
+                                    </p:anim>
+                                    <p:animEffect transition="in" filter="fade">
+                                      <p:cBhvr>
+                                        <p:cTn id="58" dur="500"/>
+                                        <p:tgtEl>
+                                          <p:spTgt spid="8"/>
+                                        </p:tgtEl>
+                                      </p:cBhvr>
+                                    </p:animEffect>
+                                  </p:childTnLst>
+                                </p:cTn>
+                              </p:par>
+                            </p:childTnLst>
+                          </p:cTn>
+                        </p:par>
+                      </p:childTnLst>
+                    </p:cTn>
+                  </p:par>
+                </p:childTnLst>
+              </p:cTn>
+              <p:prevCondLst>
+                <p:cond evt="onPrev" delay="0">
+                  <p:tgtEl>
+                    <p:sldTgt/>
+                  </p:tgtEl>
+                </p:cond>
+              </p:prevCondLst>
+              <p:nextCondLst>
+                <p:cond evt="onNext" delay="0">
+                  <p:tgtEl>
+                    <p:sldTgt/>
+                  </p:tgtEl>
+                </p:cond>
+              </p:nextCondLst>
+            </p:seq>
+          </p:childTnLst>
+        </p:cTn>
       </p:par>
     </p:tnLst>
+    <p:bldLst>
+      <p:bldP spid="4" grpId="0"/>
+      <p:bldP spid="6" grpId="0"/>
+      <p:bldP spid="7" grpId="0" animBg="1"/>
+      <p:bldP spid="8" grpId="0"/>
+    </p:bldLst>
   </p:timing>
 </p:sld>
 </file>
@@ -21419,13 +23828,13 @@
       </p:sp>
       <p:sp>
         <p:nvSpPr>
-          <p:cNvPr id="8" name="矩形 7"/>
+          <p:cNvPr id="9" name="矩形 8"/>
           <p:cNvSpPr/>
           <p:nvPr/>
         </p:nvSpPr>
         <p:spPr>
           <a:xfrm>
-            <a:off x="2336333" y="3407838"/>
+            <a:off x="2336333" y="3405502"/>
             <a:ext cx="5037590" cy="338554"/>
           </a:xfrm>
           <a:prstGeom prst="rect">
@@ -21460,47 +23869,6 @@
       </p:sp>
       <p:sp>
         <p:nvSpPr>
-          <p:cNvPr id="9" name="矩形 8"/>
-          <p:cNvSpPr/>
-          <p:nvPr/>
-        </p:nvSpPr>
-        <p:spPr>
-          <a:xfrm>
-            <a:off x="2329342" y="3409236"/>
-            <a:ext cx="5037590" cy="338554"/>
-          </a:xfrm>
-          <a:prstGeom prst="rect">
-            <a:avLst/>
-          </a:prstGeom>
-        </p:spPr>
-        <p:txBody>
-          <a:bodyPr wrap="square">
-            <a:spAutoFit/>
-          </a:bodyPr>
-          <a:lstStyle/>
-          <a:p>
-            <a:r>
-              <a:rPr lang="zh-CN" altLang="en-US" sz="1600" dirty="0" smtClean="0">
-                <a:solidFill>
-                  <a:srgbClr val="FF0000"/>
-                </a:solidFill>
-                <a:latin typeface="微软雅黑" pitchFamily="34" charset="-122"/>
-                <a:ea typeface="微软雅黑" pitchFamily="34" charset="-122"/>
-              </a:rPr>
-              <a:t>decltype(std::declval&lt;T&gt;()(std::declval&lt;Args&gt;()...) </a:t>
-            </a:r>
-            <a:endParaRPr lang="zh-CN" altLang="en-US" sz="1600" dirty="0">
-              <a:solidFill>
-                <a:srgbClr val="FF0000"/>
-              </a:solidFill>
-              <a:latin typeface="微软雅黑" pitchFamily="34" charset="-122"/>
-              <a:ea typeface="微软雅黑" pitchFamily="34" charset="-122"/>
-            </a:endParaRPr>
-          </a:p>
-        </p:txBody>
-      </p:sp>
-      <p:sp>
-        <p:nvSpPr>
           <p:cNvPr id="10" name="矩形 9"/>
           <p:cNvSpPr/>
           <p:nvPr/>
@@ -21508,7 +23876,7 @@
         <p:spPr>
           <a:xfrm>
             <a:off x="5614286" y="1650426"/>
-            <a:ext cx="3279039" cy="923330"/>
+            <a:ext cx="2059282" cy="923330"/>
           </a:xfrm>
           <a:prstGeom prst="rect">
             <a:avLst/>
@@ -21521,20 +23889,36 @@
           <a:lstStyle/>
           <a:p>
             <a:r>
-              <a:rPr lang="en-US" altLang="zh-CN" dirty="0" smtClean="0"/>
-              <a:t>Deduce the function return type,</a:t>
-            </a:r>
-          </a:p>
-          <a:p>
-            <a:r>
-              <a:rPr lang="en-US" altLang="zh-CN" dirty="0" smtClean="0"/>
-              <a:t>Pretend to call,</a:t>
-            </a:r>
-          </a:p>
-          <a:p>
-            <a:r>
-              <a:rPr lang="en-US" altLang="zh-CN" dirty="0" smtClean="0"/>
-              <a:t>SFINAE</a:t>
+              <a:rPr lang="en-US" altLang="zh-CN" dirty="0" err="1" smtClean="0"/>
+              <a:t>declval</a:t>
+            </a:r>
+            <a:r>
+              <a:rPr lang="en-US" altLang="zh-CN" dirty="0" smtClean="0"/>
+              <a:t>, </a:t>
+            </a:r>
+            <a:r>
+              <a:rPr lang="en-US" altLang="zh-CN" dirty="0" err="1" smtClean="0"/>
+              <a:t>decltype</a:t>
+            </a:r>
+            <a:r>
+              <a:rPr lang="en-US" altLang="zh-CN" dirty="0" smtClean="0"/>
+              <a:t>,</a:t>
+            </a:r>
+          </a:p>
+          <a:p>
+            <a:r>
+              <a:rPr lang="en-US" altLang="zh-CN" dirty="0" smtClean="0"/>
+              <a:t>Pretend </a:t>
+            </a:r>
+            <a:r>
+              <a:rPr lang="en-US" altLang="zh-CN" dirty="0" smtClean="0"/>
+              <a:t>to call,</a:t>
+            </a:r>
+          </a:p>
+          <a:p>
+            <a:r>
+              <a:rPr lang="en-US" altLang="zh-CN" dirty="0" smtClean="0"/>
+              <a:t>according to SFINAE</a:t>
             </a:r>
             <a:endParaRPr lang="zh-CN" altLang="en-US" dirty="0"/>
           </a:p>
@@ -21879,7 +24263,7 @@
                             </p:stCondLst>
                             <p:childTnLst>
                               <p:par>
-                                <p:cTn id="25" presetID="2" presetClass="entr" presetSubtype="4" fill="hold" grpId="0" nodeType="clickEffect">
+                                <p:cTn id="25" presetID="53" presetClass="entr" presetSubtype="16" fill="hold" grpId="0" nodeType="clickEffect">
                                   <p:stCondLst>
                                     <p:cond delay="0"/>
                                   </p:stCondLst>
@@ -21887,206 +24271,6 @@
                                     <p:set>
                                       <p:cBhvr>
                                         <p:cTn id="26" dur="1" fill="hold">
-                                          <p:stCondLst>
-                                            <p:cond delay="0"/>
-                                          </p:stCondLst>
-                                        </p:cTn>
-                                        <p:tgtEl>
-                                          <p:spTgt spid="8"/>
-                                        </p:tgtEl>
-                                        <p:attrNameLst>
-                                          <p:attrName>style.visibility</p:attrName>
-                                        </p:attrNameLst>
-                                      </p:cBhvr>
-                                      <p:to>
-                                        <p:strVal val="visible"/>
-                                      </p:to>
-                                    </p:set>
-                                    <p:anim calcmode="lin" valueType="num">
-                                      <p:cBhvr additive="base">
-                                        <p:cTn id="27" dur="500" fill="hold"/>
-                                        <p:tgtEl>
-                                          <p:spTgt spid="8"/>
-                                        </p:tgtEl>
-                                        <p:attrNameLst>
-                                          <p:attrName>ppt_x</p:attrName>
-                                        </p:attrNameLst>
-                                      </p:cBhvr>
-                                      <p:tavLst>
-                                        <p:tav tm="0">
-                                          <p:val>
-                                            <p:strVal val="#ppt_x"/>
-                                          </p:val>
-                                        </p:tav>
-                                        <p:tav tm="100000">
-                                          <p:val>
-                                            <p:strVal val="#ppt_x"/>
-                                          </p:val>
-                                        </p:tav>
-                                      </p:tavLst>
-                                    </p:anim>
-                                    <p:anim calcmode="lin" valueType="num">
-                                      <p:cBhvr additive="base">
-                                        <p:cTn id="28" dur="500" fill="hold"/>
-                                        <p:tgtEl>
-                                          <p:spTgt spid="8"/>
-                                        </p:tgtEl>
-                                        <p:attrNameLst>
-                                          <p:attrName>ppt_y</p:attrName>
-                                        </p:attrNameLst>
-                                      </p:cBhvr>
-                                      <p:tavLst>
-                                        <p:tav tm="0">
-                                          <p:val>
-                                            <p:strVal val="1+#ppt_h/2"/>
-                                          </p:val>
-                                        </p:tav>
-                                        <p:tav tm="100000">
-                                          <p:val>
-                                            <p:strVal val="#ppt_y"/>
-                                          </p:val>
-                                        </p:tav>
-                                      </p:tavLst>
-                                    </p:anim>
-                                  </p:childTnLst>
-                                </p:cTn>
-                              </p:par>
-                            </p:childTnLst>
-                          </p:cTn>
-                        </p:par>
-                        <p:par>
-                          <p:cTn id="29" fill="hold">
-                            <p:stCondLst>
-                              <p:cond delay="500"/>
-                            </p:stCondLst>
-                            <p:childTnLst>
-                              <p:par>
-                                <p:cTn id="30" presetID="6" presetClass="emph" presetSubtype="0" fill="hold" grpId="1" nodeType="afterEffect">
-                                  <p:stCondLst>
-                                    <p:cond delay="0"/>
-                                  </p:stCondLst>
-                                  <p:childTnLst>
-                                    <p:animScale>
-                                      <p:cBhvr>
-                                        <p:cTn id="31" dur="2000" fill="hold"/>
-                                        <p:tgtEl>
-                                          <p:spTgt spid="8"/>
-                                        </p:tgtEl>
-                                      </p:cBhvr>
-                                      <p:by x="150000" y="150000"/>
-                                    </p:animScale>
-                                  </p:childTnLst>
-                                </p:cTn>
-                              </p:par>
-                            </p:childTnLst>
-                          </p:cTn>
-                        </p:par>
-                        <p:par>
-                          <p:cTn id="32" fill="hold">
-                            <p:stCondLst>
-                              <p:cond delay="2500"/>
-                            </p:stCondLst>
-                            <p:childTnLst>
-                              <p:par>
-                                <p:cTn id="33" presetID="2" presetClass="exit" presetSubtype="4" fill="hold" grpId="2" nodeType="afterEffect">
-                                  <p:stCondLst>
-                                    <p:cond delay="0"/>
-                                  </p:stCondLst>
-                                  <p:childTnLst>
-                                    <p:anim calcmode="lin" valueType="num">
-                                      <p:cBhvr additive="base">
-                                        <p:cTn id="34" dur="500"/>
-                                        <p:tgtEl>
-                                          <p:spTgt spid="8"/>
-                                        </p:tgtEl>
-                                        <p:attrNameLst>
-                                          <p:attrName>ppt_x</p:attrName>
-                                        </p:attrNameLst>
-                                      </p:cBhvr>
-                                      <p:tavLst>
-                                        <p:tav tm="0">
-                                          <p:val>
-                                            <p:strVal val="ppt_x"/>
-                                          </p:val>
-                                        </p:tav>
-                                        <p:tav tm="100000">
-                                          <p:val>
-                                            <p:strVal val="ppt_x"/>
-                                          </p:val>
-                                        </p:tav>
-                                      </p:tavLst>
-                                    </p:anim>
-                                    <p:anim calcmode="lin" valueType="num">
-                                      <p:cBhvr additive="base">
-                                        <p:cTn id="35" dur="500"/>
-                                        <p:tgtEl>
-                                          <p:spTgt spid="8"/>
-                                        </p:tgtEl>
-                                        <p:attrNameLst>
-                                          <p:attrName>ppt_y</p:attrName>
-                                        </p:attrNameLst>
-                                      </p:cBhvr>
-                                      <p:tavLst>
-                                        <p:tav tm="0">
-                                          <p:val>
-                                            <p:strVal val="ppt_y"/>
-                                          </p:val>
-                                        </p:tav>
-                                        <p:tav tm="100000">
-                                          <p:val>
-                                            <p:strVal val="1+ppt_h/2"/>
-                                          </p:val>
-                                        </p:tav>
-                                      </p:tavLst>
-                                    </p:anim>
-                                    <p:set>
-                                      <p:cBhvr>
-                                        <p:cTn id="36" dur="1" fill="hold">
-                                          <p:stCondLst>
-                                            <p:cond delay="499"/>
-                                          </p:stCondLst>
-                                        </p:cTn>
-                                        <p:tgtEl>
-                                          <p:spTgt spid="8"/>
-                                        </p:tgtEl>
-                                        <p:attrNameLst>
-                                          <p:attrName>style.visibility</p:attrName>
-                                        </p:attrNameLst>
-                                      </p:cBhvr>
-                                      <p:to>
-                                        <p:strVal val="hidden"/>
-                                      </p:to>
-                                    </p:set>
-                                  </p:childTnLst>
-                                </p:cTn>
-                              </p:par>
-                            </p:childTnLst>
-                          </p:cTn>
-                        </p:par>
-                      </p:childTnLst>
-                    </p:cTn>
-                  </p:par>
-                  <p:par>
-                    <p:cTn id="37" fill="hold">
-                      <p:stCondLst>
-                        <p:cond delay="indefinite"/>
-                      </p:stCondLst>
-                      <p:childTnLst>
-                        <p:par>
-                          <p:cTn id="38" fill="hold">
-                            <p:stCondLst>
-                              <p:cond delay="0"/>
-                            </p:stCondLst>
-                            <p:childTnLst>
-                              <p:par>
-                                <p:cTn id="39" presetID="1" presetClass="entr" presetSubtype="0" fill="hold" grpId="0" nodeType="clickEffect">
-                                  <p:stCondLst>
-                                    <p:cond delay="0"/>
-                                  </p:stCondLst>
-                                  <p:childTnLst>
-                                    <p:set>
-                                      <p:cBhvr>
-                                        <p:cTn id="40" dur="1" fill="hold">
                                           <p:stCondLst>
                                             <p:cond delay="0"/>
                                           </p:stCondLst>
@@ -22102,6 +24286,60 @@
                                         <p:strVal val="visible"/>
                                       </p:to>
                                     </p:set>
+                                    <p:anim calcmode="lin" valueType="num">
+                                      <p:cBhvr>
+                                        <p:cTn id="27" dur="500" fill="hold"/>
+                                        <p:tgtEl>
+                                          <p:spTgt spid="9"/>
+                                        </p:tgtEl>
+                                        <p:attrNameLst>
+                                          <p:attrName>ppt_w</p:attrName>
+                                        </p:attrNameLst>
+                                      </p:cBhvr>
+                                      <p:tavLst>
+                                        <p:tav tm="0">
+                                          <p:val>
+                                            <p:fltVal val="0"/>
+                                          </p:val>
+                                        </p:tav>
+                                        <p:tav tm="100000">
+                                          <p:val>
+                                            <p:strVal val="#ppt_w"/>
+                                          </p:val>
+                                        </p:tav>
+                                      </p:tavLst>
+                                    </p:anim>
+                                    <p:anim calcmode="lin" valueType="num">
+                                      <p:cBhvr>
+                                        <p:cTn id="28" dur="500" fill="hold"/>
+                                        <p:tgtEl>
+                                          <p:spTgt spid="9"/>
+                                        </p:tgtEl>
+                                        <p:attrNameLst>
+                                          <p:attrName>ppt_h</p:attrName>
+                                        </p:attrNameLst>
+                                      </p:cBhvr>
+                                      <p:tavLst>
+                                        <p:tav tm="0">
+                                          <p:val>
+                                            <p:fltVal val="0"/>
+                                          </p:val>
+                                        </p:tav>
+                                        <p:tav tm="100000">
+                                          <p:val>
+                                            <p:strVal val="#ppt_h"/>
+                                          </p:val>
+                                        </p:tav>
+                                      </p:tavLst>
+                                    </p:anim>
+                                    <p:animEffect transition="in" filter="fade">
+                                      <p:cBhvr>
+                                        <p:cTn id="29" dur="500"/>
+                                        <p:tgtEl>
+                                          <p:spTgt spid="9"/>
+                                        </p:tgtEl>
+                                      </p:cBhvr>
+                                    </p:animEffect>
                                   </p:childTnLst>
                                 </p:cTn>
                               </p:par>
@@ -22112,26 +24350,26 @@
                     </p:cTn>
                   </p:par>
                   <p:par>
-                    <p:cTn id="41" fill="hold">
+                    <p:cTn id="30" fill="hold">
                       <p:stCondLst>
                         <p:cond delay="indefinite"/>
                       </p:stCondLst>
                       <p:childTnLst>
                         <p:par>
-                          <p:cTn id="42" fill="hold">
+                          <p:cTn id="31" fill="hold">
                             <p:stCondLst>
                               <p:cond delay="0"/>
                             </p:stCondLst>
                             <p:childTnLst>
                               <p:par>
-                                <p:cTn id="43" presetID="22" presetClass="entr" presetSubtype="8" fill="hold" grpId="0" nodeType="clickEffect">
+                                <p:cTn id="32" presetID="22" presetClass="entr" presetSubtype="8" fill="hold" grpId="0" nodeType="clickEffect">
                                   <p:stCondLst>
                                     <p:cond delay="0"/>
                                   </p:stCondLst>
                                   <p:childTnLst>
                                     <p:set>
                                       <p:cBhvr>
-                                        <p:cTn id="44" dur="1" fill="hold">
+                                        <p:cTn id="33" dur="1" fill="hold">
                                           <p:stCondLst>
                                             <p:cond delay="0"/>
                                           </p:stCondLst>
@@ -22149,7 +24387,7 @@
                                     </p:set>
                                     <p:animEffect transition="in" filter="wipe(left)">
                                       <p:cBhvr>
-                                        <p:cTn id="45" dur="500"/>
+                                        <p:cTn id="34" dur="500"/>
                                         <p:tgtEl>
                                           <p:spTgt spid="12"/>
                                         </p:tgtEl>
@@ -22162,20 +24400,20 @@
                           </p:cTn>
                         </p:par>
                         <p:par>
-                          <p:cTn id="46" fill="hold">
+                          <p:cTn id="35" fill="hold">
                             <p:stCondLst>
                               <p:cond delay="500"/>
                             </p:stCondLst>
                             <p:childTnLst>
                               <p:par>
-                                <p:cTn id="47" presetID="22" presetClass="entr" presetSubtype="8" fill="hold" grpId="0" nodeType="afterEffect">
+                                <p:cTn id="36" presetID="22" presetClass="entr" presetSubtype="8" fill="hold" grpId="0" nodeType="afterEffect">
                                   <p:stCondLst>
                                     <p:cond delay="0"/>
                                   </p:stCondLst>
                                   <p:childTnLst>
                                     <p:set>
                                       <p:cBhvr>
-                                        <p:cTn id="48" dur="1" fill="hold">
+                                        <p:cTn id="37" dur="1" fill="hold">
                                           <p:stCondLst>
                                             <p:cond delay="0"/>
                                           </p:stCondLst>
@@ -22193,7 +24431,7 @@
                                     </p:set>
                                     <p:animEffect transition="in" filter="wipe(left)">
                                       <p:cBhvr>
-                                        <p:cTn id="49" dur="500"/>
+                                        <p:cTn id="38" dur="500"/>
                                         <p:tgtEl>
                                           <p:spTgt spid="10"/>
                                         </p:tgtEl>
@@ -22234,9 +24472,6 @@
       <p:bldP spid="5" grpId="0" animBg="1"/>
       <p:bldP spid="6" grpId="0" animBg="1"/>
       <p:bldP spid="7" grpId="1"/>
-      <p:bldP spid="8" grpId="0"/>
-      <p:bldP spid="8" grpId="1"/>
-      <p:bldP spid="8" grpId="2"/>
       <p:bldP spid="9" grpId="0"/>
       <p:bldP spid="10" grpId="0"/>
       <p:bldP spid="12" grpId="0" animBg="1"/>
@@ -22301,61 +24536,133 @@
           <a:lstStyle/>
           <a:p>
             <a:r>
+              <a:rPr lang="en-US" altLang="zh-CN" dirty="0" err="1" smtClean="0"/>
+              <a:t>is_smart_pointer</a:t>
+            </a:r>
+            <a:endParaRPr lang="en-US" altLang="zh-CN" dirty="0" smtClean="0"/>
+          </a:p>
+          <a:p>
+            <a:endParaRPr lang="en-US" altLang="zh-CN" dirty="0" smtClean="0"/>
+          </a:p>
+          <a:p>
+            <a:r>
+              <a:rPr lang="en-US" altLang="zh-CN" dirty="0" err="1" smtClean="0"/>
+              <a:t>static_assert</a:t>
+            </a:r>
+            <a:r>
+              <a:rPr lang="en-US" altLang="zh-CN" dirty="0" smtClean="0"/>
+              <a:t>(</a:t>
+            </a:r>
+            <a:r>
+              <a:rPr lang="en-US" altLang="zh-CN" dirty="0" err="1" smtClean="0"/>
+              <a:t>is_smart_pointer</a:t>
+            </a:r>
+            <a:r>
+              <a:rPr lang="en-US" altLang="zh-CN" dirty="0" smtClean="0"/>
+              <a:t>&lt;</a:t>
+            </a:r>
+            <a:r>
+              <a:rPr lang="en-US" altLang="zh-CN" dirty="0" err="1" smtClean="0"/>
+              <a:t>std</a:t>
+            </a:r>
+            <a:r>
+              <a:rPr lang="en-US" altLang="zh-CN" dirty="0"/>
+              <a:t>::</a:t>
+            </a:r>
+            <a:r>
               <a:rPr lang="en-US" altLang="zh-CN" dirty="0" err="1"/>
-              <a:t>timax</a:t>
-            </a:r>
-            <a:r>
-              <a:rPr lang="en-US" altLang="zh-CN" dirty="0"/>
-              <a:t>::bind</a:t>
-            </a:r>
-            <a:r>
-              <a:rPr lang="zh-CN" altLang="en-US" dirty="0"/>
-              <a:t> </a:t>
-            </a:r>
-            <a:endParaRPr lang="en-US" altLang="zh-CN" dirty="0" smtClean="0"/>
-          </a:p>
-          <a:p>
-            <a:endParaRPr lang="en-US" altLang="zh-CN" dirty="0" smtClean="0"/>
-          </a:p>
-          <a:p>
-            <a:pPr>
-              <a:buFont typeface="Wingdings" pitchFamily="2" charset="2"/>
-              <a:buChar char="u"/>
-            </a:pPr>
-            <a:r>
-              <a:rPr lang="en-US" altLang="zh-CN" dirty="0" smtClean="0"/>
-              <a:t>object</a:t>
-            </a:r>
-            <a:r>
-              <a:rPr lang="en-US" altLang="zh-CN" dirty="0"/>
-              <a:t>, smart pointer, raw pointer, </a:t>
-            </a:r>
-            <a:r>
-              <a:rPr lang="en-US" altLang="zh-CN" dirty="0" smtClean="0"/>
-              <a:t>placeholders</a:t>
-            </a:r>
-          </a:p>
-          <a:p>
-            <a:pPr>
-              <a:buFont typeface="Arial" pitchFamily="34" charset="0"/>
-              <a:buChar char="•"/>
-            </a:pPr>
-            <a:endParaRPr lang="en-US" altLang="zh-CN" dirty="0" smtClean="0"/>
-          </a:p>
-          <a:p>
-            <a:pPr>
-              <a:buFont typeface="Wingdings" pitchFamily="2" charset="2"/>
-              <a:buChar char="u"/>
-            </a:pPr>
-            <a:r>
-              <a:rPr lang="en-US" altLang="zh-CN" dirty="0" smtClean="0"/>
-              <a:t>callable</a:t>
-            </a:r>
-            <a:endParaRPr lang="en-US" altLang="zh-CN" dirty="0"/>
+              <a:t>shared_ptr</a:t>
+            </a:r>
+            <a:r>
+              <a:rPr lang="en-US" altLang="zh-CN" dirty="0"/>
+              <a:t>&lt;</a:t>
+            </a:r>
+            <a:r>
+              <a:rPr lang="en-US" altLang="zh-CN" dirty="0" err="1"/>
+              <a:t>int</a:t>
+            </a:r>
+            <a:r>
+              <a:rPr lang="en-US" altLang="zh-CN" dirty="0"/>
+              <a:t>&gt;&gt;::value, "error"); </a:t>
+            </a:r>
+            <a:r>
+              <a:rPr lang="en-US" altLang="zh-CN" dirty="0" err="1"/>
+              <a:t>static_assert</a:t>
+            </a:r>
+            <a:r>
+              <a:rPr lang="en-US" altLang="zh-CN" dirty="0"/>
+              <a:t>(</a:t>
+            </a:r>
+            <a:r>
+              <a:rPr lang="en-US" altLang="zh-CN" dirty="0" err="1"/>
+              <a:t>is_smart_pointer</a:t>
+            </a:r>
+            <a:r>
+              <a:rPr lang="en-US" altLang="zh-CN" dirty="0"/>
+              <a:t>&lt;</a:t>
+            </a:r>
+            <a:r>
+              <a:rPr lang="en-US" altLang="zh-CN" dirty="0" err="1"/>
+              <a:t>std</a:t>
+            </a:r>
+            <a:r>
+              <a:rPr lang="en-US" altLang="zh-CN" dirty="0"/>
+              <a:t>::</a:t>
+            </a:r>
+            <a:r>
+              <a:rPr lang="en-US" altLang="zh-CN" dirty="0" err="1"/>
+              <a:t>unique_ptr</a:t>
+            </a:r>
+            <a:r>
+              <a:rPr lang="en-US" altLang="zh-CN" dirty="0"/>
+              <a:t>&lt;</a:t>
+            </a:r>
+            <a:r>
+              <a:rPr lang="en-US" altLang="zh-CN" dirty="0" err="1"/>
+              <a:t>int</a:t>
+            </a:r>
+            <a:r>
+              <a:rPr lang="en-US" altLang="zh-CN" dirty="0"/>
+              <a:t>&gt;&gt;::value, "error"); </a:t>
+            </a:r>
+            <a:r>
+              <a:rPr lang="en-US" altLang="zh-CN" dirty="0" err="1" smtClean="0"/>
+              <a:t>static_assert</a:t>
+            </a:r>
+            <a:r>
+              <a:rPr lang="en-US" altLang="zh-CN" dirty="0" smtClean="0"/>
+              <a:t>(</a:t>
+            </a:r>
+            <a:r>
+              <a:rPr lang="en-US" altLang="zh-CN" dirty="0" err="1" smtClean="0"/>
+              <a:t>is_smart_pointer</a:t>
+            </a:r>
+            <a:r>
+              <a:rPr lang="en-US" altLang="zh-CN" dirty="0" smtClean="0"/>
+              <a:t>&lt;</a:t>
+            </a:r>
+            <a:r>
+              <a:rPr lang="en-US" altLang="zh-CN" dirty="0" err="1" smtClean="0"/>
+              <a:t>int</a:t>
+            </a:r>
+            <a:r>
+              <a:rPr lang="en-US" altLang="zh-CN" dirty="0"/>
+              <a:t>*&gt;::value, "error</a:t>
+            </a:r>
+            <a:r>
+              <a:rPr lang="en-US" altLang="zh-CN" dirty="0" smtClean="0"/>
+              <a:t>");  //compile error</a:t>
+            </a:r>
+            <a:endParaRPr lang="zh-CN" altLang="en-US" dirty="0"/>
           </a:p>
         </p:txBody>
       </p:sp>
     </p:spTree>
+    <p:extLst>
+      <p:ext uri="{BB962C8B-B14F-4D97-AF65-F5344CB8AC3E}">
+        <p14:creationId xmlns:p14="http://schemas.microsoft.com/office/powerpoint/2010/main" val="3464557464"/>
+      </p:ext>
+    </p:extLst>
   </p:cSld>
   <p:clrMapOvr>
     <a:masterClrMapping/>
@@ -22426,6 +24733,888 @@
           <a:lstStyle/>
           <a:p>
             <a:r>
+              <a:rPr lang="en-US" altLang="zh-CN" dirty="0"/>
+              <a:t>template &lt;</a:t>
+            </a:r>
+            <a:r>
+              <a:rPr lang="en-US" altLang="zh-CN" dirty="0" err="1"/>
+              <a:t>typename</a:t>
+            </a:r>
+            <a:r>
+              <a:rPr lang="en-US" altLang="zh-CN" dirty="0"/>
+              <a:t> T, </a:t>
+            </a:r>
+            <a:r>
+              <a:rPr lang="en-US" altLang="zh-CN" dirty="0" err="1"/>
+              <a:t>typename</a:t>
+            </a:r>
+            <a:r>
+              <a:rPr lang="en-US" altLang="zh-CN" dirty="0"/>
+              <a:t> = void&gt;</a:t>
+            </a:r>
+          </a:p>
+          <a:p>
+            <a:r>
+              <a:rPr lang="en-US" altLang="zh-CN" dirty="0" err="1"/>
+              <a:t>struct</a:t>
+            </a:r>
+            <a:r>
+              <a:rPr lang="en-US" altLang="zh-CN" dirty="0"/>
+              <a:t> </a:t>
+            </a:r>
+            <a:r>
+              <a:rPr lang="en-US" altLang="zh-CN" dirty="0" err="1"/>
+              <a:t>is_smart_pointer</a:t>
+            </a:r>
+            <a:r>
+              <a:rPr lang="en-US" altLang="zh-CN" dirty="0"/>
+              <a:t> : </a:t>
+            </a:r>
+            <a:r>
+              <a:rPr lang="en-US" altLang="zh-CN" dirty="0" err="1"/>
+              <a:t>std</a:t>
+            </a:r>
+            <a:r>
+              <a:rPr lang="en-US" altLang="zh-CN" dirty="0"/>
+              <a:t>::</a:t>
+            </a:r>
+            <a:r>
+              <a:rPr lang="en-US" altLang="zh-CN" dirty="0" err="1"/>
+              <a:t>false_type</a:t>
+            </a:r>
+            <a:endParaRPr lang="en-US" altLang="zh-CN" dirty="0"/>
+          </a:p>
+          <a:p>
+            <a:r>
+              <a:rPr lang="en-US" altLang="zh-CN" dirty="0"/>
+              <a:t>{</a:t>
+            </a:r>
+          </a:p>
+          <a:p>
+            <a:r>
+              <a:rPr lang="en-US" altLang="zh-CN" dirty="0"/>
+              <a:t>};</a:t>
+            </a:r>
+          </a:p>
+          <a:p>
+            <a:endParaRPr lang="zh-CN" altLang="en-US" dirty="0"/>
+          </a:p>
+          <a:p>
+            <a:r>
+              <a:rPr lang="en-US" altLang="zh-CN" dirty="0"/>
+              <a:t>// this way of using SFINEA is type reference and cv qualifiers </a:t>
+            </a:r>
+            <a:r>
+              <a:rPr lang="en-US" altLang="zh-CN" dirty="0" err="1"/>
+              <a:t>immuned</a:t>
+            </a:r>
+            <a:endParaRPr lang="en-US" altLang="zh-CN" dirty="0"/>
+          </a:p>
+          <a:p>
+            <a:r>
+              <a:rPr lang="en-US" altLang="zh-CN" dirty="0"/>
+              <a:t>template &lt;</a:t>
+            </a:r>
+            <a:r>
+              <a:rPr lang="en-US" altLang="zh-CN" dirty="0" err="1"/>
+              <a:t>typename</a:t>
+            </a:r>
+            <a:r>
+              <a:rPr lang="en-US" altLang="zh-CN" dirty="0"/>
+              <a:t> T&gt;</a:t>
+            </a:r>
+          </a:p>
+          <a:p>
+            <a:r>
+              <a:rPr lang="en-US" altLang="zh-CN" dirty="0" err="1"/>
+              <a:t>struct</a:t>
+            </a:r>
+            <a:r>
+              <a:rPr lang="en-US" altLang="zh-CN" dirty="0"/>
+              <a:t> </a:t>
+            </a:r>
+            <a:r>
+              <a:rPr lang="en-US" altLang="zh-CN" dirty="0" err="1"/>
+              <a:t>is_smart_pointer</a:t>
+            </a:r>
+            <a:r>
+              <a:rPr lang="en-US" altLang="zh-CN" dirty="0"/>
+              <a:t>&lt;T,</a:t>
+            </a:r>
+          </a:p>
+          <a:p>
+            <a:r>
+              <a:rPr lang="en-US" altLang="zh-CN" dirty="0" err="1">
+                <a:solidFill>
+                  <a:srgbClr val="FF0000"/>
+                </a:solidFill>
+              </a:rPr>
+              <a:t>std</a:t>
+            </a:r>
+            <a:r>
+              <a:rPr lang="en-US" altLang="zh-CN" dirty="0">
+                <a:solidFill>
+                  <a:srgbClr val="FF0000"/>
+                </a:solidFill>
+              </a:rPr>
+              <a:t>::</a:t>
+            </a:r>
+            <a:r>
+              <a:rPr lang="en-US" altLang="zh-CN" dirty="0" err="1" smtClean="0">
+                <a:solidFill>
+                  <a:srgbClr val="FF0000"/>
+                </a:solidFill>
+              </a:rPr>
+              <a:t>void_t</a:t>
+            </a:r>
+            <a:r>
+              <a:rPr lang="en-US" altLang="zh-CN" dirty="0" smtClean="0"/>
+              <a:t>&lt;</a:t>
+            </a:r>
+            <a:r>
+              <a:rPr lang="en-US" altLang="zh-CN" dirty="0" err="1" smtClean="0"/>
+              <a:t>decltype</a:t>
+            </a:r>
+            <a:r>
+              <a:rPr lang="en-US" altLang="zh-CN" dirty="0" smtClean="0"/>
+              <a:t>(</a:t>
+            </a:r>
+            <a:r>
+              <a:rPr lang="en-US" altLang="zh-CN" b="1" dirty="0" err="1" smtClean="0"/>
+              <a:t>std</a:t>
+            </a:r>
+            <a:r>
+              <a:rPr lang="en-US" altLang="zh-CN" b="1" dirty="0"/>
+              <a:t>::</a:t>
+            </a:r>
+            <a:r>
+              <a:rPr lang="en-US" altLang="zh-CN" b="1" dirty="0" err="1"/>
+              <a:t>declval</a:t>
+            </a:r>
+            <a:r>
+              <a:rPr lang="en-US" altLang="zh-CN" b="1" dirty="0"/>
+              <a:t>&lt;T&gt;().operator -&gt;</a:t>
+            </a:r>
+            <a:r>
+              <a:rPr lang="en-US" altLang="zh-CN" dirty="0"/>
+              <a:t>()),</a:t>
+            </a:r>
+          </a:p>
+          <a:p>
+            <a:r>
+              <a:rPr lang="en-US" altLang="zh-CN" dirty="0" smtClean="0"/>
+              <a:t>    </a:t>
+            </a:r>
+            <a:r>
+              <a:rPr lang="en-US" altLang="zh-CN" dirty="0" err="1" smtClean="0"/>
+              <a:t>decltype</a:t>
+            </a:r>
+            <a:r>
+              <a:rPr lang="en-US" altLang="zh-CN" dirty="0" smtClean="0"/>
+              <a:t>(</a:t>
+            </a:r>
+            <a:r>
+              <a:rPr lang="en-US" altLang="zh-CN" b="1" dirty="0" err="1" smtClean="0"/>
+              <a:t>std</a:t>
+            </a:r>
+            <a:r>
+              <a:rPr lang="en-US" altLang="zh-CN" b="1" dirty="0"/>
+              <a:t>::</a:t>
+            </a:r>
+            <a:r>
+              <a:rPr lang="en-US" altLang="zh-CN" b="1" dirty="0" err="1"/>
+              <a:t>declval</a:t>
+            </a:r>
+            <a:r>
+              <a:rPr lang="en-US" altLang="zh-CN" b="1" dirty="0"/>
+              <a:t>&lt;T&gt;().get</a:t>
+            </a:r>
+            <a:r>
+              <a:rPr lang="en-US" altLang="zh-CN" b="1" dirty="0" smtClean="0"/>
+              <a:t>()</a:t>
+            </a:r>
+            <a:r>
+              <a:rPr lang="en-US" altLang="zh-CN" dirty="0" smtClean="0"/>
+              <a:t>)&gt;&gt; </a:t>
+            </a:r>
+            <a:r>
+              <a:rPr lang="en-US" altLang="zh-CN" dirty="0"/>
+              <a:t>: </a:t>
+            </a:r>
+            <a:r>
+              <a:rPr lang="en-US" altLang="zh-CN" dirty="0" err="1"/>
+              <a:t>std</a:t>
+            </a:r>
+            <a:r>
+              <a:rPr lang="en-US" altLang="zh-CN" dirty="0"/>
+              <a:t>::</a:t>
+            </a:r>
+            <a:r>
+              <a:rPr lang="en-US" altLang="zh-CN" dirty="0" err="1"/>
+              <a:t>true_type</a:t>
+            </a:r>
+            <a:endParaRPr lang="en-US" altLang="zh-CN" dirty="0"/>
+          </a:p>
+          <a:p>
+            <a:r>
+              <a:rPr lang="en-US" altLang="zh-CN" dirty="0"/>
+              <a:t>{</a:t>
+            </a:r>
+          </a:p>
+          <a:p>
+            <a:r>
+              <a:rPr lang="en-US" altLang="zh-CN" dirty="0" smtClean="0"/>
+              <a:t>};</a:t>
+            </a:r>
+          </a:p>
+          <a:p>
+            <a:endParaRPr lang="en-US" altLang="zh-CN" dirty="0"/>
+          </a:p>
+          <a:p>
+            <a:r>
+              <a:rPr lang="en-US" altLang="zh-CN" dirty="0" err="1" smtClean="0"/>
+              <a:t>std</a:t>
+            </a:r>
+            <a:r>
+              <a:rPr lang="en-US" altLang="zh-CN" dirty="0" smtClean="0"/>
+              <a:t>::</a:t>
+            </a:r>
+            <a:r>
+              <a:rPr lang="en-US" altLang="zh-CN" dirty="0" err="1" smtClean="0"/>
+              <a:t>void_t</a:t>
+            </a:r>
+            <a:r>
+              <a:rPr lang="en-US" altLang="zh-CN" dirty="0" smtClean="0"/>
+              <a:t> C++17</a:t>
+            </a:r>
+          </a:p>
+          <a:p>
+            <a:r>
+              <a:rPr lang="en-US" altLang="zh-CN" dirty="0" smtClean="0"/>
+              <a:t>not in C++14</a:t>
+            </a:r>
+            <a:endParaRPr lang="zh-CN" altLang="en-US" dirty="0"/>
+          </a:p>
+        </p:txBody>
+      </p:sp>
+    </p:spTree>
+    <p:extLst>
+      <p:ext uri="{BB962C8B-B14F-4D97-AF65-F5344CB8AC3E}">
+        <p14:creationId xmlns:p14="http://schemas.microsoft.com/office/powerpoint/2010/main" val="973112711"/>
+      </p:ext>
+    </p:extLst>
+  </p:cSld>
+  <p:clrMapOvr>
+    <a:masterClrMapping/>
+  </p:clrMapOvr>
+  <p:timing>
+    <p:tnLst>
+      <p:par>
+        <p:cTn id="1" dur="indefinite" restart="never" nodeType="tmRoot"/>
+      </p:par>
+    </p:tnLst>
+  </p:timing>
+</p:sld>
+</file>
+
+<file path=ppt/slides/slide33.xml><?xml version="1.0" encoding="utf-8"?>
+<p:sld xmlns:a="http://schemas.openxmlformats.org/drawingml/2006/main" xmlns:r="http://schemas.openxmlformats.org/officeDocument/2006/relationships" xmlns:p="http://schemas.openxmlformats.org/presentationml/2006/main">
+  <p:cSld>
+    <p:spTree>
+      <p:nvGrpSpPr>
+        <p:cNvPr id="1" name=""/>
+        <p:cNvGrpSpPr/>
+        <p:nvPr/>
+      </p:nvGrpSpPr>
+      <p:grpSpPr>
+        <a:xfrm>
+          <a:off x="0" y="0"/>
+          <a:ext cx="0" cy="0"/>
+          <a:chOff x="0" y="0"/>
+          <a:chExt cx="0" cy="0"/>
+        </a:xfrm>
+      </p:grpSpPr>
+      <p:sp>
+        <p:nvSpPr>
+          <p:cNvPr id="2" name="标题 1"/>
+          <p:cNvSpPr>
+            <a:spLocks noGrp="1"/>
+          </p:cNvSpPr>
+          <p:nvPr>
+            <p:ph type="title"/>
+          </p:nvPr>
+        </p:nvSpPr>
+        <p:spPr/>
+        <p:txBody>
+          <a:bodyPr/>
+          <a:lstStyle/>
+          <a:p>
+            <a:r>
+              <a:rPr lang="en-US" altLang="zh-CN" dirty="0"/>
+              <a:t>How to simplify the call code</a:t>
+            </a:r>
+            <a:endParaRPr lang="zh-CN" altLang="en-US" dirty="0"/>
+          </a:p>
+        </p:txBody>
+      </p:sp>
+      <p:sp>
+        <p:nvSpPr>
+          <p:cNvPr id="3" name="文本占位符 2"/>
+          <p:cNvSpPr>
+            <a:spLocks noGrp="1"/>
+          </p:cNvSpPr>
+          <p:nvPr>
+            <p:ph type="body" sz="half" idx="2"/>
+          </p:nvPr>
+        </p:nvSpPr>
+        <p:spPr/>
+        <p:txBody>
+          <a:bodyPr/>
+          <a:lstStyle/>
+          <a:p>
+            <a:r>
+              <a:rPr lang="en-US" altLang="zh-CN" sz="1400" dirty="0"/>
+              <a:t>template &lt;</a:t>
+            </a:r>
+            <a:r>
+              <a:rPr lang="en-US" altLang="zh-CN" sz="1400" dirty="0" err="1"/>
+              <a:t>typename</a:t>
+            </a:r>
+            <a:r>
+              <a:rPr lang="en-US" altLang="zh-CN" sz="1400" dirty="0"/>
+              <a:t> T, </a:t>
+            </a:r>
+            <a:r>
+              <a:rPr lang="en-US" altLang="zh-CN" sz="1400" dirty="0" err="1"/>
+              <a:t>typename</a:t>
+            </a:r>
+            <a:r>
+              <a:rPr lang="en-US" altLang="zh-CN" sz="1400" dirty="0"/>
+              <a:t> = void&gt;</a:t>
+            </a:r>
+          </a:p>
+          <a:p>
+            <a:r>
+              <a:rPr lang="en-US" altLang="zh-CN" sz="1400" dirty="0" err="1"/>
+              <a:t>struct</a:t>
+            </a:r>
+            <a:r>
+              <a:rPr lang="en-US" altLang="zh-CN" sz="1400" dirty="0"/>
+              <a:t> </a:t>
+            </a:r>
+            <a:r>
+              <a:rPr lang="en-US" altLang="zh-CN" sz="1400" dirty="0" err="1"/>
+              <a:t>is_smart_pointer</a:t>
+            </a:r>
+            <a:r>
+              <a:rPr lang="en-US" altLang="zh-CN" sz="1400" dirty="0"/>
+              <a:t> : </a:t>
+            </a:r>
+            <a:r>
+              <a:rPr lang="en-US" altLang="zh-CN" sz="1400" dirty="0" err="1"/>
+              <a:t>std</a:t>
+            </a:r>
+            <a:r>
+              <a:rPr lang="en-US" altLang="zh-CN" sz="1400" dirty="0"/>
+              <a:t>::</a:t>
+            </a:r>
+            <a:r>
+              <a:rPr lang="en-US" altLang="zh-CN" sz="1400" dirty="0" err="1"/>
+              <a:t>false_type</a:t>
+            </a:r>
+            <a:endParaRPr lang="en-US" altLang="zh-CN" sz="1400" dirty="0"/>
+          </a:p>
+          <a:p>
+            <a:r>
+              <a:rPr lang="en-US" altLang="zh-CN" sz="1400" dirty="0"/>
+              <a:t>{</a:t>
+            </a:r>
+          </a:p>
+          <a:p>
+            <a:r>
+              <a:rPr lang="en-US" altLang="zh-CN" sz="1400" dirty="0"/>
+              <a:t>};</a:t>
+            </a:r>
+          </a:p>
+          <a:p>
+            <a:endParaRPr lang="zh-CN" altLang="en-US" sz="1400" dirty="0"/>
+          </a:p>
+          <a:p>
+            <a:r>
+              <a:rPr lang="en-US" altLang="zh-CN" sz="1400" dirty="0"/>
+              <a:t>// this way of using SFINEA is type reference and cv qualifiers </a:t>
+            </a:r>
+            <a:r>
+              <a:rPr lang="en-US" altLang="zh-CN" sz="1400" dirty="0" err="1"/>
+              <a:t>immuned</a:t>
+            </a:r>
+            <a:endParaRPr lang="en-US" altLang="zh-CN" sz="1400" dirty="0"/>
+          </a:p>
+          <a:p>
+            <a:r>
+              <a:rPr lang="en-US" altLang="zh-CN" sz="1400" dirty="0"/>
+              <a:t>template &lt;</a:t>
+            </a:r>
+            <a:r>
+              <a:rPr lang="en-US" altLang="zh-CN" sz="1400" dirty="0" err="1"/>
+              <a:t>typename</a:t>
+            </a:r>
+            <a:r>
+              <a:rPr lang="en-US" altLang="zh-CN" sz="1400" dirty="0"/>
+              <a:t> T&gt;</a:t>
+            </a:r>
+          </a:p>
+          <a:p>
+            <a:r>
+              <a:rPr lang="en-US" altLang="zh-CN" sz="1400" dirty="0" err="1"/>
+              <a:t>struct</a:t>
+            </a:r>
+            <a:r>
+              <a:rPr lang="en-US" altLang="zh-CN" sz="1400" dirty="0"/>
+              <a:t> </a:t>
+            </a:r>
+            <a:r>
+              <a:rPr lang="en-US" altLang="zh-CN" sz="1400" dirty="0" err="1"/>
+              <a:t>is_smart_pointer</a:t>
+            </a:r>
+            <a:r>
+              <a:rPr lang="en-US" altLang="zh-CN" sz="1400" dirty="0"/>
+              <a:t>&lt;T,</a:t>
+            </a:r>
+          </a:p>
+          <a:p>
+            <a:r>
+              <a:rPr lang="en-US" altLang="zh-CN" sz="1400" dirty="0" err="1">
+                <a:solidFill>
+                  <a:srgbClr val="FF0000"/>
+                </a:solidFill>
+              </a:rPr>
+              <a:t>std</a:t>
+            </a:r>
+            <a:r>
+              <a:rPr lang="en-US" altLang="zh-CN" sz="1400" dirty="0">
+                <a:solidFill>
+                  <a:srgbClr val="FF0000"/>
+                </a:solidFill>
+              </a:rPr>
+              <a:t>::</a:t>
+            </a:r>
+            <a:r>
+              <a:rPr lang="en-US" altLang="zh-CN" sz="1400" dirty="0" err="1">
+                <a:solidFill>
+                  <a:srgbClr val="FF0000"/>
+                </a:solidFill>
+              </a:rPr>
+              <a:t>void_t</a:t>
+            </a:r>
+            <a:r>
+              <a:rPr lang="en-US" altLang="zh-CN" sz="1400" dirty="0"/>
+              <a:t>&lt;</a:t>
+            </a:r>
+            <a:r>
+              <a:rPr lang="en-US" altLang="zh-CN" sz="1400" dirty="0" err="1"/>
+              <a:t>decltype</a:t>
+            </a:r>
+            <a:r>
+              <a:rPr lang="en-US" altLang="zh-CN" sz="1400" dirty="0"/>
+              <a:t>(</a:t>
+            </a:r>
+            <a:r>
+              <a:rPr lang="en-US" altLang="zh-CN" sz="1400" b="1" dirty="0" err="1"/>
+              <a:t>std</a:t>
+            </a:r>
+            <a:r>
+              <a:rPr lang="en-US" altLang="zh-CN" sz="1400" b="1" dirty="0"/>
+              <a:t>::</a:t>
+            </a:r>
+            <a:r>
+              <a:rPr lang="en-US" altLang="zh-CN" sz="1400" b="1" dirty="0" err="1"/>
+              <a:t>declval</a:t>
+            </a:r>
+            <a:r>
+              <a:rPr lang="en-US" altLang="zh-CN" sz="1400" b="1" dirty="0"/>
+              <a:t>&lt;T&gt;().operator -&gt;</a:t>
+            </a:r>
+            <a:r>
+              <a:rPr lang="en-US" altLang="zh-CN" sz="1400" dirty="0"/>
+              <a:t>()),</a:t>
+            </a:r>
+          </a:p>
+          <a:p>
+            <a:r>
+              <a:rPr lang="en-US" altLang="zh-CN" sz="1400" dirty="0"/>
+              <a:t>    </a:t>
+            </a:r>
+            <a:r>
+              <a:rPr lang="en-US" altLang="zh-CN" sz="1400" dirty="0" err="1"/>
+              <a:t>decltype</a:t>
+            </a:r>
+            <a:r>
+              <a:rPr lang="en-US" altLang="zh-CN" sz="1400" dirty="0"/>
+              <a:t>(</a:t>
+            </a:r>
+            <a:r>
+              <a:rPr lang="en-US" altLang="zh-CN" sz="1400" b="1" dirty="0" err="1"/>
+              <a:t>std</a:t>
+            </a:r>
+            <a:r>
+              <a:rPr lang="en-US" altLang="zh-CN" sz="1400" b="1" dirty="0"/>
+              <a:t>::</a:t>
+            </a:r>
+            <a:r>
+              <a:rPr lang="en-US" altLang="zh-CN" sz="1400" b="1" dirty="0" err="1"/>
+              <a:t>declval</a:t>
+            </a:r>
+            <a:r>
+              <a:rPr lang="en-US" altLang="zh-CN" sz="1400" b="1" dirty="0"/>
+              <a:t>&lt;T&gt;().get</a:t>
+            </a:r>
+            <a:r>
+              <a:rPr lang="en-US" altLang="zh-CN" sz="1400" b="1" dirty="0" smtClean="0"/>
+              <a:t>()</a:t>
+            </a:r>
+            <a:endParaRPr lang="en-US" altLang="zh-CN" sz="1400" dirty="0" smtClean="0"/>
+          </a:p>
+          <a:p>
+            <a:r>
+              <a:rPr lang="en-US" altLang="zh-CN" sz="1400" dirty="0" smtClean="0"/>
+              <a:t>    &gt;&gt; </a:t>
+            </a:r>
+            <a:r>
+              <a:rPr lang="en-US" altLang="zh-CN" sz="1400" dirty="0"/>
+              <a:t>: </a:t>
+            </a:r>
+            <a:r>
+              <a:rPr lang="en-US" altLang="zh-CN" sz="1400" dirty="0" err="1"/>
+              <a:t>std</a:t>
+            </a:r>
+            <a:r>
+              <a:rPr lang="en-US" altLang="zh-CN" sz="1400" dirty="0"/>
+              <a:t>::</a:t>
+            </a:r>
+            <a:r>
+              <a:rPr lang="en-US" altLang="zh-CN" sz="1400" dirty="0" err="1"/>
+              <a:t>true_type</a:t>
+            </a:r>
+            <a:endParaRPr lang="en-US" altLang="zh-CN" sz="1400" dirty="0"/>
+          </a:p>
+          <a:p>
+            <a:r>
+              <a:rPr lang="en-US" altLang="zh-CN" sz="1400" dirty="0"/>
+              <a:t>{</a:t>
+            </a:r>
+          </a:p>
+          <a:p>
+            <a:r>
+              <a:rPr lang="en-US" altLang="zh-CN" sz="1400" dirty="0"/>
+              <a:t>};</a:t>
+            </a:r>
+          </a:p>
+          <a:p>
+            <a:endParaRPr lang="zh-CN" altLang="en-US" dirty="0"/>
+          </a:p>
+        </p:txBody>
+      </p:sp>
+      <p:sp>
+        <p:nvSpPr>
+          <p:cNvPr id="4" name="矩形 3"/>
+          <p:cNvSpPr/>
+          <p:nvPr/>
+        </p:nvSpPr>
+        <p:spPr>
+          <a:xfrm>
+            <a:off x="3496656" y="3869479"/>
+            <a:ext cx="3151184" cy="307777"/>
+          </a:xfrm>
+          <a:prstGeom prst="rect">
+            <a:avLst/>
+          </a:prstGeom>
+        </p:spPr>
+        <p:txBody>
+          <a:bodyPr wrap="none">
+            <a:spAutoFit/>
+          </a:bodyPr>
+          <a:lstStyle/>
+          <a:p>
+            <a:r>
+              <a:rPr lang="en-US" altLang="zh-CN" sz="1400" dirty="0" smtClean="0">
+                <a:solidFill>
+                  <a:srgbClr val="FF0000"/>
+                </a:solidFill>
+                <a:latin typeface="Microsoft YaHei" panose="020B0503020204020204" pitchFamily="34" charset="-122"/>
+                <a:ea typeface="Microsoft YaHei" panose="020B0503020204020204" pitchFamily="34" charset="-122"/>
+              </a:rPr>
+              <a:t>, </a:t>
+            </a:r>
+            <a:r>
+              <a:rPr lang="en-US" altLang="zh-CN" sz="1400" dirty="0" err="1" smtClean="0">
+                <a:solidFill>
+                  <a:srgbClr val="FF0000"/>
+                </a:solidFill>
+                <a:latin typeface="Microsoft YaHei" panose="020B0503020204020204" pitchFamily="34" charset="-122"/>
+                <a:ea typeface="Microsoft YaHei" panose="020B0503020204020204" pitchFamily="34" charset="-122"/>
+              </a:rPr>
+              <a:t>decltype</a:t>
+            </a:r>
+            <a:r>
+              <a:rPr lang="en-US" altLang="zh-CN" sz="1400" dirty="0" smtClean="0">
+                <a:solidFill>
+                  <a:srgbClr val="FF0000"/>
+                </a:solidFill>
+                <a:latin typeface="Microsoft YaHei" panose="020B0503020204020204" pitchFamily="34" charset="-122"/>
+                <a:ea typeface="Microsoft YaHei" panose="020B0503020204020204" pitchFamily="34" charset="-122"/>
+              </a:rPr>
+              <a:t>(</a:t>
+            </a:r>
+            <a:r>
+              <a:rPr lang="en-US" altLang="zh-CN" sz="1400" dirty="0" err="1" smtClean="0">
+                <a:solidFill>
+                  <a:srgbClr val="FF0000"/>
+                </a:solidFill>
+                <a:latin typeface="Microsoft YaHei" panose="020B0503020204020204" pitchFamily="34" charset="-122"/>
+                <a:ea typeface="Microsoft YaHei" panose="020B0503020204020204" pitchFamily="34" charset="-122"/>
+              </a:rPr>
+              <a:t>std</a:t>
+            </a:r>
+            <a:r>
+              <a:rPr lang="en-US" altLang="zh-CN" sz="1400" dirty="0" smtClean="0">
+                <a:solidFill>
+                  <a:srgbClr val="FF0000"/>
+                </a:solidFill>
+                <a:latin typeface="Microsoft YaHei" panose="020B0503020204020204" pitchFamily="34" charset="-122"/>
+                <a:ea typeface="Microsoft YaHei" panose="020B0503020204020204" pitchFamily="34" charset="-122"/>
+              </a:rPr>
+              <a:t>::</a:t>
+            </a:r>
+            <a:r>
+              <a:rPr lang="en-US" altLang="zh-CN" sz="1400" dirty="0" err="1" smtClean="0">
+                <a:solidFill>
+                  <a:srgbClr val="FF0000"/>
+                </a:solidFill>
+                <a:latin typeface="Microsoft YaHei" panose="020B0503020204020204" pitchFamily="34" charset="-122"/>
+                <a:ea typeface="Microsoft YaHei" panose="020B0503020204020204" pitchFamily="34" charset="-122"/>
+              </a:rPr>
+              <a:t>declval</a:t>
+            </a:r>
+            <a:r>
+              <a:rPr lang="en-US" altLang="zh-CN" sz="1400" dirty="0" smtClean="0">
+                <a:solidFill>
+                  <a:srgbClr val="FF0000"/>
+                </a:solidFill>
+                <a:latin typeface="Microsoft YaHei" panose="020B0503020204020204" pitchFamily="34" charset="-122"/>
+                <a:ea typeface="Microsoft YaHei" panose="020B0503020204020204" pitchFamily="34" charset="-122"/>
+              </a:rPr>
+              <a:t>&lt;T&gt;().reset())</a:t>
+            </a:r>
+            <a:endParaRPr lang="zh-CN" altLang="en-US" sz="1400" dirty="0" smtClean="0">
+              <a:solidFill>
+                <a:srgbClr val="FF0000"/>
+              </a:solidFill>
+              <a:latin typeface="Microsoft YaHei" panose="020B0503020204020204" pitchFamily="34" charset="-122"/>
+              <a:ea typeface="Microsoft YaHei" panose="020B0503020204020204" pitchFamily="34" charset="-122"/>
+            </a:endParaRPr>
+          </a:p>
+        </p:txBody>
+      </p:sp>
+    </p:spTree>
+    <p:extLst>
+      <p:ext uri="{BB962C8B-B14F-4D97-AF65-F5344CB8AC3E}">
+        <p14:creationId xmlns:p14="http://schemas.microsoft.com/office/powerpoint/2010/main" val="3603249555"/>
+      </p:ext>
+    </p:extLst>
+  </p:cSld>
+  <p:clrMapOvr>
+    <a:masterClrMapping/>
+  </p:clrMapOvr>
+  <p:timing>
+    <p:tnLst>
+      <p:par>
+        <p:cTn id="1" dur="indefinite" restart="never" nodeType="tmRoot"/>
+      </p:par>
+    </p:tnLst>
+  </p:timing>
+</p:sld>
+</file>
+
+<file path=ppt/slides/slide34.xml><?xml version="1.0" encoding="utf-8"?>
+<p:sld xmlns:a="http://schemas.openxmlformats.org/drawingml/2006/main" xmlns:r="http://schemas.openxmlformats.org/officeDocument/2006/relationships" xmlns:p="http://schemas.openxmlformats.org/presentationml/2006/main">
+  <p:cSld>
+    <p:spTree>
+      <p:nvGrpSpPr>
+        <p:cNvPr id="1" name=""/>
+        <p:cNvGrpSpPr/>
+        <p:nvPr/>
+      </p:nvGrpSpPr>
+      <p:grpSpPr>
+        <a:xfrm>
+          <a:off x="0" y="0"/>
+          <a:ext cx="0" cy="0"/>
+          <a:chOff x="0" y="0"/>
+          <a:chExt cx="0" cy="0"/>
+        </a:xfrm>
+      </p:grpSpPr>
+      <p:sp>
+        <p:nvSpPr>
+          <p:cNvPr id="2" name="标题 1"/>
+          <p:cNvSpPr>
+            <a:spLocks noGrp="1"/>
+          </p:cNvSpPr>
+          <p:nvPr>
+            <p:ph type="title"/>
+          </p:nvPr>
+        </p:nvSpPr>
+        <p:spPr/>
+        <p:txBody>
+          <a:bodyPr/>
+          <a:lstStyle/>
+          <a:p>
+            <a:r>
+              <a:rPr lang="en-US" altLang="zh-CN" dirty="0"/>
+              <a:t>How to simplify the call code</a:t>
+            </a:r>
+            <a:endParaRPr lang="zh-CN" altLang="en-US" dirty="0"/>
+          </a:p>
+        </p:txBody>
+      </p:sp>
+      <p:sp>
+        <p:nvSpPr>
+          <p:cNvPr id="3" name="文本占位符 2"/>
+          <p:cNvSpPr>
+            <a:spLocks noGrp="1"/>
+          </p:cNvSpPr>
+          <p:nvPr>
+            <p:ph type="body" sz="half" idx="2"/>
+          </p:nvPr>
+        </p:nvSpPr>
+        <p:spPr/>
+        <p:txBody>
+          <a:bodyPr/>
+          <a:lstStyle/>
+          <a:p>
+            <a:r>
+              <a:rPr lang="en-US" altLang="zh-CN" dirty="0"/>
+              <a:t>What can we do with </a:t>
+            </a:r>
+            <a:r>
+              <a:rPr lang="en-US" altLang="zh-CN" dirty="0" err="1" smtClean="0"/>
+              <a:t>void_t</a:t>
+            </a:r>
+            <a:r>
+              <a:rPr lang="en-US" altLang="zh-CN" dirty="0" smtClean="0"/>
+              <a:t>?</a:t>
+            </a:r>
+            <a:endParaRPr lang="en-US" altLang="zh-CN" dirty="0"/>
+          </a:p>
+          <a:p>
+            <a:pPr marL="285750" indent="-285750">
+              <a:buClrTx/>
+              <a:buFont typeface="Wingdings" panose="05000000000000000000" pitchFamily="2" charset="2"/>
+              <a:buChar char="Ø"/>
+            </a:pPr>
+            <a:r>
+              <a:rPr lang="en-US" altLang="zh-CN" dirty="0"/>
+              <a:t> Simplify the way of using SFINAE</a:t>
+            </a:r>
+          </a:p>
+          <a:p>
+            <a:pPr marL="285750" indent="-285750">
+              <a:buClrTx/>
+              <a:buFont typeface="Wingdings" panose="05000000000000000000" pitchFamily="2" charset="2"/>
+              <a:buChar char="Ø"/>
+            </a:pPr>
+            <a:r>
+              <a:rPr lang="en-US" altLang="zh-CN" dirty="0"/>
+              <a:t> Immune to reference and </a:t>
+            </a:r>
+            <a:r>
+              <a:rPr lang="en-US" altLang="zh-CN" dirty="0" err="1"/>
+              <a:t>cv</a:t>
+            </a:r>
+            <a:r>
+              <a:rPr lang="en-US" altLang="zh-CN" dirty="0"/>
+              <a:t> qualifiers</a:t>
+            </a:r>
+            <a:br>
+              <a:rPr lang="en-US" altLang="zh-CN" dirty="0"/>
+            </a:br>
+            <a:endParaRPr lang="en-US" altLang="zh-CN" dirty="0"/>
+          </a:p>
+          <a:p>
+            <a:endParaRPr lang="zh-CN" altLang="en-US" dirty="0"/>
+          </a:p>
+        </p:txBody>
+      </p:sp>
+    </p:spTree>
+  </p:cSld>
+  <p:clrMapOvr>
+    <a:masterClrMapping/>
+  </p:clrMapOvr>
+  <p:timing>
+    <p:tnLst>
+      <p:par>
+        <p:cTn id="1" dur="indefinite" restart="never" nodeType="tmRoot"/>
+      </p:par>
+    </p:tnLst>
+  </p:timing>
+</p:sld>
+</file>
+
+<file path=ppt/slides/slide35.xml><?xml version="1.0" encoding="utf-8"?>
+<p:sld xmlns:a="http://schemas.openxmlformats.org/drawingml/2006/main" xmlns:r="http://schemas.openxmlformats.org/officeDocument/2006/relationships" xmlns:p="http://schemas.openxmlformats.org/presentationml/2006/main">
+  <p:cSld>
+    <p:spTree>
+      <p:nvGrpSpPr>
+        <p:cNvPr id="1" name=""/>
+        <p:cNvGrpSpPr/>
+        <p:nvPr/>
+      </p:nvGrpSpPr>
+      <p:grpSpPr>
+        <a:xfrm>
+          <a:off x="0" y="0"/>
+          <a:ext cx="0" cy="0"/>
+          <a:chOff x="0" y="0"/>
+          <a:chExt cx="0" cy="0"/>
+        </a:xfrm>
+      </p:grpSpPr>
+      <p:sp>
+        <p:nvSpPr>
+          <p:cNvPr id="2" name="标题 1"/>
+          <p:cNvSpPr>
+            <a:spLocks noGrp="1"/>
+          </p:cNvSpPr>
+          <p:nvPr>
+            <p:ph type="title"/>
+          </p:nvPr>
+        </p:nvSpPr>
+        <p:spPr/>
+        <p:txBody>
+          <a:bodyPr/>
+          <a:lstStyle/>
+          <a:p>
+            <a:r>
+              <a:rPr lang="en-US" altLang="zh-CN" dirty="0"/>
+              <a:t>How to simplify the call code</a:t>
+            </a:r>
+            <a:endParaRPr lang="zh-CN" altLang="en-US" dirty="0"/>
+          </a:p>
+        </p:txBody>
+      </p:sp>
+      <p:sp>
+        <p:nvSpPr>
+          <p:cNvPr id="3" name="文本占位符 2"/>
+          <p:cNvSpPr>
+            <a:spLocks noGrp="1"/>
+          </p:cNvSpPr>
+          <p:nvPr>
+            <p:ph type="body" sz="half" idx="2"/>
+          </p:nvPr>
+        </p:nvSpPr>
+        <p:spPr/>
+        <p:txBody>
+          <a:bodyPr/>
+          <a:lstStyle/>
+          <a:p>
+            <a:r>
               <a:rPr lang="en-US" altLang="zh-CN" dirty="0" err="1"/>
               <a:t>voider</a:t>
             </a:r>
@@ -22488,7 +25677,19 @@
           <a:p>
             <a:r>
               <a:rPr lang="en-US" altLang="zh-CN" dirty="0"/>
-              <a:t>	using type = void;</a:t>
+              <a:t> </a:t>
+            </a:r>
+            <a:r>
+              <a:rPr lang="en-US" altLang="zh-CN" dirty="0" smtClean="0"/>
+              <a:t>   </a:t>
+            </a:r>
+            <a:r>
+              <a:rPr lang="en-US" altLang="zh-CN" dirty="0" smtClean="0"/>
+              <a:t>using </a:t>
+            </a:r>
+            <a:r>
+              <a:rPr lang="en-US" altLang="zh-CN" dirty="0"/>
+              <a:t>type = void;</a:t>
             </a:r>
             <a:br>
               <a:rPr lang="en-US" altLang="zh-CN" dirty="0"/>
@@ -22829,765 +26030,6 @@
 </p:sld>
 </file>
 
-<file path=ppt/slides/slide33.xml><?xml version="1.0" encoding="utf-8"?>
-<p:sld xmlns:a="http://schemas.openxmlformats.org/drawingml/2006/main" xmlns:r="http://schemas.openxmlformats.org/officeDocument/2006/relationships" xmlns:p="http://schemas.openxmlformats.org/presentationml/2006/main">
-  <p:cSld>
-    <p:spTree>
-      <p:nvGrpSpPr>
-        <p:cNvPr id="1" name=""/>
-        <p:cNvGrpSpPr/>
-        <p:nvPr/>
-      </p:nvGrpSpPr>
-      <p:grpSpPr>
-        <a:xfrm>
-          <a:off x="0" y="0"/>
-          <a:ext cx="0" cy="0"/>
-          <a:chOff x="0" y="0"/>
-          <a:chExt cx="0" cy="0"/>
-        </a:xfrm>
-      </p:grpSpPr>
-      <p:sp>
-        <p:nvSpPr>
-          <p:cNvPr id="2" name="标题 1"/>
-          <p:cNvSpPr>
-            <a:spLocks noGrp="1"/>
-          </p:cNvSpPr>
-          <p:nvPr>
-            <p:ph type="title"/>
-          </p:nvPr>
-        </p:nvSpPr>
-        <p:spPr/>
-        <p:txBody>
-          <a:bodyPr/>
-          <a:lstStyle/>
-          <a:p>
-            <a:r>
-              <a:rPr lang="en-US" altLang="zh-CN" dirty="0"/>
-              <a:t>How to simplify the call code</a:t>
-            </a:r>
-            <a:endParaRPr lang="zh-CN" altLang="en-US" dirty="0"/>
-          </a:p>
-        </p:txBody>
-      </p:sp>
-      <p:sp>
-        <p:nvSpPr>
-          <p:cNvPr id="3" name="文本占位符 2"/>
-          <p:cNvSpPr>
-            <a:spLocks noGrp="1"/>
-          </p:cNvSpPr>
-          <p:nvPr>
-            <p:ph type="body" sz="half" idx="2"/>
-          </p:nvPr>
-        </p:nvSpPr>
-        <p:spPr/>
-        <p:txBody>
-          <a:bodyPr/>
-          <a:lstStyle/>
-          <a:p>
-            <a:r>
-              <a:rPr lang="en-US" altLang="zh-CN" dirty="0"/>
-              <a:t>What can we do with </a:t>
-            </a:r>
-            <a:r>
-              <a:rPr lang="en-US" altLang="zh-CN" dirty="0" err="1"/>
-              <a:t>voider</a:t>
-            </a:r>
-            <a:r>
-              <a:rPr lang="en-US" altLang="zh-CN" dirty="0"/>
-              <a:t>?</a:t>
-            </a:r>
-          </a:p>
-          <a:p>
-            <a:pPr marL="285750" indent="-285750">
-              <a:buClrTx/>
-              <a:buFont typeface="Wingdings" panose="05000000000000000000" charset="0"/>
-              <a:buChar char="u"/>
-            </a:pPr>
-            <a:r>
-              <a:rPr lang="en-US" altLang="zh-CN" dirty="0"/>
-              <a:t> Simplify the way of using SFINAE</a:t>
-            </a:r>
-          </a:p>
-          <a:p>
-            <a:pPr marL="285750" indent="-285750">
-              <a:buClrTx/>
-              <a:buFont typeface="Wingdings" panose="05000000000000000000" charset="0"/>
-              <a:buChar char="u"/>
-            </a:pPr>
-            <a:r>
-              <a:rPr lang="en-US" altLang="zh-CN" dirty="0"/>
-              <a:t> Immune to reference and </a:t>
-            </a:r>
-            <a:r>
-              <a:rPr lang="en-US" altLang="zh-CN" dirty="0" err="1"/>
-              <a:t>cv</a:t>
-            </a:r>
-            <a:r>
-              <a:rPr lang="en-US" altLang="zh-CN" dirty="0"/>
-              <a:t> qualifiers</a:t>
-            </a:r>
-            <a:br>
-              <a:rPr lang="en-US" altLang="zh-CN" dirty="0"/>
-            </a:br>
-            <a:endParaRPr lang="en-US" altLang="zh-CN" dirty="0"/>
-          </a:p>
-          <a:p>
-            <a:r>
-              <a:rPr lang="en-US" altLang="zh-CN" dirty="0" err="1" smtClean="0"/>
-              <a:t>eg</a:t>
-            </a:r>
-            <a:r>
-              <a:rPr lang="en-US" altLang="zh-CN" dirty="0" smtClean="0"/>
-              <a:t>. a simple </a:t>
-            </a:r>
-            <a:r>
-              <a:rPr lang="en-US" altLang="zh-CN" dirty="0" err="1" smtClean="0"/>
-              <a:t>implemenntation</a:t>
-            </a:r>
-            <a:r>
-              <a:rPr lang="en-US" altLang="zh-CN" dirty="0" smtClean="0"/>
-              <a:t> of </a:t>
-            </a:r>
-            <a:r>
-              <a:rPr lang="en-US" altLang="zh-CN" dirty="0" err="1" smtClean="0"/>
-              <a:t>is_smart_pointer</a:t>
-            </a:r>
-            <a:endParaRPr lang="en-US" altLang="zh-CN" dirty="0" smtClean="0"/>
-          </a:p>
-          <a:p>
-            <a:r>
-              <a:rPr lang="en-US" altLang="zh-CN" sz="1400" dirty="0" smtClean="0"/>
-              <a:t>template </a:t>
-            </a:r>
-            <a:r>
-              <a:rPr lang="en-US" altLang="zh-CN" sz="1400" dirty="0"/>
-              <a:t>&lt;</a:t>
-            </a:r>
-            <a:r>
-              <a:rPr lang="en-US" altLang="zh-CN" sz="1400" dirty="0" err="1"/>
-              <a:t>typename</a:t>
-            </a:r>
-            <a:r>
-              <a:rPr lang="en-US" altLang="zh-CN" sz="1400" dirty="0"/>
-              <a:t> T, </a:t>
-            </a:r>
-            <a:r>
-              <a:rPr lang="en-US" altLang="zh-CN" sz="1400" dirty="0" err="1"/>
-              <a:t>typename</a:t>
-            </a:r>
-            <a:r>
-              <a:rPr lang="en-US" altLang="zh-CN" sz="1400" dirty="0"/>
-              <a:t> = void&gt;</a:t>
-            </a:r>
-          </a:p>
-          <a:p>
-            <a:r>
-              <a:rPr lang="en-US" altLang="zh-CN" sz="1400" dirty="0" err="1"/>
-              <a:t>struct</a:t>
-            </a:r>
-            <a:r>
-              <a:rPr lang="en-US" altLang="zh-CN" sz="1400" dirty="0"/>
-              <a:t> </a:t>
-            </a:r>
-            <a:r>
-              <a:rPr lang="en-US" altLang="zh-CN" sz="1400" dirty="0" err="1"/>
-              <a:t>is_smart_pointer</a:t>
-            </a:r>
-            <a:r>
-              <a:rPr lang="en-US" altLang="zh-CN" sz="1400" dirty="0"/>
-              <a:t> : std::</a:t>
-            </a:r>
-            <a:r>
-              <a:rPr lang="en-US" altLang="zh-CN" sz="1400" dirty="0" err="1"/>
-              <a:t>false_type</a:t>
-            </a:r>
-            <a:r>
-              <a:rPr lang="en-US" altLang="zh-CN" sz="1400" dirty="0"/>
-              <a:t> {};</a:t>
-            </a:r>
-          </a:p>
-          <a:p>
-            <a:endParaRPr lang="en-US" altLang="zh-CN" sz="1400" dirty="0"/>
-          </a:p>
-          <a:p>
-            <a:r>
-              <a:rPr lang="en-US" altLang="zh-CN" sz="1400" dirty="0"/>
-              <a:t>template &lt;</a:t>
-            </a:r>
-            <a:r>
-              <a:rPr lang="en-US" altLang="zh-CN" sz="1400" dirty="0" err="1"/>
-              <a:t>typename</a:t>
-            </a:r>
-            <a:r>
-              <a:rPr lang="en-US" altLang="zh-CN" sz="1400" dirty="0"/>
-              <a:t> T&gt;</a:t>
-            </a:r>
-          </a:p>
-          <a:p>
-            <a:r>
-              <a:rPr lang="en-US" altLang="zh-CN" sz="1400" dirty="0" err="1"/>
-              <a:t>struct</a:t>
-            </a:r>
-            <a:r>
-              <a:rPr lang="en-US" altLang="zh-CN" sz="1400" dirty="0"/>
-              <a:t> </a:t>
-            </a:r>
-            <a:r>
-              <a:rPr lang="en-US" altLang="zh-CN" sz="1400" dirty="0" err="1"/>
-              <a:t>is_smart_pointer</a:t>
-            </a:r>
-            <a:r>
-              <a:rPr lang="en-US" altLang="zh-CN" sz="1400" dirty="0"/>
-              <a:t>&lt;T,</a:t>
-            </a:r>
-          </a:p>
-          <a:p>
-            <a:r>
-              <a:rPr lang="en-US" altLang="zh-CN" sz="1400" dirty="0"/>
-              <a:t>	</a:t>
-            </a:r>
-            <a:r>
-              <a:rPr lang="en-US" altLang="zh-CN" sz="1400" dirty="0" err="1"/>
-              <a:t>voider_t</a:t>
-            </a:r>
-            <a:r>
-              <a:rPr lang="en-US" altLang="zh-CN" sz="1400" dirty="0"/>
-              <a:t>&lt;</a:t>
-            </a:r>
-          </a:p>
-          <a:p>
-            <a:r>
-              <a:rPr lang="en-US" altLang="zh-CN" sz="1400" dirty="0"/>
-              <a:t>		</a:t>
-            </a:r>
-            <a:r>
-              <a:rPr lang="en-US" altLang="zh-CN" sz="1400" dirty="0" err="1"/>
-              <a:t>decltype</a:t>
-            </a:r>
-            <a:r>
-              <a:rPr lang="en-US" altLang="zh-CN" sz="1400" dirty="0"/>
-              <a:t>(std::</a:t>
-            </a:r>
-            <a:r>
-              <a:rPr lang="en-US" altLang="zh-CN" sz="1400" dirty="0" err="1"/>
-              <a:t>declval</a:t>
-            </a:r>
-            <a:r>
-              <a:rPr lang="en-US" altLang="zh-CN" sz="1400" dirty="0"/>
-              <a:t>&lt;T&gt;().operator -&gt;()),</a:t>
-            </a:r>
-          </a:p>
-          <a:p>
-            <a:r>
-              <a:rPr lang="en-US" altLang="zh-CN" sz="1400" dirty="0"/>
-              <a:t>		</a:t>
-            </a:r>
-            <a:r>
-              <a:rPr lang="en-US" altLang="zh-CN" sz="1400" dirty="0" err="1"/>
-              <a:t>decltype</a:t>
-            </a:r>
-            <a:r>
-              <a:rPr lang="en-US" altLang="zh-CN" sz="1400" dirty="0"/>
-              <a:t>(std::</a:t>
-            </a:r>
-            <a:r>
-              <a:rPr lang="en-US" altLang="zh-CN" sz="1400" dirty="0" err="1"/>
-              <a:t>declval</a:t>
-            </a:r>
-            <a:r>
-              <a:rPr lang="en-US" altLang="zh-CN" sz="1400" dirty="0"/>
-              <a:t>&lt;T&gt;().get</a:t>
-            </a:r>
-            <a:r>
-              <a:rPr lang="en-US" altLang="zh-CN" sz="1400" dirty="0" smtClean="0"/>
-              <a:t>()</a:t>
-            </a:r>
-            <a:endParaRPr lang="en-US" altLang="zh-CN" sz="1400" dirty="0"/>
-          </a:p>
-          <a:p>
-            <a:r>
-              <a:rPr lang="en-US" altLang="zh-CN" sz="1400" dirty="0"/>
-              <a:t>	&gt;&gt; : std::</a:t>
-            </a:r>
-            <a:r>
-              <a:rPr lang="en-US" altLang="zh-CN" sz="1400" dirty="0" err="1"/>
-              <a:t>true_type</a:t>
-            </a:r>
-            <a:r>
-              <a:rPr lang="en-US" altLang="zh-CN" sz="1400" dirty="0"/>
-              <a:t> {};</a:t>
-            </a:r>
-          </a:p>
-          <a:p>
-            <a:endParaRPr lang="zh-CN" altLang="en-US" dirty="0"/>
-          </a:p>
-        </p:txBody>
-      </p:sp>
-      <p:sp>
-        <p:nvSpPr>
-          <p:cNvPr id="4" name="矩形 3"/>
-          <p:cNvSpPr/>
-          <p:nvPr/>
-        </p:nvSpPr>
-        <p:spPr>
-          <a:xfrm>
-            <a:off x="4957903" y="4846632"/>
-            <a:ext cx="3151184" cy="307777"/>
-          </a:xfrm>
-          <a:prstGeom prst="rect">
-            <a:avLst/>
-          </a:prstGeom>
-        </p:spPr>
-        <p:txBody>
-          <a:bodyPr wrap="none">
-            <a:spAutoFit/>
-          </a:bodyPr>
-          <a:lstStyle/>
-          <a:p>
-            <a:r>
-              <a:rPr lang="en-US" altLang="zh-CN" sz="1400" dirty="0" smtClean="0">
-                <a:solidFill>
-                  <a:srgbClr val="FF0000"/>
-                </a:solidFill>
-                <a:latin typeface="Microsoft YaHei" panose="020B0503020204020204" pitchFamily="34" charset="-122"/>
-                <a:ea typeface="Microsoft YaHei" panose="020B0503020204020204" pitchFamily="34" charset="-122"/>
-              </a:rPr>
-              <a:t>, </a:t>
-            </a:r>
-            <a:r>
-              <a:rPr lang="en-US" altLang="zh-CN" sz="1400" dirty="0" err="1" smtClean="0">
-                <a:solidFill>
-                  <a:srgbClr val="FF0000"/>
-                </a:solidFill>
-                <a:latin typeface="Microsoft YaHei" panose="020B0503020204020204" pitchFamily="34" charset="-122"/>
-                <a:ea typeface="Microsoft YaHei" panose="020B0503020204020204" pitchFamily="34" charset="-122"/>
-              </a:rPr>
-              <a:t>decltype</a:t>
-            </a:r>
-            <a:r>
-              <a:rPr lang="en-US" altLang="zh-CN" sz="1400" dirty="0" smtClean="0">
-                <a:solidFill>
-                  <a:srgbClr val="FF0000"/>
-                </a:solidFill>
-                <a:latin typeface="Microsoft YaHei" panose="020B0503020204020204" pitchFamily="34" charset="-122"/>
-                <a:ea typeface="Microsoft YaHei" panose="020B0503020204020204" pitchFamily="34" charset="-122"/>
-              </a:rPr>
-              <a:t>(std::</a:t>
-            </a:r>
-            <a:r>
-              <a:rPr lang="en-US" altLang="zh-CN" sz="1400" dirty="0" err="1" smtClean="0">
-                <a:solidFill>
-                  <a:srgbClr val="FF0000"/>
-                </a:solidFill>
-                <a:latin typeface="Microsoft YaHei" panose="020B0503020204020204" pitchFamily="34" charset="-122"/>
-                <a:ea typeface="Microsoft YaHei" panose="020B0503020204020204" pitchFamily="34" charset="-122"/>
-              </a:rPr>
-              <a:t>declval</a:t>
-            </a:r>
-            <a:r>
-              <a:rPr lang="en-US" altLang="zh-CN" sz="1400" dirty="0" smtClean="0">
-                <a:solidFill>
-                  <a:srgbClr val="FF0000"/>
-                </a:solidFill>
-                <a:latin typeface="Microsoft YaHei" panose="020B0503020204020204" pitchFamily="34" charset="-122"/>
-                <a:ea typeface="Microsoft YaHei" panose="020B0503020204020204" pitchFamily="34" charset="-122"/>
-              </a:rPr>
-              <a:t>&lt;T&gt;().reset())</a:t>
-            </a:r>
-            <a:endParaRPr lang="zh-CN" altLang="en-US" sz="1400" dirty="0" smtClean="0">
-              <a:solidFill>
-                <a:srgbClr val="FF0000"/>
-              </a:solidFill>
-              <a:latin typeface="Microsoft YaHei" panose="020B0503020204020204" pitchFamily="34" charset="-122"/>
-              <a:ea typeface="Microsoft YaHei" panose="020B0503020204020204" pitchFamily="34" charset="-122"/>
-            </a:endParaRPr>
-          </a:p>
-        </p:txBody>
-      </p:sp>
-      <p:sp>
-        <p:nvSpPr>
-          <p:cNvPr id="5" name="矩形 4"/>
-          <p:cNvSpPr/>
-          <p:nvPr/>
-        </p:nvSpPr>
-        <p:spPr>
-          <a:xfrm>
-            <a:off x="4972907" y="4787909"/>
-            <a:ext cx="255198" cy="369332"/>
-          </a:xfrm>
-          <a:prstGeom prst="rect">
-            <a:avLst/>
-          </a:prstGeom>
-        </p:spPr>
-        <p:txBody>
-          <a:bodyPr wrap="none">
-            <a:spAutoFit/>
-          </a:bodyPr>
-          <a:lstStyle/>
-          <a:p>
-            <a:r>
-              <a:rPr lang="en-US" altLang="zh-CN" dirty="0" smtClean="0"/>
-              <a:t>)</a:t>
-            </a:r>
-            <a:endParaRPr lang="zh-CN" altLang="en-US" dirty="0"/>
-          </a:p>
-        </p:txBody>
-      </p:sp>
-    </p:spTree>
-  </p:cSld>
-  <p:clrMapOvr>
-    <a:masterClrMapping/>
-  </p:clrMapOvr>
-  <p:timing>
-    <p:tnLst>
-      <p:par>
-        <p:cTn id="1" dur="indefinite" restart="never" nodeType="tmRoot">
-          <p:childTnLst>
-            <p:seq concurrent="1" nextAc="seek">
-              <p:cTn id="2" dur="indefinite" nodeType="mainSeq">
-                <p:childTnLst>
-                  <p:par>
-                    <p:cTn id="3" fill="hold">
-                      <p:stCondLst>
-                        <p:cond delay="indefinite"/>
-                      </p:stCondLst>
-                      <p:childTnLst>
-                        <p:par>
-                          <p:cTn id="4" fill="hold">
-                            <p:stCondLst>
-                              <p:cond delay="0"/>
-                            </p:stCondLst>
-                            <p:childTnLst>
-                              <p:par>
-                                <p:cTn id="5" presetID="1" presetClass="exit" presetSubtype="0" fill="hold" grpId="0" nodeType="clickEffect">
-                                  <p:stCondLst>
-                                    <p:cond delay="0"/>
-                                  </p:stCondLst>
-                                  <p:childTnLst>
-                                    <p:set>
-                                      <p:cBhvr>
-                                        <p:cTn id="6" dur="1" fill="hold">
-                                          <p:stCondLst>
-                                            <p:cond delay="0"/>
-                                          </p:stCondLst>
-                                        </p:cTn>
-                                        <p:tgtEl>
-                                          <p:spTgt spid="5"/>
-                                        </p:tgtEl>
-                                        <p:attrNameLst>
-                                          <p:attrName>style.visibility</p:attrName>
-                                        </p:attrNameLst>
-                                      </p:cBhvr>
-                                      <p:to>
-                                        <p:strVal val="hidden"/>
-                                      </p:to>
-                                    </p:set>
-                                  </p:childTnLst>
-                                </p:cTn>
-                              </p:par>
-                            </p:childTnLst>
-                          </p:cTn>
-                        </p:par>
-                        <p:par>
-                          <p:cTn id="7" fill="hold">
-                            <p:stCondLst>
-                              <p:cond delay="0"/>
-                            </p:stCondLst>
-                            <p:childTnLst>
-                              <p:par>
-                                <p:cTn id="8" presetID="1" presetClass="entr" presetSubtype="0" fill="hold" grpId="0" nodeType="afterEffect">
-                                  <p:stCondLst>
-                                    <p:cond delay="0"/>
-                                  </p:stCondLst>
-                                  <p:childTnLst>
-                                    <p:set>
-                                      <p:cBhvr>
-                                        <p:cTn id="9" dur="1" fill="hold">
-                                          <p:stCondLst>
-                                            <p:cond delay="0"/>
-                                          </p:stCondLst>
-                                        </p:cTn>
-                                        <p:tgtEl>
-                                          <p:spTgt spid="4"/>
-                                        </p:tgtEl>
-                                        <p:attrNameLst>
-                                          <p:attrName>style.visibility</p:attrName>
-                                        </p:attrNameLst>
-                                      </p:cBhvr>
-                                      <p:to>
-                                        <p:strVal val="visible"/>
-                                      </p:to>
-                                    </p:set>
-                                  </p:childTnLst>
-                                </p:cTn>
-                              </p:par>
-                            </p:childTnLst>
-                          </p:cTn>
-                        </p:par>
-                      </p:childTnLst>
-                    </p:cTn>
-                  </p:par>
-                </p:childTnLst>
-              </p:cTn>
-              <p:prevCondLst>
-                <p:cond evt="onPrev" delay="0">
-                  <p:tgtEl>
-                    <p:sldTgt/>
-                  </p:tgtEl>
-                </p:cond>
-              </p:prevCondLst>
-              <p:nextCondLst>
-                <p:cond evt="onNext" delay="0">
-                  <p:tgtEl>
-                    <p:sldTgt/>
-                  </p:tgtEl>
-                </p:cond>
-              </p:nextCondLst>
-            </p:seq>
-          </p:childTnLst>
-        </p:cTn>
-      </p:par>
-    </p:tnLst>
-    <p:bldLst>
-      <p:bldP spid="4" grpId="0"/>
-      <p:bldP spid="5" grpId="0"/>
-    </p:bldLst>
-  </p:timing>
-</p:sld>
-</file>
-
-<file path=ppt/slides/slide34.xml><?xml version="1.0" encoding="utf-8"?>
-<p:sld xmlns:a="http://schemas.openxmlformats.org/drawingml/2006/main" xmlns:r="http://schemas.openxmlformats.org/officeDocument/2006/relationships" xmlns:p="http://schemas.openxmlformats.org/presentationml/2006/main">
-  <p:cSld>
-    <p:spTree>
-      <p:nvGrpSpPr>
-        <p:cNvPr id="1" name=""/>
-        <p:cNvGrpSpPr/>
-        <p:nvPr/>
-      </p:nvGrpSpPr>
-      <p:grpSpPr>
-        <a:xfrm>
-          <a:off x="0" y="0"/>
-          <a:ext cx="0" cy="0"/>
-          <a:chOff x="0" y="0"/>
-          <a:chExt cx="0" cy="0"/>
-        </a:xfrm>
-      </p:grpSpPr>
-      <p:sp>
-        <p:nvSpPr>
-          <p:cNvPr id="2" name="标题 1"/>
-          <p:cNvSpPr>
-            <a:spLocks noGrp="1"/>
-          </p:cNvSpPr>
-          <p:nvPr>
-            <p:ph type="title"/>
-          </p:nvPr>
-        </p:nvSpPr>
-        <p:spPr>
-          <a:xfrm>
-            <a:off x="501794" y="119916"/>
-            <a:ext cx="6718156" cy="757130"/>
-          </a:xfrm>
-        </p:spPr>
-        <p:txBody>
-          <a:bodyPr/>
-          <a:lstStyle/>
-          <a:p>
-            <a:r>
-              <a:rPr lang="en-US" altLang="zh-CN" dirty="0"/>
-              <a:t>How to hide the details of serialization and networking</a:t>
-            </a:r>
-            <a:endParaRPr lang="zh-CN" altLang="en-US" dirty="0"/>
-          </a:p>
-        </p:txBody>
-      </p:sp>
-      <p:sp>
-        <p:nvSpPr>
-          <p:cNvPr id="3" name="文本占位符 2"/>
-          <p:cNvSpPr>
-            <a:spLocks noGrp="1"/>
-          </p:cNvSpPr>
-          <p:nvPr>
-            <p:ph type="body" sz="half" idx="2"/>
-          </p:nvPr>
-        </p:nvSpPr>
-        <p:spPr/>
-        <p:txBody>
-          <a:bodyPr/>
-          <a:lstStyle/>
-          <a:p>
-            <a:r>
-              <a:rPr lang="en-US" altLang="zh-CN" dirty="0" err="1" smtClean="0"/>
-              <a:t>todo</a:t>
-            </a:r>
-            <a:r>
-              <a:rPr lang="en-US" altLang="zh-CN" dirty="0" smtClean="0"/>
-              <a:t>….</a:t>
-            </a:r>
-            <a:endParaRPr lang="zh-CN" altLang="en-US" dirty="0"/>
-          </a:p>
-        </p:txBody>
-      </p:sp>
-    </p:spTree>
-    <p:extLst>
-      <p:ext uri="{BB962C8B-B14F-4D97-AF65-F5344CB8AC3E}">
-        <p14:creationId xmlns:p14="http://schemas.microsoft.com/office/powerpoint/2010/main" val="491214577"/>
-      </p:ext>
-    </p:extLst>
-  </p:cSld>
-  <p:clrMapOvr>
-    <a:masterClrMapping/>
-  </p:clrMapOvr>
-  <p:timing>
-    <p:tnLst>
-      <p:par>
-        <p:cTn id="1" dur="indefinite" restart="never" nodeType="tmRoot"/>
-      </p:par>
-    </p:tnLst>
-  </p:timing>
-</p:sld>
-</file>
-
-<file path=ppt/slides/slide35.xml><?xml version="1.0" encoding="utf-8"?>
-<p:sld xmlns:a="http://schemas.openxmlformats.org/drawingml/2006/main" xmlns:r="http://schemas.openxmlformats.org/officeDocument/2006/relationships" xmlns:p="http://schemas.openxmlformats.org/presentationml/2006/main">
-  <p:cSld>
-    <p:spTree>
-      <p:nvGrpSpPr>
-        <p:cNvPr id="1" name=""/>
-        <p:cNvGrpSpPr/>
-        <p:nvPr/>
-      </p:nvGrpSpPr>
-      <p:grpSpPr>
-        <a:xfrm>
-          <a:off x="0" y="0"/>
-          <a:ext cx="0" cy="0"/>
-          <a:chOff x="0" y="0"/>
-          <a:chExt cx="0" cy="0"/>
-        </a:xfrm>
-      </p:grpSpPr>
-      <p:sp>
-        <p:nvSpPr>
-          <p:cNvPr id="2" name="标题 1"/>
-          <p:cNvSpPr>
-            <a:spLocks noGrp="1"/>
-          </p:cNvSpPr>
-          <p:nvPr>
-            <p:ph type="title"/>
-          </p:nvPr>
-        </p:nvSpPr>
-        <p:spPr/>
-        <p:txBody>
-          <a:bodyPr/>
-          <a:lstStyle/>
-          <a:p>
-            <a:r>
-              <a:rPr lang="en-US" altLang="zh-CN" dirty="0" smtClean="0"/>
-              <a:t>Outline</a:t>
-            </a:r>
-            <a:endParaRPr lang="zh-CN" altLang="en-US" dirty="0"/>
-          </a:p>
-        </p:txBody>
-      </p:sp>
-      <p:sp>
-        <p:nvSpPr>
-          <p:cNvPr id="3" name="文本占位符 2"/>
-          <p:cNvSpPr>
-            <a:spLocks noGrp="1"/>
-          </p:cNvSpPr>
-          <p:nvPr>
-            <p:ph type="body" sz="half" idx="2"/>
-          </p:nvPr>
-        </p:nvSpPr>
-        <p:spPr/>
-        <p:txBody>
-          <a:bodyPr/>
-          <a:lstStyle/>
-          <a:p>
-            <a:r>
-              <a:rPr lang="en-US" altLang="zh-CN" dirty="0"/>
-              <a:t>1.Introduction to RPC</a:t>
-            </a:r>
-          </a:p>
-          <a:p>
-            <a:endParaRPr lang="en-US" altLang="zh-CN" dirty="0" smtClean="0"/>
-          </a:p>
-          <a:p>
-            <a:r>
-              <a:rPr lang="en-US" altLang="zh-CN" dirty="0" smtClean="0"/>
-              <a:t>2.What is </a:t>
-            </a:r>
-            <a:r>
-              <a:rPr lang="en-US" altLang="zh-CN" dirty="0" err="1" smtClean="0"/>
-              <a:t>rest_rpc</a:t>
-            </a:r>
-            <a:endParaRPr lang="en-US" altLang="zh-CN" dirty="0" smtClean="0"/>
-          </a:p>
-          <a:p>
-            <a:endParaRPr lang="en-US" altLang="zh-CN" dirty="0" smtClean="0"/>
-          </a:p>
-          <a:p>
-            <a:r>
-              <a:rPr lang="en-US" altLang="zh-CN" dirty="0" smtClean="0"/>
-              <a:t>3.Challenges of easy to use</a:t>
-            </a:r>
-          </a:p>
-          <a:p>
-            <a:endParaRPr lang="en-US" altLang="zh-CN" dirty="0" smtClean="0"/>
-          </a:p>
-          <a:p>
-            <a:r>
-              <a:rPr lang="en-US" altLang="zh-CN" dirty="0" smtClean="0"/>
-              <a:t>4.Key technologies</a:t>
-            </a:r>
-          </a:p>
-          <a:p>
-            <a:endParaRPr lang="en-US" altLang="zh-CN" dirty="0"/>
-          </a:p>
-          <a:p>
-            <a:r>
-              <a:rPr lang="en-US" altLang="zh-CN" sz="1800" dirty="0">
-                <a:solidFill>
-                  <a:schemeClr val="accent5"/>
-                </a:solidFill>
-              </a:rPr>
-              <a:t>5.What </a:t>
-            </a:r>
-            <a:r>
-              <a:rPr lang="en-US" altLang="zh-CN" sz="1800" dirty="0">
-                <a:solidFill>
-                  <a:schemeClr val="accent5"/>
-                </a:solidFill>
-              </a:rPr>
-              <a:t>you can do with it</a:t>
-            </a:r>
-            <a:endParaRPr lang="zh-CN" altLang="en-US" sz="1800" dirty="0">
-              <a:solidFill>
-                <a:schemeClr val="accent5"/>
-              </a:solidFill>
-            </a:endParaRPr>
-          </a:p>
-        </p:txBody>
-      </p:sp>
-    </p:spTree>
-    <p:extLst>
-      <p:ext uri="{BB962C8B-B14F-4D97-AF65-F5344CB8AC3E}">
-        <p14:creationId xmlns:p14="http://schemas.microsoft.com/office/powerpoint/2010/main" val="2456307990"/>
-      </p:ext>
-    </p:extLst>
-  </p:cSld>
-  <p:clrMapOvr>
-    <a:masterClrMapping/>
-  </p:clrMapOvr>
-  <p:timing>
-    <p:tnLst>
-      <p:par>
-        <p:cTn id="1" dur="indefinite" restart="never" nodeType="tmRoot"/>
-      </p:par>
-    </p:tnLst>
-  </p:timing>
-</p:sld>
-</file>
-
 <file path=ppt/slides/slide36.xml><?xml version="1.0" encoding="utf-8"?>
 <p:sld xmlns:a="http://schemas.openxmlformats.org/drawingml/2006/main" xmlns:r="http://schemas.openxmlformats.org/officeDocument/2006/relationships" xmlns:p="http://schemas.openxmlformats.org/presentationml/2006/main">
   <p:cSld>
@@ -23607,7 +26049,7 @@
       </p:grpSpPr>
       <p:sp>
         <p:nvSpPr>
-          <p:cNvPr id="2" name="Title 1"/>
+          <p:cNvPr id="2" name="标题 1"/>
           <p:cNvSpPr>
             <a:spLocks noGrp="1"/>
           </p:cNvSpPr>
@@ -23615,18 +26057,19 @@
             <p:ph type="title"/>
           </p:nvPr>
         </p:nvSpPr>
-        <p:spPr/>
+        <p:spPr>
+          <a:xfrm>
+            <a:off x="501794" y="119916"/>
+            <a:ext cx="6718156" cy="757130"/>
+          </a:xfrm>
+        </p:spPr>
         <p:txBody>
           <a:bodyPr/>
           <a:lstStyle/>
           <a:p>
             <a:r>
-              <a:rPr lang="en-US" altLang="zh-CN" dirty="0" err="1" smtClean="0"/>
-              <a:t>rest_rpc</a:t>
-            </a:r>
-            <a:r>
-              <a:rPr lang="en-US" altLang="zh-CN" dirty="0" smtClean="0"/>
-              <a:t> can be used to do</a:t>
+              <a:rPr lang="en-US" altLang="zh-CN" dirty="0"/>
+              <a:t>How to hide the details of serialization and networking</a:t>
             </a:r>
             <a:endParaRPr lang="zh-CN" altLang="en-US" dirty="0"/>
           </a:p>
@@ -23634,7 +26077,7 @@
       </p:sp>
       <p:sp>
         <p:nvSpPr>
-          <p:cNvPr id="3" name="Text Placeholder 2"/>
+          <p:cNvPr id="3" name="文本占位符 2"/>
           <p:cNvSpPr>
             <a:spLocks noGrp="1"/>
           </p:cNvSpPr>
@@ -23648,86 +26091,21 @@
           <a:lstStyle/>
           <a:p>
             <a:r>
-              <a:rPr lang="en-US" altLang="zh-CN" b="1" dirty="0" err="1"/>
-              <a:t>Interprocess</a:t>
-            </a:r>
-            <a:r>
-              <a:rPr lang="en-US" altLang="zh-CN" b="1" dirty="0"/>
-              <a:t> </a:t>
-            </a:r>
-            <a:r>
-              <a:rPr lang="en-US" altLang="zh-CN" b="1" dirty="0" smtClean="0"/>
-              <a:t>communication</a:t>
-            </a:r>
-          </a:p>
-          <a:p>
-            <a:endParaRPr lang="en-US" altLang="zh-CN" b="1" dirty="0" smtClean="0"/>
-          </a:p>
-          <a:p>
-            <a:r>
-              <a:rPr lang="en-US" altLang="zh-CN" b="1" dirty="0" smtClean="0"/>
-              <a:t>Distribute system</a:t>
-            </a:r>
-          </a:p>
-          <a:p>
-            <a:pPr marL="285750" indent="-285750">
-              <a:buFont typeface="Arial" panose="020B0604020202020204" pitchFamily="34" charset="0"/>
-              <a:buChar char="•"/>
-            </a:pPr>
-            <a:r>
-              <a:rPr lang="en-US" altLang="zh-CN" dirty="0" smtClean="0"/>
-              <a:t>HA(binary star, raft)</a:t>
-            </a:r>
-          </a:p>
-          <a:p>
-            <a:pPr marL="285750" indent="-285750">
-              <a:buFont typeface="Arial" panose="020B0604020202020204" pitchFamily="34" charset="0"/>
-              <a:buChar char="•"/>
-            </a:pPr>
-            <a:r>
-              <a:rPr lang="en-US" altLang="zh-CN" dirty="0" smtClean="0"/>
-              <a:t>Service discovery</a:t>
-            </a:r>
-          </a:p>
-          <a:p>
-            <a:pPr marL="285750" indent="-285750">
-              <a:buFont typeface="Arial" panose="020B0604020202020204" pitchFamily="34" charset="0"/>
-              <a:buChar char="•"/>
-            </a:pPr>
-            <a:r>
-              <a:rPr lang="en-US" altLang="zh-CN" dirty="0" smtClean="0"/>
-              <a:t>Message queue</a:t>
-            </a:r>
-          </a:p>
-          <a:p>
-            <a:pPr marL="285750" indent="-285750">
-              <a:buFont typeface="Arial" panose="020B0604020202020204" pitchFamily="34" charset="0"/>
-              <a:buChar char="•"/>
-            </a:pPr>
-            <a:r>
-              <a:rPr lang="en-US" altLang="zh-CN" dirty="0" smtClean="0"/>
-              <a:t>Distribute compute</a:t>
-            </a:r>
-          </a:p>
-          <a:p>
-            <a:pPr marL="285750" indent="-285750">
-              <a:buFont typeface="Arial" panose="020B0604020202020204" pitchFamily="34" charset="0"/>
-              <a:buChar char="•"/>
-            </a:pPr>
-            <a:r>
-              <a:rPr lang="en-US" altLang="zh-CN" dirty="0" smtClean="0"/>
-              <a:t>Distribute storage</a:t>
-            </a:r>
-          </a:p>
-          <a:p>
-            <a:endParaRPr lang="zh-CN" altLang="en-US" b="1" dirty="0"/>
+              <a:rPr lang="en-US" altLang="zh-CN" dirty="0" err="1" smtClean="0"/>
+              <a:t>todo</a:t>
+            </a:r>
+            <a:r>
+              <a:rPr lang="en-US" altLang="zh-CN" dirty="0" smtClean="0"/>
+              <a:t>….</a:t>
+            </a:r>
+            <a:endParaRPr lang="zh-CN" altLang="en-US" dirty="0"/>
           </a:p>
         </p:txBody>
       </p:sp>
     </p:spTree>
     <p:extLst>
       <p:ext uri="{BB962C8B-B14F-4D97-AF65-F5344CB8AC3E}">
-        <p14:creationId xmlns:p14="http://schemas.microsoft.com/office/powerpoint/2010/main" val="2546503311"/>
+        <p14:creationId xmlns:p14="http://schemas.microsoft.com/office/powerpoint/2010/main" val="491214577"/>
       </p:ext>
     </p:extLst>
   </p:cSld>
@@ -23777,8 +26155,8 @@
           <a:lstStyle/>
           <a:p>
             <a:r>
-              <a:rPr lang="en-US" altLang="zh-CN" dirty="0"/>
-              <a:t>Links</a:t>
+              <a:rPr lang="en-US" altLang="zh-CN" dirty="0" smtClean="0"/>
+              <a:t>something else</a:t>
             </a:r>
             <a:endParaRPr lang="zh-CN" altLang="en-US" dirty="0"/>
           </a:p>
@@ -23800,75 +26178,15 @@
           <a:lstStyle/>
           <a:p>
             <a:r>
-              <a:rPr lang="en-US" altLang="zh-CN" dirty="0">
-                <a:hlinkClick r:id="rId2"/>
-              </a:rPr>
-              <a:t>https://</a:t>
-            </a:r>
-            <a:r>
-              <a:rPr lang="en-US" altLang="zh-CN" dirty="0" smtClean="0">
-                <a:hlinkClick r:id="rId2"/>
-              </a:rPr>
-              <a:t>github.com/topcpporg/rest_rpc</a:t>
-            </a:r>
-            <a:endParaRPr lang="en-US" altLang="zh-CN" dirty="0" smtClean="0"/>
-          </a:p>
-          <a:p>
-            <a:endParaRPr lang="en-US" altLang="zh-CN" dirty="0" smtClean="0"/>
-          </a:p>
-          <a:p>
-            <a:r>
-              <a:rPr lang="en-US" altLang="zh-CN" dirty="0" smtClean="0">
-                <a:hlinkClick r:id="rId3"/>
-              </a:rPr>
-              <a:t>http</a:t>
-            </a:r>
-            <a:r>
-              <a:rPr lang="en-US" altLang="zh-CN" dirty="0">
-                <a:hlinkClick r:id="rId3"/>
-              </a:rPr>
-              <a:t>://purecpp.org</a:t>
-            </a:r>
-            <a:r>
-              <a:rPr lang="en-US" altLang="zh-CN" dirty="0" smtClean="0">
-                <a:hlinkClick r:id="rId3"/>
-              </a:rPr>
-              <a:t>/</a:t>
-            </a:r>
-            <a:endParaRPr lang="en-US" altLang="zh-CN" dirty="0" smtClean="0"/>
-          </a:p>
-          <a:p>
-            <a:endParaRPr lang="en-US" altLang="zh-CN" dirty="0" smtClean="0">
-              <a:hlinkClick r:id="rId4"/>
-            </a:endParaRPr>
-          </a:p>
-          <a:p>
-            <a:r>
-              <a:rPr lang="en-US" altLang="zh-CN" dirty="0"/>
-              <a:t>Contact </a:t>
-            </a:r>
-            <a:r>
-              <a:rPr lang="en-US" altLang="zh-CN" dirty="0" smtClean="0"/>
-              <a:t>me: </a:t>
-            </a:r>
-            <a:r>
-              <a:rPr lang="en-US" altLang="zh-CN" dirty="0" smtClean="0">
-                <a:hlinkClick r:id="rId4"/>
-              </a:rPr>
-              <a:t>qicosmos@163.com</a:t>
-            </a:r>
-            <a:endParaRPr lang="en-US" altLang="zh-CN" dirty="0" smtClean="0"/>
-          </a:p>
-          <a:p>
-            <a:endParaRPr lang="en-US" altLang="zh-CN" dirty="0" smtClean="0"/>
-          </a:p>
-          <a:p>
-            <a:endParaRPr lang="en-US" altLang="zh-CN" dirty="0" smtClean="0"/>
-          </a:p>
-          <a:p>
-            <a:endParaRPr lang="en-US" altLang="zh-CN" dirty="0" smtClean="0"/>
-          </a:p>
-          <a:p>
+              <a:rPr lang="en-US" altLang="zh-CN" dirty="0" smtClean="0"/>
+              <a:t>pub sub</a:t>
+            </a:r>
+          </a:p>
+          <a:p>
+            <a:r>
+              <a:rPr lang="en-US" altLang="zh-CN" dirty="0" smtClean="0"/>
+              <a:t>performance</a:t>
+            </a:r>
             <a:endParaRPr lang="zh-CN" altLang="en-US" dirty="0"/>
           </a:p>
         </p:txBody>
@@ -23876,7 +26194,7 @@
     </p:spTree>
     <p:extLst>
       <p:ext uri="{BB962C8B-B14F-4D97-AF65-F5344CB8AC3E}">
-        <p14:creationId xmlns:p14="http://schemas.microsoft.com/office/powerpoint/2010/main" val="1217529647"/>
+        <p14:creationId xmlns:p14="http://schemas.microsoft.com/office/powerpoint/2010/main" val="276282720"/>
       </p:ext>
     </p:extLst>
   </p:cSld>
@@ -23925,7 +26243,11 @@
           <a:bodyPr/>
           <a:lstStyle/>
           <a:p>
-            <a:endParaRPr lang="zh-CN" altLang="en-US"/>
+            <a:r>
+              <a:rPr lang="en-US" altLang="zh-CN" dirty="0" smtClean="0"/>
+              <a:t>Outline</a:t>
+            </a:r>
+            <a:endParaRPr lang="zh-CN" altLang="en-US" dirty="0"/>
           </a:p>
         </p:txBody>
       </p:sp>
@@ -23944,43 +26266,223 @@
           <a:bodyPr/>
           <a:lstStyle/>
           <a:p>
-            <a:endParaRPr lang="zh-CN" altLang="en-US" dirty="0"/>
-          </a:p>
-        </p:txBody>
-      </p:sp>
-      <p:sp>
-        <p:nvSpPr>
-          <p:cNvPr id="4" name="矩形 3"/>
-          <p:cNvSpPr/>
-          <p:nvPr/>
-        </p:nvSpPr>
-        <p:spPr>
-          <a:xfrm>
-            <a:off x="3663368" y="3021274"/>
-            <a:ext cx="2052357" cy="584775"/>
-          </a:xfrm>
-          <a:prstGeom prst="rect">
-            <a:avLst/>
-          </a:prstGeom>
-        </p:spPr>
-        <p:txBody>
-          <a:bodyPr wrap="none">
-            <a:spAutoFit/>
-          </a:bodyPr>
-          <a:lstStyle/>
-          <a:p>
-            <a:r>
-              <a:rPr lang="en-US" altLang="zh-CN" sz="3200" dirty="0"/>
-              <a:t>Questions?</a:t>
-            </a:r>
-            <a:endParaRPr lang="zh-CN" altLang="en-US" sz="3200" dirty="0"/>
+            <a:r>
+              <a:rPr lang="en-US" altLang="zh-CN" dirty="0"/>
+              <a:t>1.Introduction to RPC</a:t>
+            </a:r>
+          </a:p>
+          <a:p>
+            <a:endParaRPr lang="en-US" altLang="zh-CN" dirty="0" smtClean="0"/>
+          </a:p>
+          <a:p>
+            <a:r>
+              <a:rPr lang="en-US" altLang="zh-CN" dirty="0" smtClean="0"/>
+              <a:t>2.What is </a:t>
+            </a:r>
+            <a:r>
+              <a:rPr lang="en-US" altLang="zh-CN" dirty="0" err="1" smtClean="0"/>
+              <a:t>rest_rpc</a:t>
+            </a:r>
+            <a:endParaRPr lang="en-US" altLang="zh-CN" dirty="0" smtClean="0"/>
+          </a:p>
+          <a:p>
+            <a:endParaRPr lang="en-US" altLang="zh-CN" dirty="0" smtClean="0"/>
+          </a:p>
+          <a:p>
+            <a:r>
+              <a:rPr lang="en-US" altLang="zh-CN" dirty="0" smtClean="0"/>
+              <a:t>3.Challenges of easy to use</a:t>
+            </a:r>
+          </a:p>
+          <a:p>
+            <a:endParaRPr lang="en-US" altLang="zh-CN" dirty="0" smtClean="0"/>
+          </a:p>
+          <a:p>
+            <a:r>
+              <a:rPr lang="en-US" altLang="zh-CN" dirty="0" smtClean="0"/>
+              <a:t>4.Key technologies</a:t>
+            </a:r>
+          </a:p>
+          <a:p>
+            <a:endParaRPr lang="en-US" altLang="zh-CN" dirty="0"/>
+          </a:p>
+          <a:p>
+            <a:r>
+              <a:rPr lang="en-US" altLang="zh-CN" sz="1800" dirty="0">
+                <a:solidFill>
+                  <a:schemeClr val="accent5"/>
+                </a:solidFill>
+              </a:rPr>
+              <a:t>5.What you can do with it</a:t>
+            </a:r>
+            <a:endParaRPr lang="zh-CN" altLang="en-US" sz="1800" dirty="0">
+              <a:solidFill>
+                <a:schemeClr val="accent5"/>
+              </a:solidFill>
+            </a:endParaRPr>
           </a:p>
         </p:txBody>
       </p:sp>
     </p:spTree>
     <p:extLst>
       <p:ext uri="{BB962C8B-B14F-4D97-AF65-F5344CB8AC3E}">
-        <p14:creationId xmlns:p14="http://schemas.microsoft.com/office/powerpoint/2010/main" val="2357326597"/>
+        <p14:creationId xmlns:p14="http://schemas.microsoft.com/office/powerpoint/2010/main" val="2456307990"/>
+      </p:ext>
+    </p:extLst>
+  </p:cSld>
+  <p:clrMapOvr>
+    <a:masterClrMapping/>
+  </p:clrMapOvr>
+  <p:timing>
+    <p:tnLst>
+      <p:par>
+        <p:cTn id="1" dur="indefinite" restart="never" nodeType="tmRoot"/>
+      </p:par>
+    </p:tnLst>
+  </p:timing>
+</p:sld>
+</file>
+
+<file path=ppt/slides/slide39.xml><?xml version="1.0" encoding="utf-8"?>
+<p:sld xmlns:a="http://schemas.openxmlformats.org/drawingml/2006/main" xmlns:r="http://schemas.openxmlformats.org/officeDocument/2006/relationships" xmlns:p="http://schemas.openxmlformats.org/presentationml/2006/main">
+  <p:cSld>
+    <p:spTree>
+      <p:nvGrpSpPr>
+        <p:cNvPr id="1" name=""/>
+        <p:cNvGrpSpPr/>
+        <p:nvPr/>
+      </p:nvGrpSpPr>
+      <p:grpSpPr>
+        <a:xfrm>
+          <a:off x="0" y="0"/>
+          <a:ext cx="0" cy="0"/>
+          <a:chOff x="0" y="0"/>
+          <a:chExt cx="0" cy="0"/>
+        </a:xfrm>
+      </p:grpSpPr>
+      <p:sp>
+        <p:nvSpPr>
+          <p:cNvPr id="2" name="Title 1"/>
+          <p:cNvSpPr>
+            <a:spLocks noGrp="1"/>
+          </p:cNvSpPr>
+          <p:nvPr>
+            <p:ph type="title"/>
+          </p:nvPr>
+        </p:nvSpPr>
+        <p:spPr/>
+        <p:txBody>
+          <a:bodyPr/>
+          <a:lstStyle/>
+          <a:p>
+            <a:r>
+              <a:rPr lang="en-US" altLang="zh-CN" dirty="0" err="1" smtClean="0"/>
+              <a:t>rest_rpc</a:t>
+            </a:r>
+            <a:r>
+              <a:rPr lang="en-US" altLang="zh-CN" dirty="0" smtClean="0"/>
+              <a:t> can be used to do</a:t>
+            </a:r>
+            <a:endParaRPr lang="zh-CN" altLang="en-US" dirty="0"/>
+          </a:p>
+        </p:txBody>
+      </p:sp>
+      <p:sp>
+        <p:nvSpPr>
+          <p:cNvPr id="3" name="Text Placeholder 2"/>
+          <p:cNvSpPr>
+            <a:spLocks noGrp="1"/>
+          </p:cNvSpPr>
+          <p:nvPr>
+            <p:ph type="body" sz="half" idx="2"/>
+          </p:nvPr>
+        </p:nvSpPr>
+        <p:spPr/>
+        <p:txBody>
+          <a:bodyPr/>
+          <a:lstStyle/>
+          <a:p>
+            <a:r>
+              <a:rPr lang="en-US" altLang="zh-CN" b="1" dirty="0" err="1"/>
+              <a:t>Interprocess</a:t>
+            </a:r>
+            <a:r>
+              <a:rPr lang="en-US" altLang="zh-CN" b="1" dirty="0"/>
+              <a:t> </a:t>
+            </a:r>
+            <a:r>
+              <a:rPr lang="en-US" altLang="zh-CN" b="1" dirty="0" smtClean="0"/>
+              <a:t>communication</a:t>
+            </a:r>
+          </a:p>
+          <a:p>
+            <a:endParaRPr lang="en-US" altLang="zh-CN" b="1" dirty="0" smtClean="0"/>
+          </a:p>
+          <a:p>
+            <a:r>
+              <a:rPr lang="en-US" altLang="zh-CN" b="1" dirty="0" smtClean="0"/>
+              <a:t>Distribute system</a:t>
+            </a:r>
+          </a:p>
+          <a:p>
+            <a:pPr marL="285750" indent="-285750">
+              <a:buFont typeface="Arial" panose="020B0604020202020204" pitchFamily="34" charset="0"/>
+              <a:buChar char="•"/>
+            </a:pPr>
+            <a:r>
+              <a:rPr lang="en-US" altLang="zh-CN" dirty="0" smtClean="0"/>
+              <a:t>HA(binary star, raft)</a:t>
+            </a:r>
+          </a:p>
+          <a:p>
+            <a:pPr marL="285750" indent="-285750">
+              <a:buFont typeface="Arial" panose="020B0604020202020204" pitchFamily="34" charset="0"/>
+              <a:buChar char="•"/>
+            </a:pPr>
+            <a:r>
+              <a:rPr lang="en-US" altLang="zh-CN" dirty="0" smtClean="0"/>
+              <a:t>Service discovery</a:t>
+            </a:r>
+          </a:p>
+          <a:p>
+            <a:pPr marL="285750" indent="-285750">
+              <a:buFont typeface="Arial" panose="020B0604020202020204" pitchFamily="34" charset="0"/>
+              <a:buChar char="•"/>
+            </a:pPr>
+            <a:r>
+              <a:rPr lang="en-US" altLang="zh-CN" dirty="0" smtClean="0"/>
+              <a:t>Message queue</a:t>
+            </a:r>
+          </a:p>
+          <a:p>
+            <a:pPr marL="285750" indent="-285750">
+              <a:buFont typeface="Arial" panose="020B0604020202020204" pitchFamily="34" charset="0"/>
+              <a:buChar char="•"/>
+            </a:pPr>
+            <a:r>
+              <a:rPr lang="en-US" altLang="zh-CN" dirty="0" smtClean="0"/>
+              <a:t>Distribute compute</a:t>
+            </a:r>
+          </a:p>
+          <a:p>
+            <a:pPr marL="285750" indent="-285750">
+              <a:buFont typeface="Arial" panose="020B0604020202020204" pitchFamily="34" charset="0"/>
+              <a:buChar char="•"/>
+            </a:pPr>
+            <a:r>
+              <a:rPr lang="en-US" altLang="zh-CN" dirty="0" smtClean="0"/>
+              <a:t>Distribute storage</a:t>
+            </a:r>
+          </a:p>
+          <a:p>
+            <a:endParaRPr lang="zh-CN" altLang="en-US" b="1" dirty="0"/>
+          </a:p>
+        </p:txBody>
+      </p:sp>
+    </p:spTree>
+    <p:extLst>
+      <p:ext uri="{BB962C8B-B14F-4D97-AF65-F5344CB8AC3E}">
+        <p14:creationId xmlns:p14="http://schemas.microsoft.com/office/powerpoint/2010/main" val="2546503311"/>
       </p:ext>
     </p:extLst>
   </p:cSld>
@@ -24090,6 +26592,259 @@
     <p:extLst>
       <p:ext uri="{BB962C8B-B14F-4D97-AF65-F5344CB8AC3E}">
         <p14:creationId xmlns:p14="http://schemas.microsoft.com/office/powerpoint/2010/main" val="3961719289"/>
+      </p:ext>
+    </p:extLst>
+  </p:cSld>
+  <p:clrMapOvr>
+    <a:masterClrMapping/>
+  </p:clrMapOvr>
+  <p:timing>
+    <p:tnLst>
+      <p:par>
+        <p:cTn id="1" dur="indefinite" restart="never" nodeType="tmRoot"/>
+      </p:par>
+    </p:tnLst>
+  </p:timing>
+</p:sld>
+</file>
+
+<file path=ppt/slides/slide40.xml><?xml version="1.0" encoding="utf-8"?>
+<p:sld xmlns:a="http://schemas.openxmlformats.org/drawingml/2006/main" xmlns:r="http://schemas.openxmlformats.org/officeDocument/2006/relationships" xmlns:p="http://schemas.openxmlformats.org/presentationml/2006/main">
+  <p:cSld>
+    <p:spTree>
+      <p:nvGrpSpPr>
+        <p:cNvPr id="1" name=""/>
+        <p:cNvGrpSpPr/>
+        <p:nvPr/>
+      </p:nvGrpSpPr>
+      <p:grpSpPr>
+        <a:xfrm>
+          <a:off x="0" y="0"/>
+          <a:ext cx="0" cy="0"/>
+          <a:chOff x="0" y="0"/>
+          <a:chExt cx="0" cy="0"/>
+        </a:xfrm>
+      </p:grpSpPr>
+      <p:sp>
+        <p:nvSpPr>
+          <p:cNvPr id="2" name="标题 1"/>
+          <p:cNvSpPr>
+            <a:spLocks noGrp="1"/>
+          </p:cNvSpPr>
+          <p:nvPr>
+            <p:ph type="title"/>
+          </p:nvPr>
+        </p:nvSpPr>
+        <p:spPr/>
+        <p:txBody>
+          <a:bodyPr/>
+          <a:lstStyle/>
+          <a:p>
+            <a:r>
+              <a:rPr lang="en-US" altLang="zh-CN" dirty="0"/>
+              <a:t>Links</a:t>
+            </a:r>
+            <a:endParaRPr lang="zh-CN" altLang="en-US" dirty="0"/>
+          </a:p>
+        </p:txBody>
+      </p:sp>
+      <p:sp>
+        <p:nvSpPr>
+          <p:cNvPr id="3" name="文本占位符 2"/>
+          <p:cNvSpPr>
+            <a:spLocks noGrp="1"/>
+          </p:cNvSpPr>
+          <p:nvPr>
+            <p:ph type="body" sz="half" idx="2"/>
+          </p:nvPr>
+        </p:nvSpPr>
+        <p:spPr/>
+        <p:txBody>
+          <a:bodyPr/>
+          <a:lstStyle/>
+          <a:p>
+            <a:r>
+              <a:rPr lang="en-US" altLang="zh-CN" dirty="0">
+                <a:hlinkClick r:id="rId2"/>
+              </a:rPr>
+              <a:t>https://</a:t>
+            </a:r>
+            <a:r>
+              <a:rPr lang="en-US" altLang="zh-CN" dirty="0" smtClean="0">
+                <a:hlinkClick r:id="rId2"/>
+              </a:rPr>
+              <a:t>github.com/topcpporg/rest_rpc</a:t>
+            </a:r>
+            <a:endParaRPr lang="en-US" altLang="zh-CN" dirty="0" smtClean="0"/>
+          </a:p>
+          <a:p>
+            <a:endParaRPr lang="en-US" altLang="zh-CN" dirty="0" smtClean="0"/>
+          </a:p>
+          <a:p>
+            <a:r>
+              <a:rPr lang="en-US" altLang="zh-CN" dirty="0" smtClean="0">
+                <a:hlinkClick r:id="rId3"/>
+              </a:rPr>
+              <a:t>http</a:t>
+            </a:r>
+            <a:r>
+              <a:rPr lang="en-US" altLang="zh-CN" dirty="0">
+                <a:hlinkClick r:id="rId3"/>
+              </a:rPr>
+              <a:t>://purecpp.org</a:t>
+            </a:r>
+            <a:r>
+              <a:rPr lang="en-US" altLang="zh-CN" dirty="0" smtClean="0">
+                <a:hlinkClick r:id="rId3"/>
+              </a:rPr>
+              <a:t>/</a:t>
+            </a:r>
+            <a:endParaRPr lang="en-US" altLang="zh-CN" dirty="0" smtClean="0"/>
+          </a:p>
+          <a:p>
+            <a:endParaRPr lang="en-US" altLang="zh-CN" dirty="0" smtClean="0">
+              <a:hlinkClick r:id="rId4"/>
+            </a:endParaRPr>
+          </a:p>
+          <a:p>
+            <a:r>
+              <a:rPr lang="en-US" altLang="zh-CN" dirty="0"/>
+              <a:t>Contact </a:t>
+            </a:r>
+            <a:r>
+              <a:rPr lang="en-US" altLang="zh-CN" dirty="0" smtClean="0"/>
+              <a:t>me: </a:t>
+            </a:r>
+            <a:r>
+              <a:rPr lang="en-US" altLang="zh-CN" dirty="0" smtClean="0">
+                <a:hlinkClick r:id="rId4"/>
+              </a:rPr>
+              <a:t>qicosmos@163.com</a:t>
+            </a:r>
+            <a:endParaRPr lang="en-US" altLang="zh-CN" dirty="0" smtClean="0"/>
+          </a:p>
+          <a:p>
+            <a:endParaRPr lang="en-US" altLang="zh-CN" dirty="0" smtClean="0"/>
+          </a:p>
+          <a:p>
+            <a:endParaRPr lang="en-US" altLang="zh-CN" dirty="0" smtClean="0"/>
+          </a:p>
+          <a:p>
+            <a:endParaRPr lang="en-US" altLang="zh-CN" dirty="0" smtClean="0"/>
+          </a:p>
+          <a:p>
+            <a:endParaRPr lang="zh-CN" altLang="en-US" dirty="0"/>
+          </a:p>
+        </p:txBody>
+      </p:sp>
+    </p:spTree>
+    <p:extLst>
+      <p:ext uri="{BB962C8B-B14F-4D97-AF65-F5344CB8AC3E}">
+        <p14:creationId xmlns:p14="http://schemas.microsoft.com/office/powerpoint/2010/main" val="1217529647"/>
+      </p:ext>
+    </p:extLst>
+  </p:cSld>
+  <p:clrMapOvr>
+    <a:masterClrMapping/>
+  </p:clrMapOvr>
+  <p:timing>
+    <p:tnLst>
+      <p:par>
+        <p:cTn id="1" dur="indefinite" restart="never" nodeType="tmRoot"/>
+      </p:par>
+    </p:tnLst>
+  </p:timing>
+</p:sld>
+</file>
+
+<file path=ppt/slides/slide41.xml><?xml version="1.0" encoding="utf-8"?>
+<p:sld xmlns:a="http://schemas.openxmlformats.org/drawingml/2006/main" xmlns:r="http://schemas.openxmlformats.org/officeDocument/2006/relationships" xmlns:p="http://schemas.openxmlformats.org/presentationml/2006/main">
+  <p:cSld>
+    <p:spTree>
+      <p:nvGrpSpPr>
+        <p:cNvPr id="1" name=""/>
+        <p:cNvGrpSpPr/>
+        <p:nvPr/>
+      </p:nvGrpSpPr>
+      <p:grpSpPr>
+        <a:xfrm>
+          <a:off x="0" y="0"/>
+          <a:ext cx="0" cy="0"/>
+          <a:chOff x="0" y="0"/>
+          <a:chExt cx="0" cy="0"/>
+        </a:xfrm>
+      </p:grpSpPr>
+      <p:sp>
+        <p:nvSpPr>
+          <p:cNvPr id="2" name="标题 1"/>
+          <p:cNvSpPr>
+            <a:spLocks noGrp="1"/>
+          </p:cNvSpPr>
+          <p:nvPr>
+            <p:ph type="title"/>
+          </p:nvPr>
+        </p:nvSpPr>
+        <p:spPr/>
+        <p:txBody>
+          <a:bodyPr/>
+          <a:lstStyle/>
+          <a:p>
+            <a:endParaRPr lang="zh-CN" altLang="en-US"/>
+          </a:p>
+        </p:txBody>
+      </p:sp>
+      <p:sp>
+        <p:nvSpPr>
+          <p:cNvPr id="3" name="文本占位符 2"/>
+          <p:cNvSpPr>
+            <a:spLocks noGrp="1"/>
+          </p:cNvSpPr>
+          <p:nvPr>
+            <p:ph type="body" sz="half" idx="2"/>
+          </p:nvPr>
+        </p:nvSpPr>
+        <p:spPr/>
+        <p:txBody>
+          <a:bodyPr/>
+          <a:lstStyle/>
+          <a:p>
+            <a:endParaRPr lang="zh-CN" altLang="en-US" dirty="0"/>
+          </a:p>
+        </p:txBody>
+      </p:sp>
+      <p:sp>
+        <p:nvSpPr>
+          <p:cNvPr id="4" name="矩形 3"/>
+          <p:cNvSpPr/>
+          <p:nvPr/>
+        </p:nvSpPr>
+        <p:spPr>
+          <a:xfrm>
+            <a:off x="3663368" y="3021274"/>
+            <a:ext cx="2052357" cy="584775"/>
+          </a:xfrm>
+          <a:prstGeom prst="rect">
+            <a:avLst/>
+          </a:prstGeom>
+        </p:spPr>
+        <p:txBody>
+          <a:bodyPr wrap="none">
+            <a:spAutoFit/>
+          </a:bodyPr>
+          <a:lstStyle/>
+          <a:p>
+            <a:r>
+              <a:rPr lang="en-US" altLang="zh-CN" sz="3200" dirty="0"/>
+              <a:t>Questions?</a:t>
+            </a:r>
+            <a:endParaRPr lang="zh-CN" altLang="en-US" sz="3200" dirty="0"/>
+          </a:p>
+        </p:txBody>
+      </p:sp>
+    </p:spTree>
+    <p:extLst>
+      <p:ext uri="{BB962C8B-B14F-4D97-AF65-F5344CB8AC3E}">
+        <p14:creationId xmlns:p14="http://schemas.microsoft.com/office/powerpoint/2010/main" val="2357326597"/>
       </p:ext>
     </p:extLst>
   </p:cSld>

--- a/An easy to use RPC framework implemented by c++11 and c++14.pptx
+++ b/An easy to use RPC framework implemented by c++11 and c++14.pptx
@@ -34,16 +34,16 @@
     <p:sldId id="331" r:id="rId25"/>
     <p:sldId id="299" r:id="rId26"/>
     <p:sldId id="333" r:id="rId27"/>
-    <p:sldId id="304" r:id="rId28"/>
-    <p:sldId id="307" r:id="rId29"/>
-    <p:sldId id="336" r:id="rId30"/>
-    <p:sldId id="308" r:id="rId31"/>
-    <p:sldId id="337" r:id="rId32"/>
-    <p:sldId id="338" r:id="rId33"/>
-    <p:sldId id="339" r:id="rId34"/>
-    <p:sldId id="315" r:id="rId35"/>
-    <p:sldId id="314" r:id="rId36"/>
-    <p:sldId id="335" r:id="rId37"/>
+    <p:sldId id="307" r:id="rId28"/>
+    <p:sldId id="336" r:id="rId29"/>
+    <p:sldId id="308" r:id="rId30"/>
+    <p:sldId id="337" r:id="rId31"/>
+    <p:sldId id="338" r:id="rId32"/>
+    <p:sldId id="339" r:id="rId33"/>
+    <p:sldId id="315" r:id="rId34"/>
+    <p:sldId id="314" r:id="rId35"/>
+    <p:sldId id="341" r:id="rId36"/>
+    <p:sldId id="304" r:id="rId37"/>
     <p:sldId id="340" r:id="rId38"/>
     <p:sldId id="334" r:id="rId39"/>
     <p:sldId id="301" r:id="rId40"/>
@@ -249,7 +249,7 @@
             <a:fld id="{D3663233-B32B-4AC3-A591-4171AB65348A}" type="datetimeFigureOut">
               <a:rPr lang="zh-CN" altLang="en-US" smtClean="0"/>
               <a:pPr/>
-              <a:t>2017-04-14</a:t>
+              <a:t>2017-04-17</a:t>
             </a:fld>
             <a:endParaRPr lang="zh-CN" altLang="en-US"/>
           </a:p>
@@ -2841,19 +2841,7 @@
             </a:pPr>
             <a:r>
               <a:rPr lang="en-US" altLang="zh-CN" dirty="0" smtClean="0"/>
-              <a:t>if we check the arguments at server side, it’s too late, </a:t>
-            </a:r>
-            <a:r>
-              <a:rPr lang="en-US" altLang="zh-CN" dirty="0" smtClean="0"/>
-              <a:t>so we want to check the arguments as easily as possible, </a:t>
-            </a:r>
-            <a:r>
-              <a:rPr lang="en-US" altLang="zh-CN" dirty="0" smtClean="0"/>
-              <a:t>TIMAX_DEFINE_PROTOCOL help us </a:t>
-            </a:r>
-            <a:r>
-              <a:rPr lang="en-US" altLang="zh-CN" dirty="0" smtClean="0"/>
-              <a:t>to check arguments at compile time.</a:t>
+              <a:t>if we check the arguments at server side, it’s too late, so we want to check the arguments as easily as possible, TIMAX_DEFINE_PROTOCOL help us to check arguments at compile time.</a:t>
             </a:r>
             <a:endParaRPr lang="zh-CN" altLang="en-US" dirty="0"/>
           </a:p>
@@ -2877,7 +2865,7 @@
             <a:fld id="{D907BE37-B124-4F9F-8F7E-44B90AC375A6}" type="slidenum">
               <a:rPr lang="zh-CN" altLang="en-US" smtClean="0"/>
               <a:pPr/>
-              <a:t>28</a:t>
+              <a:t>27</a:t>
             </a:fld>
             <a:endParaRPr lang="zh-CN" altLang="en-US"/>
           </a:p>
@@ -3022,7 +3010,7 @@
             <a:fld id="{D907BE37-B124-4F9F-8F7E-44B90AC375A6}" type="slidenum">
               <a:rPr lang="zh-CN" altLang="en-US" smtClean="0"/>
               <a:pPr/>
-              <a:t>29</a:t>
+              <a:t>28</a:t>
             </a:fld>
             <a:endParaRPr lang="zh-CN" altLang="en-US"/>
           </a:p>
@@ -3161,7 +3149,7 @@
             <a:fld id="{D907BE37-B124-4F9F-8F7E-44B90AC375A6}" type="slidenum">
               <a:rPr lang="zh-CN" altLang="en-US" smtClean="0"/>
               <a:pPr/>
-              <a:t>30</a:t>
+              <a:t>29</a:t>
             </a:fld>
             <a:endParaRPr lang="zh-CN" altLang="en-US"/>
           </a:p>
@@ -3261,7 +3249,7 @@
             <a:fld id="{D907BE37-B124-4F9F-8F7E-44B90AC375A6}" type="slidenum">
               <a:rPr lang="zh-CN" altLang="en-US" smtClean="0"/>
               <a:pPr/>
-              <a:t>32</a:t>
+              <a:t>31</a:t>
             </a:fld>
             <a:endParaRPr lang="zh-CN" altLang="en-US"/>
           </a:p>
@@ -3537,7 +3525,7 @@
             <a:fld id="{D907BE37-B124-4F9F-8F7E-44B90AC375A6}" type="slidenum">
               <a:rPr lang="zh-CN" altLang="en-US" smtClean="0"/>
               <a:pPr/>
-              <a:t>33</a:t>
+              <a:t>32</a:t>
             </a:fld>
             <a:endParaRPr lang="zh-CN" altLang="en-US"/>
           </a:p>
@@ -3690,7 +3678,7 @@
             <a:fld id="{D907BE37-B124-4F9F-8F7E-44B90AC375A6}" type="slidenum">
               <a:rPr lang="zh-CN" altLang="en-US" smtClean="0"/>
               <a:pPr/>
-              <a:t>34</a:t>
+              <a:t>33</a:t>
             </a:fld>
             <a:endParaRPr lang="zh-CN" altLang="en-US"/>
           </a:p>
@@ -3843,7 +3831,7 @@
             <a:fld id="{D907BE37-B124-4F9F-8F7E-44B90AC375A6}" type="slidenum">
               <a:rPr lang="zh-CN" altLang="en-US" smtClean="0"/>
               <a:pPr/>
-              <a:t>35</a:t>
+              <a:t>34</a:t>
             </a:fld>
             <a:endParaRPr lang="zh-CN" altLang="en-US"/>
           </a:p>
@@ -3853,6 +3841,216 @@
     <p:extLst>
       <p:ext uri="{BB962C8B-B14F-4D97-AF65-F5344CB8AC3E}">
         <p14:creationId xmlns:p14="http://schemas.microsoft.com/office/powerpoint/2010/main" val="1161929155"/>
+      </p:ext>
+    </p:extLst>
+  </p:cSld>
+  <p:clrMapOvr>
+    <a:masterClrMapping/>
+  </p:clrMapOvr>
+</p:notes>
+</file>
+
+<file path=ppt/notesSlides/notesSlide33.xml><?xml version="1.0" encoding="utf-8"?>
+<p:notes xmlns:a="http://schemas.openxmlformats.org/drawingml/2006/main" xmlns:r="http://schemas.openxmlformats.org/officeDocument/2006/relationships" xmlns:p="http://schemas.openxmlformats.org/presentationml/2006/main">
+  <p:cSld>
+    <p:spTree>
+      <p:nvGrpSpPr>
+        <p:cNvPr id="1" name=""/>
+        <p:cNvGrpSpPr/>
+        <p:nvPr/>
+      </p:nvGrpSpPr>
+      <p:grpSpPr>
+        <a:xfrm>
+          <a:off x="0" y="0"/>
+          <a:ext cx="0" cy="0"/>
+          <a:chOff x="0" y="0"/>
+          <a:chExt cx="0" cy="0"/>
+        </a:xfrm>
+      </p:grpSpPr>
+      <p:sp>
+        <p:nvSpPr>
+          <p:cNvPr id="2" name="幻灯片图像占位符 1"/>
+          <p:cNvSpPr>
+            <a:spLocks noGrp="1" noRot="1" noChangeAspect="1"/>
+          </p:cNvSpPr>
+          <p:nvPr>
+            <p:ph type="sldImg"/>
+          </p:nvPr>
+        </p:nvSpPr>
+        <p:spPr/>
+      </p:sp>
+      <p:sp>
+        <p:nvSpPr>
+          <p:cNvPr id="3" name="备注占位符 2"/>
+          <p:cNvSpPr>
+            <a:spLocks noGrp="1"/>
+          </p:cNvSpPr>
+          <p:nvPr>
+            <p:ph type="body" idx="1"/>
+          </p:nvPr>
+        </p:nvSpPr>
+        <p:spPr/>
+        <p:txBody>
+          <a:bodyPr/>
+          <a:lstStyle/>
+          <a:p>
+            <a:r>
+              <a:rPr lang="en-US" altLang="zh-CN" dirty="0" smtClean="0"/>
+              <a:t>RPC is a special pub/sub, for RPC, the publisher and the subscriber are the same one.</a:t>
+            </a:r>
+          </a:p>
+          <a:p>
+            <a:r>
+              <a:rPr lang="en-US" altLang="zh-CN" dirty="0" smtClean="0"/>
+              <a:t>pub/sub is a special RPC, the requester and the </a:t>
+            </a:r>
+            <a:r>
+              <a:rPr lang="en-US" altLang="zh-CN" dirty="0" err="1" smtClean="0"/>
+              <a:t>responser</a:t>
+            </a:r>
+            <a:r>
+              <a:rPr lang="en-US" altLang="zh-CN" dirty="0" smtClean="0"/>
+              <a:t> are the same one.</a:t>
+            </a:r>
+          </a:p>
+          <a:p>
+            <a:r>
+              <a:rPr lang="en-US" altLang="zh-CN" dirty="0" smtClean="0"/>
+              <a:t>So we not</a:t>
+            </a:r>
+            <a:r>
+              <a:rPr lang="en-US" altLang="zh-CN" baseline="0" dirty="0" smtClean="0"/>
+              <a:t> only support RPC but also support pub/sub. you know the two models are very common, </a:t>
+            </a:r>
+            <a:r>
+              <a:rPr lang="en-US" altLang="zh-CN" baseline="0" dirty="0" err="1" smtClean="0"/>
+              <a:t>rest_rpc</a:t>
+            </a:r>
+            <a:r>
+              <a:rPr lang="en-US" altLang="zh-CN" baseline="0" dirty="0" smtClean="0"/>
+              <a:t> mixed the two models, you can use the two models freely. for example.</a:t>
+            </a:r>
+            <a:endParaRPr lang="zh-CN" altLang="en-US" dirty="0"/>
+          </a:p>
+        </p:txBody>
+      </p:sp>
+      <p:sp>
+        <p:nvSpPr>
+          <p:cNvPr id="4" name="灯片编号占位符 3"/>
+          <p:cNvSpPr>
+            <a:spLocks noGrp="1"/>
+          </p:cNvSpPr>
+          <p:nvPr>
+            <p:ph type="sldNum" sz="quarter" idx="10"/>
+          </p:nvPr>
+        </p:nvSpPr>
+        <p:spPr/>
+        <p:txBody>
+          <a:bodyPr/>
+          <a:lstStyle/>
+          <a:p>
+            <a:fld id="{D907BE37-B124-4F9F-8F7E-44B90AC375A6}" type="slidenum">
+              <a:rPr lang="zh-CN" altLang="en-US" smtClean="0"/>
+              <a:pPr/>
+              <a:t>35</a:t>
+            </a:fld>
+            <a:endParaRPr lang="zh-CN" altLang="en-US"/>
+          </a:p>
+        </p:txBody>
+      </p:sp>
+    </p:spTree>
+    <p:extLst>
+      <p:ext uri="{BB962C8B-B14F-4D97-AF65-F5344CB8AC3E}">
+        <p14:creationId xmlns:p14="http://schemas.microsoft.com/office/powerpoint/2010/main" val="3800317879"/>
+      </p:ext>
+    </p:extLst>
+  </p:cSld>
+  <p:clrMapOvr>
+    <a:masterClrMapping/>
+  </p:clrMapOvr>
+</p:notes>
+</file>
+
+<file path=ppt/notesSlides/notesSlide34.xml><?xml version="1.0" encoding="utf-8"?>
+<p:notes xmlns:a="http://schemas.openxmlformats.org/drawingml/2006/main" xmlns:r="http://schemas.openxmlformats.org/officeDocument/2006/relationships" xmlns:p="http://schemas.openxmlformats.org/presentationml/2006/main">
+  <p:cSld>
+    <p:spTree>
+      <p:nvGrpSpPr>
+        <p:cNvPr id="1" name=""/>
+        <p:cNvGrpSpPr/>
+        <p:nvPr/>
+      </p:nvGrpSpPr>
+      <p:grpSpPr>
+        <a:xfrm>
+          <a:off x="0" y="0"/>
+          <a:ext cx="0" cy="0"/>
+          <a:chOff x="0" y="0"/>
+          <a:chExt cx="0" cy="0"/>
+        </a:xfrm>
+      </p:grpSpPr>
+      <p:sp>
+        <p:nvSpPr>
+          <p:cNvPr id="2" name="幻灯片图像占位符 1"/>
+          <p:cNvSpPr>
+            <a:spLocks noGrp="1" noRot="1" noChangeAspect="1"/>
+          </p:cNvSpPr>
+          <p:nvPr>
+            <p:ph type="sldImg"/>
+          </p:nvPr>
+        </p:nvSpPr>
+        <p:spPr/>
+      </p:sp>
+      <p:sp>
+        <p:nvSpPr>
+          <p:cNvPr id="3" name="备注占位符 2"/>
+          <p:cNvSpPr>
+            <a:spLocks noGrp="1"/>
+          </p:cNvSpPr>
+          <p:nvPr>
+            <p:ph type="body" idx="1"/>
+          </p:nvPr>
+        </p:nvSpPr>
+        <p:spPr/>
+        <p:txBody>
+          <a:bodyPr/>
+          <a:lstStyle/>
+          <a:p>
+            <a:r>
+              <a:rPr lang="en-US" altLang="zh-CN" dirty="0" smtClean="0"/>
+              <a:t>you can use the two models at the same time</a:t>
+            </a:r>
+            <a:endParaRPr lang="zh-CN" altLang="en-US" dirty="0"/>
+          </a:p>
+        </p:txBody>
+      </p:sp>
+      <p:sp>
+        <p:nvSpPr>
+          <p:cNvPr id="4" name="灯片编号占位符 3"/>
+          <p:cNvSpPr>
+            <a:spLocks noGrp="1"/>
+          </p:cNvSpPr>
+          <p:nvPr>
+            <p:ph type="sldNum" sz="quarter" idx="10"/>
+          </p:nvPr>
+        </p:nvSpPr>
+        <p:spPr/>
+        <p:txBody>
+          <a:bodyPr/>
+          <a:lstStyle/>
+          <a:p>
+            <a:fld id="{D907BE37-B124-4F9F-8F7E-44B90AC375A6}" type="slidenum">
+              <a:rPr lang="zh-CN" altLang="en-US" smtClean="0"/>
+              <a:pPr/>
+              <a:t>36</a:t>
+            </a:fld>
+            <a:endParaRPr lang="zh-CN" altLang="en-US"/>
+          </a:p>
+        </p:txBody>
+      </p:sp>
+    </p:spTree>
+    <p:extLst>
+      <p:ext uri="{BB962C8B-B14F-4D97-AF65-F5344CB8AC3E}">
+        <p14:creationId xmlns:p14="http://schemas.microsoft.com/office/powerpoint/2010/main" val="3108236718"/>
       </p:ext>
     </p:extLst>
   </p:cSld>
@@ -4734,7 +4932,7 @@
             <a:fld id="{12397CA8-2D6B-474E-AD0A-8CF9975324D0}" type="datetimeFigureOut">
               <a:rPr lang="zh-CN" altLang="en-US" smtClean="0"/>
               <a:pPr/>
-              <a:t>2017-04-14</a:t>
+              <a:t>2017-04-17</a:t>
             </a:fld>
             <a:endParaRPr lang="zh-CN" altLang="en-US"/>
           </a:p>
@@ -5025,7 +5223,7 @@
             <a:fld id="{12397CA8-2D6B-474E-AD0A-8CF9975324D0}" type="datetimeFigureOut">
               <a:rPr lang="zh-CN" altLang="en-US" smtClean="0"/>
               <a:pPr/>
-              <a:t>2017-04-14</a:t>
+              <a:t>2017-04-17</a:t>
             </a:fld>
             <a:endParaRPr lang="zh-CN" altLang="en-US"/>
           </a:p>
@@ -5214,7 +5412,7 @@
             <a:fld id="{12397CA8-2D6B-474E-AD0A-8CF9975324D0}" type="datetimeFigureOut">
               <a:rPr lang="zh-CN" altLang="en-US" smtClean="0"/>
               <a:pPr/>
-              <a:t>2017-04-14</a:t>
+              <a:t>2017-04-17</a:t>
             </a:fld>
             <a:endParaRPr lang="zh-CN" altLang="en-US"/>
           </a:p>
@@ -5721,7 +5919,7 @@
             <a:fld id="{12397CA8-2D6B-474E-AD0A-8CF9975324D0}" type="datetimeFigureOut">
               <a:rPr lang="zh-CN" altLang="en-US" smtClean="0"/>
               <a:pPr/>
-              <a:t>2017-04-14</a:t>
+              <a:t>2017-04-17</a:t>
             </a:fld>
             <a:endParaRPr lang="zh-CN" altLang="en-US"/>
           </a:p>
@@ -5962,7 +6160,7 @@
             <a:fld id="{12397CA8-2D6B-474E-AD0A-8CF9975324D0}" type="datetimeFigureOut">
               <a:rPr lang="zh-CN" altLang="en-US" smtClean="0"/>
               <a:pPr/>
-              <a:t>2017-04-14</a:t>
+              <a:t>2017-04-17</a:t>
             </a:fld>
             <a:endParaRPr lang="zh-CN" altLang="en-US"/>
           </a:p>
@@ -6338,7 +6536,7 @@
             <a:fld id="{12397CA8-2D6B-474E-AD0A-8CF9975324D0}" type="datetimeFigureOut">
               <a:rPr lang="zh-CN" altLang="en-US" smtClean="0"/>
               <a:pPr/>
-              <a:t>2017-04-14</a:t>
+              <a:t>2017-04-17</a:t>
             </a:fld>
             <a:endParaRPr lang="zh-CN" altLang="en-US"/>
           </a:p>
@@ -6458,7 +6656,7 @@
             <a:fld id="{12397CA8-2D6B-474E-AD0A-8CF9975324D0}" type="datetimeFigureOut">
               <a:rPr lang="zh-CN" altLang="en-US" smtClean="0"/>
               <a:pPr/>
-              <a:t>2017-04-14</a:t>
+              <a:t>2017-04-17</a:t>
             </a:fld>
             <a:endParaRPr lang="zh-CN" altLang="en-US"/>
           </a:p>
@@ -6555,7 +6753,7 @@
             <a:fld id="{12397CA8-2D6B-474E-AD0A-8CF9975324D0}" type="datetimeFigureOut">
               <a:rPr lang="zh-CN" altLang="en-US" smtClean="0"/>
               <a:pPr/>
-              <a:t>2017-04-14</a:t>
+              <a:t>2017-04-17</a:t>
             </a:fld>
             <a:endParaRPr lang="zh-CN" altLang="en-US"/>
           </a:p>
@@ -6834,7 +7032,7 @@
             <a:fld id="{12397CA8-2D6B-474E-AD0A-8CF9975324D0}" type="datetimeFigureOut">
               <a:rPr lang="zh-CN" altLang="en-US" smtClean="0"/>
               <a:pPr/>
-              <a:t>2017-04-14</a:t>
+              <a:t>2017-04-17</a:t>
             </a:fld>
             <a:endParaRPr lang="zh-CN" altLang="en-US"/>
           </a:p>
@@ -7093,7 +7291,7 @@
             <a:fld id="{12397CA8-2D6B-474E-AD0A-8CF9975324D0}" type="datetimeFigureOut">
               <a:rPr lang="zh-CN" altLang="en-US" smtClean="0"/>
               <a:pPr/>
-              <a:t>2017-04-14</a:t>
+              <a:t>2017-04-17</a:t>
             </a:fld>
             <a:endParaRPr lang="zh-CN" altLang="en-US"/>
           </a:p>
@@ -7315,7 +7513,7 @@
             <a:fld id="{12397CA8-2D6B-474E-AD0A-8CF9975324D0}" type="datetimeFigureOut">
               <a:rPr lang="zh-CN" altLang="en-US" smtClean="0"/>
               <a:pPr/>
-              <a:t>2017-04-14</a:t>
+              <a:t>2017-04-17</a:t>
             </a:fld>
             <a:endParaRPr lang="zh-CN" altLang="en-US"/>
           </a:p>
@@ -7971,7 +8169,15 @@
             </a:pPr>
             <a:r>
               <a:rPr lang="en-US" altLang="zh-CN" dirty="0" smtClean="0"/>
-              <a:t>How to route the correct handler</a:t>
+              <a:t>How to </a:t>
+            </a:r>
+            <a:r>
+              <a:rPr lang="en-US" altLang="zh-CN" dirty="0" smtClean="0"/>
+              <a:t>route to </a:t>
+            </a:r>
+            <a:r>
+              <a:rPr lang="en-US" altLang="zh-CN" dirty="0" smtClean="0"/>
+              <a:t>the correct handler</a:t>
             </a:r>
           </a:p>
           <a:p>
@@ -7981,22 +8187,17 @@
             </a:pPr>
             <a:r>
               <a:rPr lang="en-US" altLang="zh-CN" dirty="0" smtClean="0"/>
-              <a:t>How to simplify the call code</a:t>
-            </a:r>
-          </a:p>
-          <a:p>
-            <a:pPr marL="285750" indent="-285750">
-              <a:buFont typeface="Wingdings" panose="05000000000000000000" pitchFamily="2" charset="2"/>
-              <a:buChar char="Ø"/>
-            </a:pPr>
-            <a:r>
-              <a:rPr lang="en-US" altLang="zh-CN" dirty="0"/>
-              <a:t>How to hide the details of serialization and networking</a:t>
+              <a:t>How to simplify the </a:t>
+            </a:r>
+            <a:r>
+              <a:rPr lang="en-US" altLang="zh-CN" smtClean="0"/>
+              <a:t>call </a:t>
+            </a:r>
+            <a:r>
+              <a:rPr lang="en-US" altLang="zh-CN" smtClean="0"/>
+              <a:t>code</a:t>
             </a:r>
             <a:endParaRPr lang="en-US" altLang="zh-CN" dirty="0" smtClean="0"/>
-          </a:p>
-          <a:p>
-            <a:endParaRPr lang="zh-CN" altLang="en-US" dirty="0"/>
           </a:p>
         </p:txBody>
       </p:sp>
@@ -13535,7 +13736,15 @@
           <a:p>
             <a:r>
               <a:rPr lang="en-US" altLang="zh-CN" dirty="0"/>
-              <a:t>How to route the correct handler</a:t>
+              <a:t>How to </a:t>
+            </a:r>
+            <a:r>
+              <a:rPr lang="en-US" altLang="zh-CN" dirty="0" smtClean="0"/>
+              <a:t>route to </a:t>
+            </a:r>
+            <a:r>
+              <a:rPr lang="en-US" altLang="zh-CN" dirty="0"/>
+              <a:t>the correct handler</a:t>
             </a:r>
           </a:p>
         </p:txBody>
@@ -13943,7 +14152,15 @@
           <a:p>
             <a:r>
               <a:rPr lang="en-US" altLang="zh-CN" dirty="0"/>
-              <a:t>How to route the correct handler</a:t>
+              <a:t>How to </a:t>
+            </a:r>
+            <a:r>
+              <a:rPr lang="en-US" altLang="zh-CN" dirty="0" smtClean="0"/>
+              <a:t>route to </a:t>
+            </a:r>
+            <a:r>
+              <a:rPr lang="en-US" altLang="zh-CN" dirty="0"/>
+              <a:t>the correct handler</a:t>
             </a:r>
             <a:endParaRPr lang="zh-CN" altLang="en-US" dirty="0"/>
           </a:p>
@@ -14831,7 +15048,15 @@
           <a:p>
             <a:r>
               <a:rPr lang="en-US" altLang="zh-CN" dirty="0"/>
-              <a:t>How to route the correct handler</a:t>
+              <a:t>How to </a:t>
+            </a:r>
+            <a:r>
+              <a:rPr lang="en-US" altLang="zh-CN" dirty="0" smtClean="0"/>
+              <a:t>route to </a:t>
+            </a:r>
+            <a:r>
+              <a:rPr lang="en-US" altLang="zh-CN" dirty="0"/>
+              <a:t>the correct handler</a:t>
             </a:r>
             <a:endParaRPr lang="zh-CN" altLang="en-US" dirty="0"/>
           </a:p>
@@ -15309,7 +15534,15 @@
           <a:p>
             <a:r>
               <a:rPr lang="en-US" altLang="zh-CN" dirty="0"/>
-              <a:t>How to route the correct handler</a:t>
+              <a:t>How to </a:t>
+            </a:r>
+            <a:r>
+              <a:rPr lang="en-US" altLang="zh-CN" dirty="0" smtClean="0"/>
+              <a:t>route to </a:t>
+            </a:r>
+            <a:r>
+              <a:rPr lang="en-US" altLang="zh-CN" dirty="0"/>
+              <a:t>the correct handler</a:t>
             </a:r>
           </a:p>
         </p:txBody>
@@ -15868,7 +16101,15 @@
           <a:p>
             <a:r>
               <a:rPr lang="en-US" altLang="zh-CN" dirty="0"/>
-              <a:t>How to route the correct handler</a:t>
+              <a:t>How to route </a:t>
+            </a:r>
+            <a:r>
+              <a:rPr lang="en-US" altLang="zh-CN" dirty="0" smtClean="0"/>
+              <a:t>to the </a:t>
+            </a:r>
+            <a:r>
+              <a:rPr lang="en-US" altLang="zh-CN" dirty="0"/>
+              <a:t>correct handler</a:t>
             </a:r>
             <a:endParaRPr lang="zh-CN" altLang="en-US" dirty="0"/>
           </a:p>
@@ -16177,7 +16418,15 @@
           <a:p>
             <a:r>
               <a:rPr lang="en-US" altLang="zh-CN" dirty="0"/>
-              <a:t>How to route the correct handler</a:t>
+              <a:t>How to </a:t>
+            </a:r>
+            <a:r>
+              <a:rPr lang="en-US" altLang="zh-CN" dirty="0" smtClean="0"/>
+              <a:t>route to </a:t>
+            </a:r>
+            <a:r>
+              <a:rPr lang="en-US" altLang="zh-CN" dirty="0"/>
+              <a:t>the correct handler</a:t>
             </a:r>
             <a:endParaRPr lang="zh-CN" altLang="en-US" dirty="0"/>
           </a:p>
@@ -16488,7 +16737,15 @@
           <a:p>
             <a:r>
               <a:rPr lang="en-US" altLang="zh-CN" dirty="0"/>
-              <a:t>How to route the correct handler</a:t>
+              <a:t>How to </a:t>
+            </a:r>
+            <a:r>
+              <a:rPr lang="en-US" altLang="zh-CN" dirty="0" smtClean="0"/>
+              <a:t>route to </a:t>
+            </a:r>
+            <a:r>
+              <a:rPr lang="en-US" altLang="zh-CN" dirty="0"/>
+              <a:t>the correct handler</a:t>
             </a:r>
             <a:endParaRPr lang="zh-CN" altLang="en-US" dirty="0"/>
           </a:p>
@@ -16838,7 +17095,15 @@
           <a:p>
             <a:r>
               <a:rPr lang="en-US" altLang="zh-CN" dirty="0"/>
-              <a:t>How to route the correct handler</a:t>
+              <a:t>How to </a:t>
+            </a:r>
+            <a:r>
+              <a:rPr lang="en-US" altLang="zh-CN" dirty="0" smtClean="0"/>
+              <a:t>route to </a:t>
+            </a:r>
+            <a:r>
+              <a:rPr lang="en-US" altLang="zh-CN" dirty="0"/>
+              <a:t>the correct handler</a:t>
             </a:r>
             <a:endParaRPr lang="zh-CN" altLang="en-US" dirty="0"/>
           </a:p>
@@ -17423,7 +17688,15 @@
           <a:p>
             <a:r>
               <a:rPr lang="en-US" altLang="zh-CN" dirty="0"/>
-              <a:t>How to route the correct handler</a:t>
+              <a:t>How to </a:t>
+            </a:r>
+            <a:r>
+              <a:rPr lang="en-US" altLang="zh-CN" dirty="0" smtClean="0"/>
+              <a:t>route to </a:t>
+            </a:r>
+            <a:r>
+              <a:rPr lang="en-US" altLang="zh-CN" dirty="0"/>
+              <a:t>the correct handler</a:t>
             </a:r>
             <a:endParaRPr lang="zh-CN" altLang="en-US" dirty="0"/>
           </a:p>
@@ -19592,891 +19865,6 @@
 </file>
 
 <file path=ppt/slides/slide27.xml><?xml version="1.0" encoding="utf-8"?>
-<p:sld xmlns:a="http://schemas.openxmlformats.org/drawingml/2006/main" xmlns:r="http://schemas.openxmlformats.org/officeDocument/2006/relationships" xmlns:p="http://schemas.openxmlformats.org/presentationml/2006/main">
-  <p:cSld>
-    <p:spTree>
-      <p:nvGrpSpPr>
-        <p:cNvPr id="1" name=""/>
-        <p:cNvGrpSpPr/>
-        <p:nvPr/>
-      </p:nvGrpSpPr>
-      <p:grpSpPr>
-        <a:xfrm>
-          <a:off x="0" y="0"/>
-          <a:ext cx="0" cy="0"/>
-          <a:chOff x="0" y="0"/>
-          <a:chExt cx="0" cy="0"/>
-        </a:xfrm>
-      </p:grpSpPr>
-      <p:sp>
-        <p:nvSpPr>
-          <p:cNvPr id="2" name="Title 1"/>
-          <p:cNvSpPr>
-            <a:spLocks noGrp="1"/>
-          </p:cNvSpPr>
-          <p:nvPr>
-            <p:ph type="title"/>
-          </p:nvPr>
-        </p:nvSpPr>
-        <p:spPr/>
-        <p:txBody>
-          <a:bodyPr/>
-          <a:lstStyle/>
-          <a:p>
-            <a:r>
-              <a:rPr lang="en-US" altLang="zh-CN" dirty="0"/>
-              <a:t>How to simplify the call code</a:t>
-            </a:r>
-          </a:p>
-        </p:txBody>
-      </p:sp>
-      <p:sp>
-        <p:nvSpPr>
-          <p:cNvPr id="3" name="Text Placeholder 2"/>
-          <p:cNvSpPr>
-            <a:spLocks noGrp="1"/>
-          </p:cNvSpPr>
-          <p:nvPr>
-            <p:ph type="body" sz="half" idx="2"/>
-          </p:nvPr>
-        </p:nvSpPr>
-        <p:spPr/>
-        <p:txBody>
-          <a:bodyPr/>
-          <a:lstStyle/>
-          <a:p>
-            <a:r>
-              <a:rPr lang="en-US" altLang="zh-CN" dirty="0" smtClean="0"/>
-              <a:t>RPC call and sub/pub can be mixed use any time and any where</a:t>
-            </a:r>
-          </a:p>
-          <a:p>
-            <a:endParaRPr lang="en-US" altLang="zh-CN" dirty="0"/>
-          </a:p>
-          <a:p>
-            <a:r>
-              <a:rPr lang="en-US" altLang="zh-CN" dirty="0" smtClean="0"/>
-              <a:t>RPC and sub/pub model have the common essence</a:t>
-            </a:r>
-          </a:p>
-          <a:p>
-            <a:endParaRPr lang="en-US" altLang="zh-CN" dirty="0"/>
-          </a:p>
-          <a:p>
-            <a:r>
-              <a:rPr lang="en-US" altLang="zh-CN" dirty="0" err="1" smtClean="0"/>
-              <a:t>rest_rpc</a:t>
-            </a:r>
-            <a:r>
-              <a:rPr lang="en-US" altLang="zh-CN" dirty="0" smtClean="0"/>
-              <a:t> supports request/response and sub/pub model</a:t>
-            </a:r>
-          </a:p>
-          <a:p>
-            <a:endParaRPr lang="en-US" altLang="zh-CN" dirty="0"/>
-          </a:p>
-          <a:p>
-            <a:r>
-              <a:rPr lang="en-US" altLang="zh-CN" b="1" dirty="0"/>
-              <a:t>Very suitable for complex </a:t>
-            </a:r>
-            <a:r>
-              <a:rPr lang="en-US" altLang="zh-CN" b="1" dirty="0" smtClean="0"/>
-              <a:t>distributed system</a:t>
-            </a:r>
-          </a:p>
-          <a:p>
-            <a:endParaRPr lang="en-US" altLang="zh-CN" b="1" dirty="0"/>
-          </a:p>
-          <a:p>
-            <a:r>
-              <a:rPr lang="en-US" altLang="zh-CN" b="1" dirty="0" smtClean="0"/>
-              <a:t>HA</a:t>
-            </a:r>
-          </a:p>
-          <a:p>
-            <a:r>
-              <a:rPr lang="en-US" altLang="zh-CN" b="1" dirty="0" smtClean="0"/>
-              <a:t>Binary star pattern</a:t>
-            </a:r>
-          </a:p>
-          <a:p>
-            <a:r>
-              <a:rPr lang="en-US" altLang="zh-CN" dirty="0" err="1"/>
-              <a:t>Bstar</a:t>
-            </a:r>
-            <a:r>
-              <a:rPr lang="en-US" altLang="zh-CN" b="1" dirty="0" smtClean="0"/>
-              <a:t>: </a:t>
-            </a:r>
-            <a:r>
-              <a:rPr lang="en-US" altLang="zh-CN" b="1" dirty="0" smtClean="0">
-                <a:hlinkClick r:id="rId2"/>
-              </a:rPr>
-              <a:t>https</a:t>
-            </a:r>
-            <a:r>
-              <a:rPr lang="en-US" altLang="zh-CN" b="1" dirty="0">
-                <a:hlinkClick r:id="rId2"/>
-              </a:rPr>
-              <a:t>://</a:t>
-            </a:r>
-            <a:r>
-              <a:rPr lang="en-US" altLang="zh-CN" b="1" dirty="0" smtClean="0">
-                <a:hlinkClick r:id="rId2"/>
-              </a:rPr>
-              <a:t>github.com/topcpporg/bstar</a:t>
-            </a:r>
-            <a:endParaRPr lang="en-US" altLang="zh-CN" b="1" dirty="0" smtClean="0"/>
-          </a:p>
-          <a:p>
-            <a:endParaRPr lang="en-US" altLang="zh-CN" b="1" dirty="0" smtClean="0"/>
-          </a:p>
-          <a:p>
-            <a:endParaRPr lang="zh-CN" altLang="en-US" dirty="0"/>
-          </a:p>
-        </p:txBody>
-      </p:sp>
-    </p:spTree>
-    <p:extLst>
-      <p:ext uri="{BB962C8B-B14F-4D97-AF65-F5344CB8AC3E}">
-        <p14:creationId xmlns:p14="http://schemas.microsoft.com/office/powerpoint/2010/main" val="1237355550"/>
-      </p:ext>
-    </p:extLst>
-  </p:cSld>
-  <p:clrMapOvr>
-    <a:masterClrMapping/>
-  </p:clrMapOvr>
-  <p:timing>
-    <p:tnLst>
-      <p:par>
-        <p:cTn id="1" dur="indefinite" restart="never" nodeType="tmRoot">
-          <p:childTnLst>
-            <p:seq concurrent="1" nextAc="seek">
-              <p:cTn id="2" dur="indefinite" nodeType="mainSeq">
-                <p:childTnLst>
-                  <p:par>
-                    <p:cTn id="3" fill="hold">
-                      <p:stCondLst>
-                        <p:cond delay="indefinite"/>
-                      </p:stCondLst>
-                      <p:childTnLst>
-                        <p:par>
-                          <p:cTn id="4" fill="hold">
-                            <p:stCondLst>
-                              <p:cond delay="0"/>
-                            </p:stCondLst>
-                            <p:childTnLst>
-                              <p:par>
-                                <p:cTn id="5" presetID="2" presetClass="entr" presetSubtype="4" fill="hold" nodeType="clickEffect">
-                                  <p:stCondLst>
-                                    <p:cond delay="0"/>
-                                  </p:stCondLst>
-                                  <p:childTnLst>
-                                    <p:set>
-                                      <p:cBhvr>
-                                        <p:cTn id="6" dur="1" fill="hold">
-                                          <p:stCondLst>
-                                            <p:cond delay="0"/>
-                                          </p:stCondLst>
-                                        </p:cTn>
-                                        <p:tgtEl>
-                                          <p:spTgt spid="3">
-                                            <p:txEl>
-                                              <p:pRg st="2" end="2"/>
-                                            </p:txEl>
-                                          </p:spTgt>
-                                        </p:tgtEl>
-                                        <p:attrNameLst>
-                                          <p:attrName>style.visibility</p:attrName>
-                                        </p:attrNameLst>
-                                      </p:cBhvr>
-                                      <p:to>
-                                        <p:strVal val="visible"/>
-                                      </p:to>
-                                    </p:set>
-                                    <p:anim calcmode="lin" valueType="num">
-                                      <p:cBhvr additive="base">
-                                        <p:cTn id="7" dur="500" fill="hold"/>
-                                        <p:tgtEl>
-                                          <p:spTgt spid="3">
-                                            <p:txEl>
-                                              <p:pRg st="2" end="2"/>
-                                            </p:txEl>
-                                          </p:spTgt>
-                                        </p:tgtEl>
-                                        <p:attrNameLst>
-                                          <p:attrName>ppt_x</p:attrName>
-                                        </p:attrNameLst>
-                                      </p:cBhvr>
-                                      <p:tavLst>
-                                        <p:tav tm="0">
-                                          <p:val>
-                                            <p:strVal val="#ppt_x"/>
-                                          </p:val>
-                                        </p:tav>
-                                        <p:tav tm="100000">
-                                          <p:val>
-                                            <p:strVal val="#ppt_x"/>
-                                          </p:val>
-                                        </p:tav>
-                                      </p:tavLst>
-                                    </p:anim>
-                                    <p:anim calcmode="lin" valueType="num">
-                                      <p:cBhvr additive="base">
-                                        <p:cTn id="8" dur="500" fill="hold"/>
-                                        <p:tgtEl>
-                                          <p:spTgt spid="3">
-                                            <p:txEl>
-                                              <p:pRg st="2" end="2"/>
-                                            </p:txEl>
-                                          </p:spTgt>
-                                        </p:tgtEl>
-                                        <p:attrNameLst>
-                                          <p:attrName>ppt_y</p:attrName>
-                                        </p:attrNameLst>
-                                      </p:cBhvr>
-                                      <p:tavLst>
-                                        <p:tav tm="0">
-                                          <p:val>
-                                            <p:strVal val="1+#ppt_h/2"/>
-                                          </p:val>
-                                        </p:tav>
-                                        <p:tav tm="100000">
-                                          <p:val>
-                                            <p:strVal val="#ppt_y"/>
-                                          </p:val>
-                                        </p:tav>
-                                      </p:tavLst>
-                                    </p:anim>
-                                  </p:childTnLst>
-                                </p:cTn>
-                              </p:par>
-                            </p:childTnLst>
-                          </p:cTn>
-                        </p:par>
-                      </p:childTnLst>
-                    </p:cTn>
-                  </p:par>
-                  <p:par>
-                    <p:cTn id="9" fill="hold">
-                      <p:stCondLst>
-                        <p:cond delay="indefinite"/>
-                      </p:stCondLst>
-                      <p:childTnLst>
-                        <p:par>
-                          <p:cTn id="10" fill="hold">
-                            <p:stCondLst>
-                              <p:cond delay="0"/>
-                            </p:stCondLst>
-                            <p:childTnLst>
-                              <p:par>
-                                <p:cTn id="11" presetID="2" presetClass="entr" presetSubtype="4" fill="hold" nodeType="clickEffect">
-                                  <p:stCondLst>
-                                    <p:cond delay="0"/>
-                                  </p:stCondLst>
-                                  <p:childTnLst>
-                                    <p:set>
-                                      <p:cBhvr>
-                                        <p:cTn id="12" dur="1" fill="hold">
-                                          <p:stCondLst>
-                                            <p:cond delay="0"/>
-                                          </p:stCondLst>
-                                        </p:cTn>
-                                        <p:tgtEl>
-                                          <p:spTgt spid="3">
-                                            <p:txEl>
-                                              <p:pRg st="4" end="4"/>
-                                            </p:txEl>
-                                          </p:spTgt>
-                                        </p:tgtEl>
-                                        <p:attrNameLst>
-                                          <p:attrName>style.visibility</p:attrName>
-                                        </p:attrNameLst>
-                                      </p:cBhvr>
-                                      <p:to>
-                                        <p:strVal val="visible"/>
-                                      </p:to>
-                                    </p:set>
-                                    <p:anim calcmode="lin" valueType="num">
-                                      <p:cBhvr additive="base">
-                                        <p:cTn id="13" dur="500" fill="hold"/>
-                                        <p:tgtEl>
-                                          <p:spTgt spid="3">
-                                            <p:txEl>
-                                              <p:pRg st="4" end="4"/>
-                                            </p:txEl>
-                                          </p:spTgt>
-                                        </p:tgtEl>
-                                        <p:attrNameLst>
-                                          <p:attrName>ppt_x</p:attrName>
-                                        </p:attrNameLst>
-                                      </p:cBhvr>
-                                      <p:tavLst>
-                                        <p:tav tm="0">
-                                          <p:val>
-                                            <p:strVal val="#ppt_x"/>
-                                          </p:val>
-                                        </p:tav>
-                                        <p:tav tm="100000">
-                                          <p:val>
-                                            <p:strVal val="#ppt_x"/>
-                                          </p:val>
-                                        </p:tav>
-                                      </p:tavLst>
-                                    </p:anim>
-                                    <p:anim calcmode="lin" valueType="num">
-                                      <p:cBhvr additive="base">
-                                        <p:cTn id="14" dur="500" fill="hold"/>
-                                        <p:tgtEl>
-                                          <p:spTgt spid="3">
-                                            <p:txEl>
-                                              <p:pRg st="4" end="4"/>
-                                            </p:txEl>
-                                          </p:spTgt>
-                                        </p:tgtEl>
-                                        <p:attrNameLst>
-                                          <p:attrName>ppt_y</p:attrName>
-                                        </p:attrNameLst>
-                                      </p:cBhvr>
-                                      <p:tavLst>
-                                        <p:tav tm="0">
-                                          <p:val>
-                                            <p:strVal val="1+#ppt_h/2"/>
-                                          </p:val>
-                                        </p:tav>
-                                        <p:tav tm="100000">
-                                          <p:val>
-                                            <p:strVal val="#ppt_y"/>
-                                          </p:val>
-                                        </p:tav>
-                                      </p:tavLst>
-                                    </p:anim>
-                                  </p:childTnLst>
-                                </p:cTn>
-                              </p:par>
-                            </p:childTnLst>
-                          </p:cTn>
-                        </p:par>
-                      </p:childTnLst>
-                    </p:cTn>
-                  </p:par>
-                  <p:par>
-                    <p:cTn id="15" fill="hold">
-                      <p:stCondLst>
-                        <p:cond delay="indefinite"/>
-                      </p:stCondLst>
-                      <p:childTnLst>
-                        <p:par>
-                          <p:cTn id="16" fill="hold">
-                            <p:stCondLst>
-                              <p:cond delay="0"/>
-                            </p:stCondLst>
-                            <p:childTnLst>
-                              <p:par>
-                                <p:cTn id="17" presetID="31" presetClass="entr" presetSubtype="0" fill="hold" nodeType="clickEffect">
-                                  <p:stCondLst>
-                                    <p:cond delay="0"/>
-                                  </p:stCondLst>
-                                  <p:childTnLst>
-                                    <p:set>
-                                      <p:cBhvr>
-                                        <p:cTn id="18" dur="1" fill="hold">
-                                          <p:stCondLst>
-                                            <p:cond delay="0"/>
-                                          </p:stCondLst>
-                                        </p:cTn>
-                                        <p:tgtEl>
-                                          <p:spTgt spid="3">
-                                            <p:txEl>
-                                              <p:pRg st="6" end="6"/>
-                                            </p:txEl>
-                                          </p:spTgt>
-                                        </p:tgtEl>
-                                        <p:attrNameLst>
-                                          <p:attrName>style.visibility</p:attrName>
-                                        </p:attrNameLst>
-                                      </p:cBhvr>
-                                      <p:to>
-                                        <p:strVal val="visible"/>
-                                      </p:to>
-                                    </p:set>
-                                    <p:anim calcmode="lin" valueType="num">
-                                      <p:cBhvr>
-                                        <p:cTn id="19" dur="1000" fill="hold"/>
-                                        <p:tgtEl>
-                                          <p:spTgt spid="3">
-                                            <p:txEl>
-                                              <p:pRg st="6" end="6"/>
-                                            </p:txEl>
-                                          </p:spTgt>
-                                        </p:tgtEl>
-                                        <p:attrNameLst>
-                                          <p:attrName>ppt_w</p:attrName>
-                                        </p:attrNameLst>
-                                      </p:cBhvr>
-                                      <p:tavLst>
-                                        <p:tav tm="0">
-                                          <p:val>
-                                            <p:fltVal val="0"/>
-                                          </p:val>
-                                        </p:tav>
-                                        <p:tav tm="100000">
-                                          <p:val>
-                                            <p:strVal val="#ppt_w"/>
-                                          </p:val>
-                                        </p:tav>
-                                      </p:tavLst>
-                                    </p:anim>
-                                    <p:anim calcmode="lin" valueType="num">
-                                      <p:cBhvr>
-                                        <p:cTn id="20" dur="1000" fill="hold"/>
-                                        <p:tgtEl>
-                                          <p:spTgt spid="3">
-                                            <p:txEl>
-                                              <p:pRg st="6" end="6"/>
-                                            </p:txEl>
-                                          </p:spTgt>
-                                        </p:tgtEl>
-                                        <p:attrNameLst>
-                                          <p:attrName>ppt_h</p:attrName>
-                                        </p:attrNameLst>
-                                      </p:cBhvr>
-                                      <p:tavLst>
-                                        <p:tav tm="0">
-                                          <p:val>
-                                            <p:fltVal val="0"/>
-                                          </p:val>
-                                        </p:tav>
-                                        <p:tav tm="100000">
-                                          <p:val>
-                                            <p:strVal val="#ppt_h"/>
-                                          </p:val>
-                                        </p:tav>
-                                      </p:tavLst>
-                                    </p:anim>
-                                    <p:anim calcmode="lin" valueType="num">
-                                      <p:cBhvr>
-                                        <p:cTn id="21" dur="1000" fill="hold"/>
-                                        <p:tgtEl>
-                                          <p:spTgt spid="3">
-                                            <p:txEl>
-                                              <p:pRg st="6" end="6"/>
-                                            </p:txEl>
-                                          </p:spTgt>
-                                        </p:tgtEl>
-                                        <p:attrNameLst>
-                                          <p:attrName>style.rotation</p:attrName>
-                                        </p:attrNameLst>
-                                      </p:cBhvr>
-                                      <p:tavLst>
-                                        <p:tav tm="0">
-                                          <p:val>
-                                            <p:fltVal val="90"/>
-                                          </p:val>
-                                        </p:tav>
-                                        <p:tav tm="100000">
-                                          <p:val>
-                                            <p:fltVal val="0"/>
-                                          </p:val>
-                                        </p:tav>
-                                      </p:tavLst>
-                                    </p:anim>
-                                    <p:animEffect transition="in" filter="fade">
-                                      <p:cBhvr>
-                                        <p:cTn id="22" dur="1000"/>
-                                        <p:tgtEl>
-                                          <p:spTgt spid="3">
-                                            <p:txEl>
-                                              <p:pRg st="6" end="6"/>
-                                            </p:txEl>
-                                          </p:spTgt>
-                                        </p:tgtEl>
-                                      </p:cBhvr>
-                                    </p:animEffect>
-                                  </p:childTnLst>
-                                </p:cTn>
-                              </p:par>
-                            </p:childTnLst>
-                          </p:cTn>
-                        </p:par>
-                      </p:childTnLst>
-                    </p:cTn>
-                  </p:par>
-                  <p:par>
-                    <p:cTn id="23" fill="hold">
-                      <p:stCondLst>
-                        <p:cond delay="indefinite"/>
-                      </p:stCondLst>
-                      <p:childTnLst>
-                        <p:par>
-                          <p:cTn id="24" fill="hold">
-                            <p:stCondLst>
-                              <p:cond delay="0"/>
-                            </p:stCondLst>
-                            <p:childTnLst>
-                              <p:par>
-                                <p:cTn id="25" presetID="2" presetClass="entr" presetSubtype="4" fill="hold" nodeType="clickEffect">
-                                  <p:stCondLst>
-                                    <p:cond delay="0"/>
-                                  </p:stCondLst>
-                                  <p:childTnLst>
-                                    <p:set>
-                                      <p:cBhvr>
-                                        <p:cTn id="26" dur="1" fill="hold">
-                                          <p:stCondLst>
-                                            <p:cond delay="0"/>
-                                          </p:stCondLst>
-                                        </p:cTn>
-                                        <p:tgtEl>
-                                          <p:spTgt spid="3">
-                                            <p:txEl>
-                                              <p:pRg st="8" end="8"/>
-                                            </p:txEl>
-                                          </p:spTgt>
-                                        </p:tgtEl>
-                                        <p:attrNameLst>
-                                          <p:attrName>style.visibility</p:attrName>
-                                        </p:attrNameLst>
-                                      </p:cBhvr>
-                                      <p:to>
-                                        <p:strVal val="visible"/>
-                                      </p:to>
-                                    </p:set>
-                                    <p:anim calcmode="lin" valueType="num">
-                                      <p:cBhvr additive="base">
-                                        <p:cTn id="27" dur="500" fill="hold"/>
-                                        <p:tgtEl>
-                                          <p:spTgt spid="3">
-                                            <p:txEl>
-                                              <p:pRg st="8" end="8"/>
-                                            </p:txEl>
-                                          </p:spTgt>
-                                        </p:tgtEl>
-                                        <p:attrNameLst>
-                                          <p:attrName>ppt_x</p:attrName>
-                                        </p:attrNameLst>
-                                      </p:cBhvr>
-                                      <p:tavLst>
-                                        <p:tav tm="0">
-                                          <p:val>
-                                            <p:strVal val="#ppt_x"/>
-                                          </p:val>
-                                        </p:tav>
-                                        <p:tav tm="100000">
-                                          <p:val>
-                                            <p:strVal val="#ppt_x"/>
-                                          </p:val>
-                                        </p:tav>
-                                      </p:tavLst>
-                                    </p:anim>
-                                    <p:anim calcmode="lin" valueType="num">
-                                      <p:cBhvr additive="base">
-                                        <p:cTn id="28" dur="500" fill="hold"/>
-                                        <p:tgtEl>
-                                          <p:spTgt spid="3">
-                                            <p:txEl>
-                                              <p:pRg st="8" end="8"/>
-                                            </p:txEl>
-                                          </p:spTgt>
-                                        </p:tgtEl>
-                                        <p:attrNameLst>
-                                          <p:attrName>ppt_y</p:attrName>
-                                        </p:attrNameLst>
-                                      </p:cBhvr>
-                                      <p:tavLst>
-                                        <p:tav tm="0">
-                                          <p:val>
-                                            <p:strVal val="1+#ppt_h/2"/>
-                                          </p:val>
-                                        </p:tav>
-                                        <p:tav tm="100000">
-                                          <p:val>
-                                            <p:strVal val="#ppt_y"/>
-                                          </p:val>
-                                        </p:tav>
-                                      </p:tavLst>
-                                    </p:anim>
-                                  </p:childTnLst>
-                                </p:cTn>
-                              </p:par>
-                            </p:childTnLst>
-                          </p:cTn>
-                        </p:par>
-                      </p:childTnLst>
-                    </p:cTn>
-                  </p:par>
-                  <p:par>
-                    <p:cTn id="29" fill="hold">
-                      <p:stCondLst>
-                        <p:cond delay="indefinite"/>
-                      </p:stCondLst>
-                      <p:childTnLst>
-                        <p:par>
-                          <p:cTn id="30" fill="hold">
-                            <p:stCondLst>
-                              <p:cond delay="0"/>
-                            </p:stCondLst>
-                            <p:childTnLst>
-                              <p:par>
-                                <p:cTn id="31" presetID="2" presetClass="entr" presetSubtype="4" fill="hold" nodeType="clickEffect">
-                                  <p:stCondLst>
-                                    <p:cond delay="0"/>
-                                  </p:stCondLst>
-                                  <p:childTnLst>
-                                    <p:set>
-                                      <p:cBhvr>
-                                        <p:cTn id="32" dur="1" fill="hold">
-                                          <p:stCondLst>
-                                            <p:cond delay="0"/>
-                                          </p:stCondLst>
-                                        </p:cTn>
-                                        <p:tgtEl>
-                                          <p:spTgt spid="3">
-                                            <p:txEl>
-                                              <p:pRg st="9" end="9"/>
-                                            </p:txEl>
-                                          </p:spTgt>
-                                        </p:tgtEl>
-                                        <p:attrNameLst>
-                                          <p:attrName>style.visibility</p:attrName>
-                                        </p:attrNameLst>
-                                      </p:cBhvr>
-                                      <p:to>
-                                        <p:strVal val="visible"/>
-                                      </p:to>
-                                    </p:set>
-                                    <p:anim calcmode="lin" valueType="num">
-                                      <p:cBhvr additive="base">
-                                        <p:cTn id="33" dur="500" fill="hold"/>
-                                        <p:tgtEl>
-                                          <p:spTgt spid="3">
-                                            <p:txEl>
-                                              <p:pRg st="9" end="9"/>
-                                            </p:txEl>
-                                          </p:spTgt>
-                                        </p:tgtEl>
-                                        <p:attrNameLst>
-                                          <p:attrName>ppt_x</p:attrName>
-                                        </p:attrNameLst>
-                                      </p:cBhvr>
-                                      <p:tavLst>
-                                        <p:tav tm="0">
-                                          <p:val>
-                                            <p:strVal val="#ppt_x"/>
-                                          </p:val>
-                                        </p:tav>
-                                        <p:tav tm="100000">
-                                          <p:val>
-                                            <p:strVal val="#ppt_x"/>
-                                          </p:val>
-                                        </p:tav>
-                                      </p:tavLst>
-                                    </p:anim>
-                                    <p:anim calcmode="lin" valueType="num">
-                                      <p:cBhvr additive="base">
-                                        <p:cTn id="34" dur="500" fill="hold"/>
-                                        <p:tgtEl>
-                                          <p:spTgt spid="3">
-                                            <p:txEl>
-                                              <p:pRg st="9" end="9"/>
-                                            </p:txEl>
-                                          </p:spTgt>
-                                        </p:tgtEl>
-                                        <p:attrNameLst>
-                                          <p:attrName>ppt_y</p:attrName>
-                                        </p:attrNameLst>
-                                      </p:cBhvr>
-                                      <p:tavLst>
-                                        <p:tav tm="0">
-                                          <p:val>
-                                            <p:strVal val="1+#ppt_h/2"/>
-                                          </p:val>
-                                        </p:tav>
-                                        <p:tav tm="100000">
-                                          <p:val>
-                                            <p:strVal val="#ppt_y"/>
-                                          </p:val>
-                                        </p:tav>
-                                      </p:tavLst>
-                                    </p:anim>
-                                  </p:childTnLst>
-                                </p:cTn>
-                              </p:par>
-                            </p:childTnLst>
-                          </p:cTn>
-                        </p:par>
-                      </p:childTnLst>
-                    </p:cTn>
-                  </p:par>
-                  <p:par>
-                    <p:cTn id="35" fill="hold">
-                      <p:stCondLst>
-                        <p:cond delay="indefinite"/>
-                      </p:stCondLst>
-                      <p:childTnLst>
-                        <p:par>
-                          <p:cTn id="36" fill="hold">
-                            <p:stCondLst>
-                              <p:cond delay="0"/>
-                            </p:stCondLst>
-                            <p:childTnLst>
-                              <p:par>
-                                <p:cTn id="37" presetID="31" presetClass="entr" presetSubtype="0" fill="hold" nodeType="clickEffect">
-                                  <p:stCondLst>
-                                    <p:cond delay="0"/>
-                                  </p:stCondLst>
-                                  <p:childTnLst>
-                                    <p:set>
-                                      <p:cBhvr>
-                                        <p:cTn id="38" dur="1" fill="hold">
-                                          <p:stCondLst>
-                                            <p:cond delay="0"/>
-                                          </p:stCondLst>
-                                        </p:cTn>
-                                        <p:tgtEl>
-                                          <p:spTgt spid="3">
-                                            <p:txEl>
-                                              <p:pRg st="10" end="10"/>
-                                            </p:txEl>
-                                          </p:spTgt>
-                                        </p:tgtEl>
-                                        <p:attrNameLst>
-                                          <p:attrName>style.visibility</p:attrName>
-                                        </p:attrNameLst>
-                                      </p:cBhvr>
-                                      <p:to>
-                                        <p:strVal val="visible"/>
-                                      </p:to>
-                                    </p:set>
-                                    <p:anim calcmode="lin" valueType="num">
-                                      <p:cBhvr>
-                                        <p:cTn id="39" dur="1000" fill="hold"/>
-                                        <p:tgtEl>
-                                          <p:spTgt spid="3">
-                                            <p:txEl>
-                                              <p:pRg st="10" end="10"/>
-                                            </p:txEl>
-                                          </p:spTgt>
-                                        </p:tgtEl>
-                                        <p:attrNameLst>
-                                          <p:attrName>ppt_w</p:attrName>
-                                        </p:attrNameLst>
-                                      </p:cBhvr>
-                                      <p:tavLst>
-                                        <p:tav tm="0">
-                                          <p:val>
-                                            <p:fltVal val="0"/>
-                                          </p:val>
-                                        </p:tav>
-                                        <p:tav tm="100000">
-                                          <p:val>
-                                            <p:strVal val="#ppt_w"/>
-                                          </p:val>
-                                        </p:tav>
-                                      </p:tavLst>
-                                    </p:anim>
-                                    <p:anim calcmode="lin" valueType="num">
-                                      <p:cBhvr>
-                                        <p:cTn id="40" dur="1000" fill="hold"/>
-                                        <p:tgtEl>
-                                          <p:spTgt spid="3">
-                                            <p:txEl>
-                                              <p:pRg st="10" end="10"/>
-                                            </p:txEl>
-                                          </p:spTgt>
-                                        </p:tgtEl>
-                                        <p:attrNameLst>
-                                          <p:attrName>ppt_h</p:attrName>
-                                        </p:attrNameLst>
-                                      </p:cBhvr>
-                                      <p:tavLst>
-                                        <p:tav tm="0">
-                                          <p:val>
-                                            <p:fltVal val="0"/>
-                                          </p:val>
-                                        </p:tav>
-                                        <p:tav tm="100000">
-                                          <p:val>
-                                            <p:strVal val="#ppt_h"/>
-                                          </p:val>
-                                        </p:tav>
-                                      </p:tavLst>
-                                    </p:anim>
-                                    <p:anim calcmode="lin" valueType="num">
-                                      <p:cBhvr>
-                                        <p:cTn id="41" dur="1000" fill="hold"/>
-                                        <p:tgtEl>
-                                          <p:spTgt spid="3">
-                                            <p:txEl>
-                                              <p:pRg st="10" end="10"/>
-                                            </p:txEl>
-                                          </p:spTgt>
-                                        </p:tgtEl>
-                                        <p:attrNameLst>
-                                          <p:attrName>style.rotation</p:attrName>
-                                        </p:attrNameLst>
-                                      </p:cBhvr>
-                                      <p:tavLst>
-                                        <p:tav tm="0">
-                                          <p:val>
-                                            <p:fltVal val="90"/>
-                                          </p:val>
-                                        </p:tav>
-                                        <p:tav tm="100000">
-                                          <p:val>
-                                            <p:fltVal val="0"/>
-                                          </p:val>
-                                        </p:tav>
-                                      </p:tavLst>
-                                    </p:anim>
-                                    <p:animEffect transition="in" filter="fade">
-                                      <p:cBhvr>
-                                        <p:cTn id="42" dur="1000"/>
-                                        <p:tgtEl>
-                                          <p:spTgt spid="3">
-                                            <p:txEl>
-                                              <p:pRg st="10" end="10"/>
-                                            </p:txEl>
-                                          </p:spTgt>
-                                        </p:tgtEl>
-                                      </p:cBhvr>
-                                    </p:animEffect>
-                                  </p:childTnLst>
-                                </p:cTn>
-                              </p:par>
-                            </p:childTnLst>
-                          </p:cTn>
-                        </p:par>
-                      </p:childTnLst>
-                    </p:cTn>
-                  </p:par>
-                </p:childTnLst>
-              </p:cTn>
-              <p:prevCondLst>
-                <p:cond evt="onPrev" delay="0">
-                  <p:tgtEl>
-                    <p:sldTgt/>
-                  </p:tgtEl>
-                </p:cond>
-              </p:prevCondLst>
-              <p:nextCondLst>
-                <p:cond evt="onNext" delay="0">
-                  <p:tgtEl>
-                    <p:sldTgt/>
-                  </p:tgtEl>
-                </p:cond>
-              </p:nextCondLst>
-            </p:seq>
-          </p:childTnLst>
-        </p:cTn>
-      </p:par>
-    </p:tnLst>
-  </p:timing>
-</p:sld>
-</file>
-
-<file path=ppt/slides/slide28.xml><?xml version="1.0" encoding="utf-8"?>
 <p:sld xmlns:a="http://schemas.openxmlformats.org/drawingml/2006/main" xmlns:r="http://schemas.openxmlformats.org/officeDocument/2006/relationships" xmlns:p="http://schemas.openxmlformats.org/presentationml/2006/main">
   <p:cSld>
     <p:spTree>
@@ -21461,7 +20849,7 @@
 </p:sld>
 </file>
 
-<file path=ppt/slides/slide29.xml><?xml version="1.0" encoding="utf-8"?>
+<file path=ppt/slides/slide28.xml><?xml version="1.0" encoding="utf-8"?>
 <p:sld xmlns:a="http://schemas.openxmlformats.org/drawingml/2006/main" xmlns:r="http://schemas.openxmlformats.org/officeDocument/2006/relationships" xmlns:p="http://schemas.openxmlformats.org/presentationml/2006/main">
   <p:cSld>
     <p:spTree>
@@ -21813,7 +21201,6 @@
               <a:rPr lang="en-US" altLang="zh-CN" dirty="0"/>
               <a:t>));</a:t>
             </a:r>
-            <a:endParaRPr lang="en-US" altLang="zh-CN" dirty="0"/>
           </a:p>
         </p:txBody>
       </p:sp>
@@ -23023,500 +22410,7 @@
 </p:sld>
 </file>
 
-<file path=ppt/slides/slide3.xml><?xml version="1.0" encoding="utf-8"?>
-<p:sld xmlns:a="http://schemas.openxmlformats.org/drawingml/2006/main" xmlns:r="http://schemas.openxmlformats.org/officeDocument/2006/relationships" xmlns:p="http://schemas.openxmlformats.org/presentationml/2006/main">
-  <p:cSld>
-    <p:spTree>
-      <p:nvGrpSpPr>
-        <p:cNvPr id="1" name=""/>
-        <p:cNvGrpSpPr/>
-        <p:nvPr/>
-      </p:nvGrpSpPr>
-      <p:grpSpPr>
-        <a:xfrm>
-          <a:off x="0" y="0"/>
-          <a:ext cx="0" cy="0"/>
-          <a:chOff x="0" y="0"/>
-          <a:chExt cx="0" cy="0"/>
-        </a:xfrm>
-      </p:grpSpPr>
-      <p:sp>
-        <p:nvSpPr>
-          <p:cNvPr id="2" name="标题 1"/>
-          <p:cNvSpPr>
-            <a:spLocks noGrp="1"/>
-          </p:cNvSpPr>
-          <p:nvPr>
-            <p:ph type="title"/>
-          </p:nvPr>
-        </p:nvSpPr>
-        <p:spPr/>
-        <p:txBody>
-          <a:bodyPr/>
-          <a:lstStyle/>
-          <a:p>
-            <a:r>
-              <a:rPr lang="en-US" altLang="zh-CN" dirty="0" smtClean="0"/>
-              <a:t>Introduction to RPC</a:t>
-            </a:r>
-            <a:endParaRPr lang="zh-CN" altLang="en-US" dirty="0"/>
-          </a:p>
-        </p:txBody>
-      </p:sp>
-      <p:sp>
-        <p:nvSpPr>
-          <p:cNvPr id="3" name="文本占位符 2"/>
-          <p:cNvSpPr>
-            <a:spLocks noGrp="1"/>
-          </p:cNvSpPr>
-          <p:nvPr>
-            <p:ph type="body" sz="half" idx="2"/>
-          </p:nvPr>
-        </p:nvSpPr>
-        <p:spPr/>
-        <p:txBody>
-          <a:bodyPr/>
-          <a:lstStyle/>
-          <a:p>
-            <a:r>
-              <a:rPr lang="en-US" altLang="zh-CN" b="1" dirty="0"/>
-              <a:t>Remote Procedure Calls </a:t>
-            </a:r>
-          </a:p>
-          <a:p>
-            <a:r>
-              <a:rPr lang="en-US" altLang="zh-CN" dirty="0"/>
-              <a:t>Call the function on the remote computer just </a:t>
-            </a:r>
-            <a:r>
-              <a:rPr lang="en-US" altLang="zh-CN" dirty="0" smtClean="0"/>
-              <a:t>like local </a:t>
-            </a:r>
-            <a:r>
-              <a:rPr lang="en-US" altLang="zh-CN" dirty="0"/>
-              <a:t>function </a:t>
-            </a:r>
-            <a:r>
-              <a:rPr lang="en-US" altLang="zh-CN" dirty="0" smtClean="0"/>
-              <a:t>calls</a:t>
-            </a:r>
-          </a:p>
-          <a:p>
-            <a:endParaRPr lang="en-US" altLang="zh-CN" dirty="0" smtClean="0"/>
-          </a:p>
-          <a:p>
-            <a:r>
-              <a:rPr lang="en-US" altLang="zh-CN" b="1" dirty="0" smtClean="0"/>
-              <a:t>Advantages:</a:t>
-            </a:r>
-            <a:endParaRPr lang="en-US" altLang="zh-CN" dirty="0" smtClean="0"/>
-          </a:p>
-          <a:p>
-            <a:pPr marL="285750" indent="-285750">
-              <a:buFont typeface="Arial" panose="020B0604020202020204" pitchFamily="34" charset="0"/>
-              <a:buChar char="•"/>
-            </a:pPr>
-            <a:r>
-              <a:rPr lang="en-US" altLang="zh-CN" dirty="0" smtClean="0"/>
-              <a:t>Very easy to use, hide complications and details of network and framework</a:t>
-            </a:r>
-          </a:p>
-          <a:p>
-            <a:pPr marL="285750" indent="-285750">
-              <a:buFont typeface="Arial" panose="020B0604020202020204" pitchFamily="34" charset="0"/>
-              <a:buChar char="•"/>
-            </a:pPr>
-            <a:r>
-              <a:rPr lang="en-US" altLang="zh-CN" dirty="0"/>
-              <a:t>Greatly improve the efficiency of the development of </a:t>
-            </a:r>
-            <a:r>
-              <a:rPr lang="en-US" altLang="zh-CN" dirty="0" err="1"/>
-              <a:t>interprocess</a:t>
-            </a:r>
-            <a:r>
-              <a:rPr lang="en-US" altLang="zh-CN" dirty="0"/>
-              <a:t> </a:t>
-            </a:r>
-            <a:r>
-              <a:rPr lang="en-US" altLang="zh-CN" dirty="0" smtClean="0"/>
-              <a:t>communication</a:t>
-            </a:r>
-          </a:p>
-        </p:txBody>
-      </p:sp>
-    </p:spTree>
-    <p:extLst>
-      <p:ext uri="{BB962C8B-B14F-4D97-AF65-F5344CB8AC3E}">
-        <p14:creationId xmlns:p14="http://schemas.microsoft.com/office/powerpoint/2010/main" val="3135205154"/>
-      </p:ext>
-    </p:extLst>
-  </p:cSld>
-  <p:clrMapOvr>
-    <a:masterClrMapping/>
-  </p:clrMapOvr>
-  <p:timing>
-    <p:tnLst>
-      <p:par>
-        <p:cTn id="1" dur="indefinite" restart="never" nodeType="tmRoot">
-          <p:childTnLst>
-            <p:seq concurrent="1" nextAc="seek">
-              <p:cTn id="2" dur="indefinite" nodeType="mainSeq">
-                <p:childTnLst>
-                  <p:par>
-                    <p:cTn id="3" fill="hold">
-                      <p:stCondLst>
-                        <p:cond delay="indefinite"/>
-                      </p:stCondLst>
-                      <p:childTnLst>
-                        <p:par>
-                          <p:cTn id="4" fill="hold">
-                            <p:stCondLst>
-                              <p:cond delay="0"/>
-                            </p:stCondLst>
-                            <p:childTnLst>
-                              <p:par>
-                                <p:cTn id="5" presetID="2" presetClass="entr" presetSubtype="4" fill="hold" nodeType="clickEffect">
-                                  <p:stCondLst>
-                                    <p:cond delay="0"/>
-                                  </p:stCondLst>
-                                  <p:childTnLst>
-                                    <p:set>
-                                      <p:cBhvr>
-                                        <p:cTn id="6" dur="1" fill="hold">
-                                          <p:stCondLst>
-                                            <p:cond delay="0"/>
-                                          </p:stCondLst>
-                                        </p:cTn>
-                                        <p:tgtEl>
-                                          <p:spTgt spid="3">
-                                            <p:txEl>
-                                              <p:pRg st="1" end="1"/>
-                                            </p:txEl>
-                                          </p:spTgt>
-                                        </p:tgtEl>
-                                        <p:attrNameLst>
-                                          <p:attrName>style.visibility</p:attrName>
-                                        </p:attrNameLst>
-                                      </p:cBhvr>
-                                      <p:to>
-                                        <p:strVal val="visible"/>
-                                      </p:to>
-                                    </p:set>
-                                    <p:anim calcmode="lin" valueType="num">
-                                      <p:cBhvr additive="base">
-                                        <p:cTn id="7" dur="500" fill="hold"/>
-                                        <p:tgtEl>
-                                          <p:spTgt spid="3">
-                                            <p:txEl>
-                                              <p:pRg st="1" end="1"/>
-                                            </p:txEl>
-                                          </p:spTgt>
-                                        </p:tgtEl>
-                                        <p:attrNameLst>
-                                          <p:attrName>ppt_x</p:attrName>
-                                        </p:attrNameLst>
-                                      </p:cBhvr>
-                                      <p:tavLst>
-                                        <p:tav tm="0">
-                                          <p:val>
-                                            <p:strVal val="#ppt_x"/>
-                                          </p:val>
-                                        </p:tav>
-                                        <p:tav tm="100000">
-                                          <p:val>
-                                            <p:strVal val="#ppt_x"/>
-                                          </p:val>
-                                        </p:tav>
-                                      </p:tavLst>
-                                    </p:anim>
-                                    <p:anim calcmode="lin" valueType="num">
-                                      <p:cBhvr additive="base">
-                                        <p:cTn id="8" dur="500" fill="hold"/>
-                                        <p:tgtEl>
-                                          <p:spTgt spid="3">
-                                            <p:txEl>
-                                              <p:pRg st="1" end="1"/>
-                                            </p:txEl>
-                                          </p:spTgt>
-                                        </p:tgtEl>
-                                        <p:attrNameLst>
-                                          <p:attrName>ppt_y</p:attrName>
-                                        </p:attrNameLst>
-                                      </p:cBhvr>
-                                      <p:tavLst>
-                                        <p:tav tm="0">
-                                          <p:val>
-                                            <p:strVal val="1+#ppt_h/2"/>
-                                          </p:val>
-                                        </p:tav>
-                                        <p:tav tm="100000">
-                                          <p:val>
-                                            <p:strVal val="#ppt_y"/>
-                                          </p:val>
-                                        </p:tav>
-                                      </p:tavLst>
-                                    </p:anim>
-                                  </p:childTnLst>
-                                </p:cTn>
-                              </p:par>
-                            </p:childTnLst>
-                          </p:cTn>
-                        </p:par>
-                      </p:childTnLst>
-                    </p:cTn>
-                  </p:par>
-                  <p:par>
-                    <p:cTn id="9" fill="hold">
-                      <p:stCondLst>
-                        <p:cond delay="indefinite"/>
-                      </p:stCondLst>
-                      <p:childTnLst>
-                        <p:par>
-                          <p:cTn id="10" fill="hold">
-                            <p:stCondLst>
-                              <p:cond delay="0"/>
-                            </p:stCondLst>
-                            <p:childTnLst>
-                              <p:par>
-                                <p:cTn id="11" presetID="2" presetClass="entr" presetSubtype="4" fill="hold" nodeType="clickEffect">
-                                  <p:stCondLst>
-                                    <p:cond delay="0"/>
-                                  </p:stCondLst>
-                                  <p:childTnLst>
-                                    <p:set>
-                                      <p:cBhvr>
-                                        <p:cTn id="12" dur="1" fill="hold">
-                                          <p:stCondLst>
-                                            <p:cond delay="0"/>
-                                          </p:stCondLst>
-                                        </p:cTn>
-                                        <p:tgtEl>
-                                          <p:spTgt spid="3">
-                                            <p:txEl>
-                                              <p:pRg st="3" end="3"/>
-                                            </p:txEl>
-                                          </p:spTgt>
-                                        </p:tgtEl>
-                                        <p:attrNameLst>
-                                          <p:attrName>style.visibility</p:attrName>
-                                        </p:attrNameLst>
-                                      </p:cBhvr>
-                                      <p:to>
-                                        <p:strVal val="visible"/>
-                                      </p:to>
-                                    </p:set>
-                                    <p:anim calcmode="lin" valueType="num">
-                                      <p:cBhvr additive="base">
-                                        <p:cTn id="13" dur="500" fill="hold"/>
-                                        <p:tgtEl>
-                                          <p:spTgt spid="3">
-                                            <p:txEl>
-                                              <p:pRg st="3" end="3"/>
-                                            </p:txEl>
-                                          </p:spTgt>
-                                        </p:tgtEl>
-                                        <p:attrNameLst>
-                                          <p:attrName>ppt_x</p:attrName>
-                                        </p:attrNameLst>
-                                      </p:cBhvr>
-                                      <p:tavLst>
-                                        <p:tav tm="0">
-                                          <p:val>
-                                            <p:strVal val="#ppt_x"/>
-                                          </p:val>
-                                        </p:tav>
-                                        <p:tav tm="100000">
-                                          <p:val>
-                                            <p:strVal val="#ppt_x"/>
-                                          </p:val>
-                                        </p:tav>
-                                      </p:tavLst>
-                                    </p:anim>
-                                    <p:anim calcmode="lin" valueType="num">
-                                      <p:cBhvr additive="base">
-                                        <p:cTn id="14" dur="500" fill="hold"/>
-                                        <p:tgtEl>
-                                          <p:spTgt spid="3">
-                                            <p:txEl>
-                                              <p:pRg st="3" end="3"/>
-                                            </p:txEl>
-                                          </p:spTgt>
-                                        </p:tgtEl>
-                                        <p:attrNameLst>
-                                          <p:attrName>ppt_y</p:attrName>
-                                        </p:attrNameLst>
-                                      </p:cBhvr>
-                                      <p:tavLst>
-                                        <p:tav tm="0">
-                                          <p:val>
-                                            <p:strVal val="1+#ppt_h/2"/>
-                                          </p:val>
-                                        </p:tav>
-                                        <p:tav tm="100000">
-                                          <p:val>
-                                            <p:strVal val="#ppt_y"/>
-                                          </p:val>
-                                        </p:tav>
-                                      </p:tavLst>
-                                    </p:anim>
-                                  </p:childTnLst>
-                                </p:cTn>
-                              </p:par>
-                            </p:childTnLst>
-                          </p:cTn>
-                        </p:par>
-                      </p:childTnLst>
-                    </p:cTn>
-                  </p:par>
-                  <p:par>
-                    <p:cTn id="15" fill="hold">
-                      <p:stCondLst>
-                        <p:cond delay="indefinite"/>
-                      </p:stCondLst>
-                      <p:childTnLst>
-                        <p:par>
-                          <p:cTn id="16" fill="hold">
-                            <p:stCondLst>
-                              <p:cond delay="0"/>
-                            </p:stCondLst>
-                            <p:childTnLst>
-                              <p:par>
-                                <p:cTn id="17" presetID="6" presetClass="entr" presetSubtype="16" fill="hold" nodeType="clickEffect">
-                                  <p:stCondLst>
-                                    <p:cond delay="0"/>
-                                  </p:stCondLst>
-                                  <p:childTnLst>
-                                    <p:set>
-                                      <p:cBhvr>
-                                        <p:cTn id="18" dur="1" fill="hold">
-                                          <p:stCondLst>
-                                            <p:cond delay="0"/>
-                                          </p:stCondLst>
-                                        </p:cTn>
-                                        <p:tgtEl>
-                                          <p:spTgt spid="3">
-                                            <p:txEl>
-                                              <p:pRg st="4" end="4"/>
-                                            </p:txEl>
-                                          </p:spTgt>
-                                        </p:tgtEl>
-                                        <p:attrNameLst>
-                                          <p:attrName>style.visibility</p:attrName>
-                                        </p:attrNameLst>
-                                      </p:cBhvr>
-                                      <p:to>
-                                        <p:strVal val="visible"/>
-                                      </p:to>
-                                    </p:set>
-                                    <p:animEffect transition="in" filter="circle(in)">
-                                      <p:cBhvr>
-                                        <p:cTn id="19" dur="2000"/>
-                                        <p:tgtEl>
-                                          <p:spTgt spid="3">
-                                            <p:txEl>
-                                              <p:pRg st="4" end="4"/>
-                                            </p:txEl>
-                                          </p:spTgt>
-                                        </p:tgtEl>
-                                      </p:cBhvr>
-                                    </p:animEffect>
-                                  </p:childTnLst>
-                                </p:cTn>
-                              </p:par>
-                            </p:childTnLst>
-                          </p:cTn>
-                        </p:par>
-                      </p:childTnLst>
-                    </p:cTn>
-                  </p:par>
-                  <p:par>
-                    <p:cTn id="20" fill="hold">
-                      <p:stCondLst>
-                        <p:cond delay="indefinite"/>
-                      </p:stCondLst>
-                      <p:childTnLst>
-                        <p:par>
-                          <p:cTn id="21" fill="hold">
-                            <p:stCondLst>
-                              <p:cond delay="0"/>
-                            </p:stCondLst>
-                            <p:childTnLst>
-                              <p:par>
-                                <p:cTn id="22" presetID="22" presetClass="entr" presetSubtype="4" fill="hold" nodeType="clickEffect">
-                                  <p:stCondLst>
-                                    <p:cond delay="0"/>
-                                  </p:stCondLst>
-                                  <p:childTnLst>
-                                    <p:set>
-                                      <p:cBhvr>
-                                        <p:cTn id="23" dur="1" fill="hold">
-                                          <p:stCondLst>
-                                            <p:cond delay="0"/>
-                                          </p:stCondLst>
-                                        </p:cTn>
-                                        <p:tgtEl>
-                                          <p:spTgt spid="3">
-                                            <p:txEl>
-                                              <p:pRg st="5" end="5"/>
-                                            </p:txEl>
-                                          </p:spTgt>
-                                        </p:tgtEl>
-                                        <p:attrNameLst>
-                                          <p:attrName>style.visibility</p:attrName>
-                                        </p:attrNameLst>
-                                      </p:cBhvr>
-                                      <p:to>
-                                        <p:strVal val="visible"/>
-                                      </p:to>
-                                    </p:set>
-                                    <p:animEffect transition="in" filter="wipe(down)">
-                                      <p:cBhvr>
-                                        <p:cTn id="24" dur="500"/>
-                                        <p:tgtEl>
-                                          <p:spTgt spid="3">
-                                            <p:txEl>
-                                              <p:pRg st="5" end="5"/>
-                                            </p:txEl>
-                                          </p:spTgt>
-                                        </p:tgtEl>
-                                      </p:cBhvr>
-                                    </p:animEffect>
-                                  </p:childTnLst>
-                                </p:cTn>
-                              </p:par>
-                            </p:childTnLst>
-                          </p:cTn>
-                        </p:par>
-                      </p:childTnLst>
-                    </p:cTn>
-                  </p:par>
-                </p:childTnLst>
-              </p:cTn>
-              <p:prevCondLst>
-                <p:cond evt="onPrev" delay="0">
-                  <p:tgtEl>
-                    <p:sldTgt/>
-                  </p:tgtEl>
-                </p:cond>
-              </p:prevCondLst>
-              <p:nextCondLst>
-                <p:cond evt="onNext" delay="0">
-                  <p:tgtEl>
-                    <p:sldTgt/>
-                  </p:tgtEl>
-                </p:cond>
-              </p:nextCondLst>
-            </p:seq>
-          </p:childTnLst>
-        </p:cTn>
-      </p:par>
-    </p:tnLst>
-  </p:timing>
-</p:sld>
-</file>
-
-<file path=ppt/slides/slide30.xml><?xml version="1.0" encoding="utf-8"?>
+<file path=ppt/slides/slide29.xml><?xml version="1.0" encoding="utf-8"?>
 <p:sld xmlns:a="http://schemas.openxmlformats.org/drawingml/2006/main" xmlns:r="http://schemas.openxmlformats.org/officeDocument/2006/relationships" xmlns:p="http://schemas.openxmlformats.org/presentationml/2006/main">
   <p:cSld>
     <p:spTree>
@@ -23908,11 +22802,7 @@
           <a:p>
             <a:r>
               <a:rPr lang="en-US" altLang="zh-CN" dirty="0" smtClean="0"/>
-              <a:t>Pretend </a:t>
-            </a:r>
-            <a:r>
-              <a:rPr lang="en-US" altLang="zh-CN" dirty="0" smtClean="0"/>
-              <a:t>to call,</a:t>
+              <a:t>Pretend to call,</a:t>
             </a:r>
           </a:p>
           <a:p>
@@ -24480,6 +23370,696 @@
 </p:sld>
 </file>
 
+<file path=ppt/slides/slide3.xml><?xml version="1.0" encoding="utf-8"?>
+<p:sld xmlns:a="http://schemas.openxmlformats.org/drawingml/2006/main" xmlns:r="http://schemas.openxmlformats.org/officeDocument/2006/relationships" xmlns:p="http://schemas.openxmlformats.org/presentationml/2006/main">
+  <p:cSld>
+    <p:spTree>
+      <p:nvGrpSpPr>
+        <p:cNvPr id="1" name=""/>
+        <p:cNvGrpSpPr/>
+        <p:nvPr/>
+      </p:nvGrpSpPr>
+      <p:grpSpPr>
+        <a:xfrm>
+          <a:off x="0" y="0"/>
+          <a:ext cx="0" cy="0"/>
+          <a:chOff x="0" y="0"/>
+          <a:chExt cx="0" cy="0"/>
+        </a:xfrm>
+      </p:grpSpPr>
+      <p:sp>
+        <p:nvSpPr>
+          <p:cNvPr id="2" name="标题 1"/>
+          <p:cNvSpPr>
+            <a:spLocks noGrp="1"/>
+          </p:cNvSpPr>
+          <p:nvPr>
+            <p:ph type="title"/>
+          </p:nvPr>
+        </p:nvSpPr>
+        <p:spPr/>
+        <p:txBody>
+          <a:bodyPr/>
+          <a:lstStyle/>
+          <a:p>
+            <a:r>
+              <a:rPr lang="en-US" altLang="zh-CN" dirty="0" smtClean="0"/>
+              <a:t>Introduction to RPC</a:t>
+            </a:r>
+            <a:endParaRPr lang="zh-CN" altLang="en-US" dirty="0"/>
+          </a:p>
+        </p:txBody>
+      </p:sp>
+      <p:sp>
+        <p:nvSpPr>
+          <p:cNvPr id="3" name="文本占位符 2"/>
+          <p:cNvSpPr>
+            <a:spLocks noGrp="1"/>
+          </p:cNvSpPr>
+          <p:nvPr>
+            <p:ph type="body" sz="half" idx="2"/>
+          </p:nvPr>
+        </p:nvSpPr>
+        <p:spPr/>
+        <p:txBody>
+          <a:bodyPr/>
+          <a:lstStyle/>
+          <a:p>
+            <a:r>
+              <a:rPr lang="en-US" altLang="zh-CN" b="1" dirty="0"/>
+              <a:t>Remote Procedure Calls </a:t>
+            </a:r>
+          </a:p>
+          <a:p>
+            <a:r>
+              <a:rPr lang="en-US" altLang="zh-CN" dirty="0"/>
+              <a:t>Call the function on the remote computer just </a:t>
+            </a:r>
+            <a:r>
+              <a:rPr lang="en-US" altLang="zh-CN" dirty="0" smtClean="0"/>
+              <a:t>like local </a:t>
+            </a:r>
+            <a:r>
+              <a:rPr lang="en-US" altLang="zh-CN" dirty="0"/>
+              <a:t>function </a:t>
+            </a:r>
+            <a:r>
+              <a:rPr lang="en-US" altLang="zh-CN" dirty="0" smtClean="0"/>
+              <a:t>calls</a:t>
+            </a:r>
+          </a:p>
+          <a:p>
+            <a:endParaRPr lang="en-US" altLang="zh-CN" dirty="0" smtClean="0"/>
+          </a:p>
+          <a:p>
+            <a:r>
+              <a:rPr lang="en-US" altLang="zh-CN" b="1" dirty="0" smtClean="0"/>
+              <a:t>Advantages:</a:t>
+            </a:r>
+            <a:endParaRPr lang="en-US" altLang="zh-CN" dirty="0" smtClean="0"/>
+          </a:p>
+          <a:p>
+            <a:pPr marL="285750" indent="-285750">
+              <a:buFont typeface="Arial" panose="020B0604020202020204" pitchFamily="34" charset="0"/>
+              <a:buChar char="•"/>
+            </a:pPr>
+            <a:r>
+              <a:rPr lang="en-US" altLang="zh-CN" dirty="0" smtClean="0"/>
+              <a:t>Very easy to use, hide complications and details of network and framework</a:t>
+            </a:r>
+          </a:p>
+          <a:p>
+            <a:pPr marL="285750" indent="-285750">
+              <a:buFont typeface="Arial" panose="020B0604020202020204" pitchFamily="34" charset="0"/>
+              <a:buChar char="•"/>
+            </a:pPr>
+            <a:r>
+              <a:rPr lang="en-US" altLang="zh-CN" dirty="0"/>
+              <a:t>Greatly improve the efficiency of the development of </a:t>
+            </a:r>
+            <a:r>
+              <a:rPr lang="en-US" altLang="zh-CN" dirty="0" err="1"/>
+              <a:t>interprocess</a:t>
+            </a:r>
+            <a:r>
+              <a:rPr lang="en-US" altLang="zh-CN" dirty="0"/>
+              <a:t> </a:t>
+            </a:r>
+            <a:r>
+              <a:rPr lang="en-US" altLang="zh-CN" dirty="0" smtClean="0"/>
+              <a:t>communication</a:t>
+            </a:r>
+          </a:p>
+        </p:txBody>
+      </p:sp>
+    </p:spTree>
+    <p:extLst>
+      <p:ext uri="{BB962C8B-B14F-4D97-AF65-F5344CB8AC3E}">
+        <p14:creationId xmlns:p14="http://schemas.microsoft.com/office/powerpoint/2010/main" val="3135205154"/>
+      </p:ext>
+    </p:extLst>
+  </p:cSld>
+  <p:clrMapOvr>
+    <a:masterClrMapping/>
+  </p:clrMapOvr>
+  <p:timing>
+    <p:tnLst>
+      <p:par>
+        <p:cTn id="1" dur="indefinite" restart="never" nodeType="tmRoot">
+          <p:childTnLst>
+            <p:seq concurrent="1" nextAc="seek">
+              <p:cTn id="2" dur="indefinite" nodeType="mainSeq">
+                <p:childTnLst>
+                  <p:par>
+                    <p:cTn id="3" fill="hold">
+                      <p:stCondLst>
+                        <p:cond delay="indefinite"/>
+                      </p:stCondLst>
+                      <p:childTnLst>
+                        <p:par>
+                          <p:cTn id="4" fill="hold">
+                            <p:stCondLst>
+                              <p:cond delay="0"/>
+                            </p:stCondLst>
+                            <p:childTnLst>
+                              <p:par>
+                                <p:cTn id="5" presetID="2" presetClass="entr" presetSubtype="4" fill="hold" nodeType="clickEffect">
+                                  <p:stCondLst>
+                                    <p:cond delay="0"/>
+                                  </p:stCondLst>
+                                  <p:childTnLst>
+                                    <p:set>
+                                      <p:cBhvr>
+                                        <p:cTn id="6" dur="1" fill="hold">
+                                          <p:stCondLst>
+                                            <p:cond delay="0"/>
+                                          </p:stCondLst>
+                                        </p:cTn>
+                                        <p:tgtEl>
+                                          <p:spTgt spid="3">
+                                            <p:txEl>
+                                              <p:pRg st="1" end="1"/>
+                                            </p:txEl>
+                                          </p:spTgt>
+                                        </p:tgtEl>
+                                        <p:attrNameLst>
+                                          <p:attrName>style.visibility</p:attrName>
+                                        </p:attrNameLst>
+                                      </p:cBhvr>
+                                      <p:to>
+                                        <p:strVal val="visible"/>
+                                      </p:to>
+                                    </p:set>
+                                    <p:anim calcmode="lin" valueType="num">
+                                      <p:cBhvr additive="base">
+                                        <p:cTn id="7" dur="500" fill="hold"/>
+                                        <p:tgtEl>
+                                          <p:spTgt spid="3">
+                                            <p:txEl>
+                                              <p:pRg st="1" end="1"/>
+                                            </p:txEl>
+                                          </p:spTgt>
+                                        </p:tgtEl>
+                                        <p:attrNameLst>
+                                          <p:attrName>ppt_x</p:attrName>
+                                        </p:attrNameLst>
+                                      </p:cBhvr>
+                                      <p:tavLst>
+                                        <p:tav tm="0">
+                                          <p:val>
+                                            <p:strVal val="#ppt_x"/>
+                                          </p:val>
+                                        </p:tav>
+                                        <p:tav tm="100000">
+                                          <p:val>
+                                            <p:strVal val="#ppt_x"/>
+                                          </p:val>
+                                        </p:tav>
+                                      </p:tavLst>
+                                    </p:anim>
+                                    <p:anim calcmode="lin" valueType="num">
+                                      <p:cBhvr additive="base">
+                                        <p:cTn id="8" dur="500" fill="hold"/>
+                                        <p:tgtEl>
+                                          <p:spTgt spid="3">
+                                            <p:txEl>
+                                              <p:pRg st="1" end="1"/>
+                                            </p:txEl>
+                                          </p:spTgt>
+                                        </p:tgtEl>
+                                        <p:attrNameLst>
+                                          <p:attrName>ppt_y</p:attrName>
+                                        </p:attrNameLst>
+                                      </p:cBhvr>
+                                      <p:tavLst>
+                                        <p:tav tm="0">
+                                          <p:val>
+                                            <p:strVal val="1+#ppt_h/2"/>
+                                          </p:val>
+                                        </p:tav>
+                                        <p:tav tm="100000">
+                                          <p:val>
+                                            <p:strVal val="#ppt_y"/>
+                                          </p:val>
+                                        </p:tav>
+                                      </p:tavLst>
+                                    </p:anim>
+                                  </p:childTnLst>
+                                </p:cTn>
+                              </p:par>
+                            </p:childTnLst>
+                          </p:cTn>
+                        </p:par>
+                      </p:childTnLst>
+                    </p:cTn>
+                  </p:par>
+                  <p:par>
+                    <p:cTn id="9" fill="hold">
+                      <p:stCondLst>
+                        <p:cond delay="indefinite"/>
+                      </p:stCondLst>
+                      <p:childTnLst>
+                        <p:par>
+                          <p:cTn id="10" fill="hold">
+                            <p:stCondLst>
+                              <p:cond delay="0"/>
+                            </p:stCondLst>
+                            <p:childTnLst>
+                              <p:par>
+                                <p:cTn id="11" presetID="2" presetClass="entr" presetSubtype="4" fill="hold" nodeType="clickEffect">
+                                  <p:stCondLst>
+                                    <p:cond delay="0"/>
+                                  </p:stCondLst>
+                                  <p:childTnLst>
+                                    <p:set>
+                                      <p:cBhvr>
+                                        <p:cTn id="12" dur="1" fill="hold">
+                                          <p:stCondLst>
+                                            <p:cond delay="0"/>
+                                          </p:stCondLst>
+                                        </p:cTn>
+                                        <p:tgtEl>
+                                          <p:spTgt spid="3">
+                                            <p:txEl>
+                                              <p:pRg st="3" end="3"/>
+                                            </p:txEl>
+                                          </p:spTgt>
+                                        </p:tgtEl>
+                                        <p:attrNameLst>
+                                          <p:attrName>style.visibility</p:attrName>
+                                        </p:attrNameLst>
+                                      </p:cBhvr>
+                                      <p:to>
+                                        <p:strVal val="visible"/>
+                                      </p:to>
+                                    </p:set>
+                                    <p:anim calcmode="lin" valueType="num">
+                                      <p:cBhvr additive="base">
+                                        <p:cTn id="13" dur="500" fill="hold"/>
+                                        <p:tgtEl>
+                                          <p:spTgt spid="3">
+                                            <p:txEl>
+                                              <p:pRg st="3" end="3"/>
+                                            </p:txEl>
+                                          </p:spTgt>
+                                        </p:tgtEl>
+                                        <p:attrNameLst>
+                                          <p:attrName>ppt_x</p:attrName>
+                                        </p:attrNameLst>
+                                      </p:cBhvr>
+                                      <p:tavLst>
+                                        <p:tav tm="0">
+                                          <p:val>
+                                            <p:strVal val="#ppt_x"/>
+                                          </p:val>
+                                        </p:tav>
+                                        <p:tav tm="100000">
+                                          <p:val>
+                                            <p:strVal val="#ppt_x"/>
+                                          </p:val>
+                                        </p:tav>
+                                      </p:tavLst>
+                                    </p:anim>
+                                    <p:anim calcmode="lin" valueType="num">
+                                      <p:cBhvr additive="base">
+                                        <p:cTn id="14" dur="500" fill="hold"/>
+                                        <p:tgtEl>
+                                          <p:spTgt spid="3">
+                                            <p:txEl>
+                                              <p:pRg st="3" end="3"/>
+                                            </p:txEl>
+                                          </p:spTgt>
+                                        </p:tgtEl>
+                                        <p:attrNameLst>
+                                          <p:attrName>ppt_y</p:attrName>
+                                        </p:attrNameLst>
+                                      </p:cBhvr>
+                                      <p:tavLst>
+                                        <p:tav tm="0">
+                                          <p:val>
+                                            <p:strVal val="1+#ppt_h/2"/>
+                                          </p:val>
+                                        </p:tav>
+                                        <p:tav tm="100000">
+                                          <p:val>
+                                            <p:strVal val="#ppt_y"/>
+                                          </p:val>
+                                        </p:tav>
+                                      </p:tavLst>
+                                    </p:anim>
+                                  </p:childTnLst>
+                                </p:cTn>
+                              </p:par>
+                            </p:childTnLst>
+                          </p:cTn>
+                        </p:par>
+                      </p:childTnLst>
+                    </p:cTn>
+                  </p:par>
+                  <p:par>
+                    <p:cTn id="15" fill="hold">
+                      <p:stCondLst>
+                        <p:cond delay="indefinite"/>
+                      </p:stCondLst>
+                      <p:childTnLst>
+                        <p:par>
+                          <p:cTn id="16" fill="hold">
+                            <p:stCondLst>
+                              <p:cond delay="0"/>
+                            </p:stCondLst>
+                            <p:childTnLst>
+                              <p:par>
+                                <p:cTn id="17" presetID="6" presetClass="entr" presetSubtype="16" fill="hold" nodeType="clickEffect">
+                                  <p:stCondLst>
+                                    <p:cond delay="0"/>
+                                  </p:stCondLst>
+                                  <p:childTnLst>
+                                    <p:set>
+                                      <p:cBhvr>
+                                        <p:cTn id="18" dur="1" fill="hold">
+                                          <p:stCondLst>
+                                            <p:cond delay="0"/>
+                                          </p:stCondLst>
+                                        </p:cTn>
+                                        <p:tgtEl>
+                                          <p:spTgt spid="3">
+                                            <p:txEl>
+                                              <p:pRg st="4" end="4"/>
+                                            </p:txEl>
+                                          </p:spTgt>
+                                        </p:tgtEl>
+                                        <p:attrNameLst>
+                                          <p:attrName>style.visibility</p:attrName>
+                                        </p:attrNameLst>
+                                      </p:cBhvr>
+                                      <p:to>
+                                        <p:strVal val="visible"/>
+                                      </p:to>
+                                    </p:set>
+                                    <p:animEffect transition="in" filter="circle(in)">
+                                      <p:cBhvr>
+                                        <p:cTn id="19" dur="2000"/>
+                                        <p:tgtEl>
+                                          <p:spTgt spid="3">
+                                            <p:txEl>
+                                              <p:pRg st="4" end="4"/>
+                                            </p:txEl>
+                                          </p:spTgt>
+                                        </p:tgtEl>
+                                      </p:cBhvr>
+                                    </p:animEffect>
+                                  </p:childTnLst>
+                                </p:cTn>
+                              </p:par>
+                            </p:childTnLst>
+                          </p:cTn>
+                        </p:par>
+                      </p:childTnLst>
+                    </p:cTn>
+                  </p:par>
+                  <p:par>
+                    <p:cTn id="20" fill="hold">
+                      <p:stCondLst>
+                        <p:cond delay="indefinite"/>
+                      </p:stCondLst>
+                      <p:childTnLst>
+                        <p:par>
+                          <p:cTn id="21" fill="hold">
+                            <p:stCondLst>
+                              <p:cond delay="0"/>
+                            </p:stCondLst>
+                            <p:childTnLst>
+                              <p:par>
+                                <p:cTn id="22" presetID="22" presetClass="entr" presetSubtype="4" fill="hold" nodeType="clickEffect">
+                                  <p:stCondLst>
+                                    <p:cond delay="0"/>
+                                  </p:stCondLst>
+                                  <p:childTnLst>
+                                    <p:set>
+                                      <p:cBhvr>
+                                        <p:cTn id="23" dur="1" fill="hold">
+                                          <p:stCondLst>
+                                            <p:cond delay="0"/>
+                                          </p:stCondLst>
+                                        </p:cTn>
+                                        <p:tgtEl>
+                                          <p:spTgt spid="3">
+                                            <p:txEl>
+                                              <p:pRg st="5" end="5"/>
+                                            </p:txEl>
+                                          </p:spTgt>
+                                        </p:tgtEl>
+                                        <p:attrNameLst>
+                                          <p:attrName>style.visibility</p:attrName>
+                                        </p:attrNameLst>
+                                      </p:cBhvr>
+                                      <p:to>
+                                        <p:strVal val="visible"/>
+                                      </p:to>
+                                    </p:set>
+                                    <p:animEffect transition="in" filter="wipe(down)">
+                                      <p:cBhvr>
+                                        <p:cTn id="24" dur="500"/>
+                                        <p:tgtEl>
+                                          <p:spTgt spid="3">
+                                            <p:txEl>
+                                              <p:pRg st="5" end="5"/>
+                                            </p:txEl>
+                                          </p:spTgt>
+                                        </p:tgtEl>
+                                      </p:cBhvr>
+                                    </p:animEffect>
+                                  </p:childTnLst>
+                                </p:cTn>
+                              </p:par>
+                            </p:childTnLst>
+                          </p:cTn>
+                        </p:par>
+                      </p:childTnLst>
+                    </p:cTn>
+                  </p:par>
+                </p:childTnLst>
+              </p:cTn>
+              <p:prevCondLst>
+                <p:cond evt="onPrev" delay="0">
+                  <p:tgtEl>
+                    <p:sldTgt/>
+                  </p:tgtEl>
+                </p:cond>
+              </p:prevCondLst>
+              <p:nextCondLst>
+                <p:cond evt="onNext" delay="0">
+                  <p:tgtEl>
+                    <p:sldTgt/>
+                  </p:tgtEl>
+                </p:cond>
+              </p:nextCondLst>
+            </p:seq>
+          </p:childTnLst>
+        </p:cTn>
+      </p:par>
+    </p:tnLst>
+  </p:timing>
+</p:sld>
+</file>
+
+<file path=ppt/slides/slide30.xml><?xml version="1.0" encoding="utf-8"?>
+<p:sld xmlns:a="http://schemas.openxmlformats.org/drawingml/2006/main" xmlns:r="http://schemas.openxmlformats.org/officeDocument/2006/relationships" xmlns:p="http://schemas.openxmlformats.org/presentationml/2006/main">
+  <p:cSld>
+    <p:spTree>
+      <p:nvGrpSpPr>
+        <p:cNvPr id="1" name=""/>
+        <p:cNvGrpSpPr/>
+        <p:nvPr/>
+      </p:nvGrpSpPr>
+      <p:grpSpPr>
+        <a:xfrm>
+          <a:off x="0" y="0"/>
+          <a:ext cx="0" cy="0"/>
+          <a:chOff x="0" y="0"/>
+          <a:chExt cx="0" cy="0"/>
+        </a:xfrm>
+      </p:grpSpPr>
+      <p:sp>
+        <p:nvSpPr>
+          <p:cNvPr id="2" name="标题 1"/>
+          <p:cNvSpPr>
+            <a:spLocks noGrp="1"/>
+          </p:cNvSpPr>
+          <p:nvPr>
+            <p:ph type="title"/>
+          </p:nvPr>
+        </p:nvSpPr>
+        <p:spPr/>
+        <p:txBody>
+          <a:bodyPr/>
+          <a:lstStyle/>
+          <a:p>
+            <a:r>
+              <a:rPr lang="en-US" altLang="zh-CN" dirty="0"/>
+              <a:t>How to simplify the call code</a:t>
+            </a:r>
+            <a:endParaRPr lang="zh-CN" altLang="en-US" dirty="0"/>
+          </a:p>
+        </p:txBody>
+      </p:sp>
+      <p:sp>
+        <p:nvSpPr>
+          <p:cNvPr id="3" name="文本占位符 2"/>
+          <p:cNvSpPr>
+            <a:spLocks noGrp="1"/>
+          </p:cNvSpPr>
+          <p:nvPr>
+            <p:ph type="body" sz="half" idx="2"/>
+          </p:nvPr>
+        </p:nvSpPr>
+        <p:spPr/>
+        <p:txBody>
+          <a:bodyPr/>
+          <a:lstStyle/>
+          <a:p>
+            <a:r>
+              <a:rPr lang="en-US" altLang="zh-CN" dirty="0" err="1" smtClean="0"/>
+              <a:t>is_smart_pointer</a:t>
+            </a:r>
+            <a:endParaRPr lang="en-US" altLang="zh-CN" dirty="0" smtClean="0"/>
+          </a:p>
+          <a:p>
+            <a:endParaRPr lang="en-US" altLang="zh-CN" dirty="0" smtClean="0"/>
+          </a:p>
+          <a:p>
+            <a:r>
+              <a:rPr lang="en-US" altLang="zh-CN" dirty="0" err="1" smtClean="0"/>
+              <a:t>static_assert</a:t>
+            </a:r>
+            <a:r>
+              <a:rPr lang="en-US" altLang="zh-CN" dirty="0" smtClean="0"/>
+              <a:t>(</a:t>
+            </a:r>
+            <a:r>
+              <a:rPr lang="en-US" altLang="zh-CN" dirty="0" err="1" smtClean="0"/>
+              <a:t>is_smart_pointer</a:t>
+            </a:r>
+            <a:r>
+              <a:rPr lang="en-US" altLang="zh-CN" dirty="0" smtClean="0"/>
+              <a:t>&lt;</a:t>
+            </a:r>
+            <a:r>
+              <a:rPr lang="en-US" altLang="zh-CN" dirty="0" err="1" smtClean="0"/>
+              <a:t>std</a:t>
+            </a:r>
+            <a:r>
+              <a:rPr lang="en-US" altLang="zh-CN" dirty="0"/>
+              <a:t>::</a:t>
+            </a:r>
+            <a:r>
+              <a:rPr lang="en-US" altLang="zh-CN" dirty="0" err="1"/>
+              <a:t>shared_ptr</a:t>
+            </a:r>
+            <a:r>
+              <a:rPr lang="en-US" altLang="zh-CN" dirty="0"/>
+              <a:t>&lt;</a:t>
+            </a:r>
+            <a:r>
+              <a:rPr lang="en-US" altLang="zh-CN" dirty="0" err="1"/>
+              <a:t>int</a:t>
+            </a:r>
+            <a:r>
+              <a:rPr lang="en-US" altLang="zh-CN" dirty="0"/>
+              <a:t>&gt;&gt;::value, "error"); </a:t>
+            </a:r>
+            <a:r>
+              <a:rPr lang="en-US" altLang="zh-CN" dirty="0" err="1"/>
+              <a:t>static_assert</a:t>
+            </a:r>
+            <a:r>
+              <a:rPr lang="en-US" altLang="zh-CN" dirty="0"/>
+              <a:t>(</a:t>
+            </a:r>
+            <a:r>
+              <a:rPr lang="en-US" altLang="zh-CN" dirty="0" err="1"/>
+              <a:t>is_smart_pointer</a:t>
+            </a:r>
+            <a:r>
+              <a:rPr lang="en-US" altLang="zh-CN" dirty="0"/>
+              <a:t>&lt;</a:t>
+            </a:r>
+            <a:r>
+              <a:rPr lang="en-US" altLang="zh-CN" dirty="0" err="1"/>
+              <a:t>std</a:t>
+            </a:r>
+            <a:r>
+              <a:rPr lang="en-US" altLang="zh-CN" dirty="0"/>
+              <a:t>::</a:t>
+            </a:r>
+            <a:r>
+              <a:rPr lang="en-US" altLang="zh-CN" dirty="0" err="1"/>
+              <a:t>unique_ptr</a:t>
+            </a:r>
+            <a:r>
+              <a:rPr lang="en-US" altLang="zh-CN" dirty="0"/>
+              <a:t>&lt;</a:t>
+            </a:r>
+            <a:r>
+              <a:rPr lang="en-US" altLang="zh-CN" dirty="0" err="1"/>
+              <a:t>int</a:t>
+            </a:r>
+            <a:r>
+              <a:rPr lang="en-US" altLang="zh-CN" dirty="0"/>
+              <a:t>&gt;&gt;::value, "error"); </a:t>
+            </a:r>
+            <a:r>
+              <a:rPr lang="en-US" altLang="zh-CN" dirty="0" err="1" smtClean="0"/>
+              <a:t>static_assert</a:t>
+            </a:r>
+            <a:r>
+              <a:rPr lang="en-US" altLang="zh-CN" dirty="0" smtClean="0"/>
+              <a:t>(</a:t>
+            </a:r>
+            <a:r>
+              <a:rPr lang="en-US" altLang="zh-CN" dirty="0" err="1" smtClean="0"/>
+              <a:t>is_smart_pointer</a:t>
+            </a:r>
+            <a:r>
+              <a:rPr lang="en-US" altLang="zh-CN" dirty="0" smtClean="0"/>
+              <a:t>&lt;</a:t>
+            </a:r>
+            <a:r>
+              <a:rPr lang="en-US" altLang="zh-CN" dirty="0" err="1" smtClean="0"/>
+              <a:t>int</a:t>
+            </a:r>
+            <a:r>
+              <a:rPr lang="en-US" altLang="zh-CN" dirty="0"/>
+              <a:t>*&gt;::value, "error</a:t>
+            </a:r>
+            <a:r>
+              <a:rPr lang="en-US" altLang="zh-CN" dirty="0" smtClean="0"/>
+              <a:t>");  //compile error</a:t>
+            </a:r>
+            <a:endParaRPr lang="zh-CN" altLang="en-US" dirty="0"/>
+          </a:p>
+        </p:txBody>
+      </p:sp>
+    </p:spTree>
+    <p:extLst>
+      <p:ext uri="{BB962C8B-B14F-4D97-AF65-F5344CB8AC3E}">
+        <p14:creationId xmlns:p14="http://schemas.microsoft.com/office/powerpoint/2010/main" val="3464557464"/>
+      </p:ext>
+    </p:extLst>
+  </p:cSld>
+  <p:clrMapOvr>
+    <a:masterClrMapping/>
+  </p:clrMapOvr>
+  <p:timing>
+    <p:tnLst>
+      <p:par>
+        <p:cTn id="1" dur="indefinite" restart="never" nodeType="tmRoot"/>
+      </p:par>
+    </p:tnLst>
+  </p:timing>
+</p:sld>
+</file>
+
 <file path=ppt/slides/slide31.xml><?xml version="1.0" encoding="utf-8"?>
 <p:sld xmlns:a="http://schemas.openxmlformats.org/drawingml/2006/main" xmlns:r="http://schemas.openxmlformats.org/officeDocument/2006/relationships" xmlns:p="http://schemas.openxmlformats.org/presentationml/2006/main">
   <p:cSld>
@@ -24536,122 +24116,265 @@
           <a:lstStyle/>
           <a:p>
             <a:r>
+              <a:rPr lang="en-US" altLang="zh-CN" dirty="0"/>
+              <a:t>template &lt;</a:t>
+            </a:r>
+            <a:r>
+              <a:rPr lang="en-US" altLang="zh-CN" dirty="0" err="1"/>
+              <a:t>typename</a:t>
+            </a:r>
+            <a:r>
+              <a:rPr lang="en-US" altLang="zh-CN" dirty="0"/>
+              <a:t> T, </a:t>
+            </a:r>
+            <a:r>
+              <a:rPr lang="en-US" altLang="zh-CN" dirty="0" err="1"/>
+              <a:t>typename</a:t>
+            </a:r>
+            <a:r>
+              <a:rPr lang="en-US" altLang="zh-CN" dirty="0"/>
+              <a:t> = void&gt;</a:t>
+            </a:r>
+          </a:p>
+          <a:p>
+            <a:r>
+              <a:rPr lang="en-US" altLang="zh-CN" dirty="0" err="1"/>
+              <a:t>struct</a:t>
+            </a:r>
+            <a:r>
+              <a:rPr lang="en-US" altLang="zh-CN" dirty="0"/>
+              <a:t> </a:t>
+            </a:r>
+            <a:r>
+              <a:rPr lang="en-US" altLang="zh-CN" dirty="0" err="1"/>
+              <a:t>is_smart_pointer</a:t>
+            </a:r>
+            <a:r>
+              <a:rPr lang="en-US" altLang="zh-CN" dirty="0"/>
+              <a:t> : </a:t>
+            </a:r>
+            <a:r>
+              <a:rPr lang="en-US" altLang="zh-CN" dirty="0" err="1"/>
+              <a:t>std</a:t>
+            </a:r>
+            <a:r>
+              <a:rPr lang="en-US" altLang="zh-CN" dirty="0"/>
+              <a:t>::</a:t>
+            </a:r>
+            <a:r>
+              <a:rPr lang="en-US" altLang="zh-CN" dirty="0" err="1"/>
+              <a:t>false_type</a:t>
+            </a:r>
+            <a:endParaRPr lang="en-US" altLang="zh-CN" dirty="0"/>
+          </a:p>
+          <a:p>
+            <a:r>
+              <a:rPr lang="en-US" altLang="zh-CN" dirty="0"/>
+              <a:t>{</a:t>
+            </a:r>
+          </a:p>
+          <a:p>
+            <a:r>
+              <a:rPr lang="en-US" altLang="zh-CN" dirty="0"/>
+              <a:t>};</a:t>
+            </a:r>
+          </a:p>
+          <a:p>
+            <a:endParaRPr lang="zh-CN" altLang="en-US" dirty="0"/>
+          </a:p>
+          <a:p>
+            <a:r>
+              <a:rPr lang="en-US" altLang="zh-CN" dirty="0"/>
+              <a:t>// this way of using SFINEA is type reference and cv qualifiers </a:t>
+            </a:r>
+            <a:r>
+              <a:rPr lang="en-US" altLang="zh-CN" dirty="0" err="1"/>
+              <a:t>immuned</a:t>
+            </a:r>
+            <a:endParaRPr lang="en-US" altLang="zh-CN" dirty="0"/>
+          </a:p>
+          <a:p>
+            <a:r>
+              <a:rPr lang="en-US" altLang="zh-CN" dirty="0"/>
+              <a:t>template &lt;</a:t>
+            </a:r>
+            <a:r>
+              <a:rPr lang="en-US" altLang="zh-CN" dirty="0" err="1"/>
+              <a:t>typename</a:t>
+            </a:r>
+            <a:r>
+              <a:rPr lang="en-US" altLang="zh-CN" dirty="0"/>
+              <a:t> T&gt;</a:t>
+            </a:r>
+          </a:p>
+          <a:p>
+            <a:r>
+              <a:rPr lang="en-US" altLang="zh-CN" dirty="0" err="1"/>
+              <a:t>struct</a:t>
+            </a:r>
+            <a:r>
+              <a:rPr lang="en-US" altLang="zh-CN" dirty="0"/>
+              <a:t> </a:t>
+            </a:r>
+            <a:r>
+              <a:rPr lang="en-US" altLang="zh-CN" dirty="0" err="1"/>
+              <a:t>is_smart_pointer</a:t>
+            </a:r>
+            <a:r>
+              <a:rPr lang="en-US" altLang="zh-CN" dirty="0"/>
+              <a:t>&lt;T,</a:t>
+            </a:r>
+          </a:p>
+          <a:p>
+            <a:r>
+              <a:rPr lang="en-US" altLang="zh-CN" dirty="0" err="1">
+                <a:solidFill>
+                  <a:srgbClr val="FF0000"/>
+                </a:solidFill>
+              </a:rPr>
+              <a:t>std</a:t>
+            </a:r>
+            <a:r>
+              <a:rPr lang="en-US" altLang="zh-CN" dirty="0">
+                <a:solidFill>
+                  <a:srgbClr val="FF0000"/>
+                </a:solidFill>
+              </a:rPr>
+              <a:t>::</a:t>
+            </a:r>
+            <a:r>
+              <a:rPr lang="en-US" altLang="zh-CN" dirty="0" err="1" smtClean="0">
+                <a:solidFill>
+                  <a:srgbClr val="FF0000"/>
+                </a:solidFill>
+              </a:rPr>
+              <a:t>void_t</a:t>
+            </a:r>
+            <a:r>
+              <a:rPr lang="en-US" altLang="zh-CN" dirty="0" smtClean="0"/>
+              <a:t>&lt;</a:t>
+            </a:r>
+            <a:r>
               <a:rPr lang="en-US" altLang="zh-CN" dirty="0" err="1" smtClean="0"/>
-              <a:t>is_smart_pointer</a:t>
-            </a:r>
-            <a:endParaRPr lang="en-US" altLang="zh-CN" dirty="0" smtClean="0"/>
-          </a:p>
-          <a:p>
-            <a:endParaRPr lang="en-US" altLang="zh-CN" dirty="0" smtClean="0"/>
-          </a:p>
-          <a:p>
+              <a:t>decltype</a:t>
+            </a:r>
+            <a:r>
+              <a:rPr lang="en-US" altLang="zh-CN" dirty="0" smtClean="0"/>
+              <a:t>(</a:t>
+            </a:r>
+            <a:r>
+              <a:rPr lang="en-US" altLang="zh-CN" b="1" dirty="0" err="1" smtClean="0"/>
+              <a:t>std</a:t>
+            </a:r>
+            <a:r>
+              <a:rPr lang="en-US" altLang="zh-CN" b="1" dirty="0"/>
+              <a:t>::</a:t>
+            </a:r>
+            <a:r>
+              <a:rPr lang="en-US" altLang="zh-CN" b="1" dirty="0" err="1"/>
+              <a:t>declval</a:t>
+            </a:r>
+            <a:r>
+              <a:rPr lang="en-US" altLang="zh-CN" b="1" dirty="0"/>
+              <a:t>&lt;T&gt;().operator -&gt;</a:t>
+            </a:r>
+            <a:r>
+              <a:rPr lang="en-US" altLang="zh-CN" dirty="0"/>
+              <a:t>()),</a:t>
+            </a:r>
+          </a:p>
+          <a:p>
+            <a:r>
+              <a:rPr lang="en-US" altLang="zh-CN" dirty="0" smtClean="0"/>
+              <a:t>    </a:t>
+            </a:r>
             <a:r>
               <a:rPr lang="en-US" altLang="zh-CN" dirty="0" err="1" smtClean="0"/>
-              <a:t>static_assert</a:t>
+              <a:t>decltype</a:t>
             </a:r>
             <a:r>
               <a:rPr lang="en-US" altLang="zh-CN" dirty="0" smtClean="0"/>
               <a:t>(</a:t>
             </a:r>
             <a:r>
-              <a:rPr lang="en-US" altLang="zh-CN" dirty="0" err="1" smtClean="0"/>
-              <a:t>is_smart_pointer</a:t>
-            </a:r>
-            <a:r>
-              <a:rPr lang="en-US" altLang="zh-CN" dirty="0" smtClean="0"/>
-              <a:t>&lt;</a:t>
-            </a:r>
+              <a:rPr lang="en-US" altLang="zh-CN" b="1" dirty="0" err="1" smtClean="0"/>
+              <a:t>std</a:t>
+            </a:r>
+            <a:r>
+              <a:rPr lang="en-US" altLang="zh-CN" b="1" dirty="0"/>
+              <a:t>::</a:t>
+            </a:r>
+            <a:r>
+              <a:rPr lang="en-US" altLang="zh-CN" b="1" dirty="0" err="1"/>
+              <a:t>declval</a:t>
+            </a:r>
+            <a:r>
+              <a:rPr lang="en-US" altLang="zh-CN" b="1" dirty="0"/>
+              <a:t>&lt;T&gt;().get</a:t>
+            </a:r>
+            <a:r>
+              <a:rPr lang="en-US" altLang="zh-CN" b="1" dirty="0" smtClean="0"/>
+              <a:t>()</a:t>
+            </a:r>
+            <a:r>
+              <a:rPr lang="en-US" altLang="zh-CN" dirty="0" smtClean="0"/>
+              <a:t>)&gt;&gt; </a:t>
+            </a:r>
+            <a:r>
+              <a:rPr lang="en-US" altLang="zh-CN" dirty="0"/>
+              <a:t>: </a:t>
+            </a:r>
+            <a:r>
+              <a:rPr lang="en-US" altLang="zh-CN" dirty="0" err="1"/>
+              <a:t>std</a:t>
+            </a:r>
+            <a:r>
+              <a:rPr lang="en-US" altLang="zh-CN" dirty="0"/>
+              <a:t>::</a:t>
+            </a:r>
+            <a:r>
+              <a:rPr lang="en-US" altLang="zh-CN" dirty="0" err="1"/>
+              <a:t>true_type</a:t>
+            </a:r>
+            <a:endParaRPr lang="en-US" altLang="zh-CN" dirty="0"/>
+          </a:p>
+          <a:p>
+            <a:r>
+              <a:rPr lang="en-US" altLang="zh-CN" dirty="0"/>
+              <a:t>{</a:t>
+            </a:r>
+          </a:p>
+          <a:p>
+            <a:r>
+              <a:rPr lang="en-US" altLang="zh-CN" dirty="0" smtClean="0"/>
+              <a:t>};</a:t>
+            </a:r>
+          </a:p>
+          <a:p>
+            <a:endParaRPr lang="en-US" altLang="zh-CN" dirty="0"/>
+          </a:p>
+          <a:p>
             <a:r>
               <a:rPr lang="en-US" altLang="zh-CN" dirty="0" err="1" smtClean="0"/>
               <a:t>std</a:t>
             </a:r>
             <a:r>
-              <a:rPr lang="en-US" altLang="zh-CN" dirty="0"/>
+              <a:rPr lang="en-US" altLang="zh-CN" dirty="0" smtClean="0"/>
               <a:t>::</a:t>
             </a:r>
             <a:r>
-              <a:rPr lang="en-US" altLang="zh-CN" dirty="0" err="1"/>
-              <a:t>shared_ptr</a:t>
-            </a:r>
-            <a:r>
-              <a:rPr lang="en-US" altLang="zh-CN" dirty="0"/>
-              <a:t>&lt;</a:t>
-            </a:r>
-            <a:r>
-              <a:rPr lang="en-US" altLang="zh-CN" dirty="0" err="1"/>
-              <a:t>int</a:t>
-            </a:r>
-            <a:r>
-              <a:rPr lang="en-US" altLang="zh-CN" dirty="0"/>
-              <a:t>&gt;&gt;::value, "error"); </a:t>
-            </a:r>
-            <a:r>
-              <a:rPr lang="en-US" altLang="zh-CN" dirty="0" err="1"/>
-              <a:t>static_assert</a:t>
-            </a:r>
-            <a:r>
-              <a:rPr lang="en-US" altLang="zh-CN" dirty="0"/>
-              <a:t>(</a:t>
-            </a:r>
-            <a:r>
-              <a:rPr lang="en-US" altLang="zh-CN" dirty="0" err="1"/>
-              <a:t>is_smart_pointer</a:t>
-            </a:r>
-            <a:r>
-              <a:rPr lang="en-US" altLang="zh-CN" dirty="0"/>
-              <a:t>&lt;</a:t>
-            </a:r>
-            <a:r>
-              <a:rPr lang="en-US" altLang="zh-CN" dirty="0" err="1"/>
-              <a:t>std</a:t>
-            </a:r>
-            <a:r>
-              <a:rPr lang="en-US" altLang="zh-CN" dirty="0"/>
-              <a:t>::</a:t>
-            </a:r>
-            <a:r>
-              <a:rPr lang="en-US" altLang="zh-CN" dirty="0" err="1"/>
-              <a:t>unique_ptr</a:t>
-            </a:r>
-            <a:r>
-              <a:rPr lang="en-US" altLang="zh-CN" dirty="0"/>
-              <a:t>&lt;</a:t>
-            </a:r>
-            <a:r>
-              <a:rPr lang="en-US" altLang="zh-CN" dirty="0" err="1"/>
-              <a:t>int</a:t>
-            </a:r>
-            <a:r>
-              <a:rPr lang="en-US" altLang="zh-CN" dirty="0"/>
-              <a:t>&gt;&gt;::value, "error"); </a:t>
-            </a:r>
-            <a:r>
               <a:rPr lang="en-US" altLang="zh-CN" dirty="0" err="1" smtClean="0"/>
-              <a:t>static_assert</a:t>
-            </a:r>
-            <a:r>
-              <a:rPr lang="en-US" altLang="zh-CN" dirty="0" smtClean="0"/>
-              <a:t>(</a:t>
-            </a:r>
-            <a:r>
-              <a:rPr lang="en-US" altLang="zh-CN" dirty="0" err="1" smtClean="0"/>
-              <a:t>is_smart_pointer</a:t>
-            </a:r>
-            <a:r>
-              <a:rPr lang="en-US" altLang="zh-CN" dirty="0" smtClean="0"/>
-              <a:t>&lt;</a:t>
-            </a:r>
-            <a:r>
-              <a:rPr lang="en-US" altLang="zh-CN" dirty="0" err="1" smtClean="0"/>
-              <a:t>int</a:t>
-            </a:r>
-            <a:r>
-              <a:rPr lang="en-US" altLang="zh-CN" dirty="0"/>
-              <a:t>*&gt;::value, "error</a:t>
-            </a:r>
-            <a:r>
-              <a:rPr lang="en-US" altLang="zh-CN" dirty="0" smtClean="0"/>
-              <a:t>");  //compile error</a:t>
+              <a:t>void_t</a:t>
+            </a:r>
+            <a:r>
+              <a:rPr lang="en-US" altLang="zh-CN" dirty="0" smtClean="0"/>
+              <a:t> C++17</a:t>
+            </a:r>
+          </a:p>
+          <a:p>
+            <a:r>
+              <a:rPr lang="en-US" altLang="zh-CN" dirty="0" smtClean="0"/>
+              <a:t>not in C++14</a:t>
             </a:r>
             <a:endParaRPr lang="zh-CN" altLang="en-US" dirty="0"/>
           </a:p>
@@ -24660,7 +24383,7 @@
     </p:spTree>
     <p:extLst>
       <p:ext uri="{BB962C8B-B14F-4D97-AF65-F5344CB8AC3E}">
-        <p14:creationId xmlns:p14="http://schemas.microsoft.com/office/powerpoint/2010/main" val="3464557464"/>
+        <p14:creationId xmlns:p14="http://schemas.microsoft.com/office/powerpoint/2010/main" val="973112711"/>
       </p:ext>
     </p:extLst>
   </p:cSld>
@@ -24733,118 +24456,118 @@
           <a:lstStyle/>
           <a:p>
             <a:r>
-              <a:rPr lang="en-US" altLang="zh-CN" dirty="0"/>
+              <a:rPr lang="en-US" altLang="zh-CN" sz="1400" dirty="0"/>
               <a:t>template &lt;</a:t>
             </a:r>
             <a:r>
-              <a:rPr lang="en-US" altLang="zh-CN" dirty="0" err="1"/>
+              <a:rPr lang="en-US" altLang="zh-CN" sz="1400" dirty="0" err="1"/>
               <a:t>typename</a:t>
             </a:r>
             <a:r>
-              <a:rPr lang="en-US" altLang="zh-CN" dirty="0"/>
+              <a:rPr lang="en-US" altLang="zh-CN" sz="1400" dirty="0"/>
               <a:t> T, </a:t>
             </a:r>
             <a:r>
-              <a:rPr lang="en-US" altLang="zh-CN" dirty="0" err="1"/>
+              <a:rPr lang="en-US" altLang="zh-CN" sz="1400" dirty="0" err="1"/>
               <a:t>typename</a:t>
             </a:r>
             <a:r>
-              <a:rPr lang="en-US" altLang="zh-CN" dirty="0"/>
+              <a:rPr lang="en-US" altLang="zh-CN" sz="1400" dirty="0"/>
               <a:t> = void&gt;</a:t>
             </a:r>
           </a:p>
           <a:p>
             <a:r>
-              <a:rPr lang="en-US" altLang="zh-CN" dirty="0" err="1"/>
+              <a:rPr lang="en-US" altLang="zh-CN" sz="1400" dirty="0" err="1"/>
               <a:t>struct</a:t>
             </a:r>
             <a:r>
-              <a:rPr lang="en-US" altLang="zh-CN" dirty="0"/>
+              <a:rPr lang="en-US" altLang="zh-CN" sz="1400" dirty="0"/>
               <a:t> </a:t>
             </a:r>
             <a:r>
-              <a:rPr lang="en-US" altLang="zh-CN" dirty="0" err="1"/>
+              <a:rPr lang="en-US" altLang="zh-CN" sz="1400" dirty="0" err="1"/>
               <a:t>is_smart_pointer</a:t>
             </a:r>
             <a:r>
-              <a:rPr lang="en-US" altLang="zh-CN" dirty="0"/>
+              <a:rPr lang="en-US" altLang="zh-CN" sz="1400" dirty="0"/>
               <a:t> : </a:t>
             </a:r>
             <a:r>
-              <a:rPr lang="en-US" altLang="zh-CN" dirty="0" err="1"/>
+              <a:rPr lang="en-US" altLang="zh-CN" sz="1400" dirty="0" err="1"/>
               <a:t>std</a:t>
             </a:r>
             <a:r>
-              <a:rPr lang="en-US" altLang="zh-CN" dirty="0"/>
+              <a:rPr lang="en-US" altLang="zh-CN" sz="1400" dirty="0"/>
               <a:t>::</a:t>
             </a:r>
             <a:r>
-              <a:rPr lang="en-US" altLang="zh-CN" dirty="0" err="1"/>
+              <a:rPr lang="en-US" altLang="zh-CN" sz="1400" dirty="0" err="1"/>
               <a:t>false_type</a:t>
             </a:r>
-            <a:endParaRPr lang="en-US" altLang="zh-CN" dirty="0"/>
-          </a:p>
-          <a:p>
-            <a:r>
-              <a:rPr lang="en-US" altLang="zh-CN" dirty="0"/>
+            <a:endParaRPr lang="en-US" altLang="zh-CN" sz="1400" dirty="0"/>
+          </a:p>
+          <a:p>
+            <a:r>
+              <a:rPr lang="en-US" altLang="zh-CN" sz="1400" dirty="0"/>
               <a:t>{</a:t>
             </a:r>
           </a:p>
           <a:p>
             <a:r>
-              <a:rPr lang="en-US" altLang="zh-CN" dirty="0"/>
+              <a:rPr lang="en-US" altLang="zh-CN" sz="1400" dirty="0"/>
               <a:t>};</a:t>
             </a:r>
           </a:p>
           <a:p>
-            <a:endParaRPr lang="zh-CN" altLang="en-US" dirty="0"/>
-          </a:p>
-          <a:p>
-            <a:r>
-              <a:rPr lang="en-US" altLang="zh-CN" dirty="0"/>
+            <a:endParaRPr lang="zh-CN" altLang="en-US" sz="1400" dirty="0"/>
+          </a:p>
+          <a:p>
+            <a:r>
+              <a:rPr lang="en-US" altLang="zh-CN" sz="1400" dirty="0"/>
               <a:t>// this way of using SFINEA is type reference and cv qualifiers </a:t>
             </a:r>
             <a:r>
-              <a:rPr lang="en-US" altLang="zh-CN" dirty="0" err="1"/>
+              <a:rPr lang="en-US" altLang="zh-CN" sz="1400" dirty="0" err="1"/>
               <a:t>immuned</a:t>
             </a:r>
-            <a:endParaRPr lang="en-US" altLang="zh-CN" dirty="0"/>
-          </a:p>
-          <a:p>
-            <a:r>
-              <a:rPr lang="en-US" altLang="zh-CN" dirty="0"/>
+            <a:endParaRPr lang="en-US" altLang="zh-CN" sz="1400" dirty="0"/>
+          </a:p>
+          <a:p>
+            <a:r>
+              <a:rPr lang="en-US" altLang="zh-CN" sz="1400" dirty="0"/>
               <a:t>template &lt;</a:t>
             </a:r>
             <a:r>
-              <a:rPr lang="en-US" altLang="zh-CN" dirty="0" err="1"/>
+              <a:rPr lang="en-US" altLang="zh-CN" sz="1400" dirty="0" err="1"/>
               <a:t>typename</a:t>
             </a:r>
             <a:r>
-              <a:rPr lang="en-US" altLang="zh-CN" dirty="0"/>
+              <a:rPr lang="en-US" altLang="zh-CN" sz="1400" dirty="0"/>
               <a:t> T&gt;</a:t>
             </a:r>
           </a:p>
           <a:p>
             <a:r>
-              <a:rPr lang="en-US" altLang="zh-CN" dirty="0" err="1"/>
+              <a:rPr lang="en-US" altLang="zh-CN" sz="1400" dirty="0" err="1"/>
               <a:t>struct</a:t>
             </a:r>
             <a:r>
-              <a:rPr lang="en-US" altLang="zh-CN" dirty="0"/>
+              <a:rPr lang="en-US" altLang="zh-CN" sz="1400" dirty="0"/>
               <a:t> </a:t>
             </a:r>
             <a:r>
-              <a:rPr lang="en-US" altLang="zh-CN" dirty="0" err="1"/>
+              <a:rPr lang="en-US" altLang="zh-CN" sz="1400" dirty="0" err="1"/>
               <a:t>is_smart_pointer</a:t>
             </a:r>
             <a:r>
-              <a:rPr lang="en-US" altLang="zh-CN" dirty="0"/>
+              <a:rPr lang="en-US" altLang="zh-CN" sz="1400" dirty="0"/>
               <a:t>&lt;T,</a:t>
             </a:r>
           </a:p>
           <a:p>
             <a:r>
-              <a:rPr lang="en-US" altLang="zh-CN" dirty="0" err="1">
+              <a:rPr lang="en-US" altLang="zh-CN" sz="1400" dirty="0" err="1">
                 <a:solidFill>
                   <a:srgbClr val="FF0000"/>
                 </a:solidFill>
@@ -24852,7 +24575,7 @@
               <a:t>std</a:t>
             </a:r>
             <a:r>
-              <a:rPr lang="en-US" altLang="zh-CN" dirty="0">
+              <a:rPr lang="en-US" altLang="zh-CN" sz="1400" dirty="0">
                 <a:solidFill>
                   <a:srgbClr val="FF0000"/>
                 </a:solidFill>
@@ -24860,7 +24583,7 @@
               <a:t>::</a:t>
             </a:r>
             <a:r>
-              <a:rPr lang="en-US" altLang="zh-CN" dirty="0" err="1" smtClean="0">
+              <a:rPr lang="en-US" altLang="zh-CN" sz="1400" dirty="0" err="1">
                 <a:solidFill>
                   <a:srgbClr val="FF0000"/>
                 </a:solidFill>
@@ -24868,139 +24591,218 @@
               <a:t>void_t</a:t>
             </a:r>
             <a:r>
-              <a:rPr lang="en-US" altLang="zh-CN" dirty="0" smtClean="0"/>
+              <a:rPr lang="en-US" altLang="zh-CN" sz="1400" dirty="0"/>
               <a:t>&lt;</a:t>
             </a:r>
             <a:r>
-              <a:rPr lang="en-US" altLang="zh-CN" dirty="0" err="1" smtClean="0"/>
+              <a:rPr lang="en-US" altLang="zh-CN" sz="1400" dirty="0" err="1"/>
               <a:t>decltype</a:t>
             </a:r>
             <a:r>
-              <a:rPr lang="en-US" altLang="zh-CN" dirty="0" smtClean="0"/>
+              <a:rPr lang="en-US" altLang="zh-CN" sz="1400" dirty="0"/>
               <a:t>(</a:t>
             </a:r>
             <a:r>
-              <a:rPr lang="en-US" altLang="zh-CN" b="1" dirty="0" err="1" smtClean="0"/>
+              <a:rPr lang="en-US" altLang="zh-CN" sz="1400" b="1" dirty="0" err="1"/>
               <a:t>std</a:t>
             </a:r>
             <a:r>
-              <a:rPr lang="en-US" altLang="zh-CN" b="1" dirty="0"/>
+              <a:rPr lang="en-US" altLang="zh-CN" sz="1400" b="1" dirty="0"/>
               <a:t>::</a:t>
             </a:r>
             <a:r>
-              <a:rPr lang="en-US" altLang="zh-CN" b="1" dirty="0" err="1"/>
+              <a:rPr lang="en-US" altLang="zh-CN" sz="1400" b="1" dirty="0" err="1"/>
               <a:t>declval</a:t>
             </a:r>
             <a:r>
-              <a:rPr lang="en-US" altLang="zh-CN" b="1" dirty="0"/>
+              <a:rPr lang="en-US" altLang="zh-CN" sz="1400" b="1" dirty="0"/>
               <a:t>&lt;T&gt;().operator -&gt;</a:t>
             </a:r>
             <a:r>
-              <a:rPr lang="en-US" altLang="zh-CN" dirty="0"/>
+              <a:rPr lang="en-US" altLang="zh-CN" sz="1400" dirty="0"/>
               <a:t>()),</a:t>
             </a:r>
           </a:p>
           <a:p>
             <a:r>
-              <a:rPr lang="en-US" altLang="zh-CN" dirty="0" smtClean="0"/>
+              <a:rPr lang="en-US" altLang="zh-CN" sz="1400" dirty="0"/>
               <a:t>    </a:t>
             </a:r>
             <a:r>
-              <a:rPr lang="en-US" altLang="zh-CN" dirty="0" err="1" smtClean="0"/>
+              <a:rPr lang="en-US" altLang="zh-CN" sz="1400" dirty="0" err="1"/>
               <a:t>decltype</a:t>
             </a:r>
             <a:r>
-              <a:rPr lang="en-US" altLang="zh-CN" dirty="0" smtClean="0"/>
+              <a:rPr lang="en-US" altLang="zh-CN" sz="1400" dirty="0"/>
               <a:t>(</a:t>
             </a:r>
             <a:r>
-              <a:rPr lang="en-US" altLang="zh-CN" b="1" dirty="0" err="1" smtClean="0"/>
+              <a:rPr lang="en-US" altLang="zh-CN" sz="1400" b="1" dirty="0" err="1"/>
               <a:t>std</a:t>
             </a:r>
             <a:r>
-              <a:rPr lang="en-US" altLang="zh-CN" b="1" dirty="0"/>
+              <a:rPr lang="en-US" altLang="zh-CN" sz="1400" b="1" dirty="0"/>
               <a:t>::</a:t>
             </a:r>
             <a:r>
-              <a:rPr lang="en-US" altLang="zh-CN" b="1" dirty="0" err="1"/>
+              <a:rPr lang="en-US" altLang="zh-CN" sz="1400" b="1" dirty="0" err="1"/>
               <a:t>declval</a:t>
             </a:r>
             <a:r>
-              <a:rPr lang="en-US" altLang="zh-CN" b="1" dirty="0"/>
+              <a:rPr lang="en-US" altLang="zh-CN" sz="1400" b="1" dirty="0"/>
               <a:t>&lt;T&gt;().get</a:t>
             </a:r>
             <a:r>
-              <a:rPr lang="en-US" altLang="zh-CN" b="1" dirty="0" smtClean="0"/>
+              <a:rPr lang="en-US" altLang="zh-CN" sz="1400" b="1" dirty="0" smtClean="0"/>
               <a:t>()</a:t>
             </a:r>
-            <a:r>
-              <a:rPr lang="en-US" altLang="zh-CN" dirty="0" smtClean="0"/>
-              <a:t>)&gt;&gt; </a:t>
-            </a:r>
-            <a:r>
-              <a:rPr lang="en-US" altLang="zh-CN" dirty="0"/>
+            <a:endParaRPr lang="en-US" altLang="zh-CN" sz="1400" dirty="0" smtClean="0"/>
+          </a:p>
+          <a:p>
+            <a:r>
+              <a:rPr lang="en-US" altLang="zh-CN" sz="1400" dirty="0" smtClean="0"/>
+              <a:t>    &gt;&gt; </a:t>
+            </a:r>
+            <a:r>
+              <a:rPr lang="en-US" altLang="zh-CN" sz="1400" dirty="0"/>
               <a:t>: </a:t>
             </a:r>
             <a:r>
-              <a:rPr lang="en-US" altLang="zh-CN" dirty="0" err="1"/>
+              <a:rPr lang="en-US" altLang="zh-CN" sz="1400" dirty="0" err="1"/>
               <a:t>std</a:t>
             </a:r>
             <a:r>
-              <a:rPr lang="en-US" altLang="zh-CN" dirty="0"/>
+              <a:rPr lang="en-US" altLang="zh-CN" sz="1400" dirty="0"/>
               <a:t>::</a:t>
             </a:r>
             <a:r>
-              <a:rPr lang="en-US" altLang="zh-CN" dirty="0" err="1"/>
+              <a:rPr lang="en-US" altLang="zh-CN" sz="1400" dirty="0" err="1"/>
               <a:t>true_type</a:t>
             </a:r>
-            <a:endParaRPr lang="en-US" altLang="zh-CN" dirty="0"/>
-          </a:p>
-          <a:p>
-            <a:r>
-              <a:rPr lang="en-US" altLang="zh-CN" dirty="0"/>
+            <a:endParaRPr lang="en-US" altLang="zh-CN" sz="1400" dirty="0"/>
+          </a:p>
+          <a:p>
+            <a:r>
+              <a:rPr lang="en-US" altLang="zh-CN" sz="1400" dirty="0"/>
               <a:t>{</a:t>
             </a:r>
           </a:p>
           <a:p>
             <a:r>
-              <a:rPr lang="en-US" altLang="zh-CN" dirty="0" smtClean="0"/>
+              <a:rPr lang="en-US" altLang="zh-CN" sz="1400" dirty="0"/>
               <a:t>};</a:t>
             </a:r>
           </a:p>
           <a:p>
-            <a:endParaRPr lang="en-US" altLang="zh-CN" dirty="0"/>
-          </a:p>
-          <a:p>
-            <a:r>
-              <a:rPr lang="en-US" altLang="zh-CN" dirty="0" err="1" smtClean="0"/>
+            <a:endParaRPr lang="zh-CN" altLang="en-US" dirty="0"/>
+          </a:p>
+        </p:txBody>
+      </p:sp>
+      <p:sp>
+        <p:nvSpPr>
+          <p:cNvPr id="4" name="矩形 3"/>
+          <p:cNvSpPr/>
+          <p:nvPr/>
+        </p:nvSpPr>
+        <p:spPr>
+          <a:xfrm>
+            <a:off x="3496656" y="3869479"/>
+            <a:ext cx="3151184" cy="307777"/>
+          </a:xfrm>
+          <a:prstGeom prst="rect">
+            <a:avLst/>
+          </a:prstGeom>
+        </p:spPr>
+        <p:txBody>
+          <a:bodyPr wrap="none">
+            <a:spAutoFit/>
+          </a:bodyPr>
+          <a:lstStyle/>
+          <a:p>
+            <a:r>
+              <a:rPr lang="en-US" altLang="zh-CN" sz="1400" dirty="0" smtClean="0">
+                <a:solidFill>
+                  <a:srgbClr val="FF0000"/>
+                </a:solidFill>
+                <a:latin typeface="Microsoft YaHei" panose="020B0503020204020204" pitchFamily="34" charset="-122"/>
+                <a:ea typeface="Microsoft YaHei" panose="020B0503020204020204" pitchFamily="34" charset="-122"/>
+              </a:rPr>
+              <a:t>, </a:t>
+            </a:r>
+            <a:r>
+              <a:rPr lang="en-US" altLang="zh-CN" sz="1400" dirty="0" err="1" smtClean="0">
+                <a:solidFill>
+                  <a:srgbClr val="FF0000"/>
+                </a:solidFill>
+                <a:latin typeface="Microsoft YaHei" panose="020B0503020204020204" pitchFamily="34" charset="-122"/>
+                <a:ea typeface="Microsoft YaHei" panose="020B0503020204020204" pitchFamily="34" charset="-122"/>
+              </a:rPr>
+              <a:t>decltype</a:t>
+            </a:r>
+            <a:r>
+              <a:rPr lang="en-US" altLang="zh-CN" sz="1400" dirty="0" smtClean="0">
+                <a:solidFill>
+                  <a:srgbClr val="FF0000"/>
+                </a:solidFill>
+                <a:latin typeface="Microsoft YaHei" panose="020B0503020204020204" pitchFamily="34" charset="-122"/>
+                <a:ea typeface="Microsoft YaHei" panose="020B0503020204020204" pitchFamily="34" charset="-122"/>
+              </a:rPr>
+              <a:t>(</a:t>
+            </a:r>
+            <a:r>
+              <a:rPr lang="en-US" altLang="zh-CN" sz="1400" dirty="0" err="1" smtClean="0">
+                <a:solidFill>
+                  <a:srgbClr val="FF0000"/>
+                </a:solidFill>
+                <a:latin typeface="Microsoft YaHei" panose="020B0503020204020204" pitchFamily="34" charset="-122"/>
+                <a:ea typeface="Microsoft YaHei" panose="020B0503020204020204" pitchFamily="34" charset="-122"/>
+              </a:rPr>
               <a:t>std</a:t>
             </a:r>
             <a:r>
-              <a:rPr lang="en-US" altLang="zh-CN" dirty="0" smtClean="0"/>
+              <a:rPr lang="en-US" altLang="zh-CN" sz="1400" dirty="0" smtClean="0">
+                <a:solidFill>
+                  <a:srgbClr val="FF0000"/>
+                </a:solidFill>
+                <a:latin typeface="Microsoft YaHei" panose="020B0503020204020204" pitchFamily="34" charset="-122"/>
+                <a:ea typeface="Microsoft YaHei" panose="020B0503020204020204" pitchFamily="34" charset="-122"/>
+              </a:rPr>
               <a:t>::</a:t>
             </a:r>
             <a:r>
-              <a:rPr lang="en-US" altLang="zh-CN" dirty="0" err="1" smtClean="0"/>
-              <a:t>void_t</a:t>
-            </a:r>
-            <a:r>
-              <a:rPr lang="en-US" altLang="zh-CN" dirty="0" smtClean="0"/>
-              <a:t> C++17</a:t>
-            </a:r>
-          </a:p>
-          <a:p>
-            <a:r>
-              <a:rPr lang="en-US" altLang="zh-CN" dirty="0" smtClean="0"/>
-              <a:t>not in C++14</a:t>
-            </a:r>
-            <a:endParaRPr lang="zh-CN" altLang="en-US" dirty="0"/>
+              <a:rPr lang="en-US" altLang="zh-CN" sz="1400" dirty="0" err="1" smtClean="0">
+                <a:solidFill>
+                  <a:srgbClr val="FF0000"/>
+                </a:solidFill>
+                <a:latin typeface="Microsoft YaHei" panose="020B0503020204020204" pitchFamily="34" charset="-122"/>
+                <a:ea typeface="Microsoft YaHei" panose="020B0503020204020204" pitchFamily="34" charset="-122"/>
+              </a:rPr>
+              <a:t>declval</a:t>
+            </a:r>
+            <a:r>
+              <a:rPr lang="en-US" altLang="zh-CN" sz="1400" dirty="0" smtClean="0">
+                <a:solidFill>
+                  <a:srgbClr val="FF0000"/>
+                </a:solidFill>
+                <a:latin typeface="Microsoft YaHei" panose="020B0503020204020204" pitchFamily="34" charset="-122"/>
+                <a:ea typeface="Microsoft YaHei" panose="020B0503020204020204" pitchFamily="34" charset="-122"/>
+              </a:rPr>
+              <a:t>&lt;T&gt;().reset())</a:t>
+            </a:r>
+            <a:endParaRPr lang="zh-CN" altLang="en-US" sz="1400" dirty="0" smtClean="0">
+              <a:solidFill>
+                <a:srgbClr val="FF0000"/>
+              </a:solidFill>
+              <a:latin typeface="Microsoft YaHei" panose="020B0503020204020204" pitchFamily="34" charset="-122"/>
+              <a:ea typeface="Microsoft YaHei" panose="020B0503020204020204" pitchFamily="34" charset="-122"/>
+            </a:endParaRPr>
           </a:p>
         </p:txBody>
       </p:sp>
     </p:spTree>
     <p:extLst>
       <p:ext uri="{BB962C8B-B14F-4D97-AF65-F5344CB8AC3E}">
-        <p14:creationId xmlns:p14="http://schemas.microsoft.com/office/powerpoint/2010/main" val="973112711"/>
+        <p14:creationId xmlns:p14="http://schemas.microsoft.com/office/powerpoint/2010/main" val="3603249555"/>
       </p:ext>
     </p:extLst>
   </p:cSld>
@@ -25073,355 +24875,59 @@
           <a:lstStyle/>
           <a:p>
             <a:r>
-              <a:rPr lang="en-US" altLang="zh-CN" sz="1400" dirty="0"/>
-              <a:t>template &lt;</a:t>
-            </a:r>
-            <a:r>
-              <a:rPr lang="en-US" altLang="zh-CN" sz="1400" dirty="0" err="1"/>
-              <a:t>typename</a:t>
-            </a:r>
-            <a:r>
-              <a:rPr lang="en-US" altLang="zh-CN" sz="1400" dirty="0"/>
-              <a:t> T, </a:t>
-            </a:r>
-            <a:r>
-              <a:rPr lang="en-US" altLang="zh-CN" sz="1400" dirty="0" err="1"/>
-              <a:t>typename</a:t>
-            </a:r>
-            <a:r>
-              <a:rPr lang="en-US" altLang="zh-CN" sz="1400" dirty="0"/>
-              <a:t> = void&gt;</a:t>
-            </a:r>
-          </a:p>
-          <a:p>
-            <a:r>
-              <a:rPr lang="en-US" altLang="zh-CN" sz="1400" dirty="0" err="1"/>
-              <a:t>struct</a:t>
-            </a:r>
-            <a:r>
-              <a:rPr lang="en-US" altLang="zh-CN" sz="1400" dirty="0"/>
-              <a:t> </a:t>
-            </a:r>
-            <a:r>
-              <a:rPr lang="en-US" altLang="zh-CN" sz="1400" dirty="0" err="1"/>
-              <a:t>is_smart_pointer</a:t>
-            </a:r>
-            <a:r>
-              <a:rPr lang="en-US" altLang="zh-CN" sz="1400" dirty="0"/>
-              <a:t> : </a:t>
-            </a:r>
-            <a:r>
-              <a:rPr lang="en-US" altLang="zh-CN" sz="1400" dirty="0" err="1"/>
-              <a:t>std</a:t>
-            </a:r>
-            <a:r>
-              <a:rPr lang="en-US" altLang="zh-CN" sz="1400" dirty="0"/>
-              <a:t>::</a:t>
-            </a:r>
-            <a:r>
-              <a:rPr lang="en-US" altLang="zh-CN" sz="1400" dirty="0" err="1"/>
-              <a:t>false_type</a:t>
-            </a:r>
-            <a:endParaRPr lang="en-US" altLang="zh-CN" sz="1400" dirty="0"/>
-          </a:p>
-          <a:p>
-            <a:r>
-              <a:rPr lang="en-US" altLang="zh-CN" sz="1400" dirty="0"/>
-              <a:t>{</a:t>
-            </a:r>
-          </a:p>
-          <a:p>
-            <a:r>
-              <a:rPr lang="en-US" altLang="zh-CN" sz="1400" dirty="0"/>
-              <a:t>};</a:t>
-            </a:r>
-          </a:p>
-          <a:p>
-            <a:endParaRPr lang="zh-CN" altLang="en-US" sz="1400" dirty="0"/>
-          </a:p>
-          <a:p>
-            <a:r>
-              <a:rPr lang="en-US" altLang="zh-CN" sz="1400" dirty="0"/>
-              <a:t>// this way of using SFINEA is type reference and cv qualifiers </a:t>
-            </a:r>
-            <a:r>
-              <a:rPr lang="en-US" altLang="zh-CN" sz="1400" dirty="0" err="1"/>
-              <a:t>immuned</a:t>
-            </a:r>
-            <a:endParaRPr lang="en-US" altLang="zh-CN" sz="1400" dirty="0"/>
-          </a:p>
-          <a:p>
-            <a:r>
-              <a:rPr lang="en-US" altLang="zh-CN" sz="1400" dirty="0"/>
-              <a:t>template &lt;</a:t>
-            </a:r>
-            <a:r>
-              <a:rPr lang="en-US" altLang="zh-CN" sz="1400" dirty="0" err="1"/>
-              <a:t>typename</a:t>
-            </a:r>
-            <a:r>
-              <a:rPr lang="en-US" altLang="zh-CN" sz="1400" dirty="0"/>
-              <a:t> T&gt;</a:t>
-            </a:r>
-          </a:p>
-          <a:p>
-            <a:r>
-              <a:rPr lang="en-US" altLang="zh-CN" sz="1400" dirty="0" err="1"/>
-              <a:t>struct</a:t>
-            </a:r>
-            <a:r>
-              <a:rPr lang="en-US" altLang="zh-CN" sz="1400" dirty="0"/>
-              <a:t> </a:t>
-            </a:r>
-            <a:r>
-              <a:rPr lang="en-US" altLang="zh-CN" sz="1400" dirty="0" err="1"/>
-              <a:t>is_smart_pointer</a:t>
-            </a:r>
-            <a:r>
-              <a:rPr lang="en-US" altLang="zh-CN" sz="1400" dirty="0"/>
-              <a:t>&lt;T,</a:t>
-            </a:r>
-          </a:p>
-          <a:p>
-            <a:r>
-              <a:rPr lang="en-US" altLang="zh-CN" sz="1400" dirty="0" err="1">
-                <a:solidFill>
-                  <a:srgbClr val="FF0000"/>
-                </a:solidFill>
-              </a:rPr>
-              <a:t>std</a:t>
-            </a:r>
-            <a:r>
-              <a:rPr lang="en-US" altLang="zh-CN" sz="1400" dirty="0">
-                <a:solidFill>
-                  <a:srgbClr val="FF0000"/>
-                </a:solidFill>
-              </a:rPr>
-              <a:t>::</a:t>
-            </a:r>
-            <a:r>
-              <a:rPr lang="en-US" altLang="zh-CN" sz="1400" dirty="0" err="1">
-                <a:solidFill>
-                  <a:srgbClr val="FF0000"/>
-                </a:solidFill>
-              </a:rPr>
+              <a:rPr lang="en-US" altLang="zh-CN" dirty="0"/>
+              <a:t>What can we do with </a:t>
+            </a:r>
+            <a:r>
+              <a:rPr lang="en-US" altLang="zh-CN" dirty="0" err="1" smtClean="0"/>
               <a:t>void_t</a:t>
             </a:r>
             <a:r>
-              <a:rPr lang="en-US" altLang="zh-CN" sz="1400" dirty="0"/>
-              <a:t>&lt;</a:t>
-            </a:r>
-            <a:r>
-              <a:rPr lang="en-US" altLang="zh-CN" sz="1400" dirty="0" err="1"/>
-              <a:t>decltype</a:t>
-            </a:r>
-            <a:r>
-              <a:rPr lang="en-US" altLang="zh-CN" sz="1400" dirty="0"/>
-              <a:t>(</a:t>
-            </a:r>
-            <a:r>
-              <a:rPr lang="en-US" altLang="zh-CN" sz="1400" b="1" dirty="0" err="1"/>
-              <a:t>std</a:t>
-            </a:r>
-            <a:r>
-              <a:rPr lang="en-US" altLang="zh-CN" sz="1400" b="1" dirty="0"/>
-              <a:t>::</a:t>
-            </a:r>
-            <a:r>
-              <a:rPr lang="en-US" altLang="zh-CN" sz="1400" b="1" dirty="0" err="1"/>
-              <a:t>declval</a:t>
-            </a:r>
-            <a:r>
-              <a:rPr lang="en-US" altLang="zh-CN" sz="1400" b="1" dirty="0"/>
-              <a:t>&lt;T&gt;().operator -&gt;</a:t>
-            </a:r>
-            <a:r>
-              <a:rPr lang="en-US" altLang="zh-CN" sz="1400" dirty="0"/>
-              <a:t>()),</a:t>
-            </a:r>
-          </a:p>
-          <a:p>
-            <a:r>
-              <a:rPr lang="en-US" altLang="zh-CN" sz="1400" dirty="0"/>
-              <a:t>    </a:t>
-            </a:r>
-            <a:r>
-              <a:rPr lang="en-US" altLang="zh-CN" sz="1400" dirty="0" err="1"/>
-              <a:t>decltype</a:t>
-            </a:r>
-            <a:r>
-              <a:rPr lang="en-US" altLang="zh-CN" sz="1400" dirty="0"/>
-              <a:t>(</a:t>
-            </a:r>
-            <a:r>
-              <a:rPr lang="en-US" altLang="zh-CN" sz="1400" b="1" dirty="0" err="1"/>
-              <a:t>std</a:t>
-            </a:r>
-            <a:r>
-              <a:rPr lang="en-US" altLang="zh-CN" sz="1400" b="1" dirty="0"/>
-              <a:t>::</a:t>
-            </a:r>
-            <a:r>
-              <a:rPr lang="en-US" altLang="zh-CN" sz="1400" b="1" dirty="0" err="1"/>
-              <a:t>declval</a:t>
-            </a:r>
-            <a:r>
-              <a:rPr lang="en-US" altLang="zh-CN" sz="1400" b="1" dirty="0"/>
-              <a:t>&lt;T&gt;().get</a:t>
-            </a:r>
-            <a:r>
-              <a:rPr lang="en-US" altLang="zh-CN" sz="1400" b="1" dirty="0" smtClean="0"/>
-              <a:t>()</a:t>
-            </a:r>
-            <a:endParaRPr lang="en-US" altLang="zh-CN" sz="1400" dirty="0" smtClean="0"/>
-          </a:p>
-          <a:p>
-            <a:r>
-              <a:rPr lang="en-US" altLang="zh-CN" sz="1400" dirty="0" smtClean="0"/>
-              <a:t>    &gt;&gt; </a:t>
-            </a:r>
-            <a:r>
-              <a:rPr lang="en-US" altLang="zh-CN" sz="1400" dirty="0"/>
-              <a:t>: </a:t>
-            </a:r>
-            <a:r>
-              <a:rPr lang="en-US" altLang="zh-CN" sz="1400" dirty="0" err="1"/>
-              <a:t>std</a:t>
-            </a:r>
-            <a:r>
-              <a:rPr lang="en-US" altLang="zh-CN" sz="1400" dirty="0"/>
-              <a:t>::</a:t>
-            </a:r>
-            <a:r>
-              <a:rPr lang="en-US" altLang="zh-CN" sz="1400" dirty="0" err="1"/>
-              <a:t>true_type</a:t>
-            </a:r>
-            <a:endParaRPr lang="en-US" altLang="zh-CN" sz="1400" dirty="0"/>
-          </a:p>
-          <a:p>
-            <a:r>
-              <a:rPr lang="en-US" altLang="zh-CN" sz="1400" dirty="0"/>
-              <a:t>{</a:t>
-            </a:r>
-          </a:p>
-          <a:p>
-            <a:r>
-              <a:rPr lang="en-US" altLang="zh-CN" sz="1400" dirty="0"/>
-              <a:t>};</a:t>
-            </a:r>
+              <a:rPr lang="en-US" altLang="zh-CN" dirty="0" smtClean="0"/>
+              <a:t>?</a:t>
+            </a:r>
+            <a:endParaRPr lang="en-US" altLang="zh-CN" dirty="0"/>
+          </a:p>
+          <a:p>
+            <a:pPr marL="285750" indent="-285750">
+              <a:buClrTx/>
+              <a:buFont typeface="Wingdings" panose="05000000000000000000" pitchFamily="2" charset="2"/>
+              <a:buChar char="Ø"/>
+            </a:pPr>
+            <a:r>
+              <a:rPr lang="en-US" altLang="zh-CN" dirty="0"/>
+              <a:t> Simplify the way of using SFINAE</a:t>
+            </a:r>
+          </a:p>
+          <a:p>
+            <a:pPr marL="285750" indent="-285750">
+              <a:buClrTx/>
+              <a:buFont typeface="Wingdings" panose="05000000000000000000" pitchFamily="2" charset="2"/>
+              <a:buChar char="Ø"/>
+            </a:pPr>
+            <a:r>
+              <a:rPr lang="en-US" altLang="zh-CN" dirty="0"/>
+              <a:t> Immune to reference and </a:t>
+            </a:r>
+            <a:r>
+              <a:rPr lang="en-US" altLang="zh-CN" dirty="0" err="1"/>
+              <a:t>cv</a:t>
+            </a:r>
+            <a:r>
+              <a:rPr lang="en-US" altLang="zh-CN" dirty="0"/>
+              <a:t> qualifiers</a:t>
+            </a:r>
+            <a:br>
+              <a:rPr lang="en-US" altLang="zh-CN" dirty="0"/>
+            </a:br>
+            <a:endParaRPr lang="en-US" altLang="zh-CN" dirty="0"/>
           </a:p>
           <a:p>
             <a:endParaRPr lang="zh-CN" altLang="en-US" dirty="0"/>
           </a:p>
         </p:txBody>
       </p:sp>
-      <p:sp>
-        <p:nvSpPr>
-          <p:cNvPr id="4" name="矩形 3"/>
-          <p:cNvSpPr/>
-          <p:nvPr/>
-        </p:nvSpPr>
-        <p:spPr>
-          <a:xfrm>
-            <a:off x="3496656" y="3869479"/>
-            <a:ext cx="3151184" cy="307777"/>
-          </a:xfrm>
-          <a:prstGeom prst="rect">
-            <a:avLst/>
-          </a:prstGeom>
-        </p:spPr>
-        <p:txBody>
-          <a:bodyPr wrap="none">
-            <a:spAutoFit/>
-          </a:bodyPr>
-          <a:lstStyle/>
-          <a:p>
-            <a:r>
-              <a:rPr lang="en-US" altLang="zh-CN" sz="1400" dirty="0" smtClean="0">
-                <a:solidFill>
-                  <a:srgbClr val="FF0000"/>
-                </a:solidFill>
-                <a:latin typeface="Microsoft YaHei" panose="020B0503020204020204" pitchFamily="34" charset="-122"/>
-                <a:ea typeface="Microsoft YaHei" panose="020B0503020204020204" pitchFamily="34" charset="-122"/>
-              </a:rPr>
-              <a:t>, </a:t>
-            </a:r>
-            <a:r>
-              <a:rPr lang="en-US" altLang="zh-CN" sz="1400" dirty="0" err="1" smtClean="0">
-                <a:solidFill>
-                  <a:srgbClr val="FF0000"/>
-                </a:solidFill>
-                <a:latin typeface="Microsoft YaHei" panose="020B0503020204020204" pitchFamily="34" charset="-122"/>
-                <a:ea typeface="Microsoft YaHei" panose="020B0503020204020204" pitchFamily="34" charset="-122"/>
-              </a:rPr>
-              <a:t>decltype</a:t>
-            </a:r>
-            <a:r>
-              <a:rPr lang="en-US" altLang="zh-CN" sz="1400" dirty="0" smtClean="0">
-                <a:solidFill>
-                  <a:srgbClr val="FF0000"/>
-                </a:solidFill>
-                <a:latin typeface="Microsoft YaHei" panose="020B0503020204020204" pitchFamily="34" charset="-122"/>
-                <a:ea typeface="Microsoft YaHei" panose="020B0503020204020204" pitchFamily="34" charset="-122"/>
-              </a:rPr>
-              <a:t>(</a:t>
-            </a:r>
-            <a:r>
-              <a:rPr lang="en-US" altLang="zh-CN" sz="1400" dirty="0" err="1" smtClean="0">
-                <a:solidFill>
-                  <a:srgbClr val="FF0000"/>
-                </a:solidFill>
-                <a:latin typeface="Microsoft YaHei" panose="020B0503020204020204" pitchFamily="34" charset="-122"/>
-                <a:ea typeface="Microsoft YaHei" panose="020B0503020204020204" pitchFamily="34" charset="-122"/>
-              </a:rPr>
-              <a:t>std</a:t>
-            </a:r>
-            <a:r>
-              <a:rPr lang="en-US" altLang="zh-CN" sz="1400" dirty="0" smtClean="0">
-                <a:solidFill>
-                  <a:srgbClr val="FF0000"/>
-                </a:solidFill>
-                <a:latin typeface="Microsoft YaHei" panose="020B0503020204020204" pitchFamily="34" charset="-122"/>
-                <a:ea typeface="Microsoft YaHei" panose="020B0503020204020204" pitchFamily="34" charset="-122"/>
-              </a:rPr>
-              <a:t>::</a:t>
-            </a:r>
-            <a:r>
-              <a:rPr lang="en-US" altLang="zh-CN" sz="1400" dirty="0" err="1" smtClean="0">
-                <a:solidFill>
-                  <a:srgbClr val="FF0000"/>
-                </a:solidFill>
-                <a:latin typeface="Microsoft YaHei" panose="020B0503020204020204" pitchFamily="34" charset="-122"/>
-                <a:ea typeface="Microsoft YaHei" panose="020B0503020204020204" pitchFamily="34" charset="-122"/>
-              </a:rPr>
-              <a:t>declval</a:t>
-            </a:r>
-            <a:r>
-              <a:rPr lang="en-US" altLang="zh-CN" sz="1400" dirty="0" smtClean="0">
-                <a:solidFill>
-                  <a:srgbClr val="FF0000"/>
-                </a:solidFill>
-                <a:latin typeface="Microsoft YaHei" panose="020B0503020204020204" pitchFamily="34" charset="-122"/>
-                <a:ea typeface="Microsoft YaHei" panose="020B0503020204020204" pitchFamily="34" charset="-122"/>
-              </a:rPr>
-              <a:t>&lt;T&gt;().reset())</a:t>
-            </a:r>
-            <a:endParaRPr lang="zh-CN" altLang="en-US" sz="1400" dirty="0" smtClean="0">
-              <a:solidFill>
-                <a:srgbClr val="FF0000"/>
-              </a:solidFill>
-              <a:latin typeface="Microsoft YaHei" panose="020B0503020204020204" pitchFamily="34" charset="-122"/>
-              <a:ea typeface="Microsoft YaHei" panose="020B0503020204020204" pitchFamily="34" charset="-122"/>
-            </a:endParaRPr>
-          </a:p>
-        </p:txBody>
-      </p:sp>
     </p:spTree>
-    <p:extLst>
-      <p:ext uri="{BB962C8B-B14F-4D97-AF65-F5344CB8AC3E}">
-        <p14:creationId xmlns:p14="http://schemas.microsoft.com/office/powerpoint/2010/main" val="3603249555"/>
-      </p:ext>
-    </p:extLst>
   </p:cSld>
   <p:clrMapOvr>
     <a:masterClrMapping/>
@@ -25492,129 +24998,6 @@
           <a:lstStyle/>
           <a:p>
             <a:r>
-              <a:rPr lang="en-US" altLang="zh-CN" dirty="0"/>
-              <a:t>What can we do with </a:t>
-            </a:r>
-            <a:r>
-              <a:rPr lang="en-US" altLang="zh-CN" dirty="0" err="1" smtClean="0"/>
-              <a:t>void_t</a:t>
-            </a:r>
-            <a:r>
-              <a:rPr lang="en-US" altLang="zh-CN" dirty="0" smtClean="0"/>
-              <a:t>?</a:t>
-            </a:r>
-            <a:endParaRPr lang="en-US" altLang="zh-CN" dirty="0"/>
-          </a:p>
-          <a:p>
-            <a:pPr marL="285750" indent="-285750">
-              <a:buClrTx/>
-              <a:buFont typeface="Wingdings" panose="05000000000000000000" pitchFamily="2" charset="2"/>
-              <a:buChar char="Ø"/>
-            </a:pPr>
-            <a:r>
-              <a:rPr lang="en-US" altLang="zh-CN" dirty="0"/>
-              <a:t> Simplify the way of using SFINAE</a:t>
-            </a:r>
-          </a:p>
-          <a:p>
-            <a:pPr marL="285750" indent="-285750">
-              <a:buClrTx/>
-              <a:buFont typeface="Wingdings" panose="05000000000000000000" pitchFamily="2" charset="2"/>
-              <a:buChar char="Ø"/>
-            </a:pPr>
-            <a:r>
-              <a:rPr lang="en-US" altLang="zh-CN" dirty="0"/>
-              <a:t> Immune to reference and </a:t>
-            </a:r>
-            <a:r>
-              <a:rPr lang="en-US" altLang="zh-CN" dirty="0" err="1"/>
-              <a:t>cv</a:t>
-            </a:r>
-            <a:r>
-              <a:rPr lang="en-US" altLang="zh-CN" dirty="0"/>
-              <a:t> qualifiers</a:t>
-            </a:r>
-            <a:br>
-              <a:rPr lang="en-US" altLang="zh-CN" dirty="0"/>
-            </a:br>
-            <a:endParaRPr lang="en-US" altLang="zh-CN" dirty="0"/>
-          </a:p>
-          <a:p>
-            <a:endParaRPr lang="zh-CN" altLang="en-US" dirty="0"/>
-          </a:p>
-        </p:txBody>
-      </p:sp>
-    </p:spTree>
-  </p:cSld>
-  <p:clrMapOvr>
-    <a:masterClrMapping/>
-  </p:clrMapOvr>
-  <p:timing>
-    <p:tnLst>
-      <p:par>
-        <p:cTn id="1" dur="indefinite" restart="never" nodeType="tmRoot"/>
-      </p:par>
-    </p:tnLst>
-  </p:timing>
-</p:sld>
-</file>
-
-<file path=ppt/slides/slide35.xml><?xml version="1.0" encoding="utf-8"?>
-<p:sld xmlns:a="http://schemas.openxmlformats.org/drawingml/2006/main" xmlns:r="http://schemas.openxmlformats.org/officeDocument/2006/relationships" xmlns:p="http://schemas.openxmlformats.org/presentationml/2006/main">
-  <p:cSld>
-    <p:spTree>
-      <p:nvGrpSpPr>
-        <p:cNvPr id="1" name=""/>
-        <p:cNvGrpSpPr/>
-        <p:nvPr/>
-      </p:nvGrpSpPr>
-      <p:grpSpPr>
-        <a:xfrm>
-          <a:off x="0" y="0"/>
-          <a:ext cx="0" cy="0"/>
-          <a:chOff x="0" y="0"/>
-          <a:chExt cx="0" cy="0"/>
-        </a:xfrm>
-      </p:grpSpPr>
-      <p:sp>
-        <p:nvSpPr>
-          <p:cNvPr id="2" name="标题 1"/>
-          <p:cNvSpPr>
-            <a:spLocks noGrp="1"/>
-          </p:cNvSpPr>
-          <p:nvPr>
-            <p:ph type="title"/>
-          </p:nvPr>
-        </p:nvSpPr>
-        <p:spPr/>
-        <p:txBody>
-          <a:bodyPr/>
-          <a:lstStyle/>
-          <a:p>
-            <a:r>
-              <a:rPr lang="en-US" altLang="zh-CN" dirty="0"/>
-              <a:t>How to simplify the call code</a:t>
-            </a:r>
-            <a:endParaRPr lang="zh-CN" altLang="en-US" dirty="0"/>
-          </a:p>
-        </p:txBody>
-      </p:sp>
-      <p:sp>
-        <p:nvSpPr>
-          <p:cNvPr id="3" name="文本占位符 2"/>
-          <p:cNvSpPr>
-            <a:spLocks noGrp="1"/>
-          </p:cNvSpPr>
-          <p:nvPr>
-            <p:ph type="body" sz="half" idx="2"/>
-          </p:nvPr>
-        </p:nvSpPr>
-        <p:spPr/>
-        <p:txBody>
-          <a:bodyPr/>
-          <a:lstStyle/>
-          <a:p>
-            <a:r>
               <a:rPr lang="en-US" altLang="zh-CN" dirty="0" err="1"/>
               <a:t>voider</a:t>
             </a:r>
@@ -25681,11 +25064,7 @@
             </a:r>
             <a:r>
               <a:rPr lang="en-US" altLang="zh-CN" dirty="0" smtClean="0"/>
-              <a:t>   </a:t>
-            </a:r>
-            <a:r>
-              <a:rPr lang="en-US" altLang="zh-CN" dirty="0" smtClean="0"/>
-              <a:t>using </a:t>
+              <a:t>   using </a:t>
             </a:r>
             <a:r>
               <a:rPr lang="en-US" altLang="zh-CN" dirty="0"/>
@@ -26030,6 +25409,132 @@
 </p:sld>
 </file>
 
+<file path=ppt/slides/slide35.xml><?xml version="1.0" encoding="utf-8"?>
+<p:sld xmlns:a="http://schemas.openxmlformats.org/drawingml/2006/main" xmlns:r="http://schemas.openxmlformats.org/officeDocument/2006/relationships" xmlns:p="http://schemas.openxmlformats.org/presentationml/2006/main">
+  <p:cSld>
+    <p:spTree>
+      <p:nvGrpSpPr>
+        <p:cNvPr id="1" name=""/>
+        <p:cNvGrpSpPr/>
+        <p:nvPr/>
+      </p:nvGrpSpPr>
+      <p:grpSpPr>
+        <a:xfrm>
+          <a:off x="0" y="0"/>
+          <a:ext cx="0" cy="0"/>
+          <a:chOff x="0" y="0"/>
+          <a:chExt cx="0" cy="0"/>
+        </a:xfrm>
+      </p:grpSpPr>
+      <p:sp>
+        <p:nvSpPr>
+          <p:cNvPr id="2" name="标题 1"/>
+          <p:cNvSpPr>
+            <a:spLocks noGrp="1"/>
+          </p:cNvSpPr>
+          <p:nvPr>
+            <p:ph type="title"/>
+          </p:nvPr>
+        </p:nvSpPr>
+        <p:spPr/>
+        <p:txBody>
+          <a:bodyPr/>
+          <a:lstStyle/>
+          <a:p>
+            <a:r>
+              <a:rPr lang="en-US" altLang="zh-CN" dirty="0"/>
+              <a:t>How to simplify the call code</a:t>
+            </a:r>
+            <a:endParaRPr lang="zh-CN" altLang="en-US" dirty="0"/>
+          </a:p>
+        </p:txBody>
+      </p:sp>
+      <p:sp>
+        <p:nvSpPr>
+          <p:cNvPr id="3" name="文本占位符 2"/>
+          <p:cNvSpPr>
+            <a:spLocks noGrp="1"/>
+          </p:cNvSpPr>
+          <p:nvPr>
+            <p:ph type="body" sz="half" idx="2"/>
+          </p:nvPr>
+        </p:nvSpPr>
+        <p:spPr/>
+        <p:txBody>
+          <a:bodyPr/>
+          <a:lstStyle/>
+          <a:p>
+            <a:r>
+              <a:rPr lang="en-US" altLang="zh-CN" dirty="0" smtClean="0"/>
+              <a:t>some points about RPC and pub/sub model</a:t>
+            </a:r>
+          </a:p>
+          <a:p>
+            <a:endParaRPr lang="en-US" altLang="zh-CN" dirty="0"/>
+          </a:p>
+          <a:p>
+            <a:r>
+              <a:rPr lang="en-US" altLang="zh-CN" dirty="0" smtClean="0"/>
+              <a:t>RPC is a special pub/sub.</a:t>
+            </a:r>
+          </a:p>
+          <a:p>
+            <a:endParaRPr lang="en-US" altLang="zh-CN" dirty="0"/>
+          </a:p>
+          <a:p>
+            <a:r>
+              <a:rPr lang="en-US" altLang="zh-CN" dirty="0" smtClean="0"/>
+              <a:t>pub/sub is a special RPC</a:t>
+            </a:r>
+          </a:p>
+          <a:p>
+            <a:endParaRPr lang="en-US" altLang="zh-CN" dirty="0"/>
+          </a:p>
+          <a:p>
+            <a:r>
+              <a:rPr lang="en-US" altLang="zh-CN" dirty="0"/>
+              <a:t>RPC </a:t>
+            </a:r>
+            <a:r>
+              <a:rPr lang="en-US" altLang="zh-CN" dirty="0" smtClean="0"/>
+              <a:t>model and </a:t>
+            </a:r>
+            <a:r>
+              <a:rPr lang="en-US" altLang="zh-CN" dirty="0"/>
+              <a:t>sub/pub model have the common essence</a:t>
+            </a:r>
+          </a:p>
+          <a:p>
+            <a:endParaRPr lang="en-US" altLang="zh-CN" dirty="0" smtClean="0"/>
+          </a:p>
+          <a:p>
+            <a:endParaRPr lang="en-US" altLang="zh-CN" dirty="0"/>
+          </a:p>
+          <a:p>
+            <a:endParaRPr lang="zh-CN" altLang="en-US" dirty="0"/>
+          </a:p>
+        </p:txBody>
+      </p:sp>
+    </p:spTree>
+    <p:extLst>
+      <p:ext uri="{BB962C8B-B14F-4D97-AF65-F5344CB8AC3E}">
+        <p14:creationId xmlns:p14="http://schemas.microsoft.com/office/powerpoint/2010/main" val="2589819677"/>
+      </p:ext>
+    </p:extLst>
+  </p:cSld>
+  <p:clrMapOvr>
+    <a:masterClrMapping/>
+  </p:clrMapOvr>
+  <p:timing>
+    <p:tnLst>
+      <p:par>
+        <p:cTn id="1" dur="indefinite" restart="never" nodeType="tmRoot"/>
+      </p:par>
+    </p:tnLst>
+  </p:timing>
+</p:sld>
+</file>
+
 <file path=ppt/slides/slide36.xml><?xml version="1.0" encoding="utf-8"?>
 <p:sld xmlns:a="http://schemas.openxmlformats.org/drawingml/2006/main" xmlns:r="http://schemas.openxmlformats.org/officeDocument/2006/relationships" xmlns:p="http://schemas.openxmlformats.org/presentationml/2006/main">
   <p:cSld>
@@ -26049,7 +25554,7 @@
       </p:grpSpPr>
       <p:sp>
         <p:nvSpPr>
-          <p:cNvPr id="2" name="标题 1"/>
+          <p:cNvPr id="2" name="Title 1"/>
           <p:cNvSpPr>
             <a:spLocks noGrp="1"/>
           </p:cNvSpPr>
@@ -26057,27 +25562,21 @@
             <p:ph type="title"/>
           </p:nvPr>
         </p:nvSpPr>
-        <p:spPr>
-          <a:xfrm>
-            <a:off x="501794" y="119916"/>
-            <a:ext cx="6718156" cy="757130"/>
-          </a:xfrm>
-        </p:spPr>
+        <p:spPr/>
         <p:txBody>
           <a:bodyPr/>
           <a:lstStyle/>
           <a:p>
             <a:r>
               <a:rPr lang="en-US" altLang="zh-CN" dirty="0"/>
-              <a:t>How to hide the details of serialization and networking</a:t>
-            </a:r>
-            <a:endParaRPr lang="zh-CN" altLang="en-US" dirty="0"/>
+              <a:t>How to simplify the call code</a:t>
+            </a:r>
           </a:p>
         </p:txBody>
       </p:sp>
       <p:sp>
         <p:nvSpPr>
-          <p:cNvPr id="3" name="文本占位符 2"/>
+          <p:cNvPr id="3" name="Text Placeholder 2"/>
           <p:cNvSpPr>
             <a:spLocks noGrp="1"/>
           </p:cNvSpPr>
@@ -26091,21 +25590,431 @@
           <a:lstStyle/>
           <a:p>
             <a:r>
+              <a:rPr lang="en-US" altLang="zh-CN" dirty="0"/>
+              <a:t>// the interface is type safe and non-connect oriented designed</a:t>
+            </a:r>
+          </a:p>
+          <a:p>
+            <a:r>
               <a:rPr lang="en-US" altLang="zh-CN" dirty="0" err="1" smtClean="0"/>
-              <a:t>todo</a:t>
-            </a:r>
-            <a:r>
-              <a:rPr lang="en-US" altLang="zh-CN" dirty="0" smtClean="0"/>
-              <a:t>….</a:t>
+              <a:t>asycn_client.call</a:t>
+            </a:r>
+            <a:r>
+              <a:rPr lang="en-US" altLang="zh-CN" dirty="0" smtClean="0"/>
+              <a:t>(endpoint</a:t>
+            </a:r>
+            <a:r>
+              <a:rPr lang="en-US" altLang="zh-CN" dirty="0"/>
+              <a:t>, client::add, 1, 2).</a:t>
+            </a:r>
+            <a:r>
+              <a:rPr lang="en-US" altLang="zh-CN" dirty="0" err="1"/>
+              <a:t>on_ok</a:t>
+            </a:r>
+            <a:r>
+              <a:rPr lang="en-US" altLang="zh-CN" dirty="0"/>
+              <a:t>([](auto r) </a:t>
+            </a:r>
+            <a:r>
+              <a:rPr lang="en-US" altLang="zh-CN" dirty="0" smtClean="0"/>
+              <a:t>{ </a:t>
+            </a:r>
+            <a:endParaRPr lang="en-US" altLang="zh-CN" dirty="0"/>
+          </a:p>
+          <a:p>
+            <a:r>
+              <a:rPr lang="en-US" altLang="zh-CN" dirty="0" smtClean="0"/>
+              <a:t>    </a:t>
+            </a:r>
+            <a:r>
+              <a:rPr lang="en-US" altLang="zh-CN" dirty="0" err="1" smtClean="0"/>
+              <a:t>std</a:t>
+            </a:r>
+            <a:r>
+              <a:rPr lang="en-US" altLang="zh-CN" dirty="0"/>
+              <a:t>::</a:t>
+            </a:r>
+            <a:r>
+              <a:rPr lang="en-US" altLang="zh-CN" dirty="0" err="1"/>
+              <a:t>cout</a:t>
+            </a:r>
+            <a:r>
+              <a:rPr lang="en-US" altLang="zh-CN" dirty="0"/>
+              <a:t> &lt;&lt; r &lt;&lt; </a:t>
+            </a:r>
+            <a:r>
+              <a:rPr lang="en-US" altLang="zh-CN" dirty="0" err="1"/>
+              <a:t>std</a:t>
+            </a:r>
+            <a:r>
+              <a:rPr lang="en-US" altLang="zh-CN" dirty="0"/>
+              <a:t>::</a:t>
+            </a:r>
+            <a:r>
+              <a:rPr lang="en-US" altLang="zh-CN" dirty="0" err="1"/>
+              <a:t>endl</a:t>
+            </a:r>
+            <a:r>
+              <a:rPr lang="en-US" altLang="zh-CN" dirty="0"/>
+              <a:t>; </a:t>
+            </a:r>
+          </a:p>
+          <a:p>
+            <a:r>
+              <a:rPr lang="en-US" altLang="zh-CN" dirty="0"/>
+              <a:t>}).</a:t>
+            </a:r>
+            <a:r>
+              <a:rPr lang="en-US" altLang="zh-CN" dirty="0" err="1"/>
+              <a:t>on_error</a:t>
+            </a:r>
+            <a:r>
+              <a:rPr lang="en-US" altLang="zh-CN" dirty="0"/>
+              <a:t>([](auto </a:t>
+            </a:r>
+            <a:r>
+              <a:rPr lang="en-US" altLang="zh-CN" dirty="0" err="1"/>
+              <a:t>const</a:t>
+            </a:r>
+            <a:r>
+              <a:rPr lang="en-US" altLang="zh-CN" dirty="0"/>
+              <a:t>&amp; error</a:t>
+            </a:r>
+            <a:r>
+              <a:rPr lang="en-US" altLang="zh-CN" dirty="0" smtClean="0"/>
+              <a:t>){</a:t>
+            </a:r>
+            <a:endParaRPr lang="en-US" altLang="zh-CN" dirty="0"/>
+          </a:p>
+          <a:p>
+            <a:r>
+              <a:rPr lang="en-US" altLang="zh-CN" dirty="0" smtClean="0"/>
+              <a:t>    </a:t>
+            </a:r>
+            <a:r>
+              <a:rPr lang="en-US" altLang="zh-CN" dirty="0" err="1" smtClean="0"/>
+              <a:t>std</a:t>
+            </a:r>
+            <a:r>
+              <a:rPr lang="en-US" altLang="zh-CN" dirty="0"/>
+              <a:t>::</a:t>
+            </a:r>
+            <a:r>
+              <a:rPr lang="en-US" altLang="zh-CN" dirty="0" err="1"/>
+              <a:t>cout</a:t>
+            </a:r>
+            <a:r>
+              <a:rPr lang="en-US" altLang="zh-CN" dirty="0"/>
+              <a:t> &lt;&lt; </a:t>
+            </a:r>
+            <a:r>
+              <a:rPr lang="en-US" altLang="zh-CN" dirty="0" err="1"/>
+              <a:t>error.get_error_message</a:t>
+            </a:r>
+            <a:r>
+              <a:rPr lang="en-US" altLang="zh-CN" dirty="0"/>
+              <a:t>() &lt;&lt; </a:t>
+            </a:r>
+            <a:r>
+              <a:rPr lang="en-US" altLang="zh-CN" dirty="0" err="1"/>
+              <a:t>std</a:t>
+            </a:r>
+            <a:r>
+              <a:rPr lang="en-US" altLang="zh-CN" dirty="0"/>
+              <a:t>::</a:t>
+            </a:r>
+            <a:r>
+              <a:rPr lang="en-US" altLang="zh-CN" dirty="0" err="1"/>
+              <a:t>endl</a:t>
+            </a:r>
+            <a:r>
+              <a:rPr lang="en-US" altLang="zh-CN" dirty="0"/>
+              <a:t>;</a:t>
+            </a:r>
+          </a:p>
+          <a:p>
+            <a:r>
+              <a:rPr lang="en-US" altLang="zh-CN" dirty="0"/>
+              <a:t>}).timeout(1min);</a:t>
+            </a:r>
+            <a:endParaRPr lang="en-US" altLang="zh-CN" b="1" dirty="0" smtClean="0"/>
+          </a:p>
+          <a:p>
+            <a:endParaRPr lang="en-US" altLang="zh-CN" dirty="0" smtClean="0"/>
+          </a:p>
+          <a:p>
+            <a:r>
+              <a:rPr lang="en-US" altLang="zh-CN" dirty="0" err="1"/>
+              <a:t>asycn_client.sub</a:t>
+            </a:r>
+            <a:r>
+              <a:rPr lang="en-US" altLang="zh-CN" dirty="0"/>
+              <a:t>(endpoint, client::</a:t>
+            </a:r>
+            <a:r>
+              <a:rPr lang="en-US" altLang="zh-CN" dirty="0" err="1"/>
+              <a:t>sub_add</a:t>
+            </a:r>
+            <a:r>
+              <a:rPr lang="en-US" altLang="zh-CN" dirty="0"/>
+              <a:t>, [](auto r</a:t>
+            </a:r>
+            <a:r>
+              <a:rPr lang="en-US" altLang="zh-CN" dirty="0" smtClean="0"/>
+              <a:t>){</a:t>
+            </a:r>
+            <a:endParaRPr lang="en-US" altLang="zh-CN" dirty="0"/>
+          </a:p>
+          <a:p>
+            <a:r>
+              <a:rPr lang="en-US" altLang="zh-CN" dirty="0" smtClean="0"/>
+              <a:t>    </a:t>
+            </a:r>
+            <a:r>
+              <a:rPr lang="en-US" altLang="zh-CN" dirty="0" err="1" smtClean="0"/>
+              <a:t>std</a:t>
+            </a:r>
+            <a:r>
+              <a:rPr lang="en-US" altLang="zh-CN" dirty="0"/>
+              <a:t>::</a:t>
+            </a:r>
+            <a:r>
+              <a:rPr lang="en-US" altLang="zh-CN" dirty="0" err="1"/>
+              <a:t>cout</a:t>
+            </a:r>
+            <a:r>
+              <a:rPr lang="en-US" altLang="zh-CN" dirty="0"/>
+              <a:t> &lt;&lt; r &lt;&lt; </a:t>
+            </a:r>
+            <a:r>
+              <a:rPr lang="en-US" altLang="zh-CN" dirty="0" err="1"/>
+              <a:t>std</a:t>
+            </a:r>
+            <a:r>
+              <a:rPr lang="en-US" altLang="zh-CN" dirty="0"/>
+              <a:t>::</a:t>
+            </a:r>
+            <a:r>
+              <a:rPr lang="en-US" altLang="zh-CN" dirty="0" err="1"/>
+              <a:t>endl</a:t>
+            </a:r>
+            <a:r>
+              <a:rPr lang="en-US" altLang="zh-CN" dirty="0"/>
+              <a:t>;</a:t>
+            </a:r>
+          </a:p>
+          <a:p>
+            <a:r>
+              <a:rPr lang="en-US" altLang="zh-CN" dirty="0" smtClean="0"/>
+              <a:t>},[](</a:t>
+            </a:r>
+            <a:r>
+              <a:rPr lang="en-US" altLang="zh-CN" dirty="0"/>
+              <a:t>auto </a:t>
+            </a:r>
+            <a:r>
+              <a:rPr lang="en-US" altLang="zh-CN" dirty="0" err="1"/>
+              <a:t>const</a:t>
+            </a:r>
+            <a:r>
+              <a:rPr lang="en-US" altLang="zh-CN" dirty="0"/>
+              <a:t>&amp; error) </a:t>
+            </a:r>
+            <a:r>
+              <a:rPr lang="en-US" altLang="zh-CN" dirty="0" smtClean="0"/>
+              <a:t>{</a:t>
+            </a:r>
+            <a:endParaRPr lang="en-US" altLang="zh-CN" dirty="0"/>
+          </a:p>
+          <a:p>
+            <a:r>
+              <a:rPr lang="en-US" altLang="zh-CN" dirty="0" smtClean="0"/>
+              <a:t>    </a:t>
+            </a:r>
+            <a:r>
+              <a:rPr lang="en-US" altLang="zh-CN" dirty="0" err="1" smtClean="0"/>
+              <a:t>std</a:t>
+            </a:r>
+            <a:r>
+              <a:rPr lang="en-US" altLang="zh-CN" dirty="0"/>
+              <a:t>::</a:t>
+            </a:r>
+            <a:r>
+              <a:rPr lang="en-US" altLang="zh-CN" dirty="0" err="1"/>
+              <a:t>cout</a:t>
+            </a:r>
+            <a:r>
+              <a:rPr lang="en-US" altLang="zh-CN" dirty="0"/>
+              <a:t> &lt;&lt; </a:t>
+            </a:r>
+            <a:r>
+              <a:rPr lang="en-US" altLang="zh-CN" dirty="0" err="1"/>
+              <a:t>error.get_error_message</a:t>
+            </a:r>
+            <a:r>
+              <a:rPr lang="en-US" altLang="zh-CN" dirty="0"/>
+              <a:t>() &lt;&lt; </a:t>
+            </a:r>
+            <a:r>
+              <a:rPr lang="en-US" altLang="zh-CN" dirty="0" err="1"/>
+              <a:t>std</a:t>
+            </a:r>
+            <a:r>
+              <a:rPr lang="en-US" altLang="zh-CN" dirty="0"/>
+              <a:t>::</a:t>
+            </a:r>
+            <a:r>
+              <a:rPr lang="en-US" altLang="zh-CN" dirty="0" err="1"/>
+              <a:t>endl</a:t>
+            </a:r>
+            <a:r>
+              <a:rPr lang="en-US" altLang="zh-CN" dirty="0"/>
+              <a:t>;</a:t>
+            </a:r>
+          </a:p>
+          <a:p>
+            <a:r>
+              <a:rPr lang="en-US" altLang="zh-CN" dirty="0" smtClean="0"/>
+              <a:t>});</a:t>
+            </a:r>
+          </a:p>
+          <a:p>
+            <a:endParaRPr lang="en-US" altLang="zh-CN" dirty="0"/>
+          </a:p>
+          <a:p>
+            <a:r>
+              <a:rPr lang="en-US" altLang="zh-CN" dirty="0" err="1"/>
+              <a:t>async_client</a:t>
+            </a:r>
+            <a:r>
+              <a:rPr lang="en-US" altLang="zh-CN" dirty="0"/>
+              <a:t>-&gt;pub(endpoint, client::</a:t>
+            </a:r>
+            <a:r>
+              <a:rPr lang="en-US" altLang="zh-CN" dirty="0" err="1"/>
+              <a:t>sub_add</a:t>
+            </a:r>
+            <a:r>
+              <a:rPr lang="en-US" altLang="zh-CN" dirty="0"/>
+              <a:t>, </a:t>
+            </a:r>
+            <a:r>
+              <a:rPr lang="en-US" altLang="zh-CN" dirty="0" err="1"/>
+              <a:t>rhs</a:t>
+            </a:r>
+            <a:r>
+              <a:rPr lang="en-US" altLang="zh-CN" dirty="0"/>
+              <a:t>);</a:t>
             </a:r>
             <a:endParaRPr lang="zh-CN" altLang="en-US" dirty="0"/>
+          </a:p>
+        </p:txBody>
+      </p:sp>
+      <p:sp>
+        <p:nvSpPr>
+          <p:cNvPr id="4" name="矩形 3"/>
+          <p:cNvSpPr/>
+          <p:nvPr/>
+        </p:nvSpPr>
+        <p:spPr>
+          <a:xfrm>
+            <a:off x="1714804" y="1307957"/>
+            <a:ext cx="496931" cy="369332"/>
+          </a:xfrm>
+          <a:prstGeom prst="rect">
+            <a:avLst/>
+          </a:prstGeom>
+        </p:spPr>
+        <p:txBody>
+          <a:bodyPr wrap="none">
+            <a:spAutoFit/>
+          </a:bodyPr>
+          <a:lstStyle/>
+          <a:p>
+            <a:r>
+              <a:rPr lang="zh-CN" altLang="en-US" dirty="0" smtClean="0">
+                <a:solidFill>
+                  <a:srgbClr val="FF0000"/>
+                </a:solidFill>
+              </a:rPr>
+              <a:t>call</a:t>
+            </a:r>
+            <a:endParaRPr lang="zh-CN" altLang="en-US" dirty="0">
+              <a:solidFill>
+                <a:srgbClr val="FF0000"/>
+              </a:solidFill>
+            </a:endParaRPr>
+          </a:p>
+        </p:txBody>
+      </p:sp>
+      <p:sp>
+        <p:nvSpPr>
+          <p:cNvPr id="5" name="矩形 4"/>
+          <p:cNvSpPr/>
+          <p:nvPr/>
+        </p:nvSpPr>
+        <p:spPr>
+          <a:xfrm>
+            <a:off x="1714804" y="3387256"/>
+            <a:ext cx="570990" cy="369332"/>
+          </a:xfrm>
+          <a:prstGeom prst="rect">
+            <a:avLst/>
+          </a:prstGeom>
+        </p:spPr>
+        <p:txBody>
+          <a:bodyPr wrap="none">
+            <a:spAutoFit/>
+          </a:bodyPr>
+          <a:lstStyle/>
+          <a:p>
+            <a:r>
+              <a:rPr lang="zh-CN" altLang="en-US" dirty="0">
+                <a:solidFill>
+                  <a:srgbClr val="FF0000"/>
+                </a:solidFill>
+              </a:rPr>
+              <a:t>sub </a:t>
+            </a:r>
+          </a:p>
+        </p:txBody>
+      </p:sp>
+      <p:sp>
+        <p:nvSpPr>
+          <p:cNvPr id="6" name="矩形 5"/>
+          <p:cNvSpPr/>
+          <p:nvPr/>
+        </p:nvSpPr>
+        <p:spPr>
+          <a:xfrm>
+            <a:off x="1891834" y="5455813"/>
+            <a:ext cx="550151" cy="369332"/>
+          </a:xfrm>
+          <a:prstGeom prst="rect">
+            <a:avLst/>
+          </a:prstGeom>
+        </p:spPr>
+        <p:txBody>
+          <a:bodyPr wrap="none">
+            <a:spAutoFit/>
+          </a:bodyPr>
+          <a:lstStyle/>
+          <a:p>
+            <a:r>
+              <a:rPr lang="zh-CN" altLang="en-US" dirty="0">
+                <a:solidFill>
+                  <a:srgbClr val="FF0000"/>
+                </a:solidFill>
+              </a:rPr>
+              <a:t>pub</a:t>
+            </a:r>
           </a:p>
         </p:txBody>
       </p:sp>
     </p:spTree>
     <p:extLst>
       <p:ext uri="{BB962C8B-B14F-4D97-AF65-F5344CB8AC3E}">
-        <p14:creationId xmlns:p14="http://schemas.microsoft.com/office/powerpoint/2010/main" val="491214577"/>
+        <p14:creationId xmlns:p14="http://schemas.microsoft.com/office/powerpoint/2010/main" val="1237355550"/>
       </p:ext>
     </p:extLst>
   </p:cSld>
@@ -26115,9 +26024,316 @@
   <p:timing>
     <p:tnLst>
       <p:par>
-        <p:cTn id="1" dur="indefinite" restart="never" nodeType="tmRoot"/>
+        <p:cTn id="1" dur="indefinite" restart="never" nodeType="tmRoot">
+          <p:childTnLst>
+            <p:seq concurrent="1" nextAc="seek">
+              <p:cTn id="2" dur="indefinite" nodeType="mainSeq">
+                <p:childTnLst>
+                  <p:par>
+                    <p:cTn id="3" fill="hold">
+                      <p:stCondLst>
+                        <p:cond delay="indefinite"/>
+                      </p:stCondLst>
+                      <p:childTnLst>
+                        <p:par>
+                          <p:cTn id="4" fill="hold">
+                            <p:stCondLst>
+                              <p:cond delay="0"/>
+                            </p:stCondLst>
+                            <p:childTnLst>
+                              <p:par>
+                                <p:cTn id="5" presetID="53" presetClass="entr" presetSubtype="16" fill="hold" grpId="0" nodeType="clickEffect">
+                                  <p:stCondLst>
+                                    <p:cond delay="0"/>
+                                  </p:stCondLst>
+                                  <p:childTnLst>
+                                    <p:set>
+                                      <p:cBhvr>
+                                        <p:cTn id="6" dur="1" fill="hold">
+                                          <p:stCondLst>
+                                            <p:cond delay="0"/>
+                                          </p:stCondLst>
+                                        </p:cTn>
+                                        <p:tgtEl>
+                                          <p:spTgt spid="4"/>
+                                        </p:tgtEl>
+                                        <p:attrNameLst>
+                                          <p:attrName>style.visibility</p:attrName>
+                                        </p:attrNameLst>
+                                      </p:cBhvr>
+                                      <p:to>
+                                        <p:strVal val="visible"/>
+                                      </p:to>
+                                    </p:set>
+                                    <p:anim calcmode="lin" valueType="num">
+                                      <p:cBhvr>
+                                        <p:cTn id="7" dur="500" fill="hold"/>
+                                        <p:tgtEl>
+                                          <p:spTgt spid="4"/>
+                                        </p:tgtEl>
+                                        <p:attrNameLst>
+                                          <p:attrName>ppt_w</p:attrName>
+                                        </p:attrNameLst>
+                                      </p:cBhvr>
+                                      <p:tavLst>
+                                        <p:tav tm="0">
+                                          <p:val>
+                                            <p:fltVal val="0"/>
+                                          </p:val>
+                                        </p:tav>
+                                        <p:tav tm="100000">
+                                          <p:val>
+                                            <p:strVal val="#ppt_w"/>
+                                          </p:val>
+                                        </p:tav>
+                                      </p:tavLst>
+                                    </p:anim>
+                                    <p:anim calcmode="lin" valueType="num">
+                                      <p:cBhvr>
+                                        <p:cTn id="8" dur="500" fill="hold"/>
+                                        <p:tgtEl>
+                                          <p:spTgt spid="4"/>
+                                        </p:tgtEl>
+                                        <p:attrNameLst>
+                                          <p:attrName>ppt_h</p:attrName>
+                                        </p:attrNameLst>
+                                      </p:cBhvr>
+                                      <p:tavLst>
+                                        <p:tav tm="0">
+                                          <p:val>
+                                            <p:fltVal val="0"/>
+                                          </p:val>
+                                        </p:tav>
+                                        <p:tav tm="100000">
+                                          <p:val>
+                                            <p:strVal val="#ppt_h"/>
+                                          </p:val>
+                                        </p:tav>
+                                      </p:tavLst>
+                                    </p:anim>
+                                    <p:animEffect transition="in" filter="fade">
+                                      <p:cBhvr>
+                                        <p:cTn id="9" dur="500"/>
+                                        <p:tgtEl>
+                                          <p:spTgt spid="4"/>
+                                        </p:tgtEl>
+                                      </p:cBhvr>
+                                    </p:animEffect>
+                                  </p:childTnLst>
+                                </p:cTn>
+                              </p:par>
+                            </p:childTnLst>
+                          </p:cTn>
+                        </p:par>
+                        <p:par>
+                          <p:cTn id="10" fill="hold">
+                            <p:stCondLst>
+                              <p:cond delay="500"/>
+                            </p:stCondLst>
+                            <p:childTnLst>
+                              <p:par>
+                                <p:cTn id="11" presetID="53" presetClass="entr" presetSubtype="16" fill="hold" grpId="0" nodeType="afterEffect">
+                                  <p:stCondLst>
+                                    <p:cond delay="0"/>
+                                  </p:stCondLst>
+                                  <p:childTnLst>
+                                    <p:set>
+                                      <p:cBhvr>
+                                        <p:cTn id="12" dur="1" fill="hold">
+                                          <p:stCondLst>
+                                            <p:cond delay="0"/>
+                                          </p:stCondLst>
+                                        </p:cTn>
+                                        <p:tgtEl>
+                                          <p:spTgt spid="5"/>
+                                        </p:tgtEl>
+                                        <p:attrNameLst>
+                                          <p:attrName>style.visibility</p:attrName>
+                                        </p:attrNameLst>
+                                      </p:cBhvr>
+                                      <p:to>
+                                        <p:strVal val="visible"/>
+                                      </p:to>
+                                    </p:set>
+                                    <p:anim calcmode="lin" valueType="num">
+                                      <p:cBhvr>
+                                        <p:cTn id="13" dur="500" fill="hold"/>
+                                        <p:tgtEl>
+                                          <p:spTgt spid="5"/>
+                                        </p:tgtEl>
+                                        <p:attrNameLst>
+                                          <p:attrName>ppt_w</p:attrName>
+                                        </p:attrNameLst>
+                                      </p:cBhvr>
+                                      <p:tavLst>
+                                        <p:tav tm="0">
+                                          <p:val>
+                                            <p:fltVal val="0"/>
+                                          </p:val>
+                                        </p:tav>
+                                        <p:tav tm="100000">
+                                          <p:val>
+                                            <p:strVal val="#ppt_w"/>
+                                          </p:val>
+                                        </p:tav>
+                                      </p:tavLst>
+                                    </p:anim>
+                                    <p:anim calcmode="lin" valueType="num">
+                                      <p:cBhvr>
+                                        <p:cTn id="14" dur="500" fill="hold"/>
+                                        <p:tgtEl>
+                                          <p:spTgt spid="5"/>
+                                        </p:tgtEl>
+                                        <p:attrNameLst>
+                                          <p:attrName>ppt_h</p:attrName>
+                                        </p:attrNameLst>
+                                      </p:cBhvr>
+                                      <p:tavLst>
+                                        <p:tav tm="0">
+                                          <p:val>
+                                            <p:fltVal val="0"/>
+                                          </p:val>
+                                        </p:tav>
+                                        <p:tav tm="100000">
+                                          <p:val>
+                                            <p:strVal val="#ppt_h"/>
+                                          </p:val>
+                                        </p:tav>
+                                      </p:tavLst>
+                                    </p:anim>
+                                    <p:animEffect transition="in" filter="fade">
+                                      <p:cBhvr>
+                                        <p:cTn id="15" dur="500"/>
+                                        <p:tgtEl>
+                                          <p:spTgt spid="5"/>
+                                        </p:tgtEl>
+                                      </p:cBhvr>
+                                    </p:animEffect>
+                                  </p:childTnLst>
+                                </p:cTn>
+                              </p:par>
+                            </p:childTnLst>
+                          </p:cTn>
+                        </p:par>
+                        <p:par>
+                          <p:cTn id="16" fill="hold">
+                            <p:stCondLst>
+                              <p:cond delay="1000"/>
+                            </p:stCondLst>
+                            <p:childTnLst>
+                              <p:par>
+                                <p:cTn id="17" presetID="53" presetClass="entr" presetSubtype="16" fill="hold" grpId="0" nodeType="afterEffect">
+                                  <p:stCondLst>
+                                    <p:cond delay="0"/>
+                                  </p:stCondLst>
+                                  <p:childTnLst>
+                                    <p:set>
+                                      <p:cBhvr>
+                                        <p:cTn id="18" dur="1" fill="hold">
+                                          <p:stCondLst>
+                                            <p:cond delay="0"/>
+                                          </p:stCondLst>
+                                        </p:cTn>
+                                        <p:tgtEl>
+                                          <p:spTgt spid="6"/>
+                                        </p:tgtEl>
+                                        <p:attrNameLst>
+                                          <p:attrName>style.visibility</p:attrName>
+                                        </p:attrNameLst>
+                                      </p:cBhvr>
+                                      <p:to>
+                                        <p:strVal val="visible"/>
+                                      </p:to>
+                                    </p:set>
+                                    <p:anim calcmode="lin" valueType="num">
+                                      <p:cBhvr>
+                                        <p:cTn id="19" dur="500" fill="hold"/>
+                                        <p:tgtEl>
+                                          <p:spTgt spid="6"/>
+                                        </p:tgtEl>
+                                        <p:attrNameLst>
+                                          <p:attrName>ppt_w</p:attrName>
+                                        </p:attrNameLst>
+                                      </p:cBhvr>
+                                      <p:tavLst>
+                                        <p:tav tm="0">
+                                          <p:val>
+                                            <p:fltVal val="0"/>
+                                          </p:val>
+                                        </p:tav>
+                                        <p:tav tm="100000">
+                                          <p:val>
+                                            <p:strVal val="#ppt_w"/>
+                                          </p:val>
+                                        </p:tav>
+                                      </p:tavLst>
+                                    </p:anim>
+                                    <p:anim calcmode="lin" valueType="num">
+                                      <p:cBhvr>
+                                        <p:cTn id="20" dur="500" fill="hold"/>
+                                        <p:tgtEl>
+                                          <p:spTgt spid="6"/>
+                                        </p:tgtEl>
+                                        <p:attrNameLst>
+                                          <p:attrName>ppt_h</p:attrName>
+                                        </p:attrNameLst>
+                                      </p:cBhvr>
+                                      <p:tavLst>
+                                        <p:tav tm="0">
+                                          <p:val>
+                                            <p:fltVal val="0"/>
+                                          </p:val>
+                                        </p:tav>
+                                        <p:tav tm="100000">
+                                          <p:val>
+                                            <p:strVal val="#ppt_h"/>
+                                          </p:val>
+                                        </p:tav>
+                                      </p:tavLst>
+                                    </p:anim>
+                                    <p:animEffect transition="in" filter="fade">
+                                      <p:cBhvr>
+                                        <p:cTn id="21" dur="500"/>
+                                        <p:tgtEl>
+                                          <p:spTgt spid="6"/>
+                                        </p:tgtEl>
+                                      </p:cBhvr>
+                                    </p:animEffect>
+                                  </p:childTnLst>
+                                </p:cTn>
+                              </p:par>
+                            </p:childTnLst>
+                          </p:cTn>
+                        </p:par>
+                      </p:childTnLst>
+                    </p:cTn>
+                  </p:par>
+                </p:childTnLst>
+              </p:cTn>
+              <p:prevCondLst>
+                <p:cond evt="onPrev" delay="0">
+                  <p:tgtEl>
+                    <p:sldTgt/>
+                  </p:tgtEl>
+                </p:cond>
+              </p:prevCondLst>
+              <p:nextCondLst>
+                <p:cond evt="onNext" delay="0">
+                  <p:tgtEl>
+                    <p:sldTgt/>
+                  </p:tgtEl>
+                </p:cond>
+              </p:nextCondLst>
+            </p:seq>
+          </p:childTnLst>
+        </p:cTn>
       </p:par>
     </p:tnLst>
+    <p:bldLst>
+      <p:bldP spid="4" grpId="0"/>
+      <p:bldP spid="5" grpId="0"/>
+      <p:bldP spid="6" grpId="0"/>
+    </p:bldLst>
   </p:timing>
 </p:sld>
 </file>

--- a/An easy to use RPC framework implemented by c++11 and c++14.pptx
+++ b/An easy to use RPC framework implemented by c++11 and c++14.pptx
@@ -5,7 +5,7 @@
     <p:sldMasterId id="2147483660" r:id="rId1"/>
   </p:sldMasterIdLst>
   <p:notesMasterIdLst>
-    <p:notesMasterId r:id="rId43"/>
+    <p:notesMasterId r:id="rId42"/>
   </p:notesMasterIdLst>
   <p:sldIdLst>
     <p:sldId id="256" r:id="rId2"/>
@@ -44,11 +44,10 @@
     <p:sldId id="314" r:id="rId35"/>
     <p:sldId id="341" r:id="rId36"/>
     <p:sldId id="304" r:id="rId37"/>
-    <p:sldId id="340" r:id="rId38"/>
-    <p:sldId id="334" r:id="rId39"/>
-    <p:sldId id="301" r:id="rId40"/>
-    <p:sldId id="263" r:id="rId41"/>
-    <p:sldId id="264" r:id="rId42"/>
+    <p:sldId id="334" r:id="rId38"/>
+    <p:sldId id="301" r:id="rId39"/>
+    <p:sldId id="263" r:id="rId40"/>
+    <p:sldId id="264" r:id="rId41"/>
   </p:sldIdLst>
   <p:sldSz cx="9144000" cy="6858000" type="screen4x3"/>
   <p:notesSz cx="6858000" cy="9144000"/>
@@ -249,7 +248,7 @@
             <a:fld id="{D3663233-B32B-4AC3-A591-4171AB65348A}" type="datetimeFigureOut">
               <a:rPr lang="zh-CN" altLang="en-US" smtClean="0"/>
               <a:pPr/>
-              <a:t>2017-04-17</a:t>
+              <a:t>2017-04-18</a:t>
             </a:fld>
             <a:endParaRPr lang="zh-CN" altLang="en-US"/>
           </a:p>
@@ -4017,7 +4016,11 @@
           <a:p>
             <a:r>
               <a:rPr lang="en-US" altLang="zh-CN" dirty="0" smtClean="0"/>
-              <a:t>you can use the two models at the same time</a:t>
+              <a:t>you can use the two models at the same </a:t>
+            </a:r>
+            <a:r>
+              <a:rPr lang="en-US" altLang="zh-CN" dirty="0" smtClean="0"/>
+              <a:t>time, it’s very convenient and flexible.</a:t>
             </a:r>
             <a:endParaRPr lang="zh-CN" altLang="en-US" dirty="0"/>
           </a:p>
@@ -4932,7 +4935,7 @@
             <a:fld id="{12397CA8-2D6B-474E-AD0A-8CF9975324D0}" type="datetimeFigureOut">
               <a:rPr lang="zh-CN" altLang="en-US" smtClean="0"/>
               <a:pPr/>
-              <a:t>2017-04-17</a:t>
+              <a:t>2017-04-18</a:t>
             </a:fld>
             <a:endParaRPr lang="zh-CN" altLang="en-US"/>
           </a:p>
@@ -5223,7 +5226,7 @@
             <a:fld id="{12397CA8-2D6B-474E-AD0A-8CF9975324D0}" type="datetimeFigureOut">
               <a:rPr lang="zh-CN" altLang="en-US" smtClean="0"/>
               <a:pPr/>
-              <a:t>2017-04-17</a:t>
+              <a:t>2017-04-18</a:t>
             </a:fld>
             <a:endParaRPr lang="zh-CN" altLang="en-US"/>
           </a:p>
@@ -5412,7 +5415,7 @@
             <a:fld id="{12397CA8-2D6B-474E-AD0A-8CF9975324D0}" type="datetimeFigureOut">
               <a:rPr lang="zh-CN" altLang="en-US" smtClean="0"/>
               <a:pPr/>
-              <a:t>2017-04-17</a:t>
+              <a:t>2017-04-18</a:t>
             </a:fld>
             <a:endParaRPr lang="zh-CN" altLang="en-US"/>
           </a:p>
@@ -5919,7 +5922,7 @@
             <a:fld id="{12397CA8-2D6B-474E-AD0A-8CF9975324D0}" type="datetimeFigureOut">
               <a:rPr lang="zh-CN" altLang="en-US" smtClean="0"/>
               <a:pPr/>
-              <a:t>2017-04-17</a:t>
+              <a:t>2017-04-18</a:t>
             </a:fld>
             <a:endParaRPr lang="zh-CN" altLang="en-US"/>
           </a:p>
@@ -6160,7 +6163,7 @@
             <a:fld id="{12397CA8-2D6B-474E-AD0A-8CF9975324D0}" type="datetimeFigureOut">
               <a:rPr lang="zh-CN" altLang="en-US" smtClean="0"/>
               <a:pPr/>
-              <a:t>2017-04-17</a:t>
+              <a:t>2017-04-18</a:t>
             </a:fld>
             <a:endParaRPr lang="zh-CN" altLang="en-US"/>
           </a:p>
@@ -6536,7 +6539,7 @@
             <a:fld id="{12397CA8-2D6B-474E-AD0A-8CF9975324D0}" type="datetimeFigureOut">
               <a:rPr lang="zh-CN" altLang="en-US" smtClean="0"/>
               <a:pPr/>
-              <a:t>2017-04-17</a:t>
+              <a:t>2017-04-18</a:t>
             </a:fld>
             <a:endParaRPr lang="zh-CN" altLang="en-US"/>
           </a:p>
@@ -6656,7 +6659,7 @@
             <a:fld id="{12397CA8-2D6B-474E-AD0A-8CF9975324D0}" type="datetimeFigureOut">
               <a:rPr lang="zh-CN" altLang="en-US" smtClean="0"/>
               <a:pPr/>
-              <a:t>2017-04-17</a:t>
+              <a:t>2017-04-18</a:t>
             </a:fld>
             <a:endParaRPr lang="zh-CN" altLang="en-US"/>
           </a:p>
@@ -6753,7 +6756,7 @@
             <a:fld id="{12397CA8-2D6B-474E-AD0A-8CF9975324D0}" type="datetimeFigureOut">
               <a:rPr lang="zh-CN" altLang="en-US" smtClean="0"/>
               <a:pPr/>
-              <a:t>2017-04-17</a:t>
+              <a:t>2017-04-18</a:t>
             </a:fld>
             <a:endParaRPr lang="zh-CN" altLang="en-US"/>
           </a:p>
@@ -7032,7 +7035,7 @@
             <a:fld id="{12397CA8-2D6B-474E-AD0A-8CF9975324D0}" type="datetimeFigureOut">
               <a:rPr lang="zh-CN" altLang="en-US" smtClean="0"/>
               <a:pPr/>
-              <a:t>2017-04-17</a:t>
+              <a:t>2017-04-18</a:t>
             </a:fld>
             <a:endParaRPr lang="zh-CN" altLang="en-US"/>
           </a:p>
@@ -7291,7 +7294,7 @@
             <a:fld id="{12397CA8-2D6B-474E-AD0A-8CF9975324D0}" type="datetimeFigureOut">
               <a:rPr lang="zh-CN" altLang="en-US" smtClean="0"/>
               <a:pPr/>
-              <a:t>2017-04-17</a:t>
+              <a:t>2017-04-18</a:t>
             </a:fld>
             <a:endParaRPr lang="zh-CN" altLang="en-US"/>
           </a:p>
@@ -7513,7 +7516,7 @@
             <a:fld id="{12397CA8-2D6B-474E-AD0A-8CF9975324D0}" type="datetimeFigureOut">
               <a:rPr lang="zh-CN" altLang="en-US" smtClean="0"/>
               <a:pPr/>
-              <a:t>2017-04-17</a:t>
+              <a:t>2017-04-18</a:t>
             </a:fld>
             <a:endParaRPr lang="zh-CN" altLang="en-US"/>
           </a:p>
@@ -8169,15 +8172,7 @@
             </a:pPr>
             <a:r>
               <a:rPr lang="en-US" altLang="zh-CN" dirty="0" smtClean="0"/>
-              <a:t>How to </a:t>
-            </a:r>
-            <a:r>
-              <a:rPr lang="en-US" altLang="zh-CN" dirty="0" smtClean="0"/>
-              <a:t>route to </a:t>
-            </a:r>
-            <a:r>
-              <a:rPr lang="en-US" altLang="zh-CN" dirty="0" smtClean="0"/>
-              <a:t>the correct handler</a:t>
+              <a:t>How to route to the correct handler</a:t>
             </a:r>
           </a:p>
           <a:p>
@@ -8191,11 +8186,7 @@
             </a:r>
             <a:r>
               <a:rPr lang="en-US" altLang="zh-CN" smtClean="0"/>
-              <a:t>call </a:t>
-            </a:r>
-            <a:r>
-              <a:rPr lang="en-US" altLang="zh-CN" smtClean="0"/>
-              <a:t>code</a:t>
+              <a:t>call code</a:t>
             </a:r>
             <a:endParaRPr lang="en-US" altLang="zh-CN" dirty="0" smtClean="0"/>
           </a:p>
@@ -26372,7 +26363,7 @@
           <a:p>
             <a:r>
               <a:rPr lang="en-US" altLang="zh-CN" dirty="0" smtClean="0"/>
-              <a:t>something else</a:t>
+              <a:t>Outline</a:t>
             </a:r>
             <a:endParaRPr lang="zh-CN" altLang="en-US" dirty="0"/>
           </a:p>
@@ -26394,23 +26385,66 @@
           <a:lstStyle/>
           <a:p>
             <a:r>
-              <a:rPr lang="en-US" altLang="zh-CN" dirty="0" smtClean="0"/>
-              <a:t>pub sub</a:t>
-            </a:r>
-          </a:p>
-          <a:p>
-            <a:r>
-              <a:rPr lang="en-US" altLang="zh-CN" dirty="0" smtClean="0"/>
-              <a:t>performance</a:t>
-            </a:r>
-            <a:endParaRPr lang="zh-CN" altLang="en-US" dirty="0"/>
+              <a:rPr lang="en-US" altLang="zh-CN" dirty="0"/>
+              <a:t>1.Introduction to RPC</a:t>
+            </a:r>
+          </a:p>
+          <a:p>
+            <a:endParaRPr lang="en-US" altLang="zh-CN" dirty="0" smtClean="0"/>
+          </a:p>
+          <a:p>
+            <a:r>
+              <a:rPr lang="en-US" altLang="zh-CN" dirty="0" smtClean="0"/>
+              <a:t>2.What is </a:t>
+            </a:r>
+            <a:r>
+              <a:rPr lang="en-US" altLang="zh-CN" dirty="0" err="1" smtClean="0"/>
+              <a:t>rest_rpc</a:t>
+            </a:r>
+            <a:endParaRPr lang="en-US" altLang="zh-CN" dirty="0" smtClean="0"/>
+          </a:p>
+          <a:p>
+            <a:endParaRPr lang="en-US" altLang="zh-CN" dirty="0" smtClean="0"/>
+          </a:p>
+          <a:p>
+            <a:r>
+              <a:rPr lang="en-US" altLang="zh-CN" dirty="0" smtClean="0"/>
+              <a:t>3.Challenges of easy to use</a:t>
+            </a:r>
+          </a:p>
+          <a:p>
+            <a:endParaRPr lang="en-US" altLang="zh-CN" dirty="0" smtClean="0"/>
+          </a:p>
+          <a:p>
+            <a:r>
+              <a:rPr lang="en-US" altLang="zh-CN" dirty="0" smtClean="0"/>
+              <a:t>4.Key technologies</a:t>
+            </a:r>
+          </a:p>
+          <a:p>
+            <a:endParaRPr lang="en-US" altLang="zh-CN" dirty="0"/>
+          </a:p>
+          <a:p>
+            <a:r>
+              <a:rPr lang="en-US" altLang="zh-CN" sz="1800" dirty="0">
+                <a:solidFill>
+                  <a:schemeClr val="accent5"/>
+                </a:solidFill>
+              </a:rPr>
+              <a:t>5.What you can do with it</a:t>
+            </a:r>
+            <a:endParaRPr lang="zh-CN" altLang="en-US" sz="1800" dirty="0">
+              <a:solidFill>
+                <a:schemeClr val="accent5"/>
+              </a:solidFill>
+            </a:endParaRPr>
           </a:p>
         </p:txBody>
       </p:sp>
     </p:spTree>
     <p:extLst>
       <p:ext uri="{BB962C8B-B14F-4D97-AF65-F5344CB8AC3E}">
-        <p14:creationId xmlns:p14="http://schemas.microsoft.com/office/powerpoint/2010/main" val="276282720"/>
+        <p14:creationId xmlns:p14="http://schemas.microsoft.com/office/powerpoint/2010/main" val="2456307990"/>
       </p:ext>
     </p:extLst>
   </p:cSld>
@@ -26446,7 +26480,7 @@
       </p:grpSpPr>
       <p:sp>
         <p:nvSpPr>
-          <p:cNvPr id="2" name="标题 1"/>
+          <p:cNvPr id="2" name="Title 1"/>
           <p:cNvSpPr>
             <a:spLocks noGrp="1"/>
           </p:cNvSpPr>
@@ -26460,8 +26494,12 @@
           <a:lstStyle/>
           <a:p>
             <a:r>
-              <a:rPr lang="en-US" altLang="zh-CN" dirty="0" smtClean="0"/>
-              <a:t>Outline</a:t>
+              <a:rPr lang="en-US" altLang="zh-CN" dirty="0" err="1" smtClean="0"/>
+              <a:t>rest_rpc</a:t>
+            </a:r>
+            <a:r>
+              <a:rPr lang="en-US" altLang="zh-CN" dirty="0" smtClean="0"/>
+              <a:t> can be used to do</a:t>
             </a:r>
             <a:endParaRPr lang="zh-CN" altLang="en-US" dirty="0"/>
           </a:p>
@@ -26469,7 +26507,7 @@
       </p:sp>
       <p:sp>
         <p:nvSpPr>
-          <p:cNvPr id="3" name="文本占位符 2"/>
+          <p:cNvPr id="3" name="Text Placeholder 2"/>
           <p:cNvSpPr>
             <a:spLocks noGrp="1"/>
           </p:cNvSpPr>
@@ -26483,66 +26521,86 @@
           <a:lstStyle/>
           <a:p>
             <a:r>
-              <a:rPr lang="en-US" altLang="zh-CN" dirty="0"/>
-              <a:t>1.Introduction to RPC</a:t>
-            </a:r>
-          </a:p>
-          <a:p>
-            <a:endParaRPr lang="en-US" altLang="zh-CN" dirty="0" smtClean="0"/>
-          </a:p>
-          <a:p>
-            <a:r>
-              <a:rPr lang="en-US" altLang="zh-CN" dirty="0" smtClean="0"/>
-              <a:t>2.What is </a:t>
-            </a:r>
-            <a:r>
-              <a:rPr lang="en-US" altLang="zh-CN" dirty="0" err="1" smtClean="0"/>
-              <a:t>rest_rpc</a:t>
-            </a:r>
-            <a:endParaRPr lang="en-US" altLang="zh-CN" dirty="0" smtClean="0"/>
-          </a:p>
-          <a:p>
-            <a:endParaRPr lang="en-US" altLang="zh-CN" dirty="0" smtClean="0"/>
-          </a:p>
-          <a:p>
-            <a:r>
-              <a:rPr lang="en-US" altLang="zh-CN" dirty="0" smtClean="0"/>
-              <a:t>3.Challenges of easy to use</a:t>
-            </a:r>
-          </a:p>
-          <a:p>
-            <a:endParaRPr lang="en-US" altLang="zh-CN" dirty="0" smtClean="0"/>
-          </a:p>
-          <a:p>
-            <a:r>
-              <a:rPr lang="en-US" altLang="zh-CN" dirty="0" smtClean="0"/>
-              <a:t>4.Key technologies</a:t>
-            </a:r>
-          </a:p>
-          <a:p>
-            <a:endParaRPr lang="en-US" altLang="zh-CN" dirty="0"/>
-          </a:p>
-          <a:p>
-            <a:r>
-              <a:rPr lang="en-US" altLang="zh-CN" sz="1800" dirty="0">
-                <a:solidFill>
-                  <a:schemeClr val="accent5"/>
-                </a:solidFill>
-              </a:rPr>
-              <a:t>5.What you can do with it</a:t>
-            </a:r>
-            <a:endParaRPr lang="zh-CN" altLang="en-US" sz="1800" dirty="0">
-              <a:solidFill>
-                <a:schemeClr val="accent5"/>
-              </a:solidFill>
-            </a:endParaRPr>
+              <a:rPr lang="en-US" altLang="zh-CN" b="1" dirty="0" err="1"/>
+              <a:t>Interprocess</a:t>
+            </a:r>
+            <a:r>
+              <a:rPr lang="en-US" altLang="zh-CN" b="1" dirty="0"/>
+              <a:t> </a:t>
+            </a:r>
+            <a:r>
+              <a:rPr lang="en-US" altLang="zh-CN" b="1" dirty="0" smtClean="0"/>
+              <a:t>communication</a:t>
+            </a:r>
+          </a:p>
+          <a:p>
+            <a:endParaRPr lang="en-US" altLang="zh-CN" b="1" dirty="0" smtClean="0"/>
+          </a:p>
+          <a:p>
+            <a:r>
+              <a:rPr lang="en-US" altLang="zh-CN" b="1" dirty="0" smtClean="0"/>
+              <a:t>Distribute system</a:t>
+            </a:r>
+          </a:p>
+          <a:p>
+            <a:pPr marL="285750" indent="-285750">
+              <a:buFont typeface="Arial" panose="020B0604020202020204" pitchFamily="34" charset="0"/>
+              <a:buChar char="•"/>
+            </a:pPr>
+            <a:r>
+              <a:rPr lang="en-US" altLang="zh-CN" dirty="0" smtClean="0"/>
+              <a:t>HA(binary star, raft)</a:t>
+            </a:r>
+          </a:p>
+          <a:p>
+            <a:pPr marL="285750" indent="-285750">
+              <a:buFont typeface="Arial" panose="020B0604020202020204" pitchFamily="34" charset="0"/>
+              <a:buChar char="•"/>
+            </a:pPr>
+            <a:r>
+              <a:rPr lang="en-US" altLang="zh-CN" dirty="0" smtClean="0"/>
+              <a:t>Service discovery</a:t>
+            </a:r>
+          </a:p>
+          <a:p>
+            <a:pPr marL="285750" indent="-285750">
+              <a:buFont typeface="Arial" panose="020B0604020202020204" pitchFamily="34" charset="0"/>
+              <a:buChar char="•"/>
+            </a:pPr>
+            <a:r>
+              <a:rPr lang="en-US" altLang="zh-CN" dirty="0" smtClean="0"/>
+              <a:t>Message queue</a:t>
+            </a:r>
+          </a:p>
+          <a:p>
+            <a:pPr marL="285750" indent="-285750">
+              <a:buFont typeface="Arial" panose="020B0604020202020204" pitchFamily="34" charset="0"/>
+              <a:buChar char="•"/>
+            </a:pPr>
+            <a:r>
+              <a:rPr lang="en-US" altLang="zh-CN" dirty="0" smtClean="0"/>
+              <a:t>Distribute compute</a:t>
+            </a:r>
+          </a:p>
+          <a:p>
+            <a:pPr marL="285750" indent="-285750">
+              <a:buFont typeface="Arial" panose="020B0604020202020204" pitchFamily="34" charset="0"/>
+              <a:buChar char="•"/>
+            </a:pPr>
+            <a:r>
+              <a:rPr lang="en-US" altLang="zh-CN" dirty="0" smtClean="0"/>
+              <a:t>Distribute storage</a:t>
+            </a:r>
+          </a:p>
+          <a:p>
+            <a:endParaRPr lang="zh-CN" altLang="en-US" b="1" dirty="0"/>
           </a:p>
         </p:txBody>
       </p:sp>
     </p:spTree>
     <p:extLst>
       <p:ext uri="{BB962C8B-B14F-4D97-AF65-F5344CB8AC3E}">
-        <p14:creationId xmlns:p14="http://schemas.microsoft.com/office/powerpoint/2010/main" val="2456307990"/>
+        <p14:creationId xmlns:p14="http://schemas.microsoft.com/office/powerpoint/2010/main" val="2546503311"/>
       </p:ext>
     </p:extLst>
   </p:cSld>
@@ -26578,7 +26636,7 @@
       </p:grpSpPr>
       <p:sp>
         <p:nvSpPr>
-          <p:cNvPr id="2" name="Title 1"/>
+          <p:cNvPr id="2" name="标题 1"/>
           <p:cNvSpPr>
             <a:spLocks noGrp="1"/>
           </p:cNvSpPr>
@@ -26592,12 +26650,8 @@
           <a:lstStyle/>
           <a:p>
             <a:r>
-              <a:rPr lang="en-US" altLang="zh-CN" dirty="0" err="1" smtClean="0"/>
-              <a:t>rest_rpc</a:t>
-            </a:r>
-            <a:r>
-              <a:rPr lang="en-US" altLang="zh-CN" dirty="0" smtClean="0"/>
-              <a:t> can be used to do</a:t>
+              <a:rPr lang="en-US" altLang="zh-CN" dirty="0"/>
+              <a:t>Links</a:t>
             </a:r>
             <a:endParaRPr lang="zh-CN" altLang="en-US" dirty="0"/>
           </a:p>
@@ -26605,7 +26659,7 @@
       </p:sp>
       <p:sp>
         <p:nvSpPr>
-          <p:cNvPr id="3" name="Text Placeholder 2"/>
+          <p:cNvPr id="3" name="文本占位符 2"/>
           <p:cNvSpPr>
             <a:spLocks noGrp="1"/>
           </p:cNvSpPr>
@@ -26619,86 +26673,83 @@
           <a:lstStyle/>
           <a:p>
             <a:r>
-              <a:rPr lang="en-US" altLang="zh-CN" b="1" dirty="0" err="1"/>
-              <a:t>Interprocess</a:t>
-            </a:r>
-            <a:r>
-              <a:rPr lang="en-US" altLang="zh-CN" b="1" dirty="0"/>
-              <a:t> </a:t>
-            </a:r>
-            <a:r>
-              <a:rPr lang="en-US" altLang="zh-CN" b="1" dirty="0" smtClean="0"/>
-              <a:t>communication</a:t>
-            </a:r>
-          </a:p>
-          <a:p>
-            <a:endParaRPr lang="en-US" altLang="zh-CN" b="1" dirty="0" smtClean="0"/>
-          </a:p>
-          <a:p>
-            <a:r>
-              <a:rPr lang="en-US" altLang="zh-CN" b="1" dirty="0" smtClean="0"/>
-              <a:t>Distribute system</a:t>
-            </a:r>
-          </a:p>
-          <a:p>
-            <a:pPr marL="285750" indent="-285750">
-              <a:buFont typeface="Arial" panose="020B0604020202020204" pitchFamily="34" charset="0"/>
-              <a:buChar char="•"/>
-            </a:pPr>
-            <a:r>
-              <a:rPr lang="en-US" altLang="zh-CN" dirty="0" smtClean="0"/>
-              <a:t>HA(binary star, raft)</a:t>
-            </a:r>
-          </a:p>
-          <a:p>
-            <a:pPr marL="285750" indent="-285750">
-              <a:buFont typeface="Arial" panose="020B0604020202020204" pitchFamily="34" charset="0"/>
-              <a:buChar char="•"/>
-            </a:pPr>
-            <a:r>
-              <a:rPr lang="en-US" altLang="zh-CN" dirty="0" smtClean="0"/>
-              <a:t>Service discovery</a:t>
-            </a:r>
-          </a:p>
-          <a:p>
-            <a:pPr marL="285750" indent="-285750">
-              <a:buFont typeface="Arial" panose="020B0604020202020204" pitchFamily="34" charset="0"/>
-              <a:buChar char="•"/>
-            </a:pPr>
-            <a:r>
-              <a:rPr lang="en-US" altLang="zh-CN" dirty="0" smtClean="0"/>
-              <a:t>Message queue</a:t>
-            </a:r>
-          </a:p>
-          <a:p>
-            <a:pPr marL="285750" indent="-285750">
-              <a:buFont typeface="Arial" panose="020B0604020202020204" pitchFamily="34" charset="0"/>
-              <a:buChar char="•"/>
-            </a:pPr>
-            <a:r>
-              <a:rPr lang="en-US" altLang="zh-CN" dirty="0" smtClean="0"/>
-              <a:t>Distribute compute</a:t>
-            </a:r>
-          </a:p>
-          <a:p>
-            <a:pPr marL="285750" indent="-285750">
-              <a:buFont typeface="Arial" panose="020B0604020202020204" pitchFamily="34" charset="0"/>
-              <a:buChar char="•"/>
-            </a:pPr>
-            <a:r>
-              <a:rPr lang="en-US" altLang="zh-CN" dirty="0" smtClean="0"/>
-              <a:t>Distribute storage</a:t>
-            </a:r>
-          </a:p>
-          <a:p>
-            <a:endParaRPr lang="zh-CN" altLang="en-US" b="1" dirty="0"/>
+              <a:rPr lang="en-US" altLang="zh-CN" dirty="0">
+                <a:hlinkClick r:id="rId2"/>
+              </a:rPr>
+              <a:t>https://</a:t>
+            </a:r>
+            <a:r>
+              <a:rPr lang="en-US" altLang="zh-CN" dirty="0" smtClean="0">
+                <a:hlinkClick r:id="rId2"/>
+              </a:rPr>
+              <a:t>github.com/topcpporg/rest_rpc</a:t>
+            </a:r>
+            <a:endParaRPr lang="en-US" altLang="zh-CN" dirty="0" smtClean="0"/>
+          </a:p>
+          <a:p>
+            <a:endParaRPr lang="en-US" altLang="zh-CN" dirty="0" smtClean="0"/>
+          </a:p>
+          <a:p>
+            <a:r>
+              <a:rPr lang="en-US" altLang="zh-CN" dirty="0" smtClean="0">
+                <a:hlinkClick r:id="rId3"/>
+              </a:rPr>
+              <a:t>http</a:t>
+            </a:r>
+            <a:r>
+              <a:rPr lang="en-US" altLang="zh-CN" dirty="0">
+                <a:hlinkClick r:id="rId3"/>
+              </a:rPr>
+              <a:t>://purecpp.org</a:t>
+            </a:r>
+            <a:r>
+              <a:rPr lang="en-US" altLang="zh-CN" dirty="0" smtClean="0">
+                <a:hlinkClick r:id="rId3"/>
+              </a:rPr>
+              <a:t>/</a:t>
+            </a:r>
+            <a:endParaRPr lang="en-US" altLang="zh-CN" dirty="0" smtClean="0"/>
+          </a:p>
+          <a:p>
+            <a:endParaRPr lang="en-US" altLang="zh-CN" dirty="0" smtClean="0">
+              <a:hlinkClick r:id="rId4"/>
+            </a:endParaRPr>
+          </a:p>
+          <a:p>
+            <a:r>
+              <a:rPr lang="en-US" altLang="zh-CN" dirty="0"/>
+              <a:t>Contact </a:t>
+            </a:r>
+            <a:r>
+              <a:rPr lang="en-US" altLang="zh-CN" dirty="0" smtClean="0"/>
+              <a:t>me: </a:t>
+            </a:r>
+            <a:r>
+              <a:rPr lang="en-US" altLang="zh-CN" dirty="0" smtClean="0">
+                <a:hlinkClick r:id="rId4"/>
+              </a:rPr>
+              <a:t>qicosmos@163.com</a:t>
+            </a:r>
+            <a:endParaRPr lang="en-US" altLang="zh-CN" dirty="0" smtClean="0"/>
+          </a:p>
+          <a:p>
+            <a:endParaRPr lang="en-US" altLang="zh-CN" dirty="0" smtClean="0"/>
+          </a:p>
+          <a:p>
+            <a:endParaRPr lang="en-US" altLang="zh-CN" dirty="0" smtClean="0"/>
+          </a:p>
+          <a:p>
+            <a:endParaRPr lang="en-US" altLang="zh-CN" dirty="0" smtClean="0"/>
+          </a:p>
+          <a:p>
+            <a:endParaRPr lang="zh-CN" altLang="en-US" dirty="0"/>
           </a:p>
         </p:txBody>
       </p:sp>
     </p:spTree>
     <p:extLst>
       <p:ext uri="{BB962C8B-B14F-4D97-AF65-F5344CB8AC3E}">
-        <p14:creationId xmlns:p14="http://schemas.microsoft.com/office/powerpoint/2010/main" val="2546503311"/>
+        <p14:creationId xmlns:p14="http://schemas.microsoft.com/office/powerpoint/2010/main" val="1217529647"/>
       </p:ext>
     </p:extLst>
   </p:cSld>
@@ -26825,155 +26876,6 @@
 </file>
 
 <file path=ppt/slides/slide40.xml><?xml version="1.0" encoding="utf-8"?>
-<p:sld xmlns:a="http://schemas.openxmlformats.org/drawingml/2006/main" xmlns:r="http://schemas.openxmlformats.org/officeDocument/2006/relationships" xmlns:p="http://schemas.openxmlformats.org/presentationml/2006/main">
-  <p:cSld>
-    <p:spTree>
-      <p:nvGrpSpPr>
-        <p:cNvPr id="1" name=""/>
-        <p:cNvGrpSpPr/>
-        <p:nvPr/>
-      </p:nvGrpSpPr>
-      <p:grpSpPr>
-        <a:xfrm>
-          <a:off x="0" y="0"/>
-          <a:ext cx="0" cy="0"/>
-          <a:chOff x="0" y="0"/>
-          <a:chExt cx="0" cy="0"/>
-        </a:xfrm>
-      </p:grpSpPr>
-      <p:sp>
-        <p:nvSpPr>
-          <p:cNvPr id="2" name="标题 1"/>
-          <p:cNvSpPr>
-            <a:spLocks noGrp="1"/>
-          </p:cNvSpPr>
-          <p:nvPr>
-            <p:ph type="title"/>
-          </p:nvPr>
-        </p:nvSpPr>
-        <p:spPr/>
-        <p:txBody>
-          <a:bodyPr/>
-          <a:lstStyle/>
-          <a:p>
-            <a:r>
-              <a:rPr lang="en-US" altLang="zh-CN" dirty="0"/>
-              <a:t>Links</a:t>
-            </a:r>
-            <a:endParaRPr lang="zh-CN" altLang="en-US" dirty="0"/>
-          </a:p>
-        </p:txBody>
-      </p:sp>
-      <p:sp>
-        <p:nvSpPr>
-          <p:cNvPr id="3" name="文本占位符 2"/>
-          <p:cNvSpPr>
-            <a:spLocks noGrp="1"/>
-          </p:cNvSpPr>
-          <p:nvPr>
-            <p:ph type="body" sz="half" idx="2"/>
-          </p:nvPr>
-        </p:nvSpPr>
-        <p:spPr/>
-        <p:txBody>
-          <a:bodyPr/>
-          <a:lstStyle/>
-          <a:p>
-            <a:r>
-              <a:rPr lang="en-US" altLang="zh-CN" dirty="0">
-                <a:hlinkClick r:id="rId2"/>
-              </a:rPr>
-              <a:t>https://</a:t>
-            </a:r>
-            <a:r>
-              <a:rPr lang="en-US" altLang="zh-CN" dirty="0" smtClean="0">
-                <a:hlinkClick r:id="rId2"/>
-              </a:rPr>
-              <a:t>github.com/topcpporg/rest_rpc</a:t>
-            </a:r>
-            <a:endParaRPr lang="en-US" altLang="zh-CN" dirty="0" smtClean="0"/>
-          </a:p>
-          <a:p>
-            <a:endParaRPr lang="en-US" altLang="zh-CN" dirty="0" smtClean="0"/>
-          </a:p>
-          <a:p>
-            <a:r>
-              <a:rPr lang="en-US" altLang="zh-CN" dirty="0" smtClean="0">
-                <a:hlinkClick r:id="rId3"/>
-              </a:rPr>
-              <a:t>http</a:t>
-            </a:r>
-            <a:r>
-              <a:rPr lang="en-US" altLang="zh-CN" dirty="0">
-                <a:hlinkClick r:id="rId3"/>
-              </a:rPr>
-              <a:t>://purecpp.org</a:t>
-            </a:r>
-            <a:r>
-              <a:rPr lang="en-US" altLang="zh-CN" dirty="0" smtClean="0">
-                <a:hlinkClick r:id="rId3"/>
-              </a:rPr>
-              <a:t>/</a:t>
-            </a:r>
-            <a:endParaRPr lang="en-US" altLang="zh-CN" dirty="0" smtClean="0"/>
-          </a:p>
-          <a:p>
-            <a:endParaRPr lang="en-US" altLang="zh-CN" dirty="0" smtClean="0">
-              <a:hlinkClick r:id="rId4"/>
-            </a:endParaRPr>
-          </a:p>
-          <a:p>
-            <a:r>
-              <a:rPr lang="en-US" altLang="zh-CN" dirty="0"/>
-              <a:t>Contact </a:t>
-            </a:r>
-            <a:r>
-              <a:rPr lang="en-US" altLang="zh-CN" dirty="0" smtClean="0"/>
-              <a:t>me: </a:t>
-            </a:r>
-            <a:r>
-              <a:rPr lang="en-US" altLang="zh-CN" dirty="0" smtClean="0">
-                <a:hlinkClick r:id="rId4"/>
-              </a:rPr>
-              <a:t>qicosmos@163.com</a:t>
-            </a:r>
-            <a:endParaRPr lang="en-US" altLang="zh-CN" dirty="0" smtClean="0"/>
-          </a:p>
-          <a:p>
-            <a:endParaRPr lang="en-US" altLang="zh-CN" dirty="0" smtClean="0"/>
-          </a:p>
-          <a:p>
-            <a:endParaRPr lang="en-US" altLang="zh-CN" dirty="0" smtClean="0"/>
-          </a:p>
-          <a:p>
-            <a:endParaRPr lang="en-US" altLang="zh-CN" dirty="0" smtClean="0"/>
-          </a:p>
-          <a:p>
-            <a:endParaRPr lang="zh-CN" altLang="en-US" dirty="0"/>
-          </a:p>
-        </p:txBody>
-      </p:sp>
-    </p:spTree>
-    <p:extLst>
-      <p:ext uri="{BB962C8B-B14F-4D97-AF65-F5344CB8AC3E}">
-        <p14:creationId xmlns:p14="http://schemas.microsoft.com/office/powerpoint/2010/main" val="1217529647"/>
-      </p:ext>
-    </p:extLst>
-  </p:cSld>
-  <p:clrMapOvr>
-    <a:masterClrMapping/>
-  </p:clrMapOvr>
-  <p:timing>
-    <p:tnLst>
-      <p:par>
-        <p:cTn id="1" dur="indefinite" restart="never" nodeType="tmRoot"/>
-      </p:par>
-    </p:tnLst>
-  </p:timing>
-</p:sld>
-</file>
-
-<file path=ppt/slides/slide41.xml><?xml version="1.0" encoding="utf-8"?>
 <p:sld xmlns:a="http://schemas.openxmlformats.org/drawingml/2006/main" xmlns:r="http://schemas.openxmlformats.org/officeDocument/2006/relationships" xmlns:p="http://schemas.openxmlformats.org/presentationml/2006/main">
   <p:cSld>
     <p:spTree>

--- a/An easy to use RPC framework implemented by c++11 and c++14.pptx
+++ b/An easy to use RPC framework implemented by c++11 and c++14.pptx
@@ -563,23 +563,23 @@
           <a:p>
             <a:r>
               <a:rPr lang="en-US" altLang="zh-CN" dirty="0" smtClean="0"/>
-              <a:t>Today </a:t>
+              <a:t>Hello everyone, </a:t>
             </a:r>
             <a:r>
               <a:rPr lang="en-US" altLang="zh-CN" dirty="0" err="1" smtClean="0"/>
-              <a:t>i</a:t>
-            </a:r>
-            <a:r>
-              <a:rPr lang="en-US" altLang="zh-CN" dirty="0" smtClean="0"/>
-              <a:t> want to introduce </a:t>
+              <a:t>i'm</a:t>
+            </a:r>
+            <a:r>
+              <a:rPr lang="en-US" altLang="zh-CN" dirty="0" smtClean="0"/>
+              <a:t> </a:t>
             </a:r>
             <a:r>
               <a:rPr lang="en-US" altLang="zh-CN" dirty="0" err="1" smtClean="0"/>
-              <a:t>rest_rpc</a:t>
-            </a:r>
-            <a:r>
-              <a:rPr lang="en-US" altLang="zh-CN" dirty="0" smtClean="0"/>
-              <a:t>, a new approach to RPC libraries that shows off the power of modern C++. </a:t>
+              <a:t>qiyu</a:t>
+            </a:r>
+            <a:r>
+              <a:rPr lang="en-US" altLang="zh-CN" dirty="0" smtClean="0"/>
+              <a:t> from China and today we're going to talk about an easy to use RPC library implemented by C++11/14.</a:t>
             </a:r>
             <a:endParaRPr lang="zh-CN" altLang="en-US" dirty="0"/>
           </a:p>
@@ -667,15 +667,59 @@
           <a:lstStyle/>
           <a:p>
             <a:r>
+              <a:rPr lang="en-US" altLang="zh-CN" dirty="0" smtClean="0"/>
+              <a:t>The sever code is very simple, because you can easily register callable of any signature with a simple interface </a:t>
+            </a:r>
+            <a:r>
               <a:rPr lang="en-US" altLang="zh-CN" dirty="0" err="1" smtClean="0"/>
-              <a:t>rest_rpc</a:t>
-            </a:r>
-            <a:r>
-              <a:rPr lang="en-US" altLang="zh-CN" dirty="0" smtClean="0"/>
-              <a:t> can register different kinds of callable, no matter different return types and arguments types.</a:t>
-            </a:r>
-          </a:p>
-          <a:p>
+              <a:t>register_handler</a:t>
+            </a:r>
+            <a:r>
+              <a:rPr lang="en-US" altLang="zh-CN" dirty="0" smtClean="0"/>
+              <a:t>. you know there is no such a container which can hold different kinds of signatures in </a:t>
+            </a:r>
+            <a:r>
+              <a:rPr lang="en-US" altLang="zh-CN" dirty="0" err="1" smtClean="0"/>
+              <a:t>c++</a:t>
+            </a:r>
+            <a:r>
+              <a:rPr lang="en-US" altLang="zh-CN" dirty="0" smtClean="0"/>
+              <a:t>.</a:t>
+            </a:r>
+          </a:p>
+          <a:p>
+            <a:r>
+              <a:rPr lang="en-US" altLang="zh-CN" baseline="0" dirty="0" smtClean="0"/>
+              <a:t>So how to </a:t>
+            </a:r>
+            <a:r>
+              <a:rPr lang="en-US" altLang="zh-CN" dirty="0" smtClean="0"/>
+              <a:t>register callable of any signature is the first challenge.</a:t>
+            </a:r>
+          </a:p>
+          <a:p>
+            <a:r>
+              <a:rPr lang="en-US" altLang="zh-CN" dirty="0" smtClean="0"/>
+              <a:t>The second challenge is how to route the correct handler, because the request format from the client is binary data, you need to parse the string and finish a function call. so how to transform string arguments to real arguments?</a:t>
+            </a:r>
+          </a:p>
+          <a:p>
+            <a:r>
+              <a:rPr lang="en-US" altLang="zh-CN" dirty="0" smtClean="0"/>
+              <a:t>The third challenge is simplify the call code, general, simple and powerful user interface is a challenge.</a:t>
+            </a:r>
+          </a:p>
+          <a:p>
+            <a:r>
+              <a:rPr lang="en-US" altLang="zh-CN" dirty="0" smtClean="0"/>
+              <a:t>the last challenge is hide the details of serialization and networking, let users  focus on the business logic.</a:t>
+            </a:r>
+          </a:p>
+          <a:p>
+            <a:r>
+              <a:rPr lang="en-US" altLang="zh-CN" dirty="0" smtClean="0"/>
+              <a:t>ok let’s discuss the challenges now.</a:t>
+            </a:r>
             <a:endParaRPr lang="zh-CN" altLang="en-US" dirty="0"/>
           </a:p>
         </p:txBody>
@@ -698,7 +742,7 @@
             <a:fld id="{D907BE37-B124-4F9F-8F7E-44B90AC375A6}" type="slidenum">
               <a:rPr lang="zh-CN" altLang="en-US" smtClean="0"/>
               <a:pPr/>
-              <a:t>11</a:t>
+              <a:t>10</a:t>
             </a:fld>
             <a:endParaRPr lang="zh-CN" altLang="en-US"/>
           </a:p>
@@ -707,7 +751,7 @@
     </p:spTree>
     <p:extLst>
       <p:ext uri="{BB962C8B-B14F-4D97-AF65-F5344CB8AC3E}">
-        <p14:creationId xmlns:p14="http://schemas.microsoft.com/office/powerpoint/2010/main" val="1371347050"/>
+        <p14:creationId xmlns:p14="http://schemas.microsoft.com/office/powerpoint/2010/main" val="3584477793"/>
       </p:ext>
     </p:extLst>
   </p:cSld>
@@ -762,83 +806,16 @@
           <a:lstStyle/>
           <a:p>
             <a:r>
-              <a:rPr lang="en-US" altLang="zh-CN" dirty="0" smtClean="0"/>
-              <a:t>does someone has some ideas to solve the problem? we can discuss it. let’s go on. indeed we need type erase. how to type erase? </a:t>
-            </a:r>
-            <a:r>
               <a:rPr lang="en-US" altLang="zh-CN" dirty="0" err="1" smtClean="0"/>
-              <a:t>std</a:t>
-            </a:r>
-            <a:r>
-              <a:rPr lang="en-US" altLang="zh-CN" dirty="0" smtClean="0"/>
-              <a:t>::function? no, because the signature is fixed  at the time of definition.</a:t>
-            </a:r>
-          </a:p>
-          <a:p>
-            <a:r>
-              <a:rPr lang="en-US" altLang="zh-CN" dirty="0" smtClean="0"/>
-              <a:t>how about boost::variant or </a:t>
-            </a:r>
-            <a:r>
-              <a:rPr lang="en-US" altLang="zh-CN" dirty="0" err="1" smtClean="0"/>
-              <a:t>std</a:t>
-            </a:r>
-            <a:r>
-              <a:rPr lang="en-US" altLang="zh-CN" dirty="0" smtClean="0"/>
-              <a:t>::variant from </a:t>
-            </a:r>
-            <a:r>
-              <a:rPr lang="en-US" altLang="zh-CN" dirty="0" err="1" smtClean="0"/>
-              <a:t>c++</a:t>
-            </a:r>
-            <a:r>
-              <a:rPr lang="en-US" altLang="zh-CN" dirty="0" smtClean="0"/>
-              <a:t>17? no, because the variant type is also fixed at the time of definition.</a:t>
-            </a:r>
-          </a:p>
-          <a:p>
-            <a:r>
-              <a:rPr lang="en-US" altLang="zh-CN" dirty="0" smtClean="0"/>
-              <a:t>how about boost::any or </a:t>
-            </a:r>
-            <a:r>
-              <a:rPr lang="en-US" altLang="zh-CN" dirty="0" err="1" smtClean="0"/>
-              <a:t>std</a:t>
-            </a:r>
-            <a:r>
-              <a:rPr lang="en-US" altLang="zh-CN" dirty="0" smtClean="0"/>
-              <a:t>::any from </a:t>
-            </a:r>
-            <a:r>
-              <a:rPr lang="en-US" altLang="zh-CN" dirty="0" err="1" smtClean="0"/>
-              <a:t>c++</a:t>
-            </a:r>
-            <a:r>
-              <a:rPr lang="en-US" altLang="zh-CN" dirty="0" smtClean="0"/>
-              <a:t>17? no, because </a:t>
-            </a:r>
-            <a:r>
-              <a:rPr lang="en-US" altLang="zh-CN" dirty="0" err="1" smtClean="0"/>
-              <a:t>any_cast</a:t>
-            </a:r>
-            <a:r>
-              <a:rPr lang="en-US" altLang="zh-CN" dirty="0" smtClean="0"/>
-              <a:t> need a concrete type to get the value, but the request from the client is binary format and lost the type information, the server has no opportunity to get the concrete type.</a:t>
-            </a:r>
-          </a:p>
-          <a:p>
-            <a:r>
-              <a:rPr lang="en-US" altLang="zh-CN" dirty="0" smtClean="0"/>
-              <a:t>Now let’s look at a special type erase way implemented by modern </a:t>
-            </a:r>
-            <a:r>
-              <a:rPr lang="en-US" altLang="zh-CN" dirty="0" err="1" smtClean="0"/>
-              <a:t>c++</a:t>
-            </a:r>
-            <a:r>
-              <a:rPr lang="en-US" altLang="zh-CN" dirty="0" smtClean="0"/>
-              <a:t>.</a:t>
-            </a:r>
+              <a:t>rest_rpc</a:t>
+            </a:r>
+            <a:r>
+              <a:rPr lang="en-US" altLang="zh-CN" dirty="0" smtClean="0"/>
+              <a:t> can register different kinds of callable, no matter different return types and arguments types.</a:t>
+            </a:r>
+          </a:p>
+          <a:p>
+            <a:endParaRPr lang="zh-CN" altLang="en-US" dirty="0"/>
           </a:p>
         </p:txBody>
       </p:sp>
@@ -860,7 +837,7 @@
             <a:fld id="{D907BE37-B124-4F9F-8F7E-44B90AC375A6}" type="slidenum">
               <a:rPr lang="zh-CN" altLang="en-US" smtClean="0"/>
               <a:pPr/>
-              <a:t>12</a:t>
+              <a:t>11</a:t>
             </a:fld>
             <a:endParaRPr lang="zh-CN" altLang="en-US"/>
           </a:p>
@@ -869,7 +846,7 @@
     </p:spTree>
     <p:extLst>
       <p:ext uri="{BB962C8B-B14F-4D97-AF65-F5344CB8AC3E}">
-        <p14:creationId xmlns:p14="http://schemas.microsoft.com/office/powerpoint/2010/main" val="2995305584"/>
+        <p14:creationId xmlns:p14="http://schemas.microsoft.com/office/powerpoint/2010/main" val="1371347050"/>
       </p:ext>
     </p:extLst>
   </p:cSld>
@@ -923,7 +900,84 @@
           <a:bodyPr/>
           <a:lstStyle/>
           <a:p>
-            <a:endParaRPr lang="zh-CN" altLang="en-US" dirty="0"/>
+            <a:r>
+              <a:rPr lang="en-US" altLang="zh-CN" dirty="0" smtClean="0"/>
+              <a:t>does someone has some ideas to solve the problem? we can discuss it. let’s go on. indeed we need type erase. how to type erase? </a:t>
+            </a:r>
+            <a:r>
+              <a:rPr lang="en-US" altLang="zh-CN" dirty="0" err="1" smtClean="0"/>
+              <a:t>std</a:t>
+            </a:r>
+            <a:r>
+              <a:rPr lang="en-US" altLang="zh-CN" dirty="0" smtClean="0"/>
+              <a:t>::function? no, because the signature is fixed  at the time of definition.</a:t>
+            </a:r>
+          </a:p>
+          <a:p>
+            <a:r>
+              <a:rPr lang="en-US" altLang="zh-CN" dirty="0" smtClean="0"/>
+              <a:t>how about boost::variant or </a:t>
+            </a:r>
+            <a:r>
+              <a:rPr lang="en-US" altLang="zh-CN" dirty="0" err="1" smtClean="0"/>
+              <a:t>std</a:t>
+            </a:r>
+            <a:r>
+              <a:rPr lang="en-US" altLang="zh-CN" dirty="0" smtClean="0"/>
+              <a:t>::variant from </a:t>
+            </a:r>
+            <a:r>
+              <a:rPr lang="en-US" altLang="zh-CN" dirty="0" err="1" smtClean="0"/>
+              <a:t>c++</a:t>
+            </a:r>
+            <a:r>
+              <a:rPr lang="en-US" altLang="zh-CN" dirty="0" smtClean="0"/>
+              <a:t>17? no, because the variant type is also fixed at the time of definition.</a:t>
+            </a:r>
+          </a:p>
+          <a:p>
+            <a:r>
+              <a:rPr lang="en-US" altLang="zh-CN" dirty="0" smtClean="0"/>
+              <a:t>how about boost::any or </a:t>
+            </a:r>
+            <a:r>
+              <a:rPr lang="en-US" altLang="zh-CN" dirty="0" err="1" smtClean="0"/>
+              <a:t>std</a:t>
+            </a:r>
+            <a:r>
+              <a:rPr lang="en-US" altLang="zh-CN" dirty="0" smtClean="0"/>
+              <a:t>::any from </a:t>
+            </a:r>
+            <a:r>
+              <a:rPr lang="en-US" altLang="zh-CN" dirty="0" err="1" smtClean="0"/>
+              <a:t>c++</a:t>
+            </a:r>
+            <a:r>
+              <a:rPr lang="en-US" altLang="zh-CN" dirty="0" smtClean="0"/>
+              <a:t>17? no, because </a:t>
+            </a:r>
+            <a:r>
+              <a:rPr lang="en-US" altLang="zh-CN" dirty="0" err="1" smtClean="0"/>
+              <a:t>any_cast</a:t>
+            </a:r>
+            <a:r>
+              <a:rPr lang="en-US" altLang="zh-CN" dirty="0" smtClean="0"/>
+              <a:t> need a concrete type to get the value, but the request from the client is binary format and lost the type information, the server has no opportunity to get the concrete type.</a:t>
+            </a:r>
+          </a:p>
+          <a:p>
+            <a:r>
+              <a:rPr lang="en-US" altLang="zh-CN" dirty="0" smtClean="0"/>
+              <a:t>Now let’s look at a special type erase way implemented by modern </a:t>
+            </a:r>
+            <a:r>
+              <a:rPr lang="en-US" altLang="zh-CN" dirty="0" err="1" smtClean="0"/>
+              <a:t>c++</a:t>
+            </a:r>
+            <a:r>
+              <a:rPr lang="en-US" altLang="zh-CN" dirty="0" smtClean="0"/>
+              <a:t>.</a:t>
+            </a:r>
           </a:p>
         </p:txBody>
       </p:sp>
@@ -945,7 +999,7 @@
             <a:fld id="{D907BE37-B124-4F9F-8F7E-44B90AC375A6}" type="slidenum">
               <a:rPr lang="zh-CN" altLang="en-US" smtClean="0"/>
               <a:pPr/>
-              <a:t>13</a:t>
+              <a:t>12</a:t>
             </a:fld>
             <a:endParaRPr lang="zh-CN" altLang="en-US"/>
           </a:p>
@@ -954,7 +1008,7 @@
     </p:spTree>
     <p:extLst>
       <p:ext uri="{BB962C8B-B14F-4D97-AF65-F5344CB8AC3E}">
-        <p14:creationId xmlns:p14="http://schemas.microsoft.com/office/powerpoint/2010/main" val="3975082187"/>
+        <p14:creationId xmlns:p14="http://schemas.microsoft.com/office/powerpoint/2010/main" val="2995305584"/>
       </p:ext>
     </p:extLst>
   </p:cSld>
@@ -1008,14 +1062,6 @@
           <a:bodyPr/>
           <a:lstStyle/>
           <a:p>
-            <a:r>
-              <a:rPr lang="en-US" altLang="zh-CN" dirty="0" smtClean="0"/>
-              <a:t>now you</a:t>
-            </a:r>
-            <a:r>
-              <a:rPr lang="en-US" altLang="zh-CN" baseline="0" dirty="0" smtClean="0"/>
-              <a:t> can  register callable of any signature.</a:t>
-            </a:r>
             <a:endParaRPr lang="zh-CN" altLang="en-US" dirty="0"/>
           </a:p>
         </p:txBody>
@@ -1038,7 +1084,7 @@
             <a:fld id="{D907BE37-B124-4F9F-8F7E-44B90AC375A6}" type="slidenum">
               <a:rPr lang="zh-CN" altLang="en-US" smtClean="0"/>
               <a:pPr/>
-              <a:t>14</a:t>
+              <a:t>13</a:t>
             </a:fld>
             <a:endParaRPr lang="zh-CN" altLang="en-US"/>
           </a:p>
@@ -1047,7 +1093,7 @@
     </p:spTree>
     <p:extLst>
       <p:ext uri="{BB962C8B-B14F-4D97-AF65-F5344CB8AC3E}">
-        <p14:creationId xmlns:p14="http://schemas.microsoft.com/office/powerpoint/2010/main" val="4015747719"/>
+        <p14:creationId xmlns:p14="http://schemas.microsoft.com/office/powerpoint/2010/main" val="3975082187"/>
       </p:ext>
     </p:extLst>
   </p:cSld>
@@ -1101,6 +1147,14 @@
           <a:bodyPr/>
           <a:lstStyle/>
           <a:p>
+            <a:r>
+              <a:rPr lang="en-US" altLang="zh-CN" dirty="0" smtClean="0"/>
+              <a:t>now you</a:t>
+            </a:r>
+            <a:r>
+              <a:rPr lang="en-US" altLang="zh-CN" baseline="0" dirty="0" smtClean="0"/>
+              <a:t> can  register callable of any signature.</a:t>
+            </a:r>
             <a:endParaRPr lang="zh-CN" altLang="en-US" dirty="0"/>
           </a:p>
         </p:txBody>
@@ -1123,7 +1177,7 @@
             <a:fld id="{D907BE37-B124-4F9F-8F7E-44B90AC375A6}" type="slidenum">
               <a:rPr lang="zh-CN" altLang="en-US" smtClean="0"/>
               <a:pPr/>
-              <a:t>15</a:t>
+              <a:t>14</a:t>
             </a:fld>
             <a:endParaRPr lang="zh-CN" altLang="en-US"/>
           </a:p>
@@ -1132,7 +1186,7 @@
     </p:spTree>
     <p:extLst>
       <p:ext uri="{BB962C8B-B14F-4D97-AF65-F5344CB8AC3E}">
-        <p14:creationId xmlns:p14="http://schemas.microsoft.com/office/powerpoint/2010/main" val="3136727525"/>
+        <p14:creationId xmlns:p14="http://schemas.microsoft.com/office/powerpoint/2010/main" val="4015747719"/>
       </p:ext>
     </p:extLst>
   </p:cSld>
@@ -1186,20 +1240,6 @@
           <a:bodyPr/>
           <a:lstStyle/>
           <a:p>
-            <a:r>
-              <a:rPr lang="en-US" altLang="zh-CN" dirty="0" smtClean="0"/>
-              <a:t>the handler</a:t>
-            </a:r>
-            <a:r>
-              <a:rPr lang="en-US" altLang="zh-CN" baseline="0" dirty="0" smtClean="0"/>
-              <a:t> name can be got easily from client request. the route function is very easy, just find the handler and then call it with binary data.</a:t>
-            </a:r>
-          </a:p>
-          <a:p>
-            <a:r>
-              <a:rPr lang="en-US" altLang="zh-CN" dirty="0" smtClean="0"/>
-              <a:t>the key Point is the called handler, let’s look at it.</a:t>
-            </a:r>
             <a:endParaRPr lang="zh-CN" altLang="en-US" dirty="0"/>
           </a:p>
         </p:txBody>
@@ -1222,7 +1262,7 @@
             <a:fld id="{D907BE37-B124-4F9F-8F7E-44B90AC375A6}" type="slidenum">
               <a:rPr lang="zh-CN" altLang="en-US" smtClean="0"/>
               <a:pPr/>
-              <a:t>16</a:t>
+              <a:t>15</a:t>
             </a:fld>
             <a:endParaRPr lang="zh-CN" altLang="en-US"/>
           </a:p>
@@ -1231,7 +1271,7 @@
     </p:spTree>
     <p:extLst>
       <p:ext uri="{BB962C8B-B14F-4D97-AF65-F5344CB8AC3E}">
-        <p14:creationId xmlns:p14="http://schemas.microsoft.com/office/powerpoint/2010/main" val="2643166359"/>
+        <p14:creationId xmlns:p14="http://schemas.microsoft.com/office/powerpoint/2010/main" val="3136727525"/>
       </p:ext>
     </p:extLst>
   </p:cSld>
@@ -1285,119 +1325,20 @@
           <a:bodyPr/>
           <a:lstStyle/>
           <a:p>
-            <a:pPr marL="0" marR="0" indent="0" algn="l" defTabSz="914400" rtl="0" eaLnBrk="1" fontAlgn="auto" latinLnBrk="0" hangingPunct="1">
-              <a:lnSpc>
-                <a:spcPct val="100000"/>
-              </a:lnSpc>
-              <a:spcBef>
-                <a:spcPts val="0"/>
-              </a:spcBef>
-              <a:spcAft>
-                <a:spcPts val="0"/>
-              </a:spcAft>
-              <a:buClrTx/>
-              <a:buSzTx/>
-              <a:buFontTx/>
-              <a:buNone/>
-              <a:tabLst/>
-              <a:defRPr/>
-            </a:pPr>
-            <a:r>
-              <a:rPr lang="en-US" altLang="zh-CN" dirty="0" smtClean="0"/>
-              <a:t>the apply function has three arguments, the first argument is the registered handler, the rest arguments are binary data from client.</a:t>
-            </a:r>
-          </a:p>
-          <a:p>
-            <a:pPr marL="0" marR="0" indent="0" algn="l" defTabSz="914400" rtl="0" eaLnBrk="1" fontAlgn="auto" latinLnBrk="0" hangingPunct="1">
-              <a:lnSpc>
-                <a:spcPct val="100000"/>
-              </a:lnSpc>
-              <a:spcBef>
-                <a:spcPts val="0"/>
-              </a:spcBef>
-              <a:spcAft>
-                <a:spcPts val="0"/>
-              </a:spcAft>
-              <a:buClrTx/>
-              <a:buSzTx/>
-              <a:buFontTx/>
-              <a:buNone/>
-              <a:tabLst/>
-              <a:defRPr/>
-            </a:pPr>
-            <a:r>
-              <a:rPr lang="en-US" altLang="zh-CN" dirty="0" smtClean="0"/>
-              <a:t>the client put the call arguments into a tuple and serialize it into binary data. so at the server side we need to</a:t>
-            </a:r>
-            <a:r>
-              <a:rPr lang="zh-CN" altLang="en-US" baseline="0" dirty="0" smtClean="0"/>
-              <a:t> </a:t>
-            </a:r>
-            <a:r>
-              <a:rPr lang="en-US" altLang="zh-CN" baseline="0" dirty="0" err="1" smtClean="0"/>
-              <a:t>deserialize</a:t>
+            <a:r>
+              <a:rPr lang="en-US" altLang="zh-CN" dirty="0" smtClean="0"/>
+              <a:t>the handler</a:t>
             </a:r>
             <a:r>
               <a:rPr lang="en-US" altLang="zh-CN" baseline="0" dirty="0" smtClean="0"/>
-              <a:t> it into tuple. I use serialization engine iguana do the work, because of the time limit I don’t want to talk about it this time.</a:t>
-            </a:r>
-          </a:p>
-          <a:p>
-            <a:pPr marL="0" marR="0" indent="0" algn="l" defTabSz="914400" rtl="0" eaLnBrk="1" fontAlgn="auto" latinLnBrk="0" hangingPunct="1">
-              <a:lnSpc>
-                <a:spcPct val="100000"/>
-              </a:lnSpc>
-              <a:spcBef>
-                <a:spcPts val="0"/>
-              </a:spcBef>
-              <a:spcAft>
-                <a:spcPts val="0"/>
-              </a:spcAft>
-              <a:buClrTx/>
-              <a:buSzTx/>
-              <a:buFontTx/>
-              <a:buNone/>
-              <a:tabLst/>
-              <a:defRPr/>
-            </a:pPr>
-            <a:r>
-              <a:rPr lang="en-US" altLang="zh-CN" dirty="0" smtClean="0"/>
-              <a:t>Now you have had the registered handler and the tuple arguments, you just need to call </a:t>
-            </a:r>
-            <a:r>
-              <a:rPr lang="en-US" altLang="zh-CN" dirty="0" err="1" smtClean="0"/>
-              <a:t>std</a:t>
-            </a:r>
-            <a:r>
-              <a:rPr lang="en-US" altLang="zh-CN" dirty="0" smtClean="0"/>
-              <a:t>::apply to </a:t>
-            </a:r>
-            <a:r>
-              <a:rPr lang="en-US" altLang="zh-CN" dirty="0" err="1" smtClean="0"/>
-              <a:t>excecute</a:t>
-            </a:r>
-            <a:r>
-              <a:rPr lang="en-US" altLang="zh-CN" dirty="0" smtClean="0"/>
-              <a:t> the hander in  </a:t>
-            </a:r>
-            <a:r>
-              <a:rPr lang="en-US" altLang="zh-CN" dirty="0" err="1" smtClean="0"/>
-              <a:t>c++</a:t>
-            </a:r>
-            <a:r>
-              <a:rPr lang="en-US" altLang="zh-CN" dirty="0" smtClean="0"/>
-              <a:t>17. But for C++14 you can utilize some new features to implement similar </a:t>
-            </a:r>
-            <a:r>
-              <a:rPr lang="en-US" altLang="zh-CN" dirty="0" err="1" smtClean="0"/>
-              <a:t>std</a:t>
-            </a:r>
-            <a:r>
-              <a:rPr lang="en-US" altLang="zh-CN" dirty="0" smtClean="0"/>
-              <a:t>::apply.</a:t>
-            </a:r>
-          </a:p>
-          <a:p>
+              <a:t> name can be got easily from client request. the route function is very easy, just find the handler and then call it with binary data.</a:t>
+            </a:r>
+          </a:p>
+          <a:p>
+            <a:r>
+              <a:rPr lang="en-US" altLang="zh-CN" dirty="0" smtClean="0"/>
+              <a:t>the key Point is the called handler, let’s look at it.</a:t>
+            </a:r>
             <a:endParaRPr lang="zh-CN" altLang="en-US" dirty="0"/>
           </a:p>
         </p:txBody>
@@ -1420,7 +1361,7 @@
             <a:fld id="{D907BE37-B124-4F9F-8F7E-44B90AC375A6}" type="slidenum">
               <a:rPr lang="zh-CN" altLang="en-US" smtClean="0"/>
               <a:pPr/>
-              <a:t>17</a:t>
+              <a:t>16</a:t>
             </a:fld>
             <a:endParaRPr lang="zh-CN" altLang="en-US"/>
           </a:p>
@@ -1429,7 +1370,7 @@
     </p:spTree>
     <p:extLst>
       <p:ext uri="{BB962C8B-B14F-4D97-AF65-F5344CB8AC3E}">
-        <p14:creationId xmlns:p14="http://schemas.microsoft.com/office/powerpoint/2010/main" val="2908732268"/>
+        <p14:creationId xmlns:p14="http://schemas.microsoft.com/office/powerpoint/2010/main" val="2643166359"/>
       </p:ext>
     </p:extLst>
   </p:cSld>
@@ -1483,9 +1424,84 @@
           <a:bodyPr/>
           <a:lstStyle/>
           <a:p>
-            <a:r>
-              <a:rPr lang="en-US" altLang="zh-CN" dirty="0" smtClean="0"/>
-              <a:t>we can implement </a:t>
+            <a:pPr marL="0" marR="0" indent="0" algn="l" defTabSz="914400" rtl="0" eaLnBrk="1" fontAlgn="auto" latinLnBrk="0" hangingPunct="1">
+              <a:lnSpc>
+                <a:spcPct val="100000"/>
+              </a:lnSpc>
+              <a:spcBef>
+                <a:spcPts val="0"/>
+              </a:spcBef>
+              <a:spcAft>
+                <a:spcPts val="0"/>
+              </a:spcAft>
+              <a:buClrTx/>
+              <a:buSzTx/>
+              <a:buFontTx/>
+              <a:buNone/>
+              <a:tabLst/>
+              <a:defRPr/>
+            </a:pPr>
+            <a:r>
+              <a:rPr lang="en-US" altLang="zh-CN" dirty="0" smtClean="0"/>
+              <a:t>the apply function has three arguments, the first argument is the registered handler, the rest arguments are binary data from client.</a:t>
+            </a:r>
+          </a:p>
+          <a:p>
+            <a:pPr marL="0" marR="0" indent="0" algn="l" defTabSz="914400" rtl="0" eaLnBrk="1" fontAlgn="auto" latinLnBrk="0" hangingPunct="1">
+              <a:lnSpc>
+                <a:spcPct val="100000"/>
+              </a:lnSpc>
+              <a:spcBef>
+                <a:spcPts val="0"/>
+              </a:spcBef>
+              <a:spcAft>
+                <a:spcPts val="0"/>
+              </a:spcAft>
+              <a:buClrTx/>
+              <a:buSzTx/>
+              <a:buFontTx/>
+              <a:buNone/>
+              <a:tabLst/>
+              <a:defRPr/>
+            </a:pPr>
+            <a:r>
+              <a:rPr lang="en-US" altLang="zh-CN" dirty="0" smtClean="0"/>
+              <a:t>the client put the call arguments into a tuple and serialize it into binary data. so at the server side we need to</a:t>
+            </a:r>
+            <a:r>
+              <a:rPr lang="zh-CN" altLang="en-US" baseline="0" dirty="0" smtClean="0"/>
+              <a:t> </a:t>
+            </a:r>
+            <a:r>
+              <a:rPr lang="en-US" altLang="zh-CN" baseline="0" dirty="0" err="1" smtClean="0"/>
+              <a:t>deserialize</a:t>
+            </a:r>
+            <a:r>
+              <a:rPr lang="en-US" altLang="zh-CN" baseline="0" dirty="0" smtClean="0"/>
+              <a:t> it into tuple. I use serialization engine iguana do the work, because of the time limit I don’t want to talk about it this time.</a:t>
+            </a:r>
+          </a:p>
+          <a:p>
+            <a:pPr marL="0" marR="0" indent="0" algn="l" defTabSz="914400" rtl="0" eaLnBrk="1" fontAlgn="auto" latinLnBrk="0" hangingPunct="1">
+              <a:lnSpc>
+                <a:spcPct val="100000"/>
+              </a:lnSpc>
+              <a:spcBef>
+                <a:spcPts val="0"/>
+              </a:spcBef>
+              <a:spcAft>
+                <a:spcPts val="0"/>
+              </a:spcAft>
+              <a:buClrTx/>
+              <a:buSzTx/>
+              <a:buFontTx/>
+              <a:buNone/>
+              <a:tabLst/>
+              <a:defRPr/>
+            </a:pPr>
+            <a:r>
+              <a:rPr lang="en-US" altLang="zh-CN" dirty="0" smtClean="0"/>
+              <a:t>Now you have had the registered handler and the tuple arguments, you just need to call </a:t>
             </a:r>
             <a:r>
               <a:rPr lang="en-US" altLang="zh-CN" dirty="0" err="1" smtClean="0"/>
@@ -1493,7 +1509,15 @@
             </a:r>
             <a:r>
               <a:rPr lang="en-US" altLang="zh-CN" dirty="0" smtClean="0"/>
-              <a:t>::apply by </a:t>
+              <a:t>::apply to </a:t>
+            </a:r>
+            <a:r>
+              <a:rPr lang="en-US" altLang="zh-CN" dirty="0" err="1" smtClean="0"/>
+              <a:t>excecute</a:t>
+            </a:r>
+            <a:r>
+              <a:rPr lang="en-US" altLang="zh-CN" dirty="0" smtClean="0"/>
+              <a:t> the hander in  </a:t>
             </a:r>
             <a:r>
               <a:rPr lang="en-US" altLang="zh-CN" dirty="0" err="1" smtClean="0"/>
@@ -1501,15 +1525,7 @@
             </a:r>
             <a:r>
               <a:rPr lang="en-US" altLang="zh-CN" dirty="0" smtClean="0"/>
-              <a:t>14, we can utilize </a:t>
-            </a:r>
-            <a:r>
-              <a:rPr lang="en-US" altLang="zh-CN" dirty="0" err="1" smtClean="0"/>
-              <a:t>c++</a:t>
-            </a:r>
-            <a:r>
-              <a:rPr lang="en-US" altLang="zh-CN" dirty="0" smtClean="0"/>
-              <a:t>14 feature </a:t>
+              <a:t>17. But for C++14 you can utilize some new features to implement similar </a:t>
             </a:r>
             <a:r>
               <a:rPr lang="en-US" altLang="zh-CN" dirty="0" err="1" smtClean="0"/>
@@ -1517,60 +1533,10 @@
             </a:r>
             <a:r>
               <a:rPr lang="en-US" altLang="zh-CN" dirty="0" smtClean="0"/>
-              <a:t>::</a:t>
-            </a:r>
-            <a:r>
-              <a:rPr lang="en-US" altLang="zh-CN" dirty="0" err="1" smtClean="0"/>
-              <a:t>index_sequence</a:t>
-            </a:r>
-            <a:r>
-              <a:rPr lang="en-US" altLang="zh-CN" dirty="0" smtClean="0"/>
-              <a:t> to expand </a:t>
-            </a:r>
-            <a:r>
-              <a:rPr lang="en-US" altLang="zh-CN" dirty="0" err="1" smtClean="0"/>
-              <a:t>variadic</a:t>
-            </a:r>
-            <a:r>
-              <a:rPr lang="en-US" altLang="zh-CN" dirty="0" smtClean="0"/>
-              <a:t> template.</a:t>
-            </a:r>
-          </a:p>
-          <a:p>
-            <a:r>
-              <a:rPr lang="en-US" altLang="zh-CN" dirty="0" smtClean="0"/>
-              <a:t>at first make a </a:t>
-            </a:r>
-            <a:r>
-              <a:rPr lang="en-US" altLang="zh-CN" dirty="0" err="1" smtClean="0"/>
-              <a:t>index_sequence</a:t>
-            </a:r>
-            <a:r>
-              <a:rPr lang="en-US" altLang="zh-CN" dirty="0" smtClean="0"/>
-              <a:t> by </a:t>
-            </a:r>
-            <a:r>
-              <a:rPr lang="en-US" altLang="zh-CN" dirty="0" err="1" smtClean="0"/>
-              <a:t>tuple_size</a:t>
-            </a:r>
-            <a:r>
-              <a:rPr lang="en-US" altLang="zh-CN" dirty="0" smtClean="0"/>
-              <a:t>, then get all elements of tuple by expanding </a:t>
-            </a:r>
-            <a:r>
-              <a:rPr lang="en-US" altLang="zh-CN" dirty="0" err="1" smtClean="0"/>
-              <a:t>variadic</a:t>
-            </a:r>
-            <a:r>
-              <a:rPr lang="en-US" altLang="zh-CN" dirty="0" smtClean="0"/>
-              <a:t> template, the got parameters become function arguments and the function call finish.</a:t>
-            </a:r>
-          </a:p>
-          <a:p>
-            <a:r>
-              <a:rPr lang="en-US" altLang="zh-CN" dirty="0" smtClean="0"/>
-              <a:t>ok let’s look back the solution of register and route handler</a:t>
-            </a:r>
+              <a:t>::apply.</a:t>
+            </a:r>
+          </a:p>
+          <a:p>
             <a:endParaRPr lang="zh-CN" altLang="en-US" dirty="0"/>
           </a:p>
         </p:txBody>
@@ -1593,7 +1559,7 @@
             <a:fld id="{D907BE37-B124-4F9F-8F7E-44B90AC375A6}" type="slidenum">
               <a:rPr lang="zh-CN" altLang="en-US" smtClean="0"/>
               <a:pPr/>
-              <a:t>18</a:t>
+              <a:t>17</a:t>
             </a:fld>
             <a:endParaRPr lang="zh-CN" altLang="en-US"/>
           </a:p>
@@ -1602,7 +1568,7 @@
     </p:spTree>
     <p:extLst>
       <p:ext uri="{BB962C8B-B14F-4D97-AF65-F5344CB8AC3E}">
-        <p14:creationId xmlns:p14="http://schemas.microsoft.com/office/powerpoint/2010/main" val="701607839"/>
+        <p14:creationId xmlns:p14="http://schemas.microsoft.com/office/powerpoint/2010/main" val="2908732268"/>
       </p:ext>
     </p:extLst>
   </p:cSld>
@@ -1658,19 +1624,91 @@
           <a:p>
             <a:r>
               <a:rPr lang="en-US" altLang="zh-CN" dirty="0" smtClean="0"/>
-              <a:t>we utilize a template class to hold the function type and wrapper the real function by invoker::apply. this is a special type erase method, we can register callable of any signature by this method.</a:t>
-            </a:r>
-          </a:p>
-          <a:p>
-            <a:r>
-              <a:rPr lang="en-US" altLang="zh-CN" dirty="0" smtClean="0"/>
-              <a:t>is this method universal? yes, this method is particularly suitable for the following scenarios: parse parameters from network and route to the right handler, RPC, http server can enjoy the benefit of this method.</a:t>
-            </a:r>
-          </a:p>
-          <a:p>
-            <a:r>
-              <a:rPr lang="en-US" altLang="zh-CN" dirty="0" smtClean="0"/>
-              <a:t>let’s talk about the http server</a:t>
+              <a:t>we can implement </a:t>
+            </a:r>
+            <a:r>
+              <a:rPr lang="en-US" altLang="zh-CN" dirty="0" err="1" smtClean="0"/>
+              <a:t>std</a:t>
+            </a:r>
+            <a:r>
+              <a:rPr lang="en-US" altLang="zh-CN" dirty="0" smtClean="0"/>
+              <a:t>::apply by </a:t>
+            </a:r>
+            <a:r>
+              <a:rPr lang="en-US" altLang="zh-CN" dirty="0" err="1" smtClean="0"/>
+              <a:t>c++</a:t>
+            </a:r>
+            <a:r>
+              <a:rPr lang="en-US" altLang="zh-CN" dirty="0" smtClean="0"/>
+              <a:t>14, we can utilize </a:t>
+            </a:r>
+            <a:r>
+              <a:rPr lang="en-US" altLang="zh-CN" dirty="0" err="1" smtClean="0"/>
+              <a:t>c++</a:t>
+            </a:r>
+            <a:r>
+              <a:rPr lang="en-US" altLang="zh-CN" dirty="0" smtClean="0"/>
+              <a:t>14 feature </a:t>
+            </a:r>
+            <a:r>
+              <a:rPr lang="en-US" altLang="zh-CN" dirty="0" err="1" smtClean="0"/>
+              <a:t>std</a:t>
+            </a:r>
+            <a:r>
+              <a:rPr lang="en-US" altLang="zh-CN" dirty="0" smtClean="0"/>
+              <a:t>::</a:t>
+            </a:r>
+            <a:r>
+              <a:rPr lang="en-US" altLang="zh-CN" dirty="0" err="1" smtClean="0"/>
+              <a:t>index_sequence</a:t>
+            </a:r>
+            <a:r>
+              <a:rPr lang="en-US" altLang="zh-CN" dirty="0" smtClean="0"/>
+              <a:t> to expand </a:t>
+            </a:r>
+            <a:r>
+              <a:rPr lang="en-US" altLang="zh-CN" dirty="0" err="1" smtClean="0"/>
+              <a:t>variadic</a:t>
+            </a:r>
+            <a:r>
+              <a:rPr lang="en-US" altLang="zh-CN" dirty="0" smtClean="0"/>
+              <a:t> template.</a:t>
+            </a:r>
+          </a:p>
+          <a:p>
+            <a:r>
+              <a:rPr lang="en-US" altLang="zh-CN" dirty="0" smtClean="0"/>
+              <a:t>at first make a </a:t>
+            </a:r>
+            <a:r>
+              <a:rPr lang="en-US" altLang="zh-CN" dirty="0" err="1" smtClean="0"/>
+              <a:t>index_sequence</a:t>
+            </a:r>
+            <a:r>
+              <a:rPr lang="en-US" altLang="zh-CN" dirty="0" smtClean="0"/>
+              <a:t> by </a:t>
+            </a:r>
+            <a:r>
+              <a:rPr lang="en-US" altLang="zh-CN" dirty="0" err="1" smtClean="0"/>
+              <a:t>tuple_size</a:t>
+            </a:r>
+            <a:r>
+              <a:rPr lang="en-US" altLang="zh-CN" dirty="0" smtClean="0"/>
+              <a:t>, then get all elements of tuple by expanding </a:t>
+            </a:r>
+            <a:r>
+              <a:rPr lang="en-US" altLang="zh-CN" dirty="0" err="1" smtClean="0"/>
+              <a:t>variadic</a:t>
+            </a:r>
+            <a:r>
+              <a:rPr lang="en-US" altLang="zh-CN" dirty="0" smtClean="0"/>
+              <a:t> template, the got parameters become function arguments and the function call finish.</a:t>
+            </a:r>
+          </a:p>
+          <a:p>
+            <a:r>
+              <a:rPr lang="en-US" altLang="zh-CN" dirty="0" smtClean="0"/>
+              <a:t>ok let’s look back the solution of register and route handler</a:t>
             </a:r>
             <a:endParaRPr lang="zh-CN" altLang="en-US" dirty="0"/>
           </a:p>
@@ -1694,7 +1732,7 @@
             <a:fld id="{D907BE37-B124-4F9F-8F7E-44B90AC375A6}" type="slidenum">
               <a:rPr lang="zh-CN" altLang="en-US" smtClean="0"/>
               <a:pPr/>
-              <a:t>19</a:t>
+              <a:t>18</a:t>
             </a:fld>
             <a:endParaRPr lang="zh-CN" altLang="en-US"/>
           </a:p>
@@ -1703,7 +1741,7 @@
     </p:spTree>
     <p:extLst>
       <p:ext uri="{BB962C8B-B14F-4D97-AF65-F5344CB8AC3E}">
-        <p14:creationId xmlns:p14="http://schemas.microsoft.com/office/powerpoint/2010/main" val="4088154762"/>
+        <p14:creationId xmlns:p14="http://schemas.microsoft.com/office/powerpoint/2010/main" val="701607839"/>
       </p:ext>
     </p:extLst>
   </p:cSld>
@@ -1759,35 +1797,19 @@
           <a:p>
             <a:r>
               <a:rPr lang="en-US" altLang="zh-CN" dirty="0" smtClean="0"/>
-              <a:t>how to parse the string </a:t>
-            </a:r>
-            <a:r>
-              <a:rPr lang="en-US" altLang="zh-CN" dirty="0" err="1" smtClean="0"/>
-              <a:t>url</a:t>
-            </a:r>
-            <a:r>
-              <a:rPr lang="en-US" altLang="zh-CN" dirty="0" smtClean="0"/>
-              <a:t> and call the right handler, this situation is a little different from former situation, because the request is raw string, no serialization. how to route and execute by the string </a:t>
-            </a:r>
-            <a:r>
-              <a:rPr lang="en-US" altLang="zh-CN" dirty="0" err="1" smtClean="0"/>
-              <a:t>url</a:t>
-            </a:r>
-            <a:r>
-              <a:rPr lang="en-US" altLang="zh-CN" dirty="0" smtClean="0"/>
-              <a:t>?</a:t>
-            </a:r>
-          </a:p>
-          <a:p>
-            <a:r>
-              <a:rPr lang="en-US" altLang="zh-CN" dirty="0" smtClean="0"/>
-              <a:t>can anyone give a solution?</a:t>
-            </a:r>
-          </a:p>
-          <a:p>
-            <a:r>
-              <a:rPr lang="en-US" altLang="zh-CN" dirty="0" smtClean="0"/>
-              <a:t>the solution is similar</a:t>
+              <a:t>we utilize a template class to hold the function type and wrapper the real function by invoker::apply. this is a special type erase method, we can register callable of any signature by this method.</a:t>
+            </a:r>
+          </a:p>
+          <a:p>
+            <a:r>
+              <a:rPr lang="en-US" altLang="zh-CN" dirty="0" smtClean="0"/>
+              <a:t>is this method universal? yes, this method is particularly suitable for the following scenarios: parse parameters from network and route to the right handler, RPC, http server can enjoy the benefit of this method.</a:t>
+            </a:r>
+          </a:p>
+          <a:p>
+            <a:r>
+              <a:rPr lang="en-US" altLang="zh-CN" dirty="0" smtClean="0"/>
+              <a:t>let’s talk about the http server</a:t>
             </a:r>
             <a:endParaRPr lang="zh-CN" altLang="en-US" dirty="0"/>
           </a:p>
@@ -1811,7 +1833,7 @@
             <a:fld id="{D907BE37-B124-4F9F-8F7E-44B90AC375A6}" type="slidenum">
               <a:rPr lang="zh-CN" altLang="en-US" smtClean="0"/>
               <a:pPr/>
-              <a:t>20</a:t>
+              <a:t>19</a:t>
             </a:fld>
             <a:endParaRPr lang="zh-CN" altLang="en-US"/>
           </a:p>
@@ -1820,7 +1842,7 @@
     </p:spTree>
     <p:extLst>
       <p:ext uri="{BB962C8B-B14F-4D97-AF65-F5344CB8AC3E}">
-        <p14:creationId xmlns:p14="http://schemas.microsoft.com/office/powerpoint/2010/main" val="3874910235"/>
+        <p14:creationId xmlns:p14="http://schemas.microsoft.com/office/powerpoint/2010/main" val="4088154762"/>
       </p:ext>
     </p:extLst>
   </p:cSld>
@@ -1876,7 +1898,27 @@
           <a:p>
             <a:r>
               <a:rPr lang="en-US" altLang="zh-CN" dirty="0" smtClean="0"/>
-              <a:t>Let’s look at the picture</a:t>
+              <a:t>let's start the introduction.</a:t>
+            </a:r>
+            <a:r>
+              <a:rPr lang="en-US" altLang="zh-CN" dirty="0" smtClean="0"/>
+              <a:t> </a:t>
+            </a:r>
+            <a:r>
+              <a:rPr lang="en-US" altLang="zh-CN" dirty="0" err="1" smtClean="0"/>
+              <a:t>i</a:t>
+            </a:r>
+            <a:r>
+              <a:rPr lang="en-US" altLang="zh-CN" dirty="0" smtClean="0"/>
+              <a:t> want to introduce </a:t>
+            </a:r>
+            <a:r>
+              <a:rPr lang="en-US" altLang="zh-CN" dirty="0" err="1" smtClean="0"/>
+              <a:t>rest_rpc</a:t>
+            </a:r>
+            <a:r>
+              <a:rPr lang="en-US" altLang="zh-CN" dirty="0" smtClean="0"/>
+              <a:t>, a new approach to implement RPC library that shows off the power of modern C++. </a:t>
             </a:r>
             <a:endParaRPr lang="zh-CN" altLang="en-US" dirty="0"/>
           </a:p>
@@ -1900,7 +1942,7 @@
             <a:fld id="{D907BE37-B124-4F9F-8F7E-44B90AC375A6}" type="slidenum">
               <a:rPr lang="zh-CN" altLang="en-US" smtClean="0"/>
               <a:pPr/>
-              <a:t>3</a:t>
+              <a:t>2</a:t>
             </a:fld>
             <a:endParaRPr lang="zh-CN" altLang="en-US"/>
           </a:p>
@@ -1909,7 +1951,7 @@
     </p:spTree>
     <p:extLst>
       <p:ext uri="{BB962C8B-B14F-4D97-AF65-F5344CB8AC3E}">
-        <p14:creationId xmlns:p14="http://schemas.microsoft.com/office/powerpoint/2010/main" val="871625989"/>
+        <p14:creationId xmlns:p14="http://schemas.microsoft.com/office/powerpoint/2010/main" val="2547160942"/>
       </p:ext>
     </p:extLst>
   </p:cSld>
@@ -1965,7 +2007,7 @@
           <a:p>
             <a:r>
               <a:rPr lang="en-US" altLang="zh-CN" dirty="0" smtClean="0"/>
-              <a:t>Firstly split </a:t>
+              <a:t>how to parse the string </a:t>
             </a:r>
             <a:r>
               <a:rPr lang="en-US" altLang="zh-CN" dirty="0" err="1" smtClean="0"/>
@@ -1973,19 +2015,27 @@
             </a:r>
             <a:r>
               <a:rPr lang="en-US" altLang="zh-CN" dirty="0" smtClean="0"/>
-              <a:t> into a string vector, the vector hold the string parameters. token parser to the work.</a:t>
-            </a:r>
-          </a:p>
-          <a:p>
-            <a:r>
-              <a:rPr lang="en-US" altLang="zh-CN" dirty="0" smtClean="0"/>
-              <a:t>the get method transforms a parameter to a gave type parameter.</a:t>
-            </a:r>
-          </a:p>
-          <a:p>
-            <a:r>
-              <a:rPr lang="en-US" altLang="zh-CN" dirty="0" smtClean="0"/>
-              <a:t>it’s easy and clear, nothing more to say. next we will implement route and execute by the string vector</a:t>
+              <a:t> and call the right handler, this situation is a little different from former situation, because the request is raw string, no serialization. how to route and execute by the string </a:t>
+            </a:r>
+            <a:r>
+              <a:rPr lang="en-US" altLang="zh-CN" dirty="0" err="1" smtClean="0"/>
+              <a:t>url</a:t>
+            </a:r>
+            <a:r>
+              <a:rPr lang="en-US" altLang="zh-CN" dirty="0" smtClean="0"/>
+              <a:t>?</a:t>
+            </a:r>
+          </a:p>
+          <a:p>
+            <a:r>
+              <a:rPr lang="en-US" altLang="zh-CN" dirty="0" smtClean="0"/>
+              <a:t>can anyone give a solution?</a:t>
+            </a:r>
+          </a:p>
+          <a:p>
+            <a:r>
+              <a:rPr lang="en-US" altLang="zh-CN" dirty="0" smtClean="0"/>
+              <a:t>the solution is similar</a:t>
             </a:r>
             <a:endParaRPr lang="zh-CN" altLang="en-US" dirty="0"/>
           </a:p>
@@ -2009,7 +2059,7 @@
             <a:fld id="{D907BE37-B124-4F9F-8F7E-44B90AC375A6}" type="slidenum">
               <a:rPr lang="zh-CN" altLang="en-US" smtClean="0"/>
               <a:pPr/>
-              <a:t>21</a:t>
+              <a:t>20</a:t>
             </a:fld>
             <a:endParaRPr lang="zh-CN" altLang="en-US"/>
           </a:p>
@@ -2018,7 +2068,7 @@
     </p:spTree>
     <p:extLst>
       <p:ext uri="{BB962C8B-B14F-4D97-AF65-F5344CB8AC3E}">
-        <p14:creationId xmlns:p14="http://schemas.microsoft.com/office/powerpoint/2010/main" val="1318862096"/>
+        <p14:creationId xmlns:p14="http://schemas.microsoft.com/office/powerpoint/2010/main" val="3874910235"/>
       </p:ext>
     </p:extLst>
   </p:cSld>
@@ -2074,8 +2124,29 @@
           <a:p>
             <a:r>
               <a:rPr lang="en-US" altLang="zh-CN" dirty="0" smtClean="0"/>
-              <a:t>Pay attention to the bind, this time we also bind a template class static member function, but the member function is template function, and one argument is a empty tuple. let’s look at the template class. </a:t>
-            </a:r>
+              <a:t>Firstly split </a:t>
+            </a:r>
+            <a:r>
+              <a:rPr lang="en-US" altLang="zh-CN" dirty="0" err="1" smtClean="0"/>
+              <a:t>url</a:t>
+            </a:r>
+            <a:r>
+              <a:rPr lang="en-US" altLang="zh-CN" dirty="0" smtClean="0"/>
+              <a:t> into a string vector, the vector hold the string parameters. token parser to the work.</a:t>
+            </a:r>
+          </a:p>
+          <a:p>
+            <a:r>
+              <a:rPr lang="en-US" altLang="zh-CN" dirty="0" smtClean="0"/>
+              <a:t>the get method transforms a parameter to a gave type parameter.</a:t>
+            </a:r>
+          </a:p>
+          <a:p>
+            <a:r>
+              <a:rPr lang="en-US" altLang="zh-CN" dirty="0" smtClean="0"/>
+              <a:t>it’s easy and clear, nothing more to say. next we will implement route and execute by the string vector</a:t>
+            </a:r>
+            <a:endParaRPr lang="zh-CN" altLang="en-US" dirty="0"/>
           </a:p>
         </p:txBody>
       </p:sp>
@@ -2097,7 +2168,7 @@
             <a:fld id="{D907BE37-B124-4F9F-8F7E-44B90AC375A6}" type="slidenum">
               <a:rPr lang="zh-CN" altLang="en-US" smtClean="0"/>
               <a:pPr/>
-              <a:t>22</a:t>
+              <a:t>21</a:t>
             </a:fld>
             <a:endParaRPr lang="zh-CN" altLang="en-US"/>
           </a:p>
@@ -2106,7 +2177,7 @@
     </p:spTree>
     <p:extLst>
       <p:ext uri="{BB962C8B-B14F-4D97-AF65-F5344CB8AC3E}">
-        <p14:creationId xmlns:p14="http://schemas.microsoft.com/office/powerpoint/2010/main" val="2354499227"/>
+        <p14:creationId xmlns:p14="http://schemas.microsoft.com/office/powerpoint/2010/main" val="1318862096"/>
       </p:ext>
     </p:extLst>
   </p:cSld>
@@ -2162,94 +2233,24 @@
           <a:p>
             <a:r>
               <a:rPr lang="en-US" altLang="zh-CN" dirty="0" smtClean="0"/>
-              <a:t>we</a:t>
-            </a:r>
-            <a:r>
-              <a:rPr lang="en-US" altLang="zh-CN" baseline="0" dirty="0" smtClean="0"/>
-              <a:t> need some helper class, for example </a:t>
-            </a:r>
-            <a:r>
-              <a:rPr lang="en-US" altLang="zh-CN" baseline="0" dirty="0" err="1" smtClean="0"/>
-              <a:t>function_traits</a:t>
-            </a:r>
-            <a:r>
-              <a:rPr lang="en-US" altLang="zh-CN" baseline="0" dirty="0" smtClean="0"/>
-              <a:t>,  it used to trait function return type, arguments types, arguments number and so on.</a:t>
-            </a:r>
-          </a:p>
-          <a:p>
-            <a:pPr marL="0" marR="0" indent="0" algn="l" defTabSz="914400" rtl="0" eaLnBrk="1" fontAlgn="auto" latinLnBrk="0" hangingPunct="1">
-              <a:lnSpc>
-                <a:spcPct val="100000"/>
-              </a:lnSpc>
-              <a:spcBef>
-                <a:spcPts val="0"/>
-              </a:spcBef>
-              <a:spcAft>
-                <a:spcPts val="0"/>
-              </a:spcAft>
-              <a:buClrTx/>
-              <a:buSzTx/>
-              <a:buFontTx/>
-              <a:buNone/>
-              <a:tabLst/>
-              <a:defRPr/>
-            </a:pPr>
-            <a:r>
-              <a:rPr lang="en-US" altLang="zh-CN" dirty="0" smtClean="0"/>
-              <a:t>this is a part of </a:t>
-            </a:r>
-            <a:r>
-              <a:rPr lang="en-US" altLang="zh-CN" dirty="0" err="1" smtClean="0"/>
-              <a:t>function_traits</a:t>
-            </a:r>
-            <a:r>
-              <a:rPr lang="en-US" altLang="zh-CN" dirty="0" smtClean="0"/>
-              <a:t>, more details you can find it here:</a:t>
-            </a:r>
-            <a:r>
-              <a:rPr lang="zh-CN" altLang="en-US" dirty="0" smtClean="0"/>
-              <a:t>https://github.com/topcpporg/rest_rpc/blob/master/rest_rpc/base/function_traits.hpp</a:t>
-            </a:r>
-            <a:r>
-              <a:rPr lang="en-US" altLang="zh-CN" dirty="0" smtClean="0"/>
-              <a:t>.</a:t>
-            </a:r>
-          </a:p>
-          <a:p>
-            <a:pPr marL="0" marR="0" indent="0" algn="l" defTabSz="914400" rtl="0" eaLnBrk="1" fontAlgn="auto" latinLnBrk="0" hangingPunct="1">
-              <a:lnSpc>
-                <a:spcPct val="100000"/>
-              </a:lnSpc>
-              <a:spcBef>
-                <a:spcPts val="0"/>
-              </a:spcBef>
-              <a:spcAft>
-                <a:spcPts val="0"/>
-              </a:spcAft>
-              <a:buClrTx/>
-              <a:buSzTx/>
-              <a:buFontTx/>
-              <a:buNone/>
-              <a:tabLst/>
-              <a:defRPr/>
-            </a:pPr>
-            <a:r>
-              <a:rPr lang="en-US" altLang="zh-CN" dirty="0" smtClean="0"/>
-              <a:t>this </a:t>
-            </a:r>
-            <a:r>
-              <a:rPr lang="en-US" altLang="zh-CN" dirty="0" err="1" smtClean="0"/>
-              <a:t>function_traits</a:t>
-            </a:r>
-            <a:r>
-              <a:rPr lang="en-US" altLang="zh-CN" dirty="0" smtClean="0"/>
-              <a:t> help us a lot, let’s go on.</a:t>
-            </a:r>
-            <a:endParaRPr lang="zh-CN" altLang="en-US" dirty="0" smtClean="0"/>
-          </a:p>
-          <a:p>
-            <a:endParaRPr lang="zh-CN" altLang="en-US" dirty="0"/>
+              <a:t>Pay attention to the bind, this time we also bind </a:t>
+            </a:r>
+            <a:r>
+              <a:rPr lang="en-US" altLang="zh-CN" dirty="0" smtClean="0"/>
+              <a:t>static </a:t>
+            </a:r>
+            <a:r>
+              <a:rPr lang="en-US" altLang="zh-CN" dirty="0" smtClean="0"/>
+              <a:t>member </a:t>
+            </a:r>
+            <a:r>
+              <a:rPr lang="en-US" altLang="zh-CN" dirty="0" smtClean="0"/>
+              <a:t>function of a template class, </a:t>
+            </a:r>
+            <a:r>
+              <a:rPr lang="en-US" altLang="zh-CN" dirty="0" smtClean="0"/>
+              <a:t>but the member function is template function, and one argument is a empty tuple. let’s look at the template class. </a:t>
+            </a:r>
           </a:p>
         </p:txBody>
       </p:sp>
@@ -2271,7 +2272,7 @@
             <a:fld id="{D907BE37-B124-4F9F-8F7E-44B90AC375A6}" type="slidenum">
               <a:rPr lang="zh-CN" altLang="en-US" smtClean="0"/>
               <a:pPr/>
-              <a:t>23</a:t>
+              <a:t>22</a:t>
             </a:fld>
             <a:endParaRPr lang="zh-CN" altLang="en-US"/>
           </a:p>
@@ -2280,7 +2281,7 @@
     </p:spTree>
     <p:extLst>
       <p:ext uri="{BB962C8B-B14F-4D97-AF65-F5344CB8AC3E}">
-        <p14:creationId xmlns:p14="http://schemas.microsoft.com/office/powerpoint/2010/main" val="3501692922"/>
+        <p14:creationId xmlns:p14="http://schemas.microsoft.com/office/powerpoint/2010/main" val="2354499227"/>
       </p:ext>
     </p:extLst>
   </p:cSld>
@@ -2336,99 +2337,94 @@
           <a:p>
             <a:r>
               <a:rPr lang="en-US" altLang="zh-CN" dirty="0" smtClean="0"/>
-              <a:t>the first invoker class is the base case, has three template arguments, the first argument is the type of registered handler,  the second template argument N, every time plus 1 in recursive process, and the third argument is the termination condition. pay attention to the red</a:t>
+              <a:t>we</a:t>
             </a:r>
             <a:r>
               <a:rPr lang="en-US" altLang="zh-CN" baseline="0" dirty="0" smtClean="0"/>
-              <a:t> color code, Firstly</a:t>
-            </a:r>
-            <a:r>
-              <a:rPr lang="en-US" altLang="zh-CN" dirty="0" smtClean="0"/>
-              <a:t> every time get a string argument</a:t>
+              <a:t> need some helper class, for example </a:t>
+            </a:r>
+            <a:r>
+              <a:rPr lang="en-US" altLang="zh-CN" baseline="0" dirty="0" err="1" smtClean="0"/>
+              <a:t>function_traits</a:t>
             </a:r>
             <a:r>
               <a:rPr lang="en-US" altLang="zh-CN" baseline="0" dirty="0" smtClean="0"/>
-              <a:t> and transform it to corresponding argument in the function. Secondly put the transformed argument into the empty tuple by </a:t>
-            </a:r>
-            <a:r>
-              <a:rPr lang="en-US" altLang="zh-CN" baseline="0" dirty="0" err="1" smtClean="0"/>
-              <a:t>tuple_cat</a:t>
-            </a:r>
-            <a:r>
-              <a:rPr lang="en-US" altLang="zh-CN" baseline="0" dirty="0" smtClean="0"/>
-              <a:t>, because the beginning </a:t>
-            </a:r>
-            <a:r>
-              <a:rPr lang="en-US" altLang="zh-CN" baseline="0" dirty="0" err="1" smtClean="0"/>
-              <a:t>args</a:t>
-            </a:r>
-            <a:r>
-              <a:rPr lang="en-US" altLang="zh-CN" baseline="0" dirty="0" smtClean="0"/>
-              <a:t> is </a:t>
-            </a:r>
-            <a:r>
-              <a:rPr lang="en-US" altLang="zh-CN" baseline="0" dirty="0" err="1" smtClean="0"/>
-              <a:t>std</a:t>
-            </a:r>
-            <a:r>
-              <a:rPr lang="en-US" altLang="zh-CN" baseline="0" dirty="0" smtClean="0"/>
-              <a:t>::tuple&lt;&gt;, so we need </a:t>
-            </a:r>
-            <a:r>
-              <a:rPr lang="en-US" altLang="zh-CN" baseline="0" dirty="0" err="1" smtClean="0"/>
-              <a:t>tuple_cat</a:t>
-            </a:r>
-            <a:r>
-              <a:rPr lang="en-US" altLang="zh-CN" baseline="0" dirty="0" smtClean="0"/>
-              <a:t> argument one by one, at last we get all arguments in a tuple when recursive determined, and we can use </a:t>
-            </a:r>
-            <a:r>
-              <a:rPr lang="en-US" altLang="zh-CN" baseline="0" dirty="0" err="1" smtClean="0"/>
-              <a:t>std</a:t>
-            </a:r>
-            <a:r>
-              <a:rPr lang="en-US" altLang="zh-CN" baseline="0" dirty="0" smtClean="0"/>
-              <a:t>::apply to finish call with tuple.</a:t>
-            </a:r>
-          </a:p>
-          <a:p>
-            <a:r>
-              <a:rPr lang="en-US" altLang="zh-CN" dirty="0" smtClean="0"/>
-              <a:t>the key point is transform string argument one</a:t>
-            </a:r>
-            <a:r>
-              <a:rPr lang="en-US" altLang="zh-CN" baseline="0" dirty="0" smtClean="0"/>
-              <a:t> by one and add it into a tuple, at last apply with registered function and tuple arguments. is that clear?</a:t>
-            </a:r>
-          </a:p>
-          <a:p>
-            <a:r>
-              <a:rPr lang="en-US" altLang="zh-CN" dirty="0" smtClean="0"/>
-              <a:t>I think it’s very difficult to solve the problem by </a:t>
+              <a:t>,  it used to trait function return type, arguments types, arguments number and so on.</a:t>
+            </a:r>
+          </a:p>
+          <a:p>
+            <a:pPr marL="0" marR="0" indent="0" algn="l" defTabSz="914400" rtl="0" eaLnBrk="1" fontAlgn="auto" latinLnBrk="0" hangingPunct="1">
+              <a:lnSpc>
+                <a:spcPct val="100000"/>
+              </a:lnSpc>
+              <a:spcBef>
+                <a:spcPts val="0"/>
+              </a:spcBef>
+              <a:spcAft>
+                <a:spcPts val="0"/>
+              </a:spcAft>
+              <a:buClrTx/>
+              <a:buSzTx/>
+              <a:buFontTx/>
+              <a:buNone/>
+              <a:tabLst/>
+              <a:defRPr/>
+            </a:pPr>
+            <a:r>
+              <a:rPr lang="en-US" altLang="zh-CN" dirty="0" smtClean="0"/>
+              <a:t>this is a part of </a:t>
             </a:r>
             <a:r>
               <a:rPr lang="en-US" altLang="zh-CN" dirty="0" err="1" smtClean="0"/>
-              <a:t>c++</a:t>
-            </a:r>
-            <a:r>
-              <a:rPr lang="en-US" altLang="zh-CN" dirty="0" smtClean="0"/>
-              <a:t>03</a:t>
-            </a:r>
-          </a:p>
-          <a:p>
-            <a:r>
-              <a:rPr lang="en-US" altLang="zh-CN" dirty="0" smtClean="0"/>
-              <a:t>but it’s easy for modern </a:t>
+              <a:t>function_traits</a:t>
+            </a:r>
+            <a:r>
+              <a:rPr lang="en-US" altLang="zh-CN" dirty="0" smtClean="0"/>
+              <a:t>, more details you can find it here:</a:t>
+            </a:r>
+            <a:r>
+              <a:rPr lang="zh-CN" altLang="en-US" dirty="0" smtClean="0"/>
+              <a:t>https://github.com/topcpporg/rest_rpc/blob/master/rest_rpc/base/function_traits.hpp</a:t>
+            </a:r>
+            <a:r>
+              <a:rPr lang="en-US" altLang="zh-CN" dirty="0" smtClean="0"/>
+              <a:t>.</a:t>
+            </a:r>
+          </a:p>
+          <a:p>
+            <a:pPr marL="0" marR="0" indent="0" algn="l" defTabSz="914400" rtl="0" eaLnBrk="1" fontAlgn="auto" latinLnBrk="0" hangingPunct="1">
+              <a:lnSpc>
+                <a:spcPct val="100000"/>
+              </a:lnSpc>
+              <a:spcBef>
+                <a:spcPts val="0"/>
+              </a:spcBef>
+              <a:spcAft>
+                <a:spcPts val="0"/>
+              </a:spcAft>
+              <a:buClrTx/>
+              <a:buSzTx/>
+              <a:buFontTx/>
+              <a:buNone/>
+              <a:tabLst/>
+              <a:defRPr/>
+            </a:pPr>
+            <a:r>
+              <a:rPr lang="en-US" altLang="zh-CN" dirty="0" smtClean="0"/>
+              <a:t>this </a:t>
             </a:r>
             <a:r>
               <a:rPr lang="en-US" altLang="zh-CN" dirty="0" err="1" smtClean="0"/>
-              <a:t>c++</a:t>
-            </a:r>
-            <a:r>
-              <a:rPr lang="en-US" altLang="zh-CN" dirty="0" smtClean="0"/>
-              <a:t>, because there are so many new features can help us, we just need find the potential of new features and compose them together.</a:t>
+              <a:t>function_traits</a:t>
+            </a:r>
+            <a:r>
+              <a:rPr lang="en-US" altLang="zh-CN" dirty="0" smtClean="0"/>
+              <a:t> help us a lot, let’s go on.</a:t>
             </a:r>
             <a:endParaRPr lang="zh-CN" altLang="en-US" dirty="0" smtClean="0"/>
+          </a:p>
+          <a:p>
+            <a:endParaRPr lang="zh-CN" altLang="en-US" dirty="0"/>
           </a:p>
         </p:txBody>
       </p:sp>
@@ -2450,7 +2446,7 @@
             <a:fld id="{D907BE37-B124-4F9F-8F7E-44B90AC375A6}" type="slidenum">
               <a:rPr lang="zh-CN" altLang="en-US" smtClean="0"/>
               <a:pPr/>
-              <a:t>24</a:t>
+              <a:t>23</a:t>
             </a:fld>
             <a:endParaRPr lang="zh-CN" altLang="en-US"/>
           </a:p>
@@ -2459,7 +2455,7 @@
     </p:spTree>
     <p:extLst>
       <p:ext uri="{BB962C8B-B14F-4D97-AF65-F5344CB8AC3E}">
-        <p14:creationId xmlns:p14="http://schemas.microsoft.com/office/powerpoint/2010/main" val="2604106171"/>
+        <p14:creationId xmlns:p14="http://schemas.microsoft.com/office/powerpoint/2010/main" val="3501692922"/>
       </p:ext>
     </p:extLst>
   </p:cSld>
@@ -2515,47 +2511,35 @@
           <a:p>
             <a:r>
               <a:rPr lang="en-US" altLang="zh-CN" dirty="0" smtClean="0"/>
-              <a:t>pay attention to the </a:t>
-            </a:r>
-            <a:r>
-              <a:rPr lang="en-US" altLang="zh-CN" dirty="0" err="1" smtClean="0"/>
-              <a:t>timax</a:t>
-            </a:r>
-            <a:r>
-              <a:rPr lang="en-US" altLang="zh-CN" dirty="0" smtClean="0"/>
-              <a:t> bind, let’s compere it with </a:t>
-            </a:r>
-            <a:r>
-              <a:rPr lang="en-US" altLang="zh-CN" dirty="0" err="1" smtClean="0"/>
-              <a:t>std</a:t>
-            </a:r>
-            <a:r>
-              <a:rPr lang="en-US" altLang="zh-CN" dirty="0" smtClean="0"/>
-              <a:t>::bind.</a:t>
-            </a:r>
-          </a:p>
-          <a:p>
-            <a:r>
-              <a:rPr lang="en-US" altLang="zh-CN" dirty="0" err="1" smtClean="0"/>
-              <a:t>timax</a:t>
-            </a:r>
-            <a:r>
-              <a:rPr lang="en-US" altLang="zh-CN" dirty="0" smtClean="0"/>
-              <a:t>::bind  omits placeholder , it’s  more simple.</a:t>
-            </a:r>
-          </a:p>
-          <a:p>
-            <a:r>
-              <a:rPr lang="en-US" altLang="zh-CN" dirty="0" err="1" smtClean="0"/>
-              <a:t>timax</a:t>
-            </a:r>
-            <a:r>
-              <a:rPr lang="en-US" altLang="zh-CN" dirty="0" smtClean="0"/>
-              <a:t> bind is not</a:t>
+              <a:t>the first invoker class is the base case, has three template arguments, the first argument is the type of registered handler,  the second template argument N, every time plus 1 in recursive process, and the third argument is the termination condition. pay attention to the red</a:t>
             </a:r>
             <a:r>
               <a:rPr lang="en-US" altLang="zh-CN" baseline="0" dirty="0" smtClean="0"/>
-              <a:t> another bind, it’s just a wrapper of </a:t>
+              <a:t> color code, Firstly</a:t>
+            </a:r>
+            <a:r>
+              <a:rPr lang="en-US" altLang="zh-CN" dirty="0" smtClean="0"/>
+              <a:t> every time get a string argument</a:t>
+            </a:r>
+            <a:r>
+              <a:rPr lang="en-US" altLang="zh-CN" baseline="0" dirty="0" smtClean="0"/>
+              <a:t> and transform it to corresponding argument in the function. Secondly put the transformed argument into the empty tuple by </a:t>
+            </a:r>
+            <a:r>
+              <a:rPr lang="en-US" altLang="zh-CN" baseline="0" dirty="0" err="1" smtClean="0"/>
+              <a:t>tuple_cat</a:t>
+            </a:r>
+            <a:r>
+              <a:rPr lang="en-US" altLang="zh-CN" baseline="0" dirty="0" smtClean="0"/>
+              <a:t>, because the beginning </a:t>
+            </a:r>
+            <a:r>
+              <a:rPr lang="en-US" altLang="zh-CN" baseline="0" dirty="0" err="1" smtClean="0"/>
+              <a:t>args</a:t>
+            </a:r>
+            <a:r>
+              <a:rPr lang="en-US" altLang="zh-CN" baseline="0" dirty="0" smtClean="0"/>
+              <a:t> is </a:t>
             </a:r>
             <a:r>
               <a:rPr lang="en-US" altLang="zh-CN" baseline="0" dirty="0" err="1" smtClean="0"/>
@@ -2563,9 +2547,63 @@
             </a:r>
             <a:r>
               <a:rPr lang="en-US" altLang="zh-CN" baseline="0" dirty="0" smtClean="0"/>
-              <a:t>::bind for simplify the usage, let’s look at the implementation.</a:t>
-            </a:r>
-            <a:endParaRPr lang="zh-CN" altLang="en-US" dirty="0"/>
+              <a:t>::tuple&lt;&gt;, so we need </a:t>
+            </a:r>
+            <a:r>
+              <a:rPr lang="en-US" altLang="zh-CN" baseline="0" dirty="0" err="1" smtClean="0"/>
+              <a:t>tuple_cat</a:t>
+            </a:r>
+            <a:r>
+              <a:rPr lang="en-US" altLang="zh-CN" baseline="0" dirty="0" smtClean="0"/>
+              <a:t> argument one by one, at last we get all arguments in a tuple when recursive determined, and we can use </a:t>
+            </a:r>
+            <a:r>
+              <a:rPr lang="en-US" altLang="zh-CN" baseline="0" dirty="0" err="1" smtClean="0"/>
+              <a:t>std</a:t>
+            </a:r>
+            <a:r>
+              <a:rPr lang="en-US" altLang="zh-CN" baseline="0" dirty="0" smtClean="0"/>
+              <a:t>::apply to finish call with tuple.</a:t>
+            </a:r>
+          </a:p>
+          <a:p>
+            <a:r>
+              <a:rPr lang="en-US" altLang="zh-CN" dirty="0" smtClean="0"/>
+              <a:t>the key point is transform string argument one</a:t>
+            </a:r>
+            <a:r>
+              <a:rPr lang="en-US" altLang="zh-CN" baseline="0" dirty="0" smtClean="0"/>
+              <a:t> by one and add it into a tuple, at last apply with registered function and tuple arguments. is that clear?</a:t>
+            </a:r>
+          </a:p>
+          <a:p>
+            <a:r>
+              <a:rPr lang="en-US" altLang="zh-CN" dirty="0" smtClean="0"/>
+              <a:t>I think it’s very difficult to solve the problem by </a:t>
+            </a:r>
+            <a:r>
+              <a:rPr lang="en-US" altLang="zh-CN" dirty="0" err="1" smtClean="0"/>
+              <a:t>c++</a:t>
+            </a:r>
+            <a:r>
+              <a:rPr lang="en-US" altLang="zh-CN" dirty="0" smtClean="0"/>
+              <a:t>03</a:t>
+            </a:r>
+          </a:p>
+          <a:p>
+            <a:r>
+              <a:rPr lang="en-US" altLang="zh-CN" dirty="0" smtClean="0"/>
+              <a:t>but it’s easy for modern </a:t>
+            </a:r>
+            <a:r>
+              <a:rPr lang="en-US" altLang="zh-CN" dirty="0" err="1" smtClean="0"/>
+              <a:t>c++</a:t>
+            </a:r>
+            <a:r>
+              <a:rPr lang="en-US" altLang="zh-CN" dirty="0" smtClean="0"/>
+              <a:t>, because there are so many new features can help us, we just need find the potential of new features and compose them together.</a:t>
+            </a:r>
+            <a:endParaRPr lang="zh-CN" altLang="en-US" dirty="0" smtClean="0"/>
           </a:p>
         </p:txBody>
       </p:sp>
@@ -2587,7 +2625,7 @@
             <a:fld id="{D907BE37-B124-4F9F-8F7E-44B90AC375A6}" type="slidenum">
               <a:rPr lang="zh-CN" altLang="en-US" smtClean="0"/>
               <a:pPr/>
-              <a:t>25</a:t>
+              <a:t>24</a:t>
             </a:fld>
             <a:endParaRPr lang="zh-CN" altLang="en-US"/>
           </a:p>
@@ -2596,7 +2634,7 @@
     </p:spTree>
     <p:extLst>
       <p:ext uri="{BB962C8B-B14F-4D97-AF65-F5344CB8AC3E}">
-        <p14:creationId xmlns:p14="http://schemas.microsoft.com/office/powerpoint/2010/main" val="2069297833"/>
+        <p14:creationId xmlns:p14="http://schemas.microsoft.com/office/powerpoint/2010/main" val="2604106171"/>
       </p:ext>
     </p:extLst>
   </p:cSld>
@@ -2651,8 +2689,48 @@
           <a:lstStyle/>
           <a:p>
             <a:r>
+              <a:rPr lang="en-US" altLang="zh-CN" dirty="0" smtClean="0"/>
+              <a:t>pay attention to the </a:t>
+            </a:r>
+            <a:r>
+              <a:rPr lang="en-US" altLang="zh-CN" dirty="0" err="1" smtClean="0"/>
+              <a:t>timax</a:t>
+            </a:r>
+            <a:r>
+              <a:rPr lang="en-US" altLang="zh-CN" dirty="0" smtClean="0"/>
+              <a:t> bind, let’s compere it with </a:t>
+            </a:r>
+            <a:r>
+              <a:rPr lang="en-US" altLang="zh-CN" dirty="0" err="1" smtClean="0"/>
+              <a:t>std</a:t>
+            </a:r>
+            <a:r>
+              <a:rPr lang="en-US" altLang="zh-CN" dirty="0" smtClean="0"/>
+              <a:t>::bind.</a:t>
+            </a:r>
+          </a:p>
+          <a:p>
+            <a:r>
+              <a:rPr lang="en-US" altLang="zh-CN" dirty="0" err="1" smtClean="0"/>
+              <a:t>timax</a:t>
+            </a:r>
+            <a:r>
+              <a:rPr lang="en-US" altLang="zh-CN" dirty="0" smtClean="0"/>
+              <a:t>::bind  omits placeholder , it’s  more simple.</a:t>
+            </a:r>
+          </a:p>
+          <a:p>
+            <a:r>
+              <a:rPr lang="en-US" altLang="zh-CN" dirty="0" err="1" smtClean="0"/>
+              <a:t>timax</a:t>
+            </a:r>
+            <a:r>
+              <a:rPr lang="en-US" altLang="zh-CN" dirty="0" smtClean="0"/>
+              <a:t> bind is not</a:t>
+            </a:r>
+            <a:r>
               <a:rPr lang="en-US" altLang="zh-CN" baseline="0" dirty="0" smtClean="0"/>
-              <a:t>there are two overload functions, if you bind with parameters, the first function was selected, in the function </a:t>
+              <a:t> another bind, it’s just a wrapper of </a:t>
             </a:r>
             <a:r>
               <a:rPr lang="en-US" altLang="zh-CN" baseline="0" dirty="0" err="1" smtClean="0"/>
@@ -2660,21 +2738,7 @@
             </a:r>
             <a:r>
               <a:rPr lang="en-US" altLang="zh-CN" baseline="0" dirty="0" smtClean="0"/>
-              <a:t>::bind is called, if you omit the parameters, the second function will be selected.</a:t>
-            </a:r>
-          </a:p>
-          <a:p>
-            <a:r>
-              <a:rPr lang="en-US" altLang="zh-CN" dirty="0" smtClean="0"/>
-              <a:t>Here we use move capture lambda, and the return type is </a:t>
-            </a:r>
-            <a:r>
-              <a:rPr lang="en-US" altLang="zh-CN" dirty="0" err="1" smtClean="0"/>
-              <a:t>std</a:t>
-            </a:r>
-            <a:r>
-              <a:rPr lang="en-US" altLang="zh-CN" dirty="0" smtClean="0"/>
-              <a:t>::function.</a:t>
+              <a:t>::bind for simplify the usage, let’s look at the implementation.</a:t>
             </a:r>
             <a:endParaRPr lang="zh-CN" altLang="en-US" dirty="0"/>
           </a:p>
@@ -2698,7 +2762,7 @@
             <a:fld id="{D907BE37-B124-4F9F-8F7E-44B90AC375A6}" type="slidenum">
               <a:rPr lang="zh-CN" altLang="en-US" smtClean="0"/>
               <a:pPr/>
-              <a:t>26</a:t>
+              <a:t>25</a:t>
             </a:fld>
             <a:endParaRPr lang="zh-CN" altLang="en-US"/>
           </a:p>
@@ -2707,7 +2771,7 @@
     </p:spTree>
     <p:extLst>
       <p:ext uri="{BB962C8B-B14F-4D97-AF65-F5344CB8AC3E}">
-        <p14:creationId xmlns:p14="http://schemas.microsoft.com/office/powerpoint/2010/main" val="2433551734"/>
+        <p14:creationId xmlns:p14="http://schemas.microsoft.com/office/powerpoint/2010/main" val="2069297833"/>
       </p:ext>
     </p:extLst>
   </p:cSld>
@@ -2761,86 +2825,31 @@
           <a:bodyPr/>
           <a:lstStyle/>
           <a:p>
-            <a:pPr marL="0" marR="0" indent="0" algn="l" defTabSz="914400" rtl="0" eaLnBrk="1" fontAlgn="auto" latinLnBrk="0" hangingPunct="1">
-              <a:lnSpc>
-                <a:spcPct val="100000"/>
-              </a:lnSpc>
-              <a:spcBef>
-                <a:spcPts val="0"/>
-              </a:spcBef>
-              <a:spcAft>
-                <a:spcPts val="0"/>
-              </a:spcAft>
-              <a:buClrTx/>
-              <a:buSzTx/>
-              <a:buFontTx/>
-              <a:buNone/>
-              <a:tabLst/>
-              <a:defRPr/>
-            </a:pPr>
-            <a:r>
-              <a:rPr lang="en-US" altLang="zh-CN" dirty="0" smtClean="0"/>
-              <a:t>Pay attention to the micro TIMAX_DEFINE_PROTOCOL, it’s a call protocol. You know many kinds of servers use protocol buffer or some other protocol file to define the call protocol. I don’t like the way, I think the protocol file increase learning cost, you have to learning the complicated details and there is no unified protocol. So </a:t>
+            <a:r>
+              <a:rPr lang="en-US" altLang="zh-CN" baseline="0" dirty="0" smtClean="0"/>
+              <a:t>there are two overload functions, if you bind with parameters, the first function was selected, in the function </a:t>
+            </a:r>
+            <a:r>
+              <a:rPr lang="en-US" altLang="zh-CN" baseline="0" dirty="0" err="1" smtClean="0"/>
+              <a:t>std</a:t>
+            </a:r>
+            <a:r>
+              <a:rPr lang="en-US" altLang="zh-CN" baseline="0" dirty="0" smtClean="0"/>
+              <a:t>::bind is called, if you omit the parameters, the second function will be selected.</a:t>
+            </a:r>
+          </a:p>
+          <a:p>
+            <a:r>
+              <a:rPr lang="en-US" altLang="zh-CN" dirty="0" smtClean="0"/>
+              <a:t>Here we use move capture lambda, and the return type is </a:t>
             </a:r>
             <a:r>
               <a:rPr lang="en-US" altLang="zh-CN" dirty="0" err="1" smtClean="0"/>
-              <a:t>rest_rpc</a:t>
-            </a:r>
-            <a:r>
-              <a:rPr lang="en-US" altLang="zh-CN" dirty="0" smtClean="0"/>
-              <a:t> discards protocol file, </a:t>
-            </a:r>
-            <a:r>
-              <a:rPr lang="en-US" altLang="zh-CN" dirty="0" err="1" smtClean="0"/>
-              <a:t>rest_rpc</a:t>
-            </a:r>
-            <a:r>
-              <a:rPr lang="en-US" altLang="zh-CN" dirty="0" smtClean="0"/>
-              <a:t> want user just need focus on</a:t>
-            </a:r>
-            <a:r>
-              <a:rPr lang="en-US" altLang="zh-CN" baseline="0" dirty="0" smtClean="0"/>
-              <a:t> business and easy to use. So we use a universal micro to define call protocol.  maybe you have lots of reasons and benefits of protocol file, but </a:t>
-            </a:r>
-            <a:r>
-              <a:rPr lang="en-US" altLang="zh-CN" baseline="0" dirty="0" err="1" smtClean="0"/>
-              <a:t>rest_rpc</a:t>
-            </a:r>
-            <a:r>
-              <a:rPr lang="en-US" altLang="zh-CN" baseline="0" dirty="0" smtClean="0"/>
-              <a:t> want to provide a new way, a simple way,  a modern </a:t>
-            </a:r>
-            <a:r>
-              <a:rPr lang="en-US" altLang="zh-CN" baseline="0" dirty="0" err="1" smtClean="0"/>
-              <a:t>c++</a:t>
-            </a:r>
-            <a:r>
-              <a:rPr lang="en-US" altLang="zh-CN" baseline="0" dirty="0" smtClean="0"/>
-              <a:t> way to solve the problem of call protocol. </a:t>
-            </a:r>
-            <a:endParaRPr lang="en-US" altLang="zh-CN" dirty="0" smtClean="0"/>
-          </a:p>
-          <a:p>
-            <a:pPr marL="0" marR="0" indent="0" algn="l" defTabSz="914400" rtl="0" eaLnBrk="1" fontAlgn="auto" latinLnBrk="0" hangingPunct="1">
-              <a:lnSpc>
-                <a:spcPct val="100000"/>
-              </a:lnSpc>
-              <a:spcBef>
-                <a:spcPts val="0"/>
-              </a:spcBef>
-              <a:spcAft>
-                <a:spcPts val="0"/>
-              </a:spcAft>
-              <a:buClrTx/>
-              <a:buSzTx/>
-              <a:buFontTx/>
-              <a:buNone/>
-              <a:tabLst/>
-              <a:defRPr/>
-            </a:pPr>
-            <a:r>
-              <a:rPr lang="en-US" altLang="zh-CN" dirty="0" smtClean="0"/>
-              <a:t>if we check the arguments at server side, it’s too late, so we want to check the arguments as easily as possible, TIMAX_DEFINE_PROTOCOL help us to check arguments at compile time.</a:t>
+              <a:t>std</a:t>
+            </a:r>
+            <a:r>
+              <a:rPr lang="en-US" altLang="zh-CN" dirty="0" smtClean="0"/>
+              <a:t>::function.</a:t>
             </a:r>
             <a:endParaRPr lang="zh-CN" altLang="en-US" dirty="0"/>
           </a:p>
@@ -2864,7 +2873,7 @@
             <a:fld id="{D907BE37-B124-4F9F-8F7E-44B90AC375A6}" type="slidenum">
               <a:rPr lang="zh-CN" altLang="en-US" smtClean="0"/>
               <a:pPr/>
-              <a:t>27</a:t>
+              <a:t>26</a:t>
             </a:fld>
             <a:endParaRPr lang="zh-CN" altLang="en-US"/>
           </a:p>
@@ -2873,7 +2882,7 @@
     </p:spTree>
     <p:extLst>
       <p:ext uri="{BB962C8B-B14F-4D97-AF65-F5344CB8AC3E}">
-        <p14:creationId xmlns:p14="http://schemas.microsoft.com/office/powerpoint/2010/main" val="968175457"/>
+        <p14:creationId xmlns:p14="http://schemas.microsoft.com/office/powerpoint/2010/main" val="2433551734"/>
       </p:ext>
     </p:extLst>
   </p:cSld>
@@ -2927,65 +2936,86 @@
           <a:bodyPr/>
           <a:lstStyle/>
           <a:p>
-            <a:r>
-              <a:rPr lang="en-US" altLang="zh-CN" dirty="0" smtClean="0"/>
-              <a:t>we utilize the micro traits the function type include return type , arguments, and then define an object, the object name is literal hander. look at the </a:t>
+            <a:pPr marL="0" marR="0" indent="0" algn="l" defTabSz="914400" rtl="0" eaLnBrk="1" fontAlgn="auto" latinLnBrk="0" hangingPunct="1">
+              <a:lnSpc>
+                <a:spcPct val="100000"/>
+              </a:lnSpc>
+              <a:spcBef>
+                <a:spcPts val="0"/>
+              </a:spcBef>
+              <a:spcAft>
+                <a:spcPts val="0"/>
+              </a:spcAft>
+              <a:buClrTx/>
+              <a:buSzTx/>
+              <a:buFontTx/>
+              <a:buNone/>
+              <a:tabLst/>
+              <a:defRPr/>
+            </a:pPr>
+            <a:r>
+              <a:rPr lang="en-US" altLang="zh-CN" dirty="0" smtClean="0"/>
+              <a:t>Pay attention to the micro TIMAX_DEFINE_PROTOCOL, it’s a call protocol. You know many kinds of servers use protocol buffer or some other protocol file to define the call protocol. I don’t like the way, I think the protocol file increase learning cost, you have to learning the complicated details and there is no unified protocol. So </a:t>
             </a:r>
             <a:r>
               <a:rPr lang="en-US" altLang="zh-CN" dirty="0" err="1" smtClean="0"/>
-              <a:t>rpc_protocal</a:t>
-            </a:r>
-            <a:r>
-              <a:rPr lang="en-US" altLang="zh-CN" dirty="0" smtClean="0"/>
-              <a:t> class, the first template argument is return type, the rest arguments are </a:t>
+              <a:t>rest_rpc</a:t>
+            </a:r>
+            <a:r>
+              <a:rPr lang="en-US" altLang="zh-CN" dirty="0" smtClean="0"/>
+              <a:t> discards protocol file, </a:t>
             </a:r>
             <a:r>
               <a:rPr lang="en-US" altLang="zh-CN" dirty="0" err="1" smtClean="0"/>
-              <a:t>variadic</a:t>
-            </a:r>
-            <a:r>
-              <a:rPr lang="en-US" altLang="zh-CN" dirty="0" smtClean="0"/>
-              <a:t> template, and then we can easily get the signature type. pay attention to the </a:t>
-            </a:r>
-            <a:r>
-              <a:rPr lang="en-US" altLang="zh-CN" dirty="0" err="1" smtClean="0"/>
-              <a:t>is_argument_mactch</a:t>
-            </a:r>
-            <a:r>
-              <a:rPr lang="en-US" altLang="zh-CN" dirty="0" smtClean="0"/>
-              <a:t>, this trait will check the </a:t>
-            </a:r>
-            <a:r>
-              <a:rPr lang="en-US" altLang="zh-CN" dirty="0" err="1" smtClean="0"/>
-              <a:t>rpc</a:t>
-            </a:r>
-            <a:r>
-              <a:rPr lang="en-US" altLang="zh-CN" dirty="0" smtClean="0"/>
-              <a:t> call parameters with signature at compile time, if they match, the value is true, otherwise </a:t>
-            </a:r>
-            <a:r>
-              <a:rPr lang="en-US" altLang="zh-CN" dirty="0" err="1" smtClean="0"/>
-              <a:t>static_assert</a:t>
-            </a:r>
-            <a:r>
-              <a:rPr lang="en-US" altLang="zh-CN" dirty="0" smtClean="0"/>
-              <a:t> occur. So we can check the </a:t>
-            </a:r>
-            <a:r>
-              <a:rPr lang="en-US" altLang="zh-CN" dirty="0" err="1" smtClean="0"/>
-              <a:t>rpc</a:t>
-            </a:r>
-            <a:r>
-              <a:rPr lang="en-US" altLang="zh-CN" dirty="0" smtClean="0"/>
-              <a:t> call at compile time. let’s look at the trait </a:t>
-            </a:r>
-            <a:r>
-              <a:rPr lang="en-US" altLang="zh-CN" dirty="0" err="1" smtClean="0"/>
-              <a:t>is_argument_match</a:t>
-            </a:r>
-            <a:r>
-              <a:rPr lang="en-US" altLang="zh-CN" dirty="0" smtClean="0"/>
-              <a:t>.</a:t>
+              <a:t>rest_rpc</a:t>
+            </a:r>
+            <a:r>
+              <a:rPr lang="en-US" altLang="zh-CN" dirty="0" smtClean="0"/>
+              <a:t> want user just need focus on</a:t>
+            </a:r>
+            <a:r>
+              <a:rPr lang="en-US" altLang="zh-CN" baseline="0" dirty="0" smtClean="0"/>
+              <a:t> business and easy to use. So we use a universal micro to define call protocol.  maybe you have lots of reasons and benefits of protocol file, but </a:t>
+            </a:r>
+            <a:r>
+              <a:rPr lang="en-US" altLang="zh-CN" baseline="0" dirty="0" err="1" smtClean="0"/>
+              <a:t>rest_rpc</a:t>
+            </a:r>
+            <a:r>
+              <a:rPr lang="en-US" altLang="zh-CN" baseline="0" dirty="0" smtClean="0"/>
+              <a:t> want to provide a new way, a simple way,  a modern </a:t>
+            </a:r>
+            <a:r>
+              <a:rPr lang="en-US" altLang="zh-CN" baseline="0" dirty="0" err="1" smtClean="0"/>
+              <a:t>c++</a:t>
+            </a:r>
+            <a:r>
+              <a:rPr lang="en-US" altLang="zh-CN" baseline="0" dirty="0" smtClean="0"/>
+              <a:t> way to solve the problem of call protocol. </a:t>
+            </a:r>
+            <a:endParaRPr lang="en-US" altLang="zh-CN" dirty="0" smtClean="0"/>
+          </a:p>
+          <a:p>
+            <a:pPr marL="0" marR="0" indent="0" algn="l" defTabSz="914400" rtl="0" eaLnBrk="1" fontAlgn="auto" latinLnBrk="0" hangingPunct="1">
+              <a:lnSpc>
+                <a:spcPct val="100000"/>
+              </a:lnSpc>
+              <a:spcBef>
+                <a:spcPts val="0"/>
+              </a:spcBef>
+              <a:spcAft>
+                <a:spcPts val="0"/>
+              </a:spcAft>
+              <a:buClrTx/>
+              <a:buSzTx/>
+              <a:buFontTx/>
+              <a:buNone/>
+              <a:tabLst/>
+              <a:defRPr/>
+            </a:pPr>
+            <a:r>
+              <a:rPr lang="en-US" altLang="zh-CN" dirty="0" smtClean="0"/>
+              <a:t>if we check the arguments at server side, it’s too late, so we want to check the arguments as easily as possible, TIMAX_DEFINE_PROTOCOL help us to check arguments at compile time.</a:t>
             </a:r>
             <a:endParaRPr lang="zh-CN" altLang="en-US" dirty="0"/>
           </a:p>
@@ -3009,7 +3039,7 @@
             <a:fld id="{D907BE37-B124-4F9F-8F7E-44B90AC375A6}" type="slidenum">
               <a:rPr lang="zh-CN" altLang="en-US" smtClean="0"/>
               <a:pPr/>
-              <a:t>28</a:t>
+              <a:t>27</a:t>
             </a:fld>
             <a:endParaRPr lang="zh-CN" altLang="en-US"/>
           </a:p>
@@ -3018,7 +3048,7 @@
     </p:spTree>
     <p:extLst>
       <p:ext uri="{BB962C8B-B14F-4D97-AF65-F5344CB8AC3E}">
-        <p14:creationId xmlns:p14="http://schemas.microsoft.com/office/powerpoint/2010/main" val="3494932055"/>
+        <p14:creationId xmlns:p14="http://schemas.microsoft.com/office/powerpoint/2010/main" val="968175457"/>
       </p:ext>
     </p:extLst>
   </p:cSld>
@@ -3074,57 +3104,63 @@
           <a:p>
             <a:r>
               <a:rPr lang="en-US" altLang="zh-CN" dirty="0" smtClean="0"/>
-              <a:t>if signature and arguments are matching, the </a:t>
+              <a:t>we utilize the micro traits the function type include return type , arguments, and then define an object, the object name is literal hander. look at the </a:t>
             </a:r>
             <a:r>
               <a:rPr lang="en-US" altLang="zh-CN" dirty="0" err="1" smtClean="0"/>
-              <a:t>result_type</a:t>
-            </a:r>
-            <a:r>
-              <a:rPr lang="en-US" altLang="zh-CN" baseline="0" dirty="0" smtClean="0"/>
-              <a:t>  is </a:t>
-            </a:r>
-            <a:r>
-              <a:rPr lang="en-US" altLang="zh-CN" baseline="0" dirty="0" err="1" smtClean="0"/>
-              <a:t>true_type</a:t>
-            </a:r>
-            <a:r>
-              <a:rPr lang="en-US" altLang="zh-CN" baseline="0" dirty="0" smtClean="0"/>
-              <a:t>, other wise </a:t>
-            </a:r>
-            <a:r>
-              <a:rPr lang="en-US" altLang="zh-CN" baseline="0" dirty="0" err="1" smtClean="0"/>
-              <a:t>false_type</a:t>
-            </a:r>
-            <a:r>
-              <a:rPr lang="en-US" altLang="zh-CN" baseline="0" dirty="0" smtClean="0"/>
+              <a:t>rpc_protocal</a:t>
+            </a:r>
+            <a:r>
+              <a:rPr lang="en-US" altLang="zh-CN" dirty="0" smtClean="0"/>
+              <a:t> class, the first template argument is return type, the rest arguments are </a:t>
+            </a:r>
+            <a:r>
+              <a:rPr lang="en-US" altLang="zh-CN" dirty="0" err="1" smtClean="0"/>
+              <a:t>variadic</a:t>
+            </a:r>
+            <a:r>
+              <a:rPr lang="en-US" altLang="zh-CN" dirty="0" smtClean="0"/>
+              <a:t> template, and then we can easily get the signature type. pay attention to the </a:t>
+            </a:r>
+            <a:r>
+              <a:rPr lang="en-US" altLang="zh-CN" dirty="0" err="1" smtClean="0"/>
+              <a:t>is_argument_mactch</a:t>
+            </a:r>
+            <a:r>
+              <a:rPr lang="en-US" altLang="zh-CN" dirty="0" smtClean="0"/>
+              <a:t>, this trait will check the </a:t>
+            </a:r>
+            <a:r>
+              <a:rPr lang="en-US" altLang="zh-CN" dirty="0" err="1" smtClean="0"/>
+              <a:t>rpc</a:t>
+            </a:r>
+            <a:r>
+              <a:rPr lang="en-US" altLang="zh-CN" dirty="0" smtClean="0"/>
+              <a:t> call parameters with signature at compile time, if they match, the value is true, otherwise </a:t>
+            </a:r>
+            <a:r>
+              <a:rPr lang="en-US" altLang="zh-CN" dirty="0" err="1" smtClean="0"/>
+              <a:t>static_assert</a:t>
+            </a:r>
+            <a:r>
+              <a:rPr lang="en-US" altLang="zh-CN" dirty="0" smtClean="0"/>
+              <a:t> occur. So we can check the </a:t>
+            </a:r>
+            <a:r>
+              <a:rPr lang="en-US" altLang="zh-CN" dirty="0" err="1" smtClean="0"/>
+              <a:t>rpc</a:t>
+            </a:r>
+            <a:r>
+              <a:rPr lang="en-US" altLang="zh-CN" dirty="0" smtClean="0"/>
+              <a:t> call at compile time. let’s look at the trait </a:t>
+            </a:r>
+            <a:r>
+              <a:rPr lang="en-US" altLang="zh-CN" dirty="0" err="1" smtClean="0"/>
+              <a:t>is_argument_match</a:t>
+            </a:r>
+            <a:r>
+              <a:rPr lang="en-US" altLang="zh-CN" dirty="0" smtClean="0"/>
               <a:t>.</a:t>
-            </a:r>
-          </a:p>
-          <a:p>
-            <a:r>
-              <a:rPr lang="en-US" altLang="zh-CN" dirty="0" smtClean="0"/>
-              <a:t>I like this way to check if the signature and arguments match</a:t>
-            </a:r>
-            <a:r>
-              <a:rPr lang="en-US" altLang="zh-CN" baseline="0" dirty="0" smtClean="0"/>
-              <a:t> by </a:t>
-            </a:r>
-            <a:r>
-              <a:rPr lang="en-US" altLang="zh-CN" baseline="0" dirty="0" err="1" smtClean="0"/>
-              <a:t>decltype</a:t>
-            </a:r>
-            <a:r>
-              <a:rPr lang="en-US" altLang="zh-CN" baseline="0" dirty="0" smtClean="0"/>
-              <a:t> and </a:t>
-            </a:r>
-            <a:r>
-              <a:rPr lang="en-US" altLang="zh-CN" baseline="0" dirty="0" err="1" smtClean="0"/>
-              <a:t>declval</a:t>
-            </a:r>
-            <a:r>
-              <a:rPr lang="en-US" altLang="zh-CN" baseline="0" dirty="0" smtClean="0"/>
-              <a:t>, sometimes we use this way to check if exist a method in a class. for example we can check a template argument if is a smart pointer</a:t>
             </a:r>
             <a:endParaRPr lang="zh-CN" altLang="en-US" dirty="0"/>
           </a:p>
@@ -3148,7 +3184,7 @@
             <a:fld id="{D907BE37-B124-4F9F-8F7E-44B90AC375A6}" type="slidenum">
               <a:rPr lang="zh-CN" altLang="en-US" smtClean="0"/>
               <a:pPr/>
-              <a:t>29</a:t>
+              <a:t>28</a:t>
             </a:fld>
             <a:endParaRPr lang="zh-CN" altLang="en-US"/>
           </a:p>
@@ -3157,7 +3193,7 @@
     </p:spTree>
     <p:extLst>
       <p:ext uri="{BB962C8B-B14F-4D97-AF65-F5344CB8AC3E}">
-        <p14:creationId xmlns:p14="http://schemas.microsoft.com/office/powerpoint/2010/main" val="1118257719"/>
+        <p14:creationId xmlns:p14="http://schemas.microsoft.com/office/powerpoint/2010/main" val="3494932055"/>
       </p:ext>
     </p:extLst>
   </p:cSld>
@@ -3213,20 +3249,59 @@
           <a:p>
             <a:r>
               <a:rPr lang="en-US" altLang="zh-CN" dirty="0" smtClean="0"/>
-              <a:t>if</a:t>
+              <a:t>if signature and arguments are matching, the </a:t>
+            </a:r>
+            <a:r>
+              <a:rPr lang="en-US" altLang="zh-CN" dirty="0" err="1" smtClean="0"/>
+              <a:t>result_type</a:t>
             </a:r>
             <a:r>
               <a:rPr lang="en-US" altLang="zh-CN" baseline="0" dirty="0" smtClean="0"/>
-              <a:t> T have method -&gt; and get,  we  can  think it is  a smart pointer, of course  you can add more methods </a:t>
+              <a:t>  is </a:t>
             </a:r>
             <a:r>
               <a:rPr lang="en-US" altLang="zh-CN" baseline="0" dirty="0" err="1" smtClean="0"/>
-              <a:t>int</a:t>
+              <a:t>true_type</a:t>
             </a:r>
             <a:r>
               <a:rPr lang="en-US" altLang="zh-CN" baseline="0" dirty="0" smtClean="0"/>
-              <a:t> coma expression to increase the verification.</a:t>
-            </a:r>
+              <a:t>, other wise </a:t>
+            </a:r>
+            <a:r>
+              <a:rPr lang="en-US" altLang="zh-CN" baseline="0" dirty="0" err="1" smtClean="0"/>
+              <a:t>false_type</a:t>
+            </a:r>
+            <a:r>
+              <a:rPr lang="en-US" altLang="zh-CN" baseline="0" dirty="0" smtClean="0"/>
+              <a:t>.</a:t>
+            </a:r>
+          </a:p>
+          <a:p>
+            <a:r>
+              <a:rPr lang="en-US" altLang="zh-CN" dirty="0" smtClean="0"/>
+              <a:t>I like this way to check if the signature and arguments match</a:t>
+            </a:r>
+            <a:r>
+              <a:rPr lang="en-US" altLang="zh-CN" baseline="0" dirty="0" smtClean="0"/>
+              <a:t> by </a:t>
+            </a:r>
+            <a:r>
+              <a:rPr lang="en-US" altLang="zh-CN" baseline="0" dirty="0" err="1" smtClean="0"/>
+              <a:t>decltype</a:t>
+            </a:r>
+            <a:r>
+              <a:rPr lang="en-US" altLang="zh-CN" baseline="0" dirty="0" smtClean="0"/>
+              <a:t> and </a:t>
+            </a:r>
+            <a:r>
+              <a:rPr lang="en-US" altLang="zh-CN" baseline="0" dirty="0" err="1" smtClean="0"/>
+              <a:t>declval</a:t>
+            </a:r>
+            <a:r>
+              <a:rPr lang="en-US" altLang="zh-CN" baseline="0" dirty="0" smtClean="0"/>
+              <a:t>, sometimes we use this way to check if exist a method in a class. for example we can check a template argument if is a smart pointer</a:t>
+            </a:r>
+            <a:endParaRPr lang="zh-CN" altLang="en-US" dirty="0"/>
           </a:p>
         </p:txBody>
       </p:sp>
@@ -3248,7 +3323,7 @@
             <a:fld id="{D907BE37-B124-4F9F-8F7E-44B90AC375A6}" type="slidenum">
               <a:rPr lang="zh-CN" altLang="en-US" smtClean="0"/>
               <a:pPr/>
-              <a:t>31</a:t>
+              <a:t>29</a:t>
             </a:fld>
             <a:endParaRPr lang="zh-CN" altLang="en-US"/>
           </a:p>
@@ -3257,7 +3332,7 @@
     </p:spTree>
     <p:extLst>
       <p:ext uri="{BB962C8B-B14F-4D97-AF65-F5344CB8AC3E}">
-        <p14:creationId xmlns:p14="http://schemas.microsoft.com/office/powerpoint/2010/main" val="3220707777"/>
+        <p14:creationId xmlns:p14="http://schemas.microsoft.com/office/powerpoint/2010/main" val="1118257719"/>
       </p:ext>
     </p:extLst>
   </p:cSld>
@@ -3313,41 +3388,7 @@
           <a:p>
             <a:r>
               <a:rPr lang="en-US" altLang="zh-CN" dirty="0" smtClean="0"/>
-              <a:t>This picture shows some details of a complete RPC call</a:t>
-            </a:r>
-            <a:r>
-              <a:rPr lang="en-US" altLang="zh-CN" baseline="0" dirty="0" smtClean="0"/>
-              <a:t> process. Firstly, the client send a RPC request which contains procedure name and arguments to the server. Secondly the server parses the request and routes to the right procedure, and then executes the procedure, at last return the result to the client.</a:t>
-            </a:r>
-          </a:p>
-          <a:p>
-            <a:r>
-              <a:rPr lang="en-US" altLang="zh-CN" dirty="0" smtClean="0"/>
-              <a:t>I think most people got the perceptual knowledge of</a:t>
-            </a:r>
-            <a:r>
-              <a:rPr lang="en-US" altLang="zh-CN" baseline="0" dirty="0" smtClean="0"/>
-              <a:t> RPC. Next </a:t>
-            </a:r>
-            <a:r>
-              <a:rPr lang="en-US" altLang="zh-CN" baseline="0" dirty="0" err="1" smtClean="0"/>
-              <a:t>i</a:t>
-            </a:r>
-            <a:r>
-              <a:rPr lang="en-US" altLang="zh-CN" baseline="0" dirty="0" smtClean="0"/>
-              <a:t> will introduce a concrete RPC library </a:t>
-            </a:r>
-            <a:r>
-              <a:rPr lang="en-US" altLang="zh-CN" baseline="0" dirty="0" err="1" smtClean="0"/>
-              <a:t>rest_rpc</a:t>
-            </a:r>
-            <a:r>
-              <a:rPr lang="en-US" altLang="zh-CN" baseline="0" dirty="0" smtClean="0"/>
-              <a:t>. </a:t>
-            </a:r>
-            <a:r>
-              <a:rPr lang="en-US" altLang="zh-CN" dirty="0" smtClean="0"/>
-              <a:t> I will discuss the challenges and technical details of how to implement an easy to use RPC library.</a:t>
+              <a:t>Let’s look at the picture</a:t>
             </a:r>
             <a:endParaRPr lang="zh-CN" altLang="en-US" dirty="0"/>
           </a:p>
@@ -3371,7 +3412,7 @@
             <a:fld id="{D907BE37-B124-4F9F-8F7E-44B90AC375A6}" type="slidenum">
               <a:rPr lang="zh-CN" altLang="en-US" smtClean="0"/>
               <a:pPr/>
-              <a:t>4</a:t>
+              <a:t>3</a:t>
             </a:fld>
             <a:endParaRPr lang="zh-CN" altLang="en-US"/>
           </a:p>
@@ -3380,7 +3421,7 @@
     </p:spTree>
     <p:extLst>
       <p:ext uri="{BB962C8B-B14F-4D97-AF65-F5344CB8AC3E}">
-        <p14:creationId xmlns:p14="http://schemas.microsoft.com/office/powerpoint/2010/main" val="3060072042"/>
+        <p14:creationId xmlns:p14="http://schemas.microsoft.com/office/powerpoint/2010/main" val="871625989"/>
       </p:ext>
     </p:extLst>
   </p:cSld>
@@ -3434,26 +3475,17 @@
           <a:bodyPr/>
           <a:lstStyle/>
           <a:p>
-            <a:pPr marL="0" marR="0" indent="0" algn="l" defTabSz="914400" rtl="0" eaLnBrk="1" fontAlgn="auto" latinLnBrk="0" hangingPunct="1">
-              <a:lnSpc>
-                <a:spcPct val="100000"/>
-              </a:lnSpc>
-              <a:spcBef>
-                <a:spcPts val="0"/>
-              </a:spcBef>
-              <a:spcAft>
-                <a:spcPts val="0"/>
-              </a:spcAft>
-              <a:buClrTx/>
-              <a:buSzTx/>
-              <a:buFontTx/>
-              <a:buNone/>
-              <a:tabLst/>
-              <a:defRPr/>
-            </a:pPr>
-            <a:r>
-              <a:rPr lang="en-US" altLang="zh-CN" dirty="0" smtClean="0"/>
-              <a:t>but </a:t>
+            <a:r>
+              <a:rPr lang="en-US" altLang="zh-CN" dirty="0" smtClean="0"/>
+              <a:t>this is the test code to test </a:t>
+            </a:r>
+            <a:r>
+              <a:rPr lang="en-US" altLang="zh-CN" dirty="0" err="1" smtClean="0"/>
+              <a:t>is_smart_pointer</a:t>
+            </a:r>
+            <a:r>
+              <a:rPr lang="en-US" altLang="zh-CN" dirty="0" smtClean="0"/>
+              <a:t>, if the type is not </a:t>
             </a:r>
             <a:r>
               <a:rPr lang="en-US" altLang="zh-CN" dirty="0" err="1" smtClean="0"/>
@@ -3465,43 +3497,28 @@
             </a:r>
             <a:r>
               <a:rPr lang="en-US" altLang="zh-CN" dirty="0" err="1" smtClean="0"/>
-              <a:t>void_t</a:t>
-            </a:r>
-            <a:r>
-              <a:rPr lang="en-US" altLang="zh-CN" dirty="0" smtClean="0"/>
-              <a:t> is not</a:t>
-            </a:r>
-            <a:r>
-              <a:rPr lang="en-US" altLang="zh-CN" baseline="0" dirty="0" smtClean="0"/>
-              <a:t> in </a:t>
-            </a:r>
-            <a:r>
-              <a:rPr lang="en-US" altLang="zh-CN" baseline="0" dirty="0" err="1" smtClean="0"/>
-              <a:t>c++</a:t>
-            </a:r>
-            <a:r>
-              <a:rPr lang="en-US" altLang="zh-CN" baseline="0" dirty="0" smtClean="0"/>
-              <a:t>14, if you want to use this way in </a:t>
-            </a:r>
-            <a:r>
-              <a:rPr lang="en-US" altLang="zh-CN" baseline="0" dirty="0" err="1" smtClean="0"/>
-              <a:t>c++</a:t>
-            </a:r>
-            <a:r>
-              <a:rPr lang="en-US" altLang="zh-CN" baseline="0" dirty="0" smtClean="0"/>
-              <a:t>14,  you just need to make a </a:t>
-            </a:r>
-            <a:r>
-              <a:rPr lang="en-US" altLang="zh-CN" baseline="0" dirty="0" err="1" smtClean="0"/>
-              <a:t>void_t</a:t>
-            </a:r>
-            <a:r>
-              <a:rPr lang="en-US" altLang="zh-CN" baseline="0" dirty="0" smtClean="0"/>
-              <a:t>.</a:t>
-            </a:r>
-            <a:endParaRPr lang="zh-CN" altLang="en-US" dirty="0" smtClean="0"/>
-          </a:p>
-          <a:p>
+              <a:t>shared_ptr</a:t>
+            </a:r>
+            <a:r>
+              <a:rPr lang="en-US" altLang="zh-CN" dirty="0" smtClean="0"/>
+              <a:t> or </a:t>
+            </a:r>
+            <a:r>
+              <a:rPr lang="en-US" altLang="zh-CN" dirty="0" err="1" smtClean="0"/>
+              <a:t>std</a:t>
+            </a:r>
+            <a:r>
+              <a:rPr lang="en-US" altLang="zh-CN" dirty="0" smtClean="0"/>
+              <a:t>::</a:t>
+            </a:r>
+            <a:r>
+              <a:rPr lang="en-US" altLang="zh-CN" dirty="0" err="1" smtClean="0"/>
+              <a:t>unique_ptr</a:t>
+            </a:r>
+            <a:r>
+              <a:rPr lang="en-US" altLang="zh-CN" dirty="0" smtClean="0"/>
+              <a:t>, compile error will occur.</a:t>
+            </a:r>
             <a:endParaRPr lang="zh-CN" altLang="en-US" dirty="0"/>
           </a:p>
         </p:txBody>
@@ -3524,7 +3541,7 @@
             <a:fld id="{D907BE37-B124-4F9F-8F7E-44B90AC375A6}" type="slidenum">
               <a:rPr lang="zh-CN" altLang="en-US" smtClean="0"/>
               <a:pPr/>
-              <a:t>32</a:t>
+              <a:t>30</a:t>
             </a:fld>
             <a:endParaRPr lang="zh-CN" altLang="en-US"/>
           </a:p>
@@ -3533,7 +3550,7 @@
     </p:spTree>
     <p:extLst>
       <p:ext uri="{BB962C8B-B14F-4D97-AF65-F5344CB8AC3E}">
-        <p14:creationId xmlns:p14="http://schemas.microsoft.com/office/powerpoint/2010/main" val="2697865491"/>
+        <p14:creationId xmlns:p14="http://schemas.microsoft.com/office/powerpoint/2010/main" val="3511304931"/>
       </p:ext>
     </p:extLst>
   </p:cSld>
@@ -3587,75 +3604,22 @@
           <a:bodyPr/>
           <a:lstStyle/>
           <a:p>
-            <a:pPr marL="0" marR="0" indent="0" algn="l" defTabSz="914400" rtl="0" eaLnBrk="1" fontAlgn="auto" latinLnBrk="0" hangingPunct="1">
-              <a:lnSpc>
-                <a:spcPct val="100000"/>
-              </a:lnSpc>
-              <a:spcBef>
-                <a:spcPts val="0"/>
-              </a:spcBef>
-              <a:spcAft>
-                <a:spcPts val="0"/>
-              </a:spcAft>
-              <a:buClrTx/>
-              <a:buSzTx/>
-              <a:buFontTx/>
-              <a:buNone/>
-              <a:tabLst/>
-              <a:defRPr/>
-            </a:pPr>
-            <a:r>
-              <a:rPr lang="en-US" altLang="zh-CN" dirty="0" smtClean="0"/>
-              <a:t>but </a:t>
-            </a:r>
-            <a:r>
-              <a:rPr lang="en-US" altLang="zh-CN" dirty="0" err="1" smtClean="0"/>
-              <a:t>std</a:t>
-            </a:r>
-            <a:r>
-              <a:rPr lang="en-US" altLang="zh-CN" dirty="0" smtClean="0"/>
-              <a:t>::</a:t>
-            </a:r>
-            <a:r>
-              <a:rPr lang="en-US" altLang="zh-CN" dirty="0" err="1" smtClean="0"/>
-              <a:t>void_t</a:t>
-            </a:r>
-            <a:r>
-              <a:rPr lang="en-US" altLang="zh-CN" dirty="0" smtClean="0"/>
-              <a:t> is not</a:t>
+            <a:r>
+              <a:rPr lang="en-US" altLang="zh-CN" dirty="0" smtClean="0"/>
+              <a:t>if</a:t>
             </a:r>
             <a:r>
               <a:rPr lang="en-US" altLang="zh-CN" baseline="0" dirty="0" smtClean="0"/>
-              <a:t> in </a:t>
+              <a:t> T have method -&gt; and get,  we  can  think it is  a smart pointer, of course  you can add more methods </a:t>
             </a:r>
             <a:r>
               <a:rPr lang="en-US" altLang="zh-CN" baseline="0" dirty="0" err="1" smtClean="0"/>
-              <a:t>c++</a:t>
+              <a:t>int</a:t>
             </a:r>
             <a:r>
               <a:rPr lang="en-US" altLang="zh-CN" baseline="0" dirty="0" smtClean="0"/>
-              <a:t>14, if you want to use this way in </a:t>
-            </a:r>
-            <a:r>
-              <a:rPr lang="en-US" altLang="zh-CN" baseline="0" dirty="0" err="1" smtClean="0"/>
-              <a:t>c++</a:t>
-            </a:r>
-            <a:r>
-              <a:rPr lang="en-US" altLang="zh-CN" baseline="0" dirty="0" smtClean="0"/>
-              <a:t>14,  you just need to make a </a:t>
-            </a:r>
-            <a:r>
-              <a:rPr lang="en-US" altLang="zh-CN" baseline="0" dirty="0" err="1" smtClean="0"/>
-              <a:t>void_t</a:t>
-            </a:r>
-            <a:r>
-              <a:rPr lang="en-US" altLang="zh-CN" baseline="0" dirty="0" smtClean="0"/>
-              <a:t>.</a:t>
-            </a:r>
-            <a:endParaRPr lang="zh-CN" altLang="en-US" dirty="0" smtClean="0"/>
-          </a:p>
-          <a:p>
-            <a:endParaRPr lang="zh-CN" altLang="en-US" dirty="0"/>
+              <a:t> coma expression to increase the verification.</a:t>
+            </a:r>
           </a:p>
         </p:txBody>
       </p:sp>
@@ -3677,7 +3641,7 @@
             <a:fld id="{D907BE37-B124-4F9F-8F7E-44B90AC375A6}" type="slidenum">
               <a:rPr lang="zh-CN" altLang="en-US" smtClean="0"/>
               <a:pPr/>
-              <a:t>33</a:t>
+              <a:t>31</a:t>
             </a:fld>
             <a:endParaRPr lang="zh-CN" altLang="en-US"/>
           </a:p>
@@ -3686,7 +3650,7 @@
     </p:spTree>
     <p:extLst>
       <p:ext uri="{BB962C8B-B14F-4D97-AF65-F5344CB8AC3E}">
-        <p14:creationId xmlns:p14="http://schemas.microsoft.com/office/powerpoint/2010/main" val="745616097"/>
+        <p14:creationId xmlns:p14="http://schemas.microsoft.com/office/powerpoint/2010/main" val="3220707777"/>
       </p:ext>
     </p:extLst>
   </p:cSld>
@@ -3740,59 +3704,62 @@
           <a:bodyPr/>
           <a:lstStyle/>
           <a:p>
-            <a:r>
-              <a:rPr lang="en-US" altLang="zh-CN" dirty="0" smtClean="0"/>
-              <a:t>in </a:t>
+            <a:pPr marL="0" marR="0" indent="0" algn="l" defTabSz="914400" rtl="0" eaLnBrk="1" fontAlgn="auto" latinLnBrk="0" hangingPunct="1">
+              <a:lnSpc>
+                <a:spcPct val="100000"/>
+              </a:lnSpc>
+              <a:spcBef>
+                <a:spcPts val="0"/>
+              </a:spcBef>
+              <a:spcAft>
+                <a:spcPts val="0"/>
+              </a:spcAft>
+              <a:buClrTx/>
+              <a:buSzTx/>
+              <a:buFontTx/>
+              <a:buNone/>
+              <a:tabLst/>
+              <a:defRPr/>
+            </a:pPr>
+            <a:r>
+              <a:rPr lang="en-US" altLang="zh-CN" dirty="0" smtClean="0"/>
+              <a:t>but </a:t>
+            </a:r>
+            <a:r>
+              <a:rPr lang="en-US" altLang="zh-CN" dirty="0" err="1" smtClean="0"/>
+              <a:t>std</a:t>
+            </a:r>
+            <a:r>
+              <a:rPr lang="en-US" altLang="zh-CN" dirty="0" smtClean="0"/>
+              <a:t>::</a:t>
+            </a:r>
+            <a:r>
+              <a:rPr lang="en-US" altLang="zh-CN" dirty="0" err="1" smtClean="0"/>
+              <a:t>void_t</a:t>
+            </a:r>
+            <a:r>
+              <a:rPr lang="en-US" altLang="zh-CN" dirty="0" smtClean="0"/>
+              <a:t> </a:t>
+            </a:r>
+            <a:r>
+              <a:rPr lang="en-US" altLang="zh-CN" dirty="0" smtClean="0"/>
+              <a:t>is a features of </a:t>
             </a:r>
             <a:r>
               <a:rPr lang="en-US" altLang="zh-CN" dirty="0" err="1" smtClean="0"/>
               <a:t>c++</a:t>
             </a:r>
             <a:r>
-              <a:rPr lang="en-US" altLang="zh-CN" dirty="0" smtClean="0"/>
-              <a:t>14 you can use this </a:t>
-            </a:r>
-            <a:r>
-              <a:rPr lang="en-US" altLang="zh-CN" dirty="0" err="1" smtClean="0"/>
-              <a:t>void_t</a:t>
-            </a:r>
-            <a:r>
-              <a:rPr lang="en-US" altLang="zh-CN" dirty="0" smtClean="0"/>
-              <a:t> like </a:t>
-            </a:r>
-            <a:r>
-              <a:rPr lang="en-US" altLang="zh-CN" dirty="0" err="1" smtClean="0"/>
-              <a:t>c++</a:t>
-            </a:r>
-            <a:r>
-              <a:rPr lang="en-US" altLang="zh-CN" dirty="0" smtClean="0"/>
-              <a:t>17.</a:t>
-            </a:r>
-          </a:p>
-          <a:p>
-            <a:r>
-              <a:rPr lang="en-US" altLang="zh-CN" dirty="0" smtClean="0"/>
-              <a:t>Pay attention, this </a:t>
-            </a:r>
-            <a:r>
-              <a:rPr lang="en-US" altLang="zh-CN" dirty="0" err="1" smtClean="0"/>
-              <a:t>void_t</a:t>
-            </a:r>
-            <a:r>
-              <a:rPr lang="en-US" altLang="zh-CN" dirty="0" smtClean="0"/>
-              <a:t> is just fit for </a:t>
-            </a:r>
-            <a:r>
-              <a:rPr lang="en-US" altLang="zh-CN" dirty="0" err="1" smtClean="0"/>
-              <a:t>c++</a:t>
-            </a:r>
-            <a:r>
-              <a:rPr lang="en-US" altLang="zh-CN" dirty="0" smtClean="0"/>
-              <a:t>14, not</a:t>
+              <a:rPr lang="en-US" altLang="zh-CN" smtClean="0"/>
+              <a:t>17, </a:t>
+            </a:r>
+            <a:r>
+              <a:rPr lang="en-US" altLang="zh-CN" dirty="0" smtClean="0"/>
+              <a:t>not</a:t>
             </a:r>
             <a:r>
               <a:rPr lang="en-US" altLang="zh-CN" baseline="0" dirty="0" smtClean="0"/>
-              <a:t>  </a:t>
+              <a:t> in </a:t>
             </a:r>
             <a:r>
               <a:rPr lang="en-US" altLang="zh-CN" baseline="0" dirty="0" err="1" smtClean="0"/>
@@ -3800,14 +3767,27 @@
             </a:r>
             <a:r>
               <a:rPr lang="en-US" altLang="zh-CN" baseline="0" dirty="0" smtClean="0"/>
-              <a:t>11.</a:t>
-            </a:r>
-          </a:p>
-          <a:p>
-            <a:r>
-              <a:rPr lang="en-US" altLang="zh-CN" dirty="0" smtClean="0"/>
-              <a:t>Until C++14 unused parameters in alias templates were not guaranteed to ensure SFINAE and could be ignored.</a:t>
-            </a:r>
+              <a:t>14, if you want to use this way in </a:t>
+            </a:r>
+            <a:r>
+              <a:rPr lang="en-US" altLang="zh-CN" baseline="0" dirty="0" err="1" smtClean="0"/>
+              <a:t>c++</a:t>
+            </a:r>
+            <a:r>
+              <a:rPr lang="en-US" altLang="zh-CN" baseline="0" dirty="0" smtClean="0"/>
+              <a:t>14,  you just need to make a </a:t>
+            </a:r>
+            <a:r>
+              <a:rPr lang="en-US" altLang="zh-CN" baseline="0" dirty="0" err="1" smtClean="0"/>
+              <a:t>void_t</a:t>
+            </a:r>
+            <a:r>
+              <a:rPr lang="en-US" altLang="zh-CN" baseline="0" dirty="0" smtClean="0"/>
+              <a:t>.</a:t>
+            </a:r>
+            <a:endParaRPr lang="zh-CN" altLang="en-US" dirty="0" smtClean="0"/>
+          </a:p>
+          <a:p>
             <a:endParaRPr lang="zh-CN" altLang="en-US" dirty="0"/>
           </a:p>
         </p:txBody>
@@ -3830,7 +3810,7 @@
             <a:fld id="{D907BE37-B124-4F9F-8F7E-44B90AC375A6}" type="slidenum">
               <a:rPr lang="zh-CN" altLang="en-US" smtClean="0"/>
               <a:pPr/>
-              <a:t>34</a:t>
+              <a:t>32</a:t>
             </a:fld>
             <a:endParaRPr lang="zh-CN" altLang="en-US"/>
           </a:p>
@@ -3839,7 +3819,7 @@
     </p:spTree>
     <p:extLst>
       <p:ext uri="{BB962C8B-B14F-4D97-AF65-F5344CB8AC3E}">
-        <p14:creationId xmlns:p14="http://schemas.microsoft.com/office/powerpoint/2010/main" val="1161929155"/>
+        <p14:creationId xmlns:p14="http://schemas.microsoft.com/office/powerpoint/2010/main" val="2697865491"/>
       </p:ext>
     </p:extLst>
   </p:cSld>
@@ -3893,42 +3873,74 @@
           <a:bodyPr/>
           <a:lstStyle/>
           <a:p>
-            <a:r>
-              <a:rPr lang="en-US" altLang="zh-CN" dirty="0" smtClean="0"/>
-              <a:t>RPC is a special pub/sub, for RPC, the publisher and the subscriber are the same one.</a:t>
-            </a:r>
-          </a:p>
-          <a:p>
-            <a:r>
-              <a:rPr lang="en-US" altLang="zh-CN" dirty="0" smtClean="0"/>
-              <a:t>pub/sub is a special RPC, the requester and the </a:t>
+            <a:pPr marL="0" marR="0" indent="0" algn="l" defTabSz="914400" rtl="0" eaLnBrk="1" fontAlgn="auto" latinLnBrk="0" hangingPunct="1">
+              <a:lnSpc>
+                <a:spcPct val="100000"/>
+              </a:lnSpc>
+              <a:spcBef>
+                <a:spcPts val="0"/>
+              </a:spcBef>
+              <a:spcAft>
+                <a:spcPts val="0"/>
+              </a:spcAft>
+              <a:buClrTx/>
+              <a:buSzTx/>
+              <a:buFontTx/>
+              <a:buNone/>
+              <a:tabLst/>
+              <a:defRPr/>
+            </a:pPr>
+            <a:r>
+              <a:rPr lang="en-US" altLang="zh-CN" dirty="0" smtClean="0"/>
+              <a:t>but </a:t>
             </a:r>
             <a:r>
               <a:rPr lang="en-US" altLang="zh-CN" dirty="0" err="1" smtClean="0"/>
-              <a:t>responser</a:t>
-            </a:r>
-            <a:r>
-              <a:rPr lang="en-US" altLang="zh-CN" dirty="0" smtClean="0"/>
-              <a:t> are the same one.</a:t>
-            </a:r>
-          </a:p>
-          <a:p>
-            <a:r>
-              <a:rPr lang="en-US" altLang="zh-CN" dirty="0" smtClean="0"/>
-              <a:t>So we not</a:t>
+              <a:t>std</a:t>
+            </a:r>
+            <a:r>
+              <a:rPr lang="en-US" altLang="zh-CN" dirty="0" smtClean="0"/>
+              <a:t>::</a:t>
+            </a:r>
+            <a:r>
+              <a:rPr lang="en-US" altLang="zh-CN" dirty="0" err="1" smtClean="0"/>
+              <a:t>void_t</a:t>
+            </a:r>
+            <a:r>
+              <a:rPr lang="en-US" altLang="zh-CN" dirty="0" smtClean="0"/>
+              <a:t> is not</a:t>
             </a:r>
             <a:r>
               <a:rPr lang="en-US" altLang="zh-CN" baseline="0" dirty="0" smtClean="0"/>
-              <a:t> only support RPC but also support pub/sub. you know the two models are very common, </a:t>
+              <a:t> in </a:t>
             </a:r>
             <a:r>
               <a:rPr lang="en-US" altLang="zh-CN" baseline="0" dirty="0" err="1" smtClean="0"/>
-              <a:t>rest_rpc</a:t>
+              <a:t>c++</a:t>
             </a:r>
             <a:r>
               <a:rPr lang="en-US" altLang="zh-CN" baseline="0" dirty="0" smtClean="0"/>
-              <a:t> mixed the two models, you can use the two models freely. for example.</a:t>
-            </a:r>
+              <a:t>14, if you want to use this way in </a:t>
+            </a:r>
+            <a:r>
+              <a:rPr lang="en-US" altLang="zh-CN" baseline="0" dirty="0" err="1" smtClean="0"/>
+              <a:t>c++</a:t>
+            </a:r>
+            <a:r>
+              <a:rPr lang="en-US" altLang="zh-CN" baseline="0" dirty="0" smtClean="0"/>
+              <a:t>14,  you just need to make a </a:t>
+            </a:r>
+            <a:r>
+              <a:rPr lang="en-US" altLang="zh-CN" baseline="0" dirty="0" err="1" smtClean="0"/>
+              <a:t>void_t</a:t>
+            </a:r>
+            <a:r>
+              <a:rPr lang="en-US" altLang="zh-CN" baseline="0" dirty="0" smtClean="0"/>
+              <a:t>.</a:t>
+            </a:r>
+            <a:endParaRPr lang="zh-CN" altLang="en-US" dirty="0" smtClean="0"/>
+          </a:p>
+          <a:p>
             <a:endParaRPr lang="zh-CN" altLang="en-US" dirty="0"/>
           </a:p>
         </p:txBody>
@@ -3951,7 +3963,7 @@
             <a:fld id="{D907BE37-B124-4F9F-8F7E-44B90AC375A6}" type="slidenum">
               <a:rPr lang="zh-CN" altLang="en-US" smtClean="0"/>
               <a:pPr/>
-              <a:t>35</a:t>
+              <a:t>33</a:t>
             </a:fld>
             <a:endParaRPr lang="zh-CN" altLang="en-US"/>
           </a:p>
@@ -3960,7 +3972,7 @@
     </p:spTree>
     <p:extLst>
       <p:ext uri="{BB962C8B-B14F-4D97-AF65-F5344CB8AC3E}">
-        <p14:creationId xmlns:p14="http://schemas.microsoft.com/office/powerpoint/2010/main" val="3800317879"/>
+        <p14:creationId xmlns:p14="http://schemas.microsoft.com/office/powerpoint/2010/main" val="745616097"/>
       </p:ext>
     </p:extLst>
   </p:cSld>
@@ -4016,11 +4028,281 @@
           <a:p>
             <a:r>
               <a:rPr lang="en-US" altLang="zh-CN" dirty="0" smtClean="0"/>
-              <a:t>you can use the two models at the same </a:t>
-            </a:r>
-            <a:r>
-              <a:rPr lang="en-US" altLang="zh-CN" dirty="0" smtClean="0"/>
-              <a:t>time, it’s very convenient and flexible.</a:t>
+              <a:t>in </a:t>
+            </a:r>
+            <a:r>
+              <a:rPr lang="en-US" altLang="zh-CN" dirty="0" err="1" smtClean="0"/>
+              <a:t>c++</a:t>
+            </a:r>
+            <a:r>
+              <a:rPr lang="en-US" altLang="zh-CN" dirty="0" smtClean="0"/>
+              <a:t>14 you can use this </a:t>
+            </a:r>
+            <a:r>
+              <a:rPr lang="en-US" altLang="zh-CN" dirty="0" err="1" smtClean="0"/>
+              <a:t>void_t</a:t>
+            </a:r>
+            <a:r>
+              <a:rPr lang="en-US" altLang="zh-CN" dirty="0" smtClean="0"/>
+              <a:t> like </a:t>
+            </a:r>
+            <a:r>
+              <a:rPr lang="en-US" altLang="zh-CN" dirty="0" err="1" smtClean="0"/>
+              <a:t>c++</a:t>
+            </a:r>
+            <a:r>
+              <a:rPr lang="en-US" altLang="zh-CN" dirty="0" smtClean="0"/>
+              <a:t>17.</a:t>
+            </a:r>
+          </a:p>
+          <a:p>
+            <a:r>
+              <a:rPr lang="en-US" altLang="zh-CN" dirty="0" smtClean="0"/>
+              <a:t>Pay attention, this </a:t>
+            </a:r>
+            <a:r>
+              <a:rPr lang="en-US" altLang="zh-CN" dirty="0" err="1" smtClean="0"/>
+              <a:t>void_t</a:t>
+            </a:r>
+            <a:r>
+              <a:rPr lang="en-US" altLang="zh-CN" dirty="0" smtClean="0"/>
+              <a:t> is just fit for </a:t>
+            </a:r>
+            <a:r>
+              <a:rPr lang="en-US" altLang="zh-CN" dirty="0" err="1" smtClean="0"/>
+              <a:t>c++</a:t>
+            </a:r>
+            <a:r>
+              <a:rPr lang="en-US" altLang="zh-CN" dirty="0" smtClean="0"/>
+              <a:t>14, not</a:t>
+            </a:r>
+            <a:r>
+              <a:rPr lang="en-US" altLang="zh-CN" baseline="0" dirty="0" smtClean="0"/>
+              <a:t>  </a:t>
+            </a:r>
+            <a:r>
+              <a:rPr lang="en-US" altLang="zh-CN" baseline="0" dirty="0" err="1" smtClean="0"/>
+              <a:t>c++</a:t>
+            </a:r>
+            <a:r>
+              <a:rPr lang="en-US" altLang="zh-CN" baseline="0" dirty="0" smtClean="0"/>
+              <a:t>11.</a:t>
+            </a:r>
+          </a:p>
+          <a:p>
+            <a:r>
+              <a:rPr lang="en-US" altLang="zh-CN" dirty="0" smtClean="0"/>
+              <a:t>Until C++14 unused parameters in alias templates were not guaranteed to ensure SFINAE and could be ignored.</a:t>
+            </a:r>
+            <a:endParaRPr lang="zh-CN" altLang="en-US" dirty="0"/>
+          </a:p>
+        </p:txBody>
+      </p:sp>
+      <p:sp>
+        <p:nvSpPr>
+          <p:cNvPr id="4" name="灯片编号占位符 3"/>
+          <p:cNvSpPr>
+            <a:spLocks noGrp="1"/>
+          </p:cNvSpPr>
+          <p:nvPr>
+            <p:ph type="sldNum" sz="quarter" idx="10"/>
+          </p:nvPr>
+        </p:nvSpPr>
+        <p:spPr/>
+        <p:txBody>
+          <a:bodyPr/>
+          <a:lstStyle/>
+          <a:p>
+            <a:fld id="{D907BE37-B124-4F9F-8F7E-44B90AC375A6}" type="slidenum">
+              <a:rPr lang="zh-CN" altLang="en-US" smtClean="0"/>
+              <a:pPr/>
+              <a:t>34</a:t>
+            </a:fld>
+            <a:endParaRPr lang="zh-CN" altLang="en-US"/>
+          </a:p>
+        </p:txBody>
+      </p:sp>
+    </p:spTree>
+    <p:extLst>
+      <p:ext uri="{BB962C8B-B14F-4D97-AF65-F5344CB8AC3E}">
+        <p14:creationId xmlns:p14="http://schemas.microsoft.com/office/powerpoint/2010/main" val="1161929155"/>
+      </p:ext>
+    </p:extLst>
+  </p:cSld>
+  <p:clrMapOvr>
+    <a:masterClrMapping/>
+  </p:clrMapOvr>
+</p:notes>
+</file>
+
+<file path=ppt/notesSlides/notesSlide35.xml><?xml version="1.0" encoding="utf-8"?>
+<p:notes xmlns:a="http://schemas.openxmlformats.org/drawingml/2006/main" xmlns:r="http://schemas.openxmlformats.org/officeDocument/2006/relationships" xmlns:p="http://schemas.openxmlformats.org/presentationml/2006/main">
+  <p:cSld>
+    <p:spTree>
+      <p:nvGrpSpPr>
+        <p:cNvPr id="1" name=""/>
+        <p:cNvGrpSpPr/>
+        <p:nvPr/>
+      </p:nvGrpSpPr>
+      <p:grpSpPr>
+        <a:xfrm>
+          <a:off x="0" y="0"/>
+          <a:ext cx="0" cy="0"/>
+          <a:chOff x="0" y="0"/>
+          <a:chExt cx="0" cy="0"/>
+        </a:xfrm>
+      </p:grpSpPr>
+      <p:sp>
+        <p:nvSpPr>
+          <p:cNvPr id="2" name="幻灯片图像占位符 1"/>
+          <p:cNvSpPr>
+            <a:spLocks noGrp="1" noRot="1" noChangeAspect="1"/>
+          </p:cNvSpPr>
+          <p:nvPr>
+            <p:ph type="sldImg"/>
+          </p:nvPr>
+        </p:nvSpPr>
+        <p:spPr/>
+      </p:sp>
+      <p:sp>
+        <p:nvSpPr>
+          <p:cNvPr id="3" name="备注占位符 2"/>
+          <p:cNvSpPr>
+            <a:spLocks noGrp="1"/>
+          </p:cNvSpPr>
+          <p:nvPr>
+            <p:ph type="body" idx="1"/>
+          </p:nvPr>
+        </p:nvSpPr>
+        <p:spPr/>
+        <p:txBody>
+          <a:bodyPr/>
+          <a:lstStyle/>
+          <a:p>
+            <a:r>
+              <a:rPr lang="en-US" altLang="zh-CN" dirty="0" smtClean="0"/>
+              <a:t>RPC is a special pub/sub, for RPC, the publisher and the subscriber are the same one.</a:t>
+            </a:r>
+          </a:p>
+          <a:p>
+            <a:r>
+              <a:rPr lang="en-US" altLang="zh-CN" dirty="0" smtClean="0"/>
+              <a:t>pub/sub is a special RPC, the requester and the </a:t>
+            </a:r>
+            <a:r>
+              <a:rPr lang="en-US" altLang="zh-CN" dirty="0" err="1" smtClean="0"/>
+              <a:t>responser</a:t>
+            </a:r>
+            <a:r>
+              <a:rPr lang="en-US" altLang="zh-CN" dirty="0" smtClean="0"/>
+              <a:t> are the same one.</a:t>
+            </a:r>
+          </a:p>
+          <a:p>
+            <a:r>
+              <a:rPr lang="en-US" altLang="zh-CN" dirty="0" smtClean="0"/>
+              <a:t>So we not</a:t>
+            </a:r>
+            <a:r>
+              <a:rPr lang="en-US" altLang="zh-CN" baseline="0" dirty="0" smtClean="0"/>
+              <a:t> only support RPC but also support pub/sub. you know the two models are very common, </a:t>
+            </a:r>
+            <a:r>
+              <a:rPr lang="en-US" altLang="zh-CN" baseline="0" dirty="0" err="1" smtClean="0"/>
+              <a:t>rest_rpc</a:t>
+            </a:r>
+            <a:r>
+              <a:rPr lang="en-US" altLang="zh-CN" baseline="0" dirty="0" smtClean="0"/>
+              <a:t> mixed the two models, you can use the two models freely. for example.</a:t>
+            </a:r>
+            <a:endParaRPr lang="zh-CN" altLang="en-US" dirty="0"/>
+          </a:p>
+        </p:txBody>
+      </p:sp>
+      <p:sp>
+        <p:nvSpPr>
+          <p:cNvPr id="4" name="灯片编号占位符 3"/>
+          <p:cNvSpPr>
+            <a:spLocks noGrp="1"/>
+          </p:cNvSpPr>
+          <p:nvPr>
+            <p:ph type="sldNum" sz="quarter" idx="10"/>
+          </p:nvPr>
+        </p:nvSpPr>
+        <p:spPr/>
+        <p:txBody>
+          <a:bodyPr/>
+          <a:lstStyle/>
+          <a:p>
+            <a:fld id="{D907BE37-B124-4F9F-8F7E-44B90AC375A6}" type="slidenum">
+              <a:rPr lang="zh-CN" altLang="en-US" smtClean="0"/>
+              <a:pPr/>
+              <a:t>35</a:t>
+            </a:fld>
+            <a:endParaRPr lang="zh-CN" altLang="en-US"/>
+          </a:p>
+        </p:txBody>
+      </p:sp>
+    </p:spTree>
+    <p:extLst>
+      <p:ext uri="{BB962C8B-B14F-4D97-AF65-F5344CB8AC3E}">
+        <p14:creationId xmlns:p14="http://schemas.microsoft.com/office/powerpoint/2010/main" val="3800317879"/>
+      </p:ext>
+    </p:extLst>
+  </p:cSld>
+  <p:clrMapOvr>
+    <a:masterClrMapping/>
+  </p:clrMapOvr>
+</p:notes>
+</file>
+
+<file path=ppt/notesSlides/notesSlide36.xml><?xml version="1.0" encoding="utf-8"?>
+<p:notes xmlns:a="http://schemas.openxmlformats.org/drawingml/2006/main" xmlns:r="http://schemas.openxmlformats.org/officeDocument/2006/relationships" xmlns:p="http://schemas.openxmlformats.org/presentationml/2006/main">
+  <p:cSld>
+    <p:spTree>
+      <p:nvGrpSpPr>
+        <p:cNvPr id="1" name=""/>
+        <p:cNvGrpSpPr/>
+        <p:nvPr/>
+      </p:nvGrpSpPr>
+      <p:grpSpPr>
+        <a:xfrm>
+          <a:off x="0" y="0"/>
+          <a:ext cx="0" cy="0"/>
+          <a:chOff x="0" y="0"/>
+          <a:chExt cx="0" cy="0"/>
+        </a:xfrm>
+      </p:grpSpPr>
+      <p:sp>
+        <p:nvSpPr>
+          <p:cNvPr id="2" name="幻灯片图像占位符 1"/>
+          <p:cNvSpPr>
+            <a:spLocks noGrp="1" noRot="1" noChangeAspect="1"/>
+          </p:cNvSpPr>
+          <p:nvPr>
+            <p:ph type="sldImg"/>
+          </p:nvPr>
+        </p:nvSpPr>
+        <p:spPr/>
+      </p:sp>
+      <p:sp>
+        <p:nvSpPr>
+          <p:cNvPr id="3" name="备注占位符 2"/>
+          <p:cNvSpPr>
+            <a:spLocks noGrp="1"/>
+          </p:cNvSpPr>
+          <p:nvPr>
+            <p:ph type="body" idx="1"/>
+          </p:nvPr>
+        </p:nvSpPr>
+        <p:spPr/>
+        <p:txBody>
+          <a:bodyPr/>
+          <a:lstStyle/>
+          <a:p>
+            <a:r>
+              <a:rPr lang="en-US" altLang="zh-CN" dirty="0" smtClean="0"/>
+              <a:t>you can use the two models at the same time, it’s very convenient and flexible.</a:t>
             </a:r>
             <a:endParaRPr lang="zh-CN" altLang="en-US" dirty="0"/>
           </a:p>
@@ -4107,6 +4389,44 @@
           <a:bodyPr/>
           <a:lstStyle/>
           <a:p>
+            <a:r>
+              <a:rPr lang="en-US" altLang="zh-CN" dirty="0" smtClean="0"/>
+              <a:t>This picture shows some details of a complete RPC call</a:t>
+            </a:r>
+            <a:r>
+              <a:rPr lang="en-US" altLang="zh-CN" baseline="0" dirty="0" smtClean="0"/>
+              <a:t> process. Firstly, the client send a RPC request which contains procedure name and arguments to the server. Secondly the server parses the request and routes to the right procedure, and then executes the procedure, at last return the result to the client.</a:t>
+            </a:r>
+          </a:p>
+          <a:p>
+            <a:r>
+              <a:rPr lang="en-US" altLang="zh-CN" dirty="0" smtClean="0"/>
+              <a:t>I think most people got the perceptual knowledge of</a:t>
+            </a:r>
+            <a:r>
+              <a:rPr lang="en-US" altLang="zh-CN" baseline="0" dirty="0" smtClean="0"/>
+              <a:t> RPC. Next </a:t>
+            </a:r>
+            <a:r>
+              <a:rPr lang="en-US" altLang="zh-CN" baseline="0" dirty="0" err="1" smtClean="0"/>
+              <a:t>i</a:t>
+            </a:r>
+            <a:r>
+              <a:rPr lang="en-US" altLang="zh-CN" baseline="0" dirty="0" smtClean="0"/>
+              <a:t> will introduce a concrete RPC library </a:t>
+            </a:r>
+            <a:r>
+              <a:rPr lang="en-US" altLang="zh-CN" baseline="0" dirty="0" err="1" smtClean="0"/>
+              <a:t>rest_rpc</a:t>
+            </a:r>
+            <a:r>
+              <a:rPr lang="en-US" altLang="zh-CN" baseline="0" dirty="0" smtClean="0"/>
+              <a:t>. </a:t>
+            </a:r>
+            <a:r>
+              <a:rPr lang="en-US" altLang="zh-CN" dirty="0" smtClean="0"/>
+              <a:t> I will discuss the challenges and technical details of how to implement an easy to use RPC library.</a:t>
+            </a:r>
             <a:endParaRPr lang="zh-CN" altLang="en-US" dirty="0"/>
           </a:p>
         </p:txBody>
@@ -4129,7 +4449,7 @@
             <a:fld id="{D907BE37-B124-4F9F-8F7E-44B90AC375A6}" type="slidenum">
               <a:rPr lang="zh-CN" altLang="en-US" smtClean="0"/>
               <a:pPr/>
-              <a:t>5</a:t>
+              <a:t>4</a:t>
             </a:fld>
             <a:endParaRPr lang="zh-CN" altLang="en-US"/>
           </a:p>
@@ -4138,7 +4458,7 @@
     </p:spTree>
     <p:extLst>
       <p:ext uri="{BB962C8B-B14F-4D97-AF65-F5344CB8AC3E}">
-        <p14:creationId xmlns:p14="http://schemas.microsoft.com/office/powerpoint/2010/main" val="2825481086"/>
+        <p14:creationId xmlns:p14="http://schemas.microsoft.com/office/powerpoint/2010/main" val="3060072042"/>
       </p:ext>
     </p:extLst>
   </p:cSld>
@@ -4192,46 +4512,6 @@
           <a:bodyPr/>
           <a:lstStyle/>
           <a:p>
-            <a:r>
-              <a:rPr lang="en-US" altLang="zh-CN" dirty="0" smtClean="0"/>
-              <a:t>The compelling value proposition of the </a:t>
-            </a:r>
-            <a:r>
-              <a:rPr lang="en-US" altLang="zh-CN" dirty="0" err="1" smtClean="0"/>
-              <a:t>rest_rpc</a:t>
-            </a:r>
-            <a:r>
-              <a:rPr lang="en-US" altLang="zh-CN" dirty="0" smtClean="0"/>
-              <a:t> library is its focus on business logic and simplifying the calling code. Callers spend no time on networking details or data packing and unpacking. </a:t>
-            </a:r>
-          </a:p>
-          <a:p>
-            <a:r>
-              <a:rPr lang="en-US" altLang="zh-CN" dirty="0" smtClean="0"/>
-              <a:t>Here are features of </a:t>
-            </a:r>
-            <a:r>
-              <a:rPr lang="en-US" altLang="zh-CN" dirty="0" err="1" smtClean="0"/>
-              <a:t>rest_rpc</a:t>
-            </a:r>
-            <a:r>
-              <a:rPr lang="en-US" altLang="zh-CN" dirty="0" smtClean="0"/>
-              <a:t>.</a:t>
-            </a:r>
-          </a:p>
-          <a:p>
-            <a:r>
-              <a:rPr lang="en-US" altLang="zh-CN" dirty="0" smtClean="0"/>
-              <a:t>I’ll show you some examples about </a:t>
-            </a:r>
-            <a:r>
-              <a:rPr lang="en-US" altLang="zh-CN" dirty="0" err="1" smtClean="0"/>
-              <a:t>rest_rpc</a:t>
-            </a:r>
-            <a:r>
-              <a:rPr lang="en-US" altLang="zh-CN" dirty="0" smtClean="0"/>
-              <a:t> include client and server code.</a:t>
-            </a:r>
             <a:endParaRPr lang="zh-CN" altLang="en-US" dirty="0"/>
           </a:p>
         </p:txBody>
@@ -4254,7 +4534,7 @@
             <a:fld id="{D907BE37-B124-4F9F-8F7E-44B90AC375A6}" type="slidenum">
               <a:rPr lang="zh-CN" altLang="en-US" smtClean="0"/>
               <a:pPr/>
-              <a:t>6</a:t>
+              <a:t>5</a:t>
             </a:fld>
             <a:endParaRPr lang="zh-CN" altLang="en-US"/>
           </a:p>
@@ -4263,7 +4543,7 @@
     </p:spTree>
     <p:extLst>
       <p:ext uri="{BB962C8B-B14F-4D97-AF65-F5344CB8AC3E}">
-        <p14:creationId xmlns:p14="http://schemas.microsoft.com/office/powerpoint/2010/main" val="2622517424"/>
+        <p14:creationId xmlns:p14="http://schemas.microsoft.com/office/powerpoint/2010/main" val="2825481086"/>
       </p:ext>
     </p:extLst>
   </p:cSld>
@@ -4319,33 +4599,7 @@
           <a:p>
             <a:r>
               <a:rPr lang="en-US" altLang="zh-CN" dirty="0" smtClean="0"/>
-              <a:t>Firstly you need define a micro</a:t>
-            </a:r>
-            <a:r>
-              <a:rPr lang="en-US" altLang="zh-CN" baseline="0" dirty="0" smtClean="0"/>
-              <a:t> contains service name, arguments types and return type. Secondly determine the serialization type, contains </a:t>
-            </a:r>
-            <a:r>
-              <a:rPr lang="en-US" altLang="zh-CN" baseline="0" dirty="0" err="1" smtClean="0"/>
-              <a:t>json</a:t>
-            </a:r>
-            <a:r>
-              <a:rPr lang="en-US" altLang="zh-CN" baseline="0" dirty="0" smtClean="0"/>
-              <a:t>, xml and </a:t>
-            </a:r>
-            <a:r>
-              <a:rPr lang="en-US" altLang="zh-CN" baseline="0" dirty="0" err="1" smtClean="0"/>
-              <a:t>msgpack</a:t>
-            </a:r>
-            <a:r>
-              <a:rPr lang="en-US" altLang="zh-CN" baseline="0" dirty="0" smtClean="0"/>
-              <a:t> format. finally call directly just like local call.</a:t>
-            </a:r>
-          </a:p>
-          <a:p>
-            <a:r>
-              <a:rPr lang="en-US" altLang="zh-CN" dirty="0" smtClean="0"/>
-              <a:t>So you just need five lines code to finish the client RPC call. it’s very simple. </a:t>
+              <a:t>The compelling value proposition of the </a:t>
             </a:r>
             <a:r>
               <a:rPr lang="en-US" altLang="zh-CN" dirty="0" err="1" smtClean="0"/>
@@ -4353,39 +4607,35 @@
             </a:r>
             <a:r>
               <a:rPr lang="en-US" altLang="zh-CN" dirty="0" smtClean="0"/>
-              <a:t> of course support </a:t>
+              <a:t> library is its focus on business logic and simplifying the calling code. Callers spend no time on networking details or data packing and unpacking. </a:t>
+            </a:r>
+          </a:p>
+          <a:p>
+            <a:r>
+              <a:rPr lang="en-US" altLang="zh-CN" dirty="0" smtClean="0"/>
+              <a:t>Here are features of </a:t>
             </a:r>
             <a:r>
               <a:rPr lang="en-US" altLang="zh-CN" dirty="0" err="1" smtClean="0"/>
-              <a:t>async</a:t>
-            </a:r>
-            <a:r>
-              <a:rPr lang="en-US" altLang="zh-CN" dirty="0" smtClean="0"/>
-              <a:t> call. Let’s look at the server code.</a:t>
-            </a:r>
-          </a:p>
-          <a:p>
-            <a:r>
-              <a:rPr lang="en-US" altLang="zh-CN" dirty="0" smtClean="0"/>
-              <a:t>about the serialization I used a serialization engine iguana which is based on compile time reflection. I won’t talk about it this time, if you have interesting please look at my</a:t>
-            </a:r>
-            <a:r>
-              <a:rPr lang="en-US" altLang="zh-CN" baseline="0" dirty="0" smtClean="0"/>
-              <a:t> </a:t>
-            </a:r>
-            <a:r>
-              <a:rPr lang="en-US" altLang="zh-CN" baseline="0" dirty="0" err="1" smtClean="0"/>
-              <a:t>github</a:t>
-            </a:r>
-            <a:r>
-              <a:rPr lang="en-US" altLang="zh-CN" baseline="0" dirty="0" smtClean="0"/>
+              <a:t>rest_rpc</a:t>
+            </a:r>
+            <a:r>
+              <a:rPr lang="en-US" altLang="zh-CN" dirty="0" smtClean="0"/>
               <a:t>.</a:t>
             </a:r>
           </a:p>
           <a:p>
             <a:r>
               <a:rPr lang="en-US" altLang="zh-CN" dirty="0" smtClean="0"/>
-              <a:t>about the micro I will talk about it later.</a:t>
+              <a:t>I’ll show you some examples about </a:t>
+            </a:r>
+            <a:r>
+              <a:rPr lang="en-US" altLang="zh-CN" dirty="0" err="1" smtClean="0"/>
+              <a:t>rest_rpc</a:t>
+            </a:r>
+            <a:r>
+              <a:rPr lang="en-US" altLang="zh-CN" dirty="0" smtClean="0"/>
+              <a:t> include client and server code.</a:t>
             </a:r>
             <a:endParaRPr lang="zh-CN" altLang="en-US" dirty="0"/>
           </a:p>
@@ -4409,7 +4659,7 @@
             <a:fld id="{D907BE37-B124-4F9F-8F7E-44B90AC375A6}" type="slidenum">
               <a:rPr lang="zh-CN" altLang="en-US" smtClean="0"/>
               <a:pPr/>
-              <a:t>7</a:t>
+              <a:t>6</a:t>
             </a:fld>
             <a:endParaRPr lang="zh-CN" altLang="en-US"/>
           </a:p>
@@ -4418,7 +4668,7 @@
     </p:spTree>
     <p:extLst>
       <p:ext uri="{BB962C8B-B14F-4D97-AF65-F5344CB8AC3E}">
-        <p14:creationId xmlns:p14="http://schemas.microsoft.com/office/powerpoint/2010/main" val="2266943595"/>
+        <p14:creationId xmlns:p14="http://schemas.microsoft.com/office/powerpoint/2010/main" val="2622517424"/>
       </p:ext>
     </p:extLst>
   </p:cSld>
@@ -4474,47 +4724,33 @@
           <a:p>
             <a:r>
               <a:rPr lang="en-US" altLang="zh-CN" dirty="0" smtClean="0"/>
-              <a:t>The server side code is also very simple, firstly define the serialization type, for example </a:t>
-            </a:r>
-            <a:r>
-              <a:rPr lang="en-US" altLang="zh-CN" dirty="0" err="1" smtClean="0"/>
+              <a:t>Firstly you need define a micro</a:t>
+            </a:r>
+            <a:r>
+              <a:rPr lang="en-US" altLang="zh-CN" baseline="0" dirty="0" smtClean="0"/>
+              <a:t> contains service name, arguments types and return type. Secondly determine the serialization type, contains </a:t>
+            </a:r>
+            <a:r>
+              <a:rPr lang="en-US" altLang="zh-CN" baseline="0" dirty="0" err="1" smtClean="0"/>
               <a:t>json</a:t>
             </a:r>
             <a:r>
-              <a:rPr lang="en-US" altLang="zh-CN" dirty="0" smtClean="0"/>
-              <a:t>, xml, </a:t>
-            </a:r>
-            <a:r>
-              <a:rPr lang="en-US" altLang="zh-CN" dirty="0" err="1" smtClean="0"/>
+              <a:rPr lang="en-US" altLang="zh-CN" baseline="0" dirty="0" smtClean="0"/>
+              <a:t>, xml and </a:t>
+            </a:r>
+            <a:r>
+              <a:rPr lang="en-US" altLang="zh-CN" baseline="0" dirty="0" err="1" smtClean="0"/>
               <a:t>msgpack</a:t>
             </a:r>
             <a:r>
-              <a:rPr lang="en-US" altLang="zh-CN" dirty="0" smtClean="0"/>
-              <a:t> formats, Secondly register business logic handler, and then you have provided a RPC service-add.</a:t>
-            </a:r>
-          </a:p>
-          <a:p>
-            <a:r>
-              <a:rPr lang="en-US" altLang="zh-CN" dirty="0" smtClean="0"/>
-              <a:t>the </a:t>
-            </a:r>
-            <a:r>
-              <a:rPr lang="en-US" altLang="zh-CN" dirty="0" err="1" smtClean="0"/>
-              <a:t>register_handler</a:t>
-            </a:r>
-            <a:r>
-              <a:rPr lang="en-US" altLang="zh-CN" dirty="0" smtClean="0"/>
-              <a:t> interface is very flexible, support callable, you can register free function, lambda, member</a:t>
-            </a:r>
-            <a:r>
               <a:rPr lang="en-US" altLang="zh-CN" baseline="0" dirty="0" smtClean="0"/>
-              <a:t> function, function object and so on.</a:t>
-            </a:r>
-          </a:p>
-          <a:p>
-            <a:r>
-              <a:rPr lang="en-US" altLang="zh-CN" dirty="0" smtClean="0"/>
-              <a:t>From the example you can find both the client and the server need do very little things. the server just need register the business logic handler, and the client just need call with arguments.in a word the user just need focus on business, and needn’t care about anything else. So you can rapidly develop your application, this embodies the compelling value proposition of the </a:t>
+              <a:t> format. finally call directly just like local call.</a:t>
+            </a:r>
+          </a:p>
+          <a:p>
+            <a:r>
+              <a:rPr lang="en-US" altLang="zh-CN" dirty="0" smtClean="0"/>
+              <a:t>So you just need five lines code to finish the client RPC call. it’s very simple. </a:t>
             </a:r>
             <a:r>
               <a:rPr lang="en-US" altLang="zh-CN" dirty="0" err="1" smtClean="0"/>
@@ -4522,23 +4758,41 @@
             </a:r>
             <a:r>
               <a:rPr lang="en-US" altLang="zh-CN" dirty="0" smtClean="0"/>
-              <a:t> , focus on business logic and simplifying the calling code.</a:t>
-            </a:r>
-          </a:p>
-          <a:p>
-            <a:r>
-              <a:rPr lang="en-US" altLang="zh-CN" dirty="0" smtClean="0"/>
-              <a:t>Is it easy to use? You have to solve some problems to achieve easy to use goal. I’m glad to</a:t>
-            </a:r>
-            <a:r>
-              <a:rPr lang="zh-CN" altLang="en-US" baseline="0" dirty="0" smtClean="0"/>
+              <a:t> of course support </a:t>
+            </a:r>
+            <a:r>
+              <a:rPr lang="en-US" altLang="zh-CN" dirty="0" err="1" smtClean="0"/>
+              <a:t>async</a:t>
+            </a:r>
+            <a:r>
+              <a:rPr lang="en-US" altLang="zh-CN" dirty="0" smtClean="0"/>
+              <a:t> call. Let’s look at the server code.</a:t>
+            </a:r>
+          </a:p>
+          <a:p>
+            <a:r>
+              <a:rPr lang="en-US" altLang="zh-CN" dirty="0" smtClean="0"/>
+              <a:t>about the serialization I used a serialization engine iguana which is based on compile time reflection. I won’t talk about it this time, if you have interesting please look at my</a:t>
+            </a:r>
+            <a:r>
+              <a:rPr lang="en-US" altLang="zh-CN" baseline="0" dirty="0" smtClean="0"/>
               <a:t> </a:t>
             </a:r>
             <a:r>
+              <a:rPr lang="en-US" altLang="zh-CN" baseline="0" dirty="0" err="1" smtClean="0"/>
+              <a:t>github</a:t>
+            </a:r>
+            <a:r>
               <a:rPr lang="en-US" altLang="zh-CN" baseline="0" dirty="0" smtClean="0"/>
-              <a:t>discuss how to archive the goal.</a:t>
-            </a:r>
-            <a:endParaRPr lang="en-US" altLang="zh-CN" dirty="0" smtClean="0"/>
+              <a:t>.</a:t>
+            </a:r>
+          </a:p>
+          <a:p>
+            <a:r>
+              <a:rPr lang="en-US" altLang="zh-CN" dirty="0" smtClean="0"/>
+              <a:t>about the micro I will talk about it later.</a:t>
+            </a:r>
+            <a:endParaRPr lang="zh-CN" altLang="en-US" dirty="0"/>
           </a:p>
         </p:txBody>
       </p:sp>
@@ -4560,7 +4814,7 @@
             <a:fld id="{D907BE37-B124-4F9F-8F7E-44B90AC375A6}" type="slidenum">
               <a:rPr lang="zh-CN" altLang="en-US" smtClean="0"/>
               <a:pPr/>
-              <a:t>8</a:t>
+              <a:t>7</a:t>
             </a:fld>
             <a:endParaRPr lang="zh-CN" altLang="en-US"/>
           </a:p>
@@ -4569,7 +4823,7 @@
     </p:spTree>
     <p:extLst>
       <p:ext uri="{BB962C8B-B14F-4D97-AF65-F5344CB8AC3E}">
-        <p14:creationId xmlns:p14="http://schemas.microsoft.com/office/powerpoint/2010/main" val="2996781113"/>
+        <p14:creationId xmlns:p14="http://schemas.microsoft.com/office/powerpoint/2010/main" val="2266943595"/>
       </p:ext>
     </p:extLst>
   </p:cSld>
@@ -4623,7 +4877,73 @@
           <a:bodyPr/>
           <a:lstStyle/>
           <a:p>
-            <a:endParaRPr lang="zh-CN" altLang="en-US" dirty="0"/>
+            <a:r>
+              <a:rPr lang="en-US" altLang="zh-CN" dirty="0" smtClean="0"/>
+              <a:t>The server side code is also very simple, firstly define the serialization type, for example </a:t>
+            </a:r>
+            <a:r>
+              <a:rPr lang="en-US" altLang="zh-CN" dirty="0" err="1" smtClean="0"/>
+              <a:t>json</a:t>
+            </a:r>
+            <a:r>
+              <a:rPr lang="en-US" altLang="zh-CN" dirty="0" smtClean="0"/>
+              <a:t>, xml, </a:t>
+            </a:r>
+            <a:r>
+              <a:rPr lang="en-US" altLang="zh-CN" dirty="0" err="1" smtClean="0"/>
+              <a:t>msgpack</a:t>
+            </a:r>
+            <a:r>
+              <a:rPr lang="en-US" altLang="zh-CN" dirty="0" smtClean="0"/>
+              <a:t> formats, Secondly register business logic handler, and then you have provided a RPC service-add.</a:t>
+            </a:r>
+          </a:p>
+          <a:p>
+            <a:r>
+              <a:rPr lang="en-US" altLang="zh-CN" dirty="0" smtClean="0"/>
+              <a:t>the </a:t>
+            </a:r>
+            <a:r>
+              <a:rPr lang="en-US" altLang="zh-CN" dirty="0" err="1" smtClean="0"/>
+              <a:t>register_handler</a:t>
+            </a:r>
+            <a:r>
+              <a:rPr lang="en-US" altLang="zh-CN" dirty="0" smtClean="0"/>
+              <a:t> interface is very flexible, support callable, you can register free function, lambda, member</a:t>
+            </a:r>
+            <a:r>
+              <a:rPr lang="en-US" altLang="zh-CN" baseline="0" dirty="0" smtClean="0"/>
+              <a:t> function, function object and so on.</a:t>
+            </a:r>
+          </a:p>
+          <a:p>
+            <a:r>
+              <a:rPr lang="en-US" altLang="zh-CN" dirty="0" smtClean="0"/>
+              <a:t>From the example you can find both the client and the server need do very little things. the server just need register the business logic handler, and the client just need call with arguments.in a word the user just need focus on business, and needn’t care about anything else. So you can rapidly develop your application, this embodies the compelling value proposition of the </a:t>
+            </a:r>
+            <a:r>
+              <a:rPr lang="en-US" altLang="zh-CN" dirty="0" err="1" smtClean="0"/>
+              <a:t>rest_rpc</a:t>
+            </a:r>
+            <a:r>
+              <a:rPr lang="en-US" altLang="zh-CN" dirty="0" smtClean="0"/>
+              <a:t> , focus on business logic and simplifying the calling code.</a:t>
+            </a:r>
+          </a:p>
+          <a:p>
+            <a:r>
+              <a:rPr lang="en-US" altLang="zh-CN" dirty="0" smtClean="0"/>
+              <a:t>Is it easy to use? You have to solve some problems to achieve easy to use goal. I’m glad to</a:t>
+            </a:r>
+            <a:r>
+              <a:rPr lang="zh-CN" altLang="en-US" baseline="0" dirty="0" smtClean="0"/>
+              <a:t> </a:t>
+            </a:r>
+            <a:r>
+              <a:rPr lang="en-US" altLang="zh-CN" baseline="0" dirty="0" smtClean="0"/>
+              <a:t>discuss how to archive the goal.</a:t>
+            </a:r>
+            <a:endParaRPr lang="en-US" altLang="zh-CN" dirty="0" smtClean="0"/>
           </a:p>
         </p:txBody>
       </p:sp>
@@ -4645,7 +4965,7 @@
             <a:fld id="{D907BE37-B124-4F9F-8F7E-44B90AC375A6}" type="slidenum">
               <a:rPr lang="zh-CN" altLang="en-US" smtClean="0"/>
               <a:pPr/>
-              <a:t>9</a:t>
+              <a:t>8</a:t>
             </a:fld>
             <a:endParaRPr lang="zh-CN" altLang="en-US"/>
           </a:p>
@@ -4654,7 +4974,7 @@
     </p:spTree>
     <p:extLst>
       <p:ext uri="{BB962C8B-B14F-4D97-AF65-F5344CB8AC3E}">
-        <p14:creationId xmlns:p14="http://schemas.microsoft.com/office/powerpoint/2010/main" val="1601272899"/>
+        <p14:creationId xmlns:p14="http://schemas.microsoft.com/office/powerpoint/2010/main" val="2996781113"/>
       </p:ext>
     </p:extLst>
   </p:cSld>
@@ -4708,61 +5028,51 @@
           <a:bodyPr/>
           <a:lstStyle/>
           <a:p>
-            <a:r>
-              <a:rPr lang="en-US" altLang="zh-CN" dirty="0" smtClean="0"/>
-              <a:t>The sever code is very simple, because you can easily register callable of any signature with a simple interface </a:t>
-            </a:r>
-            <a:r>
-              <a:rPr lang="en-US" altLang="zh-CN" dirty="0" err="1" smtClean="0"/>
-              <a:t>register_handler</a:t>
-            </a:r>
-            <a:r>
-              <a:rPr lang="en-US" altLang="zh-CN" dirty="0" smtClean="0"/>
-              <a:t>. you know there is no such a container which can hold different kinds of signatures in </a:t>
-            </a:r>
-            <a:r>
-              <a:rPr lang="en-US" altLang="zh-CN" dirty="0" err="1" smtClean="0"/>
-              <a:t>c++</a:t>
-            </a:r>
-            <a:r>
-              <a:rPr lang="en-US" altLang="zh-CN" dirty="0" smtClean="0"/>
-              <a:t>.</a:t>
-            </a:r>
-          </a:p>
-          <a:p>
+            <a:pPr marL="0" marR="0" indent="0" algn="l" defTabSz="914400" rtl="0" eaLnBrk="1" fontAlgn="auto" latinLnBrk="0" hangingPunct="1">
+              <a:lnSpc>
+                <a:spcPct val="100000"/>
+              </a:lnSpc>
+              <a:spcBef>
+                <a:spcPts val="0"/>
+              </a:spcBef>
+              <a:spcAft>
+                <a:spcPts val="0"/>
+              </a:spcAft>
+              <a:buClrTx/>
+              <a:buSzTx/>
+              <a:buFontTx/>
+              <a:buNone/>
+              <a:tabLst/>
+              <a:defRPr/>
+            </a:pPr>
+            <a:r>
+              <a:rPr lang="en-US" altLang="zh-CN" dirty="0" smtClean="0"/>
+              <a:t>OK</a:t>
+            </a:r>
+            <a:r>
+              <a:rPr lang="zh-CN" altLang="en-US" baseline="0" dirty="0" smtClean="0"/>
+              <a:t> </a:t>
+            </a:r>
             <a:r>
               <a:rPr lang="en-US" altLang="zh-CN" baseline="0" dirty="0" smtClean="0"/>
-              <a:t>So how to </a:t>
-            </a:r>
-            <a:r>
-              <a:rPr lang="en-US" altLang="zh-CN" dirty="0" smtClean="0"/>
-              <a:t>register callable of any signature is the first challenge.</a:t>
-            </a:r>
-          </a:p>
-          <a:p>
-            <a:r>
-              <a:rPr lang="en-US" altLang="zh-CN" dirty="0" smtClean="0"/>
-              <a:t>The second challenge is how to route the correct handler, because the request format from the client is binary data, you need to parse the string and finish a function call. so how to transform string arguments to real arguments?</a:t>
-            </a:r>
-          </a:p>
-          <a:p>
-            <a:r>
-              <a:rPr lang="en-US" altLang="zh-CN" dirty="0" smtClean="0"/>
-              <a:t>The third challenge is simplify the call code, general, simple and powerful user interface is a challenge.</a:t>
-            </a:r>
-          </a:p>
-          <a:p>
-            <a:r>
-              <a:rPr lang="en-US" altLang="zh-CN" dirty="0" smtClean="0"/>
-              <a:t>the last challenge is hide the details of serialization and networking, let users  focus on the business logic.</a:t>
-            </a:r>
-          </a:p>
-          <a:p>
-            <a:r>
-              <a:rPr lang="en-US" altLang="zh-CN" dirty="0" smtClean="0"/>
-              <a:t>ok let’s discuss the challenges now.</a:t>
-            </a:r>
-            <a:endParaRPr lang="zh-CN" altLang="en-US" dirty="0"/>
+              <a:t>I will discuss the </a:t>
+            </a:r>
+            <a:r>
+              <a:rPr lang="en-US" altLang="zh-CN" sz="1200" baseline="0" dirty="0" smtClean="0">
+                <a:solidFill>
+                  <a:schemeClr val="accent5"/>
+                </a:solidFill>
+              </a:rPr>
+              <a:t>c</a:t>
+            </a:r>
+            <a:r>
+              <a:rPr lang="en-US" altLang="zh-CN" sz="1200" dirty="0" smtClean="0">
+                <a:solidFill>
+                  <a:schemeClr val="accent5"/>
+                </a:solidFill>
+              </a:rPr>
+              <a:t>hallenges of easy to use</a:t>
+            </a:r>
           </a:p>
         </p:txBody>
       </p:sp>
@@ -4784,7 +5094,7 @@
             <a:fld id="{D907BE37-B124-4F9F-8F7E-44B90AC375A6}" type="slidenum">
               <a:rPr lang="zh-CN" altLang="en-US" smtClean="0"/>
               <a:pPr/>
-              <a:t>10</a:t>
+              <a:t>9</a:t>
             </a:fld>
             <a:endParaRPr lang="zh-CN" altLang="en-US"/>
           </a:p>
@@ -4793,7 +5103,7 @@
     </p:spTree>
     <p:extLst>
       <p:ext uri="{BB962C8B-B14F-4D97-AF65-F5344CB8AC3E}">
-        <p14:creationId xmlns:p14="http://schemas.microsoft.com/office/powerpoint/2010/main" val="3584477793"/>
+        <p14:creationId xmlns:p14="http://schemas.microsoft.com/office/powerpoint/2010/main" val="1601272899"/>
       </p:ext>
     </p:extLst>
   </p:cSld>
@@ -8182,13 +8492,8 @@
             </a:pPr>
             <a:r>
               <a:rPr lang="en-US" altLang="zh-CN" dirty="0" smtClean="0"/>
-              <a:t>How to simplify the </a:t>
-            </a:r>
-            <a:r>
-              <a:rPr lang="en-US" altLang="zh-CN" smtClean="0"/>
-              <a:t>call code</a:t>
-            </a:r>
-            <a:endParaRPr lang="en-US" altLang="zh-CN" dirty="0" smtClean="0"/>
+              <a:t>How to simplify the call code</a:t>
+            </a:r>
           </a:p>
         </p:txBody>
       </p:sp>
@@ -8476,7 +8781,7 @@
         <p:spPr>
           <a:xfrm>
             <a:off x="5315461" y="1953237"/>
-            <a:ext cx="2956643" cy="738664"/>
+            <a:ext cx="2713884" cy="738664"/>
           </a:xfrm>
           <a:prstGeom prst="rect">
             <a:avLst/>
@@ -8517,7 +8822,23 @@
                   <a:srgbClr val="7030A0"/>
                 </a:solidFill>
               </a:rPr>
-              <a:t>in one same container</a:t>
+              <a:t>in </a:t>
+            </a:r>
+            <a:r>
+              <a:rPr lang="en-US" altLang="zh-CN" sz="2400" dirty="0" smtClean="0">
+                <a:solidFill>
+                  <a:srgbClr val="7030A0"/>
+                </a:solidFill>
+              </a:rPr>
+              <a:t>a same </a:t>
+            </a:r>
+            <a:r>
+              <a:rPr lang="en-US" altLang="zh-CN" sz="2400" dirty="0" smtClean="0">
+                <a:solidFill>
+                  <a:srgbClr val="7030A0"/>
+                </a:solidFill>
+              </a:rPr>
+              <a:t>container</a:t>
             </a:r>
             <a:endParaRPr lang="zh-CN" altLang="en-US" sz="2400" dirty="0">
               <a:solidFill>
@@ -10880,7 +11201,7 @@
         </p:nvSpPr>
         <p:spPr>
           <a:xfrm>
-            <a:off x="3237470" y="1614617"/>
+            <a:off x="3291260" y="1740127"/>
             <a:ext cx="978408" cy="197708"/>
           </a:xfrm>
           <a:prstGeom prst="rightArrow">
@@ -10923,7 +11244,7 @@
         </p:nvSpPr>
         <p:spPr>
           <a:xfrm>
-            <a:off x="4212857" y="1528805"/>
+            <a:off x="4266647" y="1627420"/>
             <a:ext cx="3139834" cy="369332"/>
           </a:xfrm>
           <a:prstGeom prst="rect">
@@ -11037,8 +11358,8 @@
         </p:nvSpPr>
         <p:spPr>
           <a:xfrm>
-            <a:off x="2183485" y="3606049"/>
-            <a:ext cx="1453006" cy="1477328"/>
+            <a:off x="2183484" y="3606049"/>
+            <a:ext cx="1698234" cy="1477328"/>
           </a:xfrm>
           <a:prstGeom prst="rect">
             <a:avLst/>
@@ -11058,19 +11379,19 @@
           </a:p>
           <a:p>
             <a:r>
-              <a:rPr lang="en-US" altLang="zh-CN" dirty="0" err="1" smtClean="0"/>
-              <a:t>parm</a:t>
-            </a:r>
-            <a:r>
-              <a:rPr lang="en-US" altLang="zh-CN" dirty="0" smtClean="0"/>
-              <a:t> type</a:t>
+              <a:rPr lang="en-US" altLang="zh-CN" dirty="0" smtClean="0"/>
+              <a:t>arguments </a:t>
+            </a:r>
+            <a:r>
+              <a:rPr lang="en-US" altLang="zh-CN" dirty="0" smtClean="0"/>
+              <a:t>type</a:t>
             </a:r>
             <a:endParaRPr lang="zh-CN" altLang="en-US" dirty="0"/>
           </a:p>
           <a:p>
             <a:r>
-              <a:rPr lang="en-US" altLang="zh-CN" dirty="0" err="1" smtClean="0"/>
-              <a:t>referrence</a:t>
+              <a:rPr lang="en-US" altLang="zh-CN" dirty="0" smtClean="0"/>
+              <a:t>reference</a:t>
             </a:r>
             <a:endParaRPr lang="zh-CN" altLang="en-US" dirty="0"/>
           </a:p>
@@ -12409,8 +12730,24 @@
               <a:t>std</a:t>
             </a:r>
             <a:r>
-              <a:rPr lang="en-US" altLang="zh-CN" dirty="0" smtClean="0"/>
-              <a:t>::bind(&amp;invoker&lt;Function&gt;::apply, f,  _1, _2) </a:t>
+              <a:rPr lang="en-US" altLang="zh-CN" dirty="0" smtClean="0">
+                <a:solidFill>
+                  <a:schemeClr val="tx1"/>
+                </a:solidFill>
+              </a:rPr>
+              <a:t>::bind(&amp;</a:t>
+            </a:r>
+            <a:r>
+              <a:rPr lang="en-US" altLang="zh-CN" dirty="0" smtClean="0">
+                <a:solidFill>
+                  <a:srgbClr val="FF0000"/>
+                </a:solidFill>
+              </a:rPr>
+              <a:t>invoker&lt;Function&gt;::apply</a:t>
+            </a:r>
+            <a:r>
+              <a:rPr lang="en-US" altLang="zh-CN" dirty="0" smtClean="0"/>
+              <a:t>, f,  _1, _2) </a:t>
             </a:r>
           </a:p>
           <a:p>
@@ -14326,12 +14663,16 @@
               <a:t>        </a:t>
             </a:r>
             <a:r>
-              <a:rPr lang="en-US" altLang="zh-CN" dirty="0" err="1" smtClean="0"/>
+              <a:rPr lang="en-US" altLang="zh-CN" b="1" dirty="0" err="1" smtClean="0"/>
               <a:t>std</a:t>
             </a:r>
             <a:r>
-              <a:rPr lang="en-US" altLang="zh-CN" dirty="0"/>
-              <a:t>::apply(</a:t>
+              <a:rPr lang="en-US" altLang="zh-CN" b="1" dirty="0"/>
+              <a:t>::apply</a:t>
+            </a:r>
+            <a:r>
+              <a:rPr lang="en-US" altLang="zh-CN" dirty="0"/>
+              <a:t>(</a:t>
             </a:r>
             <a:r>
               <a:rPr lang="en-US" altLang="zh-CN" dirty="0" err="1"/>
@@ -14564,8 +14905,8 @@
         </p:nvSpPr>
         <p:spPr>
           <a:xfrm>
-            <a:off x="3705700" y="2677220"/>
-            <a:ext cx="1460208" cy="369332"/>
+            <a:off x="3768455" y="2677220"/>
+            <a:ext cx="1489510" cy="369332"/>
           </a:xfrm>
           <a:prstGeom prst="rect">
             <a:avLst/>
@@ -14578,14 +14919,14 @@
           <a:lstStyle/>
           <a:p>
             <a:r>
-              <a:rPr lang="en-US" altLang="zh-CN" dirty="0"/>
+              <a:rPr lang="en-US" altLang="zh-CN" b="1" dirty="0"/>
               <a:t>//from C++</a:t>
             </a:r>
             <a:r>
-              <a:rPr lang="en-US" altLang="zh-CN" dirty="0" smtClean="0"/>
+              <a:rPr lang="en-US" altLang="zh-CN" b="1" dirty="0" smtClean="0"/>
               <a:t>17</a:t>
             </a:r>
-            <a:endParaRPr lang="zh-CN" altLang="en-US" dirty="0"/>
+            <a:endParaRPr lang="zh-CN" altLang="en-US" b="1" dirty="0"/>
           </a:p>
         </p:txBody>
       </p:sp>
@@ -18880,6 +19221,34 @@
           </a:p>
         </p:txBody>
       </p:sp>
+      <p:sp>
+        <p:nvSpPr>
+          <p:cNvPr id="5" name="矩形 4"/>
+          <p:cNvSpPr/>
+          <p:nvPr/>
+        </p:nvSpPr>
+        <p:spPr>
+          <a:xfrm>
+            <a:off x="1948364" y="6205219"/>
+            <a:ext cx="6051176" cy="369332"/>
+          </a:xfrm>
+          <a:prstGeom prst="rect">
+            <a:avLst/>
+          </a:prstGeom>
+        </p:spPr>
+        <p:txBody>
+          <a:bodyPr wrap="square">
+            <a:spAutoFit/>
+          </a:bodyPr>
+          <a:lstStyle/>
+          <a:p>
+            <a:r>
+              <a:rPr lang="zh-CN" altLang="en-US" dirty="0"/>
+              <a:t>https://github.com/qicosmos/cosmos/blob/master/router.hpp</a:t>
+            </a:r>
+          </a:p>
+        </p:txBody>
+      </p:sp>
     </p:spTree>
     <p:extLst>
       <p:ext uri="{BB962C8B-B14F-4D97-AF65-F5344CB8AC3E}">
@@ -18989,6 +19358,97 @@
                       </p:childTnLst>
                     </p:cTn>
                   </p:par>
+                  <p:par>
+                    <p:cTn id="9" fill="hold">
+                      <p:stCondLst>
+                        <p:cond delay="indefinite"/>
+                      </p:stCondLst>
+                      <p:childTnLst>
+                        <p:par>
+                          <p:cTn id="10" fill="hold">
+                            <p:stCondLst>
+                              <p:cond delay="0"/>
+                            </p:stCondLst>
+                            <p:childTnLst>
+                              <p:par>
+                                <p:cTn id="11" presetID="2" presetClass="entr" presetSubtype="4" fill="hold" grpId="0" nodeType="clickEffect">
+                                  <p:stCondLst>
+                                    <p:cond delay="0"/>
+                                  </p:stCondLst>
+                                  <p:childTnLst>
+                                    <p:set>
+                                      <p:cBhvr>
+                                        <p:cTn id="12" dur="1" fill="hold">
+                                          <p:stCondLst>
+                                            <p:cond delay="0"/>
+                                          </p:stCondLst>
+                                        </p:cTn>
+                                        <p:tgtEl>
+                                          <p:spTgt spid="5"/>
+                                        </p:tgtEl>
+                                        <p:attrNameLst>
+                                          <p:attrName>style.visibility</p:attrName>
+                                        </p:attrNameLst>
+                                      </p:cBhvr>
+                                      <p:to>
+                                        <p:strVal val="visible"/>
+                                      </p:to>
+                                    </p:set>
+                                    <p:anim calcmode="lin" valueType="num">
+                                      <p:cBhvr additive="base">
+                                        <p:cTn id="13" dur="500" fill="hold"/>
+                                        <p:tgtEl>
+                                          <p:spTgt spid="5"/>
+                                        </p:tgtEl>
+                                        <p:attrNameLst>
+                                          <p:attrName>ppt_x</p:attrName>
+                                        </p:attrNameLst>
+                                      </p:cBhvr>
+                                      <p:tavLst>
+                                        <p:tav tm="0">
+                                          <p:val>
+                                            <p:strVal val="#ppt_x"/>
+                                          </p:val>
+                                        </p:tav>
+                                        <p:tav tm="100000">
+                                          <p:val>
+                                            <p:strVal val="#ppt_x"/>
+                                          </p:val>
+                                        </p:tav>
+                                      </p:tavLst>
+                                    </p:anim>
+                                    <p:anim calcmode="lin" valueType="num">
+                                      <p:cBhvr additive="base">
+                                        <p:cTn id="14" dur="500" fill="hold"/>
+                                        <p:tgtEl>
+                                          <p:spTgt spid="5"/>
+                                        </p:tgtEl>
+                                        <p:attrNameLst>
+                                          <p:attrName>ppt_y</p:attrName>
+                                        </p:attrNameLst>
+                                      </p:cBhvr>
+                                      <p:tavLst>
+                                        <p:tav tm="0">
+                                          <p:val>
+                                            <p:strVal val="1+#ppt_h/2"/>
+                                          </p:val>
+                                        </p:tav>
+                                        <p:tav tm="100000">
+                                          <p:val>
+                                            <p:strVal val="#ppt_y"/>
+                                          </p:val>
+                                        </p:tav>
+                                      </p:tavLst>
+                                    </p:anim>
+                                  </p:childTnLst>
+                                </p:cTn>
+                              </p:par>
+                            </p:childTnLst>
+                          </p:cTn>
+                        </p:par>
+                      </p:childTnLst>
+                    </p:cTn>
+                  </p:par>
                 </p:childTnLst>
               </p:cTn>
               <p:prevCondLst>
@@ -19012,6 +19472,7 @@
     </p:tnLst>
     <p:bldLst>
       <p:bldP spid="4" grpId="0"/>
+      <p:bldP spid="5" grpId="0"/>
     </p:bldLst>
   </p:timing>
 </p:sld>
@@ -19928,7 +20389,19 @@
           <a:p>
             <a:r>
               <a:rPr lang="en-US" altLang="zh-CN" dirty="0"/>
-              <a:t>	TIMAX_DEFINE_PROTOCOL(add, </a:t>
+              <a:t> </a:t>
+            </a:r>
+            <a:r>
+              <a:rPr lang="en-US" altLang="zh-CN" dirty="0" smtClean="0"/>
+              <a:t>   </a:t>
+            </a:r>
+            <a:r>
+              <a:rPr lang="en-US" altLang="zh-CN" dirty="0" smtClean="0"/>
+              <a:t>TIMAX_DEFINE_PROTOCOL(add</a:t>
+            </a:r>
+            <a:r>
+              <a:rPr lang="en-US" altLang="zh-CN" dirty="0"/>
+              <a:t>, </a:t>
             </a:r>
             <a:r>
               <a:rPr lang="en-US" altLang="zh-CN" dirty="0" err="1"/>
@@ -22482,37 +22955,116 @@
           <a:p>
             <a:r>
               <a:rPr lang="zh-CN" altLang="en-US" dirty="0"/>
-              <a:t>	template &lt;typename T&gt;</a:t>
-            </a:r>
-          </a:p>
-          <a:p>
+              <a:t> </a:t>
+            </a:r>
+            <a:r>
+              <a:rPr lang="zh-CN" altLang="en-US" dirty="0" smtClean="0"/>
+              <a:t>   </a:t>
+            </a:r>
+            <a:r>
+              <a:rPr lang="zh-CN" altLang="en-US" dirty="0" smtClean="0"/>
+              <a:t>template </a:t>
+            </a:r>
             <a:r>
               <a:rPr lang="zh-CN" altLang="en-US" dirty="0"/>
-              <a:t>	static std::false_type test(...);</a:t>
+              <a:t>&lt;typename T&gt;</a:t>
             </a:r>
           </a:p>
           <a:p>
             <a:r>
               <a:rPr lang="zh-CN" altLang="en-US" dirty="0"/>
-              <a:t>	template &lt;typename T, typename =</a:t>
-            </a:r>
-          </a:p>
-          <a:p>
+              <a:t> </a:t>
+            </a:r>
+            <a:r>
+              <a:rPr lang="zh-CN" altLang="en-US" dirty="0" smtClean="0"/>
+              <a:t>   </a:t>
+            </a:r>
+            <a:r>
+              <a:rPr lang="zh-CN" altLang="en-US" dirty="0" smtClean="0"/>
+              <a:t>static </a:t>
+            </a:r>
             <a:r>
               <a:rPr lang="zh-CN" altLang="en-US" dirty="0"/>
-              <a:t>		decltype(std::declval&lt;T&gt;()(std::declval&lt;Args&gt;()...))&gt;</a:t>
+              <a:t>std::false_type test(...);</a:t>
             </a:r>
           </a:p>
           <a:p>
             <a:r>
               <a:rPr lang="zh-CN" altLang="en-US" dirty="0"/>
-              <a:t>	static std::true_type test(int);</a:t>
-            </a:r>
-          </a:p>
-          <a:p>
+              <a:t> </a:t>
+            </a:r>
+            <a:r>
+              <a:rPr lang="zh-CN" altLang="en-US" dirty="0" smtClean="0"/>
+              <a:t>   </a:t>
+            </a:r>
+            <a:r>
+              <a:rPr lang="zh-CN" altLang="en-US" dirty="0" smtClean="0"/>
+              <a:t>template </a:t>
+            </a:r>
             <a:r>
               <a:rPr lang="zh-CN" altLang="en-US" dirty="0"/>
-              <a:t>	using result_type = decltype(test&lt;Func&gt;(0));</a:t>
+              <a:t>&lt;typename T, typename =</a:t>
+            </a:r>
+          </a:p>
+          <a:p>
+            <a:r>
+              <a:rPr lang="en-US" altLang="zh-CN" dirty="0"/>
+              <a:t>	</a:t>
+            </a:r>
+            <a:r>
+              <a:rPr lang="zh-CN" altLang="en-US" dirty="0" smtClean="0"/>
+              <a:t>decltype</a:t>
+            </a:r>
+            <a:r>
+              <a:rPr lang="zh-CN" altLang="en-US" dirty="0"/>
+              <a:t>(std::declval&lt;T&gt;()(std::declval&lt;Args&gt;()...))&gt;</a:t>
+            </a:r>
+          </a:p>
+          <a:p>
+            <a:r>
+              <a:rPr lang="zh-CN" altLang="en-US" dirty="0"/>
+              <a:t> </a:t>
+            </a:r>
+            <a:r>
+              <a:rPr lang="zh-CN" altLang="en-US" dirty="0" smtClean="0"/>
+              <a:t>   </a:t>
+            </a:r>
+            <a:endParaRPr lang="en-US" altLang="zh-CN" dirty="0" smtClean="0"/>
+          </a:p>
+          <a:p>
+            <a:r>
+              <a:rPr lang="en-US" altLang="zh-CN" dirty="0"/>
+              <a:t> </a:t>
+            </a:r>
+            <a:r>
+              <a:rPr lang="en-US" altLang="zh-CN" dirty="0" smtClean="0"/>
+              <a:t>   </a:t>
+            </a:r>
+            <a:r>
+              <a:rPr lang="zh-CN" altLang="en-US" dirty="0" smtClean="0"/>
+              <a:t>static </a:t>
+            </a:r>
+            <a:r>
+              <a:rPr lang="zh-CN" altLang="en-US" dirty="0"/>
+              <a:t>std::true_type test(int);</a:t>
+            </a:r>
+          </a:p>
+          <a:p>
+            <a:r>
+              <a:rPr lang="zh-CN" altLang="en-US" dirty="0"/>
+              <a:t> </a:t>
+            </a:r>
+            <a:r>
+              <a:rPr lang="zh-CN" altLang="en-US" dirty="0" smtClean="0"/>
+              <a:t>   </a:t>
+            </a:r>
+            <a:r>
+              <a:rPr lang="zh-CN" altLang="en-US" dirty="0" smtClean="0"/>
+              <a:t>using </a:t>
+            </a:r>
+            <a:r>
+              <a:rPr lang="zh-CN" altLang="en-US" dirty="0"/>
+              <a:t>result_type = decltype(test&lt;Func&gt;(0));</a:t>
             </a:r>
           </a:p>
           <a:p>
@@ -22524,7 +23076,19 @@
           <a:p>
             <a:r>
               <a:rPr lang="zh-CN" altLang="en-US" dirty="0"/>
-              <a:t>	static constexpr bool value = result_type::value;</a:t>
+              <a:t> </a:t>
+            </a:r>
+            <a:r>
+              <a:rPr lang="zh-CN" altLang="en-US" dirty="0" smtClean="0"/>
+              <a:t>   </a:t>
+            </a:r>
+            <a:r>
+              <a:rPr lang="zh-CN" altLang="en-US" dirty="0" smtClean="0"/>
+              <a:t>static </a:t>
+            </a:r>
+            <a:r>
+              <a:rPr lang="zh-CN" altLang="en-US" dirty="0"/>
+              <a:t>constexpr bool value = result_type::value;</a:t>
             </a:r>
           </a:p>
           <a:p>
@@ -22719,7 +23283,7 @@
         </p:nvSpPr>
         <p:spPr>
           <a:xfrm>
-            <a:off x="2336333" y="3405502"/>
+            <a:off x="1421929" y="3405502"/>
             <a:ext cx="5037590" cy="338554"/>
           </a:xfrm>
           <a:prstGeom prst="rect">
@@ -22812,9 +23376,9 @@
           <p:nvPr/>
         </p:nvSpPr>
         <p:spPr>
-          <a:xfrm rot="18041068">
-            <a:off x="4841776" y="2878012"/>
-            <a:ext cx="978408" cy="197708"/>
+          <a:xfrm rot="19318863">
+            <a:off x="4495866" y="2799062"/>
+            <a:ext cx="1160740" cy="192304"/>
           </a:xfrm>
           <a:prstGeom prst="rightArrow">
             <a:avLst/>
@@ -24025,9 +24589,13 @@
             </a:r>
             <a:r>
               <a:rPr lang="en-US" altLang="zh-CN" dirty="0" smtClean="0"/>
-              <a:t>");  //compile error</a:t>
-            </a:r>
-            <a:endParaRPr lang="zh-CN" altLang="en-US" dirty="0"/>
+              <a:t>");  </a:t>
+            </a:r>
+            <a:r>
+              <a:rPr lang="en-US" altLang="zh-CN" b="1" dirty="0" smtClean="0"/>
+              <a:t>//compile error</a:t>
+            </a:r>
+            <a:endParaRPr lang="zh-CN" altLang="en-US" b="1" dirty="0"/>
           </a:p>
         </p:txBody>
       </p:sp>
@@ -25519,7 +26087,339 @@
   <p:timing>
     <p:tnLst>
       <p:par>
-        <p:cTn id="1" dur="indefinite" restart="never" nodeType="tmRoot"/>
+        <p:cTn id="1" dur="indefinite" restart="never" nodeType="tmRoot">
+          <p:childTnLst>
+            <p:seq concurrent="1" nextAc="seek">
+              <p:cTn id="2" dur="indefinite" nodeType="mainSeq">
+                <p:childTnLst>
+                  <p:par>
+                    <p:cTn id="3" fill="hold">
+                      <p:stCondLst>
+                        <p:cond delay="indefinite"/>
+                      </p:stCondLst>
+                      <p:childTnLst>
+                        <p:par>
+                          <p:cTn id="4" fill="hold">
+                            <p:stCondLst>
+                              <p:cond delay="0"/>
+                            </p:stCondLst>
+                            <p:childTnLst>
+                              <p:par>
+                                <p:cTn id="5" presetID="2" presetClass="entr" presetSubtype="4" fill="hold" nodeType="clickEffect">
+                                  <p:stCondLst>
+                                    <p:cond delay="0"/>
+                                  </p:stCondLst>
+                                  <p:childTnLst>
+                                    <p:set>
+                                      <p:cBhvr>
+                                        <p:cTn id="6" dur="1" fill="hold">
+                                          <p:stCondLst>
+                                            <p:cond delay="0"/>
+                                          </p:stCondLst>
+                                        </p:cTn>
+                                        <p:tgtEl>
+                                          <p:spTgt spid="3">
+                                            <p:txEl>
+                                              <p:pRg st="2" end="2"/>
+                                            </p:txEl>
+                                          </p:spTgt>
+                                        </p:tgtEl>
+                                        <p:attrNameLst>
+                                          <p:attrName>style.visibility</p:attrName>
+                                        </p:attrNameLst>
+                                      </p:cBhvr>
+                                      <p:to>
+                                        <p:strVal val="visible"/>
+                                      </p:to>
+                                    </p:set>
+                                    <p:anim calcmode="lin" valueType="num">
+                                      <p:cBhvr additive="base">
+                                        <p:cTn id="7" dur="500" fill="hold"/>
+                                        <p:tgtEl>
+                                          <p:spTgt spid="3">
+                                            <p:txEl>
+                                              <p:pRg st="2" end="2"/>
+                                            </p:txEl>
+                                          </p:spTgt>
+                                        </p:tgtEl>
+                                        <p:attrNameLst>
+                                          <p:attrName>ppt_x</p:attrName>
+                                        </p:attrNameLst>
+                                      </p:cBhvr>
+                                      <p:tavLst>
+                                        <p:tav tm="0">
+                                          <p:val>
+                                            <p:strVal val="#ppt_x"/>
+                                          </p:val>
+                                        </p:tav>
+                                        <p:tav tm="100000">
+                                          <p:val>
+                                            <p:strVal val="#ppt_x"/>
+                                          </p:val>
+                                        </p:tav>
+                                      </p:tavLst>
+                                    </p:anim>
+                                    <p:anim calcmode="lin" valueType="num">
+                                      <p:cBhvr additive="base">
+                                        <p:cTn id="8" dur="500" fill="hold"/>
+                                        <p:tgtEl>
+                                          <p:spTgt spid="3">
+                                            <p:txEl>
+                                              <p:pRg st="2" end="2"/>
+                                            </p:txEl>
+                                          </p:spTgt>
+                                        </p:tgtEl>
+                                        <p:attrNameLst>
+                                          <p:attrName>ppt_y</p:attrName>
+                                        </p:attrNameLst>
+                                      </p:cBhvr>
+                                      <p:tavLst>
+                                        <p:tav tm="0">
+                                          <p:val>
+                                            <p:strVal val="1+#ppt_h/2"/>
+                                          </p:val>
+                                        </p:tav>
+                                        <p:tav tm="100000">
+                                          <p:val>
+                                            <p:strVal val="#ppt_y"/>
+                                          </p:val>
+                                        </p:tav>
+                                      </p:tavLst>
+                                    </p:anim>
+                                  </p:childTnLst>
+                                </p:cTn>
+                              </p:par>
+                            </p:childTnLst>
+                          </p:cTn>
+                        </p:par>
+                      </p:childTnLst>
+                    </p:cTn>
+                  </p:par>
+                  <p:par>
+                    <p:cTn id="9" fill="hold">
+                      <p:stCondLst>
+                        <p:cond delay="indefinite"/>
+                      </p:stCondLst>
+                      <p:childTnLst>
+                        <p:par>
+                          <p:cTn id="10" fill="hold">
+                            <p:stCondLst>
+                              <p:cond delay="0"/>
+                            </p:stCondLst>
+                            <p:childTnLst>
+                              <p:par>
+                                <p:cTn id="11" presetID="2" presetClass="entr" presetSubtype="4" fill="hold" nodeType="clickEffect">
+                                  <p:stCondLst>
+                                    <p:cond delay="0"/>
+                                  </p:stCondLst>
+                                  <p:childTnLst>
+                                    <p:set>
+                                      <p:cBhvr>
+                                        <p:cTn id="12" dur="1" fill="hold">
+                                          <p:stCondLst>
+                                            <p:cond delay="0"/>
+                                          </p:stCondLst>
+                                        </p:cTn>
+                                        <p:tgtEl>
+                                          <p:spTgt spid="3">
+                                            <p:txEl>
+                                              <p:pRg st="4" end="4"/>
+                                            </p:txEl>
+                                          </p:spTgt>
+                                        </p:tgtEl>
+                                        <p:attrNameLst>
+                                          <p:attrName>style.visibility</p:attrName>
+                                        </p:attrNameLst>
+                                      </p:cBhvr>
+                                      <p:to>
+                                        <p:strVal val="visible"/>
+                                      </p:to>
+                                    </p:set>
+                                    <p:anim calcmode="lin" valueType="num">
+                                      <p:cBhvr additive="base">
+                                        <p:cTn id="13" dur="500" fill="hold"/>
+                                        <p:tgtEl>
+                                          <p:spTgt spid="3">
+                                            <p:txEl>
+                                              <p:pRg st="4" end="4"/>
+                                            </p:txEl>
+                                          </p:spTgt>
+                                        </p:tgtEl>
+                                        <p:attrNameLst>
+                                          <p:attrName>ppt_x</p:attrName>
+                                        </p:attrNameLst>
+                                      </p:cBhvr>
+                                      <p:tavLst>
+                                        <p:tav tm="0">
+                                          <p:val>
+                                            <p:strVal val="#ppt_x"/>
+                                          </p:val>
+                                        </p:tav>
+                                        <p:tav tm="100000">
+                                          <p:val>
+                                            <p:strVal val="#ppt_x"/>
+                                          </p:val>
+                                        </p:tav>
+                                      </p:tavLst>
+                                    </p:anim>
+                                    <p:anim calcmode="lin" valueType="num">
+                                      <p:cBhvr additive="base">
+                                        <p:cTn id="14" dur="500" fill="hold"/>
+                                        <p:tgtEl>
+                                          <p:spTgt spid="3">
+                                            <p:txEl>
+                                              <p:pRg st="4" end="4"/>
+                                            </p:txEl>
+                                          </p:spTgt>
+                                        </p:tgtEl>
+                                        <p:attrNameLst>
+                                          <p:attrName>ppt_y</p:attrName>
+                                        </p:attrNameLst>
+                                      </p:cBhvr>
+                                      <p:tavLst>
+                                        <p:tav tm="0">
+                                          <p:val>
+                                            <p:strVal val="1+#ppt_h/2"/>
+                                          </p:val>
+                                        </p:tav>
+                                        <p:tav tm="100000">
+                                          <p:val>
+                                            <p:strVal val="#ppt_y"/>
+                                          </p:val>
+                                        </p:tav>
+                                      </p:tavLst>
+                                    </p:anim>
+                                  </p:childTnLst>
+                                </p:cTn>
+                              </p:par>
+                            </p:childTnLst>
+                          </p:cTn>
+                        </p:par>
+                      </p:childTnLst>
+                    </p:cTn>
+                  </p:par>
+                  <p:par>
+                    <p:cTn id="15" fill="hold">
+                      <p:stCondLst>
+                        <p:cond delay="indefinite"/>
+                      </p:stCondLst>
+                      <p:childTnLst>
+                        <p:par>
+                          <p:cTn id="16" fill="hold">
+                            <p:stCondLst>
+                              <p:cond delay="0"/>
+                            </p:stCondLst>
+                            <p:childTnLst>
+                              <p:par>
+                                <p:cTn id="17" presetID="2" presetClass="entr" presetSubtype="4" fill="hold" nodeType="clickEffect">
+                                  <p:stCondLst>
+                                    <p:cond delay="0"/>
+                                  </p:stCondLst>
+                                  <p:childTnLst>
+                                    <p:set>
+                                      <p:cBhvr>
+                                        <p:cTn id="18" dur="1" fill="hold">
+                                          <p:stCondLst>
+                                            <p:cond delay="0"/>
+                                          </p:stCondLst>
+                                        </p:cTn>
+                                        <p:tgtEl>
+                                          <p:spTgt spid="3">
+                                            <p:txEl>
+                                              <p:pRg st="6" end="6"/>
+                                            </p:txEl>
+                                          </p:spTgt>
+                                        </p:tgtEl>
+                                        <p:attrNameLst>
+                                          <p:attrName>style.visibility</p:attrName>
+                                        </p:attrNameLst>
+                                      </p:cBhvr>
+                                      <p:to>
+                                        <p:strVal val="visible"/>
+                                      </p:to>
+                                    </p:set>
+                                    <p:anim calcmode="lin" valueType="num">
+                                      <p:cBhvr additive="base">
+                                        <p:cTn id="19" dur="500" fill="hold"/>
+                                        <p:tgtEl>
+                                          <p:spTgt spid="3">
+                                            <p:txEl>
+                                              <p:pRg st="6" end="6"/>
+                                            </p:txEl>
+                                          </p:spTgt>
+                                        </p:tgtEl>
+                                        <p:attrNameLst>
+                                          <p:attrName>ppt_x</p:attrName>
+                                        </p:attrNameLst>
+                                      </p:cBhvr>
+                                      <p:tavLst>
+                                        <p:tav tm="0">
+                                          <p:val>
+                                            <p:strVal val="#ppt_x"/>
+                                          </p:val>
+                                        </p:tav>
+                                        <p:tav tm="100000">
+                                          <p:val>
+                                            <p:strVal val="#ppt_x"/>
+                                          </p:val>
+                                        </p:tav>
+                                      </p:tavLst>
+                                    </p:anim>
+                                    <p:anim calcmode="lin" valueType="num">
+                                      <p:cBhvr additive="base">
+                                        <p:cTn id="20" dur="500" fill="hold"/>
+                                        <p:tgtEl>
+                                          <p:spTgt spid="3">
+                                            <p:txEl>
+                                              <p:pRg st="6" end="6"/>
+                                            </p:txEl>
+                                          </p:spTgt>
+                                        </p:tgtEl>
+                                        <p:attrNameLst>
+                                          <p:attrName>ppt_y</p:attrName>
+                                        </p:attrNameLst>
+                                      </p:cBhvr>
+                                      <p:tavLst>
+                                        <p:tav tm="0">
+                                          <p:val>
+                                            <p:strVal val="1+#ppt_h/2"/>
+                                          </p:val>
+                                        </p:tav>
+                                        <p:tav tm="100000">
+                                          <p:val>
+                                            <p:strVal val="#ppt_y"/>
+                                          </p:val>
+                                        </p:tav>
+                                      </p:tavLst>
+                                    </p:anim>
+                                  </p:childTnLst>
+                                </p:cTn>
+                              </p:par>
+                            </p:childTnLst>
+                          </p:cTn>
+                        </p:par>
+                      </p:childTnLst>
+                    </p:cTn>
+                  </p:par>
+                </p:childTnLst>
+              </p:cTn>
+              <p:prevCondLst>
+                <p:cond evt="onPrev" delay="0">
+                  <p:tgtEl>
+                    <p:sldTgt/>
+                  </p:tgtEl>
+                </p:cond>
+              </p:prevCondLst>
+              <p:nextCondLst>
+                <p:cond evt="onNext" delay="0">
+                  <p:tgtEl>
+                    <p:sldTgt/>
+                  </p:tgtEl>
+                </p:cond>
+              </p:nextCondLst>
+            </p:seq>
+          </p:childTnLst>
+        </p:cTn>
       </p:par>
     </p:tnLst>
   </p:timing>

--- a/An easy to use RPC framework implemented by c++11 and c++14.pptx
+++ b/An easy to use RPC framework implemented by c++11 and c++14.pptx
@@ -5,7 +5,7 @@
     <p:sldMasterId id="2147483660" r:id="rId1"/>
   </p:sldMasterIdLst>
   <p:notesMasterIdLst>
-    <p:notesMasterId r:id="rId42"/>
+    <p:notesMasterId r:id="rId48"/>
   </p:notesMasterIdLst>
   <p:sldIdLst>
     <p:sldId id="256" r:id="rId2"/>
@@ -14,40 +14,46 @@
     <p:sldId id="320" r:id="rId5"/>
     <p:sldId id="258" r:id="rId6"/>
     <p:sldId id="268" r:id="rId7"/>
-    <p:sldId id="321" r:id="rId8"/>
-    <p:sldId id="322" r:id="rId9"/>
-    <p:sldId id="323" r:id="rId10"/>
-    <p:sldId id="269" r:id="rId11"/>
-    <p:sldId id="277" r:id="rId12"/>
-    <p:sldId id="278" r:id="rId13"/>
-    <p:sldId id="279" r:id="rId14"/>
-    <p:sldId id="280" r:id="rId15"/>
-    <p:sldId id="324" r:id="rId16"/>
-    <p:sldId id="281" r:id="rId17"/>
-    <p:sldId id="326" r:id="rId18"/>
-    <p:sldId id="282" r:id="rId19"/>
-    <p:sldId id="327" r:id="rId20"/>
-    <p:sldId id="328" r:id="rId21"/>
-    <p:sldId id="329" r:id="rId22"/>
-    <p:sldId id="330" r:id="rId23"/>
-    <p:sldId id="332" r:id="rId24"/>
-    <p:sldId id="331" r:id="rId25"/>
-    <p:sldId id="299" r:id="rId26"/>
-    <p:sldId id="333" r:id="rId27"/>
-    <p:sldId id="307" r:id="rId28"/>
-    <p:sldId id="336" r:id="rId29"/>
-    <p:sldId id="308" r:id="rId30"/>
-    <p:sldId id="337" r:id="rId31"/>
-    <p:sldId id="338" r:id="rId32"/>
-    <p:sldId id="339" r:id="rId33"/>
-    <p:sldId id="315" r:id="rId34"/>
-    <p:sldId id="314" r:id="rId35"/>
-    <p:sldId id="341" r:id="rId36"/>
-    <p:sldId id="304" r:id="rId37"/>
-    <p:sldId id="334" r:id="rId38"/>
-    <p:sldId id="301" r:id="rId39"/>
-    <p:sldId id="263" r:id="rId40"/>
-    <p:sldId id="264" r:id="rId41"/>
+    <p:sldId id="342" r:id="rId8"/>
+    <p:sldId id="321" r:id="rId9"/>
+    <p:sldId id="322" r:id="rId10"/>
+    <p:sldId id="323" r:id="rId11"/>
+    <p:sldId id="269" r:id="rId12"/>
+    <p:sldId id="343" r:id="rId13"/>
+    <p:sldId id="277" r:id="rId14"/>
+    <p:sldId id="278" r:id="rId15"/>
+    <p:sldId id="279" r:id="rId16"/>
+    <p:sldId id="280" r:id="rId17"/>
+    <p:sldId id="324" r:id="rId18"/>
+    <p:sldId id="344" r:id="rId19"/>
+    <p:sldId id="281" r:id="rId20"/>
+    <p:sldId id="326" r:id="rId21"/>
+    <p:sldId id="282" r:id="rId22"/>
+    <p:sldId id="327" r:id="rId23"/>
+    <p:sldId id="345" r:id="rId24"/>
+    <p:sldId id="328" r:id="rId25"/>
+    <p:sldId id="329" r:id="rId26"/>
+    <p:sldId id="330" r:id="rId27"/>
+    <p:sldId id="332" r:id="rId28"/>
+    <p:sldId id="331" r:id="rId29"/>
+    <p:sldId id="346" r:id="rId30"/>
+    <p:sldId id="299" r:id="rId31"/>
+    <p:sldId id="333" r:id="rId32"/>
+    <p:sldId id="307" r:id="rId33"/>
+    <p:sldId id="336" r:id="rId34"/>
+    <p:sldId id="308" r:id="rId35"/>
+    <p:sldId id="337" r:id="rId36"/>
+    <p:sldId id="338" r:id="rId37"/>
+    <p:sldId id="339" r:id="rId38"/>
+    <p:sldId id="315" r:id="rId39"/>
+    <p:sldId id="314" r:id="rId40"/>
+    <p:sldId id="341" r:id="rId41"/>
+    <p:sldId id="304" r:id="rId42"/>
+    <p:sldId id="347" r:id="rId43"/>
+    <p:sldId id="334" r:id="rId44"/>
+    <p:sldId id="301" r:id="rId45"/>
+    <p:sldId id="263" r:id="rId46"/>
+    <p:sldId id="264" r:id="rId47"/>
   </p:sldIdLst>
   <p:sldSz cx="9144000" cy="6858000" type="screen4x3"/>
   <p:notesSz cx="6858000" cy="9144000"/>
@@ -248,7 +254,7 @@
             <a:fld id="{D3663233-B32B-4AC3-A591-4171AB65348A}" type="datetimeFigureOut">
               <a:rPr lang="zh-CN" altLang="en-US" smtClean="0"/>
               <a:pPr/>
-              <a:t>2017-04-18</a:t>
+              <a:t>2017-04-20</a:t>
             </a:fld>
             <a:endParaRPr lang="zh-CN" altLang="en-US"/>
           </a:p>
@@ -742,7 +748,7 @@
             <a:fld id="{D907BE37-B124-4F9F-8F7E-44B90AC375A6}" type="slidenum">
               <a:rPr lang="zh-CN" altLang="en-US" smtClean="0"/>
               <a:pPr/>
-              <a:t>10</a:t>
+              <a:t>11</a:t>
             </a:fld>
             <a:endParaRPr lang="zh-CN" altLang="en-US"/>
           </a:p>
@@ -837,7 +843,7 @@
             <a:fld id="{D907BE37-B124-4F9F-8F7E-44B90AC375A6}" type="slidenum">
               <a:rPr lang="zh-CN" altLang="en-US" smtClean="0"/>
               <a:pPr/>
-              <a:t>11</a:t>
+              <a:t>13</a:t>
             </a:fld>
             <a:endParaRPr lang="zh-CN" altLang="en-US"/>
           </a:p>
@@ -999,7 +1005,7 @@
             <a:fld id="{D907BE37-B124-4F9F-8F7E-44B90AC375A6}" type="slidenum">
               <a:rPr lang="zh-CN" altLang="en-US" smtClean="0"/>
               <a:pPr/>
-              <a:t>12</a:t>
+              <a:t>14</a:t>
             </a:fld>
             <a:endParaRPr lang="zh-CN" altLang="en-US"/>
           </a:p>
@@ -1084,7 +1090,7 @@
             <a:fld id="{D907BE37-B124-4F9F-8F7E-44B90AC375A6}" type="slidenum">
               <a:rPr lang="zh-CN" altLang="en-US" smtClean="0"/>
               <a:pPr/>
-              <a:t>13</a:t>
+              <a:t>15</a:t>
             </a:fld>
             <a:endParaRPr lang="zh-CN" altLang="en-US"/>
           </a:p>
@@ -1177,7 +1183,7 @@
             <a:fld id="{D907BE37-B124-4F9F-8F7E-44B90AC375A6}" type="slidenum">
               <a:rPr lang="zh-CN" altLang="en-US" smtClean="0"/>
               <a:pPr/>
-              <a:t>14</a:t>
+              <a:t>16</a:t>
             </a:fld>
             <a:endParaRPr lang="zh-CN" altLang="en-US"/>
           </a:p>
@@ -1262,7 +1268,7 @@
             <a:fld id="{D907BE37-B124-4F9F-8F7E-44B90AC375A6}" type="slidenum">
               <a:rPr lang="zh-CN" altLang="en-US" smtClean="0"/>
               <a:pPr/>
-              <a:t>15</a:t>
+              <a:t>17</a:t>
             </a:fld>
             <a:endParaRPr lang="zh-CN" altLang="en-US"/>
           </a:p>
@@ -1361,7 +1367,7 @@
             <a:fld id="{D907BE37-B124-4F9F-8F7E-44B90AC375A6}" type="slidenum">
               <a:rPr lang="zh-CN" altLang="en-US" smtClean="0"/>
               <a:pPr/>
-              <a:t>16</a:t>
+              <a:t>19</a:t>
             </a:fld>
             <a:endParaRPr lang="zh-CN" altLang="en-US"/>
           </a:p>
@@ -1559,7 +1565,7 @@
             <a:fld id="{D907BE37-B124-4F9F-8F7E-44B90AC375A6}" type="slidenum">
               <a:rPr lang="zh-CN" altLang="en-US" smtClean="0"/>
               <a:pPr/>
-              <a:t>17</a:t>
+              <a:t>20</a:t>
             </a:fld>
             <a:endParaRPr lang="zh-CN" altLang="en-US"/>
           </a:p>
@@ -1732,7 +1738,7 @@
             <a:fld id="{D907BE37-B124-4F9F-8F7E-44B90AC375A6}" type="slidenum">
               <a:rPr lang="zh-CN" altLang="en-US" smtClean="0"/>
               <a:pPr/>
-              <a:t>18</a:t>
+              <a:t>21</a:t>
             </a:fld>
             <a:endParaRPr lang="zh-CN" altLang="en-US"/>
           </a:p>
@@ -1833,7 +1839,7 @@
             <a:fld id="{D907BE37-B124-4F9F-8F7E-44B90AC375A6}" type="slidenum">
               <a:rPr lang="zh-CN" altLang="en-US" smtClean="0"/>
               <a:pPr/>
-              <a:t>19</a:t>
+              <a:t>22</a:t>
             </a:fld>
             <a:endParaRPr lang="zh-CN" altLang="en-US"/>
           </a:p>
@@ -1898,11 +1904,7 @@
           <a:p>
             <a:r>
               <a:rPr lang="en-US" altLang="zh-CN" dirty="0" smtClean="0"/>
-              <a:t>let's start the introduction.</a:t>
-            </a:r>
-            <a:r>
-              <a:rPr lang="en-US" altLang="zh-CN" dirty="0" smtClean="0"/>
-              <a:t> </a:t>
+              <a:t>let's start the introduction. </a:t>
             </a:r>
             <a:r>
               <a:rPr lang="en-US" altLang="zh-CN" dirty="0" err="1" smtClean="0"/>
@@ -2059,7 +2061,7 @@
             <a:fld id="{D907BE37-B124-4F9F-8F7E-44B90AC375A6}" type="slidenum">
               <a:rPr lang="zh-CN" altLang="en-US" smtClean="0"/>
               <a:pPr/>
-              <a:t>20</a:t>
+              <a:t>24</a:t>
             </a:fld>
             <a:endParaRPr lang="zh-CN" altLang="en-US"/>
           </a:p>
@@ -2168,7 +2170,7 @@
             <a:fld id="{D907BE37-B124-4F9F-8F7E-44B90AC375A6}" type="slidenum">
               <a:rPr lang="zh-CN" altLang="en-US" smtClean="0"/>
               <a:pPr/>
-              <a:t>21</a:t>
+              <a:t>25</a:t>
             </a:fld>
             <a:endParaRPr lang="zh-CN" altLang="en-US"/>
           </a:p>
@@ -2233,23 +2235,7 @@
           <a:p>
             <a:r>
               <a:rPr lang="en-US" altLang="zh-CN" dirty="0" smtClean="0"/>
-              <a:t>Pay attention to the bind, this time we also bind </a:t>
-            </a:r>
-            <a:r>
-              <a:rPr lang="en-US" altLang="zh-CN" dirty="0" smtClean="0"/>
-              <a:t>static </a:t>
-            </a:r>
-            <a:r>
-              <a:rPr lang="en-US" altLang="zh-CN" dirty="0" smtClean="0"/>
-              <a:t>member </a:t>
-            </a:r>
-            <a:r>
-              <a:rPr lang="en-US" altLang="zh-CN" dirty="0" smtClean="0"/>
-              <a:t>function of a template class, </a:t>
-            </a:r>
-            <a:r>
-              <a:rPr lang="en-US" altLang="zh-CN" dirty="0" smtClean="0"/>
-              <a:t>but the member function is template function, and one argument is a empty tuple. let’s look at the template class. </a:t>
+              <a:t>Pay attention to the bind, this time we also bind static member function of a template class, but the member function is template function, and one argument is a empty tuple. let’s look at the template class. </a:t>
             </a:r>
           </a:p>
         </p:txBody>
@@ -2272,7 +2258,7 @@
             <a:fld id="{D907BE37-B124-4F9F-8F7E-44B90AC375A6}" type="slidenum">
               <a:rPr lang="zh-CN" altLang="en-US" smtClean="0"/>
               <a:pPr/>
-              <a:t>22</a:t>
+              <a:t>26</a:t>
             </a:fld>
             <a:endParaRPr lang="zh-CN" altLang="en-US"/>
           </a:p>
@@ -2446,7 +2432,7 @@
             <a:fld id="{D907BE37-B124-4F9F-8F7E-44B90AC375A6}" type="slidenum">
               <a:rPr lang="zh-CN" altLang="en-US" smtClean="0"/>
               <a:pPr/>
-              <a:t>23</a:t>
+              <a:t>27</a:t>
             </a:fld>
             <a:endParaRPr lang="zh-CN" altLang="en-US"/>
           </a:p>
@@ -2625,7 +2611,7 @@
             <a:fld id="{D907BE37-B124-4F9F-8F7E-44B90AC375A6}" type="slidenum">
               <a:rPr lang="zh-CN" altLang="en-US" smtClean="0"/>
               <a:pPr/>
-              <a:t>24</a:t>
+              <a:t>28</a:t>
             </a:fld>
             <a:endParaRPr lang="zh-CN" altLang="en-US"/>
           </a:p>
@@ -2762,7 +2748,7 @@
             <a:fld id="{D907BE37-B124-4F9F-8F7E-44B90AC375A6}" type="slidenum">
               <a:rPr lang="zh-CN" altLang="en-US" smtClean="0"/>
               <a:pPr/>
-              <a:t>25</a:t>
+              <a:t>30</a:t>
             </a:fld>
             <a:endParaRPr lang="zh-CN" altLang="en-US"/>
           </a:p>
@@ -2873,7 +2859,7 @@
             <a:fld id="{D907BE37-B124-4F9F-8F7E-44B90AC375A6}" type="slidenum">
               <a:rPr lang="zh-CN" altLang="en-US" smtClean="0"/>
               <a:pPr/>
-              <a:t>26</a:t>
+              <a:t>31</a:t>
             </a:fld>
             <a:endParaRPr lang="zh-CN" altLang="en-US"/>
           </a:p>
@@ -3039,7 +3025,7 @@
             <a:fld id="{D907BE37-B124-4F9F-8F7E-44B90AC375A6}" type="slidenum">
               <a:rPr lang="zh-CN" altLang="en-US" smtClean="0"/>
               <a:pPr/>
-              <a:t>27</a:t>
+              <a:t>32</a:t>
             </a:fld>
             <a:endParaRPr lang="zh-CN" altLang="en-US"/>
           </a:p>
@@ -3184,7 +3170,7 @@
             <a:fld id="{D907BE37-B124-4F9F-8F7E-44B90AC375A6}" type="slidenum">
               <a:rPr lang="zh-CN" altLang="en-US" smtClean="0"/>
               <a:pPr/>
-              <a:t>28</a:t>
+              <a:t>33</a:t>
             </a:fld>
             <a:endParaRPr lang="zh-CN" altLang="en-US"/>
           </a:p>
@@ -3323,7 +3309,7 @@
             <a:fld id="{D907BE37-B124-4F9F-8F7E-44B90AC375A6}" type="slidenum">
               <a:rPr lang="zh-CN" altLang="en-US" smtClean="0"/>
               <a:pPr/>
-              <a:t>29</a:t>
+              <a:t>34</a:t>
             </a:fld>
             <a:endParaRPr lang="zh-CN" altLang="en-US"/>
           </a:p>
@@ -3541,7 +3527,7 @@
             <a:fld id="{D907BE37-B124-4F9F-8F7E-44B90AC375A6}" type="slidenum">
               <a:rPr lang="zh-CN" altLang="en-US" smtClean="0"/>
               <a:pPr/>
-              <a:t>30</a:t>
+              <a:t>35</a:t>
             </a:fld>
             <a:endParaRPr lang="zh-CN" altLang="en-US"/>
           </a:p>
@@ -3641,7 +3627,7 @@
             <a:fld id="{D907BE37-B124-4F9F-8F7E-44B90AC375A6}" type="slidenum">
               <a:rPr lang="zh-CN" altLang="en-US" smtClean="0"/>
               <a:pPr/>
-              <a:t>31</a:t>
+              <a:t>36</a:t>
             </a:fld>
             <a:endParaRPr lang="zh-CN" altLang="en-US"/>
           </a:p>
@@ -3739,11 +3725,7 @@
             </a:r>
             <a:r>
               <a:rPr lang="en-US" altLang="zh-CN" dirty="0" smtClean="0"/>
-              <a:t> </a:t>
-            </a:r>
-            <a:r>
-              <a:rPr lang="en-US" altLang="zh-CN" dirty="0" smtClean="0"/>
-              <a:t>is a features of </a:t>
+              <a:t> is a features of </a:t>
             </a:r>
             <a:r>
               <a:rPr lang="en-US" altLang="zh-CN" dirty="0" err="1" smtClean="0"/>
@@ -3810,7 +3792,7 @@
             <a:fld id="{D907BE37-B124-4F9F-8F7E-44B90AC375A6}" type="slidenum">
               <a:rPr lang="zh-CN" altLang="en-US" smtClean="0"/>
               <a:pPr/>
-              <a:t>32</a:t>
+              <a:t>37</a:t>
             </a:fld>
             <a:endParaRPr lang="zh-CN" altLang="en-US"/>
           </a:p>
@@ -3963,7 +3945,7 @@
             <a:fld id="{D907BE37-B124-4F9F-8F7E-44B90AC375A6}" type="slidenum">
               <a:rPr lang="zh-CN" altLang="en-US" smtClean="0"/>
               <a:pPr/>
-              <a:t>33</a:t>
+              <a:t>38</a:t>
             </a:fld>
             <a:endParaRPr lang="zh-CN" altLang="en-US"/>
           </a:p>
@@ -4116,7 +4098,7 @@
             <a:fld id="{D907BE37-B124-4F9F-8F7E-44B90AC375A6}" type="slidenum">
               <a:rPr lang="zh-CN" altLang="en-US" smtClean="0"/>
               <a:pPr/>
-              <a:t>34</a:t>
+              <a:t>39</a:t>
             </a:fld>
             <a:endParaRPr lang="zh-CN" altLang="en-US"/>
           </a:p>
@@ -4237,7 +4219,7 @@
             <a:fld id="{D907BE37-B124-4F9F-8F7E-44B90AC375A6}" type="slidenum">
               <a:rPr lang="zh-CN" altLang="en-US" smtClean="0"/>
               <a:pPr/>
-              <a:t>35</a:t>
+              <a:t>40</a:t>
             </a:fld>
             <a:endParaRPr lang="zh-CN" altLang="en-US"/>
           </a:p>
@@ -4326,7 +4308,7 @@
             <a:fld id="{D907BE37-B124-4F9F-8F7E-44B90AC375A6}" type="slidenum">
               <a:rPr lang="zh-CN" altLang="en-US" smtClean="0"/>
               <a:pPr/>
-              <a:t>36</a:t>
+              <a:t>41</a:t>
             </a:fld>
             <a:endParaRPr lang="zh-CN" altLang="en-US"/>
           </a:p>
@@ -4814,7 +4796,7 @@
             <a:fld id="{D907BE37-B124-4F9F-8F7E-44B90AC375A6}" type="slidenum">
               <a:rPr lang="zh-CN" altLang="en-US" smtClean="0"/>
               <a:pPr/>
-              <a:t>7</a:t>
+              <a:t>8</a:t>
             </a:fld>
             <a:endParaRPr lang="zh-CN" altLang="en-US"/>
           </a:p>
@@ -4965,7 +4947,7 @@
             <a:fld id="{D907BE37-B124-4F9F-8F7E-44B90AC375A6}" type="slidenum">
               <a:rPr lang="zh-CN" altLang="en-US" smtClean="0"/>
               <a:pPr/>
-              <a:t>8</a:t>
+              <a:t>9</a:t>
             </a:fld>
             <a:endParaRPr lang="zh-CN" altLang="en-US"/>
           </a:p>
@@ -5094,7 +5076,7 @@
             <a:fld id="{D907BE37-B124-4F9F-8F7E-44B90AC375A6}" type="slidenum">
               <a:rPr lang="zh-CN" altLang="en-US" smtClean="0"/>
               <a:pPr/>
-              <a:t>9</a:t>
+              <a:t>10</a:t>
             </a:fld>
             <a:endParaRPr lang="zh-CN" altLang="en-US"/>
           </a:p>
@@ -5245,7 +5227,7 @@
             <a:fld id="{12397CA8-2D6B-474E-AD0A-8CF9975324D0}" type="datetimeFigureOut">
               <a:rPr lang="zh-CN" altLang="en-US" smtClean="0"/>
               <a:pPr/>
-              <a:t>2017-04-18</a:t>
+              <a:t>2017-04-20</a:t>
             </a:fld>
             <a:endParaRPr lang="zh-CN" altLang="en-US"/>
           </a:p>
@@ -5536,7 +5518,7 @@
             <a:fld id="{12397CA8-2D6B-474E-AD0A-8CF9975324D0}" type="datetimeFigureOut">
               <a:rPr lang="zh-CN" altLang="en-US" smtClean="0"/>
               <a:pPr/>
-              <a:t>2017-04-18</a:t>
+              <a:t>2017-04-20</a:t>
             </a:fld>
             <a:endParaRPr lang="zh-CN" altLang="en-US"/>
           </a:p>
@@ -5725,7 +5707,7 @@
             <a:fld id="{12397CA8-2D6B-474E-AD0A-8CF9975324D0}" type="datetimeFigureOut">
               <a:rPr lang="zh-CN" altLang="en-US" smtClean="0"/>
               <a:pPr/>
-              <a:t>2017-04-18</a:t>
+              <a:t>2017-04-20</a:t>
             </a:fld>
             <a:endParaRPr lang="zh-CN" altLang="en-US"/>
           </a:p>
@@ -6232,7 +6214,7 @@
             <a:fld id="{12397CA8-2D6B-474E-AD0A-8CF9975324D0}" type="datetimeFigureOut">
               <a:rPr lang="zh-CN" altLang="en-US" smtClean="0"/>
               <a:pPr/>
-              <a:t>2017-04-18</a:t>
+              <a:t>2017-04-20</a:t>
             </a:fld>
             <a:endParaRPr lang="zh-CN" altLang="en-US"/>
           </a:p>
@@ -6473,7 +6455,7 @@
             <a:fld id="{12397CA8-2D6B-474E-AD0A-8CF9975324D0}" type="datetimeFigureOut">
               <a:rPr lang="zh-CN" altLang="en-US" smtClean="0"/>
               <a:pPr/>
-              <a:t>2017-04-18</a:t>
+              <a:t>2017-04-20</a:t>
             </a:fld>
             <a:endParaRPr lang="zh-CN" altLang="en-US"/>
           </a:p>
@@ -6849,7 +6831,7 @@
             <a:fld id="{12397CA8-2D6B-474E-AD0A-8CF9975324D0}" type="datetimeFigureOut">
               <a:rPr lang="zh-CN" altLang="en-US" smtClean="0"/>
               <a:pPr/>
-              <a:t>2017-04-18</a:t>
+              <a:t>2017-04-20</a:t>
             </a:fld>
             <a:endParaRPr lang="zh-CN" altLang="en-US"/>
           </a:p>
@@ -6969,7 +6951,7 @@
             <a:fld id="{12397CA8-2D6B-474E-AD0A-8CF9975324D0}" type="datetimeFigureOut">
               <a:rPr lang="zh-CN" altLang="en-US" smtClean="0"/>
               <a:pPr/>
-              <a:t>2017-04-18</a:t>
+              <a:t>2017-04-20</a:t>
             </a:fld>
             <a:endParaRPr lang="zh-CN" altLang="en-US"/>
           </a:p>
@@ -7066,7 +7048,7 @@
             <a:fld id="{12397CA8-2D6B-474E-AD0A-8CF9975324D0}" type="datetimeFigureOut">
               <a:rPr lang="zh-CN" altLang="en-US" smtClean="0"/>
               <a:pPr/>
-              <a:t>2017-04-18</a:t>
+              <a:t>2017-04-20</a:t>
             </a:fld>
             <a:endParaRPr lang="zh-CN" altLang="en-US"/>
           </a:p>
@@ -7345,7 +7327,7 @@
             <a:fld id="{12397CA8-2D6B-474E-AD0A-8CF9975324D0}" type="datetimeFigureOut">
               <a:rPr lang="zh-CN" altLang="en-US" smtClean="0"/>
               <a:pPr/>
-              <a:t>2017-04-18</a:t>
+              <a:t>2017-04-20</a:t>
             </a:fld>
             <a:endParaRPr lang="zh-CN" altLang="en-US"/>
           </a:p>
@@ -7604,7 +7586,7 @@
             <a:fld id="{12397CA8-2D6B-474E-AD0A-8CF9975324D0}" type="datetimeFigureOut">
               <a:rPr lang="zh-CN" altLang="en-US" smtClean="0"/>
               <a:pPr/>
-              <a:t>2017-04-18</a:t>
+              <a:t>2017-04-20</a:t>
             </a:fld>
             <a:endParaRPr lang="zh-CN" altLang="en-US"/>
           </a:p>
@@ -7826,7 +7808,7 @@
             <a:fld id="{12397CA8-2D6B-474E-AD0A-8CF9975324D0}" type="datetimeFigureOut">
               <a:rPr lang="zh-CN" altLang="en-US" smtClean="0"/>
               <a:pPr/>
-              <a:t>2017-04-18</a:t>
+              <a:t>2017-04-20</a:t>
             </a:fld>
             <a:endParaRPr lang="zh-CN" altLang="en-US"/>
           </a:p>
@@ -8437,6 +8419,142 @@
           <a:p>
             <a:r>
               <a:rPr lang="en-US" altLang="zh-CN" dirty="0" smtClean="0"/>
+              <a:t>Outline</a:t>
+            </a:r>
+            <a:endParaRPr lang="zh-CN" altLang="en-US" dirty="0"/>
+          </a:p>
+        </p:txBody>
+      </p:sp>
+      <p:sp>
+        <p:nvSpPr>
+          <p:cNvPr id="3" name="文本占位符 2"/>
+          <p:cNvSpPr>
+            <a:spLocks noGrp="1"/>
+          </p:cNvSpPr>
+          <p:nvPr>
+            <p:ph type="body" sz="half" idx="2"/>
+          </p:nvPr>
+        </p:nvSpPr>
+        <p:spPr/>
+        <p:txBody>
+          <a:bodyPr/>
+          <a:lstStyle/>
+          <a:p>
+            <a:r>
+              <a:rPr lang="en-US" altLang="zh-CN" dirty="0"/>
+              <a:t>1.Introduction to RPC</a:t>
+            </a:r>
+          </a:p>
+          <a:p>
+            <a:endParaRPr lang="en-US" altLang="zh-CN" dirty="0"/>
+          </a:p>
+          <a:p>
+            <a:r>
+              <a:rPr lang="en-US" altLang="zh-CN" dirty="0"/>
+              <a:t>2.What is </a:t>
+            </a:r>
+            <a:r>
+              <a:rPr lang="en-US" altLang="zh-CN" dirty="0" err="1"/>
+              <a:t>rest_rpc</a:t>
+            </a:r>
+            <a:endParaRPr lang="en-US" altLang="zh-CN" dirty="0"/>
+          </a:p>
+          <a:p>
+            <a:endParaRPr lang="en-US" altLang="zh-CN" dirty="0"/>
+          </a:p>
+          <a:p>
+            <a:r>
+              <a:rPr lang="en-US" altLang="zh-CN" sz="1800" dirty="0">
+                <a:solidFill>
+                  <a:schemeClr val="accent5"/>
+                </a:solidFill>
+              </a:rPr>
+              <a:t>3.Challenges of easy to use</a:t>
+            </a:r>
+          </a:p>
+          <a:p>
+            <a:endParaRPr lang="en-US" altLang="zh-CN" dirty="0"/>
+          </a:p>
+          <a:p>
+            <a:r>
+              <a:rPr lang="en-US" altLang="zh-CN" dirty="0"/>
+              <a:t>4.Key technologies</a:t>
+            </a:r>
+          </a:p>
+          <a:p>
+            <a:endParaRPr lang="en-US" altLang="zh-CN" dirty="0"/>
+          </a:p>
+          <a:p>
+            <a:r>
+              <a:rPr lang="en-US" altLang="zh-CN" dirty="0"/>
+              <a:t>5</a:t>
+            </a:r>
+            <a:r>
+              <a:rPr lang="en-US" altLang="zh-CN" dirty="0" smtClean="0"/>
+              <a:t>.What </a:t>
+            </a:r>
+            <a:r>
+              <a:rPr lang="en-US" altLang="zh-CN" dirty="0"/>
+              <a:t>you can do with it</a:t>
+            </a:r>
+            <a:endParaRPr lang="zh-CN" altLang="en-US" dirty="0"/>
+          </a:p>
+        </p:txBody>
+      </p:sp>
+    </p:spTree>
+    <p:extLst>
+      <p:ext uri="{BB962C8B-B14F-4D97-AF65-F5344CB8AC3E}">
+        <p14:creationId xmlns:p14="http://schemas.microsoft.com/office/powerpoint/2010/main" val="4204417057"/>
+      </p:ext>
+    </p:extLst>
+  </p:cSld>
+  <p:clrMapOvr>
+    <a:masterClrMapping/>
+  </p:clrMapOvr>
+  <p:timing>
+    <p:tnLst>
+      <p:par>
+        <p:cTn id="1" dur="indefinite" restart="never" nodeType="tmRoot"/>
+      </p:par>
+    </p:tnLst>
+  </p:timing>
+</p:sld>
+</file>
+
+<file path=ppt/slides/slide11.xml><?xml version="1.0" encoding="utf-8"?>
+<p:sld xmlns:a="http://schemas.openxmlformats.org/drawingml/2006/main" xmlns:r="http://schemas.openxmlformats.org/officeDocument/2006/relationships" xmlns:p="http://schemas.openxmlformats.org/presentationml/2006/main">
+  <p:cSld>
+    <p:spTree>
+      <p:nvGrpSpPr>
+        <p:cNvPr id="1" name=""/>
+        <p:cNvGrpSpPr/>
+        <p:nvPr/>
+      </p:nvGrpSpPr>
+      <p:grpSpPr>
+        <a:xfrm>
+          <a:off x="0" y="0"/>
+          <a:ext cx="0" cy="0"/>
+          <a:chOff x="0" y="0"/>
+          <a:chExt cx="0" cy="0"/>
+        </a:xfrm>
+      </p:grpSpPr>
+      <p:sp>
+        <p:nvSpPr>
+          <p:cNvPr id="2" name="标题 1"/>
+          <p:cNvSpPr>
+            <a:spLocks noGrp="1"/>
+          </p:cNvSpPr>
+          <p:nvPr>
+            <p:ph type="title"/>
+          </p:nvPr>
+        </p:nvSpPr>
+        <p:spPr/>
+        <p:txBody>
+          <a:bodyPr/>
+          <a:lstStyle/>
+          <a:p>
+            <a:r>
+              <a:rPr lang="en-US" altLang="zh-CN" dirty="0" smtClean="0"/>
               <a:t>Challenges</a:t>
             </a:r>
             <a:endParaRPr lang="zh-CN" altLang="en-US" dirty="0"/>
@@ -8517,7 +8635,365 @@
 </p:sld>
 </file>
 
-<file path=ppt/slides/slide11.xml><?xml version="1.0" encoding="utf-8"?>
+<file path=ppt/slides/slide12.xml><?xml version="1.0" encoding="utf-8"?>
+<p:sld xmlns:a="http://schemas.openxmlformats.org/drawingml/2006/main" xmlns:r="http://schemas.openxmlformats.org/officeDocument/2006/relationships" xmlns:p="http://schemas.openxmlformats.org/presentationml/2006/main">
+  <p:cSld>
+    <p:spTree>
+      <p:nvGrpSpPr>
+        <p:cNvPr id="1" name=""/>
+        <p:cNvGrpSpPr/>
+        <p:nvPr/>
+      </p:nvGrpSpPr>
+      <p:grpSpPr>
+        <a:xfrm>
+          <a:off x="0" y="0"/>
+          <a:ext cx="0" cy="0"/>
+          <a:chOff x="0" y="0"/>
+          <a:chExt cx="0" cy="0"/>
+        </a:xfrm>
+      </p:grpSpPr>
+      <p:sp>
+        <p:nvSpPr>
+          <p:cNvPr id="2" name="标题 1"/>
+          <p:cNvSpPr>
+            <a:spLocks noGrp="1"/>
+          </p:cNvSpPr>
+          <p:nvPr>
+            <p:ph type="title"/>
+          </p:nvPr>
+        </p:nvSpPr>
+        <p:spPr/>
+        <p:txBody>
+          <a:bodyPr/>
+          <a:lstStyle/>
+          <a:p>
+            <a:endParaRPr lang="zh-CN" altLang="en-US"/>
+          </a:p>
+        </p:txBody>
+      </p:sp>
+      <p:sp>
+        <p:nvSpPr>
+          <p:cNvPr id="3" name="文本占位符 2"/>
+          <p:cNvSpPr>
+            <a:spLocks noGrp="1"/>
+          </p:cNvSpPr>
+          <p:nvPr>
+            <p:ph type="body" sz="half" idx="2"/>
+          </p:nvPr>
+        </p:nvSpPr>
+        <p:spPr/>
+        <p:txBody>
+          <a:bodyPr/>
+          <a:lstStyle/>
+          <a:p>
+            <a:endParaRPr lang="zh-CN" altLang="en-US" dirty="0"/>
+          </a:p>
+        </p:txBody>
+      </p:sp>
+      <p:pic>
+        <p:nvPicPr>
+          <p:cNvPr id="4" name="图片 3"/>
+          <p:cNvPicPr>
+            <a:picLocks noChangeAspect="1"/>
+          </p:cNvPicPr>
+          <p:nvPr/>
+        </p:nvPicPr>
+        <p:blipFill>
+          <a:blip r:embed="rId2"/>
+          <a:stretch>
+            <a:fillRect/>
+          </a:stretch>
+        </p:blipFill>
+        <p:spPr>
+          <a:xfrm>
+            <a:off x="4509248" y="3531014"/>
+            <a:ext cx="3605667" cy="2587400"/>
+          </a:xfrm>
+          <a:prstGeom prst="rect">
+            <a:avLst/>
+          </a:prstGeom>
+        </p:spPr>
+      </p:pic>
+      <p:pic>
+        <p:nvPicPr>
+          <p:cNvPr id="5" name="图片 4"/>
+          <p:cNvPicPr>
+            <a:picLocks noChangeAspect="1"/>
+          </p:cNvPicPr>
+          <p:nvPr/>
+        </p:nvPicPr>
+        <p:blipFill>
+          <a:blip r:embed="rId3"/>
+          <a:stretch>
+            <a:fillRect/>
+          </a:stretch>
+        </p:blipFill>
+        <p:spPr>
+          <a:xfrm>
+            <a:off x="501793" y="1007396"/>
+            <a:ext cx="4820907" cy="2436813"/>
+          </a:xfrm>
+          <a:prstGeom prst="rect">
+            <a:avLst/>
+          </a:prstGeom>
+        </p:spPr>
+      </p:pic>
+      <p:pic>
+        <p:nvPicPr>
+          <p:cNvPr id="7" name="图片 6"/>
+          <p:cNvPicPr>
+            <a:picLocks noChangeAspect="1"/>
+          </p:cNvPicPr>
+          <p:nvPr/>
+        </p:nvPicPr>
+        <p:blipFill>
+          <a:blip r:embed="rId3"/>
+          <a:stretch>
+            <a:fillRect/>
+          </a:stretch>
+        </p:blipFill>
+        <p:spPr>
+          <a:xfrm rot="21060097">
+            <a:off x="5386904" y="4483809"/>
+            <a:ext cx="2302290" cy="1002149"/>
+          </a:xfrm>
+          <a:prstGeom prst="rect">
+            <a:avLst/>
+          </a:prstGeom>
+        </p:spPr>
+      </p:pic>
+    </p:spTree>
+    <p:extLst>
+      <p:ext uri="{BB962C8B-B14F-4D97-AF65-F5344CB8AC3E}">
+        <p14:creationId xmlns:p14="http://schemas.microsoft.com/office/powerpoint/2010/main" val="132365706"/>
+      </p:ext>
+    </p:extLst>
+  </p:cSld>
+  <p:clrMapOvr>
+    <a:masterClrMapping/>
+  </p:clrMapOvr>
+  <p:timing>
+    <p:tnLst>
+      <p:par>
+        <p:cTn id="1" dur="indefinite" restart="never" nodeType="tmRoot">
+          <p:childTnLst>
+            <p:seq concurrent="1" nextAc="seek">
+              <p:cTn id="2" dur="indefinite" nodeType="mainSeq">
+                <p:childTnLst>
+                  <p:par>
+                    <p:cTn id="3" fill="hold">
+                      <p:stCondLst>
+                        <p:cond delay="indefinite"/>
+                      </p:stCondLst>
+                      <p:childTnLst>
+                        <p:par>
+                          <p:cTn id="4" fill="hold">
+                            <p:stCondLst>
+                              <p:cond delay="0"/>
+                            </p:stCondLst>
+                            <p:childTnLst>
+                              <p:par>
+                                <p:cTn id="5" presetID="2" presetClass="entr" presetSubtype="4" fill="hold" nodeType="clickEffect">
+                                  <p:stCondLst>
+                                    <p:cond delay="0"/>
+                                  </p:stCondLst>
+                                  <p:childTnLst>
+                                    <p:set>
+                                      <p:cBhvr>
+                                        <p:cTn id="6" dur="1" fill="hold">
+                                          <p:stCondLst>
+                                            <p:cond delay="0"/>
+                                          </p:stCondLst>
+                                        </p:cTn>
+                                        <p:tgtEl>
+                                          <p:spTgt spid="4"/>
+                                        </p:tgtEl>
+                                        <p:attrNameLst>
+                                          <p:attrName>style.visibility</p:attrName>
+                                        </p:attrNameLst>
+                                      </p:cBhvr>
+                                      <p:to>
+                                        <p:strVal val="visible"/>
+                                      </p:to>
+                                    </p:set>
+                                    <p:anim calcmode="lin" valueType="num">
+                                      <p:cBhvr additive="base">
+                                        <p:cTn id="7" dur="500" fill="hold"/>
+                                        <p:tgtEl>
+                                          <p:spTgt spid="4"/>
+                                        </p:tgtEl>
+                                        <p:attrNameLst>
+                                          <p:attrName>ppt_x</p:attrName>
+                                        </p:attrNameLst>
+                                      </p:cBhvr>
+                                      <p:tavLst>
+                                        <p:tav tm="0">
+                                          <p:val>
+                                            <p:strVal val="#ppt_x"/>
+                                          </p:val>
+                                        </p:tav>
+                                        <p:tav tm="100000">
+                                          <p:val>
+                                            <p:strVal val="#ppt_x"/>
+                                          </p:val>
+                                        </p:tav>
+                                      </p:tavLst>
+                                    </p:anim>
+                                    <p:anim calcmode="lin" valueType="num">
+                                      <p:cBhvr additive="base">
+                                        <p:cTn id="8" dur="500" fill="hold"/>
+                                        <p:tgtEl>
+                                          <p:spTgt spid="4"/>
+                                        </p:tgtEl>
+                                        <p:attrNameLst>
+                                          <p:attrName>ppt_y</p:attrName>
+                                        </p:attrNameLst>
+                                      </p:cBhvr>
+                                      <p:tavLst>
+                                        <p:tav tm="0">
+                                          <p:val>
+                                            <p:strVal val="1+#ppt_h/2"/>
+                                          </p:val>
+                                        </p:tav>
+                                        <p:tav tm="100000">
+                                          <p:val>
+                                            <p:strVal val="#ppt_y"/>
+                                          </p:val>
+                                        </p:tav>
+                                      </p:tavLst>
+                                    </p:anim>
+                                  </p:childTnLst>
+                                </p:cTn>
+                              </p:par>
+                            </p:childTnLst>
+                          </p:cTn>
+                        </p:par>
+                      </p:childTnLst>
+                    </p:cTn>
+                  </p:par>
+                  <p:par>
+                    <p:cTn id="9" fill="hold">
+                      <p:stCondLst>
+                        <p:cond delay="indefinite"/>
+                      </p:stCondLst>
+                      <p:childTnLst>
+                        <p:par>
+                          <p:cTn id="10" fill="hold">
+                            <p:stCondLst>
+                              <p:cond delay="0"/>
+                            </p:stCondLst>
+                            <p:childTnLst>
+                              <p:par>
+                                <p:cTn id="11" presetID="22" presetClass="entr" presetSubtype="1" fill="hold" nodeType="clickEffect">
+                                  <p:stCondLst>
+                                    <p:cond delay="0"/>
+                                  </p:stCondLst>
+                                  <p:childTnLst>
+                                    <p:set>
+                                      <p:cBhvr>
+                                        <p:cTn id="12" dur="1" fill="hold">
+                                          <p:stCondLst>
+                                            <p:cond delay="0"/>
+                                          </p:stCondLst>
+                                        </p:cTn>
+                                        <p:tgtEl>
+                                          <p:spTgt spid="7"/>
+                                        </p:tgtEl>
+                                        <p:attrNameLst>
+                                          <p:attrName>style.visibility</p:attrName>
+                                        </p:attrNameLst>
+                                      </p:cBhvr>
+                                      <p:to>
+                                        <p:strVal val="visible"/>
+                                      </p:to>
+                                    </p:set>
+                                    <p:animEffect transition="in" filter="wipe(up)">
+                                      <p:cBhvr>
+                                        <p:cTn id="13" dur="500"/>
+                                        <p:tgtEl>
+                                          <p:spTgt spid="7"/>
+                                        </p:tgtEl>
+                                      </p:cBhvr>
+                                    </p:animEffect>
+                                  </p:childTnLst>
+                                </p:cTn>
+                              </p:par>
+                            </p:childTnLst>
+                          </p:cTn>
+                        </p:par>
+                        <p:par>
+                          <p:cTn id="14" fill="hold">
+                            <p:stCondLst>
+                              <p:cond delay="500"/>
+                            </p:stCondLst>
+                            <p:childTnLst>
+                              <p:par>
+                                <p:cTn id="15" presetID="10" presetClass="exit" presetSubtype="0" fill="hold" nodeType="afterEffect">
+                                  <p:stCondLst>
+                                    <p:cond delay="0"/>
+                                  </p:stCondLst>
+                                  <p:childTnLst>
+                                    <p:animEffect transition="out" filter="fade">
+                                      <p:cBhvr>
+                                        <p:cTn id="16" dur="500"/>
+                                        <p:tgtEl>
+                                          <p:spTgt spid="5"/>
+                                        </p:tgtEl>
+                                      </p:cBhvr>
+                                    </p:animEffect>
+                                    <p:set>
+                                      <p:cBhvr>
+                                        <p:cTn id="17" dur="1" fill="hold">
+                                          <p:stCondLst>
+                                            <p:cond delay="499"/>
+                                          </p:stCondLst>
+                                        </p:cTn>
+                                        <p:tgtEl>
+                                          <p:spTgt spid="5"/>
+                                        </p:tgtEl>
+                                        <p:attrNameLst>
+                                          <p:attrName>style.visibility</p:attrName>
+                                        </p:attrNameLst>
+                                      </p:cBhvr>
+                                      <p:to>
+                                        <p:strVal val="hidden"/>
+                                      </p:to>
+                                    </p:set>
+                                  </p:childTnLst>
+                                </p:cTn>
+                              </p:par>
+                            </p:childTnLst>
+                          </p:cTn>
+                        </p:par>
+                      </p:childTnLst>
+                    </p:cTn>
+                  </p:par>
+                </p:childTnLst>
+              </p:cTn>
+              <p:prevCondLst>
+                <p:cond evt="onPrev" delay="0">
+                  <p:tgtEl>
+                    <p:sldTgt/>
+                  </p:tgtEl>
+                </p:cond>
+              </p:prevCondLst>
+              <p:nextCondLst>
+                <p:cond evt="onNext" delay="0">
+                  <p:tgtEl>
+                    <p:sldTgt/>
+                  </p:tgtEl>
+                </p:cond>
+              </p:nextCondLst>
+            </p:seq>
+          </p:childTnLst>
+        </p:cTn>
+      </p:par>
+    </p:tnLst>
+  </p:timing>
+</p:sld>
+</file>
+
+<file path=ppt/slides/slide13.xml><?xml version="1.0" encoding="utf-8"?>
 <p:sld xmlns:a="http://schemas.openxmlformats.org/drawingml/2006/main" xmlns:r="http://schemas.openxmlformats.org/officeDocument/2006/relationships" xmlns:p="http://schemas.openxmlformats.org/presentationml/2006/main">
   <p:cSld>
     <p:spTree>
@@ -8822,23 +9298,7 @@
                   <a:srgbClr val="7030A0"/>
                 </a:solidFill>
               </a:rPr>
-              <a:t>in </a:t>
-            </a:r>
-            <a:r>
-              <a:rPr lang="en-US" altLang="zh-CN" sz="2400" dirty="0" smtClean="0">
-                <a:solidFill>
-                  <a:srgbClr val="7030A0"/>
-                </a:solidFill>
-              </a:rPr>
-              <a:t>a same </a:t>
-            </a:r>
-            <a:r>
-              <a:rPr lang="en-US" altLang="zh-CN" sz="2400" dirty="0" smtClean="0">
-                <a:solidFill>
-                  <a:srgbClr val="7030A0"/>
-                </a:solidFill>
-              </a:rPr>
-              <a:t>container</a:t>
+              <a:t>in a same container</a:t>
             </a:r>
             <a:endParaRPr lang="zh-CN" altLang="en-US" sz="2400" dirty="0">
               <a:solidFill>
@@ -9352,7 +9812,7 @@
 </p:sld>
 </file>
 
-<file path=ppt/slides/slide12.xml><?xml version="1.0" encoding="utf-8"?>
+<file path=ppt/slides/slide14.xml><?xml version="1.0" encoding="utf-8"?>
 <p:sld xmlns:a="http://schemas.openxmlformats.org/drawingml/2006/main" xmlns:r="http://schemas.openxmlformats.org/officeDocument/2006/relationships" xmlns:p="http://schemas.openxmlformats.org/presentationml/2006/main">
   <p:cSld>
     <p:spTree>
@@ -11001,7 +11461,7 @@
 </p:sld>
 </file>
 
-<file path=ppt/slides/slide13.xml><?xml version="1.0" encoding="utf-8"?>
+<file path=ppt/slides/slide15.xml><?xml version="1.0" encoding="utf-8"?>
 <p:sld xmlns:a="http://schemas.openxmlformats.org/drawingml/2006/main" xmlns:r="http://schemas.openxmlformats.org/officeDocument/2006/relationships" xmlns:p="http://schemas.openxmlformats.org/presentationml/2006/main">
   <p:cSld>
     <p:spTree>
@@ -11380,11 +11840,7 @@
           <a:p>
             <a:r>
               <a:rPr lang="en-US" altLang="zh-CN" dirty="0" smtClean="0"/>
-              <a:t>arguments </a:t>
-            </a:r>
-            <a:r>
-              <a:rPr lang="en-US" altLang="zh-CN" dirty="0" smtClean="0"/>
-              <a:t>type</a:t>
+              <a:t>arguments type</a:t>
             </a:r>
             <a:endParaRPr lang="zh-CN" altLang="en-US" dirty="0"/>
           </a:p>
@@ -12470,7 +12926,7 @@
 </p:sld>
 </file>
 
-<file path=ppt/slides/slide14.xml><?xml version="1.0" encoding="utf-8"?>
+<file path=ppt/slides/slide16.xml><?xml version="1.0" encoding="utf-8"?>
 <p:sld xmlns:a="http://schemas.openxmlformats.org/drawingml/2006/main" xmlns:r="http://schemas.openxmlformats.org/officeDocument/2006/relationships" xmlns:p="http://schemas.openxmlformats.org/presentationml/2006/main">
   <p:cSld>
     <p:spTree>
@@ -13859,7 +14315,7 @@
 </p:sld>
 </file>
 
-<file path=ppt/slides/slide15.xml><?xml version="1.0" encoding="utf-8"?>
+<file path=ppt/slides/slide17.xml><?xml version="1.0" encoding="utf-8"?>
 <p:sld xmlns:a="http://schemas.openxmlformats.org/drawingml/2006/main" xmlns:r="http://schemas.openxmlformats.org/officeDocument/2006/relationships" xmlns:p="http://schemas.openxmlformats.org/presentationml/2006/main">
   <p:cSld>
     <p:spTree>
@@ -14030,7 +14486,112 @@
 </p:sld>
 </file>
 
-<file path=ppt/slides/slide16.xml><?xml version="1.0" encoding="utf-8"?>
+<file path=ppt/slides/slide18.xml><?xml version="1.0" encoding="utf-8"?>
+<p:sld xmlns:a="http://schemas.openxmlformats.org/drawingml/2006/main" xmlns:r="http://schemas.openxmlformats.org/officeDocument/2006/relationships" xmlns:p="http://schemas.openxmlformats.org/presentationml/2006/main">
+  <p:cSld>
+    <p:spTree>
+      <p:nvGrpSpPr>
+        <p:cNvPr id="1" name=""/>
+        <p:cNvGrpSpPr/>
+        <p:nvPr/>
+      </p:nvGrpSpPr>
+      <p:grpSpPr>
+        <a:xfrm>
+          <a:off x="0" y="0"/>
+          <a:ext cx="0" cy="0"/>
+          <a:chOff x="0" y="0"/>
+          <a:chExt cx="0" cy="0"/>
+        </a:xfrm>
+      </p:grpSpPr>
+      <p:sp>
+        <p:nvSpPr>
+          <p:cNvPr id="2" name="标题 1"/>
+          <p:cNvSpPr>
+            <a:spLocks noGrp="1"/>
+          </p:cNvSpPr>
+          <p:nvPr>
+            <p:ph type="title"/>
+          </p:nvPr>
+        </p:nvSpPr>
+        <p:spPr/>
+        <p:txBody>
+          <a:bodyPr/>
+          <a:lstStyle/>
+          <a:p>
+            <a:endParaRPr lang="zh-CN" altLang="en-US"/>
+          </a:p>
+        </p:txBody>
+      </p:sp>
+      <p:sp>
+        <p:nvSpPr>
+          <p:cNvPr id="3" name="文本占位符 2"/>
+          <p:cNvSpPr>
+            <a:spLocks noGrp="1"/>
+          </p:cNvSpPr>
+          <p:nvPr>
+            <p:ph type="body" sz="half" idx="2"/>
+          </p:nvPr>
+        </p:nvSpPr>
+        <p:spPr/>
+        <p:txBody>
+          <a:bodyPr/>
+          <a:lstStyle/>
+          <a:p>
+            <a:endParaRPr lang="zh-CN" altLang="en-US"/>
+          </a:p>
+        </p:txBody>
+      </p:sp>
+      <p:pic>
+        <p:nvPicPr>
+          <p:cNvPr id="4" name="图片 3"/>
+          <p:cNvPicPr>
+            <a:picLocks noChangeAspect="1"/>
+          </p:cNvPicPr>
+          <p:nvPr/>
+        </p:nvPicPr>
+        <p:blipFill>
+          <a:blip r:embed="rId2">
+            <a:extLst>
+              <a:ext uri="{28A0092B-C50C-407E-A947-70E740481C1C}">
+                <a14:useLocalDpi xmlns:a14="http://schemas.microsoft.com/office/drawing/2010/main" val="0"/>
+              </a:ext>
+            </a:extLst>
+          </a:blip>
+          <a:stretch>
+            <a:fillRect/>
+          </a:stretch>
+        </p:blipFill>
+        <p:spPr>
+          <a:xfrm>
+            <a:off x="2138362" y="1790700"/>
+            <a:ext cx="4867275" cy="3276600"/>
+          </a:xfrm>
+          <a:prstGeom prst="rect">
+            <a:avLst/>
+          </a:prstGeom>
+        </p:spPr>
+      </p:pic>
+    </p:spTree>
+    <p:extLst>
+      <p:ext uri="{BB962C8B-B14F-4D97-AF65-F5344CB8AC3E}">
+        <p14:creationId xmlns:p14="http://schemas.microsoft.com/office/powerpoint/2010/main" val="17676735"/>
+      </p:ext>
+    </p:extLst>
+  </p:cSld>
+  <p:clrMapOvr>
+    <a:masterClrMapping/>
+  </p:clrMapOvr>
+  <p:timing>
+    <p:tnLst>
+      <p:par>
+        <p:cTn id="1" dur="indefinite" restart="never" nodeType="tmRoot"/>
+      </p:par>
+    </p:tnLst>
+  </p:timing>
+</p:sld>
+</file>
+
+<file path=ppt/slides/slide19.xml><?xml version="1.0" encoding="utf-8"?>
 <p:sld xmlns:a="http://schemas.openxmlformats.org/drawingml/2006/main" xmlns:r="http://schemas.openxmlformats.org/officeDocument/2006/relationships" xmlns:p="http://schemas.openxmlformats.org/presentationml/2006/main">
   <p:cSld>
     <p:spTree>
@@ -14446,7 +15007,143 @@
 </p:sld>
 </file>
 
-<file path=ppt/slides/slide17.xml><?xml version="1.0" encoding="utf-8"?>
+<file path=ppt/slides/slide2.xml><?xml version="1.0" encoding="utf-8"?>
+<p:sld xmlns:a="http://schemas.openxmlformats.org/drawingml/2006/main" xmlns:r="http://schemas.openxmlformats.org/officeDocument/2006/relationships" xmlns:p="http://schemas.openxmlformats.org/presentationml/2006/main">
+  <p:cSld>
+    <p:spTree>
+      <p:nvGrpSpPr>
+        <p:cNvPr id="1" name=""/>
+        <p:cNvGrpSpPr/>
+        <p:nvPr/>
+      </p:nvGrpSpPr>
+      <p:grpSpPr>
+        <a:xfrm>
+          <a:off x="0" y="0"/>
+          <a:ext cx="0" cy="0"/>
+          <a:chOff x="0" y="0"/>
+          <a:chExt cx="0" cy="0"/>
+        </a:xfrm>
+      </p:grpSpPr>
+      <p:sp>
+        <p:nvSpPr>
+          <p:cNvPr id="2" name="标题 1"/>
+          <p:cNvSpPr>
+            <a:spLocks noGrp="1"/>
+          </p:cNvSpPr>
+          <p:nvPr>
+            <p:ph type="title"/>
+          </p:nvPr>
+        </p:nvSpPr>
+        <p:spPr/>
+        <p:txBody>
+          <a:bodyPr/>
+          <a:lstStyle/>
+          <a:p>
+            <a:r>
+              <a:rPr lang="en-US" altLang="zh-CN" dirty="0" smtClean="0"/>
+              <a:t>Outline</a:t>
+            </a:r>
+            <a:endParaRPr lang="zh-CN" altLang="en-US" dirty="0"/>
+          </a:p>
+        </p:txBody>
+      </p:sp>
+      <p:sp>
+        <p:nvSpPr>
+          <p:cNvPr id="3" name="文本占位符 2"/>
+          <p:cNvSpPr>
+            <a:spLocks noGrp="1"/>
+          </p:cNvSpPr>
+          <p:nvPr>
+            <p:ph type="body" sz="half" idx="2"/>
+          </p:nvPr>
+        </p:nvSpPr>
+        <p:spPr/>
+        <p:txBody>
+          <a:bodyPr/>
+          <a:lstStyle/>
+          <a:p>
+            <a:r>
+              <a:rPr lang="en-US" altLang="zh-CN" sz="1800" dirty="0" smtClean="0">
+                <a:solidFill>
+                  <a:schemeClr val="accent5"/>
+                </a:solidFill>
+              </a:rPr>
+              <a:t>1.Introduction to RPC</a:t>
+            </a:r>
+          </a:p>
+          <a:p>
+            <a:endParaRPr lang="en-US" altLang="zh-CN" dirty="0" smtClean="0"/>
+          </a:p>
+          <a:p>
+            <a:r>
+              <a:rPr lang="en-US" altLang="zh-CN" dirty="0" smtClean="0"/>
+              <a:t>2.What is </a:t>
+            </a:r>
+            <a:r>
+              <a:rPr lang="en-US" altLang="zh-CN" dirty="0" err="1" smtClean="0"/>
+              <a:t>rest_rpc</a:t>
+            </a:r>
+            <a:endParaRPr lang="en-US" altLang="zh-CN" dirty="0" smtClean="0"/>
+          </a:p>
+          <a:p>
+            <a:endParaRPr lang="en-US" altLang="zh-CN" dirty="0" smtClean="0"/>
+          </a:p>
+          <a:p>
+            <a:r>
+              <a:rPr lang="en-US" altLang="zh-CN" dirty="0" smtClean="0"/>
+              <a:t>3.Challenges of easy to use</a:t>
+            </a:r>
+          </a:p>
+          <a:p>
+            <a:endParaRPr lang="en-US" altLang="zh-CN" dirty="0" smtClean="0"/>
+          </a:p>
+          <a:p>
+            <a:r>
+              <a:rPr lang="en-US" altLang="zh-CN" dirty="0" smtClean="0"/>
+              <a:t>4.Key technologies</a:t>
+            </a:r>
+          </a:p>
+          <a:p>
+            <a:endParaRPr lang="en-US" altLang="zh-CN" dirty="0"/>
+          </a:p>
+          <a:p>
+            <a:r>
+              <a:rPr lang="en-US" altLang="zh-CN" dirty="0"/>
+              <a:t>5</a:t>
+            </a:r>
+            <a:r>
+              <a:rPr lang="en-US" altLang="zh-CN" dirty="0" smtClean="0"/>
+              <a:t>.What </a:t>
+            </a:r>
+            <a:r>
+              <a:rPr lang="en-US" altLang="zh-CN" dirty="0"/>
+              <a:t>you can do with it</a:t>
+            </a:r>
+            <a:endParaRPr lang="zh-CN" altLang="en-US" dirty="0"/>
+          </a:p>
+        </p:txBody>
+      </p:sp>
+    </p:spTree>
+    <p:extLst>
+      <p:ext uri="{BB962C8B-B14F-4D97-AF65-F5344CB8AC3E}">
+        <p14:creationId xmlns:p14="http://schemas.microsoft.com/office/powerpoint/2010/main" val="1906852034"/>
+      </p:ext>
+    </p:extLst>
+  </p:cSld>
+  <p:clrMapOvr>
+    <a:masterClrMapping/>
+  </p:clrMapOvr>
+  <p:timing>
+    <p:tnLst>
+      <p:par>
+        <p:cTn id="1" dur="indefinite" restart="never" nodeType="tmRoot"/>
+      </p:par>
+    </p:tnLst>
+  </p:timing>
+</p:sld>
+</file>
+
+<file path=ppt/slides/slide20.xml><?xml version="1.0" encoding="utf-8"?>
 <p:sld xmlns:a="http://schemas.openxmlformats.org/drawingml/2006/main" xmlns:r="http://schemas.openxmlformats.org/officeDocument/2006/relationships" xmlns:p="http://schemas.openxmlformats.org/presentationml/2006/main">
   <p:cSld>
     <p:spTree>
@@ -15346,7 +16043,7 @@
 </p:sld>
 </file>
 
-<file path=ppt/slides/slide18.xml><?xml version="1.0" encoding="utf-8"?>
+<file path=ppt/slides/slide21.xml><?xml version="1.0" encoding="utf-8"?>
 <p:sld xmlns:a="http://schemas.openxmlformats.org/drawingml/2006/main" xmlns:r="http://schemas.openxmlformats.org/officeDocument/2006/relationships" xmlns:p="http://schemas.openxmlformats.org/presentationml/2006/main">
   <p:cSld>
     <p:spTree>
@@ -15832,7 +16529,7 @@
 </p:sld>
 </file>
 
-<file path=ppt/slides/slide19.xml><?xml version="1.0" encoding="utf-8"?>
+<file path=ppt/slides/slide22.xml><?xml version="1.0" encoding="utf-8"?>
 <p:sld xmlns:a="http://schemas.openxmlformats.org/drawingml/2006/main" xmlns:r="http://schemas.openxmlformats.org/officeDocument/2006/relationships" xmlns:p="http://schemas.openxmlformats.org/presentationml/2006/main">
   <p:cSld>
     <p:spTree>
@@ -16263,7 +16960,7 @@
 </p:sld>
 </file>
 
-<file path=ppt/slides/slide2.xml><?xml version="1.0" encoding="utf-8"?>
+<file path=ppt/slides/slide23.xml><?xml version="1.0" encoding="utf-8"?>
 <p:sld xmlns:a="http://schemas.openxmlformats.org/drawingml/2006/main" xmlns:r="http://schemas.openxmlformats.org/officeDocument/2006/relationships" xmlns:p="http://schemas.openxmlformats.org/presentationml/2006/main">
   <p:cSld>
     <p:spTree>
@@ -16295,11 +16992,7 @@
           <a:bodyPr/>
           <a:lstStyle/>
           <a:p>
-            <a:r>
-              <a:rPr lang="en-US" altLang="zh-CN" dirty="0" smtClean="0"/>
-              <a:t>Outline</a:t>
-            </a:r>
-            <a:endParaRPr lang="zh-CN" altLang="en-US" dirty="0"/>
+            <a:endParaRPr lang="zh-CN" altLang="en-US"/>
           </a:p>
         </p:txBody>
       </p:sp>
@@ -16319,61 +17012,18 @@
           <a:lstStyle/>
           <a:p>
             <a:r>
-              <a:rPr lang="en-US" altLang="zh-CN" sz="1800" dirty="0" smtClean="0">
-                <a:solidFill>
-                  <a:schemeClr val="accent5"/>
-                </a:solidFill>
-              </a:rPr>
-              <a:t>1.Introduction to RPC</a:t>
-            </a:r>
-          </a:p>
-          <a:p>
-            <a:endParaRPr lang="en-US" altLang="zh-CN" dirty="0" smtClean="0"/>
-          </a:p>
-          <a:p>
-            <a:r>
-              <a:rPr lang="en-US" altLang="zh-CN" dirty="0" smtClean="0"/>
-              <a:t>2.What is </a:t>
+              <a:rPr lang="en-US" altLang="zh-CN" dirty="0" smtClean="0"/>
+              <a:t>live demo</a:t>
+            </a:r>
+          </a:p>
+          <a:p>
+            <a:r>
+              <a:rPr lang="en-US" altLang="zh-CN" dirty="0" smtClean="0"/>
+              <a:t>how about </a:t>
             </a:r>
             <a:r>
               <a:rPr lang="en-US" altLang="zh-CN" dirty="0" err="1" smtClean="0"/>
-              <a:t>rest_rpc</a:t>
-            </a:r>
-            <a:endParaRPr lang="en-US" altLang="zh-CN" dirty="0" smtClean="0"/>
-          </a:p>
-          <a:p>
-            <a:endParaRPr lang="en-US" altLang="zh-CN" dirty="0" smtClean="0"/>
-          </a:p>
-          <a:p>
-            <a:r>
-              <a:rPr lang="en-US" altLang="zh-CN" dirty="0" smtClean="0"/>
-              <a:t>3.Challenges of easy to use</a:t>
-            </a:r>
-          </a:p>
-          <a:p>
-            <a:endParaRPr lang="en-US" altLang="zh-CN" dirty="0" smtClean="0"/>
-          </a:p>
-          <a:p>
-            <a:r>
-              <a:rPr lang="en-US" altLang="zh-CN" dirty="0" smtClean="0"/>
-              <a:t>4.Key technologies</a:t>
-            </a:r>
-          </a:p>
-          <a:p>
-            <a:endParaRPr lang="en-US" altLang="zh-CN" dirty="0"/>
-          </a:p>
-          <a:p>
-            <a:r>
-              <a:rPr lang="en-US" altLang="zh-CN" dirty="0"/>
-              <a:t>5</a:t>
-            </a:r>
-            <a:r>
-              <a:rPr lang="en-US" altLang="zh-CN" dirty="0" smtClean="0"/>
-              <a:t>.What </a:t>
-            </a:r>
-            <a:r>
-              <a:rPr lang="en-US" altLang="zh-CN" dirty="0"/>
-              <a:t>you can do with it</a:t>
+              <a:t>url</a:t>
             </a:r>
             <a:endParaRPr lang="zh-CN" altLang="en-US" dirty="0"/>
           </a:p>
@@ -16382,7 +17032,7 @@
     </p:spTree>
     <p:extLst>
       <p:ext uri="{BB962C8B-B14F-4D97-AF65-F5344CB8AC3E}">
-        <p14:creationId xmlns:p14="http://schemas.microsoft.com/office/powerpoint/2010/main" val="1906852034"/>
+        <p14:creationId xmlns:p14="http://schemas.microsoft.com/office/powerpoint/2010/main" val="1280170516"/>
       </p:ext>
     </p:extLst>
   </p:cSld>
@@ -16399,7 +17049,7 @@
 </p:sld>
 </file>
 
-<file path=ppt/slides/slide20.xml><?xml version="1.0" encoding="utf-8"?>
+<file path=ppt/slides/slide24.xml><?xml version="1.0" encoding="utf-8"?>
 <p:sld xmlns:a="http://schemas.openxmlformats.org/drawingml/2006/main" xmlns:r="http://schemas.openxmlformats.org/officeDocument/2006/relationships" xmlns:p="http://schemas.openxmlformats.org/presentationml/2006/main">
   <p:cSld>
     <p:spTree>
@@ -16716,7 +17366,7 @@
 </p:sld>
 </file>
 
-<file path=ppt/slides/slide21.xml><?xml version="1.0" encoding="utf-8"?>
+<file path=ppt/slides/slide25.xml><?xml version="1.0" encoding="utf-8"?>
 <p:sld xmlns:a="http://schemas.openxmlformats.org/drawingml/2006/main" xmlns:r="http://schemas.openxmlformats.org/officeDocument/2006/relationships" xmlns:p="http://schemas.openxmlformats.org/presentationml/2006/main">
   <p:cSld>
     <p:spTree>
@@ -17035,7 +17685,7 @@
 </p:sld>
 </file>
 
-<file path=ppt/slides/slide22.xml><?xml version="1.0" encoding="utf-8"?>
+<file path=ppt/slides/slide26.xml><?xml version="1.0" encoding="utf-8"?>
 <p:sld xmlns:a="http://schemas.openxmlformats.org/drawingml/2006/main" xmlns:r="http://schemas.openxmlformats.org/officeDocument/2006/relationships" xmlns:p="http://schemas.openxmlformats.org/presentationml/2006/main">
   <p:cSld>
     <p:spTree>
@@ -17393,7 +18043,7 @@
 </p:sld>
 </file>
 
-<file path=ppt/slides/slide23.xml><?xml version="1.0" encoding="utf-8"?>
+<file path=ppt/slides/slide27.xml><?xml version="1.0" encoding="utf-8"?>
 <p:sld xmlns:a="http://schemas.openxmlformats.org/drawingml/2006/main" xmlns:r="http://schemas.openxmlformats.org/officeDocument/2006/relationships" xmlns:p="http://schemas.openxmlformats.org/presentationml/2006/main">
   <p:cSld>
     <p:spTree>
@@ -17986,7 +18636,7 @@
 </p:sld>
 </file>
 
-<file path=ppt/slides/slide24.xml><?xml version="1.0" encoding="utf-8"?>
+<file path=ppt/slides/slide28.xml><?xml version="1.0" encoding="utf-8"?>
 <p:sld xmlns:a="http://schemas.openxmlformats.org/drawingml/2006/main" xmlns:r="http://schemas.openxmlformats.org/officeDocument/2006/relationships" xmlns:p="http://schemas.openxmlformats.org/presentationml/2006/main">
   <p:cSld>
     <p:spTree>
@@ -19478,7 +20128,605 @@
 </p:sld>
 </file>
 
-<file path=ppt/slides/slide25.xml><?xml version="1.0" encoding="utf-8"?>
+<file path=ppt/slides/slide29.xml><?xml version="1.0" encoding="utf-8"?>
+<p:sld xmlns:a="http://schemas.openxmlformats.org/drawingml/2006/main" xmlns:r="http://schemas.openxmlformats.org/officeDocument/2006/relationships" xmlns:p="http://schemas.openxmlformats.org/presentationml/2006/main">
+  <p:cSld>
+    <p:spTree>
+      <p:nvGrpSpPr>
+        <p:cNvPr id="1" name=""/>
+        <p:cNvGrpSpPr/>
+        <p:nvPr/>
+      </p:nvGrpSpPr>
+      <p:grpSpPr>
+        <a:xfrm>
+          <a:off x="0" y="0"/>
+          <a:ext cx="0" cy="0"/>
+          <a:chOff x="0" y="0"/>
+          <a:chExt cx="0" cy="0"/>
+        </a:xfrm>
+      </p:grpSpPr>
+      <p:sp>
+        <p:nvSpPr>
+          <p:cNvPr id="2" name="标题 1"/>
+          <p:cNvSpPr>
+            <a:spLocks noGrp="1"/>
+          </p:cNvSpPr>
+          <p:nvPr>
+            <p:ph type="title"/>
+          </p:nvPr>
+        </p:nvSpPr>
+        <p:spPr/>
+        <p:txBody>
+          <a:bodyPr/>
+          <a:lstStyle/>
+          <a:p>
+            <a:endParaRPr lang="zh-CN" altLang="en-US"/>
+          </a:p>
+        </p:txBody>
+      </p:sp>
+      <p:sp>
+        <p:nvSpPr>
+          <p:cNvPr id="3" name="文本占位符 2"/>
+          <p:cNvSpPr>
+            <a:spLocks noGrp="1"/>
+          </p:cNvSpPr>
+          <p:nvPr>
+            <p:ph type="body" sz="half" idx="2"/>
+          </p:nvPr>
+        </p:nvSpPr>
+        <p:spPr/>
+        <p:txBody>
+          <a:bodyPr/>
+          <a:lstStyle/>
+          <a:p>
+            <a:endParaRPr lang="zh-CN" altLang="en-US"/>
+          </a:p>
+        </p:txBody>
+      </p:sp>
+      <p:pic>
+        <p:nvPicPr>
+          <p:cNvPr id="6" name="图片 5"/>
+          <p:cNvPicPr>
+            <a:picLocks noChangeAspect="1"/>
+          </p:cNvPicPr>
+          <p:nvPr/>
+        </p:nvPicPr>
+        <p:blipFill>
+          <a:blip r:embed="rId2">
+            <a:extLst>
+              <a:ext uri="{28A0092B-C50C-407E-A947-70E740481C1C}">
+                <a14:useLocalDpi xmlns:a14="http://schemas.microsoft.com/office/drawing/2010/main" val="0"/>
+              </a:ext>
+            </a:extLst>
+          </a:blip>
+          <a:stretch>
+            <a:fillRect/>
+          </a:stretch>
+        </p:blipFill>
+        <p:spPr>
+          <a:xfrm>
+            <a:off x="1714500" y="1824037"/>
+            <a:ext cx="5715000" cy="3209925"/>
+          </a:xfrm>
+          <a:prstGeom prst="rect">
+            <a:avLst/>
+          </a:prstGeom>
+        </p:spPr>
+      </p:pic>
+    </p:spTree>
+    <p:extLst>
+      <p:ext uri="{BB962C8B-B14F-4D97-AF65-F5344CB8AC3E}">
+        <p14:creationId xmlns:p14="http://schemas.microsoft.com/office/powerpoint/2010/main" val="2367357015"/>
+      </p:ext>
+    </p:extLst>
+  </p:cSld>
+  <p:clrMapOvr>
+    <a:masterClrMapping/>
+  </p:clrMapOvr>
+  <p:timing>
+    <p:tnLst>
+      <p:par>
+        <p:cTn id="1" dur="indefinite" restart="never" nodeType="tmRoot"/>
+      </p:par>
+    </p:tnLst>
+  </p:timing>
+</p:sld>
+</file>
+
+<file path=ppt/slides/slide3.xml><?xml version="1.0" encoding="utf-8"?>
+<p:sld xmlns:a="http://schemas.openxmlformats.org/drawingml/2006/main" xmlns:r="http://schemas.openxmlformats.org/officeDocument/2006/relationships" xmlns:p="http://schemas.openxmlformats.org/presentationml/2006/main">
+  <p:cSld>
+    <p:spTree>
+      <p:nvGrpSpPr>
+        <p:cNvPr id="1" name=""/>
+        <p:cNvGrpSpPr/>
+        <p:nvPr/>
+      </p:nvGrpSpPr>
+      <p:grpSpPr>
+        <a:xfrm>
+          <a:off x="0" y="0"/>
+          <a:ext cx="0" cy="0"/>
+          <a:chOff x="0" y="0"/>
+          <a:chExt cx="0" cy="0"/>
+        </a:xfrm>
+      </p:grpSpPr>
+      <p:sp>
+        <p:nvSpPr>
+          <p:cNvPr id="2" name="标题 1"/>
+          <p:cNvSpPr>
+            <a:spLocks noGrp="1"/>
+          </p:cNvSpPr>
+          <p:nvPr>
+            <p:ph type="title"/>
+          </p:nvPr>
+        </p:nvSpPr>
+        <p:spPr/>
+        <p:txBody>
+          <a:bodyPr/>
+          <a:lstStyle/>
+          <a:p>
+            <a:r>
+              <a:rPr lang="en-US" altLang="zh-CN" dirty="0" smtClean="0"/>
+              <a:t>Introduction to RPC</a:t>
+            </a:r>
+            <a:endParaRPr lang="zh-CN" altLang="en-US" dirty="0"/>
+          </a:p>
+        </p:txBody>
+      </p:sp>
+      <p:sp>
+        <p:nvSpPr>
+          <p:cNvPr id="3" name="文本占位符 2"/>
+          <p:cNvSpPr>
+            <a:spLocks noGrp="1"/>
+          </p:cNvSpPr>
+          <p:nvPr>
+            <p:ph type="body" sz="half" idx="2"/>
+          </p:nvPr>
+        </p:nvSpPr>
+        <p:spPr/>
+        <p:txBody>
+          <a:bodyPr/>
+          <a:lstStyle/>
+          <a:p>
+            <a:r>
+              <a:rPr lang="en-US" altLang="zh-CN" b="1" dirty="0"/>
+              <a:t>Remote Procedure Calls </a:t>
+            </a:r>
+          </a:p>
+          <a:p>
+            <a:r>
+              <a:rPr lang="en-US" altLang="zh-CN" dirty="0"/>
+              <a:t>Call the function on the remote computer just </a:t>
+            </a:r>
+            <a:r>
+              <a:rPr lang="en-US" altLang="zh-CN" dirty="0" smtClean="0"/>
+              <a:t>like local </a:t>
+            </a:r>
+            <a:r>
+              <a:rPr lang="en-US" altLang="zh-CN" dirty="0"/>
+              <a:t>function </a:t>
+            </a:r>
+            <a:r>
+              <a:rPr lang="en-US" altLang="zh-CN" dirty="0" smtClean="0"/>
+              <a:t>calls</a:t>
+            </a:r>
+          </a:p>
+          <a:p>
+            <a:endParaRPr lang="en-US" altLang="zh-CN" dirty="0" smtClean="0"/>
+          </a:p>
+          <a:p>
+            <a:r>
+              <a:rPr lang="en-US" altLang="zh-CN" b="1" dirty="0" smtClean="0"/>
+              <a:t>Advantages:</a:t>
+            </a:r>
+            <a:endParaRPr lang="en-US" altLang="zh-CN" dirty="0" smtClean="0"/>
+          </a:p>
+          <a:p>
+            <a:pPr marL="285750" indent="-285750">
+              <a:buFont typeface="Arial" panose="020B0604020202020204" pitchFamily="34" charset="0"/>
+              <a:buChar char="•"/>
+            </a:pPr>
+            <a:r>
+              <a:rPr lang="en-US" altLang="zh-CN" dirty="0" smtClean="0"/>
+              <a:t>Very easy to use, hide complications and details of network and framework</a:t>
+            </a:r>
+          </a:p>
+          <a:p>
+            <a:pPr marL="285750" indent="-285750">
+              <a:buFont typeface="Arial" panose="020B0604020202020204" pitchFamily="34" charset="0"/>
+              <a:buChar char="•"/>
+            </a:pPr>
+            <a:r>
+              <a:rPr lang="en-US" altLang="zh-CN" dirty="0"/>
+              <a:t>Greatly improve the efficiency of the development of </a:t>
+            </a:r>
+            <a:r>
+              <a:rPr lang="en-US" altLang="zh-CN" dirty="0" err="1"/>
+              <a:t>interprocess</a:t>
+            </a:r>
+            <a:r>
+              <a:rPr lang="en-US" altLang="zh-CN" dirty="0"/>
+              <a:t> </a:t>
+            </a:r>
+            <a:r>
+              <a:rPr lang="en-US" altLang="zh-CN" dirty="0" smtClean="0"/>
+              <a:t>communication</a:t>
+            </a:r>
+          </a:p>
+        </p:txBody>
+      </p:sp>
+    </p:spTree>
+    <p:extLst>
+      <p:ext uri="{BB962C8B-B14F-4D97-AF65-F5344CB8AC3E}">
+        <p14:creationId xmlns:p14="http://schemas.microsoft.com/office/powerpoint/2010/main" val="3135205154"/>
+      </p:ext>
+    </p:extLst>
+  </p:cSld>
+  <p:clrMapOvr>
+    <a:masterClrMapping/>
+  </p:clrMapOvr>
+  <p:timing>
+    <p:tnLst>
+      <p:par>
+        <p:cTn id="1" dur="indefinite" restart="never" nodeType="tmRoot">
+          <p:childTnLst>
+            <p:seq concurrent="1" nextAc="seek">
+              <p:cTn id="2" dur="indefinite" nodeType="mainSeq">
+                <p:childTnLst>
+                  <p:par>
+                    <p:cTn id="3" fill="hold">
+                      <p:stCondLst>
+                        <p:cond delay="indefinite"/>
+                      </p:stCondLst>
+                      <p:childTnLst>
+                        <p:par>
+                          <p:cTn id="4" fill="hold">
+                            <p:stCondLst>
+                              <p:cond delay="0"/>
+                            </p:stCondLst>
+                            <p:childTnLst>
+                              <p:par>
+                                <p:cTn id="5" presetID="2" presetClass="entr" presetSubtype="4" fill="hold" nodeType="clickEffect">
+                                  <p:stCondLst>
+                                    <p:cond delay="0"/>
+                                  </p:stCondLst>
+                                  <p:childTnLst>
+                                    <p:set>
+                                      <p:cBhvr>
+                                        <p:cTn id="6" dur="1" fill="hold">
+                                          <p:stCondLst>
+                                            <p:cond delay="0"/>
+                                          </p:stCondLst>
+                                        </p:cTn>
+                                        <p:tgtEl>
+                                          <p:spTgt spid="3">
+                                            <p:txEl>
+                                              <p:pRg st="1" end="1"/>
+                                            </p:txEl>
+                                          </p:spTgt>
+                                        </p:tgtEl>
+                                        <p:attrNameLst>
+                                          <p:attrName>style.visibility</p:attrName>
+                                        </p:attrNameLst>
+                                      </p:cBhvr>
+                                      <p:to>
+                                        <p:strVal val="visible"/>
+                                      </p:to>
+                                    </p:set>
+                                    <p:anim calcmode="lin" valueType="num">
+                                      <p:cBhvr additive="base">
+                                        <p:cTn id="7" dur="500" fill="hold"/>
+                                        <p:tgtEl>
+                                          <p:spTgt spid="3">
+                                            <p:txEl>
+                                              <p:pRg st="1" end="1"/>
+                                            </p:txEl>
+                                          </p:spTgt>
+                                        </p:tgtEl>
+                                        <p:attrNameLst>
+                                          <p:attrName>ppt_x</p:attrName>
+                                        </p:attrNameLst>
+                                      </p:cBhvr>
+                                      <p:tavLst>
+                                        <p:tav tm="0">
+                                          <p:val>
+                                            <p:strVal val="#ppt_x"/>
+                                          </p:val>
+                                        </p:tav>
+                                        <p:tav tm="100000">
+                                          <p:val>
+                                            <p:strVal val="#ppt_x"/>
+                                          </p:val>
+                                        </p:tav>
+                                      </p:tavLst>
+                                    </p:anim>
+                                    <p:anim calcmode="lin" valueType="num">
+                                      <p:cBhvr additive="base">
+                                        <p:cTn id="8" dur="500" fill="hold"/>
+                                        <p:tgtEl>
+                                          <p:spTgt spid="3">
+                                            <p:txEl>
+                                              <p:pRg st="1" end="1"/>
+                                            </p:txEl>
+                                          </p:spTgt>
+                                        </p:tgtEl>
+                                        <p:attrNameLst>
+                                          <p:attrName>ppt_y</p:attrName>
+                                        </p:attrNameLst>
+                                      </p:cBhvr>
+                                      <p:tavLst>
+                                        <p:tav tm="0">
+                                          <p:val>
+                                            <p:strVal val="1+#ppt_h/2"/>
+                                          </p:val>
+                                        </p:tav>
+                                        <p:tav tm="100000">
+                                          <p:val>
+                                            <p:strVal val="#ppt_y"/>
+                                          </p:val>
+                                        </p:tav>
+                                      </p:tavLst>
+                                    </p:anim>
+                                  </p:childTnLst>
+                                </p:cTn>
+                              </p:par>
+                            </p:childTnLst>
+                          </p:cTn>
+                        </p:par>
+                      </p:childTnLst>
+                    </p:cTn>
+                  </p:par>
+                  <p:par>
+                    <p:cTn id="9" fill="hold">
+                      <p:stCondLst>
+                        <p:cond delay="indefinite"/>
+                      </p:stCondLst>
+                      <p:childTnLst>
+                        <p:par>
+                          <p:cTn id="10" fill="hold">
+                            <p:stCondLst>
+                              <p:cond delay="0"/>
+                            </p:stCondLst>
+                            <p:childTnLst>
+                              <p:par>
+                                <p:cTn id="11" presetID="2" presetClass="entr" presetSubtype="4" fill="hold" nodeType="clickEffect">
+                                  <p:stCondLst>
+                                    <p:cond delay="0"/>
+                                  </p:stCondLst>
+                                  <p:childTnLst>
+                                    <p:set>
+                                      <p:cBhvr>
+                                        <p:cTn id="12" dur="1" fill="hold">
+                                          <p:stCondLst>
+                                            <p:cond delay="0"/>
+                                          </p:stCondLst>
+                                        </p:cTn>
+                                        <p:tgtEl>
+                                          <p:spTgt spid="3">
+                                            <p:txEl>
+                                              <p:pRg st="3" end="3"/>
+                                            </p:txEl>
+                                          </p:spTgt>
+                                        </p:tgtEl>
+                                        <p:attrNameLst>
+                                          <p:attrName>style.visibility</p:attrName>
+                                        </p:attrNameLst>
+                                      </p:cBhvr>
+                                      <p:to>
+                                        <p:strVal val="visible"/>
+                                      </p:to>
+                                    </p:set>
+                                    <p:anim calcmode="lin" valueType="num">
+                                      <p:cBhvr additive="base">
+                                        <p:cTn id="13" dur="500" fill="hold"/>
+                                        <p:tgtEl>
+                                          <p:spTgt spid="3">
+                                            <p:txEl>
+                                              <p:pRg st="3" end="3"/>
+                                            </p:txEl>
+                                          </p:spTgt>
+                                        </p:tgtEl>
+                                        <p:attrNameLst>
+                                          <p:attrName>ppt_x</p:attrName>
+                                        </p:attrNameLst>
+                                      </p:cBhvr>
+                                      <p:tavLst>
+                                        <p:tav tm="0">
+                                          <p:val>
+                                            <p:strVal val="#ppt_x"/>
+                                          </p:val>
+                                        </p:tav>
+                                        <p:tav tm="100000">
+                                          <p:val>
+                                            <p:strVal val="#ppt_x"/>
+                                          </p:val>
+                                        </p:tav>
+                                      </p:tavLst>
+                                    </p:anim>
+                                    <p:anim calcmode="lin" valueType="num">
+                                      <p:cBhvr additive="base">
+                                        <p:cTn id="14" dur="500" fill="hold"/>
+                                        <p:tgtEl>
+                                          <p:spTgt spid="3">
+                                            <p:txEl>
+                                              <p:pRg st="3" end="3"/>
+                                            </p:txEl>
+                                          </p:spTgt>
+                                        </p:tgtEl>
+                                        <p:attrNameLst>
+                                          <p:attrName>ppt_y</p:attrName>
+                                        </p:attrNameLst>
+                                      </p:cBhvr>
+                                      <p:tavLst>
+                                        <p:tav tm="0">
+                                          <p:val>
+                                            <p:strVal val="1+#ppt_h/2"/>
+                                          </p:val>
+                                        </p:tav>
+                                        <p:tav tm="100000">
+                                          <p:val>
+                                            <p:strVal val="#ppt_y"/>
+                                          </p:val>
+                                        </p:tav>
+                                      </p:tavLst>
+                                    </p:anim>
+                                  </p:childTnLst>
+                                </p:cTn>
+                              </p:par>
+                            </p:childTnLst>
+                          </p:cTn>
+                        </p:par>
+                      </p:childTnLst>
+                    </p:cTn>
+                  </p:par>
+                  <p:par>
+                    <p:cTn id="15" fill="hold">
+                      <p:stCondLst>
+                        <p:cond delay="indefinite"/>
+                      </p:stCondLst>
+                      <p:childTnLst>
+                        <p:par>
+                          <p:cTn id="16" fill="hold">
+                            <p:stCondLst>
+                              <p:cond delay="0"/>
+                            </p:stCondLst>
+                            <p:childTnLst>
+                              <p:par>
+                                <p:cTn id="17" presetID="6" presetClass="entr" presetSubtype="16" fill="hold" nodeType="clickEffect">
+                                  <p:stCondLst>
+                                    <p:cond delay="0"/>
+                                  </p:stCondLst>
+                                  <p:childTnLst>
+                                    <p:set>
+                                      <p:cBhvr>
+                                        <p:cTn id="18" dur="1" fill="hold">
+                                          <p:stCondLst>
+                                            <p:cond delay="0"/>
+                                          </p:stCondLst>
+                                        </p:cTn>
+                                        <p:tgtEl>
+                                          <p:spTgt spid="3">
+                                            <p:txEl>
+                                              <p:pRg st="4" end="4"/>
+                                            </p:txEl>
+                                          </p:spTgt>
+                                        </p:tgtEl>
+                                        <p:attrNameLst>
+                                          <p:attrName>style.visibility</p:attrName>
+                                        </p:attrNameLst>
+                                      </p:cBhvr>
+                                      <p:to>
+                                        <p:strVal val="visible"/>
+                                      </p:to>
+                                    </p:set>
+                                    <p:animEffect transition="in" filter="circle(in)">
+                                      <p:cBhvr>
+                                        <p:cTn id="19" dur="2000"/>
+                                        <p:tgtEl>
+                                          <p:spTgt spid="3">
+                                            <p:txEl>
+                                              <p:pRg st="4" end="4"/>
+                                            </p:txEl>
+                                          </p:spTgt>
+                                        </p:tgtEl>
+                                      </p:cBhvr>
+                                    </p:animEffect>
+                                  </p:childTnLst>
+                                </p:cTn>
+                              </p:par>
+                            </p:childTnLst>
+                          </p:cTn>
+                        </p:par>
+                      </p:childTnLst>
+                    </p:cTn>
+                  </p:par>
+                  <p:par>
+                    <p:cTn id="20" fill="hold">
+                      <p:stCondLst>
+                        <p:cond delay="indefinite"/>
+                      </p:stCondLst>
+                      <p:childTnLst>
+                        <p:par>
+                          <p:cTn id="21" fill="hold">
+                            <p:stCondLst>
+                              <p:cond delay="0"/>
+                            </p:stCondLst>
+                            <p:childTnLst>
+                              <p:par>
+                                <p:cTn id="22" presetID="22" presetClass="entr" presetSubtype="4" fill="hold" nodeType="clickEffect">
+                                  <p:stCondLst>
+                                    <p:cond delay="0"/>
+                                  </p:stCondLst>
+                                  <p:childTnLst>
+                                    <p:set>
+                                      <p:cBhvr>
+                                        <p:cTn id="23" dur="1" fill="hold">
+                                          <p:stCondLst>
+                                            <p:cond delay="0"/>
+                                          </p:stCondLst>
+                                        </p:cTn>
+                                        <p:tgtEl>
+                                          <p:spTgt spid="3">
+                                            <p:txEl>
+                                              <p:pRg st="5" end="5"/>
+                                            </p:txEl>
+                                          </p:spTgt>
+                                        </p:tgtEl>
+                                        <p:attrNameLst>
+                                          <p:attrName>style.visibility</p:attrName>
+                                        </p:attrNameLst>
+                                      </p:cBhvr>
+                                      <p:to>
+                                        <p:strVal val="visible"/>
+                                      </p:to>
+                                    </p:set>
+                                    <p:animEffect transition="in" filter="wipe(down)">
+                                      <p:cBhvr>
+                                        <p:cTn id="24" dur="500"/>
+                                        <p:tgtEl>
+                                          <p:spTgt spid="3">
+                                            <p:txEl>
+                                              <p:pRg st="5" end="5"/>
+                                            </p:txEl>
+                                          </p:spTgt>
+                                        </p:tgtEl>
+                                      </p:cBhvr>
+                                    </p:animEffect>
+                                  </p:childTnLst>
+                                </p:cTn>
+                              </p:par>
+                            </p:childTnLst>
+                          </p:cTn>
+                        </p:par>
+                      </p:childTnLst>
+                    </p:cTn>
+                  </p:par>
+                </p:childTnLst>
+              </p:cTn>
+              <p:prevCondLst>
+                <p:cond evt="onPrev" delay="0">
+                  <p:tgtEl>
+                    <p:sldTgt/>
+                  </p:tgtEl>
+                </p:cond>
+              </p:prevCondLst>
+              <p:nextCondLst>
+                <p:cond evt="onNext" delay="0">
+                  <p:tgtEl>
+                    <p:sldTgt/>
+                  </p:tgtEl>
+                </p:cond>
+              </p:nextCondLst>
+            </p:seq>
+          </p:childTnLst>
+        </p:cTn>
+      </p:par>
+    </p:tnLst>
+  </p:timing>
+</p:sld>
+</file>
+
+<file path=ppt/slides/slide30.xml><?xml version="1.0" encoding="utf-8"?>
 <p:sld xmlns:a="http://schemas.openxmlformats.org/drawingml/2006/main" xmlns:r="http://schemas.openxmlformats.org/officeDocument/2006/relationships" xmlns:p="http://schemas.openxmlformats.org/presentationml/2006/main">
   <p:cSld>
     <p:spTree>
@@ -19907,7 +21155,7 @@
 </p:sld>
 </file>
 
-<file path=ppt/slides/slide26.xml><?xml version="1.0" encoding="utf-8"?>
+<file path=ppt/slides/slide31.xml><?xml version="1.0" encoding="utf-8"?>
 <p:sld xmlns:a="http://schemas.openxmlformats.org/drawingml/2006/main" xmlns:r="http://schemas.openxmlformats.org/officeDocument/2006/relationships" xmlns:p="http://schemas.openxmlformats.org/presentationml/2006/main">
   <p:cSld>
     <p:spTree>
@@ -20316,7 +21564,7 @@
 </p:sld>
 </file>
 
-<file path=ppt/slides/slide27.xml><?xml version="1.0" encoding="utf-8"?>
+<file path=ppt/slides/slide32.xml><?xml version="1.0" encoding="utf-8"?>
 <p:sld xmlns:a="http://schemas.openxmlformats.org/drawingml/2006/main" xmlns:r="http://schemas.openxmlformats.org/officeDocument/2006/relationships" xmlns:p="http://schemas.openxmlformats.org/presentationml/2006/main">
   <p:cSld>
     <p:spTree>
@@ -20393,11 +21641,7 @@
             </a:r>
             <a:r>
               <a:rPr lang="en-US" altLang="zh-CN" dirty="0" smtClean="0"/>
-              <a:t>   </a:t>
-            </a:r>
-            <a:r>
-              <a:rPr lang="en-US" altLang="zh-CN" dirty="0" smtClean="0"/>
-              <a:t>TIMAX_DEFINE_PROTOCOL(add</a:t>
+              <a:t>   TIMAX_DEFINE_PROTOCOL(add</a:t>
             </a:r>
             <a:r>
               <a:rPr lang="en-US" altLang="zh-CN" dirty="0"/>
@@ -21313,7 +22557,7 @@
 </p:sld>
 </file>
 
-<file path=ppt/slides/slide28.xml><?xml version="1.0" encoding="utf-8"?>
+<file path=ppt/slides/slide33.xml><?xml version="1.0" encoding="utf-8"?>
 <p:sld xmlns:a="http://schemas.openxmlformats.org/drawingml/2006/main" xmlns:r="http://schemas.openxmlformats.org/officeDocument/2006/relationships" xmlns:p="http://schemas.openxmlformats.org/presentationml/2006/main">
   <p:cSld>
     <p:spTree>
@@ -22874,7 +24118,7 @@
 </p:sld>
 </file>
 
-<file path=ppt/slides/slide29.xml><?xml version="1.0" encoding="utf-8"?>
+<file path=ppt/slides/slide34.xml><?xml version="1.0" encoding="utf-8"?>
 <p:sld xmlns:a="http://schemas.openxmlformats.org/drawingml/2006/main" xmlns:r="http://schemas.openxmlformats.org/officeDocument/2006/relationships" xmlns:p="http://schemas.openxmlformats.org/presentationml/2006/main">
   <p:cSld>
     <p:spTree>
@@ -22959,11 +24203,7 @@
             </a:r>
             <a:r>
               <a:rPr lang="zh-CN" altLang="en-US" dirty="0" smtClean="0"/>
-              <a:t>   </a:t>
-            </a:r>
-            <a:r>
-              <a:rPr lang="zh-CN" altLang="en-US" dirty="0" smtClean="0"/>
-              <a:t>template </a:t>
+              <a:t>   template </a:t>
             </a:r>
             <a:r>
               <a:rPr lang="zh-CN" altLang="en-US" dirty="0"/>
@@ -22977,6 +24217,59 @@
             </a:r>
             <a:r>
               <a:rPr lang="zh-CN" altLang="en-US" dirty="0" smtClean="0"/>
+              <a:t>   static </a:t>
+            </a:r>
+            <a:r>
+              <a:rPr lang="zh-CN" altLang="en-US" dirty="0"/>
+              <a:t>std::false_type test(...);</a:t>
+            </a:r>
+          </a:p>
+          <a:p>
+            <a:r>
+              <a:rPr lang="zh-CN" altLang="en-US" dirty="0"/>
+              <a:t> </a:t>
+            </a:r>
+            <a:r>
+              <a:rPr lang="zh-CN" altLang="en-US" dirty="0" smtClean="0"/>
+              <a:t>   template </a:t>
+            </a:r>
+            <a:r>
+              <a:rPr lang="zh-CN" altLang="en-US" dirty="0"/>
+              <a:t>&lt;typename T, typename =</a:t>
+            </a:r>
+          </a:p>
+          <a:p>
+            <a:r>
+              <a:rPr lang="en-US" altLang="zh-CN" dirty="0"/>
+              <a:t>	</a:t>
+            </a:r>
+            <a:r>
+              <a:rPr lang="zh-CN" altLang="en-US" dirty="0" smtClean="0"/>
+              <a:t>decltype</a:t>
+            </a:r>
+            <a:r>
+              <a:rPr lang="zh-CN" altLang="en-US" dirty="0"/>
+              <a:t>(std::declval&lt;T&gt;()(std::declval&lt;Args&gt;()...))&gt;</a:t>
+            </a:r>
+          </a:p>
+          <a:p>
+            <a:r>
+              <a:rPr lang="zh-CN" altLang="en-US" dirty="0"/>
+              <a:t> </a:t>
+            </a:r>
+            <a:r>
+              <a:rPr lang="zh-CN" altLang="en-US" dirty="0" smtClean="0"/>
+              <a:t>   </a:t>
+            </a:r>
+            <a:endParaRPr lang="en-US" altLang="zh-CN" dirty="0" smtClean="0"/>
+          </a:p>
+          <a:p>
+            <a:r>
+              <a:rPr lang="en-US" altLang="zh-CN" dirty="0"/>
+              <a:t> </a:t>
+            </a:r>
+            <a:r>
+              <a:rPr lang="en-US" altLang="zh-CN" dirty="0" smtClean="0"/>
               <a:t>   </a:t>
             </a:r>
             <a:r>
@@ -22985,7 +24278,7 @@
             </a:r>
             <a:r>
               <a:rPr lang="zh-CN" altLang="en-US" dirty="0"/>
-              <a:t>std::false_type test(...);</a:t>
+              <a:t>std::true_type test(int);</a:t>
             </a:r>
           </a:p>
           <a:p>
@@ -22995,29 +24288,17 @@
             </a:r>
             <a:r>
               <a:rPr lang="zh-CN" altLang="en-US" dirty="0" smtClean="0"/>
-              <a:t>   </a:t>
-            </a:r>
-            <a:r>
-              <a:rPr lang="zh-CN" altLang="en-US" dirty="0" smtClean="0"/>
-              <a:t>template </a:t>
+              <a:t>   using </a:t>
             </a:r>
             <a:r>
               <a:rPr lang="zh-CN" altLang="en-US" dirty="0"/>
-              <a:t>&lt;typename T, typename =</a:t>
-            </a:r>
-          </a:p>
-          <a:p>
-            <a:r>
-              <a:rPr lang="en-US" altLang="zh-CN" dirty="0"/>
-              <a:t>	</a:t>
-            </a:r>
-            <a:r>
-              <a:rPr lang="zh-CN" altLang="en-US" dirty="0" smtClean="0"/>
-              <a:t>decltype</a:t>
-            </a:r>
+              <a:t>result_type = decltype(test&lt;Func&gt;(0));</a:t>
+            </a:r>
+          </a:p>
+          <a:p>
             <a:r>
               <a:rPr lang="zh-CN" altLang="en-US" dirty="0"/>
-              <a:t>(std::declval&lt;T&gt;()(std::declval&lt;Args&gt;()...))&gt;</a:t>
+              <a:t>public:</a:t>
             </a:r>
           </a:p>
           <a:p>
@@ -23027,64 +24308,7 @@
             </a:r>
             <a:r>
               <a:rPr lang="zh-CN" altLang="en-US" dirty="0" smtClean="0"/>
-              <a:t>   </a:t>
-            </a:r>
-            <a:endParaRPr lang="en-US" altLang="zh-CN" dirty="0" smtClean="0"/>
-          </a:p>
-          <a:p>
-            <a:r>
-              <a:rPr lang="en-US" altLang="zh-CN" dirty="0"/>
-              <a:t> </a:t>
-            </a:r>
-            <a:r>
-              <a:rPr lang="en-US" altLang="zh-CN" dirty="0" smtClean="0"/>
-              <a:t>   </a:t>
-            </a:r>
-            <a:r>
-              <a:rPr lang="zh-CN" altLang="en-US" dirty="0" smtClean="0"/>
-              <a:t>static </a:t>
-            </a:r>
-            <a:r>
-              <a:rPr lang="zh-CN" altLang="en-US" dirty="0"/>
-              <a:t>std::true_type test(int);</a:t>
-            </a:r>
-          </a:p>
-          <a:p>
-            <a:r>
-              <a:rPr lang="zh-CN" altLang="en-US" dirty="0"/>
-              <a:t> </a:t>
-            </a:r>
-            <a:r>
-              <a:rPr lang="zh-CN" altLang="en-US" dirty="0" smtClean="0"/>
-              <a:t>   </a:t>
-            </a:r>
-            <a:r>
-              <a:rPr lang="zh-CN" altLang="en-US" dirty="0" smtClean="0"/>
-              <a:t>using </a:t>
-            </a:r>
-            <a:r>
-              <a:rPr lang="zh-CN" altLang="en-US" dirty="0"/>
-              <a:t>result_type = decltype(test&lt;Func&gt;(0));</a:t>
-            </a:r>
-          </a:p>
-          <a:p>
-            <a:r>
-              <a:rPr lang="zh-CN" altLang="en-US" dirty="0"/>
-              <a:t>public:</a:t>
-            </a:r>
-          </a:p>
-          <a:p>
-            <a:r>
-              <a:rPr lang="zh-CN" altLang="en-US" dirty="0"/>
-              <a:t> </a:t>
-            </a:r>
-            <a:r>
-              <a:rPr lang="zh-CN" altLang="en-US" dirty="0" smtClean="0"/>
-              <a:t>   </a:t>
-            </a:r>
-            <a:r>
-              <a:rPr lang="zh-CN" altLang="en-US" dirty="0" smtClean="0"/>
-              <a:t>static </a:t>
+              <a:t>   static </a:t>
             </a:r>
             <a:r>
               <a:rPr lang="zh-CN" altLang="en-US" dirty="0"/>
@@ -23925,500 +25149,7 @@
 </p:sld>
 </file>
 
-<file path=ppt/slides/slide3.xml><?xml version="1.0" encoding="utf-8"?>
-<p:sld xmlns:a="http://schemas.openxmlformats.org/drawingml/2006/main" xmlns:r="http://schemas.openxmlformats.org/officeDocument/2006/relationships" xmlns:p="http://schemas.openxmlformats.org/presentationml/2006/main">
-  <p:cSld>
-    <p:spTree>
-      <p:nvGrpSpPr>
-        <p:cNvPr id="1" name=""/>
-        <p:cNvGrpSpPr/>
-        <p:nvPr/>
-      </p:nvGrpSpPr>
-      <p:grpSpPr>
-        <a:xfrm>
-          <a:off x="0" y="0"/>
-          <a:ext cx="0" cy="0"/>
-          <a:chOff x="0" y="0"/>
-          <a:chExt cx="0" cy="0"/>
-        </a:xfrm>
-      </p:grpSpPr>
-      <p:sp>
-        <p:nvSpPr>
-          <p:cNvPr id="2" name="标题 1"/>
-          <p:cNvSpPr>
-            <a:spLocks noGrp="1"/>
-          </p:cNvSpPr>
-          <p:nvPr>
-            <p:ph type="title"/>
-          </p:nvPr>
-        </p:nvSpPr>
-        <p:spPr/>
-        <p:txBody>
-          <a:bodyPr/>
-          <a:lstStyle/>
-          <a:p>
-            <a:r>
-              <a:rPr lang="en-US" altLang="zh-CN" dirty="0" smtClean="0"/>
-              <a:t>Introduction to RPC</a:t>
-            </a:r>
-            <a:endParaRPr lang="zh-CN" altLang="en-US" dirty="0"/>
-          </a:p>
-        </p:txBody>
-      </p:sp>
-      <p:sp>
-        <p:nvSpPr>
-          <p:cNvPr id="3" name="文本占位符 2"/>
-          <p:cNvSpPr>
-            <a:spLocks noGrp="1"/>
-          </p:cNvSpPr>
-          <p:nvPr>
-            <p:ph type="body" sz="half" idx="2"/>
-          </p:nvPr>
-        </p:nvSpPr>
-        <p:spPr/>
-        <p:txBody>
-          <a:bodyPr/>
-          <a:lstStyle/>
-          <a:p>
-            <a:r>
-              <a:rPr lang="en-US" altLang="zh-CN" b="1" dirty="0"/>
-              <a:t>Remote Procedure Calls </a:t>
-            </a:r>
-          </a:p>
-          <a:p>
-            <a:r>
-              <a:rPr lang="en-US" altLang="zh-CN" dirty="0"/>
-              <a:t>Call the function on the remote computer just </a:t>
-            </a:r>
-            <a:r>
-              <a:rPr lang="en-US" altLang="zh-CN" dirty="0" smtClean="0"/>
-              <a:t>like local </a:t>
-            </a:r>
-            <a:r>
-              <a:rPr lang="en-US" altLang="zh-CN" dirty="0"/>
-              <a:t>function </a:t>
-            </a:r>
-            <a:r>
-              <a:rPr lang="en-US" altLang="zh-CN" dirty="0" smtClean="0"/>
-              <a:t>calls</a:t>
-            </a:r>
-          </a:p>
-          <a:p>
-            <a:endParaRPr lang="en-US" altLang="zh-CN" dirty="0" smtClean="0"/>
-          </a:p>
-          <a:p>
-            <a:r>
-              <a:rPr lang="en-US" altLang="zh-CN" b="1" dirty="0" smtClean="0"/>
-              <a:t>Advantages:</a:t>
-            </a:r>
-            <a:endParaRPr lang="en-US" altLang="zh-CN" dirty="0" smtClean="0"/>
-          </a:p>
-          <a:p>
-            <a:pPr marL="285750" indent="-285750">
-              <a:buFont typeface="Arial" panose="020B0604020202020204" pitchFamily="34" charset="0"/>
-              <a:buChar char="•"/>
-            </a:pPr>
-            <a:r>
-              <a:rPr lang="en-US" altLang="zh-CN" dirty="0" smtClean="0"/>
-              <a:t>Very easy to use, hide complications and details of network and framework</a:t>
-            </a:r>
-          </a:p>
-          <a:p>
-            <a:pPr marL="285750" indent="-285750">
-              <a:buFont typeface="Arial" panose="020B0604020202020204" pitchFamily="34" charset="0"/>
-              <a:buChar char="•"/>
-            </a:pPr>
-            <a:r>
-              <a:rPr lang="en-US" altLang="zh-CN" dirty="0"/>
-              <a:t>Greatly improve the efficiency of the development of </a:t>
-            </a:r>
-            <a:r>
-              <a:rPr lang="en-US" altLang="zh-CN" dirty="0" err="1"/>
-              <a:t>interprocess</a:t>
-            </a:r>
-            <a:r>
-              <a:rPr lang="en-US" altLang="zh-CN" dirty="0"/>
-              <a:t> </a:t>
-            </a:r>
-            <a:r>
-              <a:rPr lang="en-US" altLang="zh-CN" dirty="0" smtClean="0"/>
-              <a:t>communication</a:t>
-            </a:r>
-          </a:p>
-        </p:txBody>
-      </p:sp>
-    </p:spTree>
-    <p:extLst>
-      <p:ext uri="{BB962C8B-B14F-4D97-AF65-F5344CB8AC3E}">
-        <p14:creationId xmlns:p14="http://schemas.microsoft.com/office/powerpoint/2010/main" val="3135205154"/>
-      </p:ext>
-    </p:extLst>
-  </p:cSld>
-  <p:clrMapOvr>
-    <a:masterClrMapping/>
-  </p:clrMapOvr>
-  <p:timing>
-    <p:tnLst>
-      <p:par>
-        <p:cTn id="1" dur="indefinite" restart="never" nodeType="tmRoot">
-          <p:childTnLst>
-            <p:seq concurrent="1" nextAc="seek">
-              <p:cTn id="2" dur="indefinite" nodeType="mainSeq">
-                <p:childTnLst>
-                  <p:par>
-                    <p:cTn id="3" fill="hold">
-                      <p:stCondLst>
-                        <p:cond delay="indefinite"/>
-                      </p:stCondLst>
-                      <p:childTnLst>
-                        <p:par>
-                          <p:cTn id="4" fill="hold">
-                            <p:stCondLst>
-                              <p:cond delay="0"/>
-                            </p:stCondLst>
-                            <p:childTnLst>
-                              <p:par>
-                                <p:cTn id="5" presetID="2" presetClass="entr" presetSubtype="4" fill="hold" nodeType="clickEffect">
-                                  <p:stCondLst>
-                                    <p:cond delay="0"/>
-                                  </p:stCondLst>
-                                  <p:childTnLst>
-                                    <p:set>
-                                      <p:cBhvr>
-                                        <p:cTn id="6" dur="1" fill="hold">
-                                          <p:stCondLst>
-                                            <p:cond delay="0"/>
-                                          </p:stCondLst>
-                                        </p:cTn>
-                                        <p:tgtEl>
-                                          <p:spTgt spid="3">
-                                            <p:txEl>
-                                              <p:pRg st="1" end="1"/>
-                                            </p:txEl>
-                                          </p:spTgt>
-                                        </p:tgtEl>
-                                        <p:attrNameLst>
-                                          <p:attrName>style.visibility</p:attrName>
-                                        </p:attrNameLst>
-                                      </p:cBhvr>
-                                      <p:to>
-                                        <p:strVal val="visible"/>
-                                      </p:to>
-                                    </p:set>
-                                    <p:anim calcmode="lin" valueType="num">
-                                      <p:cBhvr additive="base">
-                                        <p:cTn id="7" dur="500" fill="hold"/>
-                                        <p:tgtEl>
-                                          <p:spTgt spid="3">
-                                            <p:txEl>
-                                              <p:pRg st="1" end="1"/>
-                                            </p:txEl>
-                                          </p:spTgt>
-                                        </p:tgtEl>
-                                        <p:attrNameLst>
-                                          <p:attrName>ppt_x</p:attrName>
-                                        </p:attrNameLst>
-                                      </p:cBhvr>
-                                      <p:tavLst>
-                                        <p:tav tm="0">
-                                          <p:val>
-                                            <p:strVal val="#ppt_x"/>
-                                          </p:val>
-                                        </p:tav>
-                                        <p:tav tm="100000">
-                                          <p:val>
-                                            <p:strVal val="#ppt_x"/>
-                                          </p:val>
-                                        </p:tav>
-                                      </p:tavLst>
-                                    </p:anim>
-                                    <p:anim calcmode="lin" valueType="num">
-                                      <p:cBhvr additive="base">
-                                        <p:cTn id="8" dur="500" fill="hold"/>
-                                        <p:tgtEl>
-                                          <p:spTgt spid="3">
-                                            <p:txEl>
-                                              <p:pRg st="1" end="1"/>
-                                            </p:txEl>
-                                          </p:spTgt>
-                                        </p:tgtEl>
-                                        <p:attrNameLst>
-                                          <p:attrName>ppt_y</p:attrName>
-                                        </p:attrNameLst>
-                                      </p:cBhvr>
-                                      <p:tavLst>
-                                        <p:tav tm="0">
-                                          <p:val>
-                                            <p:strVal val="1+#ppt_h/2"/>
-                                          </p:val>
-                                        </p:tav>
-                                        <p:tav tm="100000">
-                                          <p:val>
-                                            <p:strVal val="#ppt_y"/>
-                                          </p:val>
-                                        </p:tav>
-                                      </p:tavLst>
-                                    </p:anim>
-                                  </p:childTnLst>
-                                </p:cTn>
-                              </p:par>
-                            </p:childTnLst>
-                          </p:cTn>
-                        </p:par>
-                      </p:childTnLst>
-                    </p:cTn>
-                  </p:par>
-                  <p:par>
-                    <p:cTn id="9" fill="hold">
-                      <p:stCondLst>
-                        <p:cond delay="indefinite"/>
-                      </p:stCondLst>
-                      <p:childTnLst>
-                        <p:par>
-                          <p:cTn id="10" fill="hold">
-                            <p:stCondLst>
-                              <p:cond delay="0"/>
-                            </p:stCondLst>
-                            <p:childTnLst>
-                              <p:par>
-                                <p:cTn id="11" presetID="2" presetClass="entr" presetSubtype="4" fill="hold" nodeType="clickEffect">
-                                  <p:stCondLst>
-                                    <p:cond delay="0"/>
-                                  </p:stCondLst>
-                                  <p:childTnLst>
-                                    <p:set>
-                                      <p:cBhvr>
-                                        <p:cTn id="12" dur="1" fill="hold">
-                                          <p:stCondLst>
-                                            <p:cond delay="0"/>
-                                          </p:stCondLst>
-                                        </p:cTn>
-                                        <p:tgtEl>
-                                          <p:spTgt spid="3">
-                                            <p:txEl>
-                                              <p:pRg st="3" end="3"/>
-                                            </p:txEl>
-                                          </p:spTgt>
-                                        </p:tgtEl>
-                                        <p:attrNameLst>
-                                          <p:attrName>style.visibility</p:attrName>
-                                        </p:attrNameLst>
-                                      </p:cBhvr>
-                                      <p:to>
-                                        <p:strVal val="visible"/>
-                                      </p:to>
-                                    </p:set>
-                                    <p:anim calcmode="lin" valueType="num">
-                                      <p:cBhvr additive="base">
-                                        <p:cTn id="13" dur="500" fill="hold"/>
-                                        <p:tgtEl>
-                                          <p:spTgt spid="3">
-                                            <p:txEl>
-                                              <p:pRg st="3" end="3"/>
-                                            </p:txEl>
-                                          </p:spTgt>
-                                        </p:tgtEl>
-                                        <p:attrNameLst>
-                                          <p:attrName>ppt_x</p:attrName>
-                                        </p:attrNameLst>
-                                      </p:cBhvr>
-                                      <p:tavLst>
-                                        <p:tav tm="0">
-                                          <p:val>
-                                            <p:strVal val="#ppt_x"/>
-                                          </p:val>
-                                        </p:tav>
-                                        <p:tav tm="100000">
-                                          <p:val>
-                                            <p:strVal val="#ppt_x"/>
-                                          </p:val>
-                                        </p:tav>
-                                      </p:tavLst>
-                                    </p:anim>
-                                    <p:anim calcmode="lin" valueType="num">
-                                      <p:cBhvr additive="base">
-                                        <p:cTn id="14" dur="500" fill="hold"/>
-                                        <p:tgtEl>
-                                          <p:spTgt spid="3">
-                                            <p:txEl>
-                                              <p:pRg st="3" end="3"/>
-                                            </p:txEl>
-                                          </p:spTgt>
-                                        </p:tgtEl>
-                                        <p:attrNameLst>
-                                          <p:attrName>ppt_y</p:attrName>
-                                        </p:attrNameLst>
-                                      </p:cBhvr>
-                                      <p:tavLst>
-                                        <p:tav tm="0">
-                                          <p:val>
-                                            <p:strVal val="1+#ppt_h/2"/>
-                                          </p:val>
-                                        </p:tav>
-                                        <p:tav tm="100000">
-                                          <p:val>
-                                            <p:strVal val="#ppt_y"/>
-                                          </p:val>
-                                        </p:tav>
-                                      </p:tavLst>
-                                    </p:anim>
-                                  </p:childTnLst>
-                                </p:cTn>
-                              </p:par>
-                            </p:childTnLst>
-                          </p:cTn>
-                        </p:par>
-                      </p:childTnLst>
-                    </p:cTn>
-                  </p:par>
-                  <p:par>
-                    <p:cTn id="15" fill="hold">
-                      <p:stCondLst>
-                        <p:cond delay="indefinite"/>
-                      </p:stCondLst>
-                      <p:childTnLst>
-                        <p:par>
-                          <p:cTn id="16" fill="hold">
-                            <p:stCondLst>
-                              <p:cond delay="0"/>
-                            </p:stCondLst>
-                            <p:childTnLst>
-                              <p:par>
-                                <p:cTn id="17" presetID="6" presetClass="entr" presetSubtype="16" fill="hold" nodeType="clickEffect">
-                                  <p:stCondLst>
-                                    <p:cond delay="0"/>
-                                  </p:stCondLst>
-                                  <p:childTnLst>
-                                    <p:set>
-                                      <p:cBhvr>
-                                        <p:cTn id="18" dur="1" fill="hold">
-                                          <p:stCondLst>
-                                            <p:cond delay="0"/>
-                                          </p:stCondLst>
-                                        </p:cTn>
-                                        <p:tgtEl>
-                                          <p:spTgt spid="3">
-                                            <p:txEl>
-                                              <p:pRg st="4" end="4"/>
-                                            </p:txEl>
-                                          </p:spTgt>
-                                        </p:tgtEl>
-                                        <p:attrNameLst>
-                                          <p:attrName>style.visibility</p:attrName>
-                                        </p:attrNameLst>
-                                      </p:cBhvr>
-                                      <p:to>
-                                        <p:strVal val="visible"/>
-                                      </p:to>
-                                    </p:set>
-                                    <p:animEffect transition="in" filter="circle(in)">
-                                      <p:cBhvr>
-                                        <p:cTn id="19" dur="2000"/>
-                                        <p:tgtEl>
-                                          <p:spTgt spid="3">
-                                            <p:txEl>
-                                              <p:pRg st="4" end="4"/>
-                                            </p:txEl>
-                                          </p:spTgt>
-                                        </p:tgtEl>
-                                      </p:cBhvr>
-                                    </p:animEffect>
-                                  </p:childTnLst>
-                                </p:cTn>
-                              </p:par>
-                            </p:childTnLst>
-                          </p:cTn>
-                        </p:par>
-                      </p:childTnLst>
-                    </p:cTn>
-                  </p:par>
-                  <p:par>
-                    <p:cTn id="20" fill="hold">
-                      <p:stCondLst>
-                        <p:cond delay="indefinite"/>
-                      </p:stCondLst>
-                      <p:childTnLst>
-                        <p:par>
-                          <p:cTn id="21" fill="hold">
-                            <p:stCondLst>
-                              <p:cond delay="0"/>
-                            </p:stCondLst>
-                            <p:childTnLst>
-                              <p:par>
-                                <p:cTn id="22" presetID="22" presetClass="entr" presetSubtype="4" fill="hold" nodeType="clickEffect">
-                                  <p:stCondLst>
-                                    <p:cond delay="0"/>
-                                  </p:stCondLst>
-                                  <p:childTnLst>
-                                    <p:set>
-                                      <p:cBhvr>
-                                        <p:cTn id="23" dur="1" fill="hold">
-                                          <p:stCondLst>
-                                            <p:cond delay="0"/>
-                                          </p:stCondLst>
-                                        </p:cTn>
-                                        <p:tgtEl>
-                                          <p:spTgt spid="3">
-                                            <p:txEl>
-                                              <p:pRg st="5" end="5"/>
-                                            </p:txEl>
-                                          </p:spTgt>
-                                        </p:tgtEl>
-                                        <p:attrNameLst>
-                                          <p:attrName>style.visibility</p:attrName>
-                                        </p:attrNameLst>
-                                      </p:cBhvr>
-                                      <p:to>
-                                        <p:strVal val="visible"/>
-                                      </p:to>
-                                    </p:set>
-                                    <p:animEffect transition="in" filter="wipe(down)">
-                                      <p:cBhvr>
-                                        <p:cTn id="24" dur="500"/>
-                                        <p:tgtEl>
-                                          <p:spTgt spid="3">
-                                            <p:txEl>
-                                              <p:pRg st="5" end="5"/>
-                                            </p:txEl>
-                                          </p:spTgt>
-                                        </p:tgtEl>
-                                      </p:cBhvr>
-                                    </p:animEffect>
-                                  </p:childTnLst>
-                                </p:cTn>
-                              </p:par>
-                            </p:childTnLst>
-                          </p:cTn>
-                        </p:par>
-                      </p:childTnLst>
-                    </p:cTn>
-                  </p:par>
-                </p:childTnLst>
-              </p:cTn>
-              <p:prevCondLst>
-                <p:cond evt="onPrev" delay="0">
-                  <p:tgtEl>
-                    <p:sldTgt/>
-                  </p:tgtEl>
-                </p:cond>
-              </p:prevCondLst>
-              <p:nextCondLst>
-                <p:cond evt="onNext" delay="0">
-                  <p:tgtEl>
-                    <p:sldTgt/>
-                  </p:tgtEl>
-                </p:cond>
-              </p:nextCondLst>
-            </p:seq>
-          </p:childTnLst>
-        </p:cTn>
-      </p:par>
-    </p:tnLst>
-  </p:timing>
-</p:sld>
-</file>
-
-<file path=ppt/slides/slide30.xml><?xml version="1.0" encoding="utf-8"?>
+<file path=ppt/slides/slide35.xml><?xml version="1.0" encoding="utf-8"?>
 <p:sld xmlns:a="http://schemas.openxmlformats.org/drawingml/2006/main" xmlns:r="http://schemas.openxmlformats.org/officeDocument/2006/relationships" xmlns:p="http://schemas.openxmlformats.org/presentationml/2006/main">
   <p:cSld>
     <p:spTree>
@@ -24619,7 +25350,7 @@
 </p:sld>
 </file>
 
-<file path=ppt/slides/slide31.xml><?xml version="1.0" encoding="utf-8"?>
+<file path=ppt/slides/slide36.xml><?xml version="1.0" encoding="utf-8"?>
 <p:sld xmlns:a="http://schemas.openxmlformats.org/drawingml/2006/main" xmlns:r="http://schemas.openxmlformats.org/officeDocument/2006/relationships" xmlns:p="http://schemas.openxmlformats.org/presentationml/2006/main">
   <p:cSld>
     <p:spTree>
@@ -24959,7 +25690,7 @@
 </p:sld>
 </file>
 
-<file path=ppt/slides/slide32.xml><?xml version="1.0" encoding="utf-8"?>
+<file path=ppt/slides/slide37.xml><?xml version="1.0" encoding="utf-8"?>
 <p:sld xmlns:a="http://schemas.openxmlformats.org/drawingml/2006/main" xmlns:r="http://schemas.openxmlformats.org/officeDocument/2006/relationships" xmlns:p="http://schemas.openxmlformats.org/presentationml/2006/main">
   <p:cSld>
     <p:spTree>
@@ -25378,7 +26109,7 @@
 </p:sld>
 </file>
 
-<file path=ppt/slides/slide33.xml><?xml version="1.0" encoding="utf-8"?>
+<file path=ppt/slides/slide38.xml><?xml version="1.0" encoding="utf-8"?>
 <p:sld xmlns:a="http://schemas.openxmlformats.org/drawingml/2006/main" xmlns:r="http://schemas.openxmlformats.org/officeDocument/2006/relationships" xmlns:p="http://schemas.openxmlformats.org/presentationml/2006/main">
   <p:cSld>
     <p:spTree>
@@ -25501,7 +26232,7 @@
 </p:sld>
 </file>
 
-<file path=ppt/slides/slide34.xml><?xml version="1.0" encoding="utf-8"?>
+<file path=ppt/slides/slide39.xml><?xml version="1.0" encoding="utf-8"?>
 <p:sld xmlns:a="http://schemas.openxmlformats.org/drawingml/2006/main" xmlns:r="http://schemas.openxmlformats.org/officeDocument/2006/relationships" xmlns:p="http://schemas.openxmlformats.org/presentationml/2006/main">
   <p:cSld>
     <p:spTree>
@@ -25968,7 +26699,116 @@
 </p:sld>
 </file>
 
-<file path=ppt/slides/slide35.xml><?xml version="1.0" encoding="utf-8"?>
+<file path=ppt/slides/slide4.xml><?xml version="1.0" encoding="utf-8"?>
+<p:sld xmlns:a="http://schemas.openxmlformats.org/drawingml/2006/main" xmlns:r="http://schemas.openxmlformats.org/officeDocument/2006/relationships" xmlns:p="http://schemas.openxmlformats.org/presentationml/2006/main">
+  <p:cSld>
+    <p:spTree>
+      <p:nvGrpSpPr>
+        <p:cNvPr id="1" name=""/>
+        <p:cNvGrpSpPr/>
+        <p:nvPr/>
+      </p:nvGrpSpPr>
+      <p:grpSpPr>
+        <a:xfrm>
+          <a:off x="0" y="0"/>
+          <a:ext cx="0" cy="0"/>
+          <a:chOff x="0" y="0"/>
+          <a:chExt cx="0" cy="0"/>
+        </a:xfrm>
+      </p:grpSpPr>
+      <p:sp>
+        <p:nvSpPr>
+          <p:cNvPr id="2" name="标题 1"/>
+          <p:cNvSpPr>
+            <a:spLocks noGrp="1"/>
+          </p:cNvSpPr>
+          <p:nvPr>
+            <p:ph type="title"/>
+          </p:nvPr>
+        </p:nvSpPr>
+        <p:spPr/>
+        <p:txBody>
+          <a:bodyPr/>
+          <a:lstStyle/>
+          <a:p>
+            <a:r>
+              <a:rPr lang="en-US" altLang="zh-CN" dirty="0"/>
+              <a:t>Introduction to RPC</a:t>
+            </a:r>
+            <a:endParaRPr lang="zh-CN" altLang="en-US" dirty="0"/>
+          </a:p>
+        </p:txBody>
+      </p:sp>
+      <p:sp>
+        <p:nvSpPr>
+          <p:cNvPr id="3" name="文本占位符 2"/>
+          <p:cNvSpPr>
+            <a:spLocks noGrp="1"/>
+          </p:cNvSpPr>
+          <p:nvPr>
+            <p:ph type="body" sz="half" idx="2"/>
+          </p:nvPr>
+        </p:nvSpPr>
+        <p:spPr/>
+        <p:txBody>
+          <a:bodyPr/>
+          <a:lstStyle/>
+          <a:p>
+            <a:endParaRPr lang="zh-CN" altLang="en-US" dirty="0"/>
+          </a:p>
+        </p:txBody>
+      </p:sp>
+      <p:pic>
+        <p:nvPicPr>
+          <p:cNvPr id="4" name="图片 3"/>
+          <p:cNvPicPr>
+            <a:picLocks noChangeAspect="1"/>
+          </p:cNvPicPr>
+          <p:nvPr/>
+        </p:nvPicPr>
+        <p:blipFill>
+          <a:blip r:embed="rId3">
+            <a:extLst>
+              <a:ext uri="{28A0092B-C50C-407E-A947-70E740481C1C}">
+                <a14:useLocalDpi xmlns:a14="http://schemas.microsoft.com/office/drawing/2010/main" val="0"/>
+              </a:ext>
+            </a:extLst>
+          </a:blip>
+          <a:stretch>
+            <a:fillRect/>
+          </a:stretch>
+        </p:blipFill>
+        <p:spPr>
+          <a:xfrm>
+            <a:off x="600075" y="1543050"/>
+            <a:ext cx="7943850" cy="3771900"/>
+          </a:xfrm>
+          <a:prstGeom prst="rect">
+            <a:avLst/>
+          </a:prstGeom>
+        </p:spPr>
+      </p:pic>
+    </p:spTree>
+    <p:extLst>
+      <p:ext uri="{BB962C8B-B14F-4D97-AF65-F5344CB8AC3E}">
+        <p14:creationId xmlns:p14="http://schemas.microsoft.com/office/powerpoint/2010/main" val="3961719289"/>
+      </p:ext>
+    </p:extLst>
+  </p:cSld>
+  <p:clrMapOvr>
+    <a:masterClrMapping/>
+  </p:clrMapOvr>
+  <p:timing>
+    <p:tnLst>
+      <p:par>
+        <p:cTn id="1" dur="indefinite" restart="never" nodeType="tmRoot"/>
+      </p:par>
+    </p:tnLst>
+  </p:timing>
+</p:sld>
+</file>
+
+<file path=ppt/slides/slide40.xml><?xml version="1.0" encoding="utf-8"?>
 <p:sld xmlns:a="http://schemas.openxmlformats.org/drawingml/2006/main" xmlns:r="http://schemas.openxmlformats.org/officeDocument/2006/relationships" xmlns:p="http://schemas.openxmlformats.org/presentationml/2006/main">
   <p:cSld>
     <p:spTree>
@@ -26426,7 +27266,7 @@
 </p:sld>
 </file>
 
-<file path=ppt/slides/slide36.xml><?xml version="1.0" encoding="utf-8"?>
+<file path=ppt/slides/slide41.xml><?xml version="1.0" encoding="utf-8"?>
 <p:sld xmlns:a="http://schemas.openxmlformats.org/drawingml/2006/main" xmlns:r="http://schemas.openxmlformats.org/officeDocument/2006/relationships" xmlns:p="http://schemas.openxmlformats.org/presentationml/2006/main">
   <p:cSld>
     <p:spTree>
@@ -27229,7 +28069,142 @@
 </p:sld>
 </file>
 
-<file path=ppt/slides/slide37.xml><?xml version="1.0" encoding="utf-8"?>
+<file path=ppt/slides/slide42.xml><?xml version="1.0" encoding="utf-8"?>
+<p:sld xmlns:a="http://schemas.openxmlformats.org/drawingml/2006/main" xmlns:r="http://schemas.openxmlformats.org/officeDocument/2006/relationships" xmlns:p="http://schemas.openxmlformats.org/presentationml/2006/main">
+  <p:cSld>
+    <p:spTree>
+      <p:nvGrpSpPr>
+        <p:cNvPr id="1" name=""/>
+        <p:cNvGrpSpPr/>
+        <p:nvPr/>
+      </p:nvGrpSpPr>
+      <p:grpSpPr>
+        <a:xfrm>
+          <a:off x="0" y="0"/>
+          <a:ext cx="0" cy="0"/>
+          <a:chOff x="0" y="0"/>
+          <a:chExt cx="0" cy="0"/>
+        </a:xfrm>
+      </p:grpSpPr>
+      <p:sp>
+        <p:nvSpPr>
+          <p:cNvPr id="2" name="标题 1"/>
+          <p:cNvSpPr>
+            <a:spLocks noGrp="1"/>
+          </p:cNvSpPr>
+          <p:nvPr>
+            <p:ph type="title"/>
+          </p:nvPr>
+        </p:nvSpPr>
+        <p:spPr/>
+        <p:txBody>
+          <a:bodyPr/>
+          <a:lstStyle/>
+          <a:p>
+            <a:endParaRPr lang="zh-CN" altLang="en-US"/>
+          </a:p>
+        </p:txBody>
+      </p:sp>
+      <p:sp>
+        <p:nvSpPr>
+          <p:cNvPr id="3" name="文本占位符 2"/>
+          <p:cNvSpPr>
+            <a:spLocks noGrp="1"/>
+          </p:cNvSpPr>
+          <p:nvPr>
+            <p:ph type="body" sz="half" idx="2"/>
+          </p:nvPr>
+        </p:nvSpPr>
+        <p:spPr/>
+        <p:txBody>
+          <a:bodyPr/>
+          <a:lstStyle/>
+          <a:p>
+            <a:endParaRPr lang="zh-CN" altLang="en-US" dirty="0"/>
+          </a:p>
+        </p:txBody>
+      </p:sp>
+      <p:pic>
+        <p:nvPicPr>
+          <p:cNvPr id="6" name="图片 5"/>
+          <p:cNvPicPr>
+            <a:picLocks noChangeAspect="1"/>
+          </p:cNvPicPr>
+          <p:nvPr/>
+        </p:nvPicPr>
+        <p:blipFill>
+          <a:blip r:embed="rId2">
+            <a:extLst>
+              <a:ext uri="{28A0092B-C50C-407E-A947-70E740481C1C}">
+                <a14:useLocalDpi xmlns:a14="http://schemas.microsoft.com/office/drawing/2010/main" val="0"/>
+              </a:ext>
+            </a:extLst>
+          </a:blip>
+          <a:stretch>
+            <a:fillRect/>
+          </a:stretch>
+        </p:blipFill>
+        <p:spPr>
+          <a:xfrm>
+            <a:off x="3325905" y="1596837"/>
+            <a:ext cx="2458571" cy="2765892"/>
+          </a:xfrm>
+          <a:prstGeom prst="rect">
+            <a:avLst/>
+          </a:prstGeom>
+        </p:spPr>
+      </p:pic>
+      <p:pic>
+        <p:nvPicPr>
+          <p:cNvPr id="9" name="图片 8"/>
+          <p:cNvPicPr>
+            <a:picLocks noChangeAspect="1"/>
+          </p:cNvPicPr>
+          <p:nvPr/>
+        </p:nvPicPr>
+        <p:blipFill>
+          <a:blip r:embed="rId3">
+            <a:extLst>
+              <a:ext uri="{28A0092B-C50C-407E-A947-70E740481C1C}">
+                <a14:useLocalDpi xmlns:a14="http://schemas.microsoft.com/office/drawing/2010/main" val="0"/>
+              </a:ext>
+            </a:extLst>
+          </a:blip>
+          <a:stretch>
+            <a:fillRect/>
+          </a:stretch>
+        </p:blipFill>
+        <p:spPr>
+          <a:xfrm>
+            <a:off x="2932404" y="4658761"/>
+            <a:ext cx="3514286" cy="666667"/>
+          </a:xfrm>
+          <a:prstGeom prst="rect">
+            <a:avLst/>
+          </a:prstGeom>
+        </p:spPr>
+      </p:pic>
+    </p:spTree>
+    <p:extLst>
+      <p:ext uri="{BB962C8B-B14F-4D97-AF65-F5344CB8AC3E}">
+        <p14:creationId xmlns:p14="http://schemas.microsoft.com/office/powerpoint/2010/main" val="1424536461"/>
+      </p:ext>
+    </p:extLst>
+  </p:cSld>
+  <p:clrMapOvr>
+    <a:masterClrMapping/>
+  </p:clrMapOvr>
+  <p:timing>
+    <p:tnLst>
+      <p:par>
+        <p:cTn id="1" dur="indefinite" restart="never" nodeType="tmRoot"/>
+      </p:par>
+    </p:tnLst>
+  </p:timing>
+</p:sld>
+</file>
+
+<file path=ppt/slides/slide43.xml><?xml version="1.0" encoding="utf-8"?>
 <p:sld xmlns:a="http://schemas.openxmlformats.org/drawingml/2006/main" xmlns:r="http://schemas.openxmlformats.org/officeDocument/2006/relationships" xmlns:p="http://schemas.openxmlformats.org/presentationml/2006/main">
   <p:cSld>
     <p:spTree>
@@ -27361,7 +28336,7 @@
 </p:sld>
 </file>
 
-<file path=ppt/slides/slide38.xml><?xml version="1.0" encoding="utf-8"?>
+<file path=ppt/slides/slide44.xml><?xml version="1.0" encoding="utf-8"?>
 <p:sld xmlns:a="http://schemas.openxmlformats.org/drawingml/2006/main" xmlns:r="http://schemas.openxmlformats.org/officeDocument/2006/relationships" xmlns:p="http://schemas.openxmlformats.org/presentationml/2006/main">
   <p:cSld>
     <p:spTree>
@@ -27517,7 +28492,7 @@
 </p:sld>
 </file>
 
-<file path=ppt/slides/slide39.xml><?xml version="1.0" encoding="utf-8"?>
+<file path=ppt/slides/slide45.xml><?xml version="1.0" encoding="utf-8"?>
 <p:sld xmlns:a="http://schemas.openxmlformats.org/drawingml/2006/main" xmlns:r="http://schemas.openxmlformats.org/officeDocument/2006/relationships" xmlns:p="http://schemas.openxmlformats.org/presentationml/2006/main">
   <p:cSld>
     <p:spTree>
@@ -27666,116 +28641,7 @@
 </p:sld>
 </file>
 
-<file path=ppt/slides/slide4.xml><?xml version="1.0" encoding="utf-8"?>
-<p:sld xmlns:a="http://schemas.openxmlformats.org/drawingml/2006/main" xmlns:r="http://schemas.openxmlformats.org/officeDocument/2006/relationships" xmlns:p="http://schemas.openxmlformats.org/presentationml/2006/main">
-  <p:cSld>
-    <p:spTree>
-      <p:nvGrpSpPr>
-        <p:cNvPr id="1" name=""/>
-        <p:cNvGrpSpPr/>
-        <p:nvPr/>
-      </p:nvGrpSpPr>
-      <p:grpSpPr>
-        <a:xfrm>
-          <a:off x="0" y="0"/>
-          <a:ext cx="0" cy="0"/>
-          <a:chOff x="0" y="0"/>
-          <a:chExt cx="0" cy="0"/>
-        </a:xfrm>
-      </p:grpSpPr>
-      <p:sp>
-        <p:nvSpPr>
-          <p:cNvPr id="2" name="标题 1"/>
-          <p:cNvSpPr>
-            <a:spLocks noGrp="1"/>
-          </p:cNvSpPr>
-          <p:nvPr>
-            <p:ph type="title"/>
-          </p:nvPr>
-        </p:nvSpPr>
-        <p:spPr/>
-        <p:txBody>
-          <a:bodyPr/>
-          <a:lstStyle/>
-          <a:p>
-            <a:r>
-              <a:rPr lang="en-US" altLang="zh-CN" dirty="0"/>
-              <a:t>Introduction to RPC</a:t>
-            </a:r>
-            <a:endParaRPr lang="zh-CN" altLang="en-US" dirty="0"/>
-          </a:p>
-        </p:txBody>
-      </p:sp>
-      <p:sp>
-        <p:nvSpPr>
-          <p:cNvPr id="3" name="文本占位符 2"/>
-          <p:cNvSpPr>
-            <a:spLocks noGrp="1"/>
-          </p:cNvSpPr>
-          <p:nvPr>
-            <p:ph type="body" sz="half" idx="2"/>
-          </p:nvPr>
-        </p:nvSpPr>
-        <p:spPr/>
-        <p:txBody>
-          <a:bodyPr/>
-          <a:lstStyle/>
-          <a:p>
-            <a:endParaRPr lang="zh-CN" altLang="en-US" dirty="0"/>
-          </a:p>
-        </p:txBody>
-      </p:sp>
-      <p:pic>
-        <p:nvPicPr>
-          <p:cNvPr id="4" name="图片 3"/>
-          <p:cNvPicPr>
-            <a:picLocks noChangeAspect="1"/>
-          </p:cNvPicPr>
-          <p:nvPr/>
-        </p:nvPicPr>
-        <p:blipFill>
-          <a:blip r:embed="rId3">
-            <a:extLst>
-              <a:ext uri="{28A0092B-C50C-407E-A947-70E740481C1C}">
-                <a14:useLocalDpi xmlns:a14="http://schemas.microsoft.com/office/drawing/2010/main" val="0"/>
-              </a:ext>
-            </a:extLst>
-          </a:blip>
-          <a:stretch>
-            <a:fillRect/>
-          </a:stretch>
-        </p:blipFill>
-        <p:spPr>
-          <a:xfrm>
-            <a:off x="600075" y="1543050"/>
-            <a:ext cx="7943850" cy="3771900"/>
-          </a:xfrm>
-          <a:prstGeom prst="rect">
-            <a:avLst/>
-          </a:prstGeom>
-        </p:spPr>
-      </p:pic>
-    </p:spTree>
-    <p:extLst>
-      <p:ext uri="{BB962C8B-B14F-4D97-AF65-F5344CB8AC3E}">
-        <p14:creationId xmlns:p14="http://schemas.microsoft.com/office/powerpoint/2010/main" val="3961719289"/>
-      </p:ext>
-    </p:extLst>
-  </p:cSld>
-  <p:clrMapOvr>
-    <a:masterClrMapping/>
-  </p:clrMapOvr>
-  <p:timing>
-    <p:tnLst>
-      <p:par>
-        <p:cTn id="1" dur="indefinite" restart="never" nodeType="tmRoot"/>
-      </p:par>
-    </p:tnLst>
-  </p:timing>
-</p:sld>
-</file>
-
-<file path=ppt/slides/slide40.xml><?xml version="1.0" encoding="utf-8"?>
+<file path=ppt/slides/slide46.xml><?xml version="1.0" encoding="utf-8"?>
 <p:sld xmlns:a="http://schemas.openxmlformats.org/drawingml/2006/main" xmlns:r="http://schemas.openxmlformats.org/officeDocument/2006/relationships" xmlns:p="http://schemas.openxmlformats.org/presentationml/2006/main">
   <p:cSld>
     <p:spTree>
@@ -28202,15 +29068,7 @@
           <a:bodyPr/>
           <a:lstStyle/>
           <a:p>
-            <a:r>
-              <a:rPr lang="en-US" altLang="zh-CN" dirty="0"/>
-              <a:t>What is </a:t>
-            </a:r>
-            <a:r>
-              <a:rPr lang="en-US" altLang="zh-CN" dirty="0" err="1"/>
-              <a:t>rest_rpc</a:t>
-            </a:r>
-            <a:endParaRPr lang="zh-CN" altLang="en-US" dirty="0"/>
+            <a:endParaRPr lang="zh-CN" altLang="en-US"/>
           </a:p>
         </p:txBody>
       </p:sp>
@@ -28230,67 +29088,8 @@
           <a:lstStyle/>
           <a:p>
             <a:r>
-              <a:rPr lang="en-US" altLang="zh-CN" b="1" dirty="0" smtClean="0"/>
-              <a:t>client code:</a:t>
-            </a:r>
-          </a:p>
-          <a:p>
-            <a:endParaRPr lang="en-US" altLang="zh-CN" b="1" dirty="0" smtClean="0"/>
-          </a:p>
-          <a:p>
-            <a:r>
-              <a:rPr lang="en-US" altLang="zh-CN" dirty="0" smtClean="0">
-                <a:solidFill>
-                  <a:schemeClr val="accent1">
-                    <a:lumMod val="75000"/>
-                  </a:schemeClr>
-                </a:solidFill>
-              </a:rPr>
-              <a:t>// </a:t>
-            </a:r>
-            <a:r>
-              <a:rPr lang="en-US" altLang="zh-CN" dirty="0">
-                <a:solidFill>
-                  <a:schemeClr val="accent1">
-                    <a:lumMod val="75000"/>
-                  </a:schemeClr>
-                </a:solidFill>
-              </a:rPr>
-              <a:t>Defines the call definition, check the grammar at compile time</a:t>
-            </a:r>
-          </a:p>
-          <a:p>
-            <a:r>
-              <a:rPr lang="en-US" altLang="zh-CN" dirty="0" smtClean="0"/>
-              <a:t>TIMAX_DEFINE_PROTOCOL(add</a:t>
-            </a:r>
-            <a:r>
-              <a:rPr lang="en-US" altLang="zh-CN" dirty="0"/>
-              <a:t>, </a:t>
-            </a:r>
-            <a:r>
-              <a:rPr lang="en-US" altLang="zh-CN" dirty="0" err="1"/>
-              <a:t>int</a:t>
-            </a:r>
-            <a:r>
-              <a:rPr lang="en-US" altLang="zh-CN" dirty="0"/>
-              <a:t>(</a:t>
-            </a:r>
-            <a:r>
-              <a:rPr lang="en-US" altLang="zh-CN" dirty="0" err="1"/>
-              <a:t>int</a:t>
-            </a:r>
-            <a:r>
-              <a:rPr lang="en-US" altLang="zh-CN" dirty="0"/>
-              <a:t>, </a:t>
-            </a:r>
-            <a:r>
-              <a:rPr lang="en-US" altLang="zh-CN" dirty="0" err="1"/>
-              <a:t>int</a:t>
-            </a:r>
-            <a:r>
-              <a:rPr lang="en-US" altLang="zh-CN" dirty="0" smtClean="0"/>
-              <a:t>));</a:t>
+              <a:rPr lang="en-US" altLang="zh-CN" dirty="0" smtClean="0"/>
+              <a:t>live demo</a:t>
             </a:r>
           </a:p>
           <a:p>
@@ -28298,163 +29097,8 @@
           </a:p>
           <a:p>
             <a:r>
-              <a:rPr lang="en-US" altLang="zh-CN" dirty="0"/>
-              <a:t> </a:t>
-            </a:r>
-            <a:r>
-              <a:rPr lang="en-US" altLang="zh-CN" dirty="0" err="1"/>
-              <a:t>int</a:t>
-            </a:r>
-            <a:r>
-              <a:rPr lang="en-US" altLang="zh-CN" dirty="0"/>
-              <a:t> main()</a:t>
-            </a:r>
-          </a:p>
-          <a:p>
-            <a:r>
-              <a:rPr lang="en-US" altLang="zh-CN" dirty="0"/>
-              <a:t>  {</a:t>
-            </a:r>
-          </a:p>
-          <a:p>
-            <a:r>
-              <a:rPr lang="en-US" altLang="zh-CN" dirty="0"/>
-              <a:t>  	</a:t>
-            </a:r>
-            <a:r>
-              <a:rPr lang="en-US" altLang="zh-CN" dirty="0">
-                <a:solidFill>
-                  <a:schemeClr val="accent1">
-                    <a:lumMod val="75000"/>
-                  </a:schemeClr>
-                </a:solidFill>
-              </a:rPr>
-              <a:t>// Define synchronous client and </a:t>
-            </a:r>
-            <a:r>
-              <a:rPr lang="en-US" altLang="zh-CN" dirty="0" err="1">
-                <a:solidFill>
-                  <a:schemeClr val="accent1">
-                    <a:lumMod val="75000"/>
-                  </a:schemeClr>
-                </a:solidFill>
-              </a:rPr>
-              <a:t>msgpack</a:t>
-            </a:r>
-            <a:r>
-              <a:rPr lang="en-US" altLang="zh-CN" dirty="0">
-                <a:solidFill>
-                  <a:schemeClr val="accent1">
-                    <a:lumMod val="75000"/>
-                  </a:schemeClr>
-                </a:solidFill>
-              </a:rPr>
-              <a:t> serialization</a:t>
-            </a:r>
-          </a:p>
-          <a:p>
-            <a:r>
-              <a:rPr lang="en-US" altLang="zh-CN" dirty="0"/>
-              <a:t>  	</a:t>
-            </a:r>
-            <a:r>
-              <a:rPr lang="en-US" altLang="zh-CN" dirty="0" err="1" smtClean="0"/>
-              <a:t>rpc</a:t>
-            </a:r>
-            <a:r>
-              <a:rPr lang="en-US" altLang="zh-CN" dirty="0" smtClean="0"/>
-              <a:t>::</a:t>
-            </a:r>
-            <a:r>
-              <a:rPr lang="en-US" altLang="zh-CN" dirty="0" err="1" smtClean="0"/>
-              <a:t>sync_client</a:t>
-            </a:r>
-            <a:r>
-              <a:rPr lang="en-US" altLang="zh-CN" dirty="0" smtClean="0"/>
-              <a:t>&lt;</a:t>
-            </a:r>
-            <a:r>
-              <a:rPr lang="en-US" altLang="zh-CN" dirty="0" err="1" smtClean="0"/>
-              <a:t>msgpack_codec</a:t>
-            </a:r>
-            <a:r>
-              <a:rPr lang="en-US" altLang="zh-CN" dirty="0"/>
-              <a:t>&gt; client; </a:t>
-            </a:r>
-          </a:p>
-          <a:p>
-            <a:endParaRPr lang="en-US" altLang="zh-CN" dirty="0"/>
-          </a:p>
-          <a:p>
-            <a:r>
-              <a:rPr lang="en-US" altLang="zh-CN" dirty="0" smtClean="0"/>
-              <a:t>	</a:t>
-            </a:r>
-            <a:r>
-              <a:rPr lang="en-US" altLang="zh-CN" dirty="0" smtClean="0">
-                <a:solidFill>
-                  <a:schemeClr val="accent1">
-                    <a:lumMod val="75000"/>
-                  </a:schemeClr>
-                </a:solidFill>
-              </a:rPr>
-              <a:t>//RPC request contains service name and arguments</a:t>
-            </a:r>
-          </a:p>
-          <a:p>
-            <a:r>
-              <a:rPr lang="en-US" altLang="zh-CN" dirty="0"/>
-              <a:t>	auto endpoint = </a:t>
-            </a:r>
-            <a:r>
-              <a:rPr lang="en-US" altLang="zh-CN" dirty="0" err="1"/>
-              <a:t>timax</a:t>
-            </a:r>
-            <a:r>
-              <a:rPr lang="en-US" altLang="zh-CN" dirty="0"/>
-              <a:t>::</a:t>
-            </a:r>
-            <a:r>
-              <a:rPr lang="en-US" altLang="zh-CN" dirty="0" err="1"/>
-              <a:t>rpc</a:t>
-            </a:r>
-            <a:r>
-              <a:rPr lang="en-US" altLang="zh-CN" dirty="0"/>
-              <a:t>::</a:t>
-            </a:r>
-            <a:r>
-              <a:rPr lang="en-US" altLang="zh-CN" dirty="0" err="1"/>
-              <a:t>get_tcp_endpoint</a:t>
-            </a:r>
-            <a:r>
-              <a:rPr lang="en-US" altLang="zh-CN" dirty="0"/>
-              <a:t>("127.0.0.1", 9000);</a:t>
-            </a:r>
-          </a:p>
-          <a:p>
-            <a:r>
-              <a:rPr lang="en-US" altLang="zh-CN" dirty="0"/>
-              <a:t>  	auto result = </a:t>
-            </a:r>
-            <a:r>
-              <a:rPr lang="en-US" altLang="zh-CN" b="1" dirty="0" err="1"/>
-              <a:t>client.call</a:t>
-            </a:r>
-            <a:r>
-              <a:rPr lang="en-US" altLang="zh-CN" b="1" dirty="0"/>
-              <a:t>(endpoint, add, 1, 2); </a:t>
-            </a:r>
-          </a:p>
-          <a:p>
-            <a:r>
-              <a:rPr lang="en-US" altLang="zh-CN" dirty="0"/>
-              <a:t>  	assert(result == 3);</a:t>
-            </a:r>
-          </a:p>
-          <a:p>
-            <a:r>
-              <a:rPr lang="en-US" altLang="zh-CN" dirty="0"/>
-              <a:t>  }</a:t>
+              <a:rPr lang="en-US" altLang="zh-CN" dirty="0" smtClean="0"/>
+              <a:t>finish a RPC application in 5 minutes.</a:t>
             </a:r>
             <a:endParaRPr lang="zh-CN" altLang="en-US" dirty="0"/>
           </a:p>
@@ -28463,7 +29107,7 @@
     </p:spTree>
     <p:extLst>
       <p:ext uri="{BB962C8B-B14F-4D97-AF65-F5344CB8AC3E}">
-        <p14:creationId xmlns:p14="http://schemas.microsoft.com/office/powerpoint/2010/main" val="3647151512"/>
+        <p14:creationId xmlns:p14="http://schemas.microsoft.com/office/powerpoint/2010/main" val="3224612076"/>
       </p:ext>
     </p:extLst>
   </p:cSld>
@@ -28541,125 +29185,108 @@
           <a:p>
             <a:r>
               <a:rPr lang="en-US" altLang="zh-CN" b="1" dirty="0" smtClean="0"/>
-              <a:t>server code:</a:t>
-            </a:r>
-          </a:p>
-          <a:p>
-            <a:r>
-              <a:rPr lang="en-US" altLang="zh-CN" i="1" dirty="0" smtClean="0">
+              <a:t>client code:</a:t>
+            </a:r>
+          </a:p>
+          <a:p>
+            <a:endParaRPr lang="en-US" altLang="zh-CN" b="1" dirty="0" smtClean="0"/>
+          </a:p>
+          <a:p>
+            <a:r>
+              <a:rPr lang="en-US" altLang="zh-CN" dirty="0" smtClean="0">
                 <a:solidFill>
                   <a:schemeClr val="accent1">
                     <a:lumMod val="75000"/>
                   </a:schemeClr>
                 </a:solidFill>
               </a:rPr>
-              <a:t>//business logic</a:t>
-            </a:r>
-          </a:p>
-          <a:p>
-            <a:r>
-              <a:rPr lang="en-US" altLang="zh-CN" dirty="0" err="1"/>
-              <a:t>int</a:t>
-            </a:r>
-            <a:r>
-              <a:rPr lang="en-US" altLang="zh-CN" dirty="0"/>
-              <a:t> add(</a:t>
-            </a:r>
-            <a:r>
-              <a:rPr lang="en-US" altLang="zh-CN" dirty="0" err="1"/>
-              <a:t>int</a:t>
-            </a:r>
-            <a:r>
-              <a:rPr lang="en-US" altLang="zh-CN" dirty="0"/>
-              <a:t> a, </a:t>
-            </a:r>
-            <a:r>
-              <a:rPr lang="en-US" altLang="zh-CN" dirty="0" err="1"/>
-              <a:t>int</a:t>
-            </a:r>
-            <a:r>
-              <a:rPr lang="en-US" altLang="zh-CN" dirty="0"/>
-              <a:t> b)</a:t>
-            </a:r>
-          </a:p>
-          <a:p>
-            <a:r>
-              <a:rPr lang="en-US" altLang="zh-CN" dirty="0"/>
-              <a:t>{</a:t>
-            </a:r>
-          </a:p>
-          <a:p>
-            <a:r>
-              <a:rPr lang="en-US" altLang="zh-CN" dirty="0" smtClean="0"/>
-              <a:t>	return </a:t>
-            </a:r>
-            <a:r>
-              <a:rPr lang="en-US" altLang="zh-CN" dirty="0"/>
-              <a:t>a + b;</a:t>
-            </a:r>
-          </a:p>
-          <a:p>
-            <a:r>
-              <a:rPr lang="en-US" altLang="zh-CN" dirty="0" smtClean="0"/>
-              <a:t>}</a:t>
-            </a:r>
-          </a:p>
-          <a:p>
-            <a:endParaRPr lang="en-US" altLang="zh-CN" dirty="0" smtClean="0"/>
-          </a:p>
-          <a:p>
-            <a:r>
-              <a:rPr lang="en-US" altLang="zh-CN" dirty="0" err="1"/>
-              <a:t>int</a:t>
-            </a:r>
-            <a:r>
-              <a:rPr lang="en-US" altLang="zh-CN" dirty="0"/>
-              <a:t> main()</a:t>
-            </a:r>
-          </a:p>
-          <a:p>
-            <a:r>
-              <a:rPr lang="en-US" altLang="zh-CN" dirty="0" smtClean="0"/>
-              <a:t>{</a:t>
-            </a:r>
-          </a:p>
-          <a:p>
-            <a:r>
-              <a:rPr lang="en-US" altLang="zh-CN" dirty="0"/>
-              <a:t>	</a:t>
-            </a:r>
-            <a:r>
-              <a:rPr lang="en-US" altLang="zh-CN" i="1" dirty="0" smtClean="0">
+              <a:t>// </a:t>
+            </a:r>
+            <a:r>
+              <a:rPr lang="en-US" altLang="zh-CN" dirty="0">
                 <a:solidFill>
                   <a:schemeClr val="accent1">
                     <a:lumMod val="75000"/>
                   </a:schemeClr>
                 </a:solidFill>
               </a:rPr>
-              <a:t>//define serialization type, support </a:t>
-            </a:r>
-            <a:r>
-              <a:rPr lang="en-US" altLang="zh-CN" i="1" dirty="0" err="1" smtClean="0">
+              <a:t>Defines the call definition, check the grammar at compile time</a:t>
+            </a:r>
+          </a:p>
+          <a:p>
+            <a:r>
+              <a:rPr lang="en-US" altLang="zh-CN" dirty="0" smtClean="0"/>
+              <a:t>TIMAX_DEFINE_PROTOCOL(add</a:t>
+            </a:r>
+            <a:r>
+              <a:rPr lang="en-US" altLang="zh-CN" dirty="0"/>
+              <a:t>, </a:t>
+            </a:r>
+            <a:r>
+              <a:rPr lang="en-US" altLang="zh-CN" dirty="0" err="1"/>
+              <a:t>int</a:t>
+            </a:r>
+            <a:r>
+              <a:rPr lang="en-US" altLang="zh-CN" dirty="0"/>
+              <a:t>(</a:t>
+            </a:r>
+            <a:r>
+              <a:rPr lang="en-US" altLang="zh-CN" dirty="0" err="1"/>
+              <a:t>int</a:t>
+            </a:r>
+            <a:r>
+              <a:rPr lang="en-US" altLang="zh-CN" dirty="0"/>
+              <a:t>, </a:t>
+            </a:r>
+            <a:r>
+              <a:rPr lang="en-US" altLang="zh-CN" dirty="0" err="1"/>
+              <a:t>int</a:t>
+            </a:r>
+            <a:r>
+              <a:rPr lang="en-US" altLang="zh-CN" dirty="0" smtClean="0"/>
+              <a:t>));</a:t>
+            </a:r>
+          </a:p>
+          <a:p>
+            <a:endParaRPr lang="en-US" altLang="zh-CN" dirty="0"/>
+          </a:p>
+          <a:p>
+            <a:r>
+              <a:rPr lang="en-US" altLang="zh-CN" dirty="0"/>
+              <a:t> </a:t>
+            </a:r>
+            <a:r>
+              <a:rPr lang="en-US" altLang="zh-CN" dirty="0" err="1"/>
+              <a:t>int</a:t>
+            </a:r>
+            <a:r>
+              <a:rPr lang="en-US" altLang="zh-CN" dirty="0"/>
+              <a:t> main()</a:t>
+            </a:r>
+          </a:p>
+          <a:p>
+            <a:r>
+              <a:rPr lang="en-US" altLang="zh-CN" dirty="0"/>
+              <a:t>  {</a:t>
+            </a:r>
+          </a:p>
+          <a:p>
+            <a:r>
+              <a:rPr lang="en-US" altLang="zh-CN" dirty="0"/>
+              <a:t>  	</a:t>
+            </a:r>
+            <a:r>
+              <a:rPr lang="en-US" altLang="zh-CN" dirty="0">
                 <a:solidFill>
                   <a:schemeClr val="accent1">
                     <a:lumMod val="75000"/>
                   </a:schemeClr>
                 </a:solidFill>
               </a:rPr>
-              <a:t>json</a:t>
-            </a:r>
-            <a:r>
-              <a:rPr lang="en-US" altLang="zh-CN" i="1" dirty="0" smtClean="0">
-                <a:solidFill>
-                  <a:schemeClr val="accent1">
-                    <a:lumMod val="75000"/>
-                  </a:schemeClr>
-                </a:solidFill>
-              </a:rPr>
-              <a:t>, xml, </a:t>
-            </a:r>
-            <a:r>
-              <a:rPr lang="en-US" altLang="zh-CN" i="1" dirty="0" err="1" smtClean="0">
+              <a:t>// Define synchronous client and </a:t>
+            </a:r>
+            <a:r>
+              <a:rPr lang="en-US" altLang="zh-CN" dirty="0" err="1">
                 <a:solidFill>
                   <a:schemeClr val="accent1">
                     <a:lumMod val="75000"/>
@@ -28668,153 +29295,120 @@
               </a:rPr>
               <a:t>msgpack</a:t>
             </a:r>
-            <a:endParaRPr lang="en-US" altLang="zh-CN" i="1" dirty="0">
-              <a:solidFill>
-                <a:schemeClr val="accent1">
-                  <a:lumMod val="75000"/>
-                </a:schemeClr>
-              </a:solidFill>
-            </a:endParaRPr>
-          </a:p>
-          <a:p>
-            <a:r>
-              <a:rPr lang="en-US" altLang="zh-CN" dirty="0" smtClean="0"/>
-              <a:t>	using </a:t>
-            </a:r>
-            <a:r>
-              <a:rPr lang="en-US" altLang="zh-CN" dirty="0" err="1"/>
-              <a:t>server_t</a:t>
-            </a:r>
-            <a:r>
-              <a:rPr lang="en-US" altLang="zh-CN" dirty="0"/>
-              <a:t> = </a:t>
-            </a:r>
-            <a:r>
-              <a:rPr lang="en-US" altLang="zh-CN" dirty="0" err="1" smtClean="0"/>
-              <a:t>rpc</a:t>
-            </a:r>
-            <a:r>
-              <a:rPr lang="en-US" altLang="zh-CN" dirty="0"/>
-              <a:t>::</a:t>
-            </a:r>
-            <a:r>
-              <a:rPr lang="en-US" altLang="zh-CN" dirty="0" smtClean="0"/>
-              <a:t>server&lt;</a:t>
-            </a:r>
-            <a:r>
-              <a:rPr lang="en-US" altLang="zh-CN" dirty="0" err="1" smtClean="0"/>
-              <a:t>rpc</a:t>
-            </a:r>
-            <a:r>
-              <a:rPr lang="en-US" altLang="zh-CN" dirty="0"/>
-              <a:t>::</a:t>
-            </a:r>
-            <a:r>
-              <a:rPr lang="en-US" altLang="zh-CN" dirty="0" err="1"/>
-              <a:t>msgpack_codec</a:t>
-            </a:r>
-            <a:r>
-              <a:rPr lang="en-US" altLang="zh-CN" dirty="0"/>
-              <a:t>&gt;;</a:t>
-            </a:r>
-          </a:p>
-          <a:p>
-            <a:r>
-              <a:rPr lang="en-US" altLang="zh-CN" dirty="0" smtClean="0"/>
-              <a:t>	</a:t>
-            </a:r>
-            <a:r>
-              <a:rPr lang="en-US" altLang="zh-CN" dirty="0" err="1" smtClean="0"/>
-              <a:t>server_t</a:t>
-            </a:r>
-            <a:r>
-              <a:rPr lang="en-US" altLang="zh-CN" dirty="0" smtClean="0"/>
-              <a:t> </a:t>
-            </a:r>
-            <a:r>
-              <a:rPr lang="en-US" altLang="zh-CN" dirty="0"/>
-              <a:t>server{ port, </a:t>
-            </a:r>
-            <a:r>
-              <a:rPr lang="en-US" altLang="zh-CN" dirty="0" err="1"/>
-              <a:t>pool_size</a:t>
-            </a:r>
-            <a:r>
-              <a:rPr lang="en-US" altLang="zh-CN" dirty="0"/>
-              <a:t>, </a:t>
-            </a:r>
-            <a:r>
-              <a:rPr lang="en-US" altLang="zh-CN" dirty="0" err="1"/>
-              <a:t>std</a:t>
-            </a:r>
-            <a:r>
-              <a:rPr lang="en-US" altLang="zh-CN" dirty="0"/>
-              <a:t>::</a:t>
-            </a:r>
-            <a:r>
-              <a:rPr lang="en-US" altLang="zh-CN" dirty="0" err="1"/>
-              <a:t>chrono</a:t>
-            </a:r>
-            <a:r>
-              <a:rPr lang="en-US" altLang="zh-CN" dirty="0"/>
-              <a:t>::seconds{ 2 } </a:t>
-            </a:r>
-            <a:r>
-              <a:rPr lang="en-US" altLang="zh-CN" dirty="0" smtClean="0"/>
-              <a:t>};</a:t>
-            </a:r>
-            <a:endParaRPr lang="zh-CN" altLang="en-US" dirty="0"/>
-          </a:p>
-          <a:p>
-            <a:r>
-              <a:rPr lang="en-US" altLang="zh-CN" dirty="0" smtClean="0"/>
-              <a:t>	</a:t>
-            </a:r>
-            <a:r>
-              <a:rPr lang="en-US" altLang="zh-CN" b="1" dirty="0" err="1" smtClean="0"/>
-              <a:t>server.register_handler</a:t>
-            </a:r>
-            <a:r>
-              <a:rPr lang="en-US" altLang="zh-CN" b="1" dirty="0" smtClean="0"/>
-              <a:t>("add</a:t>
-            </a:r>
-            <a:r>
-              <a:rPr lang="en-US" altLang="zh-CN" b="1" dirty="0"/>
-              <a:t>", </a:t>
-            </a:r>
-            <a:r>
-              <a:rPr lang="en-US" altLang="zh-CN" b="1" dirty="0" smtClean="0"/>
-              <a:t>add); </a:t>
-            </a:r>
-            <a:r>
-              <a:rPr lang="en-US" altLang="zh-CN" i="1" dirty="0" smtClean="0">
+            <a:r>
+              <a:rPr lang="en-US" altLang="zh-CN" dirty="0">
                 <a:solidFill>
                   <a:schemeClr val="accent1">
                     <a:lumMod val="75000"/>
                   </a:schemeClr>
                 </a:solidFill>
               </a:rPr>
-              <a:t>//register business handler</a:t>
-            </a:r>
-          </a:p>
-          <a:p>
-            <a:r>
-              <a:rPr lang="en-US" altLang="zh-CN" dirty="0"/>
+              <a:t> serialization</a:t>
+            </a:r>
+          </a:p>
+          <a:p>
+            <a:r>
+              <a:rPr lang="en-US" altLang="zh-CN" dirty="0"/>
+              <a:t>  	</a:t>
+            </a:r>
+            <a:r>
+              <a:rPr lang="en-US" altLang="zh-CN" dirty="0" err="1" smtClean="0"/>
+              <a:t>rpc</a:t>
+            </a:r>
+            <a:r>
+              <a:rPr lang="en-US" altLang="zh-CN" dirty="0" smtClean="0"/>
+              <a:t>::</a:t>
+            </a:r>
+            <a:r>
+              <a:rPr lang="en-US" altLang="zh-CN" dirty="0" err="1" smtClean="0"/>
+              <a:t>sync_client</a:t>
+            </a:r>
+            <a:r>
+              <a:rPr lang="en-US" altLang="zh-CN" dirty="0" smtClean="0"/>
+              <a:t>&lt;</a:t>
+            </a:r>
+            <a:r>
+              <a:rPr lang="en-US" altLang="zh-CN" dirty="0" err="1" smtClean="0"/>
+              <a:t>msgpack_codec</a:t>
+            </a:r>
+            <a:r>
+              <a:rPr lang="en-US" altLang="zh-CN" dirty="0"/>
+              <a:t>&gt; client; </a:t>
+            </a:r>
+          </a:p>
+          <a:p>
+            <a:endParaRPr lang="en-US" altLang="zh-CN" dirty="0"/>
+          </a:p>
+          <a:p>
+            <a:r>
+              <a:rPr lang="en-US" altLang="zh-CN" dirty="0" smtClean="0"/>
               <a:t>	</a:t>
             </a:r>
             <a:r>
+              <a:rPr lang="en-US" altLang="zh-CN" dirty="0" smtClean="0">
+                <a:solidFill>
+                  <a:schemeClr val="accent1">
+                    <a:lumMod val="75000"/>
+                  </a:schemeClr>
+                </a:solidFill>
+              </a:rPr>
+              <a:t>//RPC request contains service name and arguments</a:t>
+            </a:r>
+          </a:p>
+          <a:p>
+            <a:r>
+              <a:rPr lang="en-US" altLang="zh-CN" dirty="0"/>
+              <a:t>	auto endpoint = </a:t>
+            </a:r>
+            <a:r>
               <a:rPr lang="en-US" altLang="zh-CN" dirty="0" err="1"/>
-              <a:t>server.start</a:t>
-            </a:r>
-            <a:r>
-              <a:rPr lang="en-US" altLang="zh-CN" dirty="0" smtClean="0"/>
-              <a:t>();</a:t>
-            </a:r>
-          </a:p>
-          <a:p>
-            <a:r>
-              <a:rPr lang="en-US" altLang="zh-CN" dirty="0" smtClean="0"/>
-              <a:t>}</a:t>
+              <a:t>timax</a:t>
+            </a:r>
+            <a:r>
+              <a:rPr lang="en-US" altLang="zh-CN" dirty="0"/>
+              <a:t>::</a:t>
+            </a:r>
+            <a:r>
+              <a:rPr lang="en-US" altLang="zh-CN" dirty="0" err="1"/>
+              <a:t>rpc</a:t>
+            </a:r>
+            <a:r>
+              <a:rPr lang="en-US" altLang="zh-CN" dirty="0"/>
+              <a:t>::</a:t>
+            </a:r>
+            <a:r>
+              <a:rPr lang="en-US" altLang="zh-CN" dirty="0" err="1"/>
+              <a:t>get_tcp_endpoint</a:t>
+            </a:r>
+            <a:r>
+              <a:rPr lang="en-US" altLang="zh-CN" dirty="0"/>
+              <a:t>("127.0.0.1", 9000);</a:t>
+            </a:r>
+          </a:p>
+          <a:p>
+            <a:r>
+              <a:rPr lang="en-US" altLang="zh-CN" dirty="0"/>
+              <a:t>  	auto result = </a:t>
+            </a:r>
+            <a:r>
+              <a:rPr lang="en-US" altLang="zh-CN" b="1" dirty="0" err="1"/>
+              <a:t>client.call</a:t>
+            </a:r>
+            <a:r>
+              <a:rPr lang="en-US" altLang="zh-CN" b="1" dirty="0"/>
+              <a:t>(endpoint, add, 1, 2); </a:t>
+            </a:r>
+          </a:p>
+          <a:p>
+            <a:r>
+              <a:rPr lang="en-US" altLang="zh-CN" dirty="0"/>
+              <a:t>  	assert(result == 3);</a:t>
+            </a:r>
+          </a:p>
+          <a:p>
+            <a:r>
+              <a:rPr lang="en-US" altLang="zh-CN" dirty="0"/>
+              <a:t>  }</a:t>
             </a:r>
             <a:endParaRPr lang="zh-CN" altLang="en-US" dirty="0"/>
           </a:p>
@@ -28823,7 +29417,7 @@
     </p:spTree>
     <p:extLst>
       <p:ext uri="{BB962C8B-B14F-4D97-AF65-F5344CB8AC3E}">
-        <p14:creationId xmlns:p14="http://schemas.microsoft.com/office/powerpoint/2010/main" val="1957574418"/>
+        <p14:creationId xmlns:p14="http://schemas.microsoft.com/office/powerpoint/2010/main" val="3647151512"/>
       </p:ext>
     </p:extLst>
   </p:cSld>
@@ -28873,8 +29467,12 @@
           <a:lstStyle/>
           <a:p>
             <a:r>
-              <a:rPr lang="en-US" altLang="zh-CN" dirty="0" smtClean="0"/>
-              <a:t>Outline</a:t>
+              <a:rPr lang="en-US" altLang="zh-CN" dirty="0"/>
+              <a:t>What is </a:t>
+            </a:r>
+            <a:r>
+              <a:rPr lang="en-US" altLang="zh-CN" dirty="0" err="1"/>
+              <a:t>rest_rpc</a:t>
             </a:r>
             <a:endParaRPr lang="zh-CN" altLang="en-US" dirty="0"/>
           </a:p>
@@ -28896,61 +29494,281 @@
           <a:lstStyle/>
           <a:p>
             <a:r>
-              <a:rPr lang="en-US" altLang="zh-CN" dirty="0"/>
-              <a:t>1.Introduction to RPC</a:t>
-            </a:r>
-          </a:p>
-          <a:p>
-            <a:endParaRPr lang="en-US" altLang="zh-CN" dirty="0"/>
-          </a:p>
-          <a:p>
-            <a:r>
-              <a:rPr lang="en-US" altLang="zh-CN" dirty="0"/>
-              <a:t>2.What is </a:t>
-            </a:r>
-            <a:r>
-              <a:rPr lang="en-US" altLang="zh-CN" dirty="0" err="1"/>
-              <a:t>rest_rpc</a:t>
-            </a:r>
-            <a:endParaRPr lang="en-US" altLang="zh-CN" dirty="0"/>
-          </a:p>
-          <a:p>
-            <a:endParaRPr lang="en-US" altLang="zh-CN" dirty="0"/>
-          </a:p>
-          <a:p>
-            <a:r>
-              <a:rPr lang="en-US" altLang="zh-CN" sz="1800" dirty="0">
+              <a:rPr lang="en-US" altLang="zh-CN" b="1" dirty="0" smtClean="0"/>
+              <a:t>server code:</a:t>
+            </a:r>
+          </a:p>
+          <a:p>
+            <a:r>
+              <a:rPr lang="en-US" altLang="zh-CN" i="1" dirty="0" smtClean="0">
                 <a:solidFill>
-                  <a:schemeClr val="accent5"/>
+                  <a:schemeClr val="accent1">
+                    <a:lumMod val="75000"/>
+                  </a:schemeClr>
                 </a:solidFill>
               </a:rPr>
-              <a:t>3.Challenges of easy to use</a:t>
-            </a:r>
-          </a:p>
-          <a:p>
-            <a:endParaRPr lang="en-US" altLang="zh-CN" dirty="0"/>
-          </a:p>
-          <a:p>
-            <a:r>
-              <a:rPr lang="en-US" altLang="zh-CN" dirty="0"/>
-              <a:t>4.Key technologies</a:t>
-            </a:r>
-          </a:p>
-          <a:p>
-            <a:endParaRPr lang="en-US" altLang="zh-CN" dirty="0"/>
-          </a:p>
-          <a:p>
-            <a:r>
-              <a:rPr lang="en-US" altLang="zh-CN" dirty="0"/>
-              <a:t>5</a:t>
-            </a:r>
-            <a:r>
-              <a:rPr lang="en-US" altLang="zh-CN" dirty="0" smtClean="0"/>
-              <a:t>.What </a:t>
-            </a:r>
-            <a:r>
-              <a:rPr lang="en-US" altLang="zh-CN" dirty="0"/>
-              <a:t>you can do with it</a:t>
+              <a:t>//business logic</a:t>
+            </a:r>
+          </a:p>
+          <a:p>
+            <a:r>
+              <a:rPr lang="en-US" altLang="zh-CN" dirty="0" err="1"/>
+              <a:t>int</a:t>
+            </a:r>
+            <a:r>
+              <a:rPr lang="en-US" altLang="zh-CN" dirty="0"/>
+              <a:t> add(</a:t>
+            </a:r>
+            <a:r>
+              <a:rPr lang="en-US" altLang="zh-CN" dirty="0" err="1"/>
+              <a:t>int</a:t>
+            </a:r>
+            <a:r>
+              <a:rPr lang="en-US" altLang="zh-CN" dirty="0"/>
+              <a:t> a, </a:t>
+            </a:r>
+            <a:r>
+              <a:rPr lang="en-US" altLang="zh-CN" dirty="0" err="1"/>
+              <a:t>int</a:t>
+            </a:r>
+            <a:r>
+              <a:rPr lang="en-US" altLang="zh-CN" dirty="0"/>
+              <a:t> b)</a:t>
+            </a:r>
+          </a:p>
+          <a:p>
+            <a:r>
+              <a:rPr lang="en-US" altLang="zh-CN" dirty="0"/>
+              <a:t>{</a:t>
+            </a:r>
+          </a:p>
+          <a:p>
+            <a:r>
+              <a:rPr lang="en-US" altLang="zh-CN" dirty="0" smtClean="0"/>
+              <a:t>	return </a:t>
+            </a:r>
+            <a:r>
+              <a:rPr lang="en-US" altLang="zh-CN" dirty="0"/>
+              <a:t>a + b;</a:t>
+            </a:r>
+          </a:p>
+          <a:p>
+            <a:r>
+              <a:rPr lang="en-US" altLang="zh-CN" dirty="0" smtClean="0"/>
+              <a:t>}</a:t>
+            </a:r>
+          </a:p>
+          <a:p>
+            <a:endParaRPr lang="en-US" altLang="zh-CN" dirty="0" smtClean="0"/>
+          </a:p>
+          <a:p>
+            <a:r>
+              <a:rPr lang="en-US" altLang="zh-CN" dirty="0" err="1"/>
+              <a:t>int</a:t>
+            </a:r>
+            <a:r>
+              <a:rPr lang="en-US" altLang="zh-CN" dirty="0"/>
+              <a:t> main()</a:t>
+            </a:r>
+          </a:p>
+          <a:p>
+            <a:r>
+              <a:rPr lang="en-US" altLang="zh-CN" dirty="0" smtClean="0"/>
+              <a:t>{</a:t>
+            </a:r>
+          </a:p>
+          <a:p>
+            <a:r>
+              <a:rPr lang="en-US" altLang="zh-CN" dirty="0"/>
+              <a:t>	</a:t>
+            </a:r>
+            <a:r>
+              <a:rPr lang="en-US" altLang="zh-CN" i="1" dirty="0" smtClean="0">
+                <a:solidFill>
+                  <a:schemeClr val="accent1">
+                    <a:lumMod val="75000"/>
+                  </a:schemeClr>
+                </a:solidFill>
+              </a:rPr>
+              <a:t>//define serialization type, support </a:t>
+            </a:r>
+            <a:r>
+              <a:rPr lang="en-US" altLang="zh-CN" i="1" dirty="0" err="1" smtClean="0">
+                <a:solidFill>
+                  <a:schemeClr val="accent1">
+                    <a:lumMod val="75000"/>
+                  </a:schemeClr>
+                </a:solidFill>
+              </a:rPr>
+              <a:t>json</a:t>
+            </a:r>
+            <a:r>
+              <a:rPr lang="en-US" altLang="zh-CN" i="1" dirty="0" smtClean="0">
+                <a:solidFill>
+                  <a:schemeClr val="accent1">
+                    <a:lumMod val="75000"/>
+                  </a:schemeClr>
+                </a:solidFill>
+              </a:rPr>
+              <a:t>, xml, </a:t>
+            </a:r>
+            <a:r>
+              <a:rPr lang="en-US" altLang="zh-CN" i="1" dirty="0" err="1" smtClean="0">
+                <a:solidFill>
+                  <a:schemeClr val="accent1">
+                    <a:lumMod val="75000"/>
+                  </a:schemeClr>
+                </a:solidFill>
+              </a:rPr>
+              <a:t>msgpack</a:t>
+            </a:r>
+            <a:endParaRPr lang="en-US" altLang="zh-CN" i="1" dirty="0">
+              <a:solidFill>
+                <a:schemeClr val="accent1">
+                  <a:lumMod val="75000"/>
+                </a:schemeClr>
+              </a:solidFill>
+            </a:endParaRPr>
+          </a:p>
+          <a:p>
+            <a:r>
+              <a:rPr lang="en-US" altLang="zh-CN" dirty="0" smtClean="0"/>
+              <a:t>	using </a:t>
+            </a:r>
+            <a:r>
+              <a:rPr lang="en-US" altLang="zh-CN" dirty="0" err="1"/>
+              <a:t>server_t</a:t>
+            </a:r>
+            <a:r>
+              <a:rPr lang="en-US" altLang="zh-CN" dirty="0"/>
+              <a:t> = </a:t>
+            </a:r>
+            <a:r>
+              <a:rPr lang="en-US" altLang="zh-CN" dirty="0" err="1" smtClean="0"/>
+              <a:t>rpc</a:t>
+            </a:r>
+            <a:r>
+              <a:rPr lang="en-US" altLang="zh-CN" dirty="0"/>
+              <a:t>::</a:t>
+            </a:r>
+            <a:r>
+              <a:rPr lang="en-US" altLang="zh-CN" dirty="0" smtClean="0"/>
+              <a:t>server&lt;</a:t>
+            </a:r>
+            <a:r>
+              <a:rPr lang="en-US" altLang="zh-CN" dirty="0" err="1" smtClean="0"/>
+              <a:t>rpc</a:t>
+            </a:r>
+            <a:r>
+              <a:rPr lang="en-US" altLang="zh-CN" dirty="0"/>
+              <a:t>::</a:t>
+            </a:r>
+            <a:r>
+              <a:rPr lang="en-US" altLang="zh-CN" dirty="0" err="1"/>
+              <a:t>msgpack_codec</a:t>
+            </a:r>
+            <a:r>
+              <a:rPr lang="en-US" altLang="zh-CN" dirty="0"/>
+              <a:t>&gt;;</a:t>
+            </a:r>
+          </a:p>
+          <a:p>
+            <a:r>
+              <a:rPr lang="en-US" altLang="zh-CN" dirty="0" smtClean="0"/>
+              <a:t>	</a:t>
+            </a:r>
+            <a:r>
+              <a:rPr lang="en-US" altLang="zh-CN" dirty="0" err="1" smtClean="0"/>
+              <a:t>server_t</a:t>
+            </a:r>
+            <a:r>
+              <a:rPr lang="en-US" altLang="zh-CN" dirty="0" smtClean="0"/>
+              <a:t> </a:t>
+            </a:r>
+            <a:r>
+              <a:rPr lang="en-US" altLang="zh-CN" dirty="0"/>
+              <a:t>server{ port, </a:t>
+            </a:r>
+            <a:r>
+              <a:rPr lang="en-US" altLang="zh-CN" dirty="0" err="1"/>
+              <a:t>pool_size</a:t>
+            </a:r>
+            <a:r>
+              <a:rPr lang="en-US" altLang="zh-CN" dirty="0"/>
+              <a:t>, </a:t>
+            </a:r>
+            <a:r>
+              <a:rPr lang="en-US" altLang="zh-CN" dirty="0" err="1"/>
+              <a:t>std</a:t>
+            </a:r>
+            <a:r>
+              <a:rPr lang="en-US" altLang="zh-CN" dirty="0"/>
+              <a:t>::</a:t>
+            </a:r>
+            <a:r>
+              <a:rPr lang="en-US" altLang="zh-CN" dirty="0" err="1"/>
+              <a:t>chrono</a:t>
+            </a:r>
+            <a:r>
+              <a:rPr lang="en-US" altLang="zh-CN" dirty="0"/>
+              <a:t>::seconds{ 2 } </a:t>
+            </a:r>
+            <a:r>
+              <a:rPr lang="en-US" altLang="zh-CN" dirty="0" smtClean="0"/>
+              <a:t>};</a:t>
+            </a:r>
+            <a:endParaRPr lang="zh-CN" altLang="en-US" dirty="0"/>
+          </a:p>
+          <a:p>
+            <a:r>
+              <a:rPr lang="en-US" altLang="zh-CN" dirty="0" smtClean="0"/>
+              <a:t>	</a:t>
+            </a:r>
+            <a:r>
+              <a:rPr lang="en-US" altLang="zh-CN" b="1" dirty="0" err="1" smtClean="0"/>
+              <a:t>server.register_handler</a:t>
+            </a:r>
+            <a:r>
+              <a:rPr lang="en-US" altLang="zh-CN" b="1" dirty="0" smtClean="0"/>
+              <a:t>("add</a:t>
+            </a:r>
+            <a:r>
+              <a:rPr lang="en-US" altLang="zh-CN" b="1" dirty="0"/>
+              <a:t>", </a:t>
+            </a:r>
+            <a:r>
+              <a:rPr lang="en-US" altLang="zh-CN" b="1" dirty="0" smtClean="0"/>
+              <a:t>add); </a:t>
+            </a:r>
+            <a:r>
+              <a:rPr lang="en-US" altLang="zh-CN" i="1" dirty="0" smtClean="0">
+                <a:solidFill>
+                  <a:schemeClr val="accent1">
+                    <a:lumMod val="75000"/>
+                  </a:schemeClr>
+                </a:solidFill>
+              </a:rPr>
+              <a:t>//register business handler</a:t>
+            </a:r>
+          </a:p>
+          <a:p>
+            <a:r>
+              <a:rPr lang="en-US" altLang="zh-CN" dirty="0"/>
+              <a:t>	</a:t>
+            </a:r>
+            <a:r>
+              <a:rPr lang="en-US" altLang="zh-CN" dirty="0" err="1"/>
+              <a:t>server.start</a:t>
+            </a:r>
+            <a:r>
+              <a:rPr lang="en-US" altLang="zh-CN" dirty="0" smtClean="0"/>
+              <a:t>();</a:t>
+            </a:r>
+          </a:p>
+          <a:p>
+            <a:r>
+              <a:rPr lang="en-US" altLang="zh-CN" dirty="0" smtClean="0"/>
+              <a:t>}</a:t>
             </a:r>
             <a:endParaRPr lang="zh-CN" altLang="en-US" dirty="0"/>
           </a:p>
@@ -28959,7 +29777,7 @@
     </p:spTree>
     <p:extLst>
       <p:ext uri="{BB962C8B-B14F-4D97-AF65-F5344CB8AC3E}">
-        <p14:creationId xmlns:p14="http://schemas.microsoft.com/office/powerpoint/2010/main" val="4204417057"/>
+        <p14:creationId xmlns:p14="http://schemas.microsoft.com/office/powerpoint/2010/main" val="1957574418"/>
       </p:ext>
     </p:extLst>
   </p:cSld>

--- a/An easy to use RPC framework implemented by c++11 and c++14.pptx
+++ b/An easy to use RPC framework implemented by c++11 and c++14.pptx
@@ -262,7 +262,7 @@
             <a:fld id="{D3663233-B32B-4AC3-A591-4171AB65348A}" type="datetimeFigureOut">
               <a:rPr lang="zh-CN" altLang="en-US" smtClean="0"/>
               <a:pPr/>
-              <a:t>2017-04-24</a:t>
+              <a:t>2017-04-25</a:t>
             </a:fld>
             <a:endParaRPr lang="zh-CN" altLang="en-US"/>
           </a:p>
@@ -1167,11 +1167,7 @@
             </a:r>
             <a:r>
               <a:rPr lang="en-US" altLang="zh-CN" baseline="0" dirty="0" smtClean="0"/>
-              <a:t> can  register callable of any signature</a:t>
-            </a:r>
-            <a:r>
-              <a:rPr lang="en-US" altLang="zh-CN" baseline="0" dirty="0" smtClean="0"/>
-              <a:t>.</a:t>
+              <a:t> can  register callable of any signature.</a:t>
             </a:r>
           </a:p>
           <a:p>
@@ -5446,7 +5442,7 @@
             <a:fld id="{12397CA8-2D6B-474E-AD0A-8CF9975324D0}" type="datetimeFigureOut">
               <a:rPr lang="zh-CN" altLang="en-US" smtClean="0"/>
               <a:pPr/>
-              <a:t>2017-04-24</a:t>
+              <a:t>2017-04-25</a:t>
             </a:fld>
             <a:endParaRPr lang="zh-CN" altLang="en-US"/>
           </a:p>
@@ -5737,7 +5733,7 @@
             <a:fld id="{12397CA8-2D6B-474E-AD0A-8CF9975324D0}" type="datetimeFigureOut">
               <a:rPr lang="zh-CN" altLang="en-US" smtClean="0"/>
               <a:pPr/>
-              <a:t>2017-04-24</a:t>
+              <a:t>2017-04-25</a:t>
             </a:fld>
             <a:endParaRPr lang="zh-CN" altLang="en-US"/>
           </a:p>
@@ -5926,7 +5922,7 @@
             <a:fld id="{12397CA8-2D6B-474E-AD0A-8CF9975324D0}" type="datetimeFigureOut">
               <a:rPr lang="zh-CN" altLang="en-US" smtClean="0"/>
               <a:pPr/>
-              <a:t>2017-04-24</a:t>
+              <a:t>2017-04-25</a:t>
             </a:fld>
             <a:endParaRPr lang="zh-CN" altLang="en-US"/>
           </a:p>
@@ -6433,7 +6429,7 @@
             <a:fld id="{12397CA8-2D6B-474E-AD0A-8CF9975324D0}" type="datetimeFigureOut">
               <a:rPr lang="zh-CN" altLang="en-US" smtClean="0"/>
               <a:pPr/>
-              <a:t>2017-04-24</a:t>
+              <a:t>2017-04-25</a:t>
             </a:fld>
             <a:endParaRPr lang="zh-CN" altLang="en-US"/>
           </a:p>
@@ -6674,7 +6670,7 @@
             <a:fld id="{12397CA8-2D6B-474E-AD0A-8CF9975324D0}" type="datetimeFigureOut">
               <a:rPr lang="zh-CN" altLang="en-US" smtClean="0"/>
               <a:pPr/>
-              <a:t>2017-04-24</a:t>
+              <a:t>2017-04-25</a:t>
             </a:fld>
             <a:endParaRPr lang="zh-CN" altLang="en-US"/>
           </a:p>
@@ -7050,7 +7046,7 @@
             <a:fld id="{12397CA8-2D6B-474E-AD0A-8CF9975324D0}" type="datetimeFigureOut">
               <a:rPr lang="zh-CN" altLang="en-US" smtClean="0"/>
               <a:pPr/>
-              <a:t>2017-04-24</a:t>
+              <a:t>2017-04-25</a:t>
             </a:fld>
             <a:endParaRPr lang="zh-CN" altLang="en-US"/>
           </a:p>
@@ -7170,7 +7166,7 @@
             <a:fld id="{12397CA8-2D6B-474E-AD0A-8CF9975324D0}" type="datetimeFigureOut">
               <a:rPr lang="zh-CN" altLang="en-US" smtClean="0"/>
               <a:pPr/>
-              <a:t>2017-04-24</a:t>
+              <a:t>2017-04-25</a:t>
             </a:fld>
             <a:endParaRPr lang="zh-CN" altLang="en-US"/>
           </a:p>
@@ -7267,7 +7263,7 @@
             <a:fld id="{12397CA8-2D6B-474E-AD0A-8CF9975324D0}" type="datetimeFigureOut">
               <a:rPr lang="zh-CN" altLang="en-US" smtClean="0"/>
               <a:pPr/>
-              <a:t>2017-04-24</a:t>
+              <a:t>2017-04-25</a:t>
             </a:fld>
             <a:endParaRPr lang="zh-CN" altLang="en-US"/>
           </a:p>
@@ -7546,7 +7542,7 @@
             <a:fld id="{12397CA8-2D6B-474E-AD0A-8CF9975324D0}" type="datetimeFigureOut">
               <a:rPr lang="zh-CN" altLang="en-US" smtClean="0"/>
               <a:pPr/>
-              <a:t>2017-04-24</a:t>
+              <a:t>2017-04-25</a:t>
             </a:fld>
             <a:endParaRPr lang="zh-CN" altLang="en-US"/>
           </a:p>
@@ -7805,7 +7801,7 @@
             <a:fld id="{12397CA8-2D6B-474E-AD0A-8CF9975324D0}" type="datetimeFigureOut">
               <a:rPr lang="zh-CN" altLang="en-US" smtClean="0"/>
               <a:pPr/>
-              <a:t>2017-04-24</a:t>
+              <a:t>2017-04-25</a:t>
             </a:fld>
             <a:endParaRPr lang="zh-CN" altLang="en-US"/>
           </a:p>
@@ -8027,7 +8023,7 @@
             <a:fld id="{12397CA8-2D6B-474E-AD0A-8CF9975324D0}" type="datetimeFigureOut">
               <a:rPr lang="zh-CN" altLang="en-US" smtClean="0"/>
               <a:pPr/>
-              <a:t>2017-04-24</a:t>
+              <a:t>2017-04-25</a:t>
             </a:fld>
             <a:endParaRPr lang="zh-CN" altLang="en-US"/>
           </a:p>
@@ -8690,7 +8686,27 @@
                   </a:schemeClr>
                 </a:solidFill>
               </a:rPr>
-              <a:t>Defines the call definition, check the grammar at compile time</a:t>
+              <a:t>Defines the call </a:t>
+            </a:r>
+            <a:r>
+              <a:rPr lang="en-US" altLang="zh-CN" dirty="0" smtClean="0">
+                <a:solidFill>
+                  <a:schemeClr val="accent1">
+                    <a:lumMod val="75000"/>
+                  </a:schemeClr>
+                </a:solidFill>
+              </a:rPr>
+              <a:t>protocol, </a:t>
+            </a:r>
+            <a:r>
+              <a:rPr lang="en-US" altLang="zh-CN" dirty="0">
+                <a:solidFill>
+                  <a:schemeClr val="accent1">
+                    <a:lumMod val="75000"/>
+                  </a:schemeClr>
+                </a:solidFill>
+              </a:rPr>
+              <a:t>check the grammar at compile time</a:t>
             </a:r>
           </a:p>
           <a:p>
@@ -10776,21 +10792,8 @@
                   <a:srgbClr val="FF0000"/>
                 </a:solidFill>
               </a:rPr>
-              <a:t>type </a:t>
-            </a:r>
-            <a:r>
-              <a:rPr lang="en-US" altLang="zh-CN" sz="2000" dirty="0" smtClean="0">
-                <a:solidFill>
-                  <a:srgbClr val="FF0000"/>
-                </a:solidFill>
-              </a:rPr>
-              <a:t>erase</a:t>
-            </a:r>
-            <a:endParaRPr lang="en-US" altLang="zh-CN" sz="2000" dirty="0" smtClean="0">
-              <a:solidFill>
-                <a:srgbClr val="FF0000"/>
-              </a:solidFill>
-            </a:endParaRPr>
+              <a:t>type erase</a:t>
+            </a:r>
           </a:p>
         </p:txBody>
       </p:sp>
@@ -11177,8 +11180,8 @@
         </p:nvSpPr>
         <p:spPr>
           <a:xfrm>
-            <a:off x="6114044" y="3392699"/>
-            <a:ext cx="2687339" cy="646331"/>
+            <a:off x="5784402" y="4244066"/>
+            <a:ext cx="3092898" cy="646331"/>
           </a:xfrm>
           <a:prstGeom prst="rect">
             <a:avLst/>
@@ -11201,6 +11204,10 @@
             <a:endParaRPr lang="en-US" altLang="zh-CN" b="1" dirty="0" smtClean="0"/>
           </a:p>
           <a:p>
+            <a:r>
+              <a:rPr lang="en-US" altLang="zh-CN" b="1" dirty="0" smtClean="0"/>
+              <a:t>The </a:t>
+            </a:r>
             <a:r>
               <a:rPr lang="zh-CN" altLang="en-US" b="1" dirty="0" smtClean="0"/>
               <a:t>number </a:t>
@@ -13501,33 +13508,15 @@
                                   </p:childTnLst>
                                 </p:cTn>
                               </p:par>
-                            </p:childTnLst>
-                          </p:cTn>
-                        </p:par>
-                      </p:childTnLst>
-                    </p:cTn>
-                  </p:par>
-                  <p:par>
-                    <p:cTn id="45" fill="hold">
-                      <p:stCondLst>
-                        <p:cond delay="indefinite"/>
-                      </p:stCondLst>
-                      <p:childTnLst>
-                        <p:par>
-                          <p:cTn id="46" fill="hold">
-                            <p:stCondLst>
-                              <p:cond delay="0"/>
-                            </p:stCondLst>
-                            <p:childTnLst>
                               <p:par>
-                                <p:cTn id="47" presetID="31" presetClass="entr" presetSubtype="0" fill="hold" grpId="0" nodeType="clickEffect">
+                                <p:cTn id="45" presetID="2" presetClass="entr" presetSubtype="4" fill="hold" grpId="0" nodeType="withEffect">
                                   <p:stCondLst>
                                     <p:cond delay="0"/>
                                   </p:stCondLst>
                                   <p:childTnLst>
                                     <p:set>
                                       <p:cBhvr>
-                                        <p:cTn id="48" dur="1" fill="hold">
+                                        <p:cTn id="46" dur="1" fill="hold">
                                           <p:stCondLst>
                                             <p:cond delay="0"/>
                                           </p:stCondLst>
@@ -13544,79 +13533,92 @@
                                       </p:to>
                                     </p:set>
                                     <p:anim calcmode="lin" valueType="num">
-                                      <p:cBhvr>
-                                        <p:cTn id="49" dur="1000" fill="hold"/>
+                                      <p:cBhvr additive="base">
+                                        <p:cTn id="47" dur="500" fill="hold"/>
                                         <p:tgtEl>
                                           <p:spTgt spid="8"/>
                                         </p:tgtEl>
                                         <p:attrNameLst>
-                                          <p:attrName>ppt_w</p:attrName>
+                                          <p:attrName>ppt_x</p:attrName>
                                         </p:attrNameLst>
                                       </p:cBhvr>
                                       <p:tavLst>
                                         <p:tav tm="0">
                                           <p:val>
-                                            <p:fltVal val="0"/>
+                                            <p:strVal val="#ppt_x"/>
                                           </p:val>
                                         </p:tav>
                                         <p:tav tm="100000">
                                           <p:val>
-                                            <p:strVal val="#ppt_w"/>
+                                            <p:strVal val="#ppt_x"/>
                                           </p:val>
                                         </p:tav>
                                       </p:tavLst>
                                     </p:anim>
                                     <p:anim calcmode="lin" valueType="num">
-                                      <p:cBhvr>
-                                        <p:cTn id="50" dur="1000" fill="hold"/>
+                                      <p:cBhvr additive="base">
+                                        <p:cTn id="48" dur="500" fill="hold"/>
                                         <p:tgtEl>
                                           <p:spTgt spid="8"/>
                                         </p:tgtEl>
                                         <p:attrNameLst>
-                                          <p:attrName>ppt_h</p:attrName>
+                                          <p:attrName>ppt_y</p:attrName>
                                         </p:attrNameLst>
                                       </p:cBhvr>
                                       <p:tavLst>
                                         <p:tav tm="0">
                                           <p:val>
-                                            <p:fltVal val="0"/>
+                                            <p:strVal val="1+#ppt_h/2"/>
                                           </p:val>
                                         </p:tav>
                                         <p:tav tm="100000">
                                           <p:val>
-                                            <p:strVal val="#ppt_h"/>
+                                            <p:strVal val="#ppt_y"/>
                                           </p:val>
                                         </p:tav>
                                       </p:tavLst>
                                     </p:anim>
-                                    <p:anim calcmode="lin" valueType="num">
+                                  </p:childTnLst>
+                                </p:cTn>
+                              </p:par>
+                            </p:childTnLst>
+                          </p:cTn>
+                        </p:par>
+                        <p:par>
+                          <p:cTn id="49" fill="hold">
+                            <p:stCondLst>
+                              <p:cond delay="500"/>
+                            </p:stCondLst>
+                            <p:childTnLst>
+                              <p:par>
+                                <p:cTn id="50" presetID="22" presetClass="entr" presetSubtype="8" fill="hold" grpId="0" nodeType="afterEffect">
+                                  <p:stCondLst>
+                                    <p:cond delay="0"/>
+                                  </p:stCondLst>
+                                  <p:childTnLst>
+                                    <p:set>
                                       <p:cBhvr>
-                                        <p:cTn id="51" dur="1000" fill="hold"/>
+                                        <p:cTn id="51" dur="1" fill="hold">
+                                          <p:stCondLst>
+                                            <p:cond delay="0"/>
+                                          </p:stCondLst>
+                                        </p:cTn>
                                         <p:tgtEl>
-                                          <p:spTgt spid="8"/>
+                                          <p:spTgt spid="10"/>
                                         </p:tgtEl>
                                         <p:attrNameLst>
-                                          <p:attrName>style.rotation</p:attrName>
+                                          <p:attrName>style.visibility</p:attrName>
                                         </p:attrNameLst>
                                       </p:cBhvr>
-                                      <p:tavLst>
-                                        <p:tav tm="0">
-                                          <p:val>
-                                            <p:fltVal val="90"/>
-                                          </p:val>
-                                        </p:tav>
-                                        <p:tav tm="100000">
-                                          <p:val>
-                                            <p:fltVal val="0"/>
-                                          </p:val>
-                                        </p:tav>
-                                      </p:tavLst>
-                                    </p:anim>
-                                    <p:animEffect transition="in" filter="fade">
+                                      <p:to>
+                                        <p:strVal val="visible"/>
+                                      </p:to>
+                                    </p:set>
+                                    <p:animEffect transition="in" filter="wipe(left)">
                                       <p:cBhvr>
-                                        <p:cTn id="52" dur="1000"/>
+                                        <p:cTn id="52" dur="500"/>
                                         <p:tgtEl>
-                                          <p:spTgt spid="8"/>
+                                          <p:spTgt spid="10"/>
                                         </p:tgtEl>
                                       </p:cBhvr>
                                     </p:animEffect>
@@ -13646,7 +13648,7 @@
                                           </p:stCondLst>
                                         </p:cTn>
                                         <p:tgtEl>
-                                          <p:spTgt spid="10"/>
+                                          <p:spTgt spid="11"/>
                                         </p:tgtEl>
                                         <p:attrNameLst>
                                           <p:attrName>style.visibility</p:attrName>
@@ -13659,50 +13661,6 @@
                                     <p:animEffect transition="in" filter="wipe(left)">
                                       <p:cBhvr>
                                         <p:cTn id="56" dur="500"/>
-                                        <p:tgtEl>
-                                          <p:spTgt spid="10"/>
-                                        </p:tgtEl>
-                                      </p:cBhvr>
-                                    </p:animEffect>
-                                  </p:childTnLst>
-                                </p:cTn>
-                              </p:par>
-                            </p:childTnLst>
-                          </p:cTn>
-                        </p:par>
-                        <p:par>
-                          <p:cTn id="57" fill="hold">
-                            <p:stCondLst>
-                              <p:cond delay="1500"/>
-                            </p:stCondLst>
-                            <p:childTnLst>
-                              <p:par>
-                                <p:cTn id="58" presetID="22" presetClass="entr" presetSubtype="8" fill="hold" grpId="0" nodeType="afterEffect">
-                                  <p:stCondLst>
-                                    <p:cond delay="0"/>
-                                  </p:stCondLst>
-                                  <p:childTnLst>
-                                    <p:set>
-                                      <p:cBhvr>
-                                        <p:cTn id="59" dur="1" fill="hold">
-                                          <p:stCondLst>
-                                            <p:cond delay="0"/>
-                                          </p:stCondLst>
-                                        </p:cTn>
-                                        <p:tgtEl>
-                                          <p:spTgt spid="11"/>
-                                        </p:tgtEl>
-                                        <p:attrNameLst>
-                                          <p:attrName>style.visibility</p:attrName>
-                                        </p:attrNameLst>
-                                      </p:cBhvr>
-                                      <p:to>
-                                        <p:strVal val="visible"/>
-                                      </p:to>
-                                    </p:set>
-                                    <p:animEffect transition="in" filter="wipe(left)">
-                                      <p:cBhvr>
-                                        <p:cTn id="60" dur="500"/>
                                         <p:tgtEl>
                                           <p:spTgt spid="11"/>
                                         </p:tgtEl>
@@ -15266,7 +15224,7 @@
                             </p:stCondLst>
                             <p:childTnLst>
                               <p:par>
-                                <p:cTn id="41" presetID="1" presetClass="exit" presetSubtype="0" fill="hold" grpId="1" nodeType="clickEffect">
+                                <p:cTn id="41" presetID="31" presetClass="entr" presetSubtype="0" fill="hold" grpId="0" nodeType="clickEffect">
                                   <p:stCondLst>
                                     <p:cond delay="0"/>
                                   </p:stCondLst>
@@ -15274,51 +15232,6 @@
                                     <p:set>
                                       <p:cBhvr>
                                         <p:cTn id="42" dur="1" fill="hold">
-                                          <p:stCondLst>
-                                            <p:cond delay="0"/>
-                                          </p:stCondLst>
-                                        </p:cTn>
-                                        <p:tgtEl>
-                                          <p:spTgt spid="110"/>
-                                        </p:tgtEl>
-                                        <p:attrNameLst>
-                                          <p:attrName>style.visibility</p:attrName>
-                                        </p:attrNameLst>
-                                      </p:cBhvr>
-                                      <p:to>
-                                        <p:strVal val="hidden"/>
-                                      </p:to>
-                                    </p:set>
-                                  </p:childTnLst>
-                                </p:cTn>
-                              </p:par>
-                            </p:childTnLst>
-                          </p:cTn>
-                        </p:par>
-                      </p:childTnLst>
-                    </p:cTn>
-                  </p:par>
-                  <p:par>
-                    <p:cTn id="43" fill="hold">
-                      <p:stCondLst>
-                        <p:cond delay="indefinite"/>
-                      </p:stCondLst>
-                      <p:childTnLst>
-                        <p:par>
-                          <p:cTn id="44" fill="hold">
-                            <p:stCondLst>
-                              <p:cond delay="0"/>
-                            </p:stCondLst>
-                            <p:childTnLst>
-                              <p:par>
-                                <p:cTn id="45" presetID="31" presetClass="entr" presetSubtype="0" fill="hold" grpId="0" nodeType="clickEffect">
-                                  <p:stCondLst>
-                                    <p:cond delay="0"/>
-                                  </p:stCondLst>
-                                  <p:childTnLst>
-                                    <p:set>
-                                      <p:cBhvr>
-                                        <p:cTn id="46" dur="1" fill="hold">
                                           <p:stCondLst>
                                             <p:cond delay="0"/>
                                           </p:stCondLst>
@@ -15336,7 +15249,7 @@
                                     </p:set>
                                     <p:anim calcmode="lin" valueType="num">
                                       <p:cBhvr>
-                                        <p:cTn id="47" dur="1000" fill="hold"/>
+                                        <p:cTn id="43" dur="1000" fill="hold"/>
                                         <p:tgtEl>
                                           <p:spTgt spid="72"/>
                                         </p:tgtEl>
@@ -15359,7 +15272,7 @@
                                     </p:anim>
                                     <p:anim calcmode="lin" valueType="num">
                                       <p:cBhvr>
-                                        <p:cTn id="48" dur="1000" fill="hold"/>
+                                        <p:cTn id="44" dur="1000" fill="hold"/>
                                         <p:tgtEl>
                                           <p:spTgt spid="72"/>
                                         </p:tgtEl>
@@ -15382,7 +15295,7 @@
                                     </p:anim>
                                     <p:anim calcmode="lin" valueType="num">
                                       <p:cBhvr>
-                                        <p:cTn id="49" dur="1000" fill="hold"/>
+                                        <p:cTn id="45" dur="1000" fill="hold"/>
                                         <p:tgtEl>
                                           <p:spTgt spid="72"/>
                                         </p:tgtEl>
@@ -15405,7 +15318,7 @@
                                     </p:anim>
                                     <p:animEffect transition="in" filter="fade">
                                       <p:cBhvr>
-                                        <p:cTn id="50" dur="1000"/>
+                                        <p:cTn id="46" dur="1000"/>
                                         <p:tgtEl>
                                           <p:spTgt spid="72"/>
                                         </p:tgtEl>
@@ -15418,20 +15331,20 @@
                           </p:cTn>
                         </p:par>
                         <p:par>
-                          <p:cTn id="51" fill="hold">
+                          <p:cTn id="47" fill="hold">
                             <p:stCondLst>
                               <p:cond delay="1000"/>
                             </p:stCondLst>
                             <p:childTnLst>
                               <p:par>
-                                <p:cTn id="52" presetID="22" presetClass="entr" presetSubtype="1" fill="hold" nodeType="afterEffect">
+                                <p:cTn id="48" presetID="22" presetClass="entr" presetSubtype="1" fill="hold" nodeType="afterEffect">
                                   <p:stCondLst>
                                     <p:cond delay="0"/>
                                   </p:stCondLst>
                                   <p:childTnLst>
                                     <p:set>
                                       <p:cBhvr>
-                                        <p:cTn id="53" dur="1" fill="hold">
+                                        <p:cTn id="49" dur="1" fill="hold">
                                           <p:stCondLst>
                                             <p:cond delay="0"/>
                                           </p:stCondLst>
@@ -15449,7 +15362,7 @@
                                     </p:set>
                                     <p:animEffect transition="in" filter="wipe(up)">
                                       <p:cBhvr>
-                                        <p:cTn id="54" dur="500"/>
+                                        <p:cTn id="50" dur="500"/>
                                         <p:tgtEl>
                                           <p:spTgt spid="108"/>
                                         </p:tgtEl>
@@ -15462,20 +15375,20 @@
                           </p:cTn>
                         </p:par>
                         <p:par>
-                          <p:cTn id="55" fill="hold">
+                          <p:cTn id="51" fill="hold">
                             <p:stCondLst>
                               <p:cond delay="1500"/>
                             </p:stCondLst>
                             <p:childTnLst>
                               <p:par>
-                                <p:cTn id="56" presetID="2" presetClass="entr" presetSubtype="4" fill="hold" nodeType="afterEffect">
+                                <p:cTn id="52" presetID="2" presetClass="entr" presetSubtype="4" fill="hold" nodeType="afterEffect">
                                   <p:stCondLst>
                                     <p:cond delay="0"/>
                                   </p:stCondLst>
                                   <p:childTnLst>
                                     <p:set>
                                       <p:cBhvr>
-                                        <p:cTn id="57" dur="1" fill="hold">
+                                        <p:cTn id="53" dur="1" fill="hold">
                                           <p:stCondLst>
                                             <p:cond delay="0"/>
                                           </p:stCondLst>
@@ -15493,7 +15406,7 @@
                                     </p:set>
                                     <p:anim calcmode="lin" valueType="num">
                                       <p:cBhvr additive="base">
-                                        <p:cTn id="58" dur="500" fill="hold"/>
+                                        <p:cTn id="54" dur="500" fill="hold"/>
                                         <p:tgtEl>
                                           <p:spTgt spid="20"/>
                                         </p:tgtEl>
@@ -15516,7 +15429,7 @@
                                     </p:anim>
                                     <p:anim calcmode="lin" valueType="num">
                                       <p:cBhvr additive="base">
-                                        <p:cTn id="59" dur="500" fill="hold"/>
+                                        <p:cTn id="55" dur="500" fill="hold"/>
                                         <p:tgtEl>
                                           <p:spTgt spid="20"/>
                                         </p:tgtEl>
@@ -15570,7 +15483,6 @@
     <p:bldLst>
       <p:bldP spid="72" grpId="0"/>
       <p:bldP spid="110" grpId="0"/>
-      <p:bldP spid="110" grpId="1"/>
     </p:bldLst>
   </p:timing>
 </p:sld>
@@ -18458,7 +18370,7 @@
         <p:spPr>
           <a:xfrm>
             <a:off x="3327635" y="2921604"/>
-            <a:ext cx="2723823" cy="584775"/>
+            <a:ext cx="2763898" cy="584775"/>
           </a:xfrm>
           <a:prstGeom prst="rect">
             <a:avLst/>
@@ -18471,8 +18383,12 @@
           <a:lstStyle/>
           <a:p>
             <a:r>
+              <a:rPr lang="en-US" altLang="zh-CN" sz="3200" dirty="0" smtClean="0"/>
+              <a:t>How </a:t>
+            </a:r>
+            <a:r>
               <a:rPr lang="en-US" altLang="zh-CN" sz="3200" dirty="0"/>
-              <a:t>how about </a:t>
+              <a:t>about </a:t>
             </a:r>
             <a:r>
               <a:rPr lang="en-US" altLang="zh-CN" sz="3200" dirty="0" err="1" smtClean="0"/>
@@ -30922,7 +30838,7 @@
         <p:spPr>
           <a:xfrm>
             <a:off x="3682315" y="1324199"/>
-            <a:ext cx="2508700" cy="369332"/>
+            <a:ext cx="2932854" cy="369332"/>
           </a:xfrm>
           <a:prstGeom prst="rect">
             <a:avLst/>
@@ -30935,12 +30851,44 @@
           <a:lstStyle/>
           <a:p>
             <a:r>
-              <a:rPr lang="zh-CN" altLang="en-US" dirty="0">
+              <a:rPr lang="zh-CN" altLang="en-US" dirty="0" smtClean="0">
                 <a:solidFill>
                   <a:srgbClr val="FF0000"/>
                 </a:solidFill>
               </a:rPr>
-              <a:t>Need define </a:t>
+              <a:t>Need </a:t>
+            </a:r>
+            <a:r>
+              <a:rPr lang="en-US" altLang="zh-CN" dirty="0" smtClean="0">
+                <a:solidFill>
+                  <a:srgbClr val="FF0000"/>
+                </a:solidFill>
+              </a:rPr>
+              <a:t>to</a:t>
+            </a:r>
+            <a:r>
+              <a:rPr lang="zh-CN" altLang="en-US" dirty="0" smtClean="0">
+                <a:solidFill>
+                  <a:srgbClr val="FF0000"/>
+                </a:solidFill>
+              </a:rPr>
+              <a:t> define </a:t>
+            </a:r>
+            <a:r>
+              <a:rPr lang="en-US" altLang="zh-CN" dirty="0" smtClean="0">
+                <a:solidFill>
+                  <a:srgbClr val="FF0000"/>
+                </a:solidFill>
+              </a:rPr>
+              <a:t>a</a:t>
+            </a:r>
+            <a:r>
+              <a:rPr lang="zh-CN" altLang="en-US" dirty="0" smtClean="0">
+                <a:solidFill>
+                  <a:srgbClr val="FF0000"/>
+                </a:solidFill>
+              </a:rPr>
+              <a:t> </a:t>
             </a:r>
             <a:r>
               <a:rPr lang="zh-CN" altLang="en-US" dirty="0" smtClean="0">
@@ -32631,7 +32579,15 @@
             </a:pPr>
             <a:r>
               <a:rPr lang="en-US" altLang="zh-CN" dirty="0" smtClean="0"/>
-              <a:t>need define a </a:t>
+              <a:t>need </a:t>
+            </a:r>
+            <a:r>
+              <a:rPr lang="en-US" altLang="zh-CN" dirty="0" smtClean="0"/>
+              <a:t>to define </a:t>
+            </a:r>
+            <a:r>
+              <a:rPr lang="en-US" altLang="zh-CN" dirty="0" smtClean="0"/>
+              <a:t>a </a:t>
             </a:r>
             <a:r>
               <a:rPr lang="en-US" altLang="zh-CN" dirty="0"/>

--- a/An easy to use RPC framework implemented by c++11 and c++14.pptx
+++ b/An easy to use RPC framework implemented by c++11 and c++14.pptx
@@ -5,7 +5,7 @@
     <p:sldMasterId id="2147483660" r:id="rId1"/>
   </p:sldMasterIdLst>
   <p:notesMasterIdLst>
-    <p:notesMasterId r:id="rId56"/>
+    <p:notesMasterId r:id="rId57"/>
   </p:notesMasterIdLst>
   <p:sldIdLst>
     <p:sldId id="256" r:id="rId2"/>
@@ -22,46 +22,47 @@
     <p:sldId id="323" r:id="rId13"/>
     <p:sldId id="269" r:id="rId14"/>
     <p:sldId id="343" r:id="rId15"/>
-    <p:sldId id="277" r:id="rId16"/>
-    <p:sldId id="278" r:id="rId17"/>
-    <p:sldId id="350" r:id="rId18"/>
-    <p:sldId id="351" r:id="rId19"/>
-    <p:sldId id="279" r:id="rId20"/>
-    <p:sldId id="280" r:id="rId21"/>
-    <p:sldId id="352" r:id="rId22"/>
-    <p:sldId id="324" r:id="rId23"/>
-    <p:sldId id="344" r:id="rId24"/>
-    <p:sldId id="281" r:id="rId25"/>
-    <p:sldId id="353" r:id="rId26"/>
-    <p:sldId id="326" r:id="rId27"/>
-    <p:sldId id="282" r:id="rId28"/>
-    <p:sldId id="327" r:id="rId29"/>
-    <p:sldId id="345" r:id="rId30"/>
-    <p:sldId id="328" r:id="rId31"/>
-    <p:sldId id="329" r:id="rId32"/>
-    <p:sldId id="330" r:id="rId33"/>
-    <p:sldId id="332" r:id="rId34"/>
-    <p:sldId id="331" r:id="rId35"/>
-    <p:sldId id="346" r:id="rId36"/>
-    <p:sldId id="299" r:id="rId37"/>
-    <p:sldId id="333" r:id="rId38"/>
-    <p:sldId id="307" r:id="rId39"/>
-    <p:sldId id="336" r:id="rId40"/>
-    <p:sldId id="348" r:id="rId41"/>
-    <p:sldId id="308" r:id="rId42"/>
-    <p:sldId id="337" r:id="rId43"/>
-    <p:sldId id="338" r:id="rId44"/>
-    <p:sldId id="339" r:id="rId45"/>
-    <p:sldId id="315" r:id="rId46"/>
-    <p:sldId id="314" r:id="rId47"/>
-    <p:sldId id="349" r:id="rId48"/>
-    <p:sldId id="341" r:id="rId49"/>
-    <p:sldId id="304" r:id="rId50"/>
-    <p:sldId id="347" r:id="rId51"/>
-    <p:sldId id="334" r:id="rId52"/>
-    <p:sldId id="301" r:id="rId53"/>
-    <p:sldId id="263" r:id="rId54"/>
-    <p:sldId id="264" r:id="rId55"/>
+    <p:sldId id="357" r:id="rId16"/>
+    <p:sldId id="277" r:id="rId17"/>
+    <p:sldId id="278" r:id="rId18"/>
+    <p:sldId id="350" r:id="rId19"/>
+    <p:sldId id="351" r:id="rId20"/>
+    <p:sldId id="279" r:id="rId21"/>
+    <p:sldId id="280" r:id="rId22"/>
+    <p:sldId id="352" r:id="rId23"/>
+    <p:sldId id="324" r:id="rId24"/>
+    <p:sldId id="344" r:id="rId25"/>
+    <p:sldId id="281" r:id="rId26"/>
+    <p:sldId id="353" r:id="rId27"/>
+    <p:sldId id="326" r:id="rId28"/>
+    <p:sldId id="282" r:id="rId29"/>
+    <p:sldId id="327" r:id="rId30"/>
+    <p:sldId id="345" r:id="rId31"/>
+    <p:sldId id="328" r:id="rId32"/>
+    <p:sldId id="329" r:id="rId33"/>
+    <p:sldId id="330" r:id="rId34"/>
+    <p:sldId id="332" r:id="rId35"/>
+    <p:sldId id="331" r:id="rId36"/>
+    <p:sldId id="346" r:id="rId37"/>
+    <p:sldId id="299" r:id="rId38"/>
+    <p:sldId id="333" r:id="rId39"/>
+    <p:sldId id="307" r:id="rId40"/>
+    <p:sldId id="336" r:id="rId41"/>
+    <p:sldId id="348" r:id="rId42"/>
+    <p:sldId id="308" r:id="rId43"/>
+    <p:sldId id="337" r:id="rId44"/>
+    <p:sldId id="338" r:id="rId45"/>
+    <p:sldId id="339" r:id="rId46"/>
+    <p:sldId id="315" r:id="rId47"/>
+    <p:sldId id="314" r:id="rId48"/>
+    <p:sldId id="349" r:id="rId49"/>
+    <p:sldId id="341" r:id="rId50"/>
+    <p:sldId id="304" r:id="rId51"/>
+    <p:sldId id="347" r:id="rId52"/>
+    <p:sldId id="334" r:id="rId53"/>
+    <p:sldId id="301" r:id="rId54"/>
+    <p:sldId id="263" r:id="rId55"/>
+    <p:sldId id="264" r:id="rId56"/>
   </p:sldIdLst>
   <p:sldSz cx="9144000" cy="6858000" type="screen4x3"/>
   <p:notesSz cx="6858000" cy="9144000"/>
@@ -262,7 +263,7 @@
             <a:fld id="{D3663233-B32B-4AC3-A591-4171AB65348A}" type="datetimeFigureOut">
               <a:rPr lang="zh-CN" altLang="en-US" smtClean="0"/>
               <a:pPr/>
-              <a:t>2017-04-25</a:t>
+              <a:t>2017-04-26</a:t>
             </a:fld>
             <a:endParaRPr lang="zh-CN" altLang="en-US"/>
           </a:p>
@@ -819,17 +820,51 @@
           <a:bodyPr/>
           <a:lstStyle/>
           <a:p>
-            <a:r>
-              <a:rPr lang="en-US" altLang="zh-CN" dirty="0" err="1" smtClean="0"/>
-              <a:t>rest_rpc</a:t>
-            </a:r>
-            <a:r>
-              <a:rPr lang="en-US" altLang="zh-CN" dirty="0" smtClean="0"/>
-              <a:t> can register different kinds of callable, no matter different return types and arguments types.</a:t>
-            </a:r>
-          </a:p>
-          <a:p>
-            <a:endParaRPr lang="zh-CN" altLang="en-US" dirty="0"/>
+            <a:pPr marL="0" marR="0" indent="0" algn="l" defTabSz="914400" rtl="0" eaLnBrk="1" fontAlgn="auto" latinLnBrk="0" hangingPunct="1">
+              <a:lnSpc>
+                <a:spcPct val="100000"/>
+              </a:lnSpc>
+              <a:spcBef>
+                <a:spcPts val="0"/>
+              </a:spcBef>
+              <a:spcAft>
+                <a:spcPts val="0"/>
+              </a:spcAft>
+              <a:buClrTx/>
+              <a:buSzTx/>
+              <a:buFontTx/>
+              <a:buNone/>
+              <a:tabLst/>
+              <a:defRPr/>
+            </a:pPr>
+            <a:r>
+              <a:rPr lang="en-US" altLang="zh-CN" dirty="0" smtClean="0"/>
+              <a:t>OK</a:t>
+            </a:r>
+            <a:r>
+              <a:rPr lang="zh-CN" altLang="en-US" baseline="0" dirty="0" smtClean="0"/>
+              <a:t> </a:t>
+            </a:r>
+            <a:r>
+              <a:rPr lang="en-US" altLang="zh-CN" baseline="0" dirty="0" smtClean="0"/>
+              <a:t>I will discuss the </a:t>
+            </a:r>
+            <a:r>
+              <a:rPr lang="en-US" altLang="zh-CN" sz="1200" baseline="0" dirty="0" smtClean="0">
+                <a:solidFill>
+                  <a:schemeClr val="accent5"/>
+                </a:solidFill>
+              </a:rPr>
+              <a:t>c</a:t>
+            </a:r>
+            <a:r>
+              <a:rPr lang="en-US" altLang="zh-CN" sz="1200" dirty="0" smtClean="0">
+                <a:solidFill>
+                  <a:schemeClr val="accent5"/>
+                </a:solidFill>
+              </a:rPr>
+              <a:t>hallenges of easy to use</a:t>
+            </a:r>
           </a:p>
         </p:txBody>
       </p:sp>
@@ -860,7 +895,7 @@
     </p:spTree>
     <p:extLst>
       <p:ext uri="{BB962C8B-B14F-4D97-AF65-F5344CB8AC3E}">
-        <p14:creationId xmlns:p14="http://schemas.microsoft.com/office/powerpoint/2010/main" val="1371347050"/>
+        <p14:creationId xmlns:p14="http://schemas.microsoft.com/office/powerpoint/2010/main" val="3835269786"/>
       </p:ext>
     </p:extLst>
   </p:cSld>
@@ -915,83 +950,16 @@
           <a:lstStyle/>
           <a:p>
             <a:r>
-              <a:rPr lang="en-US" altLang="zh-CN" dirty="0" smtClean="0"/>
-              <a:t>does someone has some ideas to solve the problem? we can discuss it. let’s go on. indeed we need type erase. how to type erase? </a:t>
-            </a:r>
-            <a:r>
               <a:rPr lang="en-US" altLang="zh-CN" dirty="0" err="1" smtClean="0"/>
-              <a:t>std</a:t>
-            </a:r>
-            <a:r>
-              <a:rPr lang="en-US" altLang="zh-CN" dirty="0" smtClean="0"/>
-              <a:t>::function? no, because the signature is fixed  at the time of definition.</a:t>
-            </a:r>
-          </a:p>
-          <a:p>
-            <a:r>
-              <a:rPr lang="en-US" altLang="zh-CN" dirty="0" smtClean="0"/>
-              <a:t>how about boost::variant or </a:t>
-            </a:r>
-            <a:r>
-              <a:rPr lang="en-US" altLang="zh-CN" dirty="0" err="1" smtClean="0"/>
-              <a:t>std</a:t>
-            </a:r>
-            <a:r>
-              <a:rPr lang="en-US" altLang="zh-CN" dirty="0" smtClean="0"/>
-              <a:t>::variant from </a:t>
-            </a:r>
-            <a:r>
-              <a:rPr lang="en-US" altLang="zh-CN" dirty="0" err="1" smtClean="0"/>
-              <a:t>c++</a:t>
-            </a:r>
-            <a:r>
-              <a:rPr lang="en-US" altLang="zh-CN" dirty="0" smtClean="0"/>
-              <a:t>17? no, because the variant type is also fixed at the time of definition.</a:t>
-            </a:r>
-          </a:p>
-          <a:p>
-            <a:r>
-              <a:rPr lang="en-US" altLang="zh-CN" dirty="0" smtClean="0"/>
-              <a:t>how about boost::any or </a:t>
-            </a:r>
-            <a:r>
-              <a:rPr lang="en-US" altLang="zh-CN" dirty="0" err="1" smtClean="0"/>
-              <a:t>std</a:t>
-            </a:r>
-            <a:r>
-              <a:rPr lang="en-US" altLang="zh-CN" dirty="0" smtClean="0"/>
-              <a:t>::any from </a:t>
-            </a:r>
-            <a:r>
-              <a:rPr lang="en-US" altLang="zh-CN" dirty="0" err="1" smtClean="0"/>
-              <a:t>c++</a:t>
-            </a:r>
-            <a:r>
-              <a:rPr lang="en-US" altLang="zh-CN" dirty="0" smtClean="0"/>
-              <a:t>17? no, because </a:t>
-            </a:r>
-            <a:r>
-              <a:rPr lang="en-US" altLang="zh-CN" dirty="0" err="1" smtClean="0"/>
-              <a:t>any_cast</a:t>
-            </a:r>
-            <a:r>
-              <a:rPr lang="en-US" altLang="zh-CN" dirty="0" smtClean="0"/>
-              <a:t> need a concrete type to get the value, but the request from the client is binary format and lost the type information, the server has no opportunity to get the concrete type.</a:t>
-            </a:r>
-          </a:p>
-          <a:p>
-            <a:r>
-              <a:rPr lang="en-US" altLang="zh-CN" dirty="0" smtClean="0"/>
-              <a:t>Now let’s look at a special type erase way implemented by modern </a:t>
-            </a:r>
-            <a:r>
-              <a:rPr lang="en-US" altLang="zh-CN" dirty="0" err="1" smtClean="0"/>
-              <a:t>c++</a:t>
-            </a:r>
-            <a:r>
-              <a:rPr lang="en-US" altLang="zh-CN" dirty="0" smtClean="0"/>
-              <a:t>.</a:t>
-            </a:r>
+              <a:t>rest_rpc</a:t>
+            </a:r>
+            <a:r>
+              <a:rPr lang="en-US" altLang="zh-CN" dirty="0" smtClean="0"/>
+              <a:t> can register different kinds of callable, no matter different return types and arguments types.</a:t>
+            </a:r>
+          </a:p>
+          <a:p>
+            <a:endParaRPr lang="zh-CN" altLang="en-US" dirty="0"/>
           </a:p>
         </p:txBody>
       </p:sp>
@@ -1022,7 +990,7 @@
     </p:spTree>
     <p:extLst>
       <p:ext uri="{BB962C8B-B14F-4D97-AF65-F5344CB8AC3E}">
-        <p14:creationId xmlns:p14="http://schemas.microsoft.com/office/powerpoint/2010/main" val="2995305584"/>
+        <p14:creationId xmlns:p14="http://schemas.microsoft.com/office/powerpoint/2010/main" val="1371347050"/>
       </p:ext>
     </p:extLst>
   </p:cSld>
@@ -1076,7 +1044,84 @@
           <a:bodyPr/>
           <a:lstStyle/>
           <a:p>
-            <a:endParaRPr lang="zh-CN" altLang="en-US" dirty="0"/>
+            <a:r>
+              <a:rPr lang="en-US" altLang="zh-CN" dirty="0" smtClean="0"/>
+              <a:t>does someone has some ideas to solve the problem? we can discuss it. let’s go on. indeed we need type erase. how to type erase? </a:t>
+            </a:r>
+            <a:r>
+              <a:rPr lang="en-US" altLang="zh-CN" dirty="0" err="1" smtClean="0"/>
+              <a:t>std</a:t>
+            </a:r>
+            <a:r>
+              <a:rPr lang="en-US" altLang="zh-CN" dirty="0" smtClean="0"/>
+              <a:t>::function? no, because the signature is fixed  at the time of definition.</a:t>
+            </a:r>
+          </a:p>
+          <a:p>
+            <a:r>
+              <a:rPr lang="en-US" altLang="zh-CN" dirty="0" smtClean="0"/>
+              <a:t>how about boost::variant or </a:t>
+            </a:r>
+            <a:r>
+              <a:rPr lang="en-US" altLang="zh-CN" dirty="0" err="1" smtClean="0"/>
+              <a:t>std</a:t>
+            </a:r>
+            <a:r>
+              <a:rPr lang="en-US" altLang="zh-CN" dirty="0" smtClean="0"/>
+              <a:t>::variant from </a:t>
+            </a:r>
+            <a:r>
+              <a:rPr lang="en-US" altLang="zh-CN" dirty="0" err="1" smtClean="0"/>
+              <a:t>c++</a:t>
+            </a:r>
+            <a:r>
+              <a:rPr lang="en-US" altLang="zh-CN" dirty="0" smtClean="0"/>
+              <a:t>17? no, because the variant type is also fixed at the time of definition.</a:t>
+            </a:r>
+          </a:p>
+          <a:p>
+            <a:r>
+              <a:rPr lang="en-US" altLang="zh-CN" dirty="0" smtClean="0"/>
+              <a:t>how about boost::any or </a:t>
+            </a:r>
+            <a:r>
+              <a:rPr lang="en-US" altLang="zh-CN" dirty="0" err="1" smtClean="0"/>
+              <a:t>std</a:t>
+            </a:r>
+            <a:r>
+              <a:rPr lang="en-US" altLang="zh-CN" dirty="0" smtClean="0"/>
+              <a:t>::any from </a:t>
+            </a:r>
+            <a:r>
+              <a:rPr lang="en-US" altLang="zh-CN" dirty="0" err="1" smtClean="0"/>
+              <a:t>c++</a:t>
+            </a:r>
+            <a:r>
+              <a:rPr lang="en-US" altLang="zh-CN" dirty="0" smtClean="0"/>
+              <a:t>17? no, because </a:t>
+            </a:r>
+            <a:r>
+              <a:rPr lang="en-US" altLang="zh-CN" dirty="0" err="1" smtClean="0"/>
+              <a:t>any_cast</a:t>
+            </a:r>
+            <a:r>
+              <a:rPr lang="en-US" altLang="zh-CN" dirty="0" smtClean="0"/>
+              <a:t> need a concrete type to get the value, but the request from the client is binary format and lost the type information, the server has no opportunity to get the concrete type.</a:t>
+            </a:r>
+          </a:p>
+          <a:p>
+            <a:r>
+              <a:rPr lang="en-US" altLang="zh-CN" dirty="0" smtClean="0"/>
+              <a:t>Now let’s look at a special type erase way implemented by modern </a:t>
+            </a:r>
+            <a:r>
+              <a:rPr lang="en-US" altLang="zh-CN" dirty="0" err="1" smtClean="0"/>
+              <a:t>c++</a:t>
+            </a:r>
+            <a:r>
+              <a:rPr lang="en-US" altLang="zh-CN" dirty="0" smtClean="0"/>
+              <a:t>.</a:t>
+            </a:r>
           </a:p>
         </p:txBody>
       </p:sp>
@@ -1098,7 +1143,7 @@
             <a:fld id="{D907BE37-B124-4F9F-8F7E-44B90AC375A6}" type="slidenum">
               <a:rPr lang="zh-CN" altLang="en-US" smtClean="0"/>
               <a:pPr/>
-              <a:t>19</a:t>
+              <a:t>17</a:t>
             </a:fld>
             <a:endParaRPr lang="zh-CN" altLang="en-US"/>
           </a:p>
@@ -1107,7 +1152,7 @@
     </p:spTree>
     <p:extLst>
       <p:ext uri="{BB962C8B-B14F-4D97-AF65-F5344CB8AC3E}">
-        <p14:creationId xmlns:p14="http://schemas.microsoft.com/office/powerpoint/2010/main" val="3975082187"/>
+        <p14:creationId xmlns:p14="http://schemas.microsoft.com/office/powerpoint/2010/main" val="2995305584"/>
       </p:ext>
     </p:extLst>
   </p:cSld>
@@ -1161,128 +1206,6 @@
           <a:bodyPr/>
           <a:lstStyle/>
           <a:p>
-            <a:r>
-              <a:rPr lang="en-US" altLang="zh-CN" dirty="0" smtClean="0"/>
-              <a:t>now you</a:t>
-            </a:r>
-            <a:r>
-              <a:rPr lang="en-US" altLang="zh-CN" baseline="0" dirty="0" smtClean="0"/>
-              <a:t> can  register callable of any signature.</a:t>
-            </a:r>
-          </a:p>
-          <a:p>
-            <a:r>
-              <a:rPr lang="en-US" altLang="zh-CN" dirty="0" smtClean="0">
-                <a:solidFill>
-                  <a:srgbClr val="FF0000"/>
-                </a:solidFill>
-              </a:rPr>
-              <a:t>can accept any function</a:t>
-            </a:r>
-          </a:p>
-          <a:p>
-            <a:pPr marL="0" marR="0" indent="0" algn="l" defTabSz="914400" rtl="0" eaLnBrk="1" fontAlgn="auto" latinLnBrk="0" hangingPunct="1">
-              <a:lnSpc>
-                <a:spcPct val="100000"/>
-              </a:lnSpc>
-              <a:spcBef>
-                <a:spcPts val="0"/>
-              </a:spcBef>
-              <a:spcAft>
-                <a:spcPts val="0"/>
-              </a:spcAft>
-              <a:buClrTx/>
-              <a:buSzTx/>
-              <a:buFontTx/>
-              <a:buNone/>
-              <a:tabLst/>
-              <a:defRPr/>
-            </a:pPr>
-            <a:r>
-              <a:rPr lang="en-US" altLang="zh-CN" dirty="0" smtClean="0">
-                <a:solidFill>
-                  <a:srgbClr val="FF0000"/>
-                </a:solidFill>
-              </a:rPr>
-              <a:t>compose wrapper function and real function by </a:t>
-            </a:r>
-            <a:r>
-              <a:rPr lang="en-US" altLang="zh-CN" dirty="0" err="1" smtClean="0">
-                <a:solidFill>
-                  <a:srgbClr val="FF0000"/>
-                </a:solidFill>
-              </a:rPr>
-              <a:t>std</a:t>
-            </a:r>
-            <a:r>
-              <a:rPr lang="en-US" altLang="zh-CN" dirty="0" smtClean="0">
-                <a:solidFill>
-                  <a:srgbClr val="FF0000"/>
-                </a:solidFill>
-              </a:rPr>
-              <a:t>::bind</a:t>
-            </a:r>
-          </a:p>
-          <a:p>
-            <a:pPr marL="0" marR="0" indent="0" algn="l" defTabSz="914400" rtl="0" eaLnBrk="1" fontAlgn="auto" latinLnBrk="0" hangingPunct="1">
-              <a:lnSpc>
-                <a:spcPct val="100000"/>
-              </a:lnSpc>
-              <a:spcBef>
-                <a:spcPts val="0"/>
-              </a:spcBef>
-              <a:spcAft>
-                <a:spcPts val="0"/>
-              </a:spcAft>
-              <a:buClrTx/>
-              <a:buSzTx/>
-              <a:buFontTx/>
-              <a:buNone/>
-              <a:tabLst/>
-              <a:defRPr/>
-            </a:pPr>
-            <a:r>
-              <a:rPr lang="en-US" altLang="zh-CN" dirty="0" smtClean="0">
-                <a:solidFill>
-                  <a:srgbClr val="FF0000"/>
-                </a:solidFill>
-              </a:rPr>
-              <a:t>template class and </a:t>
-            </a:r>
-            <a:r>
-              <a:rPr lang="en-US" altLang="zh-CN" dirty="0" err="1" smtClean="0">
-                <a:solidFill>
-                  <a:srgbClr val="FF0000"/>
-                </a:solidFill>
-              </a:rPr>
-              <a:t>std</a:t>
-            </a:r>
-            <a:r>
-              <a:rPr lang="en-US" altLang="zh-CN" dirty="0" smtClean="0">
-                <a:solidFill>
-                  <a:srgbClr val="FF0000"/>
-                </a:solidFill>
-              </a:rPr>
-              <a:t>::bind</a:t>
-            </a:r>
-            <a:r>
-              <a:rPr lang="zh-CN" altLang="en-US" dirty="0" smtClean="0">
-                <a:solidFill>
-                  <a:srgbClr val="FF0000"/>
-                </a:solidFill>
-              </a:rPr>
-              <a:t> </a:t>
-            </a:r>
-            <a:r>
-              <a:rPr lang="en-US" altLang="zh-CN" dirty="0" smtClean="0">
-                <a:solidFill>
-                  <a:srgbClr val="FF0000"/>
-                </a:solidFill>
-              </a:rPr>
-              <a:t>erase function type</a:t>
-            </a:r>
-          </a:p>
-          <a:p>
             <a:endParaRPr lang="zh-CN" altLang="en-US" dirty="0"/>
           </a:p>
         </p:txBody>
@@ -1314,7 +1237,7 @@
     </p:spTree>
     <p:extLst>
       <p:ext uri="{BB962C8B-B14F-4D97-AF65-F5344CB8AC3E}">
-        <p14:creationId xmlns:p14="http://schemas.microsoft.com/office/powerpoint/2010/main" val="4015747719"/>
+        <p14:creationId xmlns:p14="http://schemas.microsoft.com/office/powerpoint/2010/main" val="3975082187"/>
       </p:ext>
     </p:extLst>
   </p:cSld>
@@ -1368,6 +1291,128 @@
           <a:bodyPr/>
           <a:lstStyle/>
           <a:p>
+            <a:r>
+              <a:rPr lang="en-US" altLang="zh-CN" dirty="0" smtClean="0"/>
+              <a:t>now you</a:t>
+            </a:r>
+            <a:r>
+              <a:rPr lang="en-US" altLang="zh-CN" baseline="0" dirty="0" smtClean="0"/>
+              <a:t> can  register callable of any signature.</a:t>
+            </a:r>
+          </a:p>
+          <a:p>
+            <a:r>
+              <a:rPr lang="en-US" altLang="zh-CN" dirty="0" smtClean="0">
+                <a:solidFill>
+                  <a:srgbClr val="FF0000"/>
+                </a:solidFill>
+              </a:rPr>
+              <a:t>can accept any function</a:t>
+            </a:r>
+          </a:p>
+          <a:p>
+            <a:pPr marL="0" marR="0" indent="0" algn="l" defTabSz="914400" rtl="0" eaLnBrk="1" fontAlgn="auto" latinLnBrk="0" hangingPunct="1">
+              <a:lnSpc>
+                <a:spcPct val="100000"/>
+              </a:lnSpc>
+              <a:spcBef>
+                <a:spcPts val="0"/>
+              </a:spcBef>
+              <a:spcAft>
+                <a:spcPts val="0"/>
+              </a:spcAft>
+              <a:buClrTx/>
+              <a:buSzTx/>
+              <a:buFontTx/>
+              <a:buNone/>
+              <a:tabLst/>
+              <a:defRPr/>
+            </a:pPr>
+            <a:r>
+              <a:rPr lang="en-US" altLang="zh-CN" dirty="0" smtClean="0">
+                <a:solidFill>
+                  <a:srgbClr val="FF0000"/>
+                </a:solidFill>
+              </a:rPr>
+              <a:t>compose wrapper function and real function by </a:t>
+            </a:r>
+            <a:r>
+              <a:rPr lang="en-US" altLang="zh-CN" dirty="0" err="1" smtClean="0">
+                <a:solidFill>
+                  <a:srgbClr val="FF0000"/>
+                </a:solidFill>
+              </a:rPr>
+              <a:t>std</a:t>
+            </a:r>
+            <a:r>
+              <a:rPr lang="en-US" altLang="zh-CN" dirty="0" smtClean="0">
+                <a:solidFill>
+                  <a:srgbClr val="FF0000"/>
+                </a:solidFill>
+              </a:rPr>
+              <a:t>::bind</a:t>
+            </a:r>
+          </a:p>
+          <a:p>
+            <a:pPr marL="0" marR="0" indent="0" algn="l" defTabSz="914400" rtl="0" eaLnBrk="1" fontAlgn="auto" latinLnBrk="0" hangingPunct="1">
+              <a:lnSpc>
+                <a:spcPct val="100000"/>
+              </a:lnSpc>
+              <a:spcBef>
+                <a:spcPts val="0"/>
+              </a:spcBef>
+              <a:spcAft>
+                <a:spcPts val="0"/>
+              </a:spcAft>
+              <a:buClrTx/>
+              <a:buSzTx/>
+              <a:buFontTx/>
+              <a:buNone/>
+              <a:tabLst/>
+              <a:defRPr/>
+            </a:pPr>
+            <a:r>
+              <a:rPr lang="en-US" altLang="zh-CN" dirty="0" smtClean="0">
+                <a:solidFill>
+                  <a:srgbClr val="FF0000"/>
+                </a:solidFill>
+              </a:rPr>
+              <a:t>template class and </a:t>
+            </a:r>
+            <a:r>
+              <a:rPr lang="en-US" altLang="zh-CN" dirty="0" err="1" smtClean="0">
+                <a:solidFill>
+                  <a:srgbClr val="FF0000"/>
+                </a:solidFill>
+              </a:rPr>
+              <a:t>std</a:t>
+            </a:r>
+            <a:r>
+              <a:rPr lang="en-US" altLang="zh-CN" dirty="0" smtClean="0">
+                <a:solidFill>
+                  <a:srgbClr val="FF0000"/>
+                </a:solidFill>
+              </a:rPr>
+              <a:t>::bind</a:t>
+            </a:r>
+            <a:r>
+              <a:rPr lang="zh-CN" altLang="en-US" dirty="0" smtClean="0">
+                <a:solidFill>
+                  <a:srgbClr val="FF0000"/>
+                </a:solidFill>
+              </a:rPr>
+              <a:t> </a:t>
+            </a:r>
+            <a:r>
+              <a:rPr lang="en-US" altLang="zh-CN" dirty="0" smtClean="0">
+                <a:solidFill>
+                  <a:srgbClr val="FF0000"/>
+                </a:solidFill>
+              </a:rPr>
+              <a:t>erase function type</a:t>
+            </a:r>
+          </a:p>
+          <a:p>
             <a:endParaRPr lang="zh-CN" altLang="en-US" dirty="0"/>
           </a:p>
         </p:txBody>
@@ -1390,7 +1435,7 @@
             <a:fld id="{D907BE37-B124-4F9F-8F7E-44B90AC375A6}" type="slidenum">
               <a:rPr lang="zh-CN" altLang="en-US" smtClean="0"/>
               <a:pPr/>
-              <a:t>22</a:t>
+              <a:t>21</a:t>
             </a:fld>
             <a:endParaRPr lang="zh-CN" altLang="en-US"/>
           </a:p>
@@ -1399,7 +1444,7 @@
     </p:spTree>
     <p:extLst>
       <p:ext uri="{BB962C8B-B14F-4D97-AF65-F5344CB8AC3E}">
-        <p14:creationId xmlns:p14="http://schemas.microsoft.com/office/powerpoint/2010/main" val="3136727525"/>
+        <p14:creationId xmlns:p14="http://schemas.microsoft.com/office/powerpoint/2010/main" val="4015747719"/>
       </p:ext>
     </p:extLst>
   </p:cSld>
@@ -1453,14 +1498,6 @@
           <a:bodyPr/>
           <a:lstStyle/>
           <a:p>
-            <a:r>
-              <a:rPr lang="en-US" altLang="zh-CN" dirty="0" smtClean="0"/>
-              <a:t>joke,</a:t>
-            </a:r>
-            <a:r>
-              <a:rPr lang="en-US" altLang="zh-CN" baseline="0" dirty="0" smtClean="0"/>
-              <a:t> way to aspen.</a:t>
-            </a:r>
             <a:endParaRPr lang="zh-CN" altLang="en-US" dirty="0"/>
           </a:p>
         </p:txBody>
@@ -1492,7 +1529,7 @@
     </p:spTree>
     <p:extLst>
       <p:ext uri="{BB962C8B-B14F-4D97-AF65-F5344CB8AC3E}">
-        <p14:creationId xmlns:p14="http://schemas.microsoft.com/office/powerpoint/2010/main" val="3739802231"/>
+        <p14:creationId xmlns:p14="http://schemas.microsoft.com/office/powerpoint/2010/main" val="3136727525"/>
       </p:ext>
     </p:extLst>
   </p:cSld>
@@ -1548,17 +1585,11 @@
           <a:p>
             <a:r>
               <a:rPr lang="en-US" altLang="zh-CN" dirty="0" smtClean="0"/>
-              <a:t>the handler</a:t>
+              <a:t>joke,</a:t>
             </a:r>
             <a:r>
               <a:rPr lang="en-US" altLang="zh-CN" baseline="0" dirty="0" smtClean="0"/>
-              <a:t> name can be got easily from client request. the route function is very easy, just find the handler and then call it with binary data.</a:t>
-            </a:r>
-          </a:p>
-          <a:p>
-            <a:r>
-              <a:rPr lang="en-US" altLang="zh-CN" dirty="0" smtClean="0"/>
-              <a:t>the key Point is the called handler, let’s look at it.</a:t>
+              <a:t> way to aspen.</a:t>
             </a:r>
             <a:endParaRPr lang="zh-CN" altLang="en-US" dirty="0"/>
           </a:p>
@@ -1591,7 +1622,7 @@
     </p:spTree>
     <p:extLst>
       <p:ext uri="{BB962C8B-B14F-4D97-AF65-F5344CB8AC3E}">
-        <p14:creationId xmlns:p14="http://schemas.microsoft.com/office/powerpoint/2010/main" val="2643166359"/>
+        <p14:creationId xmlns:p14="http://schemas.microsoft.com/office/powerpoint/2010/main" val="3739802231"/>
       </p:ext>
     </p:extLst>
   </p:cSld>
@@ -1645,119 +1676,20 @@
           <a:bodyPr/>
           <a:lstStyle/>
           <a:p>
-            <a:pPr marL="0" marR="0" indent="0" algn="l" defTabSz="914400" rtl="0" eaLnBrk="1" fontAlgn="auto" latinLnBrk="0" hangingPunct="1">
-              <a:lnSpc>
-                <a:spcPct val="100000"/>
-              </a:lnSpc>
-              <a:spcBef>
-                <a:spcPts val="0"/>
-              </a:spcBef>
-              <a:spcAft>
-                <a:spcPts val="0"/>
-              </a:spcAft>
-              <a:buClrTx/>
-              <a:buSzTx/>
-              <a:buFontTx/>
-              <a:buNone/>
-              <a:tabLst/>
-              <a:defRPr/>
-            </a:pPr>
-            <a:r>
-              <a:rPr lang="en-US" altLang="zh-CN" dirty="0" smtClean="0"/>
-              <a:t>the apply function has three arguments, the first argument is the registered handler, the rest arguments are binary data from client.</a:t>
-            </a:r>
-          </a:p>
-          <a:p>
-            <a:pPr marL="0" marR="0" indent="0" algn="l" defTabSz="914400" rtl="0" eaLnBrk="1" fontAlgn="auto" latinLnBrk="0" hangingPunct="1">
-              <a:lnSpc>
-                <a:spcPct val="100000"/>
-              </a:lnSpc>
-              <a:spcBef>
-                <a:spcPts val="0"/>
-              </a:spcBef>
-              <a:spcAft>
-                <a:spcPts val="0"/>
-              </a:spcAft>
-              <a:buClrTx/>
-              <a:buSzTx/>
-              <a:buFontTx/>
-              <a:buNone/>
-              <a:tabLst/>
-              <a:defRPr/>
-            </a:pPr>
-            <a:r>
-              <a:rPr lang="en-US" altLang="zh-CN" dirty="0" smtClean="0"/>
-              <a:t>the client put the call arguments into a tuple and serialize it into binary data. so at the server side we need to</a:t>
-            </a:r>
-            <a:r>
-              <a:rPr lang="zh-CN" altLang="en-US" baseline="0" dirty="0" smtClean="0"/>
-              <a:t> </a:t>
-            </a:r>
-            <a:r>
-              <a:rPr lang="en-US" altLang="zh-CN" baseline="0" dirty="0" err="1" smtClean="0"/>
-              <a:t>deserialize</a:t>
+            <a:r>
+              <a:rPr lang="en-US" altLang="zh-CN" dirty="0" smtClean="0"/>
+              <a:t>the handler</a:t>
             </a:r>
             <a:r>
               <a:rPr lang="en-US" altLang="zh-CN" baseline="0" dirty="0" smtClean="0"/>
-              <a:t> it into tuple. I use serialization engine iguana do the work, because of the time limit I don’t want to talk about it this time.</a:t>
-            </a:r>
-          </a:p>
-          <a:p>
-            <a:pPr marL="0" marR="0" indent="0" algn="l" defTabSz="914400" rtl="0" eaLnBrk="1" fontAlgn="auto" latinLnBrk="0" hangingPunct="1">
-              <a:lnSpc>
-                <a:spcPct val="100000"/>
-              </a:lnSpc>
-              <a:spcBef>
-                <a:spcPts val="0"/>
-              </a:spcBef>
-              <a:spcAft>
-                <a:spcPts val="0"/>
-              </a:spcAft>
-              <a:buClrTx/>
-              <a:buSzTx/>
-              <a:buFontTx/>
-              <a:buNone/>
-              <a:tabLst/>
-              <a:defRPr/>
-            </a:pPr>
-            <a:r>
-              <a:rPr lang="en-US" altLang="zh-CN" dirty="0" smtClean="0"/>
-              <a:t>Now you have had the registered handler and the tuple arguments, you just need to call </a:t>
-            </a:r>
-            <a:r>
-              <a:rPr lang="en-US" altLang="zh-CN" dirty="0" err="1" smtClean="0"/>
-              <a:t>std</a:t>
-            </a:r>
-            <a:r>
-              <a:rPr lang="en-US" altLang="zh-CN" dirty="0" smtClean="0"/>
-              <a:t>::apply to </a:t>
-            </a:r>
-            <a:r>
-              <a:rPr lang="en-US" altLang="zh-CN" dirty="0" err="1" smtClean="0"/>
-              <a:t>excecute</a:t>
-            </a:r>
-            <a:r>
-              <a:rPr lang="en-US" altLang="zh-CN" dirty="0" smtClean="0"/>
-              <a:t> the hander in  </a:t>
-            </a:r>
-            <a:r>
-              <a:rPr lang="en-US" altLang="zh-CN" dirty="0" err="1" smtClean="0"/>
-              <a:t>c++</a:t>
-            </a:r>
-            <a:r>
-              <a:rPr lang="en-US" altLang="zh-CN" dirty="0" smtClean="0"/>
-              <a:t>17. But for C++14 you can utilize some new features to implement similar </a:t>
-            </a:r>
-            <a:r>
-              <a:rPr lang="en-US" altLang="zh-CN" dirty="0" err="1" smtClean="0"/>
-              <a:t>std</a:t>
-            </a:r>
-            <a:r>
-              <a:rPr lang="en-US" altLang="zh-CN" dirty="0" smtClean="0"/>
-              <a:t>::apply.</a:t>
-            </a:r>
-          </a:p>
-          <a:p>
+              <a:t> name can be got easily from client request. the route function is very easy, just find the handler and then call it with binary data.</a:t>
+            </a:r>
+          </a:p>
+          <a:p>
+            <a:r>
+              <a:rPr lang="en-US" altLang="zh-CN" dirty="0" smtClean="0"/>
+              <a:t>the key Point is the called handler, let’s look at it.</a:t>
+            </a:r>
             <a:endParaRPr lang="zh-CN" altLang="en-US" dirty="0"/>
           </a:p>
         </p:txBody>
@@ -1780,7 +1712,7 @@
             <a:fld id="{D907BE37-B124-4F9F-8F7E-44B90AC375A6}" type="slidenum">
               <a:rPr lang="zh-CN" altLang="en-US" smtClean="0"/>
               <a:pPr/>
-              <a:t>26</a:t>
+              <a:t>25</a:t>
             </a:fld>
             <a:endParaRPr lang="zh-CN" altLang="en-US"/>
           </a:p>
@@ -1789,7 +1721,7 @@
     </p:spTree>
     <p:extLst>
       <p:ext uri="{BB962C8B-B14F-4D97-AF65-F5344CB8AC3E}">
-        <p14:creationId xmlns:p14="http://schemas.microsoft.com/office/powerpoint/2010/main" val="2908732268"/>
+        <p14:creationId xmlns:p14="http://schemas.microsoft.com/office/powerpoint/2010/main" val="2643166359"/>
       </p:ext>
     </p:extLst>
   </p:cSld>
@@ -1843,9 +1775,84 @@
           <a:bodyPr/>
           <a:lstStyle/>
           <a:p>
-            <a:r>
-              <a:rPr lang="en-US" altLang="zh-CN" dirty="0" smtClean="0"/>
-              <a:t>we can implement </a:t>
+            <a:pPr marL="0" marR="0" indent="0" algn="l" defTabSz="914400" rtl="0" eaLnBrk="1" fontAlgn="auto" latinLnBrk="0" hangingPunct="1">
+              <a:lnSpc>
+                <a:spcPct val="100000"/>
+              </a:lnSpc>
+              <a:spcBef>
+                <a:spcPts val="0"/>
+              </a:spcBef>
+              <a:spcAft>
+                <a:spcPts val="0"/>
+              </a:spcAft>
+              <a:buClrTx/>
+              <a:buSzTx/>
+              <a:buFontTx/>
+              <a:buNone/>
+              <a:tabLst/>
+              <a:defRPr/>
+            </a:pPr>
+            <a:r>
+              <a:rPr lang="en-US" altLang="zh-CN" dirty="0" smtClean="0"/>
+              <a:t>the apply function has three arguments, the first argument is the registered handler, the rest arguments are binary data from client.</a:t>
+            </a:r>
+          </a:p>
+          <a:p>
+            <a:pPr marL="0" marR="0" indent="0" algn="l" defTabSz="914400" rtl="0" eaLnBrk="1" fontAlgn="auto" latinLnBrk="0" hangingPunct="1">
+              <a:lnSpc>
+                <a:spcPct val="100000"/>
+              </a:lnSpc>
+              <a:spcBef>
+                <a:spcPts val="0"/>
+              </a:spcBef>
+              <a:spcAft>
+                <a:spcPts val="0"/>
+              </a:spcAft>
+              <a:buClrTx/>
+              <a:buSzTx/>
+              <a:buFontTx/>
+              <a:buNone/>
+              <a:tabLst/>
+              <a:defRPr/>
+            </a:pPr>
+            <a:r>
+              <a:rPr lang="en-US" altLang="zh-CN" dirty="0" smtClean="0"/>
+              <a:t>the client put the call arguments into a tuple and serialize it into binary data. so at the server side we need to</a:t>
+            </a:r>
+            <a:r>
+              <a:rPr lang="zh-CN" altLang="en-US" baseline="0" dirty="0" smtClean="0"/>
+              <a:t> </a:t>
+            </a:r>
+            <a:r>
+              <a:rPr lang="en-US" altLang="zh-CN" baseline="0" dirty="0" err="1" smtClean="0"/>
+              <a:t>deserialize</a:t>
+            </a:r>
+            <a:r>
+              <a:rPr lang="en-US" altLang="zh-CN" baseline="0" dirty="0" smtClean="0"/>
+              <a:t> it into tuple. I use serialization engine iguana do the work, because of the time limit I don’t want to talk about it this time.</a:t>
+            </a:r>
+          </a:p>
+          <a:p>
+            <a:pPr marL="0" marR="0" indent="0" algn="l" defTabSz="914400" rtl="0" eaLnBrk="1" fontAlgn="auto" latinLnBrk="0" hangingPunct="1">
+              <a:lnSpc>
+                <a:spcPct val="100000"/>
+              </a:lnSpc>
+              <a:spcBef>
+                <a:spcPts val="0"/>
+              </a:spcBef>
+              <a:spcAft>
+                <a:spcPts val="0"/>
+              </a:spcAft>
+              <a:buClrTx/>
+              <a:buSzTx/>
+              <a:buFontTx/>
+              <a:buNone/>
+              <a:tabLst/>
+              <a:defRPr/>
+            </a:pPr>
+            <a:r>
+              <a:rPr lang="en-US" altLang="zh-CN" dirty="0" smtClean="0"/>
+              <a:t>Now you have had the registered handler and the tuple arguments, you just need to call </a:t>
             </a:r>
             <a:r>
               <a:rPr lang="en-US" altLang="zh-CN" dirty="0" err="1" smtClean="0"/>
@@ -1853,7 +1860,15 @@
             </a:r>
             <a:r>
               <a:rPr lang="en-US" altLang="zh-CN" dirty="0" smtClean="0"/>
-              <a:t>::apply by </a:t>
+              <a:t>::apply to </a:t>
+            </a:r>
+            <a:r>
+              <a:rPr lang="en-US" altLang="zh-CN" dirty="0" err="1" smtClean="0"/>
+              <a:t>excecute</a:t>
+            </a:r>
+            <a:r>
+              <a:rPr lang="en-US" altLang="zh-CN" dirty="0" smtClean="0"/>
+              <a:t> the hander in  </a:t>
             </a:r>
             <a:r>
               <a:rPr lang="en-US" altLang="zh-CN" dirty="0" err="1" smtClean="0"/>
@@ -1861,15 +1876,7 @@
             </a:r>
             <a:r>
               <a:rPr lang="en-US" altLang="zh-CN" dirty="0" smtClean="0"/>
-              <a:t>14, we can utilize </a:t>
-            </a:r>
-            <a:r>
-              <a:rPr lang="en-US" altLang="zh-CN" dirty="0" err="1" smtClean="0"/>
-              <a:t>c++</a:t>
-            </a:r>
-            <a:r>
-              <a:rPr lang="en-US" altLang="zh-CN" dirty="0" smtClean="0"/>
-              <a:t>14 feature </a:t>
+              <a:t>17. But for C++14 you can utilize some new features to implement similar </a:t>
             </a:r>
             <a:r>
               <a:rPr lang="en-US" altLang="zh-CN" dirty="0" err="1" smtClean="0"/>
@@ -1877,60 +1884,10 @@
             </a:r>
             <a:r>
               <a:rPr lang="en-US" altLang="zh-CN" dirty="0" smtClean="0"/>
-              <a:t>::</a:t>
-            </a:r>
-            <a:r>
-              <a:rPr lang="en-US" altLang="zh-CN" dirty="0" err="1" smtClean="0"/>
-              <a:t>index_sequence</a:t>
-            </a:r>
-            <a:r>
-              <a:rPr lang="en-US" altLang="zh-CN" dirty="0" smtClean="0"/>
-              <a:t> to expand </a:t>
-            </a:r>
-            <a:r>
-              <a:rPr lang="en-US" altLang="zh-CN" dirty="0" err="1" smtClean="0"/>
-              <a:t>variadic</a:t>
-            </a:r>
-            <a:r>
-              <a:rPr lang="en-US" altLang="zh-CN" dirty="0" smtClean="0"/>
-              <a:t> template.</a:t>
-            </a:r>
-          </a:p>
-          <a:p>
-            <a:r>
-              <a:rPr lang="en-US" altLang="zh-CN" dirty="0" smtClean="0"/>
-              <a:t>at first make a </a:t>
-            </a:r>
-            <a:r>
-              <a:rPr lang="en-US" altLang="zh-CN" dirty="0" err="1" smtClean="0"/>
-              <a:t>index_sequence</a:t>
-            </a:r>
-            <a:r>
-              <a:rPr lang="en-US" altLang="zh-CN" dirty="0" smtClean="0"/>
-              <a:t> by </a:t>
-            </a:r>
-            <a:r>
-              <a:rPr lang="en-US" altLang="zh-CN" dirty="0" err="1" smtClean="0"/>
-              <a:t>tuple_size</a:t>
-            </a:r>
-            <a:r>
-              <a:rPr lang="en-US" altLang="zh-CN" dirty="0" smtClean="0"/>
-              <a:t>, then get all elements of tuple by expanding </a:t>
-            </a:r>
-            <a:r>
-              <a:rPr lang="en-US" altLang="zh-CN" dirty="0" err="1" smtClean="0"/>
-              <a:t>variadic</a:t>
-            </a:r>
-            <a:r>
-              <a:rPr lang="en-US" altLang="zh-CN" dirty="0" smtClean="0"/>
-              <a:t> template, the got parameters become function arguments and the function call finish.</a:t>
-            </a:r>
-          </a:p>
-          <a:p>
-            <a:r>
-              <a:rPr lang="en-US" altLang="zh-CN" dirty="0" smtClean="0"/>
-              <a:t>ok let’s look back the solution of register and route handler</a:t>
-            </a:r>
+              <a:t>::apply.</a:t>
+            </a:r>
+          </a:p>
+          <a:p>
             <a:endParaRPr lang="zh-CN" altLang="en-US" dirty="0"/>
           </a:p>
         </p:txBody>
@@ -1962,7 +1919,7 @@
     </p:spTree>
     <p:extLst>
       <p:ext uri="{BB962C8B-B14F-4D97-AF65-F5344CB8AC3E}">
-        <p14:creationId xmlns:p14="http://schemas.microsoft.com/office/powerpoint/2010/main" val="701607839"/>
+        <p14:creationId xmlns:p14="http://schemas.microsoft.com/office/powerpoint/2010/main" val="2908732268"/>
       </p:ext>
     </p:extLst>
   </p:cSld>
@@ -2123,19 +2080,91 @@
           <a:p>
             <a:r>
               <a:rPr lang="en-US" altLang="zh-CN" dirty="0" smtClean="0"/>
-              <a:t>we utilize a template class to hold the function type and wrapper the real function by invoker::apply. this is a special type erase method, we can register callable of any signature by this method.</a:t>
-            </a:r>
-          </a:p>
-          <a:p>
-            <a:r>
-              <a:rPr lang="en-US" altLang="zh-CN" dirty="0" smtClean="0"/>
-              <a:t>is this method universal? yes, this method is particularly suitable for the following scenarios: parse parameters from network and route to the right handler, RPC, http server can enjoy the benefit of this method.</a:t>
-            </a:r>
-          </a:p>
-          <a:p>
-            <a:r>
-              <a:rPr lang="en-US" altLang="zh-CN" dirty="0" smtClean="0"/>
-              <a:t>let’s talk about the http server</a:t>
+              <a:t>we can implement </a:t>
+            </a:r>
+            <a:r>
+              <a:rPr lang="en-US" altLang="zh-CN" dirty="0" err="1" smtClean="0"/>
+              <a:t>std</a:t>
+            </a:r>
+            <a:r>
+              <a:rPr lang="en-US" altLang="zh-CN" dirty="0" smtClean="0"/>
+              <a:t>::apply by </a:t>
+            </a:r>
+            <a:r>
+              <a:rPr lang="en-US" altLang="zh-CN" dirty="0" err="1" smtClean="0"/>
+              <a:t>c++</a:t>
+            </a:r>
+            <a:r>
+              <a:rPr lang="en-US" altLang="zh-CN" dirty="0" smtClean="0"/>
+              <a:t>14, we can utilize </a:t>
+            </a:r>
+            <a:r>
+              <a:rPr lang="en-US" altLang="zh-CN" dirty="0" err="1" smtClean="0"/>
+              <a:t>c++</a:t>
+            </a:r>
+            <a:r>
+              <a:rPr lang="en-US" altLang="zh-CN" dirty="0" smtClean="0"/>
+              <a:t>14 feature </a:t>
+            </a:r>
+            <a:r>
+              <a:rPr lang="en-US" altLang="zh-CN" dirty="0" err="1" smtClean="0"/>
+              <a:t>std</a:t>
+            </a:r>
+            <a:r>
+              <a:rPr lang="en-US" altLang="zh-CN" dirty="0" smtClean="0"/>
+              <a:t>::</a:t>
+            </a:r>
+            <a:r>
+              <a:rPr lang="en-US" altLang="zh-CN" dirty="0" err="1" smtClean="0"/>
+              <a:t>index_sequence</a:t>
+            </a:r>
+            <a:r>
+              <a:rPr lang="en-US" altLang="zh-CN" dirty="0" smtClean="0"/>
+              <a:t> to expand </a:t>
+            </a:r>
+            <a:r>
+              <a:rPr lang="en-US" altLang="zh-CN" dirty="0" err="1" smtClean="0"/>
+              <a:t>variadic</a:t>
+            </a:r>
+            <a:r>
+              <a:rPr lang="en-US" altLang="zh-CN" dirty="0" smtClean="0"/>
+              <a:t> template.</a:t>
+            </a:r>
+          </a:p>
+          <a:p>
+            <a:r>
+              <a:rPr lang="en-US" altLang="zh-CN" dirty="0" smtClean="0"/>
+              <a:t>at first make a </a:t>
+            </a:r>
+            <a:r>
+              <a:rPr lang="en-US" altLang="zh-CN" dirty="0" err="1" smtClean="0"/>
+              <a:t>index_sequence</a:t>
+            </a:r>
+            <a:r>
+              <a:rPr lang="en-US" altLang="zh-CN" dirty="0" smtClean="0"/>
+              <a:t> by </a:t>
+            </a:r>
+            <a:r>
+              <a:rPr lang="en-US" altLang="zh-CN" dirty="0" err="1" smtClean="0"/>
+              <a:t>tuple_size</a:t>
+            </a:r>
+            <a:r>
+              <a:rPr lang="en-US" altLang="zh-CN" dirty="0" smtClean="0"/>
+              <a:t>, then get all elements of tuple by expanding </a:t>
+            </a:r>
+            <a:r>
+              <a:rPr lang="en-US" altLang="zh-CN" dirty="0" err="1" smtClean="0"/>
+              <a:t>variadic</a:t>
+            </a:r>
+            <a:r>
+              <a:rPr lang="en-US" altLang="zh-CN" dirty="0" smtClean="0"/>
+              <a:t> template, the got parameters become function arguments and the function call finish.</a:t>
+            </a:r>
+          </a:p>
+          <a:p>
+            <a:r>
+              <a:rPr lang="en-US" altLang="zh-CN" dirty="0" smtClean="0"/>
+              <a:t>ok let’s look back the solution of register and route handler</a:t>
             </a:r>
             <a:endParaRPr lang="zh-CN" altLang="en-US" dirty="0"/>
           </a:p>
@@ -2168,7 +2197,7 @@
     </p:spTree>
     <p:extLst>
       <p:ext uri="{BB962C8B-B14F-4D97-AF65-F5344CB8AC3E}">
-        <p14:creationId xmlns:p14="http://schemas.microsoft.com/office/powerpoint/2010/main" val="4088154762"/>
+        <p14:creationId xmlns:p14="http://schemas.microsoft.com/office/powerpoint/2010/main" val="701607839"/>
       </p:ext>
     </p:extLst>
   </p:cSld>
@@ -2224,35 +2253,19 @@
           <a:p>
             <a:r>
               <a:rPr lang="en-US" altLang="zh-CN" dirty="0" smtClean="0"/>
-              <a:t>how to parse the string </a:t>
-            </a:r>
-            <a:r>
-              <a:rPr lang="en-US" altLang="zh-CN" dirty="0" err="1" smtClean="0"/>
-              <a:t>url</a:t>
-            </a:r>
-            <a:r>
-              <a:rPr lang="en-US" altLang="zh-CN" dirty="0" smtClean="0"/>
-              <a:t> and call the right handler, this situation is a little different from former situation, because the request is raw string, no serialization. how to route and execute by the string </a:t>
-            </a:r>
-            <a:r>
-              <a:rPr lang="en-US" altLang="zh-CN" dirty="0" err="1" smtClean="0"/>
-              <a:t>url</a:t>
-            </a:r>
-            <a:r>
-              <a:rPr lang="en-US" altLang="zh-CN" dirty="0" smtClean="0"/>
-              <a:t>?</a:t>
-            </a:r>
-          </a:p>
-          <a:p>
-            <a:r>
-              <a:rPr lang="en-US" altLang="zh-CN" dirty="0" smtClean="0"/>
-              <a:t>can anyone give a solution?</a:t>
-            </a:r>
-          </a:p>
-          <a:p>
-            <a:r>
-              <a:rPr lang="en-US" altLang="zh-CN" dirty="0" smtClean="0"/>
-              <a:t>the solution is similar</a:t>
+              <a:t>we utilize a template class to hold the function type and wrapper the real function by invoker::apply. this is a special type erase method, we can register callable of any signature by this method.</a:t>
+            </a:r>
+          </a:p>
+          <a:p>
+            <a:r>
+              <a:rPr lang="en-US" altLang="zh-CN" dirty="0" smtClean="0"/>
+              <a:t>is this method universal? yes, this method is particularly suitable for the following scenarios: parse parameters from network and route to the right handler, RPC, http server can enjoy the benefit of this method.</a:t>
+            </a:r>
+          </a:p>
+          <a:p>
+            <a:r>
+              <a:rPr lang="en-US" altLang="zh-CN" dirty="0" smtClean="0"/>
+              <a:t>let’s talk about the http server</a:t>
             </a:r>
             <a:endParaRPr lang="zh-CN" altLang="en-US" dirty="0"/>
           </a:p>
@@ -2276,7 +2289,7 @@
             <a:fld id="{D907BE37-B124-4F9F-8F7E-44B90AC375A6}" type="slidenum">
               <a:rPr lang="zh-CN" altLang="en-US" smtClean="0"/>
               <a:pPr/>
-              <a:t>30</a:t>
+              <a:t>29</a:t>
             </a:fld>
             <a:endParaRPr lang="zh-CN" altLang="en-US"/>
           </a:p>
@@ -2285,7 +2298,7 @@
     </p:spTree>
     <p:extLst>
       <p:ext uri="{BB962C8B-B14F-4D97-AF65-F5344CB8AC3E}">
-        <p14:creationId xmlns:p14="http://schemas.microsoft.com/office/powerpoint/2010/main" val="3874910235"/>
+        <p14:creationId xmlns:p14="http://schemas.microsoft.com/office/powerpoint/2010/main" val="4088154762"/>
       </p:ext>
     </p:extLst>
   </p:cSld>
@@ -2341,7 +2354,7 @@
           <a:p>
             <a:r>
               <a:rPr lang="en-US" altLang="zh-CN" dirty="0" smtClean="0"/>
-              <a:t>Firstly split </a:t>
+              <a:t>how to parse the string </a:t>
             </a:r>
             <a:r>
               <a:rPr lang="en-US" altLang="zh-CN" dirty="0" err="1" smtClean="0"/>
@@ -2349,19 +2362,27 @@
             </a:r>
             <a:r>
               <a:rPr lang="en-US" altLang="zh-CN" dirty="0" smtClean="0"/>
-              <a:t> into a string vector, the vector hold the string parameters. token parser to the work.</a:t>
-            </a:r>
-          </a:p>
-          <a:p>
-            <a:r>
-              <a:rPr lang="en-US" altLang="zh-CN" dirty="0" smtClean="0"/>
-              <a:t>the get method transforms a parameter to a gave type parameter.</a:t>
-            </a:r>
-          </a:p>
-          <a:p>
-            <a:r>
-              <a:rPr lang="en-US" altLang="zh-CN" dirty="0" smtClean="0"/>
-              <a:t>it’s easy and clear, nothing more to say. next we will implement route and execute by the string vector</a:t>
+              <a:t> and call the right handler, this situation is a little different from former situation, because the request is raw string, no serialization. how to route and execute by the string </a:t>
+            </a:r>
+            <a:r>
+              <a:rPr lang="en-US" altLang="zh-CN" dirty="0" err="1" smtClean="0"/>
+              <a:t>url</a:t>
+            </a:r>
+            <a:r>
+              <a:rPr lang="en-US" altLang="zh-CN" dirty="0" smtClean="0"/>
+              <a:t>?</a:t>
+            </a:r>
+          </a:p>
+          <a:p>
+            <a:r>
+              <a:rPr lang="en-US" altLang="zh-CN" dirty="0" smtClean="0"/>
+              <a:t>can anyone give a solution?</a:t>
+            </a:r>
+          </a:p>
+          <a:p>
+            <a:r>
+              <a:rPr lang="en-US" altLang="zh-CN" dirty="0" smtClean="0"/>
+              <a:t>the solution is similar</a:t>
             </a:r>
             <a:endParaRPr lang="zh-CN" altLang="en-US" dirty="0"/>
           </a:p>
@@ -2394,7 +2415,7 @@
     </p:spTree>
     <p:extLst>
       <p:ext uri="{BB962C8B-B14F-4D97-AF65-F5344CB8AC3E}">
-        <p14:creationId xmlns:p14="http://schemas.microsoft.com/office/powerpoint/2010/main" val="1318862096"/>
+        <p14:creationId xmlns:p14="http://schemas.microsoft.com/office/powerpoint/2010/main" val="3874910235"/>
       </p:ext>
     </p:extLst>
   </p:cSld>
@@ -2450,8 +2471,29 @@
           <a:p>
             <a:r>
               <a:rPr lang="en-US" altLang="zh-CN" dirty="0" smtClean="0"/>
-              <a:t>Pay attention to the bind, this time we also bind static member function of a template class, but the member function is template function, and one argument is a empty tuple. let’s look at the template class. </a:t>
-            </a:r>
+              <a:t>Firstly split </a:t>
+            </a:r>
+            <a:r>
+              <a:rPr lang="en-US" altLang="zh-CN" dirty="0" err="1" smtClean="0"/>
+              <a:t>url</a:t>
+            </a:r>
+            <a:r>
+              <a:rPr lang="en-US" altLang="zh-CN" dirty="0" smtClean="0"/>
+              <a:t> into a string vector, the vector hold the string parameters. token parser to the work.</a:t>
+            </a:r>
+          </a:p>
+          <a:p>
+            <a:r>
+              <a:rPr lang="en-US" altLang="zh-CN" dirty="0" smtClean="0"/>
+              <a:t>the get method transforms a parameter to a gave type parameter.</a:t>
+            </a:r>
+          </a:p>
+          <a:p>
+            <a:r>
+              <a:rPr lang="en-US" altLang="zh-CN" dirty="0" smtClean="0"/>
+              <a:t>it’s easy and clear, nothing more to say. next we will implement route and execute by the string vector</a:t>
+            </a:r>
+            <a:endParaRPr lang="zh-CN" altLang="en-US" dirty="0"/>
           </a:p>
         </p:txBody>
       </p:sp>
@@ -2482,7 +2524,7 @@
     </p:spTree>
     <p:extLst>
       <p:ext uri="{BB962C8B-B14F-4D97-AF65-F5344CB8AC3E}">
-        <p14:creationId xmlns:p14="http://schemas.microsoft.com/office/powerpoint/2010/main" val="2354499227"/>
+        <p14:creationId xmlns:p14="http://schemas.microsoft.com/office/powerpoint/2010/main" val="1318862096"/>
       </p:ext>
     </p:extLst>
   </p:cSld>
@@ -2538,94 +2580,8 @@
           <a:p>
             <a:r>
               <a:rPr lang="en-US" altLang="zh-CN" dirty="0" smtClean="0"/>
-              <a:t>we</a:t>
-            </a:r>
-            <a:r>
-              <a:rPr lang="en-US" altLang="zh-CN" baseline="0" dirty="0" smtClean="0"/>
-              <a:t> need some helper class, for example </a:t>
-            </a:r>
-            <a:r>
-              <a:rPr lang="en-US" altLang="zh-CN" baseline="0" dirty="0" err="1" smtClean="0"/>
-              <a:t>function_traits</a:t>
-            </a:r>
-            <a:r>
-              <a:rPr lang="en-US" altLang="zh-CN" baseline="0" dirty="0" smtClean="0"/>
-              <a:t>,  it used to trait function return type, arguments types, arguments number and so on.</a:t>
-            </a:r>
-          </a:p>
-          <a:p>
-            <a:pPr marL="0" marR="0" indent="0" algn="l" defTabSz="914400" rtl="0" eaLnBrk="1" fontAlgn="auto" latinLnBrk="0" hangingPunct="1">
-              <a:lnSpc>
-                <a:spcPct val="100000"/>
-              </a:lnSpc>
-              <a:spcBef>
-                <a:spcPts val="0"/>
-              </a:spcBef>
-              <a:spcAft>
-                <a:spcPts val="0"/>
-              </a:spcAft>
-              <a:buClrTx/>
-              <a:buSzTx/>
-              <a:buFontTx/>
-              <a:buNone/>
-              <a:tabLst/>
-              <a:defRPr/>
-            </a:pPr>
-            <a:r>
-              <a:rPr lang="en-US" altLang="zh-CN" dirty="0" smtClean="0"/>
-              <a:t>this is a part of </a:t>
-            </a:r>
-            <a:r>
-              <a:rPr lang="en-US" altLang="zh-CN" dirty="0" err="1" smtClean="0"/>
-              <a:t>function_traits</a:t>
-            </a:r>
-            <a:r>
-              <a:rPr lang="en-US" altLang="zh-CN" dirty="0" smtClean="0"/>
-              <a:t>, more details you can find it here:</a:t>
-            </a:r>
-            <a:r>
-              <a:rPr lang="zh-CN" altLang="en-US" dirty="0" smtClean="0"/>
-              <a:t>https://github.com/topcpporg/rest_rpc/blob/master/rest_rpc/base/function_traits.hpp</a:t>
-            </a:r>
-            <a:r>
-              <a:rPr lang="en-US" altLang="zh-CN" dirty="0" smtClean="0"/>
-              <a:t>.</a:t>
-            </a:r>
-          </a:p>
-          <a:p>
-            <a:pPr marL="0" marR="0" indent="0" algn="l" defTabSz="914400" rtl="0" eaLnBrk="1" fontAlgn="auto" latinLnBrk="0" hangingPunct="1">
-              <a:lnSpc>
-                <a:spcPct val="100000"/>
-              </a:lnSpc>
-              <a:spcBef>
-                <a:spcPts val="0"/>
-              </a:spcBef>
-              <a:spcAft>
-                <a:spcPts val="0"/>
-              </a:spcAft>
-              <a:buClrTx/>
-              <a:buSzTx/>
-              <a:buFontTx/>
-              <a:buNone/>
-              <a:tabLst/>
-              <a:defRPr/>
-            </a:pPr>
-            <a:r>
-              <a:rPr lang="en-US" altLang="zh-CN" dirty="0" smtClean="0"/>
-              <a:t>this </a:t>
-            </a:r>
-            <a:r>
-              <a:rPr lang="en-US" altLang="zh-CN" dirty="0" err="1" smtClean="0"/>
-              <a:t>function_traits</a:t>
-            </a:r>
-            <a:r>
-              <a:rPr lang="en-US" altLang="zh-CN" dirty="0" smtClean="0"/>
-              <a:t> help us a lot, let’s go on.</a:t>
-            </a:r>
-            <a:endParaRPr lang="zh-CN" altLang="en-US" dirty="0" smtClean="0"/>
-          </a:p>
-          <a:p>
-            <a:endParaRPr lang="zh-CN" altLang="en-US" dirty="0"/>
+              <a:t>Pay attention to the bind, this time we also bind static member function of a template class, but the member function is template function, and one argument is a empty tuple. let’s look at the template class. </a:t>
+            </a:r>
           </a:p>
         </p:txBody>
       </p:sp>
@@ -2656,7 +2612,7 @@
     </p:spTree>
     <p:extLst>
       <p:ext uri="{BB962C8B-B14F-4D97-AF65-F5344CB8AC3E}">
-        <p14:creationId xmlns:p14="http://schemas.microsoft.com/office/powerpoint/2010/main" val="3501692922"/>
+        <p14:creationId xmlns:p14="http://schemas.microsoft.com/office/powerpoint/2010/main" val="2354499227"/>
       </p:ext>
     </p:extLst>
   </p:cSld>
@@ -2712,99 +2668,94 @@
           <a:p>
             <a:r>
               <a:rPr lang="en-US" altLang="zh-CN" dirty="0" smtClean="0"/>
-              <a:t>the first invoker class is the base case, has three template arguments, the first argument is the type of registered handler,  the second template argument N, every time plus 1 in recursive process, and the third argument is the termination condition. pay attention to the red</a:t>
+              <a:t>we</a:t>
             </a:r>
             <a:r>
               <a:rPr lang="en-US" altLang="zh-CN" baseline="0" dirty="0" smtClean="0"/>
-              <a:t> color code, Firstly</a:t>
-            </a:r>
-            <a:r>
-              <a:rPr lang="en-US" altLang="zh-CN" dirty="0" smtClean="0"/>
-              <a:t> every time get a string argument</a:t>
+              <a:t> need some helper class, for example </a:t>
+            </a:r>
+            <a:r>
+              <a:rPr lang="en-US" altLang="zh-CN" baseline="0" dirty="0" err="1" smtClean="0"/>
+              <a:t>function_traits</a:t>
             </a:r>
             <a:r>
               <a:rPr lang="en-US" altLang="zh-CN" baseline="0" dirty="0" smtClean="0"/>
-              <a:t> and transform it to corresponding argument in the function. Secondly put the transformed argument into the empty tuple by </a:t>
-            </a:r>
-            <a:r>
-              <a:rPr lang="en-US" altLang="zh-CN" baseline="0" dirty="0" err="1" smtClean="0"/>
-              <a:t>tuple_cat</a:t>
-            </a:r>
-            <a:r>
-              <a:rPr lang="en-US" altLang="zh-CN" baseline="0" dirty="0" smtClean="0"/>
-              <a:t>, because the beginning </a:t>
-            </a:r>
-            <a:r>
-              <a:rPr lang="en-US" altLang="zh-CN" baseline="0" dirty="0" err="1" smtClean="0"/>
-              <a:t>args</a:t>
-            </a:r>
-            <a:r>
-              <a:rPr lang="en-US" altLang="zh-CN" baseline="0" dirty="0" smtClean="0"/>
-              <a:t> is </a:t>
-            </a:r>
-            <a:r>
-              <a:rPr lang="en-US" altLang="zh-CN" baseline="0" dirty="0" err="1" smtClean="0"/>
-              <a:t>std</a:t>
-            </a:r>
-            <a:r>
-              <a:rPr lang="en-US" altLang="zh-CN" baseline="0" dirty="0" smtClean="0"/>
-              <a:t>::tuple&lt;&gt;, so we need </a:t>
-            </a:r>
-            <a:r>
-              <a:rPr lang="en-US" altLang="zh-CN" baseline="0" dirty="0" err="1" smtClean="0"/>
-              <a:t>tuple_cat</a:t>
-            </a:r>
-            <a:r>
-              <a:rPr lang="en-US" altLang="zh-CN" baseline="0" dirty="0" smtClean="0"/>
-              <a:t> argument one by one, at last we get all arguments in a tuple when recursive determined, and we can use </a:t>
-            </a:r>
-            <a:r>
-              <a:rPr lang="en-US" altLang="zh-CN" baseline="0" dirty="0" err="1" smtClean="0"/>
-              <a:t>std</a:t>
-            </a:r>
-            <a:r>
-              <a:rPr lang="en-US" altLang="zh-CN" baseline="0" dirty="0" smtClean="0"/>
-              <a:t>::apply to finish call with tuple.</a:t>
-            </a:r>
-          </a:p>
-          <a:p>
-            <a:r>
-              <a:rPr lang="en-US" altLang="zh-CN" dirty="0" smtClean="0"/>
-              <a:t>the key point is transform string argument one</a:t>
-            </a:r>
-            <a:r>
-              <a:rPr lang="en-US" altLang="zh-CN" baseline="0" dirty="0" smtClean="0"/>
-              <a:t> by one and add it into a tuple, at last apply with registered function and tuple arguments. is that clear?</a:t>
-            </a:r>
-          </a:p>
-          <a:p>
-            <a:r>
-              <a:rPr lang="en-US" altLang="zh-CN" dirty="0" smtClean="0"/>
-              <a:t>I think it’s very difficult to solve the problem by </a:t>
+              <a:t>,  it used to trait function return type, arguments types, arguments number and so on.</a:t>
+            </a:r>
+          </a:p>
+          <a:p>
+            <a:pPr marL="0" marR="0" indent="0" algn="l" defTabSz="914400" rtl="0" eaLnBrk="1" fontAlgn="auto" latinLnBrk="0" hangingPunct="1">
+              <a:lnSpc>
+                <a:spcPct val="100000"/>
+              </a:lnSpc>
+              <a:spcBef>
+                <a:spcPts val="0"/>
+              </a:spcBef>
+              <a:spcAft>
+                <a:spcPts val="0"/>
+              </a:spcAft>
+              <a:buClrTx/>
+              <a:buSzTx/>
+              <a:buFontTx/>
+              <a:buNone/>
+              <a:tabLst/>
+              <a:defRPr/>
+            </a:pPr>
+            <a:r>
+              <a:rPr lang="en-US" altLang="zh-CN" dirty="0" smtClean="0"/>
+              <a:t>this is a part of </a:t>
             </a:r>
             <a:r>
               <a:rPr lang="en-US" altLang="zh-CN" dirty="0" err="1" smtClean="0"/>
-              <a:t>c++</a:t>
-            </a:r>
-            <a:r>
-              <a:rPr lang="en-US" altLang="zh-CN" dirty="0" smtClean="0"/>
-              <a:t>03</a:t>
-            </a:r>
-          </a:p>
-          <a:p>
-            <a:r>
-              <a:rPr lang="en-US" altLang="zh-CN" dirty="0" smtClean="0"/>
-              <a:t>but it’s easy for modern </a:t>
+              <a:t>function_traits</a:t>
+            </a:r>
+            <a:r>
+              <a:rPr lang="en-US" altLang="zh-CN" dirty="0" smtClean="0"/>
+              <a:t>, more details you can find it here:</a:t>
+            </a:r>
+            <a:r>
+              <a:rPr lang="zh-CN" altLang="en-US" dirty="0" smtClean="0"/>
+              <a:t>https://github.com/topcpporg/rest_rpc/blob/master/rest_rpc/base/function_traits.hpp</a:t>
+            </a:r>
+            <a:r>
+              <a:rPr lang="en-US" altLang="zh-CN" dirty="0" smtClean="0"/>
+              <a:t>.</a:t>
+            </a:r>
+          </a:p>
+          <a:p>
+            <a:pPr marL="0" marR="0" indent="0" algn="l" defTabSz="914400" rtl="0" eaLnBrk="1" fontAlgn="auto" latinLnBrk="0" hangingPunct="1">
+              <a:lnSpc>
+                <a:spcPct val="100000"/>
+              </a:lnSpc>
+              <a:spcBef>
+                <a:spcPts val="0"/>
+              </a:spcBef>
+              <a:spcAft>
+                <a:spcPts val="0"/>
+              </a:spcAft>
+              <a:buClrTx/>
+              <a:buSzTx/>
+              <a:buFontTx/>
+              <a:buNone/>
+              <a:tabLst/>
+              <a:defRPr/>
+            </a:pPr>
+            <a:r>
+              <a:rPr lang="en-US" altLang="zh-CN" dirty="0" smtClean="0"/>
+              <a:t>this </a:t>
             </a:r>
             <a:r>
               <a:rPr lang="en-US" altLang="zh-CN" dirty="0" err="1" smtClean="0"/>
-              <a:t>c++</a:t>
-            </a:r>
-            <a:r>
-              <a:rPr lang="en-US" altLang="zh-CN" dirty="0" smtClean="0"/>
-              <a:t>, because there are so many new features can help us, we just need find the potential of new features and compose them together.</a:t>
+              <a:t>function_traits</a:t>
+            </a:r>
+            <a:r>
+              <a:rPr lang="en-US" altLang="zh-CN" dirty="0" smtClean="0"/>
+              <a:t> help us a lot, let’s go on.</a:t>
             </a:r>
             <a:endParaRPr lang="zh-CN" altLang="en-US" dirty="0" smtClean="0"/>
+          </a:p>
+          <a:p>
+            <a:endParaRPr lang="zh-CN" altLang="en-US" dirty="0"/>
           </a:p>
         </p:txBody>
       </p:sp>
@@ -2835,7 +2786,7 @@
     </p:spTree>
     <p:extLst>
       <p:ext uri="{BB962C8B-B14F-4D97-AF65-F5344CB8AC3E}">
-        <p14:creationId xmlns:p14="http://schemas.microsoft.com/office/powerpoint/2010/main" val="2604106171"/>
+        <p14:creationId xmlns:p14="http://schemas.microsoft.com/office/powerpoint/2010/main" val="3501692922"/>
       </p:ext>
     </p:extLst>
   </p:cSld>
@@ -2891,47 +2842,35 @@
           <a:p>
             <a:r>
               <a:rPr lang="en-US" altLang="zh-CN" dirty="0" smtClean="0"/>
-              <a:t>pay attention to the </a:t>
-            </a:r>
-            <a:r>
-              <a:rPr lang="en-US" altLang="zh-CN" dirty="0" err="1" smtClean="0"/>
-              <a:t>timax</a:t>
-            </a:r>
-            <a:r>
-              <a:rPr lang="en-US" altLang="zh-CN" dirty="0" smtClean="0"/>
-              <a:t> bind, let’s compere it with </a:t>
-            </a:r>
-            <a:r>
-              <a:rPr lang="en-US" altLang="zh-CN" dirty="0" err="1" smtClean="0"/>
-              <a:t>std</a:t>
-            </a:r>
-            <a:r>
-              <a:rPr lang="en-US" altLang="zh-CN" dirty="0" smtClean="0"/>
-              <a:t>::bind.</a:t>
-            </a:r>
-          </a:p>
-          <a:p>
-            <a:r>
-              <a:rPr lang="en-US" altLang="zh-CN" dirty="0" err="1" smtClean="0"/>
-              <a:t>timax</a:t>
-            </a:r>
-            <a:r>
-              <a:rPr lang="en-US" altLang="zh-CN" dirty="0" smtClean="0"/>
-              <a:t>::bind  omits placeholder , it’s  more simple.</a:t>
-            </a:r>
-          </a:p>
-          <a:p>
-            <a:r>
-              <a:rPr lang="en-US" altLang="zh-CN" dirty="0" err="1" smtClean="0"/>
-              <a:t>timax</a:t>
-            </a:r>
-            <a:r>
-              <a:rPr lang="en-US" altLang="zh-CN" dirty="0" smtClean="0"/>
-              <a:t> bind is not</a:t>
+              <a:t>the first invoker class is the base case, has three template arguments, the first argument is the type of registered handler,  the second template argument N, every time plus 1 in recursive process, and the third argument is the termination condition. pay attention to the red</a:t>
             </a:r>
             <a:r>
               <a:rPr lang="en-US" altLang="zh-CN" baseline="0" dirty="0" smtClean="0"/>
-              <a:t> another bind, it’s just a wrapper of </a:t>
+              <a:t> color code, Firstly</a:t>
+            </a:r>
+            <a:r>
+              <a:rPr lang="en-US" altLang="zh-CN" dirty="0" smtClean="0"/>
+              <a:t> every time get a string argument</a:t>
+            </a:r>
+            <a:r>
+              <a:rPr lang="en-US" altLang="zh-CN" baseline="0" dirty="0" smtClean="0"/>
+              <a:t> and transform it to corresponding argument in the function. Secondly put the transformed argument into the empty tuple by </a:t>
+            </a:r>
+            <a:r>
+              <a:rPr lang="en-US" altLang="zh-CN" baseline="0" dirty="0" err="1" smtClean="0"/>
+              <a:t>tuple_cat</a:t>
+            </a:r>
+            <a:r>
+              <a:rPr lang="en-US" altLang="zh-CN" baseline="0" dirty="0" smtClean="0"/>
+              <a:t>, because the beginning </a:t>
+            </a:r>
+            <a:r>
+              <a:rPr lang="en-US" altLang="zh-CN" baseline="0" dirty="0" err="1" smtClean="0"/>
+              <a:t>args</a:t>
+            </a:r>
+            <a:r>
+              <a:rPr lang="en-US" altLang="zh-CN" baseline="0" dirty="0" smtClean="0"/>
+              <a:t> is </a:t>
             </a:r>
             <a:r>
               <a:rPr lang="en-US" altLang="zh-CN" baseline="0" dirty="0" err="1" smtClean="0"/>
@@ -2939,9 +2878,63 @@
             </a:r>
             <a:r>
               <a:rPr lang="en-US" altLang="zh-CN" baseline="0" dirty="0" smtClean="0"/>
-              <a:t>::bind for simplify the usage, let’s look at the implementation.</a:t>
-            </a:r>
-            <a:endParaRPr lang="zh-CN" altLang="en-US" dirty="0"/>
+              <a:t>::tuple&lt;&gt;, so we need </a:t>
+            </a:r>
+            <a:r>
+              <a:rPr lang="en-US" altLang="zh-CN" baseline="0" dirty="0" err="1" smtClean="0"/>
+              <a:t>tuple_cat</a:t>
+            </a:r>
+            <a:r>
+              <a:rPr lang="en-US" altLang="zh-CN" baseline="0" dirty="0" smtClean="0"/>
+              <a:t> argument one by one, at last we get all arguments in a tuple when recursive determined, and we can use </a:t>
+            </a:r>
+            <a:r>
+              <a:rPr lang="en-US" altLang="zh-CN" baseline="0" dirty="0" err="1" smtClean="0"/>
+              <a:t>std</a:t>
+            </a:r>
+            <a:r>
+              <a:rPr lang="en-US" altLang="zh-CN" baseline="0" dirty="0" smtClean="0"/>
+              <a:t>::apply to finish call with tuple.</a:t>
+            </a:r>
+          </a:p>
+          <a:p>
+            <a:r>
+              <a:rPr lang="en-US" altLang="zh-CN" dirty="0" smtClean="0"/>
+              <a:t>the key point is transform string argument one</a:t>
+            </a:r>
+            <a:r>
+              <a:rPr lang="en-US" altLang="zh-CN" baseline="0" dirty="0" smtClean="0"/>
+              <a:t> by one and add it into a tuple, at last apply with registered function and tuple arguments. is that clear?</a:t>
+            </a:r>
+          </a:p>
+          <a:p>
+            <a:r>
+              <a:rPr lang="en-US" altLang="zh-CN" dirty="0" smtClean="0"/>
+              <a:t>I think it’s very difficult to solve the problem by </a:t>
+            </a:r>
+            <a:r>
+              <a:rPr lang="en-US" altLang="zh-CN" dirty="0" err="1" smtClean="0"/>
+              <a:t>c++</a:t>
+            </a:r>
+            <a:r>
+              <a:rPr lang="en-US" altLang="zh-CN" dirty="0" smtClean="0"/>
+              <a:t>03</a:t>
+            </a:r>
+          </a:p>
+          <a:p>
+            <a:r>
+              <a:rPr lang="en-US" altLang="zh-CN" dirty="0" smtClean="0"/>
+              <a:t>but it’s easy for modern </a:t>
+            </a:r>
+            <a:r>
+              <a:rPr lang="en-US" altLang="zh-CN" dirty="0" err="1" smtClean="0"/>
+              <a:t>c++</a:t>
+            </a:r>
+            <a:r>
+              <a:rPr lang="en-US" altLang="zh-CN" dirty="0" smtClean="0"/>
+              <a:t>, because there are so many new features can help us, we just need find the potential of new features and compose them together.</a:t>
+            </a:r>
+            <a:endParaRPr lang="zh-CN" altLang="en-US" dirty="0" smtClean="0"/>
           </a:p>
         </p:txBody>
       </p:sp>
@@ -2963,7 +2956,7 @@
             <a:fld id="{D907BE37-B124-4F9F-8F7E-44B90AC375A6}" type="slidenum">
               <a:rPr lang="zh-CN" altLang="en-US" smtClean="0"/>
               <a:pPr/>
-              <a:t>36</a:t>
+              <a:t>35</a:t>
             </a:fld>
             <a:endParaRPr lang="zh-CN" altLang="en-US"/>
           </a:p>
@@ -2972,7 +2965,7 @@
     </p:spTree>
     <p:extLst>
       <p:ext uri="{BB962C8B-B14F-4D97-AF65-F5344CB8AC3E}">
-        <p14:creationId xmlns:p14="http://schemas.microsoft.com/office/powerpoint/2010/main" val="2069297833"/>
+        <p14:creationId xmlns:p14="http://schemas.microsoft.com/office/powerpoint/2010/main" val="2604106171"/>
       </p:ext>
     </p:extLst>
   </p:cSld>
@@ -3027,8 +3020,48 @@
           <a:lstStyle/>
           <a:p>
             <a:r>
+              <a:rPr lang="en-US" altLang="zh-CN" dirty="0" smtClean="0"/>
+              <a:t>pay attention to the </a:t>
+            </a:r>
+            <a:r>
+              <a:rPr lang="en-US" altLang="zh-CN" dirty="0" err="1" smtClean="0"/>
+              <a:t>timax</a:t>
+            </a:r>
+            <a:r>
+              <a:rPr lang="en-US" altLang="zh-CN" dirty="0" smtClean="0"/>
+              <a:t> bind, let’s compere it with </a:t>
+            </a:r>
+            <a:r>
+              <a:rPr lang="en-US" altLang="zh-CN" dirty="0" err="1" smtClean="0"/>
+              <a:t>std</a:t>
+            </a:r>
+            <a:r>
+              <a:rPr lang="en-US" altLang="zh-CN" dirty="0" smtClean="0"/>
+              <a:t>::bind.</a:t>
+            </a:r>
+          </a:p>
+          <a:p>
+            <a:r>
+              <a:rPr lang="en-US" altLang="zh-CN" dirty="0" err="1" smtClean="0"/>
+              <a:t>timax</a:t>
+            </a:r>
+            <a:r>
+              <a:rPr lang="en-US" altLang="zh-CN" dirty="0" smtClean="0"/>
+              <a:t>::bind  omits placeholder , it’s  more simple.</a:t>
+            </a:r>
+          </a:p>
+          <a:p>
+            <a:r>
+              <a:rPr lang="en-US" altLang="zh-CN" dirty="0" err="1" smtClean="0"/>
+              <a:t>timax</a:t>
+            </a:r>
+            <a:r>
+              <a:rPr lang="en-US" altLang="zh-CN" dirty="0" smtClean="0"/>
+              <a:t> bind is not</a:t>
+            </a:r>
+            <a:r>
               <a:rPr lang="en-US" altLang="zh-CN" baseline="0" dirty="0" smtClean="0"/>
-              <a:t>there are two overload functions, if you bind with parameters, the first function was selected, in the function </a:t>
+              <a:t> another bind, it’s just a wrapper of </a:t>
             </a:r>
             <a:r>
               <a:rPr lang="en-US" altLang="zh-CN" baseline="0" dirty="0" err="1" smtClean="0"/>
@@ -3036,21 +3069,7 @@
             </a:r>
             <a:r>
               <a:rPr lang="en-US" altLang="zh-CN" baseline="0" dirty="0" smtClean="0"/>
-              <a:t>::bind is called, if you omit the parameters, the second function will be selected.</a:t>
-            </a:r>
-          </a:p>
-          <a:p>
-            <a:r>
-              <a:rPr lang="en-US" altLang="zh-CN" dirty="0" smtClean="0"/>
-              <a:t>Here we use move capture lambda, and the return type is </a:t>
-            </a:r>
-            <a:r>
-              <a:rPr lang="en-US" altLang="zh-CN" dirty="0" err="1" smtClean="0"/>
-              <a:t>std</a:t>
-            </a:r>
-            <a:r>
-              <a:rPr lang="en-US" altLang="zh-CN" dirty="0" smtClean="0"/>
-              <a:t>::function.</a:t>
+              <a:t>::bind for simplify the usage, let’s look at the implementation.</a:t>
             </a:r>
             <a:endParaRPr lang="zh-CN" altLang="en-US" dirty="0"/>
           </a:p>
@@ -3083,7 +3102,7 @@
     </p:spTree>
     <p:extLst>
       <p:ext uri="{BB962C8B-B14F-4D97-AF65-F5344CB8AC3E}">
-        <p14:creationId xmlns:p14="http://schemas.microsoft.com/office/powerpoint/2010/main" val="2433551734"/>
+        <p14:creationId xmlns:p14="http://schemas.microsoft.com/office/powerpoint/2010/main" val="2069297833"/>
       </p:ext>
     </p:extLst>
   </p:cSld>
@@ -3137,86 +3156,31 @@
           <a:bodyPr/>
           <a:lstStyle/>
           <a:p>
-            <a:pPr marL="0" marR="0" indent="0" algn="l" defTabSz="914400" rtl="0" eaLnBrk="1" fontAlgn="auto" latinLnBrk="0" hangingPunct="1">
-              <a:lnSpc>
-                <a:spcPct val="100000"/>
-              </a:lnSpc>
-              <a:spcBef>
-                <a:spcPts val="0"/>
-              </a:spcBef>
-              <a:spcAft>
-                <a:spcPts val="0"/>
-              </a:spcAft>
-              <a:buClrTx/>
-              <a:buSzTx/>
-              <a:buFontTx/>
-              <a:buNone/>
-              <a:tabLst/>
-              <a:defRPr/>
-            </a:pPr>
-            <a:r>
-              <a:rPr lang="en-US" altLang="zh-CN" dirty="0" smtClean="0"/>
-              <a:t>Pay attention to the micro TIMAX_DEFINE_PROTOCOL, it’s a call protocol. You know many kinds of servers use protocol buffer or some other protocol file to define the call protocol. I don’t like the way, I think the protocol file increase learning cost, you have to learning the complicated details and there is no unified protocol. So </a:t>
+            <a:r>
+              <a:rPr lang="en-US" altLang="zh-CN" baseline="0" dirty="0" smtClean="0"/>
+              <a:t>there are two overload functions, if you bind with parameters, the first function was selected, in the function </a:t>
+            </a:r>
+            <a:r>
+              <a:rPr lang="en-US" altLang="zh-CN" baseline="0" dirty="0" err="1" smtClean="0"/>
+              <a:t>std</a:t>
+            </a:r>
+            <a:r>
+              <a:rPr lang="en-US" altLang="zh-CN" baseline="0" dirty="0" smtClean="0"/>
+              <a:t>::bind is called, if you omit the parameters, the second function will be selected.</a:t>
+            </a:r>
+          </a:p>
+          <a:p>
+            <a:r>
+              <a:rPr lang="en-US" altLang="zh-CN" dirty="0" smtClean="0"/>
+              <a:t>Here we use move capture lambda, and the return type is </a:t>
             </a:r>
             <a:r>
               <a:rPr lang="en-US" altLang="zh-CN" dirty="0" err="1" smtClean="0"/>
-              <a:t>rest_rpc</a:t>
-            </a:r>
-            <a:r>
-              <a:rPr lang="en-US" altLang="zh-CN" dirty="0" smtClean="0"/>
-              <a:t> discards protocol file, </a:t>
-            </a:r>
-            <a:r>
-              <a:rPr lang="en-US" altLang="zh-CN" dirty="0" err="1" smtClean="0"/>
-              <a:t>rest_rpc</a:t>
-            </a:r>
-            <a:r>
-              <a:rPr lang="en-US" altLang="zh-CN" dirty="0" smtClean="0"/>
-              <a:t> want user just need focus on</a:t>
-            </a:r>
-            <a:r>
-              <a:rPr lang="en-US" altLang="zh-CN" baseline="0" dirty="0" smtClean="0"/>
-              <a:t> business and easy to use. So we use a universal micro to define call protocol.  maybe you have lots of reasons and benefits of protocol file, but </a:t>
-            </a:r>
-            <a:r>
-              <a:rPr lang="en-US" altLang="zh-CN" baseline="0" dirty="0" err="1" smtClean="0"/>
-              <a:t>rest_rpc</a:t>
-            </a:r>
-            <a:r>
-              <a:rPr lang="en-US" altLang="zh-CN" baseline="0" dirty="0" smtClean="0"/>
-              <a:t> want to provide a new way, a simple way,  a modern </a:t>
-            </a:r>
-            <a:r>
-              <a:rPr lang="en-US" altLang="zh-CN" baseline="0" dirty="0" err="1" smtClean="0"/>
-              <a:t>c++</a:t>
-            </a:r>
-            <a:r>
-              <a:rPr lang="en-US" altLang="zh-CN" baseline="0" dirty="0" smtClean="0"/>
-              <a:t> way to solve the problem of call protocol. </a:t>
-            </a:r>
-            <a:endParaRPr lang="en-US" altLang="zh-CN" dirty="0" smtClean="0"/>
-          </a:p>
-          <a:p>
-            <a:pPr marL="0" marR="0" indent="0" algn="l" defTabSz="914400" rtl="0" eaLnBrk="1" fontAlgn="auto" latinLnBrk="0" hangingPunct="1">
-              <a:lnSpc>
-                <a:spcPct val="100000"/>
-              </a:lnSpc>
-              <a:spcBef>
-                <a:spcPts val="0"/>
-              </a:spcBef>
-              <a:spcAft>
-                <a:spcPts val="0"/>
-              </a:spcAft>
-              <a:buClrTx/>
-              <a:buSzTx/>
-              <a:buFontTx/>
-              <a:buNone/>
-              <a:tabLst/>
-              <a:defRPr/>
-            </a:pPr>
-            <a:r>
-              <a:rPr lang="en-US" altLang="zh-CN" dirty="0" smtClean="0"/>
-              <a:t>if we check the arguments at server side, it’s too late, so we want to check the arguments as easily as possible, TIMAX_DEFINE_PROTOCOL help us to check arguments at compile time.</a:t>
+              <a:t>std</a:t>
+            </a:r>
+            <a:r>
+              <a:rPr lang="en-US" altLang="zh-CN" dirty="0" smtClean="0"/>
+              <a:t>::function.</a:t>
             </a:r>
             <a:endParaRPr lang="zh-CN" altLang="en-US" dirty="0"/>
           </a:p>
@@ -3249,7 +3213,7 @@
     </p:spTree>
     <p:extLst>
       <p:ext uri="{BB962C8B-B14F-4D97-AF65-F5344CB8AC3E}">
-        <p14:creationId xmlns:p14="http://schemas.microsoft.com/office/powerpoint/2010/main" val="968175457"/>
+        <p14:creationId xmlns:p14="http://schemas.microsoft.com/office/powerpoint/2010/main" val="2433551734"/>
       </p:ext>
     </p:extLst>
   </p:cSld>
@@ -3303,65 +3267,86 @@
           <a:bodyPr/>
           <a:lstStyle/>
           <a:p>
-            <a:r>
-              <a:rPr lang="en-US" altLang="zh-CN" dirty="0" smtClean="0"/>
-              <a:t>we utilize the micro traits the function type include return type , arguments, and then define an object, the object name is literal hander. look at the </a:t>
+            <a:pPr marL="0" marR="0" indent="0" algn="l" defTabSz="914400" rtl="0" eaLnBrk="1" fontAlgn="auto" latinLnBrk="0" hangingPunct="1">
+              <a:lnSpc>
+                <a:spcPct val="100000"/>
+              </a:lnSpc>
+              <a:spcBef>
+                <a:spcPts val="0"/>
+              </a:spcBef>
+              <a:spcAft>
+                <a:spcPts val="0"/>
+              </a:spcAft>
+              <a:buClrTx/>
+              <a:buSzTx/>
+              <a:buFontTx/>
+              <a:buNone/>
+              <a:tabLst/>
+              <a:defRPr/>
+            </a:pPr>
+            <a:r>
+              <a:rPr lang="en-US" altLang="zh-CN" dirty="0" smtClean="0"/>
+              <a:t>Pay attention to the micro TIMAX_DEFINE_PROTOCOL, it’s a call protocol. You know many kinds of servers use protocol buffer or some other protocol file to define the call protocol. I don’t like the way, I think the protocol file increase learning cost, you have to learning the complicated details and there is no unified protocol. So </a:t>
             </a:r>
             <a:r>
               <a:rPr lang="en-US" altLang="zh-CN" dirty="0" err="1" smtClean="0"/>
-              <a:t>rpc_protocal</a:t>
-            </a:r>
-            <a:r>
-              <a:rPr lang="en-US" altLang="zh-CN" dirty="0" smtClean="0"/>
-              <a:t> class, the first template argument is return type, the rest arguments are </a:t>
+              <a:t>rest_rpc</a:t>
+            </a:r>
+            <a:r>
+              <a:rPr lang="en-US" altLang="zh-CN" dirty="0" smtClean="0"/>
+              <a:t> discards protocol file, </a:t>
             </a:r>
             <a:r>
               <a:rPr lang="en-US" altLang="zh-CN" dirty="0" err="1" smtClean="0"/>
-              <a:t>variadic</a:t>
-            </a:r>
-            <a:r>
-              <a:rPr lang="en-US" altLang="zh-CN" dirty="0" smtClean="0"/>
-              <a:t> template, and then we can easily get the signature type. pay attention to the </a:t>
-            </a:r>
-            <a:r>
-              <a:rPr lang="en-US" altLang="zh-CN" dirty="0" err="1" smtClean="0"/>
-              <a:t>is_argument_mactch</a:t>
-            </a:r>
-            <a:r>
-              <a:rPr lang="en-US" altLang="zh-CN" dirty="0" smtClean="0"/>
-              <a:t>, this trait will check the </a:t>
-            </a:r>
-            <a:r>
-              <a:rPr lang="en-US" altLang="zh-CN" dirty="0" err="1" smtClean="0"/>
-              <a:t>rpc</a:t>
-            </a:r>
-            <a:r>
-              <a:rPr lang="en-US" altLang="zh-CN" dirty="0" smtClean="0"/>
-              <a:t> call parameters with signature at compile time, if they match, the value is true, otherwise </a:t>
-            </a:r>
-            <a:r>
-              <a:rPr lang="en-US" altLang="zh-CN" dirty="0" err="1" smtClean="0"/>
-              <a:t>static_assert</a:t>
-            </a:r>
-            <a:r>
-              <a:rPr lang="en-US" altLang="zh-CN" dirty="0" smtClean="0"/>
-              <a:t> occur. So we can check the </a:t>
-            </a:r>
-            <a:r>
-              <a:rPr lang="en-US" altLang="zh-CN" dirty="0" err="1" smtClean="0"/>
-              <a:t>rpc</a:t>
-            </a:r>
-            <a:r>
-              <a:rPr lang="en-US" altLang="zh-CN" dirty="0" smtClean="0"/>
-              <a:t> call at compile time. let’s look at the trait </a:t>
-            </a:r>
-            <a:r>
-              <a:rPr lang="en-US" altLang="zh-CN" dirty="0" err="1" smtClean="0"/>
-              <a:t>is_argument_match</a:t>
-            </a:r>
-            <a:r>
-              <a:rPr lang="en-US" altLang="zh-CN" dirty="0" smtClean="0"/>
-              <a:t>.</a:t>
+              <a:t>rest_rpc</a:t>
+            </a:r>
+            <a:r>
+              <a:rPr lang="en-US" altLang="zh-CN" dirty="0" smtClean="0"/>
+              <a:t> want user just need focus on</a:t>
+            </a:r>
+            <a:r>
+              <a:rPr lang="en-US" altLang="zh-CN" baseline="0" dirty="0" smtClean="0"/>
+              <a:t> business and easy to use. So we use a universal micro to define call protocol.  maybe you have lots of reasons and benefits of protocol file, but </a:t>
+            </a:r>
+            <a:r>
+              <a:rPr lang="en-US" altLang="zh-CN" baseline="0" dirty="0" err="1" smtClean="0"/>
+              <a:t>rest_rpc</a:t>
+            </a:r>
+            <a:r>
+              <a:rPr lang="en-US" altLang="zh-CN" baseline="0" dirty="0" smtClean="0"/>
+              <a:t> want to provide a new way, a simple way,  a modern </a:t>
+            </a:r>
+            <a:r>
+              <a:rPr lang="en-US" altLang="zh-CN" baseline="0" dirty="0" err="1" smtClean="0"/>
+              <a:t>c++</a:t>
+            </a:r>
+            <a:r>
+              <a:rPr lang="en-US" altLang="zh-CN" baseline="0" dirty="0" smtClean="0"/>
+              <a:t> way to solve the problem of call protocol. </a:t>
+            </a:r>
+            <a:endParaRPr lang="en-US" altLang="zh-CN" dirty="0" smtClean="0"/>
+          </a:p>
+          <a:p>
+            <a:pPr marL="0" marR="0" indent="0" algn="l" defTabSz="914400" rtl="0" eaLnBrk="1" fontAlgn="auto" latinLnBrk="0" hangingPunct="1">
+              <a:lnSpc>
+                <a:spcPct val="100000"/>
+              </a:lnSpc>
+              <a:spcBef>
+                <a:spcPts val="0"/>
+              </a:spcBef>
+              <a:spcAft>
+                <a:spcPts val="0"/>
+              </a:spcAft>
+              <a:buClrTx/>
+              <a:buSzTx/>
+              <a:buFontTx/>
+              <a:buNone/>
+              <a:tabLst/>
+              <a:defRPr/>
+            </a:pPr>
+            <a:r>
+              <a:rPr lang="en-US" altLang="zh-CN" dirty="0" smtClean="0"/>
+              <a:t>if we check the arguments at server side, it’s too late, so we want to check the arguments as easily as possible, TIMAX_DEFINE_PROTOCOL help us to check arguments at compile time.</a:t>
             </a:r>
             <a:endParaRPr lang="zh-CN" altLang="en-US" dirty="0"/>
           </a:p>
@@ -3394,7 +3379,7 @@
     </p:spTree>
     <p:extLst>
       <p:ext uri="{BB962C8B-B14F-4D97-AF65-F5344CB8AC3E}">
-        <p14:creationId xmlns:p14="http://schemas.microsoft.com/office/powerpoint/2010/main" val="3494932055"/>
+        <p14:creationId xmlns:p14="http://schemas.microsoft.com/office/powerpoint/2010/main" val="968175457"/>
       </p:ext>
     </p:extLst>
   </p:cSld>
@@ -3539,57 +3524,63 @@
           <a:p>
             <a:r>
               <a:rPr lang="en-US" altLang="zh-CN" dirty="0" smtClean="0"/>
-              <a:t>if signature and arguments are matching, the </a:t>
+              <a:t>we utilize the micro traits the function type include return type , arguments, and then define an object, the object name is literal hander. look at the </a:t>
             </a:r>
             <a:r>
               <a:rPr lang="en-US" altLang="zh-CN" dirty="0" err="1" smtClean="0"/>
-              <a:t>result_type</a:t>
-            </a:r>
-            <a:r>
-              <a:rPr lang="en-US" altLang="zh-CN" baseline="0" dirty="0" smtClean="0"/>
-              <a:t>  is </a:t>
-            </a:r>
-            <a:r>
-              <a:rPr lang="en-US" altLang="zh-CN" baseline="0" dirty="0" err="1" smtClean="0"/>
-              <a:t>true_type</a:t>
-            </a:r>
-            <a:r>
-              <a:rPr lang="en-US" altLang="zh-CN" baseline="0" dirty="0" smtClean="0"/>
-              <a:t>, other wise </a:t>
-            </a:r>
-            <a:r>
-              <a:rPr lang="en-US" altLang="zh-CN" baseline="0" dirty="0" err="1" smtClean="0"/>
-              <a:t>false_type</a:t>
-            </a:r>
-            <a:r>
-              <a:rPr lang="en-US" altLang="zh-CN" baseline="0" dirty="0" smtClean="0"/>
+              <a:t>rpc_protocal</a:t>
+            </a:r>
+            <a:r>
+              <a:rPr lang="en-US" altLang="zh-CN" dirty="0" smtClean="0"/>
+              <a:t> class, the first template argument is return type, the rest arguments are </a:t>
+            </a:r>
+            <a:r>
+              <a:rPr lang="en-US" altLang="zh-CN" dirty="0" err="1" smtClean="0"/>
+              <a:t>variadic</a:t>
+            </a:r>
+            <a:r>
+              <a:rPr lang="en-US" altLang="zh-CN" dirty="0" smtClean="0"/>
+              <a:t> template, and then we can easily get the signature type. pay attention to the </a:t>
+            </a:r>
+            <a:r>
+              <a:rPr lang="en-US" altLang="zh-CN" dirty="0" err="1" smtClean="0"/>
+              <a:t>is_argument_mactch</a:t>
+            </a:r>
+            <a:r>
+              <a:rPr lang="en-US" altLang="zh-CN" dirty="0" smtClean="0"/>
+              <a:t>, this trait will check the </a:t>
+            </a:r>
+            <a:r>
+              <a:rPr lang="en-US" altLang="zh-CN" dirty="0" err="1" smtClean="0"/>
+              <a:t>rpc</a:t>
+            </a:r>
+            <a:r>
+              <a:rPr lang="en-US" altLang="zh-CN" dirty="0" smtClean="0"/>
+              <a:t> call parameters with signature at compile time, if they match, the value is true, otherwise </a:t>
+            </a:r>
+            <a:r>
+              <a:rPr lang="en-US" altLang="zh-CN" dirty="0" err="1" smtClean="0"/>
+              <a:t>static_assert</a:t>
+            </a:r>
+            <a:r>
+              <a:rPr lang="en-US" altLang="zh-CN" dirty="0" smtClean="0"/>
+              <a:t> occur. So we can check the </a:t>
+            </a:r>
+            <a:r>
+              <a:rPr lang="en-US" altLang="zh-CN" dirty="0" err="1" smtClean="0"/>
+              <a:t>rpc</a:t>
+            </a:r>
+            <a:r>
+              <a:rPr lang="en-US" altLang="zh-CN" dirty="0" smtClean="0"/>
+              <a:t> call at compile time. let’s look at the trait </a:t>
+            </a:r>
+            <a:r>
+              <a:rPr lang="en-US" altLang="zh-CN" dirty="0" err="1" smtClean="0"/>
+              <a:t>is_argument_match</a:t>
+            </a:r>
+            <a:r>
+              <a:rPr lang="en-US" altLang="zh-CN" dirty="0" smtClean="0"/>
               <a:t>.</a:t>
-            </a:r>
-          </a:p>
-          <a:p>
-            <a:r>
-              <a:rPr lang="en-US" altLang="zh-CN" dirty="0" smtClean="0"/>
-              <a:t>I like this way to check if the signature and arguments match</a:t>
-            </a:r>
-            <a:r>
-              <a:rPr lang="en-US" altLang="zh-CN" baseline="0" dirty="0" smtClean="0"/>
-              <a:t> by </a:t>
-            </a:r>
-            <a:r>
-              <a:rPr lang="en-US" altLang="zh-CN" baseline="0" dirty="0" err="1" smtClean="0"/>
-              <a:t>decltype</a:t>
-            </a:r>
-            <a:r>
-              <a:rPr lang="en-US" altLang="zh-CN" baseline="0" dirty="0" smtClean="0"/>
-              <a:t> and </a:t>
-            </a:r>
-            <a:r>
-              <a:rPr lang="en-US" altLang="zh-CN" baseline="0" dirty="0" err="1" smtClean="0"/>
-              <a:t>declval</a:t>
-            </a:r>
-            <a:r>
-              <a:rPr lang="en-US" altLang="zh-CN" baseline="0" dirty="0" smtClean="0"/>
-              <a:t>, sometimes we use this way to check if exist a method in a class. for example we can check a template argument if is a smart pointer</a:t>
             </a:r>
             <a:endParaRPr lang="zh-CN" altLang="en-US" dirty="0"/>
           </a:p>
@@ -3613,7 +3604,7 @@
             <a:fld id="{D907BE37-B124-4F9F-8F7E-44B90AC375A6}" type="slidenum">
               <a:rPr lang="zh-CN" altLang="en-US" smtClean="0"/>
               <a:pPr/>
-              <a:t>41</a:t>
+              <a:t>40</a:t>
             </a:fld>
             <a:endParaRPr lang="zh-CN" altLang="en-US"/>
           </a:p>
@@ -3622,7 +3613,7 @@
     </p:spTree>
     <p:extLst>
       <p:ext uri="{BB962C8B-B14F-4D97-AF65-F5344CB8AC3E}">
-        <p14:creationId xmlns:p14="http://schemas.microsoft.com/office/powerpoint/2010/main" val="1118257719"/>
+        <p14:creationId xmlns:p14="http://schemas.microsoft.com/office/powerpoint/2010/main" val="3494932055"/>
       </p:ext>
     </p:extLst>
   </p:cSld>
@@ -3678,47 +3669,57 @@
           <a:p>
             <a:r>
               <a:rPr lang="en-US" altLang="zh-CN" dirty="0" smtClean="0"/>
-              <a:t>this is the test code to test </a:t>
+              <a:t>if signature and arguments are matching, the </a:t>
             </a:r>
             <a:r>
               <a:rPr lang="en-US" altLang="zh-CN" dirty="0" err="1" smtClean="0"/>
-              <a:t>is_smart_pointer</a:t>
-            </a:r>
-            <a:r>
-              <a:rPr lang="en-US" altLang="zh-CN" dirty="0" smtClean="0"/>
-              <a:t>, if the type is not </a:t>
-            </a:r>
-            <a:r>
-              <a:rPr lang="en-US" altLang="zh-CN" dirty="0" err="1" smtClean="0"/>
-              <a:t>std</a:t>
-            </a:r>
-            <a:r>
-              <a:rPr lang="en-US" altLang="zh-CN" dirty="0" smtClean="0"/>
-              <a:t>::</a:t>
-            </a:r>
-            <a:r>
-              <a:rPr lang="en-US" altLang="zh-CN" dirty="0" err="1" smtClean="0"/>
-              <a:t>shared_ptr</a:t>
-            </a:r>
-            <a:r>
-              <a:rPr lang="en-US" altLang="zh-CN" dirty="0" smtClean="0"/>
-              <a:t> or </a:t>
-            </a:r>
-            <a:r>
-              <a:rPr lang="en-US" altLang="zh-CN" dirty="0" err="1" smtClean="0"/>
-              <a:t>std</a:t>
-            </a:r>
-            <a:r>
-              <a:rPr lang="en-US" altLang="zh-CN" dirty="0" smtClean="0"/>
-              <a:t>::</a:t>
-            </a:r>
-            <a:r>
-              <a:rPr lang="en-US" altLang="zh-CN" dirty="0" err="1" smtClean="0"/>
-              <a:t>unique_ptr</a:t>
-            </a:r>
-            <a:r>
-              <a:rPr lang="en-US" altLang="zh-CN" dirty="0" smtClean="0"/>
-              <a:t>, compile error will occur.</a:t>
+              <a:t>result_type</a:t>
+            </a:r>
+            <a:r>
+              <a:rPr lang="en-US" altLang="zh-CN" baseline="0" dirty="0" smtClean="0"/>
+              <a:t>  is </a:t>
+            </a:r>
+            <a:r>
+              <a:rPr lang="en-US" altLang="zh-CN" baseline="0" dirty="0" err="1" smtClean="0"/>
+              <a:t>true_type</a:t>
+            </a:r>
+            <a:r>
+              <a:rPr lang="en-US" altLang="zh-CN" baseline="0" dirty="0" smtClean="0"/>
+              <a:t>, other wise </a:t>
+            </a:r>
+            <a:r>
+              <a:rPr lang="en-US" altLang="zh-CN" baseline="0" dirty="0" err="1" smtClean="0"/>
+              <a:t>false_type</a:t>
+            </a:r>
+            <a:r>
+              <a:rPr lang="en-US" altLang="zh-CN" baseline="0" dirty="0" smtClean="0"/>
+              <a:t>.</a:t>
+            </a:r>
+          </a:p>
+          <a:p>
+            <a:r>
+              <a:rPr lang="en-US" altLang="zh-CN" dirty="0" smtClean="0"/>
+              <a:t>I like this way to check if the signature and arguments match</a:t>
+            </a:r>
+            <a:r>
+              <a:rPr lang="en-US" altLang="zh-CN" baseline="0" dirty="0" smtClean="0"/>
+              <a:t> by </a:t>
+            </a:r>
+            <a:r>
+              <a:rPr lang="en-US" altLang="zh-CN" baseline="0" dirty="0" err="1" smtClean="0"/>
+              <a:t>decltype</a:t>
+            </a:r>
+            <a:r>
+              <a:rPr lang="en-US" altLang="zh-CN" baseline="0" dirty="0" smtClean="0"/>
+              <a:t> and </a:t>
+            </a:r>
+            <a:r>
+              <a:rPr lang="en-US" altLang="zh-CN" baseline="0" dirty="0" err="1" smtClean="0"/>
+              <a:t>declval</a:t>
+            </a:r>
+            <a:r>
+              <a:rPr lang="en-US" altLang="zh-CN" baseline="0" dirty="0" smtClean="0"/>
+              <a:t>, sometimes we use this way to check if exist a method in a class. for example we can check a template argument if is a smart pointer</a:t>
             </a:r>
             <a:endParaRPr lang="zh-CN" altLang="en-US" dirty="0"/>
           </a:p>
@@ -3751,7 +3752,7 @@
     </p:spTree>
     <p:extLst>
       <p:ext uri="{BB962C8B-B14F-4D97-AF65-F5344CB8AC3E}">
-        <p14:creationId xmlns:p14="http://schemas.microsoft.com/office/powerpoint/2010/main" val="3511304931"/>
+        <p14:creationId xmlns:p14="http://schemas.microsoft.com/office/powerpoint/2010/main" val="1118257719"/>
       </p:ext>
     </p:extLst>
   </p:cSld>
@@ -3807,20 +3808,49 @@
           <a:p>
             <a:r>
               <a:rPr lang="en-US" altLang="zh-CN" dirty="0" smtClean="0"/>
-              <a:t>if</a:t>
-            </a:r>
-            <a:r>
-              <a:rPr lang="en-US" altLang="zh-CN" baseline="0" dirty="0" smtClean="0"/>
-              <a:t> T have method -&gt; and get,  we  can  think it is  a smart pointer, of course  you can add more methods </a:t>
-            </a:r>
-            <a:r>
-              <a:rPr lang="en-US" altLang="zh-CN" baseline="0" dirty="0" err="1" smtClean="0"/>
-              <a:t>int</a:t>
-            </a:r>
-            <a:r>
-              <a:rPr lang="en-US" altLang="zh-CN" baseline="0" dirty="0" smtClean="0"/>
-              <a:t> coma expression to increase the verification.</a:t>
-            </a:r>
+              <a:t>this is the test code to test </a:t>
+            </a:r>
+            <a:r>
+              <a:rPr lang="en-US" altLang="zh-CN" dirty="0" err="1" smtClean="0"/>
+              <a:t>is_smart_pointer</a:t>
+            </a:r>
+            <a:r>
+              <a:rPr lang="en-US" altLang="zh-CN" dirty="0" smtClean="0"/>
+              <a:t>, if the type is not </a:t>
+            </a:r>
+            <a:r>
+              <a:rPr lang="en-US" altLang="zh-CN" dirty="0" err="1" smtClean="0"/>
+              <a:t>std</a:t>
+            </a:r>
+            <a:r>
+              <a:rPr lang="en-US" altLang="zh-CN" dirty="0" smtClean="0"/>
+              <a:t>::</a:t>
+            </a:r>
+            <a:r>
+              <a:rPr lang="en-US" altLang="zh-CN" dirty="0" err="1" smtClean="0"/>
+              <a:t>shared_ptr</a:t>
+            </a:r>
+            <a:r>
+              <a:rPr lang="en-US" altLang="zh-CN" dirty="0" smtClean="0"/>
+              <a:t> or </a:t>
+            </a:r>
+            <a:r>
+              <a:rPr lang="en-US" altLang="zh-CN" dirty="0" err="1" smtClean="0"/>
+              <a:t>std</a:t>
+            </a:r>
+            <a:r>
+              <a:rPr lang="en-US" altLang="zh-CN" dirty="0" smtClean="0"/>
+              <a:t>::</a:t>
+            </a:r>
+            <a:r>
+              <a:rPr lang="en-US" altLang="zh-CN" dirty="0" err="1" smtClean="0"/>
+              <a:t>unique_ptr</a:t>
+            </a:r>
+            <a:r>
+              <a:rPr lang="en-US" altLang="zh-CN" dirty="0" smtClean="0"/>
+              <a:t>, compile error will occur.</a:t>
+            </a:r>
+            <a:endParaRPr lang="zh-CN" altLang="en-US" dirty="0"/>
           </a:p>
         </p:txBody>
       </p:sp>
@@ -3851,7 +3881,7 @@
     </p:spTree>
     <p:extLst>
       <p:ext uri="{BB962C8B-B14F-4D97-AF65-F5344CB8AC3E}">
-        <p14:creationId xmlns:p14="http://schemas.microsoft.com/office/powerpoint/2010/main" val="3220707777"/>
+        <p14:creationId xmlns:p14="http://schemas.microsoft.com/office/powerpoint/2010/main" val="3511304931"/>
       </p:ext>
     </p:extLst>
   </p:cSld>
@@ -3905,87 +3935,22 @@
           <a:bodyPr/>
           <a:lstStyle/>
           <a:p>
-            <a:pPr marL="0" marR="0" indent="0" algn="l" defTabSz="914400" rtl="0" eaLnBrk="1" fontAlgn="auto" latinLnBrk="0" hangingPunct="1">
-              <a:lnSpc>
-                <a:spcPct val="100000"/>
-              </a:lnSpc>
-              <a:spcBef>
-                <a:spcPts val="0"/>
-              </a:spcBef>
-              <a:spcAft>
-                <a:spcPts val="0"/>
-              </a:spcAft>
-              <a:buClrTx/>
-              <a:buSzTx/>
-              <a:buFontTx/>
-              <a:buNone/>
-              <a:tabLst/>
-              <a:defRPr/>
-            </a:pPr>
-            <a:r>
-              <a:rPr lang="en-US" altLang="zh-CN" dirty="0" smtClean="0"/>
-              <a:t>but </a:t>
-            </a:r>
-            <a:r>
-              <a:rPr lang="en-US" altLang="zh-CN" dirty="0" err="1" smtClean="0"/>
-              <a:t>std</a:t>
-            </a:r>
-            <a:r>
-              <a:rPr lang="en-US" altLang="zh-CN" dirty="0" smtClean="0"/>
-              <a:t>::</a:t>
-            </a:r>
-            <a:r>
-              <a:rPr lang="en-US" altLang="zh-CN" dirty="0" err="1" smtClean="0"/>
-              <a:t>void_t</a:t>
-            </a:r>
-            <a:r>
-              <a:rPr lang="en-US" altLang="zh-CN" dirty="0" smtClean="0"/>
-              <a:t> is a features of </a:t>
-            </a:r>
-            <a:r>
-              <a:rPr lang="en-US" altLang="zh-CN" dirty="0" err="1" smtClean="0"/>
-              <a:t>c++</a:t>
-            </a:r>
-            <a:r>
-              <a:rPr lang="en-US" altLang="zh-CN" smtClean="0"/>
-              <a:t>17, </a:t>
-            </a:r>
-            <a:r>
-              <a:rPr lang="en-US" altLang="zh-CN" dirty="0" smtClean="0"/>
-              <a:t>not</a:t>
+            <a:r>
+              <a:rPr lang="en-US" altLang="zh-CN" dirty="0" smtClean="0"/>
+              <a:t>if</a:t>
             </a:r>
             <a:r>
               <a:rPr lang="en-US" altLang="zh-CN" baseline="0" dirty="0" smtClean="0"/>
-              <a:t> in </a:t>
+              <a:t> T have method -&gt; and get,  we  can  think it is  a smart pointer, of course  you can add more methods </a:t>
             </a:r>
             <a:r>
               <a:rPr lang="en-US" altLang="zh-CN" baseline="0" dirty="0" err="1" smtClean="0"/>
-              <a:t>c++</a:t>
+              <a:t>int</a:t>
             </a:r>
             <a:r>
               <a:rPr lang="en-US" altLang="zh-CN" baseline="0" dirty="0" smtClean="0"/>
-              <a:t>14, if you want to use this way in </a:t>
-            </a:r>
-            <a:r>
-              <a:rPr lang="en-US" altLang="zh-CN" baseline="0" dirty="0" err="1" smtClean="0"/>
-              <a:t>c++</a:t>
-            </a:r>
-            <a:r>
-              <a:rPr lang="en-US" altLang="zh-CN" baseline="0" dirty="0" smtClean="0"/>
-              <a:t>14,  you just need to make a </a:t>
-            </a:r>
-            <a:r>
-              <a:rPr lang="en-US" altLang="zh-CN" baseline="0" dirty="0" err="1" smtClean="0"/>
-              <a:t>void_t</a:t>
-            </a:r>
-            <a:r>
-              <a:rPr lang="en-US" altLang="zh-CN" baseline="0" dirty="0" smtClean="0"/>
-              <a:t>.</a:t>
-            </a:r>
-            <a:endParaRPr lang="zh-CN" altLang="en-US" dirty="0" smtClean="0"/>
-          </a:p>
-          <a:p>
-            <a:endParaRPr lang="zh-CN" altLang="en-US" dirty="0"/>
+              <a:t> coma expression to increase the verification.</a:t>
+            </a:r>
           </a:p>
         </p:txBody>
       </p:sp>
@@ -4016,7 +3981,7 @@
     </p:spTree>
     <p:extLst>
       <p:ext uri="{BB962C8B-B14F-4D97-AF65-F5344CB8AC3E}">
-        <p14:creationId xmlns:p14="http://schemas.microsoft.com/office/powerpoint/2010/main" val="2697865491"/>
+        <p14:creationId xmlns:p14="http://schemas.microsoft.com/office/powerpoint/2010/main" val="3220707777"/>
       </p:ext>
     </p:extLst>
   </p:cSld>
@@ -4105,7 +4070,19 @@
             </a:r>
             <a:r>
               <a:rPr lang="en-US" altLang="zh-CN" dirty="0" smtClean="0"/>
-              <a:t> is not</a:t>
+              <a:t> is a features of </a:t>
+            </a:r>
+            <a:r>
+              <a:rPr lang="en-US" altLang="zh-CN" dirty="0" err="1" smtClean="0"/>
+              <a:t>c++</a:t>
+            </a:r>
+            <a:r>
+              <a:rPr lang="en-US" altLang="zh-CN" smtClean="0"/>
+              <a:t>17, </a:t>
+            </a:r>
+            <a:r>
+              <a:rPr lang="en-US" altLang="zh-CN" dirty="0" smtClean="0"/>
+              <a:t>not</a:t>
             </a:r>
             <a:r>
               <a:rPr lang="en-US" altLang="zh-CN" baseline="0" dirty="0" smtClean="0"/>
@@ -4169,7 +4146,7 @@
     </p:spTree>
     <p:extLst>
       <p:ext uri="{BB962C8B-B14F-4D97-AF65-F5344CB8AC3E}">
-        <p14:creationId xmlns:p14="http://schemas.microsoft.com/office/powerpoint/2010/main" val="745616097"/>
+        <p14:creationId xmlns:p14="http://schemas.microsoft.com/office/powerpoint/2010/main" val="2697865491"/>
       </p:ext>
     </p:extLst>
   </p:cSld>
@@ -4223,17 +4200,34 @@
           <a:bodyPr/>
           <a:lstStyle/>
           <a:p>
-            <a:r>
-              <a:rPr lang="en-US" altLang="zh-CN" dirty="0" smtClean="0"/>
-              <a:t>in </a:t>
+            <a:pPr marL="0" marR="0" indent="0" algn="l" defTabSz="914400" rtl="0" eaLnBrk="1" fontAlgn="auto" latinLnBrk="0" hangingPunct="1">
+              <a:lnSpc>
+                <a:spcPct val="100000"/>
+              </a:lnSpc>
+              <a:spcBef>
+                <a:spcPts val="0"/>
+              </a:spcBef>
+              <a:spcAft>
+                <a:spcPts val="0"/>
+              </a:spcAft>
+              <a:buClrTx/>
+              <a:buSzTx/>
+              <a:buFontTx/>
+              <a:buNone/>
+              <a:tabLs